--- a/Presentation.pptx
+++ b/Presentation.pptx
@@ -2,10 +2,17 @@
 <file path=ppt/presentation.xml><?xml version="1.0" encoding="utf-8"?>
 <p:presentation xmlns:a="http://schemas.openxmlformats.org/drawingml/2006/main" xmlns:r="http://schemas.openxmlformats.org/officeDocument/2006/relationships" xmlns:p="http://schemas.openxmlformats.org/presentationml/2006/main" saveSubsetFonts="1">
   <p:sldMasterIdLst>
-    <p:sldMasterId id="2147483648" r:id="rId1"/>
+    <p:sldMasterId id="2147483673" r:id="rId1"/>
   </p:sldMasterIdLst>
   <p:sldIdLst>
     <p:sldId id="256" r:id="rId2"/>
+    <p:sldId id="257" r:id="rId3"/>
+    <p:sldId id="263" r:id="rId4"/>
+    <p:sldId id="258" r:id="rId5"/>
+    <p:sldId id="260" r:id="rId6"/>
+    <p:sldId id="259" r:id="rId7"/>
+    <p:sldId id="261" r:id="rId8"/>
+    <p:sldId id="262" r:id="rId9"/>
   </p:sldIdLst>
   <p:sldSz cx="12192000" cy="6858000"/>
   <p:notesSz cx="6858000" cy="9144000"/>
@@ -104,6 +111,11 @@
       </a:defRPr>
     </a:lvl9pPr>
   </p:defaultTextStyle>
+  <p:extLst>
+    <p:ext uri="{EFAFB233-063F-42B5-8137-9DF3F51BA10A}">
+      <p15:sldGuideLst xmlns:p15="http://schemas.microsoft.com/office/powerpoint/2012/main"/>
+    </p:ext>
+  </p:extLst>
 </p:presentation>
 </file>
 
@@ -129,7 +141,7 @@
           <p:cNvPr id="2" name="Title 1">
             <a:extLst>
               <a:ext uri="{FF2B5EF4-FFF2-40B4-BE49-F238E27FC236}">
-                <a16:creationId xmlns:a16="http://schemas.microsoft.com/office/drawing/2014/main" id="{A8949F9D-B4D2-C233-9C78-2C597FEDCC1B}"/>
+                <a16:creationId xmlns:a16="http://schemas.microsoft.com/office/drawing/2014/main" id="{D21058BF-C5E1-4B52-BD8A-FD1AD5779347}"/>
               </a:ext>
             </a:extLst>
           </p:cNvPr>
@@ -150,15 +162,15 @@
           <a:bodyPr anchor="b"/>
           <a:lstStyle>
             <a:lvl1pPr algn="ctr">
-              <a:defRPr sz="6000"/>
+              <a:defRPr sz="5400"/>
             </a:lvl1pPr>
           </a:lstStyle>
           <a:p>
             <a:r>
-              <a:rPr lang="en-US" altLang="zh-CN"/>
+              <a:rPr lang="en-US"/>
               <a:t>Click to edit Master title style</a:t>
             </a:r>
-            <a:endParaRPr lang="zh-CN" altLang="en-US"/>
+            <a:endParaRPr lang="en-US" dirty="0"/>
           </a:p>
         </p:txBody>
       </p:sp>
@@ -167,7 +179,7 @@
           <p:cNvPr id="3" name="Subtitle 2">
             <a:extLst>
               <a:ext uri="{FF2B5EF4-FFF2-40B4-BE49-F238E27FC236}">
-                <a16:creationId xmlns:a16="http://schemas.microsoft.com/office/drawing/2014/main" id="{D2B53B9B-1946-1C84-6A07-A00ABB92C2F4}"/>
+                <a16:creationId xmlns:a16="http://schemas.microsoft.com/office/drawing/2014/main" id="{DFCD51F7-3CC3-4BB7-8291-B1789482E863}"/>
               </a:ext>
             </a:extLst>
           </p:cNvPr>
@@ -226,10 +238,10 @@
           </a:lstStyle>
           <a:p>
             <a:r>
-              <a:rPr lang="en-US" altLang="zh-CN"/>
+              <a:rPr lang="en-US"/>
               <a:t>Click to edit Master subtitle style</a:t>
             </a:r>
-            <a:endParaRPr lang="zh-CN" altLang="en-US"/>
+            <a:endParaRPr lang="en-US" dirty="0"/>
           </a:p>
         </p:txBody>
       </p:sp>
@@ -238,7 +250,7 @@
           <p:cNvPr id="4" name="Date Placeholder 3">
             <a:extLst>
               <a:ext uri="{FF2B5EF4-FFF2-40B4-BE49-F238E27FC236}">
-                <a16:creationId xmlns:a16="http://schemas.microsoft.com/office/drawing/2014/main" id="{139EFDAE-D6FA-13A1-7514-0FF79E9B2AF9}"/>
+                <a16:creationId xmlns:a16="http://schemas.microsoft.com/office/drawing/2014/main" id="{FD320447-D6C7-43E1-AE88-1FB66CC9C55E}"/>
               </a:ext>
             </a:extLst>
           </p:cNvPr>
@@ -254,11 +266,11 @@
           <a:bodyPr/>
           <a:lstStyle/>
           <a:p>
-            <a:fld id="{9CB25C55-EBBA-4C89-83BD-902FF64EB64C}" type="datetimeFigureOut">
-              <a:rPr lang="zh-CN" altLang="en-US" smtClean="0"/>
-              <a:t>2023/11/28</a:t>
+            <a:fld id="{C43A76A3-ADC8-4477-8FC1-B9DD55D84908}" type="datetime1">
+              <a:rPr lang="en-US" smtClean="0"/>
+              <a:t>11/28/2023</a:t>
             </a:fld>
-            <a:endParaRPr lang="zh-CN" altLang="en-US"/>
+            <a:endParaRPr lang="en-US" dirty="0"/>
           </a:p>
         </p:txBody>
       </p:sp>
@@ -267,7 +279,7 @@
           <p:cNvPr id="5" name="Footer Placeholder 4">
             <a:extLst>
               <a:ext uri="{FF2B5EF4-FFF2-40B4-BE49-F238E27FC236}">
-                <a16:creationId xmlns:a16="http://schemas.microsoft.com/office/drawing/2014/main" id="{AB6573D3-30DE-2C73-2D7F-74144C6671E3}"/>
+                <a16:creationId xmlns:a16="http://schemas.microsoft.com/office/drawing/2014/main" id="{6F5E17B6-E7FC-473A-8D5F-0E6B838EA754}"/>
               </a:ext>
             </a:extLst>
           </p:cNvPr>
@@ -283,7 +295,7 @@
           <a:bodyPr/>
           <a:lstStyle/>
           <a:p>
-            <a:endParaRPr lang="zh-CN" altLang="en-US"/>
+            <a:endParaRPr lang="en-US"/>
           </a:p>
         </p:txBody>
       </p:sp>
@@ -292,7 +304,7 @@
           <p:cNvPr id="6" name="Slide Number Placeholder 5">
             <a:extLst>
               <a:ext uri="{FF2B5EF4-FFF2-40B4-BE49-F238E27FC236}">
-                <a16:creationId xmlns:a16="http://schemas.microsoft.com/office/drawing/2014/main" id="{491E5F12-F875-6B0E-BDD3-26FDA265C124}"/>
+                <a16:creationId xmlns:a16="http://schemas.microsoft.com/office/drawing/2014/main" id="{464AF4E0-FDDB-42B9-862C-7BBC501CDAC5}"/>
               </a:ext>
             </a:extLst>
           </p:cNvPr>
@@ -308,18 +320,18 @@
           <a:bodyPr/>
           <a:lstStyle/>
           <a:p>
-            <a:fld id="{18B9E091-28E0-4D2F-9A84-EC4723FB9D1E}" type="slidenum">
-              <a:rPr lang="zh-CN" altLang="en-US" smtClean="0"/>
+            <a:fld id="{35747434-7036-48DB-A148-6B3D8EE75CDA}" type="slidenum">
+              <a:rPr lang="en-US" smtClean="0"/>
               <a:t>‹#›</a:t>
             </a:fld>
-            <a:endParaRPr lang="zh-CN" altLang="en-US"/>
+            <a:endParaRPr lang="en-US" dirty="0"/>
           </a:p>
         </p:txBody>
       </p:sp>
     </p:spTree>
     <p:extLst>
       <p:ext uri="{BB962C8B-B14F-4D97-AF65-F5344CB8AC3E}">
-        <p14:creationId xmlns:p14="http://schemas.microsoft.com/office/powerpoint/2010/main" val="1093519035"/>
+        <p14:creationId xmlns:p14="http://schemas.microsoft.com/office/powerpoint/2010/main" val="2211653492"/>
       </p:ext>
     </p:extLst>
   </p:cSld>
@@ -351,7 +363,7 @@
           <p:cNvPr id="2" name="Title 1">
             <a:extLst>
               <a:ext uri="{FF2B5EF4-FFF2-40B4-BE49-F238E27FC236}">
-                <a16:creationId xmlns:a16="http://schemas.microsoft.com/office/drawing/2014/main" id="{F5DFC7C2-5DDB-9065-E5D8-1D03362A8849}"/>
+                <a16:creationId xmlns:a16="http://schemas.microsoft.com/office/drawing/2014/main" id="{4D8E922F-6166-4009-A42D-027DC7180715}"/>
               </a:ext>
             </a:extLst>
           </p:cNvPr>
@@ -368,10 +380,9 @@
           <a:lstStyle/>
           <a:p>
             <a:r>
-              <a:rPr lang="en-US" altLang="zh-CN"/>
+              <a:rPr lang="en-US"/>
               <a:t>Click to edit Master title style</a:t>
             </a:r>
-            <a:endParaRPr lang="zh-CN" altLang="en-US"/>
           </a:p>
         </p:txBody>
       </p:sp>
@@ -380,7 +391,7 @@
           <p:cNvPr id="3" name="Vertical Text Placeholder 2">
             <a:extLst>
               <a:ext uri="{FF2B5EF4-FFF2-40B4-BE49-F238E27FC236}">
-                <a16:creationId xmlns:a16="http://schemas.microsoft.com/office/drawing/2014/main" id="{DEFE9DDF-4A3C-A808-F979-C2E5299F3502}"/>
+                <a16:creationId xmlns:a16="http://schemas.microsoft.com/office/drawing/2014/main" id="{FF7791CF-167D-446D-9F99-6976C986E2FB}"/>
               </a:ext>
             </a:extLst>
           </p:cNvPr>
@@ -398,38 +409,37 @@
           <a:p>
             <a:pPr lvl="0"/>
             <a:r>
-              <a:rPr lang="en-US" altLang="zh-CN"/>
+              <a:rPr lang="en-US"/>
               <a:t>Click to edit Master text styles</a:t>
             </a:r>
           </a:p>
           <a:p>
             <a:pPr lvl="1"/>
             <a:r>
-              <a:rPr lang="en-US" altLang="zh-CN"/>
+              <a:rPr lang="en-US"/>
               <a:t>Second level</a:t>
             </a:r>
           </a:p>
           <a:p>
             <a:pPr lvl="2"/>
             <a:r>
-              <a:rPr lang="en-US" altLang="zh-CN"/>
+              <a:rPr lang="en-US"/>
               <a:t>Third level</a:t>
             </a:r>
           </a:p>
           <a:p>
             <a:pPr lvl="3"/>
             <a:r>
-              <a:rPr lang="en-US" altLang="zh-CN"/>
+              <a:rPr lang="en-US"/>
               <a:t>Fourth level</a:t>
             </a:r>
           </a:p>
           <a:p>
             <a:pPr lvl="4"/>
             <a:r>
-              <a:rPr lang="en-US" altLang="zh-CN"/>
+              <a:rPr lang="en-US"/>
               <a:t>Fifth level</a:t>
             </a:r>
-            <a:endParaRPr lang="zh-CN" altLang="en-US"/>
           </a:p>
         </p:txBody>
       </p:sp>
@@ -438,7 +448,7 @@
           <p:cNvPr id="4" name="Date Placeholder 3">
             <a:extLst>
               <a:ext uri="{FF2B5EF4-FFF2-40B4-BE49-F238E27FC236}">
-                <a16:creationId xmlns:a16="http://schemas.microsoft.com/office/drawing/2014/main" id="{56F61575-518F-72C3-D638-D4241E4F23CC}"/>
+                <a16:creationId xmlns:a16="http://schemas.microsoft.com/office/drawing/2014/main" id="{D83CA422-E040-4DE1-9DA5-C8D37C116A7B}"/>
               </a:ext>
             </a:extLst>
           </p:cNvPr>
@@ -454,11 +464,11 @@
           <a:bodyPr/>
           <a:lstStyle/>
           <a:p>
-            <a:fld id="{9CB25C55-EBBA-4C89-83BD-902FF64EB64C}" type="datetimeFigureOut">
-              <a:rPr lang="zh-CN" altLang="en-US" smtClean="0"/>
-              <a:t>2023/11/28</a:t>
+            <a:fld id="{D6762538-DC4D-4667-96E5-B3278DDF8B12}" type="datetime1">
+              <a:rPr lang="en-US" smtClean="0"/>
+              <a:t>11/28/2023</a:t>
             </a:fld>
-            <a:endParaRPr lang="zh-CN" altLang="en-US"/>
+            <a:endParaRPr lang="en-US"/>
           </a:p>
         </p:txBody>
       </p:sp>
@@ -467,7 +477,7 @@
           <p:cNvPr id="5" name="Footer Placeholder 4">
             <a:extLst>
               <a:ext uri="{FF2B5EF4-FFF2-40B4-BE49-F238E27FC236}">
-                <a16:creationId xmlns:a16="http://schemas.microsoft.com/office/drawing/2014/main" id="{3267C0C1-76A9-26CA-DC7B-DE98004558F3}"/>
+                <a16:creationId xmlns:a16="http://schemas.microsoft.com/office/drawing/2014/main" id="{6C813B0B-60E7-494E-91CB-055BC26906BC}"/>
               </a:ext>
             </a:extLst>
           </p:cNvPr>
@@ -483,7 +493,7 @@
           <a:bodyPr/>
           <a:lstStyle/>
           <a:p>
-            <a:endParaRPr lang="zh-CN" altLang="en-US"/>
+            <a:endParaRPr lang="en-US"/>
           </a:p>
         </p:txBody>
       </p:sp>
@@ -492,7 +502,7 @@
           <p:cNvPr id="6" name="Slide Number Placeholder 5">
             <a:extLst>
               <a:ext uri="{FF2B5EF4-FFF2-40B4-BE49-F238E27FC236}">
-                <a16:creationId xmlns:a16="http://schemas.microsoft.com/office/drawing/2014/main" id="{52889276-EF95-C749-E68F-6557DF2A04AB}"/>
+                <a16:creationId xmlns:a16="http://schemas.microsoft.com/office/drawing/2014/main" id="{7B48C554-7C1B-4D8F-9B6B-04492656904B}"/>
               </a:ext>
             </a:extLst>
           </p:cNvPr>
@@ -508,18 +518,18 @@
           <a:bodyPr/>
           <a:lstStyle/>
           <a:p>
-            <a:fld id="{18B9E091-28E0-4D2F-9A84-EC4723FB9D1E}" type="slidenum">
-              <a:rPr lang="zh-CN" altLang="en-US" smtClean="0"/>
+            <a:fld id="{35747434-7036-48DB-A148-6B3D8EE75CDA}" type="slidenum">
+              <a:rPr lang="en-US" smtClean="0"/>
               <a:t>‹#›</a:t>
             </a:fld>
-            <a:endParaRPr lang="zh-CN" altLang="en-US"/>
+            <a:endParaRPr lang="en-US"/>
           </a:p>
         </p:txBody>
       </p:sp>
     </p:spTree>
     <p:extLst>
       <p:ext uri="{BB962C8B-B14F-4D97-AF65-F5344CB8AC3E}">
-        <p14:creationId xmlns:p14="http://schemas.microsoft.com/office/powerpoint/2010/main" val="794279787"/>
+        <p14:creationId xmlns:p14="http://schemas.microsoft.com/office/powerpoint/2010/main" val="1982249997"/>
       </p:ext>
     </p:extLst>
   </p:cSld>
@@ -551,7 +561,7 @@
           <p:cNvPr id="2" name="Vertical Title 1">
             <a:extLst>
               <a:ext uri="{FF2B5EF4-FFF2-40B4-BE49-F238E27FC236}">
-                <a16:creationId xmlns:a16="http://schemas.microsoft.com/office/drawing/2014/main" id="{8C497A9C-86AB-F599-59F6-9A661A5FE73A}"/>
+                <a16:creationId xmlns:a16="http://schemas.microsoft.com/office/drawing/2014/main" id="{EEC66EF0-6ED8-49A7-BDAD-E20A143FAEAC}"/>
               </a:ext>
             </a:extLst>
           </p:cNvPr>
@@ -573,10 +583,9 @@
           <a:lstStyle/>
           <a:p>
             <a:r>
-              <a:rPr lang="en-US" altLang="zh-CN"/>
+              <a:rPr lang="en-US"/>
               <a:t>Click to edit Master title style</a:t>
             </a:r>
-            <a:endParaRPr lang="zh-CN" altLang="en-US"/>
           </a:p>
         </p:txBody>
       </p:sp>
@@ -585,7 +594,7 @@
           <p:cNvPr id="3" name="Vertical Text Placeholder 2">
             <a:extLst>
               <a:ext uri="{FF2B5EF4-FFF2-40B4-BE49-F238E27FC236}">
-                <a16:creationId xmlns:a16="http://schemas.microsoft.com/office/drawing/2014/main" id="{57C712E9-ECF6-CEC9-73EC-E074695761D3}"/>
+                <a16:creationId xmlns:a16="http://schemas.microsoft.com/office/drawing/2014/main" id="{90FCE9CD-90A9-44BA-B293-0662E077DDE9}"/>
               </a:ext>
             </a:extLst>
           </p:cNvPr>
@@ -608,38 +617,37 @@
           <a:p>
             <a:pPr lvl="0"/>
             <a:r>
-              <a:rPr lang="en-US" altLang="zh-CN"/>
+              <a:rPr lang="en-US"/>
               <a:t>Click to edit Master text styles</a:t>
             </a:r>
           </a:p>
           <a:p>
             <a:pPr lvl="1"/>
             <a:r>
-              <a:rPr lang="en-US" altLang="zh-CN"/>
+              <a:rPr lang="en-US"/>
               <a:t>Second level</a:t>
             </a:r>
           </a:p>
           <a:p>
             <a:pPr lvl="2"/>
             <a:r>
-              <a:rPr lang="en-US" altLang="zh-CN"/>
+              <a:rPr lang="en-US"/>
               <a:t>Third level</a:t>
             </a:r>
           </a:p>
           <a:p>
             <a:pPr lvl="3"/>
             <a:r>
-              <a:rPr lang="en-US" altLang="zh-CN"/>
+              <a:rPr lang="en-US"/>
               <a:t>Fourth level</a:t>
             </a:r>
           </a:p>
           <a:p>
             <a:pPr lvl="4"/>
             <a:r>
-              <a:rPr lang="en-US" altLang="zh-CN"/>
+              <a:rPr lang="en-US"/>
               <a:t>Fifth level</a:t>
             </a:r>
-            <a:endParaRPr lang="zh-CN" altLang="en-US"/>
           </a:p>
         </p:txBody>
       </p:sp>
@@ -648,7 +656,7 @@
           <p:cNvPr id="4" name="Date Placeholder 3">
             <a:extLst>
               <a:ext uri="{FF2B5EF4-FFF2-40B4-BE49-F238E27FC236}">
-                <a16:creationId xmlns:a16="http://schemas.microsoft.com/office/drawing/2014/main" id="{98263DE5-F59A-119B-6FFB-A8882EEA10F7}"/>
+                <a16:creationId xmlns:a16="http://schemas.microsoft.com/office/drawing/2014/main" id="{0857DAE0-05C4-460B-B96D-BD183ED030C4}"/>
               </a:ext>
             </a:extLst>
           </p:cNvPr>
@@ -664,11 +672,11 @@
           <a:bodyPr/>
           <a:lstStyle/>
           <a:p>
-            <a:fld id="{9CB25C55-EBBA-4C89-83BD-902FF64EB64C}" type="datetimeFigureOut">
-              <a:rPr lang="zh-CN" altLang="en-US" smtClean="0"/>
-              <a:t>2023/11/28</a:t>
+            <a:fld id="{05880548-5C08-4BE3-B63E-F2BB63B0B00C}" type="datetime1">
+              <a:rPr lang="en-US" smtClean="0"/>
+              <a:t>11/28/2023</a:t>
             </a:fld>
-            <a:endParaRPr lang="zh-CN" altLang="en-US"/>
+            <a:endParaRPr lang="en-US"/>
           </a:p>
         </p:txBody>
       </p:sp>
@@ -677,7 +685,7 @@
           <p:cNvPr id="5" name="Footer Placeholder 4">
             <a:extLst>
               <a:ext uri="{FF2B5EF4-FFF2-40B4-BE49-F238E27FC236}">
-                <a16:creationId xmlns:a16="http://schemas.microsoft.com/office/drawing/2014/main" id="{7C0D885C-DA5D-CCB0-490C-E023B328B221}"/>
+                <a16:creationId xmlns:a16="http://schemas.microsoft.com/office/drawing/2014/main" id="{33B3CA93-55C9-4AA3-89A0-55490F745B11}"/>
               </a:ext>
             </a:extLst>
           </p:cNvPr>
@@ -693,7 +701,7 @@
           <a:bodyPr/>
           <a:lstStyle/>
           <a:p>
-            <a:endParaRPr lang="zh-CN" altLang="en-US"/>
+            <a:endParaRPr lang="en-US"/>
           </a:p>
         </p:txBody>
       </p:sp>
@@ -702,7 +710,7 @@
           <p:cNvPr id="6" name="Slide Number Placeholder 5">
             <a:extLst>
               <a:ext uri="{FF2B5EF4-FFF2-40B4-BE49-F238E27FC236}">
-                <a16:creationId xmlns:a16="http://schemas.microsoft.com/office/drawing/2014/main" id="{0AA4F2C2-9439-EB78-B417-2978DAA7EB1F}"/>
+                <a16:creationId xmlns:a16="http://schemas.microsoft.com/office/drawing/2014/main" id="{46BFD820-FF26-4325-816F-310C30F80ACC}"/>
               </a:ext>
             </a:extLst>
           </p:cNvPr>
@@ -718,18 +726,18 @@
           <a:bodyPr/>
           <a:lstStyle/>
           <a:p>
-            <a:fld id="{18B9E091-28E0-4D2F-9A84-EC4723FB9D1E}" type="slidenum">
-              <a:rPr lang="zh-CN" altLang="en-US" smtClean="0"/>
+            <a:fld id="{35747434-7036-48DB-A148-6B3D8EE75CDA}" type="slidenum">
+              <a:rPr lang="en-US" smtClean="0"/>
               <a:t>‹#›</a:t>
             </a:fld>
-            <a:endParaRPr lang="zh-CN" altLang="en-US"/>
+            <a:endParaRPr lang="en-US"/>
           </a:p>
         </p:txBody>
       </p:sp>
     </p:spTree>
     <p:extLst>
       <p:ext uri="{BB962C8B-B14F-4D97-AF65-F5344CB8AC3E}">
-        <p14:creationId xmlns:p14="http://schemas.microsoft.com/office/powerpoint/2010/main" val="2804988389"/>
+        <p14:creationId xmlns:p14="http://schemas.microsoft.com/office/powerpoint/2010/main" val="1652292144"/>
       </p:ext>
     </p:extLst>
   </p:cSld>
@@ -761,7 +769,7 @@
           <p:cNvPr id="2" name="Title 1">
             <a:extLst>
               <a:ext uri="{FF2B5EF4-FFF2-40B4-BE49-F238E27FC236}">
-                <a16:creationId xmlns:a16="http://schemas.microsoft.com/office/drawing/2014/main" id="{0B2A5654-38BD-F956-E18C-7D2FCAB7A28E}"/>
+                <a16:creationId xmlns:a16="http://schemas.microsoft.com/office/drawing/2014/main" id="{3B1736C8-0B4F-4655-A630-0B1D2540B7DD}"/>
               </a:ext>
             </a:extLst>
           </p:cNvPr>
@@ -778,10 +786,9 @@
           <a:lstStyle/>
           <a:p>
             <a:r>
-              <a:rPr lang="en-US" altLang="zh-CN"/>
+              <a:rPr lang="en-US"/>
               <a:t>Click to edit Master title style</a:t>
             </a:r>
-            <a:endParaRPr lang="zh-CN" altLang="en-US"/>
           </a:p>
         </p:txBody>
       </p:sp>
@@ -790,7 +797,7 @@
           <p:cNvPr id="3" name="Content Placeholder 2">
             <a:extLst>
               <a:ext uri="{FF2B5EF4-FFF2-40B4-BE49-F238E27FC236}">
-                <a16:creationId xmlns:a16="http://schemas.microsoft.com/office/drawing/2014/main" id="{BA085704-EE30-DACB-470F-CC60BFAD90DF}"/>
+                <a16:creationId xmlns:a16="http://schemas.microsoft.com/office/drawing/2014/main" id="{5378B888-85E0-4D92-903E-C3FE7E870DE7}"/>
               </a:ext>
             </a:extLst>
           </p:cNvPr>
@@ -808,38 +815,37 @@
           <a:p>
             <a:pPr lvl="0"/>
             <a:r>
-              <a:rPr lang="en-US" altLang="zh-CN"/>
+              <a:rPr lang="en-US"/>
               <a:t>Click to edit Master text styles</a:t>
             </a:r>
           </a:p>
           <a:p>
             <a:pPr lvl="1"/>
             <a:r>
-              <a:rPr lang="en-US" altLang="zh-CN"/>
+              <a:rPr lang="en-US"/>
               <a:t>Second level</a:t>
             </a:r>
           </a:p>
           <a:p>
             <a:pPr lvl="2"/>
             <a:r>
-              <a:rPr lang="en-US" altLang="zh-CN"/>
+              <a:rPr lang="en-US"/>
               <a:t>Third level</a:t>
             </a:r>
           </a:p>
           <a:p>
             <a:pPr lvl="3"/>
             <a:r>
-              <a:rPr lang="en-US" altLang="zh-CN"/>
+              <a:rPr lang="en-US"/>
               <a:t>Fourth level</a:t>
             </a:r>
           </a:p>
           <a:p>
             <a:pPr lvl="4"/>
             <a:r>
-              <a:rPr lang="en-US" altLang="zh-CN"/>
+              <a:rPr lang="en-US"/>
               <a:t>Fifth level</a:t>
             </a:r>
-            <a:endParaRPr lang="zh-CN" altLang="en-US"/>
           </a:p>
         </p:txBody>
       </p:sp>
@@ -848,7 +854,7 @@
           <p:cNvPr id="4" name="Date Placeholder 3">
             <a:extLst>
               <a:ext uri="{FF2B5EF4-FFF2-40B4-BE49-F238E27FC236}">
-                <a16:creationId xmlns:a16="http://schemas.microsoft.com/office/drawing/2014/main" id="{97A1EF3A-08AB-85F7-FFA0-A42ABDA7FAE2}"/>
+                <a16:creationId xmlns:a16="http://schemas.microsoft.com/office/drawing/2014/main" id="{FC648916-250B-4232-BD7D-571FDE79F5E7}"/>
               </a:ext>
             </a:extLst>
           </p:cNvPr>
@@ -864,11 +870,11 @@
           <a:bodyPr/>
           <a:lstStyle/>
           <a:p>
-            <a:fld id="{9CB25C55-EBBA-4C89-83BD-902FF64EB64C}" type="datetimeFigureOut">
-              <a:rPr lang="zh-CN" altLang="en-US" smtClean="0"/>
-              <a:t>2023/11/28</a:t>
+            <a:fld id="{DE7F49BE-398D-479A-8A7E-5DDBCA61EDCB}" type="datetime1">
+              <a:rPr lang="en-US" smtClean="0"/>
+              <a:t>11/28/2023</a:t>
             </a:fld>
-            <a:endParaRPr lang="zh-CN" altLang="en-US"/>
+            <a:endParaRPr lang="en-US"/>
           </a:p>
         </p:txBody>
       </p:sp>
@@ -877,7 +883,7 @@
           <p:cNvPr id="5" name="Footer Placeholder 4">
             <a:extLst>
               <a:ext uri="{FF2B5EF4-FFF2-40B4-BE49-F238E27FC236}">
-                <a16:creationId xmlns:a16="http://schemas.microsoft.com/office/drawing/2014/main" id="{12147375-5229-4FF7-9F21-D2A1EF1B611C}"/>
+                <a16:creationId xmlns:a16="http://schemas.microsoft.com/office/drawing/2014/main" id="{B6A8BFB4-647C-4104-B6D4-3346051C36D4}"/>
               </a:ext>
             </a:extLst>
           </p:cNvPr>
@@ -893,7 +899,7 @@
           <a:bodyPr/>
           <a:lstStyle/>
           <a:p>
-            <a:endParaRPr lang="zh-CN" altLang="en-US"/>
+            <a:endParaRPr lang="en-US"/>
           </a:p>
         </p:txBody>
       </p:sp>
@@ -902,7 +908,7 @@
           <p:cNvPr id="6" name="Slide Number Placeholder 5">
             <a:extLst>
               <a:ext uri="{FF2B5EF4-FFF2-40B4-BE49-F238E27FC236}">
-                <a16:creationId xmlns:a16="http://schemas.microsoft.com/office/drawing/2014/main" id="{D87FA64B-85C6-7657-965E-E983F5A67282}"/>
+                <a16:creationId xmlns:a16="http://schemas.microsoft.com/office/drawing/2014/main" id="{2E0FA73F-2BE8-4370-AE90-58F4CE51FC51}"/>
               </a:ext>
             </a:extLst>
           </p:cNvPr>
@@ -918,18 +924,18 @@
           <a:bodyPr/>
           <a:lstStyle/>
           <a:p>
-            <a:fld id="{18B9E091-28E0-4D2F-9A84-EC4723FB9D1E}" type="slidenum">
-              <a:rPr lang="zh-CN" altLang="en-US" smtClean="0"/>
+            <a:fld id="{35747434-7036-48DB-A148-6B3D8EE75CDA}" type="slidenum">
+              <a:rPr lang="en-US" smtClean="0"/>
               <a:t>‹#›</a:t>
             </a:fld>
-            <a:endParaRPr lang="zh-CN" altLang="en-US"/>
+            <a:endParaRPr lang="en-US"/>
           </a:p>
         </p:txBody>
       </p:sp>
     </p:spTree>
     <p:extLst>
       <p:ext uri="{BB962C8B-B14F-4D97-AF65-F5344CB8AC3E}">
-        <p14:creationId xmlns:p14="http://schemas.microsoft.com/office/powerpoint/2010/main" val="257292676"/>
+        <p14:creationId xmlns:p14="http://schemas.microsoft.com/office/powerpoint/2010/main" val="3954366020"/>
       </p:ext>
     </p:extLst>
   </p:cSld>
@@ -961,7 +967,7 @@
           <p:cNvPr id="2" name="Title 1">
             <a:extLst>
               <a:ext uri="{FF2B5EF4-FFF2-40B4-BE49-F238E27FC236}">
-                <a16:creationId xmlns:a16="http://schemas.microsoft.com/office/drawing/2014/main" id="{16756A61-6092-C781-ACE3-3A57534155AA}"/>
+                <a16:creationId xmlns:a16="http://schemas.microsoft.com/office/drawing/2014/main" id="{A9B1446D-9FAC-4157-A41A-51675C8BE929}"/>
               </a:ext>
             </a:extLst>
           </p:cNvPr>
@@ -974,23 +980,25 @@
         </p:nvSpPr>
         <p:spPr>
           <a:xfrm>
-            <a:off x="831850" y="1709738"/>
-            <a:ext cx="10515600" cy="2852737"/>
+            <a:off x="777240" y="1709738"/>
+            <a:ext cx="10570210" cy="2758895"/>
           </a:xfrm>
         </p:spPr>
         <p:txBody>
-          <a:bodyPr anchor="b"/>
+          <a:bodyPr anchor="b">
+            <a:normAutofit/>
+          </a:bodyPr>
           <a:lstStyle>
             <a:lvl1pPr>
-              <a:defRPr sz="6000"/>
+              <a:defRPr sz="5400"/>
             </a:lvl1pPr>
           </a:lstStyle>
           <a:p>
             <a:r>
-              <a:rPr lang="en-US" altLang="zh-CN"/>
+              <a:rPr lang="en-US"/>
               <a:t>Click to edit Master title style</a:t>
             </a:r>
-            <a:endParaRPr lang="zh-CN" altLang="en-US"/>
+            <a:endParaRPr lang="en-US" dirty="0"/>
           </a:p>
         </p:txBody>
       </p:sp>
@@ -999,7 +1007,7 @@
           <p:cNvPr id="3" name="Text Placeholder 2">
             <a:extLst>
               <a:ext uri="{FF2B5EF4-FFF2-40B4-BE49-F238E27FC236}">
-                <a16:creationId xmlns:a16="http://schemas.microsoft.com/office/drawing/2014/main" id="{25B0D27C-1E21-0D2E-C88E-8C21AB4994AB}"/>
+                <a16:creationId xmlns:a16="http://schemas.microsoft.com/office/drawing/2014/main" id="{92AF8D4A-8F93-4399-9546-64F286400D24}"/>
               </a:ext>
             </a:extLst>
           </p:cNvPr>
@@ -1012,8 +1020,8 @@
         </p:nvSpPr>
         <p:spPr>
           <a:xfrm>
-            <a:off x="831850" y="4589463"/>
-            <a:ext cx="10515600" cy="1500187"/>
+            <a:off x="777240" y="4589463"/>
+            <a:ext cx="10570210" cy="1500187"/>
           </a:xfrm>
         </p:spPr>
         <p:txBody>
@@ -1023,9 +1031,7 @@
               <a:buNone/>
               <a:defRPr sz="2400">
                 <a:solidFill>
-                  <a:schemeClr val="tx1">
-                    <a:tint val="75000"/>
-                  </a:schemeClr>
+                  <a:schemeClr val="tx2"/>
                 </a:solidFill>
               </a:defRPr>
             </a:lvl1pPr>
@@ -1113,7 +1119,7 @@
           <a:p>
             <a:pPr lvl="0"/>
             <a:r>
-              <a:rPr lang="en-US" altLang="zh-CN"/>
+              <a:rPr lang="en-US"/>
               <a:t>Click to edit Master text styles</a:t>
             </a:r>
           </a:p>
@@ -1124,7 +1130,7 @@
           <p:cNvPr id="4" name="Date Placeholder 3">
             <a:extLst>
               <a:ext uri="{FF2B5EF4-FFF2-40B4-BE49-F238E27FC236}">
-                <a16:creationId xmlns:a16="http://schemas.microsoft.com/office/drawing/2014/main" id="{3F16E0F4-9087-6447-4CB1-C8113A167B2B}"/>
+                <a16:creationId xmlns:a16="http://schemas.microsoft.com/office/drawing/2014/main" id="{819C2FD4-BF96-470C-8247-20DFAE1CF870}"/>
               </a:ext>
             </a:extLst>
           </p:cNvPr>
@@ -1140,11 +1146,11 @@
           <a:bodyPr/>
           <a:lstStyle/>
           <a:p>
-            <a:fld id="{9CB25C55-EBBA-4C89-83BD-902FF64EB64C}" type="datetimeFigureOut">
-              <a:rPr lang="zh-CN" altLang="en-US" smtClean="0"/>
-              <a:t>2023/11/28</a:t>
+            <a:fld id="{CCD0C193-4974-4A1F-9C63-07D595E30D66}" type="datetime1">
+              <a:rPr lang="en-US" smtClean="0"/>
+              <a:t>11/28/2023</a:t>
             </a:fld>
-            <a:endParaRPr lang="zh-CN" altLang="en-US"/>
+            <a:endParaRPr lang="en-US"/>
           </a:p>
         </p:txBody>
       </p:sp>
@@ -1153,7 +1159,7 @@
           <p:cNvPr id="5" name="Footer Placeholder 4">
             <a:extLst>
               <a:ext uri="{FF2B5EF4-FFF2-40B4-BE49-F238E27FC236}">
-                <a16:creationId xmlns:a16="http://schemas.microsoft.com/office/drawing/2014/main" id="{8889AF07-60E2-23A0-FA07-3370C114FE95}"/>
+                <a16:creationId xmlns:a16="http://schemas.microsoft.com/office/drawing/2014/main" id="{27175A2D-86C4-4467-BAB8-E9ED004D2C8B}"/>
               </a:ext>
             </a:extLst>
           </p:cNvPr>
@@ -1169,7 +1175,7 @@
           <a:bodyPr/>
           <a:lstStyle/>
           <a:p>
-            <a:endParaRPr lang="zh-CN" altLang="en-US"/>
+            <a:endParaRPr lang="en-US"/>
           </a:p>
         </p:txBody>
       </p:sp>
@@ -1178,7 +1184,7 @@
           <p:cNvPr id="6" name="Slide Number Placeholder 5">
             <a:extLst>
               <a:ext uri="{FF2B5EF4-FFF2-40B4-BE49-F238E27FC236}">
-                <a16:creationId xmlns:a16="http://schemas.microsoft.com/office/drawing/2014/main" id="{78F71AB2-4855-058A-B899-0A244E74BB70}"/>
+                <a16:creationId xmlns:a16="http://schemas.microsoft.com/office/drawing/2014/main" id="{DE442A4D-D9B2-4C82-95E4-B86F9F5F3802}"/>
               </a:ext>
             </a:extLst>
           </p:cNvPr>
@@ -1194,18 +1200,18 @@
           <a:bodyPr/>
           <a:lstStyle/>
           <a:p>
-            <a:fld id="{18B9E091-28E0-4D2F-9A84-EC4723FB9D1E}" type="slidenum">
-              <a:rPr lang="zh-CN" altLang="en-US" smtClean="0"/>
+            <a:fld id="{35747434-7036-48DB-A148-6B3D8EE75CDA}" type="slidenum">
+              <a:rPr lang="en-US" smtClean="0"/>
               <a:t>‹#›</a:t>
             </a:fld>
-            <a:endParaRPr lang="zh-CN" altLang="en-US"/>
+            <a:endParaRPr lang="en-US"/>
           </a:p>
         </p:txBody>
       </p:sp>
     </p:spTree>
     <p:extLst>
       <p:ext uri="{BB962C8B-B14F-4D97-AF65-F5344CB8AC3E}">
-        <p14:creationId xmlns:p14="http://schemas.microsoft.com/office/powerpoint/2010/main" val="818337806"/>
+        <p14:creationId xmlns:p14="http://schemas.microsoft.com/office/powerpoint/2010/main" val="1458580092"/>
       </p:ext>
     </p:extLst>
   </p:cSld>
@@ -1237,7 +1243,7 @@
           <p:cNvPr id="2" name="Title 1">
             <a:extLst>
               <a:ext uri="{FF2B5EF4-FFF2-40B4-BE49-F238E27FC236}">
-                <a16:creationId xmlns:a16="http://schemas.microsoft.com/office/drawing/2014/main" id="{FA022E9D-E858-C117-4E72-6A7D1595E229}"/>
+                <a16:creationId xmlns:a16="http://schemas.microsoft.com/office/drawing/2014/main" id="{B0E6B3AA-8C30-429E-B934-AF12204387B9}"/>
               </a:ext>
             </a:extLst>
           </p:cNvPr>
@@ -1254,10 +1260,10 @@
           <a:lstStyle/>
           <a:p>
             <a:r>
-              <a:rPr lang="en-US" altLang="zh-CN"/>
+              <a:rPr lang="en-US"/>
               <a:t>Click to edit Master title style</a:t>
             </a:r>
-            <a:endParaRPr lang="zh-CN" altLang="en-US"/>
+            <a:endParaRPr lang="en-US" dirty="0"/>
           </a:p>
         </p:txBody>
       </p:sp>
@@ -1266,7 +1272,7 @@
           <p:cNvPr id="3" name="Content Placeholder 2">
             <a:extLst>
               <a:ext uri="{FF2B5EF4-FFF2-40B4-BE49-F238E27FC236}">
-                <a16:creationId xmlns:a16="http://schemas.microsoft.com/office/drawing/2014/main" id="{C1F3ABAB-27A2-D672-968F-8D5603D4F5AB}"/>
+                <a16:creationId xmlns:a16="http://schemas.microsoft.com/office/drawing/2014/main" id="{E915834E-691F-4728-88F5-A0C4696695EB}"/>
               </a:ext>
             </a:extLst>
           </p:cNvPr>
@@ -1279,8 +1285,8 @@
         </p:nvSpPr>
         <p:spPr>
           <a:xfrm>
-            <a:off x="838200" y="1825625"/>
-            <a:ext cx="5181600" cy="4351338"/>
+            <a:off x="777240" y="1825625"/>
+            <a:ext cx="5242560" cy="4351338"/>
           </a:xfrm>
         </p:spPr>
         <p:txBody>
@@ -1289,38 +1295,38 @@
           <a:p>
             <a:pPr lvl="0"/>
             <a:r>
-              <a:rPr lang="en-US" altLang="zh-CN"/>
+              <a:rPr lang="en-US"/>
               <a:t>Click to edit Master text styles</a:t>
             </a:r>
           </a:p>
           <a:p>
             <a:pPr lvl="1"/>
             <a:r>
-              <a:rPr lang="en-US" altLang="zh-CN"/>
+              <a:rPr lang="en-US"/>
               <a:t>Second level</a:t>
             </a:r>
           </a:p>
           <a:p>
             <a:pPr lvl="2"/>
             <a:r>
-              <a:rPr lang="en-US" altLang="zh-CN"/>
+              <a:rPr lang="en-US"/>
               <a:t>Third level</a:t>
             </a:r>
           </a:p>
           <a:p>
             <a:pPr lvl="3"/>
             <a:r>
-              <a:rPr lang="en-US" altLang="zh-CN"/>
+              <a:rPr lang="en-US"/>
               <a:t>Fourth level</a:t>
             </a:r>
           </a:p>
           <a:p>
             <a:pPr lvl="4"/>
             <a:r>
-              <a:rPr lang="en-US" altLang="zh-CN"/>
+              <a:rPr lang="en-US"/>
               <a:t>Fifth level</a:t>
             </a:r>
-            <a:endParaRPr lang="zh-CN" altLang="en-US"/>
+            <a:endParaRPr lang="en-US" dirty="0"/>
           </a:p>
         </p:txBody>
       </p:sp>
@@ -1329,7 +1335,7 @@
           <p:cNvPr id="4" name="Content Placeholder 3">
             <a:extLst>
               <a:ext uri="{FF2B5EF4-FFF2-40B4-BE49-F238E27FC236}">
-                <a16:creationId xmlns:a16="http://schemas.microsoft.com/office/drawing/2014/main" id="{464FEBD0-2600-6125-4424-A67CD366C454}"/>
+                <a16:creationId xmlns:a16="http://schemas.microsoft.com/office/drawing/2014/main" id="{13876374-880F-4E25-9F88-79E3C1AB1F9D}"/>
               </a:ext>
             </a:extLst>
           </p:cNvPr>
@@ -1352,38 +1358,37 @@
           <a:p>
             <a:pPr lvl="0"/>
             <a:r>
-              <a:rPr lang="en-US" altLang="zh-CN"/>
+              <a:rPr lang="en-US"/>
               <a:t>Click to edit Master text styles</a:t>
             </a:r>
           </a:p>
           <a:p>
             <a:pPr lvl="1"/>
             <a:r>
-              <a:rPr lang="en-US" altLang="zh-CN"/>
+              <a:rPr lang="en-US"/>
               <a:t>Second level</a:t>
             </a:r>
           </a:p>
           <a:p>
             <a:pPr lvl="2"/>
             <a:r>
-              <a:rPr lang="en-US" altLang="zh-CN"/>
+              <a:rPr lang="en-US"/>
               <a:t>Third level</a:t>
             </a:r>
           </a:p>
           <a:p>
             <a:pPr lvl="3"/>
             <a:r>
-              <a:rPr lang="en-US" altLang="zh-CN"/>
+              <a:rPr lang="en-US"/>
               <a:t>Fourth level</a:t>
             </a:r>
           </a:p>
           <a:p>
             <a:pPr lvl="4"/>
             <a:r>
-              <a:rPr lang="en-US" altLang="zh-CN"/>
+              <a:rPr lang="en-US"/>
               <a:t>Fifth level</a:t>
             </a:r>
-            <a:endParaRPr lang="zh-CN" altLang="en-US"/>
           </a:p>
         </p:txBody>
       </p:sp>
@@ -1392,7 +1397,7 @@
           <p:cNvPr id="5" name="Date Placeholder 4">
             <a:extLst>
               <a:ext uri="{FF2B5EF4-FFF2-40B4-BE49-F238E27FC236}">
-                <a16:creationId xmlns:a16="http://schemas.microsoft.com/office/drawing/2014/main" id="{F649D092-3D5D-47B3-2D15-1F20932489D1}"/>
+                <a16:creationId xmlns:a16="http://schemas.microsoft.com/office/drawing/2014/main" id="{6119BD69-B509-4FCE-95A8-ED03FFC8CC3C}"/>
               </a:ext>
             </a:extLst>
           </p:cNvPr>
@@ -1408,11 +1413,11 @@
           <a:bodyPr/>
           <a:lstStyle/>
           <a:p>
-            <a:fld id="{9CB25C55-EBBA-4C89-83BD-902FF64EB64C}" type="datetimeFigureOut">
-              <a:rPr lang="zh-CN" altLang="en-US" smtClean="0"/>
-              <a:t>2023/11/28</a:t>
+            <a:fld id="{701AA87F-28D4-4BF0-B81F-877A89DFD5AC}" type="datetime1">
+              <a:rPr lang="en-US" smtClean="0"/>
+              <a:t>11/28/2023</a:t>
             </a:fld>
-            <a:endParaRPr lang="zh-CN" altLang="en-US"/>
+            <a:endParaRPr lang="en-US"/>
           </a:p>
         </p:txBody>
       </p:sp>
@@ -1421,7 +1426,7 @@
           <p:cNvPr id="6" name="Footer Placeholder 5">
             <a:extLst>
               <a:ext uri="{FF2B5EF4-FFF2-40B4-BE49-F238E27FC236}">
-                <a16:creationId xmlns:a16="http://schemas.microsoft.com/office/drawing/2014/main" id="{81BB0F96-D8B6-519C-1B1A-DABFB7DAD532}"/>
+                <a16:creationId xmlns:a16="http://schemas.microsoft.com/office/drawing/2014/main" id="{DB7C287B-AE5B-490B-BF81-A50D7A2E872A}"/>
               </a:ext>
             </a:extLst>
           </p:cNvPr>
@@ -1437,7 +1442,7 @@
           <a:bodyPr/>
           <a:lstStyle/>
           <a:p>
-            <a:endParaRPr lang="zh-CN" altLang="en-US"/>
+            <a:endParaRPr lang="en-US"/>
           </a:p>
         </p:txBody>
       </p:sp>
@@ -1446,7 +1451,7 @@
           <p:cNvPr id="7" name="Slide Number Placeholder 6">
             <a:extLst>
               <a:ext uri="{FF2B5EF4-FFF2-40B4-BE49-F238E27FC236}">
-                <a16:creationId xmlns:a16="http://schemas.microsoft.com/office/drawing/2014/main" id="{54A52E56-30FD-B086-78FB-CF2D1CF2156E}"/>
+                <a16:creationId xmlns:a16="http://schemas.microsoft.com/office/drawing/2014/main" id="{B43C2246-303C-4A29-B6EA-E62CEDE6C2A1}"/>
               </a:ext>
             </a:extLst>
           </p:cNvPr>
@@ -1462,18 +1467,18 @@
           <a:bodyPr/>
           <a:lstStyle/>
           <a:p>
-            <a:fld id="{18B9E091-28E0-4D2F-9A84-EC4723FB9D1E}" type="slidenum">
-              <a:rPr lang="zh-CN" altLang="en-US" smtClean="0"/>
+            <a:fld id="{35747434-7036-48DB-A148-6B3D8EE75CDA}" type="slidenum">
+              <a:rPr lang="en-US" smtClean="0"/>
               <a:t>‹#›</a:t>
             </a:fld>
-            <a:endParaRPr lang="zh-CN" altLang="en-US"/>
+            <a:endParaRPr lang="en-US"/>
           </a:p>
         </p:txBody>
       </p:sp>
     </p:spTree>
     <p:extLst>
       <p:ext uri="{BB962C8B-B14F-4D97-AF65-F5344CB8AC3E}">
-        <p14:creationId xmlns:p14="http://schemas.microsoft.com/office/powerpoint/2010/main" val="3096389771"/>
+        <p14:creationId xmlns:p14="http://schemas.microsoft.com/office/powerpoint/2010/main" val="3068223280"/>
       </p:ext>
     </p:extLst>
   </p:cSld>
@@ -1505,7 +1510,7 @@
           <p:cNvPr id="2" name="Title 1">
             <a:extLst>
               <a:ext uri="{FF2B5EF4-FFF2-40B4-BE49-F238E27FC236}">
-                <a16:creationId xmlns:a16="http://schemas.microsoft.com/office/drawing/2014/main" id="{00E2F290-47BA-821C-8B81-B239E2409978}"/>
+                <a16:creationId xmlns:a16="http://schemas.microsoft.com/office/drawing/2014/main" id="{2E42FE79-D5BE-43E8-B6C5-2675B7F4D818}"/>
               </a:ext>
             </a:extLst>
           </p:cNvPr>
@@ -1518,8 +1523,8 @@
         </p:nvSpPr>
         <p:spPr>
           <a:xfrm>
-            <a:off x="839788" y="365125"/>
-            <a:ext cx="10515600" cy="1325563"/>
+            <a:off x="777240" y="365125"/>
+            <a:ext cx="10578148" cy="1325563"/>
           </a:xfrm>
         </p:spPr>
         <p:txBody>
@@ -1527,10 +1532,10 @@
           <a:lstStyle/>
           <a:p>
             <a:r>
-              <a:rPr lang="en-US" altLang="zh-CN"/>
+              <a:rPr lang="en-US"/>
               <a:t>Click to edit Master title style</a:t>
             </a:r>
-            <a:endParaRPr lang="zh-CN" altLang="en-US"/>
+            <a:endParaRPr lang="en-US" dirty="0"/>
           </a:p>
         </p:txBody>
       </p:sp>
@@ -1539,7 +1544,7 @@
           <p:cNvPr id="3" name="Text Placeholder 2">
             <a:extLst>
               <a:ext uri="{FF2B5EF4-FFF2-40B4-BE49-F238E27FC236}">
-                <a16:creationId xmlns:a16="http://schemas.microsoft.com/office/drawing/2014/main" id="{81FAA4C7-0E6D-F101-4F07-7549D4A8CBAB}"/>
+                <a16:creationId xmlns:a16="http://schemas.microsoft.com/office/drawing/2014/main" id="{F69D3A07-BA51-4113-902E-830A887D2394}"/>
               </a:ext>
             </a:extLst>
           </p:cNvPr>
@@ -1552,8 +1557,8 @@
         </p:nvSpPr>
         <p:spPr>
           <a:xfrm>
-            <a:off x="839788" y="1681163"/>
-            <a:ext cx="5157787" cy="823912"/>
+            <a:off x="777240" y="1801812"/>
+            <a:ext cx="5220335" cy="935037"/>
           </a:xfrm>
         </p:spPr>
         <p:txBody>
@@ -1599,7 +1604,7 @@
           <a:p>
             <a:pPr lvl="0"/>
             <a:r>
-              <a:rPr lang="en-US" altLang="zh-CN"/>
+              <a:rPr lang="en-US"/>
               <a:t>Click to edit Master text styles</a:t>
             </a:r>
           </a:p>
@@ -1610,7 +1615,7 @@
           <p:cNvPr id="4" name="Content Placeholder 3">
             <a:extLst>
               <a:ext uri="{FF2B5EF4-FFF2-40B4-BE49-F238E27FC236}">
-                <a16:creationId xmlns:a16="http://schemas.microsoft.com/office/drawing/2014/main" id="{9D031A21-6C3E-9152-599D-C4CB986C80E7}"/>
+                <a16:creationId xmlns:a16="http://schemas.microsoft.com/office/drawing/2014/main" id="{28E320A9-E274-4E1B-B02D-9A3F510A1F22}"/>
               </a:ext>
             </a:extLst>
           </p:cNvPr>
@@ -1623,8 +1628,8 @@
         </p:nvSpPr>
         <p:spPr>
           <a:xfrm>
-            <a:off x="839788" y="2505075"/>
-            <a:ext cx="5157787" cy="3684588"/>
+            <a:off x="777240" y="2825749"/>
+            <a:ext cx="5220335" cy="3363913"/>
           </a:xfrm>
         </p:spPr>
         <p:txBody>
@@ -1633,38 +1638,38 @@
           <a:p>
             <a:pPr lvl="0"/>
             <a:r>
-              <a:rPr lang="en-US" altLang="zh-CN"/>
+              <a:rPr lang="en-US"/>
               <a:t>Click to edit Master text styles</a:t>
             </a:r>
           </a:p>
           <a:p>
             <a:pPr lvl="1"/>
             <a:r>
-              <a:rPr lang="en-US" altLang="zh-CN"/>
+              <a:rPr lang="en-US"/>
               <a:t>Second level</a:t>
             </a:r>
           </a:p>
           <a:p>
             <a:pPr lvl="2"/>
             <a:r>
-              <a:rPr lang="en-US" altLang="zh-CN"/>
+              <a:rPr lang="en-US"/>
               <a:t>Third level</a:t>
             </a:r>
           </a:p>
           <a:p>
             <a:pPr lvl="3"/>
             <a:r>
-              <a:rPr lang="en-US" altLang="zh-CN"/>
+              <a:rPr lang="en-US"/>
               <a:t>Fourth level</a:t>
             </a:r>
           </a:p>
           <a:p>
             <a:pPr lvl="4"/>
             <a:r>
-              <a:rPr lang="en-US" altLang="zh-CN"/>
+              <a:rPr lang="en-US"/>
               <a:t>Fifth level</a:t>
             </a:r>
-            <a:endParaRPr lang="zh-CN" altLang="en-US"/>
+            <a:endParaRPr lang="en-US" dirty="0"/>
           </a:p>
         </p:txBody>
       </p:sp>
@@ -1673,7 +1678,7 @@
           <p:cNvPr id="5" name="Text Placeholder 4">
             <a:extLst>
               <a:ext uri="{FF2B5EF4-FFF2-40B4-BE49-F238E27FC236}">
-                <a16:creationId xmlns:a16="http://schemas.microsoft.com/office/drawing/2014/main" id="{17D68E85-D92E-9A45-F404-F3E94B34AE8C}"/>
+                <a16:creationId xmlns:a16="http://schemas.microsoft.com/office/drawing/2014/main" id="{DBE80D3A-C2A8-4B78-B7E2-4908C74B1C43}"/>
               </a:ext>
             </a:extLst>
           </p:cNvPr>
@@ -1686,8 +1691,8 @@
         </p:nvSpPr>
         <p:spPr>
           <a:xfrm>
-            <a:off x="6172200" y="1681163"/>
-            <a:ext cx="5183188" cy="823912"/>
+            <a:off x="6172200" y="1801812"/>
+            <a:ext cx="5183188" cy="935037"/>
           </a:xfrm>
         </p:spPr>
         <p:txBody>
@@ -1733,7 +1738,7 @@
           <a:p>
             <a:pPr lvl="0"/>
             <a:r>
-              <a:rPr lang="en-US" altLang="zh-CN"/>
+              <a:rPr lang="en-US"/>
               <a:t>Click to edit Master text styles</a:t>
             </a:r>
           </a:p>
@@ -1744,7 +1749,7 @@
           <p:cNvPr id="6" name="Content Placeholder 5">
             <a:extLst>
               <a:ext uri="{FF2B5EF4-FFF2-40B4-BE49-F238E27FC236}">
-                <a16:creationId xmlns:a16="http://schemas.microsoft.com/office/drawing/2014/main" id="{F34206B2-9CF7-C0EA-2483-1B48ABC2A224}"/>
+                <a16:creationId xmlns:a16="http://schemas.microsoft.com/office/drawing/2014/main" id="{FC5D84DD-9460-4B08-86AD-27486A940047}"/>
               </a:ext>
             </a:extLst>
           </p:cNvPr>
@@ -1757,8 +1762,8 @@
         </p:nvSpPr>
         <p:spPr>
           <a:xfrm>
-            <a:off x="6172200" y="2505075"/>
-            <a:ext cx="5183188" cy="3684588"/>
+            <a:off x="6172200" y="2825749"/>
+            <a:ext cx="5183188" cy="3363913"/>
           </a:xfrm>
         </p:spPr>
         <p:txBody>
@@ -1767,38 +1772,37 @@
           <a:p>
             <a:pPr lvl="0"/>
             <a:r>
-              <a:rPr lang="en-US" altLang="zh-CN"/>
+              <a:rPr lang="en-US"/>
               <a:t>Click to edit Master text styles</a:t>
             </a:r>
           </a:p>
           <a:p>
             <a:pPr lvl="1"/>
             <a:r>
-              <a:rPr lang="en-US" altLang="zh-CN"/>
+              <a:rPr lang="en-US"/>
               <a:t>Second level</a:t>
             </a:r>
           </a:p>
           <a:p>
             <a:pPr lvl="2"/>
             <a:r>
-              <a:rPr lang="en-US" altLang="zh-CN"/>
+              <a:rPr lang="en-US"/>
               <a:t>Third level</a:t>
             </a:r>
           </a:p>
           <a:p>
             <a:pPr lvl="3"/>
             <a:r>
-              <a:rPr lang="en-US" altLang="zh-CN"/>
+              <a:rPr lang="en-US"/>
               <a:t>Fourth level</a:t>
             </a:r>
           </a:p>
           <a:p>
             <a:pPr lvl="4"/>
             <a:r>
-              <a:rPr lang="en-US" altLang="zh-CN"/>
+              <a:rPr lang="en-US"/>
               <a:t>Fifth level</a:t>
             </a:r>
-            <a:endParaRPr lang="zh-CN" altLang="en-US"/>
           </a:p>
         </p:txBody>
       </p:sp>
@@ -1807,7 +1811,7 @@
           <p:cNvPr id="7" name="Date Placeholder 6">
             <a:extLst>
               <a:ext uri="{FF2B5EF4-FFF2-40B4-BE49-F238E27FC236}">
-                <a16:creationId xmlns:a16="http://schemas.microsoft.com/office/drawing/2014/main" id="{2055594D-814B-69FF-1080-F3BD93BCDD78}"/>
+                <a16:creationId xmlns:a16="http://schemas.microsoft.com/office/drawing/2014/main" id="{E4B0B7F8-282C-4210-AE7D-F35228BAC803}"/>
               </a:ext>
             </a:extLst>
           </p:cNvPr>
@@ -1823,11 +1827,11 @@
           <a:bodyPr/>
           <a:lstStyle/>
           <a:p>
-            <a:fld id="{9CB25C55-EBBA-4C89-83BD-902FF64EB64C}" type="datetimeFigureOut">
-              <a:rPr lang="zh-CN" altLang="en-US" smtClean="0"/>
-              <a:t>2023/11/28</a:t>
+            <a:fld id="{A8A9F1F3-208B-49A3-B337-9C8ACEB3E0E1}" type="datetime1">
+              <a:rPr lang="en-US" smtClean="0"/>
+              <a:t>11/28/2023</a:t>
             </a:fld>
-            <a:endParaRPr lang="zh-CN" altLang="en-US"/>
+            <a:endParaRPr lang="en-US"/>
           </a:p>
         </p:txBody>
       </p:sp>
@@ -1836,7 +1840,7 @@
           <p:cNvPr id="8" name="Footer Placeholder 7">
             <a:extLst>
               <a:ext uri="{FF2B5EF4-FFF2-40B4-BE49-F238E27FC236}">
-                <a16:creationId xmlns:a16="http://schemas.microsoft.com/office/drawing/2014/main" id="{34869819-EB4C-4482-A585-66275F629344}"/>
+                <a16:creationId xmlns:a16="http://schemas.microsoft.com/office/drawing/2014/main" id="{FAE343A9-1067-4DCF-BACC-1F7F38050226}"/>
               </a:ext>
             </a:extLst>
           </p:cNvPr>
@@ -1852,7 +1856,7 @@
           <a:bodyPr/>
           <a:lstStyle/>
           <a:p>
-            <a:endParaRPr lang="zh-CN" altLang="en-US"/>
+            <a:endParaRPr lang="en-US"/>
           </a:p>
         </p:txBody>
       </p:sp>
@@ -1861,7 +1865,7 @@
           <p:cNvPr id="9" name="Slide Number Placeholder 8">
             <a:extLst>
               <a:ext uri="{FF2B5EF4-FFF2-40B4-BE49-F238E27FC236}">
-                <a16:creationId xmlns:a16="http://schemas.microsoft.com/office/drawing/2014/main" id="{8AA4349D-1F1A-8254-FD45-A3463CFFC61E}"/>
+                <a16:creationId xmlns:a16="http://schemas.microsoft.com/office/drawing/2014/main" id="{0F84E471-04DB-4DB5-8CC5-16B3FC88509D}"/>
               </a:ext>
             </a:extLst>
           </p:cNvPr>
@@ -1877,18 +1881,18 @@
           <a:bodyPr/>
           <a:lstStyle/>
           <a:p>
-            <a:fld id="{18B9E091-28E0-4D2F-9A84-EC4723FB9D1E}" type="slidenum">
-              <a:rPr lang="zh-CN" altLang="en-US" smtClean="0"/>
+            <a:fld id="{35747434-7036-48DB-A148-6B3D8EE75CDA}" type="slidenum">
+              <a:rPr lang="en-US" smtClean="0"/>
               <a:t>‹#›</a:t>
             </a:fld>
-            <a:endParaRPr lang="zh-CN" altLang="en-US"/>
+            <a:endParaRPr lang="en-US"/>
           </a:p>
         </p:txBody>
       </p:sp>
     </p:spTree>
     <p:extLst>
       <p:ext uri="{BB962C8B-B14F-4D97-AF65-F5344CB8AC3E}">
-        <p14:creationId xmlns:p14="http://schemas.microsoft.com/office/powerpoint/2010/main" val="1123327984"/>
+        <p14:creationId xmlns:p14="http://schemas.microsoft.com/office/powerpoint/2010/main" val="441414861"/>
       </p:ext>
     </p:extLst>
   </p:cSld>
@@ -1920,7 +1924,7 @@
           <p:cNvPr id="2" name="Title 1">
             <a:extLst>
               <a:ext uri="{FF2B5EF4-FFF2-40B4-BE49-F238E27FC236}">
-                <a16:creationId xmlns:a16="http://schemas.microsoft.com/office/drawing/2014/main" id="{AE6D8284-78A2-45D4-1258-59E48D6CB738}"/>
+                <a16:creationId xmlns:a16="http://schemas.microsoft.com/office/drawing/2014/main" id="{766D87C0-272E-4E50-A316-78079B2B923E}"/>
               </a:ext>
             </a:extLst>
           </p:cNvPr>
@@ -1931,33 +1935,67 @@
             <p:ph type="title"/>
           </p:nvPr>
         </p:nvSpPr>
+        <p:spPr>
+          <a:xfrm>
+            <a:off x="777240" y="365125"/>
+            <a:ext cx="10659110" cy="1325563"/>
+          </a:xfrm>
+        </p:spPr>
+        <p:txBody>
+          <a:bodyPr/>
+          <a:lstStyle/>
+          <a:p>
+            <a:r>
+              <a:rPr lang="en-US"/>
+              <a:t>Click to edit Master title style</a:t>
+            </a:r>
+            <a:endParaRPr lang="en-US" dirty="0"/>
+          </a:p>
+        </p:txBody>
+      </p:sp>
+      <p:sp>
+        <p:nvSpPr>
+          <p:cNvPr id="3" name="Date Placeholder 2">
+            <a:extLst>
+              <a:ext uri="{FF2B5EF4-FFF2-40B4-BE49-F238E27FC236}">
+                <a16:creationId xmlns:a16="http://schemas.microsoft.com/office/drawing/2014/main" id="{F906C1C9-1F69-432A-858C-D828B56E1659}"/>
+              </a:ext>
+            </a:extLst>
+          </p:cNvPr>
+          <p:cNvSpPr>
+            <a:spLocks noGrp="1"/>
+          </p:cNvSpPr>
+          <p:nvPr>
+            <p:ph type="dt" sz="half" idx="10"/>
+          </p:nvPr>
+        </p:nvSpPr>
         <p:spPr/>
         <p:txBody>
           <a:bodyPr/>
           <a:lstStyle/>
           <a:p>
-            <a:r>
-              <a:rPr lang="en-US" altLang="zh-CN"/>
-              <a:t>Click to edit Master title style</a:t>
-            </a:r>
-            <a:endParaRPr lang="zh-CN" altLang="en-US"/>
-          </a:p>
-        </p:txBody>
-      </p:sp>
-      <p:sp>
-        <p:nvSpPr>
-          <p:cNvPr id="3" name="Date Placeholder 2">
-            <a:extLst>
-              <a:ext uri="{FF2B5EF4-FFF2-40B4-BE49-F238E27FC236}">
-                <a16:creationId xmlns:a16="http://schemas.microsoft.com/office/drawing/2014/main" id="{B6C00F12-C82F-50E2-9E78-7ED4A1565358}"/>
-              </a:ext>
-            </a:extLst>
-          </p:cNvPr>
-          <p:cNvSpPr>
-            <a:spLocks noGrp="1"/>
-          </p:cNvSpPr>
-          <p:nvPr>
-            <p:ph type="dt" sz="half" idx="10"/>
+            <a:fld id="{27AF6CA6-7293-4AA2-A0E0-A3BF4416E786}" type="datetime1">
+              <a:rPr lang="en-US" smtClean="0"/>
+              <a:t>11/28/2023</a:t>
+            </a:fld>
+            <a:endParaRPr lang="en-US"/>
+          </a:p>
+        </p:txBody>
+      </p:sp>
+      <p:sp>
+        <p:nvSpPr>
+          <p:cNvPr id="4" name="Footer Placeholder 3">
+            <a:extLst>
+              <a:ext uri="{FF2B5EF4-FFF2-40B4-BE49-F238E27FC236}">
+                <a16:creationId xmlns:a16="http://schemas.microsoft.com/office/drawing/2014/main" id="{BD6D9A1B-D149-4B97-B161-3D7C9ADBCF78}"/>
+              </a:ext>
+            </a:extLst>
+          </p:cNvPr>
+          <p:cNvSpPr>
+            <a:spLocks noGrp="1"/>
+          </p:cNvSpPr>
+          <p:nvPr>
+            <p:ph type="ftr" sz="quarter" idx="11"/>
           </p:nvPr>
         </p:nvSpPr>
         <p:spPr/>
@@ -1965,28 +2003,24 @@
           <a:bodyPr/>
           <a:lstStyle/>
           <a:p>
-            <a:fld id="{9CB25C55-EBBA-4C89-83BD-902FF64EB64C}" type="datetimeFigureOut">
-              <a:rPr lang="zh-CN" altLang="en-US" smtClean="0"/>
-              <a:t>2023/11/28</a:t>
-            </a:fld>
-            <a:endParaRPr lang="zh-CN" altLang="en-US"/>
-          </a:p>
-        </p:txBody>
-      </p:sp>
-      <p:sp>
-        <p:nvSpPr>
-          <p:cNvPr id="4" name="Footer Placeholder 3">
-            <a:extLst>
-              <a:ext uri="{FF2B5EF4-FFF2-40B4-BE49-F238E27FC236}">
-                <a16:creationId xmlns:a16="http://schemas.microsoft.com/office/drawing/2014/main" id="{0832BE5A-385F-8929-9734-1A9B1CCF86D5}"/>
-              </a:ext>
-            </a:extLst>
-          </p:cNvPr>
-          <p:cNvSpPr>
-            <a:spLocks noGrp="1"/>
-          </p:cNvSpPr>
-          <p:nvPr>
-            <p:ph type="ftr" sz="quarter" idx="11"/>
+            <a:endParaRPr lang="en-US"/>
+          </a:p>
+        </p:txBody>
+      </p:sp>
+      <p:sp>
+        <p:nvSpPr>
+          <p:cNvPr id="5" name="Slide Number Placeholder 4">
+            <a:extLst>
+              <a:ext uri="{FF2B5EF4-FFF2-40B4-BE49-F238E27FC236}">
+                <a16:creationId xmlns:a16="http://schemas.microsoft.com/office/drawing/2014/main" id="{7AB3722F-8C88-4E54-8CD6-12D31A05F813}"/>
+              </a:ext>
+            </a:extLst>
+          </p:cNvPr>
+          <p:cNvSpPr>
+            <a:spLocks noGrp="1"/>
+          </p:cNvSpPr>
+          <p:nvPr>
+            <p:ph type="sldNum" sz="quarter" idx="12"/>
           </p:nvPr>
         </p:nvSpPr>
         <p:spPr/>
@@ -1994,43 +2028,18 @@
           <a:bodyPr/>
           <a:lstStyle/>
           <a:p>
-            <a:endParaRPr lang="zh-CN" altLang="en-US"/>
-          </a:p>
-        </p:txBody>
-      </p:sp>
-      <p:sp>
-        <p:nvSpPr>
-          <p:cNvPr id="5" name="Slide Number Placeholder 4">
-            <a:extLst>
-              <a:ext uri="{FF2B5EF4-FFF2-40B4-BE49-F238E27FC236}">
-                <a16:creationId xmlns:a16="http://schemas.microsoft.com/office/drawing/2014/main" id="{5C81A2D4-807A-7A57-E929-6E334F1540F2}"/>
-              </a:ext>
-            </a:extLst>
-          </p:cNvPr>
-          <p:cNvSpPr>
-            <a:spLocks noGrp="1"/>
-          </p:cNvSpPr>
-          <p:nvPr>
-            <p:ph type="sldNum" sz="quarter" idx="12"/>
-          </p:nvPr>
-        </p:nvSpPr>
-        <p:spPr/>
-        <p:txBody>
-          <a:bodyPr/>
-          <a:lstStyle/>
-          <a:p>
-            <a:fld id="{18B9E091-28E0-4D2F-9A84-EC4723FB9D1E}" type="slidenum">
-              <a:rPr lang="zh-CN" altLang="en-US" smtClean="0"/>
+            <a:fld id="{35747434-7036-48DB-A148-6B3D8EE75CDA}" type="slidenum">
+              <a:rPr lang="en-US" smtClean="0"/>
               <a:t>‹#›</a:t>
             </a:fld>
-            <a:endParaRPr lang="zh-CN" altLang="en-US"/>
+            <a:endParaRPr lang="en-US"/>
           </a:p>
         </p:txBody>
       </p:sp>
     </p:spTree>
     <p:extLst>
       <p:ext uri="{BB962C8B-B14F-4D97-AF65-F5344CB8AC3E}">
-        <p14:creationId xmlns:p14="http://schemas.microsoft.com/office/powerpoint/2010/main" val="2182875131"/>
+        <p14:creationId xmlns:p14="http://schemas.microsoft.com/office/powerpoint/2010/main" val="2285018695"/>
       </p:ext>
     </p:extLst>
   </p:cSld>
@@ -2062,7 +2071,7 @@
           <p:cNvPr id="2" name="Date Placeholder 1">
             <a:extLst>
               <a:ext uri="{FF2B5EF4-FFF2-40B4-BE49-F238E27FC236}">
-                <a16:creationId xmlns:a16="http://schemas.microsoft.com/office/drawing/2014/main" id="{704C9D48-80C2-FC03-9B9B-D8B96D1DE91A}"/>
+                <a16:creationId xmlns:a16="http://schemas.microsoft.com/office/drawing/2014/main" id="{C0E1B4EE-6DFC-45F3-9174-D913EB57CB9D}"/>
               </a:ext>
             </a:extLst>
           </p:cNvPr>
@@ -2078,11 +2087,11 @@
           <a:bodyPr/>
           <a:lstStyle/>
           <a:p>
-            <a:fld id="{9CB25C55-EBBA-4C89-83BD-902FF64EB64C}" type="datetimeFigureOut">
-              <a:rPr lang="zh-CN" altLang="en-US" smtClean="0"/>
-              <a:t>2023/11/28</a:t>
+            <a:fld id="{98D87016-7BCD-46FB-8EE3-AB6C369108B4}" type="datetime1">
+              <a:rPr lang="en-US" smtClean="0"/>
+              <a:t>11/28/2023</a:t>
             </a:fld>
-            <a:endParaRPr lang="zh-CN" altLang="en-US"/>
+            <a:endParaRPr lang="en-US"/>
           </a:p>
         </p:txBody>
       </p:sp>
@@ -2091,7 +2100,7 @@
           <p:cNvPr id="3" name="Footer Placeholder 2">
             <a:extLst>
               <a:ext uri="{FF2B5EF4-FFF2-40B4-BE49-F238E27FC236}">
-                <a16:creationId xmlns:a16="http://schemas.microsoft.com/office/drawing/2014/main" id="{BED3A966-9114-79CB-57EE-632883EDD8B4}"/>
+                <a16:creationId xmlns:a16="http://schemas.microsoft.com/office/drawing/2014/main" id="{0BF7F7DC-6DDE-4337-AD27-BBE7D5422483}"/>
               </a:ext>
             </a:extLst>
           </p:cNvPr>
@@ -2107,7 +2116,7 @@
           <a:bodyPr/>
           <a:lstStyle/>
           <a:p>
-            <a:endParaRPr lang="zh-CN" altLang="en-US"/>
+            <a:endParaRPr lang="en-US"/>
           </a:p>
         </p:txBody>
       </p:sp>
@@ -2116,7 +2125,7 @@
           <p:cNvPr id="4" name="Slide Number Placeholder 3">
             <a:extLst>
               <a:ext uri="{FF2B5EF4-FFF2-40B4-BE49-F238E27FC236}">
-                <a16:creationId xmlns:a16="http://schemas.microsoft.com/office/drawing/2014/main" id="{FC9AA7DA-CEA6-A738-05F9-27C1BE625211}"/>
+                <a16:creationId xmlns:a16="http://schemas.microsoft.com/office/drawing/2014/main" id="{CCC58EA9-3AC4-421E-B133-1FA7757DF8BA}"/>
               </a:ext>
             </a:extLst>
           </p:cNvPr>
@@ -2132,18 +2141,18 @@
           <a:bodyPr/>
           <a:lstStyle/>
           <a:p>
-            <a:fld id="{18B9E091-28E0-4D2F-9A84-EC4723FB9D1E}" type="slidenum">
-              <a:rPr lang="zh-CN" altLang="en-US" smtClean="0"/>
+            <a:fld id="{35747434-7036-48DB-A148-6B3D8EE75CDA}" type="slidenum">
+              <a:rPr lang="en-US" smtClean="0"/>
               <a:t>‹#›</a:t>
             </a:fld>
-            <a:endParaRPr lang="zh-CN" altLang="en-US"/>
+            <a:endParaRPr lang="en-US"/>
           </a:p>
         </p:txBody>
       </p:sp>
     </p:spTree>
     <p:extLst>
       <p:ext uri="{BB962C8B-B14F-4D97-AF65-F5344CB8AC3E}">
-        <p14:creationId xmlns:p14="http://schemas.microsoft.com/office/powerpoint/2010/main" val="2853161403"/>
+        <p14:creationId xmlns:p14="http://schemas.microsoft.com/office/powerpoint/2010/main" val="2650793422"/>
       </p:ext>
     </p:extLst>
   </p:cSld>
@@ -2175,7 +2184,7 @@
           <p:cNvPr id="2" name="Title 1">
             <a:extLst>
               <a:ext uri="{FF2B5EF4-FFF2-40B4-BE49-F238E27FC236}">
-                <a16:creationId xmlns:a16="http://schemas.microsoft.com/office/drawing/2014/main" id="{C281CABE-45E2-C11D-CF3D-077152BA3A19}"/>
+                <a16:creationId xmlns:a16="http://schemas.microsoft.com/office/drawing/2014/main" id="{B9E035BB-74CC-43E9-B71F-A5C05D17EB78}"/>
               </a:ext>
             </a:extLst>
           </p:cNvPr>
@@ -2188,23 +2197,25 @@
         </p:nvSpPr>
         <p:spPr>
           <a:xfrm>
-            <a:off x="839788" y="457200"/>
-            <a:ext cx="3932237" cy="1600200"/>
+            <a:off x="777240" y="457200"/>
+            <a:ext cx="3994785" cy="2501900"/>
           </a:xfrm>
         </p:spPr>
         <p:txBody>
-          <a:bodyPr anchor="b"/>
+          <a:bodyPr anchor="b">
+            <a:normAutofit/>
+          </a:bodyPr>
           <a:lstStyle>
             <a:lvl1pPr>
-              <a:defRPr sz="3200"/>
+              <a:defRPr sz="4000"/>
             </a:lvl1pPr>
           </a:lstStyle>
           <a:p>
             <a:r>
-              <a:rPr lang="en-US" altLang="zh-CN"/>
+              <a:rPr lang="en-US"/>
               <a:t>Click to edit Master title style</a:t>
             </a:r>
-            <a:endParaRPr lang="zh-CN" altLang="en-US"/>
+            <a:endParaRPr lang="en-US" dirty="0"/>
           </a:p>
         </p:txBody>
       </p:sp>
@@ -2213,7 +2224,7 @@
           <p:cNvPr id="3" name="Content Placeholder 2">
             <a:extLst>
               <a:ext uri="{FF2B5EF4-FFF2-40B4-BE49-F238E27FC236}">
-                <a16:creationId xmlns:a16="http://schemas.microsoft.com/office/drawing/2014/main" id="{E6CFE89A-1526-DA62-1887-A8808B8CA9AA}"/>
+                <a16:creationId xmlns:a16="http://schemas.microsoft.com/office/drawing/2014/main" id="{DCAADC9E-7845-4DB1-87E3-6FBFB2B03B8A}"/>
               </a:ext>
             </a:extLst>
           </p:cNvPr>
@@ -2226,27 +2237,29 @@
         </p:nvSpPr>
         <p:spPr>
           <a:xfrm>
-            <a:off x="5183188" y="987425"/>
-            <a:ext cx="6172200" cy="4873625"/>
+            <a:off x="5183188" y="457201"/>
+            <a:ext cx="6172200" cy="5403850"/>
           </a:xfrm>
         </p:spPr>
         <p:txBody>
-          <a:bodyPr/>
+          <a:bodyPr>
+            <a:normAutofit/>
+          </a:bodyPr>
           <a:lstStyle>
             <a:lvl1pPr>
-              <a:defRPr sz="3200"/>
+              <a:defRPr sz="2000"/>
             </a:lvl1pPr>
             <a:lvl2pPr>
-              <a:defRPr sz="2800"/>
+              <a:defRPr sz="1800"/>
             </a:lvl2pPr>
             <a:lvl3pPr>
-              <a:defRPr sz="2400"/>
+              <a:defRPr sz="1600"/>
             </a:lvl3pPr>
             <a:lvl4pPr>
-              <a:defRPr sz="2000"/>
+              <a:defRPr sz="1400"/>
             </a:lvl4pPr>
             <a:lvl5pPr>
-              <a:defRPr sz="2000"/>
+              <a:defRPr sz="1400"/>
             </a:lvl5pPr>
             <a:lvl6pPr>
               <a:defRPr sz="2000"/>
@@ -2264,38 +2277,38 @@
           <a:p>
             <a:pPr lvl="0"/>
             <a:r>
-              <a:rPr lang="en-US" altLang="zh-CN"/>
+              <a:rPr lang="en-US"/>
               <a:t>Click to edit Master text styles</a:t>
             </a:r>
           </a:p>
           <a:p>
             <a:pPr lvl="1"/>
             <a:r>
-              <a:rPr lang="en-US" altLang="zh-CN"/>
+              <a:rPr lang="en-US"/>
               <a:t>Second level</a:t>
             </a:r>
           </a:p>
           <a:p>
             <a:pPr lvl="2"/>
             <a:r>
-              <a:rPr lang="en-US" altLang="zh-CN"/>
+              <a:rPr lang="en-US"/>
               <a:t>Third level</a:t>
             </a:r>
           </a:p>
           <a:p>
             <a:pPr lvl="3"/>
             <a:r>
-              <a:rPr lang="en-US" altLang="zh-CN"/>
+              <a:rPr lang="en-US"/>
               <a:t>Fourth level</a:t>
             </a:r>
           </a:p>
           <a:p>
             <a:pPr lvl="4"/>
             <a:r>
-              <a:rPr lang="en-US" altLang="zh-CN"/>
+              <a:rPr lang="en-US"/>
               <a:t>Fifth level</a:t>
             </a:r>
-            <a:endParaRPr lang="zh-CN" altLang="en-US"/>
+            <a:endParaRPr lang="en-US" dirty="0"/>
           </a:p>
         </p:txBody>
       </p:sp>
@@ -2304,7 +2317,7 @@
           <p:cNvPr id="4" name="Text Placeholder 3">
             <a:extLst>
               <a:ext uri="{FF2B5EF4-FFF2-40B4-BE49-F238E27FC236}">
-                <a16:creationId xmlns:a16="http://schemas.microsoft.com/office/drawing/2014/main" id="{7CB8CBB3-CCBD-F5C6-D698-3CC64C3FD8A3}"/>
+                <a16:creationId xmlns:a16="http://schemas.microsoft.com/office/drawing/2014/main" id="{75C925A8-2A07-43B9-B549-061F3684986B}"/>
               </a:ext>
             </a:extLst>
           </p:cNvPr>
@@ -2317,16 +2330,18 @@
         </p:nvSpPr>
         <p:spPr>
           <a:xfrm>
-            <a:off x="839788" y="2057400"/>
-            <a:ext cx="3932237" cy="3811588"/>
+            <a:off x="777240" y="3092450"/>
+            <a:ext cx="3994785" cy="2776537"/>
           </a:xfrm>
         </p:spPr>
         <p:txBody>
-          <a:bodyPr/>
+          <a:bodyPr>
+            <a:normAutofit/>
+          </a:bodyPr>
           <a:lstStyle>
             <a:lvl1pPr marL="0" indent="0">
               <a:buNone/>
-              <a:defRPr sz="1600"/>
+              <a:defRPr sz="2000"/>
             </a:lvl1pPr>
             <a:lvl2pPr marL="457200" indent="0">
               <a:buNone/>
@@ -2364,7 +2379,7 @@
           <a:p>
             <a:pPr lvl="0"/>
             <a:r>
-              <a:rPr lang="en-US" altLang="zh-CN"/>
+              <a:rPr lang="en-US"/>
               <a:t>Click to edit Master text styles</a:t>
             </a:r>
           </a:p>
@@ -2375,7 +2390,7 @@
           <p:cNvPr id="5" name="Date Placeholder 4">
             <a:extLst>
               <a:ext uri="{FF2B5EF4-FFF2-40B4-BE49-F238E27FC236}">
-                <a16:creationId xmlns:a16="http://schemas.microsoft.com/office/drawing/2014/main" id="{999DB0C9-41C0-115E-CE1D-2ACFA211081C}"/>
+                <a16:creationId xmlns:a16="http://schemas.microsoft.com/office/drawing/2014/main" id="{F31A9037-0564-43A1-8156-1D9932E1F85F}"/>
               </a:ext>
             </a:extLst>
           </p:cNvPr>
@@ -2391,11 +2406,11 @@
           <a:bodyPr/>
           <a:lstStyle/>
           <a:p>
-            <a:fld id="{9CB25C55-EBBA-4C89-83BD-902FF64EB64C}" type="datetimeFigureOut">
-              <a:rPr lang="zh-CN" altLang="en-US" smtClean="0"/>
-              <a:t>2023/11/28</a:t>
+            <a:fld id="{A1547011-1FFC-4EF8-9A2E-53B4AD2ADBD4}" type="datetime1">
+              <a:rPr lang="en-US" smtClean="0"/>
+              <a:t>11/28/2023</a:t>
             </a:fld>
-            <a:endParaRPr lang="zh-CN" altLang="en-US"/>
+            <a:endParaRPr lang="en-US"/>
           </a:p>
         </p:txBody>
       </p:sp>
@@ -2404,7 +2419,7 @@
           <p:cNvPr id="6" name="Footer Placeholder 5">
             <a:extLst>
               <a:ext uri="{FF2B5EF4-FFF2-40B4-BE49-F238E27FC236}">
-                <a16:creationId xmlns:a16="http://schemas.microsoft.com/office/drawing/2014/main" id="{A2A7859C-BFBC-1120-ABB2-D3EDDF47A26D}"/>
+                <a16:creationId xmlns:a16="http://schemas.microsoft.com/office/drawing/2014/main" id="{CBFF0D40-D0E1-49C9-BE47-91BBC50AB2BE}"/>
               </a:ext>
             </a:extLst>
           </p:cNvPr>
@@ -2420,7 +2435,7 @@
           <a:bodyPr/>
           <a:lstStyle/>
           <a:p>
-            <a:endParaRPr lang="zh-CN" altLang="en-US"/>
+            <a:endParaRPr lang="en-US"/>
           </a:p>
         </p:txBody>
       </p:sp>
@@ -2429,7 +2444,7 @@
           <p:cNvPr id="7" name="Slide Number Placeholder 6">
             <a:extLst>
               <a:ext uri="{FF2B5EF4-FFF2-40B4-BE49-F238E27FC236}">
-                <a16:creationId xmlns:a16="http://schemas.microsoft.com/office/drawing/2014/main" id="{CD5547BC-4438-31D5-76E7-240225995F69}"/>
+                <a16:creationId xmlns:a16="http://schemas.microsoft.com/office/drawing/2014/main" id="{C4D129BD-890D-412E-9805-D29F4A0D3622}"/>
               </a:ext>
             </a:extLst>
           </p:cNvPr>
@@ -2445,18 +2460,18 @@
           <a:bodyPr/>
           <a:lstStyle/>
           <a:p>
-            <a:fld id="{18B9E091-28E0-4D2F-9A84-EC4723FB9D1E}" type="slidenum">
-              <a:rPr lang="zh-CN" altLang="en-US" smtClean="0"/>
+            <a:fld id="{35747434-7036-48DB-A148-6B3D8EE75CDA}" type="slidenum">
+              <a:rPr lang="en-US" smtClean="0"/>
               <a:t>‹#›</a:t>
             </a:fld>
-            <a:endParaRPr lang="zh-CN" altLang="en-US"/>
+            <a:endParaRPr lang="en-US"/>
           </a:p>
         </p:txBody>
       </p:sp>
     </p:spTree>
     <p:extLst>
       <p:ext uri="{BB962C8B-B14F-4D97-AF65-F5344CB8AC3E}">
-        <p14:creationId xmlns:p14="http://schemas.microsoft.com/office/powerpoint/2010/main" val="1423852696"/>
+        <p14:creationId xmlns:p14="http://schemas.microsoft.com/office/powerpoint/2010/main" val="1141782940"/>
       </p:ext>
     </p:extLst>
   </p:cSld>
@@ -2488,7 +2503,7 @@
           <p:cNvPr id="2" name="Title 1">
             <a:extLst>
               <a:ext uri="{FF2B5EF4-FFF2-40B4-BE49-F238E27FC236}">
-                <a16:creationId xmlns:a16="http://schemas.microsoft.com/office/drawing/2014/main" id="{A1E937B0-D8A3-B436-5753-08484123B0E6}"/>
+                <a16:creationId xmlns:a16="http://schemas.microsoft.com/office/drawing/2014/main" id="{1D78ADB4-BA7B-42C2-9C6C-58B2763F8617}"/>
               </a:ext>
             </a:extLst>
           </p:cNvPr>
@@ -2501,23 +2516,23 @@
         </p:nvSpPr>
         <p:spPr>
           <a:xfrm>
-            <a:off x="839788" y="457200"/>
-            <a:ext cx="3932237" cy="1600200"/>
+            <a:off x="777240" y="457200"/>
+            <a:ext cx="3994785" cy="2505456"/>
           </a:xfrm>
         </p:spPr>
         <p:txBody>
           <a:bodyPr anchor="b"/>
           <a:lstStyle>
             <a:lvl1pPr>
-              <a:defRPr sz="3200"/>
+              <a:defRPr sz="4000"/>
             </a:lvl1pPr>
           </a:lstStyle>
           <a:p>
             <a:r>
-              <a:rPr lang="en-US" altLang="zh-CN"/>
+              <a:rPr lang="en-US"/>
               <a:t>Click to edit Master title style</a:t>
             </a:r>
-            <a:endParaRPr lang="zh-CN" altLang="en-US"/>
+            <a:endParaRPr lang="en-US" dirty="0"/>
           </a:p>
         </p:txBody>
       </p:sp>
@@ -2526,7 +2541,7 @@
           <p:cNvPr id="3" name="Picture Placeholder 2">
             <a:extLst>
               <a:ext uri="{FF2B5EF4-FFF2-40B4-BE49-F238E27FC236}">
-                <a16:creationId xmlns:a16="http://schemas.microsoft.com/office/drawing/2014/main" id="{6E61EA25-C3B4-E66F-573F-9322498CFEEE}"/>
+                <a16:creationId xmlns:a16="http://schemas.microsoft.com/office/drawing/2014/main" id="{E9519B58-B546-4E6B-BE00-3D1D64DA8699}"/>
               </a:ext>
             </a:extLst>
           </p:cNvPr>
@@ -2539,8 +2554,8 @@
         </p:nvSpPr>
         <p:spPr>
           <a:xfrm>
-            <a:off x="5183188" y="987425"/>
-            <a:ext cx="6172200" cy="4873625"/>
+            <a:off x="5183188" y="457201"/>
+            <a:ext cx="6172200" cy="5403850"/>
           </a:xfrm>
         </p:spPr>
         <p:txBody>
@@ -2584,7 +2599,11 @@
             </a:lvl9pPr>
           </a:lstStyle>
           <a:p>
-            <a:endParaRPr lang="zh-CN" altLang="en-US"/>
+            <a:r>
+              <a:rPr lang="en-US"/>
+              <a:t>Click icon to add picture</a:t>
+            </a:r>
+            <a:endParaRPr lang="en-US" dirty="0"/>
           </a:p>
         </p:txBody>
       </p:sp>
@@ -2593,7 +2612,7 @@
           <p:cNvPr id="4" name="Text Placeholder 3">
             <a:extLst>
               <a:ext uri="{FF2B5EF4-FFF2-40B4-BE49-F238E27FC236}">
-                <a16:creationId xmlns:a16="http://schemas.microsoft.com/office/drawing/2014/main" id="{327EBDA9-D9A8-5881-D1A7-3CA43278079E}"/>
+                <a16:creationId xmlns:a16="http://schemas.microsoft.com/office/drawing/2014/main" id="{3FAA0AB8-41A9-4548-9B83-3EFF79A00793}"/>
               </a:ext>
             </a:extLst>
           </p:cNvPr>
@@ -2606,16 +2625,18 @@
         </p:nvSpPr>
         <p:spPr>
           <a:xfrm>
-            <a:off x="839788" y="2057400"/>
-            <a:ext cx="3932237" cy="3811588"/>
+            <a:off x="777240" y="3081275"/>
+            <a:ext cx="3994785" cy="2779776"/>
           </a:xfrm>
         </p:spPr>
         <p:txBody>
-          <a:bodyPr/>
+          <a:bodyPr>
+            <a:normAutofit/>
+          </a:bodyPr>
           <a:lstStyle>
             <a:lvl1pPr marL="0" indent="0">
               <a:buNone/>
-              <a:defRPr sz="1600"/>
+              <a:defRPr sz="2000"/>
             </a:lvl1pPr>
             <a:lvl2pPr marL="457200" indent="0">
               <a:buNone/>
@@ -2653,7 +2674,7 @@
           <a:p>
             <a:pPr lvl="0"/>
             <a:r>
-              <a:rPr lang="en-US" altLang="zh-CN"/>
+              <a:rPr lang="en-US"/>
               <a:t>Click to edit Master text styles</a:t>
             </a:r>
           </a:p>
@@ -2664,7 +2685,7 @@
           <p:cNvPr id="5" name="Date Placeholder 4">
             <a:extLst>
               <a:ext uri="{FF2B5EF4-FFF2-40B4-BE49-F238E27FC236}">
-                <a16:creationId xmlns:a16="http://schemas.microsoft.com/office/drawing/2014/main" id="{46022603-8981-3F60-9F2F-060D35DB5D05}"/>
+                <a16:creationId xmlns:a16="http://schemas.microsoft.com/office/drawing/2014/main" id="{63BB33ED-A015-4992-A004-33D41CFFADA1}"/>
               </a:ext>
             </a:extLst>
           </p:cNvPr>
@@ -2680,11 +2701,11 @@
           <a:bodyPr/>
           <a:lstStyle/>
           <a:p>
-            <a:fld id="{9CB25C55-EBBA-4C89-83BD-902FF64EB64C}" type="datetimeFigureOut">
-              <a:rPr lang="zh-CN" altLang="en-US" smtClean="0"/>
-              <a:t>2023/11/28</a:t>
+            <a:fld id="{9562EB47-45B4-4EF5-A743-B4885DD2F060}" type="datetime1">
+              <a:rPr lang="en-US" smtClean="0"/>
+              <a:t>11/28/2023</a:t>
             </a:fld>
-            <a:endParaRPr lang="zh-CN" altLang="en-US"/>
+            <a:endParaRPr lang="en-US"/>
           </a:p>
         </p:txBody>
       </p:sp>
@@ -2693,7 +2714,7 @@
           <p:cNvPr id="6" name="Footer Placeholder 5">
             <a:extLst>
               <a:ext uri="{FF2B5EF4-FFF2-40B4-BE49-F238E27FC236}">
-                <a16:creationId xmlns:a16="http://schemas.microsoft.com/office/drawing/2014/main" id="{171F4EDD-12EE-FBFF-FAEB-E7F787DE131A}"/>
+                <a16:creationId xmlns:a16="http://schemas.microsoft.com/office/drawing/2014/main" id="{D3C29CDA-E85F-47D1-83B7-02A50DEBFD3F}"/>
               </a:ext>
             </a:extLst>
           </p:cNvPr>
@@ -2709,7 +2730,7 @@
           <a:bodyPr/>
           <a:lstStyle/>
           <a:p>
-            <a:endParaRPr lang="zh-CN" altLang="en-US"/>
+            <a:endParaRPr lang="en-US"/>
           </a:p>
         </p:txBody>
       </p:sp>
@@ -2718,7 +2739,7 @@
           <p:cNvPr id="7" name="Slide Number Placeholder 6">
             <a:extLst>
               <a:ext uri="{FF2B5EF4-FFF2-40B4-BE49-F238E27FC236}">
-                <a16:creationId xmlns:a16="http://schemas.microsoft.com/office/drawing/2014/main" id="{CEF23138-3D99-CE48-E115-565B08741FBF}"/>
+                <a16:creationId xmlns:a16="http://schemas.microsoft.com/office/drawing/2014/main" id="{1749625F-5352-4136-8AC4-F8899D00A1A9}"/>
               </a:ext>
             </a:extLst>
           </p:cNvPr>
@@ -2734,18 +2755,18 @@
           <a:bodyPr/>
           <a:lstStyle/>
           <a:p>
-            <a:fld id="{18B9E091-28E0-4D2F-9A84-EC4723FB9D1E}" type="slidenum">
-              <a:rPr lang="zh-CN" altLang="en-US" smtClean="0"/>
+            <a:fld id="{35747434-7036-48DB-A148-6B3D8EE75CDA}" type="slidenum">
+              <a:rPr lang="en-US" smtClean="0"/>
               <a:t>‹#›</a:t>
             </a:fld>
-            <a:endParaRPr lang="zh-CN" altLang="en-US"/>
+            <a:endParaRPr lang="en-US"/>
           </a:p>
         </p:txBody>
       </p:sp>
     </p:spTree>
     <p:extLst>
       <p:ext uri="{BB962C8B-B14F-4D97-AF65-F5344CB8AC3E}">
-        <p14:creationId xmlns:p14="http://schemas.microsoft.com/office/powerpoint/2010/main" val="3467832562"/>
+        <p14:creationId xmlns:p14="http://schemas.microsoft.com/office/powerpoint/2010/main" val="3066277832"/>
       </p:ext>
     </p:extLst>
   </p:cSld>
@@ -2777,143 +2798,1285 @@
           <a:chExt cx="0" cy="0"/>
         </a:xfrm>
       </p:grpSpPr>
-      <p:sp>
-        <p:nvSpPr>
-          <p:cNvPr id="2" name="Title Placeholder 1">
-            <a:extLst>
-              <a:ext uri="{FF2B5EF4-FFF2-40B4-BE49-F238E27FC236}">
-                <a16:creationId xmlns:a16="http://schemas.microsoft.com/office/drawing/2014/main" id="{0DFF8335-79F3-2A99-54A3-9B00503F9AF2}"/>
-              </a:ext>
-            </a:extLst>
-          </p:cNvPr>
-          <p:cNvSpPr>
-            <a:spLocks noGrp="1"/>
-          </p:cNvSpPr>
-          <p:nvPr>
-            <p:ph type="title"/>
-          </p:nvPr>
+      <p:sp useBgFill="1">
+        <p:nvSpPr>
+          <p:cNvPr id="39" name="Rectangle 38">
+            <a:extLst>
+              <a:ext uri="{FF2B5EF4-FFF2-40B4-BE49-F238E27FC236}">
+                <a16:creationId xmlns:a16="http://schemas.microsoft.com/office/drawing/2014/main" id="{99B5B3C5-A599-465B-B2B9-866E8B2087CE}"/>
+              </a:ext>
+            </a:extLst>
+          </p:cNvPr>
+          <p:cNvSpPr/>
+          <p:nvPr/>
         </p:nvSpPr>
         <p:spPr>
           <a:xfrm>
-            <a:off x="838200" y="365125"/>
-            <a:ext cx="10515600" cy="1325563"/>
+            <a:off x="-1" y="-1"/>
+            <a:ext cx="12192001" cy="6858001"/>
+          </a:xfrm>
+          <a:prstGeom prst="rect">
+            <a:avLst/>
+          </a:prstGeom>
+          <a:ln>
+            <a:noFill/>
+          </a:ln>
+        </p:spPr>
+        <p:style>
+          <a:lnRef idx="2">
+            <a:schemeClr val="accent1">
+              <a:shade val="50000"/>
+            </a:schemeClr>
+          </a:lnRef>
+          <a:fillRef idx="1">
+            <a:schemeClr val="accent1"/>
+          </a:fillRef>
+          <a:effectRef idx="0">
+            <a:schemeClr val="accent1"/>
+          </a:effectRef>
+          <a:fontRef idx="minor">
+            <a:schemeClr val="lt1"/>
+          </a:fontRef>
+        </p:style>
+        <p:txBody>
+          <a:bodyPr rtlCol="0" anchor="ctr"/>
+          <a:lstStyle/>
+          <a:p>
+            <a:pPr algn="ctr"/>
+            <a:endParaRPr lang="en-US" dirty="0"/>
+          </a:p>
+        </p:txBody>
+      </p:sp>
+      <p:sp>
+        <p:nvSpPr>
+          <p:cNvPr id="41" name="Rectangle 40">
+            <a:extLst>
+              <a:ext uri="{FF2B5EF4-FFF2-40B4-BE49-F238E27FC236}">
+                <a16:creationId xmlns:a16="http://schemas.microsoft.com/office/drawing/2014/main" id="{25C84982-7DD0-43B1-8A2D-BFA4DF1B4E60}"/>
+              </a:ext>
+            </a:extLst>
+          </p:cNvPr>
+          <p:cNvSpPr/>
+          <p:nvPr/>
+        </p:nvSpPr>
+        <p:spPr>
+          <a:xfrm>
+            <a:off x="-1" y="-1"/>
+            <a:ext cx="12192001" cy="6858001"/>
+          </a:xfrm>
+          <a:prstGeom prst="rect">
+            <a:avLst/>
+          </a:prstGeom>
+          <a:solidFill>
+            <a:schemeClr val="bg2"/>
+          </a:solidFill>
+          <a:ln>
+            <a:noFill/>
+          </a:ln>
+        </p:spPr>
+        <p:style>
+          <a:lnRef idx="2">
+            <a:schemeClr val="accent1">
+              <a:shade val="50000"/>
+            </a:schemeClr>
+          </a:lnRef>
+          <a:fillRef idx="1">
+            <a:schemeClr val="accent1"/>
+          </a:fillRef>
+          <a:effectRef idx="0">
+            <a:schemeClr val="accent1"/>
+          </a:effectRef>
+          <a:fontRef idx="minor">
+            <a:schemeClr val="lt1"/>
+          </a:fontRef>
+        </p:style>
+        <p:txBody>
+          <a:bodyPr rtlCol="0" anchor="ctr"/>
+          <a:lstStyle/>
+          <a:p>
+            <a:pPr algn="ctr"/>
+            <a:endParaRPr lang="en-US" sz="900" dirty="0">
+              <a:solidFill>
+                <a:schemeClr val="bg1"/>
+              </a:solidFill>
+              <a:latin typeface="+mj-lt"/>
+            </a:endParaRPr>
+          </a:p>
+        </p:txBody>
+      </p:sp>
+      <p:grpSp>
+        <p:nvGrpSpPr>
+          <p:cNvPr id="8" name="Decorative Circles">
+            <a:extLst>
+              <a:ext uri="{FF2B5EF4-FFF2-40B4-BE49-F238E27FC236}">
+                <a16:creationId xmlns:a16="http://schemas.microsoft.com/office/drawing/2014/main" id="{1D912E1C-3BBA-42F0-A3EE-FEC382E7230A}"/>
+              </a:ext>
+            </a:extLst>
+          </p:cNvPr>
+          <p:cNvGrpSpPr/>
+          <p:nvPr/>
+        </p:nvGrpSpPr>
+        <p:grpSpPr>
+          <a:xfrm>
+            <a:off x="-1" y="-1"/>
+            <a:ext cx="12192001" cy="6858001"/>
+            <a:chOff x="-1" y="-1"/>
+            <a:chExt cx="12192001" cy="6858001"/>
+          </a:xfrm>
+        </p:grpSpPr>
+        <p:sp>
+          <p:nvSpPr>
+            <p:cNvPr id="21" name="Oval 20">
+              <a:extLst>
+                <a:ext uri="{FF2B5EF4-FFF2-40B4-BE49-F238E27FC236}">
+                  <a16:creationId xmlns:a16="http://schemas.microsoft.com/office/drawing/2014/main" id="{2FEEAC76-E273-46A8-8F8E-CE59860FE70D}"/>
+                </a:ext>
+              </a:extLst>
+            </p:cNvPr>
+            <p:cNvSpPr/>
+            <p:nvPr/>
+          </p:nvSpPr>
+          <p:spPr>
+            <a:xfrm>
+              <a:off x="209098" y="727602"/>
+              <a:ext cx="172408" cy="172408"/>
+            </a:xfrm>
+            <a:prstGeom prst="ellipse">
+              <a:avLst/>
+            </a:prstGeom>
+            <a:solidFill>
+              <a:schemeClr val="accent2">
+                <a:lumMod val="40000"/>
+                <a:lumOff val="60000"/>
+                <a:alpha val="50000"/>
+              </a:schemeClr>
+            </a:solidFill>
+            <a:ln>
+              <a:noFill/>
+            </a:ln>
+          </p:spPr>
+          <p:style>
+            <a:lnRef idx="2">
+              <a:schemeClr val="accent1">
+                <a:shade val="50000"/>
+              </a:schemeClr>
+            </a:lnRef>
+            <a:fillRef idx="1">
+              <a:schemeClr val="accent1"/>
+            </a:fillRef>
+            <a:effectRef idx="0">
+              <a:schemeClr val="accent1"/>
+            </a:effectRef>
+            <a:fontRef idx="minor">
+              <a:schemeClr val="lt1"/>
+            </a:fontRef>
+          </p:style>
+          <p:txBody>
+            <a:bodyPr rtlCol="0" anchor="ctr"/>
+            <a:lstStyle/>
+            <a:p>
+              <a:pPr algn="ctr"/>
+              <a:endParaRPr lang="en-US"/>
+            </a:p>
+          </p:txBody>
+        </p:sp>
+        <p:sp>
+          <p:nvSpPr>
+            <p:cNvPr id="25" name="Oval 24">
+              <a:extLst>
+                <a:ext uri="{FF2B5EF4-FFF2-40B4-BE49-F238E27FC236}">
+                  <a16:creationId xmlns:a16="http://schemas.microsoft.com/office/drawing/2014/main" id="{76594A0E-9400-45AD-A431-1DA1C0B28966}"/>
+                </a:ext>
+              </a:extLst>
+            </p:cNvPr>
+            <p:cNvSpPr/>
+            <p:nvPr/>
+          </p:nvSpPr>
+          <p:spPr>
+            <a:xfrm>
+              <a:off x="949947" y="136523"/>
+              <a:ext cx="113367" cy="113367"/>
+            </a:xfrm>
+            <a:prstGeom prst="ellipse">
+              <a:avLst/>
+            </a:prstGeom>
+            <a:solidFill>
+              <a:srgbClr val="F39E29">
+                <a:alpha val="50000"/>
+              </a:srgbClr>
+            </a:solidFill>
+            <a:ln>
+              <a:noFill/>
+            </a:ln>
+          </p:spPr>
+          <p:style>
+            <a:lnRef idx="2">
+              <a:schemeClr val="accent1">
+                <a:shade val="50000"/>
+              </a:schemeClr>
+            </a:lnRef>
+            <a:fillRef idx="1">
+              <a:schemeClr val="accent1"/>
+            </a:fillRef>
+            <a:effectRef idx="0">
+              <a:schemeClr val="accent1"/>
+            </a:effectRef>
+            <a:fontRef idx="minor">
+              <a:schemeClr val="lt1"/>
+            </a:fontRef>
+          </p:style>
+          <p:txBody>
+            <a:bodyPr rtlCol="0" anchor="ctr"/>
+            <a:lstStyle/>
+            <a:p>
+              <a:pPr algn="ctr"/>
+              <a:endParaRPr lang="en-US"/>
+            </a:p>
+          </p:txBody>
+        </p:sp>
+        <p:sp>
+          <p:nvSpPr>
+            <p:cNvPr id="31" name="Oval 30">
+              <a:extLst>
+                <a:ext uri="{FF2B5EF4-FFF2-40B4-BE49-F238E27FC236}">
+                  <a16:creationId xmlns:a16="http://schemas.microsoft.com/office/drawing/2014/main" id="{20916D6C-D32F-42B6-8512-CD5EDB8F2B9B}"/>
+                </a:ext>
+              </a:extLst>
+            </p:cNvPr>
+            <p:cNvSpPr/>
+            <p:nvPr/>
+          </p:nvSpPr>
+          <p:spPr>
+            <a:xfrm>
+              <a:off x="11575290" y="5859047"/>
+              <a:ext cx="305780" cy="305780"/>
+            </a:xfrm>
+            <a:prstGeom prst="ellipse">
+              <a:avLst/>
+            </a:prstGeom>
+            <a:solidFill>
+              <a:schemeClr val="accent1">
+                <a:lumMod val="60000"/>
+                <a:lumOff val="40000"/>
+                <a:alpha val="50000"/>
+              </a:schemeClr>
+            </a:solidFill>
+            <a:ln>
+              <a:noFill/>
+            </a:ln>
+          </p:spPr>
+          <p:style>
+            <a:lnRef idx="2">
+              <a:schemeClr val="accent1">
+                <a:shade val="50000"/>
+              </a:schemeClr>
+            </a:lnRef>
+            <a:fillRef idx="1">
+              <a:schemeClr val="accent1"/>
+            </a:fillRef>
+            <a:effectRef idx="0">
+              <a:schemeClr val="accent1"/>
+            </a:effectRef>
+            <a:fontRef idx="minor">
+              <a:schemeClr val="lt1"/>
+            </a:fontRef>
+          </p:style>
+          <p:txBody>
+            <a:bodyPr rtlCol="0" anchor="ctr"/>
+            <a:lstStyle/>
+            <a:p>
+              <a:pPr algn="ctr"/>
+              <a:endParaRPr lang="en-US"/>
+            </a:p>
+          </p:txBody>
+        </p:sp>
+        <p:sp>
+          <p:nvSpPr>
+            <p:cNvPr id="7" name="Oval 6">
+              <a:extLst>
+                <a:ext uri="{FF2B5EF4-FFF2-40B4-BE49-F238E27FC236}">
+                  <a16:creationId xmlns:a16="http://schemas.microsoft.com/office/drawing/2014/main" id="{3834846D-59C6-40F4-907C-F1A4689B58F1}"/>
+                </a:ext>
+              </a:extLst>
+            </p:cNvPr>
+            <p:cNvSpPr/>
+            <p:nvPr/>
+          </p:nvSpPr>
+          <p:spPr>
+            <a:xfrm>
+              <a:off x="95730" y="1133938"/>
+              <a:ext cx="226735" cy="226735"/>
+            </a:xfrm>
+            <a:prstGeom prst="ellipse">
+              <a:avLst/>
+            </a:prstGeom>
+            <a:solidFill>
+              <a:schemeClr val="accent3">
+                <a:alpha val="50000"/>
+              </a:schemeClr>
+            </a:solidFill>
+            <a:ln>
+              <a:noFill/>
+            </a:ln>
+          </p:spPr>
+          <p:style>
+            <a:lnRef idx="2">
+              <a:schemeClr val="accent1">
+                <a:shade val="50000"/>
+              </a:schemeClr>
+            </a:lnRef>
+            <a:fillRef idx="1">
+              <a:schemeClr val="accent1"/>
+            </a:fillRef>
+            <a:effectRef idx="0">
+              <a:schemeClr val="accent1"/>
+            </a:effectRef>
+            <a:fontRef idx="minor">
+              <a:schemeClr val="lt1"/>
+            </a:fontRef>
+          </p:style>
+          <p:txBody>
+            <a:bodyPr rtlCol="0" anchor="ctr"/>
+            <a:lstStyle/>
+            <a:p>
+              <a:pPr algn="ctr"/>
+              <a:endParaRPr lang="en-US"/>
+            </a:p>
+          </p:txBody>
+        </p:sp>
+        <p:sp>
+          <p:nvSpPr>
+            <p:cNvPr id="47" name="Oval 46">
+              <a:extLst>
+                <a:ext uri="{FF2B5EF4-FFF2-40B4-BE49-F238E27FC236}">
+                  <a16:creationId xmlns:a16="http://schemas.microsoft.com/office/drawing/2014/main" id="{5A257CDF-2E36-4DC7-8EE4-5CD8F8ECAC87}"/>
+                </a:ext>
+              </a:extLst>
+            </p:cNvPr>
+            <p:cNvSpPr/>
+            <p:nvPr/>
+          </p:nvSpPr>
+          <p:spPr>
+            <a:xfrm>
+              <a:off x="11536830" y="554419"/>
+              <a:ext cx="382700" cy="382700"/>
+            </a:xfrm>
+            <a:prstGeom prst="ellipse">
+              <a:avLst/>
+            </a:prstGeom>
+            <a:solidFill>
+              <a:schemeClr val="accent2">
+                <a:lumMod val="60000"/>
+                <a:lumOff val="40000"/>
+                <a:alpha val="72000"/>
+              </a:schemeClr>
+            </a:solidFill>
+            <a:ln>
+              <a:noFill/>
+            </a:ln>
+          </p:spPr>
+          <p:style>
+            <a:lnRef idx="2">
+              <a:schemeClr val="accent1">
+                <a:shade val="50000"/>
+              </a:schemeClr>
+            </a:lnRef>
+            <a:fillRef idx="1">
+              <a:schemeClr val="accent1"/>
+            </a:fillRef>
+            <a:effectRef idx="0">
+              <a:schemeClr val="accent1"/>
+            </a:effectRef>
+            <a:fontRef idx="minor">
+              <a:schemeClr val="lt1"/>
+            </a:fontRef>
+          </p:style>
+          <p:txBody>
+            <a:bodyPr rtlCol="0" anchor="ctr"/>
+            <a:lstStyle/>
+            <a:p>
+              <a:pPr algn="ctr"/>
+              <a:endParaRPr lang="en-US" dirty="0"/>
+            </a:p>
+          </p:txBody>
+        </p:sp>
+        <p:sp>
+          <p:nvSpPr>
+            <p:cNvPr id="48" name="Oval 47">
+              <a:extLst>
+                <a:ext uri="{FF2B5EF4-FFF2-40B4-BE49-F238E27FC236}">
+                  <a16:creationId xmlns:a16="http://schemas.microsoft.com/office/drawing/2014/main" id="{D5B26E0E-A115-4AE2-82D8-76BB93CC494F}"/>
+                </a:ext>
+              </a:extLst>
+            </p:cNvPr>
+            <p:cNvSpPr/>
+            <p:nvPr/>
+          </p:nvSpPr>
+          <p:spPr>
+            <a:xfrm>
+              <a:off x="11224303" y="299808"/>
+              <a:ext cx="113367" cy="113367"/>
+            </a:xfrm>
+            <a:prstGeom prst="ellipse">
+              <a:avLst/>
+            </a:prstGeom>
+            <a:solidFill>
+              <a:srgbClr val="F39E29"/>
+            </a:solidFill>
+            <a:ln>
+              <a:noFill/>
+            </a:ln>
+          </p:spPr>
+          <p:style>
+            <a:lnRef idx="2">
+              <a:schemeClr val="accent1">
+                <a:shade val="50000"/>
+              </a:schemeClr>
+            </a:lnRef>
+            <a:fillRef idx="1">
+              <a:schemeClr val="accent1"/>
+            </a:fillRef>
+            <a:effectRef idx="0">
+              <a:schemeClr val="accent1"/>
+            </a:effectRef>
+            <a:fontRef idx="minor">
+              <a:schemeClr val="lt1"/>
+            </a:fontRef>
+          </p:style>
+          <p:txBody>
+            <a:bodyPr rtlCol="0" anchor="ctr"/>
+            <a:lstStyle/>
+            <a:p>
+              <a:pPr algn="ctr"/>
+              <a:endParaRPr lang="en-US"/>
+            </a:p>
+          </p:txBody>
+        </p:sp>
+        <p:sp>
+          <p:nvSpPr>
+            <p:cNvPr id="49" name="Oval 48">
+              <a:extLst>
+                <a:ext uri="{FF2B5EF4-FFF2-40B4-BE49-F238E27FC236}">
+                  <a16:creationId xmlns:a16="http://schemas.microsoft.com/office/drawing/2014/main" id="{755058DB-7E01-4E95-BF59-983AA1BBB38E}"/>
+                </a:ext>
+              </a:extLst>
+            </p:cNvPr>
+            <p:cNvSpPr/>
+            <p:nvPr/>
+          </p:nvSpPr>
+          <p:spPr>
+            <a:xfrm>
+              <a:off x="11629630" y="5482355"/>
+              <a:ext cx="94160" cy="94160"/>
+            </a:xfrm>
+            <a:prstGeom prst="ellipse">
+              <a:avLst/>
+            </a:prstGeom>
+            <a:solidFill>
+              <a:srgbClr val="E3BEBE">
+                <a:alpha val="28000"/>
+              </a:srgbClr>
+            </a:solidFill>
+            <a:ln>
+              <a:noFill/>
+            </a:ln>
+          </p:spPr>
+          <p:style>
+            <a:lnRef idx="2">
+              <a:schemeClr val="accent1">
+                <a:shade val="50000"/>
+              </a:schemeClr>
+            </a:lnRef>
+            <a:fillRef idx="1">
+              <a:schemeClr val="accent1"/>
+            </a:fillRef>
+            <a:effectRef idx="0">
+              <a:schemeClr val="accent1"/>
+            </a:effectRef>
+            <a:fontRef idx="minor">
+              <a:schemeClr val="lt1"/>
+            </a:fontRef>
+          </p:style>
+          <p:txBody>
+            <a:bodyPr rtlCol="0" anchor="ctr"/>
+            <a:lstStyle/>
+            <a:p>
+              <a:pPr algn="ctr"/>
+              <a:endParaRPr lang="en-US"/>
+            </a:p>
+          </p:txBody>
+        </p:sp>
+        <p:sp>
+          <p:nvSpPr>
+            <p:cNvPr id="51" name="Oval 50">
+              <a:extLst>
+                <a:ext uri="{FF2B5EF4-FFF2-40B4-BE49-F238E27FC236}">
+                  <a16:creationId xmlns:a16="http://schemas.microsoft.com/office/drawing/2014/main" id="{A810F7E2-23F3-44D6-B09E-71E556536052}"/>
+                </a:ext>
+              </a:extLst>
+            </p:cNvPr>
+            <p:cNvSpPr/>
+            <p:nvPr/>
+          </p:nvSpPr>
+          <p:spPr>
+            <a:xfrm>
+              <a:off x="10415328" y="6124958"/>
+              <a:ext cx="113367" cy="113367"/>
+            </a:xfrm>
+            <a:prstGeom prst="ellipse">
+              <a:avLst/>
+            </a:prstGeom>
+            <a:solidFill>
+              <a:schemeClr val="accent3"/>
+            </a:solidFill>
+            <a:ln>
+              <a:noFill/>
+            </a:ln>
+          </p:spPr>
+          <p:style>
+            <a:lnRef idx="2">
+              <a:schemeClr val="accent1">
+                <a:shade val="50000"/>
+              </a:schemeClr>
+            </a:lnRef>
+            <a:fillRef idx="1">
+              <a:schemeClr val="accent1"/>
+            </a:fillRef>
+            <a:effectRef idx="0">
+              <a:schemeClr val="accent1"/>
+            </a:effectRef>
+            <a:fontRef idx="minor">
+              <a:schemeClr val="lt1"/>
+            </a:fontRef>
+          </p:style>
+          <p:txBody>
+            <a:bodyPr rtlCol="0" anchor="ctr"/>
+            <a:lstStyle/>
+            <a:p>
+              <a:pPr algn="ctr"/>
+              <a:endParaRPr lang="en-US"/>
+            </a:p>
+          </p:txBody>
+        </p:sp>
+        <p:sp>
+          <p:nvSpPr>
+            <p:cNvPr id="52" name="Oval 51">
+              <a:extLst>
+                <a:ext uri="{FF2B5EF4-FFF2-40B4-BE49-F238E27FC236}">
+                  <a16:creationId xmlns:a16="http://schemas.microsoft.com/office/drawing/2014/main" id="{59D5C391-E1DB-410A-A78C-ED3BBDFF0758}"/>
+                </a:ext>
+              </a:extLst>
+            </p:cNvPr>
+            <p:cNvSpPr/>
+            <p:nvPr/>
+          </p:nvSpPr>
+          <p:spPr>
+            <a:xfrm>
+              <a:off x="10120382" y="6255986"/>
+              <a:ext cx="305780" cy="305780"/>
+            </a:xfrm>
+            <a:prstGeom prst="ellipse">
+              <a:avLst/>
+            </a:prstGeom>
+            <a:solidFill>
+              <a:schemeClr val="accent1">
+                <a:lumMod val="20000"/>
+                <a:lumOff val="80000"/>
+              </a:schemeClr>
+            </a:solidFill>
+            <a:ln>
+              <a:noFill/>
+            </a:ln>
+          </p:spPr>
+          <p:style>
+            <a:lnRef idx="2">
+              <a:schemeClr val="accent1">
+                <a:shade val="50000"/>
+              </a:schemeClr>
+            </a:lnRef>
+            <a:fillRef idx="1">
+              <a:schemeClr val="accent1"/>
+            </a:fillRef>
+            <a:effectRef idx="0">
+              <a:schemeClr val="accent1"/>
+            </a:effectRef>
+            <a:fontRef idx="minor">
+              <a:schemeClr val="lt1"/>
+            </a:fontRef>
+          </p:style>
+          <p:txBody>
+            <a:bodyPr rtlCol="0" anchor="ctr"/>
+            <a:lstStyle/>
+            <a:p>
+              <a:pPr algn="ctr"/>
+              <a:endParaRPr lang="en-US" dirty="0"/>
+            </a:p>
+          </p:txBody>
+        </p:sp>
+        <p:sp>
+          <p:nvSpPr>
+            <p:cNvPr id="53" name="Oval 52">
+              <a:extLst>
+                <a:ext uri="{FF2B5EF4-FFF2-40B4-BE49-F238E27FC236}">
+                  <a16:creationId xmlns:a16="http://schemas.microsoft.com/office/drawing/2014/main" id="{77C4944D-9373-4283-BCAA-927A0316659E}"/>
+                </a:ext>
+              </a:extLst>
+            </p:cNvPr>
+            <p:cNvSpPr/>
+            <p:nvPr/>
+          </p:nvSpPr>
+          <p:spPr>
+            <a:xfrm>
+              <a:off x="9934343" y="6204350"/>
+              <a:ext cx="113367" cy="113367"/>
+            </a:xfrm>
+            <a:prstGeom prst="ellipse">
+              <a:avLst/>
+            </a:prstGeom>
+            <a:solidFill>
+              <a:schemeClr val="accent6">
+                <a:lumMod val="40000"/>
+                <a:lumOff val="60000"/>
+              </a:schemeClr>
+            </a:solidFill>
+            <a:ln>
+              <a:noFill/>
+            </a:ln>
+          </p:spPr>
+          <p:style>
+            <a:lnRef idx="2">
+              <a:schemeClr val="accent1">
+                <a:shade val="50000"/>
+              </a:schemeClr>
+            </a:lnRef>
+            <a:fillRef idx="1">
+              <a:schemeClr val="accent1"/>
+            </a:fillRef>
+            <a:effectRef idx="0">
+              <a:schemeClr val="accent1"/>
+            </a:effectRef>
+            <a:fontRef idx="minor">
+              <a:schemeClr val="lt1"/>
+            </a:fontRef>
+          </p:style>
+          <p:txBody>
+            <a:bodyPr rtlCol="0" anchor="ctr"/>
+            <a:lstStyle/>
+            <a:p>
+              <a:pPr algn="ctr"/>
+              <a:endParaRPr lang="en-US"/>
+            </a:p>
+          </p:txBody>
+        </p:sp>
+        <p:sp>
+          <p:nvSpPr>
+            <p:cNvPr id="54" name="Freeform: Shape 53">
+              <a:extLst>
+                <a:ext uri="{FF2B5EF4-FFF2-40B4-BE49-F238E27FC236}">
+                  <a16:creationId xmlns:a16="http://schemas.microsoft.com/office/drawing/2014/main" id="{6804C521-2D9F-4CE4-AFD3-D4F1551FEC6A}"/>
+                </a:ext>
+              </a:extLst>
+            </p:cNvPr>
+            <p:cNvSpPr/>
+            <p:nvPr/>
+          </p:nvSpPr>
+          <p:spPr>
+            <a:xfrm>
+              <a:off x="11642244" y="6317718"/>
+              <a:ext cx="549756" cy="540282"/>
+            </a:xfrm>
+            <a:custGeom>
+              <a:avLst/>
+              <a:gdLst>
+                <a:gd name="connsiteX0" fmla="*/ 1224540 w 2115556"/>
+                <a:gd name="connsiteY0" fmla="*/ 0 h 2079100"/>
+                <a:gd name="connsiteX1" fmla="*/ 2090421 w 2115556"/>
+                <a:gd name="connsiteY1" fmla="*/ 358660 h 2079100"/>
+                <a:gd name="connsiteX2" fmla="*/ 2115556 w 2115556"/>
+                <a:gd name="connsiteY2" fmla="*/ 386315 h 2079100"/>
+                <a:gd name="connsiteX3" fmla="*/ 2115556 w 2115556"/>
+                <a:gd name="connsiteY3" fmla="*/ 2062765 h 2079100"/>
+                <a:gd name="connsiteX4" fmla="*/ 2100710 w 2115556"/>
+                <a:gd name="connsiteY4" fmla="*/ 2079100 h 2079100"/>
+                <a:gd name="connsiteX5" fmla="*/ 348370 w 2115556"/>
+                <a:gd name="connsiteY5" fmla="*/ 2079100 h 2079100"/>
+                <a:gd name="connsiteX6" fmla="*/ 279625 w 2115556"/>
+                <a:gd name="connsiteY6" fmla="*/ 2003461 h 2079100"/>
+                <a:gd name="connsiteX7" fmla="*/ 0 w 2115556"/>
+                <a:gd name="connsiteY7" fmla="*/ 1224540 h 2079100"/>
+                <a:gd name="connsiteX8" fmla="*/ 1224540 w 2115556"/>
+                <a:gd name="connsiteY8" fmla="*/ 0 h 2079100"/>
+              </a:gdLst>
+              <a:ahLst/>
+              <a:cxnLst>
+                <a:cxn ang="0">
+                  <a:pos x="connsiteX0" y="connsiteY0"/>
+                </a:cxn>
+                <a:cxn ang="0">
+                  <a:pos x="connsiteX1" y="connsiteY1"/>
+                </a:cxn>
+                <a:cxn ang="0">
+                  <a:pos x="connsiteX2" y="connsiteY2"/>
+                </a:cxn>
+                <a:cxn ang="0">
+                  <a:pos x="connsiteX3" y="connsiteY3"/>
+                </a:cxn>
+                <a:cxn ang="0">
+                  <a:pos x="connsiteX4" y="connsiteY4"/>
+                </a:cxn>
+                <a:cxn ang="0">
+                  <a:pos x="connsiteX5" y="connsiteY5"/>
+                </a:cxn>
+                <a:cxn ang="0">
+                  <a:pos x="connsiteX6" y="connsiteY6"/>
+                </a:cxn>
+                <a:cxn ang="0">
+                  <a:pos x="connsiteX7" y="connsiteY7"/>
+                </a:cxn>
+                <a:cxn ang="0">
+                  <a:pos x="connsiteX8" y="connsiteY8"/>
+                </a:cxn>
+              </a:cxnLst>
+              <a:rect l="l" t="t" r="r" b="b"/>
+              <a:pathLst>
+                <a:path w="2115556" h="2079100">
+                  <a:moveTo>
+                    <a:pt x="1224540" y="0"/>
+                  </a:moveTo>
+                  <a:cubicBezTo>
+                    <a:pt x="1562687" y="0"/>
+                    <a:pt x="1868823" y="137062"/>
+                    <a:pt x="2090421" y="358660"/>
+                  </a:cubicBezTo>
+                  <a:lnTo>
+                    <a:pt x="2115556" y="386315"/>
+                  </a:lnTo>
+                  <a:lnTo>
+                    <a:pt x="2115556" y="2062765"/>
+                  </a:lnTo>
+                  <a:lnTo>
+                    <a:pt x="2100710" y="2079100"/>
+                  </a:lnTo>
+                  <a:lnTo>
+                    <a:pt x="348370" y="2079100"/>
+                  </a:lnTo>
+                  <a:lnTo>
+                    <a:pt x="279625" y="2003461"/>
+                  </a:lnTo>
+                  <a:cubicBezTo>
+                    <a:pt x="104938" y="1791789"/>
+                    <a:pt x="0" y="1520419"/>
+                    <a:pt x="0" y="1224540"/>
+                  </a:cubicBezTo>
+                  <a:cubicBezTo>
+                    <a:pt x="0" y="548245"/>
+                    <a:pt x="548245" y="0"/>
+                    <a:pt x="1224540" y="0"/>
+                  </a:cubicBezTo>
+                  <a:close/>
+                </a:path>
+              </a:pathLst>
+            </a:custGeom>
+            <a:solidFill>
+              <a:schemeClr val="accent6">
+                <a:lumMod val="40000"/>
+                <a:lumOff val="60000"/>
+              </a:schemeClr>
+            </a:solidFill>
+            <a:ln>
+              <a:noFill/>
+            </a:ln>
+          </p:spPr>
+          <p:style>
+            <a:lnRef idx="2">
+              <a:schemeClr val="accent1">
+                <a:shade val="50000"/>
+              </a:schemeClr>
+            </a:lnRef>
+            <a:fillRef idx="1">
+              <a:schemeClr val="accent1"/>
+            </a:fillRef>
+            <a:effectRef idx="0">
+              <a:schemeClr val="accent1"/>
+            </a:effectRef>
+            <a:fontRef idx="minor">
+              <a:schemeClr val="lt1"/>
+            </a:fontRef>
+          </p:style>
+          <p:txBody>
+            <a:bodyPr wrap="square" rtlCol="0" anchor="ctr">
+              <a:noAutofit/>
+            </a:bodyPr>
+            <a:lstStyle/>
+            <a:p>
+              <a:pPr algn="ctr"/>
+              <a:endParaRPr lang="en-US" sz="900" dirty="0">
+                <a:solidFill>
+                  <a:schemeClr val="bg1"/>
+                </a:solidFill>
+                <a:latin typeface="+mj-lt"/>
+              </a:endParaRPr>
+            </a:p>
+          </p:txBody>
+        </p:sp>
+        <p:sp>
+          <p:nvSpPr>
+            <p:cNvPr id="56" name="Freeform: Shape 55">
+              <a:extLst>
+                <a:ext uri="{FF2B5EF4-FFF2-40B4-BE49-F238E27FC236}">
+                  <a16:creationId xmlns:a16="http://schemas.microsoft.com/office/drawing/2014/main" id="{755AC65C-13EF-4182-AA3C-62BE165CC033}"/>
+                </a:ext>
+              </a:extLst>
+            </p:cNvPr>
+            <p:cNvSpPr/>
+            <p:nvPr/>
+          </p:nvSpPr>
+          <p:spPr>
+            <a:xfrm>
+              <a:off x="-1" y="-1"/>
+              <a:ext cx="510196" cy="538336"/>
+            </a:xfrm>
+            <a:custGeom>
+              <a:avLst/>
+              <a:gdLst>
+                <a:gd name="connsiteX0" fmla="*/ 0 w 510196"/>
+                <a:gd name="connsiteY0" fmla="*/ 0 h 538336"/>
+                <a:gd name="connsiteX1" fmla="*/ 459276 w 510196"/>
+                <a:gd name="connsiteY1" fmla="*/ 0 h 538336"/>
+                <a:gd name="connsiteX2" fmla="*/ 482126 w 510196"/>
+                <a:gd name="connsiteY2" fmla="*/ 42098 h 538336"/>
+                <a:gd name="connsiteX3" fmla="*/ 510196 w 510196"/>
+                <a:gd name="connsiteY3" fmla="*/ 181136 h 538336"/>
+                <a:gd name="connsiteX4" fmla="*/ 152996 w 510196"/>
+                <a:gd name="connsiteY4" fmla="*/ 538336 h 538336"/>
+                <a:gd name="connsiteX5" fmla="*/ 13958 w 510196"/>
+                <a:gd name="connsiteY5" fmla="*/ 510266 h 538336"/>
+                <a:gd name="connsiteX6" fmla="*/ 0 w 510196"/>
+                <a:gd name="connsiteY6" fmla="*/ 502690 h 538336"/>
+              </a:gdLst>
+              <a:ahLst/>
+              <a:cxnLst>
+                <a:cxn ang="0">
+                  <a:pos x="connsiteX0" y="connsiteY0"/>
+                </a:cxn>
+                <a:cxn ang="0">
+                  <a:pos x="connsiteX1" y="connsiteY1"/>
+                </a:cxn>
+                <a:cxn ang="0">
+                  <a:pos x="connsiteX2" y="connsiteY2"/>
+                </a:cxn>
+                <a:cxn ang="0">
+                  <a:pos x="connsiteX3" y="connsiteY3"/>
+                </a:cxn>
+                <a:cxn ang="0">
+                  <a:pos x="connsiteX4" y="connsiteY4"/>
+                </a:cxn>
+                <a:cxn ang="0">
+                  <a:pos x="connsiteX5" y="connsiteY5"/>
+                </a:cxn>
+                <a:cxn ang="0">
+                  <a:pos x="connsiteX6" y="connsiteY6"/>
+                </a:cxn>
+              </a:cxnLst>
+              <a:rect l="l" t="t" r="r" b="b"/>
+              <a:pathLst>
+                <a:path w="510196" h="538336">
+                  <a:moveTo>
+                    <a:pt x="0" y="0"/>
+                  </a:moveTo>
+                  <a:lnTo>
+                    <a:pt x="459276" y="0"/>
+                  </a:lnTo>
+                  <a:lnTo>
+                    <a:pt x="482126" y="42098"/>
+                  </a:lnTo>
+                  <a:cubicBezTo>
+                    <a:pt x="500201" y="84833"/>
+                    <a:pt x="510196" y="131817"/>
+                    <a:pt x="510196" y="181136"/>
+                  </a:cubicBezTo>
+                  <a:cubicBezTo>
+                    <a:pt x="510196" y="378412"/>
+                    <a:pt x="350272" y="538336"/>
+                    <a:pt x="152996" y="538336"/>
+                  </a:cubicBezTo>
+                  <a:cubicBezTo>
+                    <a:pt x="103677" y="538336"/>
+                    <a:pt x="56693" y="528341"/>
+                    <a:pt x="13958" y="510266"/>
+                  </a:cubicBezTo>
+                  <a:lnTo>
+                    <a:pt x="0" y="502690"/>
+                  </a:lnTo>
+                  <a:close/>
+                </a:path>
+              </a:pathLst>
+            </a:custGeom>
+            <a:solidFill>
+              <a:schemeClr val="accent1">
+                <a:lumMod val="20000"/>
+                <a:lumOff val="80000"/>
+              </a:schemeClr>
+            </a:solidFill>
+            <a:ln>
+              <a:noFill/>
+            </a:ln>
+          </p:spPr>
+          <p:style>
+            <a:lnRef idx="2">
+              <a:schemeClr val="accent1">
+                <a:shade val="50000"/>
+              </a:schemeClr>
+            </a:lnRef>
+            <a:fillRef idx="1">
+              <a:schemeClr val="accent1"/>
+            </a:fillRef>
+            <a:effectRef idx="0">
+              <a:schemeClr val="accent1"/>
+            </a:effectRef>
+            <a:fontRef idx="minor">
+              <a:schemeClr val="lt1"/>
+            </a:fontRef>
+          </p:style>
+          <p:txBody>
+            <a:bodyPr wrap="square" rtlCol="0" anchor="ctr">
+              <a:noAutofit/>
+            </a:bodyPr>
+            <a:lstStyle/>
+            <a:p>
+              <a:pPr algn="ctr"/>
+              <a:endParaRPr lang="en-US" sz="900" dirty="0">
+                <a:solidFill>
+                  <a:schemeClr val="bg1"/>
+                </a:solidFill>
+                <a:latin typeface="+mj-lt"/>
+              </a:endParaRPr>
+            </a:p>
+          </p:txBody>
+        </p:sp>
+        <p:sp>
+          <p:nvSpPr>
+            <p:cNvPr id="58" name="Freeform: Shape 57">
+              <a:extLst>
+                <a:ext uri="{FF2B5EF4-FFF2-40B4-BE49-F238E27FC236}">
+                  <a16:creationId xmlns:a16="http://schemas.microsoft.com/office/drawing/2014/main" id="{E40DA8D2-FA4B-4282-9D44-48C27B63A153}"/>
+                </a:ext>
+              </a:extLst>
+            </p:cNvPr>
+            <p:cNvSpPr/>
+            <p:nvPr/>
+          </p:nvSpPr>
+          <p:spPr>
+            <a:xfrm>
+              <a:off x="10528695" y="1"/>
+              <a:ext cx="554074" cy="282754"/>
+            </a:xfrm>
+            <a:custGeom>
+              <a:avLst/>
+              <a:gdLst>
+                <a:gd name="connsiteX0" fmla="*/ 644 w 309162"/>
+                <a:gd name="connsiteY0" fmla="*/ 0 h 157771"/>
+                <a:gd name="connsiteX1" fmla="*/ 308518 w 309162"/>
+                <a:gd name="connsiteY1" fmla="*/ 0 h 157771"/>
+                <a:gd name="connsiteX2" fmla="*/ 309162 w 309162"/>
+                <a:gd name="connsiteY2" fmla="*/ 3190 h 157771"/>
+                <a:gd name="connsiteX3" fmla="*/ 154581 w 309162"/>
+                <a:gd name="connsiteY3" fmla="*/ 157771 h 157771"/>
+                <a:gd name="connsiteX4" fmla="*/ 0 w 309162"/>
+                <a:gd name="connsiteY4" fmla="*/ 3190 h 157771"/>
+              </a:gdLst>
+              <a:ahLst/>
+              <a:cxnLst>
+                <a:cxn ang="0">
+                  <a:pos x="connsiteX0" y="connsiteY0"/>
+                </a:cxn>
+                <a:cxn ang="0">
+                  <a:pos x="connsiteX1" y="connsiteY1"/>
+                </a:cxn>
+                <a:cxn ang="0">
+                  <a:pos x="connsiteX2" y="connsiteY2"/>
+                </a:cxn>
+                <a:cxn ang="0">
+                  <a:pos x="connsiteX3" y="connsiteY3"/>
+                </a:cxn>
+                <a:cxn ang="0">
+                  <a:pos x="connsiteX4" y="connsiteY4"/>
+                </a:cxn>
+              </a:cxnLst>
+              <a:rect l="l" t="t" r="r" b="b"/>
+              <a:pathLst>
+                <a:path w="309162" h="157771">
+                  <a:moveTo>
+                    <a:pt x="644" y="0"/>
+                  </a:moveTo>
+                  <a:lnTo>
+                    <a:pt x="308518" y="0"/>
+                  </a:lnTo>
+                  <a:lnTo>
+                    <a:pt x="309162" y="3190"/>
+                  </a:lnTo>
+                  <a:cubicBezTo>
+                    <a:pt x="309162" y="88563"/>
+                    <a:pt x="239954" y="157771"/>
+                    <a:pt x="154581" y="157771"/>
+                  </a:cubicBezTo>
+                  <a:cubicBezTo>
+                    <a:pt x="69208" y="157771"/>
+                    <a:pt x="0" y="88563"/>
+                    <a:pt x="0" y="3190"/>
+                  </a:cubicBezTo>
+                  <a:close/>
+                </a:path>
+              </a:pathLst>
+            </a:custGeom>
+            <a:solidFill>
+              <a:schemeClr val="accent4">
+                <a:lumMod val="60000"/>
+                <a:lumOff val="40000"/>
+              </a:schemeClr>
+            </a:solidFill>
+            <a:ln>
+              <a:noFill/>
+            </a:ln>
+          </p:spPr>
+          <p:style>
+            <a:lnRef idx="2">
+              <a:schemeClr val="accent1">
+                <a:shade val="50000"/>
+              </a:schemeClr>
+            </a:lnRef>
+            <a:fillRef idx="1">
+              <a:schemeClr val="accent1"/>
+            </a:fillRef>
+            <a:effectRef idx="0">
+              <a:schemeClr val="accent1"/>
+            </a:effectRef>
+            <a:fontRef idx="minor">
+              <a:schemeClr val="lt1"/>
+            </a:fontRef>
+          </p:style>
+          <p:txBody>
+            <a:bodyPr wrap="square" rtlCol="0" anchor="ctr">
+              <a:noAutofit/>
+            </a:bodyPr>
+            <a:lstStyle/>
+            <a:p>
+              <a:pPr algn="ctr"/>
+              <a:endParaRPr lang="en-US" sz="900" dirty="0">
+                <a:solidFill>
+                  <a:schemeClr val="bg1"/>
+                </a:solidFill>
+                <a:latin typeface="+mj-lt"/>
+              </a:endParaRPr>
+            </a:p>
+          </p:txBody>
+        </p:sp>
+        <p:sp>
+          <p:nvSpPr>
+            <p:cNvPr id="10" name="Oval 9">
+              <a:extLst>
+                <a:ext uri="{FF2B5EF4-FFF2-40B4-BE49-F238E27FC236}">
+                  <a16:creationId xmlns:a16="http://schemas.microsoft.com/office/drawing/2014/main" id="{99065014-CB18-414D-A527-31ECC45700AB}"/>
+                </a:ext>
+              </a:extLst>
+            </p:cNvPr>
+            <p:cNvSpPr/>
+            <p:nvPr/>
+          </p:nvSpPr>
+          <p:spPr>
+            <a:xfrm>
+              <a:off x="504140" y="1132500"/>
+              <a:ext cx="84680" cy="84680"/>
+            </a:xfrm>
+            <a:prstGeom prst="ellipse">
+              <a:avLst/>
+            </a:prstGeom>
+            <a:solidFill>
+              <a:schemeClr val="accent2"/>
+            </a:solidFill>
+            <a:ln>
+              <a:noFill/>
+            </a:ln>
+          </p:spPr>
+          <p:style>
+            <a:lnRef idx="0">
+              <a:scrgbClr r="0" g="0" b="0"/>
+            </a:lnRef>
+            <a:fillRef idx="0">
+              <a:scrgbClr r="0" g="0" b="0"/>
+            </a:fillRef>
+            <a:effectRef idx="0">
+              <a:scrgbClr r="0" g="0" b="0"/>
+            </a:effectRef>
+            <a:fontRef idx="minor">
+              <a:schemeClr val="lt1"/>
+            </a:fontRef>
+          </p:style>
+          <p:txBody>
+            <a:bodyPr rtlCol="0" anchor="ctr"/>
+            <a:lstStyle/>
+            <a:p>
+              <a:pPr algn="ctr"/>
+              <a:endParaRPr lang="en-US"/>
+            </a:p>
+          </p:txBody>
+        </p:sp>
+        <p:sp>
+          <p:nvSpPr>
+            <p:cNvPr id="61" name="Freeform: Shape 60">
+              <a:extLst>
+                <a:ext uri="{FF2B5EF4-FFF2-40B4-BE49-F238E27FC236}">
+                  <a16:creationId xmlns:a16="http://schemas.microsoft.com/office/drawing/2014/main" id="{8F39E27A-56C1-4328-8DF1-2DA147C78483}"/>
+                </a:ext>
+              </a:extLst>
+            </p:cNvPr>
+            <p:cNvSpPr/>
+            <p:nvPr/>
+          </p:nvSpPr>
+          <p:spPr>
+            <a:xfrm>
+              <a:off x="12051348" y="5576515"/>
+              <a:ext cx="137603" cy="210490"/>
+            </a:xfrm>
+            <a:custGeom>
+              <a:avLst/>
+              <a:gdLst>
+                <a:gd name="connsiteX0" fmla="*/ 105245 w 137603"/>
+                <a:gd name="connsiteY0" fmla="*/ 0 h 210490"/>
+                <a:gd name="connsiteX1" fmla="*/ 137603 w 137603"/>
+                <a:gd name="connsiteY1" fmla="*/ 6533 h 210490"/>
+                <a:gd name="connsiteX2" fmla="*/ 137603 w 137603"/>
+                <a:gd name="connsiteY2" fmla="*/ 203957 h 210490"/>
+                <a:gd name="connsiteX3" fmla="*/ 105245 w 137603"/>
+                <a:gd name="connsiteY3" fmla="*/ 210490 h 210490"/>
+                <a:gd name="connsiteX4" fmla="*/ 0 w 137603"/>
+                <a:gd name="connsiteY4" fmla="*/ 105245 h 210490"/>
+                <a:gd name="connsiteX5" fmla="*/ 105245 w 137603"/>
+                <a:gd name="connsiteY5" fmla="*/ 0 h 210490"/>
+              </a:gdLst>
+              <a:ahLst/>
+              <a:cxnLst>
+                <a:cxn ang="0">
+                  <a:pos x="connsiteX0" y="connsiteY0"/>
+                </a:cxn>
+                <a:cxn ang="0">
+                  <a:pos x="connsiteX1" y="connsiteY1"/>
+                </a:cxn>
+                <a:cxn ang="0">
+                  <a:pos x="connsiteX2" y="connsiteY2"/>
+                </a:cxn>
+                <a:cxn ang="0">
+                  <a:pos x="connsiteX3" y="connsiteY3"/>
+                </a:cxn>
+                <a:cxn ang="0">
+                  <a:pos x="connsiteX4" y="connsiteY4"/>
+                </a:cxn>
+                <a:cxn ang="0">
+                  <a:pos x="connsiteX5" y="connsiteY5"/>
+                </a:cxn>
+              </a:cxnLst>
+              <a:rect l="l" t="t" r="r" b="b"/>
+              <a:pathLst>
+                <a:path w="137603" h="210490">
+                  <a:moveTo>
+                    <a:pt x="105245" y="0"/>
+                  </a:moveTo>
+                  <a:lnTo>
+                    <a:pt x="137603" y="6533"/>
+                  </a:lnTo>
+                  <a:lnTo>
+                    <a:pt x="137603" y="203957"/>
+                  </a:lnTo>
+                  <a:lnTo>
+                    <a:pt x="105245" y="210490"/>
+                  </a:lnTo>
+                  <a:cubicBezTo>
+                    <a:pt x="47120" y="210490"/>
+                    <a:pt x="0" y="163370"/>
+                    <a:pt x="0" y="105245"/>
+                  </a:cubicBezTo>
+                  <a:cubicBezTo>
+                    <a:pt x="0" y="47120"/>
+                    <a:pt x="47120" y="0"/>
+                    <a:pt x="105245" y="0"/>
+                  </a:cubicBezTo>
+                  <a:close/>
+                </a:path>
+              </a:pathLst>
+            </a:custGeom>
+            <a:solidFill>
+              <a:schemeClr val="accent3">
+                <a:lumMod val="40000"/>
+                <a:lumOff val="60000"/>
+              </a:schemeClr>
+            </a:solidFill>
+            <a:ln>
+              <a:noFill/>
+            </a:ln>
+          </p:spPr>
+          <p:style>
+            <a:lnRef idx="2">
+              <a:schemeClr val="accent1">
+                <a:shade val="50000"/>
+              </a:schemeClr>
+            </a:lnRef>
+            <a:fillRef idx="1">
+              <a:schemeClr val="accent1"/>
+            </a:fillRef>
+            <a:effectRef idx="0">
+              <a:schemeClr val="accent1"/>
+            </a:effectRef>
+            <a:fontRef idx="minor">
+              <a:schemeClr val="lt1"/>
+            </a:fontRef>
+          </p:style>
+          <p:txBody>
+            <a:bodyPr wrap="square" rtlCol="0" anchor="ctr">
+              <a:noAutofit/>
+            </a:bodyPr>
+            <a:lstStyle/>
+            <a:p>
+              <a:pPr algn="ctr"/>
+              <a:endParaRPr lang="en-US" sz="900" dirty="0">
+                <a:solidFill>
+                  <a:schemeClr val="bg1"/>
+                </a:solidFill>
+                <a:latin typeface="+mj-lt"/>
+              </a:endParaRPr>
+            </a:p>
+          </p:txBody>
+        </p:sp>
+      </p:grpSp>
+      <p:sp>
+        <p:nvSpPr>
+          <p:cNvPr id="4" name="Date Placeholder 3">
+            <a:extLst>
+              <a:ext uri="{FF2B5EF4-FFF2-40B4-BE49-F238E27FC236}">
+                <a16:creationId xmlns:a16="http://schemas.microsoft.com/office/drawing/2014/main" id="{442C5EC6-E331-4312-AC12-56D55F7D2B15}"/>
+              </a:ext>
+            </a:extLst>
+          </p:cNvPr>
+          <p:cNvSpPr>
+            <a:spLocks noGrp="1"/>
+          </p:cNvSpPr>
+          <p:nvPr>
+            <p:ph type="dt" sz="half" idx="2"/>
+          </p:nvPr>
+        </p:nvSpPr>
+        <p:spPr>
+          <a:xfrm>
+            <a:off x="777240" y="6488268"/>
+            <a:ext cx="2743200" cy="233209"/>
           </a:xfrm>
           <a:prstGeom prst="rect">
             <a:avLst/>
           </a:prstGeom>
         </p:spPr>
         <p:txBody>
-          <a:bodyPr vert="horz" lIns="91440" tIns="45720" rIns="91440" bIns="45720" rtlCol="0" anchor="ctr">
-            <a:normAutofit/>
-          </a:bodyPr>
-          <a:lstStyle/>
-          <a:p>
-            <a:r>
-              <a:rPr lang="en-US" altLang="zh-CN"/>
-              <a:t>Click to edit Master title style</a:t>
-            </a:r>
-            <a:endParaRPr lang="zh-CN" altLang="en-US"/>
-          </a:p>
-        </p:txBody>
-      </p:sp>
-      <p:sp>
-        <p:nvSpPr>
-          <p:cNvPr id="3" name="Text Placeholder 2">
-            <a:extLst>
-              <a:ext uri="{FF2B5EF4-FFF2-40B4-BE49-F238E27FC236}">
-                <a16:creationId xmlns:a16="http://schemas.microsoft.com/office/drawing/2014/main" id="{801B6855-2E19-5C02-E40A-2DEFC94D6CCF}"/>
-              </a:ext>
-            </a:extLst>
-          </p:cNvPr>
-          <p:cNvSpPr>
-            <a:spLocks noGrp="1"/>
-          </p:cNvSpPr>
-          <p:nvPr>
-            <p:ph type="body" idx="1"/>
-          </p:nvPr>
-        </p:nvSpPr>
-        <p:spPr>
-          <a:xfrm>
-            <a:off x="838200" y="1825625"/>
-            <a:ext cx="10515600" cy="4351338"/>
-          </a:xfrm>
-          <a:prstGeom prst="rect">
-            <a:avLst/>
-          </a:prstGeom>
-        </p:spPr>
-        <p:txBody>
-          <a:bodyPr vert="horz" lIns="91440" tIns="45720" rIns="91440" bIns="45720" rtlCol="0">
-            <a:normAutofit/>
-          </a:bodyPr>
-          <a:lstStyle/>
-          <a:p>
-            <a:pPr lvl="0"/>
-            <a:r>
-              <a:rPr lang="en-US" altLang="zh-CN"/>
-              <a:t>Click to edit Master text styles</a:t>
-            </a:r>
-          </a:p>
-          <a:p>
-            <a:pPr lvl="1"/>
-            <a:r>
-              <a:rPr lang="en-US" altLang="zh-CN"/>
-              <a:t>Second level</a:t>
-            </a:r>
-          </a:p>
-          <a:p>
-            <a:pPr lvl="2"/>
-            <a:r>
-              <a:rPr lang="en-US" altLang="zh-CN"/>
-              <a:t>Third level</a:t>
-            </a:r>
-          </a:p>
-          <a:p>
-            <a:pPr lvl="3"/>
-            <a:r>
-              <a:rPr lang="en-US" altLang="zh-CN"/>
-              <a:t>Fourth level</a:t>
-            </a:r>
-          </a:p>
-          <a:p>
-            <a:pPr lvl="4"/>
-            <a:r>
-              <a:rPr lang="en-US" altLang="zh-CN"/>
-              <a:t>Fifth level</a:t>
-            </a:r>
-            <a:endParaRPr lang="zh-CN" altLang="en-US"/>
-          </a:p>
-        </p:txBody>
-      </p:sp>
-      <p:sp>
-        <p:nvSpPr>
-          <p:cNvPr id="4" name="Date Placeholder 3">
-            <a:extLst>
-              <a:ext uri="{FF2B5EF4-FFF2-40B4-BE49-F238E27FC236}">
-                <a16:creationId xmlns:a16="http://schemas.microsoft.com/office/drawing/2014/main" id="{2E1AAC9D-0C54-9C2E-5B15-B736CDC7D3B1}"/>
-              </a:ext>
-            </a:extLst>
-          </p:cNvPr>
-          <p:cNvSpPr>
-            <a:spLocks noGrp="1"/>
-          </p:cNvSpPr>
-          <p:nvPr>
-            <p:ph type="dt" sz="half" idx="2"/>
-          </p:nvPr>
-        </p:nvSpPr>
-        <p:spPr>
-          <a:xfrm>
-            <a:off x="838200" y="6356350"/>
-            <a:ext cx="2743200" cy="365125"/>
-          </a:xfrm>
-          <a:prstGeom prst="rect">
-            <a:avLst/>
-          </a:prstGeom>
-        </p:spPr>
-        <p:txBody>
           <a:bodyPr vert="horz" lIns="91440" tIns="45720" rIns="91440" bIns="45720" rtlCol="0" anchor="ctr"/>
           <a:lstStyle>
             <a:lvl1pPr algn="l">
-              <a:defRPr sz="1200">
+              <a:defRPr sz="1000">
                 <a:solidFill>
                   <a:schemeClr val="tx1">
                     <a:tint val="75000"/>
@@ -2923,11 +4086,11 @@
             </a:lvl1pPr>
           </a:lstStyle>
           <a:p>
-            <a:fld id="{9CB25C55-EBBA-4C89-83BD-902FF64EB64C}" type="datetimeFigureOut">
-              <a:rPr lang="zh-CN" altLang="en-US" smtClean="0"/>
-              <a:t>2023/11/28</a:t>
+            <a:fld id="{4A8D24A4-5FEC-4062-8995-EB21925B3B40}" type="datetime1">
+              <a:rPr lang="en-US" smtClean="0"/>
+              <a:t>11/28/2023</a:t>
             </a:fld>
-            <a:endParaRPr lang="zh-CN" altLang="en-US"/>
+            <a:endParaRPr lang="en-US" sz="1000" dirty="0"/>
           </a:p>
         </p:txBody>
       </p:sp>
@@ -2936,7 +4099,7 @@
           <p:cNvPr id="5" name="Footer Placeholder 4">
             <a:extLst>
               <a:ext uri="{FF2B5EF4-FFF2-40B4-BE49-F238E27FC236}">
-                <a16:creationId xmlns:a16="http://schemas.microsoft.com/office/drawing/2014/main" id="{554E4C1F-882E-0FF0-DE90-7F010E2AA379}"/>
+                <a16:creationId xmlns:a16="http://schemas.microsoft.com/office/drawing/2014/main" id="{3337FC5D-92B2-4B4D-8111-6EDEF280692A}"/>
               </a:ext>
             </a:extLst>
           </p:cNvPr>
@@ -2949,8 +4112,8 @@
         </p:nvSpPr>
         <p:spPr>
           <a:xfrm>
-            <a:off x="4038600" y="6356350"/>
-            <a:ext cx="4114800" cy="365125"/>
+            <a:off x="4038600" y="6488268"/>
+            <a:ext cx="4114800" cy="233209"/>
           </a:xfrm>
           <a:prstGeom prst="rect">
             <a:avLst/>
@@ -2960,7 +4123,7 @@
           <a:bodyPr vert="horz" lIns="91440" tIns="45720" rIns="91440" bIns="45720" rtlCol="0" anchor="ctr"/>
           <a:lstStyle>
             <a:lvl1pPr algn="ctr">
-              <a:defRPr sz="1200">
+              <a:defRPr sz="1000">
                 <a:solidFill>
                   <a:schemeClr val="tx1">
                     <a:tint val="75000"/>
@@ -2970,7 +4133,7 @@
             </a:lvl1pPr>
           </a:lstStyle>
           <a:p>
-            <a:endParaRPr lang="zh-CN" altLang="en-US"/>
+            <a:endParaRPr lang="en-US" sz="1000"/>
           </a:p>
         </p:txBody>
       </p:sp>
@@ -2979,7 +4142,7 @@
           <p:cNvPr id="6" name="Slide Number Placeholder 5">
             <a:extLst>
               <a:ext uri="{FF2B5EF4-FFF2-40B4-BE49-F238E27FC236}">
-                <a16:creationId xmlns:a16="http://schemas.microsoft.com/office/drawing/2014/main" id="{E9B94C83-5A53-89E6-813E-30B598CF4553}"/>
+                <a16:creationId xmlns:a16="http://schemas.microsoft.com/office/drawing/2014/main" id="{723A104D-C777-4A6E-8A43-F94028E5E311}"/>
               </a:ext>
             </a:extLst>
           </p:cNvPr>
@@ -2992,8 +4155,8 @@
         </p:nvSpPr>
         <p:spPr>
           <a:xfrm>
-            <a:off x="8610600" y="6356350"/>
-            <a:ext cx="2743200" cy="365125"/>
+            <a:off x="8693150" y="6488268"/>
+            <a:ext cx="2743200" cy="233209"/>
           </a:xfrm>
           <a:prstGeom prst="rect">
             <a:avLst/>
@@ -3003,7 +4166,7 @@
           <a:bodyPr vert="horz" lIns="91440" tIns="45720" rIns="91440" bIns="45720" rtlCol="0" anchor="ctr"/>
           <a:lstStyle>
             <a:lvl1pPr algn="r">
-              <a:defRPr sz="1200">
+              <a:defRPr sz="1000">
                 <a:solidFill>
                   <a:schemeClr val="tx1">
                     <a:tint val="75000"/>
@@ -3013,35 +4176,143 @@
             </a:lvl1pPr>
           </a:lstStyle>
           <a:p>
-            <a:fld id="{18B9E091-28E0-4D2F-9A84-EC4723FB9D1E}" type="slidenum">
-              <a:rPr lang="zh-CN" altLang="en-US" smtClean="0"/>
+            <a:fld id="{35747434-7036-48DB-A148-6B3D8EE75CDA}" type="slidenum">
+              <a:rPr lang="en-US" smtClean="0"/>
+              <a:pPr/>
               <a:t>‹#›</a:t>
             </a:fld>
-            <a:endParaRPr lang="zh-CN" altLang="en-US"/>
+            <a:endParaRPr lang="en-US" sz="1000" dirty="0"/>
+          </a:p>
+        </p:txBody>
+      </p:sp>
+      <p:sp>
+        <p:nvSpPr>
+          <p:cNvPr id="2" name="Title Placeholder 1">
+            <a:extLst>
+              <a:ext uri="{FF2B5EF4-FFF2-40B4-BE49-F238E27FC236}">
+                <a16:creationId xmlns:a16="http://schemas.microsoft.com/office/drawing/2014/main" id="{12D3A74F-6169-4D30-A245-B46D738BEA81}"/>
+              </a:ext>
+            </a:extLst>
+          </p:cNvPr>
+          <p:cNvSpPr>
+            <a:spLocks noGrp="1"/>
+          </p:cNvSpPr>
+          <p:nvPr>
+            <p:ph type="title"/>
+          </p:nvPr>
+        </p:nvSpPr>
+        <p:spPr>
+          <a:xfrm>
+            <a:off x="777240" y="365125"/>
+            <a:ext cx="10659110" cy="1325563"/>
+          </a:xfrm>
+          <a:prstGeom prst="rect">
+            <a:avLst/>
+          </a:prstGeom>
+        </p:spPr>
+        <p:txBody>
+          <a:bodyPr vert="horz" lIns="91440" tIns="45720" rIns="91440" bIns="45720" rtlCol="0" anchor="ctr">
+            <a:normAutofit/>
+          </a:bodyPr>
+          <a:lstStyle/>
+          <a:p>
+            <a:r>
+              <a:rPr lang="en-US"/>
+              <a:t>Click to edit Master title style</a:t>
+            </a:r>
+            <a:endParaRPr lang="en-US" dirty="0"/>
+          </a:p>
+        </p:txBody>
+      </p:sp>
+      <p:sp>
+        <p:nvSpPr>
+          <p:cNvPr id="3" name="Text Placeholder 2">
+            <a:extLst>
+              <a:ext uri="{FF2B5EF4-FFF2-40B4-BE49-F238E27FC236}">
+                <a16:creationId xmlns:a16="http://schemas.microsoft.com/office/drawing/2014/main" id="{A3877E64-7A05-44DA-81FA-6EF4806BBF0E}"/>
+              </a:ext>
+            </a:extLst>
+          </p:cNvPr>
+          <p:cNvSpPr>
+            <a:spLocks noGrp="1"/>
+          </p:cNvSpPr>
+          <p:nvPr>
+            <p:ph type="body" idx="1"/>
+          </p:nvPr>
+        </p:nvSpPr>
+        <p:spPr>
+          <a:xfrm>
+            <a:off x="777240" y="1825625"/>
+            <a:ext cx="10659110" cy="4351338"/>
+          </a:xfrm>
+          <a:prstGeom prst="rect">
+            <a:avLst/>
+          </a:prstGeom>
+        </p:spPr>
+        <p:txBody>
+          <a:bodyPr vert="horz" lIns="91440" tIns="45720" rIns="91440" bIns="45720" rtlCol="0">
+            <a:normAutofit/>
+          </a:bodyPr>
+          <a:lstStyle/>
+          <a:p>
+            <a:pPr lvl="0"/>
+            <a:r>
+              <a:rPr lang="en-US" dirty="0"/>
+              <a:t>Click to edit Master text styles</a:t>
+            </a:r>
+          </a:p>
+          <a:p>
+            <a:pPr lvl="1"/>
+            <a:r>
+              <a:rPr lang="en-US" dirty="0"/>
+              <a:t>Second level</a:t>
+            </a:r>
+          </a:p>
+          <a:p>
+            <a:pPr lvl="2"/>
+            <a:r>
+              <a:rPr lang="en-US" dirty="0"/>
+              <a:t>Third level</a:t>
+            </a:r>
+          </a:p>
+          <a:p>
+            <a:pPr lvl="3"/>
+            <a:r>
+              <a:rPr lang="en-US" dirty="0"/>
+              <a:t>Fourth level</a:t>
+            </a:r>
+          </a:p>
+          <a:p>
+            <a:pPr lvl="4"/>
+            <a:r>
+              <a:rPr lang="en-US" dirty="0"/>
+              <a:t>Fifth level</a:t>
+            </a:r>
           </a:p>
         </p:txBody>
       </p:sp>
     </p:spTree>
     <p:extLst>
       <p:ext uri="{BB962C8B-B14F-4D97-AF65-F5344CB8AC3E}">
-        <p14:creationId xmlns:p14="http://schemas.microsoft.com/office/powerpoint/2010/main" val="3977500999"/>
+        <p14:creationId xmlns:p14="http://schemas.microsoft.com/office/powerpoint/2010/main" val="84953090"/>
       </p:ext>
     </p:extLst>
   </p:cSld>
   <p:clrMap bg1="lt1" tx1="dk1" bg2="lt2" tx2="dk2" accent1="accent1" accent2="accent2" accent3="accent3" accent4="accent4" accent5="accent5" accent6="accent6" hlink="hlink" folHlink="folHlink"/>
   <p:sldLayoutIdLst>
-    <p:sldLayoutId id="2147483649" r:id="rId1"/>
-    <p:sldLayoutId id="2147483650" r:id="rId2"/>
-    <p:sldLayoutId id="2147483651" r:id="rId3"/>
-    <p:sldLayoutId id="2147483652" r:id="rId4"/>
-    <p:sldLayoutId id="2147483653" r:id="rId5"/>
-    <p:sldLayoutId id="2147483654" r:id="rId6"/>
-    <p:sldLayoutId id="2147483655" r:id="rId7"/>
-    <p:sldLayoutId id="2147483656" r:id="rId8"/>
-    <p:sldLayoutId id="2147483657" r:id="rId9"/>
-    <p:sldLayoutId id="2147483658" r:id="rId10"/>
-    <p:sldLayoutId id="2147483659" r:id="rId11"/>
+    <p:sldLayoutId id="2147483662" r:id="rId1"/>
+    <p:sldLayoutId id="2147483663" r:id="rId2"/>
+    <p:sldLayoutId id="2147483664" r:id="rId3"/>
+    <p:sldLayoutId id="2147483665" r:id="rId4"/>
+    <p:sldLayoutId id="2147483666" r:id="rId5"/>
+    <p:sldLayoutId id="2147483667" r:id="rId6"/>
+    <p:sldLayoutId id="2147483668" r:id="rId7"/>
+    <p:sldLayoutId id="2147483669" r:id="rId8"/>
+    <p:sldLayoutId id="2147483670" r:id="rId9"/>
+    <p:sldLayoutId id="2147483671" r:id="rId10"/>
+    <p:sldLayoutId id="2147483672" r:id="rId11"/>
   </p:sldLayoutIdLst>
+  <p:hf sldNum="0" hdr="0" ftr="0" dt="0"/>
   <p:txStyles>
     <p:titleStyle>
       <a:lvl1pPr algn="l" defTabSz="914400" rtl="0" eaLnBrk="1" latinLnBrk="0" hangingPunct="1">
@@ -3052,9 +4323,9 @@
           <a:spcPct val="0"/>
         </a:spcBef>
         <a:buNone/>
-        <a:defRPr sz="4400" kern="1200">
+        <a:defRPr sz="5400" kern="1200">
           <a:solidFill>
-            <a:schemeClr val="tx1"/>
+            <a:schemeClr val="tx2"/>
           </a:solidFill>
           <a:latin typeface="+mj-lt"/>
           <a:ea typeface="+mj-ea"/>
@@ -3070,11 +4341,17 @@
         <a:spcBef>
           <a:spcPts val="1000"/>
         </a:spcBef>
+        <a:buClr>
+          <a:schemeClr val="tx2">
+            <a:lumMod val="75000"/>
+            <a:lumOff val="25000"/>
+          </a:schemeClr>
+        </a:buClr>
         <a:buFont typeface="Arial" panose="020B0604020202020204" pitchFamily="34" charset="0"/>
         <a:buChar char="•"/>
-        <a:defRPr sz="2800" kern="1200">
+        <a:defRPr sz="2000" kern="1200">
           <a:solidFill>
-            <a:schemeClr val="tx1"/>
+            <a:schemeClr val="tx2"/>
           </a:solidFill>
           <a:latin typeface="+mn-lt"/>
           <a:ea typeface="+mn-ea"/>
@@ -3088,11 +4365,17 @@
         <a:spcBef>
           <a:spcPts val="500"/>
         </a:spcBef>
+        <a:buClr>
+          <a:schemeClr val="tx2">
+            <a:lumMod val="75000"/>
+            <a:lumOff val="25000"/>
+          </a:schemeClr>
+        </a:buClr>
         <a:buFont typeface="Arial" panose="020B0604020202020204" pitchFamily="34" charset="0"/>
         <a:buChar char="•"/>
-        <a:defRPr sz="2400" kern="1200">
+        <a:defRPr sz="1800" kern="1200">
           <a:solidFill>
-            <a:schemeClr val="tx1"/>
+            <a:schemeClr val="tx2"/>
           </a:solidFill>
           <a:latin typeface="+mn-lt"/>
           <a:ea typeface="+mn-ea"/>
@@ -3106,11 +4389,17 @@
         <a:spcBef>
           <a:spcPts val="500"/>
         </a:spcBef>
+        <a:buClr>
+          <a:schemeClr val="tx2">
+            <a:lumMod val="75000"/>
+            <a:lumOff val="25000"/>
+          </a:schemeClr>
+        </a:buClr>
         <a:buFont typeface="Arial" panose="020B0604020202020204" pitchFamily="34" charset="0"/>
         <a:buChar char="•"/>
-        <a:defRPr sz="2000" kern="1200">
+        <a:defRPr sz="1600" kern="1200">
           <a:solidFill>
-            <a:schemeClr val="tx1"/>
+            <a:schemeClr val="tx2"/>
           </a:solidFill>
           <a:latin typeface="+mn-lt"/>
           <a:ea typeface="+mn-ea"/>
@@ -3124,11 +4413,17 @@
         <a:spcBef>
           <a:spcPts val="500"/>
         </a:spcBef>
+        <a:buClr>
+          <a:schemeClr val="tx2">
+            <a:lumMod val="75000"/>
+            <a:lumOff val="25000"/>
+          </a:schemeClr>
+        </a:buClr>
         <a:buFont typeface="Arial" panose="020B0604020202020204" pitchFamily="34" charset="0"/>
         <a:buChar char="•"/>
-        <a:defRPr sz="1800" kern="1200">
+        <a:defRPr sz="1400" kern="1200">
           <a:solidFill>
-            <a:schemeClr val="tx1"/>
+            <a:schemeClr val="tx2"/>
           </a:solidFill>
           <a:latin typeface="+mn-lt"/>
           <a:ea typeface="+mn-ea"/>
@@ -3142,11 +4437,17 @@
         <a:spcBef>
           <a:spcPts val="500"/>
         </a:spcBef>
+        <a:buClr>
+          <a:schemeClr val="tx2">
+            <a:lumMod val="75000"/>
+            <a:lumOff val="25000"/>
+          </a:schemeClr>
+        </a:buClr>
         <a:buFont typeface="Arial" panose="020B0604020202020204" pitchFamily="34" charset="0"/>
         <a:buChar char="•"/>
-        <a:defRPr sz="1800" kern="1200">
+        <a:defRPr sz="1400" kern="1200">
           <a:solidFill>
-            <a:schemeClr val="tx1"/>
+            <a:schemeClr val="tx2"/>
           </a:solidFill>
           <a:latin typeface="+mn-lt"/>
           <a:ea typeface="+mn-ea"/>
@@ -3228,7 +4529,7 @@
     </p:bodyStyle>
     <p:otherStyle>
       <a:defPPr>
-        <a:defRPr lang="zh-CN"/>
+        <a:defRPr lang="en-US"/>
       </a:defPPr>
       <a:lvl1pPr marL="0" algn="l" defTabSz="914400" rtl="0" eaLnBrk="1" latinLnBrk="0" hangingPunct="1">
         <a:defRPr sz="1800" kern="1200">
@@ -3328,6 +4629,14 @@
 <file path=ppt/slides/slide1.xml><?xml version="1.0" encoding="utf-8"?>
 <p:sld xmlns:a="http://schemas.openxmlformats.org/drawingml/2006/main" xmlns:r="http://schemas.openxmlformats.org/officeDocument/2006/relationships" xmlns:p="http://schemas.openxmlformats.org/presentationml/2006/main">
   <p:cSld>
+    <p:bg>
+      <p:bgPr>
+        <a:solidFill>
+          <a:schemeClr val="bg1"/>
+        </a:solidFill>
+        <a:effectLst/>
+      </p:bgPr>
+    </p:bg>
     <p:spTree>
       <p:nvGrpSpPr>
         <p:cNvPr id="1" name=""/>
@@ -3342,6 +4651,697 @@
           <a:chExt cx="0" cy="0"/>
         </a:xfrm>
       </p:grpSpPr>
+      <p:sp useBgFill="1">
+        <p:nvSpPr>
+          <p:cNvPr id="9" name="Rectangle 8">
+            <a:extLst>
+              <a:ext uri="{FF2B5EF4-FFF2-40B4-BE49-F238E27FC236}">
+                <a16:creationId xmlns:a16="http://schemas.microsoft.com/office/drawing/2014/main" id="{733E0473-C315-42D8-A82A-A2FE49DC67DA}"/>
+              </a:ext>
+              <a:ext uri="{C183D7F6-B498-43B3-948B-1728B52AA6E4}">
+                <adec:decorative xmlns:adec="http://schemas.microsoft.com/office/drawing/2017/decorative" val="1"/>
+              </a:ext>
+            </a:extLst>
+          </p:cNvPr>
+          <p:cNvSpPr>
+            <a:spLocks noGrp="1" noRot="1" noChangeAspect="1" noMove="1" noResize="1" noEditPoints="1" noAdjustHandles="1" noChangeArrowheads="1" noChangeShapeType="1" noTextEdit="1"/>
+          </p:cNvSpPr>
+          <p:nvPr>
+            <p:extLst>
+              <p:ext uri="{386F3935-93C4-4BCD-93E2-E3B085C9AB24}">
+                <p16:designElem xmlns:p16="http://schemas.microsoft.com/office/powerpoint/2015/main" val="1"/>
+              </p:ext>
+            </p:extLst>
+          </p:nvPr>
+        </p:nvSpPr>
+        <p:spPr>
+          <a:xfrm>
+            <a:off x="-1" y="0"/>
+            <a:ext cx="12188952" cy="6858000"/>
+          </a:xfrm>
+          <a:prstGeom prst="rect">
+            <a:avLst/>
+          </a:prstGeom>
+          <a:ln>
+            <a:noFill/>
+          </a:ln>
+        </p:spPr>
+        <p:style>
+          <a:lnRef idx="2">
+            <a:schemeClr val="accent1">
+              <a:shade val="50000"/>
+            </a:schemeClr>
+          </a:lnRef>
+          <a:fillRef idx="1">
+            <a:schemeClr val="accent1"/>
+          </a:fillRef>
+          <a:effectRef idx="0">
+            <a:schemeClr val="accent1"/>
+          </a:effectRef>
+          <a:fontRef idx="minor">
+            <a:schemeClr val="lt1"/>
+          </a:fontRef>
+        </p:style>
+        <p:txBody>
+          <a:bodyPr rtlCol="0" anchor="ctr"/>
+          <a:lstStyle/>
+          <a:p>
+            <a:pPr algn="ctr"/>
+            <a:endParaRPr lang="en-US"/>
+          </a:p>
+        </p:txBody>
+      </p:sp>
+      <p:sp>
+        <p:nvSpPr>
+          <p:cNvPr id="11" name="Rectangle 10">
+            <a:extLst>
+              <a:ext uri="{FF2B5EF4-FFF2-40B4-BE49-F238E27FC236}">
+                <a16:creationId xmlns:a16="http://schemas.microsoft.com/office/drawing/2014/main" id="{AD23A251-68F2-43E5-812B-4BBAE1AF535E}"/>
+              </a:ext>
+              <a:ext uri="{C183D7F6-B498-43B3-948B-1728B52AA6E4}">
+                <adec:decorative xmlns:adec="http://schemas.microsoft.com/office/drawing/2017/decorative" val="1"/>
+              </a:ext>
+            </a:extLst>
+          </p:cNvPr>
+          <p:cNvSpPr>
+            <a:spLocks noGrp="1" noRot="1" noChangeAspect="1" noMove="1" noResize="1" noEditPoints="1" noAdjustHandles="1" noChangeArrowheads="1" noChangeShapeType="1" noTextEdit="1"/>
+          </p:cNvSpPr>
+          <p:nvPr>
+            <p:extLst>
+              <p:ext uri="{386F3935-93C4-4BCD-93E2-E3B085C9AB24}">
+                <p16:designElem xmlns:p16="http://schemas.microsoft.com/office/powerpoint/2015/main" val="1"/>
+              </p:ext>
+            </p:extLst>
+          </p:nvPr>
+        </p:nvSpPr>
+        <p:spPr>
+          <a:xfrm>
+            <a:off x="1524" y="0"/>
+            <a:ext cx="12188952" cy="6858000"/>
+          </a:xfrm>
+          <a:prstGeom prst="rect">
+            <a:avLst/>
+          </a:prstGeom>
+          <a:solidFill>
+            <a:srgbClr val="000000"/>
+          </a:solidFill>
+          <a:ln>
+            <a:noFill/>
+          </a:ln>
+        </p:spPr>
+        <p:style>
+          <a:lnRef idx="2">
+            <a:schemeClr val="accent1">
+              <a:shade val="50000"/>
+            </a:schemeClr>
+          </a:lnRef>
+          <a:fillRef idx="1">
+            <a:schemeClr val="accent1"/>
+          </a:fillRef>
+          <a:effectRef idx="0">
+            <a:schemeClr val="accent1"/>
+          </a:effectRef>
+          <a:fontRef idx="minor">
+            <a:schemeClr val="lt1"/>
+          </a:fontRef>
+        </p:style>
+        <p:txBody>
+          <a:bodyPr rtlCol="0" anchor="ctr"/>
+          <a:lstStyle/>
+          <a:p>
+            <a:pPr algn="ctr"/>
+            <a:endParaRPr lang="en-US" sz="900">
+              <a:solidFill>
+                <a:schemeClr val="bg1"/>
+              </a:solidFill>
+              <a:latin typeface="+mj-lt"/>
+            </a:endParaRPr>
+          </a:p>
+        </p:txBody>
+      </p:sp>
+      <p:pic>
+        <p:nvPicPr>
+          <p:cNvPr id="4" name="Picture 3" descr="Graph on document with pen">
+            <a:extLst>
+              <a:ext uri="{FF2B5EF4-FFF2-40B4-BE49-F238E27FC236}">
+                <a16:creationId xmlns:a16="http://schemas.microsoft.com/office/drawing/2014/main" id="{E55F848B-19FC-A492-33D3-C9A64092C437}"/>
+              </a:ext>
+            </a:extLst>
+          </p:cNvPr>
+          <p:cNvPicPr>
+            <a:picLocks noChangeAspect="1"/>
+          </p:cNvPicPr>
+          <p:nvPr/>
+        </p:nvPicPr>
+        <p:blipFill rotWithShape="1">
+          <a:blip r:embed="rId2">
+            <a:alphaModFix amt="40000"/>
+          </a:blip>
+          <a:srcRect t="1500" r="-1" b="14208"/>
+          <a:stretch/>
+        </p:blipFill>
+        <p:spPr>
+          <a:xfrm>
+            <a:off x="1525" y="10"/>
+            <a:ext cx="12188951" cy="6857990"/>
+          </a:xfrm>
+          <a:prstGeom prst="rect">
+            <a:avLst/>
+          </a:prstGeom>
+        </p:spPr>
+      </p:pic>
+      <p:grpSp>
+        <p:nvGrpSpPr>
+          <p:cNvPr id="22" name="decorative circle">
+            <a:extLst>
+              <a:ext uri="{FF2B5EF4-FFF2-40B4-BE49-F238E27FC236}">
+                <a16:creationId xmlns:a16="http://schemas.microsoft.com/office/drawing/2014/main" id="{0350AF23-2606-421F-AB7B-23D9B48F3E9B}"/>
+              </a:ext>
+              <a:ext uri="{C183D7F6-B498-43B3-948B-1728B52AA6E4}">
+                <adec:decorative xmlns:adec="http://schemas.microsoft.com/office/drawing/2017/decorative" val="1"/>
+              </a:ext>
+            </a:extLst>
+          </p:cNvPr>
+          <p:cNvGrpSpPr>
+            <a:grpSpLocks noGrp="1" noUngrp="1" noRot="1" noChangeAspect="1" noMove="1" noResize="1"/>
+          </p:cNvGrpSpPr>
+          <p:nvPr>
+            <p:extLst>
+              <p:ext uri="{386F3935-93C4-4BCD-93E2-E3B085C9AB24}">
+                <p16:designElem xmlns:p16="http://schemas.microsoft.com/office/powerpoint/2015/main" val="1"/>
+              </p:ext>
+            </p:extLst>
+          </p:nvPr>
+        </p:nvGrpSpPr>
+        <p:grpSpPr>
+          <a:xfrm>
+            <a:off x="314102" y="236341"/>
+            <a:ext cx="11340713" cy="5464029"/>
+            <a:chOff x="314102" y="236341"/>
+            <a:chExt cx="11340713" cy="5464029"/>
+          </a:xfrm>
+        </p:grpSpPr>
+        <p:sp>
+          <p:nvSpPr>
+            <p:cNvPr id="23" name="Oval 22">
+              <a:extLst>
+                <a:ext uri="{FF2B5EF4-FFF2-40B4-BE49-F238E27FC236}">
+                  <a16:creationId xmlns:a16="http://schemas.microsoft.com/office/drawing/2014/main" id="{526A544A-3C76-4502-A741-F4DB0E2CD2FD}"/>
+                </a:ext>
+                <a:ext uri="{C183D7F6-B498-43B3-948B-1728B52AA6E4}">
+                  <adec:decorative xmlns:adec="http://schemas.microsoft.com/office/drawing/2017/decorative" val="1"/>
+                </a:ext>
+              </a:extLst>
+            </p:cNvPr>
+            <p:cNvSpPr/>
+            <p:nvPr>
+              <p:extLst>
+                <p:ext uri="{386F3935-93C4-4BCD-93E2-E3B085C9AB24}">
+                  <p16:designElem xmlns:p16="http://schemas.microsoft.com/office/powerpoint/2015/main" val="1"/>
+                </p:ext>
+              </p:extLst>
+            </p:nvPr>
+          </p:nvSpPr>
+          <p:spPr>
+            <a:xfrm>
+              <a:off x="7760448" y="3803994"/>
+              <a:ext cx="94160" cy="94160"/>
+            </a:xfrm>
+            <a:prstGeom prst="ellipse">
+              <a:avLst/>
+            </a:prstGeom>
+            <a:solidFill>
+              <a:srgbClr val="E3BEBE">
+                <a:alpha val="28000"/>
+              </a:srgbClr>
+            </a:solidFill>
+            <a:ln>
+              <a:noFill/>
+            </a:ln>
+          </p:spPr>
+          <p:style>
+            <a:lnRef idx="2">
+              <a:schemeClr val="accent1">
+                <a:shade val="50000"/>
+              </a:schemeClr>
+            </a:lnRef>
+            <a:fillRef idx="1">
+              <a:schemeClr val="accent1"/>
+            </a:fillRef>
+            <a:effectRef idx="0">
+              <a:schemeClr val="accent1"/>
+            </a:effectRef>
+            <a:fontRef idx="minor">
+              <a:schemeClr val="lt1"/>
+            </a:fontRef>
+          </p:style>
+          <p:txBody>
+            <a:bodyPr rtlCol="0" anchor="ctr"/>
+            <a:lstStyle/>
+            <a:p>
+              <a:pPr algn="ctr"/>
+              <a:endParaRPr lang="en-US"/>
+            </a:p>
+          </p:txBody>
+        </p:sp>
+        <p:sp>
+          <p:nvSpPr>
+            <p:cNvPr id="24" name="Oval 23">
+              <a:extLst>
+                <a:ext uri="{FF2B5EF4-FFF2-40B4-BE49-F238E27FC236}">
+                  <a16:creationId xmlns:a16="http://schemas.microsoft.com/office/drawing/2014/main" id="{017B8593-D171-47B5-8D1A-E34E7B138476}"/>
+                </a:ext>
+                <a:ext uri="{C183D7F6-B498-43B3-948B-1728B52AA6E4}">
+                  <adec:decorative xmlns:adec="http://schemas.microsoft.com/office/drawing/2017/decorative" val="1"/>
+                </a:ext>
+              </a:extLst>
+            </p:cNvPr>
+            <p:cNvSpPr/>
+            <p:nvPr>
+              <p:extLst>
+                <p:ext uri="{386F3935-93C4-4BCD-93E2-E3B085C9AB24}">
+                  <p16:designElem xmlns:p16="http://schemas.microsoft.com/office/powerpoint/2015/main" val="1"/>
+                </p:ext>
+              </p:extLst>
+            </p:nvPr>
+          </p:nvSpPr>
+          <p:spPr>
+            <a:xfrm>
+              <a:off x="314102" y="3044381"/>
+              <a:ext cx="226735" cy="226735"/>
+            </a:xfrm>
+            <a:prstGeom prst="ellipse">
+              <a:avLst/>
+            </a:prstGeom>
+            <a:solidFill>
+              <a:schemeClr val="tx2">
+                <a:lumMod val="50000"/>
+                <a:lumOff val="50000"/>
+              </a:schemeClr>
+            </a:solidFill>
+            <a:ln>
+              <a:noFill/>
+            </a:ln>
+          </p:spPr>
+          <p:style>
+            <a:lnRef idx="2">
+              <a:schemeClr val="accent1">
+                <a:shade val="50000"/>
+              </a:schemeClr>
+            </a:lnRef>
+            <a:fillRef idx="1">
+              <a:schemeClr val="accent1"/>
+            </a:fillRef>
+            <a:effectRef idx="0">
+              <a:schemeClr val="accent1"/>
+            </a:effectRef>
+            <a:fontRef idx="minor">
+              <a:schemeClr val="lt1"/>
+            </a:fontRef>
+          </p:style>
+          <p:txBody>
+            <a:bodyPr rtlCol="0" anchor="ctr"/>
+            <a:lstStyle/>
+            <a:p>
+              <a:pPr algn="ctr"/>
+              <a:endParaRPr lang="en-US"/>
+            </a:p>
+          </p:txBody>
+        </p:sp>
+        <p:sp>
+          <p:nvSpPr>
+            <p:cNvPr id="25" name="Oval 24">
+              <a:extLst>
+                <a:ext uri="{FF2B5EF4-FFF2-40B4-BE49-F238E27FC236}">
+                  <a16:creationId xmlns:a16="http://schemas.microsoft.com/office/drawing/2014/main" id="{1FEF60D4-64F6-450F-B86D-383EEA1C843F}"/>
+                </a:ext>
+                <a:ext uri="{C183D7F6-B498-43B3-948B-1728B52AA6E4}">
+                  <adec:decorative xmlns:adec="http://schemas.microsoft.com/office/drawing/2017/decorative" val="1"/>
+                </a:ext>
+              </a:extLst>
+            </p:cNvPr>
+            <p:cNvSpPr/>
+            <p:nvPr>
+              <p:extLst>
+                <p:ext uri="{386F3935-93C4-4BCD-93E2-E3B085C9AB24}">
+                  <p16:designElem xmlns:p16="http://schemas.microsoft.com/office/powerpoint/2015/main" val="1"/>
+                </p:ext>
+              </p:extLst>
+            </p:nvPr>
+          </p:nvSpPr>
+          <p:spPr>
+            <a:xfrm>
+              <a:off x="11188374" y="386135"/>
+              <a:ext cx="466441" cy="466441"/>
+            </a:xfrm>
+            <a:prstGeom prst="ellipse">
+              <a:avLst/>
+            </a:prstGeom>
+            <a:solidFill>
+              <a:schemeClr val="accent2">
+                <a:lumMod val="60000"/>
+                <a:lumOff val="40000"/>
+                <a:alpha val="72000"/>
+              </a:schemeClr>
+            </a:solidFill>
+            <a:ln>
+              <a:noFill/>
+            </a:ln>
+          </p:spPr>
+          <p:style>
+            <a:lnRef idx="2">
+              <a:schemeClr val="accent1">
+                <a:shade val="50000"/>
+              </a:schemeClr>
+            </a:lnRef>
+            <a:fillRef idx="1">
+              <a:schemeClr val="accent1"/>
+            </a:fillRef>
+            <a:effectRef idx="0">
+              <a:schemeClr val="accent1"/>
+            </a:effectRef>
+            <a:fontRef idx="minor">
+              <a:schemeClr val="lt1"/>
+            </a:fontRef>
+          </p:style>
+          <p:txBody>
+            <a:bodyPr rtlCol="0" anchor="ctr"/>
+            <a:lstStyle/>
+            <a:p>
+              <a:pPr algn="ctr"/>
+              <a:endParaRPr lang="en-US"/>
+            </a:p>
+          </p:txBody>
+        </p:sp>
+        <p:sp>
+          <p:nvSpPr>
+            <p:cNvPr id="17" name="Oval 16">
+              <a:extLst>
+                <a:ext uri="{FF2B5EF4-FFF2-40B4-BE49-F238E27FC236}">
+                  <a16:creationId xmlns:a16="http://schemas.microsoft.com/office/drawing/2014/main" id="{A97D4A7C-B520-46CB-9A94-711F53997BDB}"/>
+                </a:ext>
+                <a:ext uri="{C183D7F6-B498-43B3-948B-1728B52AA6E4}">
+                  <adec:decorative xmlns:adec="http://schemas.microsoft.com/office/drawing/2017/decorative" val="1"/>
+                </a:ext>
+              </a:extLst>
+            </p:cNvPr>
+            <p:cNvSpPr/>
+            <p:nvPr>
+              <p:extLst>
+                <p:ext uri="{386F3935-93C4-4BCD-93E2-E3B085C9AB24}">
+                  <p16:designElem xmlns:p16="http://schemas.microsoft.com/office/powerpoint/2015/main" val="1"/>
+                </p:ext>
+              </p:extLst>
+            </p:nvPr>
+          </p:nvSpPr>
+          <p:spPr>
+            <a:xfrm>
+              <a:off x="11065714" y="236341"/>
+              <a:ext cx="113367" cy="113367"/>
+            </a:xfrm>
+            <a:prstGeom prst="ellipse">
+              <a:avLst/>
+            </a:prstGeom>
+            <a:solidFill>
+              <a:srgbClr val="F39E29"/>
+            </a:solidFill>
+            <a:ln>
+              <a:noFill/>
+            </a:ln>
+          </p:spPr>
+          <p:style>
+            <a:lnRef idx="2">
+              <a:schemeClr val="accent1">
+                <a:shade val="50000"/>
+              </a:schemeClr>
+            </a:lnRef>
+            <a:fillRef idx="1">
+              <a:schemeClr val="accent1"/>
+            </a:fillRef>
+            <a:effectRef idx="0">
+              <a:schemeClr val="accent1"/>
+            </a:effectRef>
+            <a:fontRef idx="minor">
+              <a:schemeClr val="lt1"/>
+            </a:fontRef>
+          </p:style>
+          <p:txBody>
+            <a:bodyPr rtlCol="0" anchor="ctr"/>
+            <a:lstStyle/>
+            <a:p>
+              <a:pPr algn="ctr"/>
+              <a:endParaRPr lang="en-US"/>
+            </a:p>
+          </p:txBody>
+        </p:sp>
+        <p:sp>
+          <p:nvSpPr>
+            <p:cNvPr id="18" name="Oval 17">
+              <a:extLst>
+                <a:ext uri="{FF2B5EF4-FFF2-40B4-BE49-F238E27FC236}">
+                  <a16:creationId xmlns:a16="http://schemas.microsoft.com/office/drawing/2014/main" id="{2B7B976F-E84B-4936-90D7-C8298A5E7BD0}"/>
+                </a:ext>
+                <a:ext uri="{C183D7F6-B498-43B3-948B-1728B52AA6E4}">
+                  <adec:decorative xmlns:adec="http://schemas.microsoft.com/office/drawing/2017/decorative" val="1"/>
+                </a:ext>
+              </a:extLst>
+            </p:cNvPr>
+            <p:cNvSpPr/>
+            <p:nvPr>
+              <p:extLst>
+                <p:ext uri="{386F3935-93C4-4BCD-93E2-E3B085C9AB24}">
+                  <p16:designElem xmlns:p16="http://schemas.microsoft.com/office/powerpoint/2015/main" val="1"/>
+                </p:ext>
+              </p:extLst>
+            </p:nvPr>
+          </p:nvSpPr>
+          <p:spPr>
+            <a:xfrm>
+              <a:off x="751535" y="2516671"/>
+              <a:ext cx="466441" cy="466441"/>
+            </a:xfrm>
+            <a:prstGeom prst="ellipse">
+              <a:avLst/>
+            </a:prstGeom>
+            <a:solidFill>
+              <a:schemeClr val="accent1"/>
+            </a:solidFill>
+            <a:ln>
+              <a:noFill/>
+            </a:ln>
+          </p:spPr>
+          <p:style>
+            <a:lnRef idx="2">
+              <a:schemeClr val="accent1">
+                <a:shade val="50000"/>
+              </a:schemeClr>
+            </a:lnRef>
+            <a:fillRef idx="1">
+              <a:schemeClr val="accent1"/>
+            </a:fillRef>
+            <a:effectRef idx="0">
+              <a:schemeClr val="accent1"/>
+            </a:effectRef>
+            <a:fontRef idx="minor">
+              <a:schemeClr val="lt1"/>
+            </a:fontRef>
+          </p:style>
+          <p:txBody>
+            <a:bodyPr rtlCol="0" anchor="ctr"/>
+            <a:lstStyle/>
+            <a:p>
+              <a:pPr algn="ctr"/>
+              <a:endParaRPr lang="en-US"/>
+            </a:p>
+          </p:txBody>
+        </p:sp>
+        <p:sp>
+          <p:nvSpPr>
+            <p:cNvPr id="19" name="Oval 18">
+              <a:extLst>
+                <a:ext uri="{FF2B5EF4-FFF2-40B4-BE49-F238E27FC236}">
+                  <a16:creationId xmlns:a16="http://schemas.microsoft.com/office/drawing/2014/main" id="{DC91FFEC-59DF-4D22-A925-F5152076924B}"/>
+                </a:ext>
+                <a:ext uri="{C183D7F6-B498-43B3-948B-1728B52AA6E4}">
+                  <adec:decorative xmlns:adec="http://schemas.microsoft.com/office/drawing/2017/decorative" val="1"/>
+                </a:ext>
+              </a:extLst>
+            </p:cNvPr>
+            <p:cNvSpPr/>
+            <p:nvPr>
+              <p:extLst>
+                <p:ext uri="{386F3935-93C4-4BCD-93E2-E3B085C9AB24}">
+                  <p16:designElem xmlns:p16="http://schemas.microsoft.com/office/powerpoint/2015/main" val="1"/>
+                </p:ext>
+              </p:extLst>
+            </p:nvPr>
+          </p:nvSpPr>
+          <p:spPr>
+            <a:xfrm>
+              <a:off x="11230142" y="4588038"/>
+              <a:ext cx="113367" cy="113367"/>
+            </a:xfrm>
+            <a:prstGeom prst="ellipse">
+              <a:avLst/>
+            </a:prstGeom>
+            <a:solidFill>
+              <a:schemeClr val="accent3"/>
+            </a:solidFill>
+            <a:ln>
+              <a:noFill/>
+            </a:ln>
+          </p:spPr>
+          <p:style>
+            <a:lnRef idx="2">
+              <a:schemeClr val="accent1">
+                <a:shade val="50000"/>
+              </a:schemeClr>
+            </a:lnRef>
+            <a:fillRef idx="1">
+              <a:schemeClr val="accent1"/>
+            </a:fillRef>
+            <a:effectRef idx="0">
+              <a:schemeClr val="accent1"/>
+            </a:effectRef>
+            <a:fontRef idx="minor">
+              <a:schemeClr val="lt1"/>
+            </a:fontRef>
+          </p:style>
+          <p:txBody>
+            <a:bodyPr rtlCol="0" anchor="ctr"/>
+            <a:lstStyle/>
+            <a:p>
+              <a:pPr algn="ctr"/>
+              <a:endParaRPr lang="en-US"/>
+            </a:p>
+          </p:txBody>
+        </p:sp>
+        <p:sp>
+          <p:nvSpPr>
+            <p:cNvPr id="20" name="Oval 19">
+              <a:extLst>
+                <a:ext uri="{FF2B5EF4-FFF2-40B4-BE49-F238E27FC236}">
+                  <a16:creationId xmlns:a16="http://schemas.microsoft.com/office/drawing/2014/main" id="{58931E95-0847-47E4-8AEC-312312A03232}"/>
+                </a:ext>
+                <a:ext uri="{C183D7F6-B498-43B3-948B-1728B52AA6E4}">
+                  <adec:decorative xmlns:adec="http://schemas.microsoft.com/office/drawing/2017/decorative" val="1"/>
+                </a:ext>
+              </a:extLst>
+            </p:cNvPr>
+            <p:cNvSpPr/>
+            <p:nvPr>
+              <p:extLst>
+                <p:ext uri="{386F3935-93C4-4BCD-93E2-E3B085C9AB24}">
+                  <p16:designElem xmlns:p16="http://schemas.microsoft.com/office/powerpoint/2015/main" val="1"/>
+                </p:ext>
+              </p:extLst>
+            </p:nvPr>
+          </p:nvSpPr>
+          <p:spPr>
+            <a:xfrm>
+              <a:off x="10902046" y="5394590"/>
+              <a:ext cx="305780" cy="305780"/>
+            </a:xfrm>
+            <a:prstGeom prst="ellipse">
+              <a:avLst/>
+            </a:prstGeom>
+            <a:solidFill>
+              <a:schemeClr val="accent1">
+                <a:lumMod val="40000"/>
+                <a:lumOff val="60000"/>
+              </a:schemeClr>
+            </a:solidFill>
+            <a:ln>
+              <a:noFill/>
+            </a:ln>
+          </p:spPr>
+          <p:style>
+            <a:lnRef idx="2">
+              <a:schemeClr val="accent1">
+                <a:shade val="50000"/>
+              </a:schemeClr>
+            </a:lnRef>
+            <a:fillRef idx="1">
+              <a:schemeClr val="accent1"/>
+            </a:fillRef>
+            <a:effectRef idx="0">
+              <a:schemeClr val="accent1"/>
+            </a:effectRef>
+            <a:fontRef idx="minor">
+              <a:schemeClr val="lt1"/>
+            </a:fontRef>
+          </p:style>
+          <p:txBody>
+            <a:bodyPr rtlCol="0" anchor="ctr"/>
+            <a:lstStyle/>
+            <a:p>
+              <a:pPr algn="ctr"/>
+              <a:endParaRPr lang="en-US"/>
+            </a:p>
+          </p:txBody>
+        </p:sp>
+        <p:sp>
+          <p:nvSpPr>
+            <p:cNvPr id="21" name="Oval 20">
+              <a:extLst>
+                <a:ext uri="{FF2B5EF4-FFF2-40B4-BE49-F238E27FC236}">
+                  <a16:creationId xmlns:a16="http://schemas.microsoft.com/office/drawing/2014/main" id="{3C094915-EF93-49A0-9B90-C44FB9B5007A}"/>
+                </a:ext>
+                <a:ext uri="{C183D7F6-B498-43B3-948B-1728B52AA6E4}">
+                  <adec:decorative xmlns:adec="http://schemas.microsoft.com/office/drawing/2017/decorative" val="1"/>
+                </a:ext>
+              </a:extLst>
+            </p:cNvPr>
+            <p:cNvSpPr/>
+            <p:nvPr>
+              <p:extLst>
+                <p:ext uri="{386F3935-93C4-4BCD-93E2-E3B085C9AB24}">
+                  <p16:designElem xmlns:p16="http://schemas.microsoft.com/office/powerpoint/2015/main" val="1"/>
+                </p:ext>
+              </p:extLst>
+            </p:nvPr>
+          </p:nvSpPr>
+          <p:spPr>
+            <a:xfrm>
+              <a:off x="10408287" y="5160714"/>
+              <a:ext cx="113367" cy="113367"/>
+            </a:xfrm>
+            <a:prstGeom prst="ellipse">
+              <a:avLst/>
+            </a:prstGeom>
+            <a:solidFill>
+              <a:schemeClr val="accent5"/>
+            </a:solidFill>
+            <a:ln>
+              <a:noFill/>
+            </a:ln>
+          </p:spPr>
+          <p:style>
+            <a:lnRef idx="2">
+              <a:schemeClr val="accent1">
+                <a:shade val="50000"/>
+              </a:schemeClr>
+            </a:lnRef>
+            <a:fillRef idx="1">
+              <a:schemeClr val="accent1"/>
+            </a:fillRef>
+            <a:effectRef idx="0">
+              <a:schemeClr val="accent1"/>
+            </a:effectRef>
+            <a:fontRef idx="minor">
+              <a:schemeClr val="lt1"/>
+            </a:fontRef>
+          </p:style>
+          <p:txBody>
+            <a:bodyPr rtlCol="0" anchor="ctr"/>
+            <a:lstStyle/>
+            <a:p>
+              <a:pPr algn="ctr"/>
+              <a:endParaRPr lang="en-US"/>
+            </a:p>
+          </p:txBody>
+        </p:sp>
+      </p:grpSp>
       <p:sp>
         <p:nvSpPr>
           <p:cNvPr id="2" name="Title 1">
@@ -3358,16 +5358,31 @@
             <p:ph type="ctrTitle"/>
           </p:nvPr>
         </p:nvSpPr>
-        <p:spPr/>
-        <p:txBody>
-          <a:bodyPr/>
-          <a:lstStyle/>
-          <a:p>
-            <a:r>
-              <a:rPr lang="en-US" altLang="zh-CN" dirty="0"/>
+        <p:spPr>
+          <a:xfrm>
+            <a:off x="2562606" y="1122363"/>
+            <a:ext cx="7063739" cy="2387600"/>
+          </a:xfrm>
+        </p:spPr>
+        <p:txBody>
+          <a:bodyPr>
+            <a:normAutofit/>
+          </a:bodyPr>
+          <a:lstStyle/>
+          <a:p>
+            <a:r>
+              <a:rPr lang="en-US" altLang="zh-CN" dirty="0">
+                <a:solidFill>
+                  <a:srgbClr val="FFFFFF"/>
+                </a:solidFill>
+              </a:rPr>
               <a:t>Exploring Stock Movements</a:t>
             </a:r>
-            <a:endParaRPr lang="zh-CN" altLang="en-US" dirty="0"/>
+            <a:endParaRPr lang="zh-CN" altLang="en-US" dirty="0">
+              <a:solidFill>
+                <a:srgbClr val="FFFFFF"/>
+              </a:solidFill>
+            </a:endParaRPr>
           </a:p>
         </p:txBody>
       </p:sp>
@@ -3387,24 +5402,63 @@
             <p:ph type="subTitle" idx="1"/>
           </p:nvPr>
         </p:nvSpPr>
-        <p:spPr/>
-        <p:txBody>
-          <a:bodyPr/>
-          <a:lstStyle/>
-          <a:p>
-            <a:r>
-              <a:rPr lang="en-US" altLang="zh-CN" dirty="0"/>
-              <a:t>Presenter: Haozhe Zeng, </a:t>
-            </a:r>
-            <a:r>
-              <a:rPr lang="en-US" altLang="zh-CN" dirty="0" err="1"/>
+        <p:spPr>
+          <a:xfrm>
+            <a:off x="2562606" y="3602038"/>
+            <a:ext cx="7063739" cy="1655762"/>
+          </a:xfrm>
+        </p:spPr>
+        <p:txBody>
+          <a:bodyPr>
+            <a:normAutofit/>
+          </a:bodyPr>
+          <a:lstStyle/>
+          <a:p>
+            <a:r>
+              <a:rPr lang="en-US" altLang="zh-CN" dirty="0">
+                <a:solidFill>
+                  <a:srgbClr val="FFFFFF"/>
+                </a:solidFill>
+              </a:rPr>
+              <a:t>By </a:t>
+            </a:r>
+            <a:r>
+              <a:rPr lang="en-US" altLang="zh-CN" dirty="0" err="1">
+                <a:solidFill>
+                  <a:srgbClr val="FFFFFF"/>
+                </a:solidFill>
+              </a:rPr>
+              <a:t>Haozhe</a:t>
+            </a:r>
+            <a:r>
+              <a:rPr lang="en-US" altLang="zh-CN" dirty="0">
+                <a:solidFill>
+                  <a:srgbClr val="FFFFFF"/>
+                </a:solidFill>
+              </a:rPr>
+              <a:t> Zeng &amp; </a:t>
+            </a:r>
+            <a:r>
+              <a:rPr lang="en-US" altLang="zh-CN" dirty="0" err="1">
+                <a:solidFill>
+                  <a:srgbClr val="FFFFFF"/>
+                </a:solidFill>
+              </a:rPr>
               <a:t>Zixiao</a:t>
             </a:r>
             <a:r>
-              <a:rPr lang="en-US" altLang="zh-CN"/>
+              <a:rPr lang="en-US" altLang="zh-CN" dirty="0">
+                <a:solidFill>
+                  <a:srgbClr val="FFFFFF"/>
+                </a:solidFill>
+              </a:rPr>
               <a:t> Wang</a:t>
             </a:r>
-            <a:endParaRPr lang="zh-CN" altLang="en-US"/>
+            <a:endParaRPr lang="zh-CN" altLang="en-US" dirty="0">
+              <a:solidFill>
+                <a:srgbClr val="FFFFFF"/>
+              </a:solidFill>
+            </a:endParaRPr>
           </a:p>
         </p:txBody>
       </p:sp>
@@ -3418,154 +5472,791 @@
   <p:clrMapOvr>
     <a:masterClrMapping/>
   </p:clrMapOvr>
+  <p:timing>
+    <p:tnLst>
+      <p:par>
+        <p:cTn id="1" dur="indefinite" restart="never" nodeType="tmRoot">
+          <p:childTnLst>
+            <p:seq concurrent="1" nextAc="seek">
+              <p:cTn id="2" dur="indefinite" nodeType="mainSeq">
+                <p:childTnLst>
+                  <p:par>
+                    <p:cTn id="3" fill="hold">
+                      <p:stCondLst>
+                        <p:cond delay="indefinite"/>
+                        <p:cond evt="onBegin" delay="0">
+                          <p:tn val="2"/>
+                        </p:cond>
+                      </p:stCondLst>
+                      <p:childTnLst>
+                        <p:par>
+                          <p:cTn id="4" fill="hold">
+                            <p:stCondLst>
+                              <p:cond delay="0"/>
+                            </p:stCondLst>
+                            <p:childTnLst>
+                              <p:par>
+                                <p:cTn id="5" presetID="10" presetClass="entr" presetSubtype="0" fill="hold" grpId="0" nodeType="withEffect">
+                                  <p:stCondLst>
+                                    <p:cond delay="1000"/>
+                                  </p:stCondLst>
+                                  <p:iterate>
+                                    <p:tmPct val="10000"/>
+                                  </p:iterate>
+                                  <p:childTnLst>
+                                    <p:set>
+                                      <p:cBhvr>
+                                        <p:cTn id="6" dur="1" fill="hold">
+                                          <p:stCondLst>
+                                            <p:cond delay="0"/>
+                                          </p:stCondLst>
+                                        </p:cTn>
+                                        <p:tgtEl>
+                                          <p:spTgt spid="2"/>
+                                        </p:tgtEl>
+                                        <p:attrNameLst>
+                                          <p:attrName>style.visibility</p:attrName>
+                                        </p:attrNameLst>
+                                      </p:cBhvr>
+                                      <p:to>
+                                        <p:strVal val="visible"/>
+                                      </p:to>
+                                    </p:set>
+                                    <p:animEffect transition="in" filter="fade">
+                                      <p:cBhvr>
+                                        <p:cTn id="7" dur="700"/>
+                                        <p:tgtEl>
+                                          <p:spTgt spid="2"/>
+                                        </p:tgtEl>
+                                      </p:cBhvr>
+                                    </p:animEffect>
+                                  </p:childTnLst>
+                                </p:cTn>
+                              </p:par>
+                              <p:par>
+                                <p:cTn id="8" presetID="10" presetClass="entr" presetSubtype="0" fill="hold" grpId="0" nodeType="withEffect">
+                                  <p:stCondLst>
+                                    <p:cond delay="1500"/>
+                                  </p:stCondLst>
+                                  <p:iterate>
+                                    <p:tmPct val="10000"/>
+                                  </p:iterate>
+                                  <p:childTnLst>
+                                    <p:set>
+                                      <p:cBhvr>
+                                        <p:cTn id="9" dur="1" fill="hold">
+                                          <p:stCondLst>
+                                            <p:cond delay="0"/>
+                                          </p:stCondLst>
+                                        </p:cTn>
+                                        <p:tgtEl>
+                                          <p:spTgt spid="3">
+                                            <p:txEl>
+                                              <p:pRg st="0" end="0"/>
+                                            </p:txEl>
+                                          </p:spTgt>
+                                        </p:tgtEl>
+                                        <p:attrNameLst>
+                                          <p:attrName>style.visibility</p:attrName>
+                                        </p:attrNameLst>
+                                      </p:cBhvr>
+                                      <p:to>
+                                        <p:strVal val="visible"/>
+                                      </p:to>
+                                    </p:set>
+                                    <p:animEffect transition="in" filter="fade">
+                                      <p:cBhvr>
+                                        <p:cTn id="10" dur="700"/>
+                                        <p:tgtEl>
+                                          <p:spTgt spid="3">
+                                            <p:txEl>
+                                              <p:pRg st="0" end="0"/>
+                                            </p:txEl>
+                                          </p:spTgt>
+                                        </p:tgtEl>
+                                      </p:cBhvr>
+                                    </p:animEffect>
+                                  </p:childTnLst>
+                                </p:cTn>
+                              </p:par>
+                            </p:childTnLst>
+                          </p:cTn>
+                        </p:par>
+                      </p:childTnLst>
+                    </p:cTn>
+                  </p:par>
+                </p:childTnLst>
+              </p:cTn>
+              <p:prevCondLst>
+                <p:cond evt="onPrev" delay="0">
+                  <p:tgtEl>
+                    <p:sldTgt/>
+                  </p:tgtEl>
+                </p:cond>
+              </p:prevCondLst>
+              <p:nextCondLst>
+                <p:cond evt="onNext" delay="0">
+                  <p:tgtEl>
+                    <p:sldTgt/>
+                  </p:tgtEl>
+                </p:cond>
+              </p:nextCondLst>
+            </p:seq>
+          </p:childTnLst>
+        </p:cTn>
+      </p:par>
+    </p:tnLst>
+    <p:bldLst>
+      <p:bldP spid="2" grpId="0"/>
+      <p:bldP spid="3" grpId="0" build="p"/>
+    </p:bldLst>
+  </p:timing>
+</p:sld>
+</file>
+
+<file path=ppt/slides/slide2.xml><?xml version="1.0" encoding="utf-8"?>
+<p:sld xmlns:a="http://schemas.openxmlformats.org/drawingml/2006/main" xmlns:r="http://schemas.openxmlformats.org/officeDocument/2006/relationships" xmlns:p="http://schemas.openxmlformats.org/presentationml/2006/main">
+  <p:cSld>
+    <p:spTree>
+      <p:nvGrpSpPr>
+        <p:cNvPr id="1" name=""/>
+        <p:cNvGrpSpPr/>
+        <p:nvPr/>
+      </p:nvGrpSpPr>
+      <p:grpSpPr>
+        <a:xfrm>
+          <a:off x="0" y="0"/>
+          <a:ext cx="0" cy="0"/>
+          <a:chOff x="0" y="0"/>
+          <a:chExt cx="0" cy="0"/>
+        </a:xfrm>
+      </p:grpSpPr>
+      <p:sp>
+        <p:nvSpPr>
+          <p:cNvPr id="2" name="Title 1">
+            <a:extLst>
+              <a:ext uri="{FF2B5EF4-FFF2-40B4-BE49-F238E27FC236}">
+                <a16:creationId xmlns:a16="http://schemas.microsoft.com/office/drawing/2014/main" id="{289DC598-60E9-2D79-1259-CEDB667A8BAE}"/>
+              </a:ext>
+            </a:extLst>
+          </p:cNvPr>
+          <p:cNvSpPr>
+            <a:spLocks noGrp="1"/>
+          </p:cNvSpPr>
+          <p:nvPr>
+            <p:ph type="title"/>
+          </p:nvPr>
+        </p:nvSpPr>
+        <p:spPr/>
+        <p:txBody>
+          <a:bodyPr/>
+          <a:lstStyle/>
+          <a:p>
+            <a:r>
+              <a:rPr lang="en-US" dirty="0"/>
+              <a:t>Motivation &amp; Problem Definition</a:t>
+            </a:r>
+          </a:p>
+        </p:txBody>
+      </p:sp>
+      <p:sp>
+        <p:nvSpPr>
+          <p:cNvPr id="3" name="Content Placeholder 2">
+            <a:extLst>
+              <a:ext uri="{FF2B5EF4-FFF2-40B4-BE49-F238E27FC236}">
+                <a16:creationId xmlns:a16="http://schemas.microsoft.com/office/drawing/2014/main" id="{0DB5ED47-F868-7421-CFF1-070DFEE3569D}"/>
+              </a:ext>
+            </a:extLst>
+          </p:cNvPr>
+          <p:cNvSpPr>
+            <a:spLocks noGrp="1"/>
+          </p:cNvSpPr>
+          <p:nvPr>
+            <p:ph idx="1"/>
+          </p:nvPr>
+        </p:nvSpPr>
+        <p:spPr/>
+        <p:txBody>
+          <a:bodyPr/>
+          <a:lstStyle/>
+          <a:p>
+            <a:endParaRPr lang="en-US" dirty="0"/>
+          </a:p>
+        </p:txBody>
+      </p:sp>
+    </p:spTree>
+    <p:extLst>
+      <p:ext uri="{BB962C8B-B14F-4D97-AF65-F5344CB8AC3E}">
+        <p14:creationId xmlns:p14="http://schemas.microsoft.com/office/powerpoint/2010/main" val="2306690312"/>
+      </p:ext>
+    </p:extLst>
+  </p:cSld>
+  <p:clrMapOvr>
+    <a:masterClrMapping/>
+  </p:clrMapOvr>
+</p:sld>
+</file>
+
+<file path=ppt/slides/slide3.xml><?xml version="1.0" encoding="utf-8"?>
+<p:sld xmlns:a="http://schemas.openxmlformats.org/drawingml/2006/main" xmlns:r="http://schemas.openxmlformats.org/officeDocument/2006/relationships" xmlns:p="http://schemas.openxmlformats.org/presentationml/2006/main">
+  <p:cSld>
+    <p:spTree>
+      <p:nvGrpSpPr>
+        <p:cNvPr id="1" name=""/>
+        <p:cNvGrpSpPr/>
+        <p:nvPr/>
+      </p:nvGrpSpPr>
+      <p:grpSpPr>
+        <a:xfrm>
+          <a:off x="0" y="0"/>
+          <a:ext cx="0" cy="0"/>
+          <a:chOff x="0" y="0"/>
+          <a:chExt cx="0" cy="0"/>
+        </a:xfrm>
+      </p:grpSpPr>
+      <p:sp>
+        <p:nvSpPr>
+          <p:cNvPr id="2" name="Title 1">
+            <a:extLst>
+              <a:ext uri="{FF2B5EF4-FFF2-40B4-BE49-F238E27FC236}">
+                <a16:creationId xmlns:a16="http://schemas.microsoft.com/office/drawing/2014/main" id="{E0A0EAF5-65B1-160E-6DDF-518A0ACBEDD6}"/>
+              </a:ext>
+            </a:extLst>
+          </p:cNvPr>
+          <p:cNvSpPr>
+            <a:spLocks noGrp="1"/>
+          </p:cNvSpPr>
+          <p:nvPr>
+            <p:ph type="title"/>
+          </p:nvPr>
+        </p:nvSpPr>
+        <p:spPr/>
+        <p:txBody>
+          <a:bodyPr>
+            <a:normAutofit fontScale="90000"/>
+          </a:bodyPr>
+          <a:lstStyle/>
+          <a:p>
+            <a:r>
+              <a:rPr lang="en-US" dirty="0"/>
+              <a:t>Why this approach</a:t>
+            </a:r>
+            <a:br>
+              <a:rPr lang="en-US" dirty="0"/>
+            </a:br>
+            <a:br>
+              <a:rPr lang="en-US" dirty="0"/>
+            </a:br>
+            <a:endParaRPr lang="en-US" dirty="0"/>
+          </a:p>
+        </p:txBody>
+      </p:sp>
+      <p:sp>
+        <p:nvSpPr>
+          <p:cNvPr id="3" name="Content Placeholder 2">
+            <a:extLst>
+              <a:ext uri="{FF2B5EF4-FFF2-40B4-BE49-F238E27FC236}">
+                <a16:creationId xmlns:a16="http://schemas.microsoft.com/office/drawing/2014/main" id="{D79DF5D8-FEF6-1DC2-CCA3-73C7E61033D4}"/>
+              </a:ext>
+            </a:extLst>
+          </p:cNvPr>
+          <p:cNvSpPr>
+            <a:spLocks noGrp="1"/>
+          </p:cNvSpPr>
+          <p:nvPr>
+            <p:ph idx="1"/>
+          </p:nvPr>
+        </p:nvSpPr>
+        <p:spPr/>
+        <p:txBody>
+          <a:bodyPr/>
+          <a:lstStyle/>
+          <a:p>
+            <a:endParaRPr lang="en-US"/>
+          </a:p>
+        </p:txBody>
+      </p:sp>
+    </p:spTree>
+    <p:extLst>
+      <p:ext uri="{BB962C8B-B14F-4D97-AF65-F5344CB8AC3E}">
+        <p14:creationId xmlns:p14="http://schemas.microsoft.com/office/powerpoint/2010/main" val="809470355"/>
+      </p:ext>
+    </p:extLst>
+  </p:cSld>
+  <p:clrMapOvr>
+    <a:masterClrMapping/>
+  </p:clrMapOvr>
+</p:sld>
+</file>
+
+<file path=ppt/slides/slide4.xml><?xml version="1.0" encoding="utf-8"?>
+<p:sld xmlns:a="http://schemas.openxmlformats.org/drawingml/2006/main" xmlns:r="http://schemas.openxmlformats.org/officeDocument/2006/relationships" xmlns:p="http://schemas.openxmlformats.org/presentationml/2006/main">
+  <p:cSld>
+    <p:spTree>
+      <p:nvGrpSpPr>
+        <p:cNvPr id="1" name=""/>
+        <p:cNvGrpSpPr/>
+        <p:nvPr/>
+      </p:nvGrpSpPr>
+      <p:grpSpPr>
+        <a:xfrm>
+          <a:off x="0" y="0"/>
+          <a:ext cx="0" cy="0"/>
+          <a:chOff x="0" y="0"/>
+          <a:chExt cx="0" cy="0"/>
+        </a:xfrm>
+      </p:grpSpPr>
+      <p:sp>
+        <p:nvSpPr>
+          <p:cNvPr id="2" name="Title 1">
+            <a:extLst>
+              <a:ext uri="{FF2B5EF4-FFF2-40B4-BE49-F238E27FC236}">
+                <a16:creationId xmlns:a16="http://schemas.microsoft.com/office/drawing/2014/main" id="{58E6628D-A37F-9D14-C17F-80A7A46772BA}"/>
+              </a:ext>
+            </a:extLst>
+          </p:cNvPr>
+          <p:cNvSpPr>
+            <a:spLocks noGrp="1"/>
+          </p:cNvSpPr>
+          <p:nvPr>
+            <p:ph type="title"/>
+          </p:nvPr>
+        </p:nvSpPr>
+        <p:spPr/>
+        <p:txBody>
+          <a:bodyPr/>
+          <a:lstStyle/>
+          <a:p>
+            <a:r>
+              <a:rPr lang="en-US" dirty="0"/>
+              <a:t>Approach: Sentiment Analysis</a:t>
+            </a:r>
+          </a:p>
+        </p:txBody>
+      </p:sp>
+      <p:sp>
+        <p:nvSpPr>
+          <p:cNvPr id="3" name="Content Placeholder 2">
+            <a:extLst>
+              <a:ext uri="{FF2B5EF4-FFF2-40B4-BE49-F238E27FC236}">
+                <a16:creationId xmlns:a16="http://schemas.microsoft.com/office/drawing/2014/main" id="{AC840179-B26B-2956-E4A1-F5978D63E16F}"/>
+              </a:ext>
+            </a:extLst>
+          </p:cNvPr>
+          <p:cNvSpPr>
+            <a:spLocks noGrp="1"/>
+          </p:cNvSpPr>
+          <p:nvPr>
+            <p:ph idx="1"/>
+          </p:nvPr>
+        </p:nvSpPr>
+        <p:spPr/>
+        <p:txBody>
+          <a:bodyPr/>
+          <a:lstStyle/>
+          <a:p>
+            <a:endParaRPr lang="en-US"/>
+          </a:p>
+        </p:txBody>
+      </p:sp>
+    </p:spTree>
+    <p:extLst>
+      <p:ext uri="{BB962C8B-B14F-4D97-AF65-F5344CB8AC3E}">
+        <p14:creationId xmlns:p14="http://schemas.microsoft.com/office/powerpoint/2010/main" val="1556024807"/>
+      </p:ext>
+    </p:extLst>
+  </p:cSld>
+  <p:clrMapOvr>
+    <a:masterClrMapping/>
+  </p:clrMapOvr>
+</p:sld>
+</file>
+
+<file path=ppt/slides/slide5.xml><?xml version="1.0" encoding="utf-8"?>
+<p:sld xmlns:a="http://schemas.openxmlformats.org/drawingml/2006/main" xmlns:r="http://schemas.openxmlformats.org/officeDocument/2006/relationships" xmlns:p="http://schemas.openxmlformats.org/presentationml/2006/main">
+  <p:cSld>
+    <p:spTree>
+      <p:nvGrpSpPr>
+        <p:cNvPr id="1" name=""/>
+        <p:cNvGrpSpPr/>
+        <p:nvPr/>
+      </p:nvGrpSpPr>
+      <p:grpSpPr>
+        <a:xfrm>
+          <a:off x="0" y="0"/>
+          <a:ext cx="0" cy="0"/>
+          <a:chOff x="0" y="0"/>
+          <a:chExt cx="0" cy="0"/>
+        </a:xfrm>
+      </p:grpSpPr>
+      <p:sp>
+        <p:nvSpPr>
+          <p:cNvPr id="2" name="Title 1">
+            <a:extLst>
+              <a:ext uri="{FF2B5EF4-FFF2-40B4-BE49-F238E27FC236}">
+                <a16:creationId xmlns:a16="http://schemas.microsoft.com/office/drawing/2014/main" id="{CEAF2F53-41E7-F537-FA40-23142D9BA81E}"/>
+              </a:ext>
+            </a:extLst>
+          </p:cNvPr>
+          <p:cNvSpPr>
+            <a:spLocks noGrp="1"/>
+          </p:cNvSpPr>
+          <p:nvPr>
+            <p:ph type="title"/>
+          </p:nvPr>
+        </p:nvSpPr>
+        <p:spPr/>
+        <p:txBody>
+          <a:bodyPr/>
+          <a:lstStyle/>
+          <a:p>
+            <a:r>
+              <a:rPr lang="en-US" dirty="0"/>
+              <a:t>What we have for sentiment analysis</a:t>
+            </a:r>
+          </a:p>
+        </p:txBody>
+      </p:sp>
+      <p:sp>
+        <p:nvSpPr>
+          <p:cNvPr id="3" name="Content Placeholder 2">
+            <a:extLst>
+              <a:ext uri="{FF2B5EF4-FFF2-40B4-BE49-F238E27FC236}">
+                <a16:creationId xmlns:a16="http://schemas.microsoft.com/office/drawing/2014/main" id="{4BC32640-8089-20EF-8904-42BC8471F10C}"/>
+              </a:ext>
+            </a:extLst>
+          </p:cNvPr>
+          <p:cNvSpPr>
+            <a:spLocks noGrp="1"/>
+          </p:cNvSpPr>
+          <p:nvPr>
+            <p:ph idx="1"/>
+          </p:nvPr>
+        </p:nvSpPr>
+        <p:spPr/>
+        <p:txBody>
+          <a:bodyPr/>
+          <a:lstStyle/>
+          <a:p>
+            <a:endParaRPr lang="en-US"/>
+          </a:p>
+        </p:txBody>
+      </p:sp>
+    </p:spTree>
+    <p:extLst>
+      <p:ext uri="{BB962C8B-B14F-4D97-AF65-F5344CB8AC3E}">
+        <p14:creationId xmlns:p14="http://schemas.microsoft.com/office/powerpoint/2010/main" val="1549926420"/>
+      </p:ext>
+    </p:extLst>
+  </p:cSld>
+  <p:clrMapOvr>
+    <a:masterClrMapping/>
+  </p:clrMapOvr>
+</p:sld>
+</file>
+
+<file path=ppt/slides/slide6.xml><?xml version="1.0" encoding="utf-8"?>
+<p:sld xmlns:a="http://schemas.openxmlformats.org/drawingml/2006/main" xmlns:r="http://schemas.openxmlformats.org/officeDocument/2006/relationships" xmlns:p="http://schemas.openxmlformats.org/presentationml/2006/main">
+  <p:cSld>
+    <p:spTree>
+      <p:nvGrpSpPr>
+        <p:cNvPr id="1" name=""/>
+        <p:cNvGrpSpPr/>
+        <p:nvPr/>
+      </p:nvGrpSpPr>
+      <p:grpSpPr>
+        <a:xfrm>
+          <a:off x="0" y="0"/>
+          <a:ext cx="0" cy="0"/>
+          <a:chOff x="0" y="0"/>
+          <a:chExt cx="0" cy="0"/>
+        </a:xfrm>
+      </p:grpSpPr>
+      <p:sp>
+        <p:nvSpPr>
+          <p:cNvPr id="2" name="Title 1">
+            <a:extLst>
+              <a:ext uri="{FF2B5EF4-FFF2-40B4-BE49-F238E27FC236}">
+                <a16:creationId xmlns:a16="http://schemas.microsoft.com/office/drawing/2014/main" id="{B4A2F325-2C27-78B6-6139-FEE02451926A}"/>
+              </a:ext>
+            </a:extLst>
+          </p:cNvPr>
+          <p:cNvSpPr>
+            <a:spLocks noGrp="1"/>
+          </p:cNvSpPr>
+          <p:nvPr>
+            <p:ph type="title"/>
+          </p:nvPr>
+        </p:nvSpPr>
+        <p:spPr/>
+        <p:txBody>
+          <a:bodyPr>
+            <a:normAutofit fontScale="90000"/>
+          </a:bodyPr>
+          <a:lstStyle/>
+          <a:p>
+            <a:r>
+              <a:rPr lang="en-US" dirty="0"/>
+              <a:t>Approach: Stock Movement Prediction</a:t>
+            </a:r>
+          </a:p>
+        </p:txBody>
+      </p:sp>
+      <p:sp>
+        <p:nvSpPr>
+          <p:cNvPr id="3" name="Content Placeholder 2">
+            <a:extLst>
+              <a:ext uri="{FF2B5EF4-FFF2-40B4-BE49-F238E27FC236}">
+                <a16:creationId xmlns:a16="http://schemas.microsoft.com/office/drawing/2014/main" id="{B9FBC3D6-F324-C701-08FA-DC75906EA943}"/>
+              </a:ext>
+            </a:extLst>
+          </p:cNvPr>
+          <p:cNvSpPr>
+            <a:spLocks noGrp="1"/>
+          </p:cNvSpPr>
+          <p:nvPr>
+            <p:ph idx="1"/>
+          </p:nvPr>
+        </p:nvSpPr>
+        <p:spPr/>
+        <p:txBody>
+          <a:bodyPr/>
+          <a:lstStyle/>
+          <a:p>
+            <a:endParaRPr lang="en-US"/>
+          </a:p>
+        </p:txBody>
+      </p:sp>
+    </p:spTree>
+    <p:extLst>
+      <p:ext uri="{BB962C8B-B14F-4D97-AF65-F5344CB8AC3E}">
+        <p14:creationId xmlns:p14="http://schemas.microsoft.com/office/powerpoint/2010/main" val="2212955399"/>
+      </p:ext>
+    </p:extLst>
+  </p:cSld>
+  <p:clrMapOvr>
+    <a:masterClrMapping/>
+  </p:clrMapOvr>
+</p:sld>
+</file>
+
+<file path=ppt/slides/slide7.xml><?xml version="1.0" encoding="utf-8"?>
+<p:sld xmlns:a="http://schemas.openxmlformats.org/drawingml/2006/main" xmlns:r="http://schemas.openxmlformats.org/officeDocument/2006/relationships" xmlns:p="http://schemas.openxmlformats.org/presentationml/2006/main">
+  <p:cSld>
+    <p:spTree>
+      <p:nvGrpSpPr>
+        <p:cNvPr id="1" name=""/>
+        <p:cNvGrpSpPr/>
+        <p:nvPr/>
+      </p:nvGrpSpPr>
+      <p:grpSpPr>
+        <a:xfrm>
+          <a:off x="0" y="0"/>
+          <a:ext cx="0" cy="0"/>
+          <a:chOff x="0" y="0"/>
+          <a:chExt cx="0" cy="0"/>
+        </a:xfrm>
+      </p:grpSpPr>
+      <p:sp>
+        <p:nvSpPr>
+          <p:cNvPr id="2" name="Title 1">
+            <a:extLst>
+              <a:ext uri="{FF2B5EF4-FFF2-40B4-BE49-F238E27FC236}">
+                <a16:creationId xmlns:a16="http://schemas.microsoft.com/office/drawing/2014/main" id="{A28A7C5A-652F-9093-FC44-BCD72C6595F0}"/>
+              </a:ext>
+            </a:extLst>
+          </p:cNvPr>
+          <p:cNvSpPr>
+            <a:spLocks noGrp="1"/>
+          </p:cNvSpPr>
+          <p:nvPr>
+            <p:ph type="title"/>
+          </p:nvPr>
+        </p:nvSpPr>
+        <p:spPr/>
+        <p:txBody>
+          <a:bodyPr/>
+          <a:lstStyle/>
+          <a:p>
+            <a:r>
+              <a:rPr lang="en-US" dirty="0"/>
+              <a:t>Showcase</a:t>
+            </a:r>
+          </a:p>
+        </p:txBody>
+      </p:sp>
+      <p:sp>
+        <p:nvSpPr>
+          <p:cNvPr id="3" name="Content Placeholder 2">
+            <a:extLst>
+              <a:ext uri="{FF2B5EF4-FFF2-40B4-BE49-F238E27FC236}">
+                <a16:creationId xmlns:a16="http://schemas.microsoft.com/office/drawing/2014/main" id="{DA2584EC-07E4-1C27-B3D5-38A5DB88DC8A}"/>
+              </a:ext>
+            </a:extLst>
+          </p:cNvPr>
+          <p:cNvSpPr>
+            <a:spLocks noGrp="1"/>
+          </p:cNvSpPr>
+          <p:nvPr>
+            <p:ph idx="1"/>
+          </p:nvPr>
+        </p:nvSpPr>
+        <p:spPr/>
+        <p:txBody>
+          <a:bodyPr/>
+          <a:lstStyle/>
+          <a:p>
+            <a:endParaRPr lang="en-US"/>
+          </a:p>
+        </p:txBody>
+      </p:sp>
+    </p:spTree>
+    <p:extLst>
+      <p:ext uri="{BB962C8B-B14F-4D97-AF65-F5344CB8AC3E}">
+        <p14:creationId xmlns:p14="http://schemas.microsoft.com/office/powerpoint/2010/main" val="3813925949"/>
+      </p:ext>
+    </p:extLst>
+  </p:cSld>
+  <p:clrMapOvr>
+    <a:masterClrMapping/>
+  </p:clrMapOvr>
+</p:sld>
+</file>
+
+<file path=ppt/slides/slide8.xml><?xml version="1.0" encoding="utf-8"?>
+<p:sld xmlns:a="http://schemas.openxmlformats.org/drawingml/2006/main" xmlns:r="http://schemas.openxmlformats.org/officeDocument/2006/relationships" xmlns:p="http://schemas.openxmlformats.org/presentationml/2006/main">
+  <p:cSld>
+    <p:spTree>
+      <p:nvGrpSpPr>
+        <p:cNvPr id="1" name=""/>
+        <p:cNvGrpSpPr/>
+        <p:nvPr/>
+      </p:nvGrpSpPr>
+      <p:grpSpPr>
+        <a:xfrm>
+          <a:off x="0" y="0"/>
+          <a:ext cx="0" cy="0"/>
+          <a:chOff x="0" y="0"/>
+          <a:chExt cx="0" cy="0"/>
+        </a:xfrm>
+      </p:grpSpPr>
+      <p:sp>
+        <p:nvSpPr>
+          <p:cNvPr id="2" name="Title 1">
+            <a:extLst>
+              <a:ext uri="{FF2B5EF4-FFF2-40B4-BE49-F238E27FC236}">
+                <a16:creationId xmlns:a16="http://schemas.microsoft.com/office/drawing/2014/main" id="{B0642C2E-FD82-320E-1723-C3A24BCA4D56}"/>
+              </a:ext>
+            </a:extLst>
+          </p:cNvPr>
+          <p:cNvSpPr>
+            <a:spLocks noGrp="1"/>
+          </p:cNvSpPr>
+          <p:nvPr>
+            <p:ph type="title"/>
+          </p:nvPr>
+        </p:nvSpPr>
+        <p:spPr/>
+        <p:txBody>
+          <a:bodyPr/>
+          <a:lstStyle/>
+          <a:p>
+            <a:r>
+              <a:rPr lang="en-US" dirty="0"/>
+              <a:t>Future work</a:t>
+            </a:r>
+          </a:p>
+        </p:txBody>
+      </p:sp>
+      <p:sp>
+        <p:nvSpPr>
+          <p:cNvPr id="3" name="Content Placeholder 2">
+            <a:extLst>
+              <a:ext uri="{FF2B5EF4-FFF2-40B4-BE49-F238E27FC236}">
+                <a16:creationId xmlns:a16="http://schemas.microsoft.com/office/drawing/2014/main" id="{0613C40C-6EA5-BDBA-ED10-FEC36C2637DF}"/>
+              </a:ext>
+            </a:extLst>
+          </p:cNvPr>
+          <p:cNvSpPr>
+            <a:spLocks noGrp="1"/>
+          </p:cNvSpPr>
+          <p:nvPr>
+            <p:ph idx="1"/>
+          </p:nvPr>
+        </p:nvSpPr>
+        <p:spPr/>
+        <p:txBody>
+          <a:bodyPr/>
+          <a:lstStyle/>
+          <a:p>
+            <a:endParaRPr lang="en-US"/>
+          </a:p>
+        </p:txBody>
+      </p:sp>
+    </p:spTree>
+    <p:extLst>
+      <p:ext uri="{BB962C8B-B14F-4D97-AF65-F5344CB8AC3E}">
+        <p14:creationId xmlns:p14="http://schemas.microsoft.com/office/powerpoint/2010/main" val="932056654"/>
+      </p:ext>
+    </p:extLst>
+  </p:cSld>
+  <p:clrMapOvr>
+    <a:masterClrMapping/>
+  </p:clrMapOvr>
 </p:sld>
 </file>
 
 <file path=ppt/theme/theme1.xml><?xml version="1.0" encoding="utf-8"?>
-<a:theme xmlns:a="http://schemas.openxmlformats.org/drawingml/2006/main" name="Office Theme">
+<a:theme xmlns:a="http://schemas.openxmlformats.org/drawingml/2006/main" name="ConfettiVTI">
   <a:themeElements>
-    <a:clrScheme name="Office">
+    <a:clrScheme name="AnalogousFromDarkSeedLeftStep">
       <a:dk1>
-        <a:sysClr val="windowText" lastClr="000000"/>
+        <a:srgbClr val="000000"/>
       </a:dk1>
       <a:lt1>
-        <a:sysClr val="window" lastClr="FFFFFF"/>
+        <a:srgbClr val="FFFFFF"/>
       </a:lt1>
       <a:dk2>
-        <a:srgbClr val="44546A"/>
+        <a:srgbClr val="1C2732"/>
       </a:dk2>
       <a:lt2>
-        <a:srgbClr val="E7E6E6"/>
+        <a:srgbClr val="F0F3F1"/>
       </a:lt2>
       <a:accent1>
-        <a:srgbClr val="4472C4"/>
+        <a:srgbClr val="C34DB4"/>
       </a:accent1>
       <a:accent2>
-        <a:srgbClr val="ED7D31"/>
+        <a:srgbClr val="903BB1"/>
       </a:accent2>
       <a:accent3>
-        <a:srgbClr val="A5A5A5"/>
+        <a:srgbClr val="704DC3"/>
       </a:accent3>
       <a:accent4>
-        <a:srgbClr val="FFC000"/>
+        <a:srgbClr val="3F4DB3"/>
       </a:accent4>
       <a:accent5>
-        <a:srgbClr val="5B9BD5"/>
+        <a:srgbClr val="4D8CC3"/>
       </a:accent5>
       <a:accent6>
-        <a:srgbClr val="70AD47"/>
+        <a:srgbClr val="3BACB1"/>
       </a:accent6>
       <a:hlink>
-        <a:srgbClr val="0563C1"/>
+        <a:srgbClr val="3F6EBF"/>
       </a:hlink>
       <a:folHlink>
-        <a:srgbClr val="954F72"/>
+        <a:srgbClr val="7F7F7F"/>
       </a:folHlink>
     </a:clrScheme>
-    <a:fontScheme name="Office">
+    <a:fontScheme name="Custom 10">
       <a:majorFont>
-        <a:latin typeface="等线 Light" panose="020F0302020204030204"/>
+        <a:latin typeface="Gill Sans Nova"/>
         <a:ea typeface=""/>
         <a:cs typeface=""/>
-        <a:font script="Jpan" typeface="游ゴシック Light"/>
-        <a:font script="Hang" typeface="맑은 고딕"/>
-        <a:font script="Hans" typeface="等线 Light"/>
-        <a:font script="Hant" typeface="新細明體"/>
-        <a:font script="Arab" typeface="Times New Roman"/>
-        <a:font script="Hebr" typeface="Times New Roman"/>
-        <a:font script="Thai" typeface="Angsana New"/>
-        <a:font script="Ethi" typeface="Nyala"/>
-        <a:font script="Beng" typeface="Vrinda"/>
-        <a:font script="Gujr" typeface="Shruti"/>
-        <a:font script="Khmr" typeface="MoolBoran"/>
-        <a:font script="Knda" typeface="Tunga"/>
-        <a:font script="Guru" typeface="Raavi"/>
-        <a:font script="Cans" typeface="Euphemia"/>
-        <a:font script="Cher" typeface="Plantagenet Cherokee"/>
-        <a:font script="Yiii" typeface="Microsoft Yi Baiti"/>
-        <a:font script="Tibt" typeface="Microsoft Himalaya"/>
-        <a:font script="Thaa" typeface="MV Boli"/>
-        <a:font script="Deva" typeface="Mangal"/>
-        <a:font script="Telu" typeface="Gautami"/>
-        <a:font script="Taml" typeface="Latha"/>
-        <a:font script="Syrc" typeface="Estrangelo Edessa"/>
-        <a:font script="Orya" typeface="Kalinga"/>
-        <a:font script="Mlym" typeface="Kartika"/>
-        <a:font script="Laoo" typeface="DokChampa"/>
-        <a:font script="Sinh" typeface="Iskoola Pota"/>
-        <a:font script="Mong" typeface="Mongolian Baiti"/>
-        <a:font script="Viet" typeface="Times New Roman"/>
-        <a:font script="Uigh" typeface="Microsoft Uighur"/>
-        <a:font script="Geor" typeface="Sylfaen"/>
-        <a:font script="Armn" typeface="Arial"/>
-        <a:font script="Bugi" typeface="Leelawadee UI"/>
-        <a:font script="Bopo" typeface="Microsoft JhengHei"/>
-        <a:font script="Java" typeface="Javanese Text"/>
-        <a:font script="Lisu" typeface="Segoe UI"/>
-        <a:font script="Mymr" typeface="Myanmar Text"/>
-        <a:font script="Nkoo" typeface="Ebrima"/>
-        <a:font script="Olck" typeface="Nirmala UI"/>
-        <a:font script="Osma" typeface="Ebrima"/>
-        <a:font script="Phag" typeface="Phagspa"/>
-        <a:font script="Syrn" typeface="Estrangelo Edessa"/>
-        <a:font script="Syrj" typeface="Estrangelo Edessa"/>
-        <a:font script="Syre" typeface="Estrangelo Edessa"/>
-        <a:font script="Sora" typeface="Nirmala UI"/>
-        <a:font script="Tale" typeface="Microsoft Tai Le"/>
-        <a:font script="Talu" typeface="Microsoft New Tai Lue"/>
-        <a:font script="Tfng" typeface="Ebrima"/>
       </a:majorFont>
       <a:minorFont>
-        <a:latin typeface="等线" panose="020F0502020204030204"/>
+        <a:latin typeface="Calibri"/>
         <a:ea typeface=""/>
         <a:cs typeface=""/>
-        <a:font script="Jpan" typeface="游ゴシック"/>
-        <a:font script="Hang" typeface="맑은 고딕"/>
-        <a:font script="Hans" typeface="等线"/>
-        <a:font script="Hant" typeface="新細明體"/>
-        <a:font script="Arab" typeface="Arial"/>
-        <a:font script="Hebr" typeface="Arial"/>
-        <a:font script="Thai" typeface="Cordia New"/>
-        <a:font script="Ethi" typeface="Nyala"/>
-        <a:font script="Beng" typeface="Vrinda"/>
-        <a:font script="Gujr" typeface="Shruti"/>
-        <a:font script="Khmr" typeface="DaunPenh"/>
-        <a:font script="Knda" typeface="Tunga"/>
-        <a:font script="Guru" typeface="Raavi"/>
-        <a:font script="Cans" typeface="Euphemia"/>
-        <a:font script="Cher" typeface="Plantagenet Cherokee"/>
-        <a:font script="Yiii" typeface="Microsoft Yi Baiti"/>
-        <a:font script="Tibt" typeface="Microsoft Himalaya"/>
-        <a:font script="Thaa" typeface="MV Boli"/>
-        <a:font script="Deva" typeface="Mangal"/>
-        <a:font script="Telu" typeface="Gautami"/>
-        <a:font script="Taml" typeface="Latha"/>
-        <a:font script="Syrc" typeface="Estrangelo Edessa"/>
-        <a:font script="Orya" typeface="Kalinga"/>
-        <a:font script="Mlym" typeface="Kartika"/>
-        <a:font script="Laoo" typeface="DokChampa"/>
-        <a:font script="Sinh" typeface="Iskoola Pota"/>
-        <a:font script="Mong" typeface="Mongolian Baiti"/>
-        <a:font script="Viet" typeface="Arial"/>
-        <a:font script="Uigh" typeface="Microsoft Uighur"/>
-        <a:font script="Geor" typeface="Sylfaen"/>
-        <a:font script="Armn" typeface="Arial"/>
-        <a:font script="Bugi" typeface="Leelawadee UI"/>
-        <a:font script="Bopo" typeface="Microsoft JhengHei"/>
-        <a:font script="Java" typeface="Javanese Text"/>
-        <a:font script="Lisu" typeface="Segoe UI"/>
-        <a:font script="Mymr" typeface="Myanmar Text"/>
-        <a:font script="Nkoo" typeface="Ebrima"/>
-        <a:font script="Olck" typeface="Nirmala UI"/>
-        <a:font script="Osma" typeface="Ebrima"/>
-        <a:font script="Phag" typeface="Phagspa"/>
-        <a:font script="Syrn" typeface="Estrangelo Edessa"/>
-        <a:font script="Syrj" typeface="Estrangelo Edessa"/>
-        <a:font script="Syre" typeface="Estrangelo Edessa"/>
-        <a:font script="Sora" typeface="Nirmala UI"/>
-        <a:font script="Tale" typeface="Microsoft Tai Le"/>
-        <a:font script="Talu" typeface="Microsoft New Tai Lue"/>
-        <a:font script="Tfng" typeface="Ebrima"/>
       </a:minorFont>
     </a:fontScheme>
     <a:fmtScheme name="Office">
@@ -3710,8 +6401,28 @@
   <a:extraClrSchemeLst/>
   <a:extLst>
     <a:ext uri="{05A4C25C-085E-4340-85A3-A5531E510DB2}">
-      <thm15:themeFamily xmlns:thm15="http://schemas.microsoft.com/office/thememl/2012/main" name="Office Theme" id="{62F939B6-93AF-4DB8-9C6B-D6C7DFDC589F}" vid="{4A3C46E8-61CC-4603-A589-7422A47A8E4A}"/>
+      <thm15:themeFamily xmlns:thm15="http://schemas.microsoft.com/office/thememl/2012/main" name="ConfettiVTI" id="{B5618F7C-B4F0-4D28-83B4-440D0519681F}" vid="{5F84EFDF-E14E-48C6-955C-990A32085A7F}"/>
     </a:ext>
   </a:extLst>
 </a:theme>
+</file>
+
+<file path=ppt/webextensions/taskpanes.xml><?xml version="1.0" encoding="utf-8"?>
+<wetp:taskpanes xmlns:wetp="http://schemas.microsoft.com/office/webextensions/taskpanes/2010/11">
+  <wetp:taskpane dockstate="right" visibility="0" width="525" row="2">
+    <wetp:webextensionref xmlns:r="http://schemas.openxmlformats.org/officeDocument/2006/relationships" r:id="rId1"/>
+  </wetp:taskpane>
+</wetp:taskpanes>
+</file>
+
+<file path=ppt/webextensions/webextension1.xml><?xml version="1.0" encoding="utf-8"?>
+<we:webextension xmlns:we="http://schemas.microsoft.com/office/webextensions/webextension/2010/11" id="{4A313786-994D-4B5A-8BDF-E48752DD9435}">
+  <we:reference id="wa200005566" version="1.0.0.0" store="en-US" storeType="OMEX"/>
+  <we:alternateReferences>
+    <we:reference id="wa200005566" version="1.0.0.0" store="wa200005566" storeType="OMEX"/>
+  </we:alternateReferences>
+  <we:properties/>
+  <we:bindings/>
+  <we:snapshot xmlns:r="http://schemas.openxmlformats.org/officeDocument/2006/relationships"/>
+</we:webextension>
 </file>
--- a/Presentation.pptx
+++ b/Presentation.pptx
@@ -4,15 +4,25 @@
   <p:sldMasterIdLst>
     <p:sldMasterId id="2147483673" r:id="rId1"/>
   </p:sldMasterIdLst>
+  <p:notesMasterIdLst>
+    <p:notesMasterId r:id="rId17"/>
+  </p:notesMasterIdLst>
   <p:sldIdLst>
     <p:sldId id="256" r:id="rId2"/>
     <p:sldId id="257" r:id="rId3"/>
-    <p:sldId id="263" r:id="rId4"/>
-    <p:sldId id="258" r:id="rId5"/>
-    <p:sldId id="260" r:id="rId6"/>
-    <p:sldId id="259" r:id="rId7"/>
-    <p:sldId id="261" r:id="rId8"/>
-    <p:sldId id="262" r:id="rId9"/>
+    <p:sldId id="270" r:id="rId4"/>
+    <p:sldId id="264" r:id="rId5"/>
+    <p:sldId id="263" r:id="rId6"/>
+    <p:sldId id="258" r:id="rId7"/>
+    <p:sldId id="260" r:id="rId8"/>
+    <p:sldId id="259" r:id="rId9"/>
+    <p:sldId id="267" r:id="rId10"/>
+    <p:sldId id="266" r:id="rId11"/>
+    <p:sldId id="261" r:id="rId12"/>
+    <p:sldId id="265" r:id="rId13"/>
+    <p:sldId id="262" r:id="rId14"/>
+    <p:sldId id="268" r:id="rId15"/>
+    <p:sldId id="269" r:id="rId16"/>
   </p:sldIdLst>
   <p:sldSz cx="12192000" cy="6858000"/>
   <p:notesSz cx="6858000" cy="9144000"/>
@@ -117,6 +127,1609 @@
     </p:ext>
   </p:extLst>
 </p:presentation>
+</file>
+
+<file path=ppt/changesInfos/changesInfo1.xml><?xml version="1.0" encoding="utf-8"?>
+<pc:chgInfo xmlns:a="http://schemas.openxmlformats.org/drawingml/2006/main" xmlns:r="http://schemas.openxmlformats.org/officeDocument/2006/relationships" xmlns:ac="http://schemas.microsoft.com/office/drawing/2013/main/command" xmlns:pc="http://schemas.microsoft.com/office/powerpoint/2013/main/command">
+  <pc:docChgLst>
+    <pc:chgData name="Howard Zeng" userId="b3a49412108e13ba" providerId="LiveId" clId="{BCC94F81-CC70-406E-BFFC-3B9E7FA9D0DE}"/>
+    <pc:docChg chg="undo redo custSel addSld modSld sldOrd">
+      <pc:chgData name="Howard Zeng" userId="b3a49412108e13ba" providerId="LiveId" clId="{BCC94F81-CC70-406E-BFFC-3B9E7FA9D0DE}" dt="2023-11-28T21:23:57.097" v="3436"/>
+      <pc:docMkLst>
+        <pc:docMk/>
+      </pc:docMkLst>
+      <pc:sldChg chg="addSp delSp modSp mod">
+        <pc:chgData name="Howard Zeng" userId="b3a49412108e13ba" providerId="LiveId" clId="{BCC94F81-CC70-406E-BFFC-3B9E7FA9D0DE}" dt="2023-11-28T20:53:27.746" v="2704" actId="1076"/>
+        <pc:sldMkLst>
+          <pc:docMk/>
+          <pc:sldMk cId="2306690312" sldId="257"/>
+        </pc:sldMkLst>
+        <pc:spChg chg="mod">
+          <ac:chgData name="Howard Zeng" userId="b3a49412108e13ba" providerId="LiveId" clId="{BCC94F81-CC70-406E-BFFC-3B9E7FA9D0DE}" dt="2023-11-28T20:05:06.015" v="78" actId="20577"/>
+          <ac:spMkLst>
+            <pc:docMk/>
+            <pc:sldMk cId="2306690312" sldId="257"/>
+            <ac:spMk id="2" creationId="{289DC598-60E9-2D79-1259-CEDB667A8BAE}"/>
+          </ac:spMkLst>
+        </pc:spChg>
+        <pc:spChg chg="del mod">
+          <ac:chgData name="Howard Zeng" userId="b3a49412108e13ba" providerId="LiveId" clId="{BCC94F81-CC70-406E-BFFC-3B9E7FA9D0DE}" dt="2023-11-28T20:04:06.536" v="2" actId="22"/>
+          <ac:spMkLst>
+            <pc:docMk/>
+            <pc:sldMk cId="2306690312" sldId="257"/>
+            <ac:spMk id="3" creationId="{0DB5ED47-F868-7421-CFF1-070DFEE3569D}"/>
+          </ac:spMkLst>
+        </pc:spChg>
+        <pc:spChg chg="add">
+          <ac:chgData name="Howard Zeng" userId="b3a49412108e13ba" providerId="LiveId" clId="{BCC94F81-CC70-406E-BFFC-3B9E7FA9D0DE}" dt="2023-11-28T20:53:18.240" v="2702"/>
+          <ac:spMkLst>
+            <pc:docMk/>
+            <pc:sldMk cId="2306690312" sldId="257"/>
+            <ac:spMk id="3" creationId="{2EF84B81-5421-8899-428A-FD44B903FBC2}"/>
+          </ac:spMkLst>
+        </pc:spChg>
+        <pc:spChg chg="add mod">
+          <ac:chgData name="Howard Zeng" userId="b3a49412108e13ba" providerId="LiveId" clId="{BCC94F81-CC70-406E-BFFC-3B9E7FA9D0DE}" dt="2023-11-28T20:04:52.436" v="73" actId="15"/>
+          <ac:spMkLst>
+            <pc:docMk/>
+            <pc:sldMk cId="2306690312" sldId="257"/>
+            <ac:spMk id="7" creationId="{11A80505-0D6D-92B3-597A-5A7ED9F6D149}"/>
+          </ac:spMkLst>
+        </pc:spChg>
+        <pc:picChg chg="add del mod ord">
+          <ac:chgData name="Howard Zeng" userId="b3a49412108e13ba" providerId="LiveId" clId="{BCC94F81-CC70-406E-BFFC-3B9E7FA9D0DE}" dt="2023-11-28T20:04:23.949" v="3" actId="478"/>
+          <ac:picMkLst>
+            <pc:docMk/>
+            <pc:sldMk cId="2306690312" sldId="257"/>
+            <ac:picMk id="5" creationId="{539F88C3-3587-1509-CD2C-5DC05106BD5C}"/>
+          </ac:picMkLst>
+        </pc:picChg>
+        <pc:picChg chg="add mod">
+          <ac:chgData name="Howard Zeng" userId="b3a49412108e13ba" providerId="LiveId" clId="{BCC94F81-CC70-406E-BFFC-3B9E7FA9D0DE}" dt="2023-11-28T20:53:27.746" v="2704" actId="1076"/>
+          <ac:picMkLst>
+            <pc:docMk/>
+            <pc:sldMk cId="2306690312" sldId="257"/>
+            <ac:picMk id="5" creationId="{96FEDACF-8985-78EB-4818-0EB39B16BEE1}"/>
+          </ac:picMkLst>
+        </pc:picChg>
+        <pc:picChg chg="add del mod">
+          <ac:chgData name="Howard Zeng" userId="b3a49412108e13ba" providerId="LiveId" clId="{BCC94F81-CC70-406E-BFFC-3B9E7FA9D0DE}" dt="2023-11-28T20:04:30.162" v="8" actId="21"/>
+          <ac:picMkLst>
+            <pc:docMk/>
+            <pc:sldMk cId="2306690312" sldId="257"/>
+            <ac:picMk id="9" creationId="{06BC3A4B-6D1B-43E9-3AA0-AFA1FD2286FA}"/>
+          </ac:picMkLst>
+        </pc:picChg>
+        <pc:picChg chg="add del mod">
+          <ac:chgData name="Howard Zeng" userId="b3a49412108e13ba" providerId="LiveId" clId="{BCC94F81-CC70-406E-BFFC-3B9E7FA9D0DE}" dt="2023-11-28T20:04:49.901" v="71" actId="21"/>
+          <ac:picMkLst>
+            <pc:docMk/>
+            <pc:sldMk cId="2306690312" sldId="257"/>
+            <ac:picMk id="10" creationId="{8ED552D3-AE8C-09E7-205C-D6158C6F41FD}"/>
+          </ac:picMkLst>
+        </pc:picChg>
+        <pc:picChg chg="add mod">
+          <ac:chgData name="Howard Zeng" userId="b3a49412108e13ba" providerId="LiveId" clId="{BCC94F81-CC70-406E-BFFC-3B9E7FA9D0DE}" dt="2023-11-28T20:04:57.045" v="75" actId="1076"/>
+          <ac:picMkLst>
+            <pc:docMk/>
+            <pc:sldMk cId="2306690312" sldId="257"/>
+            <ac:picMk id="11" creationId="{0261FE6F-5105-FC1C-7DE8-758304BD7961}"/>
+          </ac:picMkLst>
+        </pc:picChg>
+      </pc:sldChg>
+      <pc:sldChg chg="modSp mod">
+        <pc:chgData name="Howard Zeng" userId="b3a49412108e13ba" providerId="LiveId" clId="{BCC94F81-CC70-406E-BFFC-3B9E7FA9D0DE}" dt="2023-11-28T20:31:01.727" v="1857"/>
+        <pc:sldMkLst>
+          <pc:docMk/>
+          <pc:sldMk cId="2212955399" sldId="259"/>
+        </pc:sldMkLst>
+        <pc:spChg chg="mod">
+          <ac:chgData name="Howard Zeng" userId="b3a49412108e13ba" providerId="LiveId" clId="{BCC94F81-CC70-406E-BFFC-3B9E7FA9D0DE}" dt="2023-11-28T20:31:01.727" v="1857"/>
+          <ac:spMkLst>
+            <pc:docMk/>
+            <pc:sldMk cId="2212955399" sldId="259"/>
+            <ac:spMk id="3" creationId="{B9FBC3D6-F324-C701-08FA-DC75906EA943}"/>
+          </ac:spMkLst>
+        </pc:spChg>
+      </pc:sldChg>
+      <pc:sldChg chg="modSp mod">
+        <pc:chgData name="Howard Zeng" userId="b3a49412108e13ba" providerId="LiveId" clId="{BCC94F81-CC70-406E-BFFC-3B9E7FA9D0DE}" dt="2023-11-28T20:43:44.133" v="2014" actId="21"/>
+        <pc:sldMkLst>
+          <pc:docMk/>
+          <pc:sldMk cId="1549926420" sldId="260"/>
+        </pc:sldMkLst>
+        <pc:spChg chg="mod">
+          <ac:chgData name="Howard Zeng" userId="b3a49412108e13ba" providerId="LiveId" clId="{BCC94F81-CC70-406E-BFFC-3B9E7FA9D0DE}" dt="2023-11-28T20:43:44.133" v="2014" actId="21"/>
+          <ac:spMkLst>
+            <pc:docMk/>
+            <pc:sldMk cId="1549926420" sldId="260"/>
+            <ac:spMk id="3" creationId="{4BC32640-8089-20EF-8904-42BC8471F10C}"/>
+          </ac:spMkLst>
+        </pc:spChg>
+      </pc:sldChg>
+      <pc:sldChg chg="addSp delSp modSp mod">
+        <pc:chgData name="Howard Zeng" userId="b3a49412108e13ba" providerId="LiveId" clId="{BCC94F81-CC70-406E-BFFC-3B9E7FA9D0DE}" dt="2023-11-28T20:43:13.168" v="1950" actId="1076"/>
+        <pc:sldMkLst>
+          <pc:docMk/>
+          <pc:sldMk cId="3813925949" sldId="261"/>
+        </pc:sldMkLst>
+        <pc:spChg chg="mod">
+          <ac:chgData name="Howard Zeng" userId="b3a49412108e13ba" providerId="LiveId" clId="{BCC94F81-CC70-406E-BFFC-3B9E7FA9D0DE}" dt="2023-11-28T20:36:18.141" v="1872" actId="20577"/>
+          <ac:spMkLst>
+            <pc:docMk/>
+            <pc:sldMk cId="3813925949" sldId="261"/>
+            <ac:spMk id="2" creationId="{A28A7C5A-652F-9093-FC44-BCD72C6595F0}"/>
+          </ac:spMkLst>
+        </pc:spChg>
+        <pc:spChg chg="del">
+          <ac:chgData name="Howard Zeng" userId="b3a49412108e13ba" providerId="LiveId" clId="{BCC94F81-CC70-406E-BFFC-3B9E7FA9D0DE}" dt="2023-11-28T20:35:44.700" v="1858" actId="22"/>
+          <ac:spMkLst>
+            <pc:docMk/>
+            <pc:sldMk cId="3813925949" sldId="261"/>
+            <ac:spMk id="3" creationId="{DA2584EC-07E4-1C27-B3D5-38A5DB88DC8A}"/>
+          </ac:spMkLst>
+        </pc:spChg>
+        <pc:spChg chg="add del mod">
+          <ac:chgData name="Howard Zeng" userId="b3a49412108e13ba" providerId="LiveId" clId="{BCC94F81-CC70-406E-BFFC-3B9E7FA9D0DE}" dt="2023-11-28T20:41:16.236" v="1920" actId="21"/>
+          <ac:spMkLst>
+            <pc:docMk/>
+            <pc:sldMk cId="3813925949" sldId="261"/>
+            <ac:spMk id="9" creationId="{635E5064-0201-257B-5ACA-17237582A53B}"/>
+          </ac:spMkLst>
+        </pc:spChg>
+        <pc:spChg chg="add del mod">
+          <ac:chgData name="Howard Zeng" userId="b3a49412108e13ba" providerId="LiveId" clId="{BCC94F81-CC70-406E-BFFC-3B9E7FA9D0DE}" dt="2023-11-28T20:41:17.812" v="1922" actId="21"/>
+          <ac:spMkLst>
+            <pc:docMk/>
+            <pc:sldMk cId="3813925949" sldId="261"/>
+            <ac:spMk id="11" creationId="{E1E4868F-AADF-E611-0B24-069ADFAD722A}"/>
+          </ac:spMkLst>
+        </pc:spChg>
+        <pc:picChg chg="add del mod ord">
+          <ac:chgData name="Howard Zeng" userId="b3a49412108e13ba" providerId="LiveId" clId="{BCC94F81-CC70-406E-BFFC-3B9E7FA9D0DE}" dt="2023-11-28T20:43:13.168" v="1950" actId="1076"/>
+          <ac:picMkLst>
+            <pc:docMk/>
+            <pc:sldMk cId="3813925949" sldId="261"/>
+            <ac:picMk id="5" creationId="{1DB13076-4348-5E7C-EEB4-BF9DF4AEDCCE}"/>
+          </ac:picMkLst>
+        </pc:picChg>
+        <pc:picChg chg="add del">
+          <ac:chgData name="Howard Zeng" userId="b3a49412108e13ba" providerId="LiveId" clId="{BCC94F81-CC70-406E-BFFC-3B9E7FA9D0DE}" dt="2023-11-28T20:36:30.791" v="1874" actId="22"/>
+          <ac:picMkLst>
+            <pc:docMk/>
+            <pc:sldMk cId="3813925949" sldId="261"/>
+            <ac:picMk id="7" creationId="{7217D06B-8282-E344-FA8B-7D5EC5E60801}"/>
+          </ac:picMkLst>
+        </pc:picChg>
+      </pc:sldChg>
+      <pc:sldChg chg="modSp mod">
+        <pc:chgData name="Howard Zeng" userId="b3a49412108e13ba" providerId="LiveId" clId="{BCC94F81-CC70-406E-BFFC-3B9E7FA9D0DE}" dt="2023-11-28T20:51:17.269" v="2683" actId="20577"/>
+        <pc:sldMkLst>
+          <pc:docMk/>
+          <pc:sldMk cId="932056654" sldId="262"/>
+        </pc:sldMkLst>
+        <pc:spChg chg="mod">
+          <ac:chgData name="Howard Zeng" userId="b3a49412108e13ba" providerId="LiveId" clId="{BCC94F81-CC70-406E-BFFC-3B9E7FA9D0DE}" dt="2023-11-28T20:43:56.629" v="2048" actId="20577"/>
+          <ac:spMkLst>
+            <pc:docMk/>
+            <pc:sldMk cId="932056654" sldId="262"/>
+            <ac:spMk id="2" creationId="{B0642C2E-FD82-320E-1723-C3A24BCA4D56}"/>
+          </ac:spMkLst>
+        </pc:spChg>
+        <pc:spChg chg="mod">
+          <ac:chgData name="Howard Zeng" userId="b3a49412108e13ba" providerId="LiveId" clId="{BCC94F81-CC70-406E-BFFC-3B9E7FA9D0DE}" dt="2023-11-28T20:51:17.269" v="2683" actId="20577"/>
+          <ac:spMkLst>
+            <pc:docMk/>
+            <pc:sldMk cId="932056654" sldId="262"/>
+            <ac:spMk id="3" creationId="{0613C40C-6EA5-BDBA-ED10-FEC36C2637DF}"/>
+          </ac:spMkLst>
+        </pc:spChg>
+      </pc:sldChg>
+      <pc:sldChg chg="modSp mod">
+        <pc:chgData name="Howard Zeng" userId="b3a49412108e13ba" providerId="LiveId" clId="{BCC94F81-CC70-406E-BFFC-3B9E7FA9D0DE}" dt="2023-11-28T20:17:44.884" v="1394" actId="20577"/>
+        <pc:sldMkLst>
+          <pc:docMk/>
+          <pc:sldMk cId="809470355" sldId="263"/>
+        </pc:sldMkLst>
+        <pc:spChg chg="mod">
+          <ac:chgData name="Howard Zeng" userId="b3a49412108e13ba" providerId="LiveId" clId="{BCC94F81-CC70-406E-BFFC-3B9E7FA9D0DE}" dt="2023-11-28T20:12:28.557" v="640" actId="27636"/>
+          <ac:spMkLst>
+            <pc:docMk/>
+            <pc:sldMk cId="809470355" sldId="263"/>
+            <ac:spMk id="2" creationId="{E0A0EAF5-65B1-160E-6DDF-518A0ACBEDD6}"/>
+          </ac:spMkLst>
+        </pc:spChg>
+        <pc:spChg chg="mod">
+          <ac:chgData name="Howard Zeng" userId="b3a49412108e13ba" providerId="LiveId" clId="{BCC94F81-CC70-406E-BFFC-3B9E7FA9D0DE}" dt="2023-11-28T20:17:44.884" v="1394" actId="20577"/>
+          <ac:spMkLst>
+            <pc:docMk/>
+            <pc:sldMk cId="809470355" sldId="263"/>
+            <ac:spMk id="3" creationId="{D79DF5D8-FEF6-1DC2-CCA3-73C7E61033D4}"/>
+          </ac:spMkLst>
+        </pc:spChg>
+      </pc:sldChg>
+      <pc:sldChg chg="addSp delSp modSp new mod modClrScheme chgLayout">
+        <pc:chgData name="Howard Zeng" userId="b3a49412108e13ba" providerId="LiveId" clId="{BCC94F81-CC70-406E-BFFC-3B9E7FA9D0DE}" dt="2023-11-28T21:21:52.503" v="3407" actId="478"/>
+        <pc:sldMkLst>
+          <pc:docMk/>
+          <pc:sldMk cId="209826715" sldId="264"/>
+        </pc:sldMkLst>
+        <pc:spChg chg="mod ord">
+          <ac:chgData name="Howard Zeng" userId="b3a49412108e13ba" providerId="LiveId" clId="{BCC94F81-CC70-406E-BFFC-3B9E7FA9D0DE}" dt="2023-11-28T20:12:15.808" v="626" actId="700"/>
+          <ac:spMkLst>
+            <pc:docMk/>
+            <pc:sldMk cId="209826715" sldId="264"/>
+            <ac:spMk id="2" creationId="{C6F981CD-8EFA-4F8B-F122-5F300AFE3D31}"/>
+          </ac:spMkLst>
+        </pc:spChg>
+        <pc:spChg chg="add del mod ord">
+          <ac:chgData name="Howard Zeng" userId="b3a49412108e13ba" providerId="LiveId" clId="{BCC94F81-CC70-406E-BFFC-3B9E7FA9D0DE}" dt="2023-11-28T21:21:50.949" v="3406" actId="478"/>
+          <ac:spMkLst>
+            <pc:docMk/>
+            <pc:sldMk cId="209826715" sldId="264"/>
+            <ac:spMk id="3" creationId="{1B9EFEB2-4320-23B5-9B05-AB34A6E1E186}"/>
+          </ac:spMkLst>
+        </pc:spChg>
+        <pc:spChg chg="add del mod">
+          <ac:chgData name="Howard Zeng" userId="b3a49412108e13ba" providerId="LiveId" clId="{BCC94F81-CC70-406E-BFFC-3B9E7FA9D0DE}" dt="2023-11-28T20:11:26.655" v="593" actId="22"/>
+          <ac:spMkLst>
+            <pc:docMk/>
+            <pc:sldMk cId="209826715" sldId="264"/>
+            <ac:spMk id="5" creationId="{0EC7195E-1D72-C85D-FD4E-862EFBFED17A}"/>
+          </ac:spMkLst>
+        </pc:spChg>
+        <pc:spChg chg="add del mod">
+          <ac:chgData name="Howard Zeng" userId="b3a49412108e13ba" providerId="LiveId" clId="{BCC94F81-CC70-406E-BFFC-3B9E7FA9D0DE}" dt="2023-11-28T21:03:17.779" v="2724" actId="478"/>
+          <ac:spMkLst>
+            <pc:docMk/>
+            <pc:sldMk cId="209826715" sldId="264"/>
+            <ac:spMk id="5" creationId="{B07D2AB6-E8A8-98E8-FE91-8F4DC4EA7C51}"/>
+          </ac:spMkLst>
+        </pc:spChg>
+        <pc:spChg chg="add del mod">
+          <ac:chgData name="Howard Zeng" userId="b3a49412108e13ba" providerId="LiveId" clId="{BCC94F81-CC70-406E-BFFC-3B9E7FA9D0DE}" dt="2023-11-28T21:05:43.006" v="2905" actId="21"/>
+          <ac:spMkLst>
+            <pc:docMk/>
+            <pc:sldMk cId="209826715" sldId="264"/>
+            <ac:spMk id="6" creationId="{630B1CD1-3C61-CCF3-73D5-A56200ED6382}"/>
+          </ac:spMkLst>
+        </pc:spChg>
+        <pc:spChg chg="add del mod ord">
+          <ac:chgData name="Howard Zeng" userId="b3a49412108e13ba" providerId="LiveId" clId="{BCC94F81-CC70-406E-BFFC-3B9E7FA9D0DE}" dt="2023-11-28T20:12:15.808" v="626" actId="700"/>
+          <ac:spMkLst>
+            <pc:docMk/>
+            <pc:sldMk cId="209826715" sldId="264"/>
+            <ac:spMk id="6" creationId="{9824E28D-6558-0A8F-B8F2-C8F04072AE79}"/>
+          </ac:spMkLst>
+        </pc:spChg>
+        <pc:spChg chg="add del mod">
+          <ac:chgData name="Howard Zeng" userId="b3a49412108e13ba" providerId="LiveId" clId="{BCC94F81-CC70-406E-BFFC-3B9E7FA9D0DE}" dt="2023-11-28T21:03:17.294" v="2723" actId="478"/>
+          <ac:spMkLst>
+            <pc:docMk/>
+            <pc:sldMk cId="209826715" sldId="264"/>
+            <ac:spMk id="7" creationId="{807AC175-8E60-6977-5A08-92D968F3D1A8}"/>
+          </ac:spMkLst>
+        </pc:spChg>
+        <pc:spChg chg="add del mod ord">
+          <ac:chgData name="Howard Zeng" userId="b3a49412108e13ba" providerId="LiveId" clId="{BCC94F81-CC70-406E-BFFC-3B9E7FA9D0DE}" dt="2023-11-28T20:12:15.808" v="626" actId="700"/>
+          <ac:spMkLst>
+            <pc:docMk/>
+            <pc:sldMk cId="209826715" sldId="264"/>
+            <ac:spMk id="7" creationId="{DA3B2B92-3985-89FE-ACBC-012B9E720968}"/>
+          </ac:spMkLst>
+        </pc:spChg>
+        <pc:spChg chg="add del mod">
+          <ac:chgData name="Howard Zeng" userId="b3a49412108e13ba" providerId="LiveId" clId="{BCC94F81-CC70-406E-BFFC-3B9E7FA9D0DE}" dt="2023-11-28T21:03:52.328" v="2802" actId="478"/>
+          <ac:spMkLst>
+            <pc:docMk/>
+            <pc:sldMk cId="209826715" sldId="264"/>
+            <ac:spMk id="8" creationId="{A6E156F3-AAB6-08D9-42D4-E5F44548DB23}"/>
+          </ac:spMkLst>
+        </pc:spChg>
+        <pc:spChg chg="add del mod ord">
+          <ac:chgData name="Howard Zeng" userId="b3a49412108e13ba" providerId="LiveId" clId="{BCC94F81-CC70-406E-BFFC-3B9E7FA9D0DE}" dt="2023-11-28T20:12:15.808" v="626" actId="700"/>
+          <ac:spMkLst>
+            <pc:docMk/>
+            <pc:sldMk cId="209826715" sldId="264"/>
+            <ac:spMk id="8" creationId="{E9AF00B1-A597-AF43-D9C5-9A28990592B2}"/>
+          </ac:spMkLst>
+        </pc:spChg>
+        <pc:spChg chg="add del mod">
+          <ac:chgData name="Howard Zeng" userId="b3a49412108e13ba" providerId="LiveId" clId="{BCC94F81-CC70-406E-BFFC-3B9E7FA9D0DE}" dt="2023-11-28T21:05:43.006" v="2905" actId="21"/>
+          <ac:spMkLst>
+            <pc:docMk/>
+            <pc:sldMk cId="209826715" sldId="264"/>
+            <ac:spMk id="9" creationId="{61951263-C6D9-BDEA-77E0-0AF8D1A5293C}"/>
+          </ac:spMkLst>
+        </pc:spChg>
+        <pc:spChg chg="add del">
+          <ac:chgData name="Howard Zeng" userId="b3a49412108e13ba" providerId="LiveId" clId="{BCC94F81-CC70-406E-BFFC-3B9E7FA9D0DE}" dt="2023-11-28T21:05:12.803" v="2899" actId="11529"/>
+          <ac:spMkLst>
+            <pc:docMk/>
+            <pc:sldMk cId="209826715" sldId="264"/>
+            <ac:spMk id="13" creationId="{127EB0AE-C816-8753-0F57-C29BFD0F555D}"/>
+          </ac:spMkLst>
+        </pc:spChg>
+        <pc:spChg chg="add del mod">
+          <ac:chgData name="Howard Zeng" userId="b3a49412108e13ba" providerId="LiveId" clId="{BCC94F81-CC70-406E-BFFC-3B9E7FA9D0DE}" dt="2023-11-28T21:05:43.006" v="2905" actId="21"/>
+          <ac:spMkLst>
+            <pc:docMk/>
+            <pc:sldMk cId="209826715" sldId="264"/>
+            <ac:spMk id="14" creationId="{772E3787-F849-9E6A-FA30-0C249A5A0A74}"/>
+          </ac:spMkLst>
+        </pc:spChg>
+        <pc:spChg chg="mod">
+          <ac:chgData name="Howard Zeng" userId="b3a49412108e13ba" providerId="LiveId" clId="{BCC94F81-CC70-406E-BFFC-3B9E7FA9D0DE}" dt="2023-11-28T21:20:18.213" v="3379"/>
+          <ac:spMkLst>
+            <pc:docMk/>
+            <pc:sldMk cId="209826715" sldId="264"/>
+            <ac:spMk id="16" creationId="{BB3AD168-32D5-58BB-9FBC-5E91AE6B69AD}"/>
+          </ac:spMkLst>
+        </pc:spChg>
+        <pc:spChg chg="mod">
+          <ac:chgData name="Howard Zeng" userId="b3a49412108e13ba" providerId="LiveId" clId="{BCC94F81-CC70-406E-BFFC-3B9E7FA9D0DE}" dt="2023-11-28T21:20:18.213" v="3379"/>
+          <ac:spMkLst>
+            <pc:docMk/>
+            <pc:sldMk cId="209826715" sldId="264"/>
+            <ac:spMk id="17" creationId="{700B12EA-F426-423A-A617-408673C48B1E}"/>
+          </ac:spMkLst>
+        </pc:spChg>
+        <pc:spChg chg="mod">
+          <ac:chgData name="Howard Zeng" userId="b3a49412108e13ba" providerId="LiveId" clId="{BCC94F81-CC70-406E-BFFC-3B9E7FA9D0DE}" dt="2023-11-28T21:20:18.213" v="3379"/>
+          <ac:spMkLst>
+            <pc:docMk/>
+            <pc:sldMk cId="209826715" sldId="264"/>
+            <ac:spMk id="18" creationId="{9AEC91B9-850B-A808-7622-A5DD55CA5669}"/>
+          </ac:spMkLst>
+        </pc:spChg>
+        <pc:spChg chg="mod">
+          <ac:chgData name="Howard Zeng" userId="b3a49412108e13ba" providerId="LiveId" clId="{BCC94F81-CC70-406E-BFFC-3B9E7FA9D0DE}" dt="2023-11-28T21:20:18.213" v="3379"/>
+          <ac:spMkLst>
+            <pc:docMk/>
+            <pc:sldMk cId="209826715" sldId="264"/>
+            <ac:spMk id="19" creationId="{19483115-C739-2997-F977-158FAF57BED8}"/>
+          </ac:spMkLst>
+        </pc:spChg>
+        <pc:spChg chg="mod">
+          <ac:chgData name="Howard Zeng" userId="b3a49412108e13ba" providerId="LiveId" clId="{BCC94F81-CC70-406E-BFFC-3B9E7FA9D0DE}" dt="2023-11-28T21:20:18.213" v="3379"/>
+          <ac:spMkLst>
+            <pc:docMk/>
+            <pc:sldMk cId="209826715" sldId="264"/>
+            <ac:spMk id="20" creationId="{9A154DBC-09AE-AA63-1F59-4E6EE68949CF}"/>
+          </ac:spMkLst>
+        </pc:spChg>
+        <pc:spChg chg="mod">
+          <ac:chgData name="Howard Zeng" userId="b3a49412108e13ba" providerId="LiveId" clId="{BCC94F81-CC70-406E-BFFC-3B9E7FA9D0DE}" dt="2023-11-28T21:20:18.213" v="3379"/>
+          <ac:spMkLst>
+            <pc:docMk/>
+            <pc:sldMk cId="209826715" sldId="264"/>
+            <ac:spMk id="21" creationId="{5EA0C83F-B2ED-3731-9EB4-99D2A67CB1F2}"/>
+          </ac:spMkLst>
+        </pc:spChg>
+        <pc:spChg chg="mod">
+          <ac:chgData name="Howard Zeng" userId="b3a49412108e13ba" providerId="LiveId" clId="{BCC94F81-CC70-406E-BFFC-3B9E7FA9D0DE}" dt="2023-11-28T21:20:18.213" v="3379"/>
+          <ac:spMkLst>
+            <pc:docMk/>
+            <pc:sldMk cId="209826715" sldId="264"/>
+            <ac:spMk id="22" creationId="{ACCDB71F-8CA0-2E38-D896-B794209A2BB1}"/>
+          </ac:spMkLst>
+        </pc:spChg>
+        <pc:spChg chg="mod">
+          <ac:chgData name="Howard Zeng" userId="b3a49412108e13ba" providerId="LiveId" clId="{BCC94F81-CC70-406E-BFFC-3B9E7FA9D0DE}" dt="2023-11-28T21:20:18.213" v="3379"/>
+          <ac:spMkLst>
+            <pc:docMk/>
+            <pc:sldMk cId="209826715" sldId="264"/>
+            <ac:spMk id="23" creationId="{55EF313B-BD73-CEC3-6BB9-22F0B3FD8DF6}"/>
+          </ac:spMkLst>
+        </pc:spChg>
+        <pc:spChg chg="mod">
+          <ac:chgData name="Howard Zeng" userId="b3a49412108e13ba" providerId="LiveId" clId="{BCC94F81-CC70-406E-BFFC-3B9E7FA9D0DE}" dt="2023-11-28T21:20:18.213" v="3379"/>
+          <ac:spMkLst>
+            <pc:docMk/>
+            <pc:sldMk cId="209826715" sldId="264"/>
+            <ac:spMk id="24" creationId="{71CB690E-2C85-E131-11EE-7BED7687B6E5}"/>
+          </ac:spMkLst>
+        </pc:spChg>
+        <pc:spChg chg="mod">
+          <ac:chgData name="Howard Zeng" userId="b3a49412108e13ba" providerId="LiveId" clId="{BCC94F81-CC70-406E-BFFC-3B9E7FA9D0DE}" dt="2023-11-28T21:20:18.213" v="3379"/>
+          <ac:spMkLst>
+            <pc:docMk/>
+            <pc:sldMk cId="209826715" sldId="264"/>
+            <ac:spMk id="25" creationId="{ACD9B928-9D95-975A-6E67-099DCFE33A2B}"/>
+          </ac:spMkLst>
+        </pc:spChg>
+        <pc:spChg chg="mod">
+          <ac:chgData name="Howard Zeng" userId="b3a49412108e13ba" providerId="LiveId" clId="{BCC94F81-CC70-406E-BFFC-3B9E7FA9D0DE}" dt="2023-11-28T21:20:18.213" v="3379"/>
+          <ac:spMkLst>
+            <pc:docMk/>
+            <pc:sldMk cId="209826715" sldId="264"/>
+            <ac:spMk id="26" creationId="{43DAD4D8-A728-A680-B723-2639578E34D4}"/>
+          </ac:spMkLst>
+        </pc:spChg>
+        <pc:spChg chg="mod">
+          <ac:chgData name="Howard Zeng" userId="b3a49412108e13ba" providerId="LiveId" clId="{BCC94F81-CC70-406E-BFFC-3B9E7FA9D0DE}" dt="2023-11-28T21:20:18.213" v="3379"/>
+          <ac:spMkLst>
+            <pc:docMk/>
+            <pc:sldMk cId="209826715" sldId="264"/>
+            <ac:spMk id="27" creationId="{427C9856-094E-9675-75D2-004786309AFF}"/>
+          </ac:spMkLst>
+        </pc:spChg>
+        <pc:spChg chg="mod">
+          <ac:chgData name="Howard Zeng" userId="b3a49412108e13ba" providerId="LiveId" clId="{BCC94F81-CC70-406E-BFFC-3B9E7FA9D0DE}" dt="2023-11-28T21:20:18.213" v="3379"/>
+          <ac:spMkLst>
+            <pc:docMk/>
+            <pc:sldMk cId="209826715" sldId="264"/>
+            <ac:spMk id="28" creationId="{EB90B26D-D5B5-426B-6DE8-0AB695160CD7}"/>
+          </ac:spMkLst>
+        </pc:spChg>
+        <pc:spChg chg="mod">
+          <ac:chgData name="Howard Zeng" userId="b3a49412108e13ba" providerId="LiveId" clId="{BCC94F81-CC70-406E-BFFC-3B9E7FA9D0DE}" dt="2023-11-28T21:20:29.266" v="3386"/>
+          <ac:spMkLst>
+            <pc:docMk/>
+            <pc:sldMk cId="209826715" sldId="264"/>
+            <ac:spMk id="30" creationId="{05F17256-BC0F-ECF1-0CFF-36AF2659FCF4}"/>
+          </ac:spMkLst>
+        </pc:spChg>
+        <pc:spChg chg="mod">
+          <ac:chgData name="Howard Zeng" userId="b3a49412108e13ba" providerId="LiveId" clId="{BCC94F81-CC70-406E-BFFC-3B9E7FA9D0DE}" dt="2023-11-28T21:20:29.266" v="3386"/>
+          <ac:spMkLst>
+            <pc:docMk/>
+            <pc:sldMk cId="209826715" sldId="264"/>
+            <ac:spMk id="31" creationId="{F44FD89E-0645-7380-6B92-0344F7766751}"/>
+          </ac:spMkLst>
+        </pc:spChg>
+        <pc:spChg chg="mod">
+          <ac:chgData name="Howard Zeng" userId="b3a49412108e13ba" providerId="LiveId" clId="{BCC94F81-CC70-406E-BFFC-3B9E7FA9D0DE}" dt="2023-11-28T21:20:29.266" v="3386"/>
+          <ac:spMkLst>
+            <pc:docMk/>
+            <pc:sldMk cId="209826715" sldId="264"/>
+            <ac:spMk id="32" creationId="{4CCF1423-EA11-4056-E439-2F51199459D4}"/>
+          </ac:spMkLst>
+        </pc:spChg>
+        <pc:spChg chg="mod">
+          <ac:chgData name="Howard Zeng" userId="b3a49412108e13ba" providerId="LiveId" clId="{BCC94F81-CC70-406E-BFFC-3B9E7FA9D0DE}" dt="2023-11-28T21:20:29.266" v="3386"/>
+          <ac:spMkLst>
+            <pc:docMk/>
+            <pc:sldMk cId="209826715" sldId="264"/>
+            <ac:spMk id="33" creationId="{CD670E4F-79D4-16AA-AE1E-E4FF83ECB8E4}"/>
+          </ac:spMkLst>
+        </pc:spChg>
+        <pc:spChg chg="mod">
+          <ac:chgData name="Howard Zeng" userId="b3a49412108e13ba" providerId="LiveId" clId="{BCC94F81-CC70-406E-BFFC-3B9E7FA9D0DE}" dt="2023-11-28T21:20:29.266" v="3386"/>
+          <ac:spMkLst>
+            <pc:docMk/>
+            <pc:sldMk cId="209826715" sldId="264"/>
+            <ac:spMk id="34" creationId="{01FDF571-1764-2878-100C-EBB78A7828C5}"/>
+          </ac:spMkLst>
+        </pc:spChg>
+        <pc:spChg chg="mod">
+          <ac:chgData name="Howard Zeng" userId="b3a49412108e13ba" providerId="LiveId" clId="{BCC94F81-CC70-406E-BFFC-3B9E7FA9D0DE}" dt="2023-11-28T21:20:29.266" v="3386"/>
+          <ac:spMkLst>
+            <pc:docMk/>
+            <pc:sldMk cId="209826715" sldId="264"/>
+            <ac:spMk id="35" creationId="{EFCB2D06-7802-4AF1-0E2B-920FD409C739}"/>
+          </ac:spMkLst>
+        </pc:spChg>
+        <pc:spChg chg="mod">
+          <ac:chgData name="Howard Zeng" userId="b3a49412108e13ba" providerId="LiveId" clId="{BCC94F81-CC70-406E-BFFC-3B9E7FA9D0DE}" dt="2023-11-28T21:20:29.266" v="3386"/>
+          <ac:spMkLst>
+            <pc:docMk/>
+            <pc:sldMk cId="209826715" sldId="264"/>
+            <ac:spMk id="36" creationId="{D12559D7-5E85-D824-5EF2-E4563B7A8347}"/>
+          </ac:spMkLst>
+        </pc:spChg>
+        <pc:spChg chg="mod">
+          <ac:chgData name="Howard Zeng" userId="b3a49412108e13ba" providerId="LiveId" clId="{BCC94F81-CC70-406E-BFFC-3B9E7FA9D0DE}" dt="2023-11-28T21:20:29.266" v="3386"/>
+          <ac:spMkLst>
+            <pc:docMk/>
+            <pc:sldMk cId="209826715" sldId="264"/>
+            <ac:spMk id="37" creationId="{94435A5D-907B-9C37-4958-BCEDC1699358}"/>
+          </ac:spMkLst>
+        </pc:spChg>
+        <pc:spChg chg="mod">
+          <ac:chgData name="Howard Zeng" userId="b3a49412108e13ba" providerId="LiveId" clId="{BCC94F81-CC70-406E-BFFC-3B9E7FA9D0DE}" dt="2023-11-28T21:20:29.266" v="3386"/>
+          <ac:spMkLst>
+            <pc:docMk/>
+            <pc:sldMk cId="209826715" sldId="264"/>
+            <ac:spMk id="38" creationId="{7CCE8354-8402-F594-3082-848B726629B5}"/>
+          </ac:spMkLst>
+        </pc:spChg>
+        <pc:spChg chg="mod">
+          <ac:chgData name="Howard Zeng" userId="b3a49412108e13ba" providerId="LiveId" clId="{BCC94F81-CC70-406E-BFFC-3B9E7FA9D0DE}" dt="2023-11-28T21:20:29.266" v="3386"/>
+          <ac:spMkLst>
+            <pc:docMk/>
+            <pc:sldMk cId="209826715" sldId="264"/>
+            <ac:spMk id="39" creationId="{AB042AFB-3797-6427-88A8-8C122BFE2E33}"/>
+          </ac:spMkLst>
+        </pc:spChg>
+        <pc:spChg chg="mod">
+          <ac:chgData name="Howard Zeng" userId="b3a49412108e13ba" providerId="LiveId" clId="{BCC94F81-CC70-406E-BFFC-3B9E7FA9D0DE}" dt="2023-11-28T21:20:29.266" v="3386"/>
+          <ac:spMkLst>
+            <pc:docMk/>
+            <pc:sldMk cId="209826715" sldId="264"/>
+            <ac:spMk id="40" creationId="{5451D15C-5753-4326-6597-085CD1708B1F}"/>
+          </ac:spMkLst>
+        </pc:spChg>
+        <pc:spChg chg="mod">
+          <ac:chgData name="Howard Zeng" userId="b3a49412108e13ba" providerId="LiveId" clId="{BCC94F81-CC70-406E-BFFC-3B9E7FA9D0DE}" dt="2023-11-28T21:20:29.266" v="3386"/>
+          <ac:spMkLst>
+            <pc:docMk/>
+            <pc:sldMk cId="209826715" sldId="264"/>
+            <ac:spMk id="41" creationId="{8FA9C833-D297-1AA2-C3C3-205FE87EA022}"/>
+          </ac:spMkLst>
+        </pc:spChg>
+        <pc:spChg chg="mod">
+          <ac:chgData name="Howard Zeng" userId="b3a49412108e13ba" providerId="LiveId" clId="{BCC94F81-CC70-406E-BFFC-3B9E7FA9D0DE}" dt="2023-11-28T21:20:29.266" v="3386"/>
+          <ac:spMkLst>
+            <pc:docMk/>
+            <pc:sldMk cId="209826715" sldId="264"/>
+            <ac:spMk id="42" creationId="{0C92A203-2EC3-53AE-88C5-7D8750C85F6E}"/>
+          </ac:spMkLst>
+        </pc:spChg>
+        <pc:spChg chg="mod">
+          <ac:chgData name="Howard Zeng" userId="b3a49412108e13ba" providerId="LiveId" clId="{BCC94F81-CC70-406E-BFFC-3B9E7FA9D0DE}" dt="2023-11-28T21:21:33.669" v="3398"/>
+          <ac:spMkLst>
+            <pc:docMk/>
+            <pc:sldMk cId="209826715" sldId="264"/>
+            <ac:spMk id="44" creationId="{EB30CD73-5814-7C5D-B50A-4529CC013828}"/>
+          </ac:spMkLst>
+        </pc:spChg>
+        <pc:spChg chg="mod">
+          <ac:chgData name="Howard Zeng" userId="b3a49412108e13ba" providerId="LiveId" clId="{BCC94F81-CC70-406E-BFFC-3B9E7FA9D0DE}" dt="2023-11-28T21:21:33.669" v="3398"/>
+          <ac:spMkLst>
+            <pc:docMk/>
+            <pc:sldMk cId="209826715" sldId="264"/>
+            <ac:spMk id="45" creationId="{A9839CCE-06E8-BC4B-8487-5FF47D3B1DC6}"/>
+          </ac:spMkLst>
+        </pc:spChg>
+        <pc:spChg chg="mod">
+          <ac:chgData name="Howard Zeng" userId="b3a49412108e13ba" providerId="LiveId" clId="{BCC94F81-CC70-406E-BFFC-3B9E7FA9D0DE}" dt="2023-11-28T21:21:33.669" v="3398"/>
+          <ac:spMkLst>
+            <pc:docMk/>
+            <pc:sldMk cId="209826715" sldId="264"/>
+            <ac:spMk id="46" creationId="{0D666461-F9FC-8980-EA7C-F0D2AADD3100}"/>
+          </ac:spMkLst>
+        </pc:spChg>
+        <pc:spChg chg="mod">
+          <ac:chgData name="Howard Zeng" userId="b3a49412108e13ba" providerId="LiveId" clId="{BCC94F81-CC70-406E-BFFC-3B9E7FA9D0DE}" dt="2023-11-28T21:21:33.669" v="3398"/>
+          <ac:spMkLst>
+            <pc:docMk/>
+            <pc:sldMk cId="209826715" sldId="264"/>
+            <ac:spMk id="47" creationId="{73E316A0-F1A3-5207-6462-F54E7797361F}"/>
+          </ac:spMkLst>
+        </pc:spChg>
+        <pc:spChg chg="mod">
+          <ac:chgData name="Howard Zeng" userId="b3a49412108e13ba" providerId="LiveId" clId="{BCC94F81-CC70-406E-BFFC-3B9E7FA9D0DE}" dt="2023-11-28T21:21:33.669" v="3398"/>
+          <ac:spMkLst>
+            <pc:docMk/>
+            <pc:sldMk cId="209826715" sldId="264"/>
+            <ac:spMk id="48" creationId="{B4B89CCB-C1CC-8F64-A158-587DCE982A12}"/>
+          </ac:spMkLst>
+        </pc:spChg>
+        <pc:spChg chg="mod">
+          <ac:chgData name="Howard Zeng" userId="b3a49412108e13ba" providerId="LiveId" clId="{BCC94F81-CC70-406E-BFFC-3B9E7FA9D0DE}" dt="2023-11-28T21:21:33.669" v="3398"/>
+          <ac:spMkLst>
+            <pc:docMk/>
+            <pc:sldMk cId="209826715" sldId="264"/>
+            <ac:spMk id="49" creationId="{2D216F04-8E60-0CAA-53CE-2FFF235CFD91}"/>
+          </ac:spMkLst>
+        </pc:spChg>
+        <pc:spChg chg="mod">
+          <ac:chgData name="Howard Zeng" userId="b3a49412108e13ba" providerId="LiveId" clId="{BCC94F81-CC70-406E-BFFC-3B9E7FA9D0DE}" dt="2023-11-28T21:21:33.669" v="3398"/>
+          <ac:spMkLst>
+            <pc:docMk/>
+            <pc:sldMk cId="209826715" sldId="264"/>
+            <ac:spMk id="50" creationId="{9494826A-A47E-CD9C-4D9C-D9CD5F425E8B}"/>
+          </ac:spMkLst>
+        </pc:spChg>
+        <pc:spChg chg="mod">
+          <ac:chgData name="Howard Zeng" userId="b3a49412108e13ba" providerId="LiveId" clId="{BCC94F81-CC70-406E-BFFC-3B9E7FA9D0DE}" dt="2023-11-28T21:21:33.669" v="3398"/>
+          <ac:spMkLst>
+            <pc:docMk/>
+            <pc:sldMk cId="209826715" sldId="264"/>
+            <ac:spMk id="51" creationId="{6089A9CE-ACC0-C3E7-84F5-6806F628D97D}"/>
+          </ac:spMkLst>
+        </pc:spChg>
+        <pc:spChg chg="mod">
+          <ac:chgData name="Howard Zeng" userId="b3a49412108e13ba" providerId="LiveId" clId="{BCC94F81-CC70-406E-BFFC-3B9E7FA9D0DE}" dt="2023-11-28T21:21:33.669" v="3398"/>
+          <ac:spMkLst>
+            <pc:docMk/>
+            <pc:sldMk cId="209826715" sldId="264"/>
+            <ac:spMk id="52" creationId="{8222851C-CD26-C5AF-0C09-D97584819430}"/>
+          </ac:spMkLst>
+        </pc:spChg>
+        <pc:spChg chg="mod">
+          <ac:chgData name="Howard Zeng" userId="b3a49412108e13ba" providerId="LiveId" clId="{BCC94F81-CC70-406E-BFFC-3B9E7FA9D0DE}" dt="2023-11-28T21:21:33.669" v="3398"/>
+          <ac:spMkLst>
+            <pc:docMk/>
+            <pc:sldMk cId="209826715" sldId="264"/>
+            <ac:spMk id="53" creationId="{01083BF1-A112-068C-C7E0-5265522FA070}"/>
+          </ac:spMkLst>
+        </pc:spChg>
+        <pc:spChg chg="mod">
+          <ac:chgData name="Howard Zeng" userId="b3a49412108e13ba" providerId="LiveId" clId="{BCC94F81-CC70-406E-BFFC-3B9E7FA9D0DE}" dt="2023-11-28T21:21:33.669" v="3398"/>
+          <ac:spMkLst>
+            <pc:docMk/>
+            <pc:sldMk cId="209826715" sldId="264"/>
+            <ac:spMk id="54" creationId="{967470F2-2488-4C59-B7B4-984859F0338E}"/>
+          </ac:spMkLst>
+        </pc:spChg>
+        <pc:spChg chg="mod">
+          <ac:chgData name="Howard Zeng" userId="b3a49412108e13ba" providerId="LiveId" clId="{BCC94F81-CC70-406E-BFFC-3B9E7FA9D0DE}" dt="2023-11-28T21:21:33.669" v="3398"/>
+          <ac:spMkLst>
+            <pc:docMk/>
+            <pc:sldMk cId="209826715" sldId="264"/>
+            <ac:spMk id="55" creationId="{4FAB028E-A6DD-18A3-8787-E903DCFA4596}"/>
+          </ac:spMkLst>
+        </pc:spChg>
+        <pc:spChg chg="mod">
+          <ac:chgData name="Howard Zeng" userId="b3a49412108e13ba" providerId="LiveId" clId="{BCC94F81-CC70-406E-BFFC-3B9E7FA9D0DE}" dt="2023-11-28T21:21:33.669" v="3398"/>
+          <ac:spMkLst>
+            <pc:docMk/>
+            <pc:sldMk cId="209826715" sldId="264"/>
+            <ac:spMk id="56" creationId="{0CA0801E-2A52-903C-5FC3-DBA307F2FF41}"/>
+          </ac:spMkLst>
+        </pc:spChg>
+        <pc:spChg chg="add del mod">
+          <ac:chgData name="Howard Zeng" userId="b3a49412108e13ba" providerId="LiveId" clId="{BCC94F81-CC70-406E-BFFC-3B9E7FA9D0DE}" dt="2023-11-28T21:21:49.111" v="3404" actId="478"/>
+          <ac:spMkLst>
+            <pc:docMk/>
+            <pc:sldMk cId="209826715" sldId="264"/>
+            <ac:spMk id="58" creationId="{AC5B007D-2CF5-A790-7C50-C2060044E926}"/>
+          </ac:spMkLst>
+        </pc:spChg>
+        <pc:spChg chg="add del mod">
+          <ac:chgData name="Howard Zeng" userId="b3a49412108e13ba" providerId="LiveId" clId="{BCC94F81-CC70-406E-BFFC-3B9E7FA9D0DE}" dt="2023-11-28T21:21:50.949" v="3406" actId="478"/>
+          <ac:spMkLst>
+            <pc:docMk/>
+            <pc:sldMk cId="209826715" sldId="264"/>
+            <ac:spMk id="60" creationId="{614ADB2D-E91F-1510-5682-5FD5F2BC500C}"/>
+          </ac:spMkLst>
+        </pc:spChg>
+        <pc:grpChg chg="add del mod">
+          <ac:chgData name="Howard Zeng" userId="b3a49412108e13ba" providerId="LiveId" clId="{BCC94F81-CC70-406E-BFFC-3B9E7FA9D0DE}" dt="2023-11-28T21:20:23.459" v="3382"/>
+          <ac:grpSpMkLst>
+            <pc:docMk/>
+            <pc:sldMk cId="209826715" sldId="264"/>
+            <ac:grpSpMk id="15" creationId="{D69F5AA8-0277-365C-9730-78324F405AFB}"/>
+          </ac:grpSpMkLst>
+        </pc:grpChg>
+        <pc:grpChg chg="add del mod">
+          <ac:chgData name="Howard Zeng" userId="b3a49412108e13ba" providerId="LiveId" clId="{BCC94F81-CC70-406E-BFFC-3B9E7FA9D0DE}" dt="2023-11-28T21:21:32.919" v="3397" actId="478"/>
+          <ac:grpSpMkLst>
+            <pc:docMk/>
+            <pc:sldMk cId="209826715" sldId="264"/>
+            <ac:grpSpMk id="29" creationId="{0CEF3075-624B-65B6-BC89-624B21BEAB86}"/>
+          </ac:grpSpMkLst>
+        </pc:grpChg>
+        <pc:grpChg chg="add del mod">
+          <ac:chgData name="Howard Zeng" userId="b3a49412108e13ba" providerId="LiveId" clId="{BCC94F81-CC70-406E-BFFC-3B9E7FA9D0DE}" dt="2023-11-28T21:21:52.503" v="3407" actId="478"/>
+          <ac:grpSpMkLst>
+            <pc:docMk/>
+            <pc:sldMk cId="209826715" sldId="264"/>
+            <ac:grpSpMk id="43" creationId="{E2F179B7-9922-C082-B576-F5570FA504E9}"/>
+          </ac:grpSpMkLst>
+        </pc:grpChg>
+        <pc:graphicFrameChg chg="add del mod modGraphic">
+          <ac:chgData name="Howard Zeng" userId="b3a49412108e13ba" providerId="LiveId" clId="{BCC94F81-CC70-406E-BFFC-3B9E7FA9D0DE}" dt="2023-11-28T21:01:58.956" v="2716" actId="478"/>
+          <ac:graphicFrameMkLst>
+            <pc:docMk/>
+            <pc:sldMk cId="209826715" sldId="264"/>
+            <ac:graphicFrameMk id="4" creationId="{2C4BD738-E895-97F2-6138-D13F35FF9B20}"/>
+          </ac:graphicFrameMkLst>
+        </pc:graphicFrameChg>
+        <pc:cxnChg chg="add del mod">
+          <ac:chgData name="Howard Zeng" userId="b3a49412108e13ba" providerId="LiveId" clId="{BCC94F81-CC70-406E-BFFC-3B9E7FA9D0DE}" dt="2023-11-28T21:05:12.838" v="2900" actId="21"/>
+          <ac:cxnSpMkLst>
+            <pc:docMk/>
+            <pc:sldMk cId="209826715" sldId="264"/>
+            <ac:cxnSpMk id="11" creationId="{22D2F7FE-1F9F-A085-007E-DA345A342503}"/>
+          </ac:cxnSpMkLst>
+        </pc:cxnChg>
+      </pc:sldChg>
+      <pc:sldChg chg="addSp delSp modSp add mod">
+        <pc:chgData name="Howard Zeng" userId="b3a49412108e13ba" providerId="LiveId" clId="{BCC94F81-CC70-406E-BFFC-3B9E7FA9D0DE}" dt="2023-11-28T20:41:37.317" v="1930" actId="1076"/>
+        <pc:sldMkLst>
+          <pc:docMk/>
+          <pc:sldMk cId="678057729" sldId="265"/>
+        </pc:sldMkLst>
+        <pc:spChg chg="del">
+          <ac:chgData name="Howard Zeng" userId="b3a49412108e13ba" providerId="LiveId" clId="{BCC94F81-CC70-406E-BFFC-3B9E7FA9D0DE}" dt="2023-11-28T20:36:44.616" v="1879" actId="478"/>
+          <ac:spMkLst>
+            <pc:docMk/>
+            <pc:sldMk cId="678057729" sldId="265"/>
+            <ac:spMk id="2" creationId="{A28A7C5A-652F-9093-FC44-BCD72C6595F0}"/>
+          </ac:spMkLst>
+        </pc:spChg>
+        <pc:spChg chg="add del mod">
+          <ac:chgData name="Howard Zeng" userId="b3a49412108e13ba" providerId="LiveId" clId="{BCC94F81-CC70-406E-BFFC-3B9E7FA9D0DE}" dt="2023-11-28T20:36:46.489" v="1882" actId="478"/>
+          <ac:spMkLst>
+            <pc:docMk/>
+            <pc:sldMk cId="678057729" sldId="265"/>
+            <ac:spMk id="4" creationId="{CCB235A0-BED4-C237-5FFC-A70B2514E03C}"/>
+          </ac:spMkLst>
+        </pc:spChg>
+        <pc:spChg chg="add del mod">
+          <ac:chgData name="Howard Zeng" userId="b3a49412108e13ba" providerId="LiveId" clId="{BCC94F81-CC70-406E-BFFC-3B9E7FA9D0DE}" dt="2023-11-28T20:36:46.009" v="1881" actId="478"/>
+          <ac:spMkLst>
+            <pc:docMk/>
+            <pc:sldMk cId="678057729" sldId="265"/>
+            <ac:spMk id="9" creationId="{CC161FE8-6911-0176-012A-30E0AB842E50}"/>
+          </ac:spMkLst>
+        </pc:spChg>
+        <pc:picChg chg="del">
+          <ac:chgData name="Howard Zeng" userId="b3a49412108e13ba" providerId="LiveId" clId="{BCC94F81-CC70-406E-BFFC-3B9E7FA9D0DE}" dt="2023-11-28T20:36:40.239" v="1876" actId="478"/>
+          <ac:picMkLst>
+            <pc:docMk/>
+            <pc:sldMk cId="678057729" sldId="265"/>
+            <ac:picMk id="5" creationId="{1DB13076-4348-5E7C-EEB4-BF9DF4AEDCCE}"/>
+          </ac:picMkLst>
+        </pc:picChg>
+        <pc:picChg chg="add del mod">
+          <ac:chgData name="Howard Zeng" userId="b3a49412108e13ba" providerId="LiveId" clId="{BCC94F81-CC70-406E-BFFC-3B9E7FA9D0DE}" dt="2023-11-28T20:40:58.707" v="1915" actId="21"/>
+          <ac:picMkLst>
+            <pc:docMk/>
+            <pc:sldMk cId="678057729" sldId="265"/>
+            <ac:picMk id="7" creationId="{D666E5EB-14CB-2FF7-82C0-E7578C3DB9FC}"/>
+          </ac:picMkLst>
+        </pc:picChg>
+        <pc:picChg chg="add del mod">
+          <ac:chgData name="Howard Zeng" userId="b3a49412108e13ba" providerId="LiveId" clId="{BCC94F81-CC70-406E-BFFC-3B9E7FA9D0DE}" dt="2023-11-28T20:41:19.614" v="1923" actId="21"/>
+          <ac:picMkLst>
+            <pc:docMk/>
+            <pc:sldMk cId="678057729" sldId="265"/>
+            <ac:picMk id="10" creationId="{612D2D9E-3AE9-689F-74ED-C0F18096CD9E}"/>
+          </ac:picMkLst>
+        </pc:picChg>
+        <pc:picChg chg="add mod">
+          <ac:chgData name="Howard Zeng" userId="b3a49412108e13ba" providerId="LiveId" clId="{BCC94F81-CC70-406E-BFFC-3B9E7FA9D0DE}" dt="2023-11-28T20:41:37.317" v="1930" actId="1076"/>
+          <ac:picMkLst>
+            <pc:docMk/>
+            <pc:sldMk cId="678057729" sldId="265"/>
+            <ac:picMk id="11" creationId="{D409CCAF-DFD9-6995-E663-FA0C4BA27DF4}"/>
+          </ac:picMkLst>
+        </pc:picChg>
+      </pc:sldChg>
+      <pc:sldChg chg="addSp delSp modSp add mod">
+        <pc:chgData name="Howard Zeng" userId="b3a49412108e13ba" providerId="LiveId" clId="{BCC94F81-CC70-406E-BFFC-3B9E7FA9D0DE}" dt="2023-11-28T20:42:02.082" v="1939" actId="22"/>
+        <pc:sldMkLst>
+          <pc:docMk/>
+          <pc:sldMk cId="2080524993" sldId="266"/>
+        </pc:sldMkLst>
+        <pc:spChg chg="del mod">
+          <ac:chgData name="Howard Zeng" userId="b3a49412108e13ba" providerId="LiveId" clId="{BCC94F81-CC70-406E-BFFC-3B9E7FA9D0DE}" dt="2023-11-28T20:41:57.324" v="1937" actId="478"/>
+          <ac:spMkLst>
+            <pc:docMk/>
+            <pc:sldMk cId="2080524993" sldId="266"/>
+            <ac:spMk id="2" creationId="{A28A7C5A-652F-9093-FC44-BCD72C6595F0}"/>
+          </ac:spMkLst>
+        </pc:spChg>
+        <pc:spChg chg="add del mod">
+          <ac:chgData name="Howard Zeng" userId="b3a49412108e13ba" providerId="LiveId" clId="{BCC94F81-CC70-406E-BFFC-3B9E7FA9D0DE}" dt="2023-11-28T20:41:56.262" v="1935" actId="478"/>
+          <ac:spMkLst>
+            <pc:docMk/>
+            <pc:sldMk cId="2080524993" sldId="266"/>
+            <ac:spMk id="4" creationId="{BE48F45D-8581-B80C-6025-52BFBDC55712}"/>
+          </ac:spMkLst>
+        </pc:spChg>
+        <pc:spChg chg="add del mod">
+          <ac:chgData name="Howard Zeng" userId="b3a49412108e13ba" providerId="LiveId" clId="{BCC94F81-CC70-406E-BFFC-3B9E7FA9D0DE}" dt="2023-11-28T20:41:58.808" v="1938" actId="478"/>
+          <ac:spMkLst>
+            <pc:docMk/>
+            <pc:sldMk cId="2080524993" sldId="266"/>
+            <ac:spMk id="9" creationId="{DC924F18-4DC4-DCB1-0ECC-A1B2CAE506EA}"/>
+          </ac:spMkLst>
+        </pc:spChg>
+        <pc:picChg chg="del">
+          <ac:chgData name="Howard Zeng" userId="b3a49412108e13ba" providerId="LiveId" clId="{BCC94F81-CC70-406E-BFFC-3B9E7FA9D0DE}" dt="2023-11-28T20:37:55.885" v="1903" actId="478"/>
+          <ac:picMkLst>
+            <pc:docMk/>
+            <pc:sldMk cId="2080524993" sldId="266"/>
+            <ac:picMk id="5" creationId="{1DB13076-4348-5E7C-EEB4-BF9DF4AEDCCE}"/>
+          </ac:picMkLst>
+        </pc:picChg>
+        <pc:picChg chg="add del mod ord">
+          <ac:chgData name="Howard Zeng" userId="b3a49412108e13ba" providerId="LiveId" clId="{BCC94F81-CC70-406E-BFFC-3B9E7FA9D0DE}" dt="2023-11-28T20:41:52.373" v="1934" actId="22"/>
+          <ac:picMkLst>
+            <pc:docMk/>
+            <pc:sldMk cId="2080524993" sldId="266"/>
+            <ac:picMk id="7" creationId="{11C66A05-4764-6877-3D0B-88FDFD0BE331}"/>
+          </ac:picMkLst>
+        </pc:picChg>
+        <pc:picChg chg="add">
+          <ac:chgData name="Howard Zeng" userId="b3a49412108e13ba" providerId="LiveId" clId="{BCC94F81-CC70-406E-BFFC-3B9E7FA9D0DE}" dt="2023-11-28T20:42:02.082" v="1939" actId="22"/>
+          <ac:picMkLst>
+            <pc:docMk/>
+            <pc:sldMk cId="2080524993" sldId="266"/>
+            <ac:picMk id="11" creationId="{2687C05B-3790-2AB7-8C4F-4A04516129B2}"/>
+          </ac:picMkLst>
+        </pc:picChg>
+      </pc:sldChg>
+      <pc:sldChg chg="addSp delSp modSp add mod ord">
+        <pc:chgData name="Howard Zeng" userId="b3a49412108e13ba" providerId="LiveId" clId="{BCC94F81-CC70-406E-BFFC-3B9E7FA9D0DE}" dt="2023-11-28T20:43:03.714" v="1948" actId="14100"/>
+        <pc:sldMkLst>
+          <pc:docMk/>
+          <pc:sldMk cId="3563214503" sldId="267"/>
+        </pc:sldMkLst>
+        <pc:spChg chg="mod">
+          <ac:chgData name="Howard Zeng" userId="b3a49412108e13ba" providerId="LiveId" clId="{BCC94F81-CC70-406E-BFFC-3B9E7FA9D0DE}" dt="2023-11-28T20:38:01.587" v="1914" actId="27636"/>
+          <ac:spMkLst>
+            <pc:docMk/>
+            <pc:sldMk cId="3563214503" sldId="267"/>
+            <ac:spMk id="2" creationId="{A28A7C5A-652F-9093-FC44-BCD72C6595F0}"/>
+          </ac:spMkLst>
+        </pc:spChg>
+        <pc:spChg chg="add del mod">
+          <ac:chgData name="Howard Zeng" userId="b3a49412108e13ba" providerId="LiveId" clId="{BCC94F81-CC70-406E-BFFC-3B9E7FA9D0DE}" dt="2023-11-28T20:42:44.925" v="1943" actId="478"/>
+          <ac:spMkLst>
+            <pc:docMk/>
+            <pc:sldMk cId="3563214503" sldId="267"/>
+            <ac:spMk id="4" creationId="{C299253D-92A2-0255-DF0D-C280F82000BD}"/>
+          </ac:spMkLst>
+        </pc:spChg>
+        <pc:picChg chg="del">
+          <ac:chgData name="Howard Zeng" userId="b3a49412108e13ba" providerId="LiveId" clId="{BCC94F81-CC70-406E-BFFC-3B9E7FA9D0DE}" dt="2023-11-28T20:42:42.115" v="1940" actId="478"/>
+          <ac:picMkLst>
+            <pc:docMk/>
+            <pc:sldMk cId="3563214503" sldId="267"/>
+            <ac:picMk id="5" creationId="{1DB13076-4348-5E7C-EEB4-BF9DF4AEDCCE}"/>
+          </ac:picMkLst>
+        </pc:picChg>
+        <pc:picChg chg="add mod">
+          <ac:chgData name="Howard Zeng" userId="b3a49412108e13ba" providerId="LiveId" clId="{BCC94F81-CC70-406E-BFFC-3B9E7FA9D0DE}" dt="2023-11-28T20:43:03.714" v="1948" actId="14100"/>
+          <ac:picMkLst>
+            <pc:docMk/>
+            <pc:sldMk cId="3563214503" sldId="267"/>
+            <ac:picMk id="7" creationId="{1B0627C9-DDED-1410-28B5-B6DEC8EA6706}"/>
+          </ac:picMkLst>
+        </pc:picChg>
+      </pc:sldChg>
+      <pc:sldChg chg="modSp new mod">
+        <pc:chgData name="Howard Zeng" userId="b3a49412108e13ba" providerId="LiveId" clId="{BCC94F81-CC70-406E-BFFC-3B9E7FA9D0DE}" dt="2023-11-28T20:51:58.016" v="2687" actId="20577"/>
+        <pc:sldMkLst>
+          <pc:docMk/>
+          <pc:sldMk cId="3311984560" sldId="268"/>
+        </pc:sldMkLst>
+        <pc:spChg chg="mod">
+          <ac:chgData name="Howard Zeng" userId="b3a49412108e13ba" providerId="LiveId" clId="{BCC94F81-CC70-406E-BFFC-3B9E7FA9D0DE}" dt="2023-11-28T20:51:58.016" v="2687" actId="20577"/>
+          <ac:spMkLst>
+            <pc:docMk/>
+            <pc:sldMk cId="3311984560" sldId="268"/>
+            <ac:spMk id="2" creationId="{5A30A51E-4145-B848-B7C0-750F73549FB7}"/>
+          </ac:spMkLst>
+        </pc:spChg>
+      </pc:sldChg>
+      <pc:sldChg chg="delSp modSp new mod">
+        <pc:chgData name="Howard Zeng" userId="b3a49412108e13ba" providerId="LiveId" clId="{BCC94F81-CC70-406E-BFFC-3B9E7FA9D0DE}" dt="2023-11-28T20:52:38.529" v="2701" actId="478"/>
+        <pc:sldMkLst>
+          <pc:docMk/>
+          <pc:sldMk cId="3919474522" sldId="269"/>
+        </pc:sldMkLst>
+        <pc:spChg chg="mod">
+          <ac:chgData name="Howard Zeng" userId="b3a49412108e13ba" providerId="LiveId" clId="{BCC94F81-CC70-406E-BFFC-3B9E7FA9D0DE}" dt="2023-11-28T20:52:36.848" v="2700" actId="20577"/>
+          <ac:spMkLst>
+            <pc:docMk/>
+            <pc:sldMk cId="3919474522" sldId="269"/>
+            <ac:spMk id="2" creationId="{126FD4B2-1DB6-D3CC-CBAF-76B4CC06BF38}"/>
+          </ac:spMkLst>
+        </pc:spChg>
+        <pc:spChg chg="del">
+          <ac:chgData name="Howard Zeng" userId="b3a49412108e13ba" providerId="LiveId" clId="{BCC94F81-CC70-406E-BFFC-3B9E7FA9D0DE}" dt="2023-11-28T20:52:38.529" v="2701" actId="478"/>
+          <ac:spMkLst>
+            <pc:docMk/>
+            <pc:sldMk cId="3919474522" sldId="269"/>
+            <ac:spMk id="3" creationId="{2AB376E4-028B-E3DD-E6F2-507550D4D44B}"/>
+          </ac:spMkLst>
+        </pc:spChg>
+      </pc:sldChg>
+      <pc:sldChg chg="addSp delSp modSp new mod ord">
+        <pc:chgData name="Howard Zeng" userId="b3a49412108e13ba" providerId="LiveId" clId="{BCC94F81-CC70-406E-BFFC-3B9E7FA9D0DE}" dt="2023-11-28T21:23:57.097" v="3436"/>
+        <pc:sldMkLst>
+          <pc:docMk/>
+          <pc:sldMk cId="4264775049" sldId="270"/>
+        </pc:sldMkLst>
+        <pc:spChg chg="add del mod">
+          <ac:chgData name="Howard Zeng" userId="b3a49412108e13ba" providerId="LiveId" clId="{BCC94F81-CC70-406E-BFFC-3B9E7FA9D0DE}" dt="2023-11-28T21:13:21.769" v="3255" actId="21"/>
+          <ac:spMkLst>
+            <pc:docMk/>
+            <pc:sldMk cId="4264775049" sldId="270"/>
+            <ac:spMk id="2" creationId="{18ACCE65-1265-F9F5-70A8-B34B4557E4CD}"/>
+          </ac:spMkLst>
+        </pc:spChg>
+        <pc:spChg chg="add mod">
+          <ac:chgData name="Howard Zeng" userId="b3a49412108e13ba" providerId="LiveId" clId="{BCC94F81-CC70-406E-BFFC-3B9E7FA9D0DE}" dt="2023-11-28T21:20:06.784" v="3374" actId="164"/>
+          <ac:spMkLst>
+            <pc:docMk/>
+            <pc:sldMk cId="4264775049" sldId="270"/>
+            <ac:spMk id="3" creationId="{7ED807CA-3C74-1B35-04EB-8504546F505D}"/>
+          </ac:spMkLst>
+        </pc:spChg>
+        <pc:spChg chg="add del mod">
+          <ac:chgData name="Howard Zeng" userId="b3a49412108e13ba" providerId="LiveId" clId="{BCC94F81-CC70-406E-BFFC-3B9E7FA9D0DE}" dt="2023-11-28T21:13:21.769" v="3255" actId="21"/>
+          <ac:spMkLst>
+            <pc:docMk/>
+            <pc:sldMk cId="4264775049" sldId="270"/>
+            <ac:spMk id="4" creationId="{6B689394-2ADE-7B2C-0F45-6865E7A50CEF}"/>
+          </ac:spMkLst>
+        </pc:spChg>
+        <pc:spChg chg="add del mod">
+          <ac:chgData name="Howard Zeng" userId="b3a49412108e13ba" providerId="LiveId" clId="{BCC94F81-CC70-406E-BFFC-3B9E7FA9D0DE}" dt="2023-11-28T21:13:21.769" v="3255" actId="21"/>
+          <ac:spMkLst>
+            <pc:docMk/>
+            <pc:sldMk cId="4264775049" sldId="270"/>
+            <ac:spMk id="5" creationId="{4D606A6B-768C-1615-54FD-5839123B292B}"/>
+          </ac:spMkLst>
+        </pc:spChg>
+        <pc:spChg chg="add mod">
+          <ac:chgData name="Howard Zeng" userId="b3a49412108e13ba" providerId="LiveId" clId="{BCC94F81-CC70-406E-BFFC-3B9E7FA9D0DE}" dt="2023-11-28T21:20:06.784" v="3374" actId="164"/>
+          <ac:spMkLst>
+            <pc:docMk/>
+            <pc:sldMk cId="4264775049" sldId="270"/>
+            <ac:spMk id="6" creationId="{AABEC764-2E4F-9FB5-B8B0-6ACA3E3CBD34}"/>
+          </ac:spMkLst>
+        </pc:spChg>
+        <pc:spChg chg="add del mod">
+          <ac:chgData name="Howard Zeng" userId="b3a49412108e13ba" providerId="LiveId" clId="{BCC94F81-CC70-406E-BFFC-3B9E7FA9D0DE}" dt="2023-11-28T21:20:06.784" v="3374" actId="164"/>
+          <ac:spMkLst>
+            <pc:docMk/>
+            <pc:sldMk cId="4264775049" sldId="270"/>
+            <ac:spMk id="7" creationId="{AED7C3B8-F8CE-11AA-04A8-4CB0CC0D4601}"/>
+          </ac:spMkLst>
+        </pc:spChg>
+        <pc:spChg chg="add del mod">
+          <ac:chgData name="Howard Zeng" userId="b3a49412108e13ba" providerId="LiveId" clId="{BCC94F81-CC70-406E-BFFC-3B9E7FA9D0DE}" dt="2023-11-28T21:08:41.307" v="3058"/>
+          <ac:spMkLst>
+            <pc:docMk/>
+            <pc:sldMk cId="4264775049" sldId="270"/>
+            <ac:spMk id="9" creationId="{270D6F2F-E259-5413-A5B5-0087ACCE8A4E}"/>
+          </ac:spMkLst>
+        </pc:spChg>
+        <pc:spChg chg="add del mod">
+          <ac:chgData name="Howard Zeng" userId="b3a49412108e13ba" providerId="LiveId" clId="{BCC94F81-CC70-406E-BFFC-3B9E7FA9D0DE}" dt="2023-11-28T21:21:11.404" v="3390" actId="255"/>
+          <ac:spMkLst>
+            <pc:docMk/>
+            <pc:sldMk cId="4264775049" sldId="270"/>
+            <ac:spMk id="10" creationId="{622C73FF-9784-73E7-CDC8-07DD10E4D635}"/>
+          </ac:spMkLst>
+        </pc:spChg>
+        <pc:spChg chg="add del mod">
+          <ac:chgData name="Howard Zeng" userId="b3a49412108e13ba" providerId="LiveId" clId="{BCC94F81-CC70-406E-BFFC-3B9E7FA9D0DE}" dt="2023-11-28T21:13:21.769" v="3255" actId="21"/>
+          <ac:spMkLst>
+            <pc:docMk/>
+            <pc:sldMk cId="4264775049" sldId="270"/>
+            <ac:spMk id="11" creationId="{078FA6C8-47B1-DBD7-F1BD-7FDB404BEFA2}"/>
+          </ac:spMkLst>
+        </pc:spChg>
+        <pc:spChg chg="add mod">
+          <ac:chgData name="Howard Zeng" userId="b3a49412108e13ba" providerId="LiveId" clId="{BCC94F81-CC70-406E-BFFC-3B9E7FA9D0DE}" dt="2023-11-28T21:20:06.784" v="3374" actId="164"/>
+          <ac:spMkLst>
+            <pc:docMk/>
+            <pc:sldMk cId="4264775049" sldId="270"/>
+            <ac:spMk id="12" creationId="{0885F027-9632-197C-3205-7445BEDD0841}"/>
+          </ac:spMkLst>
+        </pc:spChg>
+        <pc:spChg chg="add del mod">
+          <ac:chgData name="Howard Zeng" userId="b3a49412108e13ba" providerId="LiveId" clId="{BCC94F81-CC70-406E-BFFC-3B9E7FA9D0DE}" dt="2023-11-28T21:13:21.769" v="3255" actId="21"/>
+          <ac:spMkLst>
+            <pc:docMk/>
+            <pc:sldMk cId="4264775049" sldId="270"/>
+            <ac:spMk id="13" creationId="{B8880D17-FFC9-DDEC-CC30-9F14026DC7F8}"/>
+          </ac:spMkLst>
+        </pc:spChg>
+        <pc:spChg chg="add del mod">
+          <ac:chgData name="Howard Zeng" userId="b3a49412108e13ba" providerId="LiveId" clId="{BCC94F81-CC70-406E-BFFC-3B9E7FA9D0DE}" dt="2023-11-28T21:15:34.231" v="3284" actId="478"/>
+          <ac:spMkLst>
+            <pc:docMk/>
+            <pc:sldMk cId="4264775049" sldId="270"/>
+            <ac:spMk id="14" creationId="{F013542E-4627-E312-7671-8DE90024E885}"/>
+          </ac:spMkLst>
+        </pc:spChg>
+        <pc:spChg chg="add mod">
+          <ac:chgData name="Howard Zeng" userId="b3a49412108e13ba" providerId="LiveId" clId="{BCC94F81-CC70-406E-BFFC-3B9E7FA9D0DE}" dt="2023-11-28T21:20:06.784" v="3374" actId="164"/>
+          <ac:spMkLst>
+            <pc:docMk/>
+            <pc:sldMk cId="4264775049" sldId="270"/>
+            <ac:spMk id="15" creationId="{024BD371-F180-2103-D376-DC036ED4DB89}"/>
+          </ac:spMkLst>
+        </pc:spChg>
+        <pc:spChg chg="add mod">
+          <ac:chgData name="Howard Zeng" userId="b3a49412108e13ba" providerId="LiveId" clId="{BCC94F81-CC70-406E-BFFC-3B9E7FA9D0DE}" dt="2023-11-28T21:20:06.784" v="3374" actId="164"/>
+          <ac:spMkLst>
+            <pc:docMk/>
+            <pc:sldMk cId="4264775049" sldId="270"/>
+            <ac:spMk id="16" creationId="{AD38DDFA-4309-4D2A-5C2B-706F29A7B51A}"/>
+          </ac:spMkLst>
+        </pc:spChg>
+        <pc:spChg chg="add mod">
+          <ac:chgData name="Howard Zeng" userId="b3a49412108e13ba" providerId="LiveId" clId="{BCC94F81-CC70-406E-BFFC-3B9E7FA9D0DE}" dt="2023-11-28T21:23:07.006" v="3434"/>
+          <ac:spMkLst>
+            <pc:docMk/>
+            <pc:sldMk cId="4264775049" sldId="270"/>
+            <ac:spMk id="17" creationId="{B47F0692-071C-1D18-CAAB-3D8BCAD2ED69}"/>
+          </ac:spMkLst>
+        </pc:spChg>
+        <pc:spChg chg="add mod">
+          <ac:chgData name="Howard Zeng" userId="b3a49412108e13ba" providerId="LiveId" clId="{BCC94F81-CC70-406E-BFFC-3B9E7FA9D0DE}" dt="2023-11-28T21:20:06.784" v="3374" actId="164"/>
+          <ac:spMkLst>
+            <pc:docMk/>
+            <pc:sldMk cId="4264775049" sldId="270"/>
+            <ac:spMk id="18" creationId="{4B31B81F-C7EF-49B1-E081-0C7D6F872169}"/>
+          </ac:spMkLst>
+        </pc:spChg>
+        <pc:spChg chg="add del mod">
+          <ac:chgData name="Howard Zeng" userId="b3a49412108e13ba" providerId="LiveId" clId="{BCC94F81-CC70-406E-BFFC-3B9E7FA9D0DE}" dt="2023-11-28T21:16:29.601" v="3302" actId="478"/>
+          <ac:spMkLst>
+            <pc:docMk/>
+            <pc:sldMk cId="4264775049" sldId="270"/>
+            <ac:spMk id="19" creationId="{7926F17B-D730-5BAF-C852-8938710DE4CB}"/>
+          </ac:spMkLst>
+        </pc:spChg>
+        <pc:spChg chg="add del">
+          <ac:chgData name="Howard Zeng" userId="b3a49412108e13ba" providerId="LiveId" clId="{BCC94F81-CC70-406E-BFFC-3B9E7FA9D0DE}" dt="2023-11-28T21:13:43.592" v="3259" actId="478"/>
+          <ac:spMkLst>
+            <pc:docMk/>
+            <pc:sldMk cId="4264775049" sldId="270"/>
+            <ac:spMk id="20" creationId="{EA7F7B2C-64D2-3308-AF5F-35CC5039584F}"/>
+          </ac:spMkLst>
+        </pc:spChg>
+        <pc:spChg chg="add del">
+          <ac:chgData name="Howard Zeng" userId="b3a49412108e13ba" providerId="LiveId" clId="{BCC94F81-CC70-406E-BFFC-3B9E7FA9D0DE}" dt="2023-11-28T21:13:59.834" v="3261" actId="478"/>
+          <ac:spMkLst>
+            <pc:docMk/>
+            <pc:sldMk cId="4264775049" sldId="270"/>
+            <ac:spMk id="21" creationId="{0F46F2E1-EBBF-3818-629D-E1853791D693}"/>
+          </ac:spMkLst>
+        </pc:spChg>
+        <pc:spChg chg="add del">
+          <ac:chgData name="Howard Zeng" userId="b3a49412108e13ba" providerId="LiveId" clId="{BCC94F81-CC70-406E-BFFC-3B9E7FA9D0DE}" dt="2023-11-28T21:14:10.975" v="3263" actId="478"/>
+          <ac:spMkLst>
+            <pc:docMk/>
+            <pc:sldMk cId="4264775049" sldId="270"/>
+            <ac:spMk id="22" creationId="{81ADC9A3-D97D-2041-6B95-209B50345407}"/>
+          </ac:spMkLst>
+        </pc:spChg>
+        <pc:spChg chg="add mod">
+          <ac:chgData name="Howard Zeng" userId="b3a49412108e13ba" providerId="LiveId" clId="{BCC94F81-CC70-406E-BFFC-3B9E7FA9D0DE}" dt="2023-11-28T21:20:06.784" v="3374" actId="164"/>
+          <ac:spMkLst>
+            <pc:docMk/>
+            <pc:sldMk cId="4264775049" sldId="270"/>
+            <ac:spMk id="23" creationId="{BC56CC49-E27E-6E4F-5D43-64873F9BC4C4}"/>
+          </ac:spMkLst>
+        </pc:spChg>
+        <pc:spChg chg="add del mod">
+          <ac:chgData name="Howard Zeng" userId="b3a49412108e13ba" providerId="LiveId" clId="{BCC94F81-CC70-406E-BFFC-3B9E7FA9D0DE}" dt="2023-11-28T21:14:56.474" v="3272" actId="767"/>
+          <ac:spMkLst>
+            <pc:docMk/>
+            <pc:sldMk cId="4264775049" sldId="270"/>
+            <ac:spMk id="24" creationId="{630B6897-7287-3FEE-7F22-A1326E6B1B81}"/>
+          </ac:spMkLst>
+        </pc:spChg>
+        <pc:spChg chg="add mod">
+          <ac:chgData name="Howard Zeng" userId="b3a49412108e13ba" providerId="LiveId" clId="{BCC94F81-CC70-406E-BFFC-3B9E7FA9D0DE}" dt="2023-11-28T21:21:18.188" v="3392" actId="255"/>
+          <ac:spMkLst>
+            <pc:docMk/>
+            <pc:sldMk cId="4264775049" sldId="270"/>
+            <ac:spMk id="25" creationId="{E160AAFD-ACCC-969E-CB3D-118AEC18AF88}"/>
+          </ac:spMkLst>
+        </pc:spChg>
+        <pc:spChg chg="add mod">
+          <ac:chgData name="Howard Zeng" userId="b3a49412108e13ba" providerId="LiveId" clId="{BCC94F81-CC70-406E-BFFC-3B9E7FA9D0DE}" dt="2023-11-28T21:21:20.816" v="3393" actId="255"/>
+          <ac:spMkLst>
+            <pc:docMk/>
+            <pc:sldMk cId="4264775049" sldId="270"/>
+            <ac:spMk id="26" creationId="{01095CC8-6A8A-62C7-0591-81E20118E21B}"/>
+          </ac:spMkLst>
+        </pc:spChg>
+        <pc:spChg chg="add mod">
+          <ac:chgData name="Howard Zeng" userId="b3a49412108e13ba" providerId="LiveId" clId="{BCC94F81-CC70-406E-BFFC-3B9E7FA9D0DE}" dt="2023-11-28T21:17:07.118" v="3308"/>
+          <ac:spMkLst>
+            <pc:docMk/>
+            <pc:sldMk cId="4264775049" sldId="270"/>
+            <ac:spMk id="29" creationId="{A2B5A116-A2D5-5590-08ED-A90525D6F13A}"/>
+          </ac:spMkLst>
+        </pc:spChg>
+        <pc:spChg chg="add mod">
+          <ac:chgData name="Howard Zeng" userId="b3a49412108e13ba" providerId="LiveId" clId="{BCC94F81-CC70-406E-BFFC-3B9E7FA9D0DE}" dt="2023-11-28T21:18:08.935" v="3351" actId="255"/>
+          <ac:spMkLst>
+            <pc:docMk/>
+            <pc:sldMk cId="4264775049" sldId="270"/>
+            <ac:spMk id="30" creationId="{91654399-386D-88BC-162A-5C6FD65CAEDA}"/>
+          </ac:spMkLst>
+        </pc:spChg>
+        <pc:spChg chg="add del">
+          <ac:chgData name="Howard Zeng" userId="b3a49412108e13ba" providerId="LiveId" clId="{BCC94F81-CC70-406E-BFFC-3B9E7FA9D0DE}" dt="2023-11-28T21:18:45.534" v="3356" actId="11529"/>
+          <ac:spMkLst>
+            <pc:docMk/>
+            <pc:sldMk cId="4264775049" sldId="270"/>
+            <ac:spMk id="33" creationId="{6892A07A-4581-FB20-B8DC-3A9272912715}"/>
+          </ac:spMkLst>
+        </pc:spChg>
+        <pc:spChg chg="add mod">
+          <ac:chgData name="Howard Zeng" userId="b3a49412108e13ba" providerId="LiveId" clId="{BCC94F81-CC70-406E-BFFC-3B9E7FA9D0DE}" dt="2023-11-28T21:20:06.784" v="3374" actId="164"/>
+          <ac:spMkLst>
+            <pc:docMk/>
+            <pc:sldMk cId="4264775049" sldId="270"/>
+            <ac:spMk id="34" creationId="{C5E299EE-9044-0384-A4D7-90364ED2A5D7}"/>
+          </ac:spMkLst>
+        </pc:spChg>
+        <pc:grpChg chg="add del mod">
+          <ac:chgData name="Howard Zeng" userId="b3a49412108e13ba" providerId="LiveId" clId="{BCC94F81-CC70-406E-BFFC-3B9E7FA9D0DE}" dt="2023-11-28T21:18:34.174" v="3354" actId="478"/>
+          <ac:grpSpMkLst>
+            <pc:docMk/>
+            <pc:sldMk cId="4264775049" sldId="270"/>
+            <ac:grpSpMk id="28" creationId="{AD37F22A-7F47-A9C1-0F7B-F49D81DED81D}"/>
+          </ac:grpSpMkLst>
+        </pc:grpChg>
+        <pc:grpChg chg="add del mod">
+          <ac:chgData name="Howard Zeng" userId="b3a49412108e13ba" providerId="LiveId" clId="{BCC94F81-CC70-406E-BFFC-3B9E7FA9D0DE}" dt="2023-11-28T21:21:57.413" v="3408" actId="14100"/>
+          <ac:grpSpMkLst>
+            <pc:docMk/>
+            <pc:sldMk cId="4264775049" sldId="270"/>
+            <ac:grpSpMk id="35" creationId="{8995D329-A103-E7AC-E04D-9544EADF005B}"/>
+          </ac:grpSpMkLst>
+        </pc:grpChg>
+        <pc:graphicFrameChg chg="add del mod modGraphic">
+          <ac:chgData name="Howard Zeng" userId="b3a49412108e13ba" providerId="LiveId" clId="{BCC94F81-CC70-406E-BFFC-3B9E7FA9D0DE}" dt="2023-11-28T21:17:06.427" v="3307" actId="478"/>
+          <ac:graphicFrameMkLst>
+            <pc:docMk/>
+            <pc:sldMk cId="4264775049" sldId="270"/>
+            <ac:graphicFrameMk id="27" creationId="{10678F95-629C-55CA-1BD2-3EFA4EA091A2}"/>
+          </ac:graphicFrameMkLst>
+        </pc:graphicFrameChg>
+        <pc:picChg chg="add del mod">
+          <ac:chgData name="Howard Zeng" userId="b3a49412108e13ba" providerId="LiveId" clId="{BCC94F81-CC70-406E-BFFC-3B9E7FA9D0DE}" dt="2023-11-28T21:19:51.573" v="3373" actId="478"/>
+          <ac:picMkLst>
+            <pc:docMk/>
+            <pc:sldMk cId="4264775049" sldId="270"/>
+            <ac:picMk id="32" creationId="{1747C3F0-4F9E-9251-C5F0-644FB1DDB380}"/>
+          </ac:picMkLst>
+        </pc:picChg>
+        <pc:picChg chg="add del mod">
+          <ac:chgData name="Howard Zeng" userId="b3a49412108e13ba" providerId="LiveId" clId="{BCC94F81-CC70-406E-BFFC-3B9E7FA9D0DE}" dt="2023-11-28T21:19:33.376" v="3370" actId="478"/>
+          <ac:picMkLst>
+            <pc:docMk/>
+            <pc:sldMk cId="4264775049" sldId="270"/>
+            <ac:picMk id="1026" creationId="{DB95E0BB-1A61-C928-4073-9240CABA6B4B}"/>
+          </ac:picMkLst>
+        </pc:picChg>
+      </pc:sldChg>
+    </pc:docChg>
+  </pc:docChgLst>
+</pc:chgInfo>
+</file>
+
+<file path=ppt/notesMasters/notesMaster1.xml><?xml version="1.0" encoding="utf-8"?>
+<p:notesMaster xmlns:a="http://schemas.openxmlformats.org/drawingml/2006/main" xmlns:r="http://schemas.openxmlformats.org/officeDocument/2006/relationships" xmlns:p="http://schemas.openxmlformats.org/presentationml/2006/main">
+  <p:cSld>
+    <p:bg>
+      <p:bgRef idx="1001">
+        <a:schemeClr val="bg1"/>
+      </p:bgRef>
+    </p:bg>
+    <p:spTree>
+      <p:nvGrpSpPr>
+        <p:cNvPr id="1" name=""/>
+        <p:cNvGrpSpPr/>
+        <p:nvPr/>
+      </p:nvGrpSpPr>
+      <p:grpSpPr>
+        <a:xfrm>
+          <a:off x="0" y="0"/>
+          <a:ext cx="0" cy="0"/>
+          <a:chOff x="0" y="0"/>
+          <a:chExt cx="0" cy="0"/>
+        </a:xfrm>
+      </p:grpSpPr>
+      <p:sp>
+        <p:nvSpPr>
+          <p:cNvPr id="2" name="Header Placeholder 1"/>
+          <p:cNvSpPr>
+            <a:spLocks noGrp="1"/>
+          </p:cNvSpPr>
+          <p:nvPr>
+            <p:ph type="hdr" sz="quarter"/>
+          </p:nvPr>
+        </p:nvSpPr>
+        <p:spPr>
+          <a:xfrm>
+            <a:off x="0" y="0"/>
+            <a:ext cx="2971800" cy="458788"/>
+          </a:xfrm>
+          <a:prstGeom prst="rect">
+            <a:avLst/>
+          </a:prstGeom>
+        </p:spPr>
+        <p:txBody>
+          <a:bodyPr vert="horz" lIns="91440" tIns="45720" rIns="91440" bIns="45720" rtlCol="0"/>
+          <a:lstStyle>
+            <a:lvl1pPr algn="l">
+              <a:defRPr sz="1200"/>
+            </a:lvl1pPr>
+          </a:lstStyle>
+          <a:p>
+            <a:endParaRPr lang="zh-CN" altLang="en-US"/>
+          </a:p>
+        </p:txBody>
+      </p:sp>
+      <p:sp>
+        <p:nvSpPr>
+          <p:cNvPr id="3" name="Date Placeholder 2"/>
+          <p:cNvSpPr>
+            <a:spLocks noGrp="1"/>
+          </p:cNvSpPr>
+          <p:nvPr>
+            <p:ph type="dt" idx="1"/>
+          </p:nvPr>
+        </p:nvSpPr>
+        <p:spPr>
+          <a:xfrm>
+            <a:off x="3884613" y="0"/>
+            <a:ext cx="2971800" cy="458788"/>
+          </a:xfrm>
+          <a:prstGeom prst="rect">
+            <a:avLst/>
+          </a:prstGeom>
+        </p:spPr>
+        <p:txBody>
+          <a:bodyPr vert="horz" lIns="91440" tIns="45720" rIns="91440" bIns="45720" rtlCol="0"/>
+          <a:lstStyle>
+            <a:lvl1pPr algn="r">
+              <a:defRPr sz="1200"/>
+            </a:lvl1pPr>
+          </a:lstStyle>
+          <a:p>
+            <a:fld id="{DC4BD341-C8BA-4F03-B5F5-EBD7E71B4F25}" type="datetimeFigureOut">
+              <a:rPr lang="zh-CN" altLang="en-US" smtClean="0"/>
+              <a:t>2023/11/28</a:t>
+            </a:fld>
+            <a:endParaRPr lang="zh-CN" altLang="en-US"/>
+          </a:p>
+        </p:txBody>
+      </p:sp>
+      <p:sp>
+        <p:nvSpPr>
+          <p:cNvPr id="4" name="Slide Image Placeholder 3"/>
+          <p:cNvSpPr>
+            <a:spLocks noGrp="1" noRot="1" noChangeAspect="1"/>
+          </p:cNvSpPr>
+          <p:nvPr>
+            <p:ph type="sldImg" idx="2"/>
+          </p:nvPr>
+        </p:nvSpPr>
+        <p:spPr>
+          <a:xfrm>
+            <a:off x="685800" y="1143000"/>
+            <a:ext cx="5486400" cy="3086100"/>
+          </a:xfrm>
+          <a:prstGeom prst="rect">
+            <a:avLst/>
+          </a:prstGeom>
+          <a:noFill/>
+          <a:ln w="12700">
+            <a:solidFill>
+              <a:prstClr val="black"/>
+            </a:solidFill>
+          </a:ln>
+        </p:spPr>
+        <p:txBody>
+          <a:bodyPr vert="horz" lIns="91440" tIns="45720" rIns="91440" bIns="45720" rtlCol="0" anchor="ctr"/>
+          <a:lstStyle/>
+          <a:p>
+            <a:endParaRPr lang="zh-CN" altLang="en-US"/>
+          </a:p>
+        </p:txBody>
+      </p:sp>
+      <p:sp>
+        <p:nvSpPr>
+          <p:cNvPr id="5" name="Notes Placeholder 4"/>
+          <p:cNvSpPr>
+            <a:spLocks noGrp="1"/>
+          </p:cNvSpPr>
+          <p:nvPr>
+            <p:ph type="body" sz="quarter" idx="3"/>
+          </p:nvPr>
+        </p:nvSpPr>
+        <p:spPr>
+          <a:xfrm>
+            <a:off x="685800" y="4400550"/>
+            <a:ext cx="5486400" cy="3600450"/>
+          </a:xfrm>
+          <a:prstGeom prst="rect">
+            <a:avLst/>
+          </a:prstGeom>
+        </p:spPr>
+        <p:txBody>
+          <a:bodyPr vert="horz" lIns="91440" tIns="45720" rIns="91440" bIns="45720" rtlCol="0"/>
+          <a:lstStyle/>
+          <a:p>
+            <a:pPr lvl="0"/>
+            <a:r>
+              <a:rPr lang="en-US" altLang="zh-CN"/>
+              <a:t>Click to edit Master text styles</a:t>
+            </a:r>
+          </a:p>
+          <a:p>
+            <a:pPr lvl="1"/>
+            <a:r>
+              <a:rPr lang="en-US" altLang="zh-CN"/>
+              <a:t>Second level</a:t>
+            </a:r>
+          </a:p>
+          <a:p>
+            <a:pPr lvl="2"/>
+            <a:r>
+              <a:rPr lang="en-US" altLang="zh-CN"/>
+              <a:t>Third level</a:t>
+            </a:r>
+          </a:p>
+          <a:p>
+            <a:pPr lvl="3"/>
+            <a:r>
+              <a:rPr lang="en-US" altLang="zh-CN"/>
+              <a:t>Fourth level</a:t>
+            </a:r>
+          </a:p>
+          <a:p>
+            <a:pPr lvl="4"/>
+            <a:r>
+              <a:rPr lang="en-US" altLang="zh-CN"/>
+              <a:t>Fifth level</a:t>
+            </a:r>
+            <a:endParaRPr lang="zh-CN" altLang="en-US"/>
+          </a:p>
+        </p:txBody>
+      </p:sp>
+      <p:sp>
+        <p:nvSpPr>
+          <p:cNvPr id="6" name="Footer Placeholder 5"/>
+          <p:cNvSpPr>
+            <a:spLocks noGrp="1"/>
+          </p:cNvSpPr>
+          <p:nvPr>
+            <p:ph type="ftr" sz="quarter" idx="4"/>
+          </p:nvPr>
+        </p:nvSpPr>
+        <p:spPr>
+          <a:xfrm>
+            <a:off x="0" y="8685213"/>
+            <a:ext cx="2971800" cy="458787"/>
+          </a:xfrm>
+          <a:prstGeom prst="rect">
+            <a:avLst/>
+          </a:prstGeom>
+        </p:spPr>
+        <p:txBody>
+          <a:bodyPr vert="horz" lIns="91440" tIns="45720" rIns="91440" bIns="45720" rtlCol="0" anchor="b"/>
+          <a:lstStyle>
+            <a:lvl1pPr algn="l">
+              <a:defRPr sz="1200"/>
+            </a:lvl1pPr>
+          </a:lstStyle>
+          <a:p>
+            <a:endParaRPr lang="zh-CN" altLang="en-US"/>
+          </a:p>
+        </p:txBody>
+      </p:sp>
+      <p:sp>
+        <p:nvSpPr>
+          <p:cNvPr id="7" name="Slide Number Placeholder 6"/>
+          <p:cNvSpPr>
+            <a:spLocks noGrp="1"/>
+          </p:cNvSpPr>
+          <p:nvPr>
+            <p:ph type="sldNum" sz="quarter" idx="5"/>
+          </p:nvPr>
+        </p:nvSpPr>
+        <p:spPr>
+          <a:xfrm>
+            <a:off x="3884613" y="8685213"/>
+            <a:ext cx="2971800" cy="458787"/>
+          </a:xfrm>
+          <a:prstGeom prst="rect">
+            <a:avLst/>
+          </a:prstGeom>
+        </p:spPr>
+        <p:txBody>
+          <a:bodyPr vert="horz" lIns="91440" tIns="45720" rIns="91440" bIns="45720" rtlCol="0" anchor="b"/>
+          <a:lstStyle>
+            <a:lvl1pPr algn="r">
+              <a:defRPr sz="1200"/>
+            </a:lvl1pPr>
+          </a:lstStyle>
+          <a:p>
+            <a:fld id="{057FAD25-51B6-419D-B421-616EF620C45E}" type="slidenum">
+              <a:rPr lang="zh-CN" altLang="en-US" smtClean="0"/>
+              <a:t>‹#›</a:t>
+            </a:fld>
+            <a:endParaRPr lang="zh-CN" altLang="en-US"/>
+          </a:p>
+        </p:txBody>
+      </p:sp>
+    </p:spTree>
+    <p:extLst>
+      <p:ext uri="{BB962C8B-B14F-4D97-AF65-F5344CB8AC3E}">
+        <p14:creationId xmlns:p14="http://schemas.microsoft.com/office/powerpoint/2010/main" val="4254430246"/>
+      </p:ext>
+    </p:extLst>
+  </p:cSld>
+  <p:clrMap bg1="lt1" tx1="dk1" bg2="lt2" tx2="dk2" accent1="accent1" accent2="accent2" accent3="accent3" accent4="accent4" accent5="accent5" accent6="accent6" hlink="hlink" folHlink="folHlink"/>
+  <p:notesStyle>
+    <a:lvl1pPr marL="0" algn="l" defTabSz="914400" rtl="0" eaLnBrk="1" latinLnBrk="0" hangingPunct="1">
+      <a:defRPr sz="1200" kern="1200">
+        <a:solidFill>
+          <a:schemeClr val="tx1"/>
+        </a:solidFill>
+        <a:latin typeface="+mn-lt"/>
+        <a:ea typeface="+mn-ea"/>
+        <a:cs typeface="+mn-cs"/>
+      </a:defRPr>
+    </a:lvl1pPr>
+    <a:lvl2pPr marL="457200" algn="l" defTabSz="914400" rtl="0" eaLnBrk="1" latinLnBrk="0" hangingPunct="1">
+      <a:defRPr sz="1200" kern="1200">
+        <a:solidFill>
+          <a:schemeClr val="tx1"/>
+        </a:solidFill>
+        <a:latin typeface="+mn-lt"/>
+        <a:ea typeface="+mn-ea"/>
+        <a:cs typeface="+mn-cs"/>
+      </a:defRPr>
+    </a:lvl2pPr>
+    <a:lvl3pPr marL="914400" algn="l" defTabSz="914400" rtl="0" eaLnBrk="1" latinLnBrk="0" hangingPunct="1">
+      <a:defRPr sz="1200" kern="1200">
+        <a:solidFill>
+          <a:schemeClr val="tx1"/>
+        </a:solidFill>
+        <a:latin typeface="+mn-lt"/>
+        <a:ea typeface="+mn-ea"/>
+        <a:cs typeface="+mn-cs"/>
+      </a:defRPr>
+    </a:lvl3pPr>
+    <a:lvl4pPr marL="1371600" algn="l" defTabSz="914400" rtl="0" eaLnBrk="1" latinLnBrk="0" hangingPunct="1">
+      <a:defRPr sz="1200" kern="1200">
+        <a:solidFill>
+          <a:schemeClr val="tx1"/>
+        </a:solidFill>
+        <a:latin typeface="+mn-lt"/>
+        <a:ea typeface="+mn-ea"/>
+        <a:cs typeface="+mn-cs"/>
+      </a:defRPr>
+    </a:lvl4pPr>
+    <a:lvl5pPr marL="1828800" algn="l" defTabSz="914400" rtl="0" eaLnBrk="1" latinLnBrk="0" hangingPunct="1">
+      <a:defRPr sz="1200" kern="1200">
+        <a:solidFill>
+          <a:schemeClr val="tx1"/>
+        </a:solidFill>
+        <a:latin typeface="+mn-lt"/>
+        <a:ea typeface="+mn-ea"/>
+        <a:cs typeface="+mn-cs"/>
+      </a:defRPr>
+    </a:lvl5pPr>
+    <a:lvl6pPr marL="2286000" algn="l" defTabSz="914400" rtl="0" eaLnBrk="1" latinLnBrk="0" hangingPunct="1">
+      <a:defRPr sz="1200" kern="1200">
+        <a:solidFill>
+          <a:schemeClr val="tx1"/>
+        </a:solidFill>
+        <a:latin typeface="+mn-lt"/>
+        <a:ea typeface="+mn-ea"/>
+        <a:cs typeface="+mn-cs"/>
+      </a:defRPr>
+    </a:lvl6pPr>
+    <a:lvl7pPr marL="2743200" algn="l" defTabSz="914400" rtl="0" eaLnBrk="1" latinLnBrk="0" hangingPunct="1">
+      <a:defRPr sz="1200" kern="1200">
+        <a:solidFill>
+          <a:schemeClr val="tx1"/>
+        </a:solidFill>
+        <a:latin typeface="+mn-lt"/>
+        <a:ea typeface="+mn-ea"/>
+        <a:cs typeface="+mn-cs"/>
+      </a:defRPr>
+    </a:lvl7pPr>
+    <a:lvl8pPr marL="3200400" algn="l" defTabSz="914400" rtl="0" eaLnBrk="1" latinLnBrk="0" hangingPunct="1">
+      <a:defRPr sz="1200" kern="1200">
+        <a:solidFill>
+          <a:schemeClr val="tx1"/>
+        </a:solidFill>
+        <a:latin typeface="+mn-lt"/>
+        <a:ea typeface="+mn-ea"/>
+        <a:cs typeface="+mn-cs"/>
+      </a:defRPr>
+    </a:lvl8pPr>
+    <a:lvl9pPr marL="3657600" algn="l" defTabSz="914400" rtl="0" eaLnBrk="1" latinLnBrk="0" hangingPunct="1">
+      <a:defRPr sz="1200" kern="1200">
+        <a:solidFill>
+          <a:schemeClr val="tx1"/>
+        </a:solidFill>
+        <a:latin typeface="+mn-lt"/>
+        <a:ea typeface="+mn-ea"/>
+        <a:cs typeface="+mn-cs"/>
+      </a:defRPr>
+    </a:lvl9pPr>
+  </p:notesStyle>
+</p:notesMaster>
+</file>
+
+<file path=ppt/notesSlides/notesSlide1.xml><?xml version="1.0" encoding="utf-8"?>
+<p:notes xmlns:a="http://schemas.openxmlformats.org/drawingml/2006/main" xmlns:r="http://schemas.openxmlformats.org/officeDocument/2006/relationships" xmlns:p="http://schemas.openxmlformats.org/presentationml/2006/main">
+  <p:cSld>
+    <p:spTree>
+      <p:nvGrpSpPr>
+        <p:cNvPr id="1" name=""/>
+        <p:cNvGrpSpPr/>
+        <p:nvPr/>
+      </p:nvGrpSpPr>
+      <p:grpSpPr>
+        <a:xfrm>
+          <a:off x="0" y="0"/>
+          <a:ext cx="0" cy="0"/>
+          <a:chOff x="0" y="0"/>
+          <a:chExt cx="0" cy="0"/>
+        </a:xfrm>
+      </p:grpSpPr>
+      <p:sp>
+        <p:nvSpPr>
+          <p:cNvPr id="2" name="Slide Image Placeholder 1"/>
+          <p:cNvSpPr>
+            <a:spLocks noGrp="1" noRot="1" noChangeAspect="1"/>
+          </p:cNvSpPr>
+          <p:nvPr>
+            <p:ph type="sldImg"/>
+          </p:nvPr>
+        </p:nvSpPr>
+        <p:spPr/>
+      </p:sp>
+      <p:sp>
+        <p:nvSpPr>
+          <p:cNvPr id="3" name="Notes Placeholder 2"/>
+          <p:cNvSpPr>
+            <a:spLocks noGrp="1"/>
+          </p:cNvSpPr>
+          <p:nvPr>
+            <p:ph type="body" idx="1"/>
+          </p:nvPr>
+        </p:nvSpPr>
+        <p:spPr/>
+        <p:txBody>
+          <a:bodyPr/>
+          <a:lstStyle/>
+          <a:p>
+            <a:endParaRPr lang="zh-CN" altLang="en-US" dirty="0"/>
+          </a:p>
+        </p:txBody>
+      </p:sp>
+      <p:sp>
+        <p:nvSpPr>
+          <p:cNvPr id="4" name="Slide Number Placeholder 3"/>
+          <p:cNvSpPr>
+            <a:spLocks noGrp="1"/>
+          </p:cNvSpPr>
+          <p:nvPr>
+            <p:ph type="sldNum" sz="quarter" idx="5"/>
+          </p:nvPr>
+        </p:nvSpPr>
+        <p:spPr/>
+        <p:txBody>
+          <a:bodyPr/>
+          <a:lstStyle/>
+          <a:p>
+            <a:fld id="{057FAD25-51B6-419D-B421-616EF620C45E}" type="slidenum">
+              <a:rPr lang="zh-CN" altLang="en-US" smtClean="0"/>
+              <a:t>12</a:t>
+            </a:fld>
+            <a:endParaRPr lang="zh-CN" altLang="en-US"/>
+          </a:p>
+        </p:txBody>
+      </p:sp>
+    </p:spTree>
+    <p:extLst>
+      <p:ext uri="{BB962C8B-B14F-4D97-AF65-F5344CB8AC3E}">
+        <p14:creationId xmlns:p14="http://schemas.microsoft.com/office/powerpoint/2010/main" val="732048712"/>
+      </p:ext>
+    </p:extLst>
+  </p:cSld>
+  <p:clrMapOvr>
+    <a:masterClrMapping/>
+  </p:clrMapOvr>
+</p:notes>
 </file>
 
 <file path=ppt/slideLayouts/slideLayout1.xml><?xml version="1.0" encoding="utf-8"?>
@@ -5614,6 +7227,474 @@
 </p:sld>
 </file>
 
+<file path=ppt/slides/slide10.xml><?xml version="1.0" encoding="utf-8"?>
+<p:sld xmlns:a="http://schemas.openxmlformats.org/drawingml/2006/main" xmlns:r="http://schemas.openxmlformats.org/officeDocument/2006/relationships" xmlns:p="http://schemas.openxmlformats.org/presentationml/2006/main">
+  <p:cSld>
+    <p:spTree>
+      <p:nvGrpSpPr>
+        <p:cNvPr id="1" name=""/>
+        <p:cNvGrpSpPr/>
+        <p:nvPr/>
+      </p:nvGrpSpPr>
+      <p:grpSpPr>
+        <a:xfrm>
+          <a:off x="0" y="0"/>
+          <a:ext cx="0" cy="0"/>
+          <a:chOff x="0" y="0"/>
+          <a:chExt cx="0" cy="0"/>
+        </a:xfrm>
+      </p:grpSpPr>
+      <p:pic>
+        <p:nvPicPr>
+          <p:cNvPr id="11" name="Picture 10">
+            <a:extLst>
+              <a:ext uri="{FF2B5EF4-FFF2-40B4-BE49-F238E27FC236}">
+                <a16:creationId xmlns:a16="http://schemas.microsoft.com/office/drawing/2014/main" id="{2687C05B-3790-2AB7-8C4F-4A04516129B2}"/>
+              </a:ext>
+            </a:extLst>
+          </p:cNvPr>
+          <p:cNvPicPr>
+            <a:picLocks noChangeAspect="1"/>
+          </p:cNvPicPr>
+          <p:nvPr/>
+        </p:nvPicPr>
+        <p:blipFill>
+          <a:blip r:embed="rId2"/>
+          <a:stretch>
+            <a:fillRect/>
+          </a:stretch>
+        </p:blipFill>
+        <p:spPr>
+          <a:xfrm>
+            <a:off x="0" y="408963"/>
+            <a:ext cx="12192000" cy="6040073"/>
+          </a:xfrm>
+          <a:prstGeom prst="rect">
+            <a:avLst/>
+          </a:prstGeom>
+        </p:spPr>
+      </p:pic>
+    </p:spTree>
+    <p:extLst>
+      <p:ext uri="{BB962C8B-B14F-4D97-AF65-F5344CB8AC3E}">
+        <p14:creationId xmlns:p14="http://schemas.microsoft.com/office/powerpoint/2010/main" val="2080524993"/>
+      </p:ext>
+    </p:extLst>
+  </p:cSld>
+  <p:clrMapOvr>
+    <a:masterClrMapping/>
+  </p:clrMapOvr>
+</p:sld>
+</file>
+
+<file path=ppt/slides/slide11.xml><?xml version="1.0" encoding="utf-8"?>
+<p:sld xmlns:a="http://schemas.openxmlformats.org/drawingml/2006/main" xmlns:r="http://schemas.openxmlformats.org/officeDocument/2006/relationships" xmlns:p="http://schemas.openxmlformats.org/presentationml/2006/main">
+  <p:cSld>
+    <p:spTree>
+      <p:nvGrpSpPr>
+        <p:cNvPr id="1" name=""/>
+        <p:cNvGrpSpPr/>
+        <p:nvPr/>
+      </p:nvGrpSpPr>
+      <p:grpSpPr>
+        <a:xfrm>
+          <a:off x="0" y="0"/>
+          <a:ext cx="0" cy="0"/>
+          <a:chOff x="0" y="0"/>
+          <a:chExt cx="0" cy="0"/>
+        </a:xfrm>
+      </p:grpSpPr>
+      <p:sp>
+        <p:nvSpPr>
+          <p:cNvPr id="2" name="Title 1">
+            <a:extLst>
+              <a:ext uri="{FF2B5EF4-FFF2-40B4-BE49-F238E27FC236}">
+                <a16:creationId xmlns:a16="http://schemas.microsoft.com/office/drawing/2014/main" id="{A28A7C5A-652F-9093-FC44-BCD72C6595F0}"/>
+              </a:ext>
+            </a:extLst>
+          </p:cNvPr>
+          <p:cNvSpPr>
+            <a:spLocks noGrp="1"/>
+          </p:cNvSpPr>
+          <p:nvPr>
+            <p:ph type="title"/>
+          </p:nvPr>
+        </p:nvSpPr>
+        <p:spPr/>
+        <p:txBody>
+          <a:bodyPr/>
+          <a:lstStyle/>
+          <a:p>
+            <a:r>
+              <a:rPr lang="en-US" dirty="0"/>
+              <a:t>Tesla</a:t>
+            </a:r>
+          </a:p>
+        </p:txBody>
+      </p:sp>
+      <p:pic>
+        <p:nvPicPr>
+          <p:cNvPr id="5" name="Content Placeholder 4">
+            <a:extLst>
+              <a:ext uri="{FF2B5EF4-FFF2-40B4-BE49-F238E27FC236}">
+                <a16:creationId xmlns:a16="http://schemas.microsoft.com/office/drawing/2014/main" id="{1DB13076-4348-5E7C-EEB4-BF9DF4AEDCCE}"/>
+              </a:ext>
+            </a:extLst>
+          </p:cNvPr>
+          <p:cNvPicPr>
+            <a:picLocks noGrp="1" noChangeAspect="1"/>
+          </p:cNvPicPr>
+          <p:nvPr>
+            <p:ph idx="1"/>
+          </p:nvPr>
+        </p:nvPicPr>
+        <p:blipFill>
+          <a:blip r:embed="rId2"/>
+          <a:stretch>
+            <a:fillRect/>
+          </a:stretch>
+        </p:blipFill>
+        <p:spPr>
+          <a:xfrm>
+            <a:off x="2385396" y="36576"/>
+            <a:ext cx="9529280" cy="6784848"/>
+          </a:xfrm>
+        </p:spPr>
+      </p:pic>
+    </p:spTree>
+    <p:extLst>
+      <p:ext uri="{BB962C8B-B14F-4D97-AF65-F5344CB8AC3E}">
+        <p14:creationId xmlns:p14="http://schemas.microsoft.com/office/powerpoint/2010/main" val="3813925949"/>
+      </p:ext>
+    </p:extLst>
+  </p:cSld>
+  <p:clrMapOvr>
+    <a:masterClrMapping/>
+  </p:clrMapOvr>
+</p:sld>
+</file>
+
+<file path=ppt/slides/slide12.xml><?xml version="1.0" encoding="utf-8"?>
+<p:sld xmlns:a="http://schemas.openxmlformats.org/drawingml/2006/main" xmlns:r="http://schemas.openxmlformats.org/officeDocument/2006/relationships" xmlns:p="http://schemas.openxmlformats.org/presentationml/2006/main">
+  <p:cSld>
+    <p:spTree>
+      <p:nvGrpSpPr>
+        <p:cNvPr id="1" name=""/>
+        <p:cNvGrpSpPr/>
+        <p:nvPr/>
+      </p:nvGrpSpPr>
+      <p:grpSpPr>
+        <a:xfrm>
+          <a:off x="0" y="0"/>
+          <a:ext cx="0" cy="0"/>
+          <a:chOff x="0" y="0"/>
+          <a:chExt cx="0" cy="0"/>
+        </a:xfrm>
+      </p:grpSpPr>
+      <p:pic>
+        <p:nvPicPr>
+          <p:cNvPr id="11" name="Picture 10">
+            <a:extLst>
+              <a:ext uri="{FF2B5EF4-FFF2-40B4-BE49-F238E27FC236}">
+                <a16:creationId xmlns:a16="http://schemas.microsoft.com/office/drawing/2014/main" id="{D409CCAF-DFD9-6995-E663-FA0C4BA27DF4}"/>
+              </a:ext>
+            </a:extLst>
+          </p:cNvPr>
+          <p:cNvPicPr>
+            <a:picLocks noChangeAspect="1"/>
+          </p:cNvPicPr>
+          <p:nvPr/>
+        </p:nvPicPr>
+        <p:blipFill>
+          <a:blip r:embed="rId3"/>
+          <a:stretch>
+            <a:fillRect/>
+          </a:stretch>
+        </p:blipFill>
+        <p:spPr>
+          <a:xfrm>
+            <a:off x="0" y="408963"/>
+            <a:ext cx="12192000" cy="6040073"/>
+          </a:xfrm>
+          <a:prstGeom prst="rect">
+            <a:avLst/>
+          </a:prstGeom>
+        </p:spPr>
+      </p:pic>
+    </p:spTree>
+    <p:extLst>
+      <p:ext uri="{BB962C8B-B14F-4D97-AF65-F5344CB8AC3E}">
+        <p14:creationId xmlns:p14="http://schemas.microsoft.com/office/powerpoint/2010/main" val="678057729"/>
+      </p:ext>
+    </p:extLst>
+  </p:cSld>
+  <p:clrMapOvr>
+    <a:masterClrMapping/>
+  </p:clrMapOvr>
+</p:sld>
+</file>
+
+<file path=ppt/slides/slide13.xml><?xml version="1.0" encoding="utf-8"?>
+<p:sld xmlns:a="http://schemas.openxmlformats.org/drawingml/2006/main" xmlns:r="http://schemas.openxmlformats.org/officeDocument/2006/relationships" xmlns:p="http://schemas.openxmlformats.org/presentationml/2006/main">
+  <p:cSld>
+    <p:spTree>
+      <p:nvGrpSpPr>
+        <p:cNvPr id="1" name=""/>
+        <p:cNvGrpSpPr/>
+        <p:nvPr/>
+      </p:nvGrpSpPr>
+      <p:grpSpPr>
+        <a:xfrm>
+          <a:off x="0" y="0"/>
+          <a:ext cx="0" cy="0"/>
+          <a:chOff x="0" y="0"/>
+          <a:chExt cx="0" cy="0"/>
+        </a:xfrm>
+      </p:grpSpPr>
+      <p:sp>
+        <p:nvSpPr>
+          <p:cNvPr id="2" name="Title 1">
+            <a:extLst>
+              <a:ext uri="{FF2B5EF4-FFF2-40B4-BE49-F238E27FC236}">
+                <a16:creationId xmlns:a16="http://schemas.microsoft.com/office/drawing/2014/main" id="{B0642C2E-FD82-320E-1723-C3A24BCA4D56}"/>
+              </a:ext>
+            </a:extLst>
+          </p:cNvPr>
+          <p:cNvSpPr>
+            <a:spLocks noGrp="1"/>
+          </p:cNvSpPr>
+          <p:nvPr>
+            <p:ph type="title"/>
+          </p:nvPr>
+        </p:nvSpPr>
+        <p:spPr/>
+        <p:txBody>
+          <a:bodyPr/>
+          <a:lstStyle/>
+          <a:p>
+            <a:r>
+              <a:rPr lang="en-US" dirty="0"/>
+              <a:t>What we can do better</a:t>
+            </a:r>
+          </a:p>
+        </p:txBody>
+      </p:sp>
+      <p:sp>
+        <p:nvSpPr>
+          <p:cNvPr id="3" name="Content Placeholder 2">
+            <a:extLst>
+              <a:ext uri="{FF2B5EF4-FFF2-40B4-BE49-F238E27FC236}">
+                <a16:creationId xmlns:a16="http://schemas.microsoft.com/office/drawing/2014/main" id="{0613C40C-6EA5-BDBA-ED10-FEC36C2637DF}"/>
+              </a:ext>
+            </a:extLst>
+          </p:cNvPr>
+          <p:cNvSpPr>
+            <a:spLocks noGrp="1"/>
+          </p:cNvSpPr>
+          <p:nvPr>
+            <p:ph idx="1"/>
+          </p:nvPr>
+        </p:nvSpPr>
+        <p:spPr/>
+        <p:txBody>
+          <a:bodyPr/>
+          <a:lstStyle/>
+          <a:p>
+            <a:r>
+              <a:rPr lang="en-US" altLang="zh-CN" dirty="0"/>
+              <a:t>Sentiment Analysis</a:t>
+            </a:r>
+          </a:p>
+          <a:p>
+            <a:pPr lvl="1"/>
+            <a:r>
+              <a:rPr lang="en-US" altLang="zh-CN" dirty="0"/>
+              <a:t>Capture the sentiment from institutional traders: news, reports published by professional analyst</a:t>
+            </a:r>
+          </a:p>
+          <a:p>
+            <a:r>
+              <a:rPr lang="en-US" altLang="zh-CN" dirty="0"/>
+              <a:t>Stock Prediction</a:t>
+            </a:r>
+          </a:p>
+          <a:p>
+            <a:pPr lvl="1"/>
+            <a:r>
+              <a:rPr lang="en-US" altLang="zh-CN" dirty="0"/>
+              <a:t>Capture more stocks/sectors: meme stock, health sector, retail sector, etc.</a:t>
+            </a:r>
+          </a:p>
+          <a:p>
+            <a:pPr lvl="1"/>
+            <a:r>
+              <a:rPr lang="en-US" altLang="zh-CN" dirty="0"/>
+              <a:t>Gather more data: earning reports, unemployment rate (every Friday), Open Interest (Option), </a:t>
+            </a:r>
+            <a:r>
+              <a:rPr lang="en-US" altLang="zh-CN" dirty="0" err="1"/>
+              <a:t>etc</a:t>
+            </a:r>
+            <a:endParaRPr lang="en-US" altLang="zh-CN" dirty="0"/>
+          </a:p>
+          <a:p>
+            <a:pPr lvl="1"/>
+            <a:r>
+              <a:rPr lang="en-US" altLang="zh-CN" dirty="0"/>
+              <a:t>Stock selection</a:t>
+            </a:r>
+          </a:p>
+          <a:p>
+            <a:pPr lvl="1"/>
+            <a:r>
+              <a:rPr lang="en-US" altLang="zh-CN" dirty="0"/>
+              <a:t>Portfolio Optimization</a:t>
+            </a:r>
+          </a:p>
+          <a:p>
+            <a:pPr lvl="1"/>
+            <a:endParaRPr lang="en-US" altLang="zh-CN" dirty="0"/>
+          </a:p>
+          <a:p>
+            <a:pPr lvl="1"/>
+            <a:endParaRPr lang="en-US" altLang="zh-CN" dirty="0"/>
+          </a:p>
+          <a:p>
+            <a:endParaRPr lang="en-US" dirty="0"/>
+          </a:p>
+        </p:txBody>
+      </p:sp>
+    </p:spTree>
+    <p:extLst>
+      <p:ext uri="{BB962C8B-B14F-4D97-AF65-F5344CB8AC3E}">
+        <p14:creationId xmlns:p14="http://schemas.microsoft.com/office/powerpoint/2010/main" val="932056654"/>
+      </p:ext>
+    </p:extLst>
+  </p:cSld>
+  <p:clrMapOvr>
+    <a:masterClrMapping/>
+  </p:clrMapOvr>
+</p:sld>
+</file>
+
+<file path=ppt/slides/slide14.xml><?xml version="1.0" encoding="utf-8"?>
+<p:sld xmlns:a="http://schemas.openxmlformats.org/drawingml/2006/main" xmlns:r="http://schemas.openxmlformats.org/officeDocument/2006/relationships" xmlns:p="http://schemas.openxmlformats.org/presentationml/2006/main">
+  <p:cSld>
+    <p:spTree>
+      <p:nvGrpSpPr>
+        <p:cNvPr id="1" name=""/>
+        <p:cNvGrpSpPr/>
+        <p:nvPr/>
+      </p:nvGrpSpPr>
+      <p:grpSpPr>
+        <a:xfrm>
+          <a:off x="0" y="0"/>
+          <a:ext cx="0" cy="0"/>
+          <a:chOff x="0" y="0"/>
+          <a:chExt cx="0" cy="0"/>
+        </a:xfrm>
+      </p:grpSpPr>
+      <p:sp>
+        <p:nvSpPr>
+          <p:cNvPr id="2" name="Title 1">
+            <a:extLst>
+              <a:ext uri="{FF2B5EF4-FFF2-40B4-BE49-F238E27FC236}">
+                <a16:creationId xmlns:a16="http://schemas.microsoft.com/office/drawing/2014/main" id="{5A30A51E-4145-B848-B7C0-750F73549FB7}"/>
+              </a:ext>
+            </a:extLst>
+          </p:cNvPr>
+          <p:cNvSpPr>
+            <a:spLocks noGrp="1"/>
+          </p:cNvSpPr>
+          <p:nvPr>
+            <p:ph type="title"/>
+          </p:nvPr>
+        </p:nvSpPr>
+        <p:spPr/>
+        <p:txBody>
+          <a:bodyPr/>
+          <a:lstStyle/>
+          <a:p>
+            <a:r>
+              <a:rPr lang="en-US" altLang="zh-CN" dirty="0"/>
+              <a:t>Q&amp;A</a:t>
+            </a:r>
+            <a:endParaRPr lang="zh-CN" altLang="en-US" dirty="0"/>
+          </a:p>
+        </p:txBody>
+      </p:sp>
+    </p:spTree>
+    <p:extLst>
+      <p:ext uri="{BB962C8B-B14F-4D97-AF65-F5344CB8AC3E}">
+        <p14:creationId xmlns:p14="http://schemas.microsoft.com/office/powerpoint/2010/main" val="3311984560"/>
+      </p:ext>
+    </p:extLst>
+  </p:cSld>
+  <p:clrMapOvr>
+    <a:masterClrMapping/>
+  </p:clrMapOvr>
+</p:sld>
+</file>
+
+<file path=ppt/slides/slide15.xml><?xml version="1.0" encoding="utf-8"?>
+<p:sld xmlns:a="http://schemas.openxmlformats.org/drawingml/2006/main" xmlns:r="http://schemas.openxmlformats.org/officeDocument/2006/relationships" xmlns:p="http://schemas.openxmlformats.org/presentationml/2006/main">
+  <p:cSld>
+    <p:spTree>
+      <p:nvGrpSpPr>
+        <p:cNvPr id="1" name=""/>
+        <p:cNvGrpSpPr/>
+        <p:nvPr/>
+      </p:nvGrpSpPr>
+      <p:grpSpPr>
+        <a:xfrm>
+          <a:off x="0" y="0"/>
+          <a:ext cx="0" cy="0"/>
+          <a:chOff x="0" y="0"/>
+          <a:chExt cx="0" cy="0"/>
+        </a:xfrm>
+      </p:grpSpPr>
+      <p:sp>
+        <p:nvSpPr>
+          <p:cNvPr id="2" name="Title 1">
+            <a:extLst>
+              <a:ext uri="{FF2B5EF4-FFF2-40B4-BE49-F238E27FC236}">
+                <a16:creationId xmlns:a16="http://schemas.microsoft.com/office/drawing/2014/main" id="{126FD4B2-1DB6-D3CC-CBAF-76B4CC06BF38}"/>
+              </a:ext>
+            </a:extLst>
+          </p:cNvPr>
+          <p:cNvSpPr>
+            <a:spLocks noGrp="1"/>
+          </p:cNvSpPr>
+          <p:nvPr>
+            <p:ph type="ctrTitle"/>
+          </p:nvPr>
+        </p:nvSpPr>
+        <p:spPr/>
+        <p:txBody>
+          <a:bodyPr/>
+          <a:lstStyle/>
+          <a:p>
+            <a:r>
+              <a:rPr lang="en-US" altLang="zh-CN" dirty="0"/>
+              <a:t>Thank you!</a:t>
+            </a:r>
+            <a:endParaRPr lang="zh-CN" altLang="en-US" dirty="0"/>
+          </a:p>
+        </p:txBody>
+      </p:sp>
+    </p:spTree>
+    <p:extLst>
+      <p:ext uri="{BB962C8B-B14F-4D97-AF65-F5344CB8AC3E}">
+        <p14:creationId xmlns:p14="http://schemas.microsoft.com/office/powerpoint/2010/main" val="3919474522"/>
+      </p:ext>
+    </p:extLst>
+  </p:cSld>
+  <p:clrMapOvr>
+    <a:masterClrMapping/>
+  </p:clrMapOvr>
+</p:sld>
+</file>
+
 <file path=ppt/slides/slide2.xml><?xml version="1.0" encoding="utf-8"?>
 <p:sld xmlns:a="http://schemas.openxmlformats.org/drawingml/2006/main" xmlns:r="http://schemas.openxmlformats.org/officeDocument/2006/relationships" xmlns:p="http://schemas.openxmlformats.org/presentationml/2006/main">
   <p:cSld>
@@ -5654,17 +7735,17 @@
           <a:p>
             <a:r>
               <a:rPr lang="en-US" dirty="0"/>
-              <a:t>Motivation &amp; Problem Definition</a:t>
+              <a:t>Motivation</a:t>
             </a:r>
           </a:p>
         </p:txBody>
       </p:sp>
       <p:sp>
         <p:nvSpPr>
-          <p:cNvPr id="3" name="Content Placeholder 2">
+          <p:cNvPr id="7" name="Content Placeholder 6">
             <a:extLst>
               <a:ext uri="{FF2B5EF4-FFF2-40B4-BE49-F238E27FC236}">
-                <a16:creationId xmlns:a16="http://schemas.microsoft.com/office/drawing/2014/main" id="{0DB5ED47-F868-7421-CFF1-070DFEE3569D}"/>
+                <a16:creationId xmlns:a16="http://schemas.microsoft.com/office/drawing/2014/main" id="{11A80505-0D6D-92B3-597A-5A7ED9F6D149}"/>
               </a:ext>
             </a:extLst>
           </p:cNvPr>
@@ -5680,10 +7761,132 @@
           <a:bodyPr/>
           <a:lstStyle/>
           <a:p>
-            <a:endParaRPr lang="en-US" dirty="0"/>
+            <a:r>
+              <a:rPr lang="en-US" altLang="zh-CN" dirty="0"/>
+              <a:t>GameStop short squeeze</a:t>
+            </a:r>
+          </a:p>
+          <a:p>
+            <a:pPr lvl="1"/>
+            <a:endParaRPr lang="en-US" altLang="zh-CN" dirty="0"/>
+          </a:p>
+          <a:p>
+            <a:pPr lvl="1"/>
+            <a:endParaRPr lang="zh-CN" altLang="en-US" dirty="0"/>
           </a:p>
         </p:txBody>
       </p:sp>
+      <p:pic>
+        <p:nvPicPr>
+          <p:cNvPr id="11" name="Picture 10">
+            <a:extLst>
+              <a:ext uri="{FF2B5EF4-FFF2-40B4-BE49-F238E27FC236}">
+                <a16:creationId xmlns:a16="http://schemas.microsoft.com/office/drawing/2014/main" id="{0261FE6F-5105-FC1C-7DE8-758304BD7961}"/>
+              </a:ext>
+            </a:extLst>
+          </p:cNvPr>
+          <p:cNvPicPr>
+            <a:picLocks noChangeAspect="1"/>
+          </p:cNvPicPr>
+          <p:nvPr/>
+        </p:nvPicPr>
+        <p:blipFill>
+          <a:blip r:embed="rId2"/>
+          <a:stretch>
+            <a:fillRect/>
+          </a:stretch>
+        </p:blipFill>
+        <p:spPr>
+          <a:xfrm>
+            <a:off x="1029588" y="2357552"/>
+            <a:ext cx="5710410" cy="3287484"/>
+          </a:xfrm>
+          <a:prstGeom prst="rect">
+            <a:avLst/>
+          </a:prstGeom>
+        </p:spPr>
+      </p:pic>
+      <p:sp>
+        <p:nvSpPr>
+          <p:cNvPr id="3" name="AutoShape 2" descr="A metaphorical illustration of the GameStop short squeeze phenomenon. The scene depicts a giant, anthropomorphized stock market bull, symbolizing the bullish investors, wrestling with a bear, representing the short sellers, in a crowded urban setting. The bull is overpowering the bear, symbolizing the unexpected rise in GameStop's stock. Surrounding them are amazed and cheering crowds of diverse individuals, representing the general public and small investors, witnessing this financial showdown. The background is filled with skyscrapers, symbolizing the financial district.">
+            <a:extLst>
+              <a:ext uri="{FF2B5EF4-FFF2-40B4-BE49-F238E27FC236}">
+                <a16:creationId xmlns:a16="http://schemas.microsoft.com/office/drawing/2014/main" id="{2EF84B81-5421-8899-428A-FD44B903FBC2}"/>
+              </a:ext>
+            </a:extLst>
+          </p:cNvPr>
+          <p:cNvSpPr>
+            <a:spLocks noChangeAspect="1" noChangeArrowheads="1"/>
+          </p:cNvSpPr>
+          <p:nvPr/>
+        </p:nvSpPr>
+        <p:spPr bwMode="auto">
+          <a:xfrm>
+            <a:off x="5943600" y="3276600"/>
+            <a:ext cx="304800" cy="304800"/>
+          </a:xfrm>
+          <a:prstGeom prst="rect">
+            <a:avLst/>
+          </a:prstGeom>
+          <a:noFill/>
+          <a:extLst>
+            <a:ext uri="{909E8E84-426E-40DD-AFC4-6F175D3DCCD1}">
+              <a14:hiddenFill xmlns:a14="http://schemas.microsoft.com/office/drawing/2010/main">
+                <a:solidFill>
+                  <a:srgbClr val="FFFFFF"/>
+                </a:solidFill>
+              </a14:hiddenFill>
+            </a:ext>
+          </a:extLst>
+        </p:spPr>
+        <p:txBody>
+          <a:bodyPr vert="horz" wrap="square" lIns="91440" tIns="45720" rIns="91440" bIns="45720" numCol="1" anchor="t" anchorCtr="0" compatLnSpc="1">
+            <a:prstTxWarp prst="textNoShape">
+              <a:avLst/>
+            </a:prstTxWarp>
+          </a:bodyPr>
+          <a:lstStyle/>
+          <a:p>
+            <a:endParaRPr lang="zh-CN" altLang="en-US"/>
+          </a:p>
+        </p:txBody>
+      </p:sp>
+      <p:pic>
+        <p:nvPicPr>
+          <p:cNvPr id="5" name="Picture 4">
+            <a:extLst>
+              <a:ext uri="{FF2B5EF4-FFF2-40B4-BE49-F238E27FC236}">
+                <a16:creationId xmlns:a16="http://schemas.microsoft.com/office/drawing/2014/main" id="{96FEDACF-8985-78EB-4818-0EB39B16BEE1}"/>
+              </a:ext>
+            </a:extLst>
+          </p:cNvPr>
+          <p:cNvPicPr>
+            <a:picLocks noChangeAspect="1"/>
+          </p:cNvPicPr>
+          <p:nvPr/>
+        </p:nvPicPr>
+        <p:blipFill>
+          <a:blip r:embed="rId3">
+            <a:extLst>
+              <a:ext uri="{28A0092B-C50C-407E-A947-70E740481C1C}">
+                <a14:useLocalDpi xmlns:a14="http://schemas.microsoft.com/office/drawing/2010/main" val="0"/>
+              </a:ext>
+            </a:extLst>
+          </a:blip>
+          <a:stretch>
+            <a:fillRect/>
+          </a:stretch>
+        </p:blipFill>
+        <p:spPr>
+          <a:xfrm>
+            <a:off x="5334000" y="0"/>
+            <a:ext cx="6858000" cy="6858000"/>
+          </a:xfrm>
+          <a:prstGeom prst="rect">
+            <a:avLst/>
+          </a:prstGeom>
+        </p:spPr>
+      </p:pic>
     </p:spTree>
     <p:extLst>
       <p:ext uri="{BB962C8B-B14F-4D97-AF65-F5344CB8AC3E}">
@@ -5714,72 +7917,653 @@
           <a:chExt cx="0" cy="0"/>
         </a:xfrm>
       </p:grpSpPr>
-      <p:sp>
-        <p:nvSpPr>
-          <p:cNvPr id="2" name="Title 1">
+      <p:grpSp>
+        <p:nvGrpSpPr>
+          <p:cNvPr id="35" name="Group 34">
             <a:extLst>
               <a:ext uri="{FF2B5EF4-FFF2-40B4-BE49-F238E27FC236}">
-                <a16:creationId xmlns:a16="http://schemas.microsoft.com/office/drawing/2014/main" id="{E0A0EAF5-65B1-160E-6DDF-518A0ACBEDD6}"/>
+                <a16:creationId xmlns:a16="http://schemas.microsoft.com/office/drawing/2014/main" id="{8995D329-A103-E7AC-E04D-9544EADF005B}"/>
               </a:ext>
             </a:extLst>
           </p:cNvPr>
-          <p:cNvSpPr>
-            <a:spLocks noGrp="1"/>
-          </p:cNvSpPr>
-          <p:nvPr>
-            <p:ph type="title"/>
-          </p:nvPr>
-        </p:nvSpPr>
-        <p:spPr/>
-        <p:txBody>
-          <a:bodyPr>
-            <a:normAutofit fontScale="90000"/>
-          </a:bodyPr>
-          <a:lstStyle/>
-          <a:p>
-            <a:r>
-              <a:rPr lang="en-US" dirty="0"/>
-              <a:t>Why this approach</a:t>
-            </a:r>
-            <a:br>
-              <a:rPr lang="en-US" dirty="0"/>
-            </a:br>
-            <a:br>
-              <a:rPr lang="en-US" dirty="0"/>
-            </a:br>
-            <a:endParaRPr lang="en-US" dirty="0"/>
-          </a:p>
-        </p:txBody>
-      </p:sp>
-      <p:sp>
-        <p:nvSpPr>
-          <p:cNvPr id="3" name="Content Placeholder 2">
-            <a:extLst>
-              <a:ext uri="{FF2B5EF4-FFF2-40B4-BE49-F238E27FC236}">
-                <a16:creationId xmlns:a16="http://schemas.microsoft.com/office/drawing/2014/main" id="{D79DF5D8-FEF6-1DC2-CCA3-73C7E61033D4}"/>
-              </a:ext>
-            </a:extLst>
-          </p:cNvPr>
-          <p:cNvSpPr>
-            <a:spLocks noGrp="1"/>
-          </p:cNvSpPr>
-          <p:nvPr>
-            <p:ph idx="1"/>
-          </p:nvPr>
-        </p:nvSpPr>
-        <p:spPr/>
-        <p:txBody>
-          <a:bodyPr/>
-          <a:lstStyle/>
-          <a:p>
-            <a:endParaRPr lang="en-US"/>
-          </a:p>
-        </p:txBody>
-      </p:sp>
+          <p:cNvGrpSpPr/>
+          <p:nvPr/>
+        </p:nvGrpSpPr>
+        <p:grpSpPr>
+          <a:xfrm>
+            <a:off x="1282791" y="1059125"/>
+            <a:ext cx="10081875" cy="5169033"/>
+            <a:chOff x="786531" y="284406"/>
+            <a:chExt cx="10400517" cy="5897704"/>
+          </a:xfrm>
+        </p:grpSpPr>
+        <p:sp>
+          <p:nvSpPr>
+            <p:cNvPr id="3" name="Rectangle: Rounded Corners 2">
+              <a:extLst>
+                <a:ext uri="{FF2B5EF4-FFF2-40B4-BE49-F238E27FC236}">
+                  <a16:creationId xmlns:a16="http://schemas.microsoft.com/office/drawing/2014/main" id="{7ED807CA-3C74-1B35-04EB-8504546F505D}"/>
+                </a:ext>
+              </a:extLst>
+            </p:cNvPr>
+            <p:cNvSpPr/>
+            <p:nvPr/>
+          </p:nvSpPr>
+          <p:spPr>
+            <a:xfrm>
+              <a:off x="786531" y="556190"/>
+              <a:ext cx="3206622" cy="696685"/>
+            </a:xfrm>
+            <a:prstGeom prst="roundRect">
+              <a:avLst/>
+            </a:prstGeom>
+            <a:solidFill>
+              <a:srgbClr val="B32025"/>
+            </a:solidFill>
+          </p:spPr>
+          <p:style>
+            <a:lnRef idx="2">
+              <a:schemeClr val="accent1">
+                <a:shade val="15000"/>
+              </a:schemeClr>
+            </a:lnRef>
+            <a:fillRef idx="1">
+              <a:schemeClr val="accent1"/>
+            </a:fillRef>
+            <a:effectRef idx="0">
+              <a:schemeClr val="accent1"/>
+            </a:effectRef>
+            <a:fontRef idx="minor">
+              <a:schemeClr val="lt1"/>
+            </a:fontRef>
+          </p:style>
+          <p:txBody>
+            <a:bodyPr rtlCol="0" anchor="ctr"/>
+            <a:lstStyle/>
+            <a:p>
+              <a:pPr algn="ctr"/>
+              <a:r>
+                <a:rPr lang="en-US" altLang="zh-CN" dirty="0"/>
+                <a:t>Post from Twitter and Reddit</a:t>
+              </a:r>
+              <a:endParaRPr lang="zh-CN" altLang="en-US" dirty="0"/>
+            </a:p>
+          </p:txBody>
+        </p:sp>
+        <p:sp>
+          <p:nvSpPr>
+            <p:cNvPr id="6" name="Arrow: Right 5">
+              <a:extLst>
+                <a:ext uri="{FF2B5EF4-FFF2-40B4-BE49-F238E27FC236}">
+                  <a16:creationId xmlns:a16="http://schemas.microsoft.com/office/drawing/2014/main" id="{AABEC764-2E4F-9FB5-B8B0-6ACA3E3CBD34}"/>
+                </a:ext>
+              </a:extLst>
+            </p:cNvPr>
+            <p:cNvSpPr/>
+            <p:nvPr/>
+          </p:nvSpPr>
+          <p:spPr>
+            <a:xfrm>
+              <a:off x="4086458" y="662216"/>
+              <a:ext cx="1853681" cy="484632"/>
+            </a:xfrm>
+            <a:prstGeom prst="rightArrow">
+              <a:avLst/>
+            </a:prstGeom>
+            <a:solidFill>
+              <a:srgbClr val="B32025"/>
+            </a:solidFill>
+          </p:spPr>
+          <p:style>
+            <a:lnRef idx="2">
+              <a:schemeClr val="accent1">
+                <a:shade val="15000"/>
+              </a:schemeClr>
+            </a:lnRef>
+            <a:fillRef idx="1">
+              <a:schemeClr val="accent1"/>
+            </a:fillRef>
+            <a:effectRef idx="0">
+              <a:schemeClr val="accent1"/>
+            </a:effectRef>
+            <a:fontRef idx="minor">
+              <a:schemeClr val="lt1"/>
+            </a:fontRef>
+          </p:style>
+          <p:txBody>
+            <a:bodyPr rtlCol="0" anchor="ctr"/>
+            <a:lstStyle/>
+            <a:p>
+              <a:pPr algn="ctr"/>
+              <a:endParaRPr lang="zh-CN" altLang="en-US" dirty="0"/>
+            </a:p>
+          </p:txBody>
+        </p:sp>
+        <p:sp>
+          <p:nvSpPr>
+            <p:cNvPr id="7" name="TextBox 6">
+              <a:extLst>
+                <a:ext uri="{FF2B5EF4-FFF2-40B4-BE49-F238E27FC236}">
+                  <a16:creationId xmlns:a16="http://schemas.microsoft.com/office/drawing/2014/main" id="{AED7C3B8-F8CE-11AA-04A8-4CB0CC0D4601}"/>
+                </a:ext>
+              </a:extLst>
+            </p:cNvPr>
+            <p:cNvSpPr txBox="1"/>
+            <p:nvPr/>
+          </p:nvSpPr>
+          <p:spPr>
+            <a:xfrm>
+              <a:off x="3993153" y="284407"/>
+              <a:ext cx="1853681" cy="461665"/>
+            </a:xfrm>
+            <a:prstGeom prst="rect">
+              <a:avLst/>
+            </a:prstGeom>
+            <a:noFill/>
+          </p:spPr>
+          <p:txBody>
+            <a:bodyPr wrap="square" rtlCol="0">
+              <a:noAutofit/>
+            </a:bodyPr>
+            <a:lstStyle/>
+            <a:p>
+              <a:endParaRPr lang="zh-CN" altLang="en-US" sz="1200" dirty="0"/>
+            </a:p>
+          </p:txBody>
+        </p:sp>
+        <p:sp>
+          <p:nvSpPr>
+            <p:cNvPr id="10" name="TextBox 9">
+              <a:extLst>
+                <a:ext uri="{FF2B5EF4-FFF2-40B4-BE49-F238E27FC236}">
+                  <a16:creationId xmlns:a16="http://schemas.microsoft.com/office/drawing/2014/main" id="{622C73FF-9784-73E7-CDC8-07DD10E4D635}"/>
+                </a:ext>
+              </a:extLst>
+            </p:cNvPr>
+            <p:cNvSpPr txBox="1"/>
+            <p:nvPr/>
+          </p:nvSpPr>
+          <p:spPr>
+            <a:xfrm>
+              <a:off x="4086457" y="284406"/>
+              <a:ext cx="1853681" cy="461665"/>
+            </a:xfrm>
+            <a:prstGeom prst="rect">
+              <a:avLst/>
+            </a:prstGeom>
+            <a:noFill/>
+          </p:spPr>
+          <p:txBody>
+            <a:bodyPr wrap="square" rtlCol="0">
+              <a:noAutofit/>
+            </a:bodyPr>
+            <a:lstStyle/>
+            <a:p>
+              <a:r>
+                <a:rPr lang="en-US" altLang="zh-CN" sz="1000" dirty="0"/>
+                <a:t>Cleaning, Entity Matching,</a:t>
+              </a:r>
+              <a:r>
+                <a:rPr lang="zh-CN" altLang="en-US" sz="1000" dirty="0"/>
+                <a:t> </a:t>
+              </a:r>
+              <a:r>
+                <a:rPr lang="en-US" altLang="zh-CN" sz="1000" dirty="0"/>
+                <a:t>Merging, etc.</a:t>
+              </a:r>
+              <a:endParaRPr lang="zh-CN" altLang="en-US" sz="1000" dirty="0"/>
+            </a:p>
+          </p:txBody>
+        </p:sp>
+        <p:sp>
+          <p:nvSpPr>
+            <p:cNvPr id="12" name="Rectangle: Rounded Corners 11">
+              <a:extLst>
+                <a:ext uri="{FF2B5EF4-FFF2-40B4-BE49-F238E27FC236}">
+                  <a16:creationId xmlns:a16="http://schemas.microsoft.com/office/drawing/2014/main" id="{0885F027-9632-197C-3205-7445BEDD0841}"/>
+                </a:ext>
+              </a:extLst>
+            </p:cNvPr>
+            <p:cNvSpPr/>
+            <p:nvPr/>
+          </p:nvSpPr>
+          <p:spPr>
+            <a:xfrm>
+              <a:off x="6033442" y="556189"/>
+              <a:ext cx="3206622" cy="696685"/>
+            </a:xfrm>
+            <a:prstGeom prst="roundRect">
+              <a:avLst/>
+            </a:prstGeom>
+            <a:solidFill>
+              <a:srgbClr val="B32025"/>
+            </a:solidFill>
+          </p:spPr>
+          <p:style>
+            <a:lnRef idx="2">
+              <a:schemeClr val="accent1">
+                <a:shade val="15000"/>
+              </a:schemeClr>
+            </a:lnRef>
+            <a:fillRef idx="1">
+              <a:schemeClr val="accent1"/>
+            </a:fillRef>
+            <a:effectRef idx="0">
+              <a:schemeClr val="accent1"/>
+            </a:effectRef>
+            <a:fontRef idx="minor">
+              <a:schemeClr val="lt1"/>
+            </a:fontRef>
+          </p:style>
+          <p:txBody>
+            <a:bodyPr rtlCol="0" anchor="ctr"/>
+            <a:lstStyle/>
+            <a:p>
+              <a:pPr algn="ctr"/>
+              <a:r>
+                <a:rPr lang="en-US" altLang="zh-CN" dirty="0"/>
+                <a:t>Sentiment Labeling</a:t>
+              </a:r>
+              <a:endParaRPr lang="zh-CN" altLang="en-US" dirty="0"/>
+            </a:p>
+          </p:txBody>
+        </p:sp>
+        <p:sp>
+          <p:nvSpPr>
+            <p:cNvPr id="15" name="Rectangle: Rounded Corners 14">
+              <a:extLst>
+                <a:ext uri="{FF2B5EF4-FFF2-40B4-BE49-F238E27FC236}">
+                  <a16:creationId xmlns:a16="http://schemas.microsoft.com/office/drawing/2014/main" id="{024BD371-F180-2103-D376-DC036ED4DB89}"/>
+                </a:ext>
+              </a:extLst>
+            </p:cNvPr>
+            <p:cNvSpPr/>
+            <p:nvPr/>
+          </p:nvSpPr>
+          <p:spPr>
+            <a:xfrm>
+              <a:off x="786531" y="2632162"/>
+              <a:ext cx="3206622" cy="696685"/>
+            </a:xfrm>
+            <a:prstGeom prst="roundRect">
+              <a:avLst/>
+            </a:prstGeom>
+            <a:solidFill>
+              <a:srgbClr val="B32025"/>
+            </a:solidFill>
+          </p:spPr>
+          <p:style>
+            <a:lnRef idx="2">
+              <a:schemeClr val="accent1">
+                <a:shade val="15000"/>
+              </a:schemeClr>
+            </a:lnRef>
+            <a:fillRef idx="1">
+              <a:schemeClr val="accent1"/>
+            </a:fillRef>
+            <a:effectRef idx="0">
+              <a:schemeClr val="accent1"/>
+            </a:effectRef>
+            <a:fontRef idx="minor">
+              <a:schemeClr val="lt1"/>
+            </a:fontRef>
+          </p:style>
+          <p:txBody>
+            <a:bodyPr rtlCol="0" anchor="ctr"/>
+            <a:lstStyle/>
+            <a:p>
+              <a:pPr algn="ctr"/>
+              <a:r>
+                <a:rPr lang="en-US" altLang="zh-CN" dirty="0"/>
+                <a:t>Stock data: Close, Volume, etc.</a:t>
+              </a:r>
+              <a:endParaRPr lang="zh-CN" altLang="en-US" dirty="0"/>
+            </a:p>
+          </p:txBody>
+        </p:sp>
+        <p:sp>
+          <p:nvSpPr>
+            <p:cNvPr id="16" name="Arrow: Right 15">
+              <a:extLst>
+                <a:ext uri="{FF2B5EF4-FFF2-40B4-BE49-F238E27FC236}">
+                  <a16:creationId xmlns:a16="http://schemas.microsoft.com/office/drawing/2014/main" id="{AD38DDFA-4309-4D2A-5C2B-706F29A7B51A}"/>
+                </a:ext>
+              </a:extLst>
+            </p:cNvPr>
+            <p:cNvSpPr/>
+            <p:nvPr/>
+          </p:nvSpPr>
+          <p:spPr>
+            <a:xfrm>
+              <a:off x="4086458" y="2738188"/>
+              <a:ext cx="1853681" cy="484632"/>
+            </a:xfrm>
+            <a:prstGeom prst="rightArrow">
+              <a:avLst/>
+            </a:prstGeom>
+            <a:solidFill>
+              <a:srgbClr val="B32025"/>
+            </a:solidFill>
+          </p:spPr>
+          <p:style>
+            <a:lnRef idx="2">
+              <a:schemeClr val="accent1">
+                <a:shade val="15000"/>
+              </a:schemeClr>
+            </a:lnRef>
+            <a:fillRef idx="1">
+              <a:schemeClr val="accent1"/>
+            </a:fillRef>
+            <a:effectRef idx="0">
+              <a:schemeClr val="accent1"/>
+            </a:effectRef>
+            <a:fontRef idx="minor">
+              <a:schemeClr val="lt1"/>
+            </a:fontRef>
+          </p:style>
+          <p:txBody>
+            <a:bodyPr rtlCol="0" anchor="ctr"/>
+            <a:lstStyle/>
+            <a:p>
+              <a:pPr algn="ctr"/>
+              <a:endParaRPr lang="zh-CN" altLang="en-US" dirty="0"/>
+            </a:p>
+          </p:txBody>
+        </p:sp>
+        <p:sp>
+          <p:nvSpPr>
+            <p:cNvPr id="17" name="TextBox 16">
+              <a:extLst>
+                <a:ext uri="{FF2B5EF4-FFF2-40B4-BE49-F238E27FC236}">
+                  <a16:creationId xmlns:a16="http://schemas.microsoft.com/office/drawing/2014/main" id="{B47F0692-071C-1D18-CAAB-3D8BCAD2ED69}"/>
+                </a:ext>
+              </a:extLst>
+            </p:cNvPr>
+            <p:cNvSpPr txBox="1"/>
+            <p:nvPr/>
+          </p:nvSpPr>
+          <p:spPr>
+            <a:xfrm>
+              <a:off x="4086457" y="2337412"/>
+              <a:ext cx="1853681" cy="461665"/>
+            </a:xfrm>
+            <a:prstGeom prst="rect">
+              <a:avLst/>
+            </a:prstGeom>
+            <a:noFill/>
+          </p:spPr>
+          <p:txBody>
+            <a:bodyPr wrap="square" rtlCol="0">
+              <a:noAutofit/>
+            </a:bodyPr>
+            <a:lstStyle/>
+            <a:p>
+              <a:r>
+                <a:rPr lang="en-US" altLang="zh-CN" sz="1000" dirty="0"/>
+                <a:t>Processing, Indicators Calculating, etc.</a:t>
+              </a:r>
+              <a:endParaRPr lang="zh-CN" altLang="en-US" sz="1000" dirty="0"/>
+            </a:p>
+          </p:txBody>
+        </p:sp>
+        <p:sp>
+          <p:nvSpPr>
+            <p:cNvPr id="18" name="Rectangle: Rounded Corners 17">
+              <a:extLst>
+                <a:ext uri="{FF2B5EF4-FFF2-40B4-BE49-F238E27FC236}">
+                  <a16:creationId xmlns:a16="http://schemas.microsoft.com/office/drawing/2014/main" id="{4B31B81F-C7EF-49B1-E081-0C7D6F872169}"/>
+                </a:ext>
+              </a:extLst>
+            </p:cNvPr>
+            <p:cNvSpPr/>
+            <p:nvPr/>
+          </p:nvSpPr>
+          <p:spPr>
+            <a:xfrm>
+              <a:off x="6033442" y="2568244"/>
+              <a:ext cx="3206622" cy="696685"/>
+            </a:xfrm>
+            <a:prstGeom prst="roundRect">
+              <a:avLst/>
+            </a:prstGeom>
+            <a:solidFill>
+              <a:srgbClr val="B32025"/>
+            </a:solidFill>
+          </p:spPr>
+          <p:style>
+            <a:lnRef idx="2">
+              <a:schemeClr val="accent1">
+                <a:shade val="15000"/>
+              </a:schemeClr>
+            </a:lnRef>
+            <a:fillRef idx="1">
+              <a:schemeClr val="accent1"/>
+            </a:fillRef>
+            <a:effectRef idx="0">
+              <a:schemeClr val="accent1"/>
+            </a:effectRef>
+            <a:fontRef idx="minor">
+              <a:schemeClr val="lt1"/>
+            </a:fontRef>
+          </p:style>
+          <p:txBody>
+            <a:bodyPr rtlCol="0" anchor="ctr"/>
+            <a:lstStyle/>
+            <a:p>
+              <a:pPr algn="ctr"/>
+              <a:r>
+                <a:rPr lang="en-US" altLang="zh-CN" dirty="0"/>
+                <a:t>Time Series Modeling</a:t>
+              </a:r>
+              <a:endParaRPr lang="zh-CN" altLang="en-US" dirty="0"/>
+            </a:p>
+          </p:txBody>
+        </p:sp>
+        <p:sp>
+          <p:nvSpPr>
+            <p:cNvPr id="23" name="Arrow: Down 22">
+              <a:extLst>
+                <a:ext uri="{FF2B5EF4-FFF2-40B4-BE49-F238E27FC236}">
+                  <a16:creationId xmlns:a16="http://schemas.microsoft.com/office/drawing/2014/main" id="{BC56CC49-E27E-6E4F-5D43-64873F9BC4C4}"/>
+                </a:ext>
+              </a:extLst>
+            </p:cNvPr>
+            <p:cNvSpPr/>
+            <p:nvPr/>
+          </p:nvSpPr>
+          <p:spPr>
+            <a:xfrm>
+              <a:off x="7390062" y="1396582"/>
+              <a:ext cx="493381" cy="940830"/>
+            </a:xfrm>
+            <a:prstGeom prst="downArrow">
+              <a:avLst/>
+            </a:prstGeom>
+            <a:solidFill>
+              <a:srgbClr val="B32025"/>
+            </a:solidFill>
+          </p:spPr>
+          <p:style>
+            <a:lnRef idx="2">
+              <a:schemeClr val="accent1">
+                <a:shade val="15000"/>
+              </a:schemeClr>
+            </a:lnRef>
+            <a:fillRef idx="1">
+              <a:schemeClr val="accent1"/>
+            </a:fillRef>
+            <a:effectRef idx="0">
+              <a:schemeClr val="accent1"/>
+            </a:effectRef>
+            <a:fontRef idx="minor">
+              <a:schemeClr val="lt1"/>
+            </a:fontRef>
+          </p:style>
+          <p:txBody>
+            <a:bodyPr rtlCol="0" anchor="ctr"/>
+            <a:lstStyle/>
+            <a:p>
+              <a:pPr algn="ctr"/>
+              <a:endParaRPr lang="zh-CN" altLang="en-US" dirty="0"/>
+            </a:p>
+          </p:txBody>
+        </p:sp>
+        <p:sp>
+          <p:nvSpPr>
+            <p:cNvPr id="25" name="TextBox 24">
+              <a:extLst>
+                <a:ext uri="{FF2B5EF4-FFF2-40B4-BE49-F238E27FC236}">
+                  <a16:creationId xmlns:a16="http://schemas.microsoft.com/office/drawing/2014/main" id="{E160AAFD-ACCC-969E-CB3D-118AEC18AF88}"/>
+                </a:ext>
+              </a:extLst>
+            </p:cNvPr>
+            <p:cNvSpPr txBox="1"/>
+            <p:nvPr/>
+          </p:nvSpPr>
+          <p:spPr>
+            <a:xfrm>
+              <a:off x="7883443" y="1728497"/>
+              <a:ext cx="1853681" cy="246221"/>
+            </a:xfrm>
+            <a:prstGeom prst="rect">
+              <a:avLst/>
+            </a:prstGeom>
+            <a:noFill/>
+          </p:spPr>
+          <p:txBody>
+            <a:bodyPr wrap="square" rtlCol="0">
+              <a:spAutoFit/>
+            </a:bodyPr>
+            <a:lstStyle/>
+            <a:p>
+              <a:pPr algn="ctr"/>
+              <a:r>
+                <a:rPr lang="en-US" altLang="zh-CN" sz="1000" dirty="0"/>
+                <a:t>Quantify/Normalize Data</a:t>
+              </a:r>
+              <a:endParaRPr lang="zh-CN" altLang="en-US" sz="1000" dirty="0"/>
+            </a:p>
+          </p:txBody>
+        </p:sp>
+        <p:sp>
+          <p:nvSpPr>
+            <p:cNvPr id="26" name="Arrow: Curved Left 25">
+              <a:extLst>
+                <a:ext uri="{FF2B5EF4-FFF2-40B4-BE49-F238E27FC236}">
+                  <a16:creationId xmlns:a16="http://schemas.microsoft.com/office/drawing/2014/main" id="{01095CC8-6A8A-62C7-0591-81E20118E21B}"/>
+                </a:ext>
+              </a:extLst>
+            </p:cNvPr>
+            <p:cNvSpPr/>
+            <p:nvPr/>
+          </p:nvSpPr>
+          <p:spPr>
+            <a:xfrm>
+              <a:off x="9737124" y="2738188"/>
+              <a:ext cx="1449924" cy="2980266"/>
+            </a:xfrm>
+            <a:prstGeom prst="curvedLeftArrow">
+              <a:avLst/>
+            </a:prstGeom>
+            <a:solidFill>
+              <a:srgbClr val="B32025"/>
+            </a:solidFill>
+          </p:spPr>
+          <p:style>
+            <a:lnRef idx="2">
+              <a:schemeClr val="accent1">
+                <a:shade val="15000"/>
+              </a:schemeClr>
+            </a:lnRef>
+            <a:fillRef idx="1">
+              <a:schemeClr val="accent1"/>
+            </a:fillRef>
+            <a:effectRef idx="0">
+              <a:schemeClr val="accent1"/>
+            </a:effectRef>
+            <a:fontRef idx="minor">
+              <a:schemeClr val="lt1"/>
+            </a:fontRef>
+          </p:style>
+          <p:txBody>
+            <a:bodyPr rtlCol="0" anchor="ctr"/>
+            <a:lstStyle/>
+            <a:p>
+              <a:pPr algn="ctr"/>
+              <a:r>
+                <a:rPr lang="en-US" altLang="zh-CN" sz="1000" dirty="0">
+                  <a:solidFill>
+                    <a:schemeClr val="tx1"/>
+                  </a:solidFill>
+                </a:rPr>
+                <a:t>Buy/Sell Decision</a:t>
+              </a:r>
+              <a:endParaRPr lang="zh-CN" altLang="en-US" sz="1000" dirty="0">
+                <a:solidFill>
+                  <a:schemeClr val="tx1"/>
+                </a:solidFill>
+              </a:endParaRPr>
+            </a:p>
+          </p:txBody>
+        </p:sp>
+        <p:sp>
+          <p:nvSpPr>
+            <p:cNvPr id="34" name="Star: 5 Points 33">
+              <a:extLst>
+                <a:ext uri="{FF2B5EF4-FFF2-40B4-BE49-F238E27FC236}">
+                  <a16:creationId xmlns:a16="http://schemas.microsoft.com/office/drawing/2014/main" id="{C5E299EE-9044-0384-A4D7-90364ED2A5D7}"/>
+                </a:ext>
+              </a:extLst>
+            </p:cNvPr>
+            <p:cNvSpPr/>
+            <p:nvPr/>
+          </p:nvSpPr>
+          <p:spPr>
+            <a:xfrm>
+              <a:off x="7390062" y="4228321"/>
+              <a:ext cx="2315603" cy="1953789"/>
+            </a:xfrm>
+            <a:prstGeom prst="star5">
+              <a:avLst/>
+            </a:prstGeom>
+            <a:solidFill>
+              <a:srgbClr val="B32025"/>
+            </a:solidFill>
+          </p:spPr>
+          <p:style>
+            <a:lnRef idx="2">
+              <a:schemeClr val="accent1">
+                <a:shade val="15000"/>
+              </a:schemeClr>
+            </a:lnRef>
+            <a:fillRef idx="1">
+              <a:schemeClr val="accent1"/>
+            </a:fillRef>
+            <a:effectRef idx="0">
+              <a:schemeClr val="accent1"/>
+            </a:effectRef>
+            <a:fontRef idx="minor">
+              <a:schemeClr val="lt1"/>
+            </a:fontRef>
+          </p:style>
+          <p:txBody>
+            <a:bodyPr rtlCol="0" anchor="ctr"/>
+            <a:lstStyle/>
+            <a:p>
+              <a:pPr algn="ctr"/>
+              <a:r>
+                <a:rPr lang="en-US" altLang="zh-CN" dirty="0"/>
+                <a:t>Return</a:t>
+              </a:r>
+              <a:endParaRPr lang="zh-CN" altLang="en-US" dirty="0"/>
+            </a:p>
+          </p:txBody>
+        </p:sp>
+      </p:grpSp>
     </p:spTree>
     <p:extLst>
       <p:ext uri="{BB962C8B-B14F-4D97-AF65-F5344CB8AC3E}">
-        <p14:creationId xmlns:p14="http://schemas.microsoft.com/office/powerpoint/2010/main" val="809470355"/>
+        <p14:creationId xmlns:p14="http://schemas.microsoft.com/office/powerpoint/2010/main" val="4264775049"/>
       </p:ext>
     </p:extLst>
   </p:cSld>
@@ -5811,7 +8595,7 @@
           <p:cNvPr id="2" name="Title 1">
             <a:extLst>
               <a:ext uri="{FF2B5EF4-FFF2-40B4-BE49-F238E27FC236}">
-                <a16:creationId xmlns:a16="http://schemas.microsoft.com/office/drawing/2014/main" id="{58E6628D-A37F-9D14-C17F-80A7A46772BA}"/>
+                <a16:creationId xmlns:a16="http://schemas.microsoft.com/office/drawing/2014/main" id="{C6F981CD-8EFA-4F8B-F122-5F300AFE3D31}"/>
               </a:ext>
             </a:extLst>
           </p:cNvPr>
@@ -5828,9 +8612,10 @@
           <a:lstStyle/>
           <a:p>
             <a:r>
-              <a:rPr lang="en-US" dirty="0"/>
-              <a:t>Approach: Sentiment Analysis</a:t>
-            </a:r>
+              <a:rPr lang="en-US" altLang="zh-CN" dirty="0"/>
+              <a:t>Problem Definition</a:t>
+            </a:r>
+            <a:endParaRPr lang="zh-CN" altLang="en-US" dirty="0"/>
           </a:p>
         </p:txBody>
       </p:sp>
@@ -5839,7 +8624,7 @@
           <p:cNvPr id="3" name="Content Placeholder 2">
             <a:extLst>
               <a:ext uri="{FF2B5EF4-FFF2-40B4-BE49-F238E27FC236}">
-                <a16:creationId xmlns:a16="http://schemas.microsoft.com/office/drawing/2014/main" id="{AC840179-B26B-2956-E4A1-F5978D63E16F}"/>
+                <a16:creationId xmlns:a16="http://schemas.microsoft.com/office/drawing/2014/main" id="{1B9EFEB2-4320-23B5-9B05-AB34A6E1E186}"/>
               </a:ext>
             </a:extLst>
           </p:cNvPr>
@@ -5855,14 +8640,76 @@
           <a:bodyPr/>
           <a:lstStyle/>
           <a:p>
-            <a:endParaRPr lang="en-US"/>
+            <a:r>
+              <a:rPr lang="en-US" altLang="zh-CN" dirty="0"/>
+              <a:t>Construct a model to capture buying and selling signal of the stock market</a:t>
+            </a:r>
+          </a:p>
+          <a:p>
+            <a:pPr lvl="1"/>
+            <a:r>
+              <a:rPr lang="en-US" altLang="zh-CN" dirty="0"/>
+              <a:t>Time series modeling to estimate the return</a:t>
+            </a:r>
+          </a:p>
+          <a:p>
+            <a:pPr lvl="2"/>
+            <a:r>
+              <a:rPr lang="en-US" altLang="zh-CN" dirty="0"/>
+              <a:t>Modeling stock market signals for buying and selling</a:t>
+            </a:r>
+          </a:p>
+          <a:p>
+            <a:pPr lvl="1"/>
+            <a:r>
+              <a:rPr lang="en-US" altLang="zh-CN" dirty="0"/>
+              <a:t>Decision making using the return from models</a:t>
+            </a:r>
+          </a:p>
+          <a:p>
+            <a:pPr lvl="2"/>
+            <a:r>
+              <a:rPr lang="en-US" altLang="zh-CN" dirty="0"/>
+              <a:t>Balancing time series modeling with decision-making strategies</a:t>
+            </a:r>
+          </a:p>
+          <a:p>
+            <a:r>
+              <a:rPr lang="en-US" altLang="zh-CN" dirty="0"/>
+              <a:t>Implement sentiment analysis of retail trader on Twitter and Reddit and study their impact</a:t>
+            </a:r>
+          </a:p>
+          <a:p>
+            <a:pPr lvl="1"/>
+            <a:r>
+              <a:rPr lang="en-US" altLang="zh-CN" dirty="0"/>
+              <a:t>Entity matching</a:t>
+            </a:r>
+          </a:p>
+          <a:p>
+            <a:pPr lvl="1"/>
+            <a:r>
+              <a:rPr lang="en-US" altLang="zh-CN" dirty="0"/>
+              <a:t>Sentiment analysis</a:t>
+            </a:r>
+          </a:p>
+          <a:p>
+            <a:pPr lvl="2"/>
+            <a:r>
+              <a:rPr lang="en-US" altLang="zh-CN" dirty="0"/>
+              <a:t>Incorporating sentiment analysis of retail traders from social media</a:t>
+            </a:r>
+          </a:p>
+          <a:p>
+            <a:pPr lvl="1"/>
+            <a:endParaRPr lang="zh-CN" altLang="en-US" dirty="0"/>
           </a:p>
         </p:txBody>
       </p:sp>
     </p:spTree>
     <p:extLst>
       <p:ext uri="{BB962C8B-B14F-4D97-AF65-F5344CB8AC3E}">
-        <p14:creationId xmlns:p14="http://schemas.microsoft.com/office/powerpoint/2010/main" val="1556024807"/>
+        <p14:creationId xmlns:p14="http://schemas.microsoft.com/office/powerpoint/2010/main" val="209826715"/>
       </p:ext>
     </p:extLst>
   </p:cSld>
@@ -5894,7 +8741,7 @@
           <p:cNvPr id="2" name="Title 1">
             <a:extLst>
               <a:ext uri="{FF2B5EF4-FFF2-40B4-BE49-F238E27FC236}">
-                <a16:creationId xmlns:a16="http://schemas.microsoft.com/office/drawing/2014/main" id="{CEAF2F53-41E7-F537-FA40-23142D9BA81E}"/>
+                <a16:creationId xmlns:a16="http://schemas.microsoft.com/office/drawing/2014/main" id="{E0A0EAF5-65B1-160E-6DDF-518A0ACBEDD6}"/>
               </a:ext>
             </a:extLst>
           </p:cNvPr>
@@ -5907,12 +8754,14 @@
         </p:nvSpPr>
         <p:spPr/>
         <p:txBody>
-          <a:bodyPr/>
+          <a:bodyPr>
+            <a:normAutofit/>
+          </a:bodyPr>
           <a:lstStyle/>
           <a:p>
             <a:r>
               <a:rPr lang="en-US" dirty="0"/>
-              <a:t>What we have for sentiment analysis</a:t>
+              <a:t>Why this approach</a:t>
             </a:r>
           </a:p>
         </p:txBody>
@@ -5922,7 +8771,7 @@
           <p:cNvPr id="3" name="Content Placeholder 2">
             <a:extLst>
               <a:ext uri="{FF2B5EF4-FFF2-40B4-BE49-F238E27FC236}">
-                <a16:creationId xmlns:a16="http://schemas.microsoft.com/office/drawing/2014/main" id="{4BC32640-8089-20EF-8904-42BC8471F10C}"/>
+                <a16:creationId xmlns:a16="http://schemas.microsoft.com/office/drawing/2014/main" id="{D79DF5D8-FEF6-1DC2-CCA3-73C7E61033D4}"/>
               </a:ext>
             </a:extLst>
           </p:cNvPr>
@@ -5938,14 +8787,66 @@
           <a:bodyPr/>
           <a:lstStyle/>
           <a:p>
-            <a:endParaRPr lang="en-US"/>
+            <a:r>
+              <a:rPr lang="en-US" dirty="0"/>
+              <a:t>Similarities:</a:t>
+            </a:r>
+          </a:p>
+          <a:p>
+            <a:pPr lvl="1"/>
+            <a:r>
+              <a:rPr lang="en-US" dirty="0"/>
+              <a:t>There are paper study the correlation between stock market and retail traders’ sentiment</a:t>
+            </a:r>
+          </a:p>
+          <a:p>
+            <a:pPr lvl="1"/>
+            <a:r>
+              <a:rPr lang="en-US" dirty="0"/>
+              <a:t>There are paper about building models to predict stock return</a:t>
+            </a:r>
+          </a:p>
+          <a:p>
+            <a:r>
+              <a:rPr lang="en-US" dirty="0"/>
+              <a:t>Uniqueness</a:t>
+            </a:r>
+          </a:p>
+          <a:p>
+            <a:pPr lvl="1"/>
+            <a:r>
+              <a:rPr lang="en-US" dirty="0"/>
+              <a:t>We implemented a dynamic approach to make short term prediction </a:t>
+            </a:r>
+          </a:p>
+          <a:p>
+            <a:pPr lvl="1"/>
+            <a:r>
+              <a:rPr lang="en-US" dirty="0"/>
+              <a:t>We focus both on loss and gain</a:t>
+            </a:r>
+          </a:p>
+          <a:p>
+            <a:pPr lvl="1"/>
+            <a:r>
+              <a:rPr lang="en-US" dirty="0"/>
+              <a:t>We incorporate sentiment analysis into our model</a:t>
+            </a:r>
+          </a:p>
+          <a:p>
+            <a:pPr lvl="1"/>
+            <a:endParaRPr lang="en-US" dirty="0"/>
+          </a:p>
+          <a:p>
+            <a:pPr lvl="1"/>
+            <a:endParaRPr lang="en-US" dirty="0"/>
           </a:p>
         </p:txBody>
       </p:sp>
     </p:spTree>
     <p:extLst>
       <p:ext uri="{BB962C8B-B14F-4D97-AF65-F5344CB8AC3E}">
-        <p14:creationId xmlns:p14="http://schemas.microsoft.com/office/powerpoint/2010/main" val="1549926420"/>
+        <p14:creationId xmlns:p14="http://schemas.microsoft.com/office/powerpoint/2010/main" val="809470355"/>
       </p:ext>
     </p:extLst>
   </p:cSld>
@@ -5977,7 +8878,7 @@
           <p:cNvPr id="2" name="Title 1">
             <a:extLst>
               <a:ext uri="{FF2B5EF4-FFF2-40B4-BE49-F238E27FC236}">
-                <a16:creationId xmlns:a16="http://schemas.microsoft.com/office/drawing/2014/main" id="{B4A2F325-2C27-78B6-6139-FEE02451926A}"/>
+                <a16:creationId xmlns:a16="http://schemas.microsoft.com/office/drawing/2014/main" id="{58E6628D-A37F-9D14-C17F-80A7A46772BA}"/>
               </a:ext>
             </a:extLst>
           </p:cNvPr>
@@ -5990,14 +8891,12 @@
         </p:nvSpPr>
         <p:spPr/>
         <p:txBody>
-          <a:bodyPr>
-            <a:normAutofit fontScale="90000"/>
-          </a:bodyPr>
+          <a:bodyPr/>
           <a:lstStyle/>
           <a:p>
             <a:r>
               <a:rPr lang="en-US" dirty="0"/>
-              <a:t>Approach: Stock Movement Prediction</a:t>
+              <a:t>Approach: Sentiment Analysis</a:t>
             </a:r>
           </a:p>
         </p:txBody>
@@ -6007,7 +8906,7 @@
           <p:cNvPr id="3" name="Content Placeholder 2">
             <a:extLst>
               <a:ext uri="{FF2B5EF4-FFF2-40B4-BE49-F238E27FC236}">
-                <a16:creationId xmlns:a16="http://schemas.microsoft.com/office/drawing/2014/main" id="{B9FBC3D6-F324-C701-08FA-DC75906EA943}"/>
+                <a16:creationId xmlns:a16="http://schemas.microsoft.com/office/drawing/2014/main" id="{AC840179-B26B-2956-E4A1-F5978D63E16F}"/>
               </a:ext>
             </a:extLst>
           </p:cNvPr>
@@ -6030,7 +8929,7 @@
     </p:spTree>
     <p:extLst>
       <p:ext uri="{BB962C8B-B14F-4D97-AF65-F5344CB8AC3E}">
-        <p14:creationId xmlns:p14="http://schemas.microsoft.com/office/powerpoint/2010/main" val="2212955399"/>
+        <p14:creationId xmlns:p14="http://schemas.microsoft.com/office/powerpoint/2010/main" val="1556024807"/>
       </p:ext>
     </p:extLst>
   </p:cSld>
@@ -6062,7 +8961,7 @@
           <p:cNvPr id="2" name="Title 1">
             <a:extLst>
               <a:ext uri="{FF2B5EF4-FFF2-40B4-BE49-F238E27FC236}">
-                <a16:creationId xmlns:a16="http://schemas.microsoft.com/office/drawing/2014/main" id="{A28A7C5A-652F-9093-FC44-BCD72C6595F0}"/>
+                <a16:creationId xmlns:a16="http://schemas.microsoft.com/office/drawing/2014/main" id="{CEAF2F53-41E7-F537-FA40-23142D9BA81E}"/>
               </a:ext>
             </a:extLst>
           </p:cNvPr>
@@ -6080,7 +8979,7 @@
           <a:p>
             <a:r>
               <a:rPr lang="en-US" dirty="0"/>
-              <a:t>Showcase</a:t>
+              <a:t>What we have for sentiment analysis</a:t>
             </a:r>
           </a:p>
         </p:txBody>
@@ -6090,7 +8989,7 @@
           <p:cNvPr id="3" name="Content Placeholder 2">
             <a:extLst>
               <a:ext uri="{FF2B5EF4-FFF2-40B4-BE49-F238E27FC236}">
-                <a16:creationId xmlns:a16="http://schemas.microsoft.com/office/drawing/2014/main" id="{DA2584EC-07E4-1C27-B3D5-38A5DB88DC8A}"/>
+                <a16:creationId xmlns:a16="http://schemas.microsoft.com/office/drawing/2014/main" id="{4BC32640-8089-20EF-8904-42BC8471F10C}"/>
               </a:ext>
             </a:extLst>
           </p:cNvPr>
@@ -6106,14 +9005,15 @@
           <a:bodyPr/>
           <a:lstStyle/>
           <a:p>
-            <a:endParaRPr lang="en-US"/>
+            <a:pPr lvl="1"/>
+            <a:endParaRPr lang="en-US" dirty="0"/>
           </a:p>
         </p:txBody>
       </p:sp>
     </p:spTree>
     <p:extLst>
       <p:ext uri="{BB962C8B-B14F-4D97-AF65-F5344CB8AC3E}">
-        <p14:creationId xmlns:p14="http://schemas.microsoft.com/office/powerpoint/2010/main" val="3813925949"/>
+        <p14:creationId xmlns:p14="http://schemas.microsoft.com/office/powerpoint/2010/main" val="1549926420"/>
       </p:ext>
     </p:extLst>
   </p:cSld>
@@ -6145,7 +9045,7 @@
           <p:cNvPr id="2" name="Title 1">
             <a:extLst>
               <a:ext uri="{FF2B5EF4-FFF2-40B4-BE49-F238E27FC236}">
-                <a16:creationId xmlns:a16="http://schemas.microsoft.com/office/drawing/2014/main" id="{B0642C2E-FD82-320E-1723-C3A24BCA4D56}"/>
+                <a16:creationId xmlns:a16="http://schemas.microsoft.com/office/drawing/2014/main" id="{B4A2F325-2C27-78B6-6139-FEE02451926A}"/>
               </a:ext>
             </a:extLst>
           </p:cNvPr>
@@ -6158,12 +9058,14 @@
         </p:nvSpPr>
         <p:spPr/>
         <p:txBody>
-          <a:bodyPr/>
+          <a:bodyPr>
+            <a:normAutofit fontScale="90000"/>
+          </a:bodyPr>
           <a:lstStyle/>
           <a:p>
             <a:r>
               <a:rPr lang="en-US" dirty="0"/>
-              <a:t>Future work</a:t>
+              <a:t>Approach: Stock Movement Prediction</a:t>
             </a:r>
           </a:p>
         </p:txBody>
@@ -6173,7 +9075,7 @@
           <p:cNvPr id="3" name="Content Placeholder 2">
             <a:extLst>
               <a:ext uri="{FF2B5EF4-FFF2-40B4-BE49-F238E27FC236}">
-                <a16:creationId xmlns:a16="http://schemas.microsoft.com/office/drawing/2014/main" id="{0613C40C-6EA5-BDBA-ED10-FEC36C2637DF}"/>
+                <a16:creationId xmlns:a16="http://schemas.microsoft.com/office/drawing/2014/main" id="{B9FBC3D6-F324-C701-08FA-DC75906EA943}"/>
               </a:ext>
             </a:extLst>
           </p:cNvPr>
@@ -6189,14 +9091,161 @@
           <a:bodyPr/>
           <a:lstStyle/>
           <a:p>
-            <a:endParaRPr lang="en-US"/>
+            <a:r>
+              <a:rPr lang="en-US" dirty="0"/>
+              <a:t>Objective: capture trading signal</a:t>
+            </a:r>
+          </a:p>
+          <a:p>
+            <a:pPr lvl="1"/>
+            <a:r>
+              <a:rPr lang="en-US" dirty="0"/>
+              <a:t>Price Vs. Return </a:t>
+            </a:r>
+          </a:p>
+          <a:p>
+            <a:r>
+              <a:rPr lang="en-US" altLang="zh-CN" dirty="0"/>
+              <a:t>Stationary</a:t>
+            </a:r>
+            <a:r>
+              <a:rPr lang="en-US" dirty="0"/>
+              <a:t> vs Nonstationary data</a:t>
+            </a:r>
+          </a:p>
+          <a:p>
+            <a:r>
+              <a:rPr lang="en-US" dirty="0"/>
+              <a:t>Window Size Selection</a:t>
+            </a:r>
+          </a:p>
+          <a:p>
+            <a:r>
+              <a:rPr lang="en-US" dirty="0"/>
+              <a:t>Hyperparameter tunning</a:t>
+            </a:r>
+          </a:p>
+          <a:p>
+            <a:r>
+              <a:rPr lang="en-US" altLang="zh-CN" dirty="0"/>
+              <a:t>Dynamic Decision Making</a:t>
+            </a:r>
+          </a:p>
+          <a:p>
+            <a:pPr lvl="1"/>
+            <a:r>
+              <a:rPr lang="en-US" altLang="zh-CN" dirty="0"/>
+              <a:t>Make decision based on the distribution of returns of past 40 days</a:t>
+            </a:r>
+          </a:p>
+          <a:p>
+            <a:endParaRPr lang="en-US" dirty="0"/>
+          </a:p>
+          <a:p>
+            <a:endParaRPr lang="en-US" dirty="0"/>
+          </a:p>
+          <a:p>
+            <a:endParaRPr lang="en-US" dirty="0"/>
+          </a:p>
+          <a:p>
+            <a:endParaRPr lang="en-US" dirty="0"/>
           </a:p>
         </p:txBody>
       </p:sp>
     </p:spTree>
     <p:extLst>
       <p:ext uri="{BB962C8B-B14F-4D97-AF65-F5344CB8AC3E}">
-        <p14:creationId xmlns:p14="http://schemas.microsoft.com/office/powerpoint/2010/main" val="932056654"/>
+        <p14:creationId xmlns:p14="http://schemas.microsoft.com/office/powerpoint/2010/main" val="2212955399"/>
+      </p:ext>
+    </p:extLst>
+  </p:cSld>
+  <p:clrMapOvr>
+    <a:masterClrMapping/>
+  </p:clrMapOvr>
+</p:sld>
+</file>
+
+<file path=ppt/slides/slide9.xml><?xml version="1.0" encoding="utf-8"?>
+<p:sld xmlns:a="http://schemas.openxmlformats.org/drawingml/2006/main" xmlns:r="http://schemas.openxmlformats.org/officeDocument/2006/relationships" xmlns:p="http://schemas.openxmlformats.org/presentationml/2006/main">
+  <p:cSld>
+    <p:spTree>
+      <p:nvGrpSpPr>
+        <p:cNvPr id="1" name=""/>
+        <p:cNvGrpSpPr/>
+        <p:nvPr/>
+      </p:nvGrpSpPr>
+      <p:grpSpPr>
+        <a:xfrm>
+          <a:off x="0" y="0"/>
+          <a:ext cx="0" cy="0"/>
+          <a:chOff x="0" y="0"/>
+          <a:chExt cx="0" cy="0"/>
+        </a:xfrm>
+      </p:grpSpPr>
+      <p:sp>
+        <p:nvSpPr>
+          <p:cNvPr id="2" name="Title 1">
+            <a:extLst>
+              <a:ext uri="{FF2B5EF4-FFF2-40B4-BE49-F238E27FC236}">
+                <a16:creationId xmlns:a16="http://schemas.microsoft.com/office/drawing/2014/main" id="{A28A7C5A-652F-9093-FC44-BCD72C6595F0}"/>
+              </a:ext>
+            </a:extLst>
+          </p:cNvPr>
+          <p:cNvSpPr>
+            <a:spLocks noGrp="1"/>
+          </p:cNvSpPr>
+          <p:nvPr>
+            <p:ph type="title"/>
+          </p:nvPr>
+        </p:nvSpPr>
+        <p:spPr/>
+        <p:txBody>
+          <a:bodyPr>
+            <a:normAutofit/>
+          </a:bodyPr>
+          <a:lstStyle/>
+          <a:p>
+            <a:r>
+              <a:rPr lang="en-US" dirty="0"/>
+              <a:t>Apple</a:t>
+            </a:r>
+          </a:p>
+        </p:txBody>
+      </p:sp>
+      <p:pic>
+        <p:nvPicPr>
+          <p:cNvPr id="7" name="Picture 6">
+            <a:extLst>
+              <a:ext uri="{FF2B5EF4-FFF2-40B4-BE49-F238E27FC236}">
+                <a16:creationId xmlns:a16="http://schemas.microsoft.com/office/drawing/2014/main" id="{1B0627C9-DDED-1410-28B5-B6DEC8EA6706}"/>
+              </a:ext>
+            </a:extLst>
+          </p:cNvPr>
+          <p:cNvPicPr>
+            <a:picLocks noChangeAspect="1"/>
+          </p:cNvPicPr>
+          <p:nvPr/>
+        </p:nvPicPr>
+        <p:blipFill>
+          <a:blip r:embed="rId2"/>
+          <a:stretch>
+            <a:fillRect/>
+          </a:stretch>
+        </p:blipFill>
+        <p:spPr>
+          <a:xfrm>
+            <a:off x="2667000" y="0"/>
+            <a:ext cx="9525000" cy="6781800"/>
+          </a:xfrm>
+          <a:prstGeom prst="rect">
+            <a:avLst/>
+          </a:prstGeom>
+        </p:spPr>
+      </p:pic>
+    </p:spTree>
+    <p:extLst>
+      <p:ext uri="{BB962C8B-B14F-4D97-AF65-F5344CB8AC3E}">
+        <p14:creationId xmlns:p14="http://schemas.microsoft.com/office/powerpoint/2010/main" val="3563214503"/>
       </p:ext>
     </p:extLst>
   </p:cSld>
@@ -6407,10 +9456,308 @@
 </a:theme>
 </file>
 
+<file path=ppt/theme/theme2.xml><?xml version="1.0" encoding="utf-8"?>
+<a:theme xmlns:a="http://schemas.openxmlformats.org/drawingml/2006/main" name="Office Theme">
+  <a:themeElements>
+    <a:clrScheme name="Office">
+      <a:dk1>
+        <a:sysClr val="windowText" lastClr="000000"/>
+      </a:dk1>
+      <a:lt1>
+        <a:sysClr val="window" lastClr="FFFFFF"/>
+      </a:lt1>
+      <a:dk2>
+        <a:srgbClr val="44546A"/>
+      </a:dk2>
+      <a:lt2>
+        <a:srgbClr val="E7E6E6"/>
+      </a:lt2>
+      <a:accent1>
+        <a:srgbClr val="4472C4"/>
+      </a:accent1>
+      <a:accent2>
+        <a:srgbClr val="ED7D31"/>
+      </a:accent2>
+      <a:accent3>
+        <a:srgbClr val="A5A5A5"/>
+      </a:accent3>
+      <a:accent4>
+        <a:srgbClr val="FFC000"/>
+      </a:accent4>
+      <a:accent5>
+        <a:srgbClr val="5B9BD5"/>
+      </a:accent5>
+      <a:accent6>
+        <a:srgbClr val="70AD47"/>
+      </a:accent6>
+      <a:hlink>
+        <a:srgbClr val="0563C1"/>
+      </a:hlink>
+      <a:folHlink>
+        <a:srgbClr val="954F72"/>
+      </a:folHlink>
+    </a:clrScheme>
+    <a:fontScheme name="Office">
+      <a:majorFont>
+        <a:latin typeface="等线 Light" panose="020F0302020204030204"/>
+        <a:ea typeface=""/>
+        <a:cs typeface=""/>
+        <a:font script="Jpan" typeface="游ゴシック Light"/>
+        <a:font script="Hang" typeface="맑은 고딕"/>
+        <a:font script="Hans" typeface="等线 Light"/>
+        <a:font script="Hant" typeface="新細明體"/>
+        <a:font script="Arab" typeface="Times New Roman"/>
+        <a:font script="Hebr" typeface="Times New Roman"/>
+        <a:font script="Thai" typeface="Angsana New"/>
+        <a:font script="Ethi" typeface="Nyala"/>
+        <a:font script="Beng" typeface="Vrinda"/>
+        <a:font script="Gujr" typeface="Shruti"/>
+        <a:font script="Khmr" typeface="MoolBoran"/>
+        <a:font script="Knda" typeface="Tunga"/>
+        <a:font script="Guru" typeface="Raavi"/>
+        <a:font script="Cans" typeface="Euphemia"/>
+        <a:font script="Cher" typeface="Plantagenet Cherokee"/>
+        <a:font script="Yiii" typeface="Microsoft Yi Baiti"/>
+        <a:font script="Tibt" typeface="Microsoft Himalaya"/>
+        <a:font script="Thaa" typeface="MV Boli"/>
+        <a:font script="Deva" typeface="Mangal"/>
+        <a:font script="Telu" typeface="Gautami"/>
+        <a:font script="Taml" typeface="Latha"/>
+        <a:font script="Syrc" typeface="Estrangelo Edessa"/>
+        <a:font script="Orya" typeface="Kalinga"/>
+        <a:font script="Mlym" typeface="Kartika"/>
+        <a:font script="Laoo" typeface="DokChampa"/>
+        <a:font script="Sinh" typeface="Iskoola Pota"/>
+        <a:font script="Mong" typeface="Mongolian Baiti"/>
+        <a:font script="Viet" typeface="Times New Roman"/>
+        <a:font script="Uigh" typeface="Microsoft Uighur"/>
+        <a:font script="Geor" typeface="Sylfaen"/>
+        <a:font script="Armn" typeface="Arial"/>
+        <a:font script="Bugi" typeface="Leelawadee UI"/>
+        <a:font script="Bopo" typeface="Microsoft JhengHei"/>
+        <a:font script="Java" typeface="Javanese Text"/>
+        <a:font script="Lisu" typeface="Segoe UI"/>
+        <a:font script="Mymr" typeface="Myanmar Text"/>
+        <a:font script="Nkoo" typeface="Ebrima"/>
+        <a:font script="Olck" typeface="Nirmala UI"/>
+        <a:font script="Osma" typeface="Ebrima"/>
+        <a:font script="Phag" typeface="Phagspa"/>
+        <a:font script="Syrn" typeface="Estrangelo Edessa"/>
+        <a:font script="Syrj" typeface="Estrangelo Edessa"/>
+        <a:font script="Syre" typeface="Estrangelo Edessa"/>
+        <a:font script="Sora" typeface="Nirmala UI"/>
+        <a:font script="Tale" typeface="Microsoft Tai Le"/>
+        <a:font script="Talu" typeface="Microsoft New Tai Lue"/>
+        <a:font script="Tfng" typeface="Ebrima"/>
+      </a:majorFont>
+      <a:minorFont>
+        <a:latin typeface="等线" panose="020F0502020204030204"/>
+        <a:ea typeface=""/>
+        <a:cs typeface=""/>
+        <a:font script="Jpan" typeface="游ゴシック"/>
+        <a:font script="Hang" typeface="맑은 고딕"/>
+        <a:font script="Hans" typeface="等线"/>
+        <a:font script="Hant" typeface="新細明體"/>
+        <a:font script="Arab" typeface="Arial"/>
+        <a:font script="Hebr" typeface="Arial"/>
+        <a:font script="Thai" typeface="Cordia New"/>
+        <a:font script="Ethi" typeface="Nyala"/>
+        <a:font script="Beng" typeface="Vrinda"/>
+        <a:font script="Gujr" typeface="Shruti"/>
+        <a:font script="Khmr" typeface="DaunPenh"/>
+        <a:font script="Knda" typeface="Tunga"/>
+        <a:font script="Guru" typeface="Raavi"/>
+        <a:font script="Cans" typeface="Euphemia"/>
+        <a:font script="Cher" typeface="Plantagenet Cherokee"/>
+        <a:font script="Yiii" typeface="Microsoft Yi Baiti"/>
+        <a:font script="Tibt" typeface="Microsoft Himalaya"/>
+        <a:font script="Thaa" typeface="MV Boli"/>
+        <a:font script="Deva" typeface="Mangal"/>
+        <a:font script="Telu" typeface="Gautami"/>
+        <a:font script="Taml" typeface="Latha"/>
+        <a:font script="Syrc" typeface="Estrangelo Edessa"/>
+        <a:font script="Orya" typeface="Kalinga"/>
+        <a:font script="Mlym" typeface="Kartika"/>
+        <a:font script="Laoo" typeface="DokChampa"/>
+        <a:font script="Sinh" typeface="Iskoola Pota"/>
+        <a:font script="Mong" typeface="Mongolian Baiti"/>
+        <a:font script="Viet" typeface="Arial"/>
+        <a:font script="Uigh" typeface="Microsoft Uighur"/>
+        <a:font script="Geor" typeface="Sylfaen"/>
+        <a:font script="Armn" typeface="Arial"/>
+        <a:font script="Bugi" typeface="Leelawadee UI"/>
+        <a:font script="Bopo" typeface="Microsoft JhengHei"/>
+        <a:font script="Java" typeface="Javanese Text"/>
+        <a:font script="Lisu" typeface="Segoe UI"/>
+        <a:font script="Mymr" typeface="Myanmar Text"/>
+        <a:font script="Nkoo" typeface="Ebrima"/>
+        <a:font script="Olck" typeface="Nirmala UI"/>
+        <a:font script="Osma" typeface="Ebrima"/>
+        <a:font script="Phag" typeface="Phagspa"/>
+        <a:font script="Syrn" typeface="Estrangelo Edessa"/>
+        <a:font script="Syrj" typeface="Estrangelo Edessa"/>
+        <a:font script="Syre" typeface="Estrangelo Edessa"/>
+        <a:font script="Sora" typeface="Nirmala UI"/>
+        <a:font script="Tale" typeface="Microsoft Tai Le"/>
+        <a:font script="Talu" typeface="Microsoft New Tai Lue"/>
+        <a:font script="Tfng" typeface="Ebrima"/>
+      </a:minorFont>
+    </a:fontScheme>
+    <a:fmtScheme name="Office">
+      <a:fillStyleLst>
+        <a:solidFill>
+          <a:schemeClr val="phClr"/>
+        </a:solidFill>
+        <a:gradFill rotWithShape="1">
+          <a:gsLst>
+            <a:gs pos="0">
+              <a:schemeClr val="phClr">
+                <a:lumMod val="110000"/>
+                <a:satMod val="105000"/>
+                <a:tint val="67000"/>
+              </a:schemeClr>
+            </a:gs>
+            <a:gs pos="50000">
+              <a:schemeClr val="phClr">
+                <a:lumMod val="105000"/>
+                <a:satMod val="103000"/>
+                <a:tint val="73000"/>
+              </a:schemeClr>
+            </a:gs>
+            <a:gs pos="100000">
+              <a:schemeClr val="phClr">
+                <a:lumMod val="105000"/>
+                <a:satMod val="109000"/>
+                <a:tint val="81000"/>
+              </a:schemeClr>
+            </a:gs>
+          </a:gsLst>
+          <a:lin ang="5400000" scaled="0"/>
+        </a:gradFill>
+        <a:gradFill rotWithShape="1">
+          <a:gsLst>
+            <a:gs pos="0">
+              <a:schemeClr val="phClr">
+                <a:satMod val="103000"/>
+                <a:lumMod val="102000"/>
+                <a:tint val="94000"/>
+              </a:schemeClr>
+            </a:gs>
+            <a:gs pos="50000">
+              <a:schemeClr val="phClr">
+                <a:satMod val="110000"/>
+                <a:lumMod val="100000"/>
+                <a:shade val="100000"/>
+              </a:schemeClr>
+            </a:gs>
+            <a:gs pos="100000">
+              <a:schemeClr val="phClr">
+                <a:lumMod val="99000"/>
+                <a:satMod val="120000"/>
+                <a:shade val="78000"/>
+              </a:schemeClr>
+            </a:gs>
+          </a:gsLst>
+          <a:lin ang="5400000" scaled="0"/>
+        </a:gradFill>
+      </a:fillStyleLst>
+      <a:lnStyleLst>
+        <a:ln w="6350" cap="flat" cmpd="sng" algn="ctr">
+          <a:solidFill>
+            <a:schemeClr val="phClr"/>
+          </a:solidFill>
+          <a:prstDash val="solid"/>
+          <a:miter lim="800000"/>
+        </a:ln>
+        <a:ln w="12700" cap="flat" cmpd="sng" algn="ctr">
+          <a:solidFill>
+            <a:schemeClr val="phClr"/>
+          </a:solidFill>
+          <a:prstDash val="solid"/>
+          <a:miter lim="800000"/>
+        </a:ln>
+        <a:ln w="19050" cap="flat" cmpd="sng" algn="ctr">
+          <a:solidFill>
+            <a:schemeClr val="phClr"/>
+          </a:solidFill>
+          <a:prstDash val="solid"/>
+          <a:miter lim="800000"/>
+        </a:ln>
+      </a:lnStyleLst>
+      <a:effectStyleLst>
+        <a:effectStyle>
+          <a:effectLst/>
+        </a:effectStyle>
+        <a:effectStyle>
+          <a:effectLst/>
+        </a:effectStyle>
+        <a:effectStyle>
+          <a:effectLst>
+            <a:outerShdw blurRad="57150" dist="19050" dir="5400000" algn="ctr" rotWithShape="0">
+              <a:srgbClr val="000000">
+                <a:alpha val="63000"/>
+              </a:srgbClr>
+            </a:outerShdw>
+          </a:effectLst>
+        </a:effectStyle>
+      </a:effectStyleLst>
+      <a:bgFillStyleLst>
+        <a:solidFill>
+          <a:schemeClr val="phClr"/>
+        </a:solidFill>
+        <a:solidFill>
+          <a:schemeClr val="phClr">
+            <a:tint val="95000"/>
+            <a:satMod val="170000"/>
+          </a:schemeClr>
+        </a:solidFill>
+        <a:gradFill rotWithShape="1">
+          <a:gsLst>
+            <a:gs pos="0">
+              <a:schemeClr val="phClr">
+                <a:tint val="93000"/>
+                <a:satMod val="150000"/>
+                <a:shade val="98000"/>
+                <a:lumMod val="102000"/>
+              </a:schemeClr>
+            </a:gs>
+            <a:gs pos="50000">
+              <a:schemeClr val="phClr">
+                <a:tint val="98000"/>
+                <a:satMod val="130000"/>
+                <a:shade val="90000"/>
+                <a:lumMod val="103000"/>
+              </a:schemeClr>
+            </a:gs>
+            <a:gs pos="100000">
+              <a:schemeClr val="phClr">
+                <a:shade val="63000"/>
+                <a:satMod val="120000"/>
+              </a:schemeClr>
+            </a:gs>
+          </a:gsLst>
+          <a:lin ang="5400000" scaled="0"/>
+        </a:gradFill>
+      </a:bgFillStyleLst>
+    </a:fmtScheme>
+  </a:themeElements>
+  <a:objectDefaults/>
+  <a:extraClrSchemeLst/>
+  <a:extLst>
+    <a:ext uri="{05A4C25C-085E-4340-85A3-A5531E510DB2}">
+      <thm15:themeFamily xmlns:thm15="http://schemas.microsoft.com/office/thememl/2012/main" name="Office Theme" id="{62F939B6-93AF-4DB8-9C6B-D6C7DFDC589F}" vid="{4A3C46E8-61CC-4603-A589-7422A47A8E4A}"/>
+    </a:ext>
+  </a:extLst>
+</a:theme>
+</file>
+
 <file path=ppt/webextensions/taskpanes.xml><?xml version="1.0" encoding="utf-8"?>
 <wetp:taskpanes xmlns:wetp="http://schemas.microsoft.com/office/webextensions/taskpanes/2010/11">
   <wetp:taskpane dockstate="right" visibility="0" width="525" row="2">
     <wetp:webextensionref xmlns:r="http://schemas.openxmlformats.org/officeDocument/2006/relationships" r:id="rId1"/>
+  </wetp:taskpane>
+  <wetp:taskpane dockstate="right" visibility="0" width="350" row="0">
+    <wetp:webextensionref xmlns:r="http://schemas.openxmlformats.org/officeDocument/2006/relationships" r:id="rId2"/>
   </wetp:taskpane>
 </wetp:taskpanes>
 </file>
@@ -6425,4 +9772,16 @@
   <we:bindings/>
   <we:snapshot xmlns:r="http://schemas.openxmlformats.org/officeDocument/2006/relationships"/>
 </we:webextension>
+</file>
+
+<file path=ppt/webextensions/webextension2.xml><?xml version="1.0" encoding="utf-8"?>
+<we:webextension xmlns:we="http://schemas.microsoft.com/office/webextensions/webextension/2010/11" id="{8033033E-B9D6-40FC-AEB6-2710583A23BD}">
+  <we:reference id="wa200000113" version="1.0.0.0" store="en-US" storeType="OMEX"/>
+  <we:alternateReferences>
+    <we:reference id="wa200000113" version="1.0.0.0" store="wa200000113" storeType="OMEX"/>
+  </we:alternateReferences>
+  <we:properties/>
+  <we:bindings/>
+  <we:snapshot xmlns:r="http://schemas.openxmlformats.org/officeDocument/2006/relationships"/>
+</we:webextension>
 </file>
--- a/Presentation.pptx
+++ b/Presentation.pptx
@@ -134,12 +134,12 @@
   <pc:docChgLst>
     <pc:chgData name="Howard Zeng" userId="b3a49412108e13ba" providerId="LiveId" clId="{BCC94F81-CC70-406E-BFFC-3B9E7FA9D0DE}"/>
     <pc:docChg chg="undo redo custSel addSld modSld sldOrd">
-      <pc:chgData name="Howard Zeng" userId="b3a49412108e13ba" providerId="LiveId" clId="{BCC94F81-CC70-406E-BFFC-3B9E7FA9D0DE}" dt="2023-11-28T21:23:57.097" v="3436"/>
+      <pc:chgData name="Howard Zeng" userId="b3a49412108e13ba" providerId="LiveId" clId="{BCC94F81-CC70-406E-BFFC-3B9E7FA9D0DE}" dt="2023-11-28T21:28:52.629" v="3439" actId="1076"/>
       <pc:docMkLst>
         <pc:docMk/>
       </pc:docMkLst>
       <pc:sldChg chg="addSp delSp modSp mod">
-        <pc:chgData name="Howard Zeng" userId="b3a49412108e13ba" providerId="LiveId" clId="{BCC94F81-CC70-406E-BFFC-3B9E7FA9D0DE}" dt="2023-11-28T20:53:27.746" v="2704" actId="1076"/>
+        <pc:chgData name="Howard Zeng" userId="b3a49412108e13ba" providerId="LiveId" clId="{BCC94F81-CC70-406E-BFFC-3B9E7FA9D0DE}" dt="2023-11-28T21:28:52.629" v="3439" actId="1076"/>
         <pc:sldMkLst>
           <pc:docMk/>
           <pc:sldMk cId="2306690312" sldId="257"/>
@@ -192,6 +192,14 @@
             <ac:picMk id="5" creationId="{96FEDACF-8985-78EB-4818-0EB39B16BEE1}"/>
           </ac:picMkLst>
         </pc:picChg>
+        <pc:picChg chg="add mod">
+          <ac:chgData name="Howard Zeng" userId="b3a49412108e13ba" providerId="LiveId" clId="{BCC94F81-CC70-406E-BFFC-3B9E7FA9D0DE}" dt="2023-11-28T21:28:52.629" v="3439" actId="1076"/>
+          <ac:picMkLst>
+            <pc:docMk/>
+            <pc:sldMk cId="2306690312" sldId="257"/>
+            <ac:picMk id="6" creationId="{12DD1818-8064-7006-BE30-09773BA67FEA}"/>
+          </ac:picMkLst>
+        </pc:picChg>
         <pc:picChg chg="add del mod">
           <ac:chgData name="Howard Zeng" userId="b3a49412108e13ba" providerId="LiveId" clId="{BCC94F81-CC70-406E-BFFC-3B9E7FA9D0DE}" dt="2023-11-28T20:04:30.162" v="8" actId="21"/>
           <ac:picMkLst>
@@ -208,8 +216,8 @@
             <ac:picMk id="10" creationId="{8ED552D3-AE8C-09E7-205C-D6158C6F41FD}"/>
           </ac:picMkLst>
         </pc:picChg>
-        <pc:picChg chg="add mod">
-          <ac:chgData name="Howard Zeng" userId="b3a49412108e13ba" providerId="LiveId" clId="{BCC94F81-CC70-406E-BFFC-3B9E7FA9D0DE}" dt="2023-11-28T20:04:57.045" v="75" actId="1076"/>
+        <pc:picChg chg="add del mod">
+          <ac:chgData name="Howard Zeng" userId="b3a49412108e13ba" providerId="LiveId" clId="{BCC94F81-CC70-406E-BFFC-3B9E7FA9D0DE}" dt="2023-11-28T21:28:50.123" v="3437" actId="478"/>
           <ac:picMkLst>
             <pc:docMk/>
             <pc:sldMk cId="2306690312" sldId="257"/>
@@ -7776,36 +7784,6 @@
           </a:p>
         </p:txBody>
       </p:sp>
-      <p:pic>
-        <p:nvPicPr>
-          <p:cNvPr id="11" name="Picture 10">
-            <a:extLst>
-              <a:ext uri="{FF2B5EF4-FFF2-40B4-BE49-F238E27FC236}">
-                <a16:creationId xmlns:a16="http://schemas.microsoft.com/office/drawing/2014/main" id="{0261FE6F-5105-FC1C-7DE8-758304BD7961}"/>
-              </a:ext>
-            </a:extLst>
-          </p:cNvPr>
-          <p:cNvPicPr>
-            <a:picLocks noChangeAspect="1"/>
-          </p:cNvPicPr>
-          <p:nvPr/>
-        </p:nvPicPr>
-        <p:blipFill>
-          <a:blip r:embed="rId2"/>
-          <a:stretch>
-            <a:fillRect/>
-          </a:stretch>
-        </p:blipFill>
-        <p:spPr>
-          <a:xfrm>
-            <a:off x="1029588" y="2357552"/>
-            <a:ext cx="5710410" cy="3287484"/>
-          </a:xfrm>
-          <a:prstGeom prst="rect">
-            <a:avLst/>
-          </a:prstGeom>
-        </p:spPr>
-      </p:pic>
       <p:sp>
         <p:nvSpPr>
           <p:cNvPr id="3" name="AutoShape 2" descr="A metaphorical illustration of the GameStop short squeeze phenomenon. The scene depicts a giant, anthropomorphized stock market bull, symbolizing the bullish investors, wrestling with a bear, representing the short sellers, in a crowded urban setting. The bull is overpowering the bear, symbolizing the unexpected rise in GameStop's stock. Surrounding them are amazed and cheering crowds of diverse individuals, representing the general public and small investors, witnessing this financial showdown. The background is filled with skyscrapers, symbolizing the financial district.">
@@ -7866,7 +7844,7 @@
           <p:nvPr/>
         </p:nvPicPr>
         <p:blipFill>
-          <a:blip r:embed="rId3">
+          <a:blip r:embed="rId2">
             <a:extLst>
               <a:ext uri="{28A0092B-C50C-407E-A947-70E740481C1C}">
                 <a14:useLocalDpi xmlns:a14="http://schemas.microsoft.com/office/drawing/2010/main" val="0"/>
@@ -7881,6 +7859,36 @@
           <a:xfrm>
             <a:off x="5334000" y="0"/>
             <a:ext cx="6858000" cy="6858000"/>
+          </a:xfrm>
+          <a:prstGeom prst="rect">
+            <a:avLst/>
+          </a:prstGeom>
+        </p:spPr>
+      </p:pic>
+      <p:pic>
+        <p:nvPicPr>
+          <p:cNvPr id="6" name="Picture 5">
+            <a:extLst>
+              <a:ext uri="{FF2B5EF4-FFF2-40B4-BE49-F238E27FC236}">
+                <a16:creationId xmlns:a16="http://schemas.microsoft.com/office/drawing/2014/main" id="{12DD1818-8064-7006-BE30-09773BA67FEA}"/>
+              </a:ext>
+            </a:extLst>
+          </p:cNvPr>
+          <p:cNvPicPr>
+            <a:picLocks noChangeAspect="1"/>
+          </p:cNvPicPr>
+          <p:nvPr/>
+        </p:nvPicPr>
+        <p:blipFill>
+          <a:blip r:embed="rId3"/>
+          <a:stretch>
+            <a:fillRect/>
+          </a:stretch>
+        </p:blipFill>
+        <p:spPr>
+          <a:xfrm>
+            <a:off x="-12627" y="-43543"/>
+            <a:ext cx="11912453" cy="6858000"/>
           </a:xfrm>
           <a:prstGeom prst="rect">
             <a:avLst/>

--- a/Presentation.pptx
+++ b/Presentation.pptx
@@ -134,12 +134,12 @@
   <pc:docChgLst>
     <pc:chgData name="Howard Zeng" userId="b3a49412108e13ba" providerId="LiveId" clId="{BCC94F81-CC70-406E-BFFC-3B9E7FA9D0DE}"/>
     <pc:docChg chg="undo redo custSel addSld modSld sldOrd">
-      <pc:chgData name="Howard Zeng" userId="b3a49412108e13ba" providerId="LiveId" clId="{BCC94F81-CC70-406E-BFFC-3B9E7FA9D0DE}" dt="2023-11-28T21:28:52.629" v="3439" actId="1076"/>
+      <pc:chgData name="Howard Zeng" userId="b3a49412108e13ba" providerId="LiveId" clId="{BCC94F81-CC70-406E-BFFC-3B9E7FA9D0DE}" dt="2023-11-28T21:30:48.312" v="3441" actId="22"/>
       <pc:docMkLst>
         <pc:docMk/>
       </pc:docMkLst>
       <pc:sldChg chg="addSp delSp modSp mod">
-        <pc:chgData name="Howard Zeng" userId="b3a49412108e13ba" providerId="LiveId" clId="{BCC94F81-CC70-406E-BFFC-3B9E7FA9D0DE}" dt="2023-11-28T21:28:52.629" v="3439" actId="1076"/>
+        <pc:chgData name="Howard Zeng" userId="b3a49412108e13ba" providerId="LiveId" clId="{BCC94F81-CC70-406E-BFFC-3B9E7FA9D0DE}" dt="2023-11-28T21:30:48.312" v="3441" actId="22"/>
         <pc:sldMkLst>
           <pc:docMk/>
           <pc:sldMk cId="2306690312" sldId="257"/>
@@ -192,12 +192,20 @@
             <ac:picMk id="5" creationId="{96FEDACF-8985-78EB-4818-0EB39B16BEE1}"/>
           </ac:picMkLst>
         </pc:picChg>
-        <pc:picChg chg="add mod">
-          <ac:chgData name="Howard Zeng" userId="b3a49412108e13ba" providerId="LiveId" clId="{BCC94F81-CC70-406E-BFFC-3B9E7FA9D0DE}" dt="2023-11-28T21:28:52.629" v="3439" actId="1076"/>
+        <pc:picChg chg="add del mod">
+          <ac:chgData name="Howard Zeng" userId="b3a49412108e13ba" providerId="LiveId" clId="{BCC94F81-CC70-406E-BFFC-3B9E7FA9D0DE}" dt="2023-11-28T21:30:21.703" v="3440" actId="478"/>
           <ac:picMkLst>
             <pc:docMk/>
             <pc:sldMk cId="2306690312" sldId="257"/>
             <ac:picMk id="6" creationId="{12DD1818-8064-7006-BE30-09773BA67FEA}"/>
+          </ac:picMkLst>
+        </pc:picChg>
+        <pc:picChg chg="add">
+          <ac:chgData name="Howard Zeng" userId="b3a49412108e13ba" providerId="LiveId" clId="{BCC94F81-CC70-406E-BFFC-3B9E7FA9D0DE}" dt="2023-11-28T21:30:48.312" v="3441" actId="22"/>
+          <ac:picMkLst>
+            <pc:docMk/>
+            <pc:sldMk cId="2306690312" sldId="257"/>
+            <ac:picMk id="8" creationId="{FAE67FE9-130C-E481-174E-6A5730FD4630}"/>
           </ac:picMkLst>
         </pc:picChg>
         <pc:picChg chg="add del mod">
@@ -7867,10 +7875,10 @@
       </p:pic>
       <p:pic>
         <p:nvPicPr>
-          <p:cNvPr id="6" name="Picture 5">
+          <p:cNvPr id="8" name="Picture 7">
             <a:extLst>
               <a:ext uri="{FF2B5EF4-FFF2-40B4-BE49-F238E27FC236}">
-                <a16:creationId xmlns:a16="http://schemas.microsoft.com/office/drawing/2014/main" id="{12DD1818-8064-7006-BE30-09773BA67FEA}"/>
+                <a16:creationId xmlns:a16="http://schemas.microsoft.com/office/drawing/2014/main" id="{FAE67FE9-130C-E481-174E-6A5730FD4630}"/>
               </a:ext>
             </a:extLst>
           </p:cNvPr>
@@ -7887,8 +7895,8 @@
         </p:blipFill>
         <p:spPr>
           <a:xfrm>
-            <a:off x="-12627" y="-43543"/>
-            <a:ext cx="11912453" cy="6858000"/>
+            <a:off x="261169" y="0"/>
+            <a:ext cx="11669661" cy="6858000"/>
           </a:xfrm>
           <a:prstGeom prst="rect">
             <a:avLst/>

--- a/Presentation.pptx
+++ b/Presentation.pptx
@@ -5,7 +5,7 @@
     <p:sldMasterId id="2147483673" r:id="rId1"/>
   </p:sldMasterIdLst>
   <p:notesMasterIdLst>
-    <p:notesMasterId r:id="rId17"/>
+    <p:notesMasterId r:id="rId18"/>
   </p:notesMasterIdLst>
   <p:sldIdLst>
     <p:sldId id="256" r:id="rId2"/>
@@ -16,13 +16,14 @@
     <p:sldId id="258" r:id="rId7"/>
     <p:sldId id="260" r:id="rId8"/>
     <p:sldId id="259" r:id="rId9"/>
-    <p:sldId id="267" r:id="rId10"/>
+    <p:sldId id="271" r:id="rId10"/>
     <p:sldId id="266" r:id="rId11"/>
-    <p:sldId id="261" r:id="rId12"/>
-    <p:sldId id="265" r:id="rId13"/>
-    <p:sldId id="262" r:id="rId14"/>
-    <p:sldId id="268" r:id="rId15"/>
-    <p:sldId id="269" r:id="rId16"/>
+    <p:sldId id="272" r:id="rId12"/>
+    <p:sldId id="261" r:id="rId13"/>
+    <p:sldId id="265" r:id="rId14"/>
+    <p:sldId id="262" r:id="rId15"/>
+    <p:sldId id="268" r:id="rId16"/>
+    <p:sldId id="269" r:id="rId17"/>
   </p:sldIdLst>
   <p:sldSz cx="12192000" cy="6858000"/>
   <p:notesSz cx="6858000" cy="9144000"/>
@@ -129,23 +130,58 @@
 </p:presentation>
 </file>
 
+<file path=ppt/commentAuthors.xml><?xml version="1.0" encoding="utf-8"?>
+<p:cmAuthorLst xmlns:a="http://schemas.openxmlformats.org/drawingml/2006/main" xmlns:r="http://schemas.openxmlformats.org/officeDocument/2006/relationships" xmlns:p="http://schemas.openxmlformats.org/presentationml/2006/main">
+  <p:cmAuthor id="1" name="Howard Zeng" initials="HZ" lastIdx="1" clrIdx="0">
+    <p:extLst>
+      <p:ext uri="{19B8F6BF-5375-455C-9EA6-DF929625EA0E}">
+        <p15:presenceInfo xmlns:p15="http://schemas.microsoft.com/office/powerpoint/2012/main" userId="b3a49412108e13ba" providerId="Windows Live"/>
+      </p:ext>
+    </p:extLst>
+  </p:cmAuthor>
+</p:cmAuthorLst>
+</file>
+
 <file path=ppt/changesInfos/changesInfo1.xml><?xml version="1.0" encoding="utf-8"?>
 <pc:chgInfo xmlns:a="http://schemas.openxmlformats.org/drawingml/2006/main" xmlns:r="http://schemas.openxmlformats.org/officeDocument/2006/relationships" xmlns:ac="http://schemas.microsoft.com/office/drawing/2013/main/command" xmlns:pc="http://schemas.microsoft.com/office/powerpoint/2013/main/command">
   <pc:docChgLst>
     <pc:chgData name="Howard Zeng" userId="b3a49412108e13ba" providerId="LiveId" clId="{BCC94F81-CC70-406E-BFFC-3B9E7FA9D0DE}"/>
-    <pc:docChg chg="undo redo custSel addSld modSld sldOrd">
-      <pc:chgData name="Howard Zeng" userId="b3a49412108e13ba" providerId="LiveId" clId="{BCC94F81-CC70-406E-BFFC-3B9E7FA9D0DE}" dt="2023-11-28T21:30:48.312" v="3441" actId="22"/>
+    <pc:docChg chg="undo redo custSel addSld delSld modSld sldOrd modMainMaster">
+      <pc:chgData name="Howard Zeng" userId="b3a49412108e13ba" providerId="LiveId" clId="{BCC94F81-CC70-406E-BFFC-3B9E7FA9D0DE}" dt="2023-11-28T22:16:00.638" v="5094" actId="20577"/>
       <pc:docMkLst>
         <pc:docMk/>
       </pc:docMkLst>
+      <pc:sldChg chg="modSp">
+        <pc:chgData name="Howard Zeng" userId="b3a49412108e13ba" providerId="LiveId" clId="{BCC94F81-CC70-406E-BFFC-3B9E7FA9D0DE}" dt="2023-11-28T22:03:13.104" v="4030"/>
+        <pc:sldMkLst>
+          <pc:docMk/>
+          <pc:sldMk cId="2691266523" sldId="256"/>
+        </pc:sldMkLst>
+        <pc:spChg chg="mod">
+          <ac:chgData name="Howard Zeng" userId="b3a49412108e13ba" providerId="LiveId" clId="{BCC94F81-CC70-406E-BFFC-3B9E7FA9D0DE}" dt="2023-11-28T22:03:13.103" v="4028"/>
+          <ac:spMkLst>
+            <pc:docMk/>
+            <pc:sldMk cId="2691266523" sldId="256"/>
+            <ac:spMk id="2" creationId="{08973243-9354-FD22-3123-7498864524B6}"/>
+          </ac:spMkLst>
+        </pc:spChg>
+        <pc:spChg chg="mod">
+          <ac:chgData name="Howard Zeng" userId="b3a49412108e13ba" providerId="LiveId" clId="{BCC94F81-CC70-406E-BFFC-3B9E7FA9D0DE}" dt="2023-11-28T22:03:13.104" v="4030"/>
+          <ac:spMkLst>
+            <pc:docMk/>
+            <pc:sldMk cId="2691266523" sldId="256"/>
+            <ac:spMk id="3" creationId="{45EC5D4E-B8FA-2CAA-1C7C-F609CA9B0185}"/>
+          </ac:spMkLst>
+        </pc:spChg>
+      </pc:sldChg>
       <pc:sldChg chg="addSp delSp modSp mod">
-        <pc:chgData name="Howard Zeng" userId="b3a49412108e13ba" providerId="LiveId" clId="{BCC94F81-CC70-406E-BFFC-3B9E7FA9D0DE}" dt="2023-11-28T21:30:48.312" v="3441" actId="22"/>
+        <pc:chgData name="Howard Zeng" userId="b3a49412108e13ba" providerId="LiveId" clId="{BCC94F81-CC70-406E-BFFC-3B9E7FA9D0DE}" dt="2023-11-28T22:05:41.825" v="4285" actId="1076"/>
         <pc:sldMkLst>
           <pc:docMk/>
           <pc:sldMk cId="2306690312" sldId="257"/>
         </pc:sldMkLst>
         <pc:spChg chg="mod">
-          <ac:chgData name="Howard Zeng" userId="b3a49412108e13ba" providerId="LiveId" clId="{BCC94F81-CC70-406E-BFFC-3B9E7FA9D0DE}" dt="2023-11-28T20:05:06.015" v="78" actId="20577"/>
+          <ac:chgData name="Howard Zeng" userId="b3a49412108e13ba" providerId="LiveId" clId="{BCC94F81-CC70-406E-BFFC-3B9E7FA9D0DE}" dt="2023-11-28T22:03:13.117" v="4032" actId="947"/>
           <ac:spMkLst>
             <pc:docMk/>
             <pc:sldMk cId="2306690312" sldId="257"/>
@@ -169,7 +205,7 @@
           </ac:spMkLst>
         </pc:spChg>
         <pc:spChg chg="add mod">
-          <ac:chgData name="Howard Zeng" userId="b3a49412108e13ba" providerId="LiveId" clId="{BCC94F81-CC70-406E-BFFC-3B9E7FA9D0DE}" dt="2023-11-28T20:04:52.436" v="73" actId="15"/>
+          <ac:chgData name="Howard Zeng" userId="b3a49412108e13ba" providerId="LiveId" clId="{BCC94F81-CC70-406E-BFFC-3B9E7FA9D0DE}" dt="2023-11-28T22:03:13.119" v="4034" actId="947"/>
           <ac:spMkLst>
             <pc:docMk/>
             <pc:sldMk cId="2306690312" sldId="257"/>
@@ -185,7 +221,7 @@
           </ac:picMkLst>
         </pc:picChg>
         <pc:picChg chg="add mod">
-          <ac:chgData name="Howard Zeng" userId="b3a49412108e13ba" providerId="LiveId" clId="{BCC94F81-CC70-406E-BFFC-3B9E7FA9D0DE}" dt="2023-11-28T20:53:27.746" v="2704" actId="1076"/>
+          <ac:chgData name="Howard Zeng" userId="b3a49412108e13ba" providerId="LiveId" clId="{BCC94F81-CC70-406E-BFFC-3B9E7FA9D0DE}" dt="2023-11-28T22:05:41.825" v="4285" actId="1076"/>
           <ac:picMkLst>
             <pc:docMk/>
             <pc:sldMk cId="2306690312" sldId="257"/>
@@ -200,8 +236,8 @@
             <ac:picMk id="6" creationId="{12DD1818-8064-7006-BE30-09773BA67FEA}"/>
           </ac:picMkLst>
         </pc:picChg>
-        <pc:picChg chg="add">
-          <ac:chgData name="Howard Zeng" userId="b3a49412108e13ba" providerId="LiveId" clId="{BCC94F81-CC70-406E-BFFC-3B9E7FA9D0DE}" dt="2023-11-28T21:30:48.312" v="3441" actId="22"/>
+        <pc:picChg chg="add mod">
+          <ac:chgData name="Howard Zeng" userId="b3a49412108e13ba" providerId="LiveId" clId="{BCC94F81-CC70-406E-BFFC-3B9E7FA9D0DE}" dt="2023-11-28T22:05:36.537" v="4284" actId="14100"/>
           <ac:picMkLst>
             <pc:docMk/>
             <pc:sldMk cId="2306690312" sldId="257"/>
@@ -234,11 +270,34 @@
         </pc:picChg>
       </pc:sldChg>
       <pc:sldChg chg="modSp mod">
-        <pc:chgData name="Howard Zeng" userId="b3a49412108e13ba" providerId="LiveId" clId="{BCC94F81-CC70-406E-BFFC-3B9E7FA9D0DE}" dt="2023-11-28T20:31:01.727" v="1857"/>
+        <pc:chgData name="Howard Zeng" userId="b3a49412108e13ba" providerId="LiveId" clId="{BCC94F81-CC70-406E-BFFC-3B9E7FA9D0DE}" dt="2023-11-28T22:03:13.207" v="4080" actId="947"/>
+        <pc:sldMkLst>
+          <pc:docMk/>
+          <pc:sldMk cId="1556024807" sldId="258"/>
+        </pc:sldMkLst>
+        <pc:spChg chg="mod">
+          <ac:chgData name="Howard Zeng" userId="b3a49412108e13ba" providerId="LiveId" clId="{BCC94F81-CC70-406E-BFFC-3B9E7FA9D0DE}" dt="2023-11-28T22:03:13.207" v="4080" actId="947"/>
+          <ac:spMkLst>
+            <pc:docMk/>
+            <pc:sldMk cId="1556024807" sldId="258"/>
+            <ac:spMk id="2" creationId="{58E6628D-A37F-9D14-C17F-80A7A46772BA}"/>
+          </ac:spMkLst>
+        </pc:spChg>
+      </pc:sldChg>
+      <pc:sldChg chg="modSp mod">
+        <pc:chgData name="Howard Zeng" userId="b3a49412108e13ba" providerId="LiveId" clId="{BCC94F81-CC70-406E-BFFC-3B9E7FA9D0DE}" dt="2023-11-28T22:11:32.692" v="4420" actId="20577"/>
         <pc:sldMkLst>
           <pc:docMk/>
           <pc:sldMk cId="2212955399" sldId="259"/>
         </pc:sldMkLst>
+        <pc:spChg chg="mod">
+          <ac:chgData name="Howard Zeng" userId="b3a49412108e13ba" providerId="LiveId" clId="{BCC94F81-CC70-406E-BFFC-3B9E7FA9D0DE}" dt="2023-11-28T22:03:13.232" v="4084" actId="947"/>
+          <ac:spMkLst>
+            <pc:docMk/>
+            <pc:sldMk cId="2212955399" sldId="259"/>
+            <ac:spMk id="2" creationId="{B4A2F325-2C27-78B6-6139-FEE02451926A}"/>
+          </ac:spMkLst>
+        </pc:spChg>
         <pc:spChg chg="mod">
           <ac:chgData name="Howard Zeng" userId="b3a49412108e13ba" providerId="LiveId" clId="{BCC94F81-CC70-406E-BFFC-3B9E7FA9D0DE}" dt="2023-11-28T20:31:01.727" v="1857"/>
           <ac:spMkLst>
@@ -247,13 +306,29 @@
             <ac:spMk id="3" creationId="{B9FBC3D6-F324-C701-08FA-DC75906EA943}"/>
           </ac:spMkLst>
         </pc:spChg>
+        <pc:graphicFrameChg chg="mod">
+          <ac:chgData name="Howard Zeng" userId="b3a49412108e13ba" providerId="LiveId" clId="{BCC94F81-CC70-406E-BFFC-3B9E7FA9D0DE}" dt="2023-11-28T22:11:32.692" v="4420" actId="20577"/>
+          <ac:graphicFrameMkLst>
+            <pc:docMk/>
+            <pc:sldMk cId="2212955399" sldId="259"/>
+            <ac:graphicFrameMk id="5" creationId="{9914D4C5-7D21-36DE-1653-9FEEA1BF941D}"/>
+          </ac:graphicFrameMkLst>
+        </pc:graphicFrameChg>
       </pc:sldChg>
       <pc:sldChg chg="modSp mod">
-        <pc:chgData name="Howard Zeng" userId="b3a49412108e13ba" providerId="LiveId" clId="{BCC94F81-CC70-406E-BFFC-3B9E7FA9D0DE}" dt="2023-11-28T20:43:44.133" v="2014" actId="21"/>
+        <pc:chgData name="Howard Zeng" userId="b3a49412108e13ba" providerId="LiveId" clId="{BCC94F81-CC70-406E-BFFC-3B9E7FA9D0DE}" dt="2023-11-28T22:03:13.219" v="4082" actId="947"/>
         <pc:sldMkLst>
           <pc:docMk/>
           <pc:sldMk cId="1549926420" sldId="260"/>
         </pc:sldMkLst>
+        <pc:spChg chg="mod">
+          <ac:chgData name="Howard Zeng" userId="b3a49412108e13ba" providerId="LiveId" clId="{BCC94F81-CC70-406E-BFFC-3B9E7FA9D0DE}" dt="2023-11-28T22:03:13.219" v="4082" actId="947"/>
+          <ac:spMkLst>
+            <pc:docMk/>
+            <pc:sldMk cId="1549926420" sldId="260"/>
+            <ac:spMk id="2" creationId="{CEAF2F53-41E7-F537-FA40-23142D9BA81E}"/>
+          </ac:spMkLst>
+        </pc:spChg>
         <pc:spChg chg="mod">
           <ac:chgData name="Howard Zeng" userId="b3a49412108e13ba" providerId="LiveId" clId="{BCC94F81-CC70-406E-BFFC-3B9E7FA9D0DE}" dt="2023-11-28T20:43:44.133" v="2014" actId="21"/>
           <ac:spMkLst>
@@ -264,13 +339,13 @@
         </pc:spChg>
       </pc:sldChg>
       <pc:sldChg chg="addSp delSp modSp mod">
-        <pc:chgData name="Howard Zeng" userId="b3a49412108e13ba" providerId="LiveId" clId="{BCC94F81-CC70-406E-BFFC-3B9E7FA9D0DE}" dt="2023-11-28T20:43:13.168" v="1950" actId="1076"/>
+        <pc:chgData name="Howard Zeng" userId="b3a49412108e13ba" providerId="LiveId" clId="{BCC94F81-CC70-406E-BFFC-3B9E7FA9D0DE}" dt="2023-11-28T22:03:13.270" v="4088" actId="947"/>
         <pc:sldMkLst>
           <pc:docMk/>
           <pc:sldMk cId="3813925949" sldId="261"/>
         </pc:sldMkLst>
         <pc:spChg chg="mod">
-          <ac:chgData name="Howard Zeng" userId="b3a49412108e13ba" providerId="LiveId" clId="{BCC94F81-CC70-406E-BFFC-3B9E7FA9D0DE}" dt="2023-11-28T20:36:18.141" v="1872" actId="20577"/>
+          <ac:chgData name="Howard Zeng" userId="b3a49412108e13ba" providerId="LiveId" clId="{BCC94F81-CC70-406E-BFFC-3B9E7FA9D0DE}" dt="2023-11-28T22:03:13.270" v="4088" actId="947"/>
           <ac:spMkLst>
             <pc:docMk/>
             <pc:sldMk cId="3813925949" sldId="261"/>
@@ -319,13 +394,13 @@
         </pc:picChg>
       </pc:sldChg>
       <pc:sldChg chg="modSp mod">
-        <pc:chgData name="Howard Zeng" userId="b3a49412108e13ba" providerId="LiveId" clId="{BCC94F81-CC70-406E-BFFC-3B9E7FA9D0DE}" dt="2023-11-28T20:51:17.269" v="2683" actId="20577"/>
+        <pc:chgData name="Howard Zeng" userId="b3a49412108e13ba" providerId="LiveId" clId="{BCC94F81-CC70-406E-BFFC-3B9E7FA9D0DE}" dt="2023-11-28T22:16:00.638" v="5094" actId="20577"/>
         <pc:sldMkLst>
           <pc:docMk/>
           <pc:sldMk cId="932056654" sldId="262"/>
         </pc:sldMkLst>
         <pc:spChg chg="mod">
-          <ac:chgData name="Howard Zeng" userId="b3a49412108e13ba" providerId="LiveId" clId="{BCC94F81-CC70-406E-BFFC-3B9E7FA9D0DE}" dt="2023-11-28T20:43:56.629" v="2048" actId="20577"/>
+          <ac:chgData name="Howard Zeng" userId="b3a49412108e13ba" providerId="LiveId" clId="{BCC94F81-CC70-406E-BFFC-3B9E7FA9D0DE}" dt="2023-11-28T22:15:37.576" v="5070" actId="20577"/>
           <ac:spMkLst>
             <pc:docMk/>
             <pc:sldMk cId="932056654" sldId="262"/>
@@ -340,15 +415,23 @@
             <ac:spMk id="3" creationId="{0613C40C-6EA5-BDBA-ED10-FEC36C2637DF}"/>
           </ac:spMkLst>
         </pc:spChg>
+        <pc:graphicFrameChg chg="mod">
+          <ac:chgData name="Howard Zeng" userId="b3a49412108e13ba" providerId="LiveId" clId="{BCC94F81-CC70-406E-BFFC-3B9E7FA9D0DE}" dt="2023-11-28T22:16:00.638" v="5094" actId="20577"/>
+          <ac:graphicFrameMkLst>
+            <pc:docMk/>
+            <pc:sldMk cId="932056654" sldId="262"/>
+            <ac:graphicFrameMk id="33" creationId="{90900FF4-3B82-6ED4-FB40-8E4A46BD78C4}"/>
+          </ac:graphicFrameMkLst>
+        </pc:graphicFrameChg>
       </pc:sldChg>
       <pc:sldChg chg="modSp mod">
-        <pc:chgData name="Howard Zeng" userId="b3a49412108e13ba" providerId="LiveId" clId="{BCC94F81-CC70-406E-BFFC-3B9E7FA9D0DE}" dt="2023-11-28T20:17:44.884" v="1394" actId="20577"/>
+        <pc:chgData name="Howard Zeng" userId="b3a49412108e13ba" providerId="LiveId" clId="{BCC94F81-CC70-406E-BFFC-3B9E7FA9D0DE}" dt="2023-11-28T22:03:13.194" v="4078" actId="947"/>
         <pc:sldMkLst>
           <pc:docMk/>
           <pc:sldMk cId="809470355" sldId="263"/>
         </pc:sldMkLst>
         <pc:spChg chg="mod">
-          <ac:chgData name="Howard Zeng" userId="b3a49412108e13ba" providerId="LiveId" clId="{BCC94F81-CC70-406E-BFFC-3B9E7FA9D0DE}" dt="2023-11-28T20:12:28.557" v="640" actId="27636"/>
+          <ac:chgData name="Howard Zeng" userId="b3a49412108e13ba" providerId="LiveId" clId="{BCC94F81-CC70-406E-BFFC-3B9E7FA9D0DE}" dt="2023-11-28T22:03:13.194" v="4078" actId="947"/>
           <ac:spMkLst>
             <pc:docMk/>
             <pc:sldMk cId="809470355" sldId="263"/>
@@ -363,15 +446,23 @@
             <ac:spMk id="3" creationId="{D79DF5D8-FEF6-1DC2-CCA3-73C7E61033D4}"/>
           </ac:spMkLst>
         </pc:spChg>
+        <pc:graphicFrameChg chg="mod">
+          <ac:chgData name="Howard Zeng" userId="b3a49412108e13ba" providerId="LiveId" clId="{BCC94F81-CC70-406E-BFFC-3B9E7FA9D0DE}" dt="2023-11-28T21:58:10.453" v="3655"/>
+          <ac:graphicFrameMkLst>
+            <pc:docMk/>
+            <pc:sldMk cId="809470355" sldId="263"/>
+            <ac:graphicFrameMk id="31" creationId="{0D49B7B1-0032-5CD2-6448-5DB7E4A055D5}"/>
+          </ac:graphicFrameMkLst>
+        </pc:graphicFrameChg>
       </pc:sldChg>
       <pc:sldChg chg="addSp delSp modSp new mod modClrScheme chgLayout">
-        <pc:chgData name="Howard Zeng" userId="b3a49412108e13ba" providerId="LiveId" clId="{BCC94F81-CC70-406E-BFFC-3B9E7FA9D0DE}" dt="2023-11-28T21:21:52.503" v="3407" actId="478"/>
+        <pc:chgData name="Howard Zeng" userId="b3a49412108e13ba" providerId="LiveId" clId="{BCC94F81-CC70-406E-BFFC-3B9E7FA9D0DE}" dt="2023-11-28T22:08:44.757" v="4293"/>
         <pc:sldMkLst>
           <pc:docMk/>
           <pc:sldMk cId="209826715" sldId="264"/>
         </pc:sldMkLst>
         <pc:spChg chg="mod ord">
-          <ac:chgData name="Howard Zeng" userId="b3a49412108e13ba" providerId="LiveId" clId="{BCC94F81-CC70-406E-BFFC-3B9E7FA9D0DE}" dt="2023-11-28T20:12:15.808" v="626" actId="700"/>
+          <ac:chgData name="Howard Zeng" userId="b3a49412108e13ba" providerId="LiveId" clId="{BCC94F81-CC70-406E-BFFC-3B9E7FA9D0DE}" dt="2023-11-28T22:03:13.181" v="4076" actId="947"/>
           <ac:spMkLst>
             <pc:docMk/>
             <pc:sldMk cId="209826715" sldId="264"/>
@@ -834,6 +925,14 @@
             <ac:graphicFrameMk id="4" creationId="{2C4BD738-E895-97F2-6138-D13F35FF9B20}"/>
           </ac:graphicFrameMkLst>
         </pc:graphicFrameChg>
+        <pc:graphicFrameChg chg="mod">
+          <ac:chgData name="Howard Zeng" userId="b3a49412108e13ba" providerId="LiveId" clId="{BCC94F81-CC70-406E-BFFC-3B9E7FA9D0DE}" dt="2023-11-28T22:08:44.757" v="4293"/>
+          <ac:graphicFrameMkLst>
+            <pc:docMk/>
+            <pc:sldMk cId="209826715" sldId="264"/>
+            <ac:graphicFrameMk id="127" creationId="{A3361961-0EFC-53A1-1D87-5FB93ED1897D}"/>
+          </ac:graphicFrameMkLst>
+        </pc:graphicFrameChg>
         <pc:cxnChg chg="add del mod">
           <ac:chgData name="Howard Zeng" userId="b3a49412108e13ba" providerId="LiveId" clId="{BCC94F81-CC70-406E-BFFC-3B9E7FA9D0DE}" dt="2023-11-28T21:05:12.838" v="2900" actId="21"/>
           <ac:cxnSpMkLst>
@@ -906,8 +1005,8 @@
           </ac:picMkLst>
         </pc:picChg>
       </pc:sldChg>
-      <pc:sldChg chg="addSp delSp modSp add mod">
-        <pc:chgData name="Howard Zeng" userId="b3a49412108e13ba" providerId="LiveId" clId="{BCC94F81-CC70-406E-BFFC-3B9E7FA9D0DE}" dt="2023-11-28T20:42:02.082" v="1939" actId="22"/>
+      <pc:sldChg chg="addSp delSp modSp add mod setBg">
+        <pc:chgData name="Howard Zeng" userId="b3a49412108e13ba" providerId="LiveId" clId="{BCC94F81-CC70-406E-BFFC-3B9E7FA9D0DE}" dt="2023-11-28T22:15:13.208" v="5067" actId="1076"/>
         <pc:sldMkLst>
           <pc:docMk/>
           <pc:sldMk cId="2080524993" sldId="266"/>
@@ -936,6 +1035,22 @@
             <ac:spMk id="9" creationId="{DC924F18-4DC4-DCB1-0ECC-A1B2CAE506EA}"/>
           </ac:spMkLst>
         </pc:spChg>
+        <pc:picChg chg="add del mod">
+          <ac:chgData name="Howard Zeng" userId="b3a49412108e13ba" providerId="LiveId" clId="{BCC94F81-CC70-406E-BFFC-3B9E7FA9D0DE}" dt="2023-11-28T22:15:05.807" v="5064" actId="21"/>
+          <ac:picMkLst>
+            <pc:docMk/>
+            <pc:sldMk cId="2080524993" sldId="266"/>
+            <ac:picMk id="2" creationId="{29497358-DF7C-7766-2380-515D503413C0}"/>
+          </ac:picMkLst>
+        </pc:picChg>
+        <pc:picChg chg="add mod">
+          <ac:chgData name="Howard Zeng" userId="b3a49412108e13ba" providerId="LiveId" clId="{BCC94F81-CC70-406E-BFFC-3B9E7FA9D0DE}" dt="2023-11-28T22:15:13.208" v="5067" actId="1076"/>
+          <ac:picMkLst>
+            <pc:docMk/>
+            <pc:sldMk cId="2080524993" sldId="266"/>
+            <ac:picMk id="3" creationId="{81B08E27-C011-8223-52A0-200F7C48FD2F}"/>
+          </ac:picMkLst>
+        </pc:picChg>
         <pc:picChg chg="del">
           <ac:chgData name="Howard Zeng" userId="b3a49412108e13ba" providerId="LiveId" clId="{BCC94F81-CC70-406E-BFFC-3B9E7FA9D0DE}" dt="2023-11-28T20:37:55.885" v="1903" actId="478"/>
           <ac:picMkLst>
@@ -952,8 +1067,8 @@
             <ac:picMk id="7" creationId="{11C66A05-4764-6877-3D0B-88FDFD0BE331}"/>
           </ac:picMkLst>
         </pc:picChg>
-        <pc:picChg chg="add">
-          <ac:chgData name="Howard Zeng" userId="b3a49412108e13ba" providerId="LiveId" clId="{BCC94F81-CC70-406E-BFFC-3B9E7FA9D0DE}" dt="2023-11-28T20:42:02.082" v="1939" actId="22"/>
+        <pc:picChg chg="add del mod">
+          <ac:chgData name="Howard Zeng" userId="b3a49412108e13ba" providerId="LiveId" clId="{BCC94F81-CC70-406E-BFFC-3B9E7FA9D0DE}" dt="2023-11-28T22:14:09.579" v="4690" actId="21"/>
           <ac:picMkLst>
             <pc:docMk/>
             <pc:sldMk cId="2080524993" sldId="266"/>
@@ -961,14 +1076,14 @@
           </ac:picMkLst>
         </pc:picChg>
       </pc:sldChg>
-      <pc:sldChg chg="addSp delSp modSp add mod ord">
-        <pc:chgData name="Howard Zeng" userId="b3a49412108e13ba" providerId="LiveId" clId="{BCC94F81-CC70-406E-BFFC-3B9E7FA9D0DE}" dt="2023-11-28T20:43:03.714" v="1948" actId="14100"/>
+      <pc:sldChg chg="addSp delSp modSp add del mod ord setBg delAnim">
+        <pc:chgData name="Howard Zeng" userId="b3a49412108e13ba" providerId="LiveId" clId="{BCC94F81-CC70-406E-BFFC-3B9E7FA9D0DE}" dt="2023-11-28T22:13:57.034" v="4687" actId="2696"/>
         <pc:sldMkLst>
           <pc:docMk/>
           <pc:sldMk cId="3563214503" sldId="267"/>
         </pc:sldMkLst>
-        <pc:spChg chg="mod">
-          <ac:chgData name="Howard Zeng" userId="b3a49412108e13ba" providerId="LiveId" clId="{BCC94F81-CC70-406E-BFFC-3B9E7FA9D0DE}" dt="2023-11-28T20:38:01.587" v="1914" actId="27636"/>
+        <pc:spChg chg="del mod">
+          <ac:chgData name="Howard Zeng" userId="b3a49412108e13ba" providerId="LiveId" clId="{BCC94F81-CC70-406E-BFFC-3B9E7FA9D0DE}" dt="2023-11-28T22:13:37.576" v="4683" actId="21"/>
           <ac:spMkLst>
             <pc:docMk/>
             <pc:sldMk cId="3563214503" sldId="267"/>
@@ -983,6 +1098,30 @@
             <ac:spMk id="4" creationId="{C299253D-92A2-0255-DF0D-C280F82000BD}"/>
           </ac:spMkLst>
         </pc:spChg>
+        <pc:spChg chg="add mod">
+          <ac:chgData name="Howard Zeng" userId="b3a49412108e13ba" providerId="LiveId" clId="{BCC94F81-CC70-406E-BFFC-3B9E7FA9D0DE}" dt="2023-11-28T22:13:37.576" v="4683" actId="21"/>
+          <ac:spMkLst>
+            <pc:docMk/>
+            <pc:sldMk cId="3563214503" sldId="267"/>
+            <ac:spMk id="6" creationId="{1C0EDCBB-16B4-A777-ED82-0B0C3EB4F399}"/>
+          </ac:spMkLst>
+        </pc:spChg>
+        <pc:picChg chg="add del mod">
+          <ac:chgData name="Howard Zeng" userId="b3a49412108e13ba" providerId="LiveId" clId="{BCC94F81-CC70-406E-BFFC-3B9E7FA9D0DE}" dt="2023-11-28T22:13:28.939" v="4680" actId="21"/>
+          <ac:picMkLst>
+            <pc:docMk/>
+            <pc:sldMk cId="3563214503" sldId="267"/>
+            <ac:picMk id="3" creationId="{9333BC1F-E80B-7271-322A-45AF84DC600D}"/>
+          </ac:picMkLst>
+        </pc:picChg>
+        <pc:picChg chg="del">
+          <ac:chgData name="Howard Zeng" userId="b3a49412108e13ba" providerId="LiveId" clId="{BCC94F81-CC70-406E-BFFC-3B9E7FA9D0DE}" dt="2023-11-28T22:11:56.295" v="4421" actId="21"/>
+          <ac:picMkLst>
+            <pc:docMk/>
+            <pc:sldMk cId="3563214503" sldId="267"/>
+            <ac:picMk id="4" creationId="{4624B807-B1D7-EBB5-94ED-45E7E6BB8B20}"/>
+          </ac:picMkLst>
+        </pc:picChg>
         <pc:picChg chg="del">
           <ac:chgData name="Howard Zeng" userId="b3a49412108e13ba" providerId="LiveId" clId="{BCC94F81-CC70-406E-BFFC-3B9E7FA9D0DE}" dt="2023-11-28T20:42:42.115" v="1940" actId="478"/>
           <ac:picMkLst>
@@ -1001,13 +1140,13 @@
         </pc:picChg>
       </pc:sldChg>
       <pc:sldChg chg="modSp new mod">
-        <pc:chgData name="Howard Zeng" userId="b3a49412108e13ba" providerId="LiveId" clId="{BCC94F81-CC70-406E-BFFC-3B9E7FA9D0DE}" dt="2023-11-28T20:51:58.016" v="2687" actId="20577"/>
+        <pc:chgData name="Howard Zeng" userId="b3a49412108e13ba" providerId="LiveId" clId="{BCC94F81-CC70-406E-BFFC-3B9E7FA9D0DE}" dt="2023-11-28T22:03:13.308" v="4092"/>
         <pc:sldMkLst>
           <pc:docMk/>
           <pc:sldMk cId="3311984560" sldId="268"/>
         </pc:sldMkLst>
         <pc:spChg chg="mod">
-          <ac:chgData name="Howard Zeng" userId="b3a49412108e13ba" providerId="LiveId" clId="{BCC94F81-CC70-406E-BFFC-3B9E7FA9D0DE}" dt="2023-11-28T20:51:58.016" v="2687" actId="20577"/>
+          <ac:chgData name="Howard Zeng" userId="b3a49412108e13ba" providerId="LiveId" clId="{BCC94F81-CC70-406E-BFFC-3B9E7FA9D0DE}" dt="2023-11-28T22:03:13.308" v="4092"/>
           <ac:spMkLst>
             <pc:docMk/>
             <pc:sldMk cId="3311984560" sldId="268"/>
@@ -1016,13 +1155,13 @@
         </pc:spChg>
       </pc:sldChg>
       <pc:sldChg chg="delSp modSp new mod">
-        <pc:chgData name="Howard Zeng" userId="b3a49412108e13ba" providerId="LiveId" clId="{BCC94F81-CC70-406E-BFFC-3B9E7FA9D0DE}" dt="2023-11-28T20:52:38.529" v="2701" actId="478"/>
+        <pc:chgData name="Howard Zeng" userId="b3a49412108e13ba" providerId="LiveId" clId="{BCC94F81-CC70-406E-BFFC-3B9E7FA9D0DE}" dt="2023-11-28T22:03:13.322" v="4094" actId="947"/>
         <pc:sldMkLst>
           <pc:docMk/>
           <pc:sldMk cId="3919474522" sldId="269"/>
         </pc:sldMkLst>
         <pc:spChg chg="mod">
-          <ac:chgData name="Howard Zeng" userId="b3a49412108e13ba" providerId="LiveId" clId="{BCC94F81-CC70-406E-BFFC-3B9E7FA9D0DE}" dt="2023-11-28T20:52:36.848" v="2700" actId="20577"/>
+          <ac:chgData name="Howard Zeng" userId="b3a49412108e13ba" providerId="LiveId" clId="{BCC94F81-CC70-406E-BFFC-3B9E7FA9D0DE}" dt="2023-11-28T22:03:13.322" v="4094" actId="947"/>
           <ac:spMkLst>
             <pc:docMk/>
             <pc:sldMk cId="3919474522" sldId="269"/>
@@ -1038,8 +1177,8 @@
           </ac:spMkLst>
         </pc:spChg>
       </pc:sldChg>
-      <pc:sldChg chg="addSp delSp modSp new mod ord">
-        <pc:chgData name="Howard Zeng" userId="b3a49412108e13ba" providerId="LiveId" clId="{BCC94F81-CC70-406E-BFFC-3B9E7FA9D0DE}" dt="2023-11-28T21:23:57.097" v="3436"/>
+      <pc:sldChg chg="addSp delSp modSp new mod ord addCm delCm">
+        <pc:chgData name="Howard Zeng" userId="b3a49412108e13ba" providerId="LiveId" clId="{BCC94F81-CC70-406E-BFFC-3B9E7FA9D0DE}" dt="2023-11-28T22:05:07.959" v="4282" actId="1076"/>
         <pc:sldMkLst>
           <pc:docMk/>
           <pc:sldMk cId="4264775049" sldId="270"/>
@@ -1052,8 +1191,8 @@
             <ac:spMk id="2" creationId="{18ACCE65-1265-F9F5-70A8-B34B4557E4CD}"/>
           </ac:spMkLst>
         </pc:spChg>
-        <pc:spChg chg="add mod">
-          <ac:chgData name="Howard Zeng" userId="b3a49412108e13ba" providerId="LiveId" clId="{BCC94F81-CC70-406E-BFFC-3B9E7FA9D0DE}" dt="2023-11-28T21:20:06.784" v="3374" actId="164"/>
+        <pc:spChg chg="add del mod topLvl">
+          <ac:chgData name="Howard Zeng" userId="b3a49412108e13ba" providerId="LiveId" clId="{BCC94F81-CC70-406E-BFFC-3B9E7FA9D0DE}" dt="2023-11-28T21:59:11.863" v="3670" actId="478"/>
           <ac:spMkLst>
             <pc:docMk/>
             <pc:sldMk cId="4264775049" sldId="270"/>
@@ -1076,16 +1215,16 @@
             <ac:spMk id="5" creationId="{4D606A6B-768C-1615-54FD-5839123B292B}"/>
           </ac:spMkLst>
         </pc:spChg>
-        <pc:spChg chg="add mod">
-          <ac:chgData name="Howard Zeng" userId="b3a49412108e13ba" providerId="LiveId" clId="{BCC94F81-CC70-406E-BFFC-3B9E7FA9D0DE}" dt="2023-11-28T21:20:06.784" v="3374" actId="164"/>
+        <pc:spChg chg="add del mod topLvl">
+          <ac:chgData name="Howard Zeng" userId="b3a49412108e13ba" providerId="LiveId" clId="{BCC94F81-CC70-406E-BFFC-3B9E7FA9D0DE}" dt="2023-11-28T21:55:33.037" v="3616" actId="478"/>
           <ac:spMkLst>
             <pc:docMk/>
             <pc:sldMk cId="4264775049" sldId="270"/>
             <ac:spMk id="6" creationId="{AABEC764-2E4F-9FB5-B8B0-6ACA3E3CBD34}"/>
           </ac:spMkLst>
         </pc:spChg>
-        <pc:spChg chg="add del mod">
-          <ac:chgData name="Howard Zeng" userId="b3a49412108e13ba" providerId="LiveId" clId="{BCC94F81-CC70-406E-BFFC-3B9E7FA9D0DE}" dt="2023-11-28T21:20:06.784" v="3374" actId="164"/>
+        <pc:spChg chg="add del mod topLvl">
+          <ac:chgData name="Howard Zeng" userId="b3a49412108e13ba" providerId="LiveId" clId="{BCC94F81-CC70-406E-BFFC-3B9E7FA9D0DE}" dt="2023-11-28T22:04:43.459" v="4278" actId="164"/>
           <ac:spMkLst>
             <pc:docMk/>
             <pc:sldMk cId="4264775049" sldId="270"/>
@@ -1100,8 +1239,8 @@
             <ac:spMk id="9" creationId="{270D6F2F-E259-5413-A5B5-0087ACCE8A4E}"/>
           </ac:spMkLst>
         </pc:spChg>
-        <pc:spChg chg="add del mod">
-          <ac:chgData name="Howard Zeng" userId="b3a49412108e13ba" providerId="LiveId" clId="{BCC94F81-CC70-406E-BFFC-3B9E7FA9D0DE}" dt="2023-11-28T21:21:11.404" v="3390" actId="255"/>
+        <pc:spChg chg="add del mod topLvl">
+          <ac:chgData name="Howard Zeng" userId="b3a49412108e13ba" providerId="LiveId" clId="{BCC94F81-CC70-406E-BFFC-3B9E7FA9D0DE}" dt="2023-11-28T22:04:43.459" v="4278" actId="164"/>
           <ac:spMkLst>
             <pc:docMk/>
             <pc:sldMk cId="4264775049" sldId="270"/>
@@ -1116,8 +1255,8 @@
             <ac:spMk id="11" creationId="{078FA6C8-47B1-DBD7-F1BD-7FDB404BEFA2}"/>
           </ac:spMkLst>
         </pc:spChg>
-        <pc:spChg chg="add mod">
-          <ac:chgData name="Howard Zeng" userId="b3a49412108e13ba" providerId="LiveId" clId="{BCC94F81-CC70-406E-BFFC-3B9E7FA9D0DE}" dt="2023-11-28T21:20:06.784" v="3374" actId="164"/>
+        <pc:spChg chg="add del mod topLvl">
+          <ac:chgData name="Howard Zeng" userId="b3a49412108e13ba" providerId="LiveId" clId="{BCC94F81-CC70-406E-BFFC-3B9E7FA9D0DE}" dt="2023-11-28T22:00:15.295" v="3692" actId="478"/>
           <ac:spMkLst>
             <pc:docMk/>
             <pc:sldMk cId="4264775049" sldId="270"/>
@@ -1140,32 +1279,32 @@
             <ac:spMk id="14" creationId="{F013542E-4627-E312-7671-8DE90024E885}"/>
           </ac:spMkLst>
         </pc:spChg>
-        <pc:spChg chg="add mod">
-          <ac:chgData name="Howard Zeng" userId="b3a49412108e13ba" providerId="LiveId" clId="{BCC94F81-CC70-406E-BFFC-3B9E7FA9D0DE}" dt="2023-11-28T21:20:06.784" v="3374" actId="164"/>
+        <pc:spChg chg="add del mod topLvl">
+          <ac:chgData name="Howard Zeng" userId="b3a49412108e13ba" providerId="LiveId" clId="{BCC94F81-CC70-406E-BFFC-3B9E7FA9D0DE}" dt="2023-11-28T21:59:56.241" v="3685" actId="478"/>
           <ac:spMkLst>
             <pc:docMk/>
             <pc:sldMk cId="4264775049" sldId="270"/>
             <ac:spMk id="15" creationId="{024BD371-F180-2103-D376-DC036ED4DB89}"/>
           </ac:spMkLst>
         </pc:spChg>
-        <pc:spChg chg="add mod">
-          <ac:chgData name="Howard Zeng" userId="b3a49412108e13ba" providerId="LiveId" clId="{BCC94F81-CC70-406E-BFFC-3B9E7FA9D0DE}" dt="2023-11-28T21:20:06.784" v="3374" actId="164"/>
+        <pc:spChg chg="add del mod topLvl">
+          <ac:chgData name="Howard Zeng" userId="b3a49412108e13ba" providerId="LiveId" clId="{BCC94F81-CC70-406E-BFFC-3B9E7FA9D0DE}" dt="2023-11-28T21:56:05.442" v="3628" actId="478"/>
           <ac:spMkLst>
             <pc:docMk/>
             <pc:sldMk cId="4264775049" sldId="270"/>
             <ac:spMk id="16" creationId="{AD38DDFA-4309-4D2A-5C2B-706F29A7B51A}"/>
           </ac:spMkLst>
         </pc:spChg>
-        <pc:spChg chg="add mod">
-          <ac:chgData name="Howard Zeng" userId="b3a49412108e13ba" providerId="LiveId" clId="{BCC94F81-CC70-406E-BFFC-3B9E7FA9D0DE}" dt="2023-11-28T21:23:07.006" v="3434"/>
+        <pc:spChg chg="add mod topLvl">
+          <ac:chgData name="Howard Zeng" userId="b3a49412108e13ba" providerId="LiveId" clId="{BCC94F81-CC70-406E-BFFC-3B9E7FA9D0DE}" dt="2023-11-28T22:04:43.459" v="4278" actId="164"/>
           <ac:spMkLst>
             <pc:docMk/>
             <pc:sldMk cId="4264775049" sldId="270"/>
             <ac:spMk id="17" creationId="{B47F0692-071C-1D18-CAAB-3D8BCAD2ED69}"/>
           </ac:spMkLst>
         </pc:spChg>
-        <pc:spChg chg="add mod">
-          <ac:chgData name="Howard Zeng" userId="b3a49412108e13ba" providerId="LiveId" clId="{BCC94F81-CC70-406E-BFFC-3B9E7FA9D0DE}" dt="2023-11-28T21:20:06.784" v="3374" actId="164"/>
+        <pc:spChg chg="add del mod topLvl">
+          <ac:chgData name="Howard Zeng" userId="b3a49412108e13ba" providerId="LiveId" clId="{BCC94F81-CC70-406E-BFFC-3B9E7FA9D0DE}" dt="2023-11-28T22:00:35.620" v="3702" actId="478"/>
           <ac:spMkLst>
             <pc:docMk/>
             <pc:sldMk cId="4264775049" sldId="270"/>
@@ -1196,6 +1335,14 @@
             <ac:spMk id="21" creationId="{0F46F2E1-EBBF-3818-629D-E1853791D693}"/>
           </ac:spMkLst>
         </pc:spChg>
+        <pc:spChg chg="add del mod">
+          <ac:chgData name="Howard Zeng" userId="b3a49412108e13ba" providerId="LiveId" clId="{BCC94F81-CC70-406E-BFFC-3B9E7FA9D0DE}" dt="2023-11-28T22:01:10.397" v="3716" actId="478"/>
+          <ac:spMkLst>
+            <pc:docMk/>
+            <pc:sldMk cId="4264775049" sldId="270"/>
+            <ac:spMk id="22" creationId="{2C31BFB5-7710-BC89-90DA-57CEC5859F8F}"/>
+          </ac:spMkLst>
+        </pc:spChg>
         <pc:spChg chg="add del">
           <ac:chgData name="Howard Zeng" userId="b3a49412108e13ba" providerId="LiveId" clId="{BCC94F81-CC70-406E-BFFC-3B9E7FA9D0DE}" dt="2023-11-28T21:14:10.975" v="3263" actId="478"/>
           <ac:spMkLst>
@@ -1204,8 +1351,8 @@
             <ac:spMk id="22" creationId="{81ADC9A3-D97D-2041-6B95-209B50345407}"/>
           </ac:spMkLst>
         </pc:spChg>
-        <pc:spChg chg="add mod">
-          <ac:chgData name="Howard Zeng" userId="b3a49412108e13ba" providerId="LiveId" clId="{BCC94F81-CC70-406E-BFFC-3B9E7FA9D0DE}" dt="2023-11-28T21:20:06.784" v="3374" actId="164"/>
+        <pc:spChg chg="add del mod topLvl">
+          <ac:chgData name="Howard Zeng" userId="b3a49412108e13ba" providerId="LiveId" clId="{BCC94F81-CC70-406E-BFFC-3B9E7FA9D0DE}" dt="2023-11-28T22:00:21.782" v="3695" actId="478"/>
           <ac:spMkLst>
             <pc:docMk/>
             <pc:sldMk cId="4264775049" sldId="270"/>
@@ -1220,20 +1367,36 @@
             <ac:spMk id="24" creationId="{630B6897-7287-3FEE-7F22-A1326E6B1B81}"/>
           </ac:spMkLst>
         </pc:spChg>
-        <pc:spChg chg="add mod">
-          <ac:chgData name="Howard Zeng" userId="b3a49412108e13ba" providerId="LiveId" clId="{BCC94F81-CC70-406E-BFFC-3B9E7FA9D0DE}" dt="2023-11-28T21:21:18.188" v="3392" actId="255"/>
+        <pc:spChg chg="add mod topLvl">
+          <ac:chgData name="Howard Zeng" userId="b3a49412108e13ba" providerId="LiveId" clId="{BCC94F81-CC70-406E-BFFC-3B9E7FA9D0DE}" dt="2023-11-28T22:04:43.459" v="4278" actId="164"/>
           <ac:spMkLst>
             <pc:docMk/>
             <pc:sldMk cId="4264775049" sldId="270"/>
             <ac:spMk id="25" creationId="{E160AAFD-ACCC-969E-CB3D-118AEC18AF88}"/>
           </ac:spMkLst>
         </pc:spChg>
-        <pc:spChg chg="add mod">
-          <ac:chgData name="Howard Zeng" userId="b3a49412108e13ba" providerId="LiveId" clId="{BCC94F81-CC70-406E-BFFC-3B9E7FA9D0DE}" dt="2023-11-28T21:21:20.816" v="3393" actId="255"/>
+        <pc:spChg chg="add mod topLvl">
+          <ac:chgData name="Howard Zeng" userId="b3a49412108e13ba" providerId="LiveId" clId="{BCC94F81-CC70-406E-BFFC-3B9E7FA9D0DE}" dt="2023-11-28T22:04:43.459" v="4278" actId="164"/>
           <ac:spMkLst>
             <pc:docMk/>
             <pc:sldMk cId="4264775049" sldId="270"/>
             <ac:spMk id="26" creationId="{01095CC8-6A8A-62C7-0591-81E20118E21B}"/>
+          </ac:spMkLst>
+        </pc:spChg>
+        <pc:spChg chg="add mod">
+          <ac:chgData name="Howard Zeng" userId="b3a49412108e13ba" providerId="LiveId" clId="{BCC94F81-CC70-406E-BFFC-3B9E7FA9D0DE}" dt="2023-11-28T21:58:55.169" v="3665"/>
+          <ac:spMkLst>
+            <pc:docMk/>
+            <pc:sldMk cId="4264775049" sldId="270"/>
+            <ac:spMk id="27" creationId="{1D7B95E3-C21B-0EC1-1A62-0686B4417347}"/>
+          </ac:spMkLst>
+        </pc:spChg>
+        <pc:spChg chg="add mod">
+          <ac:chgData name="Howard Zeng" userId="b3a49412108e13ba" providerId="LiveId" clId="{BCC94F81-CC70-406E-BFFC-3B9E7FA9D0DE}" dt="2023-11-28T22:03:13.138" v="4044" actId="947"/>
+          <ac:spMkLst>
+            <pc:docMk/>
+            <pc:sldMk cId="4264775049" sldId="270"/>
+            <ac:spMk id="28" creationId="{4EE18B8B-1CA0-13CD-23A1-19D2869A591B}"/>
           </ac:spMkLst>
         </pc:spChg>
         <pc:spChg chg="add mod">
@@ -1252,6 +1415,22 @@
             <ac:spMk id="30" creationId="{91654399-386D-88BC-162A-5C6FD65CAEDA}"/>
           </ac:spMkLst>
         </pc:spChg>
+        <pc:spChg chg="add mod">
+          <ac:chgData name="Howard Zeng" userId="b3a49412108e13ba" providerId="LiveId" clId="{BCC94F81-CC70-406E-BFFC-3B9E7FA9D0DE}" dt="2023-11-28T21:58:59.735" v="3667"/>
+          <ac:spMkLst>
+            <pc:docMk/>
+            <pc:sldMk cId="4264775049" sldId="270"/>
+            <ac:spMk id="30" creationId="{D8A4A26E-89BA-ABB6-CF10-44C8447BAE4C}"/>
+          </ac:spMkLst>
+        </pc:spChg>
+        <pc:spChg chg="add mod">
+          <ac:chgData name="Howard Zeng" userId="b3a49412108e13ba" providerId="LiveId" clId="{BCC94F81-CC70-406E-BFFC-3B9E7FA9D0DE}" dt="2023-11-28T22:03:13.139" v="4046" actId="947"/>
+          <ac:spMkLst>
+            <pc:docMk/>
+            <pc:sldMk cId="4264775049" sldId="270"/>
+            <ac:spMk id="31" creationId="{0C9AB627-06CC-6666-35FF-9A96465949DC}"/>
+          </ac:spMkLst>
+        </pc:spChg>
         <pc:spChg chg="add del">
           <ac:chgData name="Howard Zeng" userId="b3a49412108e13ba" providerId="LiveId" clId="{BCC94F81-CC70-406E-BFFC-3B9E7FA9D0DE}" dt="2023-11-28T21:18:45.534" v="3356" actId="11529"/>
           <ac:spMkLst>
@@ -1260,14 +1439,78 @@
             <ac:spMk id="33" creationId="{6892A07A-4581-FB20-B8DC-3A9272912715}"/>
           </ac:spMkLst>
         </pc:spChg>
-        <pc:spChg chg="add mod">
-          <ac:chgData name="Howard Zeng" userId="b3a49412108e13ba" providerId="LiveId" clId="{BCC94F81-CC70-406E-BFFC-3B9E7FA9D0DE}" dt="2023-11-28T21:20:06.784" v="3374" actId="164"/>
+        <pc:spChg chg="add del">
+          <ac:chgData name="Howard Zeng" userId="b3a49412108e13ba" providerId="LiveId" clId="{BCC94F81-CC70-406E-BFFC-3B9E7FA9D0DE}" dt="2023-11-28T21:59:20.371" v="3677" actId="22"/>
+          <ac:spMkLst>
+            <pc:docMk/>
+            <pc:sldMk cId="4264775049" sldId="270"/>
+            <ac:spMk id="33" creationId="{8E41D0CF-EFBA-1A74-10C4-5F2C4FB861CA}"/>
+          </ac:spMkLst>
+        </pc:spChg>
+        <pc:spChg chg="add del mod topLvl">
+          <ac:chgData name="Howard Zeng" userId="b3a49412108e13ba" providerId="LiveId" clId="{BCC94F81-CC70-406E-BFFC-3B9E7FA9D0DE}" dt="2023-11-28T21:57:31.805" v="3642" actId="478"/>
           <ac:spMkLst>
             <pc:docMk/>
             <pc:sldMk cId="4264775049" sldId="270"/>
             <ac:spMk id="34" creationId="{C5E299EE-9044-0384-A4D7-90364ED2A5D7}"/>
           </ac:spMkLst>
         </pc:spChg>
+        <pc:spChg chg="mod">
+          <ac:chgData name="Howard Zeng" userId="b3a49412108e13ba" providerId="LiveId" clId="{BCC94F81-CC70-406E-BFFC-3B9E7FA9D0DE}" dt="2023-11-28T22:00:11.450" v="3689"/>
+          <ac:spMkLst>
+            <pc:docMk/>
+            <pc:sldMk cId="4264775049" sldId="270"/>
+            <ac:spMk id="39" creationId="{3EDDF19B-AF08-9CF8-8017-A02753F70F32}"/>
+          </ac:spMkLst>
+        </pc:spChg>
+        <pc:spChg chg="mod">
+          <ac:chgData name="Howard Zeng" userId="b3a49412108e13ba" providerId="LiveId" clId="{BCC94F81-CC70-406E-BFFC-3B9E7FA9D0DE}" dt="2023-11-28T22:03:13.140" v="4048" actId="947"/>
+          <ac:spMkLst>
+            <pc:docMk/>
+            <pc:sldMk cId="4264775049" sldId="270"/>
+            <ac:spMk id="40" creationId="{1369E530-E15D-8E00-D496-288B477F23FC}"/>
+          </ac:spMkLst>
+        </pc:spChg>
+        <pc:spChg chg="mod">
+          <ac:chgData name="Howard Zeng" userId="b3a49412108e13ba" providerId="LiveId" clId="{BCC94F81-CC70-406E-BFFC-3B9E7FA9D0DE}" dt="2023-11-28T22:00:28.979" v="3699"/>
+          <ac:spMkLst>
+            <pc:docMk/>
+            <pc:sldMk cId="4264775049" sldId="270"/>
+            <ac:spMk id="46" creationId="{55E5079D-E56A-7DCE-E849-32EA67B80317}"/>
+          </ac:spMkLst>
+        </pc:spChg>
+        <pc:spChg chg="mod">
+          <ac:chgData name="Howard Zeng" userId="b3a49412108e13ba" providerId="LiveId" clId="{BCC94F81-CC70-406E-BFFC-3B9E7FA9D0DE}" dt="2023-11-28T22:03:13.142" v="4050" actId="947"/>
+          <ac:spMkLst>
+            <pc:docMk/>
+            <pc:sldMk cId="4264775049" sldId="270"/>
+            <ac:spMk id="47" creationId="{C9FD0D27-FD39-4B8D-4A9F-ADA1CD27B68E}"/>
+          </ac:spMkLst>
+        </pc:spChg>
+        <pc:spChg chg="add mod">
+          <ac:chgData name="Howard Zeng" userId="b3a49412108e13ba" providerId="LiveId" clId="{BCC94F81-CC70-406E-BFFC-3B9E7FA9D0DE}" dt="2023-11-28T22:04:43.459" v="4278" actId="164"/>
+          <ac:spMkLst>
+            <pc:docMk/>
+            <pc:sldMk cId="4264775049" sldId="270"/>
+            <ac:spMk id="51" creationId="{2A0C9215-4D00-407A-13E1-7651057EEDAB}"/>
+          </ac:spMkLst>
+        </pc:spChg>
+        <pc:spChg chg="add mod">
+          <ac:chgData name="Howard Zeng" userId="b3a49412108e13ba" providerId="LiveId" clId="{BCC94F81-CC70-406E-BFFC-3B9E7FA9D0DE}" dt="2023-11-28T22:04:43.459" v="4278" actId="164"/>
+          <ac:spMkLst>
+            <pc:docMk/>
+            <pc:sldMk cId="4264775049" sldId="270"/>
+            <ac:spMk id="52" creationId="{B4DB743C-7CD0-F1AC-DF18-518CF7BBA2E5}"/>
+          </ac:spMkLst>
+        </pc:spChg>
+        <pc:grpChg chg="add del mod">
+          <ac:chgData name="Howard Zeng" userId="b3a49412108e13ba" providerId="LiveId" clId="{BCC94F81-CC70-406E-BFFC-3B9E7FA9D0DE}" dt="2023-11-28T22:04:43.459" v="4278" actId="164"/>
+          <ac:grpSpMkLst>
+            <pc:docMk/>
+            <pc:sldMk cId="4264775049" sldId="270"/>
+            <ac:grpSpMk id="24" creationId="{B945F95B-8724-814F-122F-F0EAE34CAA64}"/>
+          </ac:grpSpMkLst>
+        </pc:grpChg>
         <pc:grpChg chg="add del mod">
           <ac:chgData name="Howard Zeng" userId="b3a49412108e13ba" providerId="LiveId" clId="{BCC94F81-CC70-406E-BFFC-3B9E7FA9D0DE}" dt="2023-11-28T21:18:34.174" v="3354" actId="478"/>
           <ac:grpSpMkLst>
@@ -1276,12 +1519,44 @@
             <ac:grpSpMk id="28" creationId="{AD37F22A-7F47-A9C1-0F7B-F49D81DED81D}"/>
           </ac:grpSpMkLst>
         </pc:grpChg>
+        <pc:grpChg chg="add mod">
+          <ac:chgData name="Howard Zeng" userId="b3a49412108e13ba" providerId="LiveId" clId="{BCC94F81-CC70-406E-BFFC-3B9E7FA9D0DE}" dt="2023-11-28T22:04:43.459" v="4278" actId="164"/>
+          <ac:grpSpMkLst>
+            <pc:docMk/>
+            <pc:sldMk cId="4264775049" sldId="270"/>
+            <ac:grpSpMk id="29" creationId="{9DFC95DA-82AC-CC43-2E94-7DCE70E79159}"/>
+          </ac:grpSpMkLst>
+        </pc:grpChg>
         <pc:grpChg chg="add del mod">
-          <ac:chgData name="Howard Zeng" userId="b3a49412108e13ba" providerId="LiveId" clId="{BCC94F81-CC70-406E-BFFC-3B9E7FA9D0DE}" dt="2023-11-28T21:21:57.413" v="3408" actId="14100"/>
+          <ac:chgData name="Howard Zeng" userId="b3a49412108e13ba" providerId="LiveId" clId="{BCC94F81-CC70-406E-BFFC-3B9E7FA9D0DE}" dt="2023-11-28T21:55:31.911" v="3615" actId="165"/>
           <ac:grpSpMkLst>
             <pc:docMk/>
             <pc:sldMk cId="4264775049" sldId="270"/>
             <ac:grpSpMk id="35" creationId="{8995D329-A103-E7AC-E04D-9544EADF005B}"/>
+          </ac:grpSpMkLst>
+        </pc:grpChg>
+        <pc:grpChg chg="add mod">
+          <ac:chgData name="Howard Zeng" userId="b3a49412108e13ba" providerId="LiveId" clId="{BCC94F81-CC70-406E-BFFC-3B9E7FA9D0DE}" dt="2023-11-28T22:04:43.459" v="4278" actId="164"/>
+          <ac:grpSpMkLst>
+            <pc:docMk/>
+            <pc:sldMk cId="4264775049" sldId="270"/>
+            <ac:grpSpMk id="38" creationId="{9176D826-27F9-93E6-DB0C-3BF024B4D1D8}"/>
+          </ac:grpSpMkLst>
+        </pc:grpChg>
+        <pc:grpChg chg="add mod">
+          <ac:chgData name="Howard Zeng" userId="b3a49412108e13ba" providerId="LiveId" clId="{BCC94F81-CC70-406E-BFFC-3B9E7FA9D0DE}" dt="2023-11-28T22:04:43.459" v="4278" actId="164"/>
+          <ac:grpSpMkLst>
+            <pc:docMk/>
+            <pc:sldMk cId="4264775049" sldId="270"/>
+            <ac:grpSpMk id="45" creationId="{DCC5137E-FE54-1797-DE6C-819BCA13663E}"/>
+          </ac:grpSpMkLst>
+        </pc:grpChg>
+        <pc:grpChg chg="add mod">
+          <ac:chgData name="Howard Zeng" userId="b3a49412108e13ba" providerId="LiveId" clId="{BCC94F81-CC70-406E-BFFC-3B9E7FA9D0DE}" dt="2023-11-28T22:05:07.959" v="4282" actId="1076"/>
+          <ac:grpSpMkLst>
+            <pc:docMk/>
+            <pc:sldMk cId="4264775049" sldId="270"/>
+            <ac:grpSpMk id="53" creationId="{F85D90D8-26DA-FEEF-A999-BD923D3FDA92}"/>
           </ac:grpSpMkLst>
         </pc:grpChg>
         <pc:graphicFrameChg chg="add del mod modGraphic">
@@ -1308,7 +1583,254 @@
             <ac:picMk id="1026" creationId="{DB95E0BB-1A61-C928-4073-9240CABA6B4B}"/>
           </ac:picMkLst>
         </pc:picChg>
+        <pc:cxnChg chg="add del mod">
+          <ac:chgData name="Howard Zeng" userId="b3a49412108e13ba" providerId="LiveId" clId="{BCC94F81-CC70-406E-BFFC-3B9E7FA9D0DE}" dt="2023-11-28T21:55:55.724" v="3624" actId="478"/>
+          <ac:cxnSpMkLst>
+            <pc:docMk/>
+            <pc:sldMk cId="4264775049" sldId="270"/>
+            <ac:cxnSpMk id="2" creationId="{372A7F99-A171-9A90-F8AE-2989F3EA8AB1}"/>
+          </ac:cxnSpMkLst>
+        </pc:cxnChg>
+        <pc:cxnChg chg="add mod">
+          <ac:chgData name="Howard Zeng" userId="b3a49412108e13ba" providerId="LiveId" clId="{BCC94F81-CC70-406E-BFFC-3B9E7FA9D0DE}" dt="2023-11-28T22:04:43.459" v="4278" actId="164"/>
+          <ac:cxnSpMkLst>
+            <pc:docMk/>
+            <pc:sldMk cId="4264775049" sldId="270"/>
+            <ac:cxnSpMk id="11" creationId="{0BA4213E-366D-4065-7D23-E46E6AE05B2C}"/>
+          </ac:cxnSpMkLst>
+        </pc:cxnChg>
+        <pc:cxnChg chg="add mod">
+          <ac:chgData name="Howard Zeng" userId="b3a49412108e13ba" providerId="LiveId" clId="{BCC94F81-CC70-406E-BFFC-3B9E7FA9D0DE}" dt="2023-11-28T22:04:43.459" v="4278" actId="164"/>
+          <ac:cxnSpMkLst>
+            <pc:docMk/>
+            <pc:sldMk cId="4264775049" sldId="270"/>
+            <ac:cxnSpMk id="14" creationId="{EC097250-78A1-EEF6-F1DC-1019A5E9C09F}"/>
+          </ac:cxnSpMkLst>
+        </pc:cxnChg>
+        <pc:cxnChg chg="add del mod">
+          <ac:chgData name="Howard Zeng" userId="b3a49412108e13ba" providerId="LiveId" clId="{BCC94F81-CC70-406E-BFFC-3B9E7FA9D0DE}" dt="2023-11-28T22:04:11.875" v="4097" actId="478"/>
+          <ac:cxnSpMkLst>
+            <pc:docMk/>
+            <pc:sldMk cId="4264775049" sldId="270"/>
+            <ac:cxnSpMk id="42" creationId="{38369598-B537-5BC0-5340-CDD133BE5F03}"/>
+          </ac:cxnSpMkLst>
+        </pc:cxnChg>
       </pc:sldChg>
+      <pc:sldChg chg="addSp modSp new mod modAnim">
+        <pc:chgData name="Howard Zeng" userId="b3a49412108e13ba" providerId="LiveId" clId="{BCC94F81-CC70-406E-BFFC-3B9E7FA9D0DE}" dt="2023-11-28T22:13:50.606" v="4686" actId="1076"/>
+        <pc:sldMkLst>
+          <pc:docMk/>
+          <pc:sldMk cId="338603572" sldId="271"/>
+        </pc:sldMkLst>
+        <pc:spChg chg="add mod">
+          <ac:chgData name="Howard Zeng" userId="b3a49412108e13ba" providerId="LiveId" clId="{BCC94F81-CC70-406E-BFFC-3B9E7FA9D0DE}" dt="2023-11-28T22:13:50.606" v="4686" actId="1076"/>
+          <ac:spMkLst>
+            <pc:docMk/>
+            <pc:sldMk cId="338603572" sldId="271"/>
+            <ac:spMk id="3" creationId="{86C43DC5-0592-B63D-DF99-99EEE41ECB0E}"/>
+          </ac:spMkLst>
+        </pc:spChg>
+        <pc:picChg chg="add mod">
+          <ac:chgData name="Howard Zeng" userId="b3a49412108e13ba" providerId="LiveId" clId="{BCC94F81-CC70-406E-BFFC-3B9E7FA9D0DE}" dt="2023-11-28T22:13:43.454" v="4685" actId="1076"/>
+          <ac:picMkLst>
+            <pc:docMk/>
+            <pc:sldMk cId="338603572" sldId="271"/>
+            <ac:picMk id="2" creationId="{D314A107-32F4-CB85-DECB-A1C9C41378BF}"/>
+          </ac:picMkLst>
+        </pc:picChg>
+      </pc:sldChg>
+      <pc:sldChg chg="addSp delSp modSp add del mod setBg">
+        <pc:chgData name="Howard Zeng" userId="b3a49412108e13ba" providerId="LiveId" clId="{BCC94F81-CC70-406E-BFFC-3B9E7FA9D0DE}" dt="2023-11-28T22:03:25.652" v="4095" actId="47"/>
+        <pc:sldMkLst>
+          <pc:docMk/>
+          <pc:sldMk cId="1394375220" sldId="271"/>
+        </pc:sldMkLst>
+        <pc:spChg chg="mod">
+          <ac:chgData name="Howard Zeng" userId="b3a49412108e13ba" providerId="LiveId" clId="{BCC94F81-CC70-406E-BFFC-3B9E7FA9D0DE}" dt="2023-11-28T22:03:13.157" v="4054" actId="947"/>
+          <ac:spMkLst>
+            <pc:docMk/>
+            <pc:sldMk cId="1394375220" sldId="271"/>
+            <ac:spMk id="7" creationId="{F6BB09A2-83FD-4A07-90C3-B7A12C3904A2}"/>
+          </ac:spMkLst>
+        </pc:spChg>
+        <pc:spChg chg="mod">
+          <ac:chgData name="Howard Zeng" userId="b3a49412108e13ba" providerId="LiveId" clId="{BCC94F81-CC70-406E-BFFC-3B9E7FA9D0DE}" dt="2023-11-28T22:03:13.158" v="4056" actId="947"/>
+          <ac:spMkLst>
+            <pc:docMk/>
+            <pc:sldMk cId="1394375220" sldId="271"/>
+            <ac:spMk id="8" creationId="{2D7AF90E-A9D7-45E6-B33C-34F4E5541A1F}"/>
+          </ac:spMkLst>
+        </pc:spChg>
+        <pc:spChg chg="mod">
+          <ac:chgData name="Howard Zeng" userId="b3a49412108e13ba" providerId="LiveId" clId="{BCC94F81-CC70-406E-BFFC-3B9E7FA9D0DE}" dt="2023-11-28T22:03:13.159" v="4058" actId="947"/>
+          <ac:spMkLst>
+            <pc:docMk/>
+            <pc:sldMk cId="1394375220" sldId="271"/>
+            <ac:spMk id="15" creationId="{0F3DDA85-E930-42B3-BEE0-BC34F528F90E}"/>
+          </ac:spMkLst>
+        </pc:spChg>
+        <pc:spChg chg="mod">
+          <ac:chgData name="Howard Zeng" userId="b3a49412108e13ba" providerId="LiveId" clId="{BCC94F81-CC70-406E-BFFC-3B9E7FA9D0DE}" dt="2023-11-28T22:03:13.160" v="4060" actId="947"/>
+          <ac:spMkLst>
+            <pc:docMk/>
+            <pc:sldMk cId="1394375220" sldId="271"/>
+            <ac:spMk id="16" creationId="{64441057-8B1E-4AF3-B991-0000400E27EF}"/>
+          </ac:spMkLst>
+        </pc:spChg>
+        <pc:spChg chg="mod">
+          <ac:chgData name="Howard Zeng" userId="b3a49412108e13ba" providerId="LiveId" clId="{BCC94F81-CC70-406E-BFFC-3B9E7FA9D0DE}" dt="2023-11-28T22:03:13.161" v="4062" actId="947"/>
+          <ac:spMkLst>
+            <pc:docMk/>
+            <pc:sldMk cId="1394375220" sldId="271"/>
+            <ac:spMk id="22" creationId="{F7B167A8-FF4A-43D2-A5F8-3F3EE6C2951D}"/>
+          </ac:spMkLst>
+        </pc:spChg>
+        <pc:spChg chg="mod">
+          <ac:chgData name="Howard Zeng" userId="b3a49412108e13ba" providerId="LiveId" clId="{BCC94F81-CC70-406E-BFFC-3B9E7FA9D0DE}" dt="2023-11-28T22:03:13.162" v="4064" actId="947"/>
+          <ac:spMkLst>
+            <pc:docMk/>
+            <pc:sldMk cId="1394375220" sldId="271"/>
+            <ac:spMk id="23" creationId="{BC1E61CE-FB6E-4B89-B4D3-948A4C744424}"/>
+          </ac:spMkLst>
+        </pc:spChg>
+        <pc:spChg chg="add del mod">
+          <ac:chgData name="Howard Zeng" userId="b3a49412108e13ba" providerId="LiveId" clId="{BCC94F81-CC70-406E-BFFC-3B9E7FA9D0DE}" dt="2023-11-28T21:54:40.297" v="3587" actId="478"/>
+          <ac:spMkLst>
+            <pc:docMk/>
+            <pc:sldMk cId="1394375220" sldId="271"/>
+            <ac:spMk id="24" creationId="{18661F15-35B4-4767-50CE-C7E03B0EA2BA}"/>
+          </ac:spMkLst>
+        </pc:spChg>
+        <pc:spChg chg="add del mod">
+          <ac:chgData name="Howard Zeng" userId="b3a49412108e13ba" providerId="LiveId" clId="{BCC94F81-CC70-406E-BFFC-3B9E7FA9D0DE}" dt="2023-11-28T21:54:35.145" v="3579"/>
+          <ac:spMkLst>
+            <pc:docMk/>
+            <pc:sldMk cId="1394375220" sldId="271"/>
+            <ac:spMk id="25" creationId="{03C76699-DD3D-F0E1-645F-54D5AC5DC7A5}"/>
+          </ac:spMkLst>
+        </pc:spChg>
+        <pc:spChg chg="mod">
+          <ac:chgData name="Howard Zeng" userId="b3a49412108e13ba" providerId="LiveId" clId="{BCC94F81-CC70-406E-BFFC-3B9E7FA9D0DE}" dt="2023-11-28T22:03:13.163" v="4066" actId="947"/>
+          <ac:spMkLst>
+            <pc:docMk/>
+            <pc:sldMk cId="1394375220" sldId="271"/>
+            <ac:spMk id="40" creationId="{635E57B9-905D-4482-84C3-A7824E16D74A}"/>
+          </ac:spMkLst>
+        </pc:spChg>
+        <pc:spChg chg="mod">
+          <ac:chgData name="Howard Zeng" userId="b3a49412108e13ba" providerId="LiveId" clId="{BCC94F81-CC70-406E-BFFC-3B9E7FA9D0DE}" dt="2023-11-28T22:03:13.164" v="4068" actId="947"/>
+          <ac:spMkLst>
+            <pc:docMk/>
+            <pc:sldMk cId="1394375220" sldId="271"/>
+            <ac:spMk id="41" creationId="{CB3C6F7F-3639-4E36-B06A-FDB73FD3431E}"/>
+          </ac:spMkLst>
+        </pc:spChg>
+        <pc:spChg chg="add del mod">
+          <ac:chgData name="Howard Zeng" userId="b3a49412108e13ba" providerId="LiveId" clId="{BCC94F81-CC70-406E-BFFC-3B9E7FA9D0DE}" dt="2023-11-28T21:54:43.581" v="3589" actId="478"/>
+          <ac:spMkLst>
+            <pc:docMk/>
+            <pc:sldMk cId="1394375220" sldId="271"/>
+            <ac:spMk id="43" creationId="{84F28744-DD7B-4053-9295-4ED2E5F59C1A}"/>
+          </ac:spMkLst>
+        </pc:spChg>
+        <pc:spChg chg="add del mod">
+          <ac:chgData name="Howard Zeng" userId="b3a49412108e13ba" providerId="LiveId" clId="{BCC94F81-CC70-406E-BFFC-3B9E7FA9D0DE}" dt="2023-11-28T22:03:13.165" v="4070" actId="947"/>
+          <ac:spMkLst>
+            <pc:docMk/>
+            <pc:sldMk cId="1394375220" sldId="271"/>
+            <ac:spMk id="44" creationId="{AA1C7B8C-8B34-41AE-90C9-D696D6766A1D}"/>
+          </ac:spMkLst>
+        </pc:spChg>
+        <pc:spChg chg="mod">
+          <ac:chgData name="Howard Zeng" userId="b3a49412108e13ba" providerId="LiveId" clId="{BCC94F81-CC70-406E-BFFC-3B9E7FA9D0DE}" dt="2023-11-28T22:03:13.166" v="4072" actId="947"/>
+          <ac:spMkLst>
+            <pc:docMk/>
+            <pc:sldMk cId="1394375220" sldId="271"/>
+            <ac:spMk id="48" creationId="{C05B5DFE-E127-4421-A28C-283CF38A0999}"/>
+          </ac:spMkLst>
+        </pc:spChg>
+        <pc:spChg chg="mod">
+          <ac:chgData name="Howard Zeng" userId="b3a49412108e13ba" providerId="LiveId" clId="{BCC94F81-CC70-406E-BFFC-3B9E7FA9D0DE}" dt="2023-11-28T22:03:13.168" v="4074" actId="947"/>
+          <ac:spMkLst>
+            <pc:docMk/>
+            <pc:sldMk cId="1394375220" sldId="271"/>
+            <ac:spMk id="49" creationId="{2D8823D1-A99D-4205-BBCA-320758114A1D}"/>
+          </ac:spMkLst>
+        </pc:spChg>
+        <pc:grpChg chg="add del">
+          <ac:chgData name="Howard Zeng" userId="b3a49412108e13ba" providerId="LiveId" clId="{BCC94F81-CC70-406E-BFFC-3B9E7FA9D0DE}" dt="2023-11-28T21:54:43.581" v="3589" actId="478"/>
+          <ac:grpSpMkLst>
+            <pc:docMk/>
+            <pc:sldMk cId="1394375220" sldId="271"/>
+            <ac:grpSpMk id="46" creationId="{DCD0C04E-73ED-4A5B-8B4D-7720E833A4CE}"/>
+          </ac:grpSpMkLst>
+        </pc:grpChg>
+      </pc:sldChg>
+      <pc:sldChg chg="new">
+        <pc:chgData name="Howard Zeng" userId="b3a49412108e13ba" providerId="LiveId" clId="{BCC94F81-CC70-406E-BFFC-3B9E7FA9D0DE}" dt="2023-11-28T22:14:08.225" v="4689" actId="680"/>
+        <pc:sldMkLst>
+          <pc:docMk/>
+          <pc:sldMk cId="3457620698" sldId="272"/>
+        </pc:sldMkLst>
+      </pc:sldChg>
+      <pc:sldChg chg="new del">
+        <pc:chgData name="Howard Zeng" userId="b3a49412108e13ba" providerId="LiveId" clId="{BCC94F81-CC70-406E-BFFC-3B9E7FA9D0DE}" dt="2023-11-28T22:14:19.857" v="4692" actId="2696"/>
+        <pc:sldMkLst>
+          <pc:docMk/>
+          <pc:sldMk cId="4267265492" sldId="273"/>
+        </pc:sldMkLst>
+      </pc:sldChg>
+      <pc:sldMasterChg chg="delSldLayout modSldLayout">
+        <pc:chgData name="Howard Zeng" userId="b3a49412108e13ba" providerId="LiveId" clId="{BCC94F81-CC70-406E-BFFC-3B9E7FA9D0DE}" dt="2023-11-28T22:03:25.652" v="4095" actId="47"/>
+        <pc:sldMasterMkLst>
+          <pc:docMk/>
+          <pc:sldMasterMk cId="84953090" sldId="2147483673"/>
+        </pc:sldMasterMkLst>
+        <pc:sldLayoutChg chg="delSp del mod">
+          <pc:chgData name="Howard Zeng" userId="b3a49412108e13ba" providerId="LiveId" clId="{BCC94F81-CC70-406E-BFFC-3B9E7FA9D0DE}" dt="2023-11-28T22:03:25.652" v="4095" actId="47"/>
+          <pc:sldLayoutMkLst>
+            <pc:docMk/>
+            <pc:sldMasterMk cId="84953090" sldId="2147483673"/>
+            <pc:sldLayoutMk cId="1830869205" sldId="2147483674"/>
+          </pc:sldLayoutMkLst>
+          <pc:spChg chg="del">
+            <ac:chgData name="Howard Zeng" userId="b3a49412108e13ba" providerId="LiveId" clId="{BCC94F81-CC70-406E-BFFC-3B9E7FA9D0DE}" dt="2023-11-28T21:53:23.855" v="3537"/>
+            <ac:spMkLst>
+              <pc:docMk/>
+              <pc:sldMasterMk cId="84953090" sldId="2147483673"/>
+              <pc:sldLayoutMk cId="1830869205" sldId="2147483674"/>
+              <ac:spMk id="2" creationId="{44FDCE23-AE33-E450-4B87-CBD8D857E872}"/>
+            </ac:spMkLst>
+          </pc:spChg>
+          <pc:spChg chg="del">
+            <ac:chgData name="Howard Zeng" userId="b3a49412108e13ba" providerId="LiveId" clId="{BCC94F81-CC70-406E-BFFC-3B9E7FA9D0DE}" dt="2023-11-28T21:53:23.855" v="3537"/>
+            <ac:spMkLst>
+              <pc:docMk/>
+              <pc:sldMasterMk cId="84953090" sldId="2147483673"/>
+              <pc:sldLayoutMk cId="1830869205" sldId="2147483674"/>
+              <ac:spMk id="3" creationId="{CC31F57C-D7C4-274C-8EFB-FBB9058EF47F}"/>
+            </ac:spMkLst>
+          </pc:spChg>
+          <pc:spChg chg="del">
+            <ac:chgData name="Howard Zeng" userId="b3a49412108e13ba" providerId="LiveId" clId="{BCC94F81-CC70-406E-BFFC-3B9E7FA9D0DE}" dt="2023-11-28T21:53:23.855" v="3537"/>
+            <ac:spMkLst>
+              <pc:docMk/>
+              <pc:sldMasterMk cId="84953090" sldId="2147483673"/>
+              <pc:sldLayoutMk cId="1830869205" sldId="2147483674"/>
+              <ac:spMk id="4" creationId="{9DAC2CA9-3342-B15B-EC6A-2FC465E1BDCA}"/>
+            </ac:spMkLst>
+          </pc:spChg>
+          <pc:spChg chg="del">
+            <ac:chgData name="Howard Zeng" userId="b3a49412108e13ba" providerId="LiveId" clId="{BCC94F81-CC70-406E-BFFC-3B9E7FA9D0DE}" dt="2023-11-28T21:53:23.855" v="3537"/>
+            <ac:spMkLst>
+              <pc:docMk/>
+              <pc:sldMasterMk cId="84953090" sldId="2147483673"/>
+              <pc:sldLayoutMk cId="1830869205" sldId="2147483674"/>
+              <ac:spMk id="5" creationId="{CA94D8C9-4D78-666E-422D-02DB2E7EB94B}"/>
+            </ac:spMkLst>
+          </pc:spChg>
+        </pc:sldLayoutChg>
+      </pc:sldMasterChg>
     </pc:docChg>
   </pc:docChgLst>
 </pc:chgInfo>
@@ -4741,8 +5263,13 @@
         <a:bodyPr/>
         <a:lstStyle/>
         <a:p>
+          <a:pPr>
+            <a:lnSpc>
+              <a:spcPct val="100000"/>
+            </a:lnSpc>
+          </a:pPr>
           <a:r>
-            <a:rPr lang="en-US"/>
+            <a:rPr lang="en-US" dirty="0"/>
             <a:t>Construct a model to capture buying and selling signal of the stock market</a:t>
           </a:r>
         </a:p>
@@ -4777,9 +5304,14 @@
         <a:bodyPr/>
         <a:lstStyle/>
         <a:p>
+          <a:pPr>
+            <a:lnSpc>
+              <a:spcPct val="100000"/>
+            </a:lnSpc>
+          </a:pPr>
           <a:r>
-            <a:rPr lang="en-US"/>
-            <a:t>Time series modeling to estimate the return</a:t>
+            <a:rPr lang="en-US" dirty="0"/>
+            <a:t>Modeling stock market signals for buying and selling</a:t>
           </a:r>
         </a:p>
       </dgm:t>
@@ -4806,42 +5338,6 @@
         </a:p>
       </dgm:t>
     </dgm:pt>
-    <dgm:pt modelId="{F5E1371D-7CC8-4CFD-AA16-381C5864DB80}">
-      <dgm:prSet/>
-      <dgm:spPr/>
-      <dgm:t>
-        <a:bodyPr/>
-        <a:lstStyle/>
-        <a:p>
-          <a:r>
-            <a:rPr lang="en-US"/>
-            <a:t>Modeling stock market signals for buying and selling</a:t>
-          </a:r>
-        </a:p>
-      </dgm:t>
-    </dgm:pt>
-    <dgm:pt modelId="{F8AAAB9C-1826-4C5A-BA7C-8E2D983DCD22}" type="parTrans" cxnId="{FB4F14C0-BDDB-461F-A969-A0D59EE3E722}">
-      <dgm:prSet/>
-      <dgm:spPr/>
-      <dgm:t>
-        <a:bodyPr/>
-        <a:lstStyle/>
-        <a:p>
-          <a:endParaRPr lang="en-US"/>
-        </a:p>
-      </dgm:t>
-    </dgm:pt>
-    <dgm:pt modelId="{66094009-6553-4A7C-882D-198E30E8BE00}" type="sibTrans" cxnId="{FB4F14C0-BDDB-461F-A969-A0D59EE3E722}">
-      <dgm:prSet/>
-      <dgm:spPr/>
-      <dgm:t>
-        <a:bodyPr/>
-        <a:lstStyle/>
-        <a:p>
-          <a:endParaRPr lang="en-US"/>
-        </a:p>
-      </dgm:t>
-    </dgm:pt>
     <dgm:pt modelId="{BCE3DE5A-1383-4E99-9030-4D8ADBE03E0C}">
       <dgm:prSet/>
       <dgm:spPr/>
@@ -4849,8 +5345,13 @@
         <a:bodyPr/>
         <a:lstStyle/>
         <a:p>
+          <a:pPr>
+            <a:lnSpc>
+              <a:spcPct val="100000"/>
+            </a:lnSpc>
+          </a:pPr>
           <a:r>
-            <a:rPr lang="en-US"/>
+            <a:rPr lang="en-US" dirty="0"/>
             <a:t>Decision making using the return from models</a:t>
           </a:r>
         </a:p>
@@ -4878,42 +5379,6 @@
         </a:p>
       </dgm:t>
     </dgm:pt>
-    <dgm:pt modelId="{BA6E74E4-141F-4187-903C-AA4F45E4CE9C}">
-      <dgm:prSet/>
-      <dgm:spPr/>
-      <dgm:t>
-        <a:bodyPr/>
-        <a:lstStyle/>
-        <a:p>
-          <a:r>
-            <a:rPr lang="en-US"/>
-            <a:t>Balancing time series modeling with decision-making strategies</a:t>
-          </a:r>
-        </a:p>
-      </dgm:t>
-    </dgm:pt>
-    <dgm:pt modelId="{38FEA599-4250-4CE6-9517-3BC66C2D050B}" type="parTrans" cxnId="{F2A325FB-7432-4417-8881-67380BF7035A}">
-      <dgm:prSet/>
-      <dgm:spPr/>
-      <dgm:t>
-        <a:bodyPr/>
-        <a:lstStyle/>
-        <a:p>
-          <a:endParaRPr lang="en-US"/>
-        </a:p>
-      </dgm:t>
-    </dgm:pt>
-    <dgm:pt modelId="{324C2374-9A45-4BD5-9452-FB903317046C}" type="sibTrans" cxnId="{F2A325FB-7432-4417-8881-67380BF7035A}">
-      <dgm:prSet/>
-      <dgm:spPr/>
-      <dgm:t>
-        <a:bodyPr/>
-        <a:lstStyle/>
-        <a:p>
-          <a:endParaRPr lang="en-US"/>
-        </a:p>
-      </dgm:t>
-    </dgm:pt>
     <dgm:pt modelId="{5FAE9542-ED2B-4FF2-A911-A23EE6F6DDC5}">
       <dgm:prSet/>
       <dgm:spPr/>
@@ -4921,9 +5386,14 @@
         <a:bodyPr/>
         <a:lstStyle/>
         <a:p>
+          <a:pPr>
+            <a:lnSpc>
+              <a:spcPct val="100000"/>
+            </a:lnSpc>
+          </a:pPr>
           <a:r>
-            <a:rPr lang="en-US"/>
-            <a:t>Implement sentiment analysis of retail trader on Twitter and Reddit and study their impact</a:t>
+            <a:rPr lang="en-US" dirty="0"/>
+            <a:t>Implement sentiment analysis of retail trader and study their impact</a:t>
           </a:r>
         </a:p>
       </dgm:t>
@@ -4957,6 +5427,11 @@
         <a:bodyPr/>
         <a:lstStyle/>
         <a:p>
+          <a:pPr>
+            <a:lnSpc>
+              <a:spcPct val="100000"/>
+            </a:lnSpc>
+          </a:pPr>
           <a:r>
             <a:rPr lang="en-US"/>
             <a:t>Entity matching</a:t>
@@ -4993,8 +5468,13 @@
         <a:bodyPr/>
         <a:lstStyle/>
         <a:p>
+          <a:pPr>
+            <a:lnSpc>
+              <a:spcPct val="100000"/>
+            </a:lnSpc>
+          </a:pPr>
           <a:r>
-            <a:rPr lang="en-US"/>
+            <a:rPr lang="en-US" dirty="0"/>
             <a:t>Sentiment analysis</a:t>
           </a:r>
         </a:p>
@@ -5012,42 +5492,6 @@
       </dgm:t>
     </dgm:pt>
     <dgm:pt modelId="{08EED712-60E2-47B1-B3F4-1DBE967B0344}" type="sibTrans" cxnId="{08301A69-1B3C-4AE7-999B-A6DB99EE34B5}">
-      <dgm:prSet/>
-      <dgm:spPr/>
-      <dgm:t>
-        <a:bodyPr/>
-        <a:lstStyle/>
-        <a:p>
-          <a:endParaRPr lang="en-US"/>
-        </a:p>
-      </dgm:t>
-    </dgm:pt>
-    <dgm:pt modelId="{956D05DD-671C-4289-814F-3270AE86AA5E}">
-      <dgm:prSet/>
-      <dgm:spPr/>
-      <dgm:t>
-        <a:bodyPr/>
-        <a:lstStyle/>
-        <a:p>
-          <a:r>
-            <a:rPr lang="en-US"/>
-            <a:t>Incorporating sentiment analysis of retail traders from social media</a:t>
-          </a:r>
-        </a:p>
-      </dgm:t>
-    </dgm:pt>
-    <dgm:pt modelId="{FFA4D565-CAC8-47BF-98FB-250AFBEA7B9F}" type="parTrans" cxnId="{BBABC97B-93B7-4EB8-8578-B262B3B80AE0}">
-      <dgm:prSet/>
-      <dgm:spPr/>
-      <dgm:t>
-        <a:bodyPr/>
-        <a:lstStyle/>
-        <a:p>
-          <a:endParaRPr lang="en-US"/>
-        </a:p>
-      </dgm:t>
-    </dgm:pt>
-    <dgm:pt modelId="{9FA54F33-9343-42EE-B574-3783D456E807}" type="sibTrans" cxnId="{BBABC97B-93B7-4EB8-8578-B262B3B80AE0}">
       <dgm:prSet/>
       <dgm:spPr/>
       <dgm:t>
@@ -5183,25 +5627,19 @@
     </dgm:pt>
   </dgm:ptLst>
   <dgm:cxnLst>
-    <dgm:cxn modelId="{2E641F12-6554-408C-B590-B0AADF23A147}" type="presOf" srcId="{F5E1371D-7CC8-4CFD-AA16-381C5864DB80}" destId="{B9F9C750-C5FA-424B-91B7-6E26661FE142}" srcOrd="0" destOrd="1" presId="urn:microsoft.com/office/officeart/2018/2/layout/IconVerticalSolidList"/>
     <dgm:cxn modelId="{3161AF28-7129-46C6-944B-BD11E164DC58}" srcId="{752B7F4F-2702-4E36-B896-DB6AD3E70D85}" destId="{5FC0DDF8-1BF1-4359-BEC1-EA7CD70ACA5F}" srcOrd="0" destOrd="0" parTransId="{DA0D3296-9D1C-4040-B3D2-AB5921AEDB39}" sibTransId="{B50B769E-C2DC-4534-A727-719EEA221276}"/>
-    <dgm:cxn modelId="{30347D45-F62C-47C8-8757-2A137BDEED7C}" type="presOf" srcId="{956D05DD-671C-4289-814F-3270AE86AA5E}" destId="{D989E9BD-753D-4A8A-BE43-10BCB6382F25}" srcOrd="0" destOrd="2" presId="urn:microsoft.com/office/officeart/2018/2/layout/IconVerticalSolidList"/>
     <dgm:cxn modelId="{08301A69-1B3C-4AE7-999B-A6DB99EE34B5}" srcId="{5FAE9542-ED2B-4FF2-A911-A23EE6F6DDC5}" destId="{CFF50CC6-AF62-4A74-A57F-062BC2FB4847}" srcOrd="1" destOrd="0" parTransId="{CD378CC3-6E8D-4145-A817-31B9A848521A}" sibTransId="{08EED712-60E2-47B1-B3F4-1DBE967B0344}"/>
     <dgm:cxn modelId="{EFF2ED75-E9AC-4B48-B3F2-5971B7523C4C}" srcId="{9B7D9526-8969-45C8-A28F-93400082D770}" destId="{5FAE9542-ED2B-4FF2-A911-A23EE6F6DDC5}" srcOrd="1" destOrd="0" parTransId="{DE52508F-1789-4A9F-9707-74924DD7E61E}" sibTransId="{CCF74DE4-26C9-45A4-82E6-70A784D8BBD1}"/>
     <dgm:cxn modelId="{B0A50259-50DC-4F73-8607-AB7A470604C1}" type="presOf" srcId="{752B7F4F-2702-4E36-B896-DB6AD3E70D85}" destId="{37B540AC-436C-4460-A4C7-6FA0DE6679E7}" srcOrd="0" destOrd="0" presId="urn:microsoft.com/office/officeart/2018/2/layout/IconVerticalSolidList"/>
     <dgm:cxn modelId="{D6909B59-9DF0-4AC9-8F1E-2F5A847EACF5}" type="presOf" srcId="{5FAE9542-ED2B-4FF2-A911-A23EE6F6DDC5}" destId="{C1D4B622-1C87-4F4A-B292-1823CF35D469}" srcOrd="0" destOrd="0" presId="urn:microsoft.com/office/officeart/2018/2/layout/IconVerticalSolidList"/>
-    <dgm:cxn modelId="{BBABC97B-93B7-4EB8-8578-B262B3B80AE0}" srcId="{CFF50CC6-AF62-4A74-A57F-062BC2FB4847}" destId="{956D05DD-671C-4289-814F-3270AE86AA5E}" srcOrd="0" destOrd="0" parTransId="{FFA4D565-CAC8-47BF-98FB-250AFBEA7B9F}" sibTransId="{9FA54F33-9343-42EE-B574-3783D456E807}"/>
     <dgm:cxn modelId="{231CAF82-4079-4066-ABF9-82AD15921879}" type="presOf" srcId="{7EF95EE2-E166-47D0-9D14-B03FFF560B57}" destId="{D989E9BD-753D-4A8A-BE43-10BCB6382F25}" srcOrd="0" destOrd="0" presId="urn:microsoft.com/office/officeart/2018/2/layout/IconVerticalSolidList"/>
     <dgm:cxn modelId="{BE710D90-EC91-4A9C-A6F9-FF61E651102D}" srcId="{5FAE9542-ED2B-4FF2-A911-A23EE6F6DDC5}" destId="{7EF95EE2-E166-47D0-9D14-B03FFF560B57}" srcOrd="0" destOrd="0" parTransId="{839EBB23-5355-4A00-92A2-1DCE9FCB480F}" sibTransId="{D43383D3-68DE-4B85-913F-C29C0148766E}"/>
     <dgm:cxn modelId="{79BD5DA5-D3E7-4330-8FA9-A410A86E0136}" type="presOf" srcId="{5FC0DDF8-1BF1-4359-BEC1-EA7CD70ACA5F}" destId="{B9F9C750-C5FA-424B-91B7-6E26661FE142}" srcOrd="0" destOrd="0" presId="urn:microsoft.com/office/officeart/2018/2/layout/IconVerticalSolidList"/>
-    <dgm:cxn modelId="{2B2C9FA6-7651-4F5B-90FB-12E4706C283F}" type="presOf" srcId="{BA6E74E4-141F-4187-903C-AA4F45E4CE9C}" destId="{B9F9C750-C5FA-424B-91B7-6E26661FE142}" srcOrd="0" destOrd="3" presId="urn:microsoft.com/office/officeart/2018/2/layout/IconVerticalSolidList"/>
-    <dgm:cxn modelId="{FB4F14C0-BDDB-461F-A969-A0D59EE3E722}" srcId="{5FC0DDF8-1BF1-4359-BEC1-EA7CD70ACA5F}" destId="{F5E1371D-7CC8-4CFD-AA16-381C5864DB80}" srcOrd="0" destOrd="0" parTransId="{F8AAAB9C-1826-4C5A-BA7C-8E2D983DCD22}" sibTransId="{66094009-6553-4A7C-882D-198E30E8BE00}"/>
     <dgm:cxn modelId="{E54609CB-887B-458F-8EDB-69EFD94E71B3}" type="presOf" srcId="{9B7D9526-8969-45C8-A28F-93400082D770}" destId="{09A38CE4-E368-4750-9444-162AFCA58891}" srcOrd="0" destOrd="0" presId="urn:microsoft.com/office/officeart/2018/2/layout/IconVerticalSolidList"/>
-    <dgm:cxn modelId="{D4E4C9CD-5B4D-4224-A62C-16C39C14EB51}" type="presOf" srcId="{BCE3DE5A-1383-4E99-9030-4D8ADBE03E0C}" destId="{B9F9C750-C5FA-424B-91B7-6E26661FE142}" srcOrd="0" destOrd="2" presId="urn:microsoft.com/office/officeart/2018/2/layout/IconVerticalSolidList"/>
+    <dgm:cxn modelId="{D4E4C9CD-5B4D-4224-A62C-16C39C14EB51}" type="presOf" srcId="{BCE3DE5A-1383-4E99-9030-4D8ADBE03E0C}" destId="{B9F9C750-C5FA-424B-91B7-6E26661FE142}" srcOrd="0" destOrd="1" presId="urn:microsoft.com/office/officeart/2018/2/layout/IconVerticalSolidList"/>
     <dgm:cxn modelId="{21A2EEDE-B034-4298-8496-ED360EDC5B73}" srcId="{9B7D9526-8969-45C8-A28F-93400082D770}" destId="{752B7F4F-2702-4E36-B896-DB6AD3E70D85}" srcOrd="0" destOrd="0" parTransId="{BEAA42E4-3A8B-4D11-9AA7-B0DA4B6B2251}" sibTransId="{EF29B5BA-9BC1-4D76-BD70-78F9199EABA1}"/>
     <dgm:cxn modelId="{6C98CDF0-8F40-4AFE-A856-63FB9C1E9601}" srcId="{752B7F4F-2702-4E36-B896-DB6AD3E70D85}" destId="{BCE3DE5A-1383-4E99-9030-4D8ADBE03E0C}" srcOrd="1" destOrd="0" parTransId="{5CE08A19-424C-4C24-A53F-CA0C9E58F912}" sibTransId="{46CBA0B9-AD78-4B6F-BEC6-41071BB8C8B3}"/>
     <dgm:cxn modelId="{8C7978F1-F8DC-4DAB-B37A-E9CA52844F5E}" type="presOf" srcId="{CFF50CC6-AF62-4A74-A57F-062BC2FB4847}" destId="{D989E9BD-753D-4A8A-BE43-10BCB6382F25}" srcOrd="0" destOrd="1" presId="urn:microsoft.com/office/officeart/2018/2/layout/IconVerticalSolidList"/>
-    <dgm:cxn modelId="{F2A325FB-7432-4417-8881-67380BF7035A}" srcId="{BCE3DE5A-1383-4E99-9030-4D8ADBE03E0C}" destId="{BA6E74E4-141F-4187-903C-AA4F45E4CE9C}" srcOrd="0" destOrd="0" parTransId="{38FEA599-4250-4CE6-9517-3BC66C2D050B}" sibTransId="{324C2374-9A45-4BD5-9452-FB903317046C}"/>
     <dgm:cxn modelId="{BF482D20-E596-46CF-A7E4-6C47F9BF2CAF}" type="presParOf" srcId="{09A38CE4-E368-4750-9444-162AFCA58891}" destId="{DE96EEF8-755C-4C8E-AD8B-8AC82EE71A7E}" srcOrd="0" destOrd="0" presId="urn:microsoft.com/office/officeart/2018/2/layout/IconVerticalSolidList"/>
     <dgm:cxn modelId="{C74A307D-636F-4CFB-8C51-EE0AF7370F45}" type="presParOf" srcId="{DE96EEF8-755C-4C8E-AD8B-8AC82EE71A7E}" destId="{18986CF1-2072-42F0-BCE0-914E74EE6D33}" srcOrd="0" destOrd="0" presId="urn:microsoft.com/office/officeart/2018/2/layout/IconVerticalSolidList"/>
     <dgm:cxn modelId="{F744318E-FDD5-433D-BE7E-C405B10D51B5}" type="presParOf" srcId="{DE96EEF8-755C-4C8E-AD8B-8AC82EE71A7E}" destId="{D81EE60F-2821-4F87-98D9-59CDB0BCB6F7}" srcOrd="1" destOrd="0" presId="urn:microsoft.com/office/officeart/2018/2/layout/IconVerticalSolidList"/>
@@ -5216,7 +5654,9 @@
     <dgm:cxn modelId="{6B155BBF-1BF8-42D4-996F-AD0C73C696B4}" type="presParOf" srcId="{138E70F6-4640-4F3A-B755-CAE18243AC10}" destId="{C1D4B622-1C87-4F4A-B292-1823CF35D469}" srcOrd="3" destOrd="0" presId="urn:microsoft.com/office/officeart/2018/2/layout/IconVerticalSolidList"/>
     <dgm:cxn modelId="{BBE1F218-B14C-4EC9-BCF9-C49D70761A09}" type="presParOf" srcId="{138E70F6-4640-4F3A-B755-CAE18243AC10}" destId="{D989E9BD-753D-4A8A-BE43-10BCB6382F25}" srcOrd="4" destOrd="0" presId="urn:microsoft.com/office/officeart/2018/2/layout/IconVerticalSolidList"/>
   </dgm:cxnLst>
-  <dgm:bg/>
+  <dgm:bg>
+    <a:noFill/>
+  </dgm:bg>
   <dgm:whole/>
   <dgm:extLst>
     <a:ext uri="http://schemas.microsoft.com/office/drawing/2008/diagram">
@@ -5609,7 +6049,7 @@
 <dgm:dataModel xmlns:dgm="http://schemas.openxmlformats.org/drawingml/2006/diagram" xmlns:a="http://schemas.openxmlformats.org/drawingml/2006/main">
   <dgm:ptLst>
     <dgm:pt modelId="{17F4893B-079D-42D4-8FA9-ADCF70799F12}" type="doc">
-      <dgm:prSet loTypeId="urn:microsoft.com/office/officeart/2016/7/layout/VerticalDownArrowProcess" loCatId="process" qsTypeId="urn:microsoft.com/office/officeart/2005/8/quickstyle/simple1" qsCatId="simple" csTypeId="urn:microsoft.com/office/officeart/2005/8/colors/colorful5" csCatId="colorful"/>
+      <dgm:prSet loTypeId="urn:microsoft.com/office/officeart/2016/7/layout/VerticalDownArrowProcess" loCatId="process" qsTypeId="urn:microsoft.com/office/officeart/2005/8/quickstyle/simple1" qsCatId="simple" csTypeId="urn:microsoft.com/office/officeart/2005/8/colors/colorful5" csCatId="colorful" phldr="1"/>
       <dgm:spPr/>
       <dgm:t>
         <a:bodyPr/>
@@ -5627,8 +6067,8 @@
         <a:lstStyle/>
         <a:p>
           <a:r>
-            <a:rPr lang="en-US"/>
-            <a:t>Objective: capture trading signal</a:t>
+            <a:rPr lang="en-US" dirty="0"/>
+            <a:t>Objective:</a:t>
           </a:r>
         </a:p>
       </dgm:t>
@@ -5655,78 +6095,6 @@
         </a:p>
       </dgm:t>
     </dgm:pt>
-    <dgm:pt modelId="{FF8959A7-5758-4602-BAF3-E18A86C128F6}">
-      <dgm:prSet/>
-      <dgm:spPr/>
-      <dgm:t>
-        <a:bodyPr/>
-        <a:lstStyle/>
-        <a:p>
-          <a:r>
-            <a:rPr lang="en-US"/>
-            <a:t>Price Vs. Return </a:t>
-          </a:r>
-        </a:p>
-      </dgm:t>
-    </dgm:pt>
-    <dgm:pt modelId="{E1AD9B7C-3698-4018-AB90-78FA8EAE980D}" type="parTrans" cxnId="{4A115E5E-E76A-4ABD-988B-3AF2BAD28737}">
-      <dgm:prSet/>
-      <dgm:spPr/>
-      <dgm:t>
-        <a:bodyPr/>
-        <a:lstStyle/>
-        <a:p>
-          <a:endParaRPr lang="en-US"/>
-        </a:p>
-      </dgm:t>
-    </dgm:pt>
-    <dgm:pt modelId="{D82472CC-9504-4F9C-8F58-A9BCF5F47E9F}" type="sibTrans" cxnId="{4A115E5E-E76A-4ABD-988B-3AF2BAD28737}">
-      <dgm:prSet/>
-      <dgm:spPr/>
-      <dgm:t>
-        <a:bodyPr/>
-        <a:lstStyle/>
-        <a:p>
-          <a:endParaRPr lang="en-US"/>
-        </a:p>
-      </dgm:t>
-    </dgm:pt>
-    <dgm:pt modelId="{4F3D997D-9154-451C-BF74-F3CC87CAE17E}">
-      <dgm:prSet/>
-      <dgm:spPr/>
-      <dgm:t>
-        <a:bodyPr/>
-        <a:lstStyle/>
-        <a:p>
-          <a:r>
-            <a:rPr lang="en-US"/>
-            <a:t>Stationary vs Nonstationary data</a:t>
-          </a:r>
-        </a:p>
-      </dgm:t>
-    </dgm:pt>
-    <dgm:pt modelId="{AA051D88-E345-436A-B485-80E7FEE04CC3}" type="parTrans" cxnId="{0DFF3091-3F20-4B1D-B606-156F2B5CCC55}">
-      <dgm:prSet/>
-      <dgm:spPr/>
-      <dgm:t>
-        <a:bodyPr/>
-        <a:lstStyle/>
-        <a:p>
-          <a:endParaRPr lang="en-US"/>
-        </a:p>
-      </dgm:t>
-    </dgm:pt>
-    <dgm:pt modelId="{2FFCE01D-797F-40E8-AFC2-CBF787AB34AF}" type="sibTrans" cxnId="{0DFF3091-3F20-4B1D-B606-156F2B5CCC55}">
-      <dgm:prSet/>
-      <dgm:spPr/>
-      <dgm:t>
-        <a:bodyPr/>
-        <a:lstStyle/>
-        <a:p>
-          <a:endParaRPr lang="en-US"/>
-        </a:p>
-      </dgm:t>
-    </dgm:pt>
     <dgm:pt modelId="{F781CEE4-351E-4DE6-A2BE-A148E2BE6A11}">
       <dgm:prSet/>
       <dgm:spPr/>
@@ -5735,7 +6103,7 @@
         <a:lstStyle/>
         <a:p>
           <a:r>
-            <a:rPr lang="en-US"/>
+            <a:rPr lang="en-US" dirty="0"/>
             <a:t>Window Size Selection</a:t>
           </a:r>
         </a:p>
@@ -5771,7 +6139,7 @@
         <a:lstStyle/>
         <a:p>
           <a:r>
-            <a:rPr lang="en-US"/>
+            <a:rPr lang="en-US" dirty="0"/>
             <a:t>Hyperparameter tunning</a:t>
           </a:r>
         </a:p>
@@ -5843,8 +6211,16 @@
         <a:lstStyle/>
         <a:p>
           <a:r>
-            <a:rPr lang="en-US"/>
-            <a:t>Make decision based on the distribution of returns of past 40 days</a:t>
+            <a:rPr lang="en-US" dirty="0"/>
+            <a:t>Make decision based on the distribution of returns of past “</a:t>
+          </a:r>
+          <a:r>
+            <a:rPr lang="en-US" dirty="0" err="1"/>
+            <a:t>Window_size</a:t>
+          </a:r>
+          <a:r>
+            <a:rPr lang="en-US" dirty="0"/>
+            <a:t>” days</a:t>
           </a:r>
         </a:p>
       </dgm:t>
@@ -5868,6 +6244,197 @@
         <a:lstStyle/>
         <a:p>
           <a:endParaRPr lang="en-US"/>
+        </a:p>
+      </dgm:t>
+    </dgm:pt>
+    <dgm:pt modelId="{6F87087B-D9B9-485E-A595-A7F5806F25B6}">
+      <dgm:prSet/>
+      <dgm:spPr/>
+      <dgm:t>
+        <a:bodyPr/>
+        <a:lstStyle/>
+        <a:p>
+          <a:r>
+            <a:rPr lang="en-US"/>
+            <a:t>Price Vs. Return </a:t>
+          </a:r>
+          <a:endParaRPr lang="en-US" dirty="0"/>
+        </a:p>
+      </dgm:t>
+    </dgm:pt>
+    <dgm:pt modelId="{92E98703-E69D-4C25-9C48-90F3ACAE9086}" type="parTrans" cxnId="{ACEB2A39-03B7-46FD-B1A4-F938E0321D3A}">
+      <dgm:prSet/>
+      <dgm:spPr/>
+      <dgm:t>
+        <a:bodyPr/>
+        <a:lstStyle/>
+        <a:p>
+          <a:endParaRPr lang="zh-CN" altLang="en-US"/>
+        </a:p>
+      </dgm:t>
+    </dgm:pt>
+    <dgm:pt modelId="{81E6DAF5-760F-4FD0-BF92-3C9BBCE00F97}" type="sibTrans" cxnId="{ACEB2A39-03B7-46FD-B1A4-F938E0321D3A}">
+      <dgm:prSet/>
+      <dgm:spPr/>
+      <dgm:t>
+        <a:bodyPr/>
+        <a:lstStyle/>
+        <a:p>
+          <a:endParaRPr lang="zh-CN" altLang="en-US"/>
+        </a:p>
+      </dgm:t>
+    </dgm:pt>
+    <dgm:pt modelId="{10FD427B-96BF-4FB7-83B9-90C33A9052C2}">
+      <dgm:prSet/>
+      <dgm:spPr/>
+      <dgm:t>
+        <a:bodyPr/>
+        <a:lstStyle/>
+        <a:p>
+          <a:r>
+            <a:rPr lang="en-US" dirty="0"/>
+            <a:t>Feature Selection </a:t>
+          </a:r>
+        </a:p>
+      </dgm:t>
+    </dgm:pt>
+    <dgm:pt modelId="{B9036331-9CC8-4CF3-A227-CC3210643B5B}" type="parTrans" cxnId="{06D5737C-998E-484D-B7A1-21581136C10E}">
+      <dgm:prSet/>
+      <dgm:spPr/>
+      <dgm:t>
+        <a:bodyPr/>
+        <a:lstStyle/>
+        <a:p>
+          <a:endParaRPr lang="zh-CN" altLang="en-US"/>
+        </a:p>
+      </dgm:t>
+    </dgm:pt>
+    <dgm:pt modelId="{06665295-974D-44FC-A9BD-AF04428DEA33}" type="sibTrans" cxnId="{06D5737C-998E-484D-B7A1-21581136C10E}">
+      <dgm:prSet/>
+      <dgm:spPr/>
+      <dgm:t>
+        <a:bodyPr/>
+        <a:lstStyle/>
+        <a:p>
+          <a:endParaRPr lang="zh-CN" altLang="en-US"/>
+        </a:p>
+      </dgm:t>
+    </dgm:pt>
+    <dgm:pt modelId="{D2354A4D-1A38-48D5-88BD-1716543C994E}">
+      <dgm:prSet/>
+      <dgm:spPr/>
+      <dgm:t>
+        <a:bodyPr/>
+        <a:lstStyle/>
+        <a:p>
+          <a:r>
+            <a:rPr lang="en-US"/>
+            <a:t>Stationary vs Nonstationary data</a:t>
+          </a:r>
+          <a:endParaRPr lang="en-US" dirty="0"/>
+        </a:p>
+      </dgm:t>
+    </dgm:pt>
+    <dgm:pt modelId="{209E968A-9BAC-4143-BDAC-8A910D561FC7}" type="parTrans" cxnId="{5A20919C-C865-47A3-81E0-FADADBB8AE15}">
+      <dgm:prSet/>
+      <dgm:spPr/>
+      <dgm:t>
+        <a:bodyPr/>
+        <a:lstStyle/>
+        <a:p>
+          <a:endParaRPr lang="zh-CN" altLang="en-US"/>
+        </a:p>
+      </dgm:t>
+    </dgm:pt>
+    <dgm:pt modelId="{69A5CF90-2C1A-4E12-ADDA-D949D71FB906}" type="sibTrans" cxnId="{5A20919C-C865-47A3-81E0-FADADBB8AE15}">
+      <dgm:prSet/>
+      <dgm:spPr/>
+      <dgm:t>
+        <a:bodyPr/>
+        <a:lstStyle/>
+        <a:p>
+          <a:endParaRPr lang="zh-CN" altLang="en-US"/>
+        </a:p>
+      </dgm:t>
+    </dgm:pt>
+    <dgm:pt modelId="{47C90EDE-9C40-4B8A-BD58-EADC83E3451E}">
+      <dgm:prSet/>
+      <dgm:spPr/>
+      <dgm:t>
+        <a:bodyPr/>
+        <a:lstStyle/>
+        <a:p>
+          <a:r>
+            <a:rPr lang="en-US" dirty="0"/>
+            <a:t>Data used to train the model</a:t>
+          </a:r>
+        </a:p>
+      </dgm:t>
+    </dgm:pt>
+    <dgm:pt modelId="{FA9A91DB-2480-489E-AB01-B08B640756F0}" type="parTrans" cxnId="{4BB824D5-40D5-4E9E-A4CC-C06AAD7EA69A}">
+      <dgm:prSet/>
+      <dgm:spPr/>
+      <dgm:t>
+        <a:bodyPr/>
+        <a:lstStyle/>
+        <a:p>
+          <a:endParaRPr lang="zh-CN" altLang="en-US"/>
+        </a:p>
+      </dgm:t>
+    </dgm:pt>
+    <dgm:pt modelId="{CFE4BDAA-4B11-4E94-90C3-D2F762024CEE}" type="sibTrans" cxnId="{4BB824D5-40D5-4E9E-A4CC-C06AAD7EA69A}">
+      <dgm:prSet/>
+      <dgm:spPr/>
+      <dgm:t>
+        <a:bodyPr/>
+        <a:lstStyle/>
+        <a:p>
+          <a:endParaRPr lang="zh-CN" altLang="en-US"/>
+        </a:p>
+      </dgm:t>
+    </dgm:pt>
+    <dgm:pt modelId="{D217D2D3-6E89-4BA5-B94A-18F265544A3C}">
+      <dgm:prSet/>
+      <dgm:spPr/>
+      <dgm:t>
+        <a:bodyPr/>
+        <a:lstStyle/>
+        <a:p>
+          <a:r>
+            <a:rPr lang="en-US" dirty="0" err="1"/>
+            <a:t>Optuna</a:t>
+          </a:r>
+          <a:r>
+            <a:rPr lang="en-US" dirty="0"/>
+            <a:t>, </a:t>
+          </a:r>
+          <a:r>
+            <a:rPr lang="en-US" altLang="zh-CN" dirty="0"/>
+            <a:t>A hyperparameter optimization framework</a:t>
+          </a:r>
+          <a:endParaRPr lang="en-US" dirty="0"/>
+        </a:p>
+      </dgm:t>
+    </dgm:pt>
+    <dgm:pt modelId="{46FAA17A-6FD1-45CD-B64E-2EF13BC22751}" type="parTrans" cxnId="{F888A158-6332-4C42-BA11-5DF45037C128}">
+      <dgm:prSet/>
+      <dgm:spPr/>
+      <dgm:t>
+        <a:bodyPr/>
+        <a:lstStyle/>
+        <a:p>
+          <a:endParaRPr lang="zh-CN" altLang="en-US"/>
+        </a:p>
+      </dgm:t>
+    </dgm:pt>
+    <dgm:pt modelId="{178C29A1-AB20-4812-8058-CD39B1115EA2}" type="sibTrans" cxnId="{F888A158-6332-4C42-BA11-5DF45037C128}">
+      <dgm:prSet/>
+      <dgm:spPr/>
+      <dgm:t>
+        <a:bodyPr/>
+        <a:lstStyle/>
+        <a:p>
+          <a:endParaRPr lang="zh-CN" altLang="en-US"/>
         </a:p>
       </dgm:t>
     </dgm:pt>
@@ -5902,7 +6469,7 @@
       <dgm:spPr/>
     </dgm:pt>
     <dgm:pt modelId="{3EACA8DE-BEA4-488E-900A-BAD9B4AA4AA3}" type="pres">
-      <dgm:prSet presAssocID="{A4907A77-F41C-433D-941F-3CE3915F6C5B}" presName="parentTextArrow" presStyleLbl="node1" presStyleIdx="0" presStyleCnt="3"/>
+      <dgm:prSet presAssocID="{A4907A77-F41C-433D-941F-3CE3915F6C5B}" presName="parentTextArrow" presStyleLbl="node1" presStyleIdx="0" presStyleCnt="0"/>
       <dgm:spPr/>
     </dgm:pt>
     <dgm:pt modelId="{786F6D0D-2A27-43AE-95E9-CAD0084832D1}" type="pres">
@@ -5922,7 +6489,7 @@
       <dgm:spPr/>
     </dgm:pt>
     <dgm:pt modelId="{17D75BB7-BB75-4988-97A8-6D5C82DDFA85}" type="pres">
-      <dgm:prSet presAssocID="{F781CEE4-351E-4DE6-A2BE-A148E2BE6A11}" presName="parentTextArrow" presStyleLbl="node1" presStyleIdx="1" presStyleCnt="3"/>
+      <dgm:prSet presAssocID="{F781CEE4-351E-4DE6-A2BE-A148E2BE6A11}" presName="parentTextArrow" presStyleLbl="node1" presStyleIdx="0" presStyleCnt="0"/>
       <dgm:spPr/>
     </dgm:pt>
     <dgm:pt modelId="{8E66816F-1241-44D3-968B-561D96CC75BA}" type="pres">
@@ -5933,24 +6500,24 @@
       <dgm:prSet presAssocID="{F781CEE4-351E-4DE6-A2BE-A148E2BE6A11}" presName="descendantArrow" presStyleLbl="bgAccFollowNode1" presStyleIdx="2" presStyleCnt="5"/>
       <dgm:spPr/>
     </dgm:pt>
-    <dgm:pt modelId="{C9585345-7ADE-4222-A52A-8EB3DBCB8AE0}" type="pres">
-      <dgm:prSet presAssocID="{2FFCE01D-797F-40E8-AFC2-CBF787AB34AF}" presName="sp" presStyleCnt="0"/>
+    <dgm:pt modelId="{C1C41E88-FBD9-4243-90DC-B8B29D4A4E7C}" type="pres">
+      <dgm:prSet presAssocID="{06665295-974D-44FC-A9BD-AF04428DEA33}" presName="sp" presStyleCnt="0"/>
       <dgm:spPr/>
     </dgm:pt>
-    <dgm:pt modelId="{E28098D5-1F7D-47F7-944F-EDB8BF33068B}" type="pres">
-      <dgm:prSet presAssocID="{4F3D997D-9154-451C-BF74-F3CC87CAE17E}" presName="arrowAndChildren" presStyleCnt="0"/>
+    <dgm:pt modelId="{40E739C0-5731-48F8-AFCE-A2BFC60F68B7}" type="pres">
+      <dgm:prSet presAssocID="{10FD427B-96BF-4FB7-83B9-90C33A9052C2}" presName="arrowAndChildren" presStyleCnt="0"/>
       <dgm:spPr/>
     </dgm:pt>
-    <dgm:pt modelId="{E89F220F-7E7C-44E9-979E-68B41197A23F}" type="pres">
-      <dgm:prSet presAssocID="{4F3D997D-9154-451C-BF74-F3CC87CAE17E}" presName="parentTextArrow" presStyleLbl="node1" presStyleIdx="2" presStyleCnt="3"/>
+    <dgm:pt modelId="{A7D08403-124D-41FC-B8D5-3E48E3B3C0F3}" type="pres">
+      <dgm:prSet presAssocID="{10FD427B-96BF-4FB7-83B9-90C33A9052C2}" presName="parentTextArrow" presStyleLbl="node1" presStyleIdx="0" presStyleCnt="0"/>
       <dgm:spPr/>
     </dgm:pt>
-    <dgm:pt modelId="{F6F1547C-2CDF-4C4E-8595-C809DA3A0BB1}" type="pres">
-      <dgm:prSet presAssocID="{4F3D997D-9154-451C-BF74-F3CC87CAE17E}" presName="arrow" presStyleLbl="alignNode1" presStyleIdx="3" presStyleCnt="5"/>
+    <dgm:pt modelId="{0AAD1D63-E596-4E7C-8854-741D360E7E52}" type="pres">
+      <dgm:prSet presAssocID="{10FD427B-96BF-4FB7-83B9-90C33A9052C2}" presName="arrow" presStyleLbl="alignNode1" presStyleIdx="3" presStyleCnt="5"/>
       <dgm:spPr/>
     </dgm:pt>
-    <dgm:pt modelId="{A8A630B8-FC0D-49F2-ACD1-CFED1ED2296D}" type="pres">
-      <dgm:prSet presAssocID="{4F3D997D-9154-451C-BF74-F3CC87CAE17E}" presName="descendantArrow" presStyleLbl="bgAccFollowNode1" presStyleIdx="3" presStyleCnt="5"/>
+    <dgm:pt modelId="{849750E2-4843-406E-9624-D7DE6448B76F}" type="pres">
+      <dgm:prSet presAssocID="{10FD427B-96BF-4FB7-83B9-90C33A9052C2}" presName="descendantArrow" presStyleLbl="bgAccFollowNode1" presStyleIdx="3" presStyleCnt="5"/>
       <dgm:spPr/>
     </dgm:pt>
     <dgm:pt modelId="{10FAD33B-2530-4099-AADB-89B0ABF20A26}" type="pres">
@@ -5962,7 +6529,7 @@
       <dgm:spPr/>
     </dgm:pt>
     <dgm:pt modelId="{5A85D79A-82B8-4626-9BDD-FE427FA50F8D}" type="pres">
-      <dgm:prSet presAssocID="{4376C1F7-0024-4B80-BD42-35986A155B41}" presName="parentTextArrow" presStyleLbl="node1" presStyleIdx="2" presStyleCnt="3"/>
+      <dgm:prSet presAssocID="{4376C1F7-0024-4B80-BD42-35986A155B41}" presName="parentTextArrow" presStyleLbl="node1" presStyleIdx="0" presStyleCnt="0"/>
       <dgm:spPr/>
     </dgm:pt>
     <dgm:pt modelId="{3A72816A-2896-43DB-97B3-402663962CD3}" type="pres">
@@ -5976,24 +6543,30 @@
   </dgm:ptLst>
   <dgm:cxnLst>
     <dgm:cxn modelId="{6403ED09-5208-4B0C-BC0B-CD99D04FC4DA}" type="presOf" srcId="{17F4893B-079D-42D4-8FA9-ADCF70799F12}" destId="{68E345F6-D452-4C9C-BB0F-C29F77E13301}" srcOrd="0" destOrd="0" presId="urn:microsoft.com/office/officeart/2016/7/layout/VerticalDownArrowProcess"/>
+    <dgm:cxn modelId="{65412A25-13D7-4490-8184-0AFE6C797057}" type="presOf" srcId="{D2354A4D-1A38-48D5-88BD-1716543C994E}" destId="{849750E2-4843-406E-9624-D7DE6448B76F}" srcOrd="0" destOrd="0" presId="urn:microsoft.com/office/officeart/2016/7/layout/VerticalDownArrowProcess"/>
     <dgm:cxn modelId="{71248025-7B91-4DDD-A88F-4FAF2F6519A2}" type="presOf" srcId="{4376C1F7-0024-4B80-BD42-35986A155B41}" destId="{5A85D79A-82B8-4626-9BDD-FE427FA50F8D}" srcOrd="0" destOrd="0" presId="urn:microsoft.com/office/officeart/2016/7/layout/VerticalDownArrowProcess"/>
     <dgm:cxn modelId="{55D53027-1511-4600-94DA-DB2C09304B8D}" srcId="{17F4893B-079D-42D4-8FA9-ADCF70799F12}" destId="{B0B72057-539C-4852-8B0B-E5CDDA35A1B2}" srcOrd="4" destOrd="0" parTransId="{8C9D7922-19D9-4AEB-B98D-7AC89E23E6CD}" sibTransId="{8A275235-CAD0-453F-A1C4-E95F12BB0493}"/>
     <dgm:cxn modelId="{D054DB2A-395F-418C-A76B-95D162828B68}" srcId="{17F4893B-079D-42D4-8FA9-ADCF70799F12}" destId="{F781CEE4-351E-4DE6-A2BE-A148E2BE6A11}" srcOrd="2" destOrd="0" parTransId="{17BD6698-9131-4346-8215-BA2BB5DEF999}" sibTransId="{6C4AA6D1-616A-4462-BCED-FF410891171A}"/>
-    <dgm:cxn modelId="{4A115E5E-E76A-4ABD-988B-3AF2BAD28737}" srcId="{4376C1F7-0024-4B80-BD42-35986A155B41}" destId="{FF8959A7-5758-4602-BAF3-E18A86C128F6}" srcOrd="0" destOrd="0" parTransId="{E1AD9B7C-3698-4018-AB90-78FA8EAE980D}" sibTransId="{D82472CC-9504-4F9C-8F58-A9BCF5F47E9F}"/>
+    <dgm:cxn modelId="{ACEB2A39-03B7-46FD-B1A4-F938E0321D3A}" srcId="{4376C1F7-0024-4B80-BD42-35986A155B41}" destId="{6F87087B-D9B9-485E-A595-A7F5806F25B6}" srcOrd="0" destOrd="0" parTransId="{92E98703-E69D-4C25-9C48-90F3ACAE9086}" sibTransId="{81E6DAF5-760F-4FD0-BF92-3C9BBCE00F97}"/>
     <dgm:cxn modelId="{D7673F63-48D6-48A7-AAC7-E143DA4C47B7}" type="presOf" srcId="{A4907A77-F41C-433D-941F-3CE3915F6C5B}" destId="{786F6D0D-2A27-43AE-95E9-CAD0084832D1}" srcOrd="1" destOrd="0" presId="urn:microsoft.com/office/officeart/2016/7/layout/VerticalDownArrowProcess"/>
+    <dgm:cxn modelId="{9436C344-56A4-499C-8246-C62CEB3A6B6C}" type="presOf" srcId="{6F87087B-D9B9-485E-A595-A7F5806F25B6}" destId="{402F365E-626C-4E88-9934-F7E442741308}" srcOrd="0" destOrd="0" presId="urn:microsoft.com/office/officeart/2016/7/layout/VerticalDownArrowProcess"/>
     <dgm:cxn modelId="{7E101145-F230-46EC-B71C-766117415277}" type="presOf" srcId="{F781CEE4-351E-4DE6-A2BE-A148E2BE6A11}" destId="{17D75BB7-BB75-4988-97A8-6D5C82DDFA85}" srcOrd="0" destOrd="0" presId="urn:microsoft.com/office/officeart/2016/7/layout/VerticalDownArrowProcess"/>
-    <dgm:cxn modelId="{605D8150-FD56-4FCB-B66B-646209917216}" type="presOf" srcId="{4F3D997D-9154-451C-BF74-F3CC87CAE17E}" destId="{E89F220F-7E7C-44E9-979E-68B41197A23F}" srcOrd="0" destOrd="0" presId="urn:microsoft.com/office/officeart/2016/7/layout/VerticalDownArrowProcess"/>
+    <dgm:cxn modelId="{C478874C-D1B7-4BA1-874A-1B449686BCDA}" type="presOf" srcId="{47C90EDE-9C40-4B8A-BD58-EADC83E3451E}" destId="{0CA55E89-E093-4898-B68F-FA493C0A3D16}" srcOrd="0" destOrd="0" presId="urn:microsoft.com/office/officeart/2016/7/layout/VerticalDownArrowProcess"/>
+    <dgm:cxn modelId="{F888A158-6332-4C42-BA11-5DF45037C128}" srcId="{A4907A77-F41C-433D-941F-3CE3915F6C5B}" destId="{D217D2D3-6E89-4BA5-B94A-18F265544A3C}" srcOrd="0" destOrd="0" parTransId="{46FAA17A-6FD1-45CD-B64E-2EF13BC22751}" sibTransId="{178C29A1-AB20-4812-8058-CD39B1115EA2}"/>
+    <dgm:cxn modelId="{06D5737C-998E-484D-B7A1-21581136C10E}" srcId="{17F4893B-079D-42D4-8FA9-ADCF70799F12}" destId="{10FD427B-96BF-4FB7-83B9-90C33A9052C2}" srcOrd="1" destOrd="0" parTransId="{B9036331-9CC8-4CF3-A227-CC3210643B5B}" sibTransId="{06665295-974D-44FC-A9BD-AF04428DEA33}"/>
     <dgm:cxn modelId="{CF586780-0CCE-410D-B8F4-5F8533AB0CC7}" type="presOf" srcId="{A4907A77-F41C-433D-941F-3CE3915F6C5B}" destId="{3EACA8DE-BEA4-488E-900A-BAD9B4AA4AA3}" srcOrd="0" destOrd="0" presId="urn:microsoft.com/office/officeart/2016/7/layout/VerticalDownArrowProcess"/>
     <dgm:cxn modelId="{8A20678E-58F3-436E-97D0-3D68644D07FE}" srcId="{17F4893B-079D-42D4-8FA9-ADCF70799F12}" destId="{A4907A77-F41C-433D-941F-3CE3915F6C5B}" srcOrd="3" destOrd="0" parTransId="{1BB71B3D-20BD-4418-991C-3381DD14920E}" sibTransId="{929CDFFA-0030-4D88-A869-EE0F0993D884}"/>
-    <dgm:cxn modelId="{0DFF3091-3F20-4B1D-B606-156F2B5CCC55}" srcId="{17F4893B-079D-42D4-8FA9-ADCF70799F12}" destId="{4F3D997D-9154-451C-BF74-F3CC87CAE17E}" srcOrd="1" destOrd="0" parTransId="{AA051D88-E345-436A-B485-80E7FEE04CC3}" sibTransId="{2FFCE01D-797F-40E8-AFC2-CBF787AB34AF}"/>
+    <dgm:cxn modelId="{5A20919C-C865-47A3-81E0-FADADBB8AE15}" srcId="{10FD427B-96BF-4FB7-83B9-90C33A9052C2}" destId="{D2354A4D-1A38-48D5-88BD-1716543C994E}" srcOrd="0" destOrd="0" parTransId="{209E968A-9BAC-4143-BDAC-8A910D561FC7}" sibTransId="{69A5CF90-2C1A-4E12-ADDA-D949D71FB906}"/>
     <dgm:cxn modelId="{CC723FB0-D98B-413E-A6A7-3EFB6752ACEF}" srcId="{B0B72057-539C-4852-8B0B-E5CDDA35A1B2}" destId="{7F6C6B3E-2CDA-4D80-AAFD-A63A91B85346}" srcOrd="0" destOrd="0" parTransId="{C74DDFB6-4AD0-41CD-8B0D-D06DF2F3D5B9}" sibTransId="{6B6B89DC-62F9-4D69-9A73-AFCC749C78F7}"/>
     <dgm:cxn modelId="{ACBDFCB6-1789-4253-975D-00C9BBB3938C}" type="presOf" srcId="{7F6C6B3E-2CDA-4D80-AAFD-A63A91B85346}" destId="{5AE216B5-5F4C-42E9-A762-320F601466DE}" srcOrd="0" destOrd="0" presId="urn:microsoft.com/office/officeart/2016/7/layout/VerticalDownArrowProcess"/>
     <dgm:cxn modelId="{3A79DCBD-95F0-4EEC-B6E5-62568487A24D}" type="presOf" srcId="{4376C1F7-0024-4B80-BD42-35986A155B41}" destId="{3A72816A-2896-43DB-97B3-402663962CD3}" srcOrd="1" destOrd="0" presId="urn:microsoft.com/office/officeart/2016/7/layout/VerticalDownArrowProcess"/>
+    <dgm:cxn modelId="{130101BF-6FF8-4CD1-8ED4-0C12A63B817E}" type="presOf" srcId="{D217D2D3-6E89-4BA5-B94A-18F265544A3C}" destId="{E006BCA2-E097-461F-A9AC-C4B2AB770286}" srcOrd="0" destOrd="0" presId="urn:microsoft.com/office/officeart/2016/7/layout/VerticalDownArrowProcess"/>
     <dgm:cxn modelId="{175472C1-864B-40BB-9A2B-E72D66FDF5F8}" srcId="{17F4893B-079D-42D4-8FA9-ADCF70799F12}" destId="{4376C1F7-0024-4B80-BD42-35986A155B41}" srcOrd="0" destOrd="0" parTransId="{50403FE2-51BD-4BD8-AAE6-DAA6C9192EBC}" sibTransId="{47758C72-7EAE-47FC-8393-5F35DBDCD071}"/>
+    <dgm:cxn modelId="{4BB824D5-40D5-4E9E-A4CC-C06AAD7EA69A}" srcId="{F781CEE4-351E-4DE6-A2BE-A148E2BE6A11}" destId="{47C90EDE-9C40-4B8A-BD58-EADC83E3451E}" srcOrd="0" destOrd="0" parTransId="{FA9A91DB-2480-489E-AB01-B08B640756F0}" sibTransId="{CFE4BDAA-4B11-4E94-90C3-D2F762024CEE}"/>
+    <dgm:cxn modelId="{2D7E5ED7-AF13-418F-939D-4020F3A6566B}" type="presOf" srcId="{10FD427B-96BF-4FB7-83B9-90C33A9052C2}" destId="{A7D08403-124D-41FC-B8D5-3E48E3B3C0F3}" srcOrd="0" destOrd="0" presId="urn:microsoft.com/office/officeart/2016/7/layout/VerticalDownArrowProcess"/>
     <dgm:cxn modelId="{3F25ADD8-7E57-49BB-BC46-AACCE7E3AEA9}" type="presOf" srcId="{B0B72057-539C-4852-8B0B-E5CDDA35A1B2}" destId="{AFAED945-7EA7-4A35-B1F7-C3B96C323CFB}" srcOrd="0" destOrd="0" presId="urn:microsoft.com/office/officeart/2016/7/layout/VerticalDownArrowProcess"/>
-    <dgm:cxn modelId="{5C8D37DB-B4EB-4926-AD69-3B5501144AA9}" type="presOf" srcId="{FF8959A7-5758-4602-BAF3-E18A86C128F6}" destId="{402F365E-626C-4E88-9934-F7E442741308}" srcOrd="0" destOrd="0" presId="urn:microsoft.com/office/officeart/2016/7/layout/VerticalDownArrowProcess"/>
     <dgm:cxn modelId="{1C9942E9-B358-4E38-89BE-447556F29291}" type="presOf" srcId="{F781CEE4-351E-4DE6-A2BE-A148E2BE6A11}" destId="{8E66816F-1241-44D3-968B-561D96CC75BA}" srcOrd="1" destOrd="0" presId="urn:microsoft.com/office/officeart/2016/7/layout/VerticalDownArrowProcess"/>
-    <dgm:cxn modelId="{7038C9FC-5ED5-446A-BD50-A00226304D24}" type="presOf" srcId="{4F3D997D-9154-451C-BF74-F3CC87CAE17E}" destId="{F6F1547C-2CDF-4C4E-8595-C809DA3A0BB1}" srcOrd="1" destOrd="0" presId="urn:microsoft.com/office/officeart/2016/7/layout/VerticalDownArrowProcess"/>
+    <dgm:cxn modelId="{42382DFB-F8C3-4D74-BC82-63765995F4D7}" type="presOf" srcId="{10FD427B-96BF-4FB7-83B9-90C33A9052C2}" destId="{0AAD1D63-E596-4E7C-8854-741D360E7E52}" srcOrd="1" destOrd="0" presId="urn:microsoft.com/office/officeart/2016/7/layout/VerticalDownArrowProcess"/>
     <dgm:cxn modelId="{918E0CAF-4DBB-475A-BF87-040A3EADD596}" type="presParOf" srcId="{68E345F6-D452-4C9C-BB0F-C29F77E13301}" destId="{9533A7BD-EE40-4FE4-9467-AA3CA5E8EF78}" srcOrd="0" destOrd="0" presId="urn:microsoft.com/office/officeart/2016/7/layout/VerticalDownArrowProcess"/>
     <dgm:cxn modelId="{B89E04DA-CBD7-4726-8F42-D0DBA99EAB9F}" type="presParOf" srcId="{9533A7BD-EE40-4FE4-9467-AA3CA5E8EF78}" destId="{AFAED945-7EA7-4A35-B1F7-C3B96C323CFB}" srcOrd="0" destOrd="0" presId="urn:microsoft.com/office/officeart/2016/7/layout/VerticalDownArrowProcess"/>
     <dgm:cxn modelId="{FC82D4E3-50FC-4A08-B09E-2BD8845C7D15}" type="presParOf" srcId="{9533A7BD-EE40-4FE4-9467-AA3CA5E8EF78}" destId="{5AE216B5-5F4C-42E9-A762-320F601466DE}" srcOrd="1" destOrd="0" presId="urn:microsoft.com/office/officeart/2016/7/layout/VerticalDownArrowProcess"/>
@@ -6007,11 +6580,11 @@
     <dgm:cxn modelId="{675A2838-AFF2-4D81-9640-7C0574B2677F}" type="presParOf" srcId="{BE8EF884-61E3-4EB3-9AD3-A2A08ADAA7E6}" destId="{17D75BB7-BB75-4988-97A8-6D5C82DDFA85}" srcOrd="0" destOrd="0" presId="urn:microsoft.com/office/officeart/2016/7/layout/VerticalDownArrowProcess"/>
     <dgm:cxn modelId="{A48CC7BA-853F-44E6-A648-525E26C52174}" type="presParOf" srcId="{BE8EF884-61E3-4EB3-9AD3-A2A08ADAA7E6}" destId="{8E66816F-1241-44D3-968B-561D96CC75BA}" srcOrd="1" destOrd="0" presId="urn:microsoft.com/office/officeart/2016/7/layout/VerticalDownArrowProcess"/>
     <dgm:cxn modelId="{BBDE5022-F9AE-4B71-8606-A22D11F4125D}" type="presParOf" srcId="{BE8EF884-61E3-4EB3-9AD3-A2A08ADAA7E6}" destId="{0CA55E89-E093-4898-B68F-FA493C0A3D16}" srcOrd="2" destOrd="0" presId="urn:microsoft.com/office/officeart/2016/7/layout/VerticalDownArrowProcess"/>
-    <dgm:cxn modelId="{DDA022BF-1884-4873-BB43-FFEDD768D14A}" type="presParOf" srcId="{68E345F6-D452-4C9C-BB0F-C29F77E13301}" destId="{C9585345-7ADE-4222-A52A-8EB3DBCB8AE0}" srcOrd="5" destOrd="0" presId="urn:microsoft.com/office/officeart/2016/7/layout/VerticalDownArrowProcess"/>
-    <dgm:cxn modelId="{F3CFD34E-61C0-4662-94EC-441C6F162A0E}" type="presParOf" srcId="{68E345F6-D452-4C9C-BB0F-C29F77E13301}" destId="{E28098D5-1F7D-47F7-944F-EDB8BF33068B}" srcOrd="6" destOrd="0" presId="urn:microsoft.com/office/officeart/2016/7/layout/VerticalDownArrowProcess"/>
-    <dgm:cxn modelId="{D00F7299-07A7-4F08-8534-EDB70F177DD6}" type="presParOf" srcId="{E28098D5-1F7D-47F7-944F-EDB8BF33068B}" destId="{E89F220F-7E7C-44E9-979E-68B41197A23F}" srcOrd="0" destOrd="0" presId="urn:microsoft.com/office/officeart/2016/7/layout/VerticalDownArrowProcess"/>
-    <dgm:cxn modelId="{17F18ABE-1CDC-476B-9518-F5F99FBCA304}" type="presParOf" srcId="{E28098D5-1F7D-47F7-944F-EDB8BF33068B}" destId="{F6F1547C-2CDF-4C4E-8595-C809DA3A0BB1}" srcOrd="1" destOrd="0" presId="urn:microsoft.com/office/officeart/2016/7/layout/VerticalDownArrowProcess"/>
-    <dgm:cxn modelId="{A0D11CA8-4DC6-4A62-A1EE-245D58777A8D}" type="presParOf" srcId="{E28098D5-1F7D-47F7-944F-EDB8BF33068B}" destId="{A8A630B8-FC0D-49F2-ACD1-CFED1ED2296D}" srcOrd="2" destOrd="0" presId="urn:microsoft.com/office/officeart/2016/7/layout/VerticalDownArrowProcess"/>
+    <dgm:cxn modelId="{E5832342-A251-4B10-B16D-09E17FFED898}" type="presParOf" srcId="{68E345F6-D452-4C9C-BB0F-C29F77E13301}" destId="{C1C41E88-FBD9-4243-90DC-B8B29D4A4E7C}" srcOrd="5" destOrd="0" presId="urn:microsoft.com/office/officeart/2016/7/layout/VerticalDownArrowProcess"/>
+    <dgm:cxn modelId="{AA03129C-9A24-42E9-9197-56F7903286CB}" type="presParOf" srcId="{68E345F6-D452-4C9C-BB0F-C29F77E13301}" destId="{40E739C0-5731-48F8-AFCE-A2BFC60F68B7}" srcOrd="6" destOrd="0" presId="urn:microsoft.com/office/officeart/2016/7/layout/VerticalDownArrowProcess"/>
+    <dgm:cxn modelId="{5DAC8EAB-B1B3-4507-9CF3-7AB78D9079D3}" type="presParOf" srcId="{40E739C0-5731-48F8-AFCE-A2BFC60F68B7}" destId="{A7D08403-124D-41FC-B8D5-3E48E3B3C0F3}" srcOrd="0" destOrd="0" presId="urn:microsoft.com/office/officeart/2016/7/layout/VerticalDownArrowProcess"/>
+    <dgm:cxn modelId="{AA8B9ECB-DA39-4FEB-9741-C2FBBB27D987}" type="presParOf" srcId="{40E739C0-5731-48F8-AFCE-A2BFC60F68B7}" destId="{0AAD1D63-E596-4E7C-8854-741D360E7E52}" srcOrd="1" destOrd="0" presId="urn:microsoft.com/office/officeart/2016/7/layout/VerticalDownArrowProcess"/>
+    <dgm:cxn modelId="{2C118082-59CC-4574-8190-CAAC4C895D27}" type="presParOf" srcId="{40E739C0-5731-48F8-AFCE-A2BFC60F68B7}" destId="{849750E2-4843-406E-9624-D7DE6448B76F}" srcOrd="2" destOrd="0" presId="urn:microsoft.com/office/officeart/2016/7/layout/VerticalDownArrowProcess"/>
     <dgm:cxn modelId="{6A8C986A-4C27-42D5-A0F0-9D74F358E932}" type="presParOf" srcId="{68E345F6-D452-4C9C-BB0F-C29F77E13301}" destId="{10FAD33B-2530-4099-AADB-89B0ABF20A26}" srcOrd="7" destOrd="0" presId="urn:microsoft.com/office/officeart/2016/7/layout/VerticalDownArrowProcess"/>
     <dgm:cxn modelId="{5E5CA545-4F27-4F9C-8BAC-8F01906BB0F2}" type="presParOf" srcId="{68E345F6-D452-4C9C-BB0F-C29F77E13301}" destId="{1956C313-6465-4D84-8EF9-B414DD3C6D1F}" srcOrd="8" destOrd="0" presId="urn:microsoft.com/office/officeart/2016/7/layout/VerticalDownArrowProcess"/>
     <dgm:cxn modelId="{248322C9-FDFE-4F68-9E29-9FF3ED4EC745}" type="presParOf" srcId="{1956C313-6465-4D84-8EF9-B414DD3C6D1F}" destId="{5A85D79A-82B8-4626-9BDD-FE427FA50F8D}" srcOrd="0" destOrd="0" presId="urn:microsoft.com/office/officeart/2016/7/layout/VerticalDownArrowProcess"/>
@@ -6089,7 +6662,7 @@
         <a:lstStyle/>
         <a:p>
           <a:r>
-            <a:rPr lang="en-US"/>
+            <a:rPr lang="en-US" dirty="0"/>
             <a:t>Capture the sentiment from institutional traders: news, reports published by professional analyst</a:t>
           </a:r>
         </a:p>
@@ -6236,8 +6809,8 @@
         <a:lstStyle/>
         <a:p>
           <a:r>
-            <a:rPr lang="en-US"/>
-            <a:t>Stock selection</a:t>
+            <a:rPr lang="en-US" dirty="0"/>
+            <a:t>Stock selection (finding alpha)</a:t>
           </a:r>
         </a:p>
       </dgm:t>
@@ -6479,8 +7052,8 @@
       </dsp:nvSpPr>
       <dsp:spPr>
         <a:xfrm>
-          <a:off x="0" y="841418"/>
-          <a:ext cx="7117918" cy="1544094"/>
+          <a:off x="0" y="838020"/>
+          <a:ext cx="7117918" cy="1547114"/>
         </a:xfrm>
         <a:prstGeom prst="roundRect">
           <a:avLst>
@@ -6521,8 +7094,8 @@
       </dsp:nvSpPr>
       <dsp:spPr>
         <a:xfrm>
-          <a:off x="467088" y="1188839"/>
-          <a:ext cx="849251" cy="849251"/>
+          <a:off x="468002" y="1186121"/>
+          <a:ext cx="850913" cy="850913"/>
         </a:xfrm>
         <a:prstGeom prst="rect">
           <a:avLst/>
@@ -6571,8 +7144,8 @@
       </dsp:nvSpPr>
       <dsp:spPr>
         <a:xfrm>
-          <a:off x="1783429" y="841418"/>
-          <a:ext cx="3203063" cy="1544094"/>
+          <a:off x="1786917" y="838020"/>
+          <a:ext cx="3203063" cy="1547114"/>
         </a:xfrm>
         <a:prstGeom prst="rect">
           <a:avLst/>
@@ -6596,14 +7169,14 @@
         <a:fontRef idx="minor"/>
       </dsp:style>
       <dsp:txBody>
-        <a:bodyPr spcFirstLastPara="0" vert="horz" wrap="square" lIns="163417" tIns="163417" rIns="163417" bIns="163417" numCol="1" spcCol="1270" anchor="ctr" anchorCtr="0">
+        <a:bodyPr spcFirstLastPara="0" vert="horz" wrap="square" lIns="163736" tIns="163736" rIns="163736" bIns="163736" numCol="1" spcCol="1270" anchor="ctr" anchorCtr="0">
           <a:noAutofit/>
         </a:bodyPr>
         <a:lstStyle/>
         <a:p>
-          <a:pPr marL="0" lvl="0" indent="0" algn="l" defTabSz="933450">
+          <a:pPr marL="0" lvl="0" indent="0" algn="l" defTabSz="844550">
             <a:lnSpc>
-              <a:spcPct val="90000"/>
+              <a:spcPct val="100000"/>
             </a:lnSpc>
             <a:spcBef>
               <a:spcPct val="0"/>
@@ -6614,14 +7187,14 @@
             <a:buNone/>
           </a:pPr>
           <a:r>
-            <a:rPr lang="en-US" sz="2100" kern="1200"/>
+            <a:rPr lang="en-US" sz="1900" kern="1200" dirty="0"/>
             <a:t>Construct a model to capture buying and selling signal of the stock market</a:t>
           </a:r>
         </a:p>
       </dsp:txBody>
       <dsp:txXfrm>
-        <a:off x="1783429" y="841418"/>
-        <a:ext cx="3203063" cy="1544094"/>
+        <a:off x="1786917" y="838020"/>
+        <a:ext cx="3203063" cy="1547114"/>
       </dsp:txXfrm>
     </dsp:sp>
     <dsp:sp modelId="{B9F9C750-C5FA-424B-91B7-6E26661FE142}">
@@ -6631,8 +7204,8 @@
       </dsp:nvSpPr>
       <dsp:spPr>
         <a:xfrm>
-          <a:off x="4986492" y="841418"/>
-          <a:ext cx="2129682" cy="1544094"/>
+          <a:off x="4989980" y="838020"/>
+          <a:ext cx="2127937" cy="1547114"/>
         </a:xfrm>
         <a:prstGeom prst="rect">
           <a:avLst/>
@@ -6656,14 +7229,14 @@
         <a:fontRef idx="minor"/>
       </dsp:style>
       <dsp:txBody>
-        <a:bodyPr spcFirstLastPara="0" vert="horz" wrap="square" lIns="163417" tIns="163417" rIns="163417" bIns="163417" numCol="1" spcCol="1270" anchor="ctr" anchorCtr="0">
+        <a:bodyPr spcFirstLastPara="0" vert="horz" wrap="square" lIns="163736" tIns="163736" rIns="163736" bIns="163736" numCol="1" spcCol="1270" anchor="ctr" anchorCtr="0">
           <a:noAutofit/>
         </a:bodyPr>
         <a:lstStyle/>
         <a:p>
-          <a:pPr marL="0" lvl="0" indent="0" algn="l" defTabSz="488950">
+          <a:pPr marL="0" lvl="0" indent="0" algn="l" defTabSz="577850">
             <a:lnSpc>
-              <a:spcPct val="90000"/>
+              <a:spcPct val="100000"/>
             </a:lnSpc>
             <a:spcBef>
               <a:spcPct val="0"/>
@@ -6674,32 +7247,14 @@
             <a:buNone/>
           </a:pPr>
           <a:r>
-            <a:rPr lang="en-US" sz="1100" kern="1200"/>
-            <a:t>Time series modeling to estimate the return</a:t>
-          </a:r>
-        </a:p>
-        <a:p>
-          <a:pPr marL="57150" lvl="1" indent="-57150" algn="l" defTabSz="488950">
-            <a:lnSpc>
-              <a:spcPct val="90000"/>
-            </a:lnSpc>
-            <a:spcBef>
-              <a:spcPct val="0"/>
-            </a:spcBef>
-            <a:spcAft>
-              <a:spcPct val="15000"/>
-            </a:spcAft>
-            <a:buChar char="•"/>
-          </a:pPr>
-          <a:r>
-            <a:rPr lang="en-US" sz="1100" kern="1200"/>
+            <a:rPr lang="en-US" sz="1300" kern="1200" dirty="0"/>
             <a:t>Modeling stock market signals for buying and selling</a:t>
           </a:r>
         </a:p>
         <a:p>
-          <a:pPr marL="0" lvl="0" indent="0" algn="l" defTabSz="488950">
+          <a:pPr marL="0" lvl="0" indent="0" algn="l" defTabSz="577850">
             <a:lnSpc>
-              <a:spcPct val="90000"/>
+              <a:spcPct val="100000"/>
             </a:lnSpc>
             <a:spcBef>
               <a:spcPct val="0"/>
@@ -6710,32 +7265,14 @@
             <a:buNone/>
           </a:pPr>
           <a:r>
-            <a:rPr lang="en-US" sz="1100" kern="1200"/>
+            <a:rPr lang="en-US" sz="1300" kern="1200" dirty="0"/>
             <a:t>Decision making using the return from models</a:t>
-          </a:r>
-        </a:p>
-        <a:p>
-          <a:pPr marL="57150" lvl="1" indent="-57150" algn="l" defTabSz="488950">
-            <a:lnSpc>
-              <a:spcPct val="90000"/>
-            </a:lnSpc>
-            <a:spcBef>
-              <a:spcPct val="0"/>
-            </a:spcBef>
-            <a:spcAft>
-              <a:spcPct val="15000"/>
-            </a:spcAft>
-            <a:buChar char="•"/>
-          </a:pPr>
-          <a:r>
-            <a:rPr lang="en-US" sz="1100" kern="1200"/>
-            <a:t>Balancing time series modeling with decision-making strategies</a:t>
           </a:r>
         </a:p>
       </dsp:txBody>
       <dsp:txXfrm>
-        <a:off x="4986492" y="841418"/>
-        <a:ext cx="2129682" cy="1544094"/>
+        <a:off x="4989980" y="838020"/>
+        <a:ext cx="2127937" cy="1547114"/>
       </dsp:txXfrm>
     </dsp:sp>
     <dsp:sp modelId="{E541CD7E-3771-4130-ACEF-6B941838B6F5}">
@@ -6745,8 +7282,8 @@
       </dsp:nvSpPr>
       <dsp:spPr>
         <a:xfrm>
-          <a:off x="0" y="2771536"/>
-          <a:ext cx="7117918" cy="1544094"/>
+          <a:off x="0" y="2771913"/>
+          <a:ext cx="7117918" cy="1547114"/>
         </a:xfrm>
         <a:prstGeom prst="roundRect">
           <a:avLst>
@@ -6787,8 +7324,8 @@
       </dsp:nvSpPr>
       <dsp:spPr>
         <a:xfrm>
-          <a:off x="467088" y="3118957"/>
-          <a:ext cx="849251" cy="849251"/>
+          <a:off x="468002" y="3120014"/>
+          <a:ext cx="850913" cy="850913"/>
         </a:xfrm>
         <a:prstGeom prst="rect">
           <a:avLst/>
@@ -6837,8 +7374,8 @@
       </dsp:nvSpPr>
       <dsp:spPr>
         <a:xfrm>
-          <a:off x="1783429" y="2771536"/>
-          <a:ext cx="3203063" cy="1544094"/>
+          <a:off x="1786917" y="2771913"/>
+          <a:ext cx="3203063" cy="1547114"/>
         </a:xfrm>
         <a:prstGeom prst="rect">
           <a:avLst/>
@@ -6862,14 +7399,14 @@
         <a:fontRef idx="minor"/>
       </dsp:style>
       <dsp:txBody>
-        <a:bodyPr spcFirstLastPara="0" vert="horz" wrap="square" lIns="163417" tIns="163417" rIns="163417" bIns="163417" numCol="1" spcCol="1270" anchor="ctr" anchorCtr="0">
+        <a:bodyPr spcFirstLastPara="0" vert="horz" wrap="square" lIns="163736" tIns="163736" rIns="163736" bIns="163736" numCol="1" spcCol="1270" anchor="ctr" anchorCtr="0">
           <a:noAutofit/>
         </a:bodyPr>
         <a:lstStyle/>
         <a:p>
-          <a:pPr marL="0" lvl="0" indent="0" algn="l" defTabSz="933450">
+          <a:pPr marL="0" lvl="0" indent="0" algn="l" defTabSz="844550">
             <a:lnSpc>
-              <a:spcPct val="90000"/>
+              <a:spcPct val="100000"/>
             </a:lnSpc>
             <a:spcBef>
               <a:spcPct val="0"/>
@@ -6880,14 +7417,14 @@
             <a:buNone/>
           </a:pPr>
           <a:r>
-            <a:rPr lang="en-US" sz="2100" kern="1200"/>
-            <a:t>Implement sentiment analysis of retail trader on Twitter and Reddit and study their impact</a:t>
+            <a:rPr lang="en-US" sz="1900" kern="1200" dirty="0"/>
+            <a:t>Implement sentiment analysis of retail trader and study their impact</a:t>
           </a:r>
         </a:p>
       </dsp:txBody>
       <dsp:txXfrm>
-        <a:off x="1783429" y="2771536"/>
-        <a:ext cx="3203063" cy="1544094"/>
+        <a:off x="1786917" y="2771913"/>
+        <a:ext cx="3203063" cy="1547114"/>
       </dsp:txXfrm>
     </dsp:sp>
     <dsp:sp modelId="{D989E9BD-753D-4A8A-BE43-10BCB6382F25}">
@@ -6897,8 +7434,8 @@
       </dsp:nvSpPr>
       <dsp:spPr>
         <a:xfrm>
-          <a:off x="4986492" y="2771536"/>
-          <a:ext cx="2129682" cy="1544094"/>
+          <a:off x="4989980" y="2771913"/>
+          <a:ext cx="2127937" cy="1547114"/>
         </a:xfrm>
         <a:prstGeom prst="rect">
           <a:avLst/>
@@ -6922,14 +7459,14 @@
         <a:fontRef idx="minor"/>
       </dsp:style>
       <dsp:txBody>
-        <a:bodyPr spcFirstLastPara="0" vert="horz" wrap="square" lIns="163417" tIns="163417" rIns="163417" bIns="163417" numCol="1" spcCol="1270" anchor="ctr" anchorCtr="0">
+        <a:bodyPr spcFirstLastPara="0" vert="horz" wrap="square" lIns="163736" tIns="163736" rIns="163736" bIns="163736" numCol="1" spcCol="1270" anchor="ctr" anchorCtr="0">
           <a:noAutofit/>
         </a:bodyPr>
         <a:lstStyle/>
         <a:p>
-          <a:pPr marL="0" lvl="0" indent="0" algn="l" defTabSz="488950">
+          <a:pPr marL="0" lvl="0" indent="0" algn="l" defTabSz="577850">
             <a:lnSpc>
-              <a:spcPct val="90000"/>
+              <a:spcPct val="100000"/>
             </a:lnSpc>
             <a:spcBef>
               <a:spcPct val="0"/>
@@ -6940,14 +7477,14 @@
             <a:buNone/>
           </a:pPr>
           <a:r>
-            <a:rPr lang="en-US" sz="1100" kern="1200"/>
+            <a:rPr lang="en-US" sz="1300" kern="1200"/>
             <a:t>Entity matching</a:t>
           </a:r>
         </a:p>
         <a:p>
-          <a:pPr marL="0" lvl="0" indent="0" algn="l" defTabSz="488950">
+          <a:pPr marL="0" lvl="0" indent="0" algn="l" defTabSz="577850">
             <a:lnSpc>
-              <a:spcPct val="90000"/>
+              <a:spcPct val="100000"/>
             </a:lnSpc>
             <a:spcBef>
               <a:spcPct val="0"/>
@@ -6958,32 +7495,14 @@
             <a:buNone/>
           </a:pPr>
           <a:r>
-            <a:rPr lang="en-US" sz="1100" kern="1200"/>
+            <a:rPr lang="en-US" sz="1300" kern="1200" dirty="0"/>
             <a:t>Sentiment analysis</a:t>
-          </a:r>
-        </a:p>
-        <a:p>
-          <a:pPr marL="57150" lvl="1" indent="-57150" algn="l" defTabSz="488950">
-            <a:lnSpc>
-              <a:spcPct val="90000"/>
-            </a:lnSpc>
-            <a:spcBef>
-              <a:spcPct val="0"/>
-            </a:spcBef>
-            <a:spcAft>
-              <a:spcPct val="15000"/>
-            </a:spcAft>
-            <a:buChar char="•"/>
-          </a:pPr>
-          <a:r>
-            <a:rPr lang="en-US" sz="1100" kern="1200"/>
-            <a:t>Incorporating sentiment analysis of retail traders from social media</a:t>
           </a:r>
         </a:p>
       </dsp:txBody>
       <dsp:txXfrm>
-        <a:off x="4986492" y="2771536"/>
-        <a:ext cx="2129682" cy="1544094"/>
+        <a:off x="4989980" y="2771913"/>
+        <a:ext cx="2127937" cy="1547114"/>
       </dsp:txXfrm>
     </dsp:sp>
   </dsp:spTree>
@@ -7005,8 +7524,8 @@
       </dsp:nvSpPr>
       <dsp:spPr>
         <a:xfrm>
-          <a:off x="0" y="371949"/>
-          <a:ext cx="5891471" cy="2116800"/>
+          <a:off x="0" y="351024"/>
+          <a:ext cx="5891471" cy="2142000"/>
         </a:xfrm>
         <a:prstGeom prst="rect">
           <a:avLst/>
@@ -7047,12 +7566,12 @@
         <a:fontRef idx="minor"/>
       </dsp:style>
       <dsp:txBody>
-        <a:bodyPr spcFirstLastPara="0" vert="horz" wrap="square" lIns="457244" tIns="437388" rIns="457244" bIns="149352" numCol="1" spcCol="1270" anchor="t" anchorCtr="0">
+        <a:bodyPr spcFirstLastPara="0" vert="horz" wrap="square" lIns="457244" tIns="416560" rIns="457244" bIns="142240" numCol="1" spcCol="1270" anchor="t" anchorCtr="0">
           <a:noAutofit/>
         </a:bodyPr>
         <a:lstStyle/>
         <a:p>
-          <a:pPr marL="228600" lvl="1" indent="-228600" algn="l" defTabSz="933450">
+          <a:pPr marL="228600" lvl="1" indent="-228600" algn="l" defTabSz="889000">
             <a:lnSpc>
               <a:spcPct val="90000"/>
             </a:lnSpc>
@@ -7065,12 +7584,12 @@
             <a:buChar char="•"/>
           </a:pPr>
           <a:r>
-            <a:rPr lang="en-US" sz="2100" kern="1200"/>
+            <a:rPr lang="en-US" sz="2000" kern="1200"/>
             <a:t>There are paper study the correlation between stock market and retail traders’ sentiment</a:t>
           </a:r>
         </a:p>
         <a:p>
-          <a:pPr marL="228600" lvl="1" indent="-228600" algn="l" defTabSz="933450">
+          <a:pPr marL="228600" lvl="1" indent="-228600" algn="l" defTabSz="889000">
             <a:lnSpc>
               <a:spcPct val="90000"/>
             </a:lnSpc>
@@ -7083,14 +7602,14 @@
             <a:buChar char="•"/>
           </a:pPr>
           <a:r>
-            <a:rPr lang="en-US" sz="2100" kern="1200"/>
+            <a:rPr lang="en-US" sz="2000" kern="1200"/>
             <a:t>There are paper about building models to predict stock return</a:t>
           </a:r>
         </a:p>
       </dsp:txBody>
       <dsp:txXfrm>
-        <a:off x="0" y="371949"/>
-        <a:ext cx="5891471" cy="2116800"/>
+        <a:off x="0" y="351024"/>
+        <a:ext cx="5891471" cy="2142000"/>
       </dsp:txXfrm>
     </dsp:sp>
     <dsp:sp modelId="{3D78E7DC-E549-4121-9EC8-783C9EC0AC04}">
@@ -7100,8 +7619,8 @@
       </dsp:nvSpPr>
       <dsp:spPr>
         <a:xfrm>
-          <a:off x="294573" y="61989"/>
-          <a:ext cx="4124029" cy="619920"/>
+          <a:off x="294573" y="55824"/>
+          <a:ext cx="4124029" cy="590400"/>
         </a:xfrm>
         <a:prstGeom prst="roundRect">
           <a:avLst/>
@@ -7148,7 +7667,7 @@
         </a:bodyPr>
         <a:lstStyle/>
         <a:p>
-          <a:pPr marL="0" lvl="0" indent="0" algn="l" defTabSz="933450">
+          <a:pPr marL="0" lvl="0" indent="0" algn="l" defTabSz="889000">
             <a:lnSpc>
               <a:spcPct val="90000"/>
             </a:lnSpc>
@@ -7161,14 +7680,14 @@
             <a:buNone/>
           </a:pPr>
           <a:r>
-            <a:rPr lang="en-US" sz="2100" kern="1200"/>
+            <a:rPr lang="en-US" sz="2000" kern="1200"/>
             <a:t>Similarities:</a:t>
           </a:r>
         </a:p>
       </dsp:txBody>
       <dsp:txXfrm>
-        <a:off x="324835" y="92251"/>
-        <a:ext cx="4063505" cy="559396"/>
+        <a:off x="323394" y="84645"/>
+        <a:ext cx="4066387" cy="532758"/>
       </dsp:txXfrm>
     </dsp:sp>
     <dsp:sp modelId="{1B0A7A31-21EB-4189-8994-DEC93D450867}">
@@ -7178,8 +7697,8 @@
       </dsp:nvSpPr>
       <dsp:spPr>
         <a:xfrm>
-          <a:off x="0" y="2912109"/>
-          <a:ext cx="5891471" cy="2182950"/>
+          <a:off x="0" y="2896224"/>
+          <a:ext cx="5891471" cy="2205000"/>
         </a:xfrm>
         <a:prstGeom prst="rect">
           <a:avLst/>
@@ -7220,12 +7739,12 @@
         <a:fontRef idx="minor"/>
       </dsp:style>
       <dsp:txBody>
-        <a:bodyPr spcFirstLastPara="0" vert="horz" wrap="square" lIns="457244" tIns="437388" rIns="457244" bIns="149352" numCol="1" spcCol="1270" anchor="t" anchorCtr="0">
+        <a:bodyPr spcFirstLastPara="0" vert="horz" wrap="square" lIns="457244" tIns="416560" rIns="457244" bIns="142240" numCol="1" spcCol="1270" anchor="t" anchorCtr="0">
           <a:noAutofit/>
         </a:bodyPr>
         <a:lstStyle/>
         <a:p>
-          <a:pPr marL="228600" lvl="1" indent="-228600" algn="l" defTabSz="933450">
+          <a:pPr marL="228600" lvl="1" indent="-228600" algn="l" defTabSz="889000">
             <a:lnSpc>
               <a:spcPct val="90000"/>
             </a:lnSpc>
@@ -7238,12 +7757,12 @@
             <a:buChar char="•"/>
           </a:pPr>
           <a:r>
-            <a:rPr lang="en-US" sz="2100" kern="1200"/>
+            <a:rPr lang="en-US" sz="2000" kern="1200"/>
             <a:t>We implemented a dynamic approach to make short term prediction </a:t>
           </a:r>
         </a:p>
         <a:p>
-          <a:pPr marL="228600" lvl="1" indent="-228600" algn="l" defTabSz="933450">
+          <a:pPr marL="228600" lvl="1" indent="-228600" algn="l" defTabSz="889000">
             <a:lnSpc>
               <a:spcPct val="90000"/>
             </a:lnSpc>
@@ -7256,12 +7775,12 @@
             <a:buChar char="•"/>
           </a:pPr>
           <a:r>
-            <a:rPr lang="en-US" sz="2100" kern="1200"/>
+            <a:rPr lang="en-US" sz="2000" kern="1200"/>
             <a:t>We focus both on loss and gain</a:t>
           </a:r>
         </a:p>
         <a:p>
-          <a:pPr marL="228600" lvl="1" indent="-228600" algn="l" defTabSz="933450">
+          <a:pPr marL="228600" lvl="1" indent="-228600" algn="l" defTabSz="889000">
             <a:lnSpc>
               <a:spcPct val="90000"/>
             </a:lnSpc>
@@ -7274,14 +7793,14 @@
             <a:buChar char="•"/>
           </a:pPr>
           <a:r>
-            <a:rPr lang="en-US" sz="2100" kern="1200"/>
+            <a:rPr lang="en-US" sz="2000" kern="1200"/>
             <a:t>We incorporate sentiment analysis into our model</a:t>
           </a:r>
         </a:p>
       </dsp:txBody>
       <dsp:txXfrm>
-        <a:off x="0" y="2912109"/>
-        <a:ext cx="5891471" cy="2182950"/>
+        <a:off x="0" y="2896224"/>
+        <a:ext cx="5891471" cy="2205000"/>
       </dsp:txXfrm>
     </dsp:sp>
     <dsp:sp modelId="{F27E2B59-372A-402C-B697-3DE712A58854}">
@@ -7291,8 +7810,8 @@
       </dsp:nvSpPr>
       <dsp:spPr>
         <a:xfrm>
-          <a:off x="294573" y="2602149"/>
-          <a:ext cx="4124029" cy="619920"/>
+          <a:off x="294573" y="2601024"/>
+          <a:ext cx="4124029" cy="590400"/>
         </a:xfrm>
         <a:prstGeom prst="roundRect">
           <a:avLst/>
@@ -7339,7 +7858,7 @@
         </a:bodyPr>
         <a:lstStyle/>
         <a:p>
-          <a:pPr marL="0" lvl="0" indent="0" algn="l" defTabSz="933450">
+          <a:pPr marL="0" lvl="0" indent="0" algn="l" defTabSz="889000">
             <a:lnSpc>
               <a:spcPct val="90000"/>
             </a:lnSpc>
@@ -7352,14 +7871,14 @@
             <a:buNone/>
           </a:pPr>
           <a:r>
-            <a:rPr lang="en-US" sz="2100" kern="1200"/>
+            <a:rPr lang="en-US" sz="2000" kern="1200"/>
             <a:t>Uniqueness</a:t>
           </a:r>
         </a:p>
       </dsp:txBody>
       <dsp:txXfrm>
-        <a:off x="324835" y="2632411"/>
-        <a:ext cx="4063505" cy="559396"/>
+        <a:off x="323394" y="2629845"/>
+        <a:ext cx="4066387" cy="532758"/>
       </dsp:txXfrm>
     </dsp:sp>
   </dsp:spTree>
@@ -7522,92 +8041,22 @@
             <a:buNone/>
           </a:pPr>
           <a:r>
-            <a:rPr lang="en-US" sz="1300" kern="1200"/>
-            <a:t>Make decision based on the distribution of returns of past 40 days</a:t>
+            <a:rPr lang="en-US" sz="1300" kern="1200" dirty="0"/>
+            <a:t>Make decision based on the distribution of returns of past “</a:t>
+          </a:r>
+          <a:r>
+            <a:rPr lang="en-US" sz="1300" kern="1200" dirty="0" err="1"/>
+            <a:t>Window_size</a:t>
+          </a:r>
+          <a:r>
+            <a:rPr lang="en-US" sz="1300" kern="1200" dirty="0"/>
+            <a:t>” days</a:t>
           </a:r>
         </a:p>
       </dsp:txBody>
       <dsp:txXfrm>
         <a:off x="1472867" y="4428114"/>
         <a:ext cx="4418603" cy="726469"/>
-      </dsp:txXfrm>
-    </dsp:sp>
-    <dsp:sp modelId="{3EACA8DE-BEA4-488E-900A-BAD9B4AA4AA3}">
-      <dsp:nvSpPr>
-        <dsp:cNvPr id="0" name=""/>
-        <dsp:cNvSpPr/>
-      </dsp:nvSpPr>
-      <dsp:spPr>
-        <a:xfrm rot="10800000">
-          <a:off x="0" y="3321702"/>
-          <a:ext cx="1472867" cy="726251"/>
-        </a:xfrm>
-        <a:prstGeom prst="upArrowCallout">
-          <a:avLst/>
-        </a:prstGeom>
-        <a:solidFill>
-          <a:schemeClr val="accent5">
-            <a:hueOff val="0"/>
-            <a:satOff val="0"/>
-            <a:lumOff val="0"/>
-            <a:alphaOff val="0"/>
-          </a:schemeClr>
-        </a:solidFill>
-        <a:ln w="12700" cap="flat" cmpd="sng" algn="ctr">
-          <a:solidFill>
-            <a:schemeClr val="lt1">
-              <a:hueOff val="0"/>
-              <a:satOff val="0"/>
-              <a:lumOff val="0"/>
-              <a:alphaOff val="0"/>
-            </a:schemeClr>
-          </a:solidFill>
-          <a:prstDash val="solid"/>
-          <a:miter lim="800000"/>
-        </a:ln>
-        <a:effectLst/>
-      </dsp:spPr>
-      <dsp:style>
-        <a:lnRef idx="2">
-          <a:scrgbClr r="0" g="0" b="0"/>
-        </a:lnRef>
-        <a:fillRef idx="1">
-          <a:scrgbClr r="0" g="0" b="0"/>
-        </a:fillRef>
-        <a:effectRef idx="0">
-          <a:scrgbClr r="0" g="0" b="0"/>
-        </a:effectRef>
-        <a:fontRef idx="minor">
-          <a:schemeClr val="lt1"/>
-        </a:fontRef>
-      </dsp:style>
-      <dsp:txBody>
-        <a:bodyPr spcFirstLastPara="0" vert="horz" wrap="square" lIns="104750" tIns="92456" rIns="104750" bIns="92456" numCol="1" spcCol="1270" anchor="ctr" anchorCtr="0">
-          <a:noAutofit/>
-        </a:bodyPr>
-        <a:lstStyle/>
-        <a:p>
-          <a:pPr marL="0" lvl="0" indent="0" algn="ctr" defTabSz="577850">
-            <a:lnSpc>
-              <a:spcPct val="90000"/>
-            </a:lnSpc>
-            <a:spcBef>
-              <a:spcPct val="0"/>
-            </a:spcBef>
-            <a:spcAft>
-              <a:spcPct val="35000"/>
-            </a:spcAft>
-            <a:buNone/>
-          </a:pPr>
-          <a:r>
-            <a:rPr lang="en-US" sz="1300" kern="1200"/>
-            <a:t>Hyperparameter tunning</a:t>
-          </a:r>
-        </a:p>
-      </dsp:txBody>
-      <dsp:txXfrm rot="10800000">
-        <a:off x="0" y="3321702"/>
-        <a:ext cx="1472867" cy="471896"/>
       </dsp:txXfrm>
     </dsp:sp>
     <dsp:sp modelId="{786F6D0D-2A27-43AE-95E9-CAD0084832D1}">
@@ -7683,14 +8132,14 @@
             <a:buNone/>
           </a:pPr>
           <a:r>
-            <a:rPr lang="en-US" sz="1300" kern="1200"/>
+            <a:rPr lang="en-US" sz="1300" kern="1200" dirty="0"/>
             <a:t>Hyperparameter tunning</a:t>
           </a:r>
         </a:p>
       </dsp:txBody>
-      <dsp:txXfrm rot="10800000">
+      <dsp:txXfrm rot="-10800000">
         <a:off x="0" y="3321702"/>
-        <a:ext cx="1472867" cy="471896"/>
+        <a:ext cx="1472867" cy="726251"/>
       </dsp:txXfrm>
     </dsp:sp>
     <dsp:sp modelId="{E006BCA2-E097-461F-A9AC-C4B2AB770286}">
@@ -7744,63 +8193,13 @@
         </a:effectRef>
         <a:fontRef idx="minor"/>
       </dsp:style>
-    </dsp:sp>
-    <dsp:sp modelId="{17D75BB7-BB75-4988-97A8-6D5C82DDFA85}">
-      <dsp:nvSpPr>
-        <dsp:cNvPr id="0" name=""/>
-        <dsp:cNvSpPr/>
-      </dsp:nvSpPr>
-      <dsp:spPr>
-        <a:xfrm rot="10800000">
-          <a:off x="0" y="2215289"/>
-          <a:ext cx="1472867" cy="726251"/>
-        </a:xfrm>
-        <a:prstGeom prst="upArrowCallout">
-          <a:avLst/>
-        </a:prstGeom>
-        <a:solidFill>
-          <a:schemeClr val="accent5">
-            <a:hueOff val="-762678"/>
-            <a:satOff val="209"/>
-            <a:lumOff val="-3529"/>
-            <a:alphaOff val="0"/>
-          </a:schemeClr>
-        </a:solidFill>
-        <a:ln w="12700" cap="flat" cmpd="sng" algn="ctr">
-          <a:solidFill>
-            <a:schemeClr val="lt1">
-              <a:hueOff val="0"/>
-              <a:satOff val="0"/>
-              <a:lumOff val="0"/>
-              <a:alphaOff val="0"/>
-            </a:schemeClr>
-          </a:solidFill>
-          <a:prstDash val="solid"/>
-          <a:miter lim="800000"/>
-        </a:ln>
-        <a:effectLst/>
-      </dsp:spPr>
-      <dsp:style>
-        <a:lnRef idx="2">
-          <a:scrgbClr r="0" g="0" b="0"/>
-        </a:lnRef>
-        <a:fillRef idx="1">
-          <a:scrgbClr r="0" g="0" b="0"/>
-        </a:fillRef>
-        <a:effectRef idx="0">
-          <a:scrgbClr r="0" g="0" b="0"/>
-        </a:effectRef>
-        <a:fontRef idx="minor">
-          <a:schemeClr val="lt1"/>
-        </a:fontRef>
-      </dsp:style>
       <dsp:txBody>
-        <a:bodyPr spcFirstLastPara="0" vert="horz" wrap="square" lIns="104750" tIns="92456" rIns="104750" bIns="92456" numCol="1" spcCol="1270" anchor="ctr" anchorCtr="0">
+        <a:bodyPr spcFirstLastPara="0" vert="horz" wrap="square" lIns="89630" tIns="165100" rIns="89630" bIns="165100" numCol="1" spcCol="1270" anchor="ctr" anchorCtr="0">
           <a:noAutofit/>
         </a:bodyPr>
         <a:lstStyle/>
         <a:p>
-          <a:pPr marL="0" lvl="0" indent="0" algn="ctr" defTabSz="577850">
+          <a:pPr marL="0" lvl="0" indent="0" algn="l" defTabSz="577850">
             <a:lnSpc>
               <a:spcPct val="90000"/>
             </a:lnSpc>
@@ -7813,14 +8212,23 @@
             <a:buNone/>
           </a:pPr>
           <a:r>
-            <a:rPr lang="en-US" sz="1300" kern="1200"/>
-            <a:t>Window Size Selection</a:t>
+            <a:rPr lang="en-US" sz="1300" kern="1200" dirty="0" err="1"/>
+            <a:t>Optuna</a:t>
           </a:r>
+          <a:r>
+            <a:rPr lang="en-US" sz="1300" kern="1200" dirty="0"/>
+            <a:t>, </a:t>
+          </a:r>
+          <a:r>
+            <a:rPr lang="en-US" altLang="zh-CN" sz="1300" kern="1200" dirty="0"/>
+            <a:t>A hyperparameter optimization framework</a:t>
+          </a:r>
+          <a:endParaRPr lang="en-US" sz="1300" kern="1200" dirty="0"/>
         </a:p>
       </dsp:txBody>
-      <dsp:txXfrm rot="10800000">
-        <a:off x="0" y="2215289"/>
-        <a:ext cx="1472867" cy="471896"/>
+      <dsp:txXfrm>
+        <a:off x="1472867" y="3321702"/>
+        <a:ext cx="4418603" cy="726251"/>
       </dsp:txXfrm>
     </dsp:sp>
     <dsp:sp modelId="{8E66816F-1241-44D3-968B-561D96CC75BA}">
@@ -7896,14 +8304,14 @@
             <a:buNone/>
           </a:pPr>
           <a:r>
-            <a:rPr lang="en-US" sz="1300" kern="1200"/>
+            <a:rPr lang="en-US" sz="1300" kern="1200" dirty="0"/>
             <a:t>Window Size Selection</a:t>
           </a:r>
         </a:p>
       </dsp:txBody>
-      <dsp:txXfrm rot="10800000">
+      <dsp:txXfrm rot="-10800000">
         <a:off x="0" y="2215289"/>
-        <a:ext cx="1472867" cy="471896"/>
+        <a:ext cx="1472867" cy="726251"/>
       </dsp:txXfrm>
     </dsp:sp>
     <dsp:sp modelId="{0CA55E89-E093-4898-B68F-FA493C0A3D16}">
@@ -7957,63 +8365,13 @@
         </a:effectRef>
         <a:fontRef idx="minor"/>
       </dsp:style>
-    </dsp:sp>
-    <dsp:sp modelId="{E89F220F-7E7C-44E9-979E-68B41197A23F}">
-      <dsp:nvSpPr>
-        <dsp:cNvPr id="0" name=""/>
-        <dsp:cNvSpPr/>
-      </dsp:nvSpPr>
-      <dsp:spPr>
-        <a:xfrm rot="10800000">
-          <a:off x="0" y="1108877"/>
-          <a:ext cx="1472867" cy="726251"/>
-        </a:xfrm>
-        <a:prstGeom prst="upArrowCallout">
-          <a:avLst/>
-        </a:prstGeom>
-        <a:solidFill>
-          <a:schemeClr val="accent5">
-            <a:hueOff val="-1525356"/>
-            <a:satOff val="418"/>
-            <a:lumOff val="-7058"/>
-            <a:alphaOff val="0"/>
-          </a:schemeClr>
-        </a:solidFill>
-        <a:ln w="12700" cap="flat" cmpd="sng" algn="ctr">
-          <a:solidFill>
-            <a:schemeClr val="lt1">
-              <a:hueOff val="0"/>
-              <a:satOff val="0"/>
-              <a:lumOff val="0"/>
-              <a:alphaOff val="0"/>
-            </a:schemeClr>
-          </a:solidFill>
-          <a:prstDash val="solid"/>
-          <a:miter lim="800000"/>
-        </a:ln>
-        <a:effectLst/>
-      </dsp:spPr>
-      <dsp:style>
-        <a:lnRef idx="2">
-          <a:scrgbClr r="0" g="0" b="0"/>
-        </a:lnRef>
-        <a:fillRef idx="1">
-          <a:scrgbClr r="0" g="0" b="0"/>
-        </a:fillRef>
-        <a:effectRef idx="0">
-          <a:scrgbClr r="0" g="0" b="0"/>
-        </a:effectRef>
-        <a:fontRef idx="minor">
-          <a:schemeClr val="lt1"/>
-        </a:fontRef>
-      </dsp:style>
       <dsp:txBody>
-        <a:bodyPr spcFirstLastPara="0" vert="horz" wrap="square" lIns="104750" tIns="92456" rIns="104750" bIns="92456" numCol="1" spcCol="1270" anchor="ctr" anchorCtr="0">
+        <a:bodyPr spcFirstLastPara="0" vert="horz" wrap="square" lIns="89630" tIns="165100" rIns="89630" bIns="165100" numCol="1" spcCol="1270" anchor="ctr" anchorCtr="0">
           <a:noAutofit/>
         </a:bodyPr>
         <a:lstStyle/>
         <a:p>
-          <a:pPr marL="0" lvl="0" indent="0" algn="ctr" defTabSz="577850">
+          <a:pPr marL="0" lvl="0" indent="0" algn="l" defTabSz="577850">
             <a:lnSpc>
               <a:spcPct val="90000"/>
             </a:lnSpc>
@@ -8026,17 +8384,17 @@
             <a:buNone/>
           </a:pPr>
           <a:r>
-            <a:rPr lang="en-US" sz="1300" kern="1200"/>
-            <a:t>Stationary vs Nonstationary data</a:t>
+            <a:rPr lang="en-US" sz="1300" kern="1200" dirty="0"/>
+            <a:t>Data used to train the model</a:t>
           </a:r>
         </a:p>
       </dsp:txBody>
-      <dsp:txXfrm rot="10800000">
-        <a:off x="0" y="1108877"/>
-        <a:ext cx="1472867" cy="471896"/>
+      <dsp:txXfrm>
+        <a:off x="1472867" y="2215289"/>
+        <a:ext cx="4418603" cy="726251"/>
       </dsp:txXfrm>
     </dsp:sp>
-    <dsp:sp modelId="{F6F1547C-2CDF-4C4E-8595-C809DA3A0BB1}">
+    <dsp:sp modelId="{0AAD1D63-E596-4E7C-8854-741D360E7E52}">
       <dsp:nvSpPr>
         <dsp:cNvPr id="0" name=""/>
         <dsp:cNvSpPr/>
@@ -8109,17 +8467,17 @@
             <a:buNone/>
           </a:pPr>
           <a:r>
-            <a:rPr lang="en-US" sz="1300" kern="1200"/>
-            <a:t>Stationary vs Nonstationary data</a:t>
+            <a:rPr lang="en-US" sz="1300" kern="1200" dirty="0"/>
+            <a:t>Feature Selection </a:t>
           </a:r>
         </a:p>
       </dsp:txBody>
-      <dsp:txXfrm rot="10800000">
+      <dsp:txXfrm rot="-10800000">
         <a:off x="0" y="1108877"/>
-        <a:ext cx="1472867" cy="471896"/>
+        <a:ext cx="1472867" cy="726251"/>
       </dsp:txXfrm>
     </dsp:sp>
-    <dsp:sp modelId="{A8A630B8-FC0D-49F2-ACD1-CFED1ED2296D}">
+    <dsp:sp modelId="{849750E2-4843-406E-9624-D7DE6448B76F}">
       <dsp:nvSpPr>
         <dsp:cNvPr id="0" name=""/>
         <dsp:cNvSpPr/>
@@ -8170,6 +8528,35 @@
         </a:effectRef>
         <a:fontRef idx="minor"/>
       </dsp:style>
+      <dsp:txBody>
+        <a:bodyPr spcFirstLastPara="0" vert="horz" wrap="square" lIns="89630" tIns="165100" rIns="89630" bIns="165100" numCol="1" spcCol="1270" anchor="ctr" anchorCtr="0">
+          <a:noAutofit/>
+        </a:bodyPr>
+        <a:lstStyle/>
+        <a:p>
+          <a:pPr marL="0" lvl="0" indent="0" algn="l" defTabSz="577850">
+            <a:lnSpc>
+              <a:spcPct val="90000"/>
+            </a:lnSpc>
+            <a:spcBef>
+              <a:spcPct val="0"/>
+            </a:spcBef>
+            <a:spcAft>
+              <a:spcPct val="35000"/>
+            </a:spcAft>
+            <a:buNone/>
+          </a:pPr>
+          <a:r>
+            <a:rPr lang="en-US" sz="1300" kern="1200"/>
+            <a:t>Stationary vs Nonstationary data</a:t>
+          </a:r>
+          <a:endParaRPr lang="en-US" sz="1300" kern="1200" dirty="0"/>
+        </a:p>
+      </dsp:txBody>
+      <dsp:txXfrm>
+        <a:off x="1472867" y="1108877"/>
+        <a:ext cx="4418603" cy="726251"/>
+      </dsp:txXfrm>
     </dsp:sp>
     <dsp:sp modelId="{3A72816A-2896-43DB-97B3-402663962CD3}">
       <dsp:nvSpPr>
@@ -8244,8 +8631,8 @@
             <a:buNone/>
           </a:pPr>
           <a:r>
-            <a:rPr lang="en-US" sz="1300" kern="1200"/>
-            <a:t>Objective: capture trading signal</a:t>
+            <a:rPr lang="en-US" sz="1300" kern="1200" dirty="0"/>
+            <a:t>Objective:</a:t>
           </a:r>
         </a:p>
       </dsp:txBody>
@@ -8327,6 +8714,7 @@
             <a:rPr lang="en-US" sz="1300" kern="1200"/>
             <a:t>Price Vs. Return </a:t>
           </a:r>
+          <a:endParaRPr lang="en-US" sz="1300" kern="1200" dirty="0"/>
         </a:p>
       </dsp:txBody>
       <dsp:txXfrm>
@@ -8353,8 +8741,8 @@
       </dsp:nvSpPr>
       <dsp:spPr>
         <a:xfrm>
-          <a:off x="635825" y="395527"/>
-          <a:ext cx="1510523" cy="1147427"/>
+          <a:off x="640408" y="443674"/>
+          <a:ext cx="1509048" cy="1103228"/>
         </a:xfrm>
         <a:prstGeom prst="rect">
           <a:avLst/>
@@ -8403,8 +8791,8 @@
       </dsp:nvSpPr>
       <dsp:spPr>
         <a:xfrm>
-          <a:off x="635825" y="1650448"/>
-          <a:ext cx="4315781" cy="491754"/>
+          <a:off x="640408" y="1650255"/>
+          <a:ext cx="4311566" cy="472812"/>
         </a:xfrm>
         <a:prstGeom prst="rect">
           <a:avLst/>
@@ -8433,7 +8821,7 @@
         </a:bodyPr>
         <a:lstStyle/>
         <a:p>
-          <a:pPr marL="0" lvl="0" indent="0" algn="l" defTabSz="1555750">
+          <a:pPr marL="0" lvl="0" indent="0" algn="l" defTabSz="1377950">
             <a:lnSpc>
               <a:spcPct val="90000"/>
             </a:lnSpc>
@@ -8447,14 +8835,14 @@
             <a:defRPr b="1"/>
           </a:pPr>
           <a:r>
-            <a:rPr lang="en-US" sz="3500" kern="1200"/>
+            <a:rPr lang="en-US" sz="3100" kern="1200"/>
             <a:t>Sentiment Analysis</a:t>
           </a:r>
         </a:p>
       </dsp:txBody>
       <dsp:txXfrm>
-        <a:off x="635825" y="1650448"/>
-        <a:ext cx="4315781" cy="491754"/>
+        <a:off x="640408" y="1650255"/>
+        <a:ext cx="4311566" cy="472812"/>
       </dsp:txXfrm>
     </dsp:sp>
     <dsp:sp modelId="{B2DF3FD2-C7A8-4585-9238-D415AB884C13}">
@@ -8464,8 +8852,8 @@
       </dsp:nvSpPr>
       <dsp:spPr>
         <a:xfrm>
-          <a:off x="635825" y="2192199"/>
-          <a:ext cx="4315781" cy="703160"/>
+          <a:off x="640408" y="2171138"/>
+          <a:ext cx="4311566" cy="676075"/>
         </a:xfrm>
         <a:prstGeom prst="rect">
           <a:avLst/>
@@ -8507,14 +8895,14 @@
             <a:buNone/>
           </a:pPr>
           <a:r>
-            <a:rPr lang="en-US" sz="1700" kern="1200"/>
+            <a:rPr lang="en-US" sz="1700" kern="1200" dirty="0"/>
             <a:t>Capture the sentiment from institutional traders: news, reports published by professional analyst</a:t>
           </a:r>
         </a:p>
       </dsp:txBody>
       <dsp:txXfrm>
-        <a:off x="635825" y="2192199"/>
-        <a:ext cx="4315781" cy="703160"/>
+        <a:off x="640408" y="2171138"/>
+        <a:ext cx="4311566" cy="676075"/>
       </dsp:txXfrm>
     </dsp:sp>
     <dsp:sp modelId="{723A101C-2105-4A30-B931-735170649757}">
@@ -8524,8 +8912,8 @@
       </dsp:nvSpPr>
       <dsp:spPr>
         <a:xfrm>
-          <a:off x="5706868" y="395527"/>
-          <a:ext cx="1510523" cy="1147427"/>
+          <a:off x="5706499" y="443674"/>
+          <a:ext cx="1509048" cy="1103228"/>
         </a:xfrm>
         <a:prstGeom prst="rect">
           <a:avLst/>
@@ -8574,8 +8962,8 @@
       </dsp:nvSpPr>
       <dsp:spPr>
         <a:xfrm>
-          <a:off x="5706868" y="1650448"/>
-          <a:ext cx="4315781" cy="491754"/>
+          <a:off x="5706499" y="1650255"/>
+          <a:ext cx="4311566" cy="472812"/>
         </a:xfrm>
         <a:prstGeom prst="rect">
           <a:avLst/>
@@ -8604,7 +8992,7 @@
         </a:bodyPr>
         <a:lstStyle/>
         <a:p>
-          <a:pPr marL="0" lvl="0" indent="0" algn="l" defTabSz="1555750">
+          <a:pPr marL="0" lvl="0" indent="0" algn="l" defTabSz="1377950">
             <a:lnSpc>
               <a:spcPct val="90000"/>
             </a:lnSpc>
@@ -8618,14 +9006,14 @@
             <a:defRPr b="1"/>
           </a:pPr>
           <a:r>
-            <a:rPr lang="en-US" sz="3500" kern="1200"/>
+            <a:rPr lang="en-US" sz="3100" kern="1200"/>
             <a:t>Stock Prediction</a:t>
           </a:r>
         </a:p>
       </dsp:txBody>
       <dsp:txXfrm>
-        <a:off x="5706868" y="1650448"/>
-        <a:ext cx="4315781" cy="491754"/>
+        <a:off x="5706499" y="1650255"/>
+        <a:ext cx="4311566" cy="472812"/>
       </dsp:txXfrm>
     </dsp:sp>
     <dsp:sp modelId="{EAF35B11-4BE8-4EB8-825F-5AED67565B83}">
@@ -8635,8 +9023,8 @@
       </dsp:nvSpPr>
       <dsp:spPr>
         <a:xfrm>
-          <a:off x="5706868" y="2192199"/>
-          <a:ext cx="4315781" cy="703160"/>
+          <a:off x="5706499" y="2171138"/>
+          <a:ext cx="4311566" cy="676075"/>
         </a:xfrm>
         <a:prstGeom prst="rect">
           <a:avLst/>
@@ -8714,8 +9102,8 @@
             <a:buNone/>
           </a:pPr>
           <a:r>
-            <a:rPr lang="en-US" sz="1700" kern="1200"/>
-            <a:t>Stock selection</a:t>
+            <a:rPr lang="en-US" sz="1700" kern="1200" dirty="0"/>
+            <a:t>Stock selection (finding alpha)</a:t>
           </a:r>
         </a:p>
         <a:p>
@@ -8738,8 +9126,8 @@
         </a:p>
       </dsp:txBody>
       <dsp:txXfrm>
-        <a:off x="5706868" y="2192199"/>
-        <a:ext cx="4315781" cy="703160"/>
+        <a:off x="5706499" y="2171138"/>
+        <a:ext cx="4311566" cy="676075"/>
       </dsp:txXfrm>
     </dsp:sp>
   </dsp:spTree>
@@ -14292,7 +14680,7 @@
           <a:p>
             <a:fld id="{057FAD25-51B6-419D-B421-616EF620C45E}" type="slidenum">
               <a:rPr lang="zh-CN" altLang="en-US" smtClean="0"/>
-              <a:t>12</a:t>
+              <a:t>13</a:t>
             </a:fld>
             <a:endParaRPr lang="zh-CN" altLang="en-US"/>
           </a:p>
@@ -19567,6 +19955,8 @@
                 <a:solidFill>
                   <a:srgbClr val="FFFFFF"/>
                 </a:solidFill>
+                <a:latin typeface="Segoe UI" panose="020B0502040204020203" pitchFamily="34" charset="0"/>
+                <a:ea typeface="DengXian" panose="02010600030101010101" pitchFamily="2" charset="-122"/>
               </a:rPr>
               <a:t>Exploring Stock Movements</a:t>
             </a:r>
@@ -19574,6 +19964,8 @@
               <a:solidFill>
                 <a:srgbClr val="FFFFFF"/>
               </a:solidFill>
+              <a:latin typeface="Segoe UI" panose="020B0502040204020203" pitchFamily="34" charset="0"/>
+              <a:ea typeface="DengXian" panose="02010600030101010101" pitchFamily="2" charset="-122"/>
             </a:endParaRPr>
           </a:p>
         </p:txBody>
@@ -19611,6 +20003,8 @@
                 <a:solidFill>
                   <a:srgbClr val="FFFFFF"/>
                 </a:solidFill>
+                <a:latin typeface="Segoe UI" panose="020B0502040204020203" pitchFamily="34" charset="0"/>
+                <a:ea typeface="DengXian" panose="02010600030101010101" pitchFamily="2" charset="-122"/>
               </a:rPr>
               <a:t>By </a:t>
             </a:r>
@@ -19619,6 +20013,8 @@
                 <a:solidFill>
                   <a:srgbClr val="FFFFFF"/>
                 </a:solidFill>
+                <a:latin typeface="Segoe UI" panose="020B0502040204020203" pitchFamily="34" charset="0"/>
+                <a:ea typeface="DengXian" panose="02010600030101010101" pitchFamily="2" charset="-122"/>
               </a:rPr>
               <a:t>Haozhe</a:t>
             </a:r>
@@ -19627,6 +20023,8 @@
                 <a:solidFill>
                   <a:srgbClr val="FFFFFF"/>
                 </a:solidFill>
+                <a:latin typeface="Segoe UI" panose="020B0502040204020203" pitchFamily="34" charset="0"/>
+                <a:ea typeface="DengXian" panose="02010600030101010101" pitchFamily="2" charset="-122"/>
               </a:rPr>
               <a:t> Zeng &amp; </a:t>
             </a:r>
@@ -19635,6 +20033,8 @@
                 <a:solidFill>
                   <a:srgbClr val="FFFFFF"/>
                 </a:solidFill>
+                <a:latin typeface="Segoe UI" panose="020B0502040204020203" pitchFamily="34" charset="0"/>
+                <a:ea typeface="DengXian" panose="02010600030101010101" pitchFamily="2" charset="-122"/>
               </a:rPr>
               <a:t>Zixiao</a:t>
             </a:r>
@@ -19643,6 +20043,8 @@
                 <a:solidFill>
                   <a:srgbClr val="FFFFFF"/>
                 </a:solidFill>
+                <a:latin typeface="Segoe UI" panose="020B0502040204020203" pitchFamily="34" charset="0"/>
+                <a:ea typeface="DengXian" panose="02010600030101010101" pitchFamily="2" charset="-122"/>
               </a:rPr>
               <a:t> Wang</a:t>
             </a:r>
@@ -19650,6 +20052,8 @@
               <a:solidFill>
                 <a:srgbClr val="FFFFFF"/>
               </a:solidFill>
+              <a:latin typeface="Segoe UI" panose="020B0502040204020203" pitchFamily="34" charset="0"/>
+              <a:ea typeface="DengXian" panose="02010600030101010101" pitchFamily="2" charset="-122"/>
             </a:endParaRPr>
           </a:p>
         </p:txBody>
@@ -19809,6 +20213,25 @@
 <file path=ppt/slides/slide10.xml><?xml version="1.0" encoding="utf-8"?>
 <p:sld xmlns:a="http://schemas.openxmlformats.org/drawingml/2006/main" xmlns:r="http://schemas.openxmlformats.org/officeDocument/2006/relationships" xmlns:p="http://schemas.openxmlformats.org/presentationml/2006/main">
   <p:cSld>
+    <p:bg>
+      <p:bgPr>
+        <a:gradFill>
+          <a:gsLst>
+            <a:gs pos="100000">
+              <a:schemeClr val="bg1"/>
+            </a:gs>
+            <a:gs pos="0">
+              <a:schemeClr val="accent3">
+                <a:lumMod val="40000"/>
+                <a:lumOff val="60000"/>
+              </a:schemeClr>
+            </a:gs>
+          </a:gsLst>
+          <a:lin ang="2700000" scaled="0"/>
+        </a:gradFill>
+        <a:effectLst/>
+      </p:bgPr>
+    </p:bg>
     <p:spTree>
       <p:nvGrpSpPr>
         <p:cNvPr id="1" name=""/>
@@ -19825,10 +20248,10 @@
       </p:grpSpPr>
       <p:pic>
         <p:nvPicPr>
-          <p:cNvPr id="11" name="Picture 10">
+          <p:cNvPr id="3" name="Picture 2">
             <a:extLst>
               <a:ext uri="{FF2B5EF4-FFF2-40B4-BE49-F238E27FC236}">
-                <a16:creationId xmlns:a16="http://schemas.microsoft.com/office/drawing/2014/main" id="{2687C05B-3790-2AB7-8C4F-4A04516129B2}"/>
+                <a16:creationId xmlns:a16="http://schemas.microsoft.com/office/drawing/2014/main" id="{81B08E27-C011-8223-52A0-200F7C48FD2F}"/>
               </a:ext>
             </a:extLst>
           </p:cNvPr>
@@ -19867,6 +20290,36 @@
 </file>
 
 <file path=ppt/slides/slide11.xml><?xml version="1.0" encoding="utf-8"?>
+<p:sld xmlns:a="http://schemas.openxmlformats.org/drawingml/2006/main" xmlns:r="http://schemas.openxmlformats.org/officeDocument/2006/relationships" xmlns:p="http://schemas.openxmlformats.org/presentationml/2006/main">
+  <p:cSld>
+    <p:spTree>
+      <p:nvGrpSpPr>
+        <p:cNvPr id="1" name=""/>
+        <p:cNvGrpSpPr/>
+        <p:nvPr/>
+      </p:nvGrpSpPr>
+      <p:grpSpPr>
+        <a:xfrm>
+          <a:off x="0" y="0"/>
+          <a:ext cx="0" cy="0"/>
+          <a:chOff x="0" y="0"/>
+          <a:chExt cx="0" cy="0"/>
+        </a:xfrm>
+      </p:grpSpPr>
+    </p:spTree>
+    <p:extLst>
+      <p:ext uri="{BB962C8B-B14F-4D97-AF65-F5344CB8AC3E}">
+        <p14:creationId xmlns:p14="http://schemas.microsoft.com/office/powerpoint/2010/main" val="3457620698"/>
+      </p:ext>
+    </p:extLst>
+  </p:cSld>
+  <p:clrMapOvr>
+    <a:masterClrMapping/>
+  </p:clrMapOvr>
+</p:sld>
+</file>
+
+<file path=ppt/slides/slide12.xml><?xml version="1.0" encoding="utf-8"?>
 <p:sld xmlns:a="http://schemas.openxmlformats.org/drawingml/2006/main" xmlns:r="http://schemas.openxmlformats.org/officeDocument/2006/relationships" xmlns:p="http://schemas.openxmlformats.org/presentationml/2006/main">
   <p:cSld>
     <p:bg>
@@ -22087,6 +22540,8 @@
                 <a:solidFill>
                   <a:srgbClr val="FFFFFF"/>
                 </a:solidFill>
+                <a:latin typeface="Segoe UI" panose="020B0502040204020203" pitchFamily="34" charset="0"/>
+                <a:ea typeface="DengXian" panose="02010600030101010101" pitchFamily="2" charset="-122"/>
               </a:rPr>
               <a:t>Tesla</a:t>
             </a:r>
@@ -22135,7 +22590,7 @@
 </p:sld>
 </file>
 
-<file path=ppt/slides/slide12.xml><?xml version="1.0" encoding="utf-8"?>
+<file path=ppt/slides/slide13.xml><?xml version="1.0" encoding="utf-8"?>
 <p:sld xmlns:a="http://schemas.openxmlformats.org/drawingml/2006/main" xmlns:r="http://schemas.openxmlformats.org/officeDocument/2006/relationships" xmlns:p="http://schemas.openxmlformats.org/presentationml/2006/main">
   <p:cSld>
     <p:spTree>
@@ -22195,7 +22650,7 @@
 </p:sld>
 </file>
 
-<file path=ppt/slides/slide13.xml><?xml version="1.0" encoding="utf-8"?>
+<file path=ppt/slides/slide14.xml><?xml version="1.0" encoding="utf-8"?>
 <p:sld xmlns:a="http://schemas.openxmlformats.org/drawingml/2006/main" xmlns:r="http://schemas.openxmlformats.org/officeDocument/2006/relationships" xmlns:p="http://schemas.openxmlformats.org/presentationml/2006/main">
   <p:cSld>
     <p:bg>
@@ -22849,8 +23304,11 @@
           <a:lstStyle/>
           <a:p>
             <a:r>
-              <a:rPr lang="en-US" sz="4400"/>
-              <a:t>What we can do better</a:t>
+              <a:rPr lang="en-US" sz="4400" dirty="0">
+                <a:latin typeface="Segoe UI" panose="020B0502040204020203" pitchFamily="34" charset="0"/>
+                <a:ea typeface="DengXian" panose="02010600030101010101" pitchFamily="2" charset="-122"/>
+              </a:rPr>
+              <a:t>What we can do better?</a:t>
             </a:r>
           </a:p>
         </p:txBody>
@@ -22871,13 +23329,13 @@
             <p:ph idx="1"/>
             <p:extLst>
               <p:ext uri="{D42A27DB-BD31-4B8C-83A1-F6EECF244321}">
-                <p14:modId xmlns:p14="http://schemas.microsoft.com/office/powerpoint/2010/main" val="838707886"/>
+                <p14:modId xmlns:p14="http://schemas.microsoft.com/office/powerpoint/2010/main" val="673735195"/>
               </p:ext>
             </p:extLst>
           </p:nvPr>
         </p:nvGraphicFramePr>
         <p:xfrm>
-          <a:off x="777875" y="2886075"/>
+          <a:off x="639551" y="1850788"/>
           <a:ext cx="10658475" cy="3290888"/>
         </p:xfrm>
         <a:graphic>
@@ -22899,7 +23357,7 @@
 </p:sld>
 </file>
 
-<file path=ppt/slides/slide14.xml><?xml version="1.0" encoding="utf-8"?>
+<file path=ppt/slides/slide15.xml><?xml version="1.0" encoding="utf-8"?>
 <p:sld xmlns:a="http://schemas.openxmlformats.org/drawingml/2006/main" xmlns:r="http://schemas.openxmlformats.org/officeDocument/2006/relationships" xmlns:p="http://schemas.openxmlformats.org/presentationml/2006/main">
   <p:cSld>
     <p:bg>
@@ -25151,6 +25609,8 @@
                 <a:solidFill>
                   <a:srgbClr val="FFFFFF"/>
                 </a:solidFill>
+                <a:latin typeface="Segoe UI" panose="020B0502040204020203" pitchFamily="34" charset="0"/>
+                <a:ea typeface="DengXian" panose="02010600030101010101" pitchFamily="2" charset="-122"/>
               </a:rPr>
               <a:t>Q&amp;A</a:t>
             </a:r>
@@ -25262,7 +25722,7 @@
 </p:sld>
 </file>
 
-<file path=ppt/slides/slide15.xml><?xml version="1.0" encoding="utf-8"?>
+<file path=ppt/slides/slide16.xml><?xml version="1.0" encoding="utf-8"?>
 <p:sld xmlns:a="http://schemas.openxmlformats.org/drawingml/2006/main" xmlns:r="http://schemas.openxmlformats.org/officeDocument/2006/relationships" xmlns:p="http://schemas.openxmlformats.org/presentationml/2006/main">
   <p:cSld>
     <p:bg>
@@ -25498,6 +25958,8 @@
                 <a:solidFill>
                   <a:srgbClr val="FFFFFF"/>
                 </a:solidFill>
+                <a:latin typeface="Segoe UI" panose="020B0502040204020203" pitchFamily="34" charset="0"/>
+                <a:ea typeface="DengXian" panose="02010600030101010101" pitchFamily="2" charset="-122"/>
               </a:rPr>
               <a:t>Thank you!</a:t>
             </a:r>
@@ -25505,6 +25967,8 @@
               <a:solidFill>
                 <a:srgbClr val="FFFFFF"/>
               </a:solidFill>
+              <a:latin typeface="Segoe UI" panose="020B0502040204020203" pitchFamily="34" charset="0"/>
+              <a:ea typeface="DengXian" panose="02010600030101010101" pitchFamily="2" charset="-122"/>
             </a:endParaRPr>
           </a:p>
         </p:txBody>
@@ -26322,7 +26786,10 @@
           <a:lstStyle/>
           <a:p>
             <a:r>
-              <a:rPr lang="en-US" sz="4400"/>
+              <a:rPr lang="en-US" sz="4400" dirty="0">
+                <a:latin typeface="Segoe UI" panose="020B0502040204020203" pitchFamily="34" charset="0"/>
+                <a:ea typeface="DengXian" panose="02010600030101010101" pitchFamily="2" charset="-122"/>
+              </a:rPr>
               <a:t>Motivation</a:t>
             </a:r>
           </a:p>
@@ -26357,17 +26824,26 @@
           <a:lstStyle/>
           <a:p>
             <a:r>
-              <a:rPr lang="en-US" altLang="zh-CN" sz="1800"/>
+              <a:rPr lang="en-US" altLang="zh-CN" sz="1800" dirty="0">
+                <a:latin typeface="Segoe UI" panose="020B0502040204020203" pitchFamily="34" charset="0"/>
+                <a:ea typeface="DengXian" panose="02010600030101010101" pitchFamily="2" charset="-122"/>
+              </a:rPr>
               <a:t>GameStop short squeeze</a:t>
             </a:r>
           </a:p>
           <a:p>
             <a:pPr lvl="1"/>
-            <a:endParaRPr lang="en-US" altLang="zh-CN" dirty="0"/>
+            <a:endParaRPr lang="en-US" altLang="zh-CN" dirty="0">
+              <a:latin typeface="Segoe UI" panose="020B0502040204020203" pitchFamily="34" charset="0"/>
+              <a:ea typeface="DengXian" panose="02010600030101010101" pitchFamily="2" charset="-122"/>
+            </a:endParaRPr>
           </a:p>
           <a:p>
             <a:pPr lvl="1"/>
-            <a:endParaRPr lang="zh-CN" altLang="en-US" dirty="0"/>
+            <a:endParaRPr lang="zh-CN" altLang="en-US" dirty="0">
+              <a:latin typeface="Segoe UI" panose="020B0502040204020203" pitchFamily="34" charset="0"/>
+              <a:ea typeface="DengXian" panose="02010600030101010101" pitchFamily="2" charset="-122"/>
+            </a:endParaRPr>
           </a:p>
         </p:txBody>
       </p:sp>
@@ -26801,7 +27277,7 @@
         </p:blipFill>
         <p:spPr>
           <a:xfrm>
-            <a:off x="7181865" y="262975"/>
+            <a:off x="3543424" y="95278"/>
             <a:ext cx="3486122" cy="3486122"/>
           </a:xfrm>
           <a:custGeom>
@@ -26862,8 +27338,8 @@
         </p:blipFill>
         <p:spPr>
           <a:xfrm>
-            <a:off x="9148852" y="3890061"/>
-            <a:ext cx="3043153" cy="2967943"/>
+            <a:off x="6332376" y="1145571"/>
+            <a:ext cx="5857187" cy="5712430"/>
           </a:xfrm>
           <a:custGeom>
             <a:avLst/>
@@ -26986,10 +27462,10 @@
       </p:grpSpPr>
       <p:grpSp>
         <p:nvGrpSpPr>
-          <p:cNvPr id="35" name="Group 34">
+          <p:cNvPr id="53" name="Group 52">
             <a:extLst>
               <a:ext uri="{FF2B5EF4-FFF2-40B4-BE49-F238E27FC236}">
-                <a16:creationId xmlns:a16="http://schemas.microsoft.com/office/drawing/2014/main" id="{8995D329-A103-E7AC-E04D-9544EADF005B}"/>
+                <a16:creationId xmlns:a16="http://schemas.microsoft.com/office/drawing/2014/main" id="{F85D90D8-26DA-FEEF-A999-BD923D3FDA92}"/>
               </a:ext>
             </a:extLst>
           </p:cNvPr>
@@ -26998,114 +27474,12 @@
         </p:nvGrpSpPr>
         <p:grpSpPr>
           <a:xfrm>
-            <a:off x="1282791" y="1059125"/>
-            <a:ext cx="10081875" cy="5169033"/>
-            <a:chOff x="786531" y="284406"/>
-            <a:chExt cx="10400517" cy="5897704"/>
+            <a:off x="378069" y="1233297"/>
+            <a:ext cx="11435861" cy="4907498"/>
+            <a:chOff x="418446" y="993342"/>
+            <a:chExt cx="11628895" cy="4993658"/>
           </a:xfrm>
         </p:grpSpPr>
-        <p:sp>
-          <p:nvSpPr>
-            <p:cNvPr id="3" name="Rectangle: Rounded Corners 2">
-              <a:extLst>
-                <a:ext uri="{FF2B5EF4-FFF2-40B4-BE49-F238E27FC236}">
-                  <a16:creationId xmlns:a16="http://schemas.microsoft.com/office/drawing/2014/main" id="{7ED807CA-3C74-1B35-04EB-8504546F505D}"/>
-                </a:ext>
-              </a:extLst>
-            </p:cNvPr>
-            <p:cNvSpPr/>
-            <p:nvPr/>
-          </p:nvSpPr>
-          <p:spPr>
-            <a:xfrm>
-              <a:off x="786531" y="556190"/>
-              <a:ext cx="3206622" cy="696685"/>
-            </a:xfrm>
-            <a:prstGeom prst="roundRect">
-              <a:avLst/>
-            </a:prstGeom>
-            <a:solidFill>
-              <a:srgbClr val="B32025"/>
-            </a:solidFill>
-          </p:spPr>
-          <p:style>
-            <a:lnRef idx="2">
-              <a:schemeClr val="accent1">
-                <a:shade val="15000"/>
-              </a:schemeClr>
-            </a:lnRef>
-            <a:fillRef idx="1">
-              <a:schemeClr val="accent1"/>
-            </a:fillRef>
-            <a:effectRef idx="0">
-              <a:schemeClr val="accent1"/>
-            </a:effectRef>
-            <a:fontRef idx="minor">
-              <a:schemeClr val="lt1"/>
-            </a:fontRef>
-          </p:style>
-          <p:txBody>
-            <a:bodyPr rtlCol="0" anchor="ctr"/>
-            <a:lstStyle/>
-            <a:p>
-              <a:pPr algn="ctr"/>
-              <a:r>
-                <a:rPr lang="en-US" altLang="zh-CN" dirty="0"/>
-                <a:t>Post from Twitter and Reddit</a:t>
-              </a:r>
-              <a:endParaRPr lang="zh-CN" altLang="en-US" dirty="0"/>
-            </a:p>
-          </p:txBody>
-        </p:sp>
-        <p:sp>
-          <p:nvSpPr>
-            <p:cNvPr id="6" name="Arrow: Right 5">
-              <a:extLst>
-                <a:ext uri="{FF2B5EF4-FFF2-40B4-BE49-F238E27FC236}">
-                  <a16:creationId xmlns:a16="http://schemas.microsoft.com/office/drawing/2014/main" id="{AABEC764-2E4F-9FB5-B8B0-6ACA3E3CBD34}"/>
-                </a:ext>
-              </a:extLst>
-            </p:cNvPr>
-            <p:cNvSpPr/>
-            <p:nvPr/>
-          </p:nvSpPr>
-          <p:spPr>
-            <a:xfrm>
-              <a:off x="4086458" y="662216"/>
-              <a:ext cx="1853681" cy="484632"/>
-            </a:xfrm>
-            <a:prstGeom prst="rightArrow">
-              <a:avLst/>
-            </a:prstGeom>
-            <a:solidFill>
-              <a:srgbClr val="B32025"/>
-            </a:solidFill>
-          </p:spPr>
-          <p:style>
-            <a:lnRef idx="2">
-              <a:schemeClr val="accent1">
-                <a:shade val="15000"/>
-              </a:schemeClr>
-            </a:lnRef>
-            <a:fillRef idx="1">
-              <a:schemeClr val="accent1"/>
-            </a:fillRef>
-            <a:effectRef idx="0">
-              <a:schemeClr val="accent1"/>
-            </a:effectRef>
-            <a:fontRef idx="minor">
-              <a:schemeClr val="lt1"/>
-            </a:fontRef>
-          </p:style>
-          <p:txBody>
-            <a:bodyPr rtlCol="0" anchor="ctr"/>
-            <a:lstStyle/>
-            <a:p>
-              <a:pPr algn="ctr"/>
-              <a:endParaRPr lang="zh-CN" altLang="en-US" dirty="0"/>
-            </a:p>
-          </p:txBody>
-        </p:sp>
         <p:sp>
           <p:nvSpPr>
             <p:cNvPr id="7" name="TextBox 6">
@@ -27120,8 +27494,8 @@
           </p:nvSpPr>
           <p:spPr>
             <a:xfrm>
-              <a:off x="3993153" y="284407"/>
-              <a:ext cx="1853681" cy="461665"/>
+              <a:off x="4542475" y="993342"/>
+              <a:ext cx="1796890" cy="404626"/>
             </a:xfrm>
             <a:prstGeom prst="rect">
               <a:avLst/>
@@ -27152,8 +27526,8 @@
           </p:nvSpPr>
           <p:spPr>
             <a:xfrm>
-              <a:off x="4086457" y="284406"/>
-              <a:ext cx="1853681" cy="461665"/>
+              <a:off x="4632920" y="1017897"/>
+              <a:ext cx="1796890" cy="404626"/>
             </a:xfrm>
             <a:prstGeom prst="rect">
               <a:avLst/>
@@ -27167,27 +27541,124 @@
             <a:lstStyle/>
             <a:p>
               <a:r>
-                <a:rPr lang="en-US" altLang="zh-CN" sz="1000" dirty="0"/>
+                <a:rPr lang="en-US" altLang="zh-CN" sz="1200" dirty="0">
+                  <a:latin typeface="Segoe UI" panose="020B0502040204020203" pitchFamily="34" charset="0"/>
+                  <a:ea typeface="DengXian" panose="02010600030101010101" pitchFamily="2" charset="-122"/>
+                </a:rPr>
                 <a:t>Cleaning, Entity Matching,</a:t>
               </a:r>
               <a:r>
-                <a:rPr lang="zh-CN" altLang="en-US" sz="1000" dirty="0"/>
+                <a:rPr lang="zh-CN" altLang="en-US" sz="1200" dirty="0">
+                  <a:latin typeface="Segoe UI" panose="020B0502040204020203" pitchFamily="34" charset="0"/>
+                  <a:ea typeface="DengXian" panose="02010600030101010101" pitchFamily="2" charset="-122"/>
+                </a:rPr>
                 <a:t> </a:t>
               </a:r>
               <a:r>
-                <a:rPr lang="en-US" altLang="zh-CN" sz="1000" dirty="0"/>
+                <a:rPr lang="en-US" altLang="zh-CN" sz="1200" dirty="0">
+                  <a:latin typeface="Segoe UI" panose="020B0502040204020203" pitchFamily="34" charset="0"/>
+                  <a:ea typeface="DengXian" panose="02010600030101010101" pitchFamily="2" charset="-122"/>
+                </a:rPr>
                 <a:t>Merging, etc.</a:t>
               </a:r>
-              <a:endParaRPr lang="zh-CN" altLang="en-US" sz="1000" dirty="0"/>
+              <a:endParaRPr lang="zh-CN" altLang="en-US" sz="1200" dirty="0">
+                <a:latin typeface="Segoe UI" panose="020B0502040204020203" pitchFamily="34" charset="0"/>
+                <a:ea typeface="DengXian" panose="02010600030101010101" pitchFamily="2" charset="-122"/>
+              </a:endParaRPr>
             </a:p>
           </p:txBody>
         </p:sp>
         <p:sp>
           <p:nvSpPr>
-            <p:cNvPr id="12" name="Rectangle: Rounded Corners 11">
+            <p:cNvPr id="17" name="TextBox 16">
               <a:extLst>
                 <a:ext uri="{FF2B5EF4-FFF2-40B4-BE49-F238E27FC236}">
-                  <a16:creationId xmlns:a16="http://schemas.microsoft.com/office/drawing/2014/main" id="{0885F027-9632-197C-3205-7445BEDD0841}"/>
+                  <a16:creationId xmlns:a16="http://schemas.microsoft.com/office/drawing/2014/main" id="{B47F0692-071C-1D18-CAAB-3D8BCAD2ED69}"/>
+                </a:ext>
+              </a:extLst>
+            </p:cNvPr>
+            <p:cNvSpPr txBox="1"/>
+            <p:nvPr/>
+          </p:nvSpPr>
+          <p:spPr>
+            <a:xfrm>
+              <a:off x="4632920" y="2868923"/>
+              <a:ext cx="1796890" cy="404626"/>
+            </a:xfrm>
+            <a:prstGeom prst="rect">
+              <a:avLst/>
+            </a:prstGeom>
+            <a:noFill/>
+          </p:spPr>
+          <p:txBody>
+            <a:bodyPr wrap="square" rtlCol="0">
+              <a:noAutofit/>
+            </a:bodyPr>
+            <a:lstStyle/>
+            <a:p>
+              <a:r>
+                <a:rPr lang="en-US" altLang="zh-CN" sz="1200" dirty="0">
+                  <a:latin typeface="Segoe UI" panose="020B0502040204020203" pitchFamily="34" charset="0"/>
+                  <a:ea typeface="DengXian" panose="02010600030101010101" pitchFamily="2" charset="-122"/>
+                </a:rPr>
+                <a:t>Processing, Indicators Calculating, etc.</a:t>
+              </a:r>
+              <a:endParaRPr lang="zh-CN" altLang="en-US" sz="1200" dirty="0">
+                <a:latin typeface="Segoe UI" panose="020B0502040204020203" pitchFamily="34" charset="0"/>
+                <a:ea typeface="DengXian" panose="02010600030101010101" pitchFamily="2" charset="-122"/>
+              </a:endParaRPr>
+            </a:p>
+          </p:txBody>
+        </p:sp>
+        <p:sp>
+          <p:nvSpPr>
+            <p:cNvPr id="25" name="TextBox 24">
+              <a:extLst>
+                <a:ext uri="{FF2B5EF4-FFF2-40B4-BE49-F238E27FC236}">
+                  <a16:creationId xmlns:a16="http://schemas.microsoft.com/office/drawing/2014/main" id="{E160AAFD-ACCC-969E-CB3D-118AEC18AF88}"/>
+                </a:ext>
+              </a:extLst>
+            </p:cNvPr>
+            <p:cNvSpPr txBox="1"/>
+            <p:nvPr/>
+          </p:nvSpPr>
+          <p:spPr>
+            <a:xfrm>
+              <a:off x="8582270" y="2317812"/>
+              <a:ext cx="1796890" cy="461665"/>
+            </a:xfrm>
+            <a:prstGeom prst="rect">
+              <a:avLst/>
+            </a:prstGeom>
+            <a:noFill/>
+          </p:spPr>
+          <p:txBody>
+            <a:bodyPr wrap="square" rtlCol="0">
+              <a:spAutoFit/>
+            </a:bodyPr>
+            <a:lstStyle/>
+            <a:p>
+              <a:pPr algn="ctr"/>
+              <a:r>
+                <a:rPr lang="en-US" altLang="zh-CN" sz="1200" dirty="0">
+                  <a:latin typeface="Segoe UI" panose="020B0502040204020203" pitchFamily="34" charset="0"/>
+                  <a:ea typeface="DengXian" panose="02010600030101010101" pitchFamily="2" charset="-122"/>
+                </a:rPr>
+                <a:t>Quantify/Normalize Data</a:t>
+              </a:r>
+              <a:endParaRPr lang="zh-CN" altLang="en-US" sz="1200" dirty="0">
+                <a:latin typeface="Segoe UI" panose="020B0502040204020203" pitchFamily="34" charset="0"/>
+                <a:ea typeface="DengXian" panose="02010600030101010101" pitchFamily="2" charset="-122"/>
+              </a:endParaRPr>
+            </a:p>
+          </p:txBody>
+        </p:sp>
+        <p:sp>
+          <p:nvSpPr>
+            <p:cNvPr id="26" name="Arrow: Curved Left 25">
+              <a:extLst>
+                <a:ext uri="{FF2B5EF4-FFF2-40B4-BE49-F238E27FC236}">
+                  <a16:creationId xmlns:a16="http://schemas.microsoft.com/office/drawing/2014/main" id="{01095CC8-6A8A-62C7-0591-81E20118E21B}"/>
                 </a:ext>
               </a:extLst>
             </p:cNvPr>
@@ -27196,15 +27667,23 @@
           </p:nvSpPr>
           <p:spPr>
             <a:xfrm>
-              <a:off x="6033442" y="556189"/>
-              <a:ext cx="3206622" cy="696685"/>
+              <a:off x="10641839" y="3197321"/>
+              <a:ext cx="1405502" cy="2421387"/>
             </a:xfrm>
-            <a:prstGeom prst="roundRect">
+            <a:prstGeom prst="curvedLeftArrow">
               <a:avLst/>
             </a:prstGeom>
-            <a:solidFill>
-              <a:srgbClr val="B32025"/>
-            </a:solidFill>
+            <a:gradFill>
+              <a:gsLst>
+                <a:gs pos="0">
+                  <a:srgbClr val="704DC3"/>
+                </a:gs>
+                <a:gs pos="100000">
+                  <a:schemeClr val="accent1"/>
+                </a:gs>
+              </a:gsLst>
+              <a:lin ang="2700000" scaled="0"/>
+            </a:gradFill>
           </p:spPr>
           <p:style>
             <a:lnRef idx="2">
@@ -27228,19 +27707,635 @@
             <a:p>
               <a:pPr algn="ctr"/>
               <a:r>
-                <a:rPr lang="en-US" altLang="zh-CN" dirty="0"/>
-                <a:t>Sentiment Labeling</a:t>
+                <a:rPr lang="en-US" altLang="zh-CN" sz="1200" dirty="0">
+                  <a:solidFill>
+                    <a:schemeClr val="tx1"/>
+                  </a:solidFill>
+                  <a:latin typeface="Segoe UI" panose="020B0502040204020203" pitchFamily="34" charset="0"/>
+                  <a:ea typeface="DengXian" panose="02010600030101010101" pitchFamily="2" charset="-122"/>
+                </a:rPr>
+                <a:t>Buy/Sell Decision</a:t>
               </a:r>
-              <a:endParaRPr lang="zh-CN" altLang="en-US" dirty="0"/>
+              <a:endParaRPr lang="zh-CN" altLang="en-US" sz="1200" dirty="0">
+                <a:solidFill>
+                  <a:schemeClr val="tx1"/>
+                </a:solidFill>
+                <a:latin typeface="Segoe UI" panose="020B0502040204020203" pitchFamily="34" charset="0"/>
+                <a:ea typeface="DengXian" panose="02010600030101010101" pitchFamily="2" charset="-122"/>
+              </a:endParaRPr>
             </a:p>
           </p:txBody>
         </p:sp>
+        <p:cxnSp>
+          <p:nvCxnSpPr>
+            <p:cNvPr id="11" name="Straight Arrow Connector 10">
+              <a:extLst>
+                <a:ext uri="{FF2B5EF4-FFF2-40B4-BE49-F238E27FC236}">
+                  <a16:creationId xmlns:a16="http://schemas.microsoft.com/office/drawing/2014/main" id="{0BA4213E-366D-4065-7D23-E46E6AE05B2C}"/>
+                </a:ext>
+              </a:extLst>
+            </p:cNvPr>
+            <p:cNvCxnSpPr>
+              <a:cxnSpLocks/>
+              <a:stCxn id="28" idx="3"/>
+              <a:endCxn id="39" idx="1"/>
+            </p:cNvCxnSpPr>
+            <p:nvPr/>
+          </p:nvCxnSpPr>
+          <p:spPr>
+            <a:xfrm>
+              <a:off x="4513654" y="1515410"/>
+              <a:ext cx="2006602" cy="0"/>
+            </a:xfrm>
+            <a:prstGeom prst="straightConnector1">
+              <a:avLst/>
+            </a:prstGeom>
+            <a:ln>
+              <a:solidFill>
+                <a:schemeClr val="tx1"/>
+              </a:solidFill>
+              <a:tailEnd type="triangle"/>
+            </a:ln>
+          </p:spPr>
+          <p:style>
+            <a:lnRef idx="1">
+              <a:schemeClr val="accent1"/>
+            </a:lnRef>
+            <a:fillRef idx="0">
+              <a:schemeClr val="accent1"/>
+            </a:fillRef>
+            <a:effectRef idx="0">
+              <a:schemeClr val="accent1"/>
+            </a:effectRef>
+            <a:fontRef idx="minor">
+              <a:schemeClr val="tx1"/>
+            </a:fontRef>
+          </p:style>
+        </p:cxnSp>
+        <p:cxnSp>
+          <p:nvCxnSpPr>
+            <p:cNvPr id="14" name="Straight Arrow Connector 13">
+              <a:extLst>
+                <a:ext uri="{FF2B5EF4-FFF2-40B4-BE49-F238E27FC236}">
+                  <a16:creationId xmlns:a16="http://schemas.microsoft.com/office/drawing/2014/main" id="{EC097250-78A1-EEF6-F1DC-1019A5E9C09F}"/>
+                </a:ext>
+              </a:extLst>
+            </p:cNvPr>
+            <p:cNvCxnSpPr>
+              <a:cxnSpLocks/>
+              <a:stCxn id="30" idx="3"/>
+              <a:endCxn id="46" idx="1"/>
+            </p:cNvCxnSpPr>
+            <p:nvPr/>
+          </p:nvCxnSpPr>
+          <p:spPr>
+            <a:xfrm>
+              <a:off x="4542475" y="3366436"/>
+              <a:ext cx="1977781" cy="0"/>
+            </a:xfrm>
+            <a:prstGeom prst="straightConnector1">
+              <a:avLst/>
+            </a:prstGeom>
+            <a:ln>
+              <a:solidFill>
+                <a:schemeClr val="tx1"/>
+              </a:solidFill>
+              <a:tailEnd type="triangle"/>
+            </a:ln>
+          </p:spPr>
+          <p:style>
+            <a:lnRef idx="1">
+              <a:schemeClr val="accent1"/>
+            </a:lnRef>
+            <a:fillRef idx="0">
+              <a:schemeClr val="accent1"/>
+            </a:fillRef>
+            <a:effectRef idx="0">
+              <a:schemeClr val="accent1"/>
+            </a:effectRef>
+            <a:fontRef idx="minor">
+              <a:schemeClr val="tx1"/>
+            </a:fontRef>
+          </p:style>
+        </p:cxnSp>
+        <p:grpSp>
+          <p:nvGrpSpPr>
+            <p:cNvPr id="24" name="Group 23">
+              <a:extLst>
+                <a:ext uri="{FF2B5EF4-FFF2-40B4-BE49-F238E27FC236}">
+                  <a16:creationId xmlns:a16="http://schemas.microsoft.com/office/drawing/2014/main" id="{B945F95B-8724-814F-122F-F0EAE34CAA64}"/>
+                </a:ext>
+              </a:extLst>
+            </p:cNvPr>
+            <p:cNvGrpSpPr/>
+            <p:nvPr/>
+          </p:nvGrpSpPr>
+          <p:grpSpPr>
+            <a:xfrm>
+              <a:off x="418446" y="1220210"/>
+              <a:ext cx="4124029" cy="590400"/>
+              <a:chOff x="294573" y="55824"/>
+              <a:chExt cx="4124029" cy="590400"/>
+            </a:xfrm>
+          </p:grpSpPr>
+          <p:sp>
+            <p:nvSpPr>
+              <p:cNvPr id="27" name="Rectangle: Rounded Corners 26">
+                <a:extLst>
+                  <a:ext uri="{FF2B5EF4-FFF2-40B4-BE49-F238E27FC236}">
+                    <a16:creationId xmlns:a16="http://schemas.microsoft.com/office/drawing/2014/main" id="{1D7B95E3-C21B-0EC1-1A62-0686B4417347}"/>
+                  </a:ext>
+                </a:extLst>
+              </p:cNvPr>
+              <p:cNvSpPr/>
+              <p:nvPr/>
+            </p:nvSpPr>
+            <p:spPr>
+              <a:xfrm>
+                <a:off x="294573" y="55824"/>
+                <a:ext cx="4124029" cy="590400"/>
+              </a:xfrm>
+              <a:prstGeom prst="roundRect">
+                <a:avLst/>
+              </a:prstGeom>
+            </p:spPr>
+            <p:style>
+              <a:lnRef idx="2">
+                <a:schemeClr val="lt1">
+                  <a:hueOff val="0"/>
+                  <a:satOff val="0"/>
+                  <a:lumOff val="0"/>
+                  <a:alphaOff val="0"/>
+                </a:schemeClr>
+              </a:lnRef>
+              <a:fillRef idx="1">
+                <a:schemeClr val="accent2">
+                  <a:hueOff val="0"/>
+                  <a:satOff val="0"/>
+                  <a:lumOff val="0"/>
+                  <a:alphaOff val="0"/>
+                </a:schemeClr>
+              </a:fillRef>
+              <a:effectRef idx="0">
+                <a:schemeClr val="accent2">
+                  <a:hueOff val="0"/>
+                  <a:satOff val="0"/>
+                  <a:lumOff val="0"/>
+                  <a:alphaOff val="0"/>
+                </a:schemeClr>
+              </a:effectRef>
+              <a:fontRef idx="minor">
+                <a:schemeClr val="lt1"/>
+              </a:fontRef>
+            </p:style>
+          </p:sp>
+          <p:sp>
+            <p:nvSpPr>
+              <p:cNvPr id="28" name="Rectangle: Rounded Corners 4">
+                <a:extLst>
+                  <a:ext uri="{FF2B5EF4-FFF2-40B4-BE49-F238E27FC236}">
+                    <a16:creationId xmlns:a16="http://schemas.microsoft.com/office/drawing/2014/main" id="{4EE18B8B-1CA0-13CD-23A1-19D2869A591B}"/>
+                  </a:ext>
+                </a:extLst>
+              </p:cNvPr>
+              <p:cNvSpPr txBox="1"/>
+              <p:nvPr/>
+            </p:nvSpPr>
+            <p:spPr>
+              <a:xfrm>
+                <a:off x="323394" y="84645"/>
+                <a:ext cx="4066387" cy="532758"/>
+              </a:xfrm>
+              <a:prstGeom prst="rect">
+                <a:avLst/>
+              </a:prstGeom>
+            </p:spPr>
+            <p:style>
+              <a:lnRef idx="0">
+                <a:scrgbClr r="0" g="0" b="0"/>
+              </a:lnRef>
+              <a:fillRef idx="0">
+                <a:scrgbClr r="0" g="0" b="0"/>
+              </a:fillRef>
+              <a:effectRef idx="0">
+                <a:scrgbClr r="0" g="0" b="0"/>
+              </a:effectRef>
+              <a:fontRef idx="minor">
+                <a:schemeClr val="lt1"/>
+              </a:fontRef>
+            </p:style>
+            <p:txBody>
+              <a:bodyPr spcFirstLastPara="0" vert="horz" wrap="square" lIns="155879" tIns="0" rIns="155879" bIns="0" numCol="1" spcCol="1270" anchor="ctr" anchorCtr="0">
+                <a:noAutofit/>
+              </a:bodyPr>
+              <a:lstStyle/>
+              <a:p>
+                <a:pPr algn="ctr"/>
+                <a:r>
+                  <a:rPr lang="en-US" altLang="zh-CN" dirty="0">
+                    <a:latin typeface="Segoe UI" panose="020B0502040204020203" pitchFamily="34" charset="0"/>
+                    <a:ea typeface="DengXian" panose="02010600030101010101" pitchFamily="2" charset="-122"/>
+                  </a:rPr>
+                  <a:t>Post from Twitter and Reddit</a:t>
+                </a:r>
+                <a:endParaRPr lang="zh-CN" altLang="en-US" dirty="0">
+                  <a:latin typeface="Segoe UI" panose="020B0502040204020203" pitchFamily="34" charset="0"/>
+                  <a:ea typeface="DengXian" panose="02010600030101010101" pitchFamily="2" charset="-122"/>
+                </a:endParaRPr>
+              </a:p>
+            </p:txBody>
+          </p:sp>
+        </p:grpSp>
+        <p:grpSp>
+          <p:nvGrpSpPr>
+            <p:cNvPr id="29" name="Group 28">
+              <a:extLst>
+                <a:ext uri="{FF2B5EF4-FFF2-40B4-BE49-F238E27FC236}">
+                  <a16:creationId xmlns:a16="http://schemas.microsoft.com/office/drawing/2014/main" id="{9DFC95DA-82AC-CC43-2E94-7DCE70E79159}"/>
+                </a:ext>
+              </a:extLst>
+            </p:cNvPr>
+            <p:cNvGrpSpPr/>
+            <p:nvPr/>
+          </p:nvGrpSpPr>
+          <p:grpSpPr>
+            <a:xfrm>
+              <a:off x="418446" y="3071236"/>
+              <a:ext cx="4124029" cy="590400"/>
+              <a:chOff x="294573" y="2601024"/>
+              <a:chExt cx="4124029" cy="590400"/>
+            </a:xfrm>
+          </p:grpSpPr>
+          <p:sp>
+            <p:nvSpPr>
+              <p:cNvPr id="30" name="Rectangle: Rounded Corners 29">
+                <a:extLst>
+                  <a:ext uri="{FF2B5EF4-FFF2-40B4-BE49-F238E27FC236}">
+                    <a16:creationId xmlns:a16="http://schemas.microsoft.com/office/drawing/2014/main" id="{D8A4A26E-89BA-ABB6-CF10-44C8447BAE4C}"/>
+                  </a:ext>
+                </a:extLst>
+              </p:cNvPr>
+              <p:cNvSpPr/>
+              <p:nvPr/>
+            </p:nvSpPr>
+            <p:spPr>
+              <a:xfrm>
+                <a:off x="294573" y="2601024"/>
+                <a:ext cx="4124029" cy="590400"/>
+              </a:xfrm>
+              <a:prstGeom prst="roundRect">
+                <a:avLst/>
+              </a:prstGeom>
+            </p:spPr>
+            <p:style>
+              <a:lnRef idx="2">
+                <a:schemeClr val="lt1">
+                  <a:hueOff val="0"/>
+                  <a:satOff val="0"/>
+                  <a:lumOff val="0"/>
+                  <a:alphaOff val="0"/>
+                </a:schemeClr>
+              </a:lnRef>
+              <a:fillRef idx="1">
+                <a:schemeClr val="accent2">
+                  <a:hueOff val="-1525302"/>
+                  <a:satOff val="-418"/>
+                  <a:lumOff val="7058"/>
+                  <a:alphaOff val="0"/>
+                </a:schemeClr>
+              </a:fillRef>
+              <a:effectRef idx="0">
+                <a:schemeClr val="accent2">
+                  <a:hueOff val="-1525302"/>
+                  <a:satOff val="-418"/>
+                  <a:lumOff val="7058"/>
+                  <a:alphaOff val="0"/>
+                </a:schemeClr>
+              </a:effectRef>
+              <a:fontRef idx="minor">
+                <a:schemeClr val="lt1"/>
+              </a:fontRef>
+            </p:style>
+          </p:sp>
+          <p:sp>
+            <p:nvSpPr>
+              <p:cNvPr id="31" name="Rectangle: Rounded Corners 4">
+                <a:extLst>
+                  <a:ext uri="{FF2B5EF4-FFF2-40B4-BE49-F238E27FC236}">
+                    <a16:creationId xmlns:a16="http://schemas.microsoft.com/office/drawing/2014/main" id="{0C9AB627-06CC-6666-35FF-9A96465949DC}"/>
+                  </a:ext>
+                </a:extLst>
+              </p:cNvPr>
+              <p:cNvSpPr txBox="1"/>
+              <p:nvPr/>
+            </p:nvSpPr>
+            <p:spPr>
+              <a:xfrm>
+                <a:off x="323394" y="2629845"/>
+                <a:ext cx="4066387" cy="532758"/>
+              </a:xfrm>
+              <a:prstGeom prst="rect">
+                <a:avLst/>
+              </a:prstGeom>
+            </p:spPr>
+            <p:style>
+              <a:lnRef idx="0">
+                <a:scrgbClr r="0" g="0" b="0"/>
+              </a:lnRef>
+              <a:fillRef idx="0">
+                <a:scrgbClr r="0" g="0" b="0"/>
+              </a:fillRef>
+              <a:effectRef idx="0">
+                <a:scrgbClr r="0" g="0" b="0"/>
+              </a:effectRef>
+              <a:fontRef idx="minor">
+                <a:schemeClr val="lt1"/>
+              </a:fontRef>
+            </p:style>
+            <p:txBody>
+              <a:bodyPr spcFirstLastPara="0" vert="horz" wrap="square" lIns="155879" tIns="0" rIns="155879" bIns="0" numCol="1" spcCol="1270" anchor="ctr" anchorCtr="0">
+                <a:noAutofit/>
+              </a:bodyPr>
+              <a:lstStyle/>
+              <a:p>
+                <a:pPr algn="ctr"/>
+                <a:r>
+                  <a:rPr lang="en-US" altLang="zh-CN" sz="2000" dirty="0">
+                    <a:latin typeface="Segoe UI" panose="020B0502040204020203" pitchFamily="34" charset="0"/>
+                    <a:ea typeface="DengXian" panose="02010600030101010101" pitchFamily="2" charset="-122"/>
+                  </a:rPr>
+                  <a:t>Stock data: Close, Volume, etc.</a:t>
+                </a:r>
+                <a:endParaRPr lang="zh-CN" altLang="en-US" sz="2000" dirty="0">
+                  <a:latin typeface="Segoe UI" panose="020B0502040204020203" pitchFamily="34" charset="0"/>
+                  <a:ea typeface="DengXian" panose="02010600030101010101" pitchFamily="2" charset="-122"/>
+                </a:endParaRPr>
+              </a:p>
+            </p:txBody>
+          </p:sp>
+        </p:grpSp>
+        <p:grpSp>
+          <p:nvGrpSpPr>
+            <p:cNvPr id="38" name="Group 37">
+              <a:extLst>
+                <a:ext uri="{FF2B5EF4-FFF2-40B4-BE49-F238E27FC236}">
+                  <a16:creationId xmlns:a16="http://schemas.microsoft.com/office/drawing/2014/main" id="{9176D826-27F9-93E6-DB0C-3BF024B4D1D8}"/>
+                </a:ext>
+              </a:extLst>
+            </p:cNvPr>
+            <p:cNvGrpSpPr/>
+            <p:nvPr/>
+          </p:nvGrpSpPr>
+          <p:grpSpPr>
+            <a:xfrm>
+              <a:off x="6520256" y="1220210"/>
+              <a:ext cx="4124029" cy="590400"/>
+              <a:chOff x="294573" y="55824"/>
+              <a:chExt cx="4124029" cy="590400"/>
+            </a:xfrm>
+          </p:grpSpPr>
+          <p:sp>
+            <p:nvSpPr>
+              <p:cNvPr id="39" name="Rectangle: Rounded Corners 38">
+                <a:extLst>
+                  <a:ext uri="{FF2B5EF4-FFF2-40B4-BE49-F238E27FC236}">
+                    <a16:creationId xmlns:a16="http://schemas.microsoft.com/office/drawing/2014/main" id="{3EDDF19B-AF08-9CF8-8017-A02753F70F32}"/>
+                  </a:ext>
+                </a:extLst>
+              </p:cNvPr>
+              <p:cNvSpPr/>
+              <p:nvPr/>
+            </p:nvSpPr>
+            <p:spPr>
+              <a:xfrm>
+                <a:off x="294573" y="55824"/>
+                <a:ext cx="4124029" cy="590400"/>
+              </a:xfrm>
+              <a:prstGeom prst="roundRect">
+                <a:avLst/>
+              </a:prstGeom>
+            </p:spPr>
+            <p:style>
+              <a:lnRef idx="2">
+                <a:schemeClr val="lt1">
+                  <a:hueOff val="0"/>
+                  <a:satOff val="0"/>
+                  <a:lumOff val="0"/>
+                  <a:alphaOff val="0"/>
+                </a:schemeClr>
+              </a:lnRef>
+              <a:fillRef idx="1">
+                <a:schemeClr val="accent2">
+                  <a:hueOff val="0"/>
+                  <a:satOff val="0"/>
+                  <a:lumOff val="0"/>
+                  <a:alphaOff val="0"/>
+                </a:schemeClr>
+              </a:fillRef>
+              <a:effectRef idx="0">
+                <a:schemeClr val="accent2">
+                  <a:hueOff val="0"/>
+                  <a:satOff val="0"/>
+                  <a:lumOff val="0"/>
+                  <a:alphaOff val="0"/>
+                </a:schemeClr>
+              </a:effectRef>
+              <a:fontRef idx="minor">
+                <a:schemeClr val="lt1"/>
+              </a:fontRef>
+            </p:style>
+          </p:sp>
+          <p:sp>
+            <p:nvSpPr>
+              <p:cNvPr id="40" name="Rectangle: Rounded Corners 4">
+                <a:extLst>
+                  <a:ext uri="{FF2B5EF4-FFF2-40B4-BE49-F238E27FC236}">
+                    <a16:creationId xmlns:a16="http://schemas.microsoft.com/office/drawing/2014/main" id="{1369E530-E15D-8E00-D496-288B477F23FC}"/>
+                  </a:ext>
+                </a:extLst>
+              </p:cNvPr>
+              <p:cNvSpPr txBox="1"/>
+              <p:nvPr/>
+            </p:nvSpPr>
+            <p:spPr>
+              <a:xfrm>
+                <a:off x="323394" y="84645"/>
+                <a:ext cx="4066387" cy="532758"/>
+              </a:xfrm>
+              <a:prstGeom prst="rect">
+                <a:avLst/>
+              </a:prstGeom>
+            </p:spPr>
+            <p:style>
+              <a:lnRef idx="0">
+                <a:scrgbClr r="0" g="0" b="0"/>
+              </a:lnRef>
+              <a:fillRef idx="0">
+                <a:scrgbClr r="0" g="0" b="0"/>
+              </a:fillRef>
+              <a:effectRef idx="0">
+                <a:scrgbClr r="0" g="0" b="0"/>
+              </a:effectRef>
+              <a:fontRef idx="minor">
+                <a:schemeClr val="lt1"/>
+              </a:fontRef>
+            </p:style>
+            <p:txBody>
+              <a:bodyPr spcFirstLastPara="0" vert="horz" wrap="square" lIns="155879" tIns="0" rIns="155879" bIns="0" numCol="1" spcCol="1270" anchor="ctr" anchorCtr="0">
+                <a:noAutofit/>
+              </a:bodyPr>
+              <a:lstStyle/>
+              <a:p>
+                <a:pPr algn="ctr"/>
+                <a:r>
+                  <a:rPr lang="en-US" altLang="zh-CN" dirty="0">
+                    <a:latin typeface="Segoe UI" panose="020B0502040204020203" pitchFamily="34" charset="0"/>
+                    <a:ea typeface="DengXian" panose="02010600030101010101" pitchFamily="2" charset="-122"/>
+                  </a:rPr>
+                  <a:t>Sentiment Labeling</a:t>
+                </a:r>
+                <a:endParaRPr lang="zh-CN" altLang="en-US" dirty="0">
+                  <a:latin typeface="Segoe UI" panose="020B0502040204020203" pitchFamily="34" charset="0"/>
+                  <a:ea typeface="DengXian" panose="02010600030101010101" pitchFamily="2" charset="-122"/>
+                </a:endParaRPr>
+              </a:p>
+            </p:txBody>
+          </p:sp>
+        </p:grpSp>
+        <p:grpSp>
+          <p:nvGrpSpPr>
+            <p:cNvPr id="45" name="Group 44">
+              <a:extLst>
+                <a:ext uri="{FF2B5EF4-FFF2-40B4-BE49-F238E27FC236}">
+                  <a16:creationId xmlns:a16="http://schemas.microsoft.com/office/drawing/2014/main" id="{DCC5137E-FE54-1797-DE6C-819BCA13663E}"/>
+                </a:ext>
+              </a:extLst>
+            </p:cNvPr>
+            <p:cNvGrpSpPr/>
+            <p:nvPr/>
+          </p:nvGrpSpPr>
+          <p:grpSpPr>
+            <a:xfrm>
+              <a:off x="6520256" y="3071236"/>
+              <a:ext cx="4124029" cy="590400"/>
+              <a:chOff x="294573" y="2601024"/>
+              <a:chExt cx="4124029" cy="590400"/>
+            </a:xfrm>
+          </p:grpSpPr>
+          <p:sp>
+            <p:nvSpPr>
+              <p:cNvPr id="46" name="Rectangle: Rounded Corners 45">
+                <a:extLst>
+                  <a:ext uri="{FF2B5EF4-FFF2-40B4-BE49-F238E27FC236}">
+                    <a16:creationId xmlns:a16="http://schemas.microsoft.com/office/drawing/2014/main" id="{55E5079D-E56A-7DCE-E849-32EA67B80317}"/>
+                  </a:ext>
+                </a:extLst>
+              </p:cNvPr>
+              <p:cNvSpPr/>
+              <p:nvPr/>
+            </p:nvSpPr>
+            <p:spPr>
+              <a:xfrm>
+                <a:off x="294573" y="2601024"/>
+                <a:ext cx="4124029" cy="590400"/>
+              </a:xfrm>
+              <a:prstGeom prst="roundRect">
+                <a:avLst/>
+              </a:prstGeom>
+            </p:spPr>
+            <p:style>
+              <a:lnRef idx="2">
+                <a:schemeClr val="lt1">
+                  <a:hueOff val="0"/>
+                  <a:satOff val="0"/>
+                  <a:lumOff val="0"/>
+                  <a:alphaOff val="0"/>
+                </a:schemeClr>
+              </a:lnRef>
+              <a:fillRef idx="1">
+                <a:schemeClr val="accent2">
+                  <a:hueOff val="-1525302"/>
+                  <a:satOff val="-418"/>
+                  <a:lumOff val="7058"/>
+                  <a:alphaOff val="0"/>
+                </a:schemeClr>
+              </a:fillRef>
+              <a:effectRef idx="0">
+                <a:schemeClr val="accent2">
+                  <a:hueOff val="-1525302"/>
+                  <a:satOff val="-418"/>
+                  <a:lumOff val="7058"/>
+                  <a:alphaOff val="0"/>
+                </a:schemeClr>
+              </a:effectRef>
+              <a:fontRef idx="minor">
+                <a:schemeClr val="lt1"/>
+              </a:fontRef>
+            </p:style>
+          </p:sp>
+          <p:sp>
+            <p:nvSpPr>
+              <p:cNvPr id="47" name="Rectangle: Rounded Corners 4">
+                <a:extLst>
+                  <a:ext uri="{FF2B5EF4-FFF2-40B4-BE49-F238E27FC236}">
+                    <a16:creationId xmlns:a16="http://schemas.microsoft.com/office/drawing/2014/main" id="{C9FD0D27-FD39-4B8D-4A9F-ADA1CD27B68E}"/>
+                  </a:ext>
+                </a:extLst>
+              </p:cNvPr>
+              <p:cNvSpPr txBox="1"/>
+              <p:nvPr/>
+            </p:nvSpPr>
+            <p:spPr>
+              <a:xfrm>
+                <a:off x="323394" y="2629845"/>
+                <a:ext cx="4066387" cy="532758"/>
+              </a:xfrm>
+              <a:prstGeom prst="rect">
+                <a:avLst/>
+              </a:prstGeom>
+            </p:spPr>
+            <p:style>
+              <a:lnRef idx="0">
+                <a:scrgbClr r="0" g="0" b="0"/>
+              </a:lnRef>
+              <a:fillRef idx="0">
+                <a:scrgbClr r="0" g="0" b="0"/>
+              </a:fillRef>
+              <a:effectRef idx="0">
+                <a:scrgbClr r="0" g="0" b="0"/>
+              </a:effectRef>
+              <a:fontRef idx="minor">
+                <a:schemeClr val="lt1"/>
+              </a:fontRef>
+            </p:style>
+            <p:txBody>
+              <a:bodyPr spcFirstLastPara="0" vert="horz" wrap="square" lIns="155879" tIns="0" rIns="155879" bIns="0" numCol="1" spcCol="1270" anchor="ctr" anchorCtr="0">
+                <a:noAutofit/>
+              </a:bodyPr>
+              <a:lstStyle/>
+              <a:p>
+                <a:pPr algn="ctr"/>
+                <a:r>
+                  <a:rPr lang="en-US" altLang="zh-CN" sz="2000" dirty="0">
+                    <a:latin typeface="Segoe UI" panose="020B0502040204020203" pitchFamily="34" charset="0"/>
+                    <a:ea typeface="DengXian" panose="02010600030101010101" pitchFamily="2" charset="-122"/>
+                  </a:rPr>
+                  <a:t>Time Series Modeling</a:t>
+                </a:r>
+                <a:endParaRPr lang="zh-CN" altLang="en-US" sz="2000" dirty="0">
+                  <a:latin typeface="Segoe UI" panose="020B0502040204020203" pitchFamily="34" charset="0"/>
+                  <a:ea typeface="DengXian" panose="02010600030101010101" pitchFamily="2" charset="-122"/>
+                </a:endParaRPr>
+              </a:p>
+            </p:txBody>
+          </p:sp>
+        </p:grpSp>
         <p:sp>
           <p:nvSpPr>
-            <p:cNvPr id="15" name="Rectangle: Rounded Corners 14">
+            <p:cNvPr id="51" name="Oval 50">
               <a:extLst>
                 <a:ext uri="{FF2B5EF4-FFF2-40B4-BE49-F238E27FC236}">
-                  <a16:creationId xmlns:a16="http://schemas.microsoft.com/office/drawing/2014/main" id="{024BD371-F180-2103-D376-DC036ED4DB89}"/>
+                  <a16:creationId xmlns:a16="http://schemas.microsoft.com/office/drawing/2014/main" id="{2A0C9215-4D00-407A-13E1-7651057EEDAB}"/>
                 </a:ext>
               </a:extLst>
             </p:cNvPr>
@@ -27249,15 +28344,106 @@
           </p:nvSpPr>
           <p:spPr>
             <a:xfrm>
-              <a:off x="786531" y="2632162"/>
-              <a:ext cx="3206622" cy="696685"/>
+              <a:off x="9195308" y="4566844"/>
+              <a:ext cx="1420156" cy="1420156"/>
             </a:xfrm>
-            <a:prstGeom prst="roundRect">
+            <a:prstGeom prst="ellipse">
               <a:avLst/>
             </a:prstGeom>
-            <a:solidFill>
-              <a:srgbClr val="B32025"/>
-            </a:solidFill>
+            <a:gradFill>
+              <a:gsLst>
+                <a:gs pos="0">
+                  <a:schemeClr val="accent1">
+                    <a:lumMod val="60000"/>
+                    <a:lumOff val="40000"/>
+                  </a:schemeClr>
+                </a:gs>
+                <a:gs pos="60000">
+                  <a:schemeClr val="accent1"/>
+                </a:gs>
+              </a:gsLst>
+              <a:lin ang="2700000" scaled="0"/>
+            </a:gradFill>
+            <a:ln w="57150" cap="rnd">
+              <a:noFill/>
+              <a:prstDash val="solid"/>
+              <a:round/>
+            </a:ln>
+            <a:effectLst>
+              <a:outerShdw blurRad="76200" dist="50800" dir="5400000" algn="ctr" rotWithShape="0">
+                <a:schemeClr val="accent1">
+                  <a:alpha val="20000"/>
+                </a:schemeClr>
+              </a:outerShdw>
+            </a:effectLst>
+          </p:spPr>
+          <p:style>
+            <a:lnRef idx="2">
+              <a:schemeClr val="accent1">
+                <a:shade val="50000"/>
+              </a:schemeClr>
+            </a:lnRef>
+            <a:fillRef idx="1">
+              <a:schemeClr val="accent1"/>
+            </a:fillRef>
+            <a:effectRef idx="0">
+              <a:schemeClr val="accent1"/>
+            </a:effectRef>
+            <a:fontRef idx="minor">
+              <a:schemeClr val="lt1"/>
+            </a:fontRef>
+          </p:style>
+          <p:txBody>
+            <a:bodyPr rot="0" spcFirstLastPara="0" vert="horz" wrap="none" lIns="91440" tIns="45720" rIns="91440" bIns="45720" numCol="1" spcCol="0" rtlCol="0" fromWordArt="0" anchor="ctr" anchorCtr="0" forceAA="0" compatLnSpc="1">
+              <a:normAutofit/>
+            </a:bodyPr>
+            <a:lstStyle/>
+            <a:p>
+              <a:pPr algn="ctr" defTabSz="913765"/>
+              <a:r>
+                <a:rPr lang="en-US" altLang="zh-CN" sz="2400" b="1" dirty="0">
+                  <a:solidFill>
+                    <a:schemeClr val="tx1"/>
+                  </a:solidFill>
+                  <a:latin typeface="Segoe UI" panose="020B0502040204020203" pitchFamily="34" charset="0"/>
+                  <a:ea typeface="DengXian" panose="02010600030101010101" pitchFamily="2" charset="-122"/>
+                </a:rPr>
+                <a:t>Return</a:t>
+              </a:r>
+            </a:p>
+          </p:txBody>
+        </p:sp>
+        <p:sp>
+          <p:nvSpPr>
+            <p:cNvPr id="52" name="Arrow: Down 51">
+              <a:extLst>
+                <a:ext uri="{FF2B5EF4-FFF2-40B4-BE49-F238E27FC236}">
+                  <a16:creationId xmlns:a16="http://schemas.microsoft.com/office/drawing/2014/main" id="{B4DB743C-7CD0-F1AC-DF18-518CF7BBA2E5}"/>
+                </a:ext>
+              </a:extLst>
+            </p:cNvPr>
+            <p:cNvSpPr/>
+            <p:nvPr/>
+          </p:nvSpPr>
+          <p:spPr>
+            <a:xfrm>
+              <a:off x="8339239" y="1875074"/>
+              <a:ext cx="305170" cy="1131698"/>
+            </a:xfrm>
+            <a:prstGeom prst="downArrow">
+              <a:avLst/>
+            </a:prstGeom>
+            <a:gradFill>
+              <a:gsLst>
+                <a:gs pos="100000">
+                  <a:srgbClr val="704DC3"/>
+                </a:gs>
+                <a:gs pos="0">
+                  <a:schemeClr val="accent1"/>
+                </a:gs>
+              </a:gsLst>
+              <a:lin ang="2700000" scaled="0"/>
+            </a:gradFill>
           </p:spPr>
           <p:style>
             <a:lnRef idx="2">
@@ -27280,348 +28466,6 @@
             <a:lstStyle/>
             <a:p>
               <a:pPr algn="ctr"/>
-              <a:r>
-                <a:rPr lang="en-US" altLang="zh-CN" dirty="0"/>
-                <a:t>Stock data: Close, Volume, etc.</a:t>
-              </a:r>
-              <a:endParaRPr lang="zh-CN" altLang="en-US" dirty="0"/>
-            </a:p>
-          </p:txBody>
-        </p:sp>
-        <p:sp>
-          <p:nvSpPr>
-            <p:cNvPr id="16" name="Arrow: Right 15">
-              <a:extLst>
-                <a:ext uri="{FF2B5EF4-FFF2-40B4-BE49-F238E27FC236}">
-                  <a16:creationId xmlns:a16="http://schemas.microsoft.com/office/drawing/2014/main" id="{AD38DDFA-4309-4D2A-5C2B-706F29A7B51A}"/>
-                </a:ext>
-              </a:extLst>
-            </p:cNvPr>
-            <p:cNvSpPr/>
-            <p:nvPr/>
-          </p:nvSpPr>
-          <p:spPr>
-            <a:xfrm>
-              <a:off x="4086458" y="2738188"/>
-              <a:ext cx="1853681" cy="484632"/>
-            </a:xfrm>
-            <a:prstGeom prst="rightArrow">
-              <a:avLst/>
-            </a:prstGeom>
-            <a:solidFill>
-              <a:srgbClr val="B32025"/>
-            </a:solidFill>
-          </p:spPr>
-          <p:style>
-            <a:lnRef idx="2">
-              <a:schemeClr val="accent1">
-                <a:shade val="15000"/>
-              </a:schemeClr>
-            </a:lnRef>
-            <a:fillRef idx="1">
-              <a:schemeClr val="accent1"/>
-            </a:fillRef>
-            <a:effectRef idx="0">
-              <a:schemeClr val="accent1"/>
-            </a:effectRef>
-            <a:fontRef idx="minor">
-              <a:schemeClr val="lt1"/>
-            </a:fontRef>
-          </p:style>
-          <p:txBody>
-            <a:bodyPr rtlCol="0" anchor="ctr"/>
-            <a:lstStyle/>
-            <a:p>
-              <a:pPr algn="ctr"/>
-              <a:endParaRPr lang="zh-CN" altLang="en-US" dirty="0"/>
-            </a:p>
-          </p:txBody>
-        </p:sp>
-        <p:sp>
-          <p:nvSpPr>
-            <p:cNvPr id="17" name="TextBox 16">
-              <a:extLst>
-                <a:ext uri="{FF2B5EF4-FFF2-40B4-BE49-F238E27FC236}">
-                  <a16:creationId xmlns:a16="http://schemas.microsoft.com/office/drawing/2014/main" id="{B47F0692-071C-1D18-CAAB-3D8BCAD2ED69}"/>
-                </a:ext>
-              </a:extLst>
-            </p:cNvPr>
-            <p:cNvSpPr txBox="1"/>
-            <p:nvPr/>
-          </p:nvSpPr>
-          <p:spPr>
-            <a:xfrm>
-              <a:off x="4086457" y="2337412"/>
-              <a:ext cx="1853681" cy="461665"/>
-            </a:xfrm>
-            <a:prstGeom prst="rect">
-              <a:avLst/>
-            </a:prstGeom>
-            <a:noFill/>
-          </p:spPr>
-          <p:txBody>
-            <a:bodyPr wrap="square" rtlCol="0">
-              <a:noAutofit/>
-            </a:bodyPr>
-            <a:lstStyle/>
-            <a:p>
-              <a:r>
-                <a:rPr lang="en-US" altLang="zh-CN" sz="1000" dirty="0"/>
-                <a:t>Processing, Indicators Calculating, etc.</a:t>
-              </a:r>
-              <a:endParaRPr lang="zh-CN" altLang="en-US" sz="1000" dirty="0"/>
-            </a:p>
-          </p:txBody>
-        </p:sp>
-        <p:sp>
-          <p:nvSpPr>
-            <p:cNvPr id="18" name="Rectangle: Rounded Corners 17">
-              <a:extLst>
-                <a:ext uri="{FF2B5EF4-FFF2-40B4-BE49-F238E27FC236}">
-                  <a16:creationId xmlns:a16="http://schemas.microsoft.com/office/drawing/2014/main" id="{4B31B81F-C7EF-49B1-E081-0C7D6F872169}"/>
-                </a:ext>
-              </a:extLst>
-            </p:cNvPr>
-            <p:cNvSpPr/>
-            <p:nvPr/>
-          </p:nvSpPr>
-          <p:spPr>
-            <a:xfrm>
-              <a:off x="6033442" y="2568244"/>
-              <a:ext cx="3206622" cy="696685"/>
-            </a:xfrm>
-            <a:prstGeom prst="roundRect">
-              <a:avLst/>
-            </a:prstGeom>
-            <a:solidFill>
-              <a:srgbClr val="B32025"/>
-            </a:solidFill>
-          </p:spPr>
-          <p:style>
-            <a:lnRef idx="2">
-              <a:schemeClr val="accent1">
-                <a:shade val="15000"/>
-              </a:schemeClr>
-            </a:lnRef>
-            <a:fillRef idx="1">
-              <a:schemeClr val="accent1"/>
-            </a:fillRef>
-            <a:effectRef idx="0">
-              <a:schemeClr val="accent1"/>
-            </a:effectRef>
-            <a:fontRef idx="minor">
-              <a:schemeClr val="lt1"/>
-            </a:fontRef>
-          </p:style>
-          <p:txBody>
-            <a:bodyPr rtlCol="0" anchor="ctr"/>
-            <a:lstStyle/>
-            <a:p>
-              <a:pPr algn="ctr"/>
-              <a:r>
-                <a:rPr lang="en-US" altLang="zh-CN" dirty="0"/>
-                <a:t>Time Series Modeling</a:t>
-              </a:r>
-              <a:endParaRPr lang="zh-CN" altLang="en-US" dirty="0"/>
-            </a:p>
-          </p:txBody>
-        </p:sp>
-        <p:sp>
-          <p:nvSpPr>
-            <p:cNvPr id="23" name="Arrow: Down 22">
-              <a:extLst>
-                <a:ext uri="{FF2B5EF4-FFF2-40B4-BE49-F238E27FC236}">
-                  <a16:creationId xmlns:a16="http://schemas.microsoft.com/office/drawing/2014/main" id="{BC56CC49-E27E-6E4F-5D43-64873F9BC4C4}"/>
-                </a:ext>
-              </a:extLst>
-            </p:cNvPr>
-            <p:cNvSpPr/>
-            <p:nvPr/>
-          </p:nvSpPr>
-          <p:spPr>
-            <a:xfrm>
-              <a:off x="7390062" y="1396582"/>
-              <a:ext cx="493381" cy="940830"/>
-            </a:xfrm>
-            <a:prstGeom prst="downArrow">
-              <a:avLst/>
-            </a:prstGeom>
-            <a:solidFill>
-              <a:srgbClr val="B32025"/>
-            </a:solidFill>
-          </p:spPr>
-          <p:style>
-            <a:lnRef idx="2">
-              <a:schemeClr val="accent1">
-                <a:shade val="15000"/>
-              </a:schemeClr>
-            </a:lnRef>
-            <a:fillRef idx="1">
-              <a:schemeClr val="accent1"/>
-            </a:fillRef>
-            <a:effectRef idx="0">
-              <a:schemeClr val="accent1"/>
-            </a:effectRef>
-            <a:fontRef idx="minor">
-              <a:schemeClr val="lt1"/>
-            </a:fontRef>
-          </p:style>
-          <p:txBody>
-            <a:bodyPr rtlCol="0" anchor="ctr"/>
-            <a:lstStyle/>
-            <a:p>
-              <a:pPr algn="ctr"/>
-              <a:endParaRPr lang="zh-CN" altLang="en-US" dirty="0"/>
-            </a:p>
-          </p:txBody>
-        </p:sp>
-        <p:sp>
-          <p:nvSpPr>
-            <p:cNvPr id="25" name="TextBox 24">
-              <a:extLst>
-                <a:ext uri="{FF2B5EF4-FFF2-40B4-BE49-F238E27FC236}">
-                  <a16:creationId xmlns:a16="http://schemas.microsoft.com/office/drawing/2014/main" id="{E160AAFD-ACCC-969E-CB3D-118AEC18AF88}"/>
-                </a:ext>
-              </a:extLst>
-            </p:cNvPr>
-            <p:cNvSpPr txBox="1"/>
-            <p:nvPr/>
-          </p:nvSpPr>
-          <p:spPr>
-            <a:xfrm>
-              <a:off x="7883443" y="1728497"/>
-              <a:ext cx="1853681" cy="246221"/>
-            </a:xfrm>
-            <a:prstGeom prst="rect">
-              <a:avLst/>
-            </a:prstGeom>
-            <a:noFill/>
-          </p:spPr>
-          <p:txBody>
-            <a:bodyPr wrap="square" rtlCol="0">
-              <a:spAutoFit/>
-            </a:bodyPr>
-            <a:lstStyle/>
-            <a:p>
-              <a:pPr algn="ctr"/>
-              <a:r>
-                <a:rPr lang="en-US" altLang="zh-CN" sz="1000" dirty="0"/>
-                <a:t>Quantify/Normalize Data</a:t>
-              </a:r>
-              <a:endParaRPr lang="zh-CN" altLang="en-US" sz="1000" dirty="0"/>
-            </a:p>
-          </p:txBody>
-        </p:sp>
-        <p:sp>
-          <p:nvSpPr>
-            <p:cNvPr id="26" name="Arrow: Curved Left 25">
-              <a:extLst>
-                <a:ext uri="{FF2B5EF4-FFF2-40B4-BE49-F238E27FC236}">
-                  <a16:creationId xmlns:a16="http://schemas.microsoft.com/office/drawing/2014/main" id="{01095CC8-6A8A-62C7-0591-81E20118E21B}"/>
-                </a:ext>
-              </a:extLst>
-            </p:cNvPr>
-            <p:cNvSpPr/>
-            <p:nvPr/>
-          </p:nvSpPr>
-          <p:spPr>
-            <a:xfrm>
-              <a:off x="9737124" y="2738188"/>
-              <a:ext cx="1449924" cy="2980266"/>
-            </a:xfrm>
-            <a:prstGeom prst="curvedLeftArrow">
-              <a:avLst/>
-            </a:prstGeom>
-            <a:solidFill>
-              <a:srgbClr val="B32025"/>
-            </a:solidFill>
-          </p:spPr>
-          <p:style>
-            <a:lnRef idx="2">
-              <a:schemeClr val="accent1">
-                <a:shade val="15000"/>
-              </a:schemeClr>
-            </a:lnRef>
-            <a:fillRef idx="1">
-              <a:schemeClr val="accent1"/>
-            </a:fillRef>
-            <a:effectRef idx="0">
-              <a:schemeClr val="accent1"/>
-            </a:effectRef>
-            <a:fontRef idx="minor">
-              <a:schemeClr val="lt1"/>
-            </a:fontRef>
-          </p:style>
-          <p:txBody>
-            <a:bodyPr rtlCol="0" anchor="ctr"/>
-            <a:lstStyle/>
-            <a:p>
-              <a:pPr algn="ctr"/>
-              <a:r>
-                <a:rPr lang="en-US" altLang="zh-CN" sz="1000" dirty="0">
-                  <a:solidFill>
-                    <a:schemeClr val="tx1"/>
-                  </a:solidFill>
-                </a:rPr>
-                <a:t>Buy/Sell Decision</a:t>
-              </a:r>
-              <a:endParaRPr lang="zh-CN" altLang="en-US" sz="1000" dirty="0">
-                <a:solidFill>
-                  <a:schemeClr val="tx1"/>
-                </a:solidFill>
-              </a:endParaRPr>
-            </a:p>
-          </p:txBody>
-        </p:sp>
-        <p:sp>
-          <p:nvSpPr>
-            <p:cNvPr id="34" name="Star: 5 Points 33">
-              <a:extLst>
-                <a:ext uri="{FF2B5EF4-FFF2-40B4-BE49-F238E27FC236}">
-                  <a16:creationId xmlns:a16="http://schemas.microsoft.com/office/drawing/2014/main" id="{C5E299EE-9044-0384-A4D7-90364ED2A5D7}"/>
-                </a:ext>
-              </a:extLst>
-            </p:cNvPr>
-            <p:cNvSpPr/>
-            <p:nvPr/>
-          </p:nvSpPr>
-          <p:spPr>
-            <a:xfrm>
-              <a:off x="7390062" y="4228321"/>
-              <a:ext cx="2315603" cy="1953789"/>
-            </a:xfrm>
-            <a:prstGeom prst="star5">
-              <a:avLst/>
-            </a:prstGeom>
-            <a:solidFill>
-              <a:srgbClr val="B32025"/>
-            </a:solidFill>
-          </p:spPr>
-          <p:style>
-            <a:lnRef idx="2">
-              <a:schemeClr val="accent1">
-                <a:shade val="15000"/>
-              </a:schemeClr>
-            </a:lnRef>
-            <a:fillRef idx="1">
-              <a:schemeClr val="accent1"/>
-            </a:fillRef>
-            <a:effectRef idx="0">
-              <a:schemeClr val="accent1"/>
-            </a:effectRef>
-            <a:fontRef idx="minor">
-              <a:schemeClr val="lt1"/>
-            </a:fontRef>
-          </p:style>
-          <p:txBody>
-            <a:bodyPr rtlCol="0" anchor="ctr"/>
-            <a:lstStyle/>
-            <a:p>
-              <a:pPr algn="ctr"/>
-              <a:r>
-                <a:rPr lang="en-US" altLang="zh-CN" dirty="0"/>
-                <a:t>Return</a:t>
-              </a:r>
               <a:endParaRPr lang="zh-CN" altLang="en-US" dirty="0"/>
             </a:p>
           </p:txBody>
@@ -28373,10 +29217,16 @@
           <a:lstStyle/>
           <a:p>
             <a:r>
-              <a:rPr lang="en-US" altLang="zh-CN" sz="4400"/>
+              <a:rPr lang="en-US" altLang="zh-CN" sz="4400">
+                <a:latin typeface="Segoe UI" panose="020B0502040204020203" pitchFamily="34" charset="0"/>
+                <a:ea typeface="DengXian" panose="02010600030101010101" pitchFamily="2" charset="-122"/>
+              </a:rPr>
               <a:t>Problem Definition</a:t>
             </a:r>
-            <a:endParaRPr lang="zh-CN" altLang="en-US" sz="4400"/>
+            <a:endParaRPr lang="zh-CN" altLang="en-US" sz="4400">
+              <a:latin typeface="Segoe UI" panose="020B0502040204020203" pitchFamily="34" charset="0"/>
+              <a:ea typeface="DengXian" panose="02010600030101010101" pitchFamily="2" charset="-122"/>
+            </a:endParaRPr>
           </a:p>
         </p:txBody>
       </p:sp>
@@ -28396,7 +29246,7 @@
             <p:ph idx="1"/>
             <p:extLst>
               <p:ext uri="{D42A27DB-BD31-4B8C-83A1-F6EECF244321}">
-                <p14:modId xmlns:p14="http://schemas.microsoft.com/office/powerpoint/2010/main" val="3269508070"/>
+                <p14:modId xmlns:p14="http://schemas.microsoft.com/office/powerpoint/2010/main" val="3474742827"/>
               </p:ext>
             </p:extLst>
           </p:nvPr>
@@ -28609,7 +29459,10 @@
           <a:lstStyle/>
           <a:p>
             <a:r>
-              <a:rPr lang="en-US" sz="4400"/>
+              <a:rPr lang="en-US" sz="4400">
+                <a:latin typeface="Segoe UI" panose="020B0502040204020203" pitchFamily="34" charset="0"/>
+                <a:ea typeface="DengXian" panose="02010600030101010101" pitchFamily="2" charset="-122"/>
+              </a:rPr>
               <a:t>Why this approach</a:t>
             </a:r>
           </a:p>
@@ -29201,7 +30054,10 @@
           <a:lstStyle/>
           <a:p>
             <a:r>
-              <a:rPr lang="en-US" dirty="0"/>
+              <a:rPr lang="en-US" dirty="0">
+                <a:latin typeface="Segoe UI" panose="020B0502040204020203" pitchFamily="34" charset="0"/>
+                <a:ea typeface="DengXian" panose="02010600030101010101" pitchFamily="2" charset="-122"/>
+              </a:rPr>
               <a:t>Approach: Sentiment Analysis</a:t>
             </a:r>
           </a:p>
@@ -29280,11 +30136,16 @@
         </p:nvSpPr>
         <p:spPr/>
         <p:txBody>
-          <a:bodyPr/>
+          <a:bodyPr>
+            <a:normAutofit fontScale="90000"/>
+          </a:bodyPr>
           <a:lstStyle/>
           <a:p>
             <a:r>
-              <a:rPr lang="en-US" dirty="0"/>
+              <a:rPr lang="en-US" dirty="0">
+                <a:latin typeface="Segoe UI" panose="020B0502040204020203" pitchFamily="34" charset="0"/>
+                <a:ea typeface="DengXian" panose="02010600030101010101" pitchFamily="2" charset="-122"/>
+              </a:rPr>
               <a:t>What we have for sentiment analysis</a:t>
             </a:r>
           </a:p>
@@ -29514,7 +30375,10 @@
           <a:lstStyle/>
           <a:p>
             <a:r>
-              <a:rPr lang="en-US" sz="4400"/>
+              <a:rPr lang="en-US" sz="4400">
+                <a:latin typeface="Segoe UI" panose="020B0502040204020203" pitchFamily="34" charset="0"/>
+                <a:ea typeface="DengXian" panose="02010600030101010101" pitchFamily="2" charset="-122"/>
+              </a:rPr>
               <a:t>Approach: Stock Movement Prediction</a:t>
             </a:r>
           </a:p>
@@ -30165,7 +31029,7 @@
             <p:ph idx="1"/>
             <p:extLst>
               <p:ext uri="{D42A27DB-BD31-4B8C-83A1-F6EECF244321}">
-                <p14:modId xmlns:p14="http://schemas.microsoft.com/office/powerpoint/2010/main" val="349517381"/>
+                <p14:modId xmlns:p14="http://schemas.microsoft.com/office/powerpoint/2010/main" val="2966379760"/>
               </p:ext>
             </p:extLst>
           </p:nvPr>
@@ -30196,14 +31060,6 @@
 <file path=ppt/slides/slide9.xml><?xml version="1.0" encoding="utf-8"?>
 <p:sld xmlns:a="http://schemas.openxmlformats.org/drawingml/2006/main" xmlns:r="http://schemas.openxmlformats.org/officeDocument/2006/relationships" xmlns:p="http://schemas.openxmlformats.org/presentationml/2006/main">
   <p:cSld>
-    <p:bg>
-      <p:bgPr>
-        <a:solidFill>
-          <a:schemeClr val="bg1"/>
-        </a:solidFill>
-        <a:effectLst/>
-      </p:bgPr>
-    </p:bg>
     <p:spTree>
       <p:nvGrpSpPr>
         <p:cNvPr id="1" name=""/>
@@ -30218,2214 +31074,12 @@
           <a:chExt cx="0" cy="0"/>
         </a:xfrm>
       </p:grpSpPr>
-      <p:sp useBgFill="1">
-        <p:nvSpPr>
-          <p:cNvPr id="12" name="Rectangle 11">
+      <p:pic>
+        <p:nvPicPr>
+          <p:cNvPr id="2" name="Picture 1">
             <a:extLst>
               <a:ext uri="{FF2B5EF4-FFF2-40B4-BE49-F238E27FC236}">
-                <a16:creationId xmlns:a16="http://schemas.microsoft.com/office/drawing/2014/main" id="{99B5B3C5-A599-465B-B2B9-866E8B2087CE}"/>
-              </a:ext>
-              <a:ext uri="{C183D7F6-B498-43B3-948B-1728B52AA6E4}">
-                <adec:decorative xmlns:adec="http://schemas.microsoft.com/office/drawing/2017/decorative" val="1"/>
-              </a:ext>
-            </a:extLst>
-          </p:cNvPr>
-          <p:cNvSpPr>
-            <a:spLocks noGrp="1" noRot="1" noChangeAspect="1" noMove="1" noResize="1" noEditPoints="1" noAdjustHandles="1" noChangeArrowheads="1" noChangeShapeType="1" noTextEdit="1"/>
-          </p:cNvSpPr>
-          <p:nvPr>
-            <p:extLst>
-              <p:ext uri="{386F3935-93C4-4BCD-93E2-E3B085C9AB24}">
-                <p16:designElem xmlns:p16="http://schemas.microsoft.com/office/powerpoint/2015/main" val="1"/>
-              </p:ext>
-            </p:extLst>
-          </p:nvPr>
-        </p:nvSpPr>
-        <p:spPr>
-          <a:xfrm>
-            <a:off x="-1" y="-1"/>
-            <a:ext cx="12192001" cy="6858001"/>
-          </a:xfrm>
-          <a:prstGeom prst="rect">
-            <a:avLst/>
-          </a:prstGeom>
-          <a:ln>
-            <a:noFill/>
-          </a:ln>
-        </p:spPr>
-        <p:style>
-          <a:lnRef idx="2">
-            <a:schemeClr val="accent1">
-              <a:shade val="50000"/>
-            </a:schemeClr>
-          </a:lnRef>
-          <a:fillRef idx="1">
-            <a:schemeClr val="accent1"/>
-          </a:fillRef>
-          <a:effectRef idx="0">
-            <a:schemeClr val="accent1"/>
-          </a:effectRef>
-          <a:fontRef idx="minor">
-            <a:schemeClr val="lt1"/>
-          </a:fontRef>
-        </p:style>
-        <p:txBody>
-          <a:bodyPr rtlCol="0" anchor="ctr"/>
-          <a:lstStyle/>
-          <a:p>
-            <a:pPr algn="ctr"/>
-            <a:endParaRPr lang="en-US" dirty="0"/>
-          </a:p>
-        </p:txBody>
-      </p:sp>
-      <p:sp>
-        <p:nvSpPr>
-          <p:cNvPr id="14" name="Rectangle 13">
-            <a:extLst>
-              <a:ext uri="{FF2B5EF4-FFF2-40B4-BE49-F238E27FC236}">
-                <a16:creationId xmlns:a16="http://schemas.microsoft.com/office/drawing/2014/main" id="{25C84982-7DD0-43B1-8A2D-BFA4DF1B4E60}"/>
-              </a:ext>
-              <a:ext uri="{C183D7F6-B498-43B3-948B-1728B52AA6E4}">
-                <adec:decorative xmlns:adec="http://schemas.microsoft.com/office/drawing/2017/decorative" val="1"/>
-              </a:ext>
-            </a:extLst>
-          </p:cNvPr>
-          <p:cNvSpPr>
-            <a:spLocks noGrp="1" noRot="1" noChangeAspect="1" noMove="1" noResize="1" noEditPoints="1" noAdjustHandles="1" noChangeArrowheads="1" noChangeShapeType="1" noTextEdit="1"/>
-          </p:cNvSpPr>
-          <p:nvPr>
-            <p:extLst>
-              <p:ext uri="{386F3935-93C4-4BCD-93E2-E3B085C9AB24}">
-                <p16:designElem xmlns:p16="http://schemas.microsoft.com/office/powerpoint/2015/main" val="1"/>
-              </p:ext>
-            </p:extLst>
-          </p:nvPr>
-        </p:nvSpPr>
-        <p:spPr>
-          <a:xfrm>
-            <a:off x="-1" y="-1"/>
-            <a:ext cx="12192001" cy="6858001"/>
-          </a:xfrm>
-          <a:prstGeom prst="rect">
-            <a:avLst/>
-          </a:prstGeom>
-          <a:solidFill>
-            <a:schemeClr val="bg2"/>
-          </a:solidFill>
-          <a:ln>
-            <a:noFill/>
-          </a:ln>
-        </p:spPr>
-        <p:style>
-          <a:lnRef idx="2">
-            <a:schemeClr val="accent1">
-              <a:shade val="50000"/>
-            </a:schemeClr>
-          </a:lnRef>
-          <a:fillRef idx="1">
-            <a:schemeClr val="accent1"/>
-          </a:fillRef>
-          <a:effectRef idx="0">
-            <a:schemeClr val="accent1"/>
-          </a:effectRef>
-          <a:fontRef idx="minor">
-            <a:schemeClr val="lt1"/>
-          </a:fontRef>
-        </p:style>
-        <p:txBody>
-          <a:bodyPr rtlCol="0" anchor="ctr"/>
-          <a:lstStyle/>
-          <a:p>
-            <a:pPr algn="ctr"/>
-            <a:endParaRPr lang="en-US" sz="900" dirty="0">
-              <a:solidFill>
-                <a:schemeClr val="bg1"/>
-              </a:solidFill>
-              <a:latin typeface="+mj-lt"/>
-            </a:endParaRPr>
-          </a:p>
-        </p:txBody>
-      </p:sp>
-      <p:grpSp>
-        <p:nvGrpSpPr>
-          <p:cNvPr id="16" name="Decorative Circles">
-            <a:extLst>
-              <a:ext uri="{FF2B5EF4-FFF2-40B4-BE49-F238E27FC236}">
-                <a16:creationId xmlns:a16="http://schemas.microsoft.com/office/drawing/2014/main" id="{1D912E1C-3BBA-42F0-A3EE-FEC382E7230A}"/>
-              </a:ext>
-              <a:ext uri="{C183D7F6-B498-43B3-948B-1728B52AA6E4}">
-                <adec:decorative xmlns:adec="http://schemas.microsoft.com/office/drawing/2017/decorative" val="1"/>
-              </a:ext>
-            </a:extLst>
-          </p:cNvPr>
-          <p:cNvGrpSpPr>
-            <a:grpSpLocks noGrp="1" noUngrp="1" noRot="1" noChangeAspect="1" noMove="1" noResize="1"/>
-          </p:cNvGrpSpPr>
-          <p:nvPr>
-            <p:extLst>
-              <p:ext uri="{386F3935-93C4-4BCD-93E2-E3B085C9AB24}">
-                <p16:designElem xmlns:p16="http://schemas.microsoft.com/office/powerpoint/2015/main" val="1"/>
-              </p:ext>
-            </p:extLst>
-          </p:nvPr>
-        </p:nvGrpSpPr>
-        <p:grpSpPr>
-          <a:xfrm>
-            <a:off x="-1" y="-1"/>
-            <a:ext cx="12192001" cy="6858001"/>
-            <a:chOff x="-1" y="-1"/>
-            <a:chExt cx="12192001" cy="6858001"/>
-          </a:xfrm>
-        </p:grpSpPr>
-        <p:sp>
-          <p:nvSpPr>
-            <p:cNvPr id="17" name="Oval 16">
-              <a:extLst>
-                <a:ext uri="{FF2B5EF4-FFF2-40B4-BE49-F238E27FC236}">
-                  <a16:creationId xmlns:a16="http://schemas.microsoft.com/office/drawing/2014/main" id="{2FEEAC76-E273-46A8-8F8E-CE59860FE70D}"/>
-                </a:ext>
-                <a:ext uri="{C183D7F6-B498-43B3-948B-1728B52AA6E4}">
-                  <adec:decorative xmlns:adec="http://schemas.microsoft.com/office/drawing/2017/decorative" val="1"/>
-                </a:ext>
-              </a:extLst>
-            </p:cNvPr>
-            <p:cNvSpPr/>
-            <p:nvPr>
-              <p:extLst>
-                <p:ext uri="{386F3935-93C4-4BCD-93E2-E3B085C9AB24}">
-                  <p16:designElem xmlns:p16="http://schemas.microsoft.com/office/powerpoint/2015/main" val="1"/>
-                </p:ext>
-              </p:extLst>
-            </p:nvPr>
-          </p:nvSpPr>
-          <p:spPr>
-            <a:xfrm>
-              <a:off x="209098" y="727602"/>
-              <a:ext cx="172408" cy="172408"/>
-            </a:xfrm>
-            <a:prstGeom prst="ellipse">
-              <a:avLst/>
-            </a:prstGeom>
-            <a:solidFill>
-              <a:schemeClr val="accent2">
-                <a:lumMod val="40000"/>
-                <a:lumOff val="60000"/>
-                <a:alpha val="50000"/>
-              </a:schemeClr>
-            </a:solidFill>
-            <a:ln>
-              <a:noFill/>
-            </a:ln>
-          </p:spPr>
-          <p:style>
-            <a:lnRef idx="2">
-              <a:schemeClr val="accent1">
-                <a:shade val="50000"/>
-              </a:schemeClr>
-            </a:lnRef>
-            <a:fillRef idx="1">
-              <a:schemeClr val="accent1"/>
-            </a:fillRef>
-            <a:effectRef idx="0">
-              <a:schemeClr val="accent1"/>
-            </a:effectRef>
-            <a:fontRef idx="minor">
-              <a:schemeClr val="lt1"/>
-            </a:fontRef>
-          </p:style>
-          <p:txBody>
-            <a:bodyPr rtlCol="0" anchor="ctr"/>
-            <a:lstStyle/>
-            <a:p>
-              <a:pPr algn="ctr"/>
-              <a:endParaRPr lang="en-US"/>
-            </a:p>
-          </p:txBody>
-        </p:sp>
-        <p:sp>
-          <p:nvSpPr>
-            <p:cNvPr id="18" name="Oval 17">
-              <a:extLst>
-                <a:ext uri="{FF2B5EF4-FFF2-40B4-BE49-F238E27FC236}">
-                  <a16:creationId xmlns:a16="http://schemas.microsoft.com/office/drawing/2014/main" id="{76594A0E-9400-45AD-A431-1DA1C0B28966}"/>
-                </a:ext>
-                <a:ext uri="{C183D7F6-B498-43B3-948B-1728B52AA6E4}">
-                  <adec:decorative xmlns:adec="http://schemas.microsoft.com/office/drawing/2017/decorative" val="1"/>
-                </a:ext>
-              </a:extLst>
-            </p:cNvPr>
-            <p:cNvSpPr/>
-            <p:nvPr>
-              <p:extLst>
-                <p:ext uri="{386F3935-93C4-4BCD-93E2-E3B085C9AB24}">
-                  <p16:designElem xmlns:p16="http://schemas.microsoft.com/office/powerpoint/2015/main" val="1"/>
-                </p:ext>
-              </p:extLst>
-            </p:nvPr>
-          </p:nvSpPr>
-          <p:spPr>
-            <a:xfrm>
-              <a:off x="949947" y="136523"/>
-              <a:ext cx="113367" cy="113367"/>
-            </a:xfrm>
-            <a:prstGeom prst="ellipse">
-              <a:avLst/>
-            </a:prstGeom>
-            <a:solidFill>
-              <a:srgbClr val="F39E29">
-                <a:alpha val="50000"/>
-              </a:srgbClr>
-            </a:solidFill>
-            <a:ln>
-              <a:noFill/>
-            </a:ln>
-          </p:spPr>
-          <p:style>
-            <a:lnRef idx="2">
-              <a:schemeClr val="accent1">
-                <a:shade val="50000"/>
-              </a:schemeClr>
-            </a:lnRef>
-            <a:fillRef idx="1">
-              <a:schemeClr val="accent1"/>
-            </a:fillRef>
-            <a:effectRef idx="0">
-              <a:schemeClr val="accent1"/>
-            </a:effectRef>
-            <a:fontRef idx="minor">
-              <a:schemeClr val="lt1"/>
-            </a:fontRef>
-          </p:style>
-          <p:txBody>
-            <a:bodyPr rtlCol="0" anchor="ctr"/>
-            <a:lstStyle/>
-            <a:p>
-              <a:pPr algn="ctr"/>
-              <a:endParaRPr lang="en-US"/>
-            </a:p>
-          </p:txBody>
-        </p:sp>
-        <p:sp>
-          <p:nvSpPr>
-            <p:cNvPr id="19" name="Oval 18">
-              <a:extLst>
-                <a:ext uri="{FF2B5EF4-FFF2-40B4-BE49-F238E27FC236}">
-                  <a16:creationId xmlns:a16="http://schemas.microsoft.com/office/drawing/2014/main" id="{20916D6C-D32F-42B6-8512-CD5EDB8F2B9B}"/>
-                </a:ext>
-                <a:ext uri="{C183D7F6-B498-43B3-948B-1728B52AA6E4}">
-                  <adec:decorative xmlns:adec="http://schemas.microsoft.com/office/drawing/2017/decorative" val="1"/>
-                </a:ext>
-              </a:extLst>
-            </p:cNvPr>
-            <p:cNvSpPr/>
-            <p:nvPr>
-              <p:extLst>
-                <p:ext uri="{386F3935-93C4-4BCD-93E2-E3B085C9AB24}">
-                  <p16:designElem xmlns:p16="http://schemas.microsoft.com/office/powerpoint/2015/main" val="1"/>
-                </p:ext>
-              </p:extLst>
-            </p:nvPr>
-          </p:nvSpPr>
-          <p:spPr>
-            <a:xfrm>
-              <a:off x="11575290" y="5859047"/>
-              <a:ext cx="305780" cy="305780"/>
-            </a:xfrm>
-            <a:prstGeom prst="ellipse">
-              <a:avLst/>
-            </a:prstGeom>
-            <a:solidFill>
-              <a:schemeClr val="accent1">
-                <a:lumMod val="60000"/>
-                <a:lumOff val="40000"/>
-                <a:alpha val="50000"/>
-              </a:schemeClr>
-            </a:solidFill>
-            <a:ln>
-              <a:noFill/>
-            </a:ln>
-          </p:spPr>
-          <p:style>
-            <a:lnRef idx="2">
-              <a:schemeClr val="accent1">
-                <a:shade val="50000"/>
-              </a:schemeClr>
-            </a:lnRef>
-            <a:fillRef idx="1">
-              <a:schemeClr val="accent1"/>
-            </a:fillRef>
-            <a:effectRef idx="0">
-              <a:schemeClr val="accent1"/>
-            </a:effectRef>
-            <a:fontRef idx="minor">
-              <a:schemeClr val="lt1"/>
-            </a:fontRef>
-          </p:style>
-          <p:txBody>
-            <a:bodyPr rtlCol="0" anchor="ctr"/>
-            <a:lstStyle/>
-            <a:p>
-              <a:pPr algn="ctr"/>
-              <a:endParaRPr lang="en-US"/>
-            </a:p>
-          </p:txBody>
-        </p:sp>
-        <p:sp>
-          <p:nvSpPr>
-            <p:cNvPr id="20" name="Oval 19">
-              <a:extLst>
-                <a:ext uri="{FF2B5EF4-FFF2-40B4-BE49-F238E27FC236}">
-                  <a16:creationId xmlns:a16="http://schemas.microsoft.com/office/drawing/2014/main" id="{3834846D-59C6-40F4-907C-F1A4689B58F1}"/>
-                </a:ext>
-                <a:ext uri="{C183D7F6-B498-43B3-948B-1728B52AA6E4}">
-                  <adec:decorative xmlns:adec="http://schemas.microsoft.com/office/drawing/2017/decorative" val="1"/>
-                </a:ext>
-              </a:extLst>
-            </p:cNvPr>
-            <p:cNvSpPr/>
-            <p:nvPr>
-              <p:extLst>
-                <p:ext uri="{386F3935-93C4-4BCD-93E2-E3B085C9AB24}">
-                  <p16:designElem xmlns:p16="http://schemas.microsoft.com/office/powerpoint/2015/main" val="1"/>
-                </p:ext>
-              </p:extLst>
-            </p:nvPr>
-          </p:nvSpPr>
-          <p:spPr>
-            <a:xfrm>
-              <a:off x="95730" y="1133938"/>
-              <a:ext cx="226735" cy="226735"/>
-            </a:xfrm>
-            <a:prstGeom prst="ellipse">
-              <a:avLst/>
-            </a:prstGeom>
-            <a:solidFill>
-              <a:schemeClr val="accent3">
-                <a:alpha val="50000"/>
-              </a:schemeClr>
-            </a:solidFill>
-            <a:ln>
-              <a:noFill/>
-            </a:ln>
-          </p:spPr>
-          <p:style>
-            <a:lnRef idx="2">
-              <a:schemeClr val="accent1">
-                <a:shade val="50000"/>
-              </a:schemeClr>
-            </a:lnRef>
-            <a:fillRef idx="1">
-              <a:schemeClr val="accent1"/>
-            </a:fillRef>
-            <a:effectRef idx="0">
-              <a:schemeClr val="accent1"/>
-            </a:effectRef>
-            <a:fontRef idx="minor">
-              <a:schemeClr val="lt1"/>
-            </a:fontRef>
-          </p:style>
-          <p:txBody>
-            <a:bodyPr rtlCol="0" anchor="ctr"/>
-            <a:lstStyle/>
-            <a:p>
-              <a:pPr algn="ctr"/>
-              <a:endParaRPr lang="en-US"/>
-            </a:p>
-          </p:txBody>
-        </p:sp>
-        <p:sp>
-          <p:nvSpPr>
-            <p:cNvPr id="21" name="Oval 20">
-              <a:extLst>
-                <a:ext uri="{FF2B5EF4-FFF2-40B4-BE49-F238E27FC236}">
-                  <a16:creationId xmlns:a16="http://schemas.microsoft.com/office/drawing/2014/main" id="{5A257CDF-2E36-4DC7-8EE4-5CD8F8ECAC87}"/>
-                </a:ext>
-                <a:ext uri="{C183D7F6-B498-43B3-948B-1728B52AA6E4}">
-                  <adec:decorative xmlns:adec="http://schemas.microsoft.com/office/drawing/2017/decorative" val="1"/>
-                </a:ext>
-              </a:extLst>
-            </p:cNvPr>
-            <p:cNvSpPr/>
-            <p:nvPr>
-              <p:extLst>
-                <p:ext uri="{386F3935-93C4-4BCD-93E2-E3B085C9AB24}">
-                  <p16:designElem xmlns:p16="http://schemas.microsoft.com/office/powerpoint/2015/main" val="1"/>
-                </p:ext>
-              </p:extLst>
-            </p:nvPr>
-          </p:nvSpPr>
-          <p:spPr>
-            <a:xfrm>
-              <a:off x="11536830" y="554419"/>
-              <a:ext cx="382700" cy="382700"/>
-            </a:xfrm>
-            <a:prstGeom prst="ellipse">
-              <a:avLst/>
-            </a:prstGeom>
-            <a:solidFill>
-              <a:schemeClr val="accent2">
-                <a:lumMod val="60000"/>
-                <a:lumOff val="40000"/>
-                <a:alpha val="72000"/>
-              </a:schemeClr>
-            </a:solidFill>
-            <a:ln>
-              <a:noFill/>
-            </a:ln>
-          </p:spPr>
-          <p:style>
-            <a:lnRef idx="2">
-              <a:schemeClr val="accent1">
-                <a:shade val="50000"/>
-              </a:schemeClr>
-            </a:lnRef>
-            <a:fillRef idx="1">
-              <a:schemeClr val="accent1"/>
-            </a:fillRef>
-            <a:effectRef idx="0">
-              <a:schemeClr val="accent1"/>
-            </a:effectRef>
-            <a:fontRef idx="minor">
-              <a:schemeClr val="lt1"/>
-            </a:fontRef>
-          </p:style>
-          <p:txBody>
-            <a:bodyPr rtlCol="0" anchor="ctr"/>
-            <a:lstStyle/>
-            <a:p>
-              <a:pPr algn="ctr"/>
-              <a:endParaRPr lang="en-US" dirty="0"/>
-            </a:p>
-          </p:txBody>
-        </p:sp>
-        <p:sp>
-          <p:nvSpPr>
-            <p:cNvPr id="22" name="Oval 21">
-              <a:extLst>
-                <a:ext uri="{FF2B5EF4-FFF2-40B4-BE49-F238E27FC236}">
-                  <a16:creationId xmlns:a16="http://schemas.microsoft.com/office/drawing/2014/main" id="{D5B26E0E-A115-4AE2-82D8-76BB93CC494F}"/>
-                </a:ext>
-                <a:ext uri="{C183D7F6-B498-43B3-948B-1728B52AA6E4}">
-                  <adec:decorative xmlns:adec="http://schemas.microsoft.com/office/drawing/2017/decorative" val="1"/>
-                </a:ext>
-              </a:extLst>
-            </p:cNvPr>
-            <p:cNvSpPr/>
-            <p:nvPr>
-              <p:extLst>
-                <p:ext uri="{386F3935-93C4-4BCD-93E2-E3B085C9AB24}">
-                  <p16:designElem xmlns:p16="http://schemas.microsoft.com/office/powerpoint/2015/main" val="1"/>
-                </p:ext>
-              </p:extLst>
-            </p:nvPr>
-          </p:nvSpPr>
-          <p:spPr>
-            <a:xfrm>
-              <a:off x="11224303" y="299808"/>
-              <a:ext cx="113367" cy="113367"/>
-            </a:xfrm>
-            <a:prstGeom prst="ellipse">
-              <a:avLst/>
-            </a:prstGeom>
-            <a:solidFill>
-              <a:srgbClr val="F39E29"/>
-            </a:solidFill>
-            <a:ln>
-              <a:noFill/>
-            </a:ln>
-          </p:spPr>
-          <p:style>
-            <a:lnRef idx="2">
-              <a:schemeClr val="accent1">
-                <a:shade val="50000"/>
-              </a:schemeClr>
-            </a:lnRef>
-            <a:fillRef idx="1">
-              <a:schemeClr val="accent1"/>
-            </a:fillRef>
-            <a:effectRef idx="0">
-              <a:schemeClr val="accent1"/>
-            </a:effectRef>
-            <a:fontRef idx="minor">
-              <a:schemeClr val="lt1"/>
-            </a:fontRef>
-          </p:style>
-          <p:txBody>
-            <a:bodyPr rtlCol="0" anchor="ctr"/>
-            <a:lstStyle/>
-            <a:p>
-              <a:pPr algn="ctr"/>
-              <a:endParaRPr lang="en-US"/>
-            </a:p>
-          </p:txBody>
-        </p:sp>
-        <p:sp>
-          <p:nvSpPr>
-            <p:cNvPr id="23" name="Oval 22">
-              <a:extLst>
-                <a:ext uri="{FF2B5EF4-FFF2-40B4-BE49-F238E27FC236}">
-                  <a16:creationId xmlns:a16="http://schemas.microsoft.com/office/drawing/2014/main" id="{755058DB-7E01-4E95-BF59-983AA1BBB38E}"/>
-                </a:ext>
-                <a:ext uri="{C183D7F6-B498-43B3-948B-1728B52AA6E4}">
-                  <adec:decorative xmlns:adec="http://schemas.microsoft.com/office/drawing/2017/decorative" val="1"/>
-                </a:ext>
-              </a:extLst>
-            </p:cNvPr>
-            <p:cNvSpPr/>
-            <p:nvPr>
-              <p:extLst>
-                <p:ext uri="{386F3935-93C4-4BCD-93E2-E3B085C9AB24}">
-                  <p16:designElem xmlns:p16="http://schemas.microsoft.com/office/powerpoint/2015/main" val="1"/>
-                </p:ext>
-              </p:extLst>
-            </p:nvPr>
-          </p:nvSpPr>
-          <p:spPr>
-            <a:xfrm>
-              <a:off x="11629630" y="5482355"/>
-              <a:ext cx="94160" cy="94160"/>
-            </a:xfrm>
-            <a:prstGeom prst="ellipse">
-              <a:avLst/>
-            </a:prstGeom>
-            <a:solidFill>
-              <a:srgbClr val="E3BEBE">
-                <a:alpha val="28000"/>
-              </a:srgbClr>
-            </a:solidFill>
-            <a:ln>
-              <a:noFill/>
-            </a:ln>
-          </p:spPr>
-          <p:style>
-            <a:lnRef idx="2">
-              <a:schemeClr val="accent1">
-                <a:shade val="50000"/>
-              </a:schemeClr>
-            </a:lnRef>
-            <a:fillRef idx="1">
-              <a:schemeClr val="accent1"/>
-            </a:fillRef>
-            <a:effectRef idx="0">
-              <a:schemeClr val="accent1"/>
-            </a:effectRef>
-            <a:fontRef idx="minor">
-              <a:schemeClr val="lt1"/>
-            </a:fontRef>
-          </p:style>
-          <p:txBody>
-            <a:bodyPr rtlCol="0" anchor="ctr"/>
-            <a:lstStyle/>
-            <a:p>
-              <a:pPr algn="ctr"/>
-              <a:endParaRPr lang="en-US"/>
-            </a:p>
-          </p:txBody>
-        </p:sp>
-        <p:sp>
-          <p:nvSpPr>
-            <p:cNvPr id="24" name="Oval 23">
-              <a:extLst>
-                <a:ext uri="{FF2B5EF4-FFF2-40B4-BE49-F238E27FC236}">
-                  <a16:creationId xmlns:a16="http://schemas.microsoft.com/office/drawing/2014/main" id="{A810F7E2-23F3-44D6-B09E-71E556536052}"/>
-                </a:ext>
-                <a:ext uri="{C183D7F6-B498-43B3-948B-1728B52AA6E4}">
-                  <adec:decorative xmlns:adec="http://schemas.microsoft.com/office/drawing/2017/decorative" val="1"/>
-                </a:ext>
-              </a:extLst>
-            </p:cNvPr>
-            <p:cNvSpPr/>
-            <p:nvPr>
-              <p:extLst>
-                <p:ext uri="{386F3935-93C4-4BCD-93E2-E3B085C9AB24}">
-                  <p16:designElem xmlns:p16="http://schemas.microsoft.com/office/powerpoint/2015/main" val="1"/>
-                </p:ext>
-              </p:extLst>
-            </p:nvPr>
-          </p:nvSpPr>
-          <p:spPr>
-            <a:xfrm>
-              <a:off x="10415328" y="6124958"/>
-              <a:ext cx="113367" cy="113367"/>
-            </a:xfrm>
-            <a:prstGeom prst="ellipse">
-              <a:avLst/>
-            </a:prstGeom>
-            <a:solidFill>
-              <a:schemeClr val="accent3"/>
-            </a:solidFill>
-            <a:ln>
-              <a:noFill/>
-            </a:ln>
-          </p:spPr>
-          <p:style>
-            <a:lnRef idx="2">
-              <a:schemeClr val="accent1">
-                <a:shade val="50000"/>
-              </a:schemeClr>
-            </a:lnRef>
-            <a:fillRef idx="1">
-              <a:schemeClr val="accent1"/>
-            </a:fillRef>
-            <a:effectRef idx="0">
-              <a:schemeClr val="accent1"/>
-            </a:effectRef>
-            <a:fontRef idx="minor">
-              <a:schemeClr val="lt1"/>
-            </a:fontRef>
-          </p:style>
-          <p:txBody>
-            <a:bodyPr rtlCol="0" anchor="ctr"/>
-            <a:lstStyle/>
-            <a:p>
-              <a:pPr algn="ctr"/>
-              <a:endParaRPr lang="en-US"/>
-            </a:p>
-          </p:txBody>
-        </p:sp>
-        <p:sp>
-          <p:nvSpPr>
-            <p:cNvPr id="25" name="Oval 24">
-              <a:extLst>
-                <a:ext uri="{FF2B5EF4-FFF2-40B4-BE49-F238E27FC236}">
-                  <a16:creationId xmlns:a16="http://schemas.microsoft.com/office/drawing/2014/main" id="{59D5C391-E1DB-410A-A78C-ED3BBDFF0758}"/>
-                </a:ext>
-                <a:ext uri="{C183D7F6-B498-43B3-948B-1728B52AA6E4}">
-                  <adec:decorative xmlns:adec="http://schemas.microsoft.com/office/drawing/2017/decorative" val="1"/>
-                </a:ext>
-              </a:extLst>
-            </p:cNvPr>
-            <p:cNvSpPr/>
-            <p:nvPr>
-              <p:extLst>
-                <p:ext uri="{386F3935-93C4-4BCD-93E2-E3B085C9AB24}">
-                  <p16:designElem xmlns:p16="http://schemas.microsoft.com/office/powerpoint/2015/main" val="1"/>
-                </p:ext>
-              </p:extLst>
-            </p:nvPr>
-          </p:nvSpPr>
-          <p:spPr>
-            <a:xfrm>
-              <a:off x="10120382" y="6255986"/>
-              <a:ext cx="305780" cy="305780"/>
-            </a:xfrm>
-            <a:prstGeom prst="ellipse">
-              <a:avLst/>
-            </a:prstGeom>
-            <a:solidFill>
-              <a:schemeClr val="accent1">
-                <a:lumMod val="20000"/>
-                <a:lumOff val="80000"/>
-              </a:schemeClr>
-            </a:solidFill>
-            <a:ln>
-              <a:noFill/>
-            </a:ln>
-          </p:spPr>
-          <p:style>
-            <a:lnRef idx="2">
-              <a:schemeClr val="accent1">
-                <a:shade val="50000"/>
-              </a:schemeClr>
-            </a:lnRef>
-            <a:fillRef idx="1">
-              <a:schemeClr val="accent1"/>
-            </a:fillRef>
-            <a:effectRef idx="0">
-              <a:schemeClr val="accent1"/>
-            </a:effectRef>
-            <a:fontRef idx="minor">
-              <a:schemeClr val="lt1"/>
-            </a:fontRef>
-          </p:style>
-          <p:txBody>
-            <a:bodyPr rtlCol="0" anchor="ctr"/>
-            <a:lstStyle/>
-            <a:p>
-              <a:pPr algn="ctr"/>
-              <a:endParaRPr lang="en-US" dirty="0"/>
-            </a:p>
-          </p:txBody>
-        </p:sp>
-        <p:sp>
-          <p:nvSpPr>
-            <p:cNvPr id="26" name="Oval 25">
-              <a:extLst>
-                <a:ext uri="{FF2B5EF4-FFF2-40B4-BE49-F238E27FC236}">
-                  <a16:creationId xmlns:a16="http://schemas.microsoft.com/office/drawing/2014/main" id="{77C4944D-9373-4283-BCAA-927A0316659E}"/>
-                </a:ext>
-                <a:ext uri="{C183D7F6-B498-43B3-948B-1728B52AA6E4}">
-                  <adec:decorative xmlns:adec="http://schemas.microsoft.com/office/drawing/2017/decorative" val="1"/>
-                </a:ext>
-              </a:extLst>
-            </p:cNvPr>
-            <p:cNvSpPr/>
-            <p:nvPr>
-              <p:extLst>
-                <p:ext uri="{386F3935-93C4-4BCD-93E2-E3B085C9AB24}">
-                  <p16:designElem xmlns:p16="http://schemas.microsoft.com/office/powerpoint/2015/main" val="1"/>
-                </p:ext>
-              </p:extLst>
-            </p:nvPr>
-          </p:nvSpPr>
-          <p:spPr>
-            <a:xfrm>
-              <a:off x="9934343" y="6204350"/>
-              <a:ext cx="113367" cy="113367"/>
-            </a:xfrm>
-            <a:prstGeom prst="ellipse">
-              <a:avLst/>
-            </a:prstGeom>
-            <a:solidFill>
-              <a:schemeClr val="accent6">
-                <a:lumMod val="40000"/>
-                <a:lumOff val="60000"/>
-              </a:schemeClr>
-            </a:solidFill>
-            <a:ln>
-              <a:noFill/>
-            </a:ln>
-          </p:spPr>
-          <p:style>
-            <a:lnRef idx="2">
-              <a:schemeClr val="accent1">
-                <a:shade val="50000"/>
-              </a:schemeClr>
-            </a:lnRef>
-            <a:fillRef idx="1">
-              <a:schemeClr val="accent1"/>
-            </a:fillRef>
-            <a:effectRef idx="0">
-              <a:schemeClr val="accent1"/>
-            </a:effectRef>
-            <a:fontRef idx="minor">
-              <a:schemeClr val="lt1"/>
-            </a:fontRef>
-          </p:style>
-          <p:txBody>
-            <a:bodyPr rtlCol="0" anchor="ctr"/>
-            <a:lstStyle/>
-            <a:p>
-              <a:pPr algn="ctr"/>
-              <a:endParaRPr lang="en-US"/>
-            </a:p>
-          </p:txBody>
-        </p:sp>
-        <p:sp>
-          <p:nvSpPr>
-            <p:cNvPr id="27" name="Freeform: Shape 26">
-              <a:extLst>
-                <a:ext uri="{FF2B5EF4-FFF2-40B4-BE49-F238E27FC236}">
-                  <a16:creationId xmlns:a16="http://schemas.microsoft.com/office/drawing/2014/main" id="{6804C521-2D9F-4CE4-AFD3-D4F1551FEC6A}"/>
-                </a:ext>
-                <a:ext uri="{C183D7F6-B498-43B3-948B-1728B52AA6E4}">
-                  <adec:decorative xmlns:adec="http://schemas.microsoft.com/office/drawing/2017/decorative" val="1"/>
-                </a:ext>
-              </a:extLst>
-            </p:cNvPr>
-            <p:cNvSpPr/>
-            <p:nvPr>
-              <p:extLst>
-                <p:ext uri="{386F3935-93C4-4BCD-93E2-E3B085C9AB24}">
-                  <p16:designElem xmlns:p16="http://schemas.microsoft.com/office/powerpoint/2015/main" val="1"/>
-                </p:ext>
-              </p:extLst>
-            </p:nvPr>
-          </p:nvSpPr>
-          <p:spPr>
-            <a:xfrm>
-              <a:off x="11642244" y="6317718"/>
-              <a:ext cx="549756" cy="540282"/>
-            </a:xfrm>
-            <a:custGeom>
-              <a:avLst/>
-              <a:gdLst>
-                <a:gd name="connsiteX0" fmla="*/ 1224540 w 2115556"/>
-                <a:gd name="connsiteY0" fmla="*/ 0 h 2079100"/>
-                <a:gd name="connsiteX1" fmla="*/ 2090421 w 2115556"/>
-                <a:gd name="connsiteY1" fmla="*/ 358660 h 2079100"/>
-                <a:gd name="connsiteX2" fmla="*/ 2115556 w 2115556"/>
-                <a:gd name="connsiteY2" fmla="*/ 386315 h 2079100"/>
-                <a:gd name="connsiteX3" fmla="*/ 2115556 w 2115556"/>
-                <a:gd name="connsiteY3" fmla="*/ 2062765 h 2079100"/>
-                <a:gd name="connsiteX4" fmla="*/ 2100710 w 2115556"/>
-                <a:gd name="connsiteY4" fmla="*/ 2079100 h 2079100"/>
-                <a:gd name="connsiteX5" fmla="*/ 348370 w 2115556"/>
-                <a:gd name="connsiteY5" fmla="*/ 2079100 h 2079100"/>
-                <a:gd name="connsiteX6" fmla="*/ 279625 w 2115556"/>
-                <a:gd name="connsiteY6" fmla="*/ 2003461 h 2079100"/>
-                <a:gd name="connsiteX7" fmla="*/ 0 w 2115556"/>
-                <a:gd name="connsiteY7" fmla="*/ 1224540 h 2079100"/>
-                <a:gd name="connsiteX8" fmla="*/ 1224540 w 2115556"/>
-                <a:gd name="connsiteY8" fmla="*/ 0 h 2079100"/>
-              </a:gdLst>
-              <a:ahLst/>
-              <a:cxnLst>
-                <a:cxn ang="0">
-                  <a:pos x="connsiteX0" y="connsiteY0"/>
-                </a:cxn>
-                <a:cxn ang="0">
-                  <a:pos x="connsiteX1" y="connsiteY1"/>
-                </a:cxn>
-                <a:cxn ang="0">
-                  <a:pos x="connsiteX2" y="connsiteY2"/>
-                </a:cxn>
-                <a:cxn ang="0">
-                  <a:pos x="connsiteX3" y="connsiteY3"/>
-                </a:cxn>
-                <a:cxn ang="0">
-                  <a:pos x="connsiteX4" y="connsiteY4"/>
-                </a:cxn>
-                <a:cxn ang="0">
-                  <a:pos x="connsiteX5" y="connsiteY5"/>
-                </a:cxn>
-                <a:cxn ang="0">
-                  <a:pos x="connsiteX6" y="connsiteY6"/>
-                </a:cxn>
-                <a:cxn ang="0">
-                  <a:pos x="connsiteX7" y="connsiteY7"/>
-                </a:cxn>
-                <a:cxn ang="0">
-                  <a:pos x="connsiteX8" y="connsiteY8"/>
-                </a:cxn>
-              </a:cxnLst>
-              <a:rect l="l" t="t" r="r" b="b"/>
-              <a:pathLst>
-                <a:path w="2115556" h="2079100">
-                  <a:moveTo>
-                    <a:pt x="1224540" y="0"/>
-                  </a:moveTo>
-                  <a:cubicBezTo>
-                    <a:pt x="1562687" y="0"/>
-                    <a:pt x="1868823" y="137062"/>
-                    <a:pt x="2090421" y="358660"/>
-                  </a:cubicBezTo>
-                  <a:lnTo>
-                    <a:pt x="2115556" y="386315"/>
-                  </a:lnTo>
-                  <a:lnTo>
-                    <a:pt x="2115556" y="2062765"/>
-                  </a:lnTo>
-                  <a:lnTo>
-                    <a:pt x="2100710" y="2079100"/>
-                  </a:lnTo>
-                  <a:lnTo>
-                    <a:pt x="348370" y="2079100"/>
-                  </a:lnTo>
-                  <a:lnTo>
-                    <a:pt x="279625" y="2003461"/>
-                  </a:lnTo>
-                  <a:cubicBezTo>
-                    <a:pt x="104938" y="1791789"/>
-                    <a:pt x="0" y="1520419"/>
-                    <a:pt x="0" y="1224540"/>
-                  </a:cubicBezTo>
-                  <a:cubicBezTo>
-                    <a:pt x="0" y="548245"/>
-                    <a:pt x="548245" y="0"/>
-                    <a:pt x="1224540" y="0"/>
-                  </a:cubicBezTo>
-                  <a:close/>
-                </a:path>
-              </a:pathLst>
-            </a:custGeom>
-            <a:solidFill>
-              <a:schemeClr val="accent6">
-                <a:lumMod val="40000"/>
-                <a:lumOff val="60000"/>
-              </a:schemeClr>
-            </a:solidFill>
-            <a:ln>
-              <a:noFill/>
-            </a:ln>
-          </p:spPr>
-          <p:style>
-            <a:lnRef idx="2">
-              <a:schemeClr val="accent1">
-                <a:shade val="50000"/>
-              </a:schemeClr>
-            </a:lnRef>
-            <a:fillRef idx="1">
-              <a:schemeClr val="accent1"/>
-            </a:fillRef>
-            <a:effectRef idx="0">
-              <a:schemeClr val="accent1"/>
-            </a:effectRef>
-            <a:fontRef idx="minor">
-              <a:schemeClr val="lt1"/>
-            </a:fontRef>
-          </p:style>
-          <p:txBody>
-            <a:bodyPr wrap="square" rtlCol="0" anchor="ctr">
-              <a:noAutofit/>
-            </a:bodyPr>
-            <a:lstStyle/>
-            <a:p>
-              <a:pPr algn="ctr"/>
-              <a:endParaRPr lang="en-US" sz="900" dirty="0">
-                <a:solidFill>
-                  <a:schemeClr val="bg1"/>
-                </a:solidFill>
-                <a:latin typeface="+mj-lt"/>
-              </a:endParaRPr>
-            </a:p>
-          </p:txBody>
-        </p:sp>
-        <p:sp>
-          <p:nvSpPr>
-            <p:cNvPr id="28" name="Freeform: Shape 27">
-              <a:extLst>
-                <a:ext uri="{FF2B5EF4-FFF2-40B4-BE49-F238E27FC236}">
-                  <a16:creationId xmlns:a16="http://schemas.microsoft.com/office/drawing/2014/main" id="{755AC65C-13EF-4182-AA3C-62BE165CC033}"/>
-                </a:ext>
-                <a:ext uri="{C183D7F6-B498-43B3-948B-1728B52AA6E4}">
-                  <adec:decorative xmlns:adec="http://schemas.microsoft.com/office/drawing/2017/decorative" val="1"/>
-                </a:ext>
-              </a:extLst>
-            </p:cNvPr>
-            <p:cNvSpPr/>
-            <p:nvPr>
-              <p:extLst>
-                <p:ext uri="{386F3935-93C4-4BCD-93E2-E3B085C9AB24}">
-                  <p16:designElem xmlns:p16="http://schemas.microsoft.com/office/powerpoint/2015/main" val="1"/>
-                </p:ext>
-              </p:extLst>
-            </p:nvPr>
-          </p:nvSpPr>
-          <p:spPr>
-            <a:xfrm>
-              <a:off x="-1" y="-1"/>
-              <a:ext cx="510196" cy="538336"/>
-            </a:xfrm>
-            <a:custGeom>
-              <a:avLst/>
-              <a:gdLst>
-                <a:gd name="connsiteX0" fmla="*/ 0 w 510196"/>
-                <a:gd name="connsiteY0" fmla="*/ 0 h 538336"/>
-                <a:gd name="connsiteX1" fmla="*/ 459276 w 510196"/>
-                <a:gd name="connsiteY1" fmla="*/ 0 h 538336"/>
-                <a:gd name="connsiteX2" fmla="*/ 482126 w 510196"/>
-                <a:gd name="connsiteY2" fmla="*/ 42098 h 538336"/>
-                <a:gd name="connsiteX3" fmla="*/ 510196 w 510196"/>
-                <a:gd name="connsiteY3" fmla="*/ 181136 h 538336"/>
-                <a:gd name="connsiteX4" fmla="*/ 152996 w 510196"/>
-                <a:gd name="connsiteY4" fmla="*/ 538336 h 538336"/>
-                <a:gd name="connsiteX5" fmla="*/ 13958 w 510196"/>
-                <a:gd name="connsiteY5" fmla="*/ 510266 h 538336"/>
-                <a:gd name="connsiteX6" fmla="*/ 0 w 510196"/>
-                <a:gd name="connsiteY6" fmla="*/ 502690 h 538336"/>
-              </a:gdLst>
-              <a:ahLst/>
-              <a:cxnLst>
-                <a:cxn ang="0">
-                  <a:pos x="connsiteX0" y="connsiteY0"/>
-                </a:cxn>
-                <a:cxn ang="0">
-                  <a:pos x="connsiteX1" y="connsiteY1"/>
-                </a:cxn>
-                <a:cxn ang="0">
-                  <a:pos x="connsiteX2" y="connsiteY2"/>
-                </a:cxn>
-                <a:cxn ang="0">
-                  <a:pos x="connsiteX3" y="connsiteY3"/>
-                </a:cxn>
-                <a:cxn ang="0">
-                  <a:pos x="connsiteX4" y="connsiteY4"/>
-                </a:cxn>
-                <a:cxn ang="0">
-                  <a:pos x="connsiteX5" y="connsiteY5"/>
-                </a:cxn>
-                <a:cxn ang="0">
-                  <a:pos x="connsiteX6" y="connsiteY6"/>
-                </a:cxn>
-              </a:cxnLst>
-              <a:rect l="l" t="t" r="r" b="b"/>
-              <a:pathLst>
-                <a:path w="510196" h="538336">
-                  <a:moveTo>
-                    <a:pt x="0" y="0"/>
-                  </a:moveTo>
-                  <a:lnTo>
-                    <a:pt x="459276" y="0"/>
-                  </a:lnTo>
-                  <a:lnTo>
-                    <a:pt x="482126" y="42098"/>
-                  </a:lnTo>
-                  <a:cubicBezTo>
-                    <a:pt x="500201" y="84833"/>
-                    <a:pt x="510196" y="131817"/>
-                    <a:pt x="510196" y="181136"/>
-                  </a:cubicBezTo>
-                  <a:cubicBezTo>
-                    <a:pt x="510196" y="378412"/>
-                    <a:pt x="350272" y="538336"/>
-                    <a:pt x="152996" y="538336"/>
-                  </a:cubicBezTo>
-                  <a:cubicBezTo>
-                    <a:pt x="103677" y="538336"/>
-                    <a:pt x="56693" y="528341"/>
-                    <a:pt x="13958" y="510266"/>
-                  </a:cubicBezTo>
-                  <a:lnTo>
-                    <a:pt x="0" y="502690"/>
-                  </a:lnTo>
-                  <a:close/>
-                </a:path>
-              </a:pathLst>
-            </a:custGeom>
-            <a:solidFill>
-              <a:schemeClr val="accent1">
-                <a:lumMod val="20000"/>
-                <a:lumOff val="80000"/>
-              </a:schemeClr>
-            </a:solidFill>
-            <a:ln>
-              <a:noFill/>
-            </a:ln>
-          </p:spPr>
-          <p:style>
-            <a:lnRef idx="2">
-              <a:schemeClr val="accent1">
-                <a:shade val="50000"/>
-              </a:schemeClr>
-            </a:lnRef>
-            <a:fillRef idx="1">
-              <a:schemeClr val="accent1"/>
-            </a:fillRef>
-            <a:effectRef idx="0">
-              <a:schemeClr val="accent1"/>
-            </a:effectRef>
-            <a:fontRef idx="minor">
-              <a:schemeClr val="lt1"/>
-            </a:fontRef>
-          </p:style>
-          <p:txBody>
-            <a:bodyPr wrap="square" rtlCol="0" anchor="ctr">
-              <a:noAutofit/>
-            </a:bodyPr>
-            <a:lstStyle/>
-            <a:p>
-              <a:pPr algn="ctr"/>
-              <a:endParaRPr lang="en-US" sz="900" dirty="0">
-                <a:solidFill>
-                  <a:schemeClr val="bg1"/>
-                </a:solidFill>
-                <a:latin typeface="+mj-lt"/>
-              </a:endParaRPr>
-            </a:p>
-          </p:txBody>
-        </p:sp>
-        <p:sp>
-          <p:nvSpPr>
-            <p:cNvPr id="29" name="Freeform: Shape 28">
-              <a:extLst>
-                <a:ext uri="{FF2B5EF4-FFF2-40B4-BE49-F238E27FC236}">
-                  <a16:creationId xmlns:a16="http://schemas.microsoft.com/office/drawing/2014/main" id="{E40DA8D2-FA4B-4282-9D44-48C27B63A153}"/>
-                </a:ext>
-                <a:ext uri="{C183D7F6-B498-43B3-948B-1728B52AA6E4}">
-                  <adec:decorative xmlns:adec="http://schemas.microsoft.com/office/drawing/2017/decorative" val="1"/>
-                </a:ext>
-              </a:extLst>
-            </p:cNvPr>
-            <p:cNvSpPr/>
-            <p:nvPr>
-              <p:extLst>
-                <p:ext uri="{386F3935-93C4-4BCD-93E2-E3B085C9AB24}">
-                  <p16:designElem xmlns:p16="http://schemas.microsoft.com/office/powerpoint/2015/main" val="1"/>
-                </p:ext>
-              </p:extLst>
-            </p:nvPr>
-          </p:nvSpPr>
-          <p:spPr>
-            <a:xfrm>
-              <a:off x="10528695" y="1"/>
-              <a:ext cx="554074" cy="282754"/>
-            </a:xfrm>
-            <a:custGeom>
-              <a:avLst/>
-              <a:gdLst>
-                <a:gd name="connsiteX0" fmla="*/ 644 w 309162"/>
-                <a:gd name="connsiteY0" fmla="*/ 0 h 157771"/>
-                <a:gd name="connsiteX1" fmla="*/ 308518 w 309162"/>
-                <a:gd name="connsiteY1" fmla="*/ 0 h 157771"/>
-                <a:gd name="connsiteX2" fmla="*/ 309162 w 309162"/>
-                <a:gd name="connsiteY2" fmla="*/ 3190 h 157771"/>
-                <a:gd name="connsiteX3" fmla="*/ 154581 w 309162"/>
-                <a:gd name="connsiteY3" fmla="*/ 157771 h 157771"/>
-                <a:gd name="connsiteX4" fmla="*/ 0 w 309162"/>
-                <a:gd name="connsiteY4" fmla="*/ 3190 h 157771"/>
-              </a:gdLst>
-              <a:ahLst/>
-              <a:cxnLst>
-                <a:cxn ang="0">
-                  <a:pos x="connsiteX0" y="connsiteY0"/>
-                </a:cxn>
-                <a:cxn ang="0">
-                  <a:pos x="connsiteX1" y="connsiteY1"/>
-                </a:cxn>
-                <a:cxn ang="0">
-                  <a:pos x="connsiteX2" y="connsiteY2"/>
-                </a:cxn>
-                <a:cxn ang="0">
-                  <a:pos x="connsiteX3" y="connsiteY3"/>
-                </a:cxn>
-                <a:cxn ang="0">
-                  <a:pos x="connsiteX4" y="connsiteY4"/>
-                </a:cxn>
-              </a:cxnLst>
-              <a:rect l="l" t="t" r="r" b="b"/>
-              <a:pathLst>
-                <a:path w="309162" h="157771">
-                  <a:moveTo>
-                    <a:pt x="644" y="0"/>
-                  </a:moveTo>
-                  <a:lnTo>
-                    <a:pt x="308518" y="0"/>
-                  </a:lnTo>
-                  <a:lnTo>
-                    <a:pt x="309162" y="3190"/>
-                  </a:lnTo>
-                  <a:cubicBezTo>
-                    <a:pt x="309162" y="88563"/>
-                    <a:pt x="239954" y="157771"/>
-                    <a:pt x="154581" y="157771"/>
-                  </a:cubicBezTo>
-                  <a:cubicBezTo>
-                    <a:pt x="69208" y="157771"/>
-                    <a:pt x="0" y="88563"/>
-                    <a:pt x="0" y="3190"/>
-                  </a:cubicBezTo>
-                  <a:close/>
-                </a:path>
-              </a:pathLst>
-            </a:custGeom>
-            <a:solidFill>
-              <a:schemeClr val="accent4">
-                <a:lumMod val="60000"/>
-                <a:lumOff val="40000"/>
-              </a:schemeClr>
-            </a:solidFill>
-            <a:ln>
-              <a:noFill/>
-            </a:ln>
-          </p:spPr>
-          <p:style>
-            <a:lnRef idx="2">
-              <a:schemeClr val="accent1">
-                <a:shade val="50000"/>
-              </a:schemeClr>
-            </a:lnRef>
-            <a:fillRef idx="1">
-              <a:schemeClr val="accent1"/>
-            </a:fillRef>
-            <a:effectRef idx="0">
-              <a:schemeClr val="accent1"/>
-            </a:effectRef>
-            <a:fontRef idx="minor">
-              <a:schemeClr val="lt1"/>
-            </a:fontRef>
-          </p:style>
-          <p:txBody>
-            <a:bodyPr wrap="square" rtlCol="0" anchor="ctr">
-              <a:noAutofit/>
-            </a:bodyPr>
-            <a:lstStyle/>
-            <a:p>
-              <a:pPr algn="ctr"/>
-              <a:endParaRPr lang="en-US" sz="900" dirty="0">
-                <a:solidFill>
-                  <a:schemeClr val="bg1"/>
-                </a:solidFill>
-                <a:latin typeface="+mj-lt"/>
-              </a:endParaRPr>
-            </a:p>
-          </p:txBody>
-        </p:sp>
-        <p:sp>
-          <p:nvSpPr>
-            <p:cNvPr id="30" name="Oval 29">
-              <a:extLst>
-                <a:ext uri="{FF2B5EF4-FFF2-40B4-BE49-F238E27FC236}">
-                  <a16:creationId xmlns:a16="http://schemas.microsoft.com/office/drawing/2014/main" id="{99065014-CB18-414D-A527-31ECC45700AB}"/>
-                </a:ext>
-                <a:ext uri="{C183D7F6-B498-43B3-948B-1728B52AA6E4}">
-                  <adec:decorative xmlns:adec="http://schemas.microsoft.com/office/drawing/2017/decorative" val="1"/>
-                </a:ext>
-              </a:extLst>
-            </p:cNvPr>
-            <p:cNvSpPr/>
-            <p:nvPr>
-              <p:extLst>
-                <p:ext uri="{386F3935-93C4-4BCD-93E2-E3B085C9AB24}">
-                  <p16:designElem xmlns:p16="http://schemas.microsoft.com/office/powerpoint/2015/main" val="1"/>
-                </p:ext>
-              </p:extLst>
-            </p:nvPr>
-          </p:nvSpPr>
-          <p:spPr>
-            <a:xfrm>
-              <a:off x="504140" y="1132500"/>
-              <a:ext cx="84680" cy="84680"/>
-            </a:xfrm>
-            <a:prstGeom prst="ellipse">
-              <a:avLst/>
-            </a:prstGeom>
-            <a:solidFill>
-              <a:schemeClr val="accent2"/>
-            </a:solidFill>
-            <a:ln>
-              <a:noFill/>
-            </a:ln>
-          </p:spPr>
-          <p:style>
-            <a:lnRef idx="0">
-              <a:scrgbClr r="0" g="0" b="0"/>
-            </a:lnRef>
-            <a:fillRef idx="0">
-              <a:scrgbClr r="0" g="0" b="0"/>
-            </a:fillRef>
-            <a:effectRef idx="0">
-              <a:scrgbClr r="0" g="0" b="0"/>
-            </a:effectRef>
-            <a:fontRef idx="minor">
-              <a:schemeClr val="lt1"/>
-            </a:fontRef>
-          </p:style>
-          <p:txBody>
-            <a:bodyPr rtlCol="0" anchor="ctr"/>
-            <a:lstStyle/>
-            <a:p>
-              <a:pPr algn="ctr"/>
-              <a:endParaRPr lang="en-US"/>
-            </a:p>
-          </p:txBody>
-        </p:sp>
-        <p:sp>
-          <p:nvSpPr>
-            <p:cNvPr id="31" name="Freeform: Shape 30">
-              <a:extLst>
-                <a:ext uri="{FF2B5EF4-FFF2-40B4-BE49-F238E27FC236}">
-                  <a16:creationId xmlns:a16="http://schemas.microsoft.com/office/drawing/2014/main" id="{8F39E27A-56C1-4328-8DF1-2DA147C78483}"/>
-                </a:ext>
-                <a:ext uri="{C183D7F6-B498-43B3-948B-1728B52AA6E4}">
-                  <adec:decorative xmlns:adec="http://schemas.microsoft.com/office/drawing/2017/decorative" val="1"/>
-                </a:ext>
-              </a:extLst>
-            </p:cNvPr>
-            <p:cNvSpPr/>
-            <p:nvPr>
-              <p:extLst>
-                <p:ext uri="{386F3935-93C4-4BCD-93E2-E3B085C9AB24}">
-                  <p16:designElem xmlns:p16="http://schemas.microsoft.com/office/powerpoint/2015/main" val="1"/>
-                </p:ext>
-              </p:extLst>
-            </p:nvPr>
-          </p:nvSpPr>
-          <p:spPr>
-            <a:xfrm>
-              <a:off x="12051348" y="5576515"/>
-              <a:ext cx="137603" cy="210490"/>
-            </a:xfrm>
-            <a:custGeom>
-              <a:avLst/>
-              <a:gdLst>
-                <a:gd name="connsiteX0" fmla="*/ 105245 w 137603"/>
-                <a:gd name="connsiteY0" fmla="*/ 0 h 210490"/>
-                <a:gd name="connsiteX1" fmla="*/ 137603 w 137603"/>
-                <a:gd name="connsiteY1" fmla="*/ 6533 h 210490"/>
-                <a:gd name="connsiteX2" fmla="*/ 137603 w 137603"/>
-                <a:gd name="connsiteY2" fmla="*/ 203957 h 210490"/>
-                <a:gd name="connsiteX3" fmla="*/ 105245 w 137603"/>
-                <a:gd name="connsiteY3" fmla="*/ 210490 h 210490"/>
-                <a:gd name="connsiteX4" fmla="*/ 0 w 137603"/>
-                <a:gd name="connsiteY4" fmla="*/ 105245 h 210490"/>
-                <a:gd name="connsiteX5" fmla="*/ 105245 w 137603"/>
-                <a:gd name="connsiteY5" fmla="*/ 0 h 210490"/>
-              </a:gdLst>
-              <a:ahLst/>
-              <a:cxnLst>
-                <a:cxn ang="0">
-                  <a:pos x="connsiteX0" y="connsiteY0"/>
-                </a:cxn>
-                <a:cxn ang="0">
-                  <a:pos x="connsiteX1" y="connsiteY1"/>
-                </a:cxn>
-                <a:cxn ang="0">
-                  <a:pos x="connsiteX2" y="connsiteY2"/>
-                </a:cxn>
-                <a:cxn ang="0">
-                  <a:pos x="connsiteX3" y="connsiteY3"/>
-                </a:cxn>
-                <a:cxn ang="0">
-                  <a:pos x="connsiteX4" y="connsiteY4"/>
-                </a:cxn>
-                <a:cxn ang="0">
-                  <a:pos x="connsiteX5" y="connsiteY5"/>
-                </a:cxn>
-              </a:cxnLst>
-              <a:rect l="l" t="t" r="r" b="b"/>
-              <a:pathLst>
-                <a:path w="137603" h="210490">
-                  <a:moveTo>
-                    <a:pt x="105245" y="0"/>
-                  </a:moveTo>
-                  <a:lnTo>
-                    <a:pt x="137603" y="6533"/>
-                  </a:lnTo>
-                  <a:lnTo>
-                    <a:pt x="137603" y="203957"/>
-                  </a:lnTo>
-                  <a:lnTo>
-                    <a:pt x="105245" y="210490"/>
-                  </a:lnTo>
-                  <a:cubicBezTo>
-                    <a:pt x="47120" y="210490"/>
-                    <a:pt x="0" y="163370"/>
-                    <a:pt x="0" y="105245"/>
-                  </a:cubicBezTo>
-                  <a:cubicBezTo>
-                    <a:pt x="0" y="47120"/>
-                    <a:pt x="47120" y="0"/>
-                    <a:pt x="105245" y="0"/>
-                  </a:cubicBezTo>
-                  <a:close/>
-                </a:path>
-              </a:pathLst>
-            </a:custGeom>
-            <a:solidFill>
-              <a:schemeClr val="accent3">
-                <a:lumMod val="40000"/>
-                <a:lumOff val="60000"/>
-              </a:schemeClr>
-            </a:solidFill>
-            <a:ln>
-              <a:noFill/>
-            </a:ln>
-          </p:spPr>
-          <p:style>
-            <a:lnRef idx="2">
-              <a:schemeClr val="accent1">
-                <a:shade val="50000"/>
-              </a:schemeClr>
-            </a:lnRef>
-            <a:fillRef idx="1">
-              <a:schemeClr val="accent1"/>
-            </a:fillRef>
-            <a:effectRef idx="0">
-              <a:schemeClr val="accent1"/>
-            </a:effectRef>
-            <a:fontRef idx="minor">
-              <a:schemeClr val="lt1"/>
-            </a:fontRef>
-          </p:style>
-          <p:txBody>
-            <a:bodyPr wrap="square" rtlCol="0" anchor="ctr">
-              <a:noAutofit/>
-            </a:bodyPr>
-            <a:lstStyle/>
-            <a:p>
-              <a:pPr algn="ctr"/>
-              <a:endParaRPr lang="en-US" sz="900" dirty="0">
-                <a:solidFill>
-                  <a:schemeClr val="bg1"/>
-                </a:solidFill>
-                <a:latin typeface="+mj-lt"/>
-              </a:endParaRPr>
-            </a:p>
-          </p:txBody>
-        </p:sp>
-      </p:grpSp>
-      <p:sp useBgFill="1">
-        <p:nvSpPr>
-          <p:cNvPr id="33" name="Rectangle 32">
-            <a:extLst>
-              <a:ext uri="{FF2B5EF4-FFF2-40B4-BE49-F238E27FC236}">
-                <a16:creationId xmlns:a16="http://schemas.microsoft.com/office/drawing/2014/main" id="{E2748806-3AF5-4078-830A-C1F26BF1B200}"/>
-              </a:ext>
-              <a:ext uri="{C183D7F6-B498-43B3-948B-1728B52AA6E4}">
-                <adec:decorative xmlns:adec="http://schemas.microsoft.com/office/drawing/2017/decorative" val="1"/>
-              </a:ext>
-            </a:extLst>
-          </p:cNvPr>
-          <p:cNvSpPr>
-            <a:spLocks noGrp="1" noRot="1" noChangeAspect="1" noMove="1" noResize="1" noEditPoints="1" noAdjustHandles="1" noChangeArrowheads="1" noChangeShapeType="1" noTextEdit="1"/>
-          </p:cNvSpPr>
-          <p:nvPr>
-            <p:extLst>
-              <p:ext uri="{386F3935-93C4-4BCD-93E2-E3B085C9AB24}">
-                <p16:designElem xmlns:p16="http://schemas.microsoft.com/office/powerpoint/2015/main" val="1"/>
-              </p:ext>
-            </p:extLst>
-          </p:nvPr>
-        </p:nvSpPr>
-        <p:spPr>
-          <a:xfrm>
-            <a:off x="0" y="0"/>
-            <a:ext cx="12188952" cy="6858000"/>
-          </a:xfrm>
-          <a:prstGeom prst="rect">
-            <a:avLst/>
-          </a:prstGeom>
-          <a:ln>
-            <a:noFill/>
-          </a:ln>
-        </p:spPr>
-        <p:style>
-          <a:lnRef idx="2">
-            <a:schemeClr val="accent1">
-              <a:shade val="50000"/>
-            </a:schemeClr>
-          </a:lnRef>
-          <a:fillRef idx="1">
-            <a:schemeClr val="accent1"/>
-          </a:fillRef>
-          <a:effectRef idx="0">
-            <a:schemeClr val="accent1"/>
-          </a:effectRef>
-          <a:fontRef idx="minor">
-            <a:schemeClr val="lt1"/>
-          </a:fontRef>
-        </p:style>
-        <p:txBody>
-          <a:bodyPr rtlCol="0" anchor="ctr"/>
-          <a:lstStyle/>
-          <a:p>
-            <a:pPr algn="ctr"/>
-            <a:endParaRPr lang="en-US">
-              <a:solidFill>
-                <a:schemeClr val="tx1">
-                  <a:lumMod val="65000"/>
-                  <a:lumOff val="35000"/>
-                </a:schemeClr>
-              </a:solidFill>
-              <a:latin typeface="AvenirNext LT Pro Medium" panose="020B0504020202020204" pitchFamily="34" charset="0"/>
-            </a:endParaRPr>
-          </a:p>
-        </p:txBody>
-      </p:sp>
-      <p:sp>
-        <p:nvSpPr>
-          <p:cNvPr id="35" name="Freeform: Shape 34">
-            <a:extLst>
-              <a:ext uri="{FF2B5EF4-FFF2-40B4-BE49-F238E27FC236}">
-                <a16:creationId xmlns:a16="http://schemas.microsoft.com/office/drawing/2014/main" id="{36C5C053-F6BB-464B-BDD2-9D811A2494A2}"/>
-              </a:ext>
-              <a:ext uri="{C183D7F6-B498-43B3-948B-1728B52AA6E4}">
-                <adec:decorative xmlns:adec="http://schemas.microsoft.com/office/drawing/2017/decorative" val="1"/>
-              </a:ext>
-            </a:extLst>
-          </p:cNvPr>
-          <p:cNvSpPr>
-            <a:spLocks noGrp="1" noRot="1" noChangeAspect="1" noMove="1" noResize="1" noEditPoints="1" noAdjustHandles="1" noChangeArrowheads="1" noChangeShapeType="1" noTextEdit="1"/>
-          </p:cNvSpPr>
-          <p:nvPr>
-            <p:extLst>
-              <p:ext uri="{386F3935-93C4-4BCD-93E2-E3B085C9AB24}">
-                <p16:designElem xmlns:p16="http://schemas.microsoft.com/office/powerpoint/2015/main" val="1"/>
-              </p:ext>
-            </p:extLst>
-          </p:nvPr>
-        </p:nvSpPr>
-        <p:spPr>
-          <a:xfrm rot="10800000" flipH="1">
-            <a:off x="0" y="1"/>
-            <a:ext cx="489238" cy="558645"/>
-          </a:xfrm>
-          <a:custGeom>
-            <a:avLst/>
-            <a:gdLst>
-              <a:gd name="connsiteX0" fmla="*/ 1156116 w 3186814"/>
-              <a:gd name="connsiteY0" fmla="*/ 0 h 3638922"/>
-              <a:gd name="connsiteX1" fmla="*/ 3186814 w 3186814"/>
-              <a:gd name="connsiteY1" fmla="*/ 2030698 h 3638922"/>
-              <a:gd name="connsiteX2" fmla="*/ 2447829 w 3186814"/>
-              <a:gd name="connsiteY2" fmla="*/ 3597684 h 3638922"/>
-              <a:gd name="connsiteX3" fmla="*/ 2392682 w 3186814"/>
-              <a:gd name="connsiteY3" fmla="*/ 3638922 h 3638922"/>
-              <a:gd name="connsiteX4" fmla="*/ 0 w 3186814"/>
-              <a:gd name="connsiteY4" fmla="*/ 3638922 h 3638922"/>
-              <a:gd name="connsiteX5" fmla="*/ 0 w 3186814"/>
-              <a:gd name="connsiteY5" fmla="*/ 362315 h 3638922"/>
-              <a:gd name="connsiteX6" fmla="*/ 20733 w 3186814"/>
-              <a:gd name="connsiteY6" fmla="*/ 346811 h 3638922"/>
-              <a:gd name="connsiteX7" fmla="*/ 1156116 w 3186814"/>
-              <a:gd name="connsiteY7" fmla="*/ 0 h 3638922"/>
-            </a:gdLst>
-            <a:ahLst/>
-            <a:cxnLst>
-              <a:cxn ang="0">
-                <a:pos x="connsiteX0" y="connsiteY0"/>
-              </a:cxn>
-              <a:cxn ang="0">
-                <a:pos x="connsiteX1" y="connsiteY1"/>
-              </a:cxn>
-              <a:cxn ang="0">
-                <a:pos x="connsiteX2" y="connsiteY2"/>
-              </a:cxn>
-              <a:cxn ang="0">
-                <a:pos x="connsiteX3" y="connsiteY3"/>
-              </a:cxn>
-              <a:cxn ang="0">
-                <a:pos x="connsiteX4" y="connsiteY4"/>
-              </a:cxn>
-              <a:cxn ang="0">
-                <a:pos x="connsiteX5" y="connsiteY5"/>
-              </a:cxn>
-              <a:cxn ang="0">
-                <a:pos x="connsiteX6" y="connsiteY6"/>
-              </a:cxn>
-              <a:cxn ang="0">
-                <a:pos x="connsiteX7" y="connsiteY7"/>
-              </a:cxn>
-            </a:cxnLst>
-            <a:rect l="l" t="t" r="r" b="b"/>
-            <a:pathLst>
-              <a:path w="3186814" h="3638922">
-                <a:moveTo>
-                  <a:pt x="1156116" y="0"/>
-                </a:moveTo>
-                <a:cubicBezTo>
-                  <a:pt x="2277640" y="0"/>
-                  <a:pt x="3186814" y="909174"/>
-                  <a:pt x="3186814" y="2030698"/>
-                </a:cubicBezTo>
-                <a:cubicBezTo>
-                  <a:pt x="3186814" y="2661556"/>
-                  <a:pt x="2899146" y="3225224"/>
-                  <a:pt x="2447829" y="3597684"/>
-                </a:cubicBezTo>
-                <a:lnTo>
-                  <a:pt x="2392682" y="3638922"/>
-                </a:lnTo>
-                <a:lnTo>
-                  <a:pt x="0" y="3638922"/>
-                </a:lnTo>
-                <a:lnTo>
-                  <a:pt x="0" y="362315"/>
-                </a:lnTo>
-                <a:lnTo>
-                  <a:pt x="20733" y="346811"/>
-                </a:lnTo>
-                <a:cubicBezTo>
-                  <a:pt x="344835" y="127853"/>
-                  <a:pt x="735545" y="0"/>
-                  <a:pt x="1156116" y="0"/>
-                </a:cubicBezTo>
-                <a:close/>
-              </a:path>
-            </a:pathLst>
-          </a:custGeom>
-          <a:solidFill>
-            <a:schemeClr val="accent2">
-              <a:lumMod val="20000"/>
-              <a:lumOff val="80000"/>
-            </a:schemeClr>
-          </a:solidFill>
-          <a:ln>
-            <a:noFill/>
-          </a:ln>
-        </p:spPr>
-        <p:style>
-          <a:lnRef idx="2">
-            <a:schemeClr val="accent1">
-              <a:shade val="50000"/>
-            </a:schemeClr>
-          </a:lnRef>
-          <a:fillRef idx="1">
-            <a:schemeClr val="accent1"/>
-          </a:fillRef>
-          <a:effectRef idx="0">
-            <a:schemeClr val="accent1"/>
-          </a:effectRef>
-          <a:fontRef idx="minor">
-            <a:schemeClr val="lt1"/>
-          </a:fontRef>
-        </p:style>
-        <p:txBody>
-          <a:bodyPr rtlCol="0" anchor="ctr"/>
-          <a:lstStyle/>
-          <a:p>
-            <a:pPr algn="ctr"/>
-            <a:endParaRPr lang="en-US"/>
-          </a:p>
-        </p:txBody>
-      </p:sp>
-      <p:sp>
-        <p:nvSpPr>
-          <p:cNvPr id="37" name="Oval 36">
-            <a:extLst>
-              <a:ext uri="{FF2B5EF4-FFF2-40B4-BE49-F238E27FC236}">
-                <a16:creationId xmlns:a16="http://schemas.microsoft.com/office/drawing/2014/main" id="{8315D1CC-8D02-4016-AD7A-097E77AAE387}"/>
-              </a:ext>
-              <a:ext uri="{C183D7F6-B498-43B3-948B-1728B52AA6E4}">
-                <adec:decorative xmlns:adec="http://schemas.microsoft.com/office/drawing/2017/decorative" val="1"/>
-              </a:ext>
-            </a:extLst>
-          </p:cNvPr>
-          <p:cNvSpPr>
-            <a:spLocks noGrp="1" noRot="1" noChangeAspect="1" noMove="1" noResize="1" noEditPoints="1" noAdjustHandles="1" noChangeArrowheads="1" noChangeShapeType="1" noTextEdit="1"/>
-          </p:cNvSpPr>
-          <p:nvPr>
-            <p:extLst>
-              <p:ext uri="{386F3935-93C4-4BCD-93E2-E3B085C9AB24}">
-                <p16:designElem xmlns:p16="http://schemas.microsoft.com/office/powerpoint/2015/main" val="1"/>
-              </p:ext>
-            </p:extLst>
-          </p:nvPr>
-        </p:nvSpPr>
-        <p:spPr>
-          <a:xfrm rot="10800000">
-            <a:off x="848491" y="521037"/>
-            <a:ext cx="800716" cy="800716"/>
-          </a:xfrm>
-          <a:prstGeom prst="ellipse">
-            <a:avLst/>
-          </a:prstGeom>
-          <a:solidFill>
-            <a:schemeClr val="accent1">
-              <a:lumMod val="40000"/>
-              <a:lumOff val="60000"/>
-              <a:alpha val="30000"/>
-            </a:schemeClr>
-          </a:solidFill>
-          <a:ln>
-            <a:noFill/>
-          </a:ln>
-        </p:spPr>
-        <p:style>
-          <a:lnRef idx="2">
-            <a:schemeClr val="accent1">
-              <a:shade val="50000"/>
-            </a:schemeClr>
-          </a:lnRef>
-          <a:fillRef idx="1">
-            <a:schemeClr val="accent1"/>
-          </a:fillRef>
-          <a:effectRef idx="0">
-            <a:schemeClr val="accent1"/>
-          </a:effectRef>
-          <a:fontRef idx="minor">
-            <a:schemeClr val="lt1"/>
-          </a:fontRef>
-        </p:style>
-        <p:txBody>
-          <a:bodyPr rtlCol="0" anchor="ctr"/>
-          <a:lstStyle/>
-          <a:p>
-            <a:pPr algn="ctr"/>
-            <a:endParaRPr lang="en-US"/>
-          </a:p>
-        </p:txBody>
-      </p:sp>
-      <p:sp>
-        <p:nvSpPr>
-          <p:cNvPr id="39" name="Oval 38">
-            <a:extLst>
-              <a:ext uri="{FF2B5EF4-FFF2-40B4-BE49-F238E27FC236}">
-                <a16:creationId xmlns:a16="http://schemas.microsoft.com/office/drawing/2014/main" id="{1CB84D5D-9C64-4481-B8AD-C109F7DB3FC6}"/>
-              </a:ext>
-              <a:ext uri="{C183D7F6-B498-43B3-948B-1728B52AA6E4}">
-                <adec:decorative xmlns:adec="http://schemas.microsoft.com/office/drawing/2017/decorative" val="1"/>
-              </a:ext>
-            </a:extLst>
-          </p:cNvPr>
-          <p:cNvSpPr>
-            <a:spLocks noGrp="1" noRot="1" noChangeAspect="1" noMove="1" noResize="1" noEditPoints="1" noAdjustHandles="1" noChangeArrowheads="1" noChangeShapeType="1" noTextEdit="1"/>
-          </p:cNvSpPr>
-          <p:nvPr>
-            <p:extLst>
-              <p:ext uri="{386F3935-93C4-4BCD-93E2-E3B085C9AB24}">
-                <p16:designElem xmlns:p16="http://schemas.microsoft.com/office/powerpoint/2015/main" val="1"/>
-              </p:ext>
-            </p:extLst>
-          </p:nvPr>
-        </p:nvSpPr>
-        <p:spPr>
-          <a:xfrm rot="10800000">
-            <a:off x="1895093" y="575478"/>
-            <a:ext cx="113367" cy="113367"/>
-          </a:xfrm>
-          <a:prstGeom prst="ellipse">
-            <a:avLst/>
-          </a:prstGeom>
-          <a:solidFill>
-            <a:schemeClr val="accent5"/>
-          </a:solidFill>
-          <a:ln>
-            <a:noFill/>
-          </a:ln>
-        </p:spPr>
-        <p:style>
-          <a:lnRef idx="2">
-            <a:schemeClr val="accent1">
-              <a:shade val="50000"/>
-            </a:schemeClr>
-          </a:lnRef>
-          <a:fillRef idx="1">
-            <a:schemeClr val="accent1"/>
-          </a:fillRef>
-          <a:effectRef idx="0">
-            <a:schemeClr val="accent1"/>
-          </a:effectRef>
-          <a:fontRef idx="minor">
-            <a:schemeClr val="lt1"/>
-          </a:fontRef>
-        </p:style>
-        <p:txBody>
-          <a:bodyPr rtlCol="0" anchor="ctr"/>
-          <a:lstStyle/>
-          <a:p>
-            <a:pPr algn="ctr"/>
-            <a:endParaRPr lang="en-US"/>
-          </a:p>
-        </p:txBody>
-      </p:sp>
-      <p:sp>
-        <p:nvSpPr>
-          <p:cNvPr id="41" name="Oval 40">
-            <a:extLst>
-              <a:ext uri="{FF2B5EF4-FFF2-40B4-BE49-F238E27FC236}">
-                <a16:creationId xmlns:a16="http://schemas.microsoft.com/office/drawing/2014/main" id="{01A9D26D-082A-4101-8D75-863B7B7AB81D}"/>
-              </a:ext>
-              <a:ext uri="{C183D7F6-B498-43B3-948B-1728B52AA6E4}">
-                <adec:decorative xmlns:adec="http://schemas.microsoft.com/office/drawing/2017/decorative" val="1"/>
-              </a:ext>
-            </a:extLst>
-          </p:cNvPr>
-          <p:cNvSpPr>
-            <a:spLocks noGrp="1" noRot="1" noChangeAspect="1" noMove="1" noResize="1" noEditPoints="1" noAdjustHandles="1" noChangeArrowheads="1" noChangeShapeType="1" noTextEdit="1"/>
-          </p:cNvSpPr>
-          <p:nvPr>
-            <p:extLst>
-              <p:ext uri="{386F3935-93C4-4BCD-93E2-E3B085C9AB24}">
-                <p16:designElem xmlns:p16="http://schemas.microsoft.com/office/powerpoint/2015/main" val="1"/>
-              </p:ext>
-            </p:extLst>
-          </p:nvPr>
-        </p:nvSpPr>
-        <p:spPr>
-          <a:xfrm rot="10800000">
-            <a:off x="848491" y="2156596"/>
-            <a:ext cx="113367" cy="113367"/>
-          </a:xfrm>
-          <a:prstGeom prst="ellipse">
-            <a:avLst/>
-          </a:prstGeom>
-          <a:solidFill>
-            <a:schemeClr val="accent3"/>
-          </a:solidFill>
-          <a:ln>
-            <a:noFill/>
-          </a:ln>
-        </p:spPr>
-        <p:style>
-          <a:lnRef idx="2">
-            <a:schemeClr val="accent1">
-              <a:shade val="50000"/>
-            </a:schemeClr>
-          </a:lnRef>
-          <a:fillRef idx="1">
-            <a:schemeClr val="accent1"/>
-          </a:fillRef>
-          <a:effectRef idx="0">
-            <a:schemeClr val="accent1"/>
-          </a:effectRef>
-          <a:fontRef idx="minor">
-            <a:schemeClr val="lt1"/>
-          </a:fontRef>
-        </p:style>
-        <p:txBody>
-          <a:bodyPr rtlCol="0" anchor="ctr"/>
-          <a:lstStyle/>
-          <a:p>
-            <a:pPr algn="ctr"/>
-            <a:endParaRPr lang="en-US"/>
-          </a:p>
-        </p:txBody>
-      </p:sp>
-      <p:sp>
-        <p:nvSpPr>
-          <p:cNvPr id="43" name="Oval 42">
-            <a:extLst>
-              <a:ext uri="{FF2B5EF4-FFF2-40B4-BE49-F238E27FC236}">
-                <a16:creationId xmlns:a16="http://schemas.microsoft.com/office/drawing/2014/main" id="{A0FE0BA4-FE6E-4B91-9A1B-E373720BD3D5}"/>
-              </a:ext>
-              <a:ext uri="{C183D7F6-B498-43B3-948B-1728B52AA6E4}">
-                <adec:decorative xmlns:adec="http://schemas.microsoft.com/office/drawing/2017/decorative" val="1"/>
-              </a:ext>
-            </a:extLst>
-          </p:cNvPr>
-          <p:cNvSpPr>
-            <a:spLocks noGrp="1" noRot="1" noChangeAspect="1" noMove="1" noResize="1" noEditPoints="1" noAdjustHandles="1" noChangeArrowheads="1" noChangeShapeType="1" noTextEdit="1"/>
-          </p:cNvSpPr>
-          <p:nvPr>
-            <p:extLst>
-              <p:ext uri="{386F3935-93C4-4BCD-93E2-E3B085C9AB24}">
-                <p16:designElem xmlns:p16="http://schemas.microsoft.com/office/powerpoint/2015/main" val="1"/>
-              </p:ext>
-            </p:extLst>
-          </p:nvPr>
-        </p:nvSpPr>
-        <p:spPr>
-          <a:xfrm rot="10800000">
-            <a:off x="716462" y="5425189"/>
-            <a:ext cx="226735" cy="226735"/>
-          </a:xfrm>
-          <a:prstGeom prst="ellipse">
-            <a:avLst/>
-          </a:prstGeom>
-          <a:solidFill>
-            <a:schemeClr val="tx2">
-              <a:lumMod val="50000"/>
-              <a:lumOff val="50000"/>
-            </a:schemeClr>
-          </a:solidFill>
-          <a:ln>
-            <a:noFill/>
-          </a:ln>
-        </p:spPr>
-        <p:style>
-          <a:lnRef idx="2">
-            <a:schemeClr val="accent1">
-              <a:shade val="50000"/>
-            </a:schemeClr>
-          </a:lnRef>
-          <a:fillRef idx="1">
-            <a:schemeClr val="accent1"/>
-          </a:fillRef>
-          <a:effectRef idx="0">
-            <a:schemeClr val="accent1"/>
-          </a:effectRef>
-          <a:fontRef idx="minor">
-            <a:schemeClr val="lt1"/>
-          </a:fontRef>
-        </p:style>
-        <p:txBody>
-          <a:bodyPr rtlCol="0" anchor="ctr"/>
-          <a:lstStyle/>
-          <a:p>
-            <a:pPr algn="ctr"/>
-            <a:endParaRPr lang="en-US"/>
-          </a:p>
-        </p:txBody>
-      </p:sp>
-      <p:sp>
-        <p:nvSpPr>
-          <p:cNvPr id="45" name="Oval 44">
-            <a:extLst>
-              <a:ext uri="{FF2B5EF4-FFF2-40B4-BE49-F238E27FC236}">
-                <a16:creationId xmlns:a16="http://schemas.microsoft.com/office/drawing/2014/main" id="{80E6F154-6DA5-4544-8945-8AF8DE20A63E}"/>
-              </a:ext>
-              <a:ext uri="{C183D7F6-B498-43B3-948B-1728B52AA6E4}">
-                <adec:decorative xmlns:adec="http://schemas.microsoft.com/office/drawing/2017/decorative" val="1"/>
-              </a:ext>
-            </a:extLst>
-          </p:cNvPr>
-          <p:cNvSpPr>
-            <a:spLocks noGrp="1" noRot="1" noChangeAspect="1" noMove="1" noResize="1" noEditPoints="1" noAdjustHandles="1" noChangeArrowheads="1" noChangeShapeType="1" noTextEdit="1"/>
-          </p:cNvSpPr>
-          <p:nvPr>
-            <p:extLst>
-              <p:ext uri="{386F3935-93C4-4BCD-93E2-E3B085C9AB24}">
-                <p16:designElem xmlns:p16="http://schemas.microsoft.com/office/powerpoint/2015/main" val="1"/>
-              </p:ext>
-            </p:extLst>
-          </p:nvPr>
-        </p:nvSpPr>
-        <p:spPr>
-          <a:xfrm rot="10800000">
-            <a:off x="382050" y="5874923"/>
-            <a:ext cx="466441" cy="466441"/>
-          </a:xfrm>
-          <a:prstGeom prst="ellipse">
-            <a:avLst/>
-          </a:prstGeom>
-          <a:solidFill>
-            <a:schemeClr val="accent1"/>
-          </a:solidFill>
-          <a:ln>
-            <a:noFill/>
-          </a:ln>
-        </p:spPr>
-        <p:style>
-          <a:lnRef idx="2">
-            <a:schemeClr val="accent1">
-              <a:shade val="50000"/>
-            </a:schemeClr>
-          </a:lnRef>
-          <a:fillRef idx="1">
-            <a:schemeClr val="accent1"/>
-          </a:fillRef>
-          <a:effectRef idx="0">
-            <a:schemeClr val="accent1"/>
-          </a:effectRef>
-          <a:fontRef idx="minor">
-            <a:schemeClr val="lt1"/>
-          </a:fontRef>
-        </p:style>
-        <p:txBody>
-          <a:bodyPr rtlCol="0" anchor="ctr"/>
-          <a:lstStyle/>
-          <a:p>
-            <a:pPr algn="ctr"/>
-            <a:endParaRPr lang="en-US"/>
-          </a:p>
-        </p:txBody>
-      </p:sp>
-      <p:sp>
-        <p:nvSpPr>
-          <p:cNvPr id="47" name="Oval 46">
-            <a:extLst>
-              <a:ext uri="{FF2B5EF4-FFF2-40B4-BE49-F238E27FC236}">
-                <a16:creationId xmlns:a16="http://schemas.microsoft.com/office/drawing/2014/main" id="{85558ED7-8ED9-4B7F-8138-C5B8A0EC1937}"/>
-              </a:ext>
-              <a:ext uri="{C183D7F6-B498-43B3-948B-1728B52AA6E4}">
-                <adec:decorative xmlns:adec="http://schemas.microsoft.com/office/drawing/2017/decorative" val="1"/>
-              </a:ext>
-            </a:extLst>
-          </p:cNvPr>
-          <p:cNvSpPr>
-            <a:spLocks noGrp="1" noRot="1" noChangeAspect="1" noMove="1" noResize="1" noEditPoints="1" noAdjustHandles="1" noChangeArrowheads="1" noChangeShapeType="1" noTextEdit="1"/>
-          </p:cNvSpPr>
-          <p:nvPr>
-            <p:extLst>
-              <p:ext uri="{386F3935-93C4-4BCD-93E2-E3B085C9AB24}">
-                <p16:designElem xmlns:p16="http://schemas.microsoft.com/office/powerpoint/2015/main" val="1"/>
-              </p:ext>
-            </p:extLst>
-          </p:nvPr>
-        </p:nvSpPr>
-        <p:spPr>
-          <a:xfrm rot="10800000">
-            <a:off x="1033637" y="5859258"/>
-            <a:ext cx="113367" cy="113367"/>
-          </a:xfrm>
-          <a:prstGeom prst="ellipse">
-            <a:avLst/>
-          </a:prstGeom>
-          <a:solidFill>
-            <a:srgbClr val="F39E29"/>
-          </a:solidFill>
-          <a:ln>
-            <a:noFill/>
-          </a:ln>
-        </p:spPr>
-        <p:style>
-          <a:lnRef idx="2">
-            <a:schemeClr val="accent1">
-              <a:shade val="50000"/>
-            </a:schemeClr>
-          </a:lnRef>
-          <a:fillRef idx="1">
-            <a:schemeClr val="accent1"/>
-          </a:fillRef>
-          <a:effectRef idx="0">
-            <a:schemeClr val="accent1"/>
-          </a:effectRef>
-          <a:fontRef idx="minor">
-            <a:schemeClr val="lt1"/>
-          </a:fontRef>
-        </p:style>
-        <p:txBody>
-          <a:bodyPr rtlCol="0" anchor="ctr"/>
-          <a:lstStyle/>
-          <a:p>
-            <a:pPr algn="ctr"/>
-            <a:endParaRPr lang="en-US"/>
-          </a:p>
-        </p:txBody>
-      </p:sp>
-      <p:sp>
-        <p:nvSpPr>
-          <p:cNvPr id="49" name="Oval 48">
-            <a:extLst>
-              <a:ext uri="{FF2B5EF4-FFF2-40B4-BE49-F238E27FC236}">
-                <a16:creationId xmlns:a16="http://schemas.microsoft.com/office/drawing/2014/main" id="{13E9F88F-5950-42B0-B9A3-898F91835B3F}"/>
-              </a:ext>
-              <a:ext uri="{C183D7F6-B498-43B3-948B-1728B52AA6E4}">
-                <adec:decorative xmlns:adec="http://schemas.microsoft.com/office/drawing/2017/decorative" val="1"/>
-              </a:ext>
-            </a:extLst>
-          </p:cNvPr>
-          <p:cNvSpPr>
-            <a:spLocks noGrp="1" noRot="1" noChangeAspect="1" noMove="1" noResize="1" noEditPoints="1" noAdjustHandles="1" noChangeArrowheads="1" noChangeShapeType="1" noTextEdit="1"/>
-          </p:cNvSpPr>
-          <p:nvPr>
-            <p:extLst>
-              <p:ext uri="{386F3935-93C4-4BCD-93E2-E3B085C9AB24}">
-                <p16:designElem xmlns:p16="http://schemas.microsoft.com/office/powerpoint/2015/main" val="1"/>
-              </p:ext>
-            </p:extLst>
-          </p:nvPr>
-        </p:nvSpPr>
-        <p:spPr>
-          <a:xfrm rot="10800000">
-            <a:off x="2633000" y="6225214"/>
-            <a:ext cx="94160" cy="94160"/>
-          </a:xfrm>
-          <a:prstGeom prst="ellipse">
-            <a:avLst/>
-          </a:prstGeom>
-          <a:solidFill>
-            <a:schemeClr val="tx2">
-              <a:lumMod val="50000"/>
-              <a:lumOff val="50000"/>
-              <a:alpha val="28000"/>
-            </a:schemeClr>
-          </a:solidFill>
-          <a:ln>
-            <a:noFill/>
-          </a:ln>
-        </p:spPr>
-        <p:style>
-          <a:lnRef idx="2">
-            <a:schemeClr val="accent1">
-              <a:shade val="50000"/>
-            </a:schemeClr>
-          </a:lnRef>
-          <a:fillRef idx="1">
-            <a:schemeClr val="accent1"/>
-          </a:fillRef>
-          <a:effectRef idx="0">
-            <a:schemeClr val="accent1"/>
-          </a:effectRef>
-          <a:fontRef idx="minor">
-            <a:schemeClr val="lt1"/>
-          </a:fontRef>
-        </p:style>
-        <p:txBody>
-          <a:bodyPr rtlCol="0" anchor="ctr"/>
-          <a:lstStyle/>
-          <a:p>
-            <a:pPr algn="ctr"/>
-            <a:endParaRPr lang="en-US"/>
-          </a:p>
-        </p:txBody>
-      </p:sp>
-      <p:sp>
-        <p:nvSpPr>
-          <p:cNvPr id="51" name="Rectangle 50">
-            <a:extLst>
-              <a:ext uri="{FF2B5EF4-FFF2-40B4-BE49-F238E27FC236}">
-                <a16:creationId xmlns:a16="http://schemas.microsoft.com/office/drawing/2014/main" id="{34FBEBF3-C941-4CB0-8AC2-3B50E1371BBF}"/>
-              </a:ext>
-              <a:ext uri="{C183D7F6-B498-43B3-948B-1728B52AA6E4}">
-                <adec:decorative xmlns:adec="http://schemas.microsoft.com/office/drawing/2017/decorative" val="1"/>
-              </a:ext>
-            </a:extLst>
-          </p:cNvPr>
-          <p:cNvSpPr>
-            <a:spLocks noGrp="1" noRot="1" noChangeAspect="1" noMove="1" noResize="1" noEditPoints="1" noAdjustHandles="1" noChangeArrowheads="1" noChangeShapeType="1" noTextEdit="1"/>
-          </p:cNvSpPr>
-          <p:nvPr>
-            <p:extLst>
-              <p:ext uri="{386F3935-93C4-4BCD-93E2-E3B085C9AB24}">
-                <p16:designElem xmlns:p16="http://schemas.microsoft.com/office/powerpoint/2015/main" val="1"/>
-              </p:ext>
-            </p:extLst>
-          </p:nvPr>
-        </p:nvSpPr>
-        <p:spPr>
-          <a:xfrm rot="5400000">
-            <a:off x="4152153" y="-1181847"/>
-            <a:ext cx="6858000" cy="9221694"/>
-          </a:xfrm>
-          <a:prstGeom prst="rect">
-            <a:avLst/>
-          </a:prstGeom>
-          <a:gradFill>
-            <a:gsLst>
-              <a:gs pos="100000">
-                <a:srgbClr val="000000">
-                  <a:alpha val="0"/>
-                </a:srgbClr>
-              </a:gs>
-              <a:gs pos="0">
-                <a:schemeClr val="tx1"/>
-              </a:gs>
-              <a:gs pos="0">
-                <a:srgbClr val="000000">
-                  <a:alpha val="70000"/>
-                </a:srgbClr>
-              </a:gs>
-            </a:gsLst>
-            <a:lin ang="5400000" scaled="1"/>
-          </a:gradFill>
-          <a:ln>
-            <a:noFill/>
-          </a:ln>
-        </p:spPr>
-        <p:style>
-          <a:lnRef idx="2">
-            <a:schemeClr val="accent1">
-              <a:shade val="50000"/>
-            </a:schemeClr>
-          </a:lnRef>
-          <a:fillRef idx="1">
-            <a:schemeClr val="accent1"/>
-          </a:fillRef>
-          <a:effectRef idx="0">
-            <a:schemeClr val="accent1"/>
-          </a:effectRef>
-          <a:fontRef idx="minor">
-            <a:schemeClr val="lt1"/>
-          </a:fontRef>
-        </p:style>
-        <p:txBody>
-          <a:bodyPr rtlCol="0" anchor="ctr"/>
-          <a:lstStyle/>
-          <a:p>
-            <a:pPr algn="ctr"/>
-            <a:endParaRPr lang="en-US"/>
-          </a:p>
-        </p:txBody>
-      </p:sp>
-      <p:sp>
-        <p:nvSpPr>
-          <p:cNvPr id="2" name="Title 1">
-            <a:extLst>
-              <a:ext uri="{FF2B5EF4-FFF2-40B4-BE49-F238E27FC236}">
-                <a16:creationId xmlns:a16="http://schemas.microsoft.com/office/drawing/2014/main" id="{A28A7C5A-652F-9093-FC44-BCD72C6595F0}"/>
-              </a:ext>
-            </a:extLst>
-          </p:cNvPr>
-          <p:cNvSpPr>
-            <a:spLocks noGrp="1"/>
-          </p:cNvSpPr>
-          <p:nvPr>
-            <p:ph type="title"/>
-          </p:nvPr>
-        </p:nvSpPr>
-        <p:spPr>
-          <a:xfrm>
-            <a:off x="5659718" y="565846"/>
-            <a:ext cx="5770281" cy="3617644"/>
-          </a:xfrm>
-        </p:spPr>
-        <p:txBody>
-          <a:bodyPr vert="horz" lIns="91440" tIns="45720" rIns="91440" bIns="45720" rtlCol="0" anchor="b">
-            <a:normAutofit/>
-          </a:bodyPr>
-          <a:lstStyle/>
-          <a:p>
-            <a:pPr algn="r"/>
-            <a:r>
-              <a:rPr lang="en-US" sz="6000">
-                <a:solidFill>
-                  <a:srgbClr val="FFFFFF"/>
-                </a:solidFill>
-              </a:rPr>
-              <a:t>Apple</a:t>
-            </a:r>
-          </a:p>
-        </p:txBody>
-      </p:sp>
-      <p:pic>
-        <p:nvPicPr>
-          <p:cNvPr id="4" name="Picture 3">
-            <a:extLst>
-              <a:ext uri="{FF2B5EF4-FFF2-40B4-BE49-F238E27FC236}">
-                <a16:creationId xmlns:a16="http://schemas.microsoft.com/office/drawing/2014/main" id="{4624B807-B1D7-EBB5-94ED-45E7E6BB8B20}"/>
+                <a16:creationId xmlns:a16="http://schemas.microsoft.com/office/drawing/2014/main" id="{D314A107-32F4-CB85-DECB-A1C9C41378BF}"/>
               </a:ext>
             </a:extLst>
           </p:cNvPr>
@@ -32442,7 +31096,7 @@
         </p:blipFill>
         <p:spPr>
           <a:xfrm>
-            <a:off x="302512" y="38099"/>
+            <a:off x="2136611" y="76200"/>
             <a:ext cx="9525000" cy="6781800"/>
           </a:xfrm>
           <a:prstGeom prst="rect">
@@ -32450,10 +31104,71 @@
           </a:prstGeom>
         </p:spPr>
       </p:pic>
+      <p:sp>
+        <p:nvSpPr>
+          <p:cNvPr id="3" name="Title 1">
+            <a:extLst>
+              <a:ext uri="{FF2B5EF4-FFF2-40B4-BE49-F238E27FC236}">
+                <a16:creationId xmlns:a16="http://schemas.microsoft.com/office/drawing/2014/main" id="{86C43DC5-0592-B63D-DF99-99EEE41ECB0E}"/>
+              </a:ext>
+            </a:extLst>
+          </p:cNvPr>
+          <p:cNvSpPr txBox="1">
+            <a:spLocks/>
+          </p:cNvSpPr>
+          <p:nvPr/>
+        </p:nvSpPr>
+        <p:spPr>
+          <a:xfrm>
+            <a:off x="-3446960" y="-150544"/>
+            <a:ext cx="5770281" cy="3617644"/>
+          </a:xfrm>
+          <a:prstGeom prst="rect">
+            <a:avLst/>
+          </a:prstGeom>
+        </p:spPr>
+        <p:txBody>
+          <a:bodyPr vert="horz" lIns="91440" tIns="45720" rIns="91440" bIns="45720" rtlCol="0" anchor="b">
+            <a:normAutofit/>
+          </a:bodyPr>
+          <a:lstStyle>
+            <a:lvl1pPr algn="l" defTabSz="914400" rtl="0" eaLnBrk="1" latinLnBrk="0" hangingPunct="1">
+              <a:lnSpc>
+                <a:spcPct val="90000"/>
+              </a:lnSpc>
+              <a:spcBef>
+                <a:spcPct val="0"/>
+              </a:spcBef>
+              <a:buNone/>
+              <a:defRPr sz="5400" kern="1200">
+                <a:solidFill>
+                  <a:schemeClr val="tx2"/>
+                </a:solidFill>
+                <a:latin typeface="+mj-lt"/>
+                <a:ea typeface="+mj-ea"/>
+                <a:cs typeface="+mj-cs"/>
+              </a:defRPr>
+            </a:lvl1pPr>
+          </a:lstStyle>
+          <a:p>
+            <a:pPr algn="r"/>
+            <a:r>
+              <a:rPr lang="en-US" sz="6000" dirty="0">
+                <a:solidFill>
+                  <a:srgbClr val="FFFFFF"/>
+                </a:solidFill>
+                <a:latin typeface="Segoe UI" panose="020B0502040204020203" pitchFamily="34" charset="0"/>
+                <a:ea typeface="DengXian" panose="02010600030101010101" pitchFamily="2" charset="-122"/>
+              </a:rPr>
+              <a:t>Apple</a:t>
+            </a:r>
+          </a:p>
+        </p:txBody>
+      </p:sp>
     </p:spTree>
     <p:extLst>
       <p:ext uri="{BB962C8B-B14F-4D97-AF65-F5344CB8AC3E}">
-        <p14:creationId xmlns:p14="http://schemas.microsoft.com/office/powerpoint/2010/main" val="3563214503"/>
+        <p14:creationId xmlns:p14="http://schemas.microsoft.com/office/powerpoint/2010/main" val="338603572"/>
       </p:ext>
     </p:extLst>
   </p:cSld>
@@ -32500,7 +31215,7 @@
                                           </p:stCondLst>
                                         </p:cTn>
                                         <p:tgtEl>
-                                          <p:spTgt spid="2"/>
+                                          <p:spTgt spid="3"/>
                                         </p:tgtEl>
                                         <p:attrNameLst>
                                           <p:attrName>style.visibility</p:attrName>
@@ -32514,7 +31229,7 @@
                                       <p:cBhvr>
                                         <p:cTn id="7" dur="400"/>
                                         <p:tgtEl>
-                                          <p:spTgt spid="2"/>
+                                          <p:spTgt spid="3"/>
                                         </p:tgtEl>
                                       </p:cBhvr>
                                     </p:animEffect>
@@ -32549,7 +31264,7 @@
       </p:par>
     </p:tnLst>
     <p:bldLst>
-      <p:bldP spid="2" grpId="0"/>
+      <p:bldP spid="3" grpId="0"/>
     </p:bldLst>
   </p:timing>
 </p:sld>
@@ -32596,15 +31311,15 @@
         <a:srgbClr val="7F7F7F"/>
       </a:folHlink>
     </a:clrScheme>
-    <a:fontScheme name="Custom 10">
+    <a:fontScheme name="font">
       <a:majorFont>
-        <a:latin typeface="Gill Sans Nova"/>
-        <a:ea typeface=""/>
+        <a:latin typeface="Segoe UI"/>
+        <a:ea typeface="DengXian"/>
         <a:cs typeface=""/>
       </a:majorFont>
       <a:minorFont>
-        <a:latin typeface="Calibri"/>
-        <a:ea typeface=""/>
+        <a:latin typeface="Segoe UI"/>
+        <a:ea typeface="DengXian"/>
         <a:cs typeface=""/>
       </a:minorFont>
     </a:fontScheme>

--- a/Presentation.pptx
+++ b/Presentation.pptx
@@ -145,2461 +145,65 @@
 <pc:chgInfo xmlns:a="http://schemas.openxmlformats.org/drawingml/2006/main" xmlns:r="http://schemas.openxmlformats.org/officeDocument/2006/relationships" xmlns:ac="http://schemas.microsoft.com/office/drawing/2013/main/command" xmlns:pc="http://schemas.microsoft.com/office/powerpoint/2013/main/command">
   <pc:docChgLst>
     <pc:chgData name="Howard Zeng" userId="b3a49412108e13ba" providerId="LiveId" clId="{BCC94F81-CC70-406E-BFFC-3B9E7FA9D0DE}"/>
-    <pc:docChg chg="undo redo custSel addSld delSld modSld sldOrd modMainMaster">
-      <pc:chgData name="Howard Zeng" userId="b3a49412108e13ba" providerId="LiveId" clId="{BCC94F81-CC70-406E-BFFC-3B9E7FA9D0DE}" dt="2023-11-28T22:28:25.421" v="5244" actId="21"/>
+    <pc:docChg chg="undo redo custSel modSld">
+      <pc:chgData name="Howard Zeng" userId="b3a49412108e13ba" providerId="LiveId" clId="{BCC94F81-CC70-406E-BFFC-3B9E7FA9D0DE}" dt="2023-11-28T22:50:24.906" v="94" actId="20577"/>
       <pc:docMkLst>
         <pc:docMk/>
       </pc:docMkLst>
-      <pc:sldChg chg="addSp delSp modSp add del mod addAnim delAnim delDesignElem">
-        <pc:chgData name="Howard Zeng" userId="b3a49412108e13ba" providerId="LiveId" clId="{BCC94F81-CC70-406E-BFFC-3B9E7FA9D0DE}" dt="2023-11-28T22:28:25.421" v="5244" actId="21"/>
-        <pc:sldMkLst>
-          <pc:docMk/>
-          <pc:sldMk cId="2691266523" sldId="256"/>
-        </pc:sldMkLst>
-        <pc:spChg chg="mod">
-          <ac:chgData name="Howard Zeng" userId="b3a49412108e13ba" providerId="LiveId" clId="{BCC94F81-CC70-406E-BFFC-3B9E7FA9D0DE}" dt="2023-11-28T22:28:21.307" v="5241" actId="21"/>
-          <ac:spMkLst>
-            <pc:docMk/>
-            <pc:sldMk cId="2691266523" sldId="256"/>
-            <ac:spMk id="2" creationId="{08973243-9354-FD22-3123-7498864524B6}"/>
-          </ac:spMkLst>
-        </pc:spChg>
-        <pc:spChg chg="mod">
-          <ac:chgData name="Howard Zeng" userId="b3a49412108e13ba" providerId="LiveId" clId="{BCC94F81-CC70-406E-BFFC-3B9E7FA9D0DE}" dt="2023-11-28T22:03:13.104" v="4030"/>
-          <ac:spMkLst>
-            <pc:docMk/>
-            <pc:sldMk cId="2691266523" sldId="256"/>
-            <ac:spMk id="3" creationId="{45EC5D4E-B8FA-2CAA-1C7C-F609CA9B0185}"/>
-          </ac:spMkLst>
-        </pc:spChg>
-        <pc:spChg chg="add">
-          <ac:chgData name="Howard Zeng" userId="b3a49412108e13ba" providerId="LiveId" clId="{BCC94F81-CC70-406E-BFFC-3B9E7FA9D0DE}" dt="2023-11-28T22:27:09.135" v="5220"/>
-          <ac:spMkLst>
-            <pc:docMk/>
-            <pc:sldMk cId="2691266523" sldId="256"/>
-            <ac:spMk id="9" creationId="{733E0473-C315-42D8-A82A-A2FE49DC67DA}"/>
-          </ac:spMkLst>
-        </pc:spChg>
-        <pc:spChg chg="add">
-          <ac:chgData name="Howard Zeng" userId="b3a49412108e13ba" providerId="LiveId" clId="{BCC94F81-CC70-406E-BFFC-3B9E7FA9D0DE}" dt="2023-11-28T22:27:09.135" v="5220"/>
-          <ac:spMkLst>
-            <pc:docMk/>
-            <pc:sldMk cId="2691266523" sldId="256"/>
-            <ac:spMk id="11" creationId="{AD23A251-68F2-43E5-812B-4BBAE1AF535E}"/>
-          </ac:spMkLst>
-        </pc:spChg>
-        <pc:grpChg chg="add">
-          <ac:chgData name="Howard Zeng" userId="b3a49412108e13ba" providerId="LiveId" clId="{BCC94F81-CC70-406E-BFFC-3B9E7FA9D0DE}" dt="2023-11-28T22:27:09.135" v="5220"/>
-          <ac:grpSpMkLst>
-            <pc:docMk/>
-            <pc:sldMk cId="2691266523" sldId="256"/>
-            <ac:grpSpMk id="22" creationId="{0350AF23-2606-421F-AB7B-23D9B48F3E9B}"/>
-          </ac:grpSpMkLst>
-        </pc:grpChg>
-        <pc:picChg chg="add del mod">
-          <ac:chgData name="Howard Zeng" userId="b3a49412108e13ba" providerId="LiveId" clId="{BCC94F81-CC70-406E-BFFC-3B9E7FA9D0DE}" dt="2023-11-28T22:28:25.421" v="5244" actId="21"/>
-          <ac:picMkLst>
-            <pc:docMk/>
-            <pc:sldMk cId="2691266523" sldId="256"/>
-            <ac:picMk id="4" creationId="{E55F848B-19FC-A492-33D3-C9A64092C437}"/>
-          </ac:picMkLst>
-        </pc:picChg>
-      </pc:sldChg>
-      <pc:sldChg chg="addSp delSp modSp add del mod delDesignElem">
-        <pc:chgData name="Howard Zeng" userId="b3a49412108e13ba" providerId="LiveId" clId="{BCC94F81-CC70-406E-BFFC-3B9E7FA9D0DE}" dt="2023-11-28T22:27:09.135" v="5220"/>
+      <pc:sldChg chg="modSp mod">
+        <pc:chgData name="Howard Zeng" userId="b3a49412108e13ba" providerId="LiveId" clId="{BCC94F81-CC70-406E-BFFC-3B9E7FA9D0DE}" dt="2023-11-28T22:48:27.515" v="66" actId="15"/>
         <pc:sldMkLst>
           <pc:docMk/>
           <pc:sldMk cId="2306690312" sldId="257"/>
         </pc:sldMkLst>
         <pc:spChg chg="mod">
-          <ac:chgData name="Howard Zeng" userId="b3a49412108e13ba" providerId="LiveId" clId="{BCC94F81-CC70-406E-BFFC-3B9E7FA9D0DE}" dt="2023-11-28T22:03:13.117" v="4032" actId="947"/>
+          <ac:chgData name="Howard Zeng" userId="b3a49412108e13ba" providerId="LiveId" clId="{BCC94F81-CC70-406E-BFFC-3B9E7FA9D0DE}" dt="2023-11-28T22:45:39.310" v="56" actId="20577"/>
           <ac:spMkLst>
             <pc:docMk/>
             <pc:sldMk cId="2306690312" sldId="257"/>
             <ac:spMk id="2" creationId="{289DC598-60E9-2D79-1259-CEDB667A8BAE}"/>
           </ac:spMkLst>
         </pc:spChg>
-        <pc:spChg chg="del mod">
-          <ac:chgData name="Howard Zeng" userId="b3a49412108e13ba" providerId="LiveId" clId="{BCC94F81-CC70-406E-BFFC-3B9E7FA9D0DE}" dt="2023-11-28T20:04:06.536" v="2" actId="22"/>
-          <ac:spMkLst>
-            <pc:docMk/>
-            <pc:sldMk cId="2306690312" sldId="257"/>
-            <ac:spMk id="3" creationId="{0DB5ED47-F868-7421-CFF1-070DFEE3569D}"/>
-          </ac:spMkLst>
-        </pc:spChg>
-        <pc:spChg chg="add">
-          <ac:chgData name="Howard Zeng" userId="b3a49412108e13ba" providerId="LiveId" clId="{BCC94F81-CC70-406E-BFFC-3B9E7FA9D0DE}" dt="2023-11-28T20:53:18.240" v="2702"/>
-          <ac:spMkLst>
-            <pc:docMk/>
-            <pc:sldMk cId="2306690312" sldId="257"/>
-            <ac:spMk id="3" creationId="{2EF84B81-5421-8899-428A-FD44B903FBC2}"/>
-          </ac:spMkLst>
-        </pc:spChg>
-        <pc:spChg chg="add mod">
-          <ac:chgData name="Howard Zeng" userId="b3a49412108e13ba" providerId="LiveId" clId="{BCC94F81-CC70-406E-BFFC-3B9E7FA9D0DE}" dt="2023-11-28T22:03:13.119" v="4034" actId="947"/>
+        <pc:spChg chg="mod">
+          <ac:chgData name="Howard Zeng" userId="b3a49412108e13ba" providerId="LiveId" clId="{BCC94F81-CC70-406E-BFFC-3B9E7FA9D0DE}" dt="2023-11-28T22:48:27.515" v="66" actId="15"/>
           <ac:spMkLst>
             <pc:docMk/>
             <pc:sldMk cId="2306690312" sldId="257"/>
             <ac:spMk id="7" creationId="{11A80505-0D6D-92B3-597A-5A7ED9F6D149}"/>
           </ac:spMkLst>
         </pc:spChg>
-        <pc:spChg chg="add">
-          <ac:chgData name="Howard Zeng" userId="b3a49412108e13ba" providerId="LiveId" clId="{BCC94F81-CC70-406E-BFFC-3B9E7FA9D0DE}" dt="2023-11-28T22:27:09.135" v="5220"/>
-          <ac:spMkLst>
-            <pc:docMk/>
-            <pc:sldMk cId="2306690312" sldId="257"/>
-            <ac:spMk id="37" creationId="{7D0C7BAC-A9A7-4A90-8672-2EBEC5D6CFA5}"/>
-          </ac:spMkLst>
-        </pc:spChg>
-        <pc:spChg chg="add">
-          <ac:chgData name="Howard Zeng" userId="b3a49412108e13ba" providerId="LiveId" clId="{BCC94F81-CC70-406E-BFFC-3B9E7FA9D0DE}" dt="2023-11-28T22:27:09.135" v="5220"/>
-          <ac:spMkLst>
-            <pc:docMk/>
-            <pc:sldMk cId="2306690312" sldId="257"/>
-            <ac:spMk id="38" creationId="{F596CC8E-63AE-4FBB-B170-725D8CC84319}"/>
-          </ac:spMkLst>
-        </pc:spChg>
-        <pc:grpChg chg="add">
-          <ac:chgData name="Howard Zeng" userId="b3a49412108e13ba" providerId="LiveId" clId="{BCC94F81-CC70-406E-BFFC-3B9E7FA9D0DE}" dt="2023-11-28T22:27:09.135" v="5220"/>
-          <ac:grpSpMkLst>
-            <pc:docMk/>
-            <pc:sldMk cId="2306690312" sldId="257"/>
-            <ac:grpSpMk id="39" creationId="{844DB1CD-B507-4DAC-B2EA-076521D31AFE}"/>
-          </ac:grpSpMkLst>
-        </pc:grpChg>
-        <pc:picChg chg="add del mod ord">
-          <ac:chgData name="Howard Zeng" userId="b3a49412108e13ba" providerId="LiveId" clId="{BCC94F81-CC70-406E-BFFC-3B9E7FA9D0DE}" dt="2023-11-28T20:04:23.949" v="3" actId="478"/>
-          <ac:picMkLst>
-            <pc:docMk/>
-            <pc:sldMk cId="2306690312" sldId="257"/>
-            <ac:picMk id="5" creationId="{539F88C3-3587-1509-CD2C-5DC05106BD5C}"/>
-          </ac:picMkLst>
-        </pc:picChg>
-        <pc:picChg chg="add mod">
-          <ac:chgData name="Howard Zeng" userId="b3a49412108e13ba" providerId="LiveId" clId="{BCC94F81-CC70-406E-BFFC-3B9E7FA9D0DE}" dt="2023-11-28T22:05:41.825" v="4285" actId="1076"/>
+        <pc:picChg chg="mod">
+          <ac:chgData name="Howard Zeng" userId="b3a49412108e13ba" providerId="LiveId" clId="{BCC94F81-CC70-406E-BFFC-3B9E7FA9D0DE}" dt="2023-11-28T22:43:05.606" v="5" actId="1076"/>
           <ac:picMkLst>
             <pc:docMk/>
             <pc:sldMk cId="2306690312" sldId="257"/>
             <ac:picMk id="5" creationId="{96FEDACF-8985-78EB-4818-0EB39B16BEE1}"/>
           </ac:picMkLst>
         </pc:picChg>
-        <pc:picChg chg="add del mod">
-          <ac:chgData name="Howard Zeng" userId="b3a49412108e13ba" providerId="LiveId" clId="{BCC94F81-CC70-406E-BFFC-3B9E7FA9D0DE}" dt="2023-11-28T21:30:21.703" v="3440" actId="478"/>
-          <ac:picMkLst>
-            <pc:docMk/>
-            <pc:sldMk cId="2306690312" sldId="257"/>
-            <ac:picMk id="6" creationId="{12DD1818-8064-7006-BE30-09773BA67FEA}"/>
-          </ac:picMkLst>
-        </pc:picChg>
-        <pc:picChg chg="add mod">
-          <ac:chgData name="Howard Zeng" userId="b3a49412108e13ba" providerId="LiveId" clId="{BCC94F81-CC70-406E-BFFC-3B9E7FA9D0DE}" dt="2023-11-28T22:05:36.537" v="4284" actId="14100"/>
+        <pc:picChg chg="mod">
+          <ac:chgData name="Howard Zeng" userId="b3a49412108e13ba" providerId="LiveId" clId="{BCC94F81-CC70-406E-BFFC-3B9E7FA9D0DE}" dt="2023-11-28T22:42:57.589" v="4" actId="14100"/>
           <ac:picMkLst>
             <pc:docMk/>
             <pc:sldMk cId="2306690312" sldId="257"/>
             <ac:picMk id="8" creationId="{FAE67FE9-130C-E481-174E-6A5730FD4630}"/>
           </ac:picMkLst>
         </pc:picChg>
-        <pc:picChg chg="add del mod">
-          <ac:chgData name="Howard Zeng" userId="b3a49412108e13ba" providerId="LiveId" clId="{BCC94F81-CC70-406E-BFFC-3B9E7FA9D0DE}" dt="2023-11-28T20:04:30.162" v="8" actId="21"/>
-          <ac:picMkLst>
-            <pc:docMk/>
-            <pc:sldMk cId="2306690312" sldId="257"/>
-            <ac:picMk id="9" creationId="{06BC3A4B-6D1B-43E9-3AA0-AFA1FD2286FA}"/>
-          </ac:picMkLst>
-        </pc:picChg>
-        <pc:picChg chg="add del mod">
-          <ac:chgData name="Howard Zeng" userId="b3a49412108e13ba" providerId="LiveId" clId="{BCC94F81-CC70-406E-BFFC-3B9E7FA9D0DE}" dt="2023-11-28T20:04:49.901" v="71" actId="21"/>
-          <ac:picMkLst>
-            <pc:docMk/>
-            <pc:sldMk cId="2306690312" sldId="257"/>
-            <ac:picMk id="10" creationId="{8ED552D3-AE8C-09E7-205C-D6158C6F41FD}"/>
-          </ac:picMkLst>
-        </pc:picChg>
-        <pc:picChg chg="add del mod">
-          <ac:chgData name="Howard Zeng" userId="b3a49412108e13ba" providerId="LiveId" clId="{BCC94F81-CC70-406E-BFFC-3B9E7FA9D0DE}" dt="2023-11-28T21:28:50.123" v="3437" actId="478"/>
-          <ac:picMkLst>
-            <pc:docMk/>
-            <pc:sldMk cId="2306690312" sldId="257"/>
-            <ac:picMk id="11" creationId="{0261FE6F-5105-FC1C-7DE8-758304BD7961}"/>
-          </ac:picMkLst>
-        </pc:picChg>
       </pc:sldChg>
-      <pc:sldChg chg="modSp add del mod">
-        <pc:chgData name="Howard Zeng" userId="b3a49412108e13ba" providerId="LiveId" clId="{BCC94F81-CC70-406E-BFFC-3B9E7FA9D0DE}" dt="2023-11-28T22:27:09.135" v="5220"/>
-        <pc:sldMkLst>
-          <pc:docMk/>
-          <pc:sldMk cId="1556024807" sldId="258"/>
-        </pc:sldMkLst>
-        <pc:spChg chg="mod">
-          <ac:chgData name="Howard Zeng" userId="b3a49412108e13ba" providerId="LiveId" clId="{BCC94F81-CC70-406E-BFFC-3B9E7FA9D0DE}" dt="2023-11-28T22:27:09.135" v="5220"/>
-          <ac:spMkLst>
-            <pc:docMk/>
-            <pc:sldMk cId="1556024807" sldId="258"/>
-            <ac:spMk id="2" creationId="{58E6628D-A37F-9D14-C17F-80A7A46772BA}"/>
-          </ac:spMkLst>
-        </pc:spChg>
-        <pc:spChg chg="mod">
-          <ac:chgData name="Howard Zeng" userId="b3a49412108e13ba" providerId="LiveId" clId="{BCC94F81-CC70-406E-BFFC-3B9E7FA9D0DE}" dt="2023-11-28T22:27:09.135" v="5220"/>
-          <ac:spMkLst>
-            <pc:docMk/>
-            <pc:sldMk cId="1556024807" sldId="258"/>
-            <ac:spMk id="3" creationId="{AC840179-B26B-2956-E4A1-F5978D63E16F}"/>
-          </ac:spMkLst>
-        </pc:spChg>
-      </pc:sldChg>
-      <pc:sldChg chg="addSp modSp add del mod delDesignElem">
-        <pc:chgData name="Howard Zeng" userId="b3a49412108e13ba" providerId="LiveId" clId="{BCC94F81-CC70-406E-BFFC-3B9E7FA9D0DE}" dt="2023-11-28T22:27:09.135" v="5220"/>
-        <pc:sldMkLst>
-          <pc:docMk/>
-          <pc:sldMk cId="2212955399" sldId="259"/>
-        </pc:sldMkLst>
-        <pc:spChg chg="mod">
-          <ac:chgData name="Howard Zeng" userId="b3a49412108e13ba" providerId="LiveId" clId="{BCC94F81-CC70-406E-BFFC-3B9E7FA9D0DE}" dt="2023-11-28T22:03:13.232" v="4084" actId="947"/>
-          <ac:spMkLst>
-            <pc:docMk/>
-            <pc:sldMk cId="2212955399" sldId="259"/>
-            <ac:spMk id="2" creationId="{B4A2F325-2C27-78B6-6139-FEE02451926A}"/>
-          </ac:spMkLst>
-        </pc:spChg>
-        <pc:spChg chg="mod">
-          <ac:chgData name="Howard Zeng" userId="b3a49412108e13ba" providerId="LiveId" clId="{BCC94F81-CC70-406E-BFFC-3B9E7FA9D0DE}" dt="2023-11-28T20:31:01.727" v="1857"/>
-          <ac:spMkLst>
-            <pc:docMk/>
-            <pc:sldMk cId="2212955399" sldId="259"/>
-            <ac:spMk id="3" creationId="{B9FBC3D6-F324-C701-08FA-DC75906EA943}"/>
-          </ac:spMkLst>
-        </pc:spChg>
-        <pc:spChg chg="add">
-          <ac:chgData name="Howard Zeng" userId="b3a49412108e13ba" providerId="LiveId" clId="{BCC94F81-CC70-406E-BFFC-3B9E7FA9D0DE}" dt="2023-11-28T22:27:09.135" v="5220"/>
-          <ac:spMkLst>
-            <pc:docMk/>
-            <pc:sldMk cId="2212955399" sldId="259"/>
-            <ac:spMk id="9" creationId="{458183E0-58D3-4C7F-97F0-2494113B38F6}"/>
-          </ac:spMkLst>
-        </pc:spChg>
-        <pc:spChg chg="add">
-          <ac:chgData name="Howard Zeng" userId="b3a49412108e13ba" providerId="LiveId" clId="{BCC94F81-CC70-406E-BFFC-3B9E7FA9D0DE}" dt="2023-11-28T22:27:09.135" v="5220"/>
-          <ac:spMkLst>
-            <pc:docMk/>
-            <pc:sldMk cId="2212955399" sldId="259"/>
-            <ac:spMk id="11" creationId="{493D7220-9A41-4B89-8A05-2E854925EDA1}"/>
-          </ac:spMkLst>
-        </pc:spChg>
-        <pc:grpChg chg="add">
-          <ac:chgData name="Howard Zeng" userId="b3a49412108e13ba" providerId="LiveId" clId="{BCC94F81-CC70-406E-BFFC-3B9E7FA9D0DE}" dt="2023-11-28T22:27:09.135" v="5220"/>
-          <ac:grpSpMkLst>
-            <pc:docMk/>
-            <pc:sldMk cId="2212955399" sldId="259"/>
-            <ac:grpSpMk id="13" creationId="{9215E110-AB5D-437B-9906-4A431F695EDF}"/>
-          </ac:grpSpMkLst>
-        </pc:grpChg>
-        <pc:graphicFrameChg chg="mod">
-          <ac:chgData name="Howard Zeng" userId="b3a49412108e13ba" providerId="LiveId" clId="{BCC94F81-CC70-406E-BFFC-3B9E7FA9D0DE}" dt="2023-11-28T22:11:32.692" v="4420" actId="20577"/>
-          <ac:graphicFrameMkLst>
-            <pc:docMk/>
-            <pc:sldMk cId="2212955399" sldId="259"/>
-            <ac:graphicFrameMk id="5" creationId="{9914D4C5-7D21-36DE-1653-9FEEA1BF941D}"/>
-          </ac:graphicFrameMkLst>
-        </pc:graphicFrameChg>
-      </pc:sldChg>
-      <pc:sldChg chg="modSp add del mod">
-        <pc:chgData name="Howard Zeng" userId="b3a49412108e13ba" providerId="LiveId" clId="{BCC94F81-CC70-406E-BFFC-3B9E7FA9D0DE}" dt="2023-11-28T22:27:09.135" v="5220"/>
-        <pc:sldMkLst>
-          <pc:docMk/>
-          <pc:sldMk cId="1549926420" sldId="260"/>
-        </pc:sldMkLst>
-        <pc:spChg chg="mod">
-          <ac:chgData name="Howard Zeng" userId="b3a49412108e13ba" providerId="LiveId" clId="{BCC94F81-CC70-406E-BFFC-3B9E7FA9D0DE}" dt="2023-11-28T22:27:09.135" v="5220"/>
-          <ac:spMkLst>
-            <pc:docMk/>
-            <pc:sldMk cId="1549926420" sldId="260"/>
-            <ac:spMk id="2" creationId="{CEAF2F53-41E7-F537-FA40-23142D9BA81E}"/>
-          </ac:spMkLst>
-        </pc:spChg>
-        <pc:spChg chg="mod">
-          <ac:chgData name="Howard Zeng" userId="b3a49412108e13ba" providerId="LiveId" clId="{BCC94F81-CC70-406E-BFFC-3B9E7FA9D0DE}" dt="2023-11-28T22:27:09.135" v="5220"/>
-          <ac:spMkLst>
-            <pc:docMk/>
-            <pc:sldMk cId="1549926420" sldId="260"/>
-            <ac:spMk id="3" creationId="{4BC32640-8089-20EF-8904-42BC8471F10C}"/>
-          </ac:spMkLst>
-        </pc:spChg>
-      </pc:sldChg>
-      <pc:sldChg chg="addSp delSp modSp add del mod delDesignElem">
-        <pc:chgData name="Howard Zeng" userId="b3a49412108e13ba" providerId="LiveId" clId="{BCC94F81-CC70-406E-BFFC-3B9E7FA9D0DE}" dt="2023-11-28T22:27:09.135" v="5220"/>
-        <pc:sldMkLst>
-          <pc:docMk/>
-          <pc:sldMk cId="3813925949" sldId="261"/>
-        </pc:sldMkLst>
-        <pc:spChg chg="mod">
-          <ac:chgData name="Howard Zeng" userId="b3a49412108e13ba" providerId="LiveId" clId="{BCC94F81-CC70-406E-BFFC-3B9E7FA9D0DE}" dt="2023-11-28T22:03:13.270" v="4088" actId="947"/>
-          <ac:spMkLst>
-            <pc:docMk/>
-            <pc:sldMk cId="3813925949" sldId="261"/>
-            <ac:spMk id="2" creationId="{A28A7C5A-652F-9093-FC44-BCD72C6595F0}"/>
-          </ac:spMkLst>
-        </pc:spChg>
-        <pc:spChg chg="del">
-          <ac:chgData name="Howard Zeng" userId="b3a49412108e13ba" providerId="LiveId" clId="{BCC94F81-CC70-406E-BFFC-3B9E7FA9D0DE}" dt="2023-11-28T20:35:44.700" v="1858" actId="22"/>
-          <ac:spMkLst>
-            <pc:docMk/>
-            <pc:sldMk cId="3813925949" sldId="261"/>
-            <ac:spMk id="3" creationId="{DA2584EC-07E4-1C27-B3D5-38A5DB88DC8A}"/>
-          </ac:spMkLst>
-        </pc:spChg>
-        <pc:spChg chg="add del mod">
-          <ac:chgData name="Howard Zeng" userId="b3a49412108e13ba" providerId="LiveId" clId="{BCC94F81-CC70-406E-BFFC-3B9E7FA9D0DE}" dt="2023-11-28T20:41:16.236" v="1920" actId="21"/>
-          <ac:spMkLst>
-            <pc:docMk/>
-            <pc:sldMk cId="3813925949" sldId="261"/>
-            <ac:spMk id="9" creationId="{635E5064-0201-257B-5ACA-17237582A53B}"/>
-          </ac:spMkLst>
-        </pc:spChg>
-        <pc:spChg chg="add">
-          <ac:chgData name="Howard Zeng" userId="b3a49412108e13ba" providerId="LiveId" clId="{BCC94F81-CC70-406E-BFFC-3B9E7FA9D0DE}" dt="2023-11-28T22:27:09.135" v="5220"/>
-          <ac:spMkLst>
-            <pc:docMk/>
-            <pc:sldMk cId="3813925949" sldId="261"/>
-            <ac:spMk id="10" creationId="{99B5B3C5-A599-465B-B2B9-866E8B2087CE}"/>
-          </ac:spMkLst>
-        </pc:spChg>
-        <pc:spChg chg="add del mod">
-          <ac:chgData name="Howard Zeng" userId="b3a49412108e13ba" providerId="LiveId" clId="{BCC94F81-CC70-406E-BFFC-3B9E7FA9D0DE}" dt="2023-11-28T20:41:17.812" v="1922" actId="21"/>
-          <ac:spMkLst>
-            <pc:docMk/>
-            <pc:sldMk cId="3813925949" sldId="261"/>
-            <ac:spMk id="11" creationId="{E1E4868F-AADF-E611-0B24-069ADFAD722A}"/>
-          </ac:spMkLst>
-        </pc:spChg>
-        <pc:spChg chg="add">
-          <ac:chgData name="Howard Zeng" userId="b3a49412108e13ba" providerId="LiveId" clId="{BCC94F81-CC70-406E-BFFC-3B9E7FA9D0DE}" dt="2023-11-28T22:27:09.135" v="5220"/>
-          <ac:spMkLst>
-            <pc:docMk/>
-            <pc:sldMk cId="3813925949" sldId="261"/>
-            <ac:spMk id="12" creationId="{25C84982-7DD0-43B1-8A2D-BFA4DF1B4E60}"/>
-          </ac:spMkLst>
-        </pc:spChg>
-        <pc:spChg chg="add">
-          <ac:chgData name="Howard Zeng" userId="b3a49412108e13ba" providerId="LiveId" clId="{BCC94F81-CC70-406E-BFFC-3B9E7FA9D0DE}" dt="2023-11-28T22:27:09.135" v="5220"/>
-          <ac:spMkLst>
-            <pc:docMk/>
-            <pc:sldMk cId="3813925949" sldId="261"/>
-            <ac:spMk id="31" creationId="{E2748806-3AF5-4078-830A-C1F26BF1B200}"/>
-          </ac:spMkLst>
-        </pc:spChg>
-        <pc:spChg chg="add">
-          <ac:chgData name="Howard Zeng" userId="b3a49412108e13ba" providerId="LiveId" clId="{BCC94F81-CC70-406E-BFFC-3B9E7FA9D0DE}" dt="2023-11-28T22:27:09.135" v="5220"/>
-          <ac:spMkLst>
-            <pc:docMk/>
-            <pc:sldMk cId="3813925949" sldId="261"/>
-            <ac:spMk id="33" creationId="{36C5C053-F6BB-464B-BDD2-9D811A2494A2}"/>
-          </ac:spMkLst>
-        </pc:spChg>
-        <pc:spChg chg="add">
-          <ac:chgData name="Howard Zeng" userId="b3a49412108e13ba" providerId="LiveId" clId="{BCC94F81-CC70-406E-BFFC-3B9E7FA9D0DE}" dt="2023-11-28T22:27:09.135" v="5220"/>
-          <ac:spMkLst>
-            <pc:docMk/>
-            <pc:sldMk cId="3813925949" sldId="261"/>
-            <ac:spMk id="35" creationId="{8315D1CC-8D02-4016-AD7A-097E77AAE387}"/>
-          </ac:spMkLst>
-        </pc:spChg>
-        <pc:spChg chg="add">
-          <ac:chgData name="Howard Zeng" userId="b3a49412108e13ba" providerId="LiveId" clId="{BCC94F81-CC70-406E-BFFC-3B9E7FA9D0DE}" dt="2023-11-28T22:27:09.135" v="5220"/>
-          <ac:spMkLst>
-            <pc:docMk/>
-            <pc:sldMk cId="3813925949" sldId="261"/>
-            <ac:spMk id="37" creationId="{1CB84D5D-9C64-4481-B8AD-C109F7DB3FC6}"/>
-          </ac:spMkLst>
-        </pc:spChg>
-        <pc:spChg chg="add">
-          <ac:chgData name="Howard Zeng" userId="b3a49412108e13ba" providerId="LiveId" clId="{BCC94F81-CC70-406E-BFFC-3B9E7FA9D0DE}" dt="2023-11-28T22:27:09.135" v="5220"/>
-          <ac:spMkLst>
-            <pc:docMk/>
-            <pc:sldMk cId="3813925949" sldId="261"/>
-            <ac:spMk id="39" creationId="{01A9D26D-082A-4101-8D75-863B7B7AB81D}"/>
-          </ac:spMkLst>
-        </pc:spChg>
-        <pc:spChg chg="add">
-          <ac:chgData name="Howard Zeng" userId="b3a49412108e13ba" providerId="LiveId" clId="{BCC94F81-CC70-406E-BFFC-3B9E7FA9D0DE}" dt="2023-11-28T22:27:09.135" v="5220"/>
-          <ac:spMkLst>
-            <pc:docMk/>
-            <pc:sldMk cId="3813925949" sldId="261"/>
-            <ac:spMk id="41" creationId="{A0FE0BA4-FE6E-4B91-9A1B-E373720BD3D5}"/>
-          </ac:spMkLst>
-        </pc:spChg>
-        <pc:spChg chg="add">
-          <ac:chgData name="Howard Zeng" userId="b3a49412108e13ba" providerId="LiveId" clId="{BCC94F81-CC70-406E-BFFC-3B9E7FA9D0DE}" dt="2023-11-28T22:27:09.135" v="5220"/>
-          <ac:spMkLst>
-            <pc:docMk/>
-            <pc:sldMk cId="3813925949" sldId="261"/>
-            <ac:spMk id="43" creationId="{80E6F154-6DA5-4544-8945-8AF8DE20A63E}"/>
-          </ac:spMkLst>
-        </pc:spChg>
-        <pc:spChg chg="add">
-          <ac:chgData name="Howard Zeng" userId="b3a49412108e13ba" providerId="LiveId" clId="{BCC94F81-CC70-406E-BFFC-3B9E7FA9D0DE}" dt="2023-11-28T22:27:09.135" v="5220"/>
-          <ac:spMkLst>
-            <pc:docMk/>
-            <pc:sldMk cId="3813925949" sldId="261"/>
-            <ac:spMk id="45" creationId="{85558ED7-8ED9-4B7F-8138-C5B8A0EC1937}"/>
-          </ac:spMkLst>
-        </pc:spChg>
-        <pc:spChg chg="add">
-          <ac:chgData name="Howard Zeng" userId="b3a49412108e13ba" providerId="LiveId" clId="{BCC94F81-CC70-406E-BFFC-3B9E7FA9D0DE}" dt="2023-11-28T22:27:09.135" v="5220"/>
-          <ac:spMkLst>
-            <pc:docMk/>
-            <pc:sldMk cId="3813925949" sldId="261"/>
-            <ac:spMk id="47" creationId="{13E9F88F-5950-42B0-B9A3-898F91835B3F}"/>
-          </ac:spMkLst>
-        </pc:spChg>
-        <pc:spChg chg="add">
-          <ac:chgData name="Howard Zeng" userId="b3a49412108e13ba" providerId="LiveId" clId="{BCC94F81-CC70-406E-BFFC-3B9E7FA9D0DE}" dt="2023-11-28T22:27:09.135" v="5220"/>
-          <ac:spMkLst>
-            <pc:docMk/>
-            <pc:sldMk cId="3813925949" sldId="261"/>
-            <ac:spMk id="49" creationId="{34FBEBF3-C941-4CB0-8AC2-3B50E1371BBF}"/>
-          </ac:spMkLst>
-        </pc:spChg>
-        <pc:grpChg chg="add">
-          <ac:chgData name="Howard Zeng" userId="b3a49412108e13ba" providerId="LiveId" clId="{BCC94F81-CC70-406E-BFFC-3B9E7FA9D0DE}" dt="2023-11-28T22:27:09.135" v="5220"/>
-          <ac:grpSpMkLst>
-            <pc:docMk/>
-            <pc:sldMk cId="3813925949" sldId="261"/>
-            <ac:grpSpMk id="14" creationId="{1D912E1C-3BBA-42F0-A3EE-FEC382E7230A}"/>
-          </ac:grpSpMkLst>
-        </pc:grpChg>
-        <pc:picChg chg="add del mod ord">
-          <ac:chgData name="Howard Zeng" userId="b3a49412108e13ba" providerId="LiveId" clId="{BCC94F81-CC70-406E-BFFC-3B9E7FA9D0DE}" dt="2023-11-28T20:43:13.168" v="1950" actId="1076"/>
-          <ac:picMkLst>
-            <pc:docMk/>
-            <pc:sldMk cId="3813925949" sldId="261"/>
-            <ac:picMk id="5" creationId="{1DB13076-4348-5E7C-EEB4-BF9DF4AEDCCE}"/>
-          </ac:picMkLst>
-        </pc:picChg>
-        <pc:picChg chg="add del">
-          <ac:chgData name="Howard Zeng" userId="b3a49412108e13ba" providerId="LiveId" clId="{BCC94F81-CC70-406E-BFFC-3B9E7FA9D0DE}" dt="2023-11-28T20:36:30.791" v="1874" actId="22"/>
-          <ac:picMkLst>
-            <pc:docMk/>
-            <pc:sldMk cId="3813925949" sldId="261"/>
-            <ac:picMk id="7" creationId="{7217D06B-8282-E344-FA8B-7D5EC5E60801}"/>
-          </ac:picMkLst>
-        </pc:picChg>
-      </pc:sldChg>
-      <pc:sldChg chg="addSp modSp add del mod delDesignElem">
-        <pc:chgData name="Howard Zeng" userId="b3a49412108e13ba" providerId="LiveId" clId="{BCC94F81-CC70-406E-BFFC-3B9E7FA9D0DE}" dt="2023-11-28T22:27:09.135" v="5220"/>
-        <pc:sldMkLst>
-          <pc:docMk/>
-          <pc:sldMk cId="932056654" sldId="262"/>
-        </pc:sldMkLst>
-        <pc:spChg chg="mod">
-          <ac:chgData name="Howard Zeng" userId="b3a49412108e13ba" providerId="LiveId" clId="{BCC94F81-CC70-406E-BFFC-3B9E7FA9D0DE}" dt="2023-11-28T22:15:37.576" v="5070" actId="20577"/>
-          <ac:spMkLst>
-            <pc:docMk/>
-            <pc:sldMk cId="932056654" sldId="262"/>
-            <ac:spMk id="2" creationId="{B0642C2E-FD82-320E-1723-C3A24BCA4D56}"/>
-          </ac:spMkLst>
-        </pc:spChg>
-        <pc:spChg chg="mod">
-          <ac:chgData name="Howard Zeng" userId="b3a49412108e13ba" providerId="LiveId" clId="{BCC94F81-CC70-406E-BFFC-3B9E7FA9D0DE}" dt="2023-11-28T20:51:17.269" v="2683" actId="20577"/>
-          <ac:spMkLst>
-            <pc:docMk/>
-            <pc:sldMk cId="932056654" sldId="262"/>
-            <ac:spMk id="3" creationId="{0613C40C-6EA5-BDBA-ED10-FEC36C2637DF}"/>
-          </ac:spMkLst>
-        </pc:spChg>
-        <pc:spChg chg="add">
-          <ac:chgData name="Howard Zeng" userId="b3a49412108e13ba" providerId="LiveId" clId="{BCC94F81-CC70-406E-BFFC-3B9E7FA9D0DE}" dt="2023-11-28T22:27:09.135" v="5220"/>
-          <ac:spMkLst>
-            <pc:docMk/>
-            <pc:sldMk cId="932056654" sldId="262"/>
-            <ac:spMk id="23" creationId="{53B739BF-52FC-4875-B392-4044CC04F091}"/>
-          </ac:spMkLst>
-        </pc:spChg>
-        <pc:spChg chg="add">
-          <ac:chgData name="Howard Zeng" userId="b3a49412108e13ba" providerId="LiveId" clId="{BCC94F81-CC70-406E-BFFC-3B9E7FA9D0DE}" dt="2023-11-28T22:27:09.135" v="5220"/>
-          <ac:spMkLst>
-            <pc:docMk/>
-            <pc:sldMk cId="932056654" sldId="262"/>
-            <ac:spMk id="24" creationId="{3AA1CAD8-1CD4-40E6-B88B-9D4FF5C3D072}"/>
-          </ac:spMkLst>
-        </pc:spChg>
-        <pc:grpChg chg="add">
-          <ac:chgData name="Howard Zeng" userId="b3a49412108e13ba" providerId="LiveId" clId="{BCC94F81-CC70-406E-BFFC-3B9E7FA9D0DE}" dt="2023-11-28T22:27:09.135" v="5220"/>
-          <ac:grpSpMkLst>
-            <pc:docMk/>
-            <pc:sldMk cId="932056654" sldId="262"/>
-            <ac:grpSpMk id="25" creationId="{0D65577D-83CF-47FA-954E-60C70AFDBB28}"/>
-          </ac:grpSpMkLst>
-        </pc:grpChg>
-        <pc:graphicFrameChg chg="mod">
-          <ac:chgData name="Howard Zeng" userId="b3a49412108e13ba" providerId="LiveId" clId="{BCC94F81-CC70-406E-BFFC-3B9E7FA9D0DE}" dt="2023-11-28T22:16:00.638" v="5094" actId="20577"/>
-          <ac:graphicFrameMkLst>
-            <pc:docMk/>
-            <pc:sldMk cId="932056654" sldId="262"/>
-            <ac:graphicFrameMk id="33" creationId="{90900FF4-3B82-6ED4-FB40-8E4A46BD78C4}"/>
-          </ac:graphicFrameMkLst>
-        </pc:graphicFrameChg>
-      </pc:sldChg>
-      <pc:sldChg chg="addSp modSp add del mod delDesignElem">
-        <pc:chgData name="Howard Zeng" userId="b3a49412108e13ba" providerId="LiveId" clId="{BCC94F81-CC70-406E-BFFC-3B9E7FA9D0DE}" dt="2023-11-28T22:27:09.135" v="5220"/>
-        <pc:sldMkLst>
-          <pc:docMk/>
-          <pc:sldMk cId="809470355" sldId="263"/>
-        </pc:sldMkLst>
-        <pc:spChg chg="mod">
-          <ac:chgData name="Howard Zeng" userId="b3a49412108e13ba" providerId="LiveId" clId="{BCC94F81-CC70-406E-BFFC-3B9E7FA9D0DE}" dt="2023-11-28T22:03:13.194" v="4078" actId="947"/>
-          <ac:spMkLst>
-            <pc:docMk/>
-            <pc:sldMk cId="809470355" sldId="263"/>
-            <ac:spMk id="2" creationId="{E0A0EAF5-65B1-160E-6DDF-518A0ACBEDD6}"/>
-          </ac:spMkLst>
-        </pc:spChg>
-        <pc:spChg chg="mod">
-          <ac:chgData name="Howard Zeng" userId="b3a49412108e13ba" providerId="LiveId" clId="{BCC94F81-CC70-406E-BFFC-3B9E7FA9D0DE}" dt="2023-11-28T20:17:44.884" v="1394" actId="20577"/>
-          <ac:spMkLst>
-            <pc:docMk/>
-            <pc:sldMk cId="809470355" sldId="263"/>
-            <ac:spMk id="3" creationId="{D79DF5D8-FEF6-1DC2-CCA3-73C7E61033D4}"/>
-          </ac:spMkLst>
-        </pc:spChg>
-        <pc:spChg chg="add">
-          <ac:chgData name="Howard Zeng" userId="b3a49412108e13ba" providerId="LiveId" clId="{BCC94F81-CC70-406E-BFFC-3B9E7FA9D0DE}" dt="2023-11-28T22:27:09.135" v="5220"/>
-          <ac:spMkLst>
-            <pc:docMk/>
-            <pc:sldMk cId="809470355" sldId="263"/>
-            <ac:spMk id="22" creationId="{92663A72-E771-41D4-96AA-28C1B2172245}"/>
-          </ac:spMkLst>
-        </pc:spChg>
-        <pc:spChg chg="add">
-          <ac:chgData name="Howard Zeng" userId="b3a49412108e13ba" providerId="LiveId" clId="{BCC94F81-CC70-406E-BFFC-3B9E7FA9D0DE}" dt="2023-11-28T22:27:09.135" v="5220"/>
-          <ac:spMkLst>
-            <pc:docMk/>
-            <pc:sldMk cId="809470355" sldId="263"/>
-            <ac:spMk id="23" creationId="{88164F59-4B09-4DB4-A99F-97C71DE46B10}"/>
-          </ac:spMkLst>
-        </pc:spChg>
-        <pc:spChg chg="add">
-          <ac:chgData name="Howard Zeng" userId="b3a49412108e13ba" providerId="LiveId" clId="{BCC94F81-CC70-406E-BFFC-3B9E7FA9D0DE}" dt="2023-11-28T22:27:09.135" v="5220"/>
-          <ac:spMkLst>
-            <pc:docMk/>
-            <pc:sldMk cId="809470355" sldId="263"/>
-            <ac:spMk id="24" creationId="{6B336017-F12B-485C-B5E1-B6971DA0CDC5}"/>
-          </ac:spMkLst>
-        </pc:spChg>
-        <pc:grpChg chg="add">
-          <ac:chgData name="Howard Zeng" userId="b3a49412108e13ba" providerId="LiveId" clId="{BCC94F81-CC70-406E-BFFC-3B9E7FA9D0DE}" dt="2023-11-28T22:27:09.135" v="5220"/>
-          <ac:grpSpMkLst>
-            <pc:docMk/>
-            <pc:sldMk cId="809470355" sldId="263"/>
-            <ac:grpSpMk id="25" creationId="{C2C078FA-5775-45CB-A8F3-53B3F1AD2B99}"/>
-          </ac:grpSpMkLst>
-        </pc:grpChg>
-        <pc:graphicFrameChg chg="mod">
-          <ac:chgData name="Howard Zeng" userId="b3a49412108e13ba" providerId="LiveId" clId="{BCC94F81-CC70-406E-BFFC-3B9E7FA9D0DE}" dt="2023-11-28T21:58:10.453" v="3655"/>
-          <ac:graphicFrameMkLst>
-            <pc:docMk/>
-            <pc:sldMk cId="809470355" sldId="263"/>
-            <ac:graphicFrameMk id="31" creationId="{0D49B7B1-0032-5CD2-6448-5DB7E4A055D5}"/>
-          </ac:graphicFrameMkLst>
-        </pc:graphicFrameChg>
-      </pc:sldChg>
-      <pc:sldChg chg="addSp delSp modSp new add del mod modClrScheme delDesignElem chgLayout">
-        <pc:chgData name="Howard Zeng" userId="b3a49412108e13ba" providerId="LiveId" clId="{BCC94F81-CC70-406E-BFFC-3B9E7FA9D0DE}" dt="2023-11-28T22:27:09.135" v="5220"/>
+      <pc:sldChg chg="modSp mod">
+        <pc:chgData name="Howard Zeng" userId="b3a49412108e13ba" providerId="LiveId" clId="{BCC94F81-CC70-406E-BFFC-3B9E7FA9D0DE}" dt="2023-11-28T22:50:24.906" v="94" actId="20577"/>
         <pc:sldMkLst>
           <pc:docMk/>
           <pc:sldMk cId="209826715" sldId="264"/>
         </pc:sldMkLst>
-        <pc:spChg chg="mod ord">
-          <ac:chgData name="Howard Zeng" userId="b3a49412108e13ba" providerId="LiveId" clId="{BCC94F81-CC70-406E-BFFC-3B9E7FA9D0DE}" dt="2023-11-28T22:03:13.181" v="4076" actId="947"/>
+        <pc:spChg chg="mod">
+          <ac:chgData name="Howard Zeng" userId="b3a49412108e13ba" providerId="LiveId" clId="{BCC94F81-CC70-406E-BFFC-3B9E7FA9D0DE}" dt="2023-11-28T22:50:24.906" v="94" actId="20577"/>
           <ac:spMkLst>
             <pc:docMk/>
             <pc:sldMk cId="209826715" sldId="264"/>
             <ac:spMk id="2" creationId="{C6F981CD-8EFA-4F8B-F122-5F300AFE3D31}"/>
           </ac:spMkLst>
         </pc:spChg>
-        <pc:spChg chg="add del mod ord">
-          <ac:chgData name="Howard Zeng" userId="b3a49412108e13ba" providerId="LiveId" clId="{BCC94F81-CC70-406E-BFFC-3B9E7FA9D0DE}" dt="2023-11-28T21:21:50.949" v="3406" actId="478"/>
-          <ac:spMkLst>
-            <pc:docMk/>
-            <pc:sldMk cId="209826715" sldId="264"/>
-            <ac:spMk id="3" creationId="{1B9EFEB2-4320-23B5-9B05-AB34A6E1E186}"/>
-          </ac:spMkLst>
-        </pc:spChg>
-        <pc:spChg chg="add del mod">
-          <ac:chgData name="Howard Zeng" userId="b3a49412108e13ba" providerId="LiveId" clId="{BCC94F81-CC70-406E-BFFC-3B9E7FA9D0DE}" dt="2023-11-28T20:11:26.655" v="593" actId="22"/>
-          <ac:spMkLst>
-            <pc:docMk/>
-            <pc:sldMk cId="209826715" sldId="264"/>
-            <ac:spMk id="5" creationId="{0EC7195E-1D72-C85D-FD4E-862EFBFED17A}"/>
-          </ac:spMkLst>
-        </pc:spChg>
-        <pc:spChg chg="add del mod">
-          <ac:chgData name="Howard Zeng" userId="b3a49412108e13ba" providerId="LiveId" clId="{BCC94F81-CC70-406E-BFFC-3B9E7FA9D0DE}" dt="2023-11-28T21:03:17.779" v="2724" actId="478"/>
-          <ac:spMkLst>
-            <pc:docMk/>
-            <pc:sldMk cId="209826715" sldId="264"/>
-            <ac:spMk id="5" creationId="{B07D2AB6-E8A8-98E8-FE91-8F4DC4EA7C51}"/>
-          </ac:spMkLst>
-        </pc:spChg>
-        <pc:spChg chg="add del mod">
-          <ac:chgData name="Howard Zeng" userId="b3a49412108e13ba" providerId="LiveId" clId="{BCC94F81-CC70-406E-BFFC-3B9E7FA9D0DE}" dt="2023-11-28T21:05:43.006" v="2905" actId="21"/>
-          <ac:spMkLst>
-            <pc:docMk/>
-            <pc:sldMk cId="209826715" sldId="264"/>
-            <ac:spMk id="6" creationId="{630B1CD1-3C61-CCF3-73D5-A56200ED6382}"/>
-          </ac:spMkLst>
-        </pc:spChg>
-        <pc:spChg chg="add del mod ord">
-          <ac:chgData name="Howard Zeng" userId="b3a49412108e13ba" providerId="LiveId" clId="{BCC94F81-CC70-406E-BFFC-3B9E7FA9D0DE}" dt="2023-11-28T20:12:15.808" v="626" actId="700"/>
-          <ac:spMkLst>
-            <pc:docMk/>
-            <pc:sldMk cId="209826715" sldId="264"/>
-            <ac:spMk id="6" creationId="{9824E28D-6558-0A8F-B8F2-C8F04072AE79}"/>
-          </ac:spMkLst>
-        </pc:spChg>
-        <pc:spChg chg="add del mod">
-          <ac:chgData name="Howard Zeng" userId="b3a49412108e13ba" providerId="LiveId" clId="{BCC94F81-CC70-406E-BFFC-3B9E7FA9D0DE}" dt="2023-11-28T21:03:17.294" v="2723" actId="478"/>
-          <ac:spMkLst>
-            <pc:docMk/>
-            <pc:sldMk cId="209826715" sldId="264"/>
-            <ac:spMk id="7" creationId="{807AC175-8E60-6977-5A08-92D968F3D1A8}"/>
-          </ac:spMkLst>
-        </pc:spChg>
-        <pc:spChg chg="add del mod ord">
-          <ac:chgData name="Howard Zeng" userId="b3a49412108e13ba" providerId="LiveId" clId="{BCC94F81-CC70-406E-BFFC-3B9E7FA9D0DE}" dt="2023-11-28T20:12:15.808" v="626" actId="700"/>
-          <ac:spMkLst>
-            <pc:docMk/>
-            <pc:sldMk cId="209826715" sldId="264"/>
-            <ac:spMk id="7" creationId="{DA3B2B92-3985-89FE-ACBC-012B9E720968}"/>
-          </ac:spMkLst>
-        </pc:spChg>
-        <pc:spChg chg="add del mod">
-          <ac:chgData name="Howard Zeng" userId="b3a49412108e13ba" providerId="LiveId" clId="{BCC94F81-CC70-406E-BFFC-3B9E7FA9D0DE}" dt="2023-11-28T21:03:52.328" v="2802" actId="478"/>
-          <ac:spMkLst>
-            <pc:docMk/>
-            <pc:sldMk cId="209826715" sldId="264"/>
-            <ac:spMk id="8" creationId="{A6E156F3-AAB6-08D9-42D4-E5F44548DB23}"/>
-          </ac:spMkLst>
-        </pc:spChg>
-        <pc:spChg chg="add del mod ord">
-          <ac:chgData name="Howard Zeng" userId="b3a49412108e13ba" providerId="LiveId" clId="{BCC94F81-CC70-406E-BFFC-3B9E7FA9D0DE}" dt="2023-11-28T20:12:15.808" v="626" actId="700"/>
-          <ac:spMkLst>
-            <pc:docMk/>
-            <pc:sldMk cId="209826715" sldId="264"/>
-            <ac:spMk id="8" creationId="{E9AF00B1-A597-AF43-D9C5-9A28990592B2}"/>
-          </ac:spMkLst>
-        </pc:spChg>
-        <pc:spChg chg="add del mod">
-          <ac:chgData name="Howard Zeng" userId="b3a49412108e13ba" providerId="LiveId" clId="{BCC94F81-CC70-406E-BFFC-3B9E7FA9D0DE}" dt="2023-11-28T21:05:43.006" v="2905" actId="21"/>
-          <ac:spMkLst>
-            <pc:docMk/>
-            <pc:sldMk cId="209826715" sldId="264"/>
-            <ac:spMk id="9" creationId="{61951263-C6D9-BDEA-77E0-0AF8D1A5293C}"/>
-          </ac:spMkLst>
-        </pc:spChg>
-        <pc:spChg chg="add del">
-          <ac:chgData name="Howard Zeng" userId="b3a49412108e13ba" providerId="LiveId" clId="{BCC94F81-CC70-406E-BFFC-3B9E7FA9D0DE}" dt="2023-11-28T21:05:12.803" v="2899" actId="11529"/>
-          <ac:spMkLst>
-            <pc:docMk/>
-            <pc:sldMk cId="209826715" sldId="264"/>
-            <ac:spMk id="13" creationId="{127EB0AE-C816-8753-0F57-C29BFD0F555D}"/>
-          </ac:spMkLst>
-        </pc:spChg>
-        <pc:spChg chg="add del mod">
-          <ac:chgData name="Howard Zeng" userId="b3a49412108e13ba" providerId="LiveId" clId="{BCC94F81-CC70-406E-BFFC-3B9E7FA9D0DE}" dt="2023-11-28T21:05:43.006" v="2905" actId="21"/>
-          <ac:spMkLst>
-            <pc:docMk/>
-            <pc:sldMk cId="209826715" sldId="264"/>
-            <ac:spMk id="14" creationId="{772E3787-F849-9E6A-FA30-0C249A5A0A74}"/>
-          </ac:spMkLst>
-        </pc:spChg>
-        <pc:spChg chg="mod">
-          <ac:chgData name="Howard Zeng" userId="b3a49412108e13ba" providerId="LiveId" clId="{BCC94F81-CC70-406E-BFFC-3B9E7FA9D0DE}" dt="2023-11-28T21:20:18.213" v="3379"/>
-          <ac:spMkLst>
-            <pc:docMk/>
-            <pc:sldMk cId="209826715" sldId="264"/>
-            <ac:spMk id="16" creationId="{BB3AD168-32D5-58BB-9FBC-5E91AE6B69AD}"/>
-          </ac:spMkLst>
-        </pc:spChg>
-        <pc:spChg chg="mod">
-          <ac:chgData name="Howard Zeng" userId="b3a49412108e13ba" providerId="LiveId" clId="{BCC94F81-CC70-406E-BFFC-3B9E7FA9D0DE}" dt="2023-11-28T21:20:18.213" v="3379"/>
-          <ac:spMkLst>
-            <pc:docMk/>
-            <pc:sldMk cId="209826715" sldId="264"/>
-            <ac:spMk id="17" creationId="{700B12EA-F426-423A-A617-408673C48B1E}"/>
-          </ac:spMkLst>
-        </pc:spChg>
-        <pc:spChg chg="mod">
-          <ac:chgData name="Howard Zeng" userId="b3a49412108e13ba" providerId="LiveId" clId="{BCC94F81-CC70-406E-BFFC-3B9E7FA9D0DE}" dt="2023-11-28T21:20:18.213" v="3379"/>
-          <ac:spMkLst>
-            <pc:docMk/>
-            <pc:sldMk cId="209826715" sldId="264"/>
-            <ac:spMk id="18" creationId="{9AEC91B9-850B-A808-7622-A5DD55CA5669}"/>
-          </ac:spMkLst>
-        </pc:spChg>
-        <pc:spChg chg="mod">
-          <ac:chgData name="Howard Zeng" userId="b3a49412108e13ba" providerId="LiveId" clId="{BCC94F81-CC70-406E-BFFC-3B9E7FA9D0DE}" dt="2023-11-28T21:20:18.213" v="3379"/>
-          <ac:spMkLst>
-            <pc:docMk/>
-            <pc:sldMk cId="209826715" sldId="264"/>
-            <ac:spMk id="19" creationId="{19483115-C739-2997-F977-158FAF57BED8}"/>
-          </ac:spMkLst>
-        </pc:spChg>
-        <pc:spChg chg="mod">
-          <ac:chgData name="Howard Zeng" userId="b3a49412108e13ba" providerId="LiveId" clId="{BCC94F81-CC70-406E-BFFC-3B9E7FA9D0DE}" dt="2023-11-28T21:20:18.213" v="3379"/>
-          <ac:spMkLst>
-            <pc:docMk/>
-            <pc:sldMk cId="209826715" sldId="264"/>
-            <ac:spMk id="20" creationId="{9A154DBC-09AE-AA63-1F59-4E6EE68949CF}"/>
-          </ac:spMkLst>
-        </pc:spChg>
-        <pc:spChg chg="mod">
-          <ac:chgData name="Howard Zeng" userId="b3a49412108e13ba" providerId="LiveId" clId="{BCC94F81-CC70-406E-BFFC-3B9E7FA9D0DE}" dt="2023-11-28T21:20:18.213" v="3379"/>
-          <ac:spMkLst>
-            <pc:docMk/>
-            <pc:sldMk cId="209826715" sldId="264"/>
-            <ac:spMk id="21" creationId="{5EA0C83F-B2ED-3731-9EB4-99D2A67CB1F2}"/>
-          </ac:spMkLst>
-        </pc:spChg>
-        <pc:spChg chg="mod">
-          <ac:chgData name="Howard Zeng" userId="b3a49412108e13ba" providerId="LiveId" clId="{BCC94F81-CC70-406E-BFFC-3B9E7FA9D0DE}" dt="2023-11-28T21:20:18.213" v="3379"/>
-          <ac:spMkLst>
-            <pc:docMk/>
-            <pc:sldMk cId="209826715" sldId="264"/>
-            <ac:spMk id="22" creationId="{ACCDB71F-8CA0-2E38-D896-B794209A2BB1}"/>
-          </ac:spMkLst>
-        </pc:spChg>
-        <pc:spChg chg="mod">
-          <ac:chgData name="Howard Zeng" userId="b3a49412108e13ba" providerId="LiveId" clId="{BCC94F81-CC70-406E-BFFC-3B9E7FA9D0DE}" dt="2023-11-28T21:20:18.213" v="3379"/>
-          <ac:spMkLst>
-            <pc:docMk/>
-            <pc:sldMk cId="209826715" sldId="264"/>
-            <ac:spMk id="23" creationId="{55EF313B-BD73-CEC3-6BB9-22F0B3FD8DF6}"/>
-          </ac:spMkLst>
-        </pc:spChg>
-        <pc:spChg chg="mod">
-          <ac:chgData name="Howard Zeng" userId="b3a49412108e13ba" providerId="LiveId" clId="{BCC94F81-CC70-406E-BFFC-3B9E7FA9D0DE}" dt="2023-11-28T21:20:18.213" v="3379"/>
-          <ac:spMkLst>
-            <pc:docMk/>
-            <pc:sldMk cId="209826715" sldId="264"/>
-            <ac:spMk id="24" creationId="{71CB690E-2C85-E131-11EE-7BED7687B6E5}"/>
-          </ac:spMkLst>
-        </pc:spChg>
-        <pc:spChg chg="mod">
-          <ac:chgData name="Howard Zeng" userId="b3a49412108e13ba" providerId="LiveId" clId="{BCC94F81-CC70-406E-BFFC-3B9E7FA9D0DE}" dt="2023-11-28T21:20:18.213" v="3379"/>
-          <ac:spMkLst>
-            <pc:docMk/>
-            <pc:sldMk cId="209826715" sldId="264"/>
-            <ac:spMk id="25" creationId="{ACD9B928-9D95-975A-6E67-099DCFE33A2B}"/>
-          </ac:spMkLst>
-        </pc:spChg>
-        <pc:spChg chg="mod">
-          <ac:chgData name="Howard Zeng" userId="b3a49412108e13ba" providerId="LiveId" clId="{BCC94F81-CC70-406E-BFFC-3B9E7FA9D0DE}" dt="2023-11-28T21:20:18.213" v="3379"/>
-          <ac:spMkLst>
-            <pc:docMk/>
-            <pc:sldMk cId="209826715" sldId="264"/>
-            <ac:spMk id="26" creationId="{43DAD4D8-A728-A680-B723-2639578E34D4}"/>
-          </ac:spMkLst>
-        </pc:spChg>
-        <pc:spChg chg="mod">
-          <ac:chgData name="Howard Zeng" userId="b3a49412108e13ba" providerId="LiveId" clId="{BCC94F81-CC70-406E-BFFC-3B9E7FA9D0DE}" dt="2023-11-28T21:20:18.213" v="3379"/>
-          <ac:spMkLst>
-            <pc:docMk/>
-            <pc:sldMk cId="209826715" sldId="264"/>
-            <ac:spMk id="27" creationId="{427C9856-094E-9675-75D2-004786309AFF}"/>
-          </ac:spMkLst>
-        </pc:spChg>
-        <pc:spChg chg="mod">
-          <ac:chgData name="Howard Zeng" userId="b3a49412108e13ba" providerId="LiveId" clId="{BCC94F81-CC70-406E-BFFC-3B9E7FA9D0DE}" dt="2023-11-28T21:20:18.213" v="3379"/>
-          <ac:spMkLst>
-            <pc:docMk/>
-            <pc:sldMk cId="209826715" sldId="264"/>
-            <ac:spMk id="28" creationId="{EB90B26D-D5B5-426B-6DE8-0AB695160CD7}"/>
-          </ac:spMkLst>
-        </pc:spChg>
-        <pc:spChg chg="mod">
-          <ac:chgData name="Howard Zeng" userId="b3a49412108e13ba" providerId="LiveId" clId="{BCC94F81-CC70-406E-BFFC-3B9E7FA9D0DE}" dt="2023-11-28T21:20:29.266" v="3386"/>
-          <ac:spMkLst>
-            <pc:docMk/>
-            <pc:sldMk cId="209826715" sldId="264"/>
-            <ac:spMk id="30" creationId="{05F17256-BC0F-ECF1-0CFF-36AF2659FCF4}"/>
-          </ac:spMkLst>
-        </pc:spChg>
-        <pc:spChg chg="mod">
-          <ac:chgData name="Howard Zeng" userId="b3a49412108e13ba" providerId="LiveId" clId="{BCC94F81-CC70-406E-BFFC-3B9E7FA9D0DE}" dt="2023-11-28T21:20:29.266" v="3386"/>
-          <ac:spMkLst>
-            <pc:docMk/>
-            <pc:sldMk cId="209826715" sldId="264"/>
-            <ac:spMk id="31" creationId="{F44FD89E-0645-7380-6B92-0344F7766751}"/>
-          </ac:spMkLst>
-        </pc:spChg>
-        <pc:spChg chg="mod">
-          <ac:chgData name="Howard Zeng" userId="b3a49412108e13ba" providerId="LiveId" clId="{BCC94F81-CC70-406E-BFFC-3B9E7FA9D0DE}" dt="2023-11-28T21:20:29.266" v="3386"/>
-          <ac:spMkLst>
-            <pc:docMk/>
-            <pc:sldMk cId="209826715" sldId="264"/>
-            <ac:spMk id="32" creationId="{4CCF1423-EA11-4056-E439-2F51199459D4}"/>
-          </ac:spMkLst>
-        </pc:spChg>
-        <pc:spChg chg="mod">
-          <ac:chgData name="Howard Zeng" userId="b3a49412108e13ba" providerId="LiveId" clId="{BCC94F81-CC70-406E-BFFC-3B9E7FA9D0DE}" dt="2023-11-28T21:20:29.266" v="3386"/>
-          <ac:spMkLst>
-            <pc:docMk/>
-            <pc:sldMk cId="209826715" sldId="264"/>
-            <ac:spMk id="33" creationId="{CD670E4F-79D4-16AA-AE1E-E4FF83ECB8E4}"/>
-          </ac:spMkLst>
-        </pc:spChg>
-        <pc:spChg chg="mod">
-          <ac:chgData name="Howard Zeng" userId="b3a49412108e13ba" providerId="LiveId" clId="{BCC94F81-CC70-406E-BFFC-3B9E7FA9D0DE}" dt="2023-11-28T21:20:29.266" v="3386"/>
-          <ac:spMkLst>
-            <pc:docMk/>
-            <pc:sldMk cId="209826715" sldId="264"/>
-            <ac:spMk id="34" creationId="{01FDF571-1764-2878-100C-EBB78A7828C5}"/>
-          </ac:spMkLst>
-        </pc:spChg>
-        <pc:spChg chg="mod">
-          <ac:chgData name="Howard Zeng" userId="b3a49412108e13ba" providerId="LiveId" clId="{BCC94F81-CC70-406E-BFFC-3B9E7FA9D0DE}" dt="2023-11-28T21:20:29.266" v="3386"/>
-          <ac:spMkLst>
-            <pc:docMk/>
-            <pc:sldMk cId="209826715" sldId="264"/>
-            <ac:spMk id="35" creationId="{EFCB2D06-7802-4AF1-0E2B-920FD409C739}"/>
-          </ac:spMkLst>
-        </pc:spChg>
-        <pc:spChg chg="mod">
-          <ac:chgData name="Howard Zeng" userId="b3a49412108e13ba" providerId="LiveId" clId="{BCC94F81-CC70-406E-BFFC-3B9E7FA9D0DE}" dt="2023-11-28T21:20:29.266" v="3386"/>
-          <ac:spMkLst>
-            <pc:docMk/>
-            <pc:sldMk cId="209826715" sldId="264"/>
-            <ac:spMk id="36" creationId="{D12559D7-5E85-D824-5EF2-E4563B7A8347}"/>
-          </ac:spMkLst>
-        </pc:spChg>
-        <pc:spChg chg="mod">
-          <ac:chgData name="Howard Zeng" userId="b3a49412108e13ba" providerId="LiveId" clId="{BCC94F81-CC70-406E-BFFC-3B9E7FA9D0DE}" dt="2023-11-28T21:20:29.266" v="3386"/>
-          <ac:spMkLst>
-            <pc:docMk/>
-            <pc:sldMk cId="209826715" sldId="264"/>
-            <ac:spMk id="37" creationId="{94435A5D-907B-9C37-4958-BCEDC1699358}"/>
-          </ac:spMkLst>
-        </pc:spChg>
-        <pc:spChg chg="mod">
-          <ac:chgData name="Howard Zeng" userId="b3a49412108e13ba" providerId="LiveId" clId="{BCC94F81-CC70-406E-BFFC-3B9E7FA9D0DE}" dt="2023-11-28T21:20:29.266" v="3386"/>
-          <ac:spMkLst>
-            <pc:docMk/>
-            <pc:sldMk cId="209826715" sldId="264"/>
-            <ac:spMk id="38" creationId="{7CCE8354-8402-F594-3082-848B726629B5}"/>
-          </ac:spMkLst>
-        </pc:spChg>
-        <pc:spChg chg="mod">
-          <ac:chgData name="Howard Zeng" userId="b3a49412108e13ba" providerId="LiveId" clId="{BCC94F81-CC70-406E-BFFC-3B9E7FA9D0DE}" dt="2023-11-28T21:20:29.266" v="3386"/>
-          <ac:spMkLst>
-            <pc:docMk/>
-            <pc:sldMk cId="209826715" sldId="264"/>
-            <ac:spMk id="39" creationId="{AB042AFB-3797-6427-88A8-8C122BFE2E33}"/>
-          </ac:spMkLst>
-        </pc:spChg>
-        <pc:spChg chg="mod">
-          <ac:chgData name="Howard Zeng" userId="b3a49412108e13ba" providerId="LiveId" clId="{BCC94F81-CC70-406E-BFFC-3B9E7FA9D0DE}" dt="2023-11-28T21:20:29.266" v="3386"/>
-          <ac:spMkLst>
-            <pc:docMk/>
-            <pc:sldMk cId="209826715" sldId="264"/>
-            <ac:spMk id="40" creationId="{5451D15C-5753-4326-6597-085CD1708B1F}"/>
-          </ac:spMkLst>
-        </pc:spChg>
-        <pc:spChg chg="mod">
-          <ac:chgData name="Howard Zeng" userId="b3a49412108e13ba" providerId="LiveId" clId="{BCC94F81-CC70-406E-BFFC-3B9E7FA9D0DE}" dt="2023-11-28T21:20:29.266" v="3386"/>
-          <ac:spMkLst>
-            <pc:docMk/>
-            <pc:sldMk cId="209826715" sldId="264"/>
-            <ac:spMk id="41" creationId="{8FA9C833-D297-1AA2-C3C3-205FE87EA022}"/>
-          </ac:spMkLst>
-        </pc:spChg>
-        <pc:spChg chg="mod">
-          <ac:chgData name="Howard Zeng" userId="b3a49412108e13ba" providerId="LiveId" clId="{BCC94F81-CC70-406E-BFFC-3B9E7FA9D0DE}" dt="2023-11-28T21:20:29.266" v="3386"/>
-          <ac:spMkLst>
-            <pc:docMk/>
-            <pc:sldMk cId="209826715" sldId="264"/>
-            <ac:spMk id="42" creationId="{0C92A203-2EC3-53AE-88C5-7D8750C85F6E}"/>
-          </ac:spMkLst>
-        </pc:spChg>
-        <pc:spChg chg="mod">
-          <ac:chgData name="Howard Zeng" userId="b3a49412108e13ba" providerId="LiveId" clId="{BCC94F81-CC70-406E-BFFC-3B9E7FA9D0DE}" dt="2023-11-28T21:21:33.669" v="3398"/>
-          <ac:spMkLst>
-            <pc:docMk/>
-            <pc:sldMk cId="209826715" sldId="264"/>
-            <ac:spMk id="44" creationId="{EB30CD73-5814-7C5D-B50A-4529CC013828}"/>
-          </ac:spMkLst>
-        </pc:spChg>
-        <pc:spChg chg="mod">
-          <ac:chgData name="Howard Zeng" userId="b3a49412108e13ba" providerId="LiveId" clId="{BCC94F81-CC70-406E-BFFC-3B9E7FA9D0DE}" dt="2023-11-28T21:21:33.669" v="3398"/>
-          <ac:spMkLst>
-            <pc:docMk/>
-            <pc:sldMk cId="209826715" sldId="264"/>
-            <ac:spMk id="45" creationId="{A9839CCE-06E8-BC4B-8487-5FF47D3B1DC6}"/>
-          </ac:spMkLst>
-        </pc:spChg>
-        <pc:spChg chg="mod">
-          <ac:chgData name="Howard Zeng" userId="b3a49412108e13ba" providerId="LiveId" clId="{BCC94F81-CC70-406E-BFFC-3B9E7FA9D0DE}" dt="2023-11-28T21:21:33.669" v="3398"/>
-          <ac:spMkLst>
-            <pc:docMk/>
-            <pc:sldMk cId="209826715" sldId="264"/>
-            <ac:spMk id="46" creationId="{0D666461-F9FC-8980-EA7C-F0D2AADD3100}"/>
-          </ac:spMkLst>
-        </pc:spChg>
-        <pc:spChg chg="mod">
-          <ac:chgData name="Howard Zeng" userId="b3a49412108e13ba" providerId="LiveId" clId="{BCC94F81-CC70-406E-BFFC-3B9E7FA9D0DE}" dt="2023-11-28T21:21:33.669" v="3398"/>
-          <ac:spMkLst>
-            <pc:docMk/>
-            <pc:sldMk cId="209826715" sldId="264"/>
-            <ac:spMk id="47" creationId="{73E316A0-F1A3-5207-6462-F54E7797361F}"/>
-          </ac:spMkLst>
-        </pc:spChg>
-        <pc:spChg chg="mod">
-          <ac:chgData name="Howard Zeng" userId="b3a49412108e13ba" providerId="LiveId" clId="{BCC94F81-CC70-406E-BFFC-3B9E7FA9D0DE}" dt="2023-11-28T21:21:33.669" v="3398"/>
-          <ac:spMkLst>
-            <pc:docMk/>
-            <pc:sldMk cId="209826715" sldId="264"/>
-            <ac:spMk id="48" creationId="{B4B89CCB-C1CC-8F64-A158-587DCE982A12}"/>
-          </ac:spMkLst>
-        </pc:spChg>
-        <pc:spChg chg="mod">
-          <ac:chgData name="Howard Zeng" userId="b3a49412108e13ba" providerId="LiveId" clId="{BCC94F81-CC70-406E-BFFC-3B9E7FA9D0DE}" dt="2023-11-28T21:21:33.669" v="3398"/>
-          <ac:spMkLst>
-            <pc:docMk/>
-            <pc:sldMk cId="209826715" sldId="264"/>
-            <ac:spMk id="49" creationId="{2D216F04-8E60-0CAA-53CE-2FFF235CFD91}"/>
-          </ac:spMkLst>
-        </pc:spChg>
-        <pc:spChg chg="mod">
-          <ac:chgData name="Howard Zeng" userId="b3a49412108e13ba" providerId="LiveId" clId="{BCC94F81-CC70-406E-BFFC-3B9E7FA9D0DE}" dt="2023-11-28T21:21:33.669" v="3398"/>
-          <ac:spMkLst>
-            <pc:docMk/>
-            <pc:sldMk cId="209826715" sldId="264"/>
-            <ac:spMk id="50" creationId="{9494826A-A47E-CD9C-4D9C-D9CD5F425E8B}"/>
-          </ac:spMkLst>
-        </pc:spChg>
-        <pc:spChg chg="mod">
-          <ac:chgData name="Howard Zeng" userId="b3a49412108e13ba" providerId="LiveId" clId="{BCC94F81-CC70-406E-BFFC-3B9E7FA9D0DE}" dt="2023-11-28T21:21:33.669" v="3398"/>
-          <ac:spMkLst>
-            <pc:docMk/>
-            <pc:sldMk cId="209826715" sldId="264"/>
-            <ac:spMk id="51" creationId="{6089A9CE-ACC0-C3E7-84F5-6806F628D97D}"/>
-          </ac:spMkLst>
-        </pc:spChg>
-        <pc:spChg chg="mod">
-          <ac:chgData name="Howard Zeng" userId="b3a49412108e13ba" providerId="LiveId" clId="{BCC94F81-CC70-406E-BFFC-3B9E7FA9D0DE}" dt="2023-11-28T21:21:33.669" v="3398"/>
-          <ac:spMkLst>
-            <pc:docMk/>
-            <pc:sldMk cId="209826715" sldId="264"/>
-            <ac:spMk id="52" creationId="{8222851C-CD26-C5AF-0C09-D97584819430}"/>
-          </ac:spMkLst>
-        </pc:spChg>
-        <pc:spChg chg="mod">
-          <ac:chgData name="Howard Zeng" userId="b3a49412108e13ba" providerId="LiveId" clId="{BCC94F81-CC70-406E-BFFC-3B9E7FA9D0DE}" dt="2023-11-28T21:21:33.669" v="3398"/>
-          <ac:spMkLst>
-            <pc:docMk/>
-            <pc:sldMk cId="209826715" sldId="264"/>
-            <ac:spMk id="53" creationId="{01083BF1-A112-068C-C7E0-5265522FA070}"/>
-          </ac:spMkLst>
-        </pc:spChg>
-        <pc:spChg chg="mod">
-          <ac:chgData name="Howard Zeng" userId="b3a49412108e13ba" providerId="LiveId" clId="{BCC94F81-CC70-406E-BFFC-3B9E7FA9D0DE}" dt="2023-11-28T21:21:33.669" v="3398"/>
-          <ac:spMkLst>
-            <pc:docMk/>
-            <pc:sldMk cId="209826715" sldId="264"/>
-            <ac:spMk id="54" creationId="{967470F2-2488-4C59-B7B4-984859F0338E}"/>
-          </ac:spMkLst>
-        </pc:spChg>
-        <pc:spChg chg="mod">
-          <ac:chgData name="Howard Zeng" userId="b3a49412108e13ba" providerId="LiveId" clId="{BCC94F81-CC70-406E-BFFC-3B9E7FA9D0DE}" dt="2023-11-28T21:21:33.669" v="3398"/>
-          <ac:spMkLst>
-            <pc:docMk/>
-            <pc:sldMk cId="209826715" sldId="264"/>
-            <ac:spMk id="55" creationId="{4FAB028E-A6DD-18A3-8787-E903DCFA4596}"/>
-          </ac:spMkLst>
-        </pc:spChg>
-        <pc:spChg chg="mod">
-          <ac:chgData name="Howard Zeng" userId="b3a49412108e13ba" providerId="LiveId" clId="{BCC94F81-CC70-406E-BFFC-3B9E7FA9D0DE}" dt="2023-11-28T21:21:33.669" v="3398"/>
-          <ac:spMkLst>
-            <pc:docMk/>
-            <pc:sldMk cId="209826715" sldId="264"/>
-            <ac:spMk id="56" creationId="{0CA0801E-2A52-903C-5FC3-DBA307F2FF41}"/>
-          </ac:spMkLst>
-        </pc:spChg>
-        <pc:spChg chg="add del mod">
-          <ac:chgData name="Howard Zeng" userId="b3a49412108e13ba" providerId="LiveId" clId="{BCC94F81-CC70-406E-BFFC-3B9E7FA9D0DE}" dt="2023-11-28T21:21:49.111" v="3404" actId="478"/>
-          <ac:spMkLst>
-            <pc:docMk/>
-            <pc:sldMk cId="209826715" sldId="264"/>
-            <ac:spMk id="58" creationId="{AC5B007D-2CF5-A790-7C50-C2060044E926}"/>
-          </ac:spMkLst>
-        </pc:spChg>
-        <pc:spChg chg="add del mod">
-          <ac:chgData name="Howard Zeng" userId="b3a49412108e13ba" providerId="LiveId" clId="{BCC94F81-CC70-406E-BFFC-3B9E7FA9D0DE}" dt="2023-11-28T21:21:50.949" v="3406" actId="478"/>
-          <ac:spMkLst>
-            <pc:docMk/>
-            <pc:sldMk cId="209826715" sldId="264"/>
-            <ac:spMk id="60" creationId="{614ADB2D-E91F-1510-5682-5FD5F2BC500C}"/>
-          </ac:spMkLst>
-        </pc:spChg>
-        <pc:spChg chg="add">
-          <ac:chgData name="Howard Zeng" userId="b3a49412108e13ba" providerId="LiveId" clId="{BCC94F81-CC70-406E-BFFC-3B9E7FA9D0DE}" dt="2023-11-28T22:27:09.135" v="5220"/>
-          <ac:spMkLst>
-            <pc:docMk/>
-            <pc:sldMk cId="209826715" sldId="264"/>
-            <ac:spMk id="117" creationId="{57908DE9-5647-483E-B731-49D34A839B3F}"/>
-          </ac:spMkLst>
-        </pc:spChg>
-        <pc:spChg chg="add">
-          <ac:chgData name="Howard Zeng" userId="b3a49412108e13ba" providerId="LiveId" clId="{BCC94F81-CC70-406E-BFFC-3B9E7FA9D0DE}" dt="2023-11-28T22:27:09.135" v="5220"/>
-          <ac:spMkLst>
-            <pc:docMk/>
-            <pc:sldMk cId="209826715" sldId="264"/>
-            <ac:spMk id="118" creationId="{926962B4-5DCE-4745-A877-F7237DA68D7F}"/>
-          </ac:spMkLst>
-        </pc:spChg>
-        <pc:spChg chg="add">
-          <ac:chgData name="Howard Zeng" userId="b3a49412108e13ba" providerId="LiveId" clId="{BCC94F81-CC70-406E-BFFC-3B9E7FA9D0DE}" dt="2023-11-28T22:27:09.135" v="5220"/>
-          <ac:spMkLst>
-            <pc:docMk/>
-            <pc:sldMk cId="209826715" sldId="264"/>
-            <ac:spMk id="119" creationId="{FFC31C6D-653C-4C57-B226-ED6CE571F611}"/>
-          </ac:spMkLst>
-        </pc:spChg>
-        <pc:grpChg chg="add del mod">
-          <ac:chgData name="Howard Zeng" userId="b3a49412108e13ba" providerId="LiveId" clId="{BCC94F81-CC70-406E-BFFC-3B9E7FA9D0DE}" dt="2023-11-28T21:20:23.459" v="3382"/>
-          <ac:grpSpMkLst>
-            <pc:docMk/>
-            <pc:sldMk cId="209826715" sldId="264"/>
-            <ac:grpSpMk id="15" creationId="{D69F5AA8-0277-365C-9730-78324F405AFB}"/>
-          </ac:grpSpMkLst>
-        </pc:grpChg>
-        <pc:grpChg chg="add del mod">
-          <ac:chgData name="Howard Zeng" userId="b3a49412108e13ba" providerId="LiveId" clId="{BCC94F81-CC70-406E-BFFC-3B9E7FA9D0DE}" dt="2023-11-28T21:21:32.919" v="3397" actId="478"/>
-          <ac:grpSpMkLst>
-            <pc:docMk/>
-            <pc:sldMk cId="209826715" sldId="264"/>
-            <ac:grpSpMk id="29" creationId="{0CEF3075-624B-65B6-BC89-624B21BEAB86}"/>
-          </ac:grpSpMkLst>
-        </pc:grpChg>
-        <pc:grpChg chg="add del mod">
-          <ac:chgData name="Howard Zeng" userId="b3a49412108e13ba" providerId="LiveId" clId="{BCC94F81-CC70-406E-BFFC-3B9E7FA9D0DE}" dt="2023-11-28T21:21:52.503" v="3407" actId="478"/>
-          <ac:grpSpMkLst>
-            <pc:docMk/>
-            <pc:sldMk cId="209826715" sldId="264"/>
-            <ac:grpSpMk id="43" creationId="{E2F179B7-9922-C082-B576-F5570FA504E9}"/>
-          </ac:grpSpMkLst>
-        </pc:grpChg>
-        <pc:grpChg chg="add">
-          <ac:chgData name="Howard Zeng" userId="b3a49412108e13ba" providerId="LiveId" clId="{BCC94F81-CC70-406E-BFFC-3B9E7FA9D0DE}" dt="2023-11-28T22:27:09.135" v="5220"/>
-          <ac:grpSpMkLst>
-            <pc:docMk/>
-            <pc:sldMk cId="209826715" sldId="264"/>
-            <ac:grpSpMk id="120" creationId="{C310B041-3468-403A-926B-E3C1CF4433A2}"/>
-          </ac:grpSpMkLst>
-        </pc:grpChg>
-        <pc:graphicFrameChg chg="add del mod modGraphic">
-          <ac:chgData name="Howard Zeng" userId="b3a49412108e13ba" providerId="LiveId" clId="{BCC94F81-CC70-406E-BFFC-3B9E7FA9D0DE}" dt="2023-11-28T21:01:58.956" v="2716" actId="478"/>
-          <ac:graphicFrameMkLst>
-            <pc:docMk/>
-            <pc:sldMk cId="209826715" sldId="264"/>
-            <ac:graphicFrameMk id="4" creationId="{2C4BD738-E895-97F2-6138-D13F35FF9B20}"/>
-          </ac:graphicFrameMkLst>
-        </pc:graphicFrameChg>
-        <pc:graphicFrameChg chg="mod">
-          <ac:chgData name="Howard Zeng" userId="b3a49412108e13ba" providerId="LiveId" clId="{BCC94F81-CC70-406E-BFFC-3B9E7FA9D0DE}" dt="2023-11-28T22:08:44.757" v="4293"/>
-          <ac:graphicFrameMkLst>
-            <pc:docMk/>
-            <pc:sldMk cId="209826715" sldId="264"/>
-            <ac:graphicFrameMk id="127" creationId="{A3361961-0EFC-53A1-1D87-5FB93ED1897D}"/>
-          </ac:graphicFrameMkLst>
-        </pc:graphicFrameChg>
-        <pc:cxnChg chg="add del mod">
-          <ac:chgData name="Howard Zeng" userId="b3a49412108e13ba" providerId="LiveId" clId="{BCC94F81-CC70-406E-BFFC-3B9E7FA9D0DE}" dt="2023-11-28T21:05:12.838" v="2900" actId="21"/>
-          <ac:cxnSpMkLst>
-            <pc:docMk/>
-            <pc:sldMk cId="209826715" sldId="264"/>
-            <ac:cxnSpMk id="11" creationId="{22D2F7FE-1F9F-A085-007E-DA345A342503}"/>
-          </ac:cxnSpMkLst>
-        </pc:cxnChg>
       </pc:sldChg>
-      <pc:sldChg chg="addSp delSp modSp add del mod">
-        <pc:chgData name="Howard Zeng" userId="b3a49412108e13ba" providerId="LiveId" clId="{BCC94F81-CC70-406E-BFFC-3B9E7FA9D0DE}" dt="2023-11-28T22:27:09.135" v="5220"/>
-        <pc:sldMkLst>
-          <pc:docMk/>
-          <pc:sldMk cId="678057729" sldId="265"/>
-        </pc:sldMkLst>
-        <pc:spChg chg="del">
-          <ac:chgData name="Howard Zeng" userId="b3a49412108e13ba" providerId="LiveId" clId="{BCC94F81-CC70-406E-BFFC-3B9E7FA9D0DE}" dt="2023-11-28T20:36:44.616" v="1879" actId="478"/>
-          <ac:spMkLst>
-            <pc:docMk/>
-            <pc:sldMk cId="678057729" sldId="265"/>
-            <ac:spMk id="2" creationId="{A28A7C5A-652F-9093-FC44-BCD72C6595F0}"/>
-          </ac:spMkLst>
-        </pc:spChg>
-        <pc:spChg chg="add del mod">
-          <ac:chgData name="Howard Zeng" userId="b3a49412108e13ba" providerId="LiveId" clId="{BCC94F81-CC70-406E-BFFC-3B9E7FA9D0DE}" dt="2023-11-28T20:36:46.489" v="1882" actId="478"/>
-          <ac:spMkLst>
-            <pc:docMk/>
-            <pc:sldMk cId="678057729" sldId="265"/>
-            <ac:spMk id="4" creationId="{CCB235A0-BED4-C237-5FFC-A70B2514E03C}"/>
-          </ac:spMkLst>
-        </pc:spChg>
-        <pc:spChg chg="add del mod">
-          <ac:chgData name="Howard Zeng" userId="b3a49412108e13ba" providerId="LiveId" clId="{BCC94F81-CC70-406E-BFFC-3B9E7FA9D0DE}" dt="2023-11-28T20:36:46.009" v="1881" actId="478"/>
-          <ac:spMkLst>
-            <pc:docMk/>
-            <pc:sldMk cId="678057729" sldId="265"/>
-            <ac:spMk id="9" creationId="{CC161FE8-6911-0176-012A-30E0AB842E50}"/>
-          </ac:spMkLst>
-        </pc:spChg>
-        <pc:picChg chg="del">
-          <ac:chgData name="Howard Zeng" userId="b3a49412108e13ba" providerId="LiveId" clId="{BCC94F81-CC70-406E-BFFC-3B9E7FA9D0DE}" dt="2023-11-28T20:36:40.239" v="1876" actId="478"/>
-          <ac:picMkLst>
-            <pc:docMk/>
-            <pc:sldMk cId="678057729" sldId="265"/>
-            <ac:picMk id="5" creationId="{1DB13076-4348-5E7C-EEB4-BF9DF4AEDCCE}"/>
-          </ac:picMkLst>
-        </pc:picChg>
-        <pc:picChg chg="add del mod">
-          <ac:chgData name="Howard Zeng" userId="b3a49412108e13ba" providerId="LiveId" clId="{BCC94F81-CC70-406E-BFFC-3B9E7FA9D0DE}" dt="2023-11-28T20:40:58.707" v="1915" actId="21"/>
-          <ac:picMkLst>
-            <pc:docMk/>
-            <pc:sldMk cId="678057729" sldId="265"/>
-            <ac:picMk id="7" creationId="{D666E5EB-14CB-2FF7-82C0-E7578C3DB9FC}"/>
-          </ac:picMkLst>
-        </pc:picChg>
-        <pc:picChg chg="add del mod">
-          <ac:chgData name="Howard Zeng" userId="b3a49412108e13ba" providerId="LiveId" clId="{BCC94F81-CC70-406E-BFFC-3B9E7FA9D0DE}" dt="2023-11-28T20:41:19.614" v="1923" actId="21"/>
-          <ac:picMkLst>
-            <pc:docMk/>
-            <pc:sldMk cId="678057729" sldId="265"/>
-            <ac:picMk id="10" creationId="{612D2D9E-3AE9-689F-74ED-C0F18096CD9E}"/>
-          </ac:picMkLst>
-        </pc:picChg>
-        <pc:picChg chg="add mod">
-          <ac:chgData name="Howard Zeng" userId="b3a49412108e13ba" providerId="LiveId" clId="{BCC94F81-CC70-406E-BFFC-3B9E7FA9D0DE}" dt="2023-11-28T20:41:37.317" v="1930" actId="1076"/>
-          <ac:picMkLst>
-            <pc:docMk/>
-            <pc:sldMk cId="678057729" sldId="265"/>
-            <ac:picMk id="11" creationId="{D409CCAF-DFD9-6995-E663-FA0C4BA27DF4}"/>
-          </ac:picMkLst>
-        </pc:picChg>
-      </pc:sldChg>
-      <pc:sldChg chg="addSp delSp modSp add del mod setBg">
-        <pc:chgData name="Howard Zeng" userId="b3a49412108e13ba" providerId="LiveId" clId="{BCC94F81-CC70-406E-BFFC-3B9E7FA9D0DE}" dt="2023-11-28T22:27:09.135" v="5220"/>
-        <pc:sldMkLst>
-          <pc:docMk/>
-          <pc:sldMk cId="2080524993" sldId="266"/>
-        </pc:sldMkLst>
-        <pc:spChg chg="del mod">
-          <ac:chgData name="Howard Zeng" userId="b3a49412108e13ba" providerId="LiveId" clId="{BCC94F81-CC70-406E-BFFC-3B9E7FA9D0DE}" dt="2023-11-28T20:41:57.324" v="1937" actId="478"/>
-          <ac:spMkLst>
-            <pc:docMk/>
-            <pc:sldMk cId="2080524993" sldId="266"/>
-            <ac:spMk id="2" creationId="{A28A7C5A-652F-9093-FC44-BCD72C6595F0}"/>
-          </ac:spMkLst>
-        </pc:spChg>
-        <pc:spChg chg="add del mod">
-          <ac:chgData name="Howard Zeng" userId="b3a49412108e13ba" providerId="LiveId" clId="{BCC94F81-CC70-406E-BFFC-3B9E7FA9D0DE}" dt="2023-11-28T20:41:56.262" v="1935" actId="478"/>
-          <ac:spMkLst>
-            <pc:docMk/>
-            <pc:sldMk cId="2080524993" sldId="266"/>
-            <ac:spMk id="4" creationId="{BE48F45D-8581-B80C-6025-52BFBDC55712}"/>
-          </ac:spMkLst>
-        </pc:spChg>
-        <pc:spChg chg="add del mod">
-          <ac:chgData name="Howard Zeng" userId="b3a49412108e13ba" providerId="LiveId" clId="{BCC94F81-CC70-406E-BFFC-3B9E7FA9D0DE}" dt="2023-11-28T20:41:58.808" v="1938" actId="478"/>
-          <ac:spMkLst>
-            <pc:docMk/>
-            <pc:sldMk cId="2080524993" sldId="266"/>
-            <ac:spMk id="9" creationId="{DC924F18-4DC4-DCB1-0ECC-A1B2CAE506EA}"/>
-          </ac:spMkLst>
-        </pc:spChg>
-        <pc:picChg chg="add del mod">
-          <ac:chgData name="Howard Zeng" userId="b3a49412108e13ba" providerId="LiveId" clId="{BCC94F81-CC70-406E-BFFC-3B9E7FA9D0DE}" dt="2023-11-28T22:15:05.807" v="5064" actId="21"/>
-          <ac:picMkLst>
-            <pc:docMk/>
-            <pc:sldMk cId="2080524993" sldId="266"/>
-            <ac:picMk id="2" creationId="{29497358-DF7C-7766-2380-515D503413C0}"/>
-          </ac:picMkLst>
-        </pc:picChg>
-        <pc:picChg chg="add mod">
-          <ac:chgData name="Howard Zeng" userId="b3a49412108e13ba" providerId="LiveId" clId="{BCC94F81-CC70-406E-BFFC-3B9E7FA9D0DE}" dt="2023-11-28T22:15:13.208" v="5067" actId="1076"/>
-          <ac:picMkLst>
-            <pc:docMk/>
-            <pc:sldMk cId="2080524993" sldId="266"/>
-            <ac:picMk id="3" creationId="{81B08E27-C011-8223-52A0-200F7C48FD2F}"/>
-          </ac:picMkLst>
-        </pc:picChg>
-        <pc:picChg chg="del">
-          <ac:chgData name="Howard Zeng" userId="b3a49412108e13ba" providerId="LiveId" clId="{BCC94F81-CC70-406E-BFFC-3B9E7FA9D0DE}" dt="2023-11-28T20:37:55.885" v="1903" actId="478"/>
-          <ac:picMkLst>
-            <pc:docMk/>
-            <pc:sldMk cId="2080524993" sldId="266"/>
-            <ac:picMk id="5" creationId="{1DB13076-4348-5E7C-EEB4-BF9DF4AEDCCE}"/>
-          </ac:picMkLst>
-        </pc:picChg>
-        <pc:picChg chg="add del mod ord">
-          <ac:chgData name="Howard Zeng" userId="b3a49412108e13ba" providerId="LiveId" clId="{BCC94F81-CC70-406E-BFFC-3B9E7FA9D0DE}" dt="2023-11-28T20:41:52.373" v="1934" actId="22"/>
-          <ac:picMkLst>
-            <pc:docMk/>
-            <pc:sldMk cId="2080524993" sldId="266"/>
-            <ac:picMk id="7" creationId="{11C66A05-4764-6877-3D0B-88FDFD0BE331}"/>
-          </ac:picMkLst>
-        </pc:picChg>
-        <pc:picChg chg="add del mod">
-          <ac:chgData name="Howard Zeng" userId="b3a49412108e13ba" providerId="LiveId" clId="{BCC94F81-CC70-406E-BFFC-3B9E7FA9D0DE}" dt="2023-11-28T22:14:09.579" v="4690" actId="21"/>
-          <ac:picMkLst>
-            <pc:docMk/>
-            <pc:sldMk cId="2080524993" sldId="266"/>
-            <ac:picMk id="11" creationId="{2687C05B-3790-2AB7-8C4F-4A04516129B2}"/>
-          </ac:picMkLst>
-        </pc:picChg>
-      </pc:sldChg>
-      <pc:sldChg chg="addSp delSp modSp add del mod ord setBg delAnim">
-        <pc:chgData name="Howard Zeng" userId="b3a49412108e13ba" providerId="LiveId" clId="{BCC94F81-CC70-406E-BFFC-3B9E7FA9D0DE}" dt="2023-11-28T22:13:57.034" v="4687" actId="2696"/>
-        <pc:sldMkLst>
-          <pc:docMk/>
-          <pc:sldMk cId="3563214503" sldId="267"/>
-        </pc:sldMkLst>
-        <pc:spChg chg="del mod">
-          <ac:chgData name="Howard Zeng" userId="b3a49412108e13ba" providerId="LiveId" clId="{BCC94F81-CC70-406E-BFFC-3B9E7FA9D0DE}" dt="2023-11-28T22:13:37.576" v="4683" actId="21"/>
-          <ac:spMkLst>
-            <pc:docMk/>
-            <pc:sldMk cId="3563214503" sldId="267"/>
-            <ac:spMk id="2" creationId="{A28A7C5A-652F-9093-FC44-BCD72C6595F0}"/>
-          </ac:spMkLst>
-        </pc:spChg>
-        <pc:spChg chg="add del mod">
-          <ac:chgData name="Howard Zeng" userId="b3a49412108e13ba" providerId="LiveId" clId="{BCC94F81-CC70-406E-BFFC-3B9E7FA9D0DE}" dt="2023-11-28T20:42:44.925" v="1943" actId="478"/>
-          <ac:spMkLst>
-            <pc:docMk/>
-            <pc:sldMk cId="3563214503" sldId="267"/>
-            <ac:spMk id="4" creationId="{C299253D-92A2-0255-DF0D-C280F82000BD}"/>
-          </ac:spMkLst>
-        </pc:spChg>
-        <pc:spChg chg="add mod">
-          <ac:chgData name="Howard Zeng" userId="b3a49412108e13ba" providerId="LiveId" clId="{BCC94F81-CC70-406E-BFFC-3B9E7FA9D0DE}" dt="2023-11-28T22:13:37.576" v="4683" actId="21"/>
-          <ac:spMkLst>
-            <pc:docMk/>
-            <pc:sldMk cId="3563214503" sldId="267"/>
-            <ac:spMk id="6" creationId="{1C0EDCBB-16B4-A777-ED82-0B0C3EB4F399}"/>
-          </ac:spMkLst>
-        </pc:spChg>
-        <pc:picChg chg="add del mod">
-          <ac:chgData name="Howard Zeng" userId="b3a49412108e13ba" providerId="LiveId" clId="{BCC94F81-CC70-406E-BFFC-3B9E7FA9D0DE}" dt="2023-11-28T22:13:28.939" v="4680" actId="21"/>
-          <ac:picMkLst>
-            <pc:docMk/>
-            <pc:sldMk cId="3563214503" sldId="267"/>
-            <ac:picMk id="3" creationId="{9333BC1F-E80B-7271-322A-45AF84DC600D}"/>
-          </ac:picMkLst>
-        </pc:picChg>
-        <pc:picChg chg="del">
-          <ac:chgData name="Howard Zeng" userId="b3a49412108e13ba" providerId="LiveId" clId="{BCC94F81-CC70-406E-BFFC-3B9E7FA9D0DE}" dt="2023-11-28T22:11:56.295" v="4421" actId="21"/>
-          <ac:picMkLst>
-            <pc:docMk/>
-            <pc:sldMk cId="3563214503" sldId="267"/>
-            <ac:picMk id="4" creationId="{4624B807-B1D7-EBB5-94ED-45E7E6BB8B20}"/>
-          </ac:picMkLst>
-        </pc:picChg>
-        <pc:picChg chg="del">
-          <ac:chgData name="Howard Zeng" userId="b3a49412108e13ba" providerId="LiveId" clId="{BCC94F81-CC70-406E-BFFC-3B9E7FA9D0DE}" dt="2023-11-28T20:42:42.115" v="1940" actId="478"/>
-          <ac:picMkLst>
-            <pc:docMk/>
-            <pc:sldMk cId="3563214503" sldId="267"/>
-            <ac:picMk id="5" creationId="{1DB13076-4348-5E7C-EEB4-BF9DF4AEDCCE}"/>
-          </ac:picMkLst>
-        </pc:picChg>
-        <pc:picChg chg="add mod">
-          <ac:chgData name="Howard Zeng" userId="b3a49412108e13ba" providerId="LiveId" clId="{BCC94F81-CC70-406E-BFFC-3B9E7FA9D0DE}" dt="2023-11-28T20:43:03.714" v="1948" actId="14100"/>
-          <ac:picMkLst>
-            <pc:docMk/>
-            <pc:sldMk cId="3563214503" sldId="267"/>
-            <ac:picMk id="7" creationId="{1B0627C9-DDED-1410-28B5-B6DEC8EA6706}"/>
-          </ac:picMkLst>
-        </pc:picChg>
-      </pc:sldChg>
-      <pc:sldChg chg="addSp modSp new mod delDesignElem">
-        <pc:chgData name="Howard Zeng" userId="b3a49412108e13ba" providerId="LiveId" clId="{BCC94F81-CC70-406E-BFFC-3B9E7FA9D0DE}" dt="2023-11-28T22:27:09.135" v="5220"/>
-        <pc:sldMkLst>
-          <pc:docMk/>
-          <pc:sldMk cId="3311984560" sldId="268"/>
-        </pc:sldMkLst>
-        <pc:spChg chg="mod">
-          <ac:chgData name="Howard Zeng" userId="b3a49412108e13ba" providerId="LiveId" clId="{BCC94F81-CC70-406E-BFFC-3B9E7FA9D0DE}" dt="2023-11-28T22:03:13.308" v="4092"/>
-          <ac:spMkLst>
-            <pc:docMk/>
-            <pc:sldMk cId="3311984560" sldId="268"/>
-            <ac:spMk id="2" creationId="{5A30A51E-4145-B848-B7C0-750F73549FB7}"/>
-          </ac:spMkLst>
-        </pc:spChg>
-        <pc:spChg chg="add">
-          <ac:chgData name="Howard Zeng" userId="b3a49412108e13ba" providerId="LiveId" clId="{BCC94F81-CC70-406E-BFFC-3B9E7FA9D0DE}" dt="2023-11-28T22:27:09.135" v="5220"/>
-          <ac:spMkLst>
-            <pc:docMk/>
-            <pc:sldMk cId="3311984560" sldId="268"/>
-            <ac:spMk id="46" creationId="{99B5B3C5-A599-465B-B2B9-866E8B2087CE}"/>
-          </ac:spMkLst>
-        </pc:spChg>
-        <pc:spChg chg="add">
-          <ac:chgData name="Howard Zeng" userId="b3a49412108e13ba" providerId="LiveId" clId="{BCC94F81-CC70-406E-BFFC-3B9E7FA9D0DE}" dt="2023-11-28T22:27:09.135" v="5220"/>
-          <ac:spMkLst>
-            <pc:docMk/>
-            <pc:sldMk cId="3311984560" sldId="268"/>
-            <ac:spMk id="48" creationId="{25C84982-7DD0-43B1-8A2D-BFA4DF1B4E60}"/>
-          </ac:spMkLst>
-        </pc:spChg>
-        <pc:spChg chg="add">
-          <ac:chgData name="Howard Zeng" userId="b3a49412108e13ba" providerId="LiveId" clId="{BCC94F81-CC70-406E-BFFC-3B9E7FA9D0DE}" dt="2023-11-28T22:27:09.135" v="5220"/>
-          <ac:spMkLst>
-            <pc:docMk/>
-            <pc:sldMk cId="3311984560" sldId="268"/>
-            <ac:spMk id="67" creationId="{E2748806-3AF5-4078-830A-C1F26BF1B200}"/>
-          </ac:spMkLst>
-        </pc:spChg>
-        <pc:spChg chg="add">
-          <ac:chgData name="Howard Zeng" userId="b3a49412108e13ba" providerId="LiveId" clId="{BCC94F81-CC70-406E-BFFC-3B9E7FA9D0DE}" dt="2023-11-28T22:27:09.135" v="5220"/>
-          <ac:spMkLst>
-            <pc:docMk/>
-            <pc:sldMk cId="3311984560" sldId="268"/>
-            <ac:spMk id="69" creationId="{36C5C053-F6BB-464B-BDD2-9D811A2494A2}"/>
-          </ac:spMkLst>
-        </pc:spChg>
-        <pc:spChg chg="add">
-          <ac:chgData name="Howard Zeng" userId="b3a49412108e13ba" providerId="LiveId" clId="{BCC94F81-CC70-406E-BFFC-3B9E7FA9D0DE}" dt="2023-11-28T22:27:09.135" v="5220"/>
-          <ac:spMkLst>
-            <pc:docMk/>
-            <pc:sldMk cId="3311984560" sldId="268"/>
-            <ac:spMk id="71" creationId="{8315D1CC-8D02-4016-AD7A-097E77AAE387}"/>
-          </ac:spMkLst>
-        </pc:spChg>
-        <pc:spChg chg="add">
-          <ac:chgData name="Howard Zeng" userId="b3a49412108e13ba" providerId="LiveId" clId="{BCC94F81-CC70-406E-BFFC-3B9E7FA9D0DE}" dt="2023-11-28T22:27:09.135" v="5220"/>
-          <ac:spMkLst>
-            <pc:docMk/>
-            <pc:sldMk cId="3311984560" sldId="268"/>
-            <ac:spMk id="73" creationId="{1CB84D5D-9C64-4481-B8AD-C109F7DB3FC6}"/>
-          </ac:spMkLst>
-        </pc:spChg>
-        <pc:spChg chg="add">
-          <ac:chgData name="Howard Zeng" userId="b3a49412108e13ba" providerId="LiveId" clId="{BCC94F81-CC70-406E-BFFC-3B9E7FA9D0DE}" dt="2023-11-28T22:27:09.135" v="5220"/>
-          <ac:spMkLst>
-            <pc:docMk/>
-            <pc:sldMk cId="3311984560" sldId="268"/>
-            <ac:spMk id="75" creationId="{01A9D26D-082A-4101-8D75-863B7B7AB81D}"/>
-          </ac:spMkLst>
-        </pc:spChg>
-        <pc:spChg chg="add">
-          <ac:chgData name="Howard Zeng" userId="b3a49412108e13ba" providerId="LiveId" clId="{BCC94F81-CC70-406E-BFFC-3B9E7FA9D0DE}" dt="2023-11-28T22:27:09.135" v="5220"/>
-          <ac:spMkLst>
-            <pc:docMk/>
-            <pc:sldMk cId="3311984560" sldId="268"/>
-            <ac:spMk id="77" creationId="{A0FE0BA4-FE6E-4B91-9A1B-E373720BD3D5}"/>
-          </ac:spMkLst>
-        </pc:spChg>
-        <pc:spChg chg="add">
-          <ac:chgData name="Howard Zeng" userId="b3a49412108e13ba" providerId="LiveId" clId="{BCC94F81-CC70-406E-BFFC-3B9E7FA9D0DE}" dt="2023-11-28T22:27:09.135" v="5220"/>
-          <ac:spMkLst>
-            <pc:docMk/>
-            <pc:sldMk cId="3311984560" sldId="268"/>
-            <ac:spMk id="79" creationId="{80E6F154-6DA5-4544-8945-8AF8DE20A63E}"/>
-          </ac:spMkLst>
-        </pc:spChg>
-        <pc:spChg chg="add">
-          <ac:chgData name="Howard Zeng" userId="b3a49412108e13ba" providerId="LiveId" clId="{BCC94F81-CC70-406E-BFFC-3B9E7FA9D0DE}" dt="2023-11-28T22:27:09.135" v="5220"/>
-          <ac:spMkLst>
-            <pc:docMk/>
-            <pc:sldMk cId="3311984560" sldId="268"/>
-            <ac:spMk id="81" creationId="{85558ED7-8ED9-4B7F-8138-C5B8A0EC1937}"/>
-          </ac:spMkLst>
-        </pc:spChg>
-        <pc:spChg chg="add">
-          <ac:chgData name="Howard Zeng" userId="b3a49412108e13ba" providerId="LiveId" clId="{BCC94F81-CC70-406E-BFFC-3B9E7FA9D0DE}" dt="2023-11-28T22:27:09.135" v="5220"/>
-          <ac:spMkLst>
-            <pc:docMk/>
-            <pc:sldMk cId="3311984560" sldId="268"/>
-            <ac:spMk id="83" creationId="{13E9F88F-5950-42B0-B9A3-898F91835B3F}"/>
-          </ac:spMkLst>
-        </pc:spChg>
-        <pc:spChg chg="add">
-          <ac:chgData name="Howard Zeng" userId="b3a49412108e13ba" providerId="LiveId" clId="{BCC94F81-CC70-406E-BFFC-3B9E7FA9D0DE}" dt="2023-11-28T22:27:09.135" v="5220"/>
-          <ac:spMkLst>
-            <pc:docMk/>
-            <pc:sldMk cId="3311984560" sldId="268"/>
-            <ac:spMk id="85" creationId="{34FBEBF3-C941-4CB0-8AC2-3B50E1371BBF}"/>
-          </ac:spMkLst>
-        </pc:spChg>
-        <pc:grpChg chg="add">
-          <ac:chgData name="Howard Zeng" userId="b3a49412108e13ba" providerId="LiveId" clId="{BCC94F81-CC70-406E-BFFC-3B9E7FA9D0DE}" dt="2023-11-28T22:27:09.135" v="5220"/>
-          <ac:grpSpMkLst>
-            <pc:docMk/>
-            <pc:sldMk cId="3311984560" sldId="268"/>
-            <ac:grpSpMk id="50" creationId="{1D912E1C-3BBA-42F0-A3EE-FEC382E7230A}"/>
-          </ac:grpSpMkLst>
-        </pc:grpChg>
-      </pc:sldChg>
-      <pc:sldChg chg="addSp delSp modSp new add del mod delDesignElem">
-        <pc:chgData name="Howard Zeng" userId="b3a49412108e13ba" providerId="LiveId" clId="{BCC94F81-CC70-406E-BFFC-3B9E7FA9D0DE}" dt="2023-11-28T22:27:09.135" v="5220"/>
-        <pc:sldMkLst>
-          <pc:docMk/>
-          <pc:sldMk cId="3919474522" sldId="269"/>
-        </pc:sldMkLst>
-        <pc:spChg chg="mod">
-          <ac:chgData name="Howard Zeng" userId="b3a49412108e13ba" providerId="LiveId" clId="{BCC94F81-CC70-406E-BFFC-3B9E7FA9D0DE}" dt="2023-11-28T22:03:13.322" v="4094" actId="947"/>
-          <ac:spMkLst>
-            <pc:docMk/>
-            <pc:sldMk cId="3919474522" sldId="269"/>
-            <ac:spMk id="2" creationId="{126FD4B2-1DB6-D3CC-CBAF-76B4CC06BF38}"/>
-          </ac:spMkLst>
-        </pc:spChg>
-        <pc:spChg chg="del">
-          <ac:chgData name="Howard Zeng" userId="b3a49412108e13ba" providerId="LiveId" clId="{BCC94F81-CC70-406E-BFFC-3B9E7FA9D0DE}" dt="2023-11-28T20:52:38.529" v="2701" actId="478"/>
-          <ac:spMkLst>
-            <pc:docMk/>
-            <pc:sldMk cId="3919474522" sldId="269"/>
-            <ac:spMk id="3" creationId="{2AB376E4-028B-E3DD-E6F2-507550D4D44B}"/>
-          </ac:spMkLst>
-        </pc:spChg>
-        <pc:spChg chg="add">
-          <ac:chgData name="Howard Zeng" userId="b3a49412108e13ba" providerId="LiveId" clId="{BCC94F81-CC70-406E-BFFC-3B9E7FA9D0DE}" dt="2023-11-28T22:27:09.135" v="5220"/>
-          <ac:spMkLst>
-            <pc:docMk/>
-            <pc:sldMk cId="3919474522" sldId="269"/>
-            <ac:spMk id="46" creationId="{E2748806-3AF5-4078-830A-C1F26BF1B200}"/>
-          </ac:spMkLst>
-        </pc:spChg>
-        <pc:spChg chg="add">
-          <ac:chgData name="Howard Zeng" userId="b3a49412108e13ba" providerId="LiveId" clId="{BCC94F81-CC70-406E-BFFC-3B9E7FA9D0DE}" dt="2023-11-28T22:27:09.135" v="5220"/>
-          <ac:spMkLst>
-            <pc:docMk/>
-            <pc:sldMk cId="3919474522" sldId="269"/>
-            <ac:spMk id="48" creationId="{34FBEBF3-C941-4CB0-8AC2-3B50E1371BBF}"/>
-          </ac:spMkLst>
-        </pc:spChg>
-        <pc:grpChg chg="add">
-          <ac:chgData name="Howard Zeng" userId="b3a49412108e13ba" providerId="LiveId" clId="{BCC94F81-CC70-406E-BFFC-3B9E7FA9D0DE}" dt="2023-11-28T22:27:09.135" v="5220"/>
-          <ac:grpSpMkLst>
-            <pc:docMk/>
-            <pc:sldMk cId="3919474522" sldId="269"/>
-            <ac:grpSpMk id="50" creationId="{AFCA5498-D019-48A6-B194-72CE1ABB0B3A}"/>
-          </ac:grpSpMkLst>
-        </pc:grpChg>
-      </pc:sldChg>
-      <pc:sldChg chg="addSp delSp modSp new mod ord addCm delCm">
-        <pc:chgData name="Howard Zeng" userId="b3a49412108e13ba" providerId="LiveId" clId="{BCC94F81-CC70-406E-BFFC-3B9E7FA9D0DE}" dt="2023-11-28T22:05:07.959" v="4282" actId="1076"/>
-        <pc:sldMkLst>
-          <pc:docMk/>
-          <pc:sldMk cId="4264775049" sldId="270"/>
-        </pc:sldMkLst>
-        <pc:spChg chg="add del mod">
-          <ac:chgData name="Howard Zeng" userId="b3a49412108e13ba" providerId="LiveId" clId="{BCC94F81-CC70-406E-BFFC-3B9E7FA9D0DE}" dt="2023-11-28T21:13:21.769" v="3255" actId="21"/>
-          <ac:spMkLst>
-            <pc:docMk/>
-            <pc:sldMk cId="4264775049" sldId="270"/>
-            <ac:spMk id="2" creationId="{18ACCE65-1265-F9F5-70A8-B34B4557E4CD}"/>
-          </ac:spMkLst>
-        </pc:spChg>
-        <pc:spChg chg="add del mod topLvl">
-          <ac:chgData name="Howard Zeng" userId="b3a49412108e13ba" providerId="LiveId" clId="{BCC94F81-CC70-406E-BFFC-3B9E7FA9D0DE}" dt="2023-11-28T21:59:11.863" v="3670" actId="478"/>
-          <ac:spMkLst>
-            <pc:docMk/>
-            <pc:sldMk cId="4264775049" sldId="270"/>
-            <ac:spMk id="3" creationId="{7ED807CA-3C74-1B35-04EB-8504546F505D}"/>
-          </ac:spMkLst>
-        </pc:spChg>
-        <pc:spChg chg="add del mod">
-          <ac:chgData name="Howard Zeng" userId="b3a49412108e13ba" providerId="LiveId" clId="{BCC94F81-CC70-406E-BFFC-3B9E7FA9D0DE}" dt="2023-11-28T21:13:21.769" v="3255" actId="21"/>
-          <ac:spMkLst>
-            <pc:docMk/>
-            <pc:sldMk cId="4264775049" sldId="270"/>
-            <ac:spMk id="4" creationId="{6B689394-2ADE-7B2C-0F45-6865E7A50CEF}"/>
-          </ac:spMkLst>
-        </pc:spChg>
-        <pc:spChg chg="add del mod">
-          <ac:chgData name="Howard Zeng" userId="b3a49412108e13ba" providerId="LiveId" clId="{BCC94F81-CC70-406E-BFFC-3B9E7FA9D0DE}" dt="2023-11-28T21:13:21.769" v="3255" actId="21"/>
-          <ac:spMkLst>
-            <pc:docMk/>
-            <pc:sldMk cId="4264775049" sldId="270"/>
-            <ac:spMk id="5" creationId="{4D606A6B-768C-1615-54FD-5839123B292B}"/>
-          </ac:spMkLst>
-        </pc:spChg>
-        <pc:spChg chg="add del mod topLvl">
-          <ac:chgData name="Howard Zeng" userId="b3a49412108e13ba" providerId="LiveId" clId="{BCC94F81-CC70-406E-BFFC-3B9E7FA9D0DE}" dt="2023-11-28T21:55:33.037" v="3616" actId="478"/>
-          <ac:spMkLst>
-            <pc:docMk/>
-            <pc:sldMk cId="4264775049" sldId="270"/>
-            <ac:spMk id="6" creationId="{AABEC764-2E4F-9FB5-B8B0-6ACA3E3CBD34}"/>
-          </ac:spMkLst>
-        </pc:spChg>
-        <pc:spChg chg="add del mod topLvl">
-          <ac:chgData name="Howard Zeng" userId="b3a49412108e13ba" providerId="LiveId" clId="{BCC94F81-CC70-406E-BFFC-3B9E7FA9D0DE}" dt="2023-11-28T22:04:43.459" v="4278" actId="164"/>
-          <ac:spMkLst>
-            <pc:docMk/>
-            <pc:sldMk cId="4264775049" sldId="270"/>
-            <ac:spMk id="7" creationId="{AED7C3B8-F8CE-11AA-04A8-4CB0CC0D4601}"/>
-          </ac:spMkLst>
-        </pc:spChg>
-        <pc:spChg chg="add del mod">
-          <ac:chgData name="Howard Zeng" userId="b3a49412108e13ba" providerId="LiveId" clId="{BCC94F81-CC70-406E-BFFC-3B9E7FA9D0DE}" dt="2023-11-28T21:08:41.307" v="3058"/>
-          <ac:spMkLst>
-            <pc:docMk/>
-            <pc:sldMk cId="4264775049" sldId="270"/>
-            <ac:spMk id="9" creationId="{270D6F2F-E259-5413-A5B5-0087ACCE8A4E}"/>
-          </ac:spMkLst>
-        </pc:spChg>
-        <pc:spChg chg="add del mod topLvl">
-          <ac:chgData name="Howard Zeng" userId="b3a49412108e13ba" providerId="LiveId" clId="{BCC94F81-CC70-406E-BFFC-3B9E7FA9D0DE}" dt="2023-11-28T22:04:43.459" v="4278" actId="164"/>
-          <ac:spMkLst>
-            <pc:docMk/>
-            <pc:sldMk cId="4264775049" sldId="270"/>
-            <ac:spMk id="10" creationId="{622C73FF-9784-73E7-CDC8-07DD10E4D635}"/>
-          </ac:spMkLst>
-        </pc:spChg>
-        <pc:spChg chg="add del mod">
-          <ac:chgData name="Howard Zeng" userId="b3a49412108e13ba" providerId="LiveId" clId="{BCC94F81-CC70-406E-BFFC-3B9E7FA9D0DE}" dt="2023-11-28T21:13:21.769" v="3255" actId="21"/>
-          <ac:spMkLst>
-            <pc:docMk/>
-            <pc:sldMk cId="4264775049" sldId="270"/>
-            <ac:spMk id="11" creationId="{078FA6C8-47B1-DBD7-F1BD-7FDB404BEFA2}"/>
-          </ac:spMkLst>
-        </pc:spChg>
-        <pc:spChg chg="add del mod topLvl">
-          <ac:chgData name="Howard Zeng" userId="b3a49412108e13ba" providerId="LiveId" clId="{BCC94F81-CC70-406E-BFFC-3B9E7FA9D0DE}" dt="2023-11-28T22:00:15.295" v="3692" actId="478"/>
-          <ac:spMkLst>
-            <pc:docMk/>
-            <pc:sldMk cId="4264775049" sldId="270"/>
-            <ac:spMk id="12" creationId="{0885F027-9632-197C-3205-7445BEDD0841}"/>
-          </ac:spMkLst>
-        </pc:spChg>
-        <pc:spChg chg="add del mod">
-          <ac:chgData name="Howard Zeng" userId="b3a49412108e13ba" providerId="LiveId" clId="{BCC94F81-CC70-406E-BFFC-3B9E7FA9D0DE}" dt="2023-11-28T21:13:21.769" v="3255" actId="21"/>
-          <ac:spMkLst>
-            <pc:docMk/>
-            <pc:sldMk cId="4264775049" sldId="270"/>
-            <ac:spMk id="13" creationId="{B8880D17-FFC9-DDEC-CC30-9F14026DC7F8}"/>
-          </ac:spMkLst>
-        </pc:spChg>
-        <pc:spChg chg="add del mod">
-          <ac:chgData name="Howard Zeng" userId="b3a49412108e13ba" providerId="LiveId" clId="{BCC94F81-CC70-406E-BFFC-3B9E7FA9D0DE}" dt="2023-11-28T21:15:34.231" v="3284" actId="478"/>
-          <ac:spMkLst>
-            <pc:docMk/>
-            <pc:sldMk cId="4264775049" sldId="270"/>
-            <ac:spMk id="14" creationId="{F013542E-4627-E312-7671-8DE90024E885}"/>
-          </ac:spMkLst>
-        </pc:spChg>
-        <pc:spChg chg="add del mod topLvl">
-          <ac:chgData name="Howard Zeng" userId="b3a49412108e13ba" providerId="LiveId" clId="{BCC94F81-CC70-406E-BFFC-3B9E7FA9D0DE}" dt="2023-11-28T21:59:56.241" v="3685" actId="478"/>
-          <ac:spMkLst>
-            <pc:docMk/>
-            <pc:sldMk cId="4264775049" sldId="270"/>
-            <ac:spMk id="15" creationId="{024BD371-F180-2103-D376-DC036ED4DB89}"/>
-          </ac:spMkLst>
-        </pc:spChg>
-        <pc:spChg chg="add del mod topLvl">
-          <ac:chgData name="Howard Zeng" userId="b3a49412108e13ba" providerId="LiveId" clId="{BCC94F81-CC70-406E-BFFC-3B9E7FA9D0DE}" dt="2023-11-28T21:56:05.442" v="3628" actId="478"/>
-          <ac:spMkLst>
-            <pc:docMk/>
-            <pc:sldMk cId="4264775049" sldId="270"/>
-            <ac:spMk id="16" creationId="{AD38DDFA-4309-4D2A-5C2B-706F29A7B51A}"/>
-          </ac:spMkLst>
-        </pc:spChg>
-        <pc:spChg chg="add mod topLvl">
-          <ac:chgData name="Howard Zeng" userId="b3a49412108e13ba" providerId="LiveId" clId="{BCC94F81-CC70-406E-BFFC-3B9E7FA9D0DE}" dt="2023-11-28T22:04:43.459" v="4278" actId="164"/>
-          <ac:spMkLst>
-            <pc:docMk/>
-            <pc:sldMk cId="4264775049" sldId="270"/>
-            <ac:spMk id="17" creationId="{B47F0692-071C-1D18-CAAB-3D8BCAD2ED69}"/>
-          </ac:spMkLst>
-        </pc:spChg>
-        <pc:spChg chg="add del mod topLvl">
-          <ac:chgData name="Howard Zeng" userId="b3a49412108e13ba" providerId="LiveId" clId="{BCC94F81-CC70-406E-BFFC-3B9E7FA9D0DE}" dt="2023-11-28T22:00:35.620" v="3702" actId="478"/>
-          <ac:spMkLst>
-            <pc:docMk/>
-            <pc:sldMk cId="4264775049" sldId="270"/>
-            <ac:spMk id="18" creationId="{4B31B81F-C7EF-49B1-E081-0C7D6F872169}"/>
-          </ac:spMkLst>
-        </pc:spChg>
-        <pc:spChg chg="add del mod">
-          <ac:chgData name="Howard Zeng" userId="b3a49412108e13ba" providerId="LiveId" clId="{BCC94F81-CC70-406E-BFFC-3B9E7FA9D0DE}" dt="2023-11-28T21:16:29.601" v="3302" actId="478"/>
-          <ac:spMkLst>
-            <pc:docMk/>
-            <pc:sldMk cId="4264775049" sldId="270"/>
-            <ac:spMk id="19" creationId="{7926F17B-D730-5BAF-C852-8938710DE4CB}"/>
-          </ac:spMkLst>
-        </pc:spChg>
-        <pc:spChg chg="add del">
-          <ac:chgData name="Howard Zeng" userId="b3a49412108e13ba" providerId="LiveId" clId="{BCC94F81-CC70-406E-BFFC-3B9E7FA9D0DE}" dt="2023-11-28T21:13:43.592" v="3259" actId="478"/>
-          <ac:spMkLst>
-            <pc:docMk/>
-            <pc:sldMk cId="4264775049" sldId="270"/>
-            <ac:spMk id="20" creationId="{EA7F7B2C-64D2-3308-AF5F-35CC5039584F}"/>
-          </ac:spMkLst>
-        </pc:spChg>
-        <pc:spChg chg="add del">
-          <ac:chgData name="Howard Zeng" userId="b3a49412108e13ba" providerId="LiveId" clId="{BCC94F81-CC70-406E-BFFC-3B9E7FA9D0DE}" dt="2023-11-28T21:13:59.834" v="3261" actId="478"/>
-          <ac:spMkLst>
-            <pc:docMk/>
-            <pc:sldMk cId="4264775049" sldId="270"/>
-            <ac:spMk id="21" creationId="{0F46F2E1-EBBF-3818-629D-E1853791D693}"/>
-          </ac:spMkLst>
-        </pc:spChg>
-        <pc:spChg chg="add del mod">
-          <ac:chgData name="Howard Zeng" userId="b3a49412108e13ba" providerId="LiveId" clId="{BCC94F81-CC70-406E-BFFC-3B9E7FA9D0DE}" dt="2023-11-28T22:01:10.397" v="3716" actId="478"/>
-          <ac:spMkLst>
-            <pc:docMk/>
-            <pc:sldMk cId="4264775049" sldId="270"/>
-            <ac:spMk id="22" creationId="{2C31BFB5-7710-BC89-90DA-57CEC5859F8F}"/>
-          </ac:spMkLst>
-        </pc:spChg>
-        <pc:spChg chg="add del">
-          <ac:chgData name="Howard Zeng" userId="b3a49412108e13ba" providerId="LiveId" clId="{BCC94F81-CC70-406E-BFFC-3B9E7FA9D0DE}" dt="2023-11-28T21:14:10.975" v="3263" actId="478"/>
-          <ac:spMkLst>
-            <pc:docMk/>
-            <pc:sldMk cId="4264775049" sldId="270"/>
-            <ac:spMk id="22" creationId="{81ADC9A3-D97D-2041-6B95-209B50345407}"/>
-          </ac:spMkLst>
-        </pc:spChg>
-        <pc:spChg chg="add del mod topLvl">
-          <ac:chgData name="Howard Zeng" userId="b3a49412108e13ba" providerId="LiveId" clId="{BCC94F81-CC70-406E-BFFC-3B9E7FA9D0DE}" dt="2023-11-28T22:00:21.782" v="3695" actId="478"/>
-          <ac:spMkLst>
-            <pc:docMk/>
-            <pc:sldMk cId="4264775049" sldId="270"/>
-            <ac:spMk id="23" creationId="{BC56CC49-E27E-6E4F-5D43-64873F9BC4C4}"/>
-          </ac:spMkLst>
-        </pc:spChg>
-        <pc:spChg chg="add del mod">
-          <ac:chgData name="Howard Zeng" userId="b3a49412108e13ba" providerId="LiveId" clId="{BCC94F81-CC70-406E-BFFC-3B9E7FA9D0DE}" dt="2023-11-28T21:14:56.474" v="3272" actId="767"/>
-          <ac:spMkLst>
-            <pc:docMk/>
-            <pc:sldMk cId="4264775049" sldId="270"/>
-            <ac:spMk id="24" creationId="{630B6897-7287-3FEE-7F22-A1326E6B1B81}"/>
-          </ac:spMkLst>
-        </pc:spChg>
-        <pc:spChg chg="add mod topLvl">
-          <ac:chgData name="Howard Zeng" userId="b3a49412108e13ba" providerId="LiveId" clId="{BCC94F81-CC70-406E-BFFC-3B9E7FA9D0DE}" dt="2023-11-28T22:04:43.459" v="4278" actId="164"/>
-          <ac:spMkLst>
-            <pc:docMk/>
-            <pc:sldMk cId="4264775049" sldId="270"/>
-            <ac:spMk id="25" creationId="{E160AAFD-ACCC-969E-CB3D-118AEC18AF88}"/>
-          </ac:spMkLst>
-        </pc:spChg>
-        <pc:spChg chg="add mod topLvl">
-          <ac:chgData name="Howard Zeng" userId="b3a49412108e13ba" providerId="LiveId" clId="{BCC94F81-CC70-406E-BFFC-3B9E7FA9D0DE}" dt="2023-11-28T22:04:43.459" v="4278" actId="164"/>
-          <ac:spMkLst>
-            <pc:docMk/>
-            <pc:sldMk cId="4264775049" sldId="270"/>
-            <ac:spMk id="26" creationId="{01095CC8-6A8A-62C7-0591-81E20118E21B}"/>
-          </ac:spMkLst>
-        </pc:spChg>
-        <pc:spChg chg="add mod">
-          <ac:chgData name="Howard Zeng" userId="b3a49412108e13ba" providerId="LiveId" clId="{BCC94F81-CC70-406E-BFFC-3B9E7FA9D0DE}" dt="2023-11-28T21:58:55.169" v="3665"/>
-          <ac:spMkLst>
-            <pc:docMk/>
-            <pc:sldMk cId="4264775049" sldId="270"/>
-            <ac:spMk id="27" creationId="{1D7B95E3-C21B-0EC1-1A62-0686B4417347}"/>
-          </ac:spMkLst>
-        </pc:spChg>
-        <pc:spChg chg="add mod">
-          <ac:chgData name="Howard Zeng" userId="b3a49412108e13ba" providerId="LiveId" clId="{BCC94F81-CC70-406E-BFFC-3B9E7FA9D0DE}" dt="2023-11-28T22:03:13.138" v="4044" actId="947"/>
-          <ac:spMkLst>
-            <pc:docMk/>
-            <pc:sldMk cId="4264775049" sldId="270"/>
-            <ac:spMk id="28" creationId="{4EE18B8B-1CA0-13CD-23A1-19D2869A591B}"/>
-          </ac:spMkLst>
-        </pc:spChg>
-        <pc:spChg chg="add mod">
-          <ac:chgData name="Howard Zeng" userId="b3a49412108e13ba" providerId="LiveId" clId="{BCC94F81-CC70-406E-BFFC-3B9E7FA9D0DE}" dt="2023-11-28T21:17:07.118" v="3308"/>
-          <ac:spMkLst>
-            <pc:docMk/>
-            <pc:sldMk cId="4264775049" sldId="270"/>
-            <ac:spMk id="29" creationId="{A2B5A116-A2D5-5590-08ED-A90525D6F13A}"/>
-          </ac:spMkLst>
-        </pc:spChg>
-        <pc:spChg chg="add mod">
-          <ac:chgData name="Howard Zeng" userId="b3a49412108e13ba" providerId="LiveId" clId="{BCC94F81-CC70-406E-BFFC-3B9E7FA9D0DE}" dt="2023-11-28T21:18:08.935" v="3351" actId="255"/>
-          <ac:spMkLst>
-            <pc:docMk/>
-            <pc:sldMk cId="4264775049" sldId="270"/>
-            <ac:spMk id="30" creationId="{91654399-386D-88BC-162A-5C6FD65CAEDA}"/>
-          </ac:spMkLst>
-        </pc:spChg>
-        <pc:spChg chg="add mod">
-          <ac:chgData name="Howard Zeng" userId="b3a49412108e13ba" providerId="LiveId" clId="{BCC94F81-CC70-406E-BFFC-3B9E7FA9D0DE}" dt="2023-11-28T21:58:59.735" v="3667"/>
-          <ac:spMkLst>
-            <pc:docMk/>
-            <pc:sldMk cId="4264775049" sldId="270"/>
-            <ac:spMk id="30" creationId="{D8A4A26E-89BA-ABB6-CF10-44C8447BAE4C}"/>
-          </ac:spMkLst>
-        </pc:spChg>
-        <pc:spChg chg="add mod">
-          <ac:chgData name="Howard Zeng" userId="b3a49412108e13ba" providerId="LiveId" clId="{BCC94F81-CC70-406E-BFFC-3B9E7FA9D0DE}" dt="2023-11-28T22:03:13.139" v="4046" actId="947"/>
-          <ac:spMkLst>
-            <pc:docMk/>
-            <pc:sldMk cId="4264775049" sldId="270"/>
-            <ac:spMk id="31" creationId="{0C9AB627-06CC-6666-35FF-9A96465949DC}"/>
-          </ac:spMkLst>
-        </pc:spChg>
-        <pc:spChg chg="add del">
-          <ac:chgData name="Howard Zeng" userId="b3a49412108e13ba" providerId="LiveId" clId="{BCC94F81-CC70-406E-BFFC-3B9E7FA9D0DE}" dt="2023-11-28T21:18:45.534" v="3356" actId="11529"/>
-          <ac:spMkLst>
-            <pc:docMk/>
-            <pc:sldMk cId="4264775049" sldId="270"/>
-            <ac:spMk id="33" creationId="{6892A07A-4581-FB20-B8DC-3A9272912715}"/>
-          </ac:spMkLst>
-        </pc:spChg>
-        <pc:spChg chg="add del">
-          <ac:chgData name="Howard Zeng" userId="b3a49412108e13ba" providerId="LiveId" clId="{BCC94F81-CC70-406E-BFFC-3B9E7FA9D0DE}" dt="2023-11-28T21:59:20.371" v="3677" actId="22"/>
-          <ac:spMkLst>
-            <pc:docMk/>
-            <pc:sldMk cId="4264775049" sldId="270"/>
-            <ac:spMk id="33" creationId="{8E41D0CF-EFBA-1A74-10C4-5F2C4FB861CA}"/>
-          </ac:spMkLst>
-        </pc:spChg>
-        <pc:spChg chg="add del mod topLvl">
-          <ac:chgData name="Howard Zeng" userId="b3a49412108e13ba" providerId="LiveId" clId="{BCC94F81-CC70-406E-BFFC-3B9E7FA9D0DE}" dt="2023-11-28T21:57:31.805" v="3642" actId="478"/>
-          <ac:spMkLst>
-            <pc:docMk/>
-            <pc:sldMk cId="4264775049" sldId="270"/>
-            <ac:spMk id="34" creationId="{C5E299EE-9044-0384-A4D7-90364ED2A5D7}"/>
-          </ac:spMkLst>
-        </pc:spChg>
-        <pc:spChg chg="mod">
-          <ac:chgData name="Howard Zeng" userId="b3a49412108e13ba" providerId="LiveId" clId="{BCC94F81-CC70-406E-BFFC-3B9E7FA9D0DE}" dt="2023-11-28T22:00:11.450" v="3689"/>
-          <ac:spMkLst>
-            <pc:docMk/>
-            <pc:sldMk cId="4264775049" sldId="270"/>
-            <ac:spMk id="39" creationId="{3EDDF19B-AF08-9CF8-8017-A02753F70F32}"/>
-          </ac:spMkLst>
-        </pc:spChg>
-        <pc:spChg chg="mod">
-          <ac:chgData name="Howard Zeng" userId="b3a49412108e13ba" providerId="LiveId" clId="{BCC94F81-CC70-406E-BFFC-3B9E7FA9D0DE}" dt="2023-11-28T22:03:13.140" v="4048" actId="947"/>
-          <ac:spMkLst>
-            <pc:docMk/>
-            <pc:sldMk cId="4264775049" sldId="270"/>
-            <ac:spMk id="40" creationId="{1369E530-E15D-8E00-D496-288B477F23FC}"/>
-          </ac:spMkLst>
-        </pc:spChg>
-        <pc:spChg chg="mod">
-          <ac:chgData name="Howard Zeng" userId="b3a49412108e13ba" providerId="LiveId" clId="{BCC94F81-CC70-406E-BFFC-3B9E7FA9D0DE}" dt="2023-11-28T22:00:28.979" v="3699"/>
-          <ac:spMkLst>
-            <pc:docMk/>
-            <pc:sldMk cId="4264775049" sldId="270"/>
-            <ac:spMk id="46" creationId="{55E5079D-E56A-7DCE-E849-32EA67B80317}"/>
-          </ac:spMkLst>
-        </pc:spChg>
-        <pc:spChg chg="mod">
-          <ac:chgData name="Howard Zeng" userId="b3a49412108e13ba" providerId="LiveId" clId="{BCC94F81-CC70-406E-BFFC-3B9E7FA9D0DE}" dt="2023-11-28T22:03:13.142" v="4050" actId="947"/>
-          <ac:spMkLst>
-            <pc:docMk/>
-            <pc:sldMk cId="4264775049" sldId="270"/>
-            <ac:spMk id="47" creationId="{C9FD0D27-FD39-4B8D-4A9F-ADA1CD27B68E}"/>
-          </ac:spMkLst>
-        </pc:spChg>
-        <pc:spChg chg="add mod">
-          <ac:chgData name="Howard Zeng" userId="b3a49412108e13ba" providerId="LiveId" clId="{BCC94F81-CC70-406E-BFFC-3B9E7FA9D0DE}" dt="2023-11-28T22:04:43.459" v="4278" actId="164"/>
-          <ac:spMkLst>
-            <pc:docMk/>
-            <pc:sldMk cId="4264775049" sldId="270"/>
-            <ac:spMk id="51" creationId="{2A0C9215-4D00-407A-13E1-7651057EEDAB}"/>
-          </ac:spMkLst>
-        </pc:spChg>
-        <pc:spChg chg="add mod">
-          <ac:chgData name="Howard Zeng" userId="b3a49412108e13ba" providerId="LiveId" clId="{BCC94F81-CC70-406E-BFFC-3B9E7FA9D0DE}" dt="2023-11-28T22:04:43.459" v="4278" actId="164"/>
-          <ac:spMkLst>
-            <pc:docMk/>
-            <pc:sldMk cId="4264775049" sldId="270"/>
-            <ac:spMk id="52" creationId="{B4DB743C-7CD0-F1AC-DF18-518CF7BBA2E5}"/>
-          </ac:spMkLst>
-        </pc:spChg>
-        <pc:grpChg chg="add del mod">
-          <ac:chgData name="Howard Zeng" userId="b3a49412108e13ba" providerId="LiveId" clId="{BCC94F81-CC70-406E-BFFC-3B9E7FA9D0DE}" dt="2023-11-28T22:04:43.459" v="4278" actId="164"/>
-          <ac:grpSpMkLst>
-            <pc:docMk/>
-            <pc:sldMk cId="4264775049" sldId="270"/>
-            <ac:grpSpMk id="24" creationId="{B945F95B-8724-814F-122F-F0EAE34CAA64}"/>
-          </ac:grpSpMkLst>
-        </pc:grpChg>
-        <pc:grpChg chg="add del mod">
-          <ac:chgData name="Howard Zeng" userId="b3a49412108e13ba" providerId="LiveId" clId="{BCC94F81-CC70-406E-BFFC-3B9E7FA9D0DE}" dt="2023-11-28T21:18:34.174" v="3354" actId="478"/>
-          <ac:grpSpMkLst>
-            <pc:docMk/>
-            <pc:sldMk cId="4264775049" sldId="270"/>
-            <ac:grpSpMk id="28" creationId="{AD37F22A-7F47-A9C1-0F7B-F49D81DED81D}"/>
-          </ac:grpSpMkLst>
-        </pc:grpChg>
-        <pc:grpChg chg="add mod">
-          <ac:chgData name="Howard Zeng" userId="b3a49412108e13ba" providerId="LiveId" clId="{BCC94F81-CC70-406E-BFFC-3B9E7FA9D0DE}" dt="2023-11-28T22:04:43.459" v="4278" actId="164"/>
-          <ac:grpSpMkLst>
-            <pc:docMk/>
-            <pc:sldMk cId="4264775049" sldId="270"/>
-            <ac:grpSpMk id="29" creationId="{9DFC95DA-82AC-CC43-2E94-7DCE70E79159}"/>
-          </ac:grpSpMkLst>
-        </pc:grpChg>
-        <pc:grpChg chg="add del mod">
-          <ac:chgData name="Howard Zeng" userId="b3a49412108e13ba" providerId="LiveId" clId="{BCC94F81-CC70-406E-BFFC-3B9E7FA9D0DE}" dt="2023-11-28T21:55:31.911" v="3615" actId="165"/>
-          <ac:grpSpMkLst>
-            <pc:docMk/>
-            <pc:sldMk cId="4264775049" sldId="270"/>
-            <ac:grpSpMk id="35" creationId="{8995D329-A103-E7AC-E04D-9544EADF005B}"/>
-          </ac:grpSpMkLst>
-        </pc:grpChg>
-        <pc:grpChg chg="add mod">
-          <ac:chgData name="Howard Zeng" userId="b3a49412108e13ba" providerId="LiveId" clId="{BCC94F81-CC70-406E-BFFC-3B9E7FA9D0DE}" dt="2023-11-28T22:04:43.459" v="4278" actId="164"/>
-          <ac:grpSpMkLst>
-            <pc:docMk/>
-            <pc:sldMk cId="4264775049" sldId="270"/>
-            <ac:grpSpMk id="38" creationId="{9176D826-27F9-93E6-DB0C-3BF024B4D1D8}"/>
-          </ac:grpSpMkLst>
-        </pc:grpChg>
-        <pc:grpChg chg="add mod">
-          <ac:chgData name="Howard Zeng" userId="b3a49412108e13ba" providerId="LiveId" clId="{BCC94F81-CC70-406E-BFFC-3B9E7FA9D0DE}" dt="2023-11-28T22:04:43.459" v="4278" actId="164"/>
-          <ac:grpSpMkLst>
-            <pc:docMk/>
-            <pc:sldMk cId="4264775049" sldId="270"/>
-            <ac:grpSpMk id="45" creationId="{DCC5137E-FE54-1797-DE6C-819BCA13663E}"/>
-          </ac:grpSpMkLst>
-        </pc:grpChg>
-        <pc:grpChg chg="add mod">
-          <ac:chgData name="Howard Zeng" userId="b3a49412108e13ba" providerId="LiveId" clId="{BCC94F81-CC70-406E-BFFC-3B9E7FA9D0DE}" dt="2023-11-28T22:05:07.959" v="4282" actId="1076"/>
-          <ac:grpSpMkLst>
-            <pc:docMk/>
-            <pc:sldMk cId="4264775049" sldId="270"/>
-            <ac:grpSpMk id="53" creationId="{F85D90D8-26DA-FEEF-A999-BD923D3FDA92}"/>
-          </ac:grpSpMkLst>
-        </pc:grpChg>
-        <pc:graphicFrameChg chg="add del mod modGraphic">
-          <ac:chgData name="Howard Zeng" userId="b3a49412108e13ba" providerId="LiveId" clId="{BCC94F81-CC70-406E-BFFC-3B9E7FA9D0DE}" dt="2023-11-28T21:17:06.427" v="3307" actId="478"/>
-          <ac:graphicFrameMkLst>
-            <pc:docMk/>
-            <pc:sldMk cId="4264775049" sldId="270"/>
-            <ac:graphicFrameMk id="27" creationId="{10678F95-629C-55CA-1BD2-3EFA4EA091A2}"/>
-          </ac:graphicFrameMkLst>
-        </pc:graphicFrameChg>
-        <pc:picChg chg="add del mod">
-          <ac:chgData name="Howard Zeng" userId="b3a49412108e13ba" providerId="LiveId" clId="{BCC94F81-CC70-406E-BFFC-3B9E7FA9D0DE}" dt="2023-11-28T21:19:51.573" v="3373" actId="478"/>
-          <ac:picMkLst>
-            <pc:docMk/>
-            <pc:sldMk cId="4264775049" sldId="270"/>
-            <ac:picMk id="32" creationId="{1747C3F0-4F9E-9251-C5F0-644FB1DDB380}"/>
-          </ac:picMkLst>
-        </pc:picChg>
-        <pc:picChg chg="add del mod">
-          <ac:chgData name="Howard Zeng" userId="b3a49412108e13ba" providerId="LiveId" clId="{BCC94F81-CC70-406E-BFFC-3B9E7FA9D0DE}" dt="2023-11-28T21:19:33.376" v="3370" actId="478"/>
-          <ac:picMkLst>
-            <pc:docMk/>
-            <pc:sldMk cId="4264775049" sldId="270"/>
-            <ac:picMk id="1026" creationId="{DB95E0BB-1A61-C928-4073-9240CABA6B4B}"/>
-          </ac:picMkLst>
-        </pc:picChg>
-        <pc:cxnChg chg="add del mod">
-          <ac:chgData name="Howard Zeng" userId="b3a49412108e13ba" providerId="LiveId" clId="{BCC94F81-CC70-406E-BFFC-3B9E7FA9D0DE}" dt="2023-11-28T21:55:55.724" v="3624" actId="478"/>
-          <ac:cxnSpMkLst>
-            <pc:docMk/>
-            <pc:sldMk cId="4264775049" sldId="270"/>
-            <ac:cxnSpMk id="2" creationId="{372A7F99-A171-9A90-F8AE-2989F3EA8AB1}"/>
-          </ac:cxnSpMkLst>
-        </pc:cxnChg>
-        <pc:cxnChg chg="add mod">
-          <ac:chgData name="Howard Zeng" userId="b3a49412108e13ba" providerId="LiveId" clId="{BCC94F81-CC70-406E-BFFC-3B9E7FA9D0DE}" dt="2023-11-28T22:04:43.459" v="4278" actId="164"/>
-          <ac:cxnSpMkLst>
-            <pc:docMk/>
-            <pc:sldMk cId="4264775049" sldId="270"/>
-            <ac:cxnSpMk id="11" creationId="{0BA4213E-366D-4065-7D23-E46E6AE05B2C}"/>
-          </ac:cxnSpMkLst>
-        </pc:cxnChg>
-        <pc:cxnChg chg="add mod">
-          <ac:chgData name="Howard Zeng" userId="b3a49412108e13ba" providerId="LiveId" clId="{BCC94F81-CC70-406E-BFFC-3B9E7FA9D0DE}" dt="2023-11-28T22:04:43.459" v="4278" actId="164"/>
-          <ac:cxnSpMkLst>
-            <pc:docMk/>
-            <pc:sldMk cId="4264775049" sldId="270"/>
-            <ac:cxnSpMk id="14" creationId="{EC097250-78A1-EEF6-F1DC-1019A5E9C09F}"/>
-          </ac:cxnSpMkLst>
-        </pc:cxnChg>
-        <pc:cxnChg chg="add del mod">
-          <ac:chgData name="Howard Zeng" userId="b3a49412108e13ba" providerId="LiveId" clId="{BCC94F81-CC70-406E-BFFC-3B9E7FA9D0DE}" dt="2023-11-28T22:04:11.875" v="4097" actId="478"/>
-          <ac:cxnSpMkLst>
-            <pc:docMk/>
-            <pc:sldMk cId="4264775049" sldId="270"/>
-            <ac:cxnSpMk id="42" creationId="{38369598-B537-5BC0-5340-CDD133BE5F03}"/>
-          </ac:cxnSpMkLst>
-        </pc:cxnChg>
-      </pc:sldChg>
-      <pc:sldChg chg="addSp modSp new mod modAnim">
-        <pc:chgData name="Howard Zeng" userId="b3a49412108e13ba" providerId="LiveId" clId="{BCC94F81-CC70-406E-BFFC-3B9E7FA9D0DE}" dt="2023-11-28T22:13:50.606" v="4686" actId="1076"/>
-        <pc:sldMkLst>
-          <pc:docMk/>
-          <pc:sldMk cId="338603572" sldId="271"/>
-        </pc:sldMkLst>
-        <pc:spChg chg="add mod">
-          <ac:chgData name="Howard Zeng" userId="b3a49412108e13ba" providerId="LiveId" clId="{BCC94F81-CC70-406E-BFFC-3B9E7FA9D0DE}" dt="2023-11-28T22:13:50.606" v="4686" actId="1076"/>
-          <ac:spMkLst>
-            <pc:docMk/>
-            <pc:sldMk cId="338603572" sldId="271"/>
-            <ac:spMk id="3" creationId="{86C43DC5-0592-B63D-DF99-99EEE41ECB0E}"/>
-          </ac:spMkLst>
-        </pc:spChg>
-        <pc:picChg chg="add mod">
-          <ac:chgData name="Howard Zeng" userId="b3a49412108e13ba" providerId="LiveId" clId="{BCC94F81-CC70-406E-BFFC-3B9E7FA9D0DE}" dt="2023-11-28T22:13:43.454" v="4685" actId="1076"/>
-          <ac:picMkLst>
-            <pc:docMk/>
-            <pc:sldMk cId="338603572" sldId="271"/>
-            <ac:picMk id="2" creationId="{D314A107-32F4-CB85-DECB-A1C9C41378BF}"/>
-          </ac:picMkLst>
-        </pc:picChg>
-      </pc:sldChg>
-      <pc:sldChg chg="addSp delSp modSp add del mod setBg">
-        <pc:chgData name="Howard Zeng" userId="b3a49412108e13ba" providerId="LiveId" clId="{BCC94F81-CC70-406E-BFFC-3B9E7FA9D0DE}" dt="2023-11-28T22:03:25.652" v="4095" actId="47"/>
-        <pc:sldMkLst>
-          <pc:docMk/>
-          <pc:sldMk cId="1394375220" sldId="271"/>
-        </pc:sldMkLst>
-        <pc:spChg chg="mod">
-          <ac:chgData name="Howard Zeng" userId="b3a49412108e13ba" providerId="LiveId" clId="{BCC94F81-CC70-406E-BFFC-3B9E7FA9D0DE}" dt="2023-11-28T22:03:13.157" v="4054" actId="947"/>
-          <ac:spMkLst>
-            <pc:docMk/>
-            <pc:sldMk cId="1394375220" sldId="271"/>
-            <ac:spMk id="7" creationId="{F6BB09A2-83FD-4A07-90C3-B7A12C3904A2}"/>
-          </ac:spMkLst>
-        </pc:spChg>
-        <pc:spChg chg="mod">
-          <ac:chgData name="Howard Zeng" userId="b3a49412108e13ba" providerId="LiveId" clId="{BCC94F81-CC70-406E-BFFC-3B9E7FA9D0DE}" dt="2023-11-28T22:03:13.158" v="4056" actId="947"/>
-          <ac:spMkLst>
-            <pc:docMk/>
-            <pc:sldMk cId="1394375220" sldId="271"/>
-            <ac:spMk id="8" creationId="{2D7AF90E-A9D7-45E6-B33C-34F4E5541A1F}"/>
-          </ac:spMkLst>
-        </pc:spChg>
-        <pc:spChg chg="mod">
-          <ac:chgData name="Howard Zeng" userId="b3a49412108e13ba" providerId="LiveId" clId="{BCC94F81-CC70-406E-BFFC-3B9E7FA9D0DE}" dt="2023-11-28T22:03:13.159" v="4058" actId="947"/>
-          <ac:spMkLst>
-            <pc:docMk/>
-            <pc:sldMk cId="1394375220" sldId="271"/>
-            <ac:spMk id="15" creationId="{0F3DDA85-E930-42B3-BEE0-BC34F528F90E}"/>
-          </ac:spMkLst>
-        </pc:spChg>
-        <pc:spChg chg="mod">
-          <ac:chgData name="Howard Zeng" userId="b3a49412108e13ba" providerId="LiveId" clId="{BCC94F81-CC70-406E-BFFC-3B9E7FA9D0DE}" dt="2023-11-28T22:03:13.160" v="4060" actId="947"/>
-          <ac:spMkLst>
-            <pc:docMk/>
-            <pc:sldMk cId="1394375220" sldId="271"/>
-            <ac:spMk id="16" creationId="{64441057-8B1E-4AF3-B991-0000400E27EF}"/>
-          </ac:spMkLst>
-        </pc:spChg>
-        <pc:spChg chg="mod">
-          <ac:chgData name="Howard Zeng" userId="b3a49412108e13ba" providerId="LiveId" clId="{BCC94F81-CC70-406E-BFFC-3B9E7FA9D0DE}" dt="2023-11-28T22:03:13.161" v="4062" actId="947"/>
-          <ac:spMkLst>
-            <pc:docMk/>
-            <pc:sldMk cId="1394375220" sldId="271"/>
-            <ac:spMk id="22" creationId="{F7B167A8-FF4A-43D2-A5F8-3F3EE6C2951D}"/>
-          </ac:spMkLst>
-        </pc:spChg>
-        <pc:spChg chg="mod">
-          <ac:chgData name="Howard Zeng" userId="b3a49412108e13ba" providerId="LiveId" clId="{BCC94F81-CC70-406E-BFFC-3B9E7FA9D0DE}" dt="2023-11-28T22:03:13.162" v="4064" actId="947"/>
-          <ac:spMkLst>
-            <pc:docMk/>
-            <pc:sldMk cId="1394375220" sldId="271"/>
-            <ac:spMk id="23" creationId="{BC1E61CE-FB6E-4B89-B4D3-948A4C744424}"/>
-          </ac:spMkLst>
-        </pc:spChg>
-        <pc:spChg chg="add del mod">
-          <ac:chgData name="Howard Zeng" userId="b3a49412108e13ba" providerId="LiveId" clId="{BCC94F81-CC70-406E-BFFC-3B9E7FA9D0DE}" dt="2023-11-28T21:54:40.297" v="3587" actId="478"/>
-          <ac:spMkLst>
-            <pc:docMk/>
-            <pc:sldMk cId="1394375220" sldId="271"/>
-            <ac:spMk id="24" creationId="{18661F15-35B4-4767-50CE-C7E03B0EA2BA}"/>
-          </ac:spMkLst>
-        </pc:spChg>
-        <pc:spChg chg="add del mod">
-          <ac:chgData name="Howard Zeng" userId="b3a49412108e13ba" providerId="LiveId" clId="{BCC94F81-CC70-406E-BFFC-3B9E7FA9D0DE}" dt="2023-11-28T21:54:35.145" v="3579"/>
-          <ac:spMkLst>
-            <pc:docMk/>
-            <pc:sldMk cId="1394375220" sldId="271"/>
-            <ac:spMk id="25" creationId="{03C76699-DD3D-F0E1-645F-54D5AC5DC7A5}"/>
-          </ac:spMkLst>
-        </pc:spChg>
-        <pc:spChg chg="mod">
-          <ac:chgData name="Howard Zeng" userId="b3a49412108e13ba" providerId="LiveId" clId="{BCC94F81-CC70-406E-BFFC-3B9E7FA9D0DE}" dt="2023-11-28T22:03:13.163" v="4066" actId="947"/>
-          <ac:spMkLst>
-            <pc:docMk/>
-            <pc:sldMk cId="1394375220" sldId="271"/>
-            <ac:spMk id="40" creationId="{635E57B9-905D-4482-84C3-A7824E16D74A}"/>
-          </ac:spMkLst>
-        </pc:spChg>
-        <pc:spChg chg="mod">
-          <ac:chgData name="Howard Zeng" userId="b3a49412108e13ba" providerId="LiveId" clId="{BCC94F81-CC70-406E-BFFC-3B9E7FA9D0DE}" dt="2023-11-28T22:03:13.164" v="4068" actId="947"/>
-          <ac:spMkLst>
-            <pc:docMk/>
-            <pc:sldMk cId="1394375220" sldId="271"/>
-            <ac:spMk id="41" creationId="{CB3C6F7F-3639-4E36-B06A-FDB73FD3431E}"/>
-          </ac:spMkLst>
-        </pc:spChg>
-        <pc:spChg chg="add del mod">
-          <ac:chgData name="Howard Zeng" userId="b3a49412108e13ba" providerId="LiveId" clId="{BCC94F81-CC70-406E-BFFC-3B9E7FA9D0DE}" dt="2023-11-28T21:54:43.581" v="3589" actId="478"/>
-          <ac:spMkLst>
-            <pc:docMk/>
-            <pc:sldMk cId="1394375220" sldId="271"/>
-            <ac:spMk id="43" creationId="{84F28744-DD7B-4053-9295-4ED2E5F59C1A}"/>
-          </ac:spMkLst>
-        </pc:spChg>
-        <pc:spChg chg="add del mod">
-          <ac:chgData name="Howard Zeng" userId="b3a49412108e13ba" providerId="LiveId" clId="{BCC94F81-CC70-406E-BFFC-3B9E7FA9D0DE}" dt="2023-11-28T22:03:13.165" v="4070" actId="947"/>
-          <ac:spMkLst>
-            <pc:docMk/>
-            <pc:sldMk cId="1394375220" sldId="271"/>
-            <ac:spMk id="44" creationId="{AA1C7B8C-8B34-41AE-90C9-D696D6766A1D}"/>
-          </ac:spMkLst>
-        </pc:spChg>
-        <pc:spChg chg="mod">
-          <ac:chgData name="Howard Zeng" userId="b3a49412108e13ba" providerId="LiveId" clId="{BCC94F81-CC70-406E-BFFC-3B9E7FA9D0DE}" dt="2023-11-28T22:03:13.166" v="4072" actId="947"/>
-          <ac:spMkLst>
-            <pc:docMk/>
-            <pc:sldMk cId="1394375220" sldId="271"/>
-            <ac:spMk id="48" creationId="{C05B5DFE-E127-4421-A28C-283CF38A0999}"/>
-          </ac:spMkLst>
-        </pc:spChg>
-        <pc:spChg chg="mod">
-          <ac:chgData name="Howard Zeng" userId="b3a49412108e13ba" providerId="LiveId" clId="{BCC94F81-CC70-406E-BFFC-3B9E7FA9D0DE}" dt="2023-11-28T22:03:13.168" v="4074" actId="947"/>
-          <ac:spMkLst>
-            <pc:docMk/>
-            <pc:sldMk cId="1394375220" sldId="271"/>
-            <ac:spMk id="49" creationId="{2D8823D1-A99D-4205-BBCA-320758114A1D}"/>
-          </ac:spMkLst>
-        </pc:spChg>
-        <pc:grpChg chg="add del">
-          <ac:chgData name="Howard Zeng" userId="b3a49412108e13ba" providerId="LiveId" clId="{BCC94F81-CC70-406E-BFFC-3B9E7FA9D0DE}" dt="2023-11-28T21:54:43.581" v="3589" actId="478"/>
-          <ac:grpSpMkLst>
-            <pc:docMk/>
-            <pc:sldMk cId="1394375220" sldId="271"/>
-            <ac:grpSpMk id="46" creationId="{DCD0C04E-73ED-4A5B-8B4D-7720E833A4CE}"/>
-          </ac:grpSpMkLst>
-        </pc:grpChg>
-      </pc:sldChg>
-      <pc:sldChg chg="new">
-        <pc:chgData name="Howard Zeng" userId="b3a49412108e13ba" providerId="LiveId" clId="{BCC94F81-CC70-406E-BFFC-3B9E7FA9D0DE}" dt="2023-11-28T22:14:08.225" v="4689" actId="680"/>
-        <pc:sldMkLst>
-          <pc:docMk/>
-          <pc:sldMk cId="3457620698" sldId="272"/>
-        </pc:sldMkLst>
-      </pc:sldChg>
-      <pc:sldChg chg="modSp add mod">
-        <pc:chgData name="Howard Zeng" userId="b3a49412108e13ba" providerId="LiveId" clId="{BCC94F81-CC70-406E-BFFC-3B9E7FA9D0DE}" dt="2023-11-28T22:28:16.186" v="5240"/>
-        <pc:sldMkLst>
-          <pc:docMk/>
-          <pc:sldMk cId="1923238977" sldId="273"/>
-        </pc:sldMkLst>
-        <pc:spChg chg="mod">
-          <ac:chgData name="Howard Zeng" userId="b3a49412108e13ba" providerId="LiveId" clId="{BCC94F81-CC70-406E-BFFC-3B9E7FA9D0DE}" dt="2023-11-28T22:28:08.268" v="5227" actId="947"/>
-          <ac:spMkLst>
-            <pc:docMk/>
-            <pc:sldMk cId="1923238977" sldId="273"/>
-            <ac:spMk id="2" creationId="{821A1339-D73A-490C-A6D7-6F87ABF0BC53}"/>
-          </ac:spMkLst>
-        </pc:spChg>
-        <pc:spChg chg="mod">
-          <ac:chgData name="Howard Zeng" userId="b3a49412108e13ba" providerId="LiveId" clId="{BCC94F81-CC70-406E-BFFC-3B9E7FA9D0DE}" dt="2023-11-28T22:28:08.269" v="5229" actId="947"/>
-          <ac:spMkLst>
-            <pc:docMk/>
-            <pc:sldMk cId="1923238977" sldId="273"/>
-            <ac:spMk id="3" creationId="{3FB5A465-282C-4764-8F48-F0C288582B1C}"/>
-          </ac:spMkLst>
-        </pc:spChg>
-        <pc:spChg chg="mod">
-          <ac:chgData name="Howard Zeng" userId="b3a49412108e13ba" providerId="LiveId" clId="{BCC94F81-CC70-406E-BFFC-3B9E7FA9D0DE}" dt="2023-11-28T22:28:08.239" v="5223" actId="947"/>
-          <ac:spMkLst>
-            <pc:docMk/>
-            <pc:sldMk cId="1923238977" sldId="273"/>
-            <ac:spMk id="4" creationId="{A830E511-2775-4897-92AE-0A532523EEA7}"/>
-          </ac:spMkLst>
-        </pc:spChg>
-        <pc:spChg chg="mod">
-          <ac:chgData name="Howard Zeng" userId="b3a49412108e13ba" providerId="LiveId" clId="{BCC94F81-CC70-406E-BFFC-3B9E7FA9D0DE}" dt="2023-11-28T22:28:08.241" v="5225" actId="947"/>
-          <ac:spMkLst>
-            <pc:docMk/>
-            <pc:sldMk cId="1923238977" sldId="273"/>
-            <ac:spMk id="5" creationId="{9CCCCE32-2390-4C4A-9C09-6286114EB971}"/>
-          </ac:spMkLst>
-        </pc:spChg>
-        <pc:spChg chg="mod">
-          <ac:chgData name="Howard Zeng" userId="b3a49412108e13ba" providerId="LiveId" clId="{BCC94F81-CC70-406E-BFFC-3B9E7FA9D0DE}" dt="2023-11-28T22:28:16.186" v="5240"/>
-          <ac:spMkLst>
-            <pc:docMk/>
-            <pc:sldMk cId="1923238977" sldId="273"/>
-            <ac:spMk id="10" creationId="{021EA806-99F3-4440-8EE1-B74A70547D01}"/>
-          </ac:spMkLst>
-        </pc:spChg>
-        <pc:spChg chg="mod">
-          <ac:chgData name="Howard Zeng" userId="b3a49412108e13ba" providerId="LiveId" clId="{BCC94F81-CC70-406E-BFFC-3B9E7FA9D0DE}" dt="2023-11-28T22:28:08.273" v="5235" actId="947"/>
-          <ac:spMkLst>
-            <pc:docMk/>
-            <pc:sldMk cId="1923238977" sldId="273"/>
-            <ac:spMk id="13" creationId="{06804F24-E48F-49C2-8F41-54D22E222E68}"/>
-          </ac:spMkLst>
-        </pc:spChg>
-        <pc:spChg chg="mod">
-          <ac:chgData name="Howard Zeng" userId="b3a49412108e13ba" providerId="LiveId" clId="{BCC94F81-CC70-406E-BFFC-3B9E7FA9D0DE}" dt="2023-11-28T22:28:08.272" v="5233" actId="947"/>
-          <ac:spMkLst>
-            <pc:docMk/>
-            <pc:sldMk cId="1923238977" sldId="273"/>
-            <ac:spMk id="14" creationId="{A2B7A279-DB57-42D8-BD6E-277ED04956C0}"/>
-          </ac:spMkLst>
-        </pc:spChg>
-        <pc:spChg chg="mod">
-          <ac:chgData name="Howard Zeng" userId="b3a49412108e13ba" providerId="LiveId" clId="{BCC94F81-CC70-406E-BFFC-3B9E7FA9D0DE}" dt="2023-11-28T22:28:08.274" v="5237" actId="947"/>
-          <ac:spMkLst>
-            <pc:docMk/>
-            <pc:sldMk cId="1923238977" sldId="273"/>
-            <ac:spMk id="20" creationId="{E1E336AA-512B-448B-B51C-993D10E8287B}"/>
-          </ac:spMkLst>
-        </pc:spChg>
-      </pc:sldChg>
-      <pc:sldChg chg="modSp del mod">
-        <pc:chgData name="Howard Zeng" userId="b3a49412108e13ba" providerId="LiveId" clId="{BCC94F81-CC70-406E-BFFC-3B9E7FA9D0DE}" dt="2023-11-28T22:27:09.135" v="5220"/>
-        <pc:sldMkLst>
-          <pc:docMk/>
-          <pc:sldMk cId="3483969341" sldId="273"/>
-        </pc:sldMkLst>
-        <pc:spChg chg="mod">
-          <ac:chgData name="Howard Zeng" userId="b3a49412108e13ba" providerId="LiveId" clId="{BCC94F81-CC70-406E-BFFC-3B9E7FA9D0DE}" dt="2023-11-28T22:27:09.135" v="5220"/>
-          <ac:spMkLst>
-            <pc:docMk/>
-            <pc:sldMk cId="3483969341" sldId="273"/>
-            <ac:spMk id="2" creationId="{60E7A756-A9D4-7B12-9235-7A1A02CDE07D}"/>
-          </ac:spMkLst>
-        </pc:spChg>
-        <pc:spChg chg="mod">
-          <ac:chgData name="Howard Zeng" userId="b3a49412108e13ba" providerId="LiveId" clId="{BCC94F81-CC70-406E-BFFC-3B9E7FA9D0DE}" dt="2023-11-28T22:27:09.135" v="5220"/>
-          <ac:spMkLst>
-            <pc:docMk/>
-            <pc:sldMk cId="3483969341" sldId="273"/>
-            <ac:spMk id="3" creationId="{24064E53-6A62-B257-7477-22FB3D1EC67D}"/>
-          </ac:spMkLst>
-        </pc:spChg>
-      </pc:sldChg>
-      <pc:sldChg chg="new del">
-        <pc:chgData name="Howard Zeng" userId="b3a49412108e13ba" providerId="LiveId" clId="{BCC94F81-CC70-406E-BFFC-3B9E7FA9D0DE}" dt="2023-11-28T22:14:19.857" v="4692" actId="2696"/>
-        <pc:sldMkLst>
-          <pc:docMk/>
-          <pc:sldMk cId="4267265492" sldId="273"/>
-        </pc:sldMkLst>
-      </pc:sldChg>
-      <pc:sldChg chg="delSp modSp del mod">
-        <pc:chgData name="Howard Zeng" userId="b3a49412108e13ba" providerId="LiveId" clId="{BCC94F81-CC70-406E-BFFC-3B9E7FA9D0DE}" dt="2023-11-28T22:27:09.135" v="5220"/>
-        <pc:sldMkLst>
-          <pc:docMk/>
-          <pc:sldMk cId="3683893775" sldId="274"/>
-        </pc:sldMkLst>
-        <pc:spChg chg="del mod">
-          <ac:chgData name="Howard Zeng" userId="b3a49412108e13ba" providerId="LiveId" clId="{BCC94F81-CC70-406E-BFFC-3B9E7FA9D0DE}" dt="2023-11-28T22:27:09.135" v="5220"/>
-          <ac:spMkLst>
-            <pc:docMk/>
-            <pc:sldMk cId="3683893775" sldId="274"/>
-            <ac:spMk id="2" creationId="{9B4B7E1B-BCC3-5A32-FCB6-BB24F7074420}"/>
-          </ac:spMkLst>
-        </pc:spChg>
-        <pc:spChg chg="del mod">
-          <ac:chgData name="Howard Zeng" userId="b3a49412108e13ba" providerId="LiveId" clId="{BCC94F81-CC70-406E-BFFC-3B9E7FA9D0DE}" dt="2023-11-28T22:27:09.135" v="5220"/>
-          <ac:spMkLst>
-            <pc:docMk/>
-            <pc:sldMk cId="3683893775" sldId="274"/>
-            <ac:spMk id="3" creationId="{9E16A9AF-4FEC-F459-04D8-05BC0D0ABA02}"/>
-          </ac:spMkLst>
-        </pc:spChg>
-        <pc:spChg chg="del">
-          <ac:chgData name="Howard Zeng" userId="b3a49412108e13ba" providerId="LiveId" clId="{BCC94F81-CC70-406E-BFFC-3B9E7FA9D0DE}" dt="2023-11-28T22:27:09.135" v="5220"/>
-          <ac:spMkLst>
-            <pc:docMk/>
-            <pc:sldMk cId="3683893775" sldId="274"/>
-            <ac:spMk id="6" creationId="{C8ED5583-19DA-7240-DA8A-65753E36B56A}"/>
-          </ac:spMkLst>
-        </pc:spChg>
-        <pc:picChg chg="del">
-          <ac:chgData name="Howard Zeng" userId="b3a49412108e13ba" providerId="LiveId" clId="{BCC94F81-CC70-406E-BFFC-3B9E7FA9D0DE}" dt="2023-11-28T22:27:09.135" v="5220"/>
-          <ac:picMkLst>
-            <pc:docMk/>
-            <pc:sldMk cId="3683893775" sldId="274"/>
-            <ac:picMk id="4" creationId="{9DC556CE-4B4D-8EE1-F7AC-9671A43630B8}"/>
-          </ac:picMkLst>
-        </pc:picChg>
-        <pc:picChg chg="del">
-          <ac:chgData name="Howard Zeng" userId="b3a49412108e13ba" providerId="LiveId" clId="{BCC94F81-CC70-406E-BFFC-3B9E7FA9D0DE}" dt="2023-11-28T22:27:09.135" v="5220"/>
-          <ac:picMkLst>
-            <pc:docMk/>
-            <pc:sldMk cId="3683893775" sldId="274"/>
-            <ac:picMk id="5" creationId="{2A82C981-7C83-1E5D-7CCD-E96B49F9A8C8}"/>
-          </ac:picMkLst>
-        </pc:picChg>
-      </pc:sldChg>
-      <pc:sldChg chg="delSp modSp del mod">
-        <pc:chgData name="Howard Zeng" userId="b3a49412108e13ba" providerId="LiveId" clId="{BCC94F81-CC70-406E-BFFC-3B9E7FA9D0DE}" dt="2023-11-28T22:27:09.135" v="5220"/>
-        <pc:sldMkLst>
-          <pc:docMk/>
-          <pc:sldMk cId="3869306143" sldId="275"/>
-        </pc:sldMkLst>
-        <pc:spChg chg="del mod">
-          <ac:chgData name="Howard Zeng" userId="b3a49412108e13ba" providerId="LiveId" clId="{BCC94F81-CC70-406E-BFFC-3B9E7FA9D0DE}" dt="2023-11-28T22:27:09.135" v="5220"/>
-          <ac:spMkLst>
-            <pc:docMk/>
-            <pc:sldMk cId="3869306143" sldId="275"/>
-            <ac:spMk id="2" creationId="{788BD24B-68EB-317B-BC6B-4D75E5C91E53}"/>
-          </ac:spMkLst>
-        </pc:spChg>
-        <pc:graphicFrameChg chg="del">
-          <ac:chgData name="Howard Zeng" userId="b3a49412108e13ba" providerId="LiveId" clId="{BCC94F81-CC70-406E-BFFC-3B9E7FA9D0DE}" dt="2023-11-28T22:27:09.135" v="5220"/>
-          <ac:graphicFrameMkLst>
-            <pc:docMk/>
-            <pc:sldMk cId="3869306143" sldId="275"/>
-            <ac:graphicFrameMk id="3" creationId="{0F7E4702-DD08-2D2C-EE5B-0AACE86C7433}"/>
-          </ac:graphicFrameMkLst>
-        </pc:graphicFrameChg>
-      </pc:sldChg>
-      <pc:sldChg chg="delSp modSp del mod">
-        <pc:chgData name="Howard Zeng" userId="b3a49412108e13ba" providerId="LiveId" clId="{BCC94F81-CC70-406E-BFFC-3B9E7FA9D0DE}" dt="2023-11-28T22:27:09.135" v="5220"/>
-        <pc:sldMkLst>
-          <pc:docMk/>
-          <pc:sldMk cId="1393951575" sldId="276"/>
-        </pc:sldMkLst>
-        <pc:spChg chg="del mod">
-          <ac:chgData name="Howard Zeng" userId="b3a49412108e13ba" providerId="LiveId" clId="{BCC94F81-CC70-406E-BFFC-3B9E7FA9D0DE}" dt="2023-11-28T22:27:09.135" v="5220"/>
-          <ac:spMkLst>
-            <pc:docMk/>
-            <pc:sldMk cId="1393951575" sldId="276"/>
-            <ac:spMk id="2" creationId="{EAEB2581-BE2A-A2C6-EC71-69DCE5458A24}"/>
-          </ac:spMkLst>
-        </pc:spChg>
-        <pc:graphicFrameChg chg="del">
-          <ac:chgData name="Howard Zeng" userId="b3a49412108e13ba" providerId="LiveId" clId="{BCC94F81-CC70-406E-BFFC-3B9E7FA9D0DE}" dt="2023-11-28T22:27:09.135" v="5220"/>
-          <ac:graphicFrameMkLst>
-            <pc:docMk/>
-            <pc:sldMk cId="1393951575" sldId="276"/>
-            <ac:graphicFrameMk id="3" creationId="{D889D3A6-D58D-3F83-A9EE-A8A5998DA06C}"/>
-          </ac:graphicFrameMkLst>
-        </pc:graphicFrameChg>
-      </pc:sldChg>
-      <pc:sldChg chg="delSp modSp del mod">
-        <pc:chgData name="Howard Zeng" userId="b3a49412108e13ba" providerId="LiveId" clId="{BCC94F81-CC70-406E-BFFC-3B9E7FA9D0DE}" dt="2023-11-28T22:27:09.135" v="5220"/>
-        <pc:sldMkLst>
-          <pc:docMk/>
-          <pc:sldMk cId="3905844732" sldId="277"/>
-        </pc:sldMkLst>
-        <pc:spChg chg="del mod">
-          <ac:chgData name="Howard Zeng" userId="b3a49412108e13ba" providerId="LiveId" clId="{BCC94F81-CC70-406E-BFFC-3B9E7FA9D0DE}" dt="2023-11-28T22:27:09.135" v="5220"/>
-          <ac:spMkLst>
-            <pc:docMk/>
-            <pc:sldMk cId="3905844732" sldId="277"/>
-            <ac:spMk id="2" creationId="{49F59C31-F992-790A-4B2E-F07227430267}"/>
-          </ac:spMkLst>
-        </pc:spChg>
-      </pc:sldChg>
-      <pc:sldChg chg="delSp modSp del mod">
-        <pc:chgData name="Howard Zeng" userId="b3a49412108e13ba" providerId="LiveId" clId="{BCC94F81-CC70-406E-BFFC-3B9E7FA9D0DE}" dt="2023-11-28T22:27:09.135" v="5220"/>
-        <pc:sldMkLst>
-          <pc:docMk/>
-          <pc:sldMk cId="1632893995" sldId="278"/>
-        </pc:sldMkLst>
-        <pc:spChg chg="del mod">
-          <ac:chgData name="Howard Zeng" userId="b3a49412108e13ba" providerId="LiveId" clId="{BCC94F81-CC70-406E-BFFC-3B9E7FA9D0DE}" dt="2023-11-28T22:27:09.135" v="5220"/>
-          <ac:spMkLst>
-            <pc:docMk/>
-            <pc:sldMk cId="1632893995" sldId="278"/>
-            <ac:spMk id="2" creationId="{316E045D-4117-E74E-1442-D0DF7357929B}"/>
-          </ac:spMkLst>
-        </pc:spChg>
-      </pc:sldChg>
-      <pc:sldChg chg="delSp modSp del mod">
-        <pc:chgData name="Howard Zeng" userId="b3a49412108e13ba" providerId="LiveId" clId="{BCC94F81-CC70-406E-BFFC-3B9E7FA9D0DE}" dt="2023-11-28T22:27:09.135" v="5220"/>
-        <pc:sldMkLst>
-          <pc:docMk/>
-          <pc:sldMk cId="3221504828" sldId="279"/>
-        </pc:sldMkLst>
-        <pc:spChg chg="del mod">
-          <ac:chgData name="Howard Zeng" userId="b3a49412108e13ba" providerId="LiveId" clId="{BCC94F81-CC70-406E-BFFC-3B9E7FA9D0DE}" dt="2023-11-28T22:27:09.135" v="5220"/>
-          <ac:spMkLst>
-            <pc:docMk/>
-            <pc:sldMk cId="3221504828" sldId="279"/>
-            <ac:spMk id="2" creationId="{2C1E087B-602B-BA91-791C-63A160C91BCE}"/>
-          </ac:spMkLst>
-        </pc:spChg>
-        <pc:graphicFrameChg chg="del">
-          <ac:chgData name="Howard Zeng" userId="b3a49412108e13ba" providerId="LiveId" clId="{BCC94F81-CC70-406E-BFFC-3B9E7FA9D0DE}" dt="2023-11-28T22:27:09.135" v="5220"/>
-          <ac:graphicFrameMkLst>
-            <pc:docMk/>
-            <pc:sldMk cId="3221504828" sldId="279"/>
-            <ac:graphicFrameMk id="3" creationId="{80DB8687-38ED-E120-4F72-2AAC019A7EAD}"/>
-          </ac:graphicFrameMkLst>
-        </pc:graphicFrameChg>
-      </pc:sldChg>
-      <pc:sldChg chg="delSp del">
-        <pc:chgData name="Howard Zeng" userId="b3a49412108e13ba" providerId="LiveId" clId="{BCC94F81-CC70-406E-BFFC-3B9E7FA9D0DE}" dt="2023-11-28T22:27:09.135" v="5220"/>
-        <pc:sldMkLst>
-          <pc:docMk/>
-          <pc:sldMk cId="2991736365" sldId="280"/>
-        </pc:sldMkLst>
-        <pc:picChg chg="del">
-          <ac:chgData name="Howard Zeng" userId="b3a49412108e13ba" providerId="LiveId" clId="{BCC94F81-CC70-406E-BFFC-3B9E7FA9D0DE}" dt="2023-11-28T22:27:09.135" v="5220"/>
-          <ac:picMkLst>
-            <pc:docMk/>
-            <pc:sldMk cId="2991736365" sldId="280"/>
-            <ac:picMk id="2" creationId="{4F1639F4-2279-57E7-A8E8-07232348525F}"/>
-          </ac:picMkLst>
-        </pc:picChg>
-      </pc:sldChg>
-      <pc:sldChg chg="delSp modSp del mod">
-        <pc:chgData name="Howard Zeng" userId="b3a49412108e13ba" providerId="LiveId" clId="{BCC94F81-CC70-406E-BFFC-3B9E7FA9D0DE}" dt="2023-11-28T22:27:09.135" v="5220"/>
-        <pc:sldMkLst>
-          <pc:docMk/>
-          <pc:sldMk cId="1114782293" sldId="281"/>
-        </pc:sldMkLst>
-        <pc:spChg chg="del mod">
-          <ac:chgData name="Howard Zeng" userId="b3a49412108e13ba" providerId="LiveId" clId="{BCC94F81-CC70-406E-BFFC-3B9E7FA9D0DE}" dt="2023-11-28T22:27:09.135" v="5220"/>
-          <ac:spMkLst>
-            <pc:docMk/>
-            <pc:sldMk cId="1114782293" sldId="281"/>
-            <ac:spMk id="2" creationId="{16A0565B-B8D9-C1E6-75F1-E959EBFCEB70}"/>
-          </ac:spMkLst>
-        </pc:spChg>
-        <pc:picChg chg="del mod">
-          <ac:chgData name="Howard Zeng" userId="b3a49412108e13ba" providerId="LiveId" clId="{BCC94F81-CC70-406E-BFFC-3B9E7FA9D0DE}" dt="2023-11-28T22:27:09.135" v="5220"/>
-          <ac:picMkLst>
-            <pc:docMk/>
-            <pc:sldMk cId="1114782293" sldId="281"/>
-            <ac:picMk id="3" creationId="{30D4E6F1-937F-5DFD-2D79-7B6D5442942E}"/>
-          </ac:picMkLst>
-        </pc:picChg>
-      </pc:sldChg>
-      <pc:sldChg chg="delSp del">
-        <pc:chgData name="Howard Zeng" userId="b3a49412108e13ba" providerId="LiveId" clId="{BCC94F81-CC70-406E-BFFC-3B9E7FA9D0DE}" dt="2023-11-28T22:27:09.135" v="5220"/>
-        <pc:sldMkLst>
-          <pc:docMk/>
-          <pc:sldMk cId="3217142088" sldId="282"/>
-        </pc:sldMkLst>
-        <pc:picChg chg="del">
-          <ac:chgData name="Howard Zeng" userId="b3a49412108e13ba" providerId="LiveId" clId="{BCC94F81-CC70-406E-BFFC-3B9E7FA9D0DE}" dt="2023-11-28T22:27:09.135" v="5220"/>
-          <ac:picMkLst>
-            <pc:docMk/>
-            <pc:sldMk cId="3217142088" sldId="282"/>
-            <ac:picMk id="2" creationId="{E7B32708-B39C-6372-D39D-5593ED53DE38}"/>
-          </ac:picMkLst>
-        </pc:picChg>
-      </pc:sldChg>
-      <pc:sldChg chg="delSp modSp del mod">
-        <pc:chgData name="Howard Zeng" userId="b3a49412108e13ba" providerId="LiveId" clId="{BCC94F81-CC70-406E-BFFC-3B9E7FA9D0DE}" dt="2023-11-28T22:27:09.135" v="5220"/>
-        <pc:sldMkLst>
-          <pc:docMk/>
-          <pc:sldMk cId="3072122102" sldId="283"/>
-        </pc:sldMkLst>
-        <pc:spChg chg="del mod">
-          <ac:chgData name="Howard Zeng" userId="b3a49412108e13ba" providerId="LiveId" clId="{BCC94F81-CC70-406E-BFFC-3B9E7FA9D0DE}" dt="2023-11-28T22:27:09.135" v="5220"/>
-          <ac:spMkLst>
-            <pc:docMk/>
-            <pc:sldMk cId="3072122102" sldId="283"/>
-            <ac:spMk id="2" creationId="{13A59BE0-86F4-1FB7-6E3E-DEC4EB5FCAB4}"/>
-          </ac:spMkLst>
-        </pc:spChg>
-        <pc:graphicFrameChg chg="del">
-          <ac:chgData name="Howard Zeng" userId="b3a49412108e13ba" providerId="LiveId" clId="{BCC94F81-CC70-406E-BFFC-3B9E7FA9D0DE}" dt="2023-11-28T22:27:09.135" v="5220"/>
-          <ac:graphicFrameMkLst>
-            <pc:docMk/>
-            <pc:sldMk cId="3072122102" sldId="283"/>
-            <ac:graphicFrameMk id="3" creationId="{CED4A88A-B5C6-6F43-E43E-42A09C059AAF}"/>
-          </ac:graphicFrameMkLst>
-        </pc:graphicFrameChg>
-      </pc:sldChg>
-      <pc:sldChg chg="delSp modSp del mod">
-        <pc:chgData name="Howard Zeng" userId="b3a49412108e13ba" providerId="LiveId" clId="{BCC94F81-CC70-406E-BFFC-3B9E7FA9D0DE}" dt="2023-11-28T22:27:09.135" v="5220"/>
-        <pc:sldMkLst>
-          <pc:docMk/>
-          <pc:sldMk cId="1468249018" sldId="284"/>
-        </pc:sldMkLst>
-        <pc:spChg chg="del mod">
-          <ac:chgData name="Howard Zeng" userId="b3a49412108e13ba" providerId="LiveId" clId="{BCC94F81-CC70-406E-BFFC-3B9E7FA9D0DE}" dt="2023-11-28T22:27:09.135" v="5220"/>
-          <ac:spMkLst>
-            <pc:docMk/>
-            <pc:sldMk cId="1468249018" sldId="284"/>
-            <ac:spMk id="3" creationId="{ADADD71B-5EAE-89A7-5E68-7BDED873837D}"/>
-          </ac:spMkLst>
-        </pc:spChg>
-        <pc:picChg chg="del">
-          <ac:chgData name="Howard Zeng" userId="b3a49412108e13ba" providerId="LiveId" clId="{BCC94F81-CC70-406E-BFFC-3B9E7FA9D0DE}" dt="2023-11-28T22:27:09.135" v="5220"/>
-          <ac:picMkLst>
-            <pc:docMk/>
-            <pc:sldMk cId="1468249018" sldId="284"/>
-            <ac:picMk id="2" creationId="{A922CC8B-AC8C-F6EA-0A8D-A0224FA10CE8}"/>
-          </ac:picMkLst>
-        </pc:picChg>
-      </pc:sldChg>
-      <pc:sldMasterChg chg="delSldLayout modSldLayout">
-        <pc:chgData name="Howard Zeng" userId="b3a49412108e13ba" providerId="LiveId" clId="{BCC94F81-CC70-406E-BFFC-3B9E7FA9D0DE}" dt="2023-11-28T22:03:25.652" v="4095" actId="47"/>
-        <pc:sldMasterMkLst>
-          <pc:docMk/>
-          <pc:sldMasterMk cId="84953090" sldId="2147483673"/>
-        </pc:sldMasterMkLst>
-        <pc:sldLayoutChg chg="delSp del mod">
-          <pc:chgData name="Howard Zeng" userId="b3a49412108e13ba" providerId="LiveId" clId="{BCC94F81-CC70-406E-BFFC-3B9E7FA9D0DE}" dt="2023-11-28T22:03:25.652" v="4095" actId="47"/>
-          <pc:sldLayoutMkLst>
-            <pc:docMk/>
-            <pc:sldMasterMk cId="84953090" sldId="2147483673"/>
-            <pc:sldLayoutMk cId="1830869205" sldId="2147483674"/>
-          </pc:sldLayoutMkLst>
-          <pc:spChg chg="del">
-            <ac:chgData name="Howard Zeng" userId="b3a49412108e13ba" providerId="LiveId" clId="{BCC94F81-CC70-406E-BFFC-3B9E7FA9D0DE}" dt="2023-11-28T21:53:23.855" v="3537"/>
-            <ac:spMkLst>
-              <pc:docMk/>
-              <pc:sldMasterMk cId="84953090" sldId="2147483673"/>
-              <pc:sldLayoutMk cId="1830869205" sldId="2147483674"/>
-              <ac:spMk id="2" creationId="{44FDCE23-AE33-E450-4B87-CBD8D857E872}"/>
-            </ac:spMkLst>
-          </pc:spChg>
-          <pc:spChg chg="del">
-            <ac:chgData name="Howard Zeng" userId="b3a49412108e13ba" providerId="LiveId" clId="{BCC94F81-CC70-406E-BFFC-3B9E7FA9D0DE}" dt="2023-11-28T21:53:23.855" v="3537"/>
-            <ac:spMkLst>
-              <pc:docMk/>
-              <pc:sldMasterMk cId="84953090" sldId="2147483673"/>
-              <pc:sldLayoutMk cId="1830869205" sldId="2147483674"/>
-              <ac:spMk id="3" creationId="{CC31F57C-D7C4-274C-8EFB-FBB9058EF47F}"/>
-            </ac:spMkLst>
-          </pc:spChg>
-          <pc:spChg chg="del">
-            <ac:chgData name="Howard Zeng" userId="b3a49412108e13ba" providerId="LiveId" clId="{BCC94F81-CC70-406E-BFFC-3B9E7FA9D0DE}" dt="2023-11-28T21:53:23.855" v="3537"/>
-            <ac:spMkLst>
-              <pc:docMk/>
-              <pc:sldMasterMk cId="84953090" sldId="2147483673"/>
-              <pc:sldLayoutMk cId="1830869205" sldId="2147483674"/>
-              <ac:spMk id="4" creationId="{9DAC2CA9-3342-B15B-EC6A-2FC465E1BDCA}"/>
-            </ac:spMkLst>
-          </pc:spChg>
-          <pc:spChg chg="del">
-            <ac:chgData name="Howard Zeng" userId="b3a49412108e13ba" providerId="LiveId" clId="{BCC94F81-CC70-406E-BFFC-3B9E7FA9D0DE}" dt="2023-11-28T21:53:23.855" v="3537"/>
-            <ac:spMkLst>
-              <pc:docMk/>
-              <pc:sldMasterMk cId="84953090" sldId="2147483673"/>
-              <pc:sldLayoutMk cId="1830869205" sldId="2147483674"/>
-              <ac:spMk id="5" creationId="{CA94D8C9-4D78-666E-422D-02DB2E7EB94B}"/>
-            </ac:spMkLst>
-          </pc:spChg>
-        </pc:sldLayoutChg>
-      </pc:sldMasterChg>
-      <pc:sldMasterChg chg="addSldLayout delSldLayout">
-        <pc:chgData name="Howard Zeng" userId="b3a49412108e13ba" providerId="LiveId" clId="{BCC94F81-CC70-406E-BFFC-3B9E7FA9D0DE}" dt="2023-11-28T22:27:09.086" v="5168" actId="2696"/>
-        <pc:sldMasterMkLst>
-          <pc:docMk/>
-          <pc:sldMasterMk cId="3982050810" sldId="2147483686"/>
-        </pc:sldMasterMkLst>
-        <pc:sldLayoutChg chg="add del">
-          <pc:chgData name="Howard Zeng" userId="b3a49412108e13ba" providerId="LiveId" clId="{BCC94F81-CC70-406E-BFFC-3B9E7FA9D0DE}" dt="2023-11-28T22:27:09.085" v="5162" actId="2696"/>
-          <pc:sldLayoutMkLst>
-            <pc:docMk/>
-            <pc:sldMasterMk cId="3982050810" sldId="2147483686"/>
-            <pc:sldLayoutMk cId="1970425328" sldId="2147483693"/>
-          </pc:sldLayoutMkLst>
-        </pc:sldLayoutChg>
-        <pc:sldLayoutChg chg="add del">
-          <pc:chgData name="Howard Zeng" userId="b3a49412108e13ba" providerId="LiveId" clId="{BCC94F81-CC70-406E-BFFC-3B9E7FA9D0DE}" dt="2023-11-28T22:27:09.086" v="5168" actId="2696"/>
-          <pc:sldLayoutMkLst>
-            <pc:docMk/>
-            <pc:sldMasterMk cId="3982050810" sldId="2147483686"/>
-            <pc:sldLayoutMk cId="174031530" sldId="2147483694"/>
-          </pc:sldLayoutMkLst>
-        </pc:sldLayoutChg>
-      </pc:sldMasterChg>
     </pc:docChg>
   </pc:docChgLst>
 </pc:chgInfo>
@@ -26300,7 +23904,7 @@
                 <a:latin typeface="Segoe UI" panose="020B0502040204020203" pitchFamily="34" charset="0"/>
                 <a:ea typeface="DengXian" panose="02010600030101010101" pitchFamily="2" charset="-122"/>
               </a:rPr>
-              <a:t>Motivation</a:t>
+              <a:t>Motivations</a:t>
             </a:r>
           </a:p>
         </p:txBody>
@@ -26338,8 +23942,39 @@
                 <a:latin typeface="Segoe UI" panose="020B0502040204020203" pitchFamily="34" charset="0"/>
                 <a:ea typeface="DengXian" panose="02010600030101010101" pitchFamily="2" charset="-122"/>
               </a:rPr>
+              <a:t>Digitization of trading platforms</a:t>
+            </a:r>
+          </a:p>
+          <a:p>
+            <a:pPr lvl="1"/>
+            <a:r>
+              <a:rPr lang="en-US" altLang="zh-CN" sz="1600" dirty="0">
+                <a:latin typeface="Segoe UI" panose="020B0502040204020203" pitchFamily="34" charset="0"/>
+                <a:ea typeface="DengXian" panose="02010600030101010101" pitchFamily="2" charset="-122"/>
+              </a:rPr>
+              <a:t>The relentless rise of retail trading</a:t>
+            </a:r>
+          </a:p>
+          <a:p>
+            <a:pPr lvl="1"/>
+            <a:r>
+              <a:rPr lang="en-US" altLang="zh-CN" dirty="0">
+                <a:latin typeface="Segoe UI" panose="020B0502040204020203" pitchFamily="34" charset="0"/>
+                <a:ea typeface="DengXian" panose="02010600030101010101" pitchFamily="2" charset="-122"/>
+                <a:hlinkClick r:id="rId3"/>
+              </a:rPr>
               <a:t>GameStop short squeeze</a:t>
             </a:r>
+            <a:endParaRPr lang="en-US" altLang="zh-CN" dirty="0">
+              <a:latin typeface="Segoe UI" panose="020B0502040204020203" pitchFamily="34" charset="0"/>
+              <a:ea typeface="DengXian" panose="02010600030101010101" pitchFamily="2" charset="-122"/>
+            </a:endParaRPr>
+          </a:p>
+          <a:p>
+            <a:endParaRPr lang="en-US" altLang="zh-CN" sz="1800" dirty="0">
+              <a:latin typeface="Segoe UI" panose="020B0502040204020203" pitchFamily="34" charset="0"/>
+              <a:ea typeface="DengXian" panose="02010600030101010101" pitchFamily="2" charset="-122"/>
+            </a:endParaRPr>
           </a:p>
           <a:p>
             <a:pPr lvl="1"/>
@@ -26775,7 +24410,7 @@
           <p:nvPr/>
         </p:nvPicPr>
         <p:blipFill rotWithShape="1">
-          <a:blip r:embed="rId3">
+          <a:blip r:embed="rId4">
             <a:extLst>
               <a:ext uri="{28A0092B-C50C-407E-A947-70E740481C1C}">
                 <a14:useLocalDpi xmlns:a14="http://schemas.microsoft.com/office/drawing/2010/main" val="0"/>
@@ -26787,7 +24422,7 @@
         </p:blipFill>
         <p:spPr>
           <a:xfrm>
-            <a:off x="4005996" y="95278"/>
+            <a:off x="6980165" y="353676"/>
             <a:ext cx="3486122" cy="3486122"/>
           </a:xfrm>
           <a:custGeom>
@@ -26842,14 +24477,14 @@
           <p:nvPr/>
         </p:nvPicPr>
         <p:blipFill rotWithShape="1">
-          <a:blip r:embed="rId4"/>
+          <a:blip r:embed="rId5"/>
           <a:srcRect l="39760" r="4" b="4"/>
           <a:stretch/>
         </p:blipFill>
         <p:spPr>
           <a:xfrm>
-            <a:off x="7329160" y="2117719"/>
-            <a:ext cx="4860403" cy="4740281"/>
+            <a:off x="9023024" y="3769720"/>
+            <a:ext cx="3166539" cy="3088280"/>
           </a:xfrm>
           <a:custGeom>
             <a:avLst/>
@@ -28755,13 +26390,13 @@
           <a:lstStyle/>
           <a:p>
             <a:r>
-              <a:rPr lang="en-US" altLang="zh-CN" sz="4400">
+              <a:rPr lang="en-US" altLang="zh-CN" sz="4400" dirty="0">
                 <a:latin typeface="Segoe UI" panose="020B0502040204020203" pitchFamily="34" charset="0"/>
                 <a:ea typeface="DengXian" panose="02010600030101010101" pitchFamily="2" charset="-122"/>
               </a:rPr>
-              <a:t>Problem Definition</a:t>
+              <a:t>Problems to solve</a:t>
             </a:r>
-            <a:endParaRPr lang="zh-CN" altLang="en-US" sz="4400">
+            <a:endParaRPr lang="zh-CN" altLang="en-US" sz="4400" dirty="0">
               <a:latin typeface="Segoe UI" panose="020B0502040204020203" pitchFamily="34" charset="0"/>
               <a:ea typeface="DengXian" panose="02010600030101010101" pitchFamily="2" charset="-122"/>
             </a:endParaRPr>

--- a/Presentation.pptx
+++ b/Presentation.pptx
@@ -146,7 +146,7 @@
   <pc:docChgLst>
     <pc:chgData name="Howard Zeng" userId="b3a49412108e13ba" providerId="LiveId" clId="{BCC94F81-CC70-406E-BFFC-3B9E7FA9D0DE}"/>
     <pc:docChg chg="undo redo custSel modSld">
-      <pc:chgData name="Howard Zeng" userId="b3a49412108e13ba" providerId="LiveId" clId="{BCC94F81-CC70-406E-BFFC-3B9E7FA9D0DE}" dt="2023-11-28T22:50:24.906" v="94" actId="20577"/>
+      <pc:chgData name="Howard Zeng" userId="b3a49412108e13ba" providerId="LiveId" clId="{BCC94F81-CC70-406E-BFFC-3B9E7FA9D0DE}" dt="2023-11-28T23:23:32.237" v="98" actId="1076"/>
       <pc:docMkLst>
         <pc:docMk/>
       </pc:docMkLst>
@@ -190,6 +190,21 @@
         </pc:picChg>
       </pc:sldChg>
       <pc:sldChg chg="modSp mod">
+        <pc:chgData name="Howard Zeng" userId="b3a49412108e13ba" providerId="LiveId" clId="{BCC94F81-CC70-406E-BFFC-3B9E7FA9D0DE}" dt="2023-11-28T23:23:13.917" v="95" actId="1076"/>
+        <pc:sldMkLst>
+          <pc:docMk/>
+          <pc:sldMk cId="3813925949" sldId="261"/>
+        </pc:sldMkLst>
+        <pc:spChg chg="mod">
+          <ac:chgData name="Howard Zeng" userId="b3a49412108e13ba" providerId="LiveId" clId="{BCC94F81-CC70-406E-BFFC-3B9E7FA9D0DE}" dt="2023-11-28T23:23:13.917" v="95" actId="1076"/>
+          <ac:spMkLst>
+            <pc:docMk/>
+            <pc:sldMk cId="3813925949" sldId="261"/>
+            <ac:spMk id="2" creationId="{A28A7C5A-652F-9093-FC44-BCD72C6595F0}"/>
+          </ac:spMkLst>
+        </pc:spChg>
+      </pc:sldChg>
+      <pc:sldChg chg="modSp mod">
         <pc:chgData name="Howard Zeng" userId="b3a49412108e13ba" providerId="LiveId" clId="{BCC94F81-CC70-406E-BFFC-3B9E7FA9D0DE}" dt="2023-11-28T22:50:24.906" v="94" actId="20577"/>
         <pc:sldMkLst>
           <pc:docMk/>
@@ -203,6 +218,29 @@
             <ac:spMk id="2" creationId="{C6F981CD-8EFA-4F8B-F122-5F300AFE3D31}"/>
           </ac:spMkLst>
         </pc:spChg>
+      </pc:sldChg>
+      <pc:sldChg chg="modSp mod">
+        <pc:chgData name="Howard Zeng" userId="b3a49412108e13ba" providerId="LiveId" clId="{BCC94F81-CC70-406E-BFFC-3B9E7FA9D0DE}" dt="2023-11-28T23:23:32.237" v="98" actId="1076"/>
+        <pc:sldMkLst>
+          <pc:docMk/>
+          <pc:sldMk cId="338603572" sldId="271"/>
+        </pc:sldMkLst>
+        <pc:spChg chg="mod">
+          <ac:chgData name="Howard Zeng" userId="b3a49412108e13ba" providerId="LiveId" clId="{BCC94F81-CC70-406E-BFFC-3B9E7FA9D0DE}" dt="2023-11-28T23:23:32.237" v="98" actId="1076"/>
+          <ac:spMkLst>
+            <pc:docMk/>
+            <pc:sldMk cId="338603572" sldId="271"/>
+            <ac:spMk id="3" creationId="{86C43DC5-0592-B63D-DF99-99EEE41ECB0E}"/>
+          </ac:spMkLst>
+        </pc:spChg>
+        <pc:picChg chg="mod">
+          <ac:chgData name="Howard Zeng" userId="b3a49412108e13ba" providerId="LiveId" clId="{BCC94F81-CC70-406E-BFFC-3B9E7FA9D0DE}" dt="2023-11-28T23:23:27.423" v="97" actId="1076"/>
+          <ac:picMkLst>
+            <pc:docMk/>
+            <pc:sldMk cId="338603572" sldId="271"/>
+            <ac:picMk id="2" creationId="{D314A107-32F4-CB85-DECB-A1C9C41378BF}"/>
+          </ac:picMkLst>
+        </pc:picChg>
       </pc:sldChg>
     </pc:docChg>
   </pc:docChgLst>
@@ -19645,7 +19683,7 @@
         </p:nvSpPr>
         <p:spPr>
           <a:xfrm>
-            <a:off x="9341303" y="2766218"/>
+            <a:off x="9619763" y="2766218"/>
             <a:ext cx="10658475" cy="1325563"/>
           </a:xfrm>
         </p:spPr>
@@ -28277,7 +28315,7 @@
         </p:blipFill>
         <p:spPr>
           <a:xfrm>
-            <a:off x="2136611" y="76200"/>
+            <a:off x="2475569" y="38100"/>
             <a:ext cx="9525000" cy="6781800"/>
           </a:xfrm>
           <a:prstGeom prst="rect">
@@ -28301,7 +28339,7 @@
         </p:nvSpPr>
         <p:spPr>
           <a:xfrm>
-            <a:off x="-3446960" y="-150544"/>
+            <a:off x="-3294712" y="-188644"/>
             <a:ext cx="5770281" cy="3617644"/>
           </a:xfrm>
           <a:prstGeom prst="rect">

--- a/Presentation.pptx
+++ b/Presentation.pptx
@@ -3681,7 +3681,7 @@
           </a:pPr>
           <a:r>
             <a:rPr lang="en-US" dirty="0"/>
-            <a:t>Construct a model to capture buying and selling signal of the stock market</a:t>
+            <a:t>Construct models to capture buying and selling signal</a:t>
           </a:r>
         </a:p>
       </dgm:t>
@@ -3722,7 +3722,7 @@
           </a:pPr>
           <a:r>
             <a:rPr lang="en-US" dirty="0"/>
-            <a:t>Modeling stock market signals for buying and selling</a:t>
+            <a:t>Time series modeling</a:t>
           </a:r>
         </a:p>
       </dgm:t>
@@ -3763,7 +3763,7 @@
           </a:pPr>
           <a:r>
             <a:rPr lang="en-US" dirty="0"/>
-            <a:t>Decision making using the return from models</a:t>
+            <a:t>Dynamic decision making</a:t>
           </a:r>
         </a:p>
       </dgm:t>
@@ -3844,7 +3844,7 @@
             </a:lnSpc>
           </a:pPr>
           <a:r>
-            <a:rPr lang="en-US"/>
+            <a:rPr lang="en-US" dirty="0"/>
             <a:t>Entity matching</a:t>
           </a:r>
         </a:p>
@@ -4081,7 +4081,7 @@
 <dgm:dataModel xmlns:dgm="http://schemas.openxmlformats.org/drawingml/2006/diagram" xmlns:a="http://schemas.openxmlformats.org/drawingml/2006/main">
   <dgm:ptLst>
     <dgm:pt modelId="{B0143521-B3F7-49EE-81E1-D337A8F26784}" type="doc">
-      <dgm:prSet loTypeId="urn:microsoft.com/office/officeart/2005/8/layout/list1" loCatId="list" qsTypeId="urn:microsoft.com/office/officeart/2005/8/quickstyle/simple1" qsCatId="simple" csTypeId="urn:microsoft.com/office/officeart/2005/8/colors/colorful2" csCatId="colorful"/>
+      <dgm:prSet loTypeId="urn:microsoft.com/office/officeart/2005/8/layout/list1" loCatId="list" qsTypeId="urn:microsoft.com/office/officeart/2005/8/quickstyle/simple1" qsCatId="simple" csTypeId="urn:microsoft.com/office/officeart/2005/8/colors/colorful2" csCatId="colorful" phldr="1"/>
       <dgm:spPr/>
       <dgm:t>
         <a:bodyPr/>
@@ -4145,8 +4145,8 @@
             </a:lnSpc>
           </a:pPr>
           <a:r>
-            <a:rPr lang="en-US"/>
-            <a:t>There are paper study the correlation between stock market and retail traders’ sentiment</a:t>
+            <a:rPr lang="en-US" dirty="0"/>
+            <a:t>Study the correlation between stock market and retail traders’ sentiment</a:t>
           </a:r>
         </a:p>
       </dgm:t>
@@ -4186,8 +4186,8 @@
             </a:lnSpc>
           </a:pPr>
           <a:r>
-            <a:rPr lang="en-US"/>
-            <a:t>There are paper about building models to predict stock return</a:t>
+            <a:rPr lang="en-US" dirty="0"/>
+            <a:t>Build models to predict stock return</a:t>
           </a:r>
         </a:p>
       </dgm:t>
@@ -4268,8 +4268,8 @@
             </a:lnSpc>
           </a:pPr>
           <a:r>
-            <a:rPr lang="en-US"/>
-            <a:t>We implemented a dynamic approach to make short term prediction </a:t>
+            <a:rPr lang="en-US" dirty="0"/>
+            <a:t>Implement a dynamic approach to make short to mid term (one week) prediction </a:t>
           </a:r>
         </a:p>
       </dgm:t>
@@ -4309,8 +4309,8 @@
             </a:lnSpc>
           </a:pPr>
           <a:r>
-            <a:rPr lang="en-US"/>
-            <a:t>We focus both on loss and gain</a:t>
+            <a:rPr lang="en-US" dirty="0"/>
+            <a:t>Focus on both loss and gain</a:t>
           </a:r>
         </a:p>
       </dgm:t>
@@ -4350,8 +4350,8 @@
             </a:lnSpc>
           </a:pPr>
           <a:r>
-            <a:rPr lang="en-US"/>
-            <a:t>We incorporate sentiment analysis into our model</a:t>
+            <a:rPr lang="en-US" dirty="0"/>
+            <a:t>Incorporate sentiment analysis into model</a:t>
           </a:r>
         </a:p>
       </dgm:t>
@@ -5069,6 +5069,9 @@
         <a:lstStyle/>
         <a:p>
           <a:pPr>
+            <a:lnSpc>
+              <a:spcPct val="100000"/>
+            </a:lnSpc>
             <a:defRPr b="1"/>
           </a:pPr>
           <a:r>
@@ -5107,9 +5110,14 @@
         <a:bodyPr/>
         <a:lstStyle/>
         <a:p>
+          <a:pPr>
+            <a:lnSpc>
+              <a:spcPct val="100000"/>
+            </a:lnSpc>
+          </a:pPr>
           <a:r>
             <a:rPr lang="en-US" dirty="0"/>
-            <a:t>Capture the sentiment from institutional traders: news, reports published by professional analyst</a:t>
+            <a:t>Include sentiment from institutional traders: news, reports published by professional analyst</a:t>
           </a:r>
         </a:p>
       </dgm:t>
@@ -5144,6 +5152,9 @@
         <a:lstStyle/>
         <a:p>
           <a:pPr>
+            <a:lnSpc>
+              <a:spcPct val="100000"/>
+            </a:lnSpc>
             <a:defRPr b="1"/>
           </a:pPr>
           <a:r>
@@ -5182,9 +5193,14 @@
         <a:bodyPr/>
         <a:lstStyle/>
         <a:p>
+          <a:pPr>
+            <a:lnSpc>
+              <a:spcPct val="100000"/>
+            </a:lnSpc>
+          </a:pPr>
           <a:r>
-            <a:rPr lang="en-US"/>
-            <a:t>Capture more stocks/sectors: meme stock, health sector, retail sector, etc.</a:t>
+            <a:rPr lang="en-US" dirty="0"/>
+            <a:t>Include a diverse number of stocks/sectors: meme stock, health sector, retail sector, etc.</a:t>
           </a:r>
         </a:p>
       </dgm:t>
@@ -5218,9 +5234,14 @@
         <a:bodyPr/>
         <a:lstStyle/>
         <a:p>
+          <a:pPr>
+            <a:lnSpc>
+              <a:spcPct val="100000"/>
+            </a:lnSpc>
+          </a:pPr>
           <a:r>
-            <a:rPr lang="en-US"/>
-            <a:t>Gather more data: earning reports, unemployment rate (every Friday), Open Interest (Option), etc</a:t>
+            <a:rPr lang="en-US" dirty="0"/>
+            <a:t>Gather more financial data: Company performance (earning reports), economic indicator (unemployment rate), derivatives (Open Interest), etc.</a:t>
           </a:r>
         </a:p>
       </dgm:t>
@@ -5254,9 +5275,14 @@
         <a:bodyPr/>
         <a:lstStyle/>
         <a:p>
+          <a:pPr>
+            <a:lnSpc>
+              <a:spcPct val="100000"/>
+            </a:lnSpc>
+          </a:pPr>
           <a:r>
             <a:rPr lang="en-US" dirty="0"/>
-            <a:t>Stock selection (finding alpha)</a:t>
+            <a:t>Implement stock selection (finding the alpha)</a:t>
           </a:r>
         </a:p>
       </dgm:t>
@@ -5290,9 +5316,14 @@
         <a:bodyPr/>
         <a:lstStyle/>
         <a:p>
+          <a:pPr>
+            <a:lnSpc>
+              <a:spcPct val="100000"/>
+            </a:lnSpc>
+          </a:pPr>
           <a:r>
-            <a:rPr lang="en-US"/>
-            <a:t>Portfolio Optimization</a:t>
+            <a:rPr lang="en-US" dirty="0"/>
+            <a:t>Utilize Portfolio Optimization</a:t>
           </a:r>
         </a:p>
       </dgm:t>
@@ -5309,6 +5340,47 @@
       </dgm:t>
     </dgm:pt>
     <dgm:pt modelId="{988AC5BE-F8EA-4E3F-9A46-3E30CCF6B4D6}" type="sibTrans" cxnId="{FC15117B-0FAF-487C-B8CF-7512F2C382E7}">
+      <dgm:prSet/>
+      <dgm:spPr/>
+      <dgm:t>
+        <a:bodyPr/>
+        <a:lstStyle/>
+        <a:p>
+          <a:endParaRPr lang="en-US"/>
+        </a:p>
+      </dgm:t>
+    </dgm:pt>
+    <dgm:pt modelId="{A5B3D8FE-3E9E-440E-98F0-AE14430E62B4}">
+      <dgm:prSet/>
+      <dgm:spPr/>
+      <dgm:t>
+        <a:bodyPr/>
+        <a:lstStyle/>
+        <a:p>
+          <a:pPr>
+            <a:lnSpc>
+              <a:spcPct val="100000"/>
+            </a:lnSpc>
+          </a:pPr>
+          <a:r>
+            <a:rPr lang="en-US" dirty="0"/>
+            <a:t>Obtain larger datasets that represents the distribution of the population</a:t>
+          </a:r>
+        </a:p>
+      </dgm:t>
+    </dgm:pt>
+    <dgm:pt modelId="{78A312CF-A65A-4858-96DB-869204B9FF73}" type="parTrans" cxnId="{DDD45DB8-7B39-4AE4-9509-9BA2635BC8CA}">
+      <dgm:prSet/>
+      <dgm:spPr/>
+      <dgm:t>
+        <a:bodyPr/>
+        <a:lstStyle/>
+        <a:p>
+          <a:endParaRPr lang="en-US"/>
+        </a:p>
+      </dgm:t>
+    </dgm:pt>
+    <dgm:pt modelId="{2815563A-3A10-4481-BE62-FDDED9437547}" type="sibTrans" cxnId="{DDD45DB8-7B39-4AE4-9509-9BA2635BC8CA}">
       <dgm:prSet/>
       <dgm:spPr/>
       <dgm:t>
@@ -5446,9 +5518,11 @@
   <dgm:cxnLst>
     <dgm:cxn modelId="{DBE1621E-E767-4B5E-8B1A-BC02B509904C}" type="presOf" srcId="{41ED9D21-46E0-4784-95FF-26CA84D16CC1}" destId="{EAF35B11-4BE8-4EB8-825F-5AED67565B83}" srcOrd="0" destOrd="3" presId="urn:microsoft.com/office/officeart/2018/2/layout/IconLabelDescriptionList"/>
     <dgm:cxn modelId="{7274562A-6B6B-42A1-BF8E-B64FA5E21AA3}" type="presOf" srcId="{B29D4362-C932-4B2D-967D-A7ADBA2FF915}" destId="{B2DF3FD2-C7A8-4585-9238-D415AB884C13}" srcOrd="0" destOrd="0" presId="urn:microsoft.com/office/officeart/2018/2/layout/IconLabelDescriptionList"/>
+    <dgm:cxn modelId="{3B86CB71-7FFF-4069-8CE4-50B02594BA69}" type="presOf" srcId="{A5B3D8FE-3E9E-440E-98F0-AE14430E62B4}" destId="{B2DF3FD2-C7A8-4585-9238-D415AB884C13}" srcOrd="0" destOrd="1" presId="urn:microsoft.com/office/officeart/2018/2/layout/IconLabelDescriptionList"/>
     <dgm:cxn modelId="{FC15117B-0FAF-487C-B8CF-7512F2C382E7}" srcId="{A68B4BD6-EFD0-4A55-A894-A3B8497E6B31}" destId="{41ED9D21-46E0-4784-95FF-26CA84D16CC1}" srcOrd="3" destOrd="0" parTransId="{9B7C78A1-8104-423E-8138-94C6C882BA65}" sibTransId="{988AC5BE-F8EA-4E3F-9A46-3E30CCF6B4D6}"/>
     <dgm:cxn modelId="{C6709C9E-3367-40A8-8FE4-9D725E2677BE}" srcId="{73F8C4A2-E86C-44C7-B65F-AAFD7EB3B5AB}" destId="{B29D4362-C932-4B2D-967D-A7ADBA2FF915}" srcOrd="0" destOrd="0" parTransId="{B93B0836-127B-4B68-900D-5D1F2E6F38D1}" sibTransId="{A179D0EC-E9E4-4CEC-8533-F6E90596F71C}"/>
     <dgm:cxn modelId="{6886C69E-11FC-4A22-BA74-447D73126544}" type="presOf" srcId="{73F8C4A2-E86C-44C7-B65F-AAFD7EB3B5AB}" destId="{EC898F87-6757-4EA0-B5A2-222ECC7F1C94}" srcOrd="0" destOrd="0" presId="urn:microsoft.com/office/officeart/2018/2/layout/IconLabelDescriptionList"/>
+    <dgm:cxn modelId="{DDD45DB8-7B39-4AE4-9509-9BA2635BC8CA}" srcId="{73F8C4A2-E86C-44C7-B65F-AAFD7EB3B5AB}" destId="{A5B3D8FE-3E9E-440E-98F0-AE14430E62B4}" srcOrd="1" destOrd="0" parTransId="{78A312CF-A65A-4858-96DB-869204B9FF73}" sibTransId="{2815563A-3A10-4481-BE62-FDDED9437547}"/>
     <dgm:cxn modelId="{FFD00DBC-A199-4A7B-B271-AC666AF754FC}" type="presOf" srcId="{DA10DA16-4292-42B8-8449-08E35AF55997}" destId="{EAF35B11-4BE8-4EB8-825F-5AED67565B83}" srcOrd="0" destOrd="2" presId="urn:microsoft.com/office/officeart/2018/2/layout/IconLabelDescriptionList"/>
     <dgm:cxn modelId="{967FEFC9-02F2-4574-BB31-FBAA2E80DFFD}" srcId="{A68B4BD6-EFD0-4A55-A894-A3B8497E6B31}" destId="{DA10DA16-4292-42B8-8449-08E35AF55997}" srcOrd="2" destOrd="0" parTransId="{05ED5716-C5BE-4124-88CF-3199763C91C8}" sibTransId="{0149B01F-C6C9-4D8A-A92E-7C3D938C4B4D}"/>
     <dgm:cxn modelId="{B6FF66D0-9091-48B1-9D58-39270E4380A3}" type="presOf" srcId="{3BF86A3C-E151-4A66-9137-D3C10D62380D}" destId="{EAF35B11-4BE8-4EB8-825F-5AED67565B83}" srcOrd="0" destOrd="0" presId="urn:microsoft.com/office/officeart/2018/2/layout/IconLabelDescriptionList"/>
@@ -5620,7 +5694,7 @@
         </a:bodyPr>
         <a:lstStyle/>
         <a:p>
-          <a:pPr marL="0" lvl="0" indent="0" algn="l" defTabSz="844550">
+          <a:pPr marL="0" lvl="0" indent="0" algn="l" defTabSz="977900">
             <a:lnSpc>
               <a:spcPct val="100000"/>
             </a:lnSpc>
@@ -5633,8 +5707,8 @@
             <a:buNone/>
           </a:pPr>
           <a:r>
-            <a:rPr lang="en-US" sz="1900" kern="1200" dirty="0"/>
-            <a:t>Construct a model to capture buying and selling signal of the stock market</a:t>
+            <a:rPr lang="en-US" sz="2200" kern="1200" dirty="0"/>
+            <a:t>Construct models to capture buying and selling signal</a:t>
           </a:r>
         </a:p>
       </dsp:txBody>
@@ -5680,7 +5754,7 @@
         </a:bodyPr>
         <a:lstStyle/>
         <a:p>
-          <a:pPr marL="0" lvl="0" indent="0" algn="l" defTabSz="577850">
+          <a:pPr marL="0" lvl="0" indent="0" algn="l" defTabSz="711200">
             <a:lnSpc>
               <a:spcPct val="100000"/>
             </a:lnSpc>
@@ -5693,12 +5767,12 @@
             <a:buNone/>
           </a:pPr>
           <a:r>
-            <a:rPr lang="en-US" sz="1300" kern="1200" dirty="0"/>
-            <a:t>Modeling stock market signals for buying and selling</a:t>
+            <a:rPr lang="en-US" sz="1600" kern="1200" dirty="0"/>
+            <a:t>Time series modeling</a:t>
           </a:r>
         </a:p>
         <a:p>
-          <a:pPr marL="0" lvl="0" indent="0" algn="l" defTabSz="577850">
+          <a:pPr marL="0" lvl="0" indent="0" algn="l" defTabSz="711200">
             <a:lnSpc>
               <a:spcPct val="100000"/>
             </a:lnSpc>
@@ -5711,8 +5785,8 @@
             <a:buNone/>
           </a:pPr>
           <a:r>
-            <a:rPr lang="en-US" sz="1300" kern="1200" dirty="0"/>
-            <a:t>Decision making using the return from models</a:t>
+            <a:rPr lang="en-US" sz="1600" kern="1200" dirty="0"/>
+            <a:t>Dynamic decision making</a:t>
           </a:r>
         </a:p>
       </dsp:txBody>
@@ -5850,7 +5924,7 @@
         </a:bodyPr>
         <a:lstStyle/>
         <a:p>
-          <a:pPr marL="0" lvl="0" indent="0" algn="l" defTabSz="844550">
+          <a:pPr marL="0" lvl="0" indent="0" algn="l" defTabSz="977900">
             <a:lnSpc>
               <a:spcPct val="100000"/>
             </a:lnSpc>
@@ -5863,7 +5937,7 @@
             <a:buNone/>
           </a:pPr>
           <a:r>
-            <a:rPr lang="en-US" sz="1900" kern="1200" dirty="0"/>
+            <a:rPr lang="en-US" sz="2200" kern="1200" dirty="0"/>
             <a:t>Implement sentiment analysis of retail trader and study their impact</a:t>
           </a:r>
         </a:p>
@@ -5910,7 +5984,7 @@
         </a:bodyPr>
         <a:lstStyle/>
         <a:p>
-          <a:pPr marL="0" lvl="0" indent="0" algn="l" defTabSz="577850">
+          <a:pPr marL="0" lvl="0" indent="0" algn="l" defTabSz="711200">
             <a:lnSpc>
               <a:spcPct val="100000"/>
             </a:lnSpc>
@@ -5923,12 +5997,12 @@
             <a:buNone/>
           </a:pPr>
           <a:r>
-            <a:rPr lang="en-US" sz="1300" kern="1200"/>
+            <a:rPr lang="en-US" sz="1600" kern="1200" dirty="0"/>
             <a:t>Entity matching</a:t>
           </a:r>
         </a:p>
         <a:p>
-          <a:pPr marL="0" lvl="0" indent="0" algn="l" defTabSz="577850">
+          <a:pPr marL="0" lvl="0" indent="0" algn="l" defTabSz="711200">
             <a:lnSpc>
               <a:spcPct val="100000"/>
             </a:lnSpc>
@@ -5941,7 +6015,7 @@
             <a:buNone/>
           </a:pPr>
           <a:r>
-            <a:rPr lang="en-US" sz="1300" kern="1200" dirty="0"/>
+            <a:rPr lang="en-US" sz="1600" kern="1200" dirty="0"/>
             <a:t>Sentiment analysis</a:t>
           </a:r>
         </a:p>
@@ -5970,8 +6044,8 @@
       </dsp:nvSpPr>
       <dsp:spPr>
         <a:xfrm>
-          <a:off x="0" y="282849"/>
-          <a:ext cx="5891471" cy="2214450"/>
+          <a:off x="0" y="405024"/>
+          <a:ext cx="5891471" cy="1719900"/>
         </a:xfrm>
         <a:prstGeom prst="rect">
           <a:avLst/>
@@ -6012,12 +6086,12 @@
         <a:fontRef idx="minor"/>
       </dsp:style>
       <dsp:txBody>
-        <a:bodyPr spcFirstLastPara="0" vert="horz" wrap="square" lIns="457244" tIns="395732" rIns="457244" bIns="135128" numCol="1" spcCol="1270" anchor="t" anchorCtr="0">
+        <a:bodyPr spcFirstLastPara="0" vert="horz" wrap="square" lIns="457244" tIns="437388" rIns="457244" bIns="149352" numCol="1" spcCol="1270" anchor="t" anchorCtr="0">
           <a:noAutofit/>
         </a:bodyPr>
         <a:lstStyle/>
         <a:p>
-          <a:pPr marL="171450" lvl="1" indent="-171450" algn="l" defTabSz="844550">
+          <a:pPr marL="228600" lvl="1" indent="-228600" algn="l" defTabSz="933450">
             <a:lnSpc>
               <a:spcPct val="100000"/>
             </a:lnSpc>
@@ -6030,12 +6104,12 @@
             <a:buChar char="•"/>
           </a:pPr>
           <a:r>
-            <a:rPr lang="en-US" sz="1900" kern="1200"/>
-            <a:t>There are paper study the correlation between stock market and retail traders’ sentiment</a:t>
+            <a:rPr lang="en-US" sz="2100" kern="1200" dirty="0"/>
+            <a:t>Study the correlation between stock market and retail traders’ sentiment</a:t>
           </a:r>
         </a:p>
         <a:p>
-          <a:pPr marL="171450" lvl="1" indent="-171450" algn="l" defTabSz="844550">
+          <a:pPr marL="228600" lvl="1" indent="-228600" algn="l" defTabSz="933450">
             <a:lnSpc>
               <a:spcPct val="100000"/>
             </a:lnSpc>
@@ -6048,14 +6122,14 @@
             <a:buChar char="•"/>
           </a:pPr>
           <a:r>
-            <a:rPr lang="en-US" sz="1900" kern="1200"/>
-            <a:t>There are paper about building models to predict stock return</a:t>
+            <a:rPr lang="en-US" sz="2100" kern="1200" dirty="0"/>
+            <a:t>Build models to predict stock return</a:t>
           </a:r>
         </a:p>
       </dsp:txBody>
       <dsp:txXfrm>
-        <a:off x="0" y="282849"/>
-        <a:ext cx="5891471" cy="2214450"/>
+        <a:off x="0" y="405024"/>
+        <a:ext cx="5891471" cy="1719900"/>
       </dsp:txXfrm>
     </dsp:sp>
     <dsp:sp modelId="{3D78E7DC-E549-4121-9EC8-783C9EC0AC04}">
@@ -6065,8 +6139,8 @@
       </dsp:nvSpPr>
       <dsp:spPr>
         <a:xfrm>
-          <a:off x="294573" y="2409"/>
-          <a:ext cx="4124029" cy="560880"/>
+          <a:off x="294573" y="95064"/>
+          <a:ext cx="4124029" cy="619920"/>
         </a:xfrm>
         <a:prstGeom prst="roundRect">
           <a:avLst/>
@@ -6113,7 +6187,7 @@
         </a:bodyPr>
         <a:lstStyle/>
         <a:p>
-          <a:pPr marL="0" lvl="0" indent="0" algn="l" defTabSz="844550">
+          <a:pPr marL="0" lvl="0" indent="0" algn="l" defTabSz="933450">
             <a:lnSpc>
               <a:spcPct val="100000"/>
             </a:lnSpc>
@@ -6126,14 +6200,14 @@
             <a:buNone/>
           </a:pPr>
           <a:r>
-            <a:rPr lang="en-US" sz="1900" kern="1200"/>
+            <a:rPr lang="en-US" sz="2100" kern="1200"/>
             <a:t>Similarities:</a:t>
           </a:r>
         </a:p>
       </dsp:txBody>
       <dsp:txXfrm>
-        <a:off x="321953" y="29789"/>
-        <a:ext cx="4069269" cy="506120"/>
+        <a:off x="324835" y="125326"/>
+        <a:ext cx="4063505" cy="559396"/>
       </dsp:txXfrm>
     </dsp:sp>
     <dsp:sp modelId="{1B0A7A31-21EB-4189-8994-DEC93D450867}">
@@ -6143,8 +6217,8 @@
       </dsp:nvSpPr>
       <dsp:spPr>
         <a:xfrm>
-          <a:off x="0" y="2880339"/>
-          <a:ext cx="5891471" cy="2274300"/>
+          <a:off x="0" y="2548284"/>
+          <a:ext cx="5891471" cy="2513700"/>
         </a:xfrm>
         <a:prstGeom prst="rect">
           <a:avLst/>
@@ -6185,12 +6259,12 @@
         <a:fontRef idx="minor"/>
       </dsp:style>
       <dsp:txBody>
-        <a:bodyPr spcFirstLastPara="0" vert="horz" wrap="square" lIns="457244" tIns="395732" rIns="457244" bIns="135128" numCol="1" spcCol="1270" anchor="t" anchorCtr="0">
+        <a:bodyPr spcFirstLastPara="0" vert="horz" wrap="square" lIns="457244" tIns="437388" rIns="457244" bIns="149352" numCol="1" spcCol="1270" anchor="t" anchorCtr="0">
           <a:noAutofit/>
         </a:bodyPr>
         <a:lstStyle/>
         <a:p>
-          <a:pPr marL="171450" lvl="1" indent="-171450" algn="l" defTabSz="844550">
+          <a:pPr marL="228600" lvl="1" indent="-228600" algn="l" defTabSz="933450">
             <a:lnSpc>
               <a:spcPct val="100000"/>
             </a:lnSpc>
@@ -6203,12 +6277,12 @@
             <a:buChar char="•"/>
           </a:pPr>
           <a:r>
-            <a:rPr lang="en-US" sz="1900" kern="1200"/>
-            <a:t>We implemented a dynamic approach to make short term prediction </a:t>
+            <a:rPr lang="en-US" sz="2100" kern="1200" dirty="0"/>
+            <a:t>Implement a dynamic approach to make short to mid term (one week) prediction </a:t>
           </a:r>
         </a:p>
         <a:p>
-          <a:pPr marL="171450" lvl="1" indent="-171450" algn="l" defTabSz="844550">
+          <a:pPr marL="228600" lvl="1" indent="-228600" algn="l" defTabSz="933450">
             <a:lnSpc>
               <a:spcPct val="100000"/>
             </a:lnSpc>
@@ -6221,12 +6295,12 @@
             <a:buChar char="•"/>
           </a:pPr>
           <a:r>
-            <a:rPr lang="en-US" sz="1900" kern="1200"/>
-            <a:t>We focus both on loss and gain</a:t>
+            <a:rPr lang="en-US" sz="2100" kern="1200" dirty="0"/>
+            <a:t>Focus on both loss and gain</a:t>
           </a:r>
         </a:p>
         <a:p>
-          <a:pPr marL="171450" lvl="1" indent="-171450" algn="l" defTabSz="844550">
+          <a:pPr marL="228600" lvl="1" indent="-228600" algn="l" defTabSz="933450">
             <a:lnSpc>
               <a:spcPct val="100000"/>
             </a:lnSpc>
@@ -6239,14 +6313,14 @@
             <a:buChar char="•"/>
           </a:pPr>
           <a:r>
-            <a:rPr lang="en-US" sz="1900" kern="1200"/>
-            <a:t>We incorporate sentiment analysis into our model</a:t>
+            <a:rPr lang="en-US" sz="2100" kern="1200" dirty="0"/>
+            <a:t>Incorporate sentiment analysis into model</a:t>
           </a:r>
         </a:p>
       </dsp:txBody>
       <dsp:txXfrm>
-        <a:off x="0" y="2880339"/>
-        <a:ext cx="5891471" cy="2274300"/>
+        <a:off x="0" y="2548284"/>
+        <a:ext cx="5891471" cy="2513700"/>
       </dsp:txXfrm>
     </dsp:sp>
     <dsp:sp modelId="{F27E2B59-372A-402C-B697-3DE712A58854}">
@@ -6256,8 +6330,8 @@
       </dsp:nvSpPr>
       <dsp:spPr>
         <a:xfrm>
-          <a:off x="294573" y="2599899"/>
-          <a:ext cx="4124029" cy="560880"/>
+          <a:off x="294573" y="2238324"/>
+          <a:ext cx="4124029" cy="619920"/>
         </a:xfrm>
         <a:prstGeom prst="roundRect">
           <a:avLst/>
@@ -6304,7 +6378,7 @@
         </a:bodyPr>
         <a:lstStyle/>
         <a:p>
-          <a:pPr marL="0" lvl="0" indent="0" algn="l" defTabSz="844550">
+          <a:pPr marL="0" lvl="0" indent="0" algn="l" defTabSz="933450">
             <a:lnSpc>
               <a:spcPct val="100000"/>
             </a:lnSpc>
@@ -6317,14 +6391,14 @@
             <a:buNone/>
           </a:pPr>
           <a:r>
-            <a:rPr lang="en-US" sz="1900" kern="1200"/>
+            <a:rPr lang="en-US" sz="2100" kern="1200"/>
             <a:t>Uniqueness</a:t>
           </a:r>
         </a:p>
       </dsp:txBody>
       <dsp:txXfrm>
-        <a:off x="321953" y="2627279"/>
-        <a:ext cx="4069269" cy="506120"/>
+        <a:off x="324835" y="2268586"/>
+        <a:ext cx="4063505" cy="559396"/>
       </dsp:txXfrm>
     </dsp:sp>
   </dsp:spTree>
@@ -7187,8 +7261,8 @@
       </dsp:nvSpPr>
       <dsp:spPr>
         <a:xfrm>
-          <a:off x="640408" y="443674"/>
-          <a:ext cx="1509048" cy="1103228"/>
+          <a:off x="640408" y="0"/>
+          <a:ext cx="1509048" cy="1265749"/>
         </a:xfrm>
         <a:prstGeom prst="rect">
           <a:avLst/>
@@ -7237,8 +7311,8 @@
       </dsp:nvSpPr>
       <dsp:spPr>
         <a:xfrm>
-          <a:off x="640408" y="1650255"/>
-          <a:ext cx="4311566" cy="472812"/>
+          <a:off x="640408" y="1384327"/>
+          <a:ext cx="4311566" cy="542464"/>
         </a:xfrm>
         <a:prstGeom prst="rect">
           <a:avLst/>
@@ -7267,9 +7341,9 @@
         </a:bodyPr>
         <a:lstStyle/>
         <a:p>
-          <a:pPr marL="0" lvl="0" indent="0" algn="l" defTabSz="1377950">
+          <a:pPr marL="0" lvl="0" indent="0" algn="l" defTabSz="1422400">
             <a:lnSpc>
-              <a:spcPct val="90000"/>
+              <a:spcPct val="100000"/>
             </a:lnSpc>
             <a:spcBef>
               <a:spcPct val="0"/>
@@ -7281,14 +7355,14 @@
             <a:defRPr b="1"/>
           </a:pPr>
           <a:r>
-            <a:rPr lang="en-US" sz="3100" kern="1200"/>
+            <a:rPr lang="en-US" sz="3200" kern="1200"/>
             <a:t>Sentiment Analysis</a:t>
           </a:r>
         </a:p>
       </dsp:txBody>
       <dsp:txXfrm>
-        <a:off x="640408" y="1650255"/>
-        <a:ext cx="4311566" cy="472812"/>
+        <a:off x="640408" y="1384327"/>
+        <a:ext cx="4311566" cy="542464"/>
       </dsp:txXfrm>
     </dsp:sp>
     <dsp:sp modelId="{B2DF3FD2-C7A8-4585-9238-D415AB884C13}">
@@ -7298,8 +7372,8 @@
       </dsp:nvSpPr>
       <dsp:spPr>
         <a:xfrm>
-          <a:off x="640408" y="2171138"/>
-          <a:ext cx="4311566" cy="676075"/>
+          <a:off x="640408" y="1981943"/>
+          <a:ext cx="4311566" cy="1308944"/>
         </a:xfrm>
         <a:prstGeom prst="rect">
           <a:avLst/>
@@ -7330,7 +7404,7 @@
         <a:p>
           <a:pPr marL="0" lvl="0" indent="0" algn="l" defTabSz="755650">
             <a:lnSpc>
-              <a:spcPct val="90000"/>
+              <a:spcPct val="100000"/>
             </a:lnSpc>
             <a:spcBef>
               <a:spcPct val="0"/>
@@ -7342,13 +7416,31 @@
           </a:pPr>
           <a:r>
             <a:rPr lang="en-US" sz="1700" kern="1200" dirty="0"/>
-            <a:t>Capture the sentiment from institutional traders: news, reports published by professional analyst</a:t>
+            <a:t>Include sentiment from institutional traders: news, reports published by professional analyst</a:t>
+          </a:r>
+        </a:p>
+        <a:p>
+          <a:pPr marL="0" lvl="0" indent="0" algn="l" defTabSz="755650">
+            <a:lnSpc>
+              <a:spcPct val="100000"/>
+            </a:lnSpc>
+            <a:spcBef>
+              <a:spcPct val="0"/>
+            </a:spcBef>
+            <a:spcAft>
+              <a:spcPct val="35000"/>
+            </a:spcAft>
+            <a:buNone/>
+          </a:pPr>
+          <a:r>
+            <a:rPr lang="en-US" sz="1700" kern="1200" dirty="0"/>
+            <a:t>Obtain larger datasets that represents the distribution of the population</a:t>
           </a:r>
         </a:p>
       </dsp:txBody>
       <dsp:txXfrm>
-        <a:off x="640408" y="2171138"/>
-        <a:ext cx="4311566" cy="676075"/>
+        <a:off x="640408" y="1981943"/>
+        <a:ext cx="4311566" cy="1308944"/>
       </dsp:txXfrm>
     </dsp:sp>
     <dsp:sp modelId="{723A101C-2105-4A30-B931-735170649757}">
@@ -7358,8 +7450,8 @@
       </dsp:nvSpPr>
       <dsp:spPr>
         <a:xfrm>
-          <a:off x="5706499" y="443674"/>
-          <a:ext cx="1509048" cy="1103228"/>
+          <a:off x="5706499" y="0"/>
+          <a:ext cx="1509048" cy="1265749"/>
         </a:xfrm>
         <a:prstGeom prst="rect">
           <a:avLst/>
@@ -7408,8 +7500,8 @@
       </dsp:nvSpPr>
       <dsp:spPr>
         <a:xfrm>
-          <a:off x="5706499" y="1650255"/>
-          <a:ext cx="4311566" cy="472812"/>
+          <a:off x="5706499" y="1384327"/>
+          <a:ext cx="4311566" cy="542464"/>
         </a:xfrm>
         <a:prstGeom prst="rect">
           <a:avLst/>
@@ -7438,9 +7530,9 @@
         </a:bodyPr>
         <a:lstStyle/>
         <a:p>
-          <a:pPr marL="0" lvl="0" indent="0" algn="l" defTabSz="1377950">
+          <a:pPr marL="0" lvl="0" indent="0" algn="l" defTabSz="1422400">
             <a:lnSpc>
-              <a:spcPct val="90000"/>
+              <a:spcPct val="100000"/>
             </a:lnSpc>
             <a:spcBef>
               <a:spcPct val="0"/>
@@ -7452,14 +7544,14 @@
             <a:defRPr b="1"/>
           </a:pPr>
           <a:r>
-            <a:rPr lang="en-US" sz="3100" kern="1200"/>
+            <a:rPr lang="en-US" sz="3200" kern="1200"/>
             <a:t>Stock Prediction</a:t>
           </a:r>
         </a:p>
       </dsp:txBody>
       <dsp:txXfrm>
-        <a:off x="5706499" y="1650255"/>
-        <a:ext cx="4311566" cy="472812"/>
+        <a:off x="5706499" y="1384327"/>
+        <a:ext cx="4311566" cy="542464"/>
       </dsp:txXfrm>
     </dsp:sp>
     <dsp:sp modelId="{EAF35B11-4BE8-4EB8-825F-5AED67565B83}">
@@ -7469,8 +7561,8 @@
       </dsp:nvSpPr>
       <dsp:spPr>
         <a:xfrm>
-          <a:off x="5706499" y="2171138"/>
-          <a:ext cx="4311566" cy="676075"/>
+          <a:off x="5706499" y="1981943"/>
+          <a:ext cx="4311566" cy="1308944"/>
         </a:xfrm>
         <a:prstGeom prst="rect">
           <a:avLst/>
@@ -7501,43 +7593,7 @@
         <a:p>
           <a:pPr marL="0" lvl="0" indent="0" algn="l" defTabSz="755650">
             <a:lnSpc>
-              <a:spcPct val="90000"/>
-            </a:lnSpc>
-            <a:spcBef>
-              <a:spcPct val="0"/>
-            </a:spcBef>
-            <a:spcAft>
-              <a:spcPct val="35000"/>
-            </a:spcAft>
-            <a:buNone/>
-          </a:pPr>
-          <a:r>
-            <a:rPr lang="en-US" sz="1700" kern="1200"/>
-            <a:t>Capture more stocks/sectors: meme stock, health sector, retail sector, etc.</a:t>
-          </a:r>
-        </a:p>
-        <a:p>
-          <a:pPr marL="0" lvl="0" indent="0" algn="l" defTabSz="755650">
-            <a:lnSpc>
-              <a:spcPct val="90000"/>
-            </a:lnSpc>
-            <a:spcBef>
-              <a:spcPct val="0"/>
-            </a:spcBef>
-            <a:spcAft>
-              <a:spcPct val="35000"/>
-            </a:spcAft>
-            <a:buNone/>
-          </a:pPr>
-          <a:r>
-            <a:rPr lang="en-US" sz="1700" kern="1200"/>
-            <a:t>Gather more data: earning reports, unemployment rate (every Friday), Open Interest (Option), etc</a:t>
-          </a:r>
-        </a:p>
-        <a:p>
-          <a:pPr marL="0" lvl="0" indent="0" algn="l" defTabSz="755650">
-            <a:lnSpc>
-              <a:spcPct val="90000"/>
+              <a:spcPct val="100000"/>
             </a:lnSpc>
             <a:spcBef>
               <a:spcPct val="0"/>
@@ -7549,13 +7605,13 @@
           </a:pPr>
           <a:r>
             <a:rPr lang="en-US" sz="1700" kern="1200" dirty="0"/>
-            <a:t>Stock selection (finding alpha)</a:t>
+            <a:t>Include a diverse number of stocks/sectors: meme stock, health sector, retail sector, etc.</a:t>
           </a:r>
         </a:p>
         <a:p>
           <a:pPr marL="0" lvl="0" indent="0" algn="l" defTabSz="755650">
             <a:lnSpc>
-              <a:spcPct val="90000"/>
+              <a:spcPct val="100000"/>
             </a:lnSpc>
             <a:spcBef>
               <a:spcPct val="0"/>
@@ -7566,14 +7622,50 @@
             <a:buNone/>
           </a:pPr>
           <a:r>
-            <a:rPr lang="en-US" sz="1700" kern="1200"/>
-            <a:t>Portfolio Optimization</a:t>
+            <a:rPr lang="en-US" sz="1700" kern="1200" dirty="0"/>
+            <a:t>Gather more financial data: Company performance (earning reports), economic indicator (unemployment rate), derivatives (Open Interest), etc.</a:t>
+          </a:r>
+        </a:p>
+        <a:p>
+          <a:pPr marL="0" lvl="0" indent="0" algn="l" defTabSz="755650">
+            <a:lnSpc>
+              <a:spcPct val="100000"/>
+            </a:lnSpc>
+            <a:spcBef>
+              <a:spcPct val="0"/>
+            </a:spcBef>
+            <a:spcAft>
+              <a:spcPct val="35000"/>
+            </a:spcAft>
+            <a:buNone/>
+          </a:pPr>
+          <a:r>
+            <a:rPr lang="en-US" sz="1700" kern="1200" dirty="0"/>
+            <a:t>Implement stock selection (finding the alpha)</a:t>
+          </a:r>
+        </a:p>
+        <a:p>
+          <a:pPr marL="0" lvl="0" indent="0" algn="l" defTabSz="755650">
+            <a:lnSpc>
+              <a:spcPct val="100000"/>
+            </a:lnSpc>
+            <a:spcBef>
+              <a:spcPct val="0"/>
+            </a:spcBef>
+            <a:spcAft>
+              <a:spcPct val="35000"/>
+            </a:spcAft>
+            <a:buNone/>
+          </a:pPr>
+          <a:r>
+            <a:rPr lang="en-US" sz="1700" kern="1200" dirty="0"/>
+            <a:t>Utilize Portfolio Optimization</a:t>
           </a:r>
         </a:p>
       </dsp:txBody>
       <dsp:txXfrm>
-        <a:off x="5706499" y="2171138"/>
-        <a:ext cx="4311566" cy="676075"/>
+        <a:off x="5706499" y="1981943"/>
+        <a:ext cx="4311566" cy="1308944"/>
       </dsp:txXfrm>
     </dsp:sp>
   </dsp:spTree>
@@ -20481,7 +20573,7 @@
             <p:ph idx="1"/>
             <p:extLst>
               <p:ext uri="{D42A27DB-BD31-4B8C-83A1-F6EECF244321}">
-                <p14:modId xmlns:p14="http://schemas.microsoft.com/office/powerpoint/2010/main" val="673735195"/>
+                <p14:modId xmlns:p14="http://schemas.microsoft.com/office/powerpoint/2010/main" val="3278022183"/>
               </p:ext>
             </p:extLst>
           </p:nvPr>
@@ -25126,7 +25218,7 @@
                     <a:latin typeface="Segoe UI" panose="020B0502040204020203" pitchFamily="34" charset="0"/>
                     <a:ea typeface="DengXian" panose="02010600030101010101" pitchFamily="2" charset="-122"/>
                   </a:rPr>
-                  <a:t>Post from Twitter and Reddit</a:t>
+                  <a:t>Posts from Twitter and Reddit</a:t>
                 </a:r>
                 <a:endParaRPr lang="zh-CN" altLang="en-US" dirty="0">
                   <a:latin typeface="Segoe UI" panose="020B0502040204020203" pitchFamily="34" charset="0"/>
@@ -25261,7 +25353,7 @@
                     <a:latin typeface="Segoe UI" panose="020B0502040204020203" pitchFamily="34" charset="0"/>
                     <a:ea typeface="DengXian" panose="02010600030101010101" pitchFamily="2" charset="-122"/>
                   </a:rPr>
-                  <a:t>Stock data: Close, Volume, etc.</a:t>
+                  <a:t>Stock data: Price, Volume, etc.</a:t>
                 </a:r>
                 <a:endParaRPr lang="zh-CN" altLang="en-US" sz="2000" dirty="0">
                   <a:latin typeface="Segoe UI" panose="020B0502040204020203" pitchFamily="34" charset="0"/>
@@ -26457,7 +26549,7 @@
             <p:ph idx="1"/>
             <p:extLst>
               <p:ext uri="{D42A27DB-BD31-4B8C-83A1-F6EECF244321}">
-                <p14:modId xmlns:p14="http://schemas.microsoft.com/office/powerpoint/2010/main" val="3474742827"/>
+                <p14:modId xmlns:p14="http://schemas.microsoft.com/office/powerpoint/2010/main" val="351797044"/>
               </p:ext>
             </p:extLst>
           </p:nvPr>
@@ -27198,7 +27290,7 @@
             <p:ph idx="1"/>
             <p:extLst>
               <p:ext uri="{D42A27DB-BD31-4B8C-83A1-F6EECF244321}">
-                <p14:modId xmlns:p14="http://schemas.microsoft.com/office/powerpoint/2010/main" val="481149539"/>
+                <p14:modId xmlns:p14="http://schemas.microsoft.com/office/powerpoint/2010/main" val="2788398172"/>
               </p:ext>
             </p:extLst>
           </p:nvPr>
@@ -27586,7 +27678,7 @@
           <a:lstStyle/>
           <a:p>
             <a:r>
-              <a:rPr lang="en-US" sz="4400">
+              <a:rPr lang="en-US" sz="4400" dirty="0">
                 <a:latin typeface="Segoe UI" panose="020B0502040204020203" pitchFamily="34" charset="0"/>
                 <a:ea typeface="DengXian" panose="02010600030101010101" pitchFamily="2" charset="-122"/>
               </a:rPr>

--- a/Presentation.pptx
+++ b/Presentation.pptx
@@ -5,7 +5,7 @@
     <p:sldMasterId id="2147483673" r:id="rId1"/>
   </p:sldMasterIdLst>
   <p:notesMasterIdLst>
-    <p:notesMasterId r:id="rId17"/>
+    <p:notesMasterId r:id="rId15"/>
   </p:notesMasterIdLst>
   <p:sldIdLst>
     <p:sldId id="256" r:id="rId2"/>
@@ -16,13 +16,11 @@
     <p:sldId id="258" r:id="rId7"/>
     <p:sldId id="260" r:id="rId8"/>
     <p:sldId id="259" r:id="rId9"/>
-    <p:sldId id="271" r:id="rId10"/>
-    <p:sldId id="266" r:id="rId11"/>
-    <p:sldId id="261" r:id="rId12"/>
-    <p:sldId id="265" r:id="rId13"/>
-    <p:sldId id="262" r:id="rId14"/>
-    <p:sldId id="268" r:id="rId15"/>
-    <p:sldId id="269" r:id="rId16"/>
+    <p:sldId id="261" r:id="rId10"/>
+    <p:sldId id="265" r:id="rId11"/>
+    <p:sldId id="262" r:id="rId12"/>
+    <p:sldId id="268" r:id="rId13"/>
+    <p:sldId id="269" r:id="rId14"/>
   </p:sldIdLst>
   <p:sldSz cx="12192000" cy="6858000"/>
   <p:notesSz cx="6858000" cy="9144000"/>
@@ -12885,7 +12883,7 @@
           <a:p>
             <a:fld id="{DC4BD341-C8BA-4F03-B5F5-EBD7E71B4F25}" type="datetimeFigureOut">
               <a:rPr lang="zh-CN" altLang="en-US" smtClean="0"/>
-              <a:t>2023/11/28</a:t>
+              <a:t>2023/11/29</a:t>
             </a:fld>
             <a:endParaRPr lang="zh-CN" altLang="en-US"/>
           </a:p>
@@ -13281,7 +13279,7 @@
           <a:bodyPr/>
           <a:lstStyle/>
           <a:p>
-            <a:endParaRPr lang="zh-CN" altLang="en-US" dirty="0"/>
+            <a:endParaRPr lang="zh-CN" altLang="en-US"/>
           </a:p>
         </p:txBody>
       </p:sp>
@@ -13302,7 +13300,7 @@
           <a:p>
             <a:fld id="{057FAD25-51B6-419D-B421-616EF620C45E}" type="slidenum">
               <a:rPr lang="zh-CN" altLang="en-US" smtClean="0"/>
-              <a:t>12</a:t>
+              <a:t>11</a:t>
             </a:fld>
             <a:endParaRPr lang="zh-CN" altLang="en-US"/>
           </a:p>
@@ -13311,7 +13309,7 @@
     </p:spTree>
     <p:extLst>
       <p:ext uri="{BB962C8B-B14F-4D97-AF65-F5344CB8AC3E}">
-        <p14:creationId xmlns:p14="http://schemas.microsoft.com/office/powerpoint/2010/main" val="732048712"/>
+        <p14:creationId xmlns:p14="http://schemas.microsoft.com/office/powerpoint/2010/main" val="3074327906"/>
       </p:ext>
     </p:extLst>
   </p:cSld>
@@ -13387,90 +13385,6 @@
             <a:fld id="{057FAD25-51B6-419D-B421-616EF620C45E}" type="slidenum">
               <a:rPr lang="zh-CN" altLang="en-US" smtClean="0"/>
               <a:t>13</a:t>
-            </a:fld>
-            <a:endParaRPr lang="zh-CN" altLang="en-US"/>
-          </a:p>
-        </p:txBody>
-      </p:sp>
-    </p:spTree>
-    <p:extLst>
-      <p:ext uri="{BB962C8B-B14F-4D97-AF65-F5344CB8AC3E}">
-        <p14:creationId xmlns:p14="http://schemas.microsoft.com/office/powerpoint/2010/main" val="3074327906"/>
-      </p:ext>
-    </p:extLst>
-  </p:cSld>
-  <p:clrMapOvr>
-    <a:masterClrMapping/>
-  </p:clrMapOvr>
-</p:notes>
-</file>
-
-<file path=ppt/notesSlides/notesSlide12.xml><?xml version="1.0" encoding="utf-8"?>
-<p:notes xmlns:a="http://schemas.openxmlformats.org/drawingml/2006/main" xmlns:r="http://schemas.openxmlformats.org/officeDocument/2006/relationships" xmlns:p="http://schemas.openxmlformats.org/presentationml/2006/main">
-  <p:cSld>
-    <p:spTree>
-      <p:nvGrpSpPr>
-        <p:cNvPr id="1" name=""/>
-        <p:cNvGrpSpPr/>
-        <p:nvPr/>
-      </p:nvGrpSpPr>
-      <p:grpSpPr>
-        <a:xfrm>
-          <a:off x="0" y="0"/>
-          <a:ext cx="0" cy="0"/>
-          <a:chOff x="0" y="0"/>
-          <a:chExt cx="0" cy="0"/>
-        </a:xfrm>
-      </p:grpSpPr>
-      <p:sp>
-        <p:nvSpPr>
-          <p:cNvPr id="2" name="Slide Image Placeholder 1"/>
-          <p:cNvSpPr>
-            <a:spLocks noGrp="1" noRot="1" noChangeAspect="1"/>
-          </p:cNvSpPr>
-          <p:nvPr>
-            <p:ph type="sldImg"/>
-          </p:nvPr>
-        </p:nvSpPr>
-        <p:spPr/>
-      </p:sp>
-      <p:sp>
-        <p:nvSpPr>
-          <p:cNvPr id="3" name="Notes Placeholder 2"/>
-          <p:cNvSpPr>
-            <a:spLocks noGrp="1"/>
-          </p:cNvSpPr>
-          <p:nvPr>
-            <p:ph type="body" idx="1"/>
-          </p:nvPr>
-        </p:nvSpPr>
-        <p:spPr/>
-        <p:txBody>
-          <a:bodyPr/>
-          <a:lstStyle/>
-          <a:p>
-            <a:endParaRPr lang="zh-CN" altLang="en-US"/>
-          </a:p>
-        </p:txBody>
-      </p:sp>
-      <p:sp>
-        <p:nvSpPr>
-          <p:cNvPr id="4" name="Slide Number Placeholder 3"/>
-          <p:cNvSpPr>
-            <a:spLocks noGrp="1"/>
-          </p:cNvSpPr>
-          <p:nvPr>
-            <p:ph type="sldNum" sz="quarter" idx="5"/>
-          </p:nvPr>
-        </p:nvSpPr>
-        <p:spPr/>
-        <p:txBody>
-          <a:bodyPr/>
-          <a:lstStyle/>
-          <a:p>
-            <a:fld id="{057FAD25-51B6-419D-B421-616EF620C45E}" type="slidenum">
-              <a:rPr lang="zh-CN" altLang="en-US" smtClean="0"/>
-              <a:t>15</a:t>
             </a:fld>
             <a:endParaRPr lang="zh-CN" altLang="en-US"/>
           </a:p>
@@ -14058,7 +13972,7 @@
           <a:p>
             <a:fld id="{057FAD25-51B6-419D-B421-616EF620C45E}" type="slidenum">
               <a:rPr lang="zh-CN" altLang="en-US" smtClean="0"/>
-              <a:t>10</a:t>
+              <a:t>9</a:t>
             </a:fld>
             <a:endParaRPr lang="zh-CN" altLang="en-US"/>
           </a:p>
@@ -14067,7 +13981,7 @@
     </p:spTree>
     <p:extLst>
       <p:ext uri="{BB962C8B-B14F-4D97-AF65-F5344CB8AC3E}">
-        <p14:creationId xmlns:p14="http://schemas.microsoft.com/office/powerpoint/2010/main" val="3470800270"/>
+        <p14:creationId xmlns:p14="http://schemas.microsoft.com/office/powerpoint/2010/main" val="1004382451"/>
       </p:ext>
     </p:extLst>
   </p:cSld>
@@ -14121,7 +14035,7 @@
           <a:bodyPr/>
           <a:lstStyle/>
           <a:p>
-            <a:endParaRPr lang="zh-CN" altLang="en-US"/>
+            <a:endParaRPr lang="zh-CN" altLang="en-US" dirty="0"/>
           </a:p>
         </p:txBody>
       </p:sp>
@@ -14142,7 +14056,7 @@
           <a:p>
             <a:fld id="{057FAD25-51B6-419D-B421-616EF620C45E}" type="slidenum">
               <a:rPr lang="zh-CN" altLang="en-US" smtClean="0"/>
-              <a:t>11</a:t>
+              <a:t>10</a:t>
             </a:fld>
             <a:endParaRPr lang="zh-CN" altLang="en-US"/>
           </a:p>
@@ -14151,7 +14065,7 @@
     </p:spTree>
     <p:extLst>
       <p:ext uri="{BB962C8B-B14F-4D97-AF65-F5344CB8AC3E}">
-        <p14:creationId xmlns:p14="http://schemas.microsoft.com/office/powerpoint/2010/main" val="1004382451"/>
+        <p14:creationId xmlns:p14="http://schemas.microsoft.com/office/powerpoint/2010/main" val="732048712"/>
       </p:ext>
     </p:extLst>
   </p:cSld>
@@ -14310,7 +14224,7 @@
           <a:p>
             <a:fld id="{C43A76A3-ADC8-4477-8FC1-B9DD55D84908}" type="datetime1">
               <a:rPr lang="en-US" smtClean="0"/>
-              <a:t>11/28/2023</a:t>
+              <a:t>11/29/2023</a:t>
             </a:fld>
             <a:endParaRPr lang="en-US" dirty="0"/>
           </a:p>
@@ -14508,7 +14422,7 @@
           <a:p>
             <a:fld id="{D6762538-DC4D-4667-96E5-B3278DDF8B12}" type="datetime1">
               <a:rPr lang="en-US" smtClean="0"/>
-              <a:t>11/28/2023</a:t>
+              <a:t>11/29/2023</a:t>
             </a:fld>
             <a:endParaRPr lang="en-US"/>
           </a:p>
@@ -14716,7 +14630,7 @@
           <a:p>
             <a:fld id="{05880548-5C08-4BE3-B63E-F2BB63B0B00C}" type="datetime1">
               <a:rPr lang="en-US" smtClean="0"/>
-              <a:t>11/28/2023</a:t>
+              <a:t>11/29/2023</a:t>
             </a:fld>
             <a:endParaRPr lang="en-US"/>
           </a:p>
@@ -14914,7 +14828,7 @@
           <a:p>
             <a:fld id="{DE7F49BE-398D-479A-8A7E-5DDBCA61EDCB}" type="datetime1">
               <a:rPr lang="en-US" smtClean="0"/>
-              <a:t>11/28/2023</a:t>
+              <a:t>11/29/2023</a:t>
             </a:fld>
             <a:endParaRPr lang="en-US"/>
           </a:p>
@@ -15190,7 +15104,7 @@
           <a:p>
             <a:fld id="{CCD0C193-4974-4A1F-9C63-07D595E30D66}" type="datetime1">
               <a:rPr lang="en-US" smtClean="0"/>
-              <a:t>11/28/2023</a:t>
+              <a:t>11/29/2023</a:t>
             </a:fld>
             <a:endParaRPr lang="en-US"/>
           </a:p>
@@ -15457,7 +15371,7 @@
           <a:p>
             <a:fld id="{701AA87F-28D4-4BF0-B81F-877A89DFD5AC}" type="datetime1">
               <a:rPr lang="en-US" smtClean="0"/>
-              <a:t>11/28/2023</a:t>
+              <a:t>11/29/2023</a:t>
             </a:fld>
             <a:endParaRPr lang="en-US"/>
           </a:p>
@@ -15871,7 +15785,7 @@
           <a:p>
             <a:fld id="{A8A9F1F3-208B-49A3-B337-9C8ACEB3E0E1}" type="datetime1">
               <a:rPr lang="en-US" smtClean="0"/>
-              <a:t>11/28/2023</a:t>
+              <a:t>11/29/2023</a:t>
             </a:fld>
             <a:endParaRPr lang="en-US"/>
           </a:p>
@@ -16018,7 +15932,7 @@
           <a:p>
             <a:fld id="{27AF6CA6-7293-4AA2-A0E0-A3BF4416E786}" type="datetime1">
               <a:rPr lang="en-US" smtClean="0"/>
-              <a:t>11/28/2023</a:t>
+              <a:t>11/29/2023</a:t>
             </a:fld>
             <a:endParaRPr lang="en-US"/>
           </a:p>
@@ -16131,7 +16045,7 @@
           <a:p>
             <a:fld id="{98D87016-7BCD-46FB-8EE3-AB6C369108B4}" type="datetime1">
               <a:rPr lang="en-US" smtClean="0"/>
-              <a:t>11/28/2023</a:t>
+              <a:t>11/29/2023</a:t>
             </a:fld>
             <a:endParaRPr lang="en-US"/>
           </a:p>
@@ -16450,7 +16364,7 @@
           <a:p>
             <a:fld id="{A1547011-1FFC-4EF8-9A2E-53B4AD2ADBD4}" type="datetime1">
               <a:rPr lang="en-US" smtClean="0"/>
-              <a:t>11/28/2023</a:t>
+              <a:t>11/29/2023</a:t>
             </a:fld>
             <a:endParaRPr lang="en-US"/>
           </a:p>
@@ -16745,7 +16659,7 @@
           <a:p>
             <a:fld id="{9562EB47-45B4-4EF5-A743-B4885DD2F060}" type="datetime1">
               <a:rPr lang="en-US" smtClean="0"/>
-              <a:t>11/28/2023</a:t>
+              <a:t>11/29/2023</a:t>
             </a:fld>
             <a:endParaRPr lang="en-US"/>
           </a:p>
@@ -18130,7 +18044,7 @@
           <a:p>
             <a:fld id="{4A8D24A4-5FEC-4062-8995-EB21925B3B40}" type="datetime1">
               <a:rPr lang="en-US" smtClean="0"/>
-              <a:t>11/28/2023</a:t>
+              <a:t>11/29/2023</a:t>
             </a:fld>
             <a:endParaRPr lang="en-US" sz="1000" dirty="0"/>
           </a:p>
@@ -19675,168 +19589,6 @@
 <file path=ppt/slides/slide10.xml><?xml version="1.0" encoding="utf-8"?>
 <p:sld xmlns:a="http://schemas.openxmlformats.org/drawingml/2006/main" xmlns:r="http://schemas.openxmlformats.org/officeDocument/2006/relationships" xmlns:p="http://schemas.openxmlformats.org/presentationml/2006/main" showMasterSp="0">
   <p:cSld>
-    <p:bg>
-      <p:bgPr>
-        <a:solidFill>
-          <a:schemeClr val="bg1"/>
-        </a:solidFill>
-        <a:effectLst/>
-      </p:bgPr>
-    </p:bg>
-    <p:spTree>
-      <p:nvGrpSpPr>
-        <p:cNvPr id="1" name=""/>
-        <p:cNvGrpSpPr/>
-        <p:nvPr/>
-      </p:nvGrpSpPr>
-      <p:grpSpPr>
-        <a:xfrm>
-          <a:off x="0" y="0"/>
-          <a:ext cx="0" cy="0"/>
-          <a:chOff x="0" y="0"/>
-          <a:chExt cx="0" cy="0"/>
-        </a:xfrm>
-      </p:grpSpPr>
-      <p:pic>
-        <p:nvPicPr>
-          <p:cNvPr id="3" name="Picture 2">
-            <a:extLst>
-              <a:ext uri="{FF2B5EF4-FFF2-40B4-BE49-F238E27FC236}">
-                <a16:creationId xmlns:a16="http://schemas.microsoft.com/office/drawing/2014/main" id="{81B08E27-C011-8223-52A0-200F7C48FD2F}"/>
-              </a:ext>
-            </a:extLst>
-          </p:cNvPr>
-          <p:cNvPicPr>
-            <a:picLocks noChangeAspect="1"/>
-          </p:cNvPicPr>
-          <p:nvPr/>
-        </p:nvPicPr>
-        <p:blipFill>
-          <a:blip r:embed="rId3"/>
-          <a:stretch>
-            <a:fillRect/>
-          </a:stretch>
-        </p:blipFill>
-        <p:spPr>
-          <a:xfrm>
-            <a:off x="0" y="408963"/>
-            <a:ext cx="12192000" cy="6040073"/>
-          </a:xfrm>
-          <a:prstGeom prst="rect">
-            <a:avLst/>
-          </a:prstGeom>
-        </p:spPr>
-      </p:pic>
-    </p:spTree>
-    <p:extLst>
-      <p:ext uri="{BB962C8B-B14F-4D97-AF65-F5344CB8AC3E}">
-        <p14:creationId xmlns:p14="http://schemas.microsoft.com/office/powerpoint/2010/main" val="2080524993"/>
-      </p:ext>
-    </p:extLst>
-  </p:cSld>
-  <p:clrMapOvr>
-    <a:masterClrMapping/>
-  </p:clrMapOvr>
-</p:sld>
-</file>
-
-<file path=ppt/slides/slide11.xml><?xml version="1.0" encoding="utf-8"?>
-<p:sld xmlns:a="http://schemas.openxmlformats.org/drawingml/2006/main" xmlns:r="http://schemas.openxmlformats.org/officeDocument/2006/relationships" xmlns:p="http://schemas.openxmlformats.org/presentationml/2006/main" showMasterSp="0">
-  <p:cSld>
-    <p:spTree>
-      <p:nvGrpSpPr>
-        <p:cNvPr id="1" name=""/>
-        <p:cNvGrpSpPr/>
-        <p:nvPr/>
-      </p:nvGrpSpPr>
-      <p:grpSpPr>
-        <a:xfrm>
-          <a:off x="0" y="0"/>
-          <a:ext cx="0" cy="0"/>
-          <a:chOff x="0" y="0"/>
-          <a:chExt cx="0" cy="0"/>
-        </a:xfrm>
-      </p:grpSpPr>
-      <p:sp>
-        <p:nvSpPr>
-          <p:cNvPr id="2" name="Title 1">
-            <a:extLst>
-              <a:ext uri="{FF2B5EF4-FFF2-40B4-BE49-F238E27FC236}">
-                <a16:creationId xmlns:a16="http://schemas.microsoft.com/office/drawing/2014/main" id="{A28A7C5A-652F-9093-FC44-BCD72C6595F0}"/>
-              </a:ext>
-            </a:extLst>
-          </p:cNvPr>
-          <p:cNvSpPr>
-            <a:spLocks noGrp="1"/>
-          </p:cNvSpPr>
-          <p:nvPr>
-            <p:ph type="title"/>
-          </p:nvPr>
-        </p:nvSpPr>
-        <p:spPr>
-          <a:xfrm>
-            <a:off x="9619763" y="2766218"/>
-            <a:ext cx="10658475" cy="1325563"/>
-          </a:xfrm>
-        </p:spPr>
-        <p:txBody>
-          <a:bodyPr vert="horz" lIns="91440" tIns="45720" rIns="91440" bIns="45720" rtlCol="0" anchor="b">
-            <a:normAutofit/>
-          </a:bodyPr>
-          <a:lstStyle/>
-          <a:p>
-            <a:r>
-              <a:rPr lang="en-US" dirty="0"/>
-              <a:t>Tesla</a:t>
-            </a:r>
-          </a:p>
-        </p:txBody>
-      </p:sp>
-      <p:pic>
-        <p:nvPicPr>
-          <p:cNvPr id="8" name="Content Placeholder 4">
-            <a:extLst>
-              <a:ext uri="{FF2B5EF4-FFF2-40B4-BE49-F238E27FC236}">
-                <a16:creationId xmlns:a16="http://schemas.microsoft.com/office/drawing/2014/main" id="{B07652A1-631E-5818-7F6C-2BA5A29E2DED}"/>
-              </a:ext>
-            </a:extLst>
-          </p:cNvPr>
-          <p:cNvPicPr>
-            <a:picLocks noGrp="1" noChangeAspect="1"/>
-          </p:cNvPicPr>
-          <p:nvPr>
-            <p:ph idx="1"/>
-          </p:nvPr>
-        </p:nvPicPr>
-        <p:blipFill>
-          <a:blip r:embed="rId3"/>
-          <a:stretch>
-            <a:fillRect/>
-          </a:stretch>
-        </p:blipFill>
-        <p:spPr>
-          <a:xfrm>
-            <a:off x="90483" y="-48532"/>
-            <a:ext cx="9529280" cy="6784848"/>
-          </a:xfrm>
-        </p:spPr>
-      </p:pic>
-    </p:spTree>
-    <p:extLst>
-      <p:ext uri="{BB962C8B-B14F-4D97-AF65-F5344CB8AC3E}">
-        <p14:creationId xmlns:p14="http://schemas.microsoft.com/office/powerpoint/2010/main" val="3813925949"/>
-      </p:ext>
-    </p:extLst>
-  </p:cSld>
-  <p:clrMapOvr>
-    <a:masterClrMapping/>
-  </p:clrMapOvr>
-</p:sld>
-</file>
-
-<file path=ppt/slides/slide12.xml><?xml version="1.0" encoding="utf-8"?>
-<p:sld xmlns:a="http://schemas.openxmlformats.org/drawingml/2006/main" xmlns:r="http://schemas.openxmlformats.org/officeDocument/2006/relationships" xmlns:p="http://schemas.openxmlformats.org/presentationml/2006/main" showMasterSp="0">
-  <p:cSld>
     <p:spTree>
       <p:nvGrpSpPr>
         <p:cNvPr id="1" name=""/>
@@ -19894,7 +19646,7 @@
 </p:sld>
 </file>
 
-<file path=ppt/slides/slide13.xml><?xml version="1.0" encoding="utf-8"?>
+<file path=ppt/slides/slide11.xml><?xml version="1.0" encoding="utf-8"?>
 <p:sld xmlns:a="http://schemas.openxmlformats.org/drawingml/2006/main" xmlns:r="http://schemas.openxmlformats.org/officeDocument/2006/relationships" xmlns:p="http://schemas.openxmlformats.org/presentationml/2006/main">
   <p:cSld>
     <p:bg>
@@ -20601,7 +20353,7 @@
 </p:sld>
 </file>
 
-<file path=ppt/slides/slide14.xml><?xml version="1.0" encoding="utf-8"?>
+<file path=ppt/slides/slide12.xml><?xml version="1.0" encoding="utf-8"?>
 <p:sld xmlns:a="http://schemas.openxmlformats.org/drawingml/2006/main" xmlns:r="http://schemas.openxmlformats.org/officeDocument/2006/relationships" xmlns:p="http://schemas.openxmlformats.org/presentationml/2006/main">
   <p:cSld>
     <p:bg>
@@ -22966,7 +22718,7 @@
 </p:sld>
 </file>
 
-<file path=ppt/slides/slide15.xml><?xml version="1.0" encoding="utf-8"?>
+<file path=ppt/slides/slide13.xml><?xml version="1.0" encoding="utf-8"?>
 <p:sld xmlns:a="http://schemas.openxmlformats.org/drawingml/2006/main" xmlns:r="http://schemas.openxmlformats.org/officeDocument/2006/relationships" xmlns:p="http://schemas.openxmlformats.org/presentationml/2006/main">
   <p:cSld>
     <p:bg>
@@ -28363,14 +28115,6 @@
 <file path=ppt/slides/slide9.xml><?xml version="1.0" encoding="utf-8"?>
 <p:sld xmlns:a="http://schemas.openxmlformats.org/drawingml/2006/main" xmlns:r="http://schemas.openxmlformats.org/officeDocument/2006/relationships" xmlns:p="http://schemas.openxmlformats.org/presentationml/2006/main" showMasterSp="0">
   <p:cSld>
-    <p:bg>
-      <p:bgPr>
-        <a:solidFill>
-          <a:schemeClr val="bg1"/>
-        </a:solidFill>
-        <a:effectLst/>
-      </p:bgPr>
-    </p:bg>
     <p:spTree>
       <p:nvGrpSpPr>
         <p:cNvPr id="1" name=""/>
@@ -28385,199 +28129,80 @@
           <a:chExt cx="0" cy="0"/>
         </a:xfrm>
       </p:grpSpPr>
+      <p:sp>
+        <p:nvSpPr>
+          <p:cNvPr id="2" name="Title 1">
+            <a:extLst>
+              <a:ext uri="{FF2B5EF4-FFF2-40B4-BE49-F238E27FC236}">
+                <a16:creationId xmlns:a16="http://schemas.microsoft.com/office/drawing/2014/main" id="{A28A7C5A-652F-9093-FC44-BCD72C6595F0}"/>
+              </a:ext>
+            </a:extLst>
+          </p:cNvPr>
+          <p:cNvSpPr>
+            <a:spLocks noGrp="1"/>
+          </p:cNvSpPr>
+          <p:nvPr>
+            <p:ph type="title"/>
+          </p:nvPr>
+        </p:nvSpPr>
+        <p:spPr>
+          <a:xfrm>
+            <a:off x="9619763" y="2766218"/>
+            <a:ext cx="10658475" cy="1325563"/>
+          </a:xfrm>
+        </p:spPr>
+        <p:txBody>
+          <a:bodyPr vert="horz" lIns="91440" tIns="45720" rIns="91440" bIns="45720" rtlCol="0" anchor="b">
+            <a:normAutofit/>
+          </a:bodyPr>
+          <a:lstStyle/>
+          <a:p>
+            <a:r>
+              <a:rPr lang="en-US" dirty="0"/>
+              <a:t>Tesla</a:t>
+            </a:r>
+          </a:p>
+        </p:txBody>
+      </p:sp>
       <p:pic>
         <p:nvPicPr>
-          <p:cNvPr id="2" name="Picture 1">
+          <p:cNvPr id="8" name="Content Placeholder 4">
             <a:extLst>
               <a:ext uri="{FF2B5EF4-FFF2-40B4-BE49-F238E27FC236}">
-                <a16:creationId xmlns:a16="http://schemas.microsoft.com/office/drawing/2014/main" id="{D314A107-32F4-CB85-DECB-A1C9C41378BF}"/>
+                <a16:creationId xmlns:a16="http://schemas.microsoft.com/office/drawing/2014/main" id="{B07652A1-631E-5818-7F6C-2BA5A29E2DED}"/>
               </a:ext>
             </a:extLst>
           </p:cNvPr>
           <p:cNvPicPr>
-            <a:picLocks noChangeAspect="1"/>
+            <a:picLocks noGrp="1" noChangeAspect="1"/>
           </p:cNvPicPr>
-          <p:nvPr/>
+          <p:nvPr>
+            <p:ph idx="1"/>
+          </p:nvPr>
         </p:nvPicPr>
         <p:blipFill>
-          <a:blip r:embed="rId2"/>
+          <a:blip r:embed="rId3"/>
           <a:stretch>
             <a:fillRect/>
           </a:stretch>
         </p:blipFill>
         <p:spPr>
           <a:xfrm>
-            <a:off x="2475569" y="38100"/>
-            <a:ext cx="9525000" cy="6781800"/>
+            <a:off x="90483" y="-48532"/>
+            <a:ext cx="9529280" cy="6784848"/>
           </a:xfrm>
-          <a:prstGeom prst="rect">
-            <a:avLst/>
-          </a:prstGeom>
         </p:spPr>
       </p:pic>
-      <p:sp>
-        <p:nvSpPr>
-          <p:cNvPr id="3" name="Title 1">
-            <a:extLst>
-              <a:ext uri="{FF2B5EF4-FFF2-40B4-BE49-F238E27FC236}">
-                <a16:creationId xmlns:a16="http://schemas.microsoft.com/office/drawing/2014/main" id="{86C43DC5-0592-B63D-DF99-99EEE41ECB0E}"/>
-              </a:ext>
-            </a:extLst>
-          </p:cNvPr>
-          <p:cNvSpPr txBox="1">
-            <a:spLocks/>
-          </p:cNvSpPr>
-          <p:nvPr/>
-        </p:nvSpPr>
-        <p:spPr>
-          <a:xfrm>
-            <a:off x="-3294712" y="-188644"/>
-            <a:ext cx="5770281" cy="3617644"/>
-          </a:xfrm>
-          <a:prstGeom prst="rect">
-            <a:avLst/>
-          </a:prstGeom>
-        </p:spPr>
-        <p:txBody>
-          <a:bodyPr vert="horz" lIns="91440" tIns="45720" rIns="91440" bIns="45720" rtlCol="0" anchor="b">
-            <a:normAutofit/>
-          </a:bodyPr>
-          <a:lstStyle>
-            <a:lvl1pPr algn="l" defTabSz="914400" rtl="0" eaLnBrk="1" latinLnBrk="0" hangingPunct="1">
-              <a:lnSpc>
-                <a:spcPct val="90000"/>
-              </a:lnSpc>
-              <a:spcBef>
-                <a:spcPct val="0"/>
-              </a:spcBef>
-              <a:buNone/>
-              <a:defRPr sz="5400" kern="1200">
-                <a:solidFill>
-                  <a:schemeClr val="tx2"/>
-                </a:solidFill>
-                <a:latin typeface="+mj-lt"/>
-                <a:ea typeface="+mj-ea"/>
-                <a:cs typeface="+mj-cs"/>
-              </a:defRPr>
-            </a:lvl1pPr>
-          </a:lstStyle>
-          <a:p>
-            <a:pPr algn="r"/>
-            <a:r>
-              <a:rPr lang="en-US" sz="6000" dirty="0">
-                <a:solidFill>
-                  <a:schemeClr val="tx1"/>
-                </a:solidFill>
-                <a:latin typeface="Segoe UI" panose="020B0502040204020203" pitchFamily="34" charset="0"/>
-                <a:ea typeface="DengXian" panose="02010600030101010101" pitchFamily="2" charset="-122"/>
-              </a:rPr>
-              <a:t>Apple</a:t>
-            </a:r>
-          </a:p>
-        </p:txBody>
-      </p:sp>
     </p:spTree>
     <p:extLst>
       <p:ext uri="{BB962C8B-B14F-4D97-AF65-F5344CB8AC3E}">
-        <p14:creationId xmlns:p14="http://schemas.microsoft.com/office/powerpoint/2010/main" val="338603572"/>
+        <p14:creationId xmlns:p14="http://schemas.microsoft.com/office/powerpoint/2010/main" val="3813925949"/>
       </p:ext>
     </p:extLst>
   </p:cSld>
   <p:clrMapOvr>
     <a:masterClrMapping/>
   </p:clrMapOvr>
-  <p:timing>
-    <p:tnLst>
-      <p:par>
-        <p:cTn id="1" dur="indefinite" restart="never" nodeType="tmRoot">
-          <p:childTnLst>
-            <p:seq concurrent="1" nextAc="seek">
-              <p:cTn id="2" dur="indefinite" nodeType="mainSeq">
-                <p:childTnLst>
-                  <p:par>
-                    <p:cTn id="3" fill="hold">
-                      <p:stCondLst>
-                        <p:cond delay="indefinite"/>
-                        <p:cond evt="onBegin" delay="0">
-                          <p:tn val="2"/>
-                        </p:cond>
-                      </p:stCondLst>
-                      <p:childTnLst>
-                        <p:par>
-                          <p:cTn id="4" fill="hold">
-                            <p:stCondLst>
-                              <p:cond delay="0"/>
-                            </p:stCondLst>
-                            <p:childTnLst>
-                              <p:par>
-                                <p:cTn id="5" presetID="10" presetClass="entr" presetSubtype="0" fill="hold" grpId="0" nodeType="withEffect">
-                                  <p:stCondLst>
-                                    <p:cond delay="1000"/>
-                                  </p:stCondLst>
-                                  <p:iterate type="lt">
-                                    <p:tmPct val="10000"/>
-                                  </p:iterate>
-                                  <p:childTnLst>
-                                    <p:set>
-                                      <p:cBhvr>
-                                        <p:cTn id="6" dur="1" fill="hold">
-                                          <p:stCondLst>
-                                            <p:cond delay="0"/>
-                                          </p:stCondLst>
-                                        </p:cTn>
-                                        <p:tgtEl>
-                                          <p:spTgt spid="3"/>
-                                        </p:tgtEl>
-                                        <p:attrNameLst>
-                                          <p:attrName>style.visibility</p:attrName>
-                                        </p:attrNameLst>
-                                      </p:cBhvr>
-                                      <p:to>
-                                        <p:strVal val="visible"/>
-                                      </p:to>
-                                    </p:set>
-                                    <p:animEffect transition="in" filter="fade">
-                                      <p:cBhvr>
-                                        <p:cTn id="7" dur="400"/>
-                                        <p:tgtEl>
-                                          <p:spTgt spid="3"/>
-                                        </p:tgtEl>
-                                      </p:cBhvr>
-                                    </p:animEffect>
-                                  </p:childTnLst>
-                                </p:cTn>
-                              </p:par>
-                            </p:childTnLst>
-                          </p:cTn>
-                        </p:par>
-                      </p:childTnLst>
-                    </p:cTn>
-                  </p:par>
-                </p:childTnLst>
-              </p:cTn>
-              <p:prevCondLst>
-                <p:cond evt="onPrev" delay="0">
-                  <p:tgtEl>
-                    <p:sldTgt/>
-                  </p:tgtEl>
-                </p:cond>
-              </p:prevCondLst>
-              <p:nextCondLst>
-                <p:cond evt="onNext" delay="0">
-                  <p:tgtEl>
-                    <p:sldTgt/>
-                  </p:tgtEl>
-                </p:cond>
-              </p:nextCondLst>
-            </p:seq>
-          </p:childTnLst>
-        </p:cTn>
-      </p:par>
-    </p:tnLst>
-    <p:bldLst>
-      <p:bldP spid="3" grpId="0"/>
-    </p:bldLst>
-  </p:timing>
 </p:sld>
 </file>
 

--- a/Presentation.pptx
+++ b/Presentation.pptx
@@ -10,9 +10,9 @@
   <p:sldIdLst>
     <p:sldId id="256" r:id="rId2"/>
     <p:sldId id="257" r:id="rId3"/>
-    <p:sldId id="270" r:id="rId4"/>
-    <p:sldId id="264" r:id="rId5"/>
-    <p:sldId id="263" r:id="rId6"/>
+    <p:sldId id="263" r:id="rId4"/>
+    <p:sldId id="270" r:id="rId5"/>
+    <p:sldId id="264" r:id="rId6"/>
     <p:sldId id="258" r:id="rId7"/>
     <p:sldId id="260" r:id="rId8"/>
     <p:sldId id="259" r:id="rId9"/>
@@ -246,6 +246,788 @@
 </file>
 
 <file path=ppt/diagrams/colors1.xml><?xml version="1.0" encoding="utf-8"?>
+<dgm:colorsDef xmlns:dgm="http://schemas.openxmlformats.org/drawingml/2006/diagram" xmlns:a="http://schemas.openxmlformats.org/drawingml/2006/main" uniqueId="urn:microsoft.com/office/officeart/2005/8/colors/colorful2">
+  <dgm:title val=""/>
+  <dgm:desc val=""/>
+  <dgm:catLst>
+    <dgm:cat type="colorful" pri="10200"/>
+  </dgm:catLst>
+  <dgm:styleLbl name="node0">
+    <dgm:fillClrLst meth="repeat">
+      <a:schemeClr val="accent1"/>
+    </dgm:fillClrLst>
+    <dgm:linClrLst meth="repeat">
+      <a:schemeClr val="lt1"/>
+    </dgm:linClrLst>
+    <dgm:effectClrLst/>
+    <dgm:txLinClrLst/>
+    <dgm:txFillClrLst/>
+    <dgm:txEffectClrLst/>
+  </dgm:styleLbl>
+  <dgm:styleLbl name="node1">
+    <dgm:fillClrLst>
+      <a:schemeClr val="accent2"/>
+      <a:schemeClr val="accent3"/>
+    </dgm:fillClrLst>
+    <dgm:linClrLst meth="repeat">
+      <a:schemeClr val="lt1"/>
+    </dgm:linClrLst>
+    <dgm:effectClrLst/>
+    <dgm:txLinClrLst/>
+    <dgm:txFillClrLst/>
+    <dgm:txEffectClrLst/>
+  </dgm:styleLbl>
+  <dgm:styleLbl name="alignNode1">
+    <dgm:fillClrLst>
+      <a:schemeClr val="accent2"/>
+      <a:schemeClr val="accent3"/>
+    </dgm:fillClrLst>
+    <dgm:linClrLst>
+      <a:schemeClr val="accent2"/>
+      <a:schemeClr val="accent3"/>
+    </dgm:linClrLst>
+    <dgm:effectClrLst/>
+    <dgm:txLinClrLst/>
+    <dgm:txFillClrLst/>
+    <dgm:txEffectClrLst/>
+  </dgm:styleLbl>
+  <dgm:styleLbl name="lnNode1">
+    <dgm:fillClrLst>
+      <a:schemeClr val="accent2"/>
+      <a:schemeClr val="accent3"/>
+    </dgm:fillClrLst>
+    <dgm:linClrLst meth="repeat">
+      <a:schemeClr val="lt1"/>
+    </dgm:linClrLst>
+    <dgm:effectClrLst/>
+    <dgm:txLinClrLst/>
+    <dgm:txFillClrLst/>
+    <dgm:txEffectClrLst/>
+  </dgm:styleLbl>
+  <dgm:styleLbl name="vennNode1">
+    <dgm:fillClrLst>
+      <a:schemeClr val="accent2">
+        <a:alpha val="50000"/>
+      </a:schemeClr>
+      <a:schemeClr val="accent3">
+        <a:alpha val="50000"/>
+      </a:schemeClr>
+    </dgm:fillClrLst>
+    <dgm:linClrLst meth="repeat">
+      <a:schemeClr val="lt1"/>
+    </dgm:linClrLst>
+    <dgm:effectClrLst/>
+    <dgm:txLinClrLst/>
+    <dgm:txFillClrLst/>
+    <dgm:txEffectClrLst/>
+  </dgm:styleLbl>
+  <dgm:styleLbl name="node2">
+    <dgm:fillClrLst>
+      <a:schemeClr val="accent3"/>
+    </dgm:fillClrLst>
+    <dgm:linClrLst meth="repeat">
+      <a:schemeClr val="lt1"/>
+    </dgm:linClrLst>
+    <dgm:effectClrLst/>
+    <dgm:txLinClrLst/>
+    <dgm:txFillClrLst/>
+    <dgm:txEffectClrLst/>
+  </dgm:styleLbl>
+  <dgm:styleLbl name="node3">
+    <dgm:fillClrLst>
+      <a:schemeClr val="accent4"/>
+    </dgm:fillClrLst>
+    <dgm:linClrLst meth="repeat">
+      <a:schemeClr val="lt1"/>
+    </dgm:linClrLst>
+    <dgm:effectClrLst/>
+    <dgm:txLinClrLst/>
+    <dgm:txFillClrLst/>
+    <dgm:txEffectClrLst/>
+  </dgm:styleLbl>
+  <dgm:styleLbl name="node4">
+    <dgm:fillClrLst>
+      <a:schemeClr val="accent5"/>
+    </dgm:fillClrLst>
+    <dgm:linClrLst meth="repeat">
+      <a:schemeClr val="lt1"/>
+    </dgm:linClrLst>
+    <dgm:effectClrLst/>
+    <dgm:txLinClrLst/>
+    <dgm:txFillClrLst/>
+    <dgm:txEffectClrLst/>
+  </dgm:styleLbl>
+  <dgm:styleLbl name="fgImgPlace1">
+    <dgm:fillClrLst>
+      <a:schemeClr val="accent2">
+        <a:tint val="50000"/>
+      </a:schemeClr>
+      <a:schemeClr val="accent3">
+        <a:tint val="50000"/>
+      </a:schemeClr>
+    </dgm:fillClrLst>
+    <dgm:linClrLst meth="repeat">
+      <a:schemeClr val="lt1"/>
+    </dgm:linClrLst>
+    <dgm:effectClrLst/>
+    <dgm:txLinClrLst/>
+    <dgm:txFillClrLst meth="repeat">
+      <a:schemeClr val="lt1"/>
+    </dgm:txFillClrLst>
+    <dgm:txEffectClrLst/>
+  </dgm:styleLbl>
+  <dgm:styleLbl name="alignImgPlace1">
+    <dgm:fillClrLst>
+      <a:schemeClr val="accent2">
+        <a:tint val="50000"/>
+      </a:schemeClr>
+      <a:schemeClr val="accent3">
+        <a:tint val="20000"/>
+      </a:schemeClr>
+    </dgm:fillClrLst>
+    <dgm:linClrLst meth="repeat">
+      <a:schemeClr val="lt1"/>
+    </dgm:linClrLst>
+    <dgm:effectClrLst/>
+    <dgm:txLinClrLst/>
+    <dgm:txFillClrLst meth="repeat">
+      <a:schemeClr val="lt1"/>
+    </dgm:txFillClrLst>
+    <dgm:txEffectClrLst/>
+  </dgm:styleLbl>
+  <dgm:styleLbl name="bgImgPlace1">
+    <dgm:fillClrLst>
+      <a:schemeClr val="accent2">
+        <a:tint val="50000"/>
+      </a:schemeClr>
+      <a:schemeClr val="accent3">
+        <a:tint val="20000"/>
+      </a:schemeClr>
+    </dgm:fillClrLst>
+    <dgm:linClrLst meth="repeat">
+      <a:schemeClr val="lt1"/>
+    </dgm:linClrLst>
+    <dgm:effectClrLst/>
+    <dgm:txLinClrLst/>
+    <dgm:txFillClrLst meth="repeat">
+      <a:schemeClr val="lt1"/>
+    </dgm:txFillClrLst>
+    <dgm:txEffectClrLst/>
+  </dgm:styleLbl>
+  <dgm:styleLbl name="sibTrans2D1">
+    <dgm:fillClrLst>
+      <a:schemeClr val="accent2"/>
+      <a:schemeClr val="accent3"/>
+    </dgm:fillClrLst>
+    <dgm:linClrLst meth="repeat">
+      <a:schemeClr val="lt1"/>
+    </dgm:linClrLst>
+    <dgm:effectClrLst/>
+    <dgm:txLinClrLst/>
+    <dgm:txFillClrLst/>
+    <dgm:txEffectClrLst/>
+  </dgm:styleLbl>
+  <dgm:styleLbl name="fgSibTrans2D1">
+    <dgm:fillClrLst>
+      <a:schemeClr val="accent2"/>
+      <a:schemeClr val="accent3"/>
+    </dgm:fillClrLst>
+    <dgm:linClrLst meth="repeat">
+      <a:schemeClr val="lt1"/>
+    </dgm:linClrLst>
+    <dgm:effectClrLst/>
+    <dgm:txLinClrLst/>
+    <dgm:txFillClrLst meth="repeat">
+      <a:schemeClr val="lt1"/>
+    </dgm:txFillClrLst>
+    <dgm:txEffectClrLst/>
+  </dgm:styleLbl>
+  <dgm:styleLbl name="bgSibTrans2D1">
+    <dgm:fillClrLst>
+      <a:schemeClr val="accent2"/>
+      <a:schemeClr val="accent3"/>
+    </dgm:fillClrLst>
+    <dgm:linClrLst meth="repeat">
+      <a:schemeClr val="lt1"/>
+    </dgm:linClrLst>
+    <dgm:effectClrLst/>
+    <dgm:txLinClrLst/>
+    <dgm:txFillClrLst meth="repeat">
+      <a:schemeClr val="lt1"/>
+    </dgm:txFillClrLst>
+    <dgm:txEffectClrLst/>
+  </dgm:styleLbl>
+  <dgm:styleLbl name="sibTrans1D1">
+    <dgm:fillClrLst/>
+    <dgm:linClrLst>
+      <a:schemeClr val="accent2"/>
+      <a:schemeClr val="accent3"/>
+    </dgm:linClrLst>
+    <dgm:effectClrLst/>
+    <dgm:txLinClrLst/>
+    <dgm:txFillClrLst meth="repeat">
+      <a:schemeClr val="tx1"/>
+    </dgm:txFillClrLst>
+    <dgm:txEffectClrLst/>
+  </dgm:styleLbl>
+  <dgm:styleLbl name="callout">
+    <dgm:fillClrLst meth="repeat">
+      <a:schemeClr val="accent2"/>
+    </dgm:fillClrLst>
+    <dgm:linClrLst meth="repeat">
+      <a:schemeClr val="accent2">
+        <a:tint val="50000"/>
+      </a:schemeClr>
+    </dgm:linClrLst>
+    <dgm:effectClrLst/>
+    <dgm:txLinClrLst/>
+    <dgm:txFillClrLst meth="repeat">
+      <a:schemeClr val="tx1"/>
+    </dgm:txFillClrLst>
+    <dgm:txEffectClrLst/>
+  </dgm:styleLbl>
+  <dgm:styleLbl name="asst0">
+    <dgm:fillClrLst meth="repeat">
+      <a:schemeClr val="accent2"/>
+    </dgm:fillClrLst>
+    <dgm:linClrLst meth="repeat">
+      <a:schemeClr val="lt1">
+        <a:shade val="80000"/>
+      </a:schemeClr>
+    </dgm:linClrLst>
+    <dgm:effectClrLst/>
+    <dgm:txLinClrLst/>
+    <dgm:txFillClrLst/>
+    <dgm:txEffectClrLst/>
+  </dgm:styleLbl>
+  <dgm:styleLbl name="asst1">
+    <dgm:fillClrLst meth="repeat">
+      <a:schemeClr val="accent3"/>
+    </dgm:fillClrLst>
+    <dgm:linClrLst meth="repeat">
+      <a:schemeClr val="lt1">
+        <a:shade val="80000"/>
+      </a:schemeClr>
+    </dgm:linClrLst>
+    <dgm:effectClrLst/>
+    <dgm:txLinClrLst/>
+    <dgm:txFillClrLst/>
+    <dgm:txEffectClrLst/>
+  </dgm:styleLbl>
+  <dgm:styleLbl name="asst2">
+    <dgm:fillClrLst>
+      <a:schemeClr val="accent4"/>
+    </dgm:fillClrLst>
+    <dgm:linClrLst meth="repeat">
+      <a:schemeClr val="lt1"/>
+    </dgm:linClrLst>
+    <dgm:effectClrLst/>
+    <dgm:txLinClrLst/>
+    <dgm:txFillClrLst/>
+    <dgm:txEffectClrLst/>
+  </dgm:styleLbl>
+  <dgm:styleLbl name="asst3">
+    <dgm:fillClrLst>
+      <a:schemeClr val="accent5"/>
+    </dgm:fillClrLst>
+    <dgm:linClrLst meth="repeat">
+      <a:schemeClr val="lt1"/>
+    </dgm:linClrLst>
+    <dgm:effectClrLst/>
+    <dgm:txLinClrLst/>
+    <dgm:txFillClrLst/>
+    <dgm:txEffectClrLst/>
+  </dgm:styleLbl>
+  <dgm:styleLbl name="asst4">
+    <dgm:fillClrLst>
+      <a:schemeClr val="accent6"/>
+    </dgm:fillClrLst>
+    <dgm:linClrLst meth="repeat">
+      <a:schemeClr val="lt1"/>
+    </dgm:linClrLst>
+    <dgm:effectClrLst/>
+    <dgm:txLinClrLst/>
+    <dgm:txFillClrLst/>
+    <dgm:txEffectClrLst/>
+  </dgm:styleLbl>
+  <dgm:styleLbl name="parChTrans2D1">
+    <dgm:fillClrLst meth="repeat">
+      <a:schemeClr val="accent2"/>
+    </dgm:fillClrLst>
+    <dgm:linClrLst meth="repeat">
+      <a:schemeClr val="lt1"/>
+    </dgm:linClrLst>
+    <dgm:effectClrLst/>
+    <dgm:txLinClrLst/>
+    <dgm:txFillClrLst meth="repeat">
+      <a:schemeClr val="lt1"/>
+    </dgm:txFillClrLst>
+    <dgm:txEffectClrLst/>
+  </dgm:styleLbl>
+  <dgm:styleLbl name="parChTrans2D2">
+    <dgm:fillClrLst meth="repeat">
+      <a:schemeClr val="accent3"/>
+    </dgm:fillClrLst>
+    <dgm:linClrLst meth="repeat">
+      <a:schemeClr val="lt1"/>
+    </dgm:linClrLst>
+    <dgm:effectClrLst/>
+    <dgm:txLinClrLst/>
+    <dgm:txFillClrLst/>
+    <dgm:txEffectClrLst/>
+  </dgm:styleLbl>
+  <dgm:styleLbl name="parChTrans2D3">
+    <dgm:fillClrLst meth="repeat">
+      <a:schemeClr val="accent4"/>
+    </dgm:fillClrLst>
+    <dgm:linClrLst meth="repeat">
+      <a:schemeClr val="lt1"/>
+    </dgm:linClrLst>
+    <dgm:effectClrLst/>
+    <dgm:txLinClrLst/>
+    <dgm:txFillClrLst/>
+    <dgm:txEffectClrLst/>
+  </dgm:styleLbl>
+  <dgm:styleLbl name="parChTrans2D4">
+    <dgm:fillClrLst meth="repeat">
+      <a:schemeClr val="accent5"/>
+    </dgm:fillClrLst>
+    <dgm:linClrLst meth="repeat">
+      <a:schemeClr val="lt1"/>
+    </dgm:linClrLst>
+    <dgm:effectClrLst/>
+    <dgm:txLinClrLst/>
+    <dgm:txFillClrLst meth="repeat">
+      <a:schemeClr val="lt1"/>
+    </dgm:txFillClrLst>
+    <dgm:txEffectClrLst/>
+  </dgm:styleLbl>
+  <dgm:styleLbl name="parChTrans1D1">
+    <dgm:fillClrLst meth="repeat">
+      <a:schemeClr val="accent2"/>
+    </dgm:fillClrLst>
+    <dgm:linClrLst meth="repeat">
+      <a:schemeClr val="accent2"/>
+    </dgm:linClrLst>
+    <dgm:effectClrLst/>
+    <dgm:txLinClrLst/>
+    <dgm:txFillClrLst meth="repeat">
+      <a:schemeClr val="tx1"/>
+    </dgm:txFillClrLst>
+    <dgm:txEffectClrLst/>
+  </dgm:styleLbl>
+  <dgm:styleLbl name="parChTrans1D2">
+    <dgm:fillClrLst meth="repeat">
+      <a:schemeClr val="accent2">
+        <a:tint val="90000"/>
+      </a:schemeClr>
+    </dgm:fillClrLst>
+    <dgm:linClrLst meth="repeat">
+      <a:schemeClr val="accent3"/>
+    </dgm:linClrLst>
+    <dgm:effectClrLst/>
+    <dgm:txLinClrLst/>
+    <dgm:txFillClrLst meth="repeat">
+      <a:schemeClr val="tx1"/>
+    </dgm:txFillClrLst>
+    <dgm:txEffectClrLst/>
+  </dgm:styleLbl>
+  <dgm:styleLbl name="parChTrans1D3">
+    <dgm:fillClrLst meth="repeat">
+      <a:schemeClr val="accent2">
+        <a:tint val="70000"/>
+      </a:schemeClr>
+    </dgm:fillClrLst>
+    <dgm:linClrLst meth="repeat">
+      <a:schemeClr val="accent4"/>
+    </dgm:linClrLst>
+    <dgm:effectClrLst/>
+    <dgm:txLinClrLst/>
+    <dgm:txFillClrLst meth="repeat">
+      <a:schemeClr val="tx1"/>
+    </dgm:txFillClrLst>
+    <dgm:txEffectClrLst/>
+  </dgm:styleLbl>
+  <dgm:styleLbl name="parChTrans1D4">
+    <dgm:fillClrLst meth="repeat">
+      <a:schemeClr val="accent2">
+        <a:tint val="50000"/>
+      </a:schemeClr>
+    </dgm:fillClrLst>
+    <dgm:linClrLst meth="repeat">
+      <a:schemeClr val="accent5"/>
+    </dgm:linClrLst>
+    <dgm:effectClrLst/>
+    <dgm:txLinClrLst/>
+    <dgm:txFillClrLst meth="repeat">
+      <a:schemeClr val="tx1"/>
+    </dgm:txFillClrLst>
+    <dgm:txEffectClrLst/>
+  </dgm:styleLbl>
+  <dgm:styleLbl name="fgAcc1">
+    <dgm:fillClrLst meth="repeat">
+      <a:schemeClr val="lt1">
+        <a:alpha val="90000"/>
+      </a:schemeClr>
+    </dgm:fillClrLst>
+    <dgm:linClrLst>
+      <a:schemeClr val="accent2"/>
+      <a:schemeClr val="accent3"/>
+    </dgm:linClrLst>
+    <dgm:effectClrLst/>
+    <dgm:txLinClrLst/>
+    <dgm:txFillClrLst meth="repeat">
+      <a:schemeClr val="dk1"/>
+    </dgm:txFillClrLst>
+    <dgm:txEffectClrLst/>
+  </dgm:styleLbl>
+  <dgm:styleLbl name="conFgAcc1">
+    <dgm:fillClrLst meth="repeat">
+      <a:schemeClr val="lt1">
+        <a:alpha val="90000"/>
+      </a:schemeClr>
+    </dgm:fillClrLst>
+    <dgm:linClrLst>
+      <a:schemeClr val="accent2"/>
+      <a:schemeClr val="accent3"/>
+    </dgm:linClrLst>
+    <dgm:effectClrLst/>
+    <dgm:txLinClrLst/>
+    <dgm:txFillClrLst meth="repeat">
+      <a:schemeClr val="dk1"/>
+    </dgm:txFillClrLst>
+    <dgm:txEffectClrLst/>
+  </dgm:styleLbl>
+  <dgm:styleLbl name="alignAcc1">
+    <dgm:fillClrLst meth="repeat">
+      <a:schemeClr val="lt1">
+        <a:alpha val="90000"/>
+      </a:schemeClr>
+    </dgm:fillClrLst>
+    <dgm:linClrLst>
+      <a:schemeClr val="accent2"/>
+      <a:schemeClr val="accent3"/>
+    </dgm:linClrLst>
+    <dgm:effectClrLst/>
+    <dgm:txLinClrLst/>
+    <dgm:txFillClrLst meth="repeat">
+      <a:schemeClr val="dk1"/>
+    </dgm:txFillClrLst>
+    <dgm:txEffectClrLst/>
+  </dgm:styleLbl>
+  <dgm:styleLbl name="trAlignAcc1">
+    <dgm:fillClrLst meth="repeat">
+      <a:schemeClr val="lt1">
+        <a:alpha val="40000"/>
+      </a:schemeClr>
+    </dgm:fillClrLst>
+    <dgm:linClrLst meth="repeat">
+      <a:schemeClr val="accent2"/>
+    </dgm:linClrLst>
+    <dgm:effectClrLst/>
+    <dgm:txLinClrLst/>
+    <dgm:txFillClrLst meth="repeat">
+      <a:schemeClr val="dk1"/>
+    </dgm:txFillClrLst>
+    <dgm:txEffectClrLst/>
+  </dgm:styleLbl>
+  <dgm:styleLbl name="bgAcc1">
+    <dgm:fillClrLst meth="repeat">
+      <a:schemeClr val="lt1">
+        <a:alpha val="90000"/>
+      </a:schemeClr>
+    </dgm:fillClrLst>
+    <dgm:linClrLst>
+      <a:schemeClr val="accent2"/>
+      <a:schemeClr val="accent3"/>
+    </dgm:linClrLst>
+    <dgm:effectClrLst/>
+    <dgm:txLinClrLst/>
+    <dgm:txFillClrLst meth="repeat">
+      <a:schemeClr val="dk1"/>
+    </dgm:txFillClrLst>
+    <dgm:txEffectClrLst/>
+  </dgm:styleLbl>
+  <dgm:styleLbl name="solidFgAcc1">
+    <dgm:fillClrLst meth="repeat">
+      <a:schemeClr val="lt1"/>
+    </dgm:fillClrLst>
+    <dgm:linClrLst>
+      <a:schemeClr val="accent2"/>
+      <a:schemeClr val="accent3"/>
+    </dgm:linClrLst>
+    <dgm:effectClrLst/>
+    <dgm:txLinClrLst/>
+    <dgm:txFillClrLst meth="repeat">
+      <a:schemeClr val="dk1"/>
+    </dgm:txFillClrLst>
+    <dgm:txEffectClrLst/>
+  </dgm:styleLbl>
+  <dgm:styleLbl name="solidAlignAcc1">
+    <dgm:fillClrLst meth="repeat">
+      <a:schemeClr val="lt1"/>
+    </dgm:fillClrLst>
+    <dgm:linClrLst>
+      <a:schemeClr val="accent2"/>
+      <a:schemeClr val="accent3"/>
+    </dgm:linClrLst>
+    <dgm:effectClrLst/>
+    <dgm:txLinClrLst/>
+    <dgm:txFillClrLst meth="repeat">
+      <a:schemeClr val="dk1"/>
+    </dgm:txFillClrLst>
+    <dgm:txEffectClrLst/>
+  </dgm:styleLbl>
+  <dgm:styleLbl name="solidBgAcc1">
+    <dgm:fillClrLst meth="repeat">
+      <a:schemeClr val="lt1"/>
+    </dgm:fillClrLst>
+    <dgm:linClrLst>
+      <a:schemeClr val="accent2"/>
+      <a:schemeClr val="accent3"/>
+    </dgm:linClrLst>
+    <dgm:effectClrLst/>
+    <dgm:txLinClrLst/>
+    <dgm:txFillClrLst meth="repeat">
+      <a:schemeClr val="dk1"/>
+    </dgm:txFillClrLst>
+    <dgm:txEffectClrLst/>
+  </dgm:styleLbl>
+  <dgm:styleLbl name="fgAccFollowNode1">
+    <dgm:fillClrLst>
+      <a:schemeClr val="accent2">
+        <a:tint val="40000"/>
+        <a:alpha val="90000"/>
+      </a:schemeClr>
+      <a:schemeClr val="accent3">
+        <a:tint val="40000"/>
+        <a:alpha val="90000"/>
+      </a:schemeClr>
+    </dgm:fillClrLst>
+    <dgm:linClrLst>
+      <a:schemeClr val="accent2">
+        <a:tint val="40000"/>
+        <a:alpha val="90000"/>
+      </a:schemeClr>
+      <a:schemeClr val="accent3">
+        <a:tint val="40000"/>
+        <a:alpha val="90000"/>
+      </a:schemeClr>
+    </dgm:linClrLst>
+    <dgm:effectClrLst/>
+    <dgm:txLinClrLst/>
+    <dgm:txFillClrLst meth="repeat">
+      <a:schemeClr val="dk1"/>
+    </dgm:txFillClrLst>
+    <dgm:txEffectClrLst/>
+  </dgm:styleLbl>
+  <dgm:styleLbl name="alignAccFollowNode1">
+    <dgm:fillClrLst>
+      <a:schemeClr val="accent2">
+        <a:tint val="40000"/>
+        <a:alpha val="90000"/>
+      </a:schemeClr>
+      <a:schemeClr val="accent3">
+        <a:tint val="40000"/>
+        <a:alpha val="90000"/>
+      </a:schemeClr>
+    </dgm:fillClrLst>
+    <dgm:linClrLst>
+      <a:schemeClr val="accent2">
+        <a:tint val="40000"/>
+        <a:alpha val="90000"/>
+      </a:schemeClr>
+      <a:schemeClr val="accent3">
+        <a:tint val="40000"/>
+        <a:alpha val="90000"/>
+      </a:schemeClr>
+    </dgm:linClrLst>
+    <dgm:effectClrLst/>
+    <dgm:txLinClrLst/>
+    <dgm:txFillClrLst meth="repeat">
+      <a:schemeClr val="dk1"/>
+    </dgm:txFillClrLst>
+    <dgm:txEffectClrLst/>
+  </dgm:styleLbl>
+  <dgm:styleLbl name="bgAccFollowNode1">
+    <dgm:fillClrLst>
+      <a:schemeClr val="accent2">
+        <a:tint val="40000"/>
+        <a:alpha val="90000"/>
+      </a:schemeClr>
+      <a:schemeClr val="accent3">
+        <a:tint val="40000"/>
+        <a:alpha val="90000"/>
+      </a:schemeClr>
+    </dgm:fillClrLst>
+    <dgm:linClrLst>
+      <a:schemeClr val="accent2">
+        <a:tint val="40000"/>
+        <a:alpha val="90000"/>
+      </a:schemeClr>
+      <a:schemeClr val="accent3">
+        <a:tint val="40000"/>
+        <a:alpha val="90000"/>
+      </a:schemeClr>
+    </dgm:linClrLst>
+    <dgm:effectClrLst/>
+    <dgm:txLinClrLst/>
+    <dgm:txFillClrLst meth="repeat">
+      <a:schemeClr val="dk1"/>
+    </dgm:txFillClrLst>
+    <dgm:txEffectClrLst/>
+  </dgm:styleLbl>
+  <dgm:styleLbl name="fgAcc0">
+    <dgm:fillClrLst meth="repeat">
+      <a:schemeClr val="lt1">
+        <a:alpha val="90000"/>
+      </a:schemeClr>
+    </dgm:fillClrLst>
+    <dgm:linClrLst>
+      <a:schemeClr val="accent1"/>
+    </dgm:linClrLst>
+    <dgm:effectClrLst/>
+    <dgm:txLinClrLst/>
+    <dgm:txFillClrLst meth="repeat">
+      <a:schemeClr val="dk1"/>
+    </dgm:txFillClrLst>
+    <dgm:txEffectClrLst/>
+  </dgm:styleLbl>
+  <dgm:styleLbl name="fgAcc2">
+    <dgm:fillClrLst meth="repeat">
+      <a:schemeClr val="lt1">
+        <a:alpha val="90000"/>
+      </a:schemeClr>
+    </dgm:fillClrLst>
+    <dgm:linClrLst>
+      <a:schemeClr val="accent3"/>
+    </dgm:linClrLst>
+    <dgm:effectClrLst/>
+    <dgm:txLinClrLst/>
+    <dgm:txFillClrLst meth="repeat">
+      <a:schemeClr val="dk1"/>
+    </dgm:txFillClrLst>
+    <dgm:txEffectClrLst/>
+  </dgm:styleLbl>
+  <dgm:styleLbl name="fgAcc3">
+    <dgm:fillClrLst meth="repeat">
+      <a:schemeClr val="lt1">
+        <a:alpha val="90000"/>
+      </a:schemeClr>
+    </dgm:fillClrLst>
+    <dgm:linClrLst>
+      <a:schemeClr val="accent4"/>
+    </dgm:linClrLst>
+    <dgm:effectClrLst/>
+    <dgm:txLinClrLst/>
+    <dgm:txFillClrLst meth="repeat">
+      <a:schemeClr val="dk1"/>
+    </dgm:txFillClrLst>
+    <dgm:txEffectClrLst/>
+  </dgm:styleLbl>
+  <dgm:styleLbl name="fgAcc4">
+    <dgm:fillClrLst meth="repeat">
+      <a:schemeClr val="lt1">
+        <a:alpha val="90000"/>
+      </a:schemeClr>
+    </dgm:fillClrLst>
+    <dgm:linClrLst>
+      <a:schemeClr val="accent5"/>
+    </dgm:linClrLst>
+    <dgm:effectClrLst/>
+    <dgm:txLinClrLst/>
+    <dgm:txFillClrLst meth="repeat">
+      <a:schemeClr val="dk1"/>
+    </dgm:txFillClrLst>
+    <dgm:txEffectClrLst/>
+  </dgm:styleLbl>
+  <dgm:styleLbl name="bgShp">
+    <dgm:fillClrLst meth="repeat">
+      <a:schemeClr val="accent2">
+        <a:tint val="40000"/>
+      </a:schemeClr>
+    </dgm:fillClrLst>
+    <dgm:linClrLst meth="repeat">
+      <a:schemeClr val="dk1"/>
+    </dgm:linClrLst>
+    <dgm:effectClrLst/>
+    <dgm:txLinClrLst/>
+    <dgm:txFillClrLst meth="repeat">
+      <a:schemeClr val="dk1"/>
+    </dgm:txFillClrLst>
+    <dgm:txEffectClrLst/>
+  </dgm:styleLbl>
+  <dgm:styleLbl name="dkBgShp">
+    <dgm:fillClrLst meth="repeat">
+      <a:schemeClr val="accent2">
+        <a:shade val="90000"/>
+      </a:schemeClr>
+    </dgm:fillClrLst>
+    <dgm:linClrLst meth="repeat">
+      <a:schemeClr val="dk1"/>
+    </dgm:linClrLst>
+    <dgm:effectClrLst/>
+    <dgm:txLinClrLst/>
+    <dgm:txFillClrLst meth="repeat">
+      <a:schemeClr val="lt1"/>
+    </dgm:txFillClrLst>
+    <dgm:txEffectClrLst/>
+  </dgm:styleLbl>
+  <dgm:styleLbl name="trBgShp">
+    <dgm:fillClrLst meth="repeat">
+      <a:schemeClr val="accent2">
+        <a:tint val="50000"/>
+        <a:alpha val="40000"/>
+      </a:schemeClr>
+    </dgm:fillClrLst>
+    <dgm:linClrLst meth="repeat">
+      <a:schemeClr val="accent2"/>
+    </dgm:linClrLst>
+    <dgm:effectClrLst/>
+    <dgm:txLinClrLst/>
+    <dgm:txFillClrLst meth="repeat">
+      <a:schemeClr val="lt1"/>
+    </dgm:txFillClrLst>
+    <dgm:txEffectClrLst/>
+  </dgm:styleLbl>
+  <dgm:styleLbl name="fgShp">
+    <dgm:fillClrLst meth="repeat">
+      <a:schemeClr val="accent2">
+        <a:tint val="40000"/>
+      </a:schemeClr>
+    </dgm:fillClrLst>
+    <dgm:linClrLst meth="repeat">
+      <a:schemeClr val="lt1"/>
+    </dgm:linClrLst>
+    <dgm:effectClrLst/>
+    <dgm:txLinClrLst/>
+    <dgm:txFillClrLst meth="repeat">
+      <a:schemeClr val="dk1"/>
+    </dgm:txFillClrLst>
+    <dgm:txEffectClrLst/>
+  </dgm:styleLbl>
+  <dgm:styleLbl name="revTx">
+    <dgm:fillClrLst meth="repeat">
+      <a:schemeClr val="lt1">
+        <a:alpha val="0"/>
+      </a:schemeClr>
+    </dgm:fillClrLst>
+    <dgm:linClrLst meth="repeat">
+      <a:schemeClr val="dk1">
+        <a:alpha val="0"/>
+      </a:schemeClr>
+    </dgm:linClrLst>
+    <dgm:effectClrLst/>
+    <dgm:txLinClrLst/>
+    <dgm:txFillClrLst meth="repeat">
+      <a:schemeClr val="tx1"/>
+    </dgm:txFillClrLst>
+    <dgm:txEffectClrLst/>
+  </dgm:styleLbl>
+</dgm:colorsDef>
+</file>
+
+<file path=ppt/diagrams/colors2.xml><?xml version="1.0" encoding="utf-8"?>
 <dgm:colorsDef xmlns:dgm="http://schemas.openxmlformats.org/drawingml/2006/diagram" xmlns:a="http://schemas.openxmlformats.org/drawingml/2006/main" uniqueId="urn:microsoft.com/office/officeart/2018/5/colors/Iconchunking_neutralbg_colorful1">
   <dgm:title val=""/>
   <dgm:desc val=""/>
@@ -1166,788 +1948,6 @@
 </dgm:colorsDef>
 </file>
 
-<file path=ppt/diagrams/colors2.xml><?xml version="1.0" encoding="utf-8"?>
-<dgm:colorsDef xmlns:dgm="http://schemas.openxmlformats.org/drawingml/2006/diagram" xmlns:a="http://schemas.openxmlformats.org/drawingml/2006/main" uniqueId="urn:microsoft.com/office/officeart/2005/8/colors/colorful2">
-  <dgm:title val=""/>
-  <dgm:desc val=""/>
-  <dgm:catLst>
-    <dgm:cat type="colorful" pri="10200"/>
-  </dgm:catLst>
-  <dgm:styleLbl name="node0">
-    <dgm:fillClrLst meth="repeat">
-      <a:schemeClr val="accent1"/>
-    </dgm:fillClrLst>
-    <dgm:linClrLst meth="repeat">
-      <a:schemeClr val="lt1"/>
-    </dgm:linClrLst>
-    <dgm:effectClrLst/>
-    <dgm:txLinClrLst/>
-    <dgm:txFillClrLst/>
-    <dgm:txEffectClrLst/>
-  </dgm:styleLbl>
-  <dgm:styleLbl name="node1">
-    <dgm:fillClrLst>
-      <a:schemeClr val="accent2"/>
-      <a:schemeClr val="accent3"/>
-    </dgm:fillClrLst>
-    <dgm:linClrLst meth="repeat">
-      <a:schemeClr val="lt1"/>
-    </dgm:linClrLst>
-    <dgm:effectClrLst/>
-    <dgm:txLinClrLst/>
-    <dgm:txFillClrLst/>
-    <dgm:txEffectClrLst/>
-  </dgm:styleLbl>
-  <dgm:styleLbl name="alignNode1">
-    <dgm:fillClrLst>
-      <a:schemeClr val="accent2"/>
-      <a:schemeClr val="accent3"/>
-    </dgm:fillClrLst>
-    <dgm:linClrLst>
-      <a:schemeClr val="accent2"/>
-      <a:schemeClr val="accent3"/>
-    </dgm:linClrLst>
-    <dgm:effectClrLst/>
-    <dgm:txLinClrLst/>
-    <dgm:txFillClrLst/>
-    <dgm:txEffectClrLst/>
-  </dgm:styleLbl>
-  <dgm:styleLbl name="lnNode1">
-    <dgm:fillClrLst>
-      <a:schemeClr val="accent2"/>
-      <a:schemeClr val="accent3"/>
-    </dgm:fillClrLst>
-    <dgm:linClrLst meth="repeat">
-      <a:schemeClr val="lt1"/>
-    </dgm:linClrLst>
-    <dgm:effectClrLst/>
-    <dgm:txLinClrLst/>
-    <dgm:txFillClrLst/>
-    <dgm:txEffectClrLst/>
-  </dgm:styleLbl>
-  <dgm:styleLbl name="vennNode1">
-    <dgm:fillClrLst>
-      <a:schemeClr val="accent2">
-        <a:alpha val="50000"/>
-      </a:schemeClr>
-      <a:schemeClr val="accent3">
-        <a:alpha val="50000"/>
-      </a:schemeClr>
-    </dgm:fillClrLst>
-    <dgm:linClrLst meth="repeat">
-      <a:schemeClr val="lt1"/>
-    </dgm:linClrLst>
-    <dgm:effectClrLst/>
-    <dgm:txLinClrLst/>
-    <dgm:txFillClrLst/>
-    <dgm:txEffectClrLst/>
-  </dgm:styleLbl>
-  <dgm:styleLbl name="node2">
-    <dgm:fillClrLst>
-      <a:schemeClr val="accent3"/>
-    </dgm:fillClrLst>
-    <dgm:linClrLst meth="repeat">
-      <a:schemeClr val="lt1"/>
-    </dgm:linClrLst>
-    <dgm:effectClrLst/>
-    <dgm:txLinClrLst/>
-    <dgm:txFillClrLst/>
-    <dgm:txEffectClrLst/>
-  </dgm:styleLbl>
-  <dgm:styleLbl name="node3">
-    <dgm:fillClrLst>
-      <a:schemeClr val="accent4"/>
-    </dgm:fillClrLst>
-    <dgm:linClrLst meth="repeat">
-      <a:schemeClr val="lt1"/>
-    </dgm:linClrLst>
-    <dgm:effectClrLst/>
-    <dgm:txLinClrLst/>
-    <dgm:txFillClrLst/>
-    <dgm:txEffectClrLst/>
-  </dgm:styleLbl>
-  <dgm:styleLbl name="node4">
-    <dgm:fillClrLst>
-      <a:schemeClr val="accent5"/>
-    </dgm:fillClrLst>
-    <dgm:linClrLst meth="repeat">
-      <a:schemeClr val="lt1"/>
-    </dgm:linClrLst>
-    <dgm:effectClrLst/>
-    <dgm:txLinClrLst/>
-    <dgm:txFillClrLst/>
-    <dgm:txEffectClrLst/>
-  </dgm:styleLbl>
-  <dgm:styleLbl name="fgImgPlace1">
-    <dgm:fillClrLst>
-      <a:schemeClr val="accent2">
-        <a:tint val="50000"/>
-      </a:schemeClr>
-      <a:schemeClr val="accent3">
-        <a:tint val="50000"/>
-      </a:schemeClr>
-    </dgm:fillClrLst>
-    <dgm:linClrLst meth="repeat">
-      <a:schemeClr val="lt1"/>
-    </dgm:linClrLst>
-    <dgm:effectClrLst/>
-    <dgm:txLinClrLst/>
-    <dgm:txFillClrLst meth="repeat">
-      <a:schemeClr val="lt1"/>
-    </dgm:txFillClrLst>
-    <dgm:txEffectClrLst/>
-  </dgm:styleLbl>
-  <dgm:styleLbl name="alignImgPlace1">
-    <dgm:fillClrLst>
-      <a:schemeClr val="accent2">
-        <a:tint val="50000"/>
-      </a:schemeClr>
-      <a:schemeClr val="accent3">
-        <a:tint val="20000"/>
-      </a:schemeClr>
-    </dgm:fillClrLst>
-    <dgm:linClrLst meth="repeat">
-      <a:schemeClr val="lt1"/>
-    </dgm:linClrLst>
-    <dgm:effectClrLst/>
-    <dgm:txLinClrLst/>
-    <dgm:txFillClrLst meth="repeat">
-      <a:schemeClr val="lt1"/>
-    </dgm:txFillClrLst>
-    <dgm:txEffectClrLst/>
-  </dgm:styleLbl>
-  <dgm:styleLbl name="bgImgPlace1">
-    <dgm:fillClrLst>
-      <a:schemeClr val="accent2">
-        <a:tint val="50000"/>
-      </a:schemeClr>
-      <a:schemeClr val="accent3">
-        <a:tint val="20000"/>
-      </a:schemeClr>
-    </dgm:fillClrLst>
-    <dgm:linClrLst meth="repeat">
-      <a:schemeClr val="lt1"/>
-    </dgm:linClrLst>
-    <dgm:effectClrLst/>
-    <dgm:txLinClrLst/>
-    <dgm:txFillClrLst meth="repeat">
-      <a:schemeClr val="lt1"/>
-    </dgm:txFillClrLst>
-    <dgm:txEffectClrLst/>
-  </dgm:styleLbl>
-  <dgm:styleLbl name="sibTrans2D1">
-    <dgm:fillClrLst>
-      <a:schemeClr val="accent2"/>
-      <a:schemeClr val="accent3"/>
-    </dgm:fillClrLst>
-    <dgm:linClrLst meth="repeat">
-      <a:schemeClr val="lt1"/>
-    </dgm:linClrLst>
-    <dgm:effectClrLst/>
-    <dgm:txLinClrLst/>
-    <dgm:txFillClrLst/>
-    <dgm:txEffectClrLst/>
-  </dgm:styleLbl>
-  <dgm:styleLbl name="fgSibTrans2D1">
-    <dgm:fillClrLst>
-      <a:schemeClr val="accent2"/>
-      <a:schemeClr val="accent3"/>
-    </dgm:fillClrLst>
-    <dgm:linClrLst meth="repeat">
-      <a:schemeClr val="lt1"/>
-    </dgm:linClrLst>
-    <dgm:effectClrLst/>
-    <dgm:txLinClrLst/>
-    <dgm:txFillClrLst meth="repeat">
-      <a:schemeClr val="lt1"/>
-    </dgm:txFillClrLst>
-    <dgm:txEffectClrLst/>
-  </dgm:styleLbl>
-  <dgm:styleLbl name="bgSibTrans2D1">
-    <dgm:fillClrLst>
-      <a:schemeClr val="accent2"/>
-      <a:schemeClr val="accent3"/>
-    </dgm:fillClrLst>
-    <dgm:linClrLst meth="repeat">
-      <a:schemeClr val="lt1"/>
-    </dgm:linClrLst>
-    <dgm:effectClrLst/>
-    <dgm:txLinClrLst/>
-    <dgm:txFillClrLst meth="repeat">
-      <a:schemeClr val="lt1"/>
-    </dgm:txFillClrLst>
-    <dgm:txEffectClrLst/>
-  </dgm:styleLbl>
-  <dgm:styleLbl name="sibTrans1D1">
-    <dgm:fillClrLst/>
-    <dgm:linClrLst>
-      <a:schemeClr val="accent2"/>
-      <a:schemeClr val="accent3"/>
-    </dgm:linClrLst>
-    <dgm:effectClrLst/>
-    <dgm:txLinClrLst/>
-    <dgm:txFillClrLst meth="repeat">
-      <a:schemeClr val="tx1"/>
-    </dgm:txFillClrLst>
-    <dgm:txEffectClrLst/>
-  </dgm:styleLbl>
-  <dgm:styleLbl name="callout">
-    <dgm:fillClrLst meth="repeat">
-      <a:schemeClr val="accent2"/>
-    </dgm:fillClrLst>
-    <dgm:linClrLst meth="repeat">
-      <a:schemeClr val="accent2">
-        <a:tint val="50000"/>
-      </a:schemeClr>
-    </dgm:linClrLst>
-    <dgm:effectClrLst/>
-    <dgm:txLinClrLst/>
-    <dgm:txFillClrLst meth="repeat">
-      <a:schemeClr val="tx1"/>
-    </dgm:txFillClrLst>
-    <dgm:txEffectClrLst/>
-  </dgm:styleLbl>
-  <dgm:styleLbl name="asst0">
-    <dgm:fillClrLst meth="repeat">
-      <a:schemeClr val="accent2"/>
-    </dgm:fillClrLst>
-    <dgm:linClrLst meth="repeat">
-      <a:schemeClr val="lt1">
-        <a:shade val="80000"/>
-      </a:schemeClr>
-    </dgm:linClrLst>
-    <dgm:effectClrLst/>
-    <dgm:txLinClrLst/>
-    <dgm:txFillClrLst/>
-    <dgm:txEffectClrLst/>
-  </dgm:styleLbl>
-  <dgm:styleLbl name="asst1">
-    <dgm:fillClrLst meth="repeat">
-      <a:schemeClr val="accent3"/>
-    </dgm:fillClrLst>
-    <dgm:linClrLst meth="repeat">
-      <a:schemeClr val="lt1">
-        <a:shade val="80000"/>
-      </a:schemeClr>
-    </dgm:linClrLst>
-    <dgm:effectClrLst/>
-    <dgm:txLinClrLst/>
-    <dgm:txFillClrLst/>
-    <dgm:txEffectClrLst/>
-  </dgm:styleLbl>
-  <dgm:styleLbl name="asst2">
-    <dgm:fillClrLst>
-      <a:schemeClr val="accent4"/>
-    </dgm:fillClrLst>
-    <dgm:linClrLst meth="repeat">
-      <a:schemeClr val="lt1"/>
-    </dgm:linClrLst>
-    <dgm:effectClrLst/>
-    <dgm:txLinClrLst/>
-    <dgm:txFillClrLst/>
-    <dgm:txEffectClrLst/>
-  </dgm:styleLbl>
-  <dgm:styleLbl name="asst3">
-    <dgm:fillClrLst>
-      <a:schemeClr val="accent5"/>
-    </dgm:fillClrLst>
-    <dgm:linClrLst meth="repeat">
-      <a:schemeClr val="lt1"/>
-    </dgm:linClrLst>
-    <dgm:effectClrLst/>
-    <dgm:txLinClrLst/>
-    <dgm:txFillClrLst/>
-    <dgm:txEffectClrLst/>
-  </dgm:styleLbl>
-  <dgm:styleLbl name="asst4">
-    <dgm:fillClrLst>
-      <a:schemeClr val="accent6"/>
-    </dgm:fillClrLst>
-    <dgm:linClrLst meth="repeat">
-      <a:schemeClr val="lt1"/>
-    </dgm:linClrLst>
-    <dgm:effectClrLst/>
-    <dgm:txLinClrLst/>
-    <dgm:txFillClrLst/>
-    <dgm:txEffectClrLst/>
-  </dgm:styleLbl>
-  <dgm:styleLbl name="parChTrans2D1">
-    <dgm:fillClrLst meth="repeat">
-      <a:schemeClr val="accent2"/>
-    </dgm:fillClrLst>
-    <dgm:linClrLst meth="repeat">
-      <a:schemeClr val="lt1"/>
-    </dgm:linClrLst>
-    <dgm:effectClrLst/>
-    <dgm:txLinClrLst/>
-    <dgm:txFillClrLst meth="repeat">
-      <a:schemeClr val="lt1"/>
-    </dgm:txFillClrLst>
-    <dgm:txEffectClrLst/>
-  </dgm:styleLbl>
-  <dgm:styleLbl name="parChTrans2D2">
-    <dgm:fillClrLst meth="repeat">
-      <a:schemeClr val="accent3"/>
-    </dgm:fillClrLst>
-    <dgm:linClrLst meth="repeat">
-      <a:schemeClr val="lt1"/>
-    </dgm:linClrLst>
-    <dgm:effectClrLst/>
-    <dgm:txLinClrLst/>
-    <dgm:txFillClrLst/>
-    <dgm:txEffectClrLst/>
-  </dgm:styleLbl>
-  <dgm:styleLbl name="parChTrans2D3">
-    <dgm:fillClrLst meth="repeat">
-      <a:schemeClr val="accent4"/>
-    </dgm:fillClrLst>
-    <dgm:linClrLst meth="repeat">
-      <a:schemeClr val="lt1"/>
-    </dgm:linClrLst>
-    <dgm:effectClrLst/>
-    <dgm:txLinClrLst/>
-    <dgm:txFillClrLst/>
-    <dgm:txEffectClrLst/>
-  </dgm:styleLbl>
-  <dgm:styleLbl name="parChTrans2D4">
-    <dgm:fillClrLst meth="repeat">
-      <a:schemeClr val="accent5"/>
-    </dgm:fillClrLst>
-    <dgm:linClrLst meth="repeat">
-      <a:schemeClr val="lt1"/>
-    </dgm:linClrLst>
-    <dgm:effectClrLst/>
-    <dgm:txLinClrLst/>
-    <dgm:txFillClrLst meth="repeat">
-      <a:schemeClr val="lt1"/>
-    </dgm:txFillClrLst>
-    <dgm:txEffectClrLst/>
-  </dgm:styleLbl>
-  <dgm:styleLbl name="parChTrans1D1">
-    <dgm:fillClrLst meth="repeat">
-      <a:schemeClr val="accent2"/>
-    </dgm:fillClrLst>
-    <dgm:linClrLst meth="repeat">
-      <a:schemeClr val="accent2"/>
-    </dgm:linClrLst>
-    <dgm:effectClrLst/>
-    <dgm:txLinClrLst/>
-    <dgm:txFillClrLst meth="repeat">
-      <a:schemeClr val="tx1"/>
-    </dgm:txFillClrLst>
-    <dgm:txEffectClrLst/>
-  </dgm:styleLbl>
-  <dgm:styleLbl name="parChTrans1D2">
-    <dgm:fillClrLst meth="repeat">
-      <a:schemeClr val="accent2">
-        <a:tint val="90000"/>
-      </a:schemeClr>
-    </dgm:fillClrLst>
-    <dgm:linClrLst meth="repeat">
-      <a:schemeClr val="accent3"/>
-    </dgm:linClrLst>
-    <dgm:effectClrLst/>
-    <dgm:txLinClrLst/>
-    <dgm:txFillClrLst meth="repeat">
-      <a:schemeClr val="tx1"/>
-    </dgm:txFillClrLst>
-    <dgm:txEffectClrLst/>
-  </dgm:styleLbl>
-  <dgm:styleLbl name="parChTrans1D3">
-    <dgm:fillClrLst meth="repeat">
-      <a:schemeClr val="accent2">
-        <a:tint val="70000"/>
-      </a:schemeClr>
-    </dgm:fillClrLst>
-    <dgm:linClrLst meth="repeat">
-      <a:schemeClr val="accent4"/>
-    </dgm:linClrLst>
-    <dgm:effectClrLst/>
-    <dgm:txLinClrLst/>
-    <dgm:txFillClrLst meth="repeat">
-      <a:schemeClr val="tx1"/>
-    </dgm:txFillClrLst>
-    <dgm:txEffectClrLst/>
-  </dgm:styleLbl>
-  <dgm:styleLbl name="parChTrans1D4">
-    <dgm:fillClrLst meth="repeat">
-      <a:schemeClr val="accent2">
-        <a:tint val="50000"/>
-      </a:schemeClr>
-    </dgm:fillClrLst>
-    <dgm:linClrLst meth="repeat">
-      <a:schemeClr val="accent5"/>
-    </dgm:linClrLst>
-    <dgm:effectClrLst/>
-    <dgm:txLinClrLst/>
-    <dgm:txFillClrLst meth="repeat">
-      <a:schemeClr val="tx1"/>
-    </dgm:txFillClrLst>
-    <dgm:txEffectClrLst/>
-  </dgm:styleLbl>
-  <dgm:styleLbl name="fgAcc1">
-    <dgm:fillClrLst meth="repeat">
-      <a:schemeClr val="lt1">
-        <a:alpha val="90000"/>
-      </a:schemeClr>
-    </dgm:fillClrLst>
-    <dgm:linClrLst>
-      <a:schemeClr val="accent2"/>
-      <a:schemeClr val="accent3"/>
-    </dgm:linClrLst>
-    <dgm:effectClrLst/>
-    <dgm:txLinClrLst/>
-    <dgm:txFillClrLst meth="repeat">
-      <a:schemeClr val="dk1"/>
-    </dgm:txFillClrLst>
-    <dgm:txEffectClrLst/>
-  </dgm:styleLbl>
-  <dgm:styleLbl name="conFgAcc1">
-    <dgm:fillClrLst meth="repeat">
-      <a:schemeClr val="lt1">
-        <a:alpha val="90000"/>
-      </a:schemeClr>
-    </dgm:fillClrLst>
-    <dgm:linClrLst>
-      <a:schemeClr val="accent2"/>
-      <a:schemeClr val="accent3"/>
-    </dgm:linClrLst>
-    <dgm:effectClrLst/>
-    <dgm:txLinClrLst/>
-    <dgm:txFillClrLst meth="repeat">
-      <a:schemeClr val="dk1"/>
-    </dgm:txFillClrLst>
-    <dgm:txEffectClrLst/>
-  </dgm:styleLbl>
-  <dgm:styleLbl name="alignAcc1">
-    <dgm:fillClrLst meth="repeat">
-      <a:schemeClr val="lt1">
-        <a:alpha val="90000"/>
-      </a:schemeClr>
-    </dgm:fillClrLst>
-    <dgm:linClrLst>
-      <a:schemeClr val="accent2"/>
-      <a:schemeClr val="accent3"/>
-    </dgm:linClrLst>
-    <dgm:effectClrLst/>
-    <dgm:txLinClrLst/>
-    <dgm:txFillClrLst meth="repeat">
-      <a:schemeClr val="dk1"/>
-    </dgm:txFillClrLst>
-    <dgm:txEffectClrLst/>
-  </dgm:styleLbl>
-  <dgm:styleLbl name="trAlignAcc1">
-    <dgm:fillClrLst meth="repeat">
-      <a:schemeClr val="lt1">
-        <a:alpha val="40000"/>
-      </a:schemeClr>
-    </dgm:fillClrLst>
-    <dgm:linClrLst meth="repeat">
-      <a:schemeClr val="accent2"/>
-    </dgm:linClrLst>
-    <dgm:effectClrLst/>
-    <dgm:txLinClrLst/>
-    <dgm:txFillClrLst meth="repeat">
-      <a:schemeClr val="dk1"/>
-    </dgm:txFillClrLst>
-    <dgm:txEffectClrLst/>
-  </dgm:styleLbl>
-  <dgm:styleLbl name="bgAcc1">
-    <dgm:fillClrLst meth="repeat">
-      <a:schemeClr val="lt1">
-        <a:alpha val="90000"/>
-      </a:schemeClr>
-    </dgm:fillClrLst>
-    <dgm:linClrLst>
-      <a:schemeClr val="accent2"/>
-      <a:schemeClr val="accent3"/>
-    </dgm:linClrLst>
-    <dgm:effectClrLst/>
-    <dgm:txLinClrLst/>
-    <dgm:txFillClrLst meth="repeat">
-      <a:schemeClr val="dk1"/>
-    </dgm:txFillClrLst>
-    <dgm:txEffectClrLst/>
-  </dgm:styleLbl>
-  <dgm:styleLbl name="solidFgAcc1">
-    <dgm:fillClrLst meth="repeat">
-      <a:schemeClr val="lt1"/>
-    </dgm:fillClrLst>
-    <dgm:linClrLst>
-      <a:schemeClr val="accent2"/>
-      <a:schemeClr val="accent3"/>
-    </dgm:linClrLst>
-    <dgm:effectClrLst/>
-    <dgm:txLinClrLst/>
-    <dgm:txFillClrLst meth="repeat">
-      <a:schemeClr val="dk1"/>
-    </dgm:txFillClrLst>
-    <dgm:txEffectClrLst/>
-  </dgm:styleLbl>
-  <dgm:styleLbl name="solidAlignAcc1">
-    <dgm:fillClrLst meth="repeat">
-      <a:schemeClr val="lt1"/>
-    </dgm:fillClrLst>
-    <dgm:linClrLst>
-      <a:schemeClr val="accent2"/>
-      <a:schemeClr val="accent3"/>
-    </dgm:linClrLst>
-    <dgm:effectClrLst/>
-    <dgm:txLinClrLst/>
-    <dgm:txFillClrLst meth="repeat">
-      <a:schemeClr val="dk1"/>
-    </dgm:txFillClrLst>
-    <dgm:txEffectClrLst/>
-  </dgm:styleLbl>
-  <dgm:styleLbl name="solidBgAcc1">
-    <dgm:fillClrLst meth="repeat">
-      <a:schemeClr val="lt1"/>
-    </dgm:fillClrLst>
-    <dgm:linClrLst>
-      <a:schemeClr val="accent2"/>
-      <a:schemeClr val="accent3"/>
-    </dgm:linClrLst>
-    <dgm:effectClrLst/>
-    <dgm:txLinClrLst/>
-    <dgm:txFillClrLst meth="repeat">
-      <a:schemeClr val="dk1"/>
-    </dgm:txFillClrLst>
-    <dgm:txEffectClrLst/>
-  </dgm:styleLbl>
-  <dgm:styleLbl name="fgAccFollowNode1">
-    <dgm:fillClrLst>
-      <a:schemeClr val="accent2">
-        <a:tint val="40000"/>
-        <a:alpha val="90000"/>
-      </a:schemeClr>
-      <a:schemeClr val="accent3">
-        <a:tint val="40000"/>
-        <a:alpha val="90000"/>
-      </a:schemeClr>
-    </dgm:fillClrLst>
-    <dgm:linClrLst>
-      <a:schemeClr val="accent2">
-        <a:tint val="40000"/>
-        <a:alpha val="90000"/>
-      </a:schemeClr>
-      <a:schemeClr val="accent3">
-        <a:tint val="40000"/>
-        <a:alpha val="90000"/>
-      </a:schemeClr>
-    </dgm:linClrLst>
-    <dgm:effectClrLst/>
-    <dgm:txLinClrLst/>
-    <dgm:txFillClrLst meth="repeat">
-      <a:schemeClr val="dk1"/>
-    </dgm:txFillClrLst>
-    <dgm:txEffectClrLst/>
-  </dgm:styleLbl>
-  <dgm:styleLbl name="alignAccFollowNode1">
-    <dgm:fillClrLst>
-      <a:schemeClr val="accent2">
-        <a:tint val="40000"/>
-        <a:alpha val="90000"/>
-      </a:schemeClr>
-      <a:schemeClr val="accent3">
-        <a:tint val="40000"/>
-        <a:alpha val="90000"/>
-      </a:schemeClr>
-    </dgm:fillClrLst>
-    <dgm:linClrLst>
-      <a:schemeClr val="accent2">
-        <a:tint val="40000"/>
-        <a:alpha val="90000"/>
-      </a:schemeClr>
-      <a:schemeClr val="accent3">
-        <a:tint val="40000"/>
-        <a:alpha val="90000"/>
-      </a:schemeClr>
-    </dgm:linClrLst>
-    <dgm:effectClrLst/>
-    <dgm:txLinClrLst/>
-    <dgm:txFillClrLst meth="repeat">
-      <a:schemeClr val="dk1"/>
-    </dgm:txFillClrLst>
-    <dgm:txEffectClrLst/>
-  </dgm:styleLbl>
-  <dgm:styleLbl name="bgAccFollowNode1">
-    <dgm:fillClrLst>
-      <a:schemeClr val="accent2">
-        <a:tint val="40000"/>
-        <a:alpha val="90000"/>
-      </a:schemeClr>
-      <a:schemeClr val="accent3">
-        <a:tint val="40000"/>
-        <a:alpha val="90000"/>
-      </a:schemeClr>
-    </dgm:fillClrLst>
-    <dgm:linClrLst>
-      <a:schemeClr val="accent2">
-        <a:tint val="40000"/>
-        <a:alpha val="90000"/>
-      </a:schemeClr>
-      <a:schemeClr val="accent3">
-        <a:tint val="40000"/>
-        <a:alpha val="90000"/>
-      </a:schemeClr>
-    </dgm:linClrLst>
-    <dgm:effectClrLst/>
-    <dgm:txLinClrLst/>
-    <dgm:txFillClrLst meth="repeat">
-      <a:schemeClr val="dk1"/>
-    </dgm:txFillClrLst>
-    <dgm:txEffectClrLst/>
-  </dgm:styleLbl>
-  <dgm:styleLbl name="fgAcc0">
-    <dgm:fillClrLst meth="repeat">
-      <a:schemeClr val="lt1">
-        <a:alpha val="90000"/>
-      </a:schemeClr>
-    </dgm:fillClrLst>
-    <dgm:linClrLst>
-      <a:schemeClr val="accent1"/>
-    </dgm:linClrLst>
-    <dgm:effectClrLst/>
-    <dgm:txLinClrLst/>
-    <dgm:txFillClrLst meth="repeat">
-      <a:schemeClr val="dk1"/>
-    </dgm:txFillClrLst>
-    <dgm:txEffectClrLst/>
-  </dgm:styleLbl>
-  <dgm:styleLbl name="fgAcc2">
-    <dgm:fillClrLst meth="repeat">
-      <a:schemeClr val="lt1">
-        <a:alpha val="90000"/>
-      </a:schemeClr>
-    </dgm:fillClrLst>
-    <dgm:linClrLst>
-      <a:schemeClr val="accent3"/>
-    </dgm:linClrLst>
-    <dgm:effectClrLst/>
-    <dgm:txLinClrLst/>
-    <dgm:txFillClrLst meth="repeat">
-      <a:schemeClr val="dk1"/>
-    </dgm:txFillClrLst>
-    <dgm:txEffectClrLst/>
-  </dgm:styleLbl>
-  <dgm:styleLbl name="fgAcc3">
-    <dgm:fillClrLst meth="repeat">
-      <a:schemeClr val="lt1">
-        <a:alpha val="90000"/>
-      </a:schemeClr>
-    </dgm:fillClrLst>
-    <dgm:linClrLst>
-      <a:schemeClr val="accent4"/>
-    </dgm:linClrLst>
-    <dgm:effectClrLst/>
-    <dgm:txLinClrLst/>
-    <dgm:txFillClrLst meth="repeat">
-      <a:schemeClr val="dk1"/>
-    </dgm:txFillClrLst>
-    <dgm:txEffectClrLst/>
-  </dgm:styleLbl>
-  <dgm:styleLbl name="fgAcc4">
-    <dgm:fillClrLst meth="repeat">
-      <a:schemeClr val="lt1">
-        <a:alpha val="90000"/>
-      </a:schemeClr>
-    </dgm:fillClrLst>
-    <dgm:linClrLst>
-      <a:schemeClr val="accent5"/>
-    </dgm:linClrLst>
-    <dgm:effectClrLst/>
-    <dgm:txLinClrLst/>
-    <dgm:txFillClrLst meth="repeat">
-      <a:schemeClr val="dk1"/>
-    </dgm:txFillClrLst>
-    <dgm:txEffectClrLst/>
-  </dgm:styleLbl>
-  <dgm:styleLbl name="bgShp">
-    <dgm:fillClrLst meth="repeat">
-      <a:schemeClr val="accent2">
-        <a:tint val="40000"/>
-      </a:schemeClr>
-    </dgm:fillClrLst>
-    <dgm:linClrLst meth="repeat">
-      <a:schemeClr val="dk1"/>
-    </dgm:linClrLst>
-    <dgm:effectClrLst/>
-    <dgm:txLinClrLst/>
-    <dgm:txFillClrLst meth="repeat">
-      <a:schemeClr val="dk1"/>
-    </dgm:txFillClrLst>
-    <dgm:txEffectClrLst/>
-  </dgm:styleLbl>
-  <dgm:styleLbl name="dkBgShp">
-    <dgm:fillClrLst meth="repeat">
-      <a:schemeClr val="accent2">
-        <a:shade val="90000"/>
-      </a:schemeClr>
-    </dgm:fillClrLst>
-    <dgm:linClrLst meth="repeat">
-      <a:schemeClr val="dk1"/>
-    </dgm:linClrLst>
-    <dgm:effectClrLst/>
-    <dgm:txLinClrLst/>
-    <dgm:txFillClrLst meth="repeat">
-      <a:schemeClr val="lt1"/>
-    </dgm:txFillClrLst>
-    <dgm:txEffectClrLst/>
-  </dgm:styleLbl>
-  <dgm:styleLbl name="trBgShp">
-    <dgm:fillClrLst meth="repeat">
-      <a:schemeClr val="accent2">
-        <a:tint val="50000"/>
-        <a:alpha val="40000"/>
-      </a:schemeClr>
-    </dgm:fillClrLst>
-    <dgm:linClrLst meth="repeat">
-      <a:schemeClr val="accent2"/>
-    </dgm:linClrLst>
-    <dgm:effectClrLst/>
-    <dgm:txLinClrLst/>
-    <dgm:txFillClrLst meth="repeat">
-      <a:schemeClr val="lt1"/>
-    </dgm:txFillClrLst>
-    <dgm:txEffectClrLst/>
-  </dgm:styleLbl>
-  <dgm:styleLbl name="fgShp">
-    <dgm:fillClrLst meth="repeat">
-      <a:schemeClr val="accent2">
-        <a:tint val="40000"/>
-      </a:schemeClr>
-    </dgm:fillClrLst>
-    <dgm:linClrLst meth="repeat">
-      <a:schemeClr val="lt1"/>
-    </dgm:linClrLst>
-    <dgm:effectClrLst/>
-    <dgm:txLinClrLst/>
-    <dgm:txFillClrLst meth="repeat">
-      <a:schemeClr val="dk1"/>
-    </dgm:txFillClrLst>
-    <dgm:txEffectClrLst/>
-  </dgm:styleLbl>
-  <dgm:styleLbl name="revTx">
-    <dgm:fillClrLst meth="repeat">
-      <a:schemeClr val="lt1">
-        <a:alpha val="0"/>
-      </a:schemeClr>
-    </dgm:fillClrLst>
-    <dgm:linClrLst meth="repeat">
-      <a:schemeClr val="dk1">
-        <a:alpha val="0"/>
-      </a:schemeClr>
-    </dgm:linClrLst>
-    <dgm:effectClrLst/>
-    <dgm:txLinClrLst/>
-    <dgm:txFillClrLst meth="repeat">
-      <a:schemeClr val="tx1"/>
-    </dgm:txFillClrLst>
-    <dgm:txEffectClrLst/>
-  </dgm:styleLbl>
-</dgm:colorsDef>
-</file>
-
 <file path=ppt/diagrams/colors3.xml><?xml version="1.0" encoding="utf-8"?>
 <dgm:colorsDef xmlns:dgm="http://schemas.openxmlformats.org/drawingml/2006/diagram" xmlns:a="http://schemas.openxmlformats.org/drawingml/2006/main" uniqueId="urn:microsoft.com/office/officeart/2005/8/colors/colorful5">
   <dgm:title val=""/>
@@ -3652,6 +3652,420 @@
 </file>
 
 <file path=ppt/diagrams/data1.xml><?xml version="1.0" encoding="utf-8"?>
+<dgm:dataModel xmlns:dgm="http://schemas.openxmlformats.org/drawingml/2006/diagram" xmlns:a="http://schemas.openxmlformats.org/drawingml/2006/main">
+  <dgm:ptLst>
+    <dgm:pt modelId="{B0143521-B3F7-49EE-81E1-D337A8F26784}" type="doc">
+      <dgm:prSet loTypeId="urn:microsoft.com/office/officeart/2005/8/layout/list1" loCatId="list" qsTypeId="urn:microsoft.com/office/officeart/2005/8/quickstyle/simple1" qsCatId="simple" csTypeId="urn:microsoft.com/office/officeart/2005/8/colors/colorful2" csCatId="colorful" phldr="1"/>
+      <dgm:spPr/>
+      <dgm:t>
+        <a:bodyPr/>
+        <a:lstStyle/>
+        <a:p>
+          <a:endParaRPr lang="en-US"/>
+        </a:p>
+      </dgm:t>
+    </dgm:pt>
+    <dgm:pt modelId="{94BED6AA-20B8-4B6D-98F6-C4CBC266E7C5}">
+      <dgm:prSet/>
+      <dgm:spPr/>
+      <dgm:t>
+        <a:bodyPr/>
+        <a:lstStyle/>
+        <a:p>
+          <a:pPr>
+            <a:lnSpc>
+              <a:spcPct val="100000"/>
+            </a:lnSpc>
+          </a:pPr>
+          <a:r>
+            <a:rPr lang="en-US"/>
+            <a:t>Similarities:</a:t>
+          </a:r>
+        </a:p>
+      </dgm:t>
+    </dgm:pt>
+    <dgm:pt modelId="{F08C03AC-141C-4D97-B798-516B057347B1}" type="parTrans" cxnId="{C8A07820-9951-4941-9493-F5B694DC9DA7}">
+      <dgm:prSet/>
+      <dgm:spPr/>
+      <dgm:t>
+        <a:bodyPr/>
+        <a:lstStyle/>
+        <a:p>
+          <a:endParaRPr lang="en-US"/>
+        </a:p>
+      </dgm:t>
+    </dgm:pt>
+    <dgm:pt modelId="{7863FAB8-13FA-4373-B70C-31396DC273A3}" type="sibTrans" cxnId="{C8A07820-9951-4941-9493-F5B694DC9DA7}">
+      <dgm:prSet/>
+      <dgm:spPr/>
+      <dgm:t>
+        <a:bodyPr/>
+        <a:lstStyle/>
+        <a:p>
+          <a:endParaRPr lang="en-US"/>
+        </a:p>
+      </dgm:t>
+    </dgm:pt>
+    <dgm:pt modelId="{783B5F03-87CF-4C47-99D6-BE02033E20C9}">
+      <dgm:prSet/>
+      <dgm:spPr/>
+      <dgm:t>
+        <a:bodyPr/>
+        <a:lstStyle/>
+        <a:p>
+          <a:pPr>
+            <a:lnSpc>
+              <a:spcPct val="100000"/>
+            </a:lnSpc>
+          </a:pPr>
+          <a:r>
+            <a:rPr lang="en-US" dirty="0"/>
+            <a:t>Study the correlation between stock market and retail traders’ sentiment</a:t>
+          </a:r>
+        </a:p>
+      </dgm:t>
+    </dgm:pt>
+    <dgm:pt modelId="{03DB114C-C02F-4220-AB33-8315CD2D2602}" type="parTrans" cxnId="{17BED740-E256-498D-B562-80EB904E7FA0}">
+      <dgm:prSet/>
+      <dgm:spPr/>
+      <dgm:t>
+        <a:bodyPr/>
+        <a:lstStyle/>
+        <a:p>
+          <a:endParaRPr lang="en-US"/>
+        </a:p>
+      </dgm:t>
+    </dgm:pt>
+    <dgm:pt modelId="{9C3AC8DC-0979-4B1D-9E9E-20557050AD00}" type="sibTrans" cxnId="{17BED740-E256-498D-B562-80EB904E7FA0}">
+      <dgm:prSet/>
+      <dgm:spPr/>
+      <dgm:t>
+        <a:bodyPr/>
+        <a:lstStyle/>
+        <a:p>
+          <a:endParaRPr lang="en-US"/>
+        </a:p>
+      </dgm:t>
+    </dgm:pt>
+    <dgm:pt modelId="{99A02676-2CF9-4F9B-A2B2-E11AE5245397}">
+      <dgm:prSet/>
+      <dgm:spPr/>
+      <dgm:t>
+        <a:bodyPr/>
+        <a:lstStyle/>
+        <a:p>
+          <a:pPr>
+            <a:lnSpc>
+              <a:spcPct val="100000"/>
+            </a:lnSpc>
+          </a:pPr>
+          <a:r>
+            <a:rPr lang="en-US" dirty="0"/>
+            <a:t>Build models to predict stock return</a:t>
+          </a:r>
+        </a:p>
+      </dgm:t>
+    </dgm:pt>
+    <dgm:pt modelId="{659EBAA6-562F-4E5A-B382-BC0E7A90ABFB}" type="parTrans" cxnId="{09BA361F-3F0B-4FB9-9E6D-5D4CF6237DD0}">
+      <dgm:prSet/>
+      <dgm:spPr/>
+      <dgm:t>
+        <a:bodyPr/>
+        <a:lstStyle/>
+        <a:p>
+          <a:endParaRPr lang="en-US"/>
+        </a:p>
+      </dgm:t>
+    </dgm:pt>
+    <dgm:pt modelId="{B343CCAC-49C9-4D2E-8A34-D2AF44FB800A}" type="sibTrans" cxnId="{09BA361F-3F0B-4FB9-9E6D-5D4CF6237DD0}">
+      <dgm:prSet/>
+      <dgm:spPr/>
+      <dgm:t>
+        <a:bodyPr/>
+        <a:lstStyle/>
+        <a:p>
+          <a:endParaRPr lang="en-US"/>
+        </a:p>
+      </dgm:t>
+    </dgm:pt>
+    <dgm:pt modelId="{3B3F23A9-9368-4FF8-9628-011B9433666D}">
+      <dgm:prSet/>
+      <dgm:spPr/>
+      <dgm:t>
+        <a:bodyPr/>
+        <a:lstStyle/>
+        <a:p>
+          <a:pPr>
+            <a:lnSpc>
+              <a:spcPct val="100000"/>
+            </a:lnSpc>
+          </a:pPr>
+          <a:r>
+            <a:rPr lang="en-US"/>
+            <a:t>Uniqueness</a:t>
+          </a:r>
+        </a:p>
+      </dgm:t>
+    </dgm:pt>
+    <dgm:pt modelId="{64C214AA-E8CD-46F1-945C-8FBA5C339EC7}" type="parTrans" cxnId="{88697ADF-E79E-4545-8C5B-6A3C96ABEA75}">
+      <dgm:prSet/>
+      <dgm:spPr/>
+      <dgm:t>
+        <a:bodyPr/>
+        <a:lstStyle/>
+        <a:p>
+          <a:endParaRPr lang="en-US"/>
+        </a:p>
+      </dgm:t>
+    </dgm:pt>
+    <dgm:pt modelId="{C948E9B6-7EA6-45A9-BE7C-73FF13D76FA8}" type="sibTrans" cxnId="{88697ADF-E79E-4545-8C5B-6A3C96ABEA75}">
+      <dgm:prSet/>
+      <dgm:spPr/>
+      <dgm:t>
+        <a:bodyPr/>
+        <a:lstStyle/>
+        <a:p>
+          <a:endParaRPr lang="en-US"/>
+        </a:p>
+      </dgm:t>
+    </dgm:pt>
+    <dgm:pt modelId="{29232304-F197-4F19-A308-C88511292A9E}">
+      <dgm:prSet/>
+      <dgm:spPr/>
+      <dgm:t>
+        <a:bodyPr/>
+        <a:lstStyle/>
+        <a:p>
+          <a:pPr>
+            <a:lnSpc>
+              <a:spcPct val="100000"/>
+            </a:lnSpc>
+          </a:pPr>
+          <a:r>
+            <a:rPr lang="en-US" dirty="0"/>
+            <a:t>Implement a dynamic approach to make short to mid term (one week) prediction </a:t>
+          </a:r>
+        </a:p>
+      </dgm:t>
+    </dgm:pt>
+    <dgm:pt modelId="{56E228EC-845F-47B9-850A-9118EEAF286B}" type="parTrans" cxnId="{D6F4B180-8AAF-4C99-B348-99B982CCC24A}">
+      <dgm:prSet/>
+      <dgm:spPr/>
+      <dgm:t>
+        <a:bodyPr/>
+        <a:lstStyle/>
+        <a:p>
+          <a:endParaRPr lang="en-US"/>
+        </a:p>
+      </dgm:t>
+    </dgm:pt>
+    <dgm:pt modelId="{C4ABA87D-7618-45AC-9C5A-F1775AE53EE5}" type="sibTrans" cxnId="{D6F4B180-8AAF-4C99-B348-99B982CCC24A}">
+      <dgm:prSet/>
+      <dgm:spPr/>
+      <dgm:t>
+        <a:bodyPr/>
+        <a:lstStyle/>
+        <a:p>
+          <a:endParaRPr lang="en-US"/>
+        </a:p>
+      </dgm:t>
+    </dgm:pt>
+    <dgm:pt modelId="{2B082865-4192-4319-9011-EC5FAA6A9E70}">
+      <dgm:prSet/>
+      <dgm:spPr/>
+      <dgm:t>
+        <a:bodyPr/>
+        <a:lstStyle/>
+        <a:p>
+          <a:pPr>
+            <a:lnSpc>
+              <a:spcPct val="100000"/>
+            </a:lnSpc>
+          </a:pPr>
+          <a:r>
+            <a:rPr lang="en-US" dirty="0"/>
+            <a:t>Focus on both loss and gain</a:t>
+          </a:r>
+        </a:p>
+      </dgm:t>
+    </dgm:pt>
+    <dgm:pt modelId="{710C6B4C-8A33-4681-90E1-6F785CB95183}" type="parTrans" cxnId="{3F22CF34-295B-4907-A5CC-6F4A68B0965C}">
+      <dgm:prSet/>
+      <dgm:spPr/>
+      <dgm:t>
+        <a:bodyPr/>
+        <a:lstStyle/>
+        <a:p>
+          <a:endParaRPr lang="en-US"/>
+        </a:p>
+      </dgm:t>
+    </dgm:pt>
+    <dgm:pt modelId="{401AFC5A-0C2A-407E-9096-1929B2468677}" type="sibTrans" cxnId="{3F22CF34-295B-4907-A5CC-6F4A68B0965C}">
+      <dgm:prSet/>
+      <dgm:spPr/>
+      <dgm:t>
+        <a:bodyPr/>
+        <a:lstStyle/>
+        <a:p>
+          <a:endParaRPr lang="en-US"/>
+        </a:p>
+      </dgm:t>
+    </dgm:pt>
+    <dgm:pt modelId="{553E6F11-1C98-4B13-964F-5B07379B3B45}">
+      <dgm:prSet/>
+      <dgm:spPr/>
+      <dgm:t>
+        <a:bodyPr/>
+        <a:lstStyle/>
+        <a:p>
+          <a:pPr>
+            <a:lnSpc>
+              <a:spcPct val="100000"/>
+            </a:lnSpc>
+          </a:pPr>
+          <a:r>
+            <a:rPr lang="en-US" dirty="0"/>
+            <a:t>Incorporate sentiment analysis into model</a:t>
+          </a:r>
+        </a:p>
+      </dgm:t>
+    </dgm:pt>
+    <dgm:pt modelId="{1328C4BC-3A9F-48F8-AE7E-52468D6BD0E6}" type="parTrans" cxnId="{1B6A62BD-612F-44BA-8B3D-F61B6932B8BE}">
+      <dgm:prSet/>
+      <dgm:spPr/>
+      <dgm:t>
+        <a:bodyPr/>
+        <a:lstStyle/>
+        <a:p>
+          <a:endParaRPr lang="en-US"/>
+        </a:p>
+      </dgm:t>
+    </dgm:pt>
+    <dgm:pt modelId="{81914171-34A2-4DC6-BEB5-3A36C1EEFDAC}" type="sibTrans" cxnId="{1B6A62BD-612F-44BA-8B3D-F61B6932B8BE}">
+      <dgm:prSet/>
+      <dgm:spPr/>
+      <dgm:t>
+        <a:bodyPr/>
+        <a:lstStyle/>
+        <a:p>
+          <a:endParaRPr lang="en-US"/>
+        </a:p>
+      </dgm:t>
+    </dgm:pt>
+    <dgm:pt modelId="{940AB1B8-31F0-482E-AB7E-20EDA6827836}" type="pres">
+      <dgm:prSet presAssocID="{B0143521-B3F7-49EE-81E1-D337A8F26784}" presName="linear" presStyleCnt="0">
+        <dgm:presLayoutVars>
+          <dgm:dir/>
+          <dgm:animLvl val="lvl"/>
+          <dgm:resizeHandles val="exact"/>
+        </dgm:presLayoutVars>
+      </dgm:prSet>
+      <dgm:spPr/>
+    </dgm:pt>
+    <dgm:pt modelId="{DC98DF1F-9E28-4C72-BC41-D80F096B1268}" type="pres">
+      <dgm:prSet presAssocID="{94BED6AA-20B8-4B6D-98F6-C4CBC266E7C5}" presName="parentLin" presStyleCnt="0"/>
+      <dgm:spPr/>
+    </dgm:pt>
+    <dgm:pt modelId="{29A8FEE7-C8FB-46E8-AD66-6B2412059858}" type="pres">
+      <dgm:prSet presAssocID="{94BED6AA-20B8-4B6D-98F6-C4CBC266E7C5}" presName="parentLeftMargin" presStyleLbl="node1" presStyleIdx="0" presStyleCnt="2"/>
+      <dgm:spPr/>
+    </dgm:pt>
+    <dgm:pt modelId="{3D78E7DC-E549-4121-9EC8-783C9EC0AC04}" type="pres">
+      <dgm:prSet presAssocID="{94BED6AA-20B8-4B6D-98F6-C4CBC266E7C5}" presName="parentText" presStyleLbl="node1" presStyleIdx="0" presStyleCnt="2">
+        <dgm:presLayoutVars>
+          <dgm:chMax val="0"/>
+          <dgm:bulletEnabled val="1"/>
+        </dgm:presLayoutVars>
+      </dgm:prSet>
+      <dgm:spPr/>
+    </dgm:pt>
+    <dgm:pt modelId="{BB1CCB41-C370-4902-8C86-95F957158353}" type="pres">
+      <dgm:prSet presAssocID="{94BED6AA-20B8-4B6D-98F6-C4CBC266E7C5}" presName="negativeSpace" presStyleCnt="0"/>
+      <dgm:spPr/>
+    </dgm:pt>
+    <dgm:pt modelId="{4EC703AE-C60D-48F0-BCB2-9FE16DB1B6E5}" type="pres">
+      <dgm:prSet presAssocID="{94BED6AA-20B8-4B6D-98F6-C4CBC266E7C5}" presName="childText" presStyleLbl="conFgAcc1" presStyleIdx="0" presStyleCnt="2">
+        <dgm:presLayoutVars>
+          <dgm:bulletEnabled val="1"/>
+        </dgm:presLayoutVars>
+      </dgm:prSet>
+      <dgm:spPr/>
+    </dgm:pt>
+    <dgm:pt modelId="{A3BA6804-DDB5-44F7-B19D-7301018130F5}" type="pres">
+      <dgm:prSet presAssocID="{7863FAB8-13FA-4373-B70C-31396DC273A3}" presName="spaceBetweenRectangles" presStyleCnt="0"/>
+      <dgm:spPr/>
+    </dgm:pt>
+    <dgm:pt modelId="{82C44835-B2D2-4F37-84AA-A9B04521242B}" type="pres">
+      <dgm:prSet presAssocID="{3B3F23A9-9368-4FF8-9628-011B9433666D}" presName="parentLin" presStyleCnt="0"/>
+      <dgm:spPr/>
+    </dgm:pt>
+    <dgm:pt modelId="{645333B6-97E4-40DA-84CF-595DA3FCB3AF}" type="pres">
+      <dgm:prSet presAssocID="{3B3F23A9-9368-4FF8-9628-011B9433666D}" presName="parentLeftMargin" presStyleLbl="node1" presStyleIdx="0" presStyleCnt="2"/>
+      <dgm:spPr/>
+    </dgm:pt>
+    <dgm:pt modelId="{F27E2B59-372A-402C-B697-3DE712A58854}" type="pres">
+      <dgm:prSet presAssocID="{3B3F23A9-9368-4FF8-9628-011B9433666D}" presName="parentText" presStyleLbl="node1" presStyleIdx="1" presStyleCnt="2">
+        <dgm:presLayoutVars>
+          <dgm:chMax val="0"/>
+          <dgm:bulletEnabled val="1"/>
+        </dgm:presLayoutVars>
+      </dgm:prSet>
+      <dgm:spPr/>
+    </dgm:pt>
+    <dgm:pt modelId="{8A4A7EE2-F414-4147-926A-63E463288E88}" type="pres">
+      <dgm:prSet presAssocID="{3B3F23A9-9368-4FF8-9628-011B9433666D}" presName="negativeSpace" presStyleCnt="0"/>
+      <dgm:spPr/>
+    </dgm:pt>
+    <dgm:pt modelId="{1B0A7A31-21EB-4189-8994-DEC93D450867}" type="pres">
+      <dgm:prSet presAssocID="{3B3F23A9-9368-4FF8-9628-011B9433666D}" presName="childText" presStyleLbl="conFgAcc1" presStyleIdx="1" presStyleCnt="2">
+        <dgm:presLayoutVars>
+          <dgm:bulletEnabled val="1"/>
+        </dgm:presLayoutVars>
+      </dgm:prSet>
+      <dgm:spPr/>
+    </dgm:pt>
+  </dgm:ptLst>
+  <dgm:cxnLst>
+    <dgm:cxn modelId="{80ED2809-04C7-42BB-9684-38BBFB236999}" type="presOf" srcId="{553E6F11-1C98-4B13-964F-5B07379B3B45}" destId="{1B0A7A31-21EB-4189-8994-DEC93D450867}" srcOrd="0" destOrd="2" presId="urn:microsoft.com/office/officeart/2005/8/layout/list1"/>
+    <dgm:cxn modelId="{2E29D417-6FCB-4661-ABB5-95B214866AC3}" type="presOf" srcId="{94BED6AA-20B8-4B6D-98F6-C4CBC266E7C5}" destId="{3D78E7DC-E549-4121-9EC8-783C9EC0AC04}" srcOrd="1" destOrd="0" presId="urn:microsoft.com/office/officeart/2005/8/layout/list1"/>
+    <dgm:cxn modelId="{09BA361F-3F0B-4FB9-9E6D-5D4CF6237DD0}" srcId="{94BED6AA-20B8-4B6D-98F6-C4CBC266E7C5}" destId="{99A02676-2CF9-4F9B-A2B2-E11AE5245397}" srcOrd="1" destOrd="0" parTransId="{659EBAA6-562F-4E5A-B382-BC0E7A90ABFB}" sibTransId="{B343CCAC-49C9-4D2E-8A34-D2AF44FB800A}"/>
+    <dgm:cxn modelId="{C8A07820-9951-4941-9493-F5B694DC9DA7}" srcId="{B0143521-B3F7-49EE-81E1-D337A8F26784}" destId="{94BED6AA-20B8-4B6D-98F6-C4CBC266E7C5}" srcOrd="0" destOrd="0" parTransId="{F08C03AC-141C-4D97-B798-516B057347B1}" sibTransId="{7863FAB8-13FA-4373-B70C-31396DC273A3}"/>
+    <dgm:cxn modelId="{3F22CF34-295B-4907-A5CC-6F4A68B0965C}" srcId="{3B3F23A9-9368-4FF8-9628-011B9433666D}" destId="{2B082865-4192-4319-9011-EC5FAA6A9E70}" srcOrd="1" destOrd="0" parTransId="{710C6B4C-8A33-4681-90E1-6F785CB95183}" sibTransId="{401AFC5A-0C2A-407E-9096-1929B2468677}"/>
+    <dgm:cxn modelId="{1597163C-375D-4D01-A618-A4F0C08657F8}" type="presOf" srcId="{3B3F23A9-9368-4FF8-9628-011B9433666D}" destId="{645333B6-97E4-40DA-84CF-595DA3FCB3AF}" srcOrd="0" destOrd="0" presId="urn:microsoft.com/office/officeart/2005/8/layout/list1"/>
+    <dgm:cxn modelId="{17BED740-E256-498D-B562-80EB904E7FA0}" srcId="{94BED6AA-20B8-4B6D-98F6-C4CBC266E7C5}" destId="{783B5F03-87CF-4C47-99D6-BE02033E20C9}" srcOrd="0" destOrd="0" parTransId="{03DB114C-C02F-4220-AB33-8315CD2D2602}" sibTransId="{9C3AC8DC-0979-4B1D-9E9E-20557050AD00}"/>
+    <dgm:cxn modelId="{08504E41-B4AA-4C4E-9B52-078F3F198034}" type="presOf" srcId="{94BED6AA-20B8-4B6D-98F6-C4CBC266E7C5}" destId="{29A8FEE7-C8FB-46E8-AD66-6B2412059858}" srcOrd="0" destOrd="0" presId="urn:microsoft.com/office/officeart/2005/8/layout/list1"/>
+    <dgm:cxn modelId="{65DFEC47-1F14-46E3-9215-F1AE5D61A543}" type="presOf" srcId="{99A02676-2CF9-4F9B-A2B2-E11AE5245397}" destId="{4EC703AE-C60D-48F0-BCB2-9FE16DB1B6E5}" srcOrd="0" destOrd="1" presId="urn:microsoft.com/office/officeart/2005/8/layout/list1"/>
+    <dgm:cxn modelId="{BE799552-F647-4583-A07F-0889D49C10D4}" type="presOf" srcId="{783B5F03-87CF-4C47-99D6-BE02033E20C9}" destId="{4EC703AE-C60D-48F0-BCB2-9FE16DB1B6E5}" srcOrd="0" destOrd="0" presId="urn:microsoft.com/office/officeart/2005/8/layout/list1"/>
+    <dgm:cxn modelId="{E82A4C79-658B-42A1-B6E7-A3696EAB60B0}" type="presOf" srcId="{29232304-F197-4F19-A308-C88511292A9E}" destId="{1B0A7A31-21EB-4189-8994-DEC93D450867}" srcOrd="0" destOrd="0" presId="urn:microsoft.com/office/officeart/2005/8/layout/list1"/>
+    <dgm:cxn modelId="{D6F4B180-8AAF-4C99-B348-99B982CCC24A}" srcId="{3B3F23A9-9368-4FF8-9628-011B9433666D}" destId="{29232304-F197-4F19-A308-C88511292A9E}" srcOrd="0" destOrd="0" parTransId="{56E228EC-845F-47B9-850A-9118EEAF286B}" sibTransId="{C4ABA87D-7618-45AC-9C5A-F1775AE53EE5}"/>
+    <dgm:cxn modelId="{14B449B7-2C0F-43DC-9613-8397FA8254E0}" type="presOf" srcId="{2B082865-4192-4319-9011-EC5FAA6A9E70}" destId="{1B0A7A31-21EB-4189-8994-DEC93D450867}" srcOrd="0" destOrd="1" presId="urn:microsoft.com/office/officeart/2005/8/layout/list1"/>
+    <dgm:cxn modelId="{1B6A62BD-612F-44BA-8B3D-F61B6932B8BE}" srcId="{3B3F23A9-9368-4FF8-9628-011B9433666D}" destId="{553E6F11-1C98-4B13-964F-5B07379B3B45}" srcOrd="2" destOrd="0" parTransId="{1328C4BC-3A9F-48F8-AE7E-52468D6BD0E6}" sibTransId="{81914171-34A2-4DC6-BEB5-3A36C1EEFDAC}"/>
+    <dgm:cxn modelId="{67C4CDDE-FF09-4AAA-9CBA-11899F9D88FA}" type="presOf" srcId="{3B3F23A9-9368-4FF8-9628-011B9433666D}" destId="{F27E2B59-372A-402C-B697-3DE712A58854}" srcOrd="1" destOrd="0" presId="urn:microsoft.com/office/officeart/2005/8/layout/list1"/>
+    <dgm:cxn modelId="{88697ADF-E79E-4545-8C5B-6A3C96ABEA75}" srcId="{B0143521-B3F7-49EE-81E1-D337A8F26784}" destId="{3B3F23A9-9368-4FF8-9628-011B9433666D}" srcOrd="1" destOrd="0" parTransId="{64C214AA-E8CD-46F1-945C-8FBA5C339EC7}" sibTransId="{C948E9B6-7EA6-45A9-BE7C-73FF13D76FA8}"/>
+    <dgm:cxn modelId="{002AFADF-9CE8-4700-A241-243B15405FEA}" type="presOf" srcId="{B0143521-B3F7-49EE-81E1-D337A8F26784}" destId="{940AB1B8-31F0-482E-AB7E-20EDA6827836}" srcOrd="0" destOrd="0" presId="urn:microsoft.com/office/officeart/2005/8/layout/list1"/>
+    <dgm:cxn modelId="{8AAFD1ED-5EB1-4E85-93BC-8C82769AA13F}" type="presParOf" srcId="{940AB1B8-31F0-482E-AB7E-20EDA6827836}" destId="{DC98DF1F-9E28-4C72-BC41-D80F096B1268}" srcOrd="0" destOrd="0" presId="urn:microsoft.com/office/officeart/2005/8/layout/list1"/>
+    <dgm:cxn modelId="{FBEA797A-28AB-4C73-9D4C-53B34BADB1FC}" type="presParOf" srcId="{DC98DF1F-9E28-4C72-BC41-D80F096B1268}" destId="{29A8FEE7-C8FB-46E8-AD66-6B2412059858}" srcOrd="0" destOrd="0" presId="urn:microsoft.com/office/officeart/2005/8/layout/list1"/>
+    <dgm:cxn modelId="{32168D37-2F55-4595-9A0D-05F50A00FE5E}" type="presParOf" srcId="{DC98DF1F-9E28-4C72-BC41-D80F096B1268}" destId="{3D78E7DC-E549-4121-9EC8-783C9EC0AC04}" srcOrd="1" destOrd="0" presId="urn:microsoft.com/office/officeart/2005/8/layout/list1"/>
+    <dgm:cxn modelId="{DAD6C608-CB75-4E76-A19A-4E2FFE6FA80F}" type="presParOf" srcId="{940AB1B8-31F0-482E-AB7E-20EDA6827836}" destId="{BB1CCB41-C370-4902-8C86-95F957158353}" srcOrd="1" destOrd="0" presId="urn:microsoft.com/office/officeart/2005/8/layout/list1"/>
+    <dgm:cxn modelId="{EF977F8D-7815-421A-A0D6-A967E7553380}" type="presParOf" srcId="{940AB1B8-31F0-482E-AB7E-20EDA6827836}" destId="{4EC703AE-C60D-48F0-BCB2-9FE16DB1B6E5}" srcOrd="2" destOrd="0" presId="urn:microsoft.com/office/officeart/2005/8/layout/list1"/>
+    <dgm:cxn modelId="{7BF87A46-A74D-42C3-BF34-D120CE614AD9}" type="presParOf" srcId="{940AB1B8-31F0-482E-AB7E-20EDA6827836}" destId="{A3BA6804-DDB5-44F7-B19D-7301018130F5}" srcOrd="3" destOrd="0" presId="urn:microsoft.com/office/officeart/2005/8/layout/list1"/>
+    <dgm:cxn modelId="{70A48960-0CC8-45C5-866D-446E29D769AA}" type="presParOf" srcId="{940AB1B8-31F0-482E-AB7E-20EDA6827836}" destId="{82C44835-B2D2-4F37-84AA-A9B04521242B}" srcOrd="4" destOrd="0" presId="urn:microsoft.com/office/officeart/2005/8/layout/list1"/>
+    <dgm:cxn modelId="{D9117AF5-0054-43BD-B5A3-FE76ADDF3099}" type="presParOf" srcId="{82C44835-B2D2-4F37-84AA-A9B04521242B}" destId="{645333B6-97E4-40DA-84CF-595DA3FCB3AF}" srcOrd="0" destOrd="0" presId="urn:microsoft.com/office/officeart/2005/8/layout/list1"/>
+    <dgm:cxn modelId="{124CF4BD-3F5A-4432-89DD-0A46EC174385}" type="presParOf" srcId="{82C44835-B2D2-4F37-84AA-A9B04521242B}" destId="{F27E2B59-372A-402C-B697-3DE712A58854}" srcOrd="1" destOrd="0" presId="urn:microsoft.com/office/officeart/2005/8/layout/list1"/>
+    <dgm:cxn modelId="{1E2BFAE3-AD76-4B32-8E41-92F1704F9306}" type="presParOf" srcId="{940AB1B8-31F0-482E-AB7E-20EDA6827836}" destId="{8A4A7EE2-F414-4147-926A-63E463288E88}" srcOrd="5" destOrd="0" presId="urn:microsoft.com/office/officeart/2005/8/layout/list1"/>
+    <dgm:cxn modelId="{AF7861AD-56CA-44CB-AADE-C117AAB45351}" type="presParOf" srcId="{940AB1B8-31F0-482E-AB7E-20EDA6827836}" destId="{1B0A7A31-21EB-4189-8994-DEC93D450867}" srcOrd="6" destOrd="0" presId="urn:microsoft.com/office/officeart/2005/8/layout/list1"/>
+  </dgm:cxnLst>
+  <dgm:bg/>
+  <dgm:whole/>
+  <dgm:extLst>
+    <a:ext uri="http://schemas.microsoft.com/office/drawing/2008/diagram">
+      <dsp:dataModelExt xmlns:dsp="http://schemas.microsoft.com/office/drawing/2008/diagram" relId="rId7" minVer="http://schemas.openxmlformats.org/drawingml/2006/diagram"/>
+    </a:ext>
+  </dgm:extLst>
+</dgm:dataModel>
+</file>
+
+<file path=ppt/diagrams/data2.xml><?xml version="1.0" encoding="utf-8"?>
 <dgm:dataModel xmlns:dgm="http://schemas.openxmlformats.org/drawingml/2006/diagram" xmlns:a="http://schemas.openxmlformats.org/drawingml/2006/main">
   <dgm:ptLst>
     <dgm:pt modelId="{9B7D9526-8969-45C8-A28F-93400082D770}" type="doc">
@@ -4066,420 +4480,6 @@
   <dgm:bg>
     <a:noFill/>
   </dgm:bg>
-  <dgm:whole/>
-  <dgm:extLst>
-    <a:ext uri="http://schemas.microsoft.com/office/drawing/2008/diagram">
-      <dsp:dataModelExt xmlns:dsp="http://schemas.microsoft.com/office/drawing/2008/diagram" relId="rId7" minVer="http://schemas.openxmlformats.org/drawingml/2006/diagram"/>
-    </a:ext>
-  </dgm:extLst>
-</dgm:dataModel>
-</file>
-
-<file path=ppt/diagrams/data2.xml><?xml version="1.0" encoding="utf-8"?>
-<dgm:dataModel xmlns:dgm="http://schemas.openxmlformats.org/drawingml/2006/diagram" xmlns:a="http://schemas.openxmlformats.org/drawingml/2006/main">
-  <dgm:ptLst>
-    <dgm:pt modelId="{B0143521-B3F7-49EE-81E1-D337A8F26784}" type="doc">
-      <dgm:prSet loTypeId="urn:microsoft.com/office/officeart/2005/8/layout/list1" loCatId="list" qsTypeId="urn:microsoft.com/office/officeart/2005/8/quickstyle/simple1" qsCatId="simple" csTypeId="urn:microsoft.com/office/officeart/2005/8/colors/colorful2" csCatId="colorful" phldr="1"/>
-      <dgm:spPr/>
-      <dgm:t>
-        <a:bodyPr/>
-        <a:lstStyle/>
-        <a:p>
-          <a:endParaRPr lang="en-US"/>
-        </a:p>
-      </dgm:t>
-    </dgm:pt>
-    <dgm:pt modelId="{94BED6AA-20B8-4B6D-98F6-C4CBC266E7C5}">
-      <dgm:prSet/>
-      <dgm:spPr/>
-      <dgm:t>
-        <a:bodyPr/>
-        <a:lstStyle/>
-        <a:p>
-          <a:pPr>
-            <a:lnSpc>
-              <a:spcPct val="100000"/>
-            </a:lnSpc>
-          </a:pPr>
-          <a:r>
-            <a:rPr lang="en-US"/>
-            <a:t>Similarities:</a:t>
-          </a:r>
-        </a:p>
-      </dgm:t>
-    </dgm:pt>
-    <dgm:pt modelId="{F08C03AC-141C-4D97-B798-516B057347B1}" type="parTrans" cxnId="{C8A07820-9951-4941-9493-F5B694DC9DA7}">
-      <dgm:prSet/>
-      <dgm:spPr/>
-      <dgm:t>
-        <a:bodyPr/>
-        <a:lstStyle/>
-        <a:p>
-          <a:endParaRPr lang="en-US"/>
-        </a:p>
-      </dgm:t>
-    </dgm:pt>
-    <dgm:pt modelId="{7863FAB8-13FA-4373-B70C-31396DC273A3}" type="sibTrans" cxnId="{C8A07820-9951-4941-9493-F5B694DC9DA7}">
-      <dgm:prSet/>
-      <dgm:spPr/>
-      <dgm:t>
-        <a:bodyPr/>
-        <a:lstStyle/>
-        <a:p>
-          <a:endParaRPr lang="en-US"/>
-        </a:p>
-      </dgm:t>
-    </dgm:pt>
-    <dgm:pt modelId="{783B5F03-87CF-4C47-99D6-BE02033E20C9}">
-      <dgm:prSet/>
-      <dgm:spPr/>
-      <dgm:t>
-        <a:bodyPr/>
-        <a:lstStyle/>
-        <a:p>
-          <a:pPr>
-            <a:lnSpc>
-              <a:spcPct val="100000"/>
-            </a:lnSpc>
-          </a:pPr>
-          <a:r>
-            <a:rPr lang="en-US" dirty="0"/>
-            <a:t>Study the correlation between stock market and retail traders’ sentiment</a:t>
-          </a:r>
-        </a:p>
-      </dgm:t>
-    </dgm:pt>
-    <dgm:pt modelId="{03DB114C-C02F-4220-AB33-8315CD2D2602}" type="parTrans" cxnId="{17BED740-E256-498D-B562-80EB904E7FA0}">
-      <dgm:prSet/>
-      <dgm:spPr/>
-      <dgm:t>
-        <a:bodyPr/>
-        <a:lstStyle/>
-        <a:p>
-          <a:endParaRPr lang="en-US"/>
-        </a:p>
-      </dgm:t>
-    </dgm:pt>
-    <dgm:pt modelId="{9C3AC8DC-0979-4B1D-9E9E-20557050AD00}" type="sibTrans" cxnId="{17BED740-E256-498D-B562-80EB904E7FA0}">
-      <dgm:prSet/>
-      <dgm:spPr/>
-      <dgm:t>
-        <a:bodyPr/>
-        <a:lstStyle/>
-        <a:p>
-          <a:endParaRPr lang="en-US"/>
-        </a:p>
-      </dgm:t>
-    </dgm:pt>
-    <dgm:pt modelId="{99A02676-2CF9-4F9B-A2B2-E11AE5245397}">
-      <dgm:prSet/>
-      <dgm:spPr/>
-      <dgm:t>
-        <a:bodyPr/>
-        <a:lstStyle/>
-        <a:p>
-          <a:pPr>
-            <a:lnSpc>
-              <a:spcPct val="100000"/>
-            </a:lnSpc>
-          </a:pPr>
-          <a:r>
-            <a:rPr lang="en-US" dirty="0"/>
-            <a:t>Build models to predict stock return</a:t>
-          </a:r>
-        </a:p>
-      </dgm:t>
-    </dgm:pt>
-    <dgm:pt modelId="{659EBAA6-562F-4E5A-B382-BC0E7A90ABFB}" type="parTrans" cxnId="{09BA361F-3F0B-4FB9-9E6D-5D4CF6237DD0}">
-      <dgm:prSet/>
-      <dgm:spPr/>
-      <dgm:t>
-        <a:bodyPr/>
-        <a:lstStyle/>
-        <a:p>
-          <a:endParaRPr lang="en-US"/>
-        </a:p>
-      </dgm:t>
-    </dgm:pt>
-    <dgm:pt modelId="{B343CCAC-49C9-4D2E-8A34-D2AF44FB800A}" type="sibTrans" cxnId="{09BA361F-3F0B-4FB9-9E6D-5D4CF6237DD0}">
-      <dgm:prSet/>
-      <dgm:spPr/>
-      <dgm:t>
-        <a:bodyPr/>
-        <a:lstStyle/>
-        <a:p>
-          <a:endParaRPr lang="en-US"/>
-        </a:p>
-      </dgm:t>
-    </dgm:pt>
-    <dgm:pt modelId="{3B3F23A9-9368-4FF8-9628-011B9433666D}">
-      <dgm:prSet/>
-      <dgm:spPr/>
-      <dgm:t>
-        <a:bodyPr/>
-        <a:lstStyle/>
-        <a:p>
-          <a:pPr>
-            <a:lnSpc>
-              <a:spcPct val="100000"/>
-            </a:lnSpc>
-          </a:pPr>
-          <a:r>
-            <a:rPr lang="en-US"/>
-            <a:t>Uniqueness</a:t>
-          </a:r>
-        </a:p>
-      </dgm:t>
-    </dgm:pt>
-    <dgm:pt modelId="{64C214AA-E8CD-46F1-945C-8FBA5C339EC7}" type="parTrans" cxnId="{88697ADF-E79E-4545-8C5B-6A3C96ABEA75}">
-      <dgm:prSet/>
-      <dgm:spPr/>
-      <dgm:t>
-        <a:bodyPr/>
-        <a:lstStyle/>
-        <a:p>
-          <a:endParaRPr lang="en-US"/>
-        </a:p>
-      </dgm:t>
-    </dgm:pt>
-    <dgm:pt modelId="{C948E9B6-7EA6-45A9-BE7C-73FF13D76FA8}" type="sibTrans" cxnId="{88697ADF-E79E-4545-8C5B-6A3C96ABEA75}">
-      <dgm:prSet/>
-      <dgm:spPr/>
-      <dgm:t>
-        <a:bodyPr/>
-        <a:lstStyle/>
-        <a:p>
-          <a:endParaRPr lang="en-US"/>
-        </a:p>
-      </dgm:t>
-    </dgm:pt>
-    <dgm:pt modelId="{29232304-F197-4F19-A308-C88511292A9E}">
-      <dgm:prSet/>
-      <dgm:spPr/>
-      <dgm:t>
-        <a:bodyPr/>
-        <a:lstStyle/>
-        <a:p>
-          <a:pPr>
-            <a:lnSpc>
-              <a:spcPct val="100000"/>
-            </a:lnSpc>
-          </a:pPr>
-          <a:r>
-            <a:rPr lang="en-US" dirty="0"/>
-            <a:t>Implement a dynamic approach to make short to mid term (one week) prediction </a:t>
-          </a:r>
-        </a:p>
-      </dgm:t>
-    </dgm:pt>
-    <dgm:pt modelId="{56E228EC-845F-47B9-850A-9118EEAF286B}" type="parTrans" cxnId="{D6F4B180-8AAF-4C99-B348-99B982CCC24A}">
-      <dgm:prSet/>
-      <dgm:spPr/>
-      <dgm:t>
-        <a:bodyPr/>
-        <a:lstStyle/>
-        <a:p>
-          <a:endParaRPr lang="en-US"/>
-        </a:p>
-      </dgm:t>
-    </dgm:pt>
-    <dgm:pt modelId="{C4ABA87D-7618-45AC-9C5A-F1775AE53EE5}" type="sibTrans" cxnId="{D6F4B180-8AAF-4C99-B348-99B982CCC24A}">
-      <dgm:prSet/>
-      <dgm:spPr/>
-      <dgm:t>
-        <a:bodyPr/>
-        <a:lstStyle/>
-        <a:p>
-          <a:endParaRPr lang="en-US"/>
-        </a:p>
-      </dgm:t>
-    </dgm:pt>
-    <dgm:pt modelId="{2B082865-4192-4319-9011-EC5FAA6A9E70}">
-      <dgm:prSet/>
-      <dgm:spPr/>
-      <dgm:t>
-        <a:bodyPr/>
-        <a:lstStyle/>
-        <a:p>
-          <a:pPr>
-            <a:lnSpc>
-              <a:spcPct val="100000"/>
-            </a:lnSpc>
-          </a:pPr>
-          <a:r>
-            <a:rPr lang="en-US" dirty="0"/>
-            <a:t>Focus on both loss and gain</a:t>
-          </a:r>
-        </a:p>
-      </dgm:t>
-    </dgm:pt>
-    <dgm:pt modelId="{710C6B4C-8A33-4681-90E1-6F785CB95183}" type="parTrans" cxnId="{3F22CF34-295B-4907-A5CC-6F4A68B0965C}">
-      <dgm:prSet/>
-      <dgm:spPr/>
-      <dgm:t>
-        <a:bodyPr/>
-        <a:lstStyle/>
-        <a:p>
-          <a:endParaRPr lang="en-US"/>
-        </a:p>
-      </dgm:t>
-    </dgm:pt>
-    <dgm:pt modelId="{401AFC5A-0C2A-407E-9096-1929B2468677}" type="sibTrans" cxnId="{3F22CF34-295B-4907-A5CC-6F4A68B0965C}">
-      <dgm:prSet/>
-      <dgm:spPr/>
-      <dgm:t>
-        <a:bodyPr/>
-        <a:lstStyle/>
-        <a:p>
-          <a:endParaRPr lang="en-US"/>
-        </a:p>
-      </dgm:t>
-    </dgm:pt>
-    <dgm:pt modelId="{553E6F11-1C98-4B13-964F-5B07379B3B45}">
-      <dgm:prSet/>
-      <dgm:spPr/>
-      <dgm:t>
-        <a:bodyPr/>
-        <a:lstStyle/>
-        <a:p>
-          <a:pPr>
-            <a:lnSpc>
-              <a:spcPct val="100000"/>
-            </a:lnSpc>
-          </a:pPr>
-          <a:r>
-            <a:rPr lang="en-US" dirty="0"/>
-            <a:t>Incorporate sentiment analysis into model</a:t>
-          </a:r>
-        </a:p>
-      </dgm:t>
-    </dgm:pt>
-    <dgm:pt modelId="{1328C4BC-3A9F-48F8-AE7E-52468D6BD0E6}" type="parTrans" cxnId="{1B6A62BD-612F-44BA-8B3D-F61B6932B8BE}">
-      <dgm:prSet/>
-      <dgm:spPr/>
-      <dgm:t>
-        <a:bodyPr/>
-        <a:lstStyle/>
-        <a:p>
-          <a:endParaRPr lang="en-US"/>
-        </a:p>
-      </dgm:t>
-    </dgm:pt>
-    <dgm:pt modelId="{81914171-34A2-4DC6-BEB5-3A36C1EEFDAC}" type="sibTrans" cxnId="{1B6A62BD-612F-44BA-8B3D-F61B6932B8BE}">
-      <dgm:prSet/>
-      <dgm:spPr/>
-      <dgm:t>
-        <a:bodyPr/>
-        <a:lstStyle/>
-        <a:p>
-          <a:endParaRPr lang="en-US"/>
-        </a:p>
-      </dgm:t>
-    </dgm:pt>
-    <dgm:pt modelId="{940AB1B8-31F0-482E-AB7E-20EDA6827836}" type="pres">
-      <dgm:prSet presAssocID="{B0143521-B3F7-49EE-81E1-D337A8F26784}" presName="linear" presStyleCnt="0">
-        <dgm:presLayoutVars>
-          <dgm:dir/>
-          <dgm:animLvl val="lvl"/>
-          <dgm:resizeHandles val="exact"/>
-        </dgm:presLayoutVars>
-      </dgm:prSet>
-      <dgm:spPr/>
-    </dgm:pt>
-    <dgm:pt modelId="{DC98DF1F-9E28-4C72-BC41-D80F096B1268}" type="pres">
-      <dgm:prSet presAssocID="{94BED6AA-20B8-4B6D-98F6-C4CBC266E7C5}" presName="parentLin" presStyleCnt="0"/>
-      <dgm:spPr/>
-    </dgm:pt>
-    <dgm:pt modelId="{29A8FEE7-C8FB-46E8-AD66-6B2412059858}" type="pres">
-      <dgm:prSet presAssocID="{94BED6AA-20B8-4B6D-98F6-C4CBC266E7C5}" presName="parentLeftMargin" presStyleLbl="node1" presStyleIdx="0" presStyleCnt="2"/>
-      <dgm:spPr/>
-    </dgm:pt>
-    <dgm:pt modelId="{3D78E7DC-E549-4121-9EC8-783C9EC0AC04}" type="pres">
-      <dgm:prSet presAssocID="{94BED6AA-20B8-4B6D-98F6-C4CBC266E7C5}" presName="parentText" presStyleLbl="node1" presStyleIdx="0" presStyleCnt="2">
-        <dgm:presLayoutVars>
-          <dgm:chMax val="0"/>
-          <dgm:bulletEnabled val="1"/>
-        </dgm:presLayoutVars>
-      </dgm:prSet>
-      <dgm:spPr/>
-    </dgm:pt>
-    <dgm:pt modelId="{BB1CCB41-C370-4902-8C86-95F957158353}" type="pres">
-      <dgm:prSet presAssocID="{94BED6AA-20B8-4B6D-98F6-C4CBC266E7C5}" presName="negativeSpace" presStyleCnt="0"/>
-      <dgm:spPr/>
-    </dgm:pt>
-    <dgm:pt modelId="{4EC703AE-C60D-48F0-BCB2-9FE16DB1B6E5}" type="pres">
-      <dgm:prSet presAssocID="{94BED6AA-20B8-4B6D-98F6-C4CBC266E7C5}" presName="childText" presStyleLbl="conFgAcc1" presStyleIdx="0" presStyleCnt="2">
-        <dgm:presLayoutVars>
-          <dgm:bulletEnabled val="1"/>
-        </dgm:presLayoutVars>
-      </dgm:prSet>
-      <dgm:spPr/>
-    </dgm:pt>
-    <dgm:pt modelId="{A3BA6804-DDB5-44F7-B19D-7301018130F5}" type="pres">
-      <dgm:prSet presAssocID="{7863FAB8-13FA-4373-B70C-31396DC273A3}" presName="spaceBetweenRectangles" presStyleCnt="0"/>
-      <dgm:spPr/>
-    </dgm:pt>
-    <dgm:pt modelId="{82C44835-B2D2-4F37-84AA-A9B04521242B}" type="pres">
-      <dgm:prSet presAssocID="{3B3F23A9-9368-4FF8-9628-011B9433666D}" presName="parentLin" presStyleCnt="0"/>
-      <dgm:spPr/>
-    </dgm:pt>
-    <dgm:pt modelId="{645333B6-97E4-40DA-84CF-595DA3FCB3AF}" type="pres">
-      <dgm:prSet presAssocID="{3B3F23A9-9368-4FF8-9628-011B9433666D}" presName="parentLeftMargin" presStyleLbl="node1" presStyleIdx="0" presStyleCnt="2"/>
-      <dgm:spPr/>
-    </dgm:pt>
-    <dgm:pt modelId="{F27E2B59-372A-402C-B697-3DE712A58854}" type="pres">
-      <dgm:prSet presAssocID="{3B3F23A9-9368-4FF8-9628-011B9433666D}" presName="parentText" presStyleLbl="node1" presStyleIdx="1" presStyleCnt="2">
-        <dgm:presLayoutVars>
-          <dgm:chMax val="0"/>
-          <dgm:bulletEnabled val="1"/>
-        </dgm:presLayoutVars>
-      </dgm:prSet>
-      <dgm:spPr/>
-    </dgm:pt>
-    <dgm:pt modelId="{8A4A7EE2-F414-4147-926A-63E463288E88}" type="pres">
-      <dgm:prSet presAssocID="{3B3F23A9-9368-4FF8-9628-011B9433666D}" presName="negativeSpace" presStyleCnt="0"/>
-      <dgm:spPr/>
-    </dgm:pt>
-    <dgm:pt modelId="{1B0A7A31-21EB-4189-8994-DEC93D450867}" type="pres">
-      <dgm:prSet presAssocID="{3B3F23A9-9368-4FF8-9628-011B9433666D}" presName="childText" presStyleLbl="conFgAcc1" presStyleIdx="1" presStyleCnt="2">
-        <dgm:presLayoutVars>
-          <dgm:bulletEnabled val="1"/>
-        </dgm:presLayoutVars>
-      </dgm:prSet>
-      <dgm:spPr/>
-    </dgm:pt>
-  </dgm:ptLst>
-  <dgm:cxnLst>
-    <dgm:cxn modelId="{80ED2809-04C7-42BB-9684-38BBFB236999}" type="presOf" srcId="{553E6F11-1C98-4B13-964F-5B07379B3B45}" destId="{1B0A7A31-21EB-4189-8994-DEC93D450867}" srcOrd="0" destOrd="2" presId="urn:microsoft.com/office/officeart/2005/8/layout/list1"/>
-    <dgm:cxn modelId="{2E29D417-6FCB-4661-ABB5-95B214866AC3}" type="presOf" srcId="{94BED6AA-20B8-4B6D-98F6-C4CBC266E7C5}" destId="{3D78E7DC-E549-4121-9EC8-783C9EC0AC04}" srcOrd="1" destOrd="0" presId="urn:microsoft.com/office/officeart/2005/8/layout/list1"/>
-    <dgm:cxn modelId="{09BA361F-3F0B-4FB9-9E6D-5D4CF6237DD0}" srcId="{94BED6AA-20B8-4B6D-98F6-C4CBC266E7C5}" destId="{99A02676-2CF9-4F9B-A2B2-E11AE5245397}" srcOrd="1" destOrd="0" parTransId="{659EBAA6-562F-4E5A-B382-BC0E7A90ABFB}" sibTransId="{B343CCAC-49C9-4D2E-8A34-D2AF44FB800A}"/>
-    <dgm:cxn modelId="{C8A07820-9951-4941-9493-F5B694DC9DA7}" srcId="{B0143521-B3F7-49EE-81E1-D337A8F26784}" destId="{94BED6AA-20B8-4B6D-98F6-C4CBC266E7C5}" srcOrd="0" destOrd="0" parTransId="{F08C03AC-141C-4D97-B798-516B057347B1}" sibTransId="{7863FAB8-13FA-4373-B70C-31396DC273A3}"/>
-    <dgm:cxn modelId="{3F22CF34-295B-4907-A5CC-6F4A68B0965C}" srcId="{3B3F23A9-9368-4FF8-9628-011B9433666D}" destId="{2B082865-4192-4319-9011-EC5FAA6A9E70}" srcOrd="1" destOrd="0" parTransId="{710C6B4C-8A33-4681-90E1-6F785CB95183}" sibTransId="{401AFC5A-0C2A-407E-9096-1929B2468677}"/>
-    <dgm:cxn modelId="{1597163C-375D-4D01-A618-A4F0C08657F8}" type="presOf" srcId="{3B3F23A9-9368-4FF8-9628-011B9433666D}" destId="{645333B6-97E4-40DA-84CF-595DA3FCB3AF}" srcOrd="0" destOrd="0" presId="urn:microsoft.com/office/officeart/2005/8/layout/list1"/>
-    <dgm:cxn modelId="{17BED740-E256-498D-B562-80EB904E7FA0}" srcId="{94BED6AA-20B8-4B6D-98F6-C4CBC266E7C5}" destId="{783B5F03-87CF-4C47-99D6-BE02033E20C9}" srcOrd="0" destOrd="0" parTransId="{03DB114C-C02F-4220-AB33-8315CD2D2602}" sibTransId="{9C3AC8DC-0979-4B1D-9E9E-20557050AD00}"/>
-    <dgm:cxn modelId="{08504E41-B4AA-4C4E-9B52-078F3F198034}" type="presOf" srcId="{94BED6AA-20B8-4B6D-98F6-C4CBC266E7C5}" destId="{29A8FEE7-C8FB-46E8-AD66-6B2412059858}" srcOrd="0" destOrd="0" presId="urn:microsoft.com/office/officeart/2005/8/layout/list1"/>
-    <dgm:cxn modelId="{65DFEC47-1F14-46E3-9215-F1AE5D61A543}" type="presOf" srcId="{99A02676-2CF9-4F9B-A2B2-E11AE5245397}" destId="{4EC703AE-C60D-48F0-BCB2-9FE16DB1B6E5}" srcOrd="0" destOrd="1" presId="urn:microsoft.com/office/officeart/2005/8/layout/list1"/>
-    <dgm:cxn modelId="{BE799552-F647-4583-A07F-0889D49C10D4}" type="presOf" srcId="{783B5F03-87CF-4C47-99D6-BE02033E20C9}" destId="{4EC703AE-C60D-48F0-BCB2-9FE16DB1B6E5}" srcOrd="0" destOrd="0" presId="urn:microsoft.com/office/officeart/2005/8/layout/list1"/>
-    <dgm:cxn modelId="{E82A4C79-658B-42A1-B6E7-A3696EAB60B0}" type="presOf" srcId="{29232304-F197-4F19-A308-C88511292A9E}" destId="{1B0A7A31-21EB-4189-8994-DEC93D450867}" srcOrd="0" destOrd="0" presId="urn:microsoft.com/office/officeart/2005/8/layout/list1"/>
-    <dgm:cxn modelId="{D6F4B180-8AAF-4C99-B348-99B982CCC24A}" srcId="{3B3F23A9-9368-4FF8-9628-011B9433666D}" destId="{29232304-F197-4F19-A308-C88511292A9E}" srcOrd="0" destOrd="0" parTransId="{56E228EC-845F-47B9-850A-9118EEAF286B}" sibTransId="{C4ABA87D-7618-45AC-9C5A-F1775AE53EE5}"/>
-    <dgm:cxn modelId="{14B449B7-2C0F-43DC-9613-8397FA8254E0}" type="presOf" srcId="{2B082865-4192-4319-9011-EC5FAA6A9E70}" destId="{1B0A7A31-21EB-4189-8994-DEC93D450867}" srcOrd="0" destOrd="1" presId="urn:microsoft.com/office/officeart/2005/8/layout/list1"/>
-    <dgm:cxn modelId="{1B6A62BD-612F-44BA-8B3D-F61B6932B8BE}" srcId="{3B3F23A9-9368-4FF8-9628-011B9433666D}" destId="{553E6F11-1C98-4B13-964F-5B07379B3B45}" srcOrd="2" destOrd="0" parTransId="{1328C4BC-3A9F-48F8-AE7E-52468D6BD0E6}" sibTransId="{81914171-34A2-4DC6-BEB5-3A36C1EEFDAC}"/>
-    <dgm:cxn modelId="{67C4CDDE-FF09-4AAA-9CBA-11899F9D88FA}" type="presOf" srcId="{3B3F23A9-9368-4FF8-9628-011B9433666D}" destId="{F27E2B59-372A-402C-B697-3DE712A58854}" srcOrd="1" destOrd="0" presId="urn:microsoft.com/office/officeart/2005/8/layout/list1"/>
-    <dgm:cxn modelId="{88697ADF-E79E-4545-8C5B-6A3C96ABEA75}" srcId="{B0143521-B3F7-49EE-81E1-D337A8F26784}" destId="{3B3F23A9-9368-4FF8-9628-011B9433666D}" srcOrd="1" destOrd="0" parTransId="{64C214AA-E8CD-46F1-945C-8FBA5C339EC7}" sibTransId="{C948E9B6-7EA6-45A9-BE7C-73FF13D76FA8}"/>
-    <dgm:cxn modelId="{002AFADF-9CE8-4700-A241-243B15405FEA}" type="presOf" srcId="{B0143521-B3F7-49EE-81E1-D337A8F26784}" destId="{940AB1B8-31F0-482E-AB7E-20EDA6827836}" srcOrd="0" destOrd="0" presId="urn:microsoft.com/office/officeart/2005/8/layout/list1"/>
-    <dgm:cxn modelId="{8AAFD1ED-5EB1-4E85-93BC-8C82769AA13F}" type="presParOf" srcId="{940AB1B8-31F0-482E-AB7E-20EDA6827836}" destId="{DC98DF1F-9E28-4C72-BC41-D80F096B1268}" srcOrd="0" destOrd="0" presId="urn:microsoft.com/office/officeart/2005/8/layout/list1"/>
-    <dgm:cxn modelId="{FBEA797A-28AB-4C73-9D4C-53B34BADB1FC}" type="presParOf" srcId="{DC98DF1F-9E28-4C72-BC41-D80F096B1268}" destId="{29A8FEE7-C8FB-46E8-AD66-6B2412059858}" srcOrd="0" destOrd="0" presId="urn:microsoft.com/office/officeart/2005/8/layout/list1"/>
-    <dgm:cxn modelId="{32168D37-2F55-4595-9A0D-05F50A00FE5E}" type="presParOf" srcId="{DC98DF1F-9E28-4C72-BC41-D80F096B1268}" destId="{3D78E7DC-E549-4121-9EC8-783C9EC0AC04}" srcOrd="1" destOrd="0" presId="urn:microsoft.com/office/officeart/2005/8/layout/list1"/>
-    <dgm:cxn modelId="{DAD6C608-CB75-4E76-A19A-4E2FFE6FA80F}" type="presParOf" srcId="{940AB1B8-31F0-482E-AB7E-20EDA6827836}" destId="{BB1CCB41-C370-4902-8C86-95F957158353}" srcOrd="1" destOrd="0" presId="urn:microsoft.com/office/officeart/2005/8/layout/list1"/>
-    <dgm:cxn modelId="{EF977F8D-7815-421A-A0D6-A967E7553380}" type="presParOf" srcId="{940AB1B8-31F0-482E-AB7E-20EDA6827836}" destId="{4EC703AE-C60D-48F0-BCB2-9FE16DB1B6E5}" srcOrd="2" destOrd="0" presId="urn:microsoft.com/office/officeart/2005/8/layout/list1"/>
-    <dgm:cxn modelId="{7BF87A46-A74D-42C3-BF34-D120CE614AD9}" type="presParOf" srcId="{940AB1B8-31F0-482E-AB7E-20EDA6827836}" destId="{A3BA6804-DDB5-44F7-B19D-7301018130F5}" srcOrd="3" destOrd="0" presId="urn:microsoft.com/office/officeart/2005/8/layout/list1"/>
-    <dgm:cxn modelId="{70A48960-0CC8-45C5-866D-446E29D769AA}" type="presParOf" srcId="{940AB1B8-31F0-482E-AB7E-20EDA6827836}" destId="{82C44835-B2D2-4F37-84AA-A9B04521242B}" srcOrd="4" destOrd="0" presId="urn:microsoft.com/office/officeart/2005/8/layout/list1"/>
-    <dgm:cxn modelId="{D9117AF5-0054-43BD-B5A3-FE76ADDF3099}" type="presParOf" srcId="{82C44835-B2D2-4F37-84AA-A9B04521242B}" destId="{645333B6-97E4-40DA-84CF-595DA3FCB3AF}" srcOrd="0" destOrd="0" presId="urn:microsoft.com/office/officeart/2005/8/layout/list1"/>
-    <dgm:cxn modelId="{124CF4BD-3F5A-4432-89DD-0A46EC174385}" type="presParOf" srcId="{82C44835-B2D2-4F37-84AA-A9B04521242B}" destId="{F27E2B59-372A-402C-B697-3DE712A58854}" srcOrd="1" destOrd="0" presId="urn:microsoft.com/office/officeart/2005/8/layout/list1"/>
-    <dgm:cxn modelId="{1E2BFAE3-AD76-4B32-8E41-92F1704F9306}" type="presParOf" srcId="{940AB1B8-31F0-482E-AB7E-20EDA6827836}" destId="{8A4A7EE2-F414-4147-926A-63E463288E88}" srcOrd="5" destOrd="0" presId="urn:microsoft.com/office/officeart/2005/8/layout/list1"/>
-    <dgm:cxn modelId="{AF7861AD-56CA-44CB-AADE-C117AAB45351}" type="presParOf" srcId="{940AB1B8-31F0-482E-AB7E-20EDA6827836}" destId="{1B0A7A31-21EB-4189-8994-DEC93D450867}" srcOrd="6" destOrd="0" presId="urn:microsoft.com/office/officeart/2005/8/layout/list1"/>
-  </dgm:cxnLst>
-  <dgm:bg/>
   <dgm:whole/>
   <dgm:extLst>
     <a:ext uri="http://schemas.microsoft.com/office/drawing/2008/diagram">
@@ -5198,7 +5198,7 @@
           </a:pPr>
           <a:r>
             <a:rPr lang="en-US" dirty="0"/>
-            <a:t>Include a diverse number of stocks/sectors: meme stock, health sector, retail sector, etc.</a:t>
+            <a:t>Include a more diverse number of stocks/sectors: health sector, retail sector, etc.</a:t>
           </a:r>
         </a:p>
       </dgm:t>
@@ -5362,7 +5362,7 @@
           </a:pPr>
           <a:r>
             <a:rPr lang="en-US" dirty="0"/>
-            <a:t>Obtain larger datasets that represents the distribution of the population</a:t>
+            <a:t>Obtain larger datasets that (hopefully) represents the distribution of the population</a:t>
           </a:r>
         </a:p>
       </dgm:t>
@@ -5556,6 +5556,382 @@
 </file>
 
 <file path=ppt/diagrams/drawing1.xml><?xml version="1.0" encoding="utf-8"?>
+<dsp:drawing xmlns:dgm="http://schemas.openxmlformats.org/drawingml/2006/diagram" xmlns:dsp="http://schemas.microsoft.com/office/drawing/2008/diagram" xmlns:a="http://schemas.openxmlformats.org/drawingml/2006/main">
+  <dsp:spTree>
+    <dsp:nvGrpSpPr>
+      <dsp:cNvPr id="0" name=""/>
+      <dsp:cNvGrpSpPr/>
+    </dsp:nvGrpSpPr>
+    <dsp:grpSpPr/>
+    <dsp:sp modelId="{4EC703AE-C60D-48F0-BCB2-9FE16DB1B6E5}">
+      <dsp:nvSpPr>
+        <dsp:cNvPr id="0" name=""/>
+        <dsp:cNvSpPr/>
+      </dsp:nvSpPr>
+      <dsp:spPr>
+        <a:xfrm>
+          <a:off x="0" y="405024"/>
+          <a:ext cx="5891471" cy="1719900"/>
+        </a:xfrm>
+        <a:prstGeom prst="rect">
+          <a:avLst/>
+        </a:prstGeom>
+        <a:solidFill>
+          <a:schemeClr val="lt1">
+            <a:alpha val="90000"/>
+            <a:hueOff val="0"/>
+            <a:satOff val="0"/>
+            <a:lumOff val="0"/>
+            <a:alphaOff val="0"/>
+          </a:schemeClr>
+        </a:solidFill>
+        <a:ln w="12700" cap="flat" cmpd="sng" algn="ctr">
+          <a:solidFill>
+            <a:schemeClr val="accent2">
+              <a:hueOff val="0"/>
+              <a:satOff val="0"/>
+              <a:lumOff val="0"/>
+              <a:alphaOff val="0"/>
+            </a:schemeClr>
+          </a:solidFill>
+          <a:prstDash val="solid"/>
+          <a:miter lim="800000"/>
+        </a:ln>
+        <a:effectLst/>
+      </dsp:spPr>
+      <dsp:style>
+        <a:lnRef idx="2">
+          <a:scrgbClr r="0" g="0" b="0"/>
+        </a:lnRef>
+        <a:fillRef idx="1">
+          <a:scrgbClr r="0" g="0" b="0"/>
+        </a:fillRef>
+        <a:effectRef idx="0">
+          <a:scrgbClr r="0" g="0" b="0"/>
+        </a:effectRef>
+        <a:fontRef idx="minor"/>
+      </dsp:style>
+      <dsp:txBody>
+        <a:bodyPr spcFirstLastPara="0" vert="horz" wrap="square" lIns="457244" tIns="437388" rIns="457244" bIns="149352" numCol="1" spcCol="1270" anchor="t" anchorCtr="0">
+          <a:noAutofit/>
+        </a:bodyPr>
+        <a:lstStyle/>
+        <a:p>
+          <a:pPr marL="228600" lvl="1" indent="-228600" algn="l" defTabSz="933450">
+            <a:lnSpc>
+              <a:spcPct val="100000"/>
+            </a:lnSpc>
+            <a:spcBef>
+              <a:spcPct val="0"/>
+            </a:spcBef>
+            <a:spcAft>
+              <a:spcPct val="15000"/>
+            </a:spcAft>
+            <a:buChar char="•"/>
+          </a:pPr>
+          <a:r>
+            <a:rPr lang="en-US" sz="2100" kern="1200" dirty="0"/>
+            <a:t>Study the correlation between stock market and retail traders’ sentiment</a:t>
+          </a:r>
+        </a:p>
+        <a:p>
+          <a:pPr marL="228600" lvl="1" indent="-228600" algn="l" defTabSz="933450">
+            <a:lnSpc>
+              <a:spcPct val="100000"/>
+            </a:lnSpc>
+            <a:spcBef>
+              <a:spcPct val="0"/>
+            </a:spcBef>
+            <a:spcAft>
+              <a:spcPct val="15000"/>
+            </a:spcAft>
+            <a:buChar char="•"/>
+          </a:pPr>
+          <a:r>
+            <a:rPr lang="en-US" sz="2100" kern="1200" dirty="0"/>
+            <a:t>Build models to predict stock return</a:t>
+          </a:r>
+        </a:p>
+      </dsp:txBody>
+      <dsp:txXfrm>
+        <a:off x="0" y="405024"/>
+        <a:ext cx="5891471" cy="1719900"/>
+      </dsp:txXfrm>
+    </dsp:sp>
+    <dsp:sp modelId="{3D78E7DC-E549-4121-9EC8-783C9EC0AC04}">
+      <dsp:nvSpPr>
+        <dsp:cNvPr id="0" name=""/>
+        <dsp:cNvSpPr/>
+      </dsp:nvSpPr>
+      <dsp:spPr>
+        <a:xfrm>
+          <a:off x="294573" y="95064"/>
+          <a:ext cx="4124029" cy="619920"/>
+        </a:xfrm>
+        <a:prstGeom prst="roundRect">
+          <a:avLst/>
+        </a:prstGeom>
+        <a:solidFill>
+          <a:schemeClr val="accent2">
+            <a:hueOff val="0"/>
+            <a:satOff val="0"/>
+            <a:lumOff val="0"/>
+            <a:alphaOff val="0"/>
+          </a:schemeClr>
+        </a:solidFill>
+        <a:ln w="12700" cap="flat" cmpd="sng" algn="ctr">
+          <a:solidFill>
+            <a:schemeClr val="lt1">
+              <a:hueOff val="0"/>
+              <a:satOff val="0"/>
+              <a:lumOff val="0"/>
+              <a:alphaOff val="0"/>
+            </a:schemeClr>
+          </a:solidFill>
+          <a:prstDash val="solid"/>
+          <a:miter lim="800000"/>
+        </a:ln>
+        <a:effectLst/>
+      </dsp:spPr>
+      <dsp:style>
+        <a:lnRef idx="2">
+          <a:scrgbClr r="0" g="0" b="0"/>
+        </a:lnRef>
+        <a:fillRef idx="1">
+          <a:scrgbClr r="0" g="0" b="0"/>
+        </a:fillRef>
+        <a:effectRef idx="0">
+          <a:scrgbClr r="0" g="0" b="0"/>
+        </a:effectRef>
+        <a:fontRef idx="minor">
+          <a:schemeClr val="lt1"/>
+        </a:fontRef>
+      </dsp:style>
+      <dsp:txBody>
+        <a:bodyPr spcFirstLastPara="0" vert="horz" wrap="square" lIns="155879" tIns="0" rIns="155879" bIns="0" numCol="1" spcCol="1270" anchor="ctr" anchorCtr="0">
+          <a:noAutofit/>
+        </a:bodyPr>
+        <a:lstStyle/>
+        <a:p>
+          <a:pPr marL="0" lvl="0" indent="0" algn="l" defTabSz="933450">
+            <a:lnSpc>
+              <a:spcPct val="100000"/>
+            </a:lnSpc>
+            <a:spcBef>
+              <a:spcPct val="0"/>
+            </a:spcBef>
+            <a:spcAft>
+              <a:spcPct val="35000"/>
+            </a:spcAft>
+            <a:buNone/>
+          </a:pPr>
+          <a:r>
+            <a:rPr lang="en-US" sz="2100" kern="1200"/>
+            <a:t>Similarities:</a:t>
+          </a:r>
+        </a:p>
+      </dsp:txBody>
+      <dsp:txXfrm>
+        <a:off x="324835" y="125326"/>
+        <a:ext cx="4063505" cy="559396"/>
+      </dsp:txXfrm>
+    </dsp:sp>
+    <dsp:sp modelId="{1B0A7A31-21EB-4189-8994-DEC93D450867}">
+      <dsp:nvSpPr>
+        <dsp:cNvPr id="0" name=""/>
+        <dsp:cNvSpPr/>
+      </dsp:nvSpPr>
+      <dsp:spPr>
+        <a:xfrm>
+          <a:off x="0" y="2548284"/>
+          <a:ext cx="5891471" cy="2513700"/>
+        </a:xfrm>
+        <a:prstGeom prst="rect">
+          <a:avLst/>
+        </a:prstGeom>
+        <a:solidFill>
+          <a:schemeClr val="lt1">
+            <a:alpha val="90000"/>
+            <a:hueOff val="0"/>
+            <a:satOff val="0"/>
+            <a:lumOff val="0"/>
+            <a:alphaOff val="0"/>
+          </a:schemeClr>
+        </a:solidFill>
+        <a:ln w="12700" cap="flat" cmpd="sng" algn="ctr">
+          <a:solidFill>
+            <a:schemeClr val="accent2">
+              <a:hueOff val="-1525302"/>
+              <a:satOff val="-418"/>
+              <a:lumOff val="7058"/>
+              <a:alphaOff val="0"/>
+            </a:schemeClr>
+          </a:solidFill>
+          <a:prstDash val="solid"/>
+          <a:miter lim="800000"/>
+        </a:ln>
+        <a:effectLst/>
+      </dsp:spPr>
+      <dsp:style>
+        <a:lnRef idx="2">
+          <a:scrgbClr r="0" g="0" b="0"/>
+        </a:lnRef>
+        <a:fillRef idx="1">
+          <a:scrgbClr r="0" g="0" b="0"/>
+        </a:fillRef>
+        <a:effectRef idx="0">
+          <a:scrgbClr r="0" g="0" b="0"/>
+        </a:effectRef>
+        <a:fontRef idx="minor"/>
+      </dsp:style>
+      <dsp:txBody>
+        <a:bodyPr spcFirstLastPara="0" vert="horz" wrap="square" lIns="457244" tIns="437388" rIns="457244" bIns="149352" numCol="1" spcCol="1270" anchor="t" anchorCtr="0">
+          <a:noAutofit/>
+        </a:bodyPr>
+        <a:lstStyle/>
+        <a:p>
+          <a:pPr marL="228600" lvl="1" indent="-228600" algn="l" defTabSz="933450">
+            <a:lnSpc>
+              <a:spcPct val="100000"/>
+            </a:lnSpc>
+            <a:spcBef>
+              <a:spcPct val="0"/>
+            </a:spcBef>
+            <a:spcAft>
+              <a:spcPct val="15000"/>
+            </a:spcAft>
+            <a:buChar char="•"/>
+          </a:pPr>
+          <a:r>
+            <a:rPr lang="en-US" sz="2100" kern="1200" dirty="0"/>
+            <a:t>Implement a dynamic approach to make short to mid term (one week) prediction </a:t>
+          </a:r>
+        </a:p>
+        <a:p>
+          <a:pPr marL="228600" lvl="1" indent="-228600" algn="l" defTabSz="933450">
+            <a:lnSpc>
+              <a:spcPct val="100000"/>
+            </a:lnSpc>
+            <a:spcBef>
+              <a:spcPct val="0"/>
+            </a:spcBef>
+            <a:spcAft>
+              <a:spcPct val="15000"/>
+            </a:spcAft>
+            <a:buChar char="•"/>
+          </a:pPr>
+          <a:r>
+            <a:rPr lang="en-US" sz="2100" kern="1200" dirty="0"/>
+            <a:t>Focus on both loss and gain</a:t>
+          </a:r>
+        </a:p>
+        <a:p>
+          <a:pPr marL="228600" lvl="1" indent="-228600" algn="l" defTabSz="933450">
+            <a:lnSpc>
+              <a:spcPct val="100000"/>
+            </a:lnSpc>
+            <a:spcBef>
+              <a:spcPct val="0"/>
+            </a:spcBef>
+            <a:spcAft>
+              <a:spcPct val="15000"/>
+            </a:spcAft>
+            <a:buChar char="•"/>
+          </a:pPr>
+          <a:r>
+            <a:rPr lang="en-US" sz="2100" kern="1200" dirty="0"/>
+            <a:t>Incorporate sentiment analysis into model</a:t>
+          </a:r>
+        </a:p>
+      </dsp:txBody>
+      <dsp:txXfrm>
+        <a:off x="0" y="2548284"/>
+        <a:ext cx="5891471" cy="2513700"/>
+      </dsp:txXfrm>
+    </dsp:sp>
+    <dsp:sp modelId="{F27E2B59-372A-402C-B697-3DE712A58854}">
+      <dsp:nvSpPr>
+        <dsp:cNvPr id="0" name=""/>
+        <dsp:cNvSpPr/>
+      </dsp:nvSpPr>
+      <dsp:spPr>
+        <a:xfrm>
+          <a:off x="294573" y="2238324"/>
+          <a:ext cx="4124029" cy="619920"/>
+        </a:xfrm>
+        <a:prstGeom prst="roundRect">
+          <a:avLst/>
+        </a:prstGeom>
+        <a:solidFill>
+          <a:schemeClr val="accent2">
+            <a:hueOff val="-1525302"/>
+            <a:satOff val="-418"/>
+            <a:lumOff val="7058"/>
+            <a:alphaOff val="0"/>
+          </a:schemeClr>
+        </a:solidFill>
+        <a:ln w="12700" cap="flat" cmpd="sng" algn="ctr">
+          <a:solidFill>
+            <a:schemeClr val="lt1">
+              <a:hueOff val="0"/>
+              <a:satOff val="0"/>
+              <a:lumOff val="0"/>
+              <a:alphaOff val="0"/>
+            </a:schemeClr>
+          </a:solidFill>
+          <a:prstDash val="solid"/>
+          <a:miter lim="800000"/>
+        </a:ln>
+        <a:effectLst/>
+      </dsp:spPr>
+      <dsp:style>
+        <a:lnRef idx="2">
+          <a:scrgbClr r="0" g="0" b="0"/>
+        </a:lnRef>
+        <a:fillRef idx="1">
+          <a:scrgbClr r="0" g="0" b="0"/>
+        </a:fillRef>
+        <a:effectRef idx="0">
+          <a:scrgbClr r="0" g="0" b="0"/>
+        </a:effectRef>
+        <a:fontRef idx="minor">
+          <a:schemeClr val="lt1"/>
+        </a:fontRef>
+      </dsp:style>
+      <dsp:txBody>
+        <a:bodyPr spcFirstLastPara="0" vert="horz" wrap="square" lIns="155879" tIns="0" rIns="155879" bIns="0" numCol="1" spcCol="1270" anchor="ctr" anchorCtr="0">
+          <a:noAutofit/>
+        </a:bodyPr>
+        <a:lstStyle/>
+        <a:p>
+          <a:pPr marL="0" lvl="0" indent="0" algn="l" defTabSz="933450">
+            <a:lnSpc>
+              <a:spcPct val="100000"/>
+            </a:lnSpc>
+            <a:spcBef>
+              <a:spcPct val="0"/>
+            </a:spcBef>
+            <a:spcAft>
+              <a:spcPct val="35000"/>
+            </a:spcAft>
+            <a:buNone/>
+          </a:pPr>
+          <a:r>
+            <a:rPr lang="en-US" sz="2100" kern="1200"/>
+            <a:t>Uniqueness</a:t>
+          </a:r>
+        </a:p>
+      </dsp:txBody>
+      <dsp:txXfrm>
+        <a:off x="324835" y="2268586"/>
+        <a:ext cx="4063505" cy="559396"/>
+      </dsp:txXfrm>
+    </dsp:sp>
+  </dsp:spTree>
+</dsp:drawing>
+</file>
+
+<file path=ppt/diagrams/drawing2.xml><?xml version="1.0" encoding="utf-8"?>
 <dsp:drawing xmlns:dgm="http://schemas.openxmlformats.org/drawingml/2006/diagram" xmlns:dsp="http://schemas.microsoft.com/office/drawing/2008/diagram" xmlns:a="http://schemas.openxmlformats.org/drawingml/2006/main">
   <dsp:spTree>
     <dsp:nvGrpSpPr>
@@ -6021,382 +6397,6 @@
       <dsp:txXfrm>
         <a:off x="4989980" y="2771913"/>
         <a:ext cx="2127937" cy="1547114"/>
-      </dsp:txXfrm>
-    </dsp:sp>
-  </dsp:spTree>
-</dsp:drawing>
-</file>
-
-<file path=ppt/diagrams/drawing2.xml><?xml version="1.0" encoding="utf-8"?>
-<dsp:drawing xmlns:dgm="http://schemas.openxmlformats.org/drawingml/2006/diagram" xmlns:dsp="http://schemas.microsoft.com/office/drawing/2008/diagram" xmlns:a="http://schemas.openxmlformats.org/drawingml/2006/main">
-  <dsp:spTree>
-    <dsp:nvGrpSpPr>
-      <dsp:cNvPr id="0" name=""/>
-      <dsp:cNvGrpSpPr/>
-    </dsp:nvGrpSpPr>
-    <dsp:grpSpPr/>
-    <dsp:sp modelId="{4EC703AE-C60D-48F0-BCB2-9FE16DB1B6E5}">
-      <dsp:nvSpPr>
-        <dsp:cNvPr id="0" name=""/>
-        <dsp:cNvSpPr/>
-      </dsp:nvSpPr>
-      <dsp:spPr>
-        <a:xfrm>
-          <a:off x="0" y="405024"/>
-          <a:ext cx="5891471" cy="1719900"/>
-        </a:xfrm>
-        <a:prstGeom prst="rect">
-          <a:avLst/>
-        </a:prstGeom>
-        <a:solidFill>
-          <a:schemeClr val="lt1">
-            <a:alpha val="90000"/>
-            <a:hueOff val="0"/>
-            <a:satOff val="0"/>
-            <a:lumOff val="0"/>
-            <a:alphaOff val="0"/>
-          </a:schemeClr>
-        </a:solidFill>
-        <a:ln w="12700" cap="flat" cmpd="sng" algn="ctr">
-          <a:solidFill>
-            <a:schemeClr val="accent2">
-              <a:hueOff val="0"/>
-              <a:satOff val="0"/>
-              <a:lumOff val="0"/>
-              <a:alphaOff val="0"/>
-            </a:schemeClr>
-          </a:solidFill>
-          <a:prstDash val="solid"/>
-          <a:miter lim="800000"/>
-        </a:ln>
-        <a:effectLst/>
-      </dsp:spPr>
-      <dsp:style>
-        <a:lnRef idx="2">
-          <a:scrgbClr r="0" g="0" b="0"/>
-        </a:lnRef>
-        <a:fillRef idx="1">
-          <a:scrgbClr r="0" g="0" b="0"/>
-        </a:fillRef>
-        <a:effectRef idx="0">
-          <a:scrgbClr r="0" g="0" b="0"/>
-        </a:effectRef>
-        <a:fontRef idx="minor"/>
-      </dsp:style>
-      <dsp:txBody>
-        <a:bodyPr spcFirstLastPara="0" vert="horz" wrap="square" lIns="457244" tIns="437388" rIns="457244" bIns="149352" numCol="1" spcCol="1270" anchor="t" anchorCtr="0">
-          <a:noAutofit/>
-        </a:bodyPr>
-        <a:lstStyle/>
-        <a:p>
-          <a:pPr marL="228600" lvl="1" indent="-228600" algn="l" defTabSz="933450">
-            <a:lnSpc>
-              <a:spcPct val="100000"/>
-            </a:lnSpc>
-            <a:spcBef>
-              <a:spcPct val="0"/>
-            </a:spcBef>
-            <a:spcAft>
-              <a:spcPct val="15000"/>
-            </a:spcAft>
-            <a:buChar char="•"/>
-          </a:pPr>
-          <a:r>
-            <a:rPr lang="en-US" sz="2100" kern="1200" dirty="0"/>
-            <a:t>Study the correlation between stock market and retail traders’ sentiment</a:t>
-          </a:r>
-        </a:p>
-        <a:p>
-          <a:pPr marL="228600" lvl="1" indent="-228600" algn="l" defTabSz="933450">
-            <a:lnSpc>
-              <a:spcPct val="100000"/>
-            </a:lnSpc>
-            <a:spcBef>
-              <a:spcPct val="0"/>
-            </a:spcBef>
-            <a:spcAft>
-              <a:spcPct val="15000"/>
-            </a:spcAft>
-            <a:buChar char="•"/>
-          </a:pPr>
-          <a:r>
-            <a:rPr lang="en-US" sz="2100" kern="1200" dirty="0"/>
-            <a:t>Build models to predict stock return</a:t>
-          </a:r>
-        </a:p>
-      </dsp:txBody>
-      <dsp:txXfrm>
-        <a:off x="0" y="405024"/>
-        <a:ext cx="5891471" cy="1719900"/>
-      </dsp:txXfrm>
-    </dsp:sp>
-    <dsp:sp modelId="{3D78E7DC-E549-4121-9EC8-783C9EC0AC04}">
-      <dsp:nvSpPr>
-        <dsp:cNvPr id="0" name=""/>
-        <dsp:cNvSpPr/>
-      </dsp:nvSpPr>
-      <dsp:spPr>
-        <a:xfrm>
-          <a:off x="294573" y="95064"/>
-          <a:ext cx="4124029" cy="619920"/>
-        </a:xfrm>
-        <a:prstGeom prst="roundRect">
-          <a:avLst/>
-        </a:prstGeom>
-        <a:solidFill>
-          <a:schemeClr val="accent2">
-            <a:hueOff val="0"/>
-            <a:satOff val="0"/>
-            <a:lumOff val="0"/>
-            <a:alphaOff val="0"/>
-          </a:schemeClr>
-        </a:solidFill>
-        <a:ln w="12700" cap="flat" cmpd="sng" algn="ctr">
-          <a:solidFill>
-            <a:schemeClr val="lt1">
-              <a:hueOff val="0"/>
-              <a:satOff val="0"/>
-              <a:lumOff val="0"/>
-              <a:alphaOff val="0"/>
-            </a:schemeClr>
-          </a:solidFill>
-          <a:prstDash val="solid"/>
-          <a:miter lim="800000"/>
-        </a:ln>
-        <a:effectLst/>
-      </dsp:spPr>
-      <dsp:style>
-        <a:lnRef idx="2">
-          <a:scrgbClr r="0" g="0" b="0"/>
-        </a:lnRef>
-        <a:fillRef idx="1">
-          <a:scrgbClr r="0" g="0" b="0"/>
-        </a:fillRef>
-        <a:effectRef idx="0">
-          <a:scrgbClr r="0" g="0" b="0"/>
-        </a:effectRef>
-        <a:fontRef idx="minor">
-          <a:schemeClr val="lt1"/>
-        </a:fontRef>
-      </dsp:style>
-      <dsp:txBody>
-        <a:bodyPr spcFirstLastPara="0" vert="horz" wrap="square" lIns="155879" tIns="0" rIns="155879" bIns="0" numCol="1" spcCol="1270" anchor="ctr" anchorCtr="0">
-          <a:noAutofit/>
-        </a:bodyPr>
-        <a:lstStyle/>
-        <a:p>
-          <a:pPr marL="0" lvl="0" indent="0" algn="l" defTabSz="933450">
-            <a:lnSpc>
-              <a:spcPct val="100000"/>
-            </a:lnSpc>
-            <a:spcBef>
-              <a:spcPct val="0"/>
-            </a:spcBef>
-            <a:spcAft>
-              <a:spcPct val="35000"/>
-            </a:spcAft>
-            <a:buNone/>
-          </a:pPr>
-          <a:r>
-            <a:rPr lang="en-US" sz="2100" kern="1200"/>
-            <a:t>Similarities:</a:t>
-          </a:r>
-        </a:p>
-      </dsp:txBody>
-      <dsp:txXfrm>
-        <a:off x="324835" y="125326"/>
-        <a:ext cx="4063505" cy="559396"/>
-      </dsp:txXfrm>
-    </dsp:sp>
-    <dsp:sp modelId="{1B0A7A31-21EB-4189-8994-DEC93D450867}">
-      <dsp:nvSpPr>
-        <dsp:cNvPr id="0" name=""/>
-        <dsp:cNvSpPr/>
-      </dsp:nvSpPr>
-      <dsp:spPr>
-        <a:xfrm>
-          <a:off x="0" y="2548284"/>
-          <a:ext cx="5891471" cy="2513700"/>
-        </a:xfrm>
-        <a:prstGeom prst="rect">
-          <a:avLst/>
-        </a:prstGeom>
-        <a:solidFill>
-          <a:schemeClr val="lt1">
-            <a:alpha val="90000"/>
-            <a:hueOff val="0"/>
-            <a:satOff val="0"/>
-            <a:lumOff val="0"/>
-            <a:alphaOff val="0"/>
-          </a:schemeClr>
-        </a:solidFill>
-        <a:ln w="12700" cap="flat" cmpd="sng" algn="ctr">
-          <a:solidFill>
-            <a:schemeClr val="accent2">
-              <a:hueOff val="-1525302"/>
-              <a:satOff val="-418"/>
-              <a:lumOff val="7058"/>
-              <a:alphaOff val="0"/>
-            </a:schemeClr>
-          </a:solidFill>
-          <a:prstDash val="solid"/>
-          <a:miter lim="800000"/>
-        </a:ln>
-        <a:effectLst/>
-      </dsp:spPr>
-      <dsp:style>
-        <a:lnRef idx="2">
-          <a:scrgbClr r="0" g="0" b="0"/>
-        </a:lnRef>
-        <a:fillRef idx="1">
-          <a:scrgbClr r="0" g="0" b="0"/>
-        </a:fillRef>
-        <a:effectRef idx="0">
-          <a:scrgbClr r="0" g="0" b="0"/>
-        </a:effectRef>
-        <a:fontRef idx="minor"/>
-      </dsp:style>
-      <dsp:txBody>
-        <a:bodyPr spcFirstLastPara="0" vert="horz" wrap="square" lIns="457244" tIns="437388" rIns="457244" bIns="149352" numCol="1" spcCol="1270" anchor="t" anchorCtr="0">
-          <a:noAutofit/>
-        </a:bodyPr>
-        <a:lstStyle/>
-        <a:p>
-          <a:pPr marL="228600" lvl="1" indent="-228600" algn="l" defTabSz="933450">
-            <a:lnSpc>
-              <a:spcPct val="100000"/>
-            </a:lnSpc>
-            <a:spcBef>
-              <a:spcPct val="0"/>
-            </a:spcBef>
-            <a:spcAft>
-              <a:spcPct val="15000"/>
-            </a:spcAft>
-            <a:buChar char="•"/>
-          </a:pPr>
-          <a:r>
-            <a:rPr lang="en-US" sz="2100" kern="1200" dirty="0"/>
-            <a:t>Implement a dynamic approach to make short to mid term (one week) prediction </a:t>
-          </a:r>
-        </a:p>
-        <a:p>
-          <a:pPr marL="228600" lvl="1" indent="-228600" algn="l" defTabSz="933450">
-            <a:lnSpc>
-              <a:spcPct val="100000"/>
-            </a:lnSpc>
-            <a:spcBef>
-              <a:spcPct val="0"/>
-            </a:spcBef>
-            <a:spcAft>
-              <a:spcPct val="15000"/>
-            </a:spcAft>
-            <a:buChar char="•"/>
-          </a:pPr>
-          <a:r>
-            <a:rPr lang="en-US" sz="2100" kern="1200" dirty="0"/>
-            <a:t>Focus on both loss and gain</a:t>
-          </a:r>
-        </a:p>
-        <a:p>
-          <a:pPr marL="228600" lvl="1" indent="-228600" algn="l" defTabSz="933450">
-            <a:lnSpc>
-              <a:spcPct val="100000"/>
-            </a:lnSpc>
-            <a:spcBef>
-              <a:spcPct val="0"/>
-            </a:spcBef>
-            <a:spcAft>
-              <a:spcPct val="15000"/>
-            </a:spcAft>
-            <a:buChar char="•"/>
-          </a:pPr>
-          <a:r>
-            <a:rPr lang="en-US" sz="2100" kern="1200" dirty="0"/>
-            <a:t>Incorporate sentiment analysis into model</a:t>
-          </a:r>
-        </a:p>
-      </dsp:txBody>
-      <dsp:txXfrm>
-        <a:off x="0" y="2548284"/>
-        <a:ext cx="5891471" cy="2513700"/>
-      </dsp:txXfrm>
-    </dsp:sp>
-    <dsp:sp modelId="{F27E2B59-372A-402C-B697-3DE712A58854}">
-      <dsp:nvSpPr>
-        <dsp:cNvPr id="0" name=""/>
-        <dsp:cNvSpPr/>
-      </dsp:nvSpPr>
-      <dsp:spPr>
-        <a:xfrm>
-          <a:off x="294573" y="2238324"/>
-          <a:ext cx="4124029" cy="619920"/>
-        </a:xfrm>
-        <a:prstGeom prst="roundRect">
-          <a:avLst/>
-        </a:prstGeom>
-        <a:solidFill>
-          <a:schemeClr val="accent2">
-            <a:hueOff val="-1525302"/>
-            <a:satOff val="-418"/>
-            <a:lumOff val="7058"/>
-            <a:alphaOff val="0"/>
-          </a:schemeClr>
-        </a:solidFill>
-        <a:ln w="12700" cap="flat" cmpd="sng" algn="ctr">
-          <a:solidFill>
-            <a:schemeClr val="lt1">
-              <a:hueOff val="0"/>
-              <a:satOff val="0"/>
-              <a:lumOff val="0"/>
-              <a:alphaOff val="0"/>
-            </a:schemeClr>
-          </a:solidFill>
-          <a:prstDash val="solid"/>
-          <a:miter lim="800000"/>
-        </a:ln>
-        <a:effectLst/>
-      </dsp:spPr>
-      <dsp:style>
-        <a:lnRef idx="2">
-          <a:scrgbClr r="0" g="0" b="0"/>
-        </a:lnRef>
-        <a:fillRef idx="1">
-          <a:scrgbClr r="0" g="0" b="0"/>
-        </a:fillRef>
-        <a:effectRef idx="0">
-          <a:scrgbClr r="0" g="0" b="0"/>
-        </a:effectRef>
-        <a:fontRef idx="minor">
-          <a:schemeClr val="lt1"/>
-        </a:fontRef>
-      </dsp:style>
-      <dsp:txBody>
-        <a:bodyPr spcFirstLastPara="0" vert="horz" wrap="square" lIns="155879" tIns="0" rIns="155879" bIns="0" numCol="1" spcCol="1270" anchor="ctr" anchorCtr="0">
-          <a:noAutofit/>
-        </a:bodyPr>
-        <a:lstStyle/>
-        <a:p>
-          <a:pPr marL="0" lvl="0" indent="0" algn="l" defTabSz="933450">
-            <a:lnSpc>
-              <a:spcPct val="100000"/>
-            </a:lnSpc>
-            <a:spcBef>
-              <a:spcPct val="0"/>
-            </a:spcBef>
-            <a:spcAft>
-              <a:spcPct val="35000"/>
-            </a:spcAft>
-            <a:buNone/>
-          </a:pPr>
-          <a:r>
-            <a:rPr lang="en-US" sz="2100" kern="1200"/>
-            <a:t>Uniqueness</a:t>
-          </a:r>
-        </a:p>
-      </dsp:txBody>
-      <dsp:txXfrm>
-        <a:off x="324835" y="2268586"/>
-        <a:ext cx="4063505" cy="559396"/>
       </dsp:txXfrm>
     </dsp:sp>
   </dsp:spTree>
@@ -7432,7 +7432,7 @@
           </a:pPr>
           <a:r>
             <a:rPr lang="en-US" sz="1700" kern="1200" dirty="0"/>
-            <a:t>Obtain larger datasets that represents the distribution of the population</a:t>
+            <a:t>Obtain larger datasets that (hopefully) represents the distribution of the population</a:t>
           </a:r>
         </a:p>
       </dsp:txBody>
@@ -7603,7 +7603,7 @@
           </a:pPr>
           <a:r>
             <a:rPr lang="en-US" sz="1700" kern="1200" dirty="0"/>
-            <a:t>Include a diverse number of stocks/sectors: meme stock, health sector, retail sector, etc.</a:t>
+            <a:t>Include a more diverse number of stocks/sectors: health sector, retail sector, etc.</a:t>
           </a:r>
         </a:p>
         <a:p>
@@ -7671,6 +7671,231 @@
 </file>
 
 <file path=ppt/diagrams/layout1.xml><?xml version="1.0" encoding="utf-8"?>
+<dgm:layoutDef xmlns:dgm="http://schemas.openxmlformats.org/drawingml/2006/diagram" xmlns:a="http://schemas.openxmlformats.org/drawingml/2006/main" uniqueId="urn:microsoft.com/office/officeart/2005/8/layout/list1">
+  <dgm:title val=""/>
+  <dgm:desc val=""/>
+  <dgm:catLst>
+    <dgm:cat type="list" pri="4000"/>
+  </dgm:catLst>
+  <dgm:sampData>
+    <dgm:dataModel>
+      <dgm:ptLst>
+        <dgm:pt modelId="0" type="doc"/>
+        <dgm:pt modelId="1">
+          <dgm:prSet phldr="1"/>
+        </dgm:pt>
+        <dgm:pt modelId="2">
+          <dgm:prSet phldr="1"/>
+        </dgm:pt>
+        <dgm:pt modelId="3">
+          <dgm:prSet phldr="1"/>
+        </dgm:pt>
+      </dgm:ptLst>
+      <dgm:cxnLst>
+        <dgm:cxn modelId="4" srcId="0" destId="1" srcOrd="0" destOrd="0"/>
+        <dgm:cxn modelId="5" srcId="0" destId="2" srcOrd="1" destOrd="0"/>
+        <dgm:cxn modelId="6" srcId="0" destId="3" srcOrd="2" destOrd="0"/>
+      </dgm:cxnLst>
+      <dgm:bg/>
+      <dgm:whole/>
+    </dgm:dataModel>
+  </dgm:sampData>
+  <dgm:styleData>
+    <dgm:dataModel>
+      <dgm:ptLst>
+        <dgm:pt modelId="0" type="doc"/>
+        <dgm:pt modelId="1"/>
+        <dgm:pt modelId="2"/>
+      </dgm:ptLst>
+      <dgm:cxnLst>
+        <dgm:cxn modelId="4" srcId="0" destId="1" srcOrd="0" destOrd="0"/>
+        <dgm:cxn modelId="5" srcId="0" destId="2" srcOrd="1" destOrd="0"/>
+      </dgm:cxnLst>
+      <dgm:bg/>
+      <dgm:whole/>
+    </dgm:dataModel>
+  </dgm:styleData>
+  <dgm:clrData>
+    <dgm:dataModel>
+      <dgm:ptLst>
+        <dgm:pt modelId="0" type="doc"/>
+        <dgm:pt modelId="1"/>
+        <dgm:pt modelId="2"/>
+        <dgm:pt modelId="3"/>
+        <dgm:pt modelId="4"/>
+      </dgm:ptLst>
+      <dgm:cxnLst>
+        <dgm:cxn modelId="5" srcId="0" destId="1" srcOrd="0" destOrd="0"/>
+        <dgm:cxn modelId="6" srcId="0" destId="2" srcOrd="1" destOrd="0"/>
+        <dgm:cxn modelId="7" srcId="0" destId="3" srcOrd="2" destOrd="0"/>
+        <dgm:cxn modelId="8" srcId="0" destId="4" srcOrd="3" destOrd="0"/>
+      </dgm:cxnLst>
+      <dgm:bg/>
+      <dgm:whole/>
+    </dgm:dataModel>
+  </dgm:clrData>
+  <dgm:layoutNode name="linear">
+    <dgm:varLst>
+      <dgm:dir/>
+      <dgm:animLvl val="lvl"/>
+      <dgm:resizeHandles val="exact"/>
+    </dgm:varLst>
+    <dgm:choose name="Name0">
+      <dgm:if name="Name1" func="var" arg="dir" op="equ" val="norm">
+        <dgm:alg type="lin">
+          <dgm:param type="linDir" val="fromT"/>
+          <dgm:param type="vertAlign" val="mid"/>
+          <dgm:param type="horzAlign" val="l"/>
+          <dgm:param type="nodeHorzAlign" val="l"/>
+        </dgm:alg>
+      </dgm:if>
+      <dgm:else name="Name2">
+        <dgm:alg type="lin">
+          <dgm:param type="linDir" val="fromT"/>
+          <dgm:param type="vertAlign" val="mid"/>
+          <dgm:param type="horzAlign" val="r"/>
+          <dgm:param type="nodeHorzAlign" val="r"/>
+        </dgm:alg>
+      </dgm:else>
+    </dgm:choose>
+    <dgm:shape xmlns:r="http://schemas.openxmlformats.org/officeDocument/2006/relationships" r:blip="">
+      <dgm:adjLst/>
+    </dgm:shape>
+    <dgm:presOf/>
+    <dgm:constrLst>
+      <dgm:constr type="w" for="ch" forName="parentLin" refType="w"/>
+      <dgm:constr type="h" for="ch" forName="parentLin" val="INF"/>
+      <dgm:constr type="w" for="des" forName="parentLeftMargin" refType="w" fact="0.05"/>
+      <dgm:constr type="w" for="des" forName="parentText" refType="w" fact="0.7"/>
+      <dgm:constr type="h" for="des" forName="parentText" refType="primFontSz" refFor="des" refForName="parentText" fact="0.82"/>
+      <dgm:constr type="h" for="ch" forName="negativeSpace" refType="primFontSz" refFor="des" refForName="parentText" fact="-0.41"/>
+      <dgm:constr type="h" for="ch" forName="negativeSpace" refType="h" refFor="des" refForName="parentText" op="lte" fact="-0.82"/>
+      <dgm:constr type="h" for="ch" forName="negativeSpace" refType="h" refFor="des" refForName="parentText" op="gte" fact="-0.82"/>
+      <dgm:constr type="w" for="ch" forName="childText" refType="w"/>
+      <dgm:constr type="h" for="ch" forName="childText" refType="primFontSz" refFor="des" refForName="parentText" fact="0.7"/>
+      <dgm:constr type="primFontSz" for="des" forName="parentText" val="65"/>
+      <dgm:constr type="primFontSz" for="ch" forName="childText" refType="primFontSz" refFor="des" refForName="parentText"/>
+      <dgm:constr type="tMarg" for="ch" forName="childText" refType="primFontSz" refFor="des" refForName="parentText" fact="1.64"/>
+      <dgm:constr type="tMarg" for="ch" forName="childText" refType="h" refFor="des" refForName="parentText" op="lte" fact="3.28"/>
+      <dgm:constr type="tMarg" for="ch" forName="childText" refType="h" refFor="des" refForName="parentText" op="gte" fact="3.28"/>
+      <dgm:constr type="lMarg" for="ch" forName="childText" refType="w" fact="0.22"/>
+      <dgm:constr type="rMarg" for="ch" forName="childText" refType="lMarg" refFor="ch" refForName="childText"/>
+      <dgm:constr type="lMarg" for="des" forName="parentText" refType="w" fact="0.075"/>
+      <dgm:constr type="rMarg" for="des" forName="parentText" refType="lMarg" refFor="des" refForName="parentText"/>
+      <dgm:constr type="h" for="ch" forName="spaceBetweenRectangles" refType="primFontSz" refFor="des" refForName="parentText" fact="0.15"/>
+    </dgm:constrLst>
+    <dgm:ruleLst>
+      <dgm:rule type="primFontSz" for="des" forName="parentText" val="5" fact="NaN" max="NaN"/>
+    </dgm:ruleLst>
+    <dgm:forEach name="Name3" axis="ch" ptType="node">
+      <dgm:layoutNode name="parentLin">
+        <dgm:choose name="Name4">
+          <dgm:if name="Name5" func="var" arg="dir" op="equ" val="norm">
+            <dgm:alg type="lin">
+              <dgm:param type="linDir" val="fromL"/>
+              <dgm:param type="horzAlign" val="l"/>
+              <dgm:param type="nodeHorzAlign" val="l"/>
+            </dgm:alg>
+          </dgm:if>
+          <dgm:else name="Name6">
+            <dgm:alg type="lin">
+              <dgm:param type="linDir" val="fromR"/>
+              <dgm:param type="horzAlign" val="r"/>
+              <dgm:param type="nodeHorzAlign" val="r"/>
+            </dgm:alg>
+          </dgm:else>
+        </dgm:choose>
+        <dgm:shape xmlns:r="http://schemas.openxmlformats.org/officeDocument/2006/relationships" r:blip="">
+          <dgm:adjLst/>
+        </dgm:shape>
+        <dgm:presOf/>
+        <dgm:constrLst/>
+        <dgm:ruleLst/>
+        <dgm:layoutNode name="parentLeftMargin">
+          <dgm:alg type="sp"/>
+          <dgm:shape xmlns:r="http://schemas.openxmlformats.org/officeDocument/2006/relationships" type="rect" r:blip="" hideGeom="1">
+            <dgm:adjLst/>
+          </dgm:shape>
+          <dgm:presOf axis="self"/>
+          <dgm:constrLst>
+            <dgm:constr type="h"/>
+          </dgm:constrLst>
+          <dgm:ruleLst/>
+        </dgm:layoutNode>
+        <dgm:layoutNode name="parentText" styleLbl="node1">
+          <dgm:varLst>
+            <dgm:chMax val="0"/>
+            <dgm:bulletEnabled val="1"/>
+          </dgm:varLst>
+          <dgm:choose name="Name7">
+            <dgm:if name="Name8" func="var" arg="dir" op="equ" val="norm">
+              <dgm:alg type="tx">
+                <dgm:param type="parTxLTRAlign" val="l"/>
+                <dgm:param type="parTxRTLAlign" val="l"/>
+              </dgm:alg>
+            </dgm:if>
+            <dgm:else name="Name9">
+              <dgm:alg type="tx">
+                <dgm:param type="parTxLTRAlign" val="r"/>
+                <dgm:param type="parTxRTLAlign" val="r"/>
+              </dgm:alg>
+            </dgm:else>
+          </dgm:choose>
+          <dgm:shape xmlns:r="http://schemas.openxmlformats.org/officeDocument/2006/relationships" type="roundRect" r:blip="">
+            <dgm:adjLst/>
+          </dgm:shape>
+          <dgm:presOf axis="self" ptType="node"/>
+          <dgm:constrLst>
+            <dgm:constr type="tMarg"/>
+            <dgm:constr type="bMarg"/>
+          </dgm:constrLst>
+          <dgm:ruleLst/>
+        </dgm:layoutNode>
+      </dgm:layoutNode>
+      <dgm:layoutNode name="negativeSpace">
+        <dgm:alg type="sp"/>
+        <dgm:shape xmlns:r="http://schemas.openxmlformats.org/officeDocument/2006/relationships" r:blip="">
+          <dgm:adjLst/>
+        </dgm:shape>
+        <dgm:presOf/>
+        <dgm:constrLst/>
+        <dgm:ruleLst/>
+      </dgm:layoutNode>
+      <dgm:layoutNode name="childText" styleLbl="conFgAcc1">
+        <dgm:varLst>
+          <dgm:bulletEnabled val="1"/>
+        </dgm:varLst>
+        <dgm:alg type="tx">
+          <dgm:param type="stBulletLvl" val="1"/>
+        </dgm:alg>
+        <dgm:shape xmlns:r="http://schemas.openxmlformats.org/officeDocument/2006/relationships" type="rect" r:blip="" zOrderOff="-2">
+          <dgm:adjLst/>
+        </dgm:shape>
+        <dgm:presOf axis="des" ptType="node"/>
+        <dgm:constrLst>
+          <dgm:constr type="secFontSz" refType="primFontSz"/>
+        </dgm:constrLst>
+        <dgm:ruleLst>
+          <dgm:rule type="h" val="INF" fact="NaN" max="NaN"/>
+        </dgm:ruleLst>
+      </dgm:layoutNode>
+      <dgm:forEach name="Name10" axis="followSib" ptType="sibTrans" cnt="1">
+        <dgm:layoutNode name="spaceBetweenRectangles">
+          <dgm:alg type="sp"/>
+          <dgm:shape xmlns:r="http://schemas.openxmlformats.org/officeDocument/2006/relationships" r:blip="">
+            <dgm:adjLst/>
+          </dgm:shape>
+          <dgm:presOf/>
+          <dgm:constrLst/>
+          <dgm:ruleLst/>
+        </dgm:layoutNode>
+      </dgm:forEach>
+    </dgm:forEach>
+  </dgm:layoutNode>
+</dgm:layoutDef>
+</file>
+
+<file path=ppt/diagrams/layout2.xml><?xml version="1.0" encoding="utf-8"?>
 <dgm:layoutDef xmlns:dgm="http://schemas.openxmlformats.org/drawingml/2006/diagram" xmlns:a="http://schemas.openxmlformats.org/drawingml/2006/main" uniqueId="urn:microsoft.com/office/officeart/2018/2/layout/IconVerticalSolidList">
   <dgm:title val="Icon Vertical Solid List"/>
   <dgm:desc val="Use to show a series of visuals from top to bottom with Level 1 or Level 1 and Level 2 text grouped in a shape. Works best with icons or small pictures with lengthier descriptions."/>
@@ -7961,231 +8186,6 @@
       </dgm1612:lstStyle>
     </a:ext>
   </dgm:extLst>
-</dgm:layoutDef>
-</file>
-
-<file path=ppt/diagrams/layout2.xml><?xml version="1.0" encoding="utf-8"?>
-<dgm:layoutDef xmlns:dgm="http://schemas.openxmlformats.org/drawingml/2006/diagram" xmlns:a="http://schemas.openxmlformats.org/drawingml/2006/main" uniqueId="urn:microsoft.com/office/officeart/2005/8/layout/list1">
-  <dgm:title val=""/>
-  <dgm:desc val=""/>
-  <dgm:catLst>
-    <dgm:cat type="list" pri="4000"/>
-  </dgm:catLst>
-  <dgm:sampData>
-    <dgm:dataModel>
-      <dgm:ptLst>
-        <dgm:pt modelId="0" type="doc"/>
-        <dgm:pt modelId="1">
-          <dgm:prSet phldr="1"/>
-        </dgm:pt>
-        <dgm:pt modelId="2">
-          <dgm:prSet phldr="1"/>
-        </dgm:pt>
-        <dgm:pt modelId="3">
-          <dgm:prSet phldr="1"/>
-        </dgm:pt>
-      </dgm:ptLst>
-      <dgm:cxnLst>
-        <dgm:cxn modelId="4" srcId="0" destId="1" srcOrd="0" destOrd="0"/>
-        <dgm:cxn modelId="5" srcId="0" destId="2" srcOrd="1" destOrd="0"/>
-        <dgm:cxn modelId="6" srcId="0" destId="3" srcOrd="2" destOrd="0"/>
-      </dgm:cxnLst>
-      <dgm:bg/>
-      <dgm:whole/>
-    </dgm:dataModel>
-  </dgm:sampData>
-  <dgm:styleData>
-    <dgm:dataModel>
-      <dgm:ptLst>
-        <dgm:pt modelId="0" type="doc"/>
-        <dgm:pt modelId="1"/>
-        <dgm:pt modelId="2"/>
-      </dgm:ptLst>
-      <dgm:cxnLst>
-        <dgm:cxn modelId="4" srcId="0" destId="1" srcOrd="0" destOrd="0"/>
-        <dgm:cxn modelId="5" srcId="0" destId="2" srcOrd="1" destOrd="0"/>
-      </dgm:cxnLst>
-      <dgm:bg/>
-      <dgm:whole/>
-    </dgm:dataModel>
-  </dgm:styleData>
-  <dgm:clrData>
-    <dgm:dataModel>
-      <dgm:ptLst>
-        <dgm:pt modelId="0" type="doc"/>
-        <dgm:pt modelId="1"/>
-        <dgm:pt modelId="2"/>
-        <dgm:pt modelId="3"/>
-        <dgm:pt modelId="4"/>
-      </dgm:ptLst>
-      <dgm:cxnLst>
-        <dgm:cxn modelId="5" srcId="0" destId="1" srcOrd="0" destOrd="0"/>
-        <dgm:cxn modelId="6" srcId="0" destId="2" srcOrd="1" destOrd="0"/>
-        <dgm:cxn modelId="7" srcId="0" destId="3" srcOrd="2" destOrd="0"/>
-        <dgm:cxn modelId="8" srcId="0" destId="4" srcOrd="3" destOrd="0"/>
-      </dgm:cxnLst>
-      <dgm:bg/>
-      <dgm:whole/>
-    </dgm:dataModel>
-  </dgm:clrData>
-  <dgm:layoutNode name="linear">
-    <dgm:varLst>
-      <dgm:dir/>
-      <dgm:animLvl val="lvl"/>
-      <dgm:resizeHandles val="exact"/>
-    </dgm:varLst>
-    <dgm:choose name="Name0">
-      <dgm:if name="Name1" func="var" arg="dir" op="equ" val="norm">
-        <dgm:alg type="lin">
-          <dgm:param type="linDir" val="fromT"/>
-          <dgm:param type="vertAlign" val="mid"/>
-          <dgm:param type="horzAlign" val="l"/>
-          <dgm:param type="nodeHorzAlign" val="l"/>
-        </dgm:alg>
-      </dgm:if>
-      <dgm:else name="Name2">
-        <dgm:alg type="lin">
-          <dgm:param type="linDir" val="fromT"/>
-          <dgm:param type="vertAlign" val="mid"/>
-          <dgm:param type="horzAlign" val="r"/>
-          <dgm:param type="nodeHorzAlign" val="r"/>
-        </dgm:alg>
-      </dgm:else>
-    </dgm:choose>
-    <dgm:shape xmlns:r="http://schemas.openxmlformats.org/officeDocument/2006/relationships" r:blip="">
-      <dgm:adjLst/>
-    </dgm:shape>
-    <dgm:presOf/>
-    <dgm:constrLst>
-      <dgm:constr type="w" for="ch" forName="parentLin" refType="w"/>
-      <dgm:constr type="h" for="ch" forName="parentLin" val="INF"/>
-      <dgm:constr type="w" for="des" forName="parentLeftMargin" refType="w" fact="0.05"/>
-      <dgm:constr type="w" for="des" forName="parentText" refType="w" fact="0.7"/>
-      <dgm:constr type="h" for="des" forName="parentText" refType="primFontSz" refFor="des" refForName="parentText" fact="0.82"/>
-      <dgm:constr type="h" for="ch" forName="negativeSpace" refType="primFontSz" refFor="des" refForName="parentText" fact="-0.41"/>
-      <dgm:constr type="h" for="ch" forName="negativeSpace" refType="h" refFor="des" refForName="parentText" op="lte" fact="-0.82"/>
-      <dgm:constr type="h" for="ch" forName="negativeSpace" refType="h" refFor="des" refForName="parentText" op="gte" fact="-0.82"/>
-      <dgm:constr type="w" for="ch" forName="childText" refType="w"/>
-      <dgm:constr type="h" for="ch" forName="childText" refType="primFontSz" refFor="des" refForName="parentText" fact="0.7"/>
-      <dgm:constr type="primFontSz" for="des" forName="parentText" val="65"/>
-      <dgm:constr type="primFontSz" for="ch" forName="childText" refType="primFontSz" refFor="des" refForName="parentText"/>
-      <dgm:constr type="tMarg" for="ch" forName="childText" refType="primFontSz" refFor="des" refForName="parentText" fact="1.64"/>
-      <dgm:constr type="tMarg" for="ch" forName="childText" refType="h" refFor="des" refForName="parentText" op="lte" fact="3.28"/>
-      <dgm:constr type="tMarg" for="ch" forName="childText" refType="h" refFor="des" refForName="parentText" op="gte" fact="3.28"/>
-      <dgm:constr type="lMarg" for="ch" forName="childText" refType="w" fact="0.22"/>
-      <dgm:constr type="rMarg" for="ch" forName="childText" refType="lMarg" refFor="ch" refForName="childText"/>
-      <dgm:constr type="lMarg" for="des" forName="parentText" refType="w" fact="0.075"/>
-      <dgm:constr type="rMarg" for="des" forName="parentText" refType="lMarg" refFor="des" refForName="parentText"/>
-      <dgm:constr type="h" for="ch" forName="spaceBetweenRectangles" refType="primFontSz" refFor="des" refForName="parentText" fact="0.15"/>
-    </dgm:constrLst>
-    <dgm:ruleLst>
-      <dgm:rule type="primFontSz" for="des" forName="parentText" val="5" fact="NaN" max="NaN"/>
-    </dgm:ruleLst>
-    <dgm:forEach name="Name3" axis="ch" ptType="node">
-      <dgm:layoutNode name="parentLin">
-        <dgm:choose name="Name4">
-          <dgm:if name="Name5" func="var" arg="dir" op="equ" val="norm">
-            <dgm:alg type="lin">
-              <dgm:param type="linDir" val="fromL"/>
-              <dgm:param type="horzAlign" val="l"/>
-              <dgm:param type="nodeHorzAlign" val="l"/>
-            </dgm:alg>
-          </dgm:if>
-          <dgm:else name="Name6">
-            <dgm:alg type="lin">
-              <dgm:param type="linDir" val="fromR"/>
-              <dgm:param type="horzAlign" val="r"/>
-              <dgm:param type="nodeHorzAlign" val="r"/>
-            </dgm:alg>
-          </dgm:else>
-        </dgm:choose>
-        <dgm:shape xmlns:r="http://schemas.openxmlformats.org/officeDocument/2006/relationships" r:blip="">
-          <dgm:adjLst/>
-        </dgm:shape>
-        <dgm:presOf/>
-        <dgm:constrLst/>
-        <dgm:ruleLst/>
-        <dgm:layoutNode name="parentLeftMargin">
-          <dgm:alg type="sp"/>
-          <dgm:shape xmlns:r="http://schemas.openxmlformats.org/officeDocument/2006/relationships" type="rect" r:blip="" hideGeom="1">
-            <dgm:adjLst/>
-          </dgm:shape>
-          <dgm:presOf axis="self"/>
-          <dgm:constrLst>
-            <dgm:constr type="h"/>
-          </dgm:constrLst>
-          <dgm:ruleLst/>
-        </dgm:layoutNode>
-        <dgm:layoutNode name="parentText" styleLbl="node1">
-          <dgm:varLst>
-            <dgm:chMax val="0"/>
-            <dgm:bulletEnabled val="1"/>
-          </dgm:varLst>
-          <dgm:choose name="Name7">
-            <dgm:if name="Name8" func="var" arg="dir" op="equ" val="norm">
-              <dgm:alg type="tx">
-                <dgm:param type="parTxLTRAlign" val="l"/>
-                <dgm:param type="parTxRTLAlign" val="l"/>
-              </dgm:alg>
-            </dgm:if>
-            <dgm:else name="Name9">
-              <dgm:alg type="tx">
-                <dgm:param type="parTxLTRAlign" val="r"/>
-                <dgm:param type="parTxRTLAlign" val="r"/>
-              </dgm:alg>
-            </dgm:else>
-          </dgm:choose>
-          <dgm:shape xmlns:r="http://schemas.openxmlformats.org/officeDocument/2006/relationships" type="roundRect" r:blip="">
-            <dgm:adjLst/>
-          </dgm:shape>
-          <dgm:presOf axis="self" ptType="node"/>
-          <dgm:constrLst>
-            <dgm:constr type="tMarg"/>
-            <dgm:constr type="bMarg"/>
-          </dgm:constrLst>
-          <dgm:ruleLst/>
-        </dgm:layoutNode>
-      </dgm:layoutNode>
-      <dgm:layoutNode name="negativeSpace">
-        <dgm:alg type="sp"/>
-        <dgm:shape xmlns:r="http://schemas.openxmlformats.org/officeDocument/2006/relationships" r:blip="">
-          <dgm:adjLst/>
-        </dgm:shape>
-        <dgm:presOf/>
-        <dgm:constrLst/>
-        <dgm:ruleLst/>
-      </dgm:layoutNode>
-      <dgm:layoutNode name="childText" styleLbl="conFgAcc1">
-        <dgm:varLst>
-          <dgm:bulletEnabled val="1"/>
-        </dgm:varLst>
-        <dgm:alg type="tx">
-          <dgm:param type="stBulletLvl" val="1"/>
-        </dgm:alg>
-        <dgm:shape xmlns:r="http://schemas.openxmlformats.org/officeDocument/2006/relationships" type="rect" r:blip="" zOrderOff="-2">
-          <dgm:adjLst/>
-        </dgm:shape>
-        <dgm:presOf axis="des" ptType="node"/>
-        <dgm:constrLst>
-          <dgm:constr type="secFontSz" refType="primFontSz"/>
-        </dgm:constrLst>
-        <dgm:ruleLst>
-          <dgm:rule type="h" val="INF" fact="NaN" max="NaN"/>
-        </dgm:ruleLst>
-      </dgm:layoutNode>
-      <dgm:forEach name="Name10" axis="followSib" ptType="sibTrans" cnt="1">
-        <dgm:layoutNode name="spaceBetweenRectangles">
-          <dgm:alg type="sp"/>
-          <dgm:shape xmlns:r="http://schemas.openxmlformats.org/officeDocument/2006/relationships" r:blip="">
-            <dgm:adjLst/>
-          </dgm:shape>
-          <dgm:presOf/>
-          <dgm:constrLst/>
-          <dgm:ruleLst/>
-        </dgm:layoutNode>
-      </dgm:forEach>
-    </dgm:forEach>
-  </dgm:layoutNode>
 </dgm:layoutDef>
 </file>
 
@@ -13552,7 +13552,7 @@
           <a:p>
             <a:fld id="{057FAD25-51B6-419D-B421-616EF620C45E}" type="slidenum">
               <a:rPr lang="zh-CN" altLang="en-US" smtClean="0"/>
-              <a:t>4</a:t>
+              <a:t>3</a:t>
             </a:fld>
             <a:endParaRPr lang="zh-CN" altLang="en-US"/>
           </a:p>
@@ -13561,7 +13561,7 @@
     </p:spTree>
     <p:extLst>
       <p:ext uri="{BB962C8B-B14F-4D97-AF65-F5344CB8AC3E}">
-        <p14:creationId xmlns:p14="http://schemas.microsoft.com/office/powerpoint/2010/main" val="3821889381"/>
+        <p14:creationId xmlns:p14="http://schemas.microsoft.com/office/powerpoint/2010/main" val="3597644116"/>
       </p:ext>
     </p:extLst>
   </p:cSld>
@@ -13645,7 +13645,7 @@
     </p:spTree>
     <p:extLst>
       <p:ext uri="{BB962C8B-B14F-4D97-AF65-F5344CB8AC3E}">
-        <p14:creationId xmlns:p14="http://schemas.microsoft.com/office/powerpoint/2010/main" val="3597644116"/>
+        <p14:creationId xmlns:p14="http://schemas.microsoft.com/office/powerpoint/2010/main" val="3821889381"/>
       </p:ext>
     </p:extLst>
   </p:cSld>
@@ -20325,7 +20325,7 @@
             <p:ph idx="1"/>
             <p:extLst>
               <p:ext uri="{D42A27DB-BD31-4B8C-83A1-F6EECF244321}">
-                <p14:modId xmlns:p14="http://schemas.microsoft.com/office/powerpoint/2010/main" val="3278022183"/>
+                <p14:modId xmlns:p14="http://schemas.microsoft.com/office/powerpoint/2010/main" val="3709284288"/>
               </p:ext>
             </p:extLst>
           </p:nvPr>
@@ -24473,6 +24473,747 @@
 <file path=ppt/slides/slide3.xml><?xml version="1.0" encoding="utf-8"?>
 <p:sld xmlns:a="http://schemas.openxmlformats.org/drawingml/2006/main" xmlns:r="http://schemas.openxmlformats.org/officeDocument/2006/relationships" xmlns:p="http://schemas.openxmlformats.org/presentationml/2006/main">
   <p:cSld>
+    <p:bg>
+      <p:bgPr>
+        <a:solidFill>
+          <a:schemeClr val="bg1"/>
+        </a:solidFill>
+        <a:effectLst/>
+      </p:bgPr>
+    </p:bg>
+    <p:spTree>
+      <p:nvGrpSpPr>
+        <p:cNvPr id="1" name=""/>
+        <p:cNvGrpSpPr/>
+        <p:nvPr/>
+      </p:nvGrpSpPr>
+      <p:grpSpPr>
+        <a:xfrm>
+          <a:off x="0" y="0"/>
+          <a:ext cx="0" cy="0"/>
+          <a:chOff x="0" y="0"/>
+          <a:chExt cx="0" cy="0"/>
+        </a:xfrm>
+      </p:grpSpPr>
+      <p:sp useBgFill="1">
+        <p:nvSpPr>
+          <p:cNvPr id="22" name="Rectangle 21">
+            <a:extLst>
+              <a:ext uri="{FF2B5EF4-FFF2-40B4-BE49-F238E27FC236}">
+                <a16:creationId xmlns:a16="http://schemas.microsoft.com/office/drawing/2014/main" id="{92663A72-E771-41D4-96AA-28C1B2172245}"/>
+              </a:ext>
+              <a:ext uri="{C183D7F6-B498-43B3-948B-1728B52AA6E4}">
+                <adec:decorative xmlns:adec="http://schemas.microsoft.com/office/drawing/2017/decorative" val="1"/>
+              </a:ext>
+            </a:extLst>
+          </p:cNvPr>
+          <p:cNvSpPr>
+            <a:spLocks noGrp="1" noRot="1" noChangeAspect="1" noMove="1" noResize="1" noEditPoints="1" noAdjustHandles="1" noChangeArrowheads="1" noChangeShapeType="1" noTextEdit="1"/>
+          </p:cNvSpPr>
+          <p:nvPr>
+            <p:extLst>
+              <p:ext uri="{386F3935-93C4-4BCD-93E2-E3B085C9AB24}">
+                <p16:designElem xmlns:p16="http://schemas.microsoft.com/office/powerpoint/2015/main" val="1"/>
+              </p:ext>
+            </p:extLst>
+          </p:nvPr>
+        </p:nvSpPr>
+        <p:spPr>
+          <a:xfrm>
+            <a:off x="0" y="0"/>
+            <a:ext cx="12192000" cy="6858000"/>
+          </a:xfrm>
+          <a:prstGeom prst="rect">
+            <a:avLst/>
+          </a:prstGeom>
+          <a:ln>
+            <a:noFill/>
+          </a:ln>
+        </p:spPr>
+        <p:style>
+          <a:lnRef idx="2">
+            <a:schemeClr val="accent1">
+              <a:shade val="50000"/>
+            </a:schemeClr>
+          </a:lnRef>
+          <a:fillRef idx="1">
+            <a:schemeClr val="accent1"/>
+          </a:fillRef>
+          <a:effectRef idx="0">
+            <a:schemeClr val="accent1"/>
+          </a:effectRef>
+          <a:fontRef idx="minor">
+            <a:schemeClr val="lt1"/>
+          </a:fontRef>
+        </p:style>
+        <p:txBody>
+          <a:bodyPr rtlCol="0" anchor="ctr"/>
+          <a:lstStyle/>
+          <a:p>
+            <a:pPr algn="ctr"/>
+            <a:endParaRPr lang="en-US" dirty="0"/>
+          </a:p>
+        </p:txBody>
+      </p:sp>
+      <p:sp>
+        <p:nvSpPr>
+          <p:cNvPr id="23" name="Rectangle 22">
+            <a:extLst>
+              <a:ext uri="{FF2B5EF4-FFF2-40B4-BE49-F238E27FC236}">
+                <a16:creationId xmlns:a16="http://schemas.microsoft.com/office/drawing/2014/main" id="{88164F59-4B09-4DB4-A99F-97C71DE46B10}"/>
+              </a:ext>
+              <a:ext uri="{C183D7F6-B498-43B3-948B-1728B52AA6E4}">
+                <adec:decorative xmlns:adec="http://schemas.microsoft.com/office/drawing/2017/decorative" val="1"/>
+              </a:ext>
+            </a:extLst>
+          </p:cNvPr>
+          <p:cNvSpPr>
+            <a:spLocks noGrp="1" noRot="1" noChangeAspect="1" noMove="1" noResize="1" noEditPoints="1" noAdjustHandles="1" noChangeArrowheads="1" noChangeShapeType="1" noTextEdit="1"/>
+          </p:cNvSpPr>
+          <p:nvPr>
+            <p:extLst>
+              <p:ext uri="{386F3935-93C4-4BCD-93E2-E3B085C9AB24}">
+                <p16:designElem xmlns:p16="http://schemas.microsoft.com/office/powerpoint/2015/main" val="1"/>
+              </p:ext>
+            </p:extLst>
+          </p:nvPr>
+        </p:nvSpPr>
+        <p:spPr>
+          <a:xfrm>
+            <a:off x="0" y="0"/>
+            <a:ext cx="12192000" cy="6858000"/>
+          </a:xfrm>
+          <a:prstGeom prst="rect">
+            <a:avLst/>
+          </a:prstGeom>
+          <a:solidFill>
+            <a:schemeClr val="bg2">
+              <a:lumMod val="90000"/>
+              <a:alpha val="30000"/>
+            </a:schemeClr>
+          </a:solidFill>
+          <a:ln>
+            <a:noFill/>
+          </a:ln>
+        </p:spPr>
+        <p:style>
+          <a:lnRef idx="2">
+            <a:schemeClr val="accent1">
+              <a:shade val="50000"/>
+            </a:schemeClr>
+          </a:lnRef>
+          <a:fillRef idx="1">
+            <a:schemeClr val="accent1"/>
+          </a:fillRef>
+          <a:effectRef idx="0">
+            <a:schemeClr val="accent1"/>
+          </a:effectRef>
+          <a:fontRef idx="minor">
+            <a:schemeClr val="lt1"/>
+          </a:fontRef>
+        </p:style>
+        <p:txBody>
+          <a:bodyPr rtlCol="0" anchor="ctr"/>
+          <a:lstStyle/>
+          <a:p>
+            <a:pPr algn="ctr"/>
+            <a:endParaRPr lang="en-US" sz="900" dirty="0">
+              <a:solidFill>
+                <a:schemeClr val="bg1"/>
+              </a:solidFill>
+              <a:latin typeface="+mj-lt"/>
+            </a:endParaRPr>
+          </a:p>
+        </p:txBody>
+      </p:sp>
+      <p:sp>
+        <p:nvSpPr>
+          <p:cNvPr id="2" name="Title 1">
+            <a:extLst>
+              <a:ext uri="{FF2B5EF4-FFF2-40B4-BE49-F238E27FC236}">
+                <a16:creationId xmlns:a16="http://schemas.microsoft.com/office/drawing/2014/main" id="{E0A0EAF5-65B1-160E-6DDF-518A0ACBEDD6}"/>
+              </a:ext>
+            </a:extLst>
+          </p:cNvPr>
+          <p:cNvSpPr>
+            <a:spLocks noGrp="1"/>
+          </p:cNvSpPr>
+          <p:nvPr>
+            <p:ph type="title"/>
+          </p:nvPr>
+        </p:nvSpPr>
+        <p:spPr>
+          <a:xfrm>
+            <a:off x="770878" y="952022"/>
+            <a:ext cx="4606280" cy="5157049"/>
+          </a:xfrm>
+        </p:spPr>
+        <p:txBody>
+          <a:bodyPr anchor="ctr">
+            <a:normAutofit/>
+          </a:bodyPr>
+          <a:lstStyle/>
+          <a:p>
+            <a:r>
+              <a:rPr lang="en-US" sz="4400" dirty="0">
+                <a:latin typeface="Segoe UI" panose="020B0502040204020203" pitchFamily="34" charset="0"/>
+                <a:ea typeface="DengXian" panose="02010600030101010101" pitchFamily="2" charset="-122"/>
+              </a:rPr>
+              <a:t>Related Works</a:t>
+            </a:r>
+          </a:p>
+        </p:txBody>
+      </p:sp>
+      <p:sp>
+        <p:nvSpPr>
+          <p:cNvPr id="24" name="Freeform: Shape 23">
+            <a:extLst>
+              <a:ext uri="{FF2B5EF4-FFF2-40B4-BE49-F238E27FC236}">
+                <a16:creationId xmlns:a16="http://schemas.microsoft.com/office/drawing/2014/main" id="{6B336017-F12B-485C-B5E1-B6971DA0CDC5}"/>
+              </a:ext>
+              <a:ext uri="{C183D7F6-B498-43B3-948B-1728B52AA6E4}">
+                <adec:decorative xmlns:adec="http://schemas.microsoft.com/office/drawing/2017/decorative" val="1"/>
+              </a:ext>
+            </a:extLst>
+          </p:cNvPr>
+          <p:cNvSpPr>
+            <a:spLocks noGrp="1" noRot="1" noChangeAspect="1" noMove="1" noResize="1" noEditPoints="1" noAdjustHandles="1" noChangeArrowheads="1" noChangeShapeType="1" noTextEdit="1"/>
+          </p:cNvSpPr>
+          <p:nvPr>
+            <p:extLst>
+              <p:ext uri="{386F3935-93C4-4BCD-93E2-E3B085C9AB24}">
+                <p16:designElem xmlns:p16="http://schemas.microsoft.com/office/powerpoint/2015/main" val="1"/>
+              </p:ext>
+            </p:extLst>
+          </p:nvPr>
+        </p:nvSpPr>
+        <p:spPr>
+          <a:xfrm>
+            <a:off x="5456099" y="238175"/>
+            <a:ext cx="6735901" cy="6619825"/>
+          </a:xfrm>
+          <a:custGeom>
+            <a:avLst/>
+            <a:gdLst>
+              <a:gd name="connsiteX0" fmla="*/ 1224540 w 2115556"/>
+              <a:gd name="connsiteY0" fmla="*/ 0 h 2079100"/>
+              <a:gd name="connsiteX1" fmla="*/ 2090421 w 2115556"/>
+              <a:gd name="connsiteY1" fmla="*/ 358660 h 2079100"/>
+              <a:gd name="connsiteX2" fmla="*/ 2115556 w 2115556"/>
+              <a:gd name="connsiteY2" fmla="*/ 386315 h 2079100"/>
+              <a:gd name="connsiteX3" fmla="*/ 2115556 w 2115556"/>
+              <a:gd name="connsiteY3" fmla="*/ 2062765 h 2079100"/>
+              <a:gd name="connsiteX4" fmla="*/ 2100710 w 2115556"/>
+              <a:gd name="connsiteY4" fmla="*/ 2079100 h 2079100"/>
+              <a:gd name="connsiteX5" fmla="*/ 348370 w 2115556"/>
+              <a:gd name="connsiteY5" fmla="*/ 2079100 h 2079100"/>
+              <a:gd name="connsiteX6" fmla="*/ 279625 w 2115556"/>
+              <a:gd name="connsiteY6" fmla="*/ 2003461 h 2079100"/>
+              <a:gd name="connsiteX7" fmla="*/ 0 w 2115556"/>
+              <a:gd name="connsiteY7" fmla="*/ 1224540 h 2079100"/>
+              <a:gd name="connsiteX8" fmla="*/ 1224540 w 2115556"/>
+              <a:gd name="connsiteY8" fmla="*/ 0 h 2079100"/>
+            </a:gdLst>
+            <a:ahLst/>
+            <a:cxnLst>
+              <a:cxn ang="0">
+                <a:pos x="connsiteX0" y="connsiteY0"/>
+              </a:cxn>
+              <a:cxn ang="0">
+                <a:pos x="connsiteX1" y="connsiteY1"/>
+              </a:cxn>
+              <a:cxn ang="0">
+                <a:pos x="connsiteX2" y="connsiteY2"/>
+              </a:cxn>
+              <a:cxn ang="0">
+                <a:pos x="connsiteX3" y="connsiteY3"/>
+              </a:cxn>
+              <a:cxn ang="0">
+                <a:pos x="connsiteX4" y="connsiteY4"/>
+              </a:cxn>
+              <a:cxn ang="0">
+                <a:pos x="connsiteX5" y="connsiteY5"/>
+              </a:cxn>
+              <a:cxn ang="0">
+                <a:pos x="connsiteX6" y="connsiteY6"/>
+              </a:cxn>
+              <a:cxn ang="0">
+                <a:pos x="connsiteX7" y="connsiteY7"/>
+              </a:cxn>
+              <a:cxn ang="0">
+                <a:pos x="connsiteX8" y="connsiteY8"/>
+              </a:cxn>
+            </a:cxnLst>
+            <a:rect l="l" t="t" r="r" b="b"/>
+            <a:pathLst>
+              <a:path w="2115556" h="2079100">
+                <a:moveTo>
+                  <a:pt x="1224540" y="0"/>
+                </a:moveTo>
+                <a:cubicBezTo>
+                  <a:pt x="1562687" y="0"/>
+                  <a:pt x="1868823" y="137062"/>
+                  <a:pt x="2090421" y="358660"/>
+                </a:cubicBezTo>
+                <a:lnTo>
+                  <a:pt x="2115556" y="386315"/>
+                </a:lnTo>
+                <a:lnTo>
+                  <a:pt x="2115556" y="2062765"/>
+                </a:lnTo>
+                <a:lnTo>
+                  <a:pt x="2100710" y="2079100"/>
+                </a:lnTo>
+                <a:lnTo>
+                  <a:pt x="348370" y="2079100"/>
+                </a:lnTo>
+                <a:lnTo>
+                  <a:pt x="279625" y="2003461"/>
+                </a:lnTo>
+                <a:cubicBezTo>
+                  <a:pt x="104938" y="1791789"/>
+                  <a:pt x="0" y="1520419"/>
+                  <a:pt x="0" y="1224540"/>
+                </a:cubicBezTo>
+                <a:cubicBezTo>
+                  <a:pt x="0" y="548245"/>
+                  <a:pt x="548245" y="0"/>
+                  <a:pt x="1224540" y="0"/>
+                </a:cubicBezTo>
+                <a:close/>
+              </a:path>
+            </a:pathLst>
+          </a:custGeom>
+          <a:solidFill>
+            <a:schemeClr val="bg1"/>
+          </a:solidFill>
+          <a:ln>
+            <a:noFill/>
+          </a:ln>
+        </p:spPr>
+        <p:style>
+          <a:lnRef idx="2">
+            <a:schemeClr val="accent1">
+              <a:shade val="50000"/>
+            </a:schemeClr>
+          </a:lnRef>
+          <a:fillRef idx="1">
+            <a:schemeClr val="accent1"/>
+          </a:fillRef>
+          <a:effectRef idx="0">
+            <a:schemeClr val="accent1"/>
+          </a:effectRef>
+          <a:fontRef idx="minor">
+            <a:schemeClr val="lt1"/>
+          </a:fontRef>
+        </p:style>
+        <p:txBody>
+          <a:bodyPr wrap="square" rtlCol="0" anchor="ctr">
+            <a:noAutofit/>
+          </a:bodyPr>
+          <a:lstStyle/>
+          <a:p>
+            <a:pPr algn="ctr"/>
+            <a:endParaRPr lang="en-US" sz="900" dirty="0">
+              <a:solidFill>
+                <a:schemeClr val="bg1"/>
+              </a:solidFill>
+              <a:latin typeface="+mj-lt"/>
+            </a:endParaRPr>
+          </a:p>
+        </p:txBody>
+      </p:sp>
+      <p:grpSp>
+        <p:nvGrpSpPr>
+          <p:cNvPr id="25" name="decorative circles">
+            <a:extLst>
+              <a:ext uri="{FF2B5EF4-FFF2-40B4-BE49-F238E27FC236}">
+                <a16:creationId xmlns:a16="http://schemas.microsoft.com/office/drawing/2014/main" id="{C2C078FA-5775-45CB-A8F3-53B3F1AD2B99}"/>
+              </a:ext>
+              <a:ext uri="{C183D7F6-B498-43B3-948B-1728B52AA6E4}">
+                <adec:decorative xmlns:adec="http://schemas.microsoft.com/office/drawing/2017/decorative" val="1"/>
+              </a:ext>
+            </a:extLst>
+          </p:cNvPr>
+          <p:cNvGrpSpPr>
+            <a:grpSpLocks noGrp="1" noUngrp="1" noRot="1" noChangeAspect="1" noMove="1" noResize="1"/>
+          </p:cNvGrpSpPr>
+          <p:nvPr>
+            <p:extLst>
+              <p:ext uri="{386F3935-93C4-4BCD-93E2-E3B085C9AB24}">
+                <p16:designElem xmlns:p16="http://schemas.microsoft.com/office/powerpoint/2015/main" val="1"/>
+              </p:ext>
+            </p:extLst>
+          </p:nvPr>
+        </p:nvGrpSpPr>
+        <p:grpSpPr>
+          <a:xfrm>
+            <a:off x="9951383" y="299808"/>
+            <a:ext cx="1668948" cy="6421669"/>
+            <a:chOff x="9951383" y="299808"/>
+            <a:chExt cx="1668948" cy="6421669"/>
+          </a:xfrm>
+        </p:grpSpPr>
+        <p:sp>
+          <p:nvSpPr>
+            <p:cNvPr id="26" name="Oval 25">
+              <a:extLst>
+                <a:ext uri="{FF2B5EF4-FFF2-40B4-BE49-F238E27FC236}">
+                  <a16:creationId xmlns:a16="http://schemas.microsoft.com/office/drawing/2014/main" id="{F65CBEB7-29CF-4F21-ABB7-012581304C1B}"/>
+                </a:ext>
+                <a:ext uri="{C183D7F6-B498-43B3-948B-1728B52AA6E4}">
+                  <adec:decorative xmlns:adec="http://schemas.microsoft.com/office/drawing/2017/decorative" val="1"/>
+                </a:ext>
+              </a:extLst>
+            </p:cNvPr>
+            <p:cNvSpPr/>
+            <p:nvPr>
+              <p:extLst>
+                <p:ext uri="{386F3935-93C4-4BCD-93E2-E3B085C9AB24}">
+                  <p16:designElem xmlns:p16="http://schemas.microsoft.com/office/powerpoint/2015/main" val="1"/>
+                </p:ext>
+              </p:extLst>
+            </p:nvPr>
+          </p:nvSpPr>
+          <p:spPr>
+            <a:xfrm>
+              <a:off x="11153890" y="554418"/>
+              <a:ext cx="466441" cy="466441"/>
+            </a:xfrm>
+            <a:prstGeom prst="ellipse">
+              <a:avLst/>
+            </a:prstGeom>
+            <a:solidFill>
+              <a:schemeClr val="accent2">
+                <a:lumMod val="60000"/>
+                <a:lumOff val="40000"/>
+                <a:alpha val="72000"/>
+              </a:schemeClr>
+            </a:solidFill>
+            <a:ln>
+              <a:noFill/>
+            </a:ln>
+          </p:spPr>
+          <p:style>
+            <a:lnRef idx="2">
+              <a:schemeClr val="accent1">
+                <a:shade val="50000"/>
+              </a:schemeClr>
+            </a:lnRef>
+            <a:fillRef idx="1">
+              <a:schemeClr val="accent1"/>
+            </a:fillRef>
+            <a:effectRef idx="0">
+              <a:schemeClr val="accent1"/>
+            </a:effectRef>
+            <a:fontRef idx="minor">
+              <a:schemeClr val="lt1"/>
+            </a:fontRef>
+          </p:style>
+          <p:txBody>
+            <a:bodyPr rtlCol="0" anchor="ctr"/>
+            <a:lstStyle/>
+            <a:p>
+              <a:pPr algn="ctr"/>
+              <a:endParaRPr lang="en-US"/>
+            </a:p>
+          </p:txBody>
+        </p:sp>
+        <p:sp>
+          <p:nvSpPr>
+            <p:cNvPr id="27" name="Oval 26">
+              <a:extLst>
+                <a:ext uri="{FF2B5EF4-FFF2-40B4-BE49-F238E27FC236}">
+                  <a16:creationId xmlns:a16="http://schemas.microsoft.com/office/drawing/2014/main" id="{9C900504-84D3-4813-B737-775C16F8F996}"/>
+                </a:ext>
+                <a:ext uri="{C183D7F6-B498-43B3-948B-1728B52AA6E4}">
+                  <adec:decorative xmlns:adec="http://schemas.microsoft.com/office/drawing/2017/decorative" val="1"/>
+                </a:ext>
+              </a:extLst>
+            </p:cNvPr>
+            <p:cNvSpPr/>
+            <p:nvPr>
+              <p:extLst>
+                <p:ext uri="{386F3935-93C4-4BCD-93E2-E3B085C9AB24}">
+                  <p16:designElem xmlns:p16="http://schemas.microsoft.com/office/powerpoint/2015/main" val="1"/>
+                </p:ext>
+              </p:extLst>
+            </p:nvPr>
+          </p:nvSpPr>
+          <p:spPr>
+            <a:xfrm>
+              <a:off x="11241343" y="299808"/>
+              <a:ext cx="113367" cy="113367"/>
+            </a:xfrm>
+            <a:prstGeom prst="ellipse">
+              <a:avLst/>
+            </a:prstGeom>
+            <a:solidFill>
+              <a:srgbClr val="F39E29"/>
+            </a:solidFill>
+            <a:ln>
+              <a:noFill/>
+            </a:ln>
+          </p:spPr>
+          <p:style>
+            <a:lnRef idx="2">
+              <a:schemeClr val="accent1">
+                <a:shade val="50000"/>
+              </a:schemeClr>
+            </a:lnRef>
+            <a:fillRef idx="1">
+              <a:schemeClr val="accent1"/>
+            </a:fillRef>
+            <a:effectRef idx="0">
+              <a:schemeClr val="accent1"/>
+            </a:effectRef>
+            <a:fontRef idx="minor">
+              <a:schemeClr val="lt1"/>
+            </a:fontRef>
+          </p:style>
+          <p:txBody>
+            <a:bodyPr rtlCol="0" anchor="ctr"/>
+            <a:lstStyle/>
+            <a:p>
+              <a:pPr algn="ctr"/>
+              <a:endParaRPr lang="en-US"/>
+            </a:p>
+          </p:txBody>
+        </p:sp>
+        <p:sp>
+          <p:nvSpPr>
+            <p:cNvPr id="28" name="Oval 27">
+              <a:extLst>
+                <a:ext uri="{FF2B5EF4-FFF2-40B4-BE49-F238E27FC236}">
+                  <a16:creationId xmlns:a16="http://schemas.microsoft.com/office/drawing/2014/main" id="{7F04BF80-E9DB-4641-8EA2-51698324F10B}"/>
+                </a:ext>
+                <a:ext uri="{C183D7F6-B498-43B3-948B-1728B52AA6E4}">
+                  <adec:decorative xmlns:adec="http://schemas.microsoft.com/office/drawing/2017/decorative" val="1"/>
+                </a:ext>
+              </a:extLst>
+            </p:cNvPr>
+            <p:cNvSpPr/>
+            <p:nvPr>
+              <p:extLst>
+                <p:ext uri="{386F3935-93C4-4BCD-93E2-E3B085C9AB24}">
+                  <p16:designElem xmlns:p16="http://schemas.microsoft.com/office/powerpoint/2015/main" val="1"/>
+                </p:ext>
+              </p:extLst>
+            </p:nvPr>
+          </p:nvSpPr>
+          <p:spPr>
+            <a:xfrm>
+              <a:off x="10432368" y="6124958"/>
+              <a:ext cx="113367" cy="113367"/>
+            </a:xfrm>
+            <a:prstGeom prst="ellipse">
+              <a:avLst/>
+            </a:prstGeom>
+            <a:solidFill>
+              <a:schemeClr val="accent3"/>
+            </a:solidFill>
+            <a:ln>
+              <a:noFill/>
+            </a:ln>
+          </p:spPr>
+          <p:style>
+            <a:lnRef idx="2">
+              <a:schemeClr val="accent1">
+                <a:shade val="50000"/>
+              </a:schemeClr>
+            </a:lnRef>
+            <a:fillRef idx="1">
+              <a:schemeClr val="accent1"/>
+            </a:fillRef>
+            <a:effectRef idx="0">
+              <a:schemeClr val="accent1"/>
+            </a:effectRef>
+            <a:fontRef idx="minor">
+              <a:schemeClr val="lt1"/>
+            </a:fontRef>
+          </p:style>
+          <p:txBody>
+            <a:bodyPr rtlCol="0" anchor="ctr"/>
+            <a:lstStyle/>
+            <a:p>
+              <a:pPr algn="ctr"/>
+              <a:endParaRPr lang="en-US"/>
+            </a:p>
+          </p:txBody>
+        </p:sp>
+        <p:sp>
+          <p:nvSpPr>
+            <p:cNvPr id="29" name="Oval 28">
+              <a:extLst>
+                <a:ext uri="{FF2B5EF4-FFF2-40B4-BE49-F238E27FC236}">
+                  <a16:creationId xmlns:a16="http://schemas.microsoft.com/office/drawing/2014/main" id="{234395B9-3F83-49A4-9275-0A315D88F5DD}"/>
+                </a:ext>
+                <a:ext uri="{C183D7F6-B498-43B3-948B-1728B52AA6E4}">
+                  <adec:decorative xmlns:adec="http://schemas.microsoft.com/office/drawing/2017/decorative" val="1"/>
+                </a:ext>
+              </a:extLst>
+            </p:cNvPr>
+            <p:cNvSpPr/>
+            <p:nvPr>
+              <p:extLst>
+                <p:ext uri="{386F3935-93C4-4BCD-93E2-E3B085C9AB24}">
+                  <p16:designElem xmlns:p16="http://schemas.microsoft.com/office/powerpoint/2015/main" val="1"/>
+                </p:ext>
+              </p:extLst>
+            </p:nvPr>
+          </p:nvSpPr>
+          <p:spPr>
+            <a:xfrm>
+              <a:off x="10116802" y="6415697"/>
+              <a:ext cx="305780" cy="305780"/>
+            </a:xfrm>
+            <a:prstGeom prst="ellipse">
+              <a:avLst/>
+            </a:prstGeom>
+            <a:solidFill>
+              <a:schemeClr val="accent1">
+                <a:lumMod val="40000"/>
+                <a:lumOff val="60000"/>
+              </a:schemeClr>
+            </a:solidFill>
+            <a:ln>
+              <a:noFill/>
+            </a:ln>
+          </p:spPr>
+          <p:style>
+            <a:lnRef idx="2">
+              <a:schemeClr val="accent1">
+                <a:shade val="50000"/>
+              </a:schemeClr>
+            </a:lnRef>
+            <a:fillRef idx="1">
+              <a:schemeClr val="accent1"/>
+            </a:fillRef>
+            <a:effectRef idx="0">
+              <a:schemeClr val="accent1"/>
+            </a:effectRef>
+            <a:fontRef idx="minor">
+              <a:schemeClr val="lt1"/>
+            </a:fontRef>
+          </p:style>
+          <p:txBody>
+            <a:bodyPr rtlCol="0" anchor="ctr"/>
+            <a:lstStyle/>
+            <a:p>
+              <a:pPr algn="ctr"/>
+              <a:endParaRPr lang="en-US"/>
+            </a:p>
+          </p:txBody>
+        </p:sp>
+        <p:sp>
+          <p:nvSpPr>
+            <p:cNvPr id="30" name="Oval 29">
+              <a:extLst>
+                <a:ext uri="{FF2B5EF4-FFF2-40B4-BE49-F238E27FC236}">
+                  <a16:creationId xmlns:a16="http://schemas.microsoft.com/office/drawing/2014/main" id="{0E7ABD02-CD92-4D6C-B4BA-984D6688F51D}"/>
+                </a:ext>
+                <a:ext uri="{C183D7F6-B498-43B3-948B-1728B52AA6E4}">
+                  <adec:decorative xmlns:adec="http://schemas.microsoft.com/office/drawing/2017/decorative" val="1"/>
+                </a:ext>
+              </a:extLst>
+            </p:cNvPr>
+            <p:cNvSpPr/>
+            <p:nvPr>
+              <p:extLst>
+                <p:ext uri="{386F3935-93C4-4BCD-93E2-E3B085C9AB24}">
+                  <p16:designElem xmlns:p16="http://schemas.microsoft.com/office/powerpoint/2015/main" val="1"/>
+                </p:ext>
+              </p:extLst>
+            </p:nvPr>
+          </p:nvSpPr>
+          <p:spPr>
+            <a:xfrm>
+              <a:off x="9951383" y="6204350"/>
+              <a:ext cx="113367" cy="113367"/>
+            </a:xfrm>
+            <a:prstGeom prst="ellipse">
+              <a:avLst/>
+            </a:prstGeom>
+            <a:solidFill>
+              <a:schemeClr val="accent5"/>
+            </a:solidFill>
+            <a:ln>
+              <a:noFill/>
+            </a:ln>
+          </p:spPr>
+          <p:style>
+            <a:lnRef idx="2">
+              <a:schemeClr val="accent1">
+                <a:shade val="50000"/>
+              </a:schemeClr>
+            </a:lnRef>
+            <a:fillRef idx="1">
+              <a:schemeClr val="accent1"/>
+            </a:fillRef>
+            <a:effectRef idx="0">
+              <a:schemeClr val="accent1"/>
+            </a:effectRef>
+            <a:fontRef idx="minor">
+              <a:schemeClr val="lt1"/>
+            </a:fontRef>
+          </p:style>
+          <p:txBody>
+            <a:bodyPr rtlCol="0" anchor="ctr"/>
+            <a:lstStyle/>
+            <a:p>
+              <a:pPr algn="ctr"/>
+              <a:endParaRPr lang="en-US"/>
+            </a:p>
+          </p:txBody>
+        </p:sp>
+      </p:grpSp>
+      <p:graphicFrame>
+        <p:nvGraphicFramePr>
+          <p:cNvPr id="31" name="Content Placeholder 2">
+            <a:extLst>
+              <a:ext uri="{FF2B5EF4-FFF2-40B4-BE49-F238E27FC236}">
+                <a16:creationId xmlns:a16="http://schemas.microsoft.com/office/drawing/2014/main" id="{0D49B7B1-0032-5CD2-6448-5DB7E4A055D5}"/>
+              </a:ext>
+            </a:extLst>
+          </p:cNvPr>
+          <p:cNvGraphicFramePr>
+            <a:graphicFrameLocks noGrp="1"/>
+          </p:cNvGraphicFramePr>
+          <p:nvPr>
+            <p:ph idx="1"/>
+            <p:extLst>
+              <p:ext uri="{D42A27DB-BD31-4B8C-83A1-F6EECF244321}">
+                <p14:modId xmlns:p14="http://schemas.microsoft.com/office/powerpoint/2010/main" val="2788398172"/>
+              </p:ext>
+            </p:extLst>
+          </p:nvPr>
+        </p:nvGraphicFramePr>
+        <p:xfrm>
+          <a:off x="5855597" y="952022"/>
+          <a:ext cx="5891471" cy="5157049"/>
+        </p:xfrm>
+        <a:graphic>
+          <a:graphicData uri="http://schemas.openxmlformats.org/drawingml/2006/diagram">
+            <dgm:relIds xmlns:dgm="http://schemas.openxmlformats.org/drawingml/2006/diagram" xmlns:r="http://schemas.openxmlformats.org/officeDocument/2006/relationships" r:dm="rId3" r:lo="rId4" r:qs="rId5" r:cs="rId6"/>
+          </a:graphicData>
+        </a:graphic>
+      </p:graphicFrame>
+    </p:spTree>
+    <p:extLst>
+      <p:ext uri="{BB962C8B-B14F-4D97-AF65-F5344CB8AC3E}">
+        <p14:creationId xmlns:p14="http://schemas.microsoft.com/office/powerpoint/2010/main" val="809470355"/>
+      </p:ext>
+    </p:extLst>
+  </p:cSld>
+  <p:clrMapOvr>
+    <a:masterClrMapping/>
+  </p:clrMapOvr>
+</p:sld>
+</file>
+
+<file path=ppt/slides/slide4.xml><?xml version="1.0" encoding="utf-8"?>
+<p:sld xmlns:a="http://schemas.openxmlformats.org/drawingml/2006/main" xmlns:r="http://schemas.openxmlformats.org/officeDocument/2006/relationships" xmlns:p="http://schemas.openxmlformats.org/presentationml/2006/main">
+  <p:cSld>
     <p:spTree>
       <p:nvGrpSpPr>
         <p:cNvPr id="1" name=""/>
@@ -24502,9 +25243,9 @@
         <p:grpSpPr>
           <a:xfrm>
             <a:off x="378069" y="1233297"/>
-            <a:ext cx="11435861" cy="4907498"/>
+            <a:ext cx="11435861" cy="4994353"/>
             <a:chOff x="418446" y="993342"/>
-            <a:chExt cx="11628895" cy="4993658"/>
+            <a:chExt cx="11628895" cy="5082038"/>
           </a:xfrm>
         </p:grpSpPr>
         <p:sp>
@@ -25399,8 +26140,8 @@
           </p:nvSpPr>
           <p:spPr>
             <a:xfrm>
-              <a:off x="9195308" y="4566844"/>
-              <a:ext cx="1420156" cy="1420156"/>
+              <a:off x="8778701" y="4408014"/>
+              <a:ext cx="1737391" cy="1667366"/>
             </a:xfrm>
             <a:prstGeom prst="ellipse">
               <a:avLst/>
@@ -25463,7 +26204,7 @@
                   <a:latin typeface="Segoe UI" panose="020B0502040204020203" pitchFamily="34" charset="0"/>
                   <a:ea typeface="DengXian" panose="02010600030101010101" pitchFamily="2" charset="-122"/>
                 </a:rPr>
-                <a:t>Return</a:t>
+                <a:t>Portfolio</a:t>
               </a:r>
             </a:p>
           </p:txBody>
@@ -25539,7 +26280,7 @@
 </p:sld>
 </file>
 
-<file path=ppt/slides/slide4.xml><?xml version="1.0" encoding="utf-8"?>
+<file path=ppt/slides/slide5.xml><?xml version="1.0" encoding="utf-8"?>
 <p:sld xmlns:a="http://schemas.openxmlformats.org/drawingml/2006/main" xmlns:r="http://schemas.openxmlformats.org/officeDocument/2006/relationships" xmlns:p="http://schemas.openxmlformats.org/presentationml/2006/main">
   <p:cSld>
     <p:bg>
@@ -26329,747 +27070,6 @@
 </p:sld>
 </file>
 
-<file path=ppt/slides/slide5.xml><?xml version="1.0" encoding="utf-8"?>
-<p:sld xmlns:a="http://schemas.openxmlformats.org/drawingml/2006/main" xmlns:r="http://schemas.openxmlformats.org/officeDocument/2006/relationships" xmlns:p="http://schemas.openxmlformats.org/presentationml/2006/main">
-  <p:cSld>
-    <p:bg>
-      <p:bgPr>
-        <a:solidFill>
-          <a:schemeClr val="bg1"/>
-        </a:solidFill>
-        <a:effectLst/>
-      </p:bgPr>
-    </p:bg>
-    <p:spTree>
-      <p:nvGrpSpPr>
-        <p:cNvPr id="1" name=""/>
-        <p:cNvGrpSpPr/>
-        <p:nvPr/>
-      </p:nvGrpSpPr>
-      <p:grpSpPr>
-        <a:xfrm>
-          <a:off x="0" y="0"/>
-          <a:ext cx="0" cy="0"/>
-          <a:chOff x="0" y="0"/>
-          <a:chExt cx="0" cy="0"/>
-        </a:xfrm>
-      </p:grpSpPr>
-      <p:sp useBgFill="1">
-        <p:nvSpPr>
-          <p:cNvPr id="22" name="Rectangle 21">
-            <a:extLst>
-              <a:ext uri="{FF2B5EF4-FFF2-40B4-BE49-F238E27FC236}">
-                <a16:creationId xmlns:a16="http://schemas.microsoft.com/office/drawing/2014/main" id="{92663A72-E771-41D4-96AA-28C1B2172245}"/>
-              </a:ext>
-              <a:ext uri="{C183D7F6-B498-43B3-948B-1728B52AA6E4}">
-                <adec:decorative xmlns:adec="http://schemas.microsoft.com/office/drawing/2017/decorative" val="1"/>
-              </a:ext>
-            </a:extLst>
-          </p:cNvPr>
-          <p:cNvSpPr>
-            <a:spLocks noGrp="1" noRot="1" noChangeAspect="1" noMove="1" noResize="1" noEditPoints="1" noAdjustHandles="1" noChangeArrowheads="1" noChangeShapeType="1" noTextEdit="1"/>
-          </p:cNvSpPr>
-          <p:nvPr>
-            <p:extLst>
-              <p:ext uri="{386F3935-93C4-4BCD-93E2-E3B085C9AB24}">
-                <p16:designElem xmlns:p16="http://schemas.microsoft.com/office/powerpoint/2015/main" val="1"/>
-              </p:ext>
-            </p:extLst>
-          </p:nvPr>
-        </p:nvSpPr>
-        <p:spPr>
-          <a:xfrm>
-            <a:off x="0" y="0"/>
-            <a:ext cx="12192000" cy="6858000"/>
-          </a:xfrm>
-          <a:prstGeom prst="rect">
-            <a:avLst/>
-          </a:prstGeom>
-          <a:ln>
-            <a:noFill/>
-          </a:ln>
-        </p:spPr>
-        <p:style>
-          <a:lnRef idx="2">
-            <a:schemeClr val="accent1">
-              <a:shade val="50000"/>
-            </a:schemeClr>
-          </a:lnRef>
-          <a:fillRef idx="1">
-            <a:schemeClr val="accent1"/>
-          </a:fillRef>
-          <a:effectRef idx="0">
-            <a:schemeClr val="accent1"/>
-          </a:effectRef>
-          <a:fontRef idx="minor">
-            <a:schemeClr val="lt1"/>
-          </a:fontRef>
-        </p:style>
-        <p:txBody>
-          <a:bodyPr rtlCol="0" anchor="ctr"/>
-          <a:lstStyle/>
-          <a:p>
-            <a:pPr algn="ctr"/>
-            <a:endParaRPr lang="en-US" dirty="0"/>
-          </a:p>
-        </p:txBody>
-      </p:sp>
-      <p:sp>
-        <p:nvSpPr>
-          <p:cNvPr id="23" name="Rectangle 22">
-            <a:extLst>
-              <a:ext uri="{FF2B5EF4-FFF2-40B4-BE49-F238E27FC236}">
-                <a16:creationId xmlns:a16="http://schemas.microsoft.com/office/drawing/2014/main" id="{88164F59-4B09-4DB4-A99F-97C71DE46B10}"/>
-              </a:ext>
-              <a:ext uri="{C183D7F6-B498-43B3-948B-1728B52AA6E4}">
-                <adec:decorative xmlns:adec="http://schemas.microsoft.com/office/drawing/2017/decorative" val="1"/>
-              </a:ext>
-            </a:extLst>
-          </p:cNvPr>
-          <p:cNvSpPr>
-            <a:spLocks noGrp="1" noRot="1" noChangeAspect="1" noMove="1" noResize="1" noEditPoints="1" noAdjustHandles="1" noChangeArrowheads="1" noChangeShapeType="1" noTextEdit="1"/>
-          </p:cNvSpPr>
-          <p:nvPr>
-            <p:extLst>
-              <p:ext uri="{386F3935-93C4-4BCD-93E2-E3B085C9AB24}">
-                <p16:designElem xmlns:p16="http://schemas.microsoft.com/office/powerpoint/2015/main" val="1"/>
-              </p:ext>
-            </p:extLst>
-          </p:nvPr>
-        </p:nvSpPr>
-        <p:spPr>
-          <a:xfrm>
-            <a:off x="0" y="0"/>
-            <a:ext cx="12192000" cy="6858000"/>
-          </a:xfrm>
-          <a:prstGeom prst="rect">
-            <a:avLst/>
-          </a:prstGeom>
-          <a:solidFill>
-            <a:schemeClr val="bg2">
-              <a:lumMod val="90000"/>
-              <a:alpha val="30000"/>
-            </a:schemeClr>
-          </a:solidFill>
-          <a:ln>
-            <a:noFill/>
-          </a:ln>
-        </p:spPr>
-        <p:style>
-          <a:lnRef idx="2">
-            <a:schemeClr val="accent1">
-              <a:shade val="50000"/>
-            </a:schemeClr>
-          </a:lnRef>
-          <a:fillRef idx="1">
-            <a:schemeClr val="accent1"/>
-          </a:fillRef>
-          <a:effectRef idx="0">
-            <a:schemeClr val="accent1"/>
-          </a:effectRef>
-          <a:fontRef idx="minor">
-            <a:schemeClr val="lt1"/>
-          </a:fontRef>
-        </p:style>
-        <p:txBody>
-          <a:bodyPr rtlCol="0" anchor="ctr"/>
-          <a:lstStyle/>
-          <a:p>
-            <a:pPr algn="ctr"/>
-            <a:endParaRPr lang="en-US" sz="900" dirty="0">
-              <a:solidFill>
-                <a:schemeClr val="bg1"/>
-              </a:solidFill>
-              <a:latin typeface="+mj-lt"/>
-            </a:endParaRPr>
-          </a:p>
-        </p:txBody>
-      </p:sp>
-      <p:sp>
-        <p:nvSpPr>
-          <p:cNvPr id="2" name="Title 1">
-            <a:extLst>
-              <a:ext uri="{FF2B5EF4-FFF2-40B4-BE49-F238E27FC236}">
-                <a16:creationId xmlns:a16="http://schemas.microsoft.com/office/drawing/2014/main" id="{E0A0EAF5-65B1-160E-6DDF-518A0ACBEDD6}"/>
-              </a:ext>
-            </a:extLst>
-          </p:cNvPr>
-          <p:cNvSpPr>
-            <a:spLocks noGrp="1"/>
-          </p:cNvSpPr>
-          <p:nvPr>
-            <p:ph type="title"/>
-          </p:nvPr>
-        </p:nvSpPr>
-        <p:spPr>
-          <a:xfrm>
-            <a:off x="770878" y="952022"/>
-            <a:ext cx="4606280" cy="5157049"/>
-          </a:xfrm>
-        </p:spPr>
-        <p:txBody>
-          <a:bodyPr anchor="ctr">
-            <a:normAutofit/>
-          </a:bodyPr>
-          <a:lstStyle/>
-          <a:p>
-            <a:r>
-              <a:rPr lang="en-US" sz="4400">
-                <a:latin typeface="Segoe UI" panose="020B0502040204020203" pitchFamily="34" charset="0"/>
-                <a:ea typeface="DengXian" panose="02010600030101010101" pitchFamily="2" charset="-122"/>
-              </a:rPr>
-              <a:t>Why this approach</a:t>
-            </a:r>
-          </a:p>
-        </p:txBody>
-      </p:sp>
-      <p:sp>
-        <p:nvSpPr>
-          <p:cNvPr id="24" name="Freeform: Shape 23">
-            <a:extLst>
-              <a:ext uri="{FF2B5EF4-FFF2-40B4-BE49-F238E27FC236}">
-                <a16:creationId xmlns:a16="http://schemas.microsoft.com/office/drawing/2014/main" id="{6B336017-F12B-485C-B5E1-B6971DA0CDC5}"/>
-              </a:ext>
-              <a:ext uri="{C183D7F6-B498-43B3-948B-1728B52AA6E4}">
-                <adec:decorative xmlns:adec="http://schemas.microsoft.com/office/drawing/2017/decorative" val="1"/>
-              </a:ext>
-            </a:extLst>
-          </p:cNvPr>
-          <p:cNvSpPr>
-            <a:spLocks noGrp="1" noRot="1" noChangeAspect="1" noMove="1" noResize="1" noEditPoints="1" noAdjustHandles="1" noChangeArrowheads="1" noChangeShapeType="1" noTextEdit="1"/>
-          </p:cNvSpPr>
-          <p:nvPr>
-            <p:extLst>
-              <p:ext uri="{386F3935-93C4-4BCD-93E2-E3B085C9AB24}">
-                <p16:designElem xmlns:p16="http://schemas.microsoft.com/office/powerpoint/2015/main" val="1"/>
-              </p:ext>
-            </p:extLst>
-          </p:nvPr>
-        </p:nvSpPr>
-        <p:spPr>
-          <a:xfrm>
-            <a:off x="5456099" y="238175"/>
-            <a:ext cx="6735901" cy="6619825"/>
-          </a:xfrm>
-          <a:custGeom>
-            <a:avLst/>
-            <a:gdLst>
-              <a:gd name="connsiteX0" fmla="*/ 1224540 w 2115556"/>
-              <a:gd name="connsiteY0" fmla="*/ 0 h 2079100"/>
-              <a:gd name="connsiteX1" fmla="*/ 2090421 w 2115556"/>
-              <a:gd name="connsiteY1" fmla="*/ 358660 h 2079100"/>
-              <a:gd name="connsiteX2" fmla="*/ 2115556 w 2115556"/>
-              <a:gd name="connsiteY2" fmla="*/ 386315 h 2079100"/>
-              <a:gd name="connsiteX3" fmla="*/ 2115556 w 2115556"/>
-              <a:gd name="connsiteY3" fmla="*/ 2062765 h 2079100"/>
-              <a:gd name="connsiteX4" fmla="*/ 2100710 w 2115556"/>
-              <a:gd name="connsiteY4" fmla="*/ 2079100 h 2079100"/>
-              <a:gd name="connsiteX5" fmla="*/ 348370 w 2115556"/>
-              <a:gd name="connsiteY5" fmla="*/ 2079100 h 2079100"/>
-              <a:gd name="connsiteX6" fmla="*/ 279625 w 2115556"/>
-              <a:gd name="connsiteY6" fmla="*/ 2003461 h 2079100"/>
-              <a:gd name="connsiteX7" fmla="*/ 0 w 2115556"/>
-              <a:gd name="connsiteY7" fmla="*/ 1224540 h 2079100"/>
-              <a:gd name="connsiteX8" fmla="*/ 1224540 w 2115556"/>
-              <a:gd name="connsiteY8" fmla="*/ 0 h 2079100"/>
-            </a:gdLst>
-            <a:ahLst/>
-            <a:cxnLst>
-              <a:cxn ang="0">
-                <a:pos x="connsiteX0" y="connsiteY0"/>
-              </a:cxn>
-              <a:cxn ang="0">
-                <a:pos x="connsiteX1" y="connsiteY1"/>
-              </a:cxn>
-              <a:cxn ang="0">
-                <a:pos x="connsiteX2" y="connsiteY2"/>
-              </a:cxn>
-              <a:cxn ang="0">
-                <a:pos x="connsiteX3" y="connsiteY3"/>
-              </a:cxn>
-              <a:cxn ang="0">
-                <a:pos x="connsiteX4" y="connsiteY4"/>
-              </a:cxn>
-              <a:cxn ang="0">
-                <a:pos x="connsiteX5" y="connsiteY5"/>
-              </a:cxn>
-              <a:cxn ang="0">
-                <a:pos x="connsiteX6" y="connsiteY6"/>
-              </a:cxn>
-              <a:cxn ang="0">
-                <a:pos x="connsiteX7" y="connsiteY7"/>
-              </a:cxn>
-              <a:cxn ang="0">
-                <a:pos x="connsiteX8" y="connsiteY8"/>
-              </a:cxn>
-            </a:cxnLst>
-            <a:rect l="l" t="t" r="r" b="b"/>
-            <a:pathLst>
-              <a:path w="2115556" h="2079100">
-                <a:moveTo>
-                  <a:pt x="1224540" y="0"/>
-                </a:moveTo>
-                <a:cubicBezTo>
-                  <a:pt x="1562687" y="0"/>
-                  <a:pt x="1868823" y="137062"/>
-                  <a:pt x="2090421" y="358660"/>
-                </a:cubicBezTo>
-                <a:lnTo>
-                  <a:pt x="2115556" y="386315"/>
-                </a:lnTo>
-                <a:lnTo>
-                  <a:pt x="2115556" y="2062765"/>
-                </a:lnTo>
-                <a:lnTo>
-                  <a:pt x="2100710" y="2079100"/>
-                </a:lnTo>
-                <a:lnTo>
-                  <a:pt x="348370" y="2079100"/>
-                </a:lnTo>
-                <a:lnTo>
-                  <a:pt x="279625" y="2003461"/>
-                </a:lnTo>
-                <a:cubicBezTo>
-                  <a:pt x="104938" y="1791789"/>
-                  <a:pt x="0" y="1520419"/>
-                  <a:pt x="0" y="1224540"/>
-                </a:cubicBezTo>
-                <a:cubicBezTo>
-                  <a:pt x="0" y="548245"/>
-                  <a:pt x="548245" y="0"/>
-                  <a:pt x="1224540" y="0"/>
-                </a:cubicBezTo>
-                <a:close/>
-              </a:path>
-            </a:pathLst>
-          </a:custGeom>
-          <a:solidFill>
-            <a:schemeClr val="bg1"/>
-          </a:solidFill>
-          <a:ln>
-            <a:noFill/>
-          </a:ln>
-        </p:spPr>
-        <p:style>
-          <a:lnRef idx="2">
-            <a:schemeClr val="accent1">
-              <a:shade val="50000"/>
-            </a:schemeClr>
-          </a:lnRef>
-          <a:fillRef idx="1">
-            <a:schemeClr val="accent1"/>
-          </a:fillRef>
-          <a:effectRef idx="0">
-            <a:schemeClr val="accent1"/>
-          </a:effectRef>
-          <a:fontRef idx="minor">
-            <a:schemeClr val="lt1"/>
-          </a:fontRef>
-        </p:style>
-        <p:txBody>
-          <a:bodyPr wrap="square" rtlCol="0" anchor="ctr">
-            <a:noAutofit/>
-          </a:bodyPr>
-          <a:lstStyle/>
-          <a:p>
-            <a:pPr algn="ctr"/>
-            <a:endParaRPr lang="en-US" sz="900" dirty="0">
-              <a:solidFill>
-                <a:schemeClr val="bg1"/>
-              </a:solidFill>
-              <a:latin typeface="+mj-lt"/>
-            </a:endParaRPr>
-          </a:p>
-        </p:txBody>
-      </p:sp>
-      <p:grpSp>
-        <p:nvGrpSpPr>
-          <p:cNvPr id="25" name="decorative circles">
-            <a:extLst>
-              <a:ext uri="{FF2B5EF4-FFF2-40B4-BE49-F238E27FC236}">
-                <a16:creationId xmlns:a16="http://schemas.microsoft.com/office/drawing/2014/main" id="{C2C078FA-5775-45CB-A8F3-53B3F1AD2B99}"/>
-              </a:ext>
-              <a:ext uri="{C183D7F6-B498-43B3-948B-1728B52AA6E4}">
-                <adec:decorative xmlns:adec="http://schemas.microsoft.com/office/drawing/2017/decorative" val="1"/>
-              </a:ext>
-            </a:extLst>
-          </p:cNvPr>
-          <p:cNvGrpSpPr>
-            <a:grpSpLocks noGrp="1" noUngrp="1" noRot="1" noChangeAspect="1" noMove="1" noResize="1"/>
-          </p:cNvGrpSpPr>
-          <p:nvPr>
-            <p:extLst>
-              <p:ext uri="{386F3935-93C4-4BCD-93E2-E3B085C9AB24}">
-                <p16:designElem xmlns:p16="http://schemas.microsoft.com/office/powerpoint/2015/main" val="1"/>
-              </p:ext>
-            </p:extLst>
-          </p:nvPr>
-        </p:nvGrpSpPr>
-        <p:grpSpPr>
-          <a:xfrm>
-            <a:off x="9951383" y="299808"/>
-            <a:ext cx="1668948" cy="6421669"/>
-            <a:chOff x="9951383" y="299808"/>
-            <a:chExt cx="1668948" cy="6421669"/>
-          </a:xfrm>
-        </p:grpSpPr>
-        <p:sp>
-          <p:nvSpPr>
-            <p:cNvPr id="26" name="Oval 25">
-              <a:extLst>
-                <a:ext uri="{FF2B5EF4-FFF2-40B4-BE49-F238E27FC236}">
-                  <a16:creationId xmlns:a16="http://schemas.microsoft.com/office/drawing/2014/main" id="{F65CBEB7-29CF-4F21-ABB7-012581304C1B}"/>
-                </a:ext>
-                <a:ext uri="{C183D7F6-B498-43B3-948B-1728B52AA6E4}">
-                  <adec:decorative xmlns:adec="http://schemas.microsoft.com/office/drawing/2017/decorative" val="1"/>
-                </a:ext>
-              </a:extLst>
-            </p:cNvPr>
-            <p:cNvSpPr/>
-            <p:nvPr>
-              <p:extLst>
-                <p:ext uri="{386F3935-93C4-4BCD-93E2-E3B085C9AB24}">
-                  <p16:designElem xmlns:p16="http://schemas.microsoft.com/office/powerpoint/2015/main" val="1"/>
-                </p:ext>
-              </p:extLst>
-            </p:nvPr>
-          </p:nvSpPr>
-          <p:spPr>
-            <a:xfrm>
-              <a:off x="11153890" y="554418"/>
-              <a:ext cx="466441" cy="466441"/>
-            </a:xfrm>
-            <a:prstGeom prst="ellipse">
-              <a:avLst/>
-            </a:prstGeom>
-            <a:solidFill>
-              <a:schemeClr val="accent2">
-                <a:lumMod val="60000"/>
-                <a:lumOff val="40000"/>
-                <a:alpha val="72000"/>
-              </a:schemeClr>
-            </a:solidFill>
-            <a:ln>
-              <a:noFill/>
-            </a:ln>
-          </p:spPr>
-          <p:style>
-            <a:lnRef idx="2">
-              <a:schemeClr val="accent1">
-                <a:shade val="50000"/>
-              </a:schemeClr>
-            </a:lnRef>
-            <a:fillRef idx="1">
-              <a:schemeClr val="accent1"/>
-            </a:fillRef>
-            <a:effectRef idx="0">
-              <a:schemeClr val="accent1"/>
-            </a:effectRef>
-            <a:fontRef idx="minor">
-              <a:schemeClr val="lt1"/>
-            </a:fontRef>
-          </p:style>
-          <p:txBody>
-            <a:bodyPr rtlCol="0" anchor="ctr"/>
-            <a:lstStyle/>
-            <a:p>
-              <a:pPr algn="ctr"/>
-              <a:endParaRPr lang="en-US"/>
-            </a:p>
-          </p:txBody>
-        </p:sp>
-        <p:sp>
-          <p:nvSpPr>
-            <p:cNvPr id="27" name="Oval 26">
-              <a:extLst>
-                <a:ext uri="{FF2B5EF4-FFF2-40B4-BE49-F238E27FC236}">
-                  <a16:creationId xmlns:a16="http://schemas.microsoft.com/office/drawing/2014/main" id="{9C900504-84D3-4813-B737-775C16F8F996}"/>
-                </a:ext>
-                <a:ext uri="{C183D7F6-B498-43B3-948B-1728B52AA6E4}">
-                  <adec:decorative xmlns:adec="http://schemas.microsoft.com/office/drawing/2017/decorative" val="1"/>
-                </a:ext>
-              </a:extLst>
-            </p:cNvPr>
-            <p:cNvSpPr/>
-            <p:nvPr>
-              <p:extLst>
-                <p:ext uri="{386F3935-93C4-4BCD-93E2-E3B085C9AB24}">
-                  <p16:designElem xmlns:p16="http://schemas.microsoft.com/office/powerpoint/2015/main" val="1"/>
-                </p:ext>
-              </p:extLst>
-            </p:nvPr>
-          </p:nvSpPr>
-          <p:spPr>
-            <a:xfrm>
-              <a:off x="11241343" y="299808"/>
-              <a:ext cx="113367" cy="113367"/>
-            </a:xfrm>
-            <a:prstGeom prst="ellipse">
-              <a:avLst/>
-            </a:prstGeom>
-            <a:solidFill>
-              <a:srgbClr val="F39E29"/>
-            </a:solidFill>
-            <a:ln>
-              <a:noFill/>
-            </a:ln>
-          </p:spPr>
-          <p:style>
-            <a:lnRef idx="2">
-              <a:schemeClr val="accent1">
-                <a:shade val="50000"/>
-              </a:schemeClr>
-            </a:lnRef>
-            <a:fillRef idx="1">
-              <a:schemeClr val="accent1"/>
-            </a:fillRef>
-            <a:effectRef idx="0">
-              <a:schemeClr val="accent1"/>
-            </a:effectRef>
-            <a:fontRef idx="minor">
-              <a:schemeClr val="lt1"/>
-            </a:fontRef>
-          </p:style>
-          <p:txBody>
-            <a:bodyPr rtlCol="0" anchor="ctr"/>
-            <a:lstStyle/>
-            <a:p>
-              <a:pPr algn="ctr"/>
-              <a:endParaRPr lang="en-US"/>
-            </a:p>
-          </p:txBody>
-        </p:sp>
-        <p:sp>
-          <p:nvSpPr>
-            <p:cNvPr id="28" name="Oval 27">
-              <a:extLst>
-                <a:ext uri="{FF2B5EF4-FFF2-40B4-BE49-F238E27FC236}">
-                  <a16:creationId xmlns:a16="http://schemas.microsoft.com/office/drawing/2014/main" id="{7F04BF80-E9DB-4641-8EA2-51698324F10B}"/>
-                </a:ext>
-                <a:ext uri="{C183D7F6-B498-43B3-948B-1728B52AA6E4}">
-                  <adec:decorative xmlns:adec="http://schemas.microsoft.com/office/drawing/2017/decorative" val="1"/>
-                </a:ext>
-              </a:extLst>
-            </p:cNvPr>
-            <p:cNvSpPr/>
-            <p:nvPr>
-              <p:extLst>
-                <p:ext uri="{386F3935-93C4-4BCD-93E2-E3B085C9AB24}">
-                  <p16:designElem xmlns:p16="http://schemas.microsoft.com/office/powerpoint/2015/main" val="1"/>
-                </p:ext>
-              </p:extLst>
-            </p:nvPr>
-          </p:nvSpPr>
-          <p:spPr>
-            <a:xfrm>
-              <a:off x="10432368" y="6124958"/>
-              <a:ext cx="113367" cy="113367"/>
-            </a:xfrm>
-            <a:prstGeom prst="ellipse">
-              <a:avLst/>
-            </a:prstGeom>
-            <a:solidFill>
-              <a:schemeClr val="accent3"/>
-            </a:solidFill>
-            <a:ln>
-              <a:noFill/>
-            </a:ln>
-          </p:spPr>
-          <p:style>
-            <a:lnRef idx="2">
-              <a:schemeClr val="accent1">
-                <a:shade val="50000"/>
-              </a:schemeClr>
-            </a:lnRef>
-            <a:fillRef idx="1">
-              <a:schemeClr val="accent1"/>
-            </a:fillRef>
-            <a:effectRef idx="0">
-              <a:schemeClr val="accent1"/>
-            </a:effectRef>
-            <a:fontRef idx="minor">
-              <a:schemeClr val="lt1"/>
-            </a:fontRef>
-          </p:style>
-          <p:txBody>
-            <a:bodyPr rtlCol="0" anchor="ctr"/>
-            <a:lstStyle/>
-            <a:p>
-              <a:pPr algn="ctr"/>
-              <a:endParaRPr lang="en-US"/>
-            </a:p>
-          </p:txBody>
-        </p:sp>
-        <p:sp>
-          <p:nvSpPr>
-            <p:cNvPr id="29" name="Oval 28">
-              <a:extLst>
-                <a:ext uri="{FF2B5EF4-FFF2-40B4-BE49-F238E27FC236}">
-                  <a16:creationId xmlns:a16="http://schemas.microsoft.com/office/drawing/2014/main" id="{234395B9-3F83-49A4-9275-0A315D88F5DD}"/>
-                </a:ext>
-                <a:ext uri="{C183D7F6-B498-43B3-948B-1728B52AA6E4}">
-                  <adec:decorative xmlns:adec="http://schemas.microsoft.com/office/drawing/2017/decorative" val="1"/>
-                </a:ext>
-              </a:extLst>
-            </p:cNvPr>
-            <p:cNvSpPr/>
-            <p:nvPr>
-              <p:extLst>
-                <p:ext uri="{386F3935-93C4-4BCD-93E2-E3B085C9AB24}">
-                  <p16:designElem xmlns:p16="http://schemas.microsoft.com/office/powerpoint/2015/main" val="1"/>
-                </p:ext>
-              </p:extLst>
-            </p:nvPr>
-          </p:nvSpPr>
-          <p:spPr>
-            <a:xfrm>
-              <a:off x="10116802" y="6415697"/>
-              <a:ext cx="305780" cy="305780"/>
-            </a:xfrm>
-            <a:prstGeom prst="ellipse">
-              <a:avLst/>
-            </a:prstGeom>
-            <a:solidFill>
-              <a:schemeClr val="accent1">
-                <a:lumMod val="40000"/>
-                <a:lumOff val="60000"/>
-              </a:schemeClr>
-            </a:solidFill>
-            <a:ln>
-              <a:noFill/>
-            </a:ln>
-          </p:spPr>
-          <p:style>
-            <a:lnRef idx="2">
-              <a:schemeClr val="accent1">
-                <a:shade val="50000"/>
-              </a:schemeClr>
-            </a:lnRef>
-            <a:fillRef idx="1">
-              <a:schemeClr val="accent1"/>
-            </a:fillRef>
-            <a:effectRef idx="0">
-              <a:schemeClr val="accent1"/>
-            </a:effectRef>
-            <a:fontRef idx="minor">
-              <a:schemeClr val="lt1"/>
-            </a:fontRef>
-          </p:style>
-          <p:txBody>
-            <a:bodyPr rtlCol="0" anchor="ctr"/>
-            <a:lstStyle/>
-            <a:p>
-              <a:pPr algn="ctr"/>
-              <a:endParaRPr lang="en-US"/>
-            </a:p>
-          </p:txBody>
-        </p:sp>
-        <p:sp>
-          <p:nvSpPr>
-            <p:cNvPr id="30" name="Oval 29">
-              <a:extLst>
-                <a:ext uri="{FF2B5EF4-FFF2-40B4-BE49-F238E27FC236}">
-                  <a16:creationId xmlns:a16="http://schemas.microsoft.com/office/drawing/2014/main" id="{0E7ABD02-CD92-4D6C-B4BA-984D6688F51D}"/>
-                </a:ext>
-                <a:ext uri="{C183D7F6-B498-43B3-948B-1728B52AA6E4}">
-                  <adec:decorative xmlns:adec="http://schemas.microsoft.com/office/drawing/2017/decorative" val="1"/>
-                </a:ext>
-              </a:extLst>
-            </p:cNvPr>
-            <p:cNvSpPr/>
-            <p:nvPr>
-              <p:extLst>
-                <p:ext uri="{386F3935-93C4-4BCD-93E2-E3B085C9AB24}">
-                  <p16:designElem xmlns:p16="http://schemas.microsoft.com/office/powerpoint/2015/main" val="1"/>
-                </p:ext>
-              </p:extLst>
-            </p:nvPr>
-          </p:nvSpPr>
-          <p:spPr>
-            <a:xfrm>
-              <a:off x="9951383" y="6204350"/>
-              <a:ext cx="113367" cy="113367"/>
-            </a:xfrm>
-            <a:prstGeom prst="ellipse">
-              <a:avLst/>
-            </a:prstGeom>
-            <a:solidFill>
-              <a:schemeClr val="accent5"/>
-            </a:solidFill>
-            <a:ln>
-              <a:noFill/>
-            </a:ln>
-          </p:spPr>
-          <p:style>
-            <a:lnRef idx="2">
-              <a:schemeClr val="accent1">
-                <a:shade val="50000"/>
-              </a:schemeClr>
-            </a:lnRef>
-            <a:fillRef idx="1">
-              <a:schemeClr val="accent1"/>
-            </a:fillRef>
-            <a:effectRef idx="0">
-              <a:schemeClr val="accent1"/>
-            </a:effectRef>
-            <a:fontRef idx="minor">
-              <a:schemeClr val="lt1"/>
-            </a:fontRef>
-          </p:style>
-          <p:txBody>
-            <a:bodyPr rtlCol="0" anchor="ctr"/>
-            <a:lstStyle/>
-            <a:p>
-              <a:pPr algn="ctr"/>
-              <a:endParaRPr lang="en-US"/>
-            </a:p>
-          </p:txBody>
-        </p:sp>
-      </p:grpSp>
-      <p:graphicFrame>
-        <p:nvGraphicFramePr>
-          <p:cNvPr id="31" name="Content Placeholder 2">
-            <a:extLst>
-              <a:ext uri="{FF2B5EF4-FFF2-40B4-BE49-F238E27FC236}">
-                <a16:creationId xmlns:a16="http://schemas.microsoft.com/office/drawing/2014/main" id="{0D49B7B1-0032-5CD2-6448-5DB7E4A055D5}"/>
-              </a:ext>
-            </a:extLst>
-          </p:cNvPr>
-          <p:cNvGraphicFramePr>
-            <a:graphicFrameLocks noGrp="1"/>
-          </p:cNvGraphicFramePr>
-          <p:nvPr>
-            <p:ph idx="1"/>
-            <p:extLst>
-              <p:ext uri="{D42A27DB-BD31-4B8C-83A1-F6EECF244321}">
-                <p14:modId xmlns:p14="http://schemas.microsoft.com/office/powerpoint/2010/main" val="2788398172"/>
-              </p:ext>
-            </p:extLst>
-          </p:nvPr>
-        </p:nvGraphicFramePr>
-        <p:xfrm>
-          <a:off x="5855597" y="952022"/>
-          <a:ext cx="5891471" cy="5157049"/>
-        </p:xfrm>
-        <a:graphic>
-          <a:graphicData uri="http://schemas.openxmlformats.org/drawingml/2006/diagram">
-            <dgm:relIds xmlns:dgm="http://schemas.openxmlformats.org/drawingml/2006/diagram" xmlns:r="http://schemas.openxmlformats.org/officeDocument/2006/relationships" r:dm="rId3" r:lo="rId4" r:qs="rId5" r:cs="rId6"/>
-          </a:graphicData>
-        </a:graphic>
-      </p:graphicFrame>
-    </p:spTree>
-    <p:extLst>
-      <p:ext uri="{BB962C8B-B14F-4D97-AF65-F5344CB8AC3E}">
-        <p14:creationId xmlns:p14="http://schemas.microsoft.com/office/powerpoint/2010/main" val="809470355"/>
-      </p:ext>
-    </p:extLst>
-  </p:cSld>
-  <p:clrMapOvr>
-    <a:masterClrMapping/>
-  </p:clrMapOvr>
-</p:sld>
-</file>
-
 <file path=ppt/slides/slide6.xml><?xml version="1.0" encoding="utf-8"?>
 <p:sld xmlns:a="http://schemas.openxmlformats.org/drawingml/2006/main" xmlns:r="http://schemas.openxmlformats.org/officeDocument/2006/relationships" xmlns:p="http://schemas.openxmlformats.org/presentationml/2006/main">
   <p:cSld>
@@ -27113,7 +27113,7 @@
                 <a:latin typeface="Segoe UI" panose="020B0502040204020203" pitchFamily="34" charset="0"/>
                 <a:ea typeface="DengXian" panose="02010600030101010101" pitchFamily="2" charset="-122"/>
               </a:rPr>
-              <a:t>Approach: Sentiment Analysis</a:t>
+              <a:t>Sentiment Analysis</a:t>
             </a:r>
           </a:p>
         </p:txBody>
@@ -27434,7 +27434,7 @@
                 <a:latin typeface="Segoe UI" panose="020B0502040204020203" pitchFamily="34" charset="0"/>
                 <a:ea typeface="DengXian" panose="02010600030101010101" pitchFamily="2" charset="-122"/>
               </a:rPr>
-              <a:t>Approach: Stock Movement Prediction</a:t>
+              <a:t>Trading Signal Detection</a:t>
             </a:r>
           </a:p>
         </p:txBody>
@@ -28084,7 +28084,7 @@
             <p:ph idx="1"/>
             <p:extLst>
               <p:ext uri="{D42A27DB-BD31-4B8C-83A1-F6EECF244321}">
-                <p14:modId xmlns:p14="http://schemas.microsoft.com/office/powerpoint/2010/main" val="454924569"/>
+                <p14:modId xmlns:p14="http://schemas.microsoft.com/office/powerpoint/2010/main" val="2392335772"/>
               </p:ext>
             </p:extLst>
           </p:nvPr>

--- a/Presentation.pptx
+++ b/Presentation.pptx
@@ -5,7 +5,7 @@
     <p:sldMasterId id="2147483673" r:id="rId1"/>
   </p:sldMasterIdLst>
   <p:notesMasterIdLst>
-    <p:notesMasterId r:id="rId15"/>
+    <p:notesMasterId r:id="rId17"/>
   </p:notesMasterIdLst>
   <p:sldIdLst>
     <p:sldId id="256" r:id="rId2"/>
@@ -17,10 +17,12 @@
     <p:sldId id="260" r:id="rId8"/>
     <p:sldId id="259" r:id="rId9"/>
     <p:sldId id="261" r:id="rId10"/>
-    <p:sldId id="265" r:id="rId11"/>
-    <p:sldId id="262" r:id="rId12"/>
-    <p:sldId id="268" r:id="rId13"/>
-    <p:sldId id="269" r:id="rId14"/>
+    <p:sldId id="271" r:id="rId11"/>
+    <p:sldId id="272" r:id="rId12"/>
+    <p:sldId id="265" r:id="rId13"/>
+    <p:sldId id="262" r:id="rId14"/>
+    <p:sldId id="268" r:id="rId15"/>
+    <p:sldId id="269" r:id="rId16"/>
   </p:sldIdLst>
   <p:sldSz cx="12192000" cy="6858000"/>
   <p:notesSz cx="6858000" cy="9144000"/>
@@ -12883,7 +12885,7 @@
           <a:p>
             <a:fld id="{DC4BD341-C8BA-4F03-B5F5-EBD7E71B4F25}" type="datetimeFigureOut">
               <a:rPr lang="zh-CN" altLang="en-US" smtClean="0"/>
-              <a:t>2023/11/29</a:t>
+              <a:t>2023/11/30</a:t>
             </a:fld>
             <a:endParaRPr lang="zh-CN" altLang="en-US"/>
           </a:p>
@@ -13300,7 +13302,7 @@
           <a:p>
             <a:fld id="{057FAD25-51B6-419D-B421-616EF620C45E}" type="slidenum">
               <a:rPr lang="zh-CN" altLang="en-US" smtClean="0"/>
-              <a:t>11</a:t>
+              <a:t>13</a:t>
             </a:fld>
             <a:endParaRPr lang="zh-CN" altLang="en-US"/>
           </a:p>
@@ -13384,7 +13386,7 @@
           <a:p>
             <a:fld id="{057FAD25-51B6-419D-B421-616EF620C45E}" type="slidenum">
               <a:rPr lang="zh-CN" altLang="en-US" smtClean="0"/>
-              <a:t>13</a:t>
+              <a:t>15</a:t>
             </a:fld>
             <a:endParaRPr lang="zh-CN" altLang="en-US"/>
           </a:p>
@@ -14056,7 +14058,7 @@
           <a:p>
             <a:fld id="{057FAD25-51B6-419D-B421-616EF620C45E}" type="slidenum">
               <a:rPr lang="zh-CN" altLang="en-US" smtClean="0"/>
-              <a:t>10</a:t>
+              <a:t>12</a:t>
             </a:fld>
             <a:endParaRPr lang="zh-CN" altLang="en-US"/>
           </a:p>
@@ -14224,7 +14226,7 @@
           <a:p>
             <a:fld id="{C43A76A3-ADC8-4477-8FC1-B9DD55D84908}" type="datetime1">
               <a:rPr lang="en-US" smtClean="0"/>
-              <a:t>11/29/2023</a:t>
+              <a:t>11/30/2023</a:t>
             </a:fld>
             <a:endParaRPr lang="en-US" dirty="0"/>
           </a:p>
@@ -14422,7 +14424,7 @@
           <a:p>
             <a:fld id="{D6762538-DC4D-4667-96E5-B3278DDF8B12}" type="datetime1">
               <a:rPr lang="en-US" smtClean="0"/>
-              <a:t>11/29/2023</a:t>
+              <a:t>11/30/2023</a:t>
             </a:fld>
             <a:endParaRPr lang="en-US"/>
           </a:p>
@@ -14630,7 +14632,7 @@
           <a:p>
             <a:fld id="{05880548-5C08-4BE3-B63E-F2BB63B0B00C}" type="datetime1">
               <a:rPr lang="en-US" smtClean="0"/>
-              <a:t>11/29/2023</a:t>
+              <a:t>11/30/2023</a:t>
             </a:fld>
             <a:endParaRPr lang="en-US"/>
           </a:p>
@@ -14828,7 +14830,7 @@
           <a:p>
             <a:fld id="{DE7F49BE-398D-479A-8A7E-5DDBCA61EDCB}" type="datetime1">
               <a:rPr lang="en-US" smtClean="0"/>
-              <a:t>11/29/2023</a:t>
+              <a:t>11/30/2023</a:t>
             </a:fld>
             <a:endParaRPr lang="en-US"/>
           </a:p>
@@ -15104,7 +15106,7 @@
           <a:p>
             <a:fld id="{CCD0C193-4974-4A1F-9C63-07D595E30D66}" type="datetime1">
               <a:rPr lang="en-US" smtClean="0"/>
-              <a:t>11/29/2023</a:t>
+              <a:t>11/30/2023</a:t>
             </a:fld>
             <a:endParaRPr lang="en-US"/>
           </a:p>
@@ -15371,7 +15373,7 @@
           <a:p>
             <a:fld id="{701AA87F-28D4-4BF0-B81F-877A89DFD5AC}" type="datetime1">
               <a:rPr lang="en-US" smtClean="0"/>
-              <a:t>11/29/2023</a:t>
+              <a:t>11/30/2023</a:t>
             </a:fld>
             <a:endParaRPr lang="en-US"/>
           </a:p>
@@ -15785,7 +15787,7 @@
           <a:p>
             <a:fld id="{A8A9F1F3-208B-49A3-B337-9C8ACEB3E0E1}" type="datetime1">
               <a:rPr lang="en-US" smtClean="0"/>
-              <a:t>11/29/2023</a:t>
+              <a:t>11/30/2023</a:t>
             </a:fld>
             <a:endParaRPr lang="en-US"/>
           </a:p>
@@ -15932,7 +15934,7 @@
           <a:p>
             <a:fld id="{27AF6CA6-7293-4AA2-A0E0-A3BF4416E786}" type="datetime1">
               <a:rPr lang="en-US" smtClean="0"/>
-              <a:t>11/29/2023</a:t>
+              <a:t>11/30/2023</a:t>
             </a:fld>
             <a:endParaRPr lang="en-US"/>
           </a:p>
@@ -16045,7 +16047,7 @@
           <a:p>
             <a:fld id="{98D87016-7BCD-46FB-8EE3-AB6C369108B4}" type="datetime1">
               <a:rPr lang="en-US" smtClean="0"/>
-              <a:t>11/29/2023</a:t>
+              <a:t>11/30/2023</a:t>
             </a:fld>
             <a:endParaRPr lang="en-US"/>
           </a:p>
@@ -16364,7 +16366,7 @@
           <a:p>
             <a:fld id="{A1547011-1FFC-4EF8-9A2E-53B4AD2ADBD4}" type="datetime1">
               <a:rPr lang="en-US" smtClean="0"/>
-              <a:t>11/29/2023</a:t>
+              <a:t>11/30/2023</a:t>
             </a:fld>
             <a:endParaRPr lang="en-US"/>
           </a:p>
@@ -16659,7 +16661,7 @@
           <a:p>
             <a:fld id="{9562EB47-45B4-4EF5-A743-B4885DD2F060}" type="datetime1">
               <a:rPr lang="en-US" smtClean="0"/>
-              <a:t>11/29/2023</a:t>
+              <a:t>11/30/2023</a:t>
             </a:fld>
             <a:endParaRPr lang="en-US"/>
           </a:p>
@@ -18044,7 +18046,7 @@
           <a:p>
             <a:fld id="{4A8D24A4-5FEC-4062-8995-EB21925B3B40}" type="datetime1">
               <a:rPr lang="en-US" smtClean="0"/>
-              <a:t>11/29/2023</a:t>
+              <a:t>11/30/2023</a:t>
             </a:fld>
             <a:endParaRPr lang="en-US" sz="1000" dirty="0"/>
           </a:p>
@@ -19587,6 +19589,159 @@
 </file>
 
 <file path=ppt/slides/slide10.xml><?xml version="1.0" encoding="utf-8"?>
+<p:sld xmlns:a="http://schemas.openxmlformats.org/drawingml/2006/main" xmlns:r="http://schemas.openxmlformats.org/officeDocument/2006/relationships" xmlns:p="http://schemas.openxmlformats.org/presentationml/2006/main">
+  <p:cSld>
+    <p:spTree>
+      <p:nvGrpSpPr>
+        <p:cNvPr id="1" name=""/>
+        <p:cNvGrpSpPr/>
+        <p:nvPr/>
+      </p:nvGrpSpPr>
+      <p:grpSpPr>
+        <a:xfrm>
+          <a:off x="0" y="0"/>
+          <a:ext cx="0" cy="0"/>
+          <a:chOff x="0" y="0"/>
+          <a:chExt cx="0" cy="0"/>
+        </a:xfrm>
+      </p:grpSpPr>
+      <p:sp>
+        <p:nvSpPr>
+          <p:cNvPr id="2" name="Title 1">
+            <a:extLst>
+              <a:ext uri="{FF2B5EF4-FFF2-40B4-BE49-F238E27FC236}">
+                <a16:creationId xmlns:a16="http://schemas.microsoft.com/office/drawing/2014/main" id="{577CF219-0294-6CBF-D4BE-59DCFA2A7FA3}"/>
+              </a:ext>
+            </a:extLst>
+          </p:cNvPr>
+          <p:cNvSpPr>
+            <a:spLocks noGrp="1"/>
+          </p:cNvSpPr>
+          <p:nvPr>
+            <p:ph type="title"/>
+          </p:nvPr>
+        </p:nvSpPr>
+        <p:spPr/>
+        <p:txBody>
+          <a:bodyPr>
+            <a:normAutofit/>
+          </a:bodyPr>
+          <a:lstStyle/>
+          <a:p>
+            <a:r>
+              <a:rPr lang="en-US" altLang="zh-CN" dirty="0"/>
+              <a:t>Tesla</a:t>
+            </a:r>
+            <a:endParaRPr lang="zh-CN" altLang="en-US" dirty="0"/>
+          </a:p>
+        </p:txBody>
+      </p:sp>
+      <p:pic>
+        <p:nvPicPr>
+          <p:cNvPr id="11" name="Content Placeholder 10">
+            <a:extLst>
+              <a:ext uri="{FF2B5EF4-FFF2-40B4-BE49-F238E27FC236}">
+                <a16:creationId xmlns:a16="http://schemas.microsoft.com/office/drawing/2014/main" id="{2EF54C17-874D-E9A1-B5EE-778EAB732062}"/>
+              </a:ext>
+            </a:extLst>
+          </p:cNvPr>
+          <p:cNvPicPr>
+            <a:picLocks noGrp="1" noChangeAspect="1"/>
+          </p:cNvPicPr>
+          <p:nvPr>
+            <p:ph idx="1"/>
+          </p:nvPr>
+        </p:nvPicPr>
+        <p:blipFill>
+          <a:blip r:embed="rId2"/>
+          <a:stretch>
+            <a:fillRect/>
+          </a:stretch>
+        </p:blipFill>
+        <p:spPr>
+          <a:xfrm>
+            <a:off x="777875" y="1980157"/>
+            <a:ext cx="10658475" cy="4042274"/>
+          </a:xfrm>
+          <a:prstGeom prst="rect">
+            <a:avLst/>
+          </a:prstGeom>
+        </p:spPr>
+      </p:pic>
+    </p:spTree>
+    <p:extLst>
+      <p:ext uri="{BB962C8B-B14F-4D97-AF65-F5344CB8AC3E}">
+        <p14:creationId xmlns:p14="http://schemas.microsoft.com/office/powerpoint/2010/main" val="3256832993"/>
+      </p:ext>
+    </p:extLst>
+  </p:cSld>
+  <p:clrMapOvr>
+    <a:masterClrMapping/>
+  </p:clrMapOvr>
+</p:sld>
+</file>
+
+<file path=ppt/slides/slide11.xml><?xml version="1.0" encoding="utf-8"?>
+<p:sld xmlns:a="http://schemas.openxmlformats.org/drawingml/2006/main" xmlns:r="http://schemas.openxmlformats.org/officeDocument/2006/relationships" xmlns:p="http://schemas.openxmlformats.org/presentationml/2006/main">
+  <p:cSld>
+    <p:spTree>
+      <p:nvGrpSpPr>
+        <p:cNvPr id="1" name=""/>
+        <p:cNvGrpSpPr/>
+        <p:nvPr/>
+      </p:nvGrpSpPr>
+      <p:grpSpPr>
+        <a:xfrm>
+          <a:off x="0" y="0"/>
+          <a:ext cx="0" cy="0"/>
+          <a:chOff x="0" y="0"/>
+          <a:chExt cx="0" cy="0"/>
+        </a:xfrm>
+      </p:grpSpPr>
+      <p:pic>
+        <p:nvPicPr>
+          <p:cNvPr id="3" name="Picture 2">
+            <a:extLst>
+              <a:ext uri="{FF2B5EF4-FFF2-40B4-BE49-F238E27FC236}">
+                <a16:creationId xmlns:a16="http://schemas.microsoft.com/office/drawing/2014/main" id="{34042A13-EF87-1612-92F5-1634CDD126D1}"/>
+              </a:ext>
+            </a:extLst>
+          </p:cNvPr>
+          <p:cNvPicPr>
+            <a:picLocks noChangeAspect="1"/>
+          </p:cNvPicPr>
+          <p:nvPr/>
+        </p:nvPicPr>
+        <p:blipFill>
+          <a:blip r:embed="rId2"/>
+          <a:stretch>
+            <a:fillRect/>
+          </a:stretch>
+        </p:blipFill>
+        <p:spPr>
+          <a:xfrm>
+            <a:off x="1333500" y="38100"/>
+            <a:ext cx="9525000" cy="6781800"/>
+          </a:xfrm>
+          <a:prstGeom prst="rect">
+            <a:avLst/>
+          </a:prstGeom>
+        </p:spPr>
+      </p:pic>
+    </p:spTree>
+    <p:extLst>
+      <p:ext uri="{BB962C8B-B14F-4D97-AF65-F5344CB8AC3E}">
+        <p14:creationId xmlns:p14="http://schemas.microsoft.com/office/powerpoint/2010/main" val="1024775539"/>
+      </p:ext>
+    </p:extLst>
+  </p:cSld>
+  <p:clrMapOvr>
+    <a:masterClrMapping/>
+  </p:clrMapOvr>
+</p:sld>
+</file>
+
+<file path=ppt/slides/slide12.xml><?xml version="1.0" encoding="utf-8"?>
 <p:sld xmlns:a="http://schemas.openxmlformats.org/drawingml/2006/main" xmlns:r="http://schemas.openxmlformats.org/officeDocument/2006/relationships" xmlns:p="http://schemas.openxmlformats.org/presentationml/2006/main" showMasterSp="0">
   <p:cSld>
     <p:spTree>
@@ -19605,10 +19760,10 @@
       </p:grpSpPr>
       <p:pic>
         <p:nvPicPr>
-          <p:cNvPr id="11" name="Picture 10">
+          <p:cNvPr id="3" name="Picture 2">
             <a:extLst>
               <a:ext uri="{FF2B5EF4-FFF2-40B4-BE49-F238E27FC236}">
-                <a16:creationId xmlns:a16="http://schemas.microsoft.com/office/drawing/2014/main" id="{D409CCAF-DFD9-6995-E663-FA0C4BA27DF4}"/>
+                <a16:creationId xmlns:a16="http://schemas.microsoft.com/office/drawing/2014/main" id="{266B6ECA-FCA2-6606-4914-43E957E02B02}"/>
               </a:ext>
             </a:extLst>
           </p:cNvPr>
@@ -19646,7 +19801,7 @@
 </p:sld>
 </file>
 
-<file path=ppt/slides/slide11.xml><?xml version="1.0" encoding="utf-8"?>
+<file path=ppt/slides/slide13.xml><?xml version="1.0" encoding="utf-8"?>
 <p:sld xmlns:a="http://schemas.openxmlformats.org/drawingml/2006/main" xmlns:r="http://schemas.openxmlformats.org/officeDocument/2006/relationships" xmlns:p="http://schemas.openxmlformats.org/presentationml/2006/main">
   <p:cSld>
     <p:bg>
@@ -20353,7 +20508,7 @@
 </p:sld>
 </file>
 
-<file path=ppt/slides/slide12.xml><?xml version="1.0" encoding="utf-8"?>
+<file path=ppt/slides/slide14.xml><?xml version="1.0" encoding="utf-8"?>
 <p:sld xmlns:a="http://schemas.openxmlformats.org/drawingml/2006/main" xmlns:r="http://schemas.openxmlformats.org/officeDocument/2006/relationships" xmlns:p="http://schemas.openxmlformats.org/presentationml/2006/main">
   <p:cSld>
     <p:bg>
@@ -22718,7 +22873,7 @@
 </p:sld>
 </file>
 
-<file path=ppt/slides/slide13.xml><?xml version="1.0" encoding="utf-8"?>
+<file path=ppt/slides/slide15.xml><?xml version="1.0" encoding="utf-8"?>
 <p:sld xmlns:a="http://schemas.openxmlformats.org/drawingml/2006/main" xmlns:r="http://schemas.openxmlformats.org/officeDocument/2006/relationships" xmlns:p="http://schemas.openxmlformats.org/presentationml/2006/main">
   <p:cSld>
     <p:bg>

--- a/Presentation.pptx
+++ b/Presentation.pptx
@@ -5,7 +5,7 @@
     <p:sldMasterId id="2147483648" r:id="rId1"/>
   </p:sldMasterIdLst>
   <p:notesMasterIdLst>
-    <p:notesMasterId r:id="rId20"/>
+    <p:notesMasterId r:id="rId19"/>
   </p:notesMasterIdLst>
   <p:sldIdLst>
     <p:sldId id="256" r:id="rId2"/>
@@ -20,17 +20,16 @@
     <p:sldId id="284" r:id="rId11"/>
     <p:sldId id="259" r:id="rId12"/>
     <p:sldId id="271" r:id="rId13"/>
-    <p:sldId id="261" r:id="rId14"/>
-    <p:sldId id="272" r:id="rId15"/>
-    <p:sldId id="265" r:id="rId16"/>
-    <p:sldId id="262" r:id="rId17"/>
-    <p:sldId id="268" r:id="rId18"/>
-    <p:sldId id="269" r:id="rId19"/>
+    <p:sldId id="272" r:id="rId14"/>
+    <p:sldId id="265" r:id="rId15"/>
+    <p:sldId id="262" r:id="rId16"/>
+    <p:sldId id="268" r:id="rId17"/>
+    <p:sldId id="269" r:id="rId18"/>
   </p:sldIdLst>
   <p:sldSz cx="12192000" cy="6858000"/>
   <p:notesSz cx="6858000" cy="9144000"/>
   <p:custDataLst>
-    <p:tags r:id="rId21"/>
+    <p:tags r:id="rId20"/>
   </p:custDataLst>
   <p:defaultTextStyle>
     <a:defPPr>
@@ -141,6 +140,126 @@
 </p:cmAuthorLst>
 </file>
 
+<file path=ppt/changesInfos/changesInfo1.xml><?xml version="1.0" encoding="utf-8"?>
+<pc:chgInfo xmlns:a="http://schemas.openxmlformats.org/drawingml/2006/main" xmlns:r="http://schemas.openxmlformats.org/officeDocument/2006/relationships" xmlns:ac="http://schemas.microsoft.com/office/drawing/2013/main/command" xmlns:pc="http://schemas.microsoft.com/office/powerpoint/2013/main/command">
+  <pc:docChgLst>
+    <pc:chgData name="Howard Zeng" userId="b3a49412108e13ba" providerId="LiveId" clId="{BCC94F81-CC70-406E-BFFC-3B9E7FA9D0DE}"/>
+    <pc:docChg chg="undo custSel delSld modSld">
+      <pc:chgData name="Howard Zeng" userId="b3a49412108e13ba" providerId="LiveId" clId="{BCC94F81-CC70-406E-BFFC-3B9E7FA9D0DE}" dt="2023-11-30T16:53:05.150" v="243"/>
+      <pc:docMkLst>
+        <pc:docMk/>
+      </pc:docMkLst>
+      <pc:sldChg chg="modSp mod modAnim">
+        <pc:chgData name="Howard Zeng" userId="b3a49412108e13ba" providerId="LiveId" clId="{BCC94F81-CC70-406E-BFFC-3B9E7FA9D0DE}" dt="2023-11-30T16:48:30.162" v="36" actId="20577"/>
+        <pc:sldMkLst>
+          <pc:docMk/>
+          <pc:sldMk cId="0" sldId="256"/>
+        </pc:sldMkLst>
+        <pc:spChg chg="mod">
+          <ac:chgData name="Howard Zeng" userId="b3a49412108e13ba" providerId="LiveId" clId="{BCC94F81-CC70-406E-BFFC-3B9E7FA9D0DE}" dt="2023-11-30T16:48:28.017" v="35" actId="20577"/>
+          <ac:spMkLst>
+            <pc:docMk/>
+            <pc:sldMk cId="0" sldId="256"/>
+            <ac:spMk id="2" creationId="{00000000-0000-0000-0000-000000000000}"/>
+          </ac:spMkLst>
+        </pc:spChg>
+        <pc:spChg chg="mod">
+          <ac:chgData name="Howard Zeng" userId="b3a49412108e13ba" providerId="LiveId" clId="{BCC94F81-CC70-406E-BFFC-3B9E7FA9D0DE}" dt="2023-11-30T16:48:30.162" v="36" actId="20577"/>
+          <ac:spMkLst>
+            <pc:docMk/>
+            <pc:sldMk cId="0" sldId="256"/>
+            <ac:spMk id="3" creationId="{00000000-0000-0000-0000-000000000000}"/>
+          </ac:spMkLst>
+        </pc:spChg>
+      </pc:sldChg>
+      <pc:sldChg chg="modSp mod">
+        <pc:chgData name="Howard Zeng" userId="b3a49412108e13ba" providerId="LiveId" clId="{BCC94F81-CC70-406E-BFFC-3B9E7FA9D0DE}" dt="2023-11-30T16:48:52.827" v="88" actId="20577"/>
+        <pc:sldMkLst>
+          <pc:docMk/>
+          <pc:sldMk cId="0" sldId="257"/>
+        </pc:sldMkLst>
+        <pc:spChg chg="mod">
+          <ac:chgData name="Howard Zeng" userId="b3a49412108e13ba" providerId="LiveId" clId="{BCC94F81-CC70-406E-BFFC-3B9E7FA9D0DE}" dt="2023-11-30T16:48:52.827" v="88" actId="20577"/>
+          <ac:spMkLst>
+            <pc:docMk/>
+            <pc:sldMk cId="0" sldId="257"/>
+            <ac:spMk id="7" creationId="{00000000-0000-0000-0000-000000000000}"/>
+          </ac:spMkLst>
+        </pc:spChg>
+      </pc:sldChg>
+      <pc:sldChg chg="modSp">
+        <pc:chgData name="Howard Zeng" userId="b3a49412108e13ba" providerId="LiveId" clId="{BCC94F81-CC70-406E-BFFC-3B9E7FA9D0DE}" dt="2023-11-30T16:50:45.205" v="225" actId="20577"/>
+        <pc:sldMkLst>
+          <pc:docMk/>
+          <pc:sldMk cId="0" sldId="259"/>
+        </pc:sldMkLst>
+        <pc:graphicFrameChg chg="mod">
+          <ac:chgData name="Howard Zeng" userId="b3a49412108e13ba" providerId="LiveId" clId="{BCC94F81-CC70-406E-BFFC-3B9E7FA9D0DE}" dt="2023-11-30T16:50:45.205" v="225" actId="20577"/>
+          <ac:graphicFrameMkLst>
+            <pc:docMk/>
+            <pc:sldMk cId="0" sldId="259"/>
+            <ac:graphicFrameMk id="5" creationId="{00000000-0000-0000-0000-000000000000}"/>
+          </ac:graphicFrameMkLst>
+        </pc:graphicFrameChg>
+      </pc:sldChg>
+      <pc:sldChg chg="del">
+        <pc:chgData name="Howard Zeng" userId="b3a49412108e13ba" providerId="LiveId" clId="{BCC94F81-CC70-406E-BFFC-3B9E7FA9D0DE}" dt="2023-11-30T16:48:58.889" v="89" actId="2696"/>
+        <pc:sldMkLst>
+          <pc:docMk/>
+          <pc:sldMk cId="0" sldId="261"/>
+        </pc:sldMkLst>
+      </pc:sldChg>
+      <pc:sldChg chg="modSp mod">
+        <pc:chgData name="Howard Zeng" userId="b3a49412108e13ba" providerId="LiveId" clId="{BCC94F81-CC70-406E-BFFC-3B9E7FA9D0DE}" dt="2023-11-30T16:53:05.150" v="243"/>
+        <pc:sldMkLst>
+          <pc:docMk/>
+          <pc:sldMk cId="0" sldId="262"/>
+        </pc:sldMkLst>
+        <pc:spChg chg="mod">
+          <ac:chgData name="Howard Zeng" userId="b3a49412108e13ba" providerId="LiveId" clId="{BCC94F81-CC70-406E-BFFC-3B9E7FA9D0DE}" dt="2023-11-30T16:51:11.257" v="232" actId="1076"/>
+          <ac:spMkLst>
+            <pc:docMk/>
+            <pc:sldMk cId="0" sldId="262"/>
+            <ac:spMk id="2" creationId="{00000000-0000-0000-0000-000000000000}"/>
+          </ac:spMkLst>
+        </pc:spChg>
+        <pc:graphicFrameChg chg="mod">
+          <ac:chgData name="Howard Zeng" userId="b3a49412108e13ba" providerId="LiveId" clId="{BCC94F81-CC70-406E-BFFC-3B9E7FA9D0DE}" dt="2023-11-30T16:53:05.150" v="243"/>
+          <ac:graphicFrameMkLst>
+            <pc:docMk/>
+            <pc:sldMk cId="0" sldId="262"/>
+            <ac:graphicFrameMk id="33" creationId="{00000000-0000-0000-0000-000000000000}"/>
+          </ac:graphicFrameMkLst>
+        </pc:graphicFrameChg>
+      </pc:sldChg>
+      <pc:sldChg chg="modSp mod">
+        <pc:chgData name="Howard Zeng" userId="b3a49412108e13ba" providerId="LiveId" clId="{BCC94F81-CC70-406E-BFFC-3B9E7FA9D0DE}" dt="2023-11-30T16:48:02.531" v="32"/>
+        <pc:sldMkLst>
+          <pc:docMk/>
+          <pc:sldMk cId="0" sldId="264"/>
+        </pc:sldMkLst>
+        <pc:spChg chg="mod">
+          <ac:chgData name="Howard Zeng" userId="b3a49412108e13ba" providerId="LiveId" clId="{BCC94F81-CC70-406E-BFFC-3B9E7FA9D0DE}" dt="2023-11-30T16:47:09.971" v="30" actId="20577"/>
+          <ac:spMkLst>
+            <pc:docMk/>
+            <pc:sldMk cId="0" sldId="264"/>
+            <ac:spMk id="2" creationId="{00000000-0000-0000-0000-000000000000}"/>
+          </ac:spMkLst>
+        </pc:spChg>
+        <pc:graphicFrameChg chg="mod">
+          <ac:chgData name="Howard Zeng" userId="b3a49412108e13ba" providerId="LiveId" clId="{BCC94F81-CC70-406E-BFFC-3B9E7FA9D0DE}" dt="2023-11-30T16:48:02.531" v="32"/>
+          <ac:graphicFrameMkLst>
+            <pc:docMk/>
+            <pc:sldMk cId="0" sldId="264"/>
+            <ac:graphicFrameMk id="127" creationId="{00000000-0000-0000-0000-000000000000}"/>
+          </ac:graphicFrameMkLst>
+        </pc:graphicFrameChg>
+      </pc:sldChg>
+    </pc:docChg>
+  </pc:docChgLst>
+</pc:chgInfo>
+</file>
+
 <file path=ppt/diagrams/colors1.xml><?xml version="1.0" encoding="utf-8"?>
 <dgm:colorsDef xmlns:dgm="http://schemas.openxmlformats.org/drawingml/2006/diagram" xmlns:a="http://schemas.openxmlformats.org/drawingml/2006/main" uniqueId="urn:microsoft.com/office/officeart/2018/5/colors/Iconchunking_neutralbg_colorful1">
   <dgm:title val=""/>
@@ -3561,129 +3680,6 @@
         </a:p>
       </dgm:t>
     </dgm:pt>
-    <dgm:pt modelId="{752B7F4F-2702-4E36-B896-DB6AD3E70D85}">
-      <dgm:prSet/>
-      <dgm:spPr/>
-      <dgm:t>
-        <a:bodyPr/>
-        <a:lstStyle/>
-        <a:p>
-          <a:pPr>
-            <a:lnSpc>
-              <a:spcPct val="100000"/>
-            </a:lnSpc>
-          </a:pPr>
-          <a:r>
-            <a:rPr lang="en-US" dirty="0"/>
-            <a:t>Construct models to capture buying and selling signal</a:t>
-          </a:r>
-        </a:p>
-      </dgm:t>
-    </dgm:pt>
-    <dgm:pt modelId="{BEAA42E4-3A8B-4D11-9AA7-B0DA4B6B2251}" type="parTrans" cxnId="{21A2EEDE-B034-4298-8496-ED360EDC5B73}">
-      <dgm:prSet/>
-      <dgm:spPr/>
-      <dgm:t>
-        <a:bodyPr/>
-        <a:lstStyle/>
-        <a:p>
-          <a:endParaRPr lang="en-US"/>
-        </a:p>
-      </dgm:t>
-    </dgm:pt>
-    <dgm:pt modelId="{EF29B5BA-9BC1-4D76-BD70-78F9199EABA1}" type="sibTrans" cxnId="{21A2EEDE-B034-4298-8496-ED360EDC5B73}">
-      <dgm:prSet/>
-      <dgm:spPr/>
-      <dgm:t>
-        <a:bodyPr/>
-        <a:lstStyle/>
-        <a:p>
-          <a:endParaRPr lang="en-US"/>
-        </a:p>
-      </dgm:t>
-    </dgm:pt>
-    <dgm:pt modelId="{5FC0DDF8-1BF1-4359-BEC1-EA7CD70ACA5F}">
-      <dgm:prSet/>
-      <dgm:spPr/>
-      <dgm:t>
-        <a:bodyPr/>
-        <a:lstStyle/>
-        <a:p>
-          <a:pPr>
-            <a:lnSpc>
-              <a:spcPct val="100000"/>
-            </a:lnSpc>
-          </a:pPr>
-          <a:r>
-            <a:rPr lang="en-US" dirty="0"/>
-            <a:t>Time series modeling</a:t>
-          </a:r>
-        </a:p>
-      </dgm:t>
-    </dgm:pt>
-    <dgm:pt modelId="{DA0D3296-9D1C-4040-B3D2-AB5921AEDB39}" type="parTrans" cxnId="{3161AF28-7129-46C6-944B-BD11E164DC58}">
-      <dgm:prSet/>
-      <dgm:spPr/>
-      <dgm:t>
-        <a:bodyPr/>
-        <a:lstStyle/>
-        <a:p>
-          <a:endParaRPr lang="en-US"/>
-        </a:p>
-      </dgm:t>
-    </dgm:pt>
-    <dgm:pt modelId="{B50B769E-C2DC-4534-A727-719EEA221276}" type="sibTrans" cxnId="{3161AF28-7129-46C6-944B-BD11E164DC58}">
-      <dgm:prSet/>
-      <dgm:spPr/>
-      <dgm:t>
-        <a:bodyPr/>
-        <a:lstStyle/>
-        <a:p>
-          <a:endParaRPr lang="en-US"/>
-        </a:p>
-      </dgm:t>
-    </dgm:pt>
-    <dgm:pt modelId="{BCE3DE5A-1383-4E99-9030-4D8ADBE03E0C}">
-      <dgm:prSet/>
-      <dgm:spPr/>
-      <dgm:t>
-        <a:bodyPr/>
-        <a:lstStyle/>
-        <a:p>
-          <a:pPr>
-            <a:lnSpc>
-              <a:spcPct val="100000"/>
-            </a:lnSpc>
-          </a:pPr>
-          <a:r>
-            <a:rPr lang="en-US" dirty="0"/>
-            <a:t>Dynamic decision making</a:t>
-          </a:r>
-        </a:p>
-      </dgm:t>
-    </dgm:pt>
-    <dgm:pt modelId="{5CE08A19-424C-4C24-A53F-CA0C9E58F912}" type="parTrans" cxnId="{6C98CDF0-8F40-4AFE-A856-63FB9C1E9601}">
-      <dgm:prSet/>
-      <dgm:spPr/>
-      <dgm:t>
-        <a:bodyPr/>
-        <a:lstStyle/>
-        <a:p>
-          <a:endParaRPr lang="en-US"/>
-        </a:p>
-      </dgm:t>
-    </dgm:pt>
-    <dgm:pt modelId="{46CBA0B9-AD78-4B6F-BEC6-41071BB8C8B3}" type="sibTrans" cxnId="{6C98CDF0-8F40-4AFE-A856-63FB9C1E9601}">
-      <dgm:prSet/>
-      <dgm:spPr/>
-      <dgm:t>
-        <a:bodyPr/>
-        <a:lstStyle/>
-        <a:p>
-          <a:endParaRPr lang="en-US"/>
-        </a:p>
-      </dgm:t>
-    </dgm:pt>
     <dgm:pt modelId="{5FAE9542-ED2B-4FF2-A911-A23EE6F6DDC5}">
       <dgm:prSet/>
       <dgm:spPr/>
@@ -3697,9 +3693,21 @@
             </a:lnSpc>
           </a:pPr>
           <a:r>
-            <a:rPr lang="en-US" dirty="0"/>
-            <a:t>Implement sentiment analysis of retail trader and study their impact</a:t>
+            <a:rPr lang="en-US" altLang="zh-CN" dirty="0"/>
+            <a:t>Implement retail trader sentiment analysis to assess market impact</a:t>
           </a:r>
+          <a:endParaRPr lang="en-US" dirty="0"/>
+        </a:p>
+      </dgm:t>
+    </dgm:pt>
+    <dgm:pt modelId="{CCF74DE4-26C9-45A4-82E6-70A784D8BBD1}" type="sibTrans" cxnId="{EFF2ED75-E9AC-4B48-B3F2-5971B7523C4C}">
+      <dgm:prSet/>
+      <dgm:spPr/>
+      <dgm:t>
+        <a:bodyPr/>
+        <a:lstStyle/>
+        <a:p>
+          <a:endParaRPr lang="en-US"/>
         </a:p>
       </dgm:t>
     </dgm:pt>
@@ -3714,18 +3722,7 @@
         </a:p>
       </dgm:t>
     </dgm:pt>
-    <dgm:pt modelId="{CCF74DE4-26C9-45A4-82E6-70A784D8BBD1}" type="sibTrans" cxnId="{EFF2ED75-E9AC-4B48-B3F2-5971B7523C4C}">
-      <dgm:prSet/>
-      <dgm:spPr/>
-      <dgm:t>
-        <a:bodyPr/>
-        <a:lstStyle/>
-        <a:p>
-          <a:endParaRPr lang="en-US"/>
-        </a:p>
-      </dgm:t>
-    </dgm:pt>
-    <dgm:pt modelId="{7EF95EE2-E166-47D0-9D14-B03FFF560B57}">
+    <dgm:pt modelId="{88C642FE-E346-465D-8A5A-5936A457DAD1}">
       <dgm:prSet/>
       <dgm:spPr/>
       <dgm:t>
@@ -3738,72 +3735,32 @@
             </a:lnSpc>
           </a:pPr>
           <a:r>
-            <a:rPr lang="en-US" dirty="0"/>
-            <a:t>Entity matching</a:t>
+            <a:rPr lang="en-US" altLang="zh-CN" dirty="0"/>
+            <a:t>Develop predictive models for real-time detection of buy/sell signals</a:t>
           </a:r>
+          <a:endParaRPr lang="en-US" dirty="0"/>
         </a:p>
       </dgm:t>
     </dgm:pt>
-    <dgm:pt modelId="{839EBB23-5355-4A00-92A2-1DCE9FCB480F}" type="parTrans" cxnId="{BE710D90-EC91-4A9C-A6F9-FF61E651102D}">
+    <dgm:pt modelId="{D08D5768-2D24-4FAC-9191-477B38D6DA05}" type="sibTrans" cxnId="{25EB2A31-C459-4169-8C35-DCBF2915D844}">
       <dgm:prSet/>
       <dgm:spPr/>
       <dgm:t>
         <a:bodyPr/>
         <a:lstStyle/>
         <a:p>
-          <a:endParaRPr lang="en-US"/>
+          <a:endParaRPr lang="zh-CN" altLang="en-US"/>
         </a:p>
       </dgm:t>
     </dgm:pt>
-    <dgm:pt modelId="{D43383D3-68DE-4B85-913F-C29C0148766E}" type="sibTrans" cxnId="{BE710D90-EC91-4A9C-A6F9-FF61E651102D}">
+    <dgm:pt modelId="{225578BC-3BD0-4294-9A40-2E77CEF91A4C}" type="parTrans" cxnId="{25EB2A31-C459-4169-8C35-DCBF2915D844}">
       <dgm:prSet/>
       <dgm:spPr/>
       <dgm:t>
         <a:bodyPr/>
         <a:lstStyle/>
         <a:p>
-          <a:endParaRPr lang="en-US"/>
-        </a:p>
-      </dgm:t>
-    </dgm:pt>
-    <dgm:pt modelId="{CFF50CC6-AF62-4A74-A57F-062BC2FB4847}">
-      <dgm:prSet/>
-      <dgm:spPr/>
-      <dgm:t>
-        <a:bodyPr/>
-        <a:lstStyle/>
-        <a:p>
-          <a:pPr>
-            <a:lnSpc>
-              <a:spcPct val="100000"/>
-            </a:lnSpc>
-          </a:pPr>
-          <a:r>
-            <a:rPr lang="en-US" dirty="0"/>
-            <a:t>Sentiment analysis</a:t>
-          </a:r>
-        </a:p>
-      </dgm:t>
-    </dgm:pt>
-    <dgm:pt modelId="{CD378CC3-6E8D-4145-A817-31B9A848521A}" type="parTrans" cxnId="{08301A69-1B3C-4AE7-999B-A6DB99EE34B5}">
-      <dgm:prSet/>
-      <dgm:spPr/>
-      <dgm:t>
-        <a:bodyPr/>
-        <a:lstStyle/>
-        <a:p>
-          <a:endParaRPr lang="en-US"/>
-        </a:p>
-      </dgm:t>
-    </dgm:pt>
-    <dgm:pt modelId="{08EED712-60E2-47B1-B3F4-1DBE967B0344}" type="sibTrans" cxnId="{08301A69-1B3C-4AE7-999B-A6DB99EE34B5}">
-      <dgm:prSet/>
-      <dgm:spPr/>
-      <dgm:t>
-        <a:bodyPr/>
-        <a:lstStyle/>
-        <a:p>
-          <a:endParaRPr lang="en-US"/>
+          <a:endParaRPr lang="zh-CN" altLang="en-US"/>
         </a:p>
       </dgm:t>
     </dgm:pt>
@@ -3816,16 +3773,16 @@
       </dgm:prSet>
       <dgm:spPr/>
     </dgm:pt>
-    <dgm:pt modelId="{DE96EEF8-755C-4C8E-AD8B-8AC82EE71A7E}" type="pres">
-      <dgm:prSet presAssocID="{752B7F4F-2702-4E36-B896-DB6AD3E70D85}" presName="compNode" presStyleCnt="0"/>
+    <dgm:pt modelId="{138E70F6-4640-4F3A-B755-CAE18243AC10}" type="pres">
+      <dgm:prSet presAssocID="{5FAE9542-ED2B-4FF2-A911-A23EE6F6DDC5}" presName="compNode" presStyleCnt="0"/>
       <dgm:spPr/>
     </dgm:pt>
-    <dgm:pt modelId="{18986CF1-2072-42F0-BCE0-914E74EE6D33}" type="pres">
-      <dgm:prSet presAssocID="{752B7F4F-2702-4E36-B896-DB6AD3E70D85}" presName="bgRect" presStyleLbl="bgShp" presStyleIdx="0" presStyleCnt="2"/>
+    <dgm:pt modelId="{E541CD7E-3771-4130-ACEF-6B941838B6F5}" type="pres">
+      <dgm:prSet presAssocID="{5FAE9542-ED2B-4FF2-A911-A23EE6F6DDC5}" presName="bgRect" presStyleLbl="bgShp" presStyleIdx="0" presStyleCnt="2"/>
       <dgm:spPr/>
     </dgm:pt>
-    <dgm:pt modelId="{D81EE60F-2821-4F87-98D9-59CDB0BCB6F7}" type="pres">
-      <dgm:prSet presAssocID="{752B7F4F-2702-4E36-B896-DB6AD3E70D85}" presName="iconRect" presStyleLbl="node1" presStyleIdx="0" presStyleCnt="2"/>
+    <dgm:pt modelId="{10276274-7A25-420F-85AC-6F98D7C9368E}" type="pres">
+      <dgm:prSet presAssocID="{5FAE9542-ED2B-4FF2-A911-A23EE6F6DDC5}" presName="iconRect" presStyleLbl="node1" presStyleIdx="0" presStyleCnt="2"/>
       <dgm:spPr>
         <a:blipFill>
           <a:blip xmlns:r="http://schemas.openxmlformats.org/officeDocument/2006/relationships" r:embed="rId1">
@@ -3847,12 +3804,12 @@
         </a:ln>
       </dgm:spPr>
     </dgm:pt>
-    <dgm:pt modelId="{14DEDF7C-63E7-469F-A76B-D678BEB6F37C}" type="pres">
-      <dgm:prSet presAssocID="{752B7F4F-2702-4E36-B896-DB6AD3E70D85}" presName="spaceRect" presStyleCnt="0"/>
+    <dgm:pt modelId="{9BC13FE3-8807-4DAD-93E9-386EFDB6E8A9}" type="pres">
+      <dgm:prSet presAssocID="{5FAE9542-ED2B-4FF2-A911-A23EE6F6DDC5}" presName="spaceRect" presStyleCnt="0"/>
       <dgm:spPr/>
     </dgm:pt>
-    <dgm:pt modelId="{37B540AC-436C-4460-A4C7-6FA0DE6679E7}" type="pres">
-      <dgm:prSet presAssocID="{752B7F4F-2702-4E36-B896-DB6AD3E70D85}" presName="parTx" presStyleLbl="revTx" presStyleIdx="0" presStyleCnt="4">
+    <dgm:pt modelId="{C1D4B622-1C87-4F4A-B292-1823CF35D469}" type="pres">
+      <dgm:prSet presAssocID="{5FAE9542-ED2B-4FF2-A911-A23EE6F6DDC5}" presName="parTx" presStyleLbl="revTx" presStyleIdx="0" presStyleCnt="2">
         <dgm:presLayoutVars>
           <dgm:chMax val="0"/>
           <dgm:chPref val="0"/>
@@ -3860,28 +3817,22 @@
       </dgm:prSet>
       <dgm:spPr/>
     </dgm:pt>
-    <dgm:pt modelId="{B9F9C750-C5FA-424B-91B7-6E26661FE142}" type="pres">
-      <dgm:prSet presAssocID="{752B7F4F-2702-4E36-B896-DB6AD3E70D85}" presName="desTx" presStyleLbl="revTx" presStyleIdx="1" presStyleCnt="4">
-        <dgm:presLayoutVars/>
-      </dgm:prSet>
+    <dgm:pt modelId="{05E8CCB5-B0F0-4494-A3A6-7090E28C324F}" type="pres">
+      <dgm:prSet presAssocID="{CCF74DE4-26C9-45A4-82E6-70A784D8BBD1}" presName="sibTrans" presStyleCnt="0"/>
       <dgm:spPr/>
     </dgm:pt>
-    <dgm:pt modelId="{B590C752-BF56-4C8F-BC2E-7324FF286D96}" type="pres">
-      <dgm:prSet presAssocID="{EF29B5BA-9BC1-4D76-BD70-78F9199EABA1}" presName="sibTrans" presStyleCnt="0"/>
+    <dgm:pt modelId="{0E5FA596-D84E-44F0-8B7E-717B787DB8B8}" type="pres">
+      <dgm:prSet presAssocID="{88C642FE-E346-465D-8A5A-5936A457DAD1}" presName="compNode" presStyleCnt="0"/>
       <dgm:spPr/>
     </dgm:pt>
-    <dgm:pt modelId="{138E70F6-4640-4F3A-B755-CAE18243AC10}" type="pres">
-      <dgm:prSet presAssocID="{5FAE9542-ED2B-4FF2-A911-A23EE6F6DDC5}" presName="compNode" presStyleCnt="0"/>
+    <dgm:pt modelId="{0B2EF1B2-1A9A-4AFF-9CC2-61C8648E5B3D}" type="pres">
+      <dgm:prSet presAssocID="{88C642FE-E346-465D-8A5A-5936A457DAD1}" presName="bgRect" presStyleLbl="bgShp" presStyleIdx="1" presStyleCnt="2"/>
       <dgm:spPr/>
     </dgm:pt>
-    <dgm:pt modelId="{E541CD7E-3771-4130-ACEF-6B941838B6F5}" type="pres">
-      <dgm:prSet presAssocID="{5FAE9542-ED2B-4FF2-A911-A23EE6F6DDC5}" presName="bgRect" presStyleLbl="bgShp" presStyleIdx="1" presStyleCnt="2"/>
-      <dgm:spPr/>
-    </dgm:pt>
-    <dgm:pt modelId="{10276274-7A25-420F-85AC-6F98D7C9368E}" type="pres">
-      <dgm:prSet presAssocID="{5FAE9542-ED2B-4FF2-A911-A23EE6F6DDC5}" presName="iconRect" presStyleLbl="node1" presStyleIdx="1" presStyleCnt="2"/>
+    <dgm:pt modelId="{BBA7B180-528C-4707-B0B2-F161985BCC72}" type="pres">
+      <dgm:prSet presAssocID="{88C642FE-E346-465D-8A5A-5936A457DAD1}" presName="iconRect" presStyleLbl="node1" presStyleIdx="1" presStyleCnt="2"/>
       <dgm:spPr>
-        <a:blipFill>
+        <a:blipFill rotWithShape="1">
           <a:blip xmlns:r="http://schemas.openxmlformats.org/officeDocument/2006/relationships" r:embed="rId3">
             <a:extLst>
               <a:ext uri="{28A0092B-C50C-407E-A947-70E740481C1C}">
@@ -3892,21 +3843,19 @@
               </a:ext>
             </a:extLst>
           </a:blip>
+          <a:srcRect/>
           <a:stretch>
             <a:fillRect/>
           </a:stretch>
         </a:blipFill>
-        <a:ln>
-          <a:noFill/>
-        </a:ln>
       </dgm:spPr>
     </dgm:pt>
-    <dgm:pt modelId="{9BC13FE3-8807-4DAD-93E9-386EFDB6E8A9}" type="pres">
-      <dgm:prSet presAssocID="{5FAE9542-ED2B-4FF2-A911-A23EE6F6DDC5}" presName="spaceRect" presStyleCnt="0"/>
+    <dgm:pt modelId="{BF1E764C-A1A9-4F33-9C72-82CE25FEF60A}" type="pres">
+      <dgm:prSet presAssocID="{88C642FE-E346-465D-8A5A-5936A457DAD1}" presName="spaceRect" presStyleCnt="0"/>
       <dgm:spPr/>
     </dgm:pt>
-    <dgm:pt modelId="{C1D4B622-1C87-4F4A-B292-1823CF35D469}" type="pres">
-      <dgm:prSet presAssocID="{5FAE9542-ED2B-4FF2-A911-A23EE6F6DDC5}" presName="parTx" presStyleLbl="revTx" presStyleIdx="2" presStyleCnt="4">
+    <dgm:pt modelId="{49E5CB17-7B4C-41C2-9AE2-CF4B25E1B086}" type="pres">
+      <dgm:prSet presAssocID="{88C642FE-E346-465D-8A5A-5936A457DAD1}" presName="parTx" presStyleLbl="revTx" presStyleIdx="1" presStyleCnt="2">
         <dgm:presLayoutVars>
           <dgm:chMax val="0"/>
           <dgm:chPref val="0"/>
@@ -3914,40 +3863,24 @@
       </dgm:prSet>
       <dgm:spPr/>
     </dgm:pt>
-    <dgm:pt modelId="{D989E9BD-753D-4A8A-BE43-10BCB6382F25}" type="pres">
-      <dgm:prSet presAssocID="{5FAE9542-ED2B-4FF2-A911-A23EE6F6DDC5}" presName="desTx" presStyleLbl="revTx" presStyleIdx="3" presStyleCnt="4">
-        <dgm:presLayoutVars/>
-      </dgm:prSet>
-      <dgm:spPr/>
-    </dgm:pt>
   </dgm:ptLst>
   <dgm:cxnLst>
-    <dgm:cxn modelId="{3161AF28-7129-46C6-944B-BD11E164DC58}" srcId="{752B7F4F-2702-4E36-B896-DB6AD3E70D85}" destId="{5FC0DDF8-1BF1-4359-BEC1-EA7CD70ACA5F}" srcOrd="0" destOrd="0" parTransId="{DA0D3296-9D1C-4040-B3D2-AB5921AEDB39}" sibTransId="{B50B769E-C2DC-4534-A727-719EEA221276}"/>
-    <dgm:cxn modelId="{08301A69-1B3C-4AE7-999B-A6DB99EE34B5}" srcId="{5FAE9542-ED2B-4FF2-A911-A23EE6F6DDC5}" destId="{CFF50CC6-AF62-4A74-A57F-062BC2FB4847}" srcOrd="1" destOrd="0" parTransId="{CD378CC3-6E8D-4145-A817-31B9A848521A}" sibTransId="{08EED712-60E2-47B1-B3F4-1DBE967B0344}"/>
-    <dgm:cxn modelId="{EFF2ED75-E9AC-4B48-B3F2-5971B7523C4C}" srcId="{9B7D9526-8969-45C8-A28F-93400082D770}" destId="{5FAE9542-ED2B-4FF2-A911-A23EE6F6DDC5}" srcOrd="1" destOrd="0" parTransId="{DE52508F-1789-4A9F-9707-74924DD7E61E}" sibTransId="{CCF74DE4-26C9-45A4-82E6-70A784D8BBD1}"/>
-    <dgm:cxn modelId="{B0A50259-50DC-4F73-8607-AB7A470604C1}" type="presOf" srcId="{752B7F4F-2702-4E36-B896-DB6AD3E70D85}" destId="{37B540AC-436C-4460-A4C7-6FA0DE6679E7}" srcOrd="0" destOrd="0" presId="urn:microsoft.com/office/officeart/2018/2/layout/IconVerticalSolidList"/>
+    <dgm:cxn modelId="{25EB2A31-C459-4169-8C35-DCBF2915D844}" srcId="{9B7D9526-8969-45C8-A28F-93400082D770}" destId="{88C642FE-E346-465D-8A5A-5936A457DAD1}" srcOrd="1" destOrd="0" parTransId="{225578BC-3BD0-4294-9A40-2E77CEF91A4C}" sibTransId="{D08D5768-2D24-4FAC-9191-477B38D6DA05}"/>
+    <dgm:cxn modelId="{EFF2ED75-E9AC-4B48-B3F2-5971B7523C4C}" srcId="{9B7D9526-8969-45C8-A28F-93400082D770}" destId="{5FAE9542-ED2B-4FF2-A911-A23EE6F6DDC5}" srcOrd="0" destOrd="0" parTransId="{DE52508F-1789-4A9F-9707-74924DD7E61E}" sibTransId="{CCF74DE4-26C9-45A4-82E6-70A784D8BBD1}"/>
     <dgm:cxn modelId="{D6909B59-9DF0-4AC9-8F1E-2F5A847EACF5}" type="presOf" srcId="{5FAE9542-ED2B-4FF2-A911-A23EE6F6DDC5}" destId="{C1D4B622-1C87-4F4A-B292-1823CF35D469}" srcOrd="0" destOrd="0" presId="urn:microsoft.com/office/officeart/2018/2/layout/IconVerticalSolidList"/>
-    <dgm:cxn modelId="{231CAF82-4079-4066-ABF9-82AD15921879}" type="presOf" srcId="{7EF95EE2-E166-47D0-9D14-B03FFF560B57}" destId="{D989E9BD-753D-4A8A-BE43-10BCB6382F25}" srcOrd="0" destOrd="0" presId="urn:microsoft.com/office/officeart/2018/2/layout/IconVerticalSolidList"/>
-    <dgm:cxn modelId="{BE710D90-EC91-4A9C-A6F9-FF61E651102D}" srcId="{5FAE9542-ED2B-4FF2-A911-A23EE6F6DDC5}" destId="{7EF95EE2-E166-47D0-9D14-B03FFF560B57}" srcOrd="0" destOrd="0" parTransId="{839EBB23-5355-4A00-92A2-1DCE9FCB480F}" sibTransId="{D43383D3-68DE-4B85-913F-C29C0148766E}"/>
-    <dgm:cxn modelId="{79BD5DA5-D3E7-4330-8FA9-A410A86E0136}" type="presOf" srcId="{5FC0DDF8-1BF1-4359-BEC1-EA7CD70ACA5F}" destId="{B9F9C750-C5FA-424B-91B7-6E26661FE142}" srcOrd="0" destOrd="0" presId="urn:microsoft.com/office/officeart/2018/2/layout/IconVerticalSolidList"/>
     <dgm:cxn modelId="{E54609CB-887B-458F-8EDB-69EFD94E71B3}" type="presOf" srcId="{9B7D9526-8969-45C8-A28F-93400082D770}" destId="{09A38CE4-E368-4750-9444-162AFCA58891}" srcOrd="0" destOrd="0" presId="urn:microsoft.com/office/officeart/2018/2/layout/IconVerticalSolidList"/>
-    <dgm:cxn modelId="{D4E4C9CD-5B4D-4224-A62C-16C39C14EB51}" type="presOf" srcId="{BCE3DE5A-1383-4E99-9030-4D8ADBE03E0C}" destId="{B9F9C750-C5FA-424B-91B7-6E26661FE142}" srcOrd="0" destOrd="1" presId="urn:microsoft.com/office/officeart/2018/2/layout/IconVerticalSolidList"/>
-    <dgm:cxn modelId="{21A2EEDE-B034-4298-8496-ED360EDC5B73}" srcId="{9B7D9526-8969-45C8-A28F-93400082D770}" destId="{752B7F4F-2702-4E36-B896-DB6AD3E70D85}" srcOrd="0" destOrd="0" parTransId="{BEAA42E4-3A8B-4D11-9AA7-B0DA4B6B2251}" sibTransId="{EF29B5BA-9BC1-4D76-BD70-78F9199EABA1}"/>
-    <dgm:cxn modelId="{6C98CDF0-8F40-4AFE-A856-63FB9C1E9601}" srcId="{752B7F4F-2702-4E36-B896-DB6AD3E70D85}" destId="{BCE3DE5A-1383-4E99-9030-4D8ADBE03E0C}" srcOrd="1" destOrd="0" parTransId="{5CE08A19-424C-4C24-A53F-CA0C9E58F912}" sibTransId="{46CBA0B9-AD78-4B6F-BEC6-41071BB8C8B3}"/>
-    <dgm:cxn modelId="{8C7978F1-F8DC-4DAB-B37A-E9CA52844F5E}" type="presOf" srcId="{CFF50CC6-AF62-4A74-A57F-062BC2FB4847}" destId="{D989E9BD-753D-4A8A-BE43-10BCB6382F25}" srcOrd="0" destOrd="1" presId="urn:microsoft.com/office/officeart/2018/2/layout/IconVerticalSolidList"/>
-    <dgm:cxn modelId="{BF482D20-E596-46CF-A7E4-6C47F9BF2CAF}" type="presParOf" srcId="{09A38CE4-E368-4750-9444-162AFCA58891}" destId="{DE96EEF8-755C-4C8E-AD8B-8AC82EE71A7E}" srcOrd="0" destOrd="0" presId="urn:microsoft.com/office/officeart/2018/2/layout/IconVerticalSolidList"/>
-    <dgm:cxn modelId="{C74A307D-636F-4CFB-8C51-EE0AF7370F45}" type="presParOf" srcId="{DE96EEF8-755C-4C8E-AD8B-8AC82EE71A7E}" destId="{18986CF1-2072-42F0-BCE0-914E74EE6D33}" srcOrd="0" destOrd="0" presId="urn:microsoft.com/office/officeart/2018/2/layout/IconVerticalSolidList"/>
-    <dgm:cxn modelId="{F744318E-FDD5-433D-BE7E-C405B10D51B5}" type="presParOf" srcId="{DE96EEF8-755C-4C8E-AD8B-8AC82EE71A7E}" destId="{D81EE60F-2821-4F87-98D9-59CDB0BCB6F7}" srcOrd="1" destOrd="0" presId="urn:microsoft.com/office/officeart/2018/2/layout/IconVerticalSolidList"/>
-    <dgm:cxn modelId="{5980CFBA-B374-4C02-BE3C-5351F9FE6642}" type="presParOf" srcId="{DE96EEF8-755C-4C8E-AD8B-8AC82EE71A7E}" destId="{14DEDF7C-63E7-469F-A76B-D678BEB6F37C}" srcOrd="2" destOrd="0" presId="urn:microsoft.com/office/officeart/2018/2/layout/IconVerticalSolidList"/>
-    <dgm:cxn modelId="{DF146145-A21A-4A30-8C69-2A775ECAB2E8}" type="presParOf" srcId="{DE96EEF8-755C-4C8E-AD8B-8AC82EE71A7E}" destId="{37B540AC-436C-4460-A4C7-6FA0DE6679E7}" srcOrd="3" destOrd="0" presId="urn:microsoft.com/office/officeart/2018/2/layout/IconVerticalSolidList"/>
-    <dgm:cxn modelId="{4D616CD7-D7E7-42C7-88FB-3530A87753C6}" type="presParOf" srcId="{DE96EEF8-755C-4C8E-AD8B-8AC82EE71A7E}" destId="{B9F9C750-C5FA-424B-91B7-6E26661FE142}" srcOrd="4" destOrd="0" presId="urn:microsoft.com/office/officeart/2018/2/layout/IconVerticalSolidList"/>
-    <dgm:cxn modelId="{B14A2D50-8E80-44F0-9815-1640F48A6F9A}" type="presParOf" srcId="{09A38CE4-E368-4750-9444-162AFCA58891}" destId="{B590C752-BF56-4C8F-BC2E-7324FF286D96}" srcOrd="1" destOrd="0" presId="urn:microsoft.com/office/officeart/2018/2/layout/IconVerticalSolidList"/>
-    <dgm:cxn modelId="{01E5AEB6-33FA-407E-8B66-B1D216753DA2}" type="presParOf" srcId="{09A38CE4-E368-4750-9444-162AFCA58891}" destId="{138E70F6-4640-4F3A-B755-CAE18243AC10}" srcOrd="2" destOrd="0" presId="urn:microsoft.com/office/officeart/2018/2/layout/IconVerticalSolidList"/>
+    <dgm:cxn modelId="{581AE8EA-7938-4859-B13F-3775F4EDC174}" type="presOf" srcId="{88C642FE-E346-465D-8A5A-5936A457DAD1}" destId="{49E5CB17-7B4C-41C2-9AE2-CF4B25E1B086}" srcOrd="0" destOrd="0" presId="urn:microsoft.com/office/officeart/2018/2/layout/IconVerticalSolidList"/>
+    <dgm:cxn modelId="{01E5AEB6-33FA-407E-8B66-B1D216753DA2}" type="presParOf" srcId="{09A38CE4-E368-4750-9444-162AFCA58891}" destId="{138E70F6-4640-4F3A-B755-CAE18243AC10}" srcOrd="0" destOrd="0" presId="urn:microsoft.com/office/officeart/2018/2/layout/IconVerticalSolidList"/>
     <dgm:cxn modelId="{2AB88DC9-C783-4CFF-B99A-C3DA66A12973}" type="presParOf" srcId="{138E70F6-4640-4F3A-B755-CAE18243AC10}" destId="{E541CD7E-3771-4130-ACEF-6B941838B6F5}" srcOrd="0" destOrd="0" presId="urn:microsoft.com/office/officeart/2018/2/layout/IconVerticalSolidList"/>
     <dgm:cxn modelId="{C22E7B9D-863F-4A61-8492-613465A79AC1}" type="presParOf" srcId="{138E70F6-4640-4F3A-B755-CAE18243AC10}" destId="{10276274-7A25-420F-85AC-6F98D7C9368E}" srcOrd="1" destOrd="0" presId="urn:microsoft.com/office/officeart/2018/2/layout/IconVerticalSolidList"/>
     <dgm:cxn modelId="{E853B994-59A5-46A3-8622-0FA4C127DCD4}" type="presParOf" srcId="{138E70F6-4640-4F3A-B755-CAE18243AC10}" destId="{9BC13FE3-8807-4DAD-93E9-386EFDB6E8A9}" srcOrd="2" destOrd="0" presId="urn:microsoft.com/office/officeart/2018/2/layout/IconVerticalSolidList"/>
     <dgm:cxn modelId="{6B155BBF-1BF8-42D4-996F-AD0C73C696B4}" type="presParOf" srcId="{138E70F6-4640-4F3A-B755-CAE18243AC10}" destId="{C1D4B622-1C87-4F4A-B292-1823CF35D469}" srcOrd="3" destOrd="0" presId="urn:microsoft.com/office/officeart/2018/2/layout/IconVerticalSolidList"/>
-    <dgm:cxn modelId="{BBE1F218-B14C-4EC9-BCF9-C49D70761A09}" type="presParOf" srcId="{138E70F6-4640-4F3A-B755-CAE18243AC10}" destId="{D989E9BD-753D-4A8A-BE43-10BCB6382F25}" srcOrd="4" destOrd="0" presId="urn:microsoft.com/office/officeart/2018/2/layout/IconVerticalSolidList"/>
+    <dgm:cxn modelId="{4858E5DB-177F-440C-9D4F-BF0155B4DA2F}" type="presParOf" srcId="{09A38CE4-E368-4750-9444-162AFCA58891}" destId="{05E8CCB5-B0F0-4494-A3A6-7090E28C324F}" srcOrd="1" destOrd="0" presId="urn:microsoft.com/office/officeart/2018/2/layout/IconVerticalSolidList"/>
+    <dgm:cxn modelId="{CF0BA6FC-A166-4E41-939C-FD4375C37175}" type="presParOf" srcId="{09A38CE4-E368-4750-9444-162AFCA58891}" destId="{0E5FA596-D84E-44F0-8B7E-717B787DB8B8}" srcOrd="2" destOrd="0" presId="urn:microsoft.com/office/officeart/2018/2/layout/IconVerticalSolidList"/>
+    <dgm:cxn modelId="{A28F278F-8BE7-42DE-A537-7FCB39C830FB}" type="presParOf" srcId="{0E5FA596-D84E-44F0-8B7E-717B787DB8B8}" destId="{0B2EF1B2-1A9A-4AFF-9CC2-61C8648E5B3D}" srcOrd="0" destOrd="0" presId="urn:microsoft.com/office/officeart/2018/2/layout/IconVerticalSolidList"/>
+    <dgm:cxn modelId="{069916D7-3B9D-4F72-BA55-81B1CDC91D15}" type="presParOf" srcId="{0E5FA596-D84E-44F0-8B7E-717B787DB8B8}" destId="{BBA7B180-528C-4707-B0B2-F161985BCC72}" srcOrd="1" destOrd="0" presId="urn:microsoft.com/office/officeart/2018/2/layout/IconVerticalSolidList"/>
+    <dgm:cxn modelId="{3A953208-28F6-44B8-BC3E-D0A8A6B2DEE0}" type="presParOf" srcId="{0E5FA596-D84E-44F0-8B7E-717B787DB8B8}" destId="{BF1E764C-A1A9-4F33-9C72-82CE25FEF60A}" srcOrd="2" destOrd="0" presId="urn:microsoft.com/office/officeart/2018/2/layout/IconVerticalSolidList"/>
+    <dgm:cxn modelId="{60C9A927-5331-4174-BE65-62D6DB1AA7D1}" type="presParOf" srcId="{0E5FA596-D84E-44F0-8B7E-717B787DB8B8}" destId="{49E5CB17-7B4C-41C2-9AE2-CF4B25E1B086}" srcOrd="3" destOrd="0" presId="urn:microsoft.com/office/officeart/2018/2/layout/IconVerticalSolidList"/>
   </dgm:cxnLst>
   <dgm:bg>
     <a:noFill/>
@@ -4585,10 +4518,9 @@
         <a:lstStyle/>
         <a:p>
           <a:r>
-            <a:rPr lang="en-US"/>
-            <a:t>Price Vs. Return </a:t>
+            <a:rPr lang="en-US" dirty="0"/>
+            <a:t>Return (Stationary) Vs. Price (Nonstationary)</a:t>
           </a:r>
-          <a:endParaRPr lang="en-US" dirty="0"/>
         </a:p>
       </dgm:t>
     </dgm:pt>
@@ -4623,7 +4555,7 @@
         <a:p>
           <a:r>
             <a:rPr lang="en-US" dirty="0"/>
-            <a:t>Feature Selection </a:t>
+            <a:t>Feature Engineering &amp; Selection </a:t>
           </a:r>
         </a:p>
       </dgm:t>
@@ -4658,10 +4590,9 @@
         <a:lstStyle/>
         <a:p>
           <a:r>
-            <a:rPr lang="en-US"/>
-            <a:t>Stationary vs Nonstationary data</a:t>
+            <a:rPr lang="en-US" dirty="0"/>
+            <a:t>Normalization, Lagged Data (MA 200), Indicators</a:t>
           </a:r>
-          <a:endParaRPr lang="en-US" dirty="0"/>
         </a:p>
       </dgm:t>
     </dgm:pt>
@@ -4958,7 +4889,7 @@
             </a:lnSpc>
           </a:pPr>
           <a:r>
-            <a:rPr lang="en-US"/>
+            <a:rPr lang="en-US" dirty="0"/>
             <a:t>Sentiment Analysis</a:t>
           </a:r>
         </a:p>
@@ -4987,7 +4918,7 @@
       </dgm:t>
     </dgm:pt>
     <dgm:pt modelId="{B29D4362-C932-4B2D-967D-A7ADBA2FF915}">
-      <dgm:prSet/>
+      <dgm:prSet custT="1"/>
       <dgm:spPr/>
       <dgm:t>
         <a:bodyPr/>
@@ -4999,9 +4930,10 @@
             </a:lnSpc>
           </a:pPr>
           <a:r>
-            <a:rPr lang="en-US" dirty="0"/>
-            <a:t>Include sentiment from institutional traders: news, reports published by professional analyst</a:t>
+            <a:rPr lang="en-US" altLang="zh-CN" sz="1200" dirty="0"/>
+            <a:t>Incorporate insights from institutional traders through analysis of market news and professional analyst reports to enhance sentiment accuracy</a:t>
           </a:r>
+          <a:endParaRPr lang="en-US" sz="1200" dirty="0"/>
         </a:p>
       </dgm:t>
     </dgm:pt>
@@ -5069,7 +5001,7 @@
       </dgm:t>
     </dgm:pt>
     <dgm:pt modelId="{3BF86A3C-E151-4A66-9137-D3C10D62380D}">
-      <dgm:prSet/>
+      <dgm:prSet custT="1"/>
       <dgm:spPr/>
       <dgm:t>
         <a:bodyPr/>
@@ -5081,9 +5013,10 @@
             </a:lnSpc>
           </a:pPr>
           <a:r>
-            <a:rPr lang="en-US" dirty="0"/>
-            <a:t>Include a more diverse number of stocks/sectors: health sector, retail sector, etc.</a:t>
+            <a:rPr lang="en-US" altLang="zh-CN" sz="1200" dirty="0"/>
+            <a:t>Expand our analysis to include a broader range of stocks and sectors, such as healthcare and retail, to diversify investment insights</a:t>
           </a:r>
+          <a:endParaRPr lang="en-US" sz="1200" dirty="0"/>
         </a:p>
       </dgm:t>
     </dgm:pt>
@@ -5110,7 +5043,7 @@
       </dgm:t>
     </dgm:pt>
     <dgm:pt modelId="{1BE45C6B-437A-453C-90D1-0661D2CED961}">
-      <dgm:prSet/>
+      <dgm:prSet custT="1"/>
       <dgm:spPr/>
       <dgm:t>
         <a:bodyPr/>
@@ -5122,9 +5055,10 @@
             </a:lnSpc>
           </a:pPr>
           <a:r>
-            <a:rPr lang="en-US" dirty="0"/>
-            <a:t>Gather more financial data: Company performance (earning reports), economic indicator (unemployment rate), derivatives (Open Interest), etc.</a:t>
+            <a:rPr lang="en-US" sz="1200" b="0" i="0"/>
+            <a:t>Enrich our financial datasets with comprehensive company performance metrics, key economic indicators, and derivatives data to bolster predictive accuracy</a:t>
           </a:r>
+          <a:endParaRPr lang="en-US" sz="1200" dirty="0"/>
         </a:p>
       </dgm:t>
     </dgm:pt>
@@ -5151,7 +5085,7 @@
       </dgm:t>
     </dgm:pt>
     <dgm:pt modelId="{DA10DA16-4292-42B8-8449-08E35AF55997}">
-      <dgm:prSet/>
+      <dgm:prSet custT="1"/>
       <dgm:spPr/>
       <dgm:t>
         <a:bodyPr/>
@@ -5163,9 +5097,10 @@
             </a:lnSpc>
           </a:pPr>
           <a:r>
-            <a:rPr lang="en-US" dirty="0"/>
-            <a:t>Implement stock selection (finding the alpha)</a:t>
+            <a:rPr lang="en-US" sz="1200" b="0" i="0" dirty="0"/>
+            <a:t>Develop a robust stock selection framework to identify high-potential investments ('finding the alpha') and optimize market positioning</a:t>
           </a:r>
+          <a:endParaRPr lang="en-US" sz="1200" dirty="0"/>
         </a:p>
       </dgm:t>
     </dgm:pt>
@@ -5192,7 +5127,7 @@
       </dgm:t>
     </dgm:pt>
     <dgm:pt modelId="{41ED9D21-46E0-4784-95FF-26CA84D16CC1}">
-      <dgm:prSet/>
+      <dgm:prSet custT="1"/>
       <dgm:spPr/>
       <dgm:t>
         <a:bodyPr/>
@@ -5204,9 +5139,10 @@
             </a:lnSpc>
           </a:pPr>
           <a:r>
-            <a:rPr lang="en-US" dirty="0"/>
-            <a:t>Utilize Portfolio Optimization</a:t>
+            <a:rPr lang="en-US" sz="1200" b="0" i="0"/>
+            <a:t>Employ advanced portfolio optimization techniques to maximize returns while mitigating risk across investment strategies</a:t>
           </a:r>
+          <a:endParaRPr lang="en-US" sz="1200" dirty="0"/>
         </a:p>
       </dgm:t>
     </dgm:pt>
@@ -5233,7 +5169,7 @@
       </dgm:t>
     </dgm:pt>
     <dgm:pt modelId="{A5B3D8FE-3E9E-440E-98F0-AE14430E62B4}">
-      <dgm:prSet/>
+      <dgm:prSet custT="1"/>
       <dgm:spPr/>
       <dgm:t>
         <a:bodyPr/>
@@ -5245,9 +5181,10 @@
             </a:lnSpc>
           </a:pPr>
           <a:r>
-            <a:rPr lang="en-US" dirty="0"/>
-            <a:t>Obtain larger datasets that (hopefully) represents the distribution of the population</a:t>
+            <a:rPr lang="en-US" altLang="zh-CN" sz="1200" dirty="0"/>
+            <a:t>Broaden dataset acquisition to encompass a wider demographic, ensuring a diverse and representative sample of the trading population</a:t>
           </a:r>
+          <a:endParaRPr lang="en-US" sz="1200" dirty="0"/>
         </a:p>
       </dgm:t>
     </dgm:pt>
@@ -5437,7 +5374,7 @@
       <dsp:cNvGrpSpPr/>
     </dsp:nvGrpSpPr>
     <dsp:grpSpPr/>
-    <dsp:sp modelId="{18986CF1-2072-42F0-BCE0-914E74EE6D33}">
+    <dsp:sp modelId="{E541CD7E-3771-4130-ACEF-6B941838B6F5}">
       <dsp:nvSpPr>
         <dsp:cNvPr id="0" name=""/>
         <dsp:cNvSpPr/>
@@ -5479,7 +5416,7 @@
         <a:fontRef idx="minor"/>
       </dsp:style>
     </dsp:sp>
-    <dsp:sp modelId="{D81EE60F-2821-4F87-98D9-59CDB0BCB6F7}">
+    <dsp:sp modelId="{10276274-7A25-420F-85AC-6F98D7C9368E}">
       <dsp:nvSpPr>
         <dsp:cNvPr id="0" name=""/>
         <dsp:cNvSpPr/>
@@ -5529,7 +5466,7 @@
         </a:fontRef>
       </dsp:style>
     </dsp:sp>
-    <dsp:sp modelId="{37B540AC-436C-4460-A4C7-6FA0DE6679E7}">
+    <dsp:sp modelId="{C1D4B622-1C87-4F4A-B292-1823CF35D469}">
       <dsp:nvSpPr>
         <dsp:cNvPr id="0" name=""/>
         <dsp:cNvSpPr/>
@@ -5537,7 +5474,7 @@
       <dsp:spPr bwMode="white">
         <a:xfrm>
           <a:off x="1786917" y="838020"/>
-          <a:ext cx="3203063" cy="1547114"/>
+          <a:ext cx="5331000" cy="1547114"/>
         </a:xfrm>
         <a:prstGeom prst="rect">
           <a:avLst/>
@@ -5566,7 +5503,7 @@
         </a:bodyPr>
         <a:lstStyle/>
         <a:p>
-          <a:pPr marL="0" lvl="0" indent="0" algn="l" defTabSz="977900">
+          <a:pPr marL="0" lvl="0" indent="0" algn="l" defTabSz="1111250">
             <a:lnSpc>
               <a:spcPct val="100000"/>
             </a:lnSpc>
@@ -5579,95 +5516,18 @@
             <a:buNone/>
           </a:pPr>
           <a:r>
-            <a:rPr lang="en-US" sz="2200" kern="1200" dirty="0"/>
-            <a:t>Construct models to capture buying and selling signal</a:t>
+            <a:rPr lang="en-US" altLang="zh-CN" sz="2500" kern="1200" dirty="0"/>
+            <a:t>Implement retail trader sentiment analysis to assess market impact</a:t>
           </a:r>
+          <a:endParaRPr lang="en-US" sz="2500" kern="1200" dirty="0"/>
         </a:p>
       </dsp:txBody>
       <dsp:txXfrm>
         <a:off x="1786917" y="838020"/>
-        <a:ext cx="3203063" cy="1547114"/>
+        <a:ext cx="5331000" cy="1547114"/>
       </dsp:txXfrm>
     </dsp:sp>
-    <dsp:sp modelId="{B9F9C750-C5FA-424B-91B7-6E26661FE142}">
-      <dsp:nvSpPr>
-        <dsp:cNvPr id="0" name=""/>
-        <dsp:cNvSpPr/>
-      </dsp:nvSpPr>
-      <dsp:spPr bwMode="white">
-        <a:xfrm>
-          <a:off x="4989980" y="838020"/>
-          <a:ext cx="2127937" cy="1547114"/>
-        </a:xfrm>
-        <a:prstGeom prst="rect">
-          <a:avLst/>
-        </a:prstGeom>
-        <a:noFill/>
-        <a:ln>
-          <a:noFill/>
-        </a:ln>
-        <a:effectLst/>
-      </dsp:spPr>
-      <dsp:style>
-        <a:lnRef idx="0">
-          <a:scrgbClr r="0" g="0" b="0"/>
-        </a:lnRef>
-        <a:fillRef idx="0">
-          <a:scrgbClr r="0" g="0" b="0"/>
-        </a:fillRef>
-        <a:effectRef idx="0">
-          <a:scrgbClr r="0" g="0" b="0"/>
-        </a:effectRef>
-        <a:fontRef idx="minor"/>
-      </dsp:style>
-      <dsp:txBody>
-        <a:bodyPr spcFirstLastPara="0" vert="horz" wrap="square" lIns="163736" tIns="163736" rIns="163736" bIns="163736" numCol="1" spcCol="1270" anchor="ctr" anchorCtr="0">
-          <a:noAutofit/>
-        </a:bodyPr>
-        <a:lstStyle/>
-        <a:p>
-          <a:pPr marL="0" lvl="0" indent="0" algn="l" defTabSz="711200">
-            <a:lnSpc>
-              <a:spcPct val="100000"/>
-            </a:lnSpc>
-            <a:spcBef>
-              <a:spcPct val="0"/>
-            </a:spcBef>
-            <a:spcAft>
-              <a:spcPct val="35000"/>
-            </a:spcAft>
-            <a:buNone/>
-          </a:pPr>
-          <a:r>
-            <a:rPr lang="en-US" sz="1600" kern="1200" dirty="0"/>
-            <a:t>Time series modeling</a:t>
-          </a:r>
-        </a:p>
-        <a:p>
-          <a:pPr marL="0" lvl="0" indent="0" algn="l" defTabSz="711200">
-            <a:lnSpc>
-              <a:spcPct val="100000"/>
-            </a:lnSpc>
-            <a:spcBef>
-              <a:spcPct val="0"/>
-            </a:spcBef>
-            <a:spcAft>
-              <a:spcPct val="35000"/>
-            </a:spcAft>
-            <a:buNone/>
-          </a:pPr>
-          <a:r>
-            <a:rPr lang="en-US" sz="1600" kern="1200" dirty="0"/>
-            <a:t>Dynamic decision making</a:t>
-          </a:r>
-        </a:p>
-      </dsp:txBody>
-      <dsp:txXfrm>
-        <a:off x="4989980" y="838020"/>
-        <a:ext cx="2127937" cy="1547114"/>
-      </dsp:txXfrm>
-    </dsp:sp>
-    <dsp:sp modelId="{E541CD7E-3771-4130-ACEF-6B941838B6F5}">
+    <dsp:sp modelId="{0B2EF1B2-1A9A-4AFF-9CC2-61C8648E5B3D}">
       <dsp:nvSpPr>
         <dsp:cNvPr id="0" name=""/>
         <dsp:cNvSpPr/>
@@ -5709,7 +5569,7 @@
         <a:fontRef idx="minor"/>
       </dsp:style>
     </dsp:sp>
-    <dsp:sp modelId="{10276274-7A25-420F-85AC-6F98D7C9368E}">
+    <dsp:sp modelId="{BBA7B180-528C-4707-B0B2-F161985BCC72}">
       <dsp:nvSpPr>
         <dsp:cNvPr id="0" name=""/>
         <dsp:cNvSpPr/>
@@ -5722,7 +5582,7 @@
         <a:prstGeom prst="rect">
           <a:avLst/>
         </a:prstGeom>
-        <a:blipFill>
+        <a:blipFill rotWithShape="1">
           <a:blip xmlns:r="http://schemas.openxmlformats.org/officeDocument/2006/relationships" r:embed="rId3">
             <a:extLst>
               <a:ext uri="{28A0092B-C50C-407E-A947-70E740481C1C}">
@@ -5733,12 +5593,21 @@
               </a:ext>
             </a:extLst>
           </a:blip>
+          <a:srcRect/>
           <a:stretch>
             <a:fillRect/>
           </a:stretch>
         </a:blipFill>
         <a:ln w="12700" cap="flat" cmpd="sng" algn="ctr">
-          <a:noFill/>
+          <a:solidFill>
+            <a:schemeClr val="lt1">
+              <a:alpha val="0"/>
+              <a:hueOff val="0"/>
+              <a:satOff val="0"/>
+              <a:lumOff val="0"/>
+              <a:alphaOff val="0"/>
+            </a:schemeClr>
+          </a:solidFill>
           <a:prstDash val="solid"/>
           <a:miter lim="800000"/>
         </a:ln>
@@ -5759,15 +5628,15 @@
         </a:fontRef>
       </dsp:style>
     </dsp:sp>
-    <dsp:sp modelId="{C1D4B622-1C87-4F4A-B292-1823CF35D469}">
+    <dsp:sp modelId="{49E5CB17-7B4C-41C2-9AE2-CF4B25E1B086}">
       <dsp:nvSpPr>
         <dsp:cNvPr id="0" name=""/>
         <dsp:cNvSpPr/>
       </dsp:nvSpPr>
-      <dsp:spPr bwMode="white">
+      <dsp:spPr>
         <a:xfrm>
           <a:off x="1786917" y="2771913"/>
-          <a:ext cx="3203063" cy="1547114"/>
+          <a:ext cx="5331000" cy="1547114"/>
         </a:xfrm>
         <a:prstGeom prst="rect">
           <a:avLst/>
@@ -5796,7 +5665,7 @@
         </a:bodyPr>
         <a:lstStyle/>
         <a:p>
-          <a:pPr marL="0" lvl="0" indent="0" algn="l" defTabSz="977900">
+          <a:pPr marL="0" lvl="0" indent="0" algn="l" defTabSz="1111250">
             <a:lnSpc>
               <a:spcPct val="100000"/>
             </a:lnSpc>
@@ -5809,92 +5678,15 @@
             <a:buNone/>
           </a:pPr>
           <a:r>
-            <a:rPr lang="en-US" sz="2200" kern="1200" dirty="0"/>
-            <a:t>Implement sentiment analysis of retail trader and study their impact</a:t>
+            <a:rPr lang="en-US" altLang="zh-CN" sz="2500" kern="1200" dirty="0"/>
+            <a:t>Develop predictive models for real-time detection of buy/sell signals</a:t>
           </a:r>
+          <a:endParaRPr lang="en-US" sz="2500" kern="1200" dirty="0"/>
         </a:p>
       </dsp:txBody>
       <dsp:txXfrm>
         <a:off x="1786917" y="2771913"/>
-        <a:ext cx="3203063" cy="1547114"/>
-      </dsp:txXfrm>
-    </dsp:sp>
-    <dsp:sp modelId="{D989E9BD-753D-4A8A-BE43-10BCB6382F25}">
-      <dsp:nvSpPr>
-        <dsp:cNvPr id="0" name=""/>
-        <dsp:cNvSpPr/>
-      </dsp:nvSpPr>
-      <dsp:spPr bwMode="white">
-        <a:xfrm>
-          <a:off x="4989980" y="2771913"/>
-          <a:ext cx="2127937" cy="1547114"/>
-        </a:xfrm>
-        <a:prstGeom prst="rect">
-          <a:avLst/>
-        </a:prstGeom>
-        <a:noFill/>
-        <a:ln>
-          <a:noFill/>
-        </a:ln>
-        <a:effectLst/>
-      </dsp:spPr>
-      <dsp:style>
-        <a:lnRef idx="0">
-          <a:scrgbClr r="0" g="0" b="0"/>
-        </a:lnRef>
-        <a:fillRef idx="0">
-          <a:scrgbClr r="0" g="0" b="0"/>
-        </a:fillRef>
-        <a:effectRef idx="0">
-          <a:scrgbClr r="0" g="0" b="0"/>
-        </a:effectRef>
-        <a:fontRef idx="minor"/>
-      </dsp:style>
-      <dsp:txBody>
-        <a:bodyPr spcFirstLastPara="0" vert="horz" wrap="square" lIns="163736" tIns="163736" rIns="163736" bIns="163736" numCol="1" spcCol="1270" anchor="ctr" anchorCtr="0">
-          <a:noAutofit/>
-        </a:bodyPr>
-        <a:lstStyle/>
-        <a:p>
-          <a:pPr marL="0" lvl="0" indent="0" algn="l" defTabSz="711200">
-            <a:lnSpc>
-              <a:spcPct val="100000"/>
-            </a:lnSpc>
-            <a:spcBef>
-              <a:spcPct val="0"/>
-            </a:spcBef>
-            <a:spcAft>
-              <a:spcPct val="35000"/>
-            </a:spcAft>
-            <a:buNone/>
-          </a:pPr>
-          <a:r>
-            <a:rPr lang="en-US" sz="1600" kern="1200" dirty="0"/>
-            <a:t>Entity matching</a:t>
-          </a:r>
-        </a:p>
-        <a:p>
-          <a:pPr marL="0" lvl="0" indent="0" algn="l" defTabSz="711200">
-            <a:lnSpc>
-              <a:spcPct val="100000"/>
-            </a:lnSpc>
-            <a:spcBef>
-              <a:spcPct val="0"/>
-            </a:spcBef>
-            <a:spcAft>
-              <a:spcPct val="35000"/>
-            </a:spcAft>
-            <a:buNone/>
-          </a:pPr>
-          <a:r>
-            <a:rPr lang="en-US" sz="1600" kern="1200" dirty="0"/>
-            <a:t>Sentiment analysis</a:t>
-          </a:r>
-        </a:p>
-      </dsp:txBody>
-      <dsp:txXfrm>
-        <a:off x="4989980" y="2771913"/>
-        <a:ext cx="2127937" cy="1547114"/>
+        <a:ext cx="5331000" cy="1547114"/>
       </dsp:txXfrm>
     </dsp:sp>
   </dsp:spTree>
@@ -6860,7 +6652,7 @@
           </a:pPr>
           <a:r>
             <a:rPr lang="en-US" sz="1300" kern="1200" dirty="0"/>
-            <a:t>Feature Selection </a:t>
+            <a:t>Feature Engineering &amp; Selection </a:t>
           </a:r>
         </a:p>
       </dsp:txBody>
@@ -6939,10 +6731,9 @@
             <a:buNone/>
           </a:pPr>
           <a:r>
-            <a:rPr lang="en-US" sz="1300" kern="1200"/>
-            <a:t>Stationary vs Nonstationary data</a:t>
+            <a:rPr lang="en-US" sz="1300" kern="1200" dirty="0"/>
+            <a:t>Normalization, Lagged Data (MA 200), Indicators</a:t>
           </a:r>
-          <a:endParaRPr lang="en-US" sz="1300" kern="1200" dirty="0"/>
         </a:p>
       </dsp:txBody>
       <dsp:txXfrm>
@@ -7103,10 +6894,9 @@
             <a:buNone/>
           </a:pPr>
           <a:r>
-            <a:rPr lang="en-US" sz="1300" kern="1200"/>
-            <a:t>Price Vs. Return </a:t>
+            <a:rPr lang="en-US" sz="1300" kern="1200" dirty="0"/>
+            <a:t>Return (Stationary) Vs. Price (Nonstationary)</a:t>
           </a:r>
-          <a:endParaRPr lang="en-US" sz="1300" kern="1200" dirty="0"/>
         </a:p>
       </dsp:txBody>
       <dsp:txXfrm>
@@ -7131,10 +6921,10 @@
         <dsp:cNvPr id="0" name=""/>
         <dsp:cNvSpPr/>
       </dsp:nvSpPr>
-      <dsp:spPr bwMode="white">
+      <dsp:spPr>
         <a:xfrm>
-          <a:off x="631237" y="518796"/>
-          <a:ext cx="1512000" cy="1512000"/>
+          <a:off x="640408" y="0"/>
+          <a:ext cx="1509048" cy="1355615"/>
         </a:xfrm>
         <a:prstGeom prst="rect">
           <a:avLst/>
@@ -7163,12 +6953,10 @@
       </dsp:spPr>
       <dsp:style>
         <a:lnRef idx="2">
-          <a:schemeClr val="lt1">
-            <a:alpha val="0"/>
-          </a:schemeClr>
+          <a:scrgbClr r="0" g="0" b="0"/>
         </a:lnRef>
         <a:fillRef idx="1">
-          <a:schemeClr val="accent2"/>
+          <a:scrgbClr r="0" g="0" b="0"/>
         </a:fillRef>
         <a:effectRef idx="0">
           <a:scrgbClr r="0" g="0" b="0"/>
@@ -7185,8 +6973,8 @@
       </dsp:nvSpPr>
       <dsp:spPr bwMode="white">
         <a:xfrm>
-          <a:off x="631237" y="2094474"/>
-          <a:ext cx="4320000" cy="648000"/>
+          <a:off x="640408" y="1482611"/>
+          <a:ext cx="4311566" cy="580978"/>
         </a:xfrm>
         <a:prstGeom prst="rect">
           <a:avLst/>
@@ -7199,14 +6987,10 @@
       </dsp:spPr>
       <dsp:style>
         <a:lnRef idx="0">
-          <a:schemeClr val="dk1">
-            <a:alpha val="0"/>
-          </a:schemeClr>
+          <a:scrgbClr r="0" g="0" b="0"/>
         </a:lnRef>
         <a:fillRef idx="0">
-          <a:schemeClr val="lt1">
-            <a:alpha val="0"/>
-          </a:schemeClr>
+          <a:scrgbClr r="0" g="0" b="0"/>
         </a:fillRef>
         <a:effectRef idx="0">
           <a:scrgbClr r="0" g="0" b="0"/>
@@ -7219,7 +7003,7 @@
         </a:bodyPr>
         <a:lstStyle/>
         <a:p>
-          <a:pPr marL="0" lvl="0" indent="0" algn="l" defTabSz="1600200">
+          <a:pPr marL="0" lvl="0" indent="0" algn="l" defTabSz="1511300">
             <a:lnSpc>
               <a:spcPct val="100000"/>
             </a:lnSpc>
@@ -7232,18 +7016,14 @@
             <a:buNone/>
           </a:pPr>
           <a:r>
-            <a:rPr lang="en-US" sz="3600" kern="1200">
-              <a:solidFill>
-                <a:schemeClr val="tx1"/>
-              </a:solidFill>
-            </a:rPr>
+            <a:rPr lang="en-US" sz="3400" kern="1200" dirty="0"/>
             <a:t>Sentiment Analysis</a:t>
           </a:r>
         </a:p>
       </dsp:txBody>
       <dsp:txXfrm>
-        <a:off x="631237" y="2094474"/>
-        <a:ext cx="4320000" cy="648000"/>
+        <a:off x="640408" y="1482611"/>
+        <a:ext cx="4311566" cy="580978"/>
       </dsp:txXfrm>
     </dsp:sp>
     <dsp:sp modelId="{B2DF3FD2-C7A8-4585-9238-D415AB884C13}">
@@ -7253,8 +7033,8 @@
       </dsp:nvSpPr>
       <dsp:spPr bwMode="white">
         <a:xfrm>
-          <a:off x="631237" y="2772092"/>
-          <a:ext cx="4320000" cy="0"/>
+          <a:off x="640408" y="2122657"/>
+          <a:ext cx="4311566" cy="1168230"/>
         </a:xfrm>
         <a:prstGeom prst="rect">
           <a:avLst/>
@@ -7267,14 +7047,10 @@
       </dsp:spPr>
       <dsp:style>
         <a:lnRef idx="0">
-          <a:schemeClr val="dk1">
-            <a:alpha val="0"/>
-          </a:schemeClr>
+          <a:scrgbClr r="0" g="0" b="0"/>
         </a:lnRef>
         <a:fillRef idx="0">
-          <a:schemeClr val="lt1">
-            <a:alpha val="0"/>
-          </a:schemeClr>
+          <a:scrgbClr r="0" g="0" b="0"/>
         </a:fillRef>
         <a:effectRef idx="0">
           <a:scrgbClr r="0" g="0" b="0"/>
@@ -7287,7 +7063,7 @@
         </a:bodyPr>
         <a:lstStyle/>
         <a:p>
-          <a:pPr marL="0" lvl="0" indent="0" algn="l" defTabSz="1600200">
+          <a:pPr marL="0" lvl="0" indent="0" algn="l" defTabSz="533400">
             <a:lnSpc>
               <a:spcPct val="100000"/>
             </a:lnSpc>
@@ -7300,16 +7076,13 @@
             <a:buNone/>
           </a:pPr>
           <a:r>
-            <a:rPr lang="en-US" sz="3600" kern="1200" dirty="0">
-              <a:solidFill>
-                <a:schemeClr val="tx1"/>
-              </a:solidFill>
-            </a:rPr>
-            <a:t>Include sentiment from institutional traders: news, reports published by professional analyst</a:t>
+            <a:rPr lang="en-US" altLang="zh-CN" sz="1200" kern="1200" dirty="0"/>
+            <a:t>Incorporate insights from institutional traders through analysis of market news and professional analyst reports to enhance sentiment accuracy</a:t>
           </a:r>
+          <a:endParaRPr lang="en-US" sz="1200" kern="1200" dirty="0"/>
         </a:p>
         <a:p>
-          <a:pPr marL="0" lvl="0" indent="0" algn="l" defTabSz="1600200">
+          <a:pPr marL="0" lvl="0" indent="0" algn="l" defTabSz="533400">
             <a:lnSpc>
               <a:spcPct val="100000"/>
             </a:lnSpc>
@@ -7322,18 +7095,15 @@
             <a:buNone/>
           </a:pPr>
           <a:r>
-            <a:rPr lang="en-US" sz="3600" kern="1200" dirty="0">
-              <a:solidFill>
-                <a:schemeClr val="tx1"/>
-              </a:solidFill>
-            </a:rPr>
-            <a:t>Obtain larger datasets that (hopefully) represents the distribution of the population</a:t>
+            <a:rPr lang="en-US" altLang="zh-CN" sz="1200" kern="1200" dirty="0"/>
+            <a:t>Broaden dataset acquisition to encompass a wider demographic, ensuring a diverse and representative sample of the trading population</a:t>
           </a:r>
+          <a:endParaRPr lang="en-US" sz="1200" kern="1200" dirty="0"/>
         </a:p>
       </dsp:txBody>
       <dsp:txXfrm>
-        <a:off x="631237" y="2772092"/>
-        <a:ext cx="4320000" cy="0"/>
+        <a:off x="640408" y="2122657"/>
+        <a:ext cx="4311566" cy="1168230"/>
       </dsp:txXfrm>
     </dsp:sp>
     <dsp:sp modelId="{723A101C-2105-4A30-B931-735170649757}">
@@ -7341,10 +7111,10 @@
         <dsp:cNvPr id="0" name=""/>
         <dsp:cNvSpPr/>
       </dsp:nvSpPr>
-      <dsp:spPr bwMode="white">
+      <dsp:spPr>
         <a:xfrm>
-          <a:off x="5707237" y="518796"/>
-          <a:ext cx="1512000" cy="1512000"/>
+          <a:off x="5706499" y="0"/>
+          <a:ext cx="1509048" cy="1355615"/>
         </a:xfrm>
         <a:prstGeom prst="rect">
           <a:avLst/>
@@ -7373,12 +7143,10 @@
       </dsp:spPr>
       <dsp:style>
         <a:lnRef idx="2">
-          <a:schemeClr val="lt1">
-            <a:alpha val="0"/>
-          </a:schemeClr>
+          <a:scrgbClr r="0" g="0" b="0"/>
         </a:lnRef>
         <a:fillRef idx="1">
-          <a:schemeClr val="accent3"/>
+          <a:scrgbClr r="0" g="0" b="0"/>
         </a:fillRef>
         <a:effectRef idx="0">
           <a:scrgbClr r="0" g="0" b="0"/>
@@ -7395,8 +7163,8 @@
       </dsp:nvSpPr>
       <dsp:spPr bwMode="white">
         <a:xfrm>
-          <a:off x="5707237" y="2094474"/>
-          <a:ext cx="4320000" cy="648000"/>
+          <a:off x="5706499" y="1482611"/>
+          <a:ext cx="4311566" cy="580978"/>
         </a:xfrm>
         <a:prstGeom prst="rect">
           <a:avLst/>
@@ -7409,14 +7177,10 @@
       </dsp:spPr>
       <dsp:style>
         <a:lnRef idx="0">
-          <a:schemeClr val="dk1">
-            <a:alpha val="0"/>
-          </a:schemeClr>
+          <a:scrgbClr r="0" g="0" b="0"/>
         </a:lnRef>
         <a:fillRef idx="0">
-          <a:schemeClr val="lt1">
-            <a:alpha val="0"/>
-          </a:schemeClr>
+          <a:scrgbClr r="0" g="0" b="0"/>
         </a:fillRef>
         <a:effectRef idx="0">
           <a:scrgbClr r="0" g="0" b="0"/>
@@ -7429,7 +7193,7 @@
         </a:bodyPr>
         <a:lstStyle/>
         <a:p>
-          <a:pPr marL="0" lvl="0" indent="0" algn="l" defTabSz="1600200">
+          <a:pPr marL="0" lvl="0" indent="0" algn="l" defTabSz="1511300">
             <a:lnSpc>
               <a:spcPct val="100000"/>
             </a:lnSpc>
@@ -7442,18 +7206,14 @@
             <a:buNone/>
           </a:pPr>
           <a:r>
-            <a:rPr lang="en-US" sz="3600" kern="1200">
-              <a:solidFill>
-                <a:schemeClr val="tx1"/>
-              </a:solidFill>
-            </a:rPr>
+            <a:rPr lang="en-US" sz="3400" kern="1200"/>
             <a:t>Stock Prediction</a:t>
           </a:r>
         </a:p>
       </dsp:txBody>
       <dsp:txXfrm>
-        <a:off x="5707237" y="2094474"/>
-        <a:ext cx="4320000" cy="648000"/>
+        <a:off x="5706499" y="1482611"/>
+        <a:ext cx="4311566" cy="580978"/>
       </dsp:txXfrm>
     </dsp:sp>
     <dsp:sp modelId="{EAF35B11-4BE8-4EB8-825F-5AED67565B83}">
@@ -7463,8 +7223,8 @@
       </dsp:nvSpPr>
       <dsp:spPr bwMode="white">
         <a:xfrm>
-          <a:off x="5707237" y="2772092"/>
-          <a:ext cx="4320000" cy="0"/>
+          <a:off x="5706499" y="2122657"/>
+          <a:ext cx="4311566" cy="1168230"/>
         </a:xfrm>
         <a:prstGeom prst="rect">
           <a:avLst/>
@@ -7477,14 +7237,10 @@
       </dsp:spPr>
       <dsp:style>
         <a:lnRef idx="0">
-          <a:schemeClr val="dk1">
-            <a:alpha val="0"/>
-          </a:schemeClr>
+          <a:scrgbClr r="0" g="0" b="0"/>
         </a:lnRef>
         <a:fillRef idx="0">
-          <a:schemeClr val="lt1">
-            <a:alpha val="0"/>
-          </a:schemeClr>
+          <a:scrgbClr r="0" g="0" b="0"/>
         </a:fillRef>
         <a:effectRef idx="0">
           <a:scrgbClr r="0" g="0" b="0"/>
@@ -7497,7 +7253,7 @@
         </a:bodyPr>
         <a:lstStyle/>
         <a:p>
-          <a:pPr marL="0" lvl="0" indent="0" algn="l" defTabSz="1600200">
+          <a:pPr marL="0" lvl="0" indent="0" algn="l" defTabSz="533400">
             <a:lnSpc>
               <a:spcPct val="100000"/>
             </a:lnSpc>
@@ -7510,16 +7266,13 @@
             <a:buNone/>
           </a:pPr>
           <a:r>
-            <a:rPr lang="en-US" sz="3600" kern="1200" dirty="0">
-              <a:solidFill>
-                <a:schemeClr val="tx1"/>
-              </a:solidFill>
-            </a:rPr>
-            <a:t>Include a more diverse number of stocks/sectors: health sector, retail sector, etc.</a:t>
+            <a:rPr lang="en-US" altLang="zh-CN" sz="1200" kern="1200" dirty="0"/>
+            <a:t>Expand our analysis to include a broader range of stocks and sectors, such as healthcare and retail, to diversify investment insights</a:t>
           </a:r>
+          <a:endParaRPr lang="en-US" sz="1200" kern="1200" dirty="0"/>
         </a:p>
         <a:p>
-          <a:pPr marL="0" lvl="0" indent="0" algn="l" defTabSz="1600200">
+          <a:pPr marL="0" lvl="0" indent="0" algn="l" defTabSz="533400">
             <a:lnSpc>
               <a:spcPct val="100000"/>
             </a:lnSpc>
@@ -7532,16 +7285,13 @@
             <a:buNone/>
           </a:pPr>
           <a:r>
-            <a:rPr lang="en-US" sz="3600" kern="1200" dirty="0">
-              <a:solidFill>
-                <a:schemeClr val="tx1"/>
-              </a:solidFill>
-            </a:rPr>
-            <a:t>Gather more financial data: Company performance (earning reports), economic indicator (unemployment rate), derivatives (Open Interest), etc.</a:t>
+            <a:rPr lang="en-US" sz="1200" b="0" i="0" kern="1200"/>
+            <a:t>Enrich our financial datasets with comprehensive company performance metrics, key economic indicators, and derivatives data to bolster predictive accuracy</a:t>
           </a:r>
+          <a:endParaRPr lang="en-US" sz="1200" kern="1200" dirty="0"/>
         </a:p>
         <a:p>
-          <a:pPr marL="0" lvl="0" indent="0" algn="l" defTabSz="1600200">
+          <a:pPr marL="0" lvl="0" indent="0" algn="l" defTabSz="533400">
             <a:lnSpc>
               <a:spcPct val="100000"/>
             </a:lnSpc>
@@ -7554,16 +7304,13 @@
             <a:buNone/>
           </a:pPr>
           <a:r>
-            <a:rPr lang="en-US" sz="3600" kern="1200" dirty="0">
-              <a:solidFill>
-                <a:schemeClr val="tx1"/>
-              </a:solidFill>
-            </a:rPr>
-            <a:t>Implement stock selection (finding the alpha)</a:t>
+            <a:rPr lang="en-US" sz="1200" b="0" i="0" kern="1200" dirty="0"/>
+            <a:t>Develop a robust stock selection framework to identify high-potential investments ('finding the alpha') and optimize market positioning</a:t>
           </a:r>
+          <a:endParaRPr lang="en-US" sz="1200" kern="1200" dirty="0"/>
         </a:p>
         <a:p>
-          <a:pPr marL="0" lvl="0" indent="0" algn="l" defTabSz="1600200">
+          <a:pPr marL="0" lvl="0" indent="0" algn="l" defTabSz="533400">
             <a:lnSpc>
               <a:spcPct val="100000"/>
             </a:lnSpc>
@@ -7576,18 +7323,15 @@
             <a:buNone/>
           </a:pPr>
           <a:r>
-            <a:rPr lang="en-US" sz="3600" kern="1200" dirty="0">
-              <a:solidFill>
-                <a:schemeClr val="tx1"/>
-              </a:solidFill>
-            </a:rPr>
-            <a:t>Utilize Portfolio Optimization</a:t>
+            <a:rPr lang="en-US" sz="1200" b="0" i="0" kern="1200"/>
+            <a:t>Employ advanced portfolio optimization techniques to maximize returns while mitigating risk across investment strategies</a:t>
           </a:r>
+          <a:endParaRPr lang="en-US" sz="1200" kern="1200" dirty="0"/>
         </a:p>
       </dsp:txBody>
       <dsp:txXfrm>
-        <a:off x="5707237" y="2772092"/>
-        <a:ext cx="4320000" cy="0"/>
+        <a:off x="5706499" y="2122657"/>
+        <a:ext cx="4311566" cy="1168230"/>
       </dsp:txXfrm>
     </dsp:sp>
   </dsp:spTree>
@@ -13181,86 +12925,7 @@
           <a:p>
             <a:fld id="{057FAD25-51B6-419D-B421-616EF620C45E}" type="slidenum">
               <a:rPr lang="zh-CN" altLang="en-US" smtClean="0"/>
-              <a:t>16</a:t>
-            </a:fld>
-            <a:endParaRPr lang="zh-CN" altLang="en-US"/>
-          </a:p>
-        </p:txBody>
-      </p:sp>
-    </p:spTree>
-  </p:cSld>
-  <p:clrMapOvr>
-    <a:masterClrMapping/>
-  </p:clrMapOvr>
-</p:notes>
-</file>
-
-<file path=ppt/notesSlides/notesSlide11.xml><?xml version="1.0" encoding="utf-8"?>
-<p:notes xmlns:a="http://schemas.openxmlformats.org/drawingml/2006/main" xmlns:r="http://schemas.openxmlformats.org/officeDocument/2006/relationships" xmlns:p="http://schemas.openxmlformats.org/presentationml/2006/main">
-  <p:cSld>
-    <p:spTree>
-      <p:nvGrpSpPr>
-        <p:cNvPr id="1" name=""/>
-        <p:cNvGrpSpPr/>
-        <p:nvPr/>
-      </p:nvGrpSpPr>
-      <p:grpSpPr>
-        <a:xfrm>
-          <a:off x="0" y="0"/>
-          <a:ext cx="0" cy="0"/>
-          <a:chOff x="0" y="0"/>
-          <a:chExt cx="0" cy="0"/>
-        </a:xfrm>
-      </p:grpSpPr>
-      <p:sp>
-        <p:nvSpPr>
-          <p:cNvPr id="2" name="Slide Image Placeholder 1"/>
-          <p:cNvSpPr>
-            <a:spLocks noGrp="1" noRot="1" noChangeAspect="1"/>
-          </p:cNvSpPr>
-          <p:nvPr>
-            <p:ph type="sldImg"/>
-          </p:nvPr>
-        </p:nvSpPr>
-        <p:spPr/>
-      </p:sp>
-      <p:sp>
-        <p:nvSpPr>
-          <p:cNvPr id="3" name="Notes Placeholder 2"/>
-          <p:cNvSpPr>
-            <a:spLocks noGrp="1"/>
-          </p:cNvSpPr>
-          <p:nvPr>
-            <p:ph type="body" idx="1"/>
-          </p:nvPr>
-        </p:nvSpPr>
-        <p:spPr/>
-        <p:txBody>
-          <a:bodyPr/>
-          <a:lstStyle/>
-          <a:p>
-            <a:endParaRPr lang="zh-CN" altLang="en-US"/>
-          </a:p>
-        </p:txBody>
-      </p:sp>
-      <p:sp>
-        <p:nvSpPr>
-          <p:cNvPr id="4" name="Slide Number Placeholder 3"/>
-          <p:cNvSpPr>
-            <a:spLocks noGrp="1"/>
-          </p:cNvSpPr>
-          <p:nvPr>
-            <p:ph type="sldNum" sz="quarter" idx="5"/>
-          </p:nvPr>
-        </p:nvSpPr>
-        <p:spPr/>
-        <p:txBody>
-          <a:bodyPr/>
-          <a:lstStyle/>
-          <a:p>
-            <a:fld id="{057FAD25-51B6-419D-B421-616EF620C45E}" type="slidenum">
-              <a:rPr lang="zh-CN" altLang="en-US" smtClean="0"/>
-              <a:t>18</a:t>
+              <a:t>17</a:t>
             </a:fld>
             <a:endParaRPr lang="zh-CN" altLang="en-US"/>
           </a:p>
@@ -13792,7 +13457,7 @@
           <a:bodyPr/>
           <a:lstStyle/>
           <a:p>
-            <a:endParaRPr lang="zh-CN" altLang="en-US"/>
+            <a:endParaRPr lang="zh-CN" altLang="en-US" dirty="0"/>
           </a:p>
         </p:txBody>
       </p:sp>
@@ -13813,7 +13478,7 @@
           <a:p>
             <a:fld id="{057FAD25-51B6-419D-B421-616EF620C45E}" type="slidenum">
               <a:rPr lang="zh-CN" altLang="en-US" smtClean="0"/>
-              <a:t>13</a:t>
+              <a:t>14</a:t>
             </a:fld>
             <a:endParaRPr lang="zh-CN" altLang="en-US"/>
           </a:p>
@@ -13871,7 +13536,7 @@
           <a:bodyPr/>
           <a:lstStyle/>
           <a:p>
-            <a:endParaRPr lang="zh-CN" altLang="en-US" dirty="0"/>
+            <a:endParaRPr lang="zh-CN" altLang="en-US"/>
           </a:p>
         </p:txBody>
       </p:sp>
@@ -18431,7 +18096,7 @@
         </p:spPr>
         <p:txBody>
           <a:bodyPr>
-            <a:normAutofit/>
+            <a:normAutofit fontScale="90000"/>
           </a:bodyPr>
           <a:lstStyle/>
           <a:p>
@@ -18443,7 +18108,7 @@
                 <a:latin typeface="Segoe UI" panose="020B0502040204020203" pitchFamily="34" charset="0"/>
                 <a:ea typeface="等线" panose="02010600030101010101" pitchFamily="2" charset="-122"/>
               </a:rPr>
-              <a:t>Retail Sentiment Analysis &amp; Signal Detection in Trading</a:t>
+              <a:t>Analyzing Retail Sentiment &amp; Detecting Trading Signals</a:t>
             </a:r>
             <a:endParaRPr lang="zh-CN" altLang="en-US" dirty="0">
               <a:solidFill>
@@ -18477,6 +18142,15 @@
           </a:bodyPr>
           <a:lstStyle/>
           <a:p>
+            <a:endParaRPr lang="en-US" altLang="zh-CN" dirty="0">
+              <a:solidFill>
+                <a:srgbClr val="FFFFFF"/>
+              </a:solidFill>
+              <a:latin typeface="Segoe UI" panose="020B0502040204020203" pitchFamily="34" charset="0"/>
+              <a:ea typeface="等线" panose="02010600030101010101" pitchFamily="2" charset="-122"/>
+            </a:endParaRPr>
+          </a:p>
+          <a:p>
             <a:r>
               <a:rPr lang="en-US" altLang="zh-CN" dirty="0">
                 <a:solidFill>
@@ -18485,27 +18159,7 @@
                 <a:latin typeface="Segoe UI" panose="020B0502040204020203" pitchFamily="34" charset="0"/>
                 <a:ea typeface="等线" panose="02010600030101010101" pitchFamily="2" charset="-122"/>
               </a:rPr>
-              <a:t>By </a:t>
-            </a:r>
-            <a:r>
-              <a:rPr lang="en-US" altLang="zh-CN" dirty="0" err="1">
-                <a:solidFill>
-                  <a:srgbClr val="FFFFFF"/>
-                </a:solidFill>
-                <a:latin typeface="Segoe UI" panose="020B0502040204020203" pitchFamily="34" charset="0"/>
-                <a:ea typeface="等线" panose="02010600030101010101" pitchFamily="2" charset="-122"/>
-              </a:rPr>
-              <a:t>Haozhe</a:t>
-            </a:r>
-            <a:r>
-              <a:rPr lang="en-US" altLang="zh-CN" dirty="0">
-                <a:solidFill>
-                  <a:srgbClr val="FFFFFF"/>
-                </a:solidFill>
-                <a:latin typeface="Segoe UI" panose="020B0502040204020203" pitchFamily="34" charset="0"/>
-                <a:ea typeface="等线" panose="02010600030101010101" pitchFamily="2" charset="-122"/>
-              </a:rPr>
-              <a:t> Zeng &amp; </a:t>
+              <a:t>By Haozhe Zeng &amp; </a:t>
             </a:r>
             <a:r>
               <a:rPr lang="en-US" altLang="zh-CN" dirty="0" err="1">
@@ -18616,7 +18270,7 @@
                                         <p:tgtEl>
                                           <p:spTgt spid="3">
                                             <p:txEl>
-                                              <p:pRg st="0" end="0"/>
+                                              <p:pRg st="1" end="1"/>
                                             </p:txEl>
                                           </p:spTgt>
                                         </p:tgtEl>
@@ -18634,7 +18288,7 @@
                                         <p:tgtEl>
                                           <p:spTgt spid="3">
                                             <p:txEl>
-                                              <p:pRg st="0" end="0"/>
+                                              <p:pRg st="1" end="1"/>
                                             </p:txEl>
                                           </p:spTgt>
                                         </p:tgtEl>
@@ -19412,6 +19066,11 @@
           </p:cNvGraphicFramePr>
           <p:nvPr>
             <p:ph idx="1"/>
+            <p:extLst>
+              <p:ext uri="{D42A27DB-BD31-4B8C-83A1-F6EECF244321}">
+                <p14:modId xmlns:p14="http://schemas.microsoft.com/office/powerpoint/2010/main" val="3774609615"/>
+              </p:ext>
+            </p:extLst>
           </p:nvPr>
         </p:nvGraphicFramePr>
         <p:xfrm>
@@ -19509,83 +19168,6 @@
 </file>
 
 <file path=ppt/slides/slide13.xml><?xml version="1.0" encoding="utf-8"?>
-<p:sld xmlns:a="http://schemas.openxmlformats.org/drawingml/2006/main" xmlns:r="http://schemas.openxmlformats.org/officeDocument/2006/relationships" xmlns:p="http://schemas.openxmlformats.org/presentationml/2006/main" showMasterSp="0">
-  <p:cSld>
-    <p:spTree>
-      <p:nvGrpSpPr>
-        <p:cNvPr id="1" name=""/>
-        <p:cNvGrpSpPr/>
-        <p:nvPr/>
-      </p:nvGrpSpPr>
-      <p:grpSpPr>
-        <a:xfrm>
-          <a:off x="0" y="0"/>
-          <a:ext cx="0" cy="0"/>
-          <a:chOff x="0" y="0"/>
-          <a:chExt cx="0" cy="0"/>
-        </a:xfrm>
-      </p:grpSpPr>
-      <p:sp>
-        <p:nvSpPr>
-          <p:cNvPr id="2" name="Title 1"/>
-          <p:cNvSpPr>
-            <a:spLocks noGrp="1"/>
-          </p:cNvSpPr>
-          <p:nvPr>
-            <p:ph type="title"/>
-          </p:nvPr>
-        </p:nvSpPr>
-        <p:spPr>
-          <a:xfrm>
-            <a:off x="9619763" y="2766218"/>
-            <a:ext cx="10658475" cy="1325563"/>
-          </a:xfrm>
-        </p:spPr>
-        <p:txBody>
-          <a:bodyPr vert="horz" lIns="91440" tIns="45720" rIns="91440" bIns="45720" rtlCol="0" anchor="b">
-            <a:normAutofit/>
-          </a:bodyPr>
-          <a:lstStyle/>
-          <a:p>
-            <a:r>
-              <a:rPr lang="en-US" dirty="0"/>
-              <a:t>Tesla</a:t>
-            </a:r>
-          </a:p>
-        </p:txBody>
-      </p:sp>
-      <p:pic>
-        <p:nvPicPr>
-          <p:cNvPr id="8" name="Content Placeholder 4"/>
-          <p:cNvPicPr>
-            <a:picLocks noGrp="1" noChangeAspect="1"/>
-          </p:cNvPicPr>
-          <p:nvPr>
-            <p:ph idx="1"/>
-          </p:nvPr>
-        </p:nvPicPr>
-        <p:blipFill>
-          <a:blip r:embed="rId3"/>
-          <a:stretch>
-            <a:fillRect/>
-          </a:stretch>
-        </p:blipFill>
-        <p:spPr>
-          <a:xfrm>
-            <a:off x="90483" y="-48532"/>
-            <a:ext cx="9529280" cy="6784848"/>
-          </a:xfrm>
-        </p:spPr>
-      </p:pic>
-    </p:spTree>
-  </p:cSld>
-  <p:clrMapOvr>
-    <a:masterClrMapping/>
-  </p:clrMapOvr>
-</p:sld>
-</file>
-
-<file path=ppt/slides/slide14.xml><?xml version="1.0" encoding="utf-8"?>
 <p:sld xmlns:a="http://schemas.openxmlformats.org/drawingml/2006/main" xmlns:r="http://schemas.openxmlformats.org/officeDocument/2006/relationships" xmlns:p="http://schemas.openxmlformats.org/presentationml/2006/main">
   <p:cSld>
     <p:spTree>
@@ -19634,7 +19216,7 @@
 </p:sld>
 </file>
 
-<file path=ppt/slides/slide15.xml><?xml version="1.0" encoding="utf-8"?>
+<file path=ppt/slides/slide14.xml><?xml version="1.0" encoding="utf-8"?>
 <p:sld xmlns:a="http://schemas.openxmlformats.org/drawingml/2006/main" xmlns:r="http://schemas.openxmlformats.org/officeDocument/2006/relationships" xmlns:p="http://schemas.openxmlformats.org/presentationml/2006/main" showMasterSp="0">
   <p:cSld>
     <p:spTree>
@@ -19683,7 +19265,7 @@
 </p:sld>
 </file>
 
-<file path=ppt/slides/slide16.xml><?xml version="1.0" encoding="utf-8"?>
+<file path=ppt/slides/slide15.xml><?xml version="1.0" encoding="utf-8"?>
 <p:sld xmlns:a="http://schemas.openxmlformats.org/drawingml/2006/main" xmlns:r="http://schemas.openxmlformats.org/officeDocument/2006/relationships" xmlns:p="http://schemas.openxmlformats.org/presentationml/2006/main">
   <p:cSld>
     <p:bg>
@@ -20170,13 +19752,13 @@
         </p:nvSpPr>
         <p:spPr>
           <a:xfrm>
-            <a:off x="770878" y="952023"/>
-            <a:ext cx="10773422" cy="1797530"/>
+            <a:off x="800991" y="779017"/>
+            <a:ext cx="10773422" cy="578197"/>
           </a:xfrm>
         </p:spPr>
         <p:txBody>
           <a:bodyPr anchor="t">
-            <a:normAutofit/>
+            <a:normAutofit fontScale="90000"/>
           </a:bodyPr>
           <a:lstStyle/>
           <a:p>
@@ -20185,7 +19767,7 @@
                 <a:latin typeface="Segoe UI" panose="020B0502040204020203" pitchFamily="34" charset="0"/>
                 <a:ea typeface="等线" panose="02010600030101010101" pitchFamily="2" charset="-122"/>
               </a:rPr>
-              <a:t>What can we do better</a:t>
+              <a:t>Enhancing Our Approach: Next Steps for Sentiment Analysis and Stock Prediction</a:t>
             </a:r>
           </a:p>
         </p:txBody>
@@ -20198,6 +19780,11 @@
           </p:cNvGraphicFramePr>
           <p:nvPr>
             <p:ph idx="1"/>
+            <p:extLst>
+              <p:ext uri="{D42A27DB-BD31-4B8C-83A1-F6EECF244321}">
+                <p14:modId xmlns:p14="http://schemas.microsoft.com/office/powerpoint/2010/main" val="1803191594"/>
+              </p:ext>
+            </p:extLst>
           </p:nvPr>
         </p:nvGraphicFramePr>
         <p:xfrm>
@@ -20218,7 +19805,7 @@
 </p:sld>
 </file>
 
-<file path=ppt/slides/slide17.xml><?xml version="1.0" encoding="utf-8"?>
+<file path=ppt/slides/slide16.xml><?xml version="1.0" encoding="utf-8"?>
 <p:sld xmlns:a="http://schemas.openxmlformats.org/drawingml/2006/main" xmlns:r="http://schemas.openxmlformats.org/officeDocument/2006/relationships" xmlns:p="http://schemas.openxmlformats.org/presentationml/2006/main">
   <p:cSld>
     <p:bg>
@@ -22146,7 +21733,7 @@
 </p:sld>
 </file>
 
-<file path=ppt/slides/slide18.xml><?xml version="1.0" encoding="utf-8"?>
+<file path=ppt/slides/slide17.xml><?xml version="1.0" encoding="utf-8"?>
 <p:sld xmlns:a="http://schemas.openxmlformats.org/drawingml/2006/main" xmlns:r="http://schemas.openxmlformats.org/officeDocument/2006/relationships" xmlns:p="http://schemas.openxmlformats.org/presentationml/2006/main">
   <p:cSld>
     <p:bg>
@@ -23424,7 +23011,7 @@
                 <a:latin typeface="Segoe UI" panose="020B0502040204020203" pitchFamily="34" charset="0"/>
                 <a:ea typeface="等线" panose="02010600030101010101" pitchFamily="2" charset="-122"/>
               </a:rPr>
-              <a:t>Problems to solve</a:t>
+              <a:t>Dual Objectives</a:t>
             </a:r>
             <a:endParaRPr lang="zh-CN" altLang="en-US" sz="4400" dirty="0">
               <a:latin typeface="Segoe UI" panose="020B0502040204020203" pitchFamily="34" charset="0"/>
@@ -23441,6 +23028,11 @@
           </p:cNvGraphicFramePr>
           <p:nvPr>
             <p:ph idx="1"/>
+            <p:extLst>
+              <p:ext uri="{D42A27DB-BD31-4B8C-83A1-F6EECF244321}">
+                <p14:modId xmlns:p14="http://schemas.microsoft.com/office/powerpoint/2010/main" val="236589229"/>
+              </p:ext>
+            </p:extLst>
           </p:nvPr>
         </p:nvGraphicFramePr>
         <p:xfrm>
@@ -23673,6 +23265,15 @@
               <a:latin typeface="Segoe UI" panose="020B0502040204020203" pitchFamily="34" charset="0"/>
               <a:ea typeface="等线" panose="02010600030101010101" pitchFamily="2" charset="-122"/>
             </a:endParaRPr>
+          </a:p>
+          <a:p>
+            <a:r>
+              <a:rPr lang="en-US" altLang="zh-CN" dirty="0">
+                <a:latin typeface="Segoe UI" panose="020B0502040204020203" pitchFamily="34" charset="0"/>
+                <a:ea typeface="等线" panose="02010600030101010101" pitchFamily="2" charset="-122"/>
+              </a:rPr>
+              <a:t>Personal interest in Equity Trading</a:t>
+            </a:r>
           </a:p>
           <a:p>
             <a:endParaRPr lang="en-US" altLang="zh-CN" sz="1800" dirty="0">

--- a/Presentation.pptx
+++ b/Presentation.pptx
@@ -21,7 +21,7 @@
     <p:sldId id="259" r:id="rId12"/>
     <p:sldId id="271" r:id="rId13"/>
     <p:sldId id="272" r:id="rId14"/>
-    <p:sldId id="265" r:id="rId15"/>
+    <p:sldId id="285" r:id="rId15"/>
     <p:sldId id="262" r:id="rId16"/>
     <p:sldId id="268" r:id="rId17"/>
     <p:sldId id="269" r:id="rId18"/>
@@ -144,8 +144,8 @@
 <pc:chgInfo xmlns:a="http://schemas.openxmlformats.org/drawingml/2006/main" xmlns:r="http://schemas.openxmlformats.org/officeDocument/2006/relationships" xmlns:ac="http://schemas.microsoft.com/office/drawing/2013/main/command" xmlns:pc="http://schemas.microsoft.com/office/powerpoint/2013/main/command">
   <pc:docChgLst>
     <pc:chgData name="Howard Zeng" userId="b3a49412108e13ba" providerId="LiveId" clId="{BCC94F81-CC70-406E-BFFC-3B9E7FA9D0DE}"/>
-    <pc:docChg chg="undo custSel delSld modSld">
-      <pc:chgData name="Howard Zeng" userId="b3a49412108e13ba" providerId="LiveId" clId="{BCC94F81-CC70-406E-BFFC-3B9E7FA9D0DE}" dt="2023-11-30T16:53:05.150" v="243"/>
+    <pc:docChg chg="undo custSel addSld delSld modSld">
+      <pc:chgData name="Howard Zeng" userId="b3a49412108e13ba" providerId="LiveId" clId="{BCC94F81-CC70-406E-BFFC-3B9E7FA9D0DE}" dt="2023-11-30T17:40:29.649" v="265" actId="20577"/>
       <pc:docMkLst>
         <pc:docMk/>
       </pc:docMkLst>
@@ -210,13 +210,13 @@
         </pc:sldMkLst>
       </pc:sldChg>
       <pc:sldChg chg="modSp mod">
-        <pc:chgData name="Howard Zeng" userId="b3a49412108e13ba" providerId="LiveId" clId="{BCC94F81-CC70-406E-BFFC-3B9E7FA9D0DE}" dt="2023-11-30T16:53:05.150" v="243"/>
+        <pc:chgData name="Howard Zeng" userId="b3a49412108e13ba" providerId="LiveId" clId="{BCC94F81-CC70-406E-BFFC-3B9E7FA9D0DE}" dt="2023-11-30T17:02:03.791" v="246" actId="255"/>
         <pc:sldMkLst>
           <pc:docMk/>
           <pc:sldMk cId="0" sldId="262"/>
         </pc:sldMkLst>
         <pc:spChg chg="mod">
-          <ac:chgData name="Howard Zeng" userId="b3a49412108e13ba" providerId="LiveId" clId="{BCC94F81-CC70-406E-BFFC-3B9E7FA9D0DE}" dt="2023-11-30T16:51:11.257" v="232" actId="1076"/>
+          <ac:chgData name="Howard Zeng" userId="b3a49412108e13ba" providerId="LiveId" clId="{BCC94F81-CC70-406E-BFFC-3B9E7FA9D0DE}" dt="2023-11-30T17:01:52.473" v="244" actId="255"/>
           <ac:spMkLst>
             <pc:docMk/>
             <pc:sldMk cId="0" sldId="262"/>
@@ -224,7 +224,7 @@
           </ac:spMkLst>
         </pc:spChg>
         <pc:graphicFrameChg chg="mod">
-          <ac:chgData name="Howard Zeng" userId="b3a49412108e13ba" providerId="LiveId" clId="{BCC94F81-CC70-406E-BFFC-3B9E7FA9D0DE}" dt="2023-11-30T16:53:05.150" v="243"/>
+          <ac:chgData name="Howard Zeng" userId="b3a49412108e13ba" providerId="LiveId" clId="{BCC94F81-CC70-406E-BFFC-3B9E7FA9D0DE}" dt="2023-11-30T17:02:03.791" v="246" actId="255"/>
           <ac:graphicFrameMkLst>
             <pc:docMk/>
             <pc:sldMk cId="0" sldId="262"/>
@@ -254,6 +254,258 @@
             <ac:graphicFrameMk id="127" creationId="{00000000-0000-0000-0000-000000000000}"/>
           </ac:graphicFrameMkLst>
         </pc:graphicFrameChg>
+      </pc:sldChg>
+      <pc:sldChg chg="addSp delSp modSp del mod">
+        <pc:chgData name="Howard Zeng" userId="b3a49412108e13ba" providerId="LiveId" clId="{BCC94F81-CC70-406E-BFFC-3B9E7FA9D0DE}" dt="2023-11-30T17:40:26.301" v="262" actId="2696"/>
+        <pc:sldMkLst>
+          <pc:docMk/>
+          <pc:sldMk cId="0" sldId="265"/>
+        </pc:sldMkLst>
+        <pc:spChg chg="add mod">
+          <ac:chgData name="Howard Zeng" userId="b3a49412108e13ba" providerId="LiveId" clId="{BCC94F81-CC70-406E-BFFC-3B9E7FA9D0DE}" dt="2023-11-30T17:40:17.297" v="259" actId="20577"/>
+          <ac:spMkLst>
+            <pc:docMk/>
+            <pc:sldMk cId="0" sldId="265"/>
+            <ac:spMk id="2" creationId="{A411F7E6-F1A6-8C97-9F8C-6239F7D07390}"/>
+          </ac:spMkLst>
+        </pc:spChg>
+        <pc:picChg chg="del">
+          <ac:chgData name="Howard Zeng" userId="b3a49412108e13ba" providerId="LiveId" clId="{BCC94F81-CC70-406E-BFFC-3B9E7FA9D0DE}" dt="2023-11-30T17:38:28.041" v="256" actId="478"/>
+          <ac:picMkLst>
+            <pc:docMk/>
+            <pc:sldMk cId="0" sldId="265"/>
+            <ac:picMk id="3" creationId="{00000000-0000-0000-0000-000000000000}"/>
+          </ac:picMkLst>
+        </pc:picChg>
+      </pc:sldChg>
+      <pc:sldChg chg="addSp delSp modSp mod">
+        <pc:chgData name="Howard Zeng" userId="b3a49412108e13ba" providerId="LiveId" clId="{BCC94F81-CC70-406E-BFFC-3B9E7FA9D0DE}" dt="2023-11-30T17:21:13.803" v="252" actId="165"/>
+        <pc:sldMkLst>
+          <pc:docMk/>
+          <pc:sldMk cId="0" sldId="270"/>
+        </pc:sldMkLst>
+        <pc:spChg chg="mod topLvl">
+          <ac:chgData name="Howard Zeng" userId="b3a49412108e13ba" providerId="LiveId" clId="{BCC94F81-CC70-406E-BFFC-3B9E7FA9D0DE}" dt="2023-11-30T17:21:13.803" v="252" actId="165"/>
+          <ac:spMkLst>
+            <pc:docMk/>
+            <pc:sldMk cId="0" sldId="270"/>
+            <ac:spMk id="7" creationId="{00000000-0000-0000-0000-000000000000}"/>
+          </ac:spMkLst>
+        </pc:spChg>
+        <pc:spChg chg="mod topLvl">
+          <ac:chgData name="Howard Zeng" userId="b3a49412108e13ba" providerId="LiveId" clId="{BCC94F81-CC70-406E-BFFC-3B9E7FA9D0DE}" dt="2023-11-30T17:21:13.803" v="252" actId="165"/>
+          <ac:spMkLst>
+            <pc:docMk/>
+            <pc:sldMk cId="0" sldId="270"/>
+            <ac:spMk id="10" creationId="{00000000-0000-0000-0000-000000000000}"/>
+          </ac:spMkLst>
+        </pc:spChg>
+        <pc:spChg chg="mod topLvl">
+          <ac:chgData name="Howard Zeng" userId="b3a49412108e13ba" providerId="LiveId" clId="{BCC94F81-CC70-406E-BFFC-3B9E7FA9D0DE}" dt="2023-11-30T17:21:13.803" v="252" actId="165"/>
+          <ac:spMkLst>
+            <pc:docMk/>
+            <pc:sldMk cId="0" sldId="270"/>
+            <ac:spMk id="17" creationId="{00000000-0000-0000-0000-000000000000}"/>
+          </ac:spMkLst>
+        </pc:spChg>
+        <pc:spChg chg="mod topLvl">
+          <ac:chgData name="Howard Zeng" userId="b3a49412108e13ba" providerId="LiveId" clId="{BCC94F81-CC70-406E-BFFC-3B9E7FA9D0DE}" dt="2023-11-30T17:21:13.803" v="252" actId="165"/>
+          <ac:spMkLst>
+            <pc:docMk/>
+            <pc:sldMk cId="0" sldId="270"/>
+            <ac:spMk id="25" creationId="{00000000-0000-0000-0000-000000000000}"/>
+          </ac:spMkLst>
+        </pc:spChg>
+        <pc:spChg chg="mod topLvl">
+          <ac:chgData name="Howard Zeng" userId="b3a49412108e13ba" providerId="LiveId" clId="{BCC94F81-CC70-406E-BFFC-3B9E7FA9D0DE}" dt="2023-11-30T17:21:13.803" v="252" actId="165"/>
+          <ac:spMkLst>
+            <pc:docMk/>
+            <pc:sldMk cId="0" sldId="270"/>
+            <ac:spMk id="26" creationId="{00000000-0000-0000-0000-000000000000}"/>
+          </ac:spMkLst>
+        </pc:spChg>
+        <pc:spChg chg="mod">
+          <ac:chgData name="Howard Zeng" userId="b3a49412108e13ba" providerId="LiveId" clId="{BCC94F81-CC70-406E-BFFC-3B9E7FA9D0DE}" dt="2023-11-30T17:21:13.803" v="252" actId="165"/>
+          <ac:spMkLst>
+            <pc:docMk/>
+            <pc:sldMk cId="0" sldId="270"/>
+            <ac:spMk id="27" creationId="{00000000-0000-0000-0000-000000000000}"/>
+          </ac:spMkLst>
+        </pc:spChg>
+        <pc:spChg chg="mod">
+          <ac:chgData name="Howard Zeng" userId="b3a49412108e13ba" providerId="LiveId" clId="{BCC94F81-CC70-406E-BFFC-3B9E7FA9D0DE}" dt="2023-11-30T17:21:13.803" v="252" actId="165"/>
+          <ac:spMkLst>
+            <pc:docMk/>
+            <pc:sldMk cId="0" sldId="270"/>
+            <ac:spMk id="28" creationId="{00000000-0000-0000-0000-000000000000}"/>
+          </ac:spMkLst>
+        </pc:spChg>
+        <pc:spChg chg="mod">
+          <ac:chgData name="Howard Zeng" userId="b3a49412108e13ba" providerId="LiveId" clId="{BCC94F81-CC70-406E-BFFC-3B9E7FA9D0DE}" dt="2023-11-30T17:21:13.803" v="252" actId="165"/>
+          <ac:spMkLst>
+            <pc:docMk/>
+            <pc:sldMk cId="0" sldId="270"/>
+            <ac:spMk id="30" creationId="{00000000-0000-0000-0000-000000000000}"/>
+          </ac:spMkLst>
+        </pc:spChg>
+        <pc:spChg chg="mod">
+          <ac:chgData name="Howard Zeng" userId="b3a49412108e13ba" providerId="LiveId" clId="{BCC94F81-CC70-406E-BFFC-3B9E7FA9D0DE}" dt="2023-11-30T17:21:13.803" v="252" actId="165"/>
+          <ac:spMkLst>
+            <pc:docMk/>
+            <pc:sldMk cId="0" sldId="270"/>
+            <ac:spMk id="31" creationId="{00000000-0000-0000-0000-000000000000}"/>
+          </ac:spMkLst>
+        </pc:spChg>
+        <pc:spChg chg="mod">
+          <ac:chgData name="Howard Zeng" userId="b3a49412108e13ba" providerId="LiveId" clId="{BCC94F81-CC70-406E-BFFC-3B9E7FA9D0DE}" dt="2023-11-30T17:21:13.803" v="252" actId="165"/>
+          <ac:spMkLst>
+            <pc:docMk/>
+            <pc:sldMk cId="0" sldId="270"/>
+            <ac:spMk id="39" creationId="{00000000-0000-0000-0000-000000000000}"/>
+          </ac:spMkLst>
+        </pc:spChg>
+        <pc:spChg chg="mod">
+          <ac:chgData name="Howard Zeng" userId="b3a49412108e13ba" providerId="LiveId" clId="{BCC94F81-CC70-406E-BFFC-3B9E7FA9D0DE}" dt="2023-11-30T17:21:13.803" v="252" actId="165"/>
+          <ac:spMkLst>
+            <pc:docMk/>
+            <pc:sldMk cId="0" sldId="270"/>
+            <ac:spMk id="40" creationId="{00000000-0000-0000-0000-000000000000}"/>
+          </ac:spMkLst>
+        </pc:spChg>
+        <pc:spChg chg="mod">
+          <ac:chgData name="Howard Zeng" userId="b3a49412108e13ba" providerId="LiveId" clId="{BCC94F81-CC70-406E-BFFC-3B9E7FA9D0DE}" dt="2023-11-30T17:21:13.803" v="252" actId="165"/>
+          <ac:spMkLst>
+            <pc:docMk/>
+            <pc:sldMk cId="0" sldId="270"/>
+            <ac:spMk id="46" creationId="{00000000-0000-0000-0000-000000000000}"/>
+          </ac:spMkLst>
+        </pc:spChg>
+        <pc:spChg chg="mod">
+          <ac:chgData name="Howard Zeng" userId="b3a49412108e13ba" providerId="LiveId" clId="{BCC94F81-CC70-406E-BFFC-3B9E7FA9D0DE}" dt="2023-11-30T17:21:13.803" v="252" actId="165"/>
+          <ac:spMkLst>
+            <pc:docMk/>
+            <pc:sldMk cId="0" sldId="270"/>
+            <ac:spMk id="47" creationId="{00000000-0000-0000-0000-000000000000}"/>
+          </ac:spMkLst>
+        </pc:spChg>
+        <pc:spChg chg="mod topLvl">
+          <ac:chgData name="Howard Zeng" userId="b3a49412108e13ba" providerId="LiveId" clId="{BCC94F81-CC70-406E-BFFC-3B9E7FA9D0DE}" dt="2023-11-30T17:21:13.803" v="252" actId="165"/>
+          <ac:spMkLst>
+            <pc:docMk/>
+            <pc:sldMk cId="0" sldId="270"/>
+            <ac:spMk id="51" creationId="{00000000-0000-0000-0000-000000000000}"/>
+          </ac:spMkLst>
+        </pc:spChg>
+        <pc:spChg chg="mod topLvl">
+          <ac:chgData name="Howard Zeng" userId="b3a49412108e13ba" providerId="LiveId" clId="{BCC94F81-CC70-406E-BFFC-3B9E7FA9D0DE}" dt="2023-11-30T17:21:13.803" v="252" actId="165"/>
+          <ac:spMkLst>
+            <pc:docMk/>
+            <pc:sldMk cId="0" sldId="270"/>
+            <ac:spMk id="52" creationId="{00000000-0000-0000-0000-000000000000}"/>
+          </ac:spMkLst>
+        </pc:spChg>
+        <pc:grpChg chg="mod topLvl">
+          <ac:chgData name="Howard Zeng" userId="b3a49412108e13ba" providerId="LiveId" clId="{BCC94F81-CC70-406E-BFFC-3B9E7FA9D0DE}" dt="2023-11-30T17:21:13.803" v="252" actId="165"/>
+          <ac:grpSpMkLst>
+            <pc:docMk/>
+            <pc:sldMk cId="0" sldId="270"/>
+            <ac:grpSpMk id="24" creationId="{00000000-0000-0000-0000-000000000000}"/>
+          </ac:grpSpMkLst>
+        </pc:grpChg>
+        <pc:grpChg chg="mod topLvl">
+          <ac:chgData name="Howard Zeng" userId="b3a49412108e13ba" providerId="LiveId" clId="{BCC94F81-CC70-406E-BFFC-3B9E7FA9D0DE}" dt="2023-11-30T17:21:13.803" v="252" actId="165"/>
+          <ac:grpSpMkLst>
+            <pc:docMk/>
+            <pc:sldMk cId="0" sldId="270"/>
+            <ac:grpSpMk id="29" creationId="{00000000-0000-0000-0000-000000000000}"/>
+          </ac:grpSpMkLst>
+        </pc:grpChg>
+        <pc:grpChg chg="mod topLvl">
+          <ac:chgData name="Howard Zeng" userId="b3a49412108e13ba" providerId="LiveId" clId="{BCC94F81-CC70-406E-BFFC-3B9E7FA9D0DE}" dt="2023-11-30T17:21:13.803" v="252" actId="165"/>
+          <ac:grpSpMkLst>
+            <pc:docMk/>
+            <pc:sldMk cId="0" sldId="270"/>
+            <ac:grpSpMk id="38" creationId="{00000000-0000-0000-0000-000000000000}"/>
+          </ac:grpSpMkLst>
+        </pc:grpChg>
+        <pc:grpChg chg="mod topLvl">
+          <ac:chgData name="Howard Zeng" userId="b3a49412108e13ba" providerId="LiveId" clId="{BCC94F81-CC70-406E-BFFC-3B9E7FA9D0DE}" dt="2023-11-30T17:21:13.803" v="252" actId="165"/>
+          <ac:grpSpMkLst>
+            <pc:docMk/>
+            <pc:sldMk cId="0" sldId="270"/>
+            <ac:grpSpMk id="45" creationId="{00000000-0000-0000-0000-000000000000}"/>
+          </ac:grpSpMkLst>
+        </pc:grpChg>
+        <pc:grpChg chg="add del mod">
+          <ac:chgData name="Howard Zeng" userId="b3a49412108e13ba" providerId="LiveId" clId="{BCC94F81-CC70-406E-BFFC-3B9E7FA9D0DE}" dt="2023-11-30T17:21:13.803" v="252" actId="165"/>
+          <ac:grpSpMkLst>
+            <pc:docMk/>
+            <pc:sldMk cId="0" sldId="270"/>
+            <ac:grpSpMk id="53" creationId="{00000000-0000-0000-0000-000000000000}"/>
+          </ac:grpSpMkLst>
+        </pc:grpChg>
+        <pc:cxnChg chg="mod topLvl">
+          <ac:chgData name="Howard Zeng" userId="b3a49412108e13ba" providerId="LiveId" clId="{BCC94F81-CC70-406E-BFFC-3B9E7FA9D0DE}" dt="2023-11-30T17:21:13.803" v="252" actId="165"/>
+          <ac:cxnSpMkLst>
+            <pc:docMk/>
+            <pc:sldMk cId="0" sldId="270"/>
+            <ac:cxnSpMk id="11" creationId="{00000000-0000-0000-0000-000000000000}"/>
+          </ac:cxnSpMkLst>
+        </pc:cxnChg>
+        <pc:cxnChg chg="mod topLvl">
+          <ac:chgData name="Howard Zeng" userId="b3a49412108e13ba" providerId="LiveId" clId="{BCC94F81-CC70-406E-BFFC-3B9E7FA9D0DE}" dt="2023-11-30T17:21:13.803" v="252" actId="165"/>
+          <ac:cxnSpMkLst>
+            <pc:docMk/>
+            <pc:sldMk cId="0" sldId="270"/>
+            <ac:cxnSpMk id="14" creationId="{00000000-0000-0000-0000-000000000000}"/>
+          </ac:cxnSpMkLst>
+        </pc:cxnChg>
+      </pc:sldChg>
+      <pc:sldChg chg="modSp mod">
+        <pc:chgData name="Howard Zeng" userId="b3a49412108e13ba" providerId="LiveId" clId="{BCC94F81-CC70-406E-BFFC-3B9E7FA9D0DE}" dt="2023-11-30T17:21:34.583" v="255" actId="1076"/>
+        <pc:sldMkLst>
+          <pc:docMk/>
+          <pc:sldMk cId="0" sldId="282"/>
+        </pc:sldMkLst>
+        <pc:spChg chg="mod">
+          <ac:chgData name="Howard Zeng" userId="b3a49412108e13ba" providerId="LiveId" clId="{BCC94F81-CC70-406E-BFFC-3B9E7FA9D0DE}" dt="2023-11-30T17:21:32.099" v="254" actId="1076"/>
+          <ac:spMkLst>
+            <pc:docMk/>
+            <pc:sldMk cId="0" sldId="282"/>
+            <ac:spMk id="2" creationId="{00000000-0000-0000-0000-000000000000}"/>
+          </ac:spMkLst>
+        </pc:spChg>
+        <pc:picChg chg="mod">
+          <ac:chgData name="Howard Zeng" userId="b3a49412108e13ba" providerId="LiveId" clId="{BCC94F81-CC70-406E-BFFC-3B9E7FA9D0DE}" dt="2023-11-30T17:21:34.583" v="255" actId="1076"/>
+          <ac:picMkLst>
+            <pc:docMk/>
+            <pc:sldMk cId="0" sldId="282"/>
+            <ac:picMk id="4" creationId="{00000000-0000-0000-0000-000000000000}"/>
+          </ac:picMkLst>
+        </pc:picChg>
+        <pc:picChg chg="mod">
+          <ac:chgData name="Howard Zeng" userId="b3a49412108e13ba" providerId="LiveId" clId="{BCC94F81-CC70-406E-BFFC-3B9E7FA9D0DE}" dt="2023-11-30T17:21:00.148" v="248" actId="1076"/>
+          <ac:picMkLst>
+            <pc:docMk/>
+            <pc:sldMk cId="0" sldId="282"/>
+            <ac:picMk id="8" creationId="{00000000-0000-0000-0000-000000000000}"/>
+          </ac:picMkLst>
+        </pc:picChg>
+      </pc:sldChg>
+      <pc:sldChg chg="modSp new mod">
+        <pc:chgData name="Howard Zeng" userId="b3a49412108e13ba" providerId="LiveId" clId="{BCC94F81-CC70-406E-BFFC-3B9E7FA9D0DE}" dt="2023-11-30T17:40:29.649" v="265" actId="20577"/>
+        <pc:sldMkLst>
+          <pc:docMk/>
+          <pc:sldMk cId="1246011485" sldId="285"/>
+        </pc:sldMkLst>
+        <pc:spChg chg="mod">
+          <ac:chgData name="Howard Zeng" userId="b3a49412108e13ba" providerId="LiveId" clId="{BCC94F81-CC70-406E-BFFC-3B9E7FA9D0DE}" dt="2023-11-30T17:40:29.649" v="265" actId="20577"/>
+          <ac:spMkLst>
+            <pc:docMk/>
+            <pc:sldMk cId="1246011485" sldId="285"/>
+            <ac:spMk id="2" creationId="{140D9AE9-88BC-8218-9F59-9E36F3D17773}"/>
+          </ac:spMkLst>
+        </pc:spChg>
       </pc:sldChg>
     </pc:docChg>
   </pc:docChgLst>
@@ -4877,7 +5129,7 @@
       </dgm:t>
     </dgm:pt>
     <dgm:pt modelId="{73F8C4A2-E86C-44C7-B65F-AAFD7EB3B5AB}">
-      <dgm:prSet/>
+      <dgm:prSet custT="1"/>
       <dgm:spPr/>
       <dgm:t>
         <a:bodyPr/>
@@ -4889,7 +5141,7 @@
             </a:lnSpc>
           </a:pPr>
           <a:r>
-            <a:rPr lang="en-US" dirty="0"/>
+            <a:rPr lang="en-US" sz="3000" dirty="0"/>
             <a:t>Sentiment Analysis</a:t>
           </a:r>
         </a:p>
@@ -4960,7 +5212,7 @@
       </dgm:t>
     </dgm:pt>
     <dgm:pt modelId="{A68B4BD6-EFD0-4A55-A894-A3B8497E6B31}">
-      <dgm:prSet/>
+      <dgm:prSet custT="1"/>
       <dgm:spPr/>
       <dgm:t>
         <a:bodyPr/>
@@ -4972,7 +5224,7 @@
             </a:lnSpc>
           </a:pPr>
           <a:r>
-            <a:rPr lang="en-US"/>
+            <a:rPr lang="en-US" sz="3000" dirty="0"/>
             <a:t>Stock Prediction</a:t>
           </a:r>
         </a:p>
@@ -5055,7 +5307,7 @@
             </a:lnSpc>
           </a:pPr>
           <a:r>
-            <a:rPr lang="en-US" sz="1200" b="0" i="0"/>
+            <a:rPr lang="en-US" sz="1200" b="0" i="0" dirty="0"/>
             <a:t>Enrich our financial datasets with comprehensive company performance metrics, key economic indicators, and derivatives data to bolster predictive accuracy</a:t>
           </a:r>
           <a:endParaRPr lang="en-US" sz="1200" dirty="0"/>
@@ -7003,7 +7255,7 @@
         </a:bodyPr>
         <a:lstStyle/>
         <a:p>
-          <a:pPr marL="0" lvl="0" indent="0" algn="l" defTabSz="1511300">
+          <a:pPr marL="0" lvl="0" indent="0" algn="l" defTabSz="1333500">
             <a:lnSpc>
               <a:spcPct val="100000"/>
             </a:lnSpc>
@@ -7016,7 +7268,7 @@
             <a:buNone/>
           </a:pPr>
           <a:r>
-            <a:rPr lang="en-US" sz="3400" kern="1200" dirty="0"/>
+            <a:rPr lang="en-US" sz="3000" kern="1200" dirty="0"/>
             <a:t>Sentiment Analysis</a:t>
           </a:r>
         </a:p>
@@ -7193,7 +7445,7 @@
         </a:bodyPr>
         <a:lstStyle/>
         <a:p>
-          <a:pPr marL="0" lvl="0" indent="0" algn="l" defTabSz="1511300">
+          <a:pPr marL="0" lvl="0" indent="0" algn="l" defTabSz="1333500">
             <a:lnSpc>
               <a:spcPct val="100000"/>
             </a:lnSpc>
@@ -7206,7 +7458,7 @@
             <a:buNone/>
           </a:pPr>
           <a:r>
-            <a:rPr lang="en-US" sz="3400" kern="1200"/>
+            <a:rPr lang="en-US" sz="3000" kern="1200" dirty="0"/>
             <a:t>Stock Prediction</a:t>
           </a:r>
         </a:p>
@@ -7285,7 +7537,7 @@
             <a:buNone/>
           </a:pPr>
           <a:r>
-            <a:rPr lang="en-US" sz="1200" b="0" i="0" kern="1200"/>
+            <a:rPr lang="en-US" sz="1200" b="0" i="0" kern="1200" dirty="0"/>
             <a:t>Enrich our financial datasets with comprehensive company performance metrics, key economic indicators, and derivatives data to bolster predictive accuracy</a:t>
           </a:r>
           <a:endParaRPr lang="en-US" sz="1200" kern="1200" dirty="0"/>
@@ -12860,85 +13112,6 @@
 </p:notes>
 </file>
 
-<file path=ppt/notesSlides/notesSlide10.xml><?xml version="1.0" encoding="utf-8"?>
-<p:notes xmlns:a="http://schemas.openxmlformats.org/drawingml/2006/main" xmlns:r="http://schemas.openxmlformats.org/officeDocument/2006/relationships" xmlns:p="http://schemas.openxmlformats.org/presentationml/2006/main">
-  <p:cSld>
-    <p:spTree>
-      <p:nvGrpSpPr>
-        <p:cNvPr id="1" name=""/>
-        <p:cNvGrpSpPr/>
-        <p:nvPr/>
-      </p:nvGrpSpPr>
-      <p:grpSpPr>
-        <a:xfrm>
-          <a:off x="0" y="0"/>
-          <a:ext cx="0" cy="0"/>
-          <a:chOff x="0" y="0"/>
-          <a:chExt cx="0" cy="0"/>
-        </a:xfrm>
-      </p:grpSpPr>
-      <p:sp>
-        <p:nvSpPr>
-          <p:cNvPr id="2" name="Slide Image Placeholder 1"/>
-          <p:cNvSpPr>
-            <a:spLocks noGrp="1" noRot="1" noChangeAspect="1"/>
-          </p:cNvSpPr>
-          <p:nvPr>
-            <p:ph type="sldImg"/>
-          </p:nvPr>
-        </p:nvSpPr>
-        <p:spPr/>
-      </p:sp>
-      <p:sp>
-        <p:nvSpPr>
-          <p:cNvPr id="3" name="Notes Placeholder 2"/>
-          <p:cNvSpPr>
-            <a:spLocks noGrp="1"/>
-          </p:cNvSpPr>
-          <p:nvPr>
-            <p:ph type="body" idx="1"/>
-          </p:nvPr>
-        </p:nvSpPr>
-        <p:spPr/>
-        <p:txBody>
-          <a:bodyPr/>
-          <a:lstStyle/>
-          <a:p>
-            <a:endParaRPr lang="zh-CN" altLang="en-US"/>
-          </a:p>
-        </p:txBody>
-      </p:sp>
-      <p:sp>
-        <p:nvSpPr>
-          <p:cNvPr id="4" name="Slide Number Placeholder 3"/>
-          <p:cNvSpPr>
-            <a:spLocks noGrp="1"/>
-          </p:cNvSpPr>
-          <p:nvPr>
-            <p:ph type="sldNum" sz="quarter" idx="5"/>
-          </p:nvPr>
-        </p:nvSpPr>
-        <p:spPr/>
-        <p:txBody>
-          <a:bodyPr/>
-          <a:lstStyle/>
-          <a:p>
-            <a:fld id="{057FAD25-51B6-419D-B421-616EF620C45E}" type="slidenum">
-              <a:rPr lang="zh-CN" altLang="en-US" smtClean="0"/>
-              <a:t>17</a:t>
-            </a:fld>
-            <a:endParaRPr lang="zh-CN" altLang="en-US"/>
-          </a:p>
-        </p:txBody>
-      </p:sp>
-    </p:spTree>
-  </p:cSld>
-  <p:clrMapOvr>
-    <a:masterClrMapping/>
-  </p:clrMapOvr>
-</p:notes>
-</file>
-
 <file path=ppt/notesSlides/notesSlide2.xml><?xml version="1.0" encoding="utf-8"?>
 <p:notes xmlns:a="http://schemas.openxmlformats.org/drawingml/2006/main" xmlns:r="http://schemas.openxmlformats.org/officeDocument/2006/relationships" xmlns:p="http://schemas.openxmlformats.org/presentationml/2006/main">
   <p:cSld>
@@ -13457,7 +13630,7 @@
           <a:bodyPr/>
           <a:lstStyle/>
           <a:p>
-            <a:endParaRPr lang="zh-CN" altLang="en-US" dirty="0"/>
+            <a:endParaRPr lang="zh-CN" altLang="en-US"/>
           </a:p>
         </p:txBody>
       </p:sp>
@@ -13478,7 +13651,7 @@
           <a:p>
             <a:fld id="{057FAD25-51B6-419D-B421-616EF620C45E}" type="slidenum">
               <a:rPr lang="zh-CN" altLang="en-US" smtClean="0"/>
-              <a:t>14</a:t>
+              <a:t>15</a:t>
             </a:fld>
             <a:endParaRPr lang="zh-CN" altLang="en-US"/>
           </a:p>
@@ -13557,7 +13730,7 @@
           <a:p>
             <a:fld id="{057FAD25-51B6-419D-B421-616EF620C45E}" type="slidenum">
               <a:rPr lang="zh-CN" altLang="en-US" smtClean="0"/>
-              <a:t>15</a:t>
+              <a:t>17</a:t>
             </a:fld>
             <a:endParaRPr lang="zh-CN" altLang="en-US"/>
           </a:p>
@@ -19217,7 +19390,7 @@
 </file>
 
 <file path=ppt/slides/slide14.xml><?xml version="1.0" encoding="utf-8"?>
-<p:sld xmlns:a="http://schemas.openxmlformats.org/drawingml/2006/main" xmlns:r="http://schemas.openxmlformats.org/officeDocument/2006/relationships" xmlns:p="http://schemas.openxmlformats.org/presentationml/2006/main" showMasterSp="0">
+<p:sld xmlns:a="http://schemas.openxmlformats.org/drawingml/2006/main" xmlns:r="http://schemas.openxmlformats.org/officeDocument/2006/relationships" xmlns:p="http://schemas.openxmlformats.org/presentationml/2006/main">
   <p:cSld>
     <p:spTree>
       <p:nvGrpSpPr>
@@ -19233,31 +19406,43 @@
           <a:chExt cx="0" cy="0"/>
         </a:xfrm>
       </p:grpSpPr>
-      <p:pic>
-        <p:nvPicPr>
-          <p:cNvPr id="3" name="Picture 2"/>
-          <p:cNvPicPr>
-            <a:picLocks noChangeAspect="1"/>
-          </p:cNvPicPr>
-          <p:nvPr/>
-        </p:nvPicPr>
-        <p:blipFill>
-          <a:blip r:embed="rId3"/>
-          <a:stretch>
-            <a:fillRect/>
-          </a:stretch>
-        </p:blipFill>
-        <p:spPr>
-          <a:xfrm>
-            <a:off x="0" y="408963"/>
-            <a:ext cx="12192000" cy="6040073"/>
-          </a:xfrm>
-          <a:prstGeom prst="rect">
-            <a:avLst/>
-          </a:prstGeom>
-        </p:spPr>
-      </p:pic>
+      <p:sp>
+        <p:nvSpPr>
+          <p:cNvPr id="2" name="Title 1">
+            <a:extLst>
+              <a:ext uri="{FF2B5EF4-FFF2-40B4-BE49-F238E27FC236}">
+                <a16:creationId xmlns:a16="http://schemas.microsoft.com/office/drawing/2014/main" id="{140D9AE9-88BC-8218-9F59-9E36F3D17773}"/>
+              </a:ext>
+            </a:extLst>
+          </p:cNvPr>
+          <p:cNvSpPr>
+            <a:spLocks noGrp="1"/>
+          </p:cNvSpPr>
+          <p:nvPr>
+            <p:ph type="title"/>
+          </p:nvPr>
+        </p:nvSpPr>
+        <p:spPr/>
+        <p:txBody>
+          <a:bodyPr/>
+          <a:lstStyle/>
+          <a:p>
+            <a:r>
+              <a:rPr lang="en-US" altLang="zh-CN" dirty="0">
+                <a:hlinkClick r:id="rId2"/>
+              </a:rPr>
+              <a:t>http://127.0.0.1:5000/</a:t>
+            </a:r>
+            <a:endParaRPr lang="zh-CN" altLang="en-US" dirty="0"/>
+          </a:p>
+        </p:txBody>
+      </p:sp>
     </p:spTree>
+    <p:extLst>
+      <p:ext uri="{BB962C8B-B14F-4D97-AF65-F5344CB8AC3E}">
+        <p14:creationId xmlns:p14="http://schemas.microsoft.com/office/powerpoint/2010/main" val="1246011485"/>
+      </p:ext>
+    </p:extLst>
   </p:cSld>
   <p:clrMapOvr>
     <a:masterClrMapping/>
@@ -19758,12 +19943,12 @@
         </p:spPr>
         <p:txBody>
           <a:bodyPr anchor="t">
-            <a:normAutofit fontScale="90000"/>
+            <a:noAutofit/>
           </a:bodyPr>
           <a:lstStyle/>
           <a:p>
             <a:r>
-              <a:rPr lang="en-US" sz="4400" dirty="0">
+              <a:rPr lang="en-US" sz="3600" dirty="0">
                 <a:latin typeface="Segoe UI" panose="020B0502040204020203" pitchFamily="34" charset="0"/>
                 <a:ea typeface="等线" panose="02010600030101010101" pitchFamily="2" charset="-122"/>
               </a:rPr>
@@ -19782,7 +19967,7 @@
             <p:ph idx="1"/>
             <p:extLst>
               <p:ext uri="{D42A27DB-BD31-4B8C-83A1-F6EECF244321}">
-                <p14:modId xmlns:p14="http://schemas.microsoft.com/office/powerpoint/2010/main" val="1803191594"/>
+                <p14:modId xmlns:p14="http://schemas.microsoft.com/office/powerpoint/2010/main" val="1914614397"/>
               </p:ext>
             </p:extLst>
           </p:nvPr>
@@ -24376,8 +24561,8 @@
           <a:xfrm>
             <a:off x="378069" y="1233297"/>
             <a:ext cx="11435861" cy="4994353"/>
-            <a:chOff x="418446" y="993342"/>
-            <a:chExt cx="11628895" cy="5082038"/>
+            <a:chOff x="418446" y="993341"/>
+            <a:chExt cx="11628906" cy="5082038"/>
           </a:xfrm>
         </p:grpSpPr>
         <p:sp>
@@ -24388,8 +24573,8 @@
           </p:nvSpPr>
           <p:spPr>
             <a:xfrm>
-              <a:off x="4542475" y="993342"/>
-              <a:ext cx="1796890" cy="404626"/>
+              <a:off x="4542479" y="993341"/>
+              <a:ext cx="1796892" cy="404626"/>
             </a:xfrm>
             <a:prstGeom prst="rect">
               <a:avLst/>
@@ -24414,8 +24599,8 @@
           </p:nvSpPr>
           <p:spPr>
             <a:xfrm>
-              <a:off x="4632920" y="1017897"/>
-              <a:ext cx="1796890" cy="404626"/>
+              <a:off x="4632924" y="1017896"/>
+              <a:ext cx="1796892" cy="404626"/>
             </a:xfrm>
             <a:prstGeom prst="rect">
               <a:avLst/>
@@ -24464,8 +24649,8 @@
           </p:nvSpPr>
           <p:spPr>
             <a:xfrm>
-              <a:off x="4632920" y="2868923"/>
-              <a:ext cx="1796890" cy="404626"/>
+              <a:off x="4632924" y="2868923"/>
+              <a:ext cx="1796892" cy="404626"/>
             </a:xfrm>
             <a:prstGeom prst="rect">
               <a:avLst/>
@@ -24500,8 +24685,8 @@
           </p:nvSpPr>
           <p:spPr>
             <a:xfrm>
-              <a:off x="8582270" y="2317812"/>
-              <a:ext cx="1796890" cy="461665"/>
+              <a:off x="8582277" y="2317812"/>
+              <a:ext cx="1796892" cy="461664"/>
             </a:xfrm>
             <a:prstGeom prst="rect">
               <a:avLst/>
@@ -24537,8 +24722,8 @@
           </p:nvSpPr>
           <p:spPr>
             <a:xfrm>
-              <a:off x="10641839" y="3197321"/>
-              <a:ext cx="1405502" cy="2421387"/>
+              <a:off x="10641849" y="3197321"/>
+              <a:ext cx="1405503" cy="2421387"/>
             </a:xfrm>
             <a:prstGeom prst="curvedLeftArrow">
               <a:avLst/>
@@ -24607,8 +24792,8 @@
           </p:nvCxnSpPr>
           <p:spPr>
             <a:xfrm>
-              <a:off x="4513654" y="1515410"/>
-              <a:ext cx="2006602" cy="0"/>
+              <a:off x="4513658" y="1515409"/>
+              <a:ext cx="2006604" cy="0"/>
             </a:xfrm>
             <a:prstGeom prst="straightConnector1">
               <a:avLst/>
@@ -24646,8 +24831,8 @@
           </p:nvCxnSpPr>
           <p:spPr>
             <a:xfrm>
-              <a:off x="4542475" y="3366436"/>
-              <a:ext cx="1977781" cy="0"/>
+              <a:off x="4542479" y="3366435"/>
+              <a:ext cx="1977783" cy="0"/>
             </a:xfrm>
             <a:prstGeom prst="straightConnector1">
               <a:avLst/>
@@ -24683,7 +24868,7 @@
           <p:grpSpPr>
             <a:xfrm>
               <a:off x="418446" y="1220210"/>
-              <a:ext cx="4124029" cy="590400"/>
+              <a:ext cx="4124033" cy="590400"/>
               <a:chOff x="294573" y="55824"/>
               <a:chExt cx="4124029" cy="590400"/>
             </a:xfrm>
@@ -24799,8 +24984,8 @@
           </p:nvGrpSpPr>
           <p:grpSpPr>
             <a:xfrm>
-              <a:off x="418446" y="3071236"/>
-              <a:ext cx="4124029" cy="590400"/>
+              <a:off x="418446" y="3071235"/>
+              <a:ext cx="4124033" cy="590400"/>
               <a:chOff x="294573" y="2601024"/>
               <a:chExt cx="4124029" cy="590400"/>
             </a:xfrm>
@@ -24916,8 +25101,8 @@
           </p:nvGrpSpPr>
           <p:grpSpPr>
             <a:xfrm>
-              <a:off x="6520256" y="1220210"/>
-              <a:ext cx="4124029" cy="590400"/>
+              <a:off x="6520262" y="1220210"/>
+              <a:ext cx="4124033" cy="590400"/>
               <a:chOff x="294573" y="55824"/>
               <a:chExt cx="4124029" cy="590400"/>
             </a:xfrm>
@@ -25033,8 +25218,8 @@
           </p:nvGrpSpPr>
           <p:grpSpPr>
             <a:xfrm>
-              <a:off x="6520256" y="3071236"/>
-              <a:ext cx="4124029" cy="590400"/>
+              <a:off x="6520262" y="3071235"/>
+              <a:ext cx="4124033" cy="590400"/>
               <a:chOff x="294573" y="2601024"/>
               <a:chExt cx="4124029" cy="590400"/>
             </a:xfrm>
@@ -25150,8 +25335,8 @@
           </p:nvSpPr>
           <p:spPr>
             <a:xfrm>
-              <a:off x="8778701" y="4408014"/>
-              <a:ext cx="1737391" cy="1667366"/>
+              <a:off x="8778710" y="4408014"/>
+              <a:ext cx="1737393" cy="1667365"/>
             </a:xfrm>
             <a:prstGeom prst="ellipse">
               <a:avLst/>
@@ -25674,7 +25859,7 @@
           <a:lstStyle/>
           <a:p>
             <a:r>
-              <a:rPr lang="en-US" altLang="zh-CN"/>
+              <a:rPr lang="en-US" altLang="zh-CN" dirty="0"/>
               <a:t>Testing</a:t>
             </a:r>
           </a:p>
@@ -25698,7 +25883,7 @@
         </p:blipFill>
         <p:spPr>
           <a:xfrm>
-            <a:off x="777240" y="2752090"/>
+            <a:off x="777240" y="2747328"/>
             <a:ext cx="4559300" cy="3843020"/>
           </a:xfrm>
           <a:prstGeom prst="rect">

--- a/Presentation.pptx
+++ b/Presentation.pptx
@@ -5,31 +5,31 @@
     <p:sldMasterId id="2147483648" r:id="rId1"/>
   </p:sldMasterIdLst>
   <p:notesMasterIdLst>
-    <p:notesMasterId r:id="rId19"/>
+    <p:notesMasterId r:id="rId4"/>
   </p:notesMasterIdLst>
   <p:sldIdLst>
-    <p:sldId id="256" r:id="rId2"/>
-    <p:sldId id="264" r:id="rId3"/>
-    <p:sldId id="257" r:id="rId4"/>
-    <p:sldId id="263" r:id="rId5"/>
-    <p:sldId id="270" r:id="rId6"/>
-    <p:sldId id="258" r:id="rId7"/>
-    <p:sldId id="260" r:id="rId8"/>
-    <p:sldId id="282" r:id="rId9"/>
-    <p:sldId id="283" r:id="rId10"/>
-    <p:sldId id="284" r:id="rId11"/>
-    <p:sldId id="259" r:id="rId12"/>
-    <p:sldId id="271" r:id="rId13"/>
-    <p:sldId id="272" r:id="rId14"/>
-    <p:sldId id="285" r:id="rId15"/>
-    <p:sldId id="262" r:id="rId16"/>
-    <p:sldId id="268" r:id="rId17"/>
-    <p:sldId id="269" r:id="rId18"/>
+    <p:sldId id="256" r:id="rId3"/>
+    <p:sldId id="264" r:id="rId5"/>
+    <p:sldId id="257" r:id="rId6"/>
+    <p:sldId id="263" r:id="rId7"/>
+    <p:sldId id="270" r:id="rId8"/>
+    <p:sldId id="258" r:id="rId9"/>
+    <p:sldId id="260" r:id="rId10"/>
+    <p:sldId id="282" r:id="rId11"/>
+    <p:sldId id="283" r:id="rId12"/>
+    <p:sldId id="284" r:id="rId13"/>
+    <p:sldId id="259" r:id="rId14"/>
+    <p:sldId id="271" r:id="rId15"/>
+    <p:sldId id="272" r:id="rId16"/>
+    <p:sldId id="285" r:id="rId17"/>
+    <p:sldId id="262" r:id="rId18"/>
+    <p:sldId id="268" r:id="rId19"/>
+    <p:sldId id="269" r:id="rId20"/>
   </p:sldIdLst>
   <p:sldSz cx="12192000" cy="6858000"/>
   <p:notesSz cx="6858000" cy="9144000"/>
   <p:custDataLst>
-    <p:tags r:id="rId20"/>
+    <p:tags r:id="rId25"/>
   </p:custDataLst>
   <p:defaultTextStyle>
     <a:defPPr>
@@ -126,11 +126,6 @@
       </a:defRPr>
     </a:lvl9pPr>
   </p:defaultTextStyle>
-  <p:extLst>
-    <p:ext uri="{EFAFB233-063F-42B5-8137-9DF3F51BA10A}">
-      <p15:sldGuideLst xmlns:p15="http://schemas.microsoft.com/office/powerpoint/2012/main"/>
-    </p:ext>
-  </p:extLst>
 </p:presentation>
 </file>
 
@@ -138,378 +133,6 @@
 <p:cmAuthorLst xmlns:a="http://schemas.openxmlformats.org/drawingml/2006/main" xmlns:r="http://schemas.openxmlformats.org/officeDocument/2006/relationships" xmlns:p="http://schemas.openxmlformats.org/presentationml/2006/main">
   <p:cmAuthor id="1" name="Howard Zeng" initials="HZ" lastIdx="1" clrIdx="0"/>
 </p:cmAuthorLst>
-</file>
-
-<file path=ppt/changesInfos/changesInfo1.xml><?xml version="1.0" encoding="utf-8"?>
-<pc:chgInfo xmlns:a="http://schemas.openxmlformats.org/drawingml/2006/main" xmlns:r="http://schemas.openxmlformats.org/officeDocument/2006/relationships" xmlns:ac="http://schemas.microsoft.com/office/drawing/2013/main/command" xmlns:pc="http://schemas.microsoft.com/office/powerpoint/2013/main/command">
-  <pc:docChgLst>
-    <pc:chgData name="Howard Zeng" userId="b3a49412108e13ba" providerId="LiveId" clId="{BCC94F81-CC70-406E-BFFC-3B9E7FA9D0DE}"/>
-    <pc:docChg chg="undo custSel addSld delSld modSld">
-      <pc:chgData name="Howard Zeng" userId="b3a49412108e13ba" providerId="LiveId" clId="{BCC94F81-CC70-406E-BFFC-3B9E7FA9D0DE}" dt="2023-11-30T17:40:29.649" v="265" actId="20577"/>
-      <pc:docMkLst>
-        <pc:docMk/>
-      </pc:docMkLst>
-      <pc:sldChg chg="modSp mod modAnim">
-        <pc:chgData name="Howard Zeng" userId="b3a49412108e13ba" providerId="LiveId" clId="{BCC94F81-CC70-406E-BFFC-3B9E7FA9D0DE}" dt="2023-11-30T16:48:30.162" v="36" actId="20577"/>
-        <pc:sldMkLst>
-          <pc:docMk/>
-          <pc:sldMk cId="0" sldId="256"/>
-        </pc:sldMkLst>
-        <pc:spChg chg="mod">
-          <ac:chgData name="Howard Zeng" userId="b3a49412108e13ba" providerId="LiveId" clId="{BCC94F81-CC70-406E-BFFC-3B9E7FA9D0DE}" dt="2023-11-30T16:48:28.017" v="35" actId="20577"/>
-          <ac:spMkLst>
-            <pc:docMk/>
-            <pc:sldMk cId="0" sldId="256"/>
-            <ac:spMk id="2" creationId="{00000000-0000-0000-0000-000000000000}"/>
-          </ac:spMkLst>
-        </pc:spChg>
-        <pc:spChg chg="mod">
-          <ac:chgData name="Howard Zeng" userId="b3a49412108e13ba" providerId="LiveId" clId="{BCC94F81-CC70-406E-BFFC-3B9E7FA9D0DE}" dt="2023-11-30T16:48:30.162" v="36" actId="20577"/>
-          <ac:spMkLst>
-            <pc:docMk/>
-            <pc:sldMk cId="0" sldId="256"/>
-            <ac:spMk id="3" creationId="{00000000-0000-0000-0000-000000000000}"/>
-          </ac:spMkLst>
-        </pc:spChg>
-      </pc:sldChg>
-      <pc:sldChg chg="modSp mod">
-        <pc:chgData name="Howard Zeng" userId="b3a49412108e13ba" providerId="LiveId" clId="{BCC94F81-CC70-406E-BFFC-3B9E7FA9D0DE}" dt="2023-11-30T16:48:52.827" v="88" actId="20577"/>
-        <pc:sldMkLst>
-          <pc:docMk/>
-          <pc:sldMk cId="0" sldId="257"/>
-        </pc:sldMkLst>
-        <pc:spChg chg="mod">
-          <ac:chgData name="Howard Zeng" userId="b3a49412108e13ba" providerId="LiveId" clId="{BCC94F81-CC70-406E-BFFC-3B9E7FA9D0DE}" dt="2023-11-30T16:48:52.827" v="88" actId="20577"/>
-          <ac:spMkLst>
-            <pc:docMk/>
-            <pc:sldMk cId="0" sldId="257"/>
-            <ac:spMk id="7" creationId="{00000000-0000-0000-0000-000000000000}"/>
-          </ac:spMkLst>
-        </pc:spChg>
-      </pc:sldChg>
-      <pc:sldChg chg="modSp">
-        <pc:chgData name="Howard Zeng" userId="b3a49412108e13ba" providerId="LiveId" clId="{BCC94F81-CC70-406E-BFFC-3B9E7FA9D0DE}" dt="2023-11-30T16:50:45.205" v="225" actId="20577"/>
-        <pc:sldMkLst>
-          <pc:docMk/>
-          <pc:sldMk cId="0" sldId="259"/>
-        </pc:sldMkLst>
-        <pc:graphicFrameChg chg="mod">
-          <ac:chgData name="Howard Zeng" userId="b3a49412108e13ba" providerId="LiveId" clId="{BCC94F81-CC70-406E-BFFC-3B9E7FA9D0DE}" dt="2023-11-30T16:50:45.205" v="225" actId="20577"/>
-          <ac:graphicFrameMkLst>
-            <pc:docMk/>
-            <pc:sldMk cId="0" sldId="259"/>
-            <ac:graphicFrameMk id="5" creationId="{00000000-0000-0000-0000-000000000000}"/>
-          </ac:graphicFrameMkLst>
-        </pc:graphicFrameChg>
-      </pc:sldChg>
-      <pc:sldChg chg="del">
-        <pc:chgData name="Howard Zeng" userId="b3a49412108e13ba" providerId="LiveId" clId="{BCC94F81-CC70-406E-BFFC-3B9E7FA9D0DE}" dt="2023-11-30T16:48:58.889" v="89" actId="2696"/>
-        <pc:sldMkLst>
-          <pc:docMk/>
-          <pc:sldMk cId="0" sldId="261"/>
-        </pc:sldMkLst>
-      </pc:sldChg>
-      <pc:sldChg chg="modSp mod">
-        <pc:chgData name="Howard Zeng" userId="b3a49412108e13ba" providerId="LiveId" clId="{BCC94F81-CC70-406E-BFFC-3B9E7FA9D0DE}" dt="2023-11-30T17:02:03.791" v="246" actId="255"/>
-        <pc:sldMkLst>
-          <pc:docMk/>
-          <pc:sldMk cId="0" sldId="262"/>
-        </pc:sldMkLst>
-        <pc:spChg chg="mod">
-          <ac:chgData name="Howard Zeng" userId="b3a49412108e13ba" providerId="LiveId" clId="{BCC94F81-CC70-406E-BFFC-3B9E7FA9D0DE}" dt="2023-11-30T17:01:52.473" v="244" actId="255"/>
-          <ac:spMkLst>
-            <pc:docMk/>
-            <pc:sldMk cId="0" sldId="262"/>
-            <ac:spMk id="2" creationId="{00000000-0000-0000-0000-000000000000}"/>
-          </ac:spMkLst>
-        </pc:spChg>
-        <pc:graphicFrameChg chg="mod">
-          <ac:chgData name="Howard Zeng" userId="b3a49412108e13ba" providerId="LiveId" clId="{BCC94F81-CC70-406E-BFFC-3B9E7FA9D0DE}" dt="2023-11-30T17:02:03.791" v="246" actId="255"/>
-          <ac:graphicFrameMkLst>
-            <pc:docMk/>
-            <pc:sldMk cId="0" sldId="262"/>
-            <ac:graphicFrameMk id="33" creationId="{00000000-0000-0000-0000-000000000000}"/>
-          </ac:graphicFrameMkLst>
-        </pc:graphicFrameChg>
-      </pc:sldChg>
-      <pc:sldChg chg="modSp mod">
-        <pc:chgData name="Howard Zeng" userId="b3a49412108e13ba" providerId="LiveId" clId="{BCC94F81-CC70-406E-BFFC-3B9E7FA9D0DE}" dt="2023-11-30T16:48:02.531" v="32"/>
-        <pc:sldMkLst>
-          <pc:docMk/>
-          <pc:sldMk cId="0" sldId="264"/>
-        </pc:sldMkLst>
-        <pc:spChg chg="mod">
-          <ac:chgData name="Howard Zeng" userId="b3a49412108e13ba" providerId="LiveId" clId="{BCC94F81-CC70-406E-BFFC-3B9E7FA9D0DE}" dt="2023-11-30T16:47:09.971" v="30" actId="20577"/>
-          <ac:spMkLst>
-            <pc:docMk/>
-            <pc:sldMk cId="0" sldId="264"/>
-            <ac:spMk id="2" creationId="{00000000-0000-0000-0000-000000000000}"/>
-          </ac:spMkLst>
-        </pc:spChg>
-        <pc:graphicFrameChg chg="mod">
-          <ac:chgData name="Howard Zeng" userId="b3a49412108e13ba" providerId="LiveId" clId="{BCC94F81-CC70-406E-BFFC-3B9E7FA9D0DE}" dt="2023-11-30T16:48:02.531" v="32"/>
-          <ac:graphicFrameMkLst>
-            <pc:docMk/>
-            <pc:sldMk cId="0" sldId="264"/>
-            <ac:graphicFrameMk id="127" creationId="{00000000-0000-0000-0000-000000000000}"/>
-          </ac:graphicFrameMkLst>
-        </pc:graphicFrameChg>
-      </pc:sldChg>
-      <pc:sldChg chg="addSp delSp modSp del mod">
-        <pc:chgData name="Howard Zeng" userId="b3a49412108e13ba" providerId="LiveId" clId="{BCC94F81-CC70-406E-BFFC-3B9E7FA9D0DE}" dt="2023-11-30T17:40:26.301" v="262" actId="2696"/>
-        <pc:sldMkLst>
-          <pc:docMk/>
-          <pc:sldMk cId="0" sldId="265"/>
-        </pc:sldMkLst>
-        <pc:spChg chg="add mod">
-          <ac:chgData name="Howard Zeng" userId="b3a49412108e13ba" providerId="LiveId" clId="{BCC94F81-CC70-406E-BFFC-3B9E7FA9D0DE}" dt="2023-11-30T17:40:17.297" v="259" actId="20577"/>
-          <ac:spMkLst>
-            <pc:docMk/>
-            <pc:sldMk cId="0" sldId="265"/>
-            <ac:spMk id="2" creationId="{A411F7E6-F1A6-8C97-9F8C-6239F7D07390}"/>
-          </ac:spMkLst>
-        </pc:spChg>
-        <pc:picChg chg="del">
-          <ac:chgData name="Howard Zeng" userId="b3a49412108e13ba" providerId="LiveId" clId="{BCC94F81-CC70-406E-BFFC-3B9E7FA9D0DE}" dt="2023-11-30T17:38:28.041" v="256" actId="478"/>
-          <ac:picMkLst>
-            <pc:docMk/>
-            <pc:sldMk cId="0" sldId="265"/>
-            <ac:picMk id="3" creationId="{00000000-0000-0000-0000-000000000000}"/>
-          </ac:picMkLst>
-        </pc:picChg>
-      </pc:sldChg>
-      <pc:sldChg chg="addSp delSp modSp mod">
-        <pc:chgData name="Howard Zeng" userId="b3a49412108e13ba" providerId="LiveId" clId="{BCC94F81-CC70-406E-BFFC-3B9E7FA9D0DE}" dt="2023-11-30T17:21:13.803" v="252" actId="165"/>
-        <pc:sldMkLst>
-          <pc:docMk/>
-          <pc:sldMk cId="0" sldId="270"/>
-        </pc:sldMkLst>
-        <pc:spChg chg="mod topLvl">
-          <ac:chgData name="Howard Zeng" userId="b3a49412108e13ba" providerId="LiveId" clId="{BCC94F81-CC70-406E-BFFC-3B9E7FA9D0DE}" dt="2023-11-30T17:21:13.803" v="252" actId="165"/>
-          <ac:spMkLst>
-            <pc:docMk/>
-            <pc:sldMk cId="0" sldId="270"/>
-            <ac:spMk id="7" creationId="{00000000-0000-0000-0000-000000000000}"/>
-          </ac:spMkLst>
-        </pc:spChg>
-        <pc:spChg chg="mod topLvl">
-          <ac:chgData name="Howard Zeng" userId="b3a49412108e13ba" providerId="LiveId" clId="{BCC94F81-CC70-406E-BFFC-3B9E7FA9D0DE}" dt="2023-11-30T17:21:13.803" v="252" actId="165"/>
-          <ac:spMkLst>
-            <pc:docMk/>
-            <pc:sldMk cId="0" sldId="270"/>
-            <ac:spMk id="10" creationId="{00000000-0000-0000-0000-000000000000}"/>
-          </ac:spMkLst>
-        </pc:spChg>
-        <pc:spChg chg="mod topLvl">
-          <ac:chgData name="Howard Zeng" userId="b3a49412108e13ba" providerId="LiveId" clId="{BCC94F81-CC70-406E-BFFC-3B9E7FA9D0DE}" dt="2023-11-30T17:21:13.803" v="252" actId="165"/>
-          <ac:spMkLst>
-            <pc:docMk/>
-            <pc:sldMk cId="0" sldId="270"/>
-            <ac:spMk id="17" creationId="{00000000-0000-0000-0000-000000000000}"/>
-          </ac:spMkLst>
-        </pc:spChg>
-        <pc:spChg chg="mod topLvl">
-          <ac:chgData name="Howard Zeng" userId="b3a49412108e13ba" providerId="LiveId" clId="{BCC94F81-CC70-406E-BFFC-3B9E7FA9D0DE}" dt="2023-11-30T17:21:13.803" v="252" actId="165"/>
-          <ac:spMkLst>
-            <pc:docMk/>
-            <pc:sldMk cId="0" sldId="270"/>
-            <ac:spMk id="25" creationId="{00000000-0000-0000-0000-000000000000}"/>
-          </ac:spMkLst>
-        </pc:spChg>
-        <pc:spChg chg="mod topLvl">
-          <ac:chgData name="Howard Zeng" userId="b3a49412108e13ba" providerId="LiveId" clId="{BCC94F81-CC70-406E-BFFC-3B9E7FA9D0DE}" dt="2023-11-30T17:21:13.803" v="252" actId="165"/>
-          <ac:spMkLst>
-            <pc:docMk/>
-            <pc:sldMk cId="0" sldId="270"/>
-            <ac:spMk id="26" creationId="{00000000-0000-0000-0000-000000000000}"/>
-          </ac:spMkLst>
-        </pc:spChg>
-        <pc:spChg chg="mod">
-          <ac:chgData name="Howard Zeng" userId="b3a49412108e13ba" providerId="LiveId" clId="{BCC94F81-CC70-406E-BFFC-3B9E7FA9D0DE}" dt="2023-11-30T17:21:13.803" v="252" actId="165"/>
-          <ac:spMkLst>
-            <pc:docMk/>
-            <pc:sldMk cId="0" sldId="270"/>
-            <ac:spMk id="27" creationId="{00000000-0000-0000-0000-000000000000}"/>
-          </ac:spMkLst>
-        </pc:spChg>
-        <pc:spChg chg="mod">
-          <ac:chgData name="Howard Zeng" userId="b3a49412108e13ba" providerId="LiveId" clId="{BCC94F81-CC70-406E-BFFC-3B9E7FA9D0DE}" dt="2023-11-30T17:21:13.803" v="252" actId="165"/>
-          <ac:spMkLst>
-            <pc:docMk/>
-            <pc:sldMk cId="0" sldId="270"/>
-            <ac:spMk id="28" creationId="{00000000-0000-0000-0000-000000000000}"/>
-          </ac:spMkLst>
-        </pc:spChg>
-        <pc:spChg chg="mod">
-          <ac:chgData name="Howard Zeng" userId="b3a49412108e13ba" providerId="LiveId" clId="{BCC94F81-CC70-406E-BFFC-3B9E7FA9D0DE}" dt="2023-11-30T17:21:13.803" v="252" actId="165"/>
-          <ac:spMkLst>
-            <pc:docMk/>
-            <pc:sldMk cId="0" sldId="270"/>
-            <ac:spMk id="30" creationId="{00000000-0000-0000-0000-000000000000}"/>
-          </ac:spMkLst>
-        </pc:spChg>
-        <pc:spChg chg="mod">
-          <ac:chgData name="Howard Zeng" userId="b3a49412108e13ba" providerId="LiveId" clId="{BCC94F81-CC70-406E-BFFC-3B9E7FA9D0DE}" dt="2023-11-30T17:21:13.803" v="252" actId="165"/>
-          <ac:spMkLst>
-            <pc:docMk/>
-            <pc:sldMk cId="0" sldId="270"/>
-            <ac:spMk id="31" creationId="{00000000-0000-0000-0000-000000000000}"/>
-          </ac:spMkLst>
-        </pc:spChg>
-        <pc:spChg chg="mod">
-          <ac:chgData name="Howard Zeng" userId="b3a49412108e13ba" providerId="LiveId" clId="{BCC94F81-CC70-406E-BFFC-3B9E7FA9D0DE}" dt="2023-11-30T17:21:13.803" v="252" actId="165"/>
-          <ac:spMkLst>
-            <pc:docMk/>
-            <pc:sldMk cId="0" sldId="270"/>
-            <ac:spMk id="39" creationId="{00000000-0000-0000-0000-000000000000}"/>
-          </ac:spMkLst>
-        </pc:spChg>
-        <pc:spChg chg="mod">
-          <ac:chgData name="Howard Zeng" userId="b3a49412108e13ba" providerId="LiveId" clId="{BCC94F81-CC70-406E-BFFC-3B9E7FA9D0DE}" dt="2023-11-30T17:21:13.803" v="252" actId="165"/>
-          <ac:spMkLst>
-            <pc:docMk/>
-            <pc:sldMk cId="0" sldId="270"/>
-            <ac:spMk id="40" creationId="{00000000-0000-0000-0000-000000000000}"/>
-          </ac:spMkLst>
-        </pc:spChg>
-        <pc:spChg chg="mod">
-          <ac:chgData name="Howard Zeng" userId="b3a49412108e13ba" providerId="LiveId" clId="{BCC94F81-CC70-406E-BFFC-3B9E7FA9D0DE}" dt="2023-11-30T17:21:13.803" v="252" actId="165"/>
-          <ac:spMkLst>
-            <pc:docMk/>
-            <pc:sldMk cId="0" sldId="270"/>
-            <ac:spMk id="46" creationId="{00000000-0000-0000-0000-000000000000}"/>
-          </ac:spMkLst>
-        </pc:spChg>
-        <pc:spChg chg="mod">
-          <ac:chgData name="Howard Zeng" userId="b3a49412108e13ba" providerId="LiveId" clId="{BCC94F81-CC70-406E-BFFC-3B9E7FA9D0DE}" dt="2023-11-30T17:21:13.803" v="252" actId="165"/>
-          <ac:spMkLst>
-            <pc:docMk/>
-            <pc:sldMk cId="0" sldId="270"/>
-            <ac:spMk id="47" creationId="{00000000-0000-0000-0000-000000000000}"/>
-          </ac:spMkLst>
-        </pc:spChg>
-        <pc:spChg chg="mod topLvl">
-          <ac:chgData name="Howard Zeng" userId="b3a49412108e13ba" providerId="LiveId" clId="{BCC94F81-CC70-406E-BFFC-3B9E7FA9D0DE}" dt="2023-11-30T17:21:13.803" v="252" actId="165"/>
-          <ac:spMkLst>
-            <pc:docMk/>
-            <pc:sldMk cId="0" sldId="270"/>
-            <ac:spMk id="51" creationId="{00000000-0000-0000-0000-000000000000}"/>
-          </ac:spMkLst>
-        </pc:spChg>
-        <pc:spChg chg="mod topLvl">
-          <ac:chgData name="Howard Zeng" userId="b3a49412108e13ba" providerId="LiveId" clId="{BCC94F81-CC70-406E-BFFC-3B9E7FA9D0DE}" dt="2023-11-30T17:21:13.803" v="252" actId="165"/>
-          <ac:spMkLst>
-            <pc:docMk/>
-            <pc:sldMk cId="0" sldId="270"/>
-            <ac:spMk id="52" creationId="{00000000-0000-0000-0000-000000000000}"/>
-          </ac:spMkLst>
-        </pc:spChg>
-        <pc:grpChg chg="mod topLvl">
-          <ac:chgData name="Howard Zeng" userId="b3a49412108e13ba" providerId="LiveId" clId="{BCC94F81-CC70-406E-BFFC-3B9E7FA9D0DE}" dt="2023-11-30T17:21:13.803" v="252" actId="165"/>
-          <ac:grpSpMkLst>
-            <pc:docMk/>
-            <pc:sldMk cId="0" sldId="270"/>
-            <ac:grpSpMk id="24" creationId="{00000000-0000-0000-0000-000000000000}"/>
-          </ac:grpSpMkLst>
-        </pc:grpChg>
-        <pc:grpChg chg="mod topLvl">
-          <ac:chgData name="Howard Zeng" userId="b3a49412108e13ba" providerId="LiveId" clId="{BCC94F81-CC70-406E-BFFC-3B9E7FA9D0DE}" dt="2023-11-30T17:21:13.803" v="252" actId="165"/>
-          <ac:grpSpMkLst>
-            <pc:docMk/>
-            <pc:sldMk cId="0" sldId="270"/>
-            <ac:grpSpMk id="29" creationId="{00000000-0000-0000-0000-000000000000}"/>
-          </ac:grpSpMkLst>
-        </pc:grpChg>
-        <pc:grpChg chg="mod topLvl">
-          <ac:chgData name="Howard Zeng" userId="b3a49412108e13ba" providerId="LiveId" clId="{BCC94F81-CC70-406E-BFFC-3B9E7FA9D0DE}" dt="2023-11-30T17:21:13.803" v="252" actId="165"/>
-          <ac:grpSpMkLst>
-            <pc:docMk/>
-            <pc:sldMk cId="0" sldId="270"/>
-            <ac:grpSpMk id="38" creationId="{00000000-0000-0000-0000-000000000000}"/>
-          </ac:grpSpMkLst>
-        </pc:grpChg>
-        <pc:grpChg chg="mod topLvl">
-          <ac:chgData name="Howard Zeng" userId="b3a49412108e13ba" providerId="LiveId" clId="{BCC94F81-CC70-406E-BFFC-3B9E7FA9D0DE}" dt="2023-11-30T17:21:13.803" v="252" actId="165"/>
-          <ac:grpSpMkLst>
-            <pc:docMk/>
-            <pc:sldMk cId="0" sldId="270"/>
-            <ac:grpSpMk id="45" creationId="{00000000-0000-0000-0000-000000000000}"/>
-          </ac:grpSpMkLst>
-        </pc:grpChg>
-        <pc:grpChg chg="add del mod">
-          <ac:chgData name="Howard Zeng" userId="b3a49412108e13ba" providerId="LiveId" clId="{BCC94F81-CC70-406E-BFFC-3B9E7FA9D0DE}" dt="2023-11-30T17:21:13.803" v="252" actId="165"/>
-          <ac:grpSpMkLst>
-            <pc:docMk/>
-            <pc:sldMk cId="0" sldId="270"/>
-            <ac:grpSpMk id="53" creationId="{00000000-0000-0000-0000-000000000000}"/>
-          </ac:grpSpMkLst>
-        </pc:grpChg>
-        <pc:cxnChg chg="mod topLvl">
-          <ac:chgData name="Howard Zeng" userId="b3a49412108e13ba" providerId="LiveId" clId="{BCC94F81-CC70-406E-BFFC-3B9E7FA9D0DE}" dt="2023-11-30T17:21:13.803" v="252" actId="165"/>
-          <ac:cxnSpMkLst>
-            <pc:docMk/>
-            <pc:sldMk cId="0" sldId="270"/>
-            <ac:cxnSpMk id="11" creationId="{00000000-0000-0000-0000-000000000000}"/>
-          </ac:cxnSpMkLst>
-        </pc:cxnChg>
-        <pc:cxnChg chg="mod topLvl">
-          <ac:chgData name="Howard Zeng" userId="b3a49412108e13ba" providerId="LiveId" clId="{BCC94F81-CC70-406E-BFFC-3B9E7FA9D0DE}" dt="2023-11-30T17:21:13.803" v="252" actId="165"/>
-          <ac:cxnSpMkLst>
-            <pc:docMk/>
-            <pc:sldMk cId="0" sldId="270"/>
-            <ac:cxnSpMk id="14" creationId="{00000000-0000-0000-0000-000000000000}"/>
-          </ac:cxnSpMkLst>
-        </pc:cxnChg>
-      </pc:sldChg>
-      <pc:sldChg chg="modSp mod">
-        <pc:chgData name="Howard Zeng" userId="b3a49412108e13ba" providerId="LiveId" clId="{BCC94F81-CC70-406E-BFFC-3B9E7FA9D0DE}" dt="2023-11-30T17:21:34.583" v="255" actId="1076"/>
-        <pc:sldMkLst>
-          <pc:docMk/>
-          <pc:sldMk cId="0" sldId="282"/>
-        </pc:sldMkLst>
-        <pc:spChg chg="mod">
-          <ac:chgData name="Howard Zeng" userId="b3a49412108e13ba" providerId="LiveId" clId="{BCC94F81-CC70-406E-BFFC-3B9E7FA9D0DE}" dt="2023-11-30T17:21:32.099" v="254" actId="1076"/>
-          <ac:spMkLst>
-            <pc:docMk/>
-            <pc:sldMk cId="0" sldId="282"/>
-            <ac:spMk id="2" creationId="{00000000-0000-0000-0000-000000000000}"/>
-          </ac:spMkLst>
-        </pc:spChg>
-        <pc:picChg chg="mod">
-          <ac:chgData name="Howard Zeng" userId="b3a49412108e13ba" providerId="LiveId" clId="{BCC94F81-CC70-406E-BFFC-3B9E7FA9D0DE}" dt="2023-11-30T17:21:34.583" v="255" actId="1076"/>
-          <ac:picMkLst>
-            <pc:docMk/>
-            <pc:sldMk cId="0" sldId="282"/>
-            <ac:picMk id="4" creationId="{00000000-0000-0000-0000-000000000000}"/>
-          </ac:picMkLst>
-        </pc:picChg>
-        <pc:picChg chg="mod">
-          <ac:chgData name="Howard Zeng" userId="b3a49412108e13ba" providerId="LiveId" clId="{BCC94F81-CC70-406E-BFFC-3B9E7FA9D0DE}" dt="2023-11-30T17:21:00.148" v="248" actId="1076"/>
-          <ac:picMkLst>
-            <pc:docMk/>
-            <pc:sldMk cId="0" sldId="282"/>
-            <ac:picMk id="8" creationId="{00000000-0000-0000-0000-000000000000}"/>
-          </ac:picMkLst>
-        </pc:picChg>
-      </pc:sldChg>
-      <pc:sldChg chg="modSp new mod">
-        <pc:chgData name="Howard Zeng" userId="b3a49412108e13ba" providerId="LiveId" clId="{BCC94F81-CC70-406E-BFFC-3B9E7FA9D0DE}" dt="2023-11-30T17:40:29.649" v="265" actId="20577"/>
-        <pc:sldMkLst>
-          <pc:docMk/>
-          <pc:sldMk cId="1246011485" sldId="285"/>
-        </pc:sldMkLst>
-        <pc:spChg chg="mod">
-          <ac:chgData name="Howard Zeng" userId="b3a49412108e13ba" providerId="LiveId" clId="{BCC94F81-CC70-406E-BFFC-3B9E7FA9D0DE}" dt="2023-11-30T17:40:29.649" v="265" actId="20577"/>
-          <ac:spMkLst>
-            <pc:docMk/>
-            <pc:sldMk cId="1246011485" sldId="285"/>
-            <ac:spMk id="2" creationId="{140D9AE9-88BC-8218-9F59-9E36F3D17773}"/>
-          </ac:spMkLst>
-        </pc:spChg>
-      </pc:sldChg>
-    </pc:docChg>
-  </pc:docChgLst>
-</pc:chgInfo>
 </file>
 
 <file path=ppt/diagrams/colors1.xml><?xml version="1.0" encoding="utf-8"?>
@@ -3952,7 +3575,7 @@
         </a:p>
       </dgm:t>
     </dgm:pt>
-    <dgm:pt modelId="{CCF74DE4-26C9-45A4-82E6-70A784D8BBD1}" type="sibTrans" cxnId="{EFF2ED75-E9AC-4B48-B3F2-5971B7523C4C}">
+    <dgm:pt modelId="{CCF74DE4-26C9-45A4-82E6-70A784D8BBD1}" cxnId="{EFF2ED75-E9AC-4B48-B3F2-5971B7523C4C}" type="sibTrans">
       <dgm:prSet/>
       <dgm:spPr/>
       <dgm:t>
@@ -3963,7 +3586,7 @@
         </a:p>
       </dgm:t>
     </dgm:pt>
-    <dgm:pt modelId="{DE52508F-1789-4A9F-9707-74924DD7E61E}" type="parTrans" cxnId="{EFF2ED75-E9AC-4B48-B3F2-5971B7523C4C}">
+    <dgm:pt modelId="{DE52508F-1789-4A9F-9707-74924DD7E61E}" cxnId="{EFF2ED75-E9AC-4B48-B3F2-5971B7523C4C}" type="parTrans">
       <dgm:prSet/>
       <dgm:spPr/>
       <dgm:t>
@@ -3994,7 +3617,7 @@
         </a:p>
       </dgm:t>
     </dgm:pt>
-    <dgm:pt modelId="{D08D5768-2D24-4FAC-9191-477B38D6DA05}" type="sibTrans" cxnId="{25EB2A31-C459-4169-8C35-DCBF2915D844}">
+    <dgm:pt modelId="{D08D5768-2D24-4FAC-9191-477B38D6DA05}" cxnId="{25EB2A31-C459-4169-8C35-DCBF2915D844}" type="sibTrans">
       <dgm:prSet/>
       <dgm:spPr/>
       <dgm:t>
@@ -4005,7 +3628,7 @@
         </a:p>
       </dgm:t>
     </dgm:pt>
-    <dgm:pt modelId="{225578BC-3BD0-4294-9A40-2E77CEF91A4C}" type="parTrans" cxnId="{25EB2A31-C459-4169-8C35-DCBF2915D844}">
+    <dgm:pt modelId="{225578BC-3BD0-4294-9A40-2E77CEF91A4C}" cxnId="{25EB2A31-C459-4169-8C35-DCBF2915D844}" type="parTrans">
       <dgm:prSet/>
       <dgm:spPr/>
       <dgm:t>
@@ -4140,7 +3763,7 @@
   <dgm:whole/>
   <dgm:extLst>
     <a:ext uri="http://schemas.microsoft.com/office/drawing/2008/diagram">
-      <dsp:dataModelExt xmlns:dsp="http://schemas.microsoft.com/office/drawing/2008/diagram" relId="rId7" minVer="http://schemas.openxmlformats.org/drawingml/2006/diagram"/>
+      <dsp:dataModelExt xmlns:dsp="http://schemas.microsoft.com/office/drawing/2008/diagram" relId="rId5" minVer="http://schemas.openxmlformats.org/drawingml/2006/diagram"/>
     </a:ext>
   </dgm:extLst>
 </dgm:dataModel>
@@ -4179,7 +3802,7 @@
         </a:p>
       </dgm:t>
     </dgm:pt>
-    <dgm:pt modelId="{F08C03AC-141C-4D97-B798-516B057347B1}" type="parTrans" cxnId="{C8A07820-9951-4941-9493-F5B694DC9DA7}">
+    <dgm:pt modelId="{F08C03AC-141C-4D97-B798-516B057347B1}" cxnId="{C8A07820-9951-4941-9493-F5B694DC9DA7}" type="parTrans">
       <dgm:prSet/>
       <dgm:spPr/>
       <dgm:t>
@@ -4190,7 +3813,7 @@
         </a:p>
       </dgm:t>
     </dgm:pt>
-    <dgm:pt modelId="{7863FAB8-13FA-4373-B70C-31396DC273A3}" type="sibTrans" cxnId="{C8A07820-9951-4941-9493-F5B694DC9DA7}">
+    <dgm:pt modelId="{7863FAB8-13FA-4373-B70C-31396DC273A3}" cxnId="{C8A07820-9951-4941-9493-F5B694DC9DA7}" type="sibTrans">
       <dgm:prSet/>
       <dgm:spPr/>
       <dgm:t>
@@ -4220,7 +3843,7 @@
         </a:p>
       </dgm:t>
     </dgm:pt>
-    <dgm:pt modelId="{03DB114C-C02F-4220-AB33-8315CD2D2602}" type="parTrans" cxnId="{17BED740-E256-498D-B562-80EB904E7FA0}">
+    <dgm:pt modelId="{03DB114C-C02F-4220-AB33-8315CD2D2602}" cxnId="{17BED740-E256-498D-B562-80EB904E7FA0}" type="parTrans">
       <dgm:prSet/>
       <dgm:spPr/>
       <dgm:t>
@@ -4231,7 +3854,7 @@
         </a:p>
       </dgm:t>
     </dgm:pt>
-    <dgm:pt modelId="{9C3AC8DC-0979-4B1D-9E9E-20557050AD00}" type="sibTrans" cxnId="{17BED740-E256-498D-B562-80EB904E7FA0}">
+    <dgm:pt modelId="{9C3AC8DC-0979-4B1D-9E9E-20557050AD00}" cxnId="{17BED740-E256-498D-B562-80EB904E7FA0}" type="sibTrans">
       <dgm:prSet/>
       <dgm:spPr/>
       <dgm:t>
@@ -4261,7 +3884,7 @@
         </a:p>
       </dgm:t>
     </dgm:pt>
-    <dgm:pt modelId="{659EBAA6-562F-4E5A-B382-BC0E7A90ABFB}" type="parTrans" cxnId="{09BA361F-3F0B-4FB9-9E6D-5D4CF6237DD0}">
+    <dgm:pt modelId="{659EBAA6-562F-4E5A-B382-BC0E7A90ABFB}" cxnId="{09BA361F-3F0B-4FB9-9E6D-5D4CF6237DD0}" type="parTrans">
       <dgm:prSet/>
       <dgm:spPr/>
       <dgm:t>
@@ -4272,7 +3895,7 @@
         </a:p>
       </dgm:t>
     </dgm:pt>
-    <dgm:pt modelId="{B343CCAC-49C9-4D2E-8A34-D2AF44FB800A}" type="sibTrans" cxnId="{09BA361F-3F0B-4FB9-9E6D-5D4CF6237DD0}">
+    <dgm:pt modelId="{B343CCAC-49C9-4D2E-8A34-D2AF44FB800A}" cxnId="{09BA361F-3F0B-4FB9-9E6D-5D4CF6237DD0}" type="sibTrans">
       <dgm:prSet/>
       <dgm:spPr/>
       <dgm:t>
@@ -4302,7 +3925,7 @@
         </a:p>
       </dgm:t>
     </dgm:pt>
-    <dgm:pt modelId="{64C214AA-E8CD-46F1-945C-8FBA5C339EC7}" type="parTrans" cxnId="{88697ADF-E79E-4545-8C5B-6A3C96ABEA75}">
+    <dgm:pt modelId="{64C214AA-E8CD-46F1-945C-8FBA5C339EC7}" cxnId="{88697ADF-E79E-4545-8C5B-6A3C96ABEA75}" type="parTrans">
       <dgm:prSet/>
       <dgm:spPr/>
       <dgm:t>
@@ -4313,7 +3936,7 @@
         </a:p>
       </dgm:t>
     </dgm:pt>
-    <dgm:pt modelId="{C948E9B6-7EA6-45A9-BE7C-73FF13D76FA8}" type="sibTrans" cxnId="{88697ADF-E79E-4545-8C5B-6A3C96ABEA75}">
+    <dgm:pt modelId="{C948E9B6-7EA6-45A9-BE7C-73FF13D76FA8}" cxnId="{88697ADF-E79E-4545-8C5B-6A3C96ABEA75}" type="sibTrans">
       <dgm:prSet/>
       <dgm:spPr/>
       <dgm:t>
@@ -4343,7 +3966,7 @@
         </a:p>
       </dgm:t>
     </dgm:pt>
-    <dgm:pt modelId="{56E228EC-845F-47B9-850A-9118EEAF286B}" type="parTrans" cxnId="{D6F4B180-8AAF-4C99-B348-99B982CCC24A}">
+    <dgm:pt modelId="{56E228EC-845F-47B9-850A-9118EEAF286B}" cxnId="{D6F4B180-8AAF-4C99-B348-99B982CCC24A}" type="parTrans">
       <dgm:prSet/>
       <dgm:spPr/>
       <dgm:t>
@@ -4354,7 +3977,7 @@
         </a:p>
       </dgm:t>
     </dgm:pt>
-    <dgm:pt modelId="{C4ABA87D-7618-45AC-9C5A-F1775AE53EE5}" type="sibTrans" cxnId="{D6F4B180-8AAF-4C99-B348-99B982CCC24A}">
+    <dgm:pt modelId="{C4ABA87D-7618-45AC-9C5A-F1775AE53EE5}" cxnId="{D6F4B180-8AAF-4C99-B348-99B982CCC24A}" type="sibTrans">
       <dgm:prSet/>
       <dgm:spPr/>
       <dgm:t>
@@ -4384,7 +4007,7 @@
         </a:p>
       </dgm:t>
     </dgm:pt>
-    <dgm:pt modelId="{710C6B4C-8A33-4681-90E1-6F785CB95183}" type="parTrans" cxnId="{3F22CF34-295B-4907-A5CC-6F4A68B0965C}">
+    <dgm:pt modelId="{710C6B4C-8A33-4681-90E1-6F785CB95183}" cxnId="{3F22CF34-295B-4907-A5CC-6F4A68B0965C}" type="parTrans">
       <dgm:prSet/>
       <dgm:spPr/>
       <dgm:t>
@@ -4395,7 +4018,7 @@
         </a:p>
       </dgm:t>
     </dgm:pt>
-    <dgm:pt modelId="{401AFC5A-0C2A-407E-9096-1929B2468677}" type="sibTrans" cxnId="{3F22CF34-295B-4907-A5CC-6F4A68B0965C}">
+    <dgm:pt modelId="{401AFC5A-0C2A-407E-9096-1929B2468677}" cxnId="{3F22CF34-295B-4907-A5CC-6F4A68B0965C}" type="sibTrans">
       <dgm:prSet/>
       <dgm:spPr/>
       <dgm:t>
@@ -4425,7 +4048,7 @@
         </a:p>
       </dgm:t>
     </dgm:pt>
-    <dgm:pt modelId="{1328C4BC-3A9F-48F8-AE7E-52468D6BD0E6}" type="parTrans" cxnId="{1B6A62BD-612F-44BA-8B3D-F61B6932B8BE}">
+    <dgm:pt modelId="{1328C4BC-3A9F-48F8-AE7E-52468D6BD0E6}" cxnId="{1B6A62BD-612F-44BA-8B3D-F61B6932B8BE}" type="parTrans">
       <dgm:prSet/>
       <dgm:spPr/>
       <dgm:t>
@@ -4436,7 +4059,7 @@
         </a:p>
       </dgm:t>
     </dgm:pt>
-    <dgm:pt modelId="{81914171-34A2-4DC6-BEB5-3A36C1EEFDAC}" type="sibTrans" cxnId="{1B6A62BD-612F-44BA-8B3D-F61B6932B8BE}">
+    <dgm:pt modelId="{81914171-34A2-4DC6-BEB5-3A36C1EEFDAC}" cxnId="{1B6A62BD-612F-44BA-8B3D-F61B6932B8BE}" type="sibTrans">
       <dgm:prSet/>
       <dgm:spPr/>
       <dgm:t>
@@ -4554,7 +4177,7 @@
   <dgm:whole/>
   <dgm:extLst>
     <a:ext uri="http://schemas.microsoft.com/office/drawing/2008/diagram">
-      <dsp:dataModelExt xmlns:dsp="http://schemas.microsoft.com/office/drawing/2008/diagram" relId="rId7" minVer="http://schemas.openxmlformats.org/drawingml/2006/diagram"/>
+      <dsp:dataModelExt xmlns:dsp="http://schemas.microsoft.com/office/drawing/2008/diagram" relId="rId5" minVer="http://schemas.openxmlformats.org/drawingml/2006/diagram"/>
     </a:ext>
   </dgm:extLst>
 </dgm:dataModel>
@@ -4588,7 +4211,7 @@
         </a:p>
       </dgm:t>
     </dgm:pt>
-    <dgm:pt modelId="{50403FE2-51BD-4BD8-AAE6-DAA6C9192EBC}" type="parTrans" cxnId="{175472C1-864B-40BB-9A2B-E72D66FDF5F8}">
+    <dgm:pt modelId="{50403FE2-51BD-4BD8-AAE6-DAA6C9192EBC}" cxnId="{175472C1-864B-40BB-9A2B-E72D66FDF5F8}" type="parTrans">
       <dgm:prSet/>
       <dgm:spPr/>
       <dgm:t>
@@ -4599,7 +4222,7 @@
         </a:p>
       </dgm:t>
     </dgm:pt>
-    <dgm:pt modelId="{47758C72-7EAE-47FC-8393-5F35DBDCD071}" type="sibTrans" cxnId="{175472C1-864B-40BB-9A2B-E72D66FDF5F8}">
+    <dgm:pt modelId="{47758C72-7EAE-47FC-8393-5F35DBDCD071}" cxnId="{175472C1-864B-40BB-9A2B-E72D66FDF5F8}" type="sibTrans">
       <dgm:prSet/>
       <dgm:spPr/>
       <dgm:t>
@@ -4624,7 +4247,7 @@
         </a:p>
       </dgm:t>
     </dgm:pt>
-    <dgm:pt modelId="{17BD6698-9131-4346-8215-BA2BB5DEF999}" type="parTrans" cxnId="{D054DB2A-395F-418C-A76B-95D162828B68}">
+    <dgm:pt modelId="{17BD6698-9131-4346-8215-BA2BB5DEF999}" cxnId="{D054DB2A-395F-418C-A76B-95D162828B68}" type="parTrans">
       <dgm:prSet/>
       <dgm:spPr/>
       <dgm:t>
@@ -4635,7 +4258,7 @@
         </a:p>
       </dgm:t>
     </dgm:pt>
-    <dgm:pt modelId="{6C4AA6D1-616A-4462-BCED-FF410891171A}" type="sibTrans" cxnId="{D054DB2A-395F-418C-A76B-95D162828B68}">
+    <dgm:pt modelId="{6C4AA6D1-616A-4462-BCED-FF410891171A}" cxnId="{D054DB2A-395F-418C-A76B-95D162828B68}" type="sibTrans">
       <dgm:prSet/>
       <dgm:spPr/>
       <dgm:t>
@@ -4660,7 +4283,7 @@
         </a:p>
       </dgm:t>
     </dgm:pt>
-    <dgm:pt modelId="{1BB71B3D-20BD-4418-991C-3381DD14920E}" type="parTrans" cxnId="{8A20678E-58F3-436E-97D0-3D68644D07FE}">
+    <dgm:pt modelId="{1BB71B3D-20BD-4418-991C-3381DD14920E}" cxnId="{8A20678E-58F3-436E-97D0-3D68644D07FE}" type="parTrans">
       <dgm:prSet/>
       <dgm:spPr/>
       <dgm:t>
@@ -4671,7 +4294,7 @@
         </a:p>
       </dgm:t>
     </dgm:pt>
-    <dgm:pt modelId="{929CDFFA-0030-4D88-A869-EE0F0993D884}" type="sibTrans" cxnId="{8A20678E-58F3-436E-97D0-3D68644D07FE}">
+    <dgm:pt modelId="{929CDFFA-0030-4D88-A869-EE0F0993D884}" cxnId="{8A20678E-58F3-436E-97D0-3D68644D07FE}" type="sibTrans">
       <dgm:prSet/>
       <dgm:spPr/>
       <dgm:t>
@@ -4696,7 +4319,7 @@
         </a:p>
       </dgm:t>
     </dgm:pt>
-    <dgm:pt modelId="{8C9D7922-19D9-4AEB-B98D-7AC89E23E6CD}" type="parTrans" cxnId="{55D53027-1511-4600-94DA-DB2C09304B8D}">
+    <dgm:pt modelId="{8C9D7922-19D9-4AEB-B98D-7AC89E23E6CD}" cxnId="{55D53027-1511-4600-94DA-DB2C09304B8D}" type="parTrans">
       <dgm:prSet/>
       <dgm:spPr/>
       <dgm:t>
@@ -4707,7 +4330,7 @@
         </a:p>
       </dgm:t>
     </dgm:pt>
-    <dgm:pt modelId="{8A275235-CAD0-453F-A1C4-E95F12BB0493}" type="sibTrans" cxnId="{55D53027-1511-4600-94DA-DB2C09304B8D}">
+    <dgm:pt modelId="{8A275235-CAD0-453F-A1C4-E95F12BB0493}" cxnId="{55D53027-1511-4600-94DA-DB2C09304B8D}" type="sibTrans">
       <dgm:prSet/>
       <dgm:spPr/>
       <dgm:t>
@@ -4740,7 +4363,7 @@
         </a:p>
       </dgm:t>
     </dgm:pt>
-    <dgm:pt modelId="{C74DDFB6-4AD0-41CD-8B0D-D06DF2F3D5B9}" type="parTrans" cxnId="{CC723FB0-D98B-413E-A6A7-3EFB6752ACEF}">
+    <dgm:pt modelId="{C74DDFB6-4AD0-41CD-8B0D-D06DF2F3D5B9}" cxnId="{CC723FB0-D98B-413E-A6A7-3EFB6752ACEF}" type="parTrans">
       <dgm:prSet/>
       <dgm:spPr/>
       <dgm:t>
@@ -4751,7 +4374,7 @@
         </a:p>
       </dgm:t>
     </dgm:pt>
-    <dgm:pt modelId="{6B6B89DC-62F9-4D69-9A73-AFCC749C78F7}" type="sibTrans" cxnId="{CC723FB0-D98B-413E-A6A7-3EFB6752ACEF}">
+    <dgm:pt modelId="{6B6B89DC-62F9-4D69-9A73-AFCC749C78F7}" cxnId="{CC723FB0-D98B-413E-A6A7-3EFB6752ACEF}" type="sibTrans">
       <dgm:prSet/>
       <dgm:spPr/>
       <dgm:t>
@@ -4776,7 +4399,7 @@
         </a:p>
       </dgm:t>
     </dgm:pt>
-    <dgm:pt modelId="{92E98703-E69D-4C25-9C48-90F3ACAE9086}" type="parTrans" cxnId="{ACEB2A39-03B7-46FD-B1A4-F938E0321D3A}">
+    <dgm:pt modelId="{92E98703-E69D-4C25-9C48-90F3ACAE9086}" cxnId="{ACEB2A39-03B7-46FD-B1A4-F938E0321D3A}" type="parTrans">
       <dgm:prSet/>
       <dgm:spPr/>
       <dgm:t>
@@ -4787,7 +4410,7 @@
         </a:p>
       </dgm:t>
     </dgm:pt>
-    <dgm:pt modelId="{81E6DAF5-760F-4FD0-BF92-3C9BBCE00F97}" type="sibTrans" cxnId="{ACEB2A39-03B7-46FD-B1A4-F938E0321D3A}">
+    <dgm:pt modelId="{81E6DAF5-760F-4FD0-BF92-3C9BBCE00F97}" cxnId="{ACEB2A39-03B7-46FD-B1A4-F938E0321D3A}" type="sibTrans">
       <dgm:prSet/>
       <dgm:spPr/>
       <dgm:t>
@@ -4812,7 +4435,7 @@
         </a:p>
       </dgm:t>
     </dgm:pt>
-    <dgm:pt modelId="{B9036331-9CC8-4CF3-A227-CC3210643B5B}" type="parTrans" cxnId="{06D5737C-998E-484D-B7A1-21581136C10E}">
+    <dgm:pt modelId="{B9036331-9CC8-4CF3-A227-CC3210643B5B}" cxnId="{06D5737C-998E-484D-B7A1-21581136C10E}" type="parTrans">
       <dgm:prSet/>
       <dgm:spPr/>
       <dgm:t>
@@ -4823,7 +4446,7 @@
         </a:p>
       </dgm:t>
     </dgm:pt>
-    <dgm:pt modelId="{06665295-974D-44FC-A9BD-AF04428DEA33}" type="sibTrans" cxnId="{06D5737C-998E-484D-B7A1-21581136C10E}">
+    <dgm:pt modelId="{06665295-974D-44FC-A9BD-AF04428DEA33}" cxnId="{06D5737C-998E-484D-B7A1-21581136C10E}" type="sibTrans">
       <dgm:prSet/>
       <dgm:spPr/>
       <dgm:t>
@@ -4848,7 +4471,7 @@
         </a:p>
       </dgm:t>
     </dgm:pt>
-    <dgm:pt modelId="{209E968A-9BAC-4143-BDAC-8A910D561FC7}" type="parTrans" cxnId="{5A20919C-C865-47A3-81E0-FADADBB8AE15}">
+    <dgm:pt modelId="{209E968A-9BAC-4143-BDAC-8A910D561FC7}" cxnId="{5A20919C-C865-47A3-81E0-FADADBB8AE15}" type="parTrans">
       <dgm:prSet/>
       <dgm:spPr/>
       <dgm:t>
@@ -4859,7 +4482,7 @@
         </a:p>
       </dgm:t>
     </dgm:pt>
-    <dgm:pt modelId="{69A5CF90-2C1A-4E12-ADDA-D949D71FB906}" type="sibTrans" cxnId="{5A20919C-C865-47A3-81E0-FADADBB8AE15}">
+    <dgm:pt modelId="{69A5CF90-2C1A-4E12-ADDA-D949D71FB906}" cxnId="{5A20919C-C865-47A3-81E0-FADADBB8AE15}" type="sibTrans">
       <dgm:prSet/>
       <dgm:spPr/>
       <dgm:t>
@@ -4884,7 +4507,7 @@
         </a:p>
       </dgm:t>
     </dgm:pt>
-    <dgm:pt modelId="{FA9A91DB-2480-489E-AB01-B08B640756F0}" type="parTrans" cxnId="{4BB824D5-40D5-4E9E-A4CC-C06AAD7EA69A}">
+    <dgm:pt modelId="{FA9A91DB-2480-489E-AB01-B08B640756F0}" cxnId="{4BB824D5-40D5-4E9E-A4CC-C06AAD7EA69A}" type="parTrans">
       <dgm:prSet/>
       <dgm:spPr/>
       <dgm:t>
@@ -4895,7 +4518,7 @@
         </a:p>
       </dgm:t>
     </dgm:pt>
-    <dgm:pt modelId="{CFE4BDAA-4B11-4E94-90C3-D2F762024CEE}" type="sibTrans" cxnId="{4BB824D5-40D5-4E9E-A4CC-C06AAD7EA69A}">
+    <dgm:pt modelId="{CFE4BDAA-4B11-4E94-90C3-D2F762024CEE}" cxnId="{4BB824D5-40D5-4E9E-A4CC-C06AAD7EA69A}" type="sibTrans">
       <dgm:prSet/>
       <dgm:spPr/>
       <dgm:t>
@@ -4929,7 +4552,7 @@
         </a:p>
       </dgm:t>
     </dgm:pt>
-    <dgm:pt modelId="{46FAA17A-6FD1-45CD-B64E-2EF13BC22751}" type="parTrans" cxnId="{F888A158-6332-4C42-BA11-5DF45037C128}">
+    <dgm:pt modelId="{46FAA17A-6FD1-45CD-B64E-2EF13BC22751}" cxnId="{F888A158-6332-4C42-BA11-5DF45037C128}" type="parTrans">
       <dgm:prSet/>
       <dgm:spPr/>
       <dgm:t>
@@ -4940,7 +4563,7 @@
         </a:p>
       </dgm:t>
     </dgm:pt>
-    <dgm:pt modelId="{178C29A1-AB20-4812-8058-CD39B1115EA2}" type="sibTrans" cxnId="{F888A158-6332-4C42-BA11-5DF45037C128}">
+    <dgm:pt modelId="{178C29A1-AB20-4812-8058-CD39B1115EA2}" cxnId="{F888A158-6332-4C42-BA11-5DF45037C128}" type="sibTrans">
       <dgm:prSet/>
       <dgm:spPr/>
       <dgm:t>
@@ -5108,7 +4731,7 @@
   <dgm:whole/>
   <dgm:extLst>
     <a:ext uri="http://schemas.microsoft.com/office/drawing/2008/diagram">
-      <dsp:dataModelExt xmlns:dsp="http://schemas.microsoft.com/office/drawing/2008/diagram" relId="rId7" minVer="http://schemas.openxmlformats.org/drawingml/2006/diagram"/>
+      <dsp:dataModelExt xmlns:dsp="http://schemas.microsoft.com/office/drawing/2008/diagram" relId="rId5" minVer="http://schemas.openxmlformats.org/drawingml/2006/diagram"/>
     </a:ext>
   </dgm:extLst>
 </dgm:dataModel>
@@ -5147,7 +4770,7 @@
         </a:p>
       </dgm:t>
     </dgm:pt>
-    <dgm:pt modelId="{0640EBB6-3AD6-45DE-A236-C0558BCBD1D2}" type="parTrans" cxnId="{27C417D2-F71B-41EF-88E5-19B21B47DDB4}">
+    <dgm:pt modelId="{0640EBB6-3AD6-45DE-A236-C0558BCBD1D2}" cxnId="{27C417D2-F71B-41EF-88E5-19B21B47DDB4}" type="parTrans">
       <dgm:prSet/>
       <dgm:spPr/>
       <dgm:t>
@@ -5158,7 +4781,7 @@
         </a:p>
       </dgm:t>
     </dgm:pt>
-    <dgm:pt modelId="{632DD7C3-CD0B-4833-9C5C-FCAD09A33CF3}" type="sibTrans" cxnId="{27C417D2-F71B-41EF-88E5-19B21B47DDB4}">
+    <dgm:pt modelId="{632DD7C3-CD0B-4833-9C5C-FCAD09A33CF3}" cxnId="{27C417D2-F71B-41EF-88E5-19B21B47DDB4}" type="sibTrans">
       <dgm:prSet/>
       <dgm:spPr/>
       <dgm:t>
@@ -5189,7 +4812,7 @@
         </a:p>
       </dgm:t>
     </dgm:pt>
-    <dgm:pt modelId="{B93B0836-127B-4B68-900D-5D1F2E6F38D1}" type="parTrans" cxnId="{C6709C9E-3367-40A8-8FE4-9D725E2677BE}">
+    <dgm:pt modelId="{B93B0836-127B-4B68-900D-5D1F2E6F38D1}" cxnId="{C6709C9E-3367-40A8-8FE4-9D725E2677BE}" type="parTrans">
       <dgm:prSet/>
       <dgm:spPr/>
       <dgm:t>
@@ -5200,7 +4823,7 @@
         </a:p>
       </dgm:t>
     </dgm:pt>
-    <dgm:pt modelId="{A179D0EC-E9E4-4CEC-8533-F6E90596F71C}" type="sibTrans" cxnId="{C6709C9E-3367-40A8-8FE4-9D725E2677BE}">
+    <dgm:pt modelId="{A179D0EC-E9E4-4CEC-8533-F6E90596F71C}" cxnId="{C6709C9E-3367-40A8-8FE4-9D725E2677BE}" type="sibTrans">
       <dgm:prSet/>
       <dgm:spPr/>
       <dgm:t>
@@ -5230,7 +4853,7 @@
         </a:p>
       </dgm:t>
     </dgm:pt>
-    <dgm:pt modelId="{6F1FE126-2171-458F-AAE6-10A6104BEE8F}" type="parTrans" cxnId="{A75FE8D1-8616-4802-89C7-3A442DEAF336}">
+    <dgm:pt modelId="{6F1FE126-2171-458F-AAE6-10A6104BEE8F}" cxnId="{A75FE8D1-8616-4802-89C7-3A442DEAF336}" type="parTrans">
       <dgm:prSet/>
       <dgm:spPr/>
       <dgm:t>
@@ -5241,7 +4864,7 @@
         </a:p>
       </dgm:t>
     </dgm:pt>
-    <dgm:pt modelId="{B3EC95A9-CA84-4946-9835-14FF5A4437EA}" type="sibTrans" cxnId="{A75FE8D1-8616-4802-89C7-3A442DEAF336}">
+    <dgm:pt modelId="{B3EC95A9-CA84-4946-9835-14FF5A4437EA}" cxnId="{A75FE8D1-8616-4802-89C7-3A442DEAF336}" type="sibTrans">
       <dgm:prSet/>
       <dgm:spPr/>
       <dgm:t>
@@ -5272,7 +4895,7 @@
         </a:p>
       </dgm:t>
     </dgm:pt>
-    <dgm:pt modelId="{461DBFFE-AABE-42FC-BDD7-E76D5E8A0E04}" type="parTrans" cxnId="{E30107F9-8C76-4BAB-9265-A14B71911BD8}">
+    <dgm:pt modelId="{461DBFFE-AABE-42FC-BDD7-E76D5E8A0E04}" cxnId="{E30107F9-8C76-4BAB-9265-A14B71911BD8}" type="parTrans">
       <dgm:prSet/>
       <dgm:spPr/>
       <dgm:t>
@@ -5283,7 +4906,7 @@
         </a:p>
       </dgm:t>
     </dgm:pt>
-    <dgm:pt modelId="{3F61C644-7CD3-4177-B401-B84C3BFF5835}" type="sibTrans" cxnId="{E30107F9-8C76-4BAB-9265-A14B71911BD8}">
+    <dgm:pt modelId="{3F61C644-7CD3-4177-B401-B84C3BFF5835}" cxnId="{E30107F9-8C76-4BAB-9265-A14B71911BD8}" type="sibTrans">
       <dgm:prSet/>
       <dgm:spPr/>
       <dgm:t>
@@ -5314,7 +4937,7 @@
         </a:p>
       </dgm:t>
     </dgm:pt>
-    <dgm:pt modelId="{2402430E-74BE-4CFE-B045-E82BF5089CAA}" type="parTrans" cxnId="{D08609EC-0C3C-402C-ADD7-297B2CAE155C}">
+    <dgm:pt modelId="{2402430E-74BE-4CFE-B045-E82BF5089CAA}" cxnId="{D08609EC-0C3C-402C-ADD7-297B2CAE155C}" type="parTrans">
       <dgm:prSet/>
       <dgm:spPr/>
       <dgm:t>
@@ -5325,7 +4948,7 @@
         </a:p>
       </dgm:t>
     </dgm:pt>
-    <dgm:pt modelId="{7BBF7E45-6655-461E-886F-7B3C82E4E62C}" type="sibTrans" cxnId="{D08609EC-0C3C-402C-ADD7-297B2CAE155C}">
+    <dgm:pt modelId="{7BBF7E45-6655-461E-886F-7B3C82E4E62C}" cxnId="{D08609EC-0C3C-402C-ADD7-297B2CAE155C}" type="sibTrans">
       <dgm:prSet/>
       <dgm:spPr/>
       <dgm:t>
@@ -5356,7 +4979,7 @@
         </a:p>
       </dgm:t>
     </dgm:pt>
-    <dgm:pt modelId="{05ED5716-C5BE-4124-88CF-3199763C91C8}" type="parTrans" cxnId="{967FEFC9-02F2-4574-BB31-FBAA2E80DFFD}">
+    <dgm:pt modelId="{05ED5716-C5BE-4124-88CF-3199763C91C8}" cxnId="{967FEFC9-02F2-4574-BB31-FBAA2E80DFFD}" type="parTrans">
       <dgm:prSet/>
       <dgm:spPr/>
       <dgm:t>
@@ -5367,7 +4990,7 @@
         </a:p>
       </dgm:t>
     </dgm:pt>
-    <dgm:pt modelId="{0149B01F-C6C9-4D8A-A92E-7C3D938C4B4D}" type="sibTrans" cxnId="{967FEFC9-02F2-4574-BB31-FBAA2E80DFFD}">
+    <dgm:pt modelId="{0149B01F-C6C9-4D8A-A92E-7C3D938C4B4D}" cxnId="{967FEFC9-02F2-4574-BB31-FBAA2E80DFFD}" type="sibTrans">
       <dgm:prSet/>
       <dgm:spPr/>
       <dgm:t>
@@ -5398,7 +5021,7 @@
         </a:p>
       </dgm:t>
     </dgm:pt>
-    <dgm:pt modelId="{9B7C78A1-8104-423E-8138-94C6C882BA65}" type="parTrans" cxnId="{FC15117B-0FAF-487C-B8CF-7512F2C382E7}">
+    <dgm:pt modelId="{9B7C78A1-8104-423E-8138-94C6C882BA65}" cxnId="{FC15117B-0FAF-487C-B8CF-7512F2C382E7}" type="parTrans">
       <dgm:prSet/>
       <dgm:spPr/>
       <dgm:t>
@@ -5409,7 +5032,7 @@
         </a:p>
       </dgm:t>
     </dgm:pt>
-    <dgm:pt modelId="{988AC5BE-F8EA-4E3F-9A46-3E30CCF6B4D6}" type="sibTrans" cxnId="{FC15117B-0FAF-487C-B8CF-7512F2C382E7}">
+    <dgm:pt modelId="{988AC5BE-F8EA-4E3F-9A46-3E30CCF6B4D6}" cxnId="{FC15117B-0FAF-487C-B8CF-7512F2C382E7}" type="sibTrans">
       <dgm:prSet/>
       <dgm:spPr/>
       <dgm:t>
@@ -5440,7 +5063,7 @@
         </a:p>
       </dgm:t>
     </dgm:pt>
-    <dgm:pt modelId="{78A312CF-A65A-4858-96DB-869204B9FF73}" type="parTrans" cxnId="{DDD45DB8-7B39-4AE4-9509-9BA2635BC8CA}">
+    <dgm:pt modelId="{78A312CF-A65A-4858-96DB-869204B9FF73}" cxnId="{DDD45DB8-7B39-4AE4-9509-9BA2635BC8CA}" type="parTrans">
       <dgm:prSet/>
       <dgm:spPr/>
       <dgm:t>
@@ -5451,7 +5074,7 @@
         </a:p>
       </dgm:t>
     </dgm:pt>
-    <dgm:pt modelId="{2815563A-3A10-4481-BE62-FDDED9437547}" type="sibTrans" cxnId="{DDD45DB8-7B39-4AE4-9509-9BA2635BC8CA}">
+    <dgm:pt modelId="{2815563A-3A10-4481-BE62-FDDED9437547}" cxnId="{DDD45DB8-7B39-4AE4-9509-9BA2635BC8CA}" type="sibTrans">
       <dgm:prSet/>
       <dgm:spPr/>
       <dgm:t>
@@ -5612,68 +5235,68 @@
   <dgm:whole/>
   <dgm:extLst>
     <a:ext uri="http://schemas.microsoft.com/office/drawing/2008/diagram">
-      <dsp:dataModelExt xmlns:dsp="http://schemas.microsoft.com/office/drawing/2008/diagram" relId="rId7" minVer="http://schemas.openxmlformats.org/drawingml/2006/diagram"/>
+      <dsp:dataModelExt xmlns:dsp="http://schemas.microsoft.com/office/drawing/2008/diagram" relId="rId5" minVer="http://schemas.openxmlformats.org/drawingml/2006/diagram"/>
     </a:ext>
   </dgm:extLst>
 </dgm:dataModel>
 </file>
 
 <file path=ppt/diagrams/drawing1.xml><?xml version="1.0" encoding="utf-8"?>
-<dsp:drawing xmlns:dgm="http://schemas.openxmlformats.org/drawingml/2006/diagram" xmlns:dsp="http://schemas.microsoft.com/office/drawing/2008/diagram" xmlns:a="http://schemas.openxmlformats.org/drawingml/2006/main">
+<dsp:drawing xmlns:dgm="http://schemas.openxmlformats.org/drawingml/2006/diagram" xmlns:dsp="http://schemas.microsoft.com/office/drawing/2008/diagram" xmlns:a="http://schemas.openxmlformats.org/drawingml/2006/main" xmlns:r="http://schemas.openxmlformats.org/officeDocument/2006/relationships">
   <dsp:spTree>
     <dsp:nvGrpSpPr>
-      <dsp:cNvPr id="0" name=""/>
+      <dsp:cNvPr id="2" name="组合 1"/>
       <dsp:cNvGrpSpPr/>
     </dsp:nvGrpSpPr>
-    <dsp:grpSpPr/>
+    <dsp:grpSpPr>
+      <a:xfrm>
+        <a:off x="0" y="0"/>
+        <a:ext cx="7117918" cy="5157049"/>
+        <a:chOff x="0" y="0"/>
+        <a:chExt cx="7117918" cy="5157049"/>
+      </a:xfrm>
+    </dsp:grpSpPr>
     <dsp:sp modelId="{E541CD7E-3771-4130-ACEF-6B941838B6F5}">
       <dsp:nvSpPr>
-        <dsp:cNvPr id="0" name=""/>
+        <dsp:cNvPr id="3" name="圆角矩形 2"/>
         <dsp:cNvSpPr/>
       </dsp:nvSpPr>
-      <dsp:spPr>
+      <dsp:spPr bwMode="white">
         <a:xfrm>
           <a:off x="0" y="838020"/>
-          <a:ext cx="7117918" cy="1547114"/>
+          <a:ext cx="7117918" cy="1547115"/>
         </a:xfrm>
         <a:prstGeom prst="roundRect">
           <a:avLst>
             <a:gd name="adj" fmla="val 10000"/>
           </a:avLst>
         </a:prstGeom>
-        <a:solidFill>
-          <a:schemeClr val="bg1">
-            <a:lumMod val="95000"/>
-            <a:hueOff val="0"/>
-            <a:satOff val="0"/>
-            <a:lumOff val="0"/>
-            <a:alphaOff val="0"/>
-          </a:schemeClr>
-        </a:solidFill>
-        <a:ln>
-          <a:noFill/>
-        </a:ln>
-        <a:effectLst/>
       </dsp:spPr>
       <dsp:style>
         <a:lnRef idx="0">
-          <a:scrgbClr r="0" g="0" b="0"/>
+          <a:schemeClr val="dk1"/>
         </a:lnRef>
         <a:fillRef idx="1">
-          <a:scrgbClr r="0" g="0" b="0"/>
+          <a:schemeClr val="bg1">
+            <a:lumMod val="95000"/>
+          </a:schemeClr>
         </a:fillRef>
         <a:effectRef idx="0">
           <a:scrgbClr r="0" g="0" b="0"/>
         </a:effectRef>
         <a:fontRef idx="minor"/>
       </dsp:style>
+      <dsp:txXfrm>
+        <a:off x="0" y="838020"/>
+        <a:ext cx="7117918" cy="1547115"/>
+      </dsp:txXfrm>
     </dsp:sp>
     <dsp:sp modelId="{10276274-7A25-420F-85AC-6F98D7C9368E}">
       <dsp:nvSpPr>
-        <dsp:cNvPr id="0" name=""/>
+        <dsp:cNvPr id="4" name="矩形 3"/>
         <dsp:cNvSpPr/>
       </dsp:nvSpPr>
-      <dsp:spPr>
+      <dsp:spPr bwMode="white">
         <a:xfrm>
           <a:off x="468002" y="1186121"/>
           <a:ext cx="850913" cy="850913"/>
@@ -5682,7 +5305,7 @@
           <a:avLst/>
         </a:prstGeom>
         <a:blipFill>
-          <a:blip xmlns:r="http://schemas.openxmlformats.org/officeDocument/2006/relationships" r:embed="rId1">
+          <a:blip r:embed="rId1">
             <a:extLst>
               <a:ext uri="{28A0092B-C50C-407E-A947-70E740481C1C}">
                 <a14:useLocalDpi xmlns:a14="http://schemas.microsoft.com/office/drawing/2010/main" val="0"/>
@@ -5696,19 +5319,18 @@
             <a:fillRect/>
           </a:stretch>
         </a:blipFill>
-        <a:ln w="12700" cap="flat" cmpd="sng" algn="ctr">
+        <a:ln>
           <a:noFill/>
-          <a:prstDash val="solid"/>
-          <a:miter lim="800000"/>
         </a:ln>
-        <a:effectLst/>
       </dsp:spPr>
       <dsp:style>
         <a:lnRef idx="2">
-          <a:scrgbClr r="0" g="0" b="0"/>
+          <a:schemeClr val="lt1">
+            <a:alpha val="0"/>
+          </a:schemeClr>
         </a:lnRef>
         <a:fillRef idx="1">
-          <a:scrgbClr r="0" g="0" b="0"/>
+          <a:schemeClr val="accent2"/>
         </a:fillRef>
         <a:effectRef idx="0">
           <a:scrgbClr r="0" g="0" b="0"/>
@@ -5717,32 +5339,35 @@
           <a:schemeClr val="lt1"/>
         </a:fontRef>
       </dsp:style>
+      <dsp:txXfrm>
+        <a:off x="468002" y="1186121"/>
+        <a:ext cx="850913" cy="850913"/>
+      </dsp:txXfrm>
     </dsp:sp>
     <dsp:sp modelId="{C1D4B622-1C87-4F4A-B292-1823CF35D469}">
       <dsp:nvSpPr>
-        <dsp:cNvPr id="0" name=""/>
+        <dsp:cNvPr id="5" name="矩形 4"/>
         <dsp:cNvSpPr/>
       </dsp:nvSpPr>
       <dsp:spPr bwMode="white">
         <a:xfrm>
           <a:off x="1786917" y="838020"/>
-          <a:ext cx="5331000" cy="1547114"/>
+          <a:ext cx="5331001" cy="1547115"/>
         </a:xfrm>
         <a:prstGeom prst="rect">
           <a:avLst/>
         </a:prstGeom>
-        <a:noFill/>
-        <a:ln>
-          <a:noFill/>
-        </a:ln>
-        <a:effectLst/>
       </dsp:spPr>
       <dsp:style>
         <a:lnRef idx="0">
-          <a:scrgbClr r="0" g="0" b="0"/>
+          <a:schemeClr val="dk1">
+            <a:alpha val="0"/>
+          </a:schemeClr>
         </a:lnRef>
         <a:fillRef idx="0">
-          <a:scrgbClr r="0" g="0" b="0"/>
+          <a:schemeClr val="lt1">
+            <a:alpha val="0"/>
+          </a:schemeClr>
         </a:fillRef>
         <a:effectRef idx="0">
           <a:scrgbClr r="0" g="0" b="0"/>
@@ -5750,12 +5375,38 @@
         <a:fontRef idx="minor"/>
       </dsp:style>
       <dsp:txBody>
-        <a:bodyPr spcFirstLastPara="0" vert="horz" wrap="square" lIns="163736" tIns="163736" rIns="163736" bIns="163736" numCol="1" spcCol="1270" anchor="ctr" anchorCtr="0">
-          <a:noAutofit/>
-        </a:bodyPr>
-        <a:lstStyle/>
+        <a:bodyPr lIns="163736" tIns="163736" rIns="163736" bIns="163736" anchor="ctr"/>
+        <a:lstStyle>
+          <a:lvl1pPr algn="l">
+            <a:defRPr sz="2600"/>
+          </a:lvl1pPr>
+          <a:lvl2pPr marL="228600" indent="-228600" algn="l">
+            <a:defRPr sz="2000"/>
+          </a:lvl2pPr>
+          <a:lvl3pPr marL="457200" indent="-228600" algn="l">
+            <a:defRPr sz="2000"/>
+          </a:lvl3pPr>
+          <a:lvl4pPr marL="685800" indent="-228600" algn="l">
+            <a:defRPr sz="2000"/>
+          </a:lvl4pPr>
+          <a:lvl5pPr marL="914400" indent="-228600" algn="l">
+            <a:defRPr sz="2000"/>
+          </a:lvl5pPr>
+          <a:lvl6pPr marL="1143000" indent="-228600" algn="l">
+            <a:defRPr sz="2000"/>
+          </a:lvl6pPr>
+          <a:lvl7pPr marL="1371600" indent="-228600" algn="l">
+            <a:defRPr sz="2000"/>
+          </a:lvl7pPr>
+          <a:lvl8pPr marL="1600200" indent="-228600" algn="l">
+            <a:defRPr sz="2000"/>
+          </a:lvl8pPr>
+          <a:lvl9pPr marL="1828800" indent="-228600" algn="l">
+            <a:defRPr sz="2000"/>
+          </a:lvl9pPr>
+        </a:lstStyle>
         <a:p>
-          <a:pPr marL="0" lvl="0" indent="0" algn="l" defTabSz="1111250">
+          <a:pPr lvl="0">
             <a:lnSpc>
               <a:spcPct val="100000"/>
             </a:lnSpc>
@@ -5765,77 +5416,77 @@
             <a:spcAft>
               <a:spcPct val="35000"/>
             </a:spcAft>
-            <a:buNone/>
           </a:pPr>
           <a:r>
-            <a:rPr lang="en-US" altLang="zh-CN" sz="2500" kern="1200" dirty="0"/>
+            <a:rPr lang="en-US" altLang="zh-CN" dirty="0">
+              <a:solidFill>
+                <a:schemeClr val="tx1"/>
+              </a:solidFill>
+            </a:rPr>
             <a:t>Implement retail trader sentiment analysis to assess market impact</a:t>
           </a:r>
-          <a:endParaRPr lang="en-US" sz="2500" kern="1200" dirty="0"/>
+          <a:endParaRPr lang="en-US" dirty="0">
+            <a:solidFill>
+              <a:schemeClr val="tx1"/>
+            </a:solidFill>
+          </a:endParaRPr>
         </a:p>
       </dsp:txBody>
       <dsp:txXfrm>
         <a:off x="1786917" y="838020"/>
-        <a:ext cx="5331000" cy="1547114"/>
+        <a:ext cx="5331001" cy="1547115"/>
       </dsp:txXfrm>
     </dsp:sp>
     <dsp:sp modelId="{0B2EF1B2-1A9A-4AFF-9CC2-61C8648E5B3D}">
       <dsp:nvSpPr>
-        <dsp:cNvPr id="0" name=""/>
+        <dsp:cNvPr id="6" name="圆角矩形 5"/>
         <dsp:cNvSpPr/>
       </dsp:nvSpPr>
-      <dsp:spPr>
+      <dsp:spPr bwMode="white">
         <a:xfrm>
-          <a:off x="0" y="2771913"/>
-          <a:ext cx="7117918" cy="1547114"/>
+          <a:off x="0" y="2771914"/>
+          <a:ext cx="7117918" cy="1547115"/>
         </a:xfrm>
         <a:prstGeom prst="roundRect">
           <a:avLst>
             <a:gd name="adj" fmla="val 10000"/>
           </a:avLst>
         </a:prstGeom>
-        <a:solidFill>
-          <a:schemeClr val="bg1">
-            <a:lumMod val="95000"/>
-            <a:hueOff val="0"/>
-            <a:satOff val="0"/>
-            <a:lumOff val="0"/>
-            <a:alphaOff val="0"/>
-          </a:schemeClr>
-        </a:solidFill>
-        <a:ln>
-          <a:noFill/>
-        </a:ln>
-        <a:effectLst/>
       </dsp:spPr>
       <dsp:style>
         <a:lnRef idx="0">
-          <a:scrgbClr r="0" g="0" b="0"/>
+          <a:schemeClr val="dk1"/>
         </a:lnRef>
         <a:fillRef idx="1">
-          <a:scrgbClr r="0" g="0" b="0"/>
+          <a:schemeClr val="bg1">
+            <a:lumMod val="95000"/>
+          </a:schemeClr>
         </a:fillRef>
         <a:effectRef idx="0">
           <a:scrgbClr r="0" g="0" b="0"/>
         </a:effectRef>
         <a:fontRef idx="minor"/>
       </dsp:style>
+      <dsp:txXfrm>
+        <a:off x="0" y="2771914"/>
+        <a:ext cx="7117918" cy="1547115"/>
+      </dsp:txXfrm>
     </dsp:sp>
     <dsp:sp modelId="{BBA7B180-528C-4707-B0B2-F161985BCC72}">
       <dsp:nvSpPr>
-        <dsp:cNvPr id="0" name=""/>
+        <dsp:cNvPr id="7" name="矩形 6"/>
         <dsp:cNvSpPr/>
       </dsp:nvSpPr>
-      <dsp:spPr>
+      <dsp:spPr bwMode="white">
         <a:xfrm>
-          <a:off x="468002" y="3120014"/>
+          <a:off x="468002" y="3120015"/>
           <a:ext cx="850913" cy="850913"/>
         </a:xfrm>
         <a:prstGeom prst="rect">
           <a:avLst/>
         </a:prstGeom>
         <a:blipFill rotWithShape="1">
-          <a:blip xmlns:r="http://schemas.openxmlformats.org/officeDocument/2006/relationships" r:embed="rId3">
+          <a:blip r:embed="rId3">
             <a:extLst>
               <a:ext uri="{28A0092B-C50C-407E-A947-70E740481C1C}">
                 <a14:useLocalDpi xmlns:a14="http://schemas.microsoft.com/office/drawing/2010/main" val="0"/>
@@ -5850,27 +5501,15 @@
             <a:fillRect/>
           </a:stretch>
         </a:blipFill>
-        <a:ln w="12700" cap="flat" cmpd="sng" algn="ctr">
-          <a:solidFill>
-            <a:schemeClr val="lt1">
-              <a:alpha val="0"/>
-              <a:hueOff val="0"/>
-              <a:satOff val="0"/>
-              <a:lumOff val="0"/>
-              <a:alphaOff val="0"/>
-            </a:schemeClr>
-          </a:solidFill>
-          <a:prstDash val="solid"/>
-          <a:miter lim="800000"/>
-        </a:ln>
-        <a:effectLst/>
       </dsp:spPr>
       <dsp:style>
         <a:lnRef idx="2">
-          <a:scrgbClr r="0" g="0" b="0"/>
+          <a:schemeClr val="lt1">
+            <a:alpha val="0"/>
+          </a:schemeClr>
         </a:lnRef>
         <a:fillRef idx="1">
-          <a:scrgbClr r="0" g="0" b="0"/>
+          <a:schemeClr val="accent3"/>
         </a:fillRef>
         <a:effectRef idx="0">
           <a:scrgbClr r="0" g="0" b="0"/>
@@ -5879,32 +5518,35 @@
           <a:schemeClr val="lt1"/>
         </a:fontRef>
       </dsp:style>
+      <dsp:txXfrm>
+        <a:off x="468002" y="3120015"/>
+        <a:ext cx="850913" cy="850913"/>
+      </dsp:txXfrm>
     </dsp:sp>
     <dsp:sp modelId="{49E5CB17-7B4C-41C2-9AE2-CF4B25E1B086}">
       <dsp:nvSpPr>
-        <dsp:cNvPr id="0" name=""/>
+        <dsp:cNvPr id="8" name="矩形 7"/>
         <dsp:cNvSpPr/>
       </dsp:nvSpPr>
-      <dsp:spPr>
+      <dsp:spPr bwMode="white">
         <a:xfrm>
-          <a:off x="1786917" y="2771913"/>
-          <a:ext cx="5331000" cy="1547114"/>
+          <a:off x="1786917" y="2771914"/>
+          <a:ext cx="5331001" cy="1547115"/>
         </a:xfrm>
         <a:prstGeom prst="rect">
           <a:avLst/>
         </a:prstGeom>
-        <a:noFill/>
-        <a:ln>
-          <a:noFill/>
-        </a:ln>
-        <a:effectLst/>
       </dsp:spPr>
       <dsp:style>
         <a:lnRef idx="0">
-          <a:scrgbClr r="0" g="0" b="0"/>
+          <a:schemeClr val="dk1">
+            <a:alpha val="0"/>
+          </a:schemeClr>
         </a:lnRef>
         <a:fillRef idx="0">
-          <a:scrgbClr r="0" g="0" b="0"/>
+          <a:schemeClr val="lt1">
+            <a:alpha val="0"/>
+          </a:schemeClr>
         </a:fillRef>
         <a:effectRef idx="0">
           <a:scrgbClr r="0" g="0" b="0"/>
@@ -5912,12 +5554,38 @@
         <a:fontRef idx="minor"/>
       </dsp:style>
       <dsp:txBody>
-        <a:bodyPr spcFirstLastPara="0" vert="horz" wrap="square" lIns="163736" tIns="163736" rIns="163736" bIns="163736" numCol="1" spcCol="1270" anchor="ctr" anchorCtr="0">
-          <a:noAutofit/>
-        </a:bodyPr>
-        <a:lstStyle/>
+        <a:bodyPr lIns="163736" tIns="163736" rIns="163736" bIns="163736" anchor="ctr"/>
+        <a:lstStyle>
+          <a:lvl1pPr algn="l">
+            <a:defRPr sz="2600"/>
+          </a:lvl1pPr>
+          <a:lvl2pPr marL="228600" indent="-228600" algn="l">
+            <a:defRPr sz="2000"/>
+          </a:lvl2pPr>
+          <a:lvl3pPr marL="457200" indent="-228600" algn="l">
+            <a:defRPr sz="2000"/>
+          </a:lvl3pPr>
+          <a:lvl4pPr marL="685800" indent="-228600" algn="l">
+            <a:defRPr sz="2000"/>
+          </a:lvl4pPr>
+          <a:lvl5pPr marL="914400" indent="-228600" algn="l">
+            <a:defRPr sz="2000"/>
+          </a:lvl5pPr>
+          <a:lvl6pPr marL="1143000" indent="-228600" algn="l">
+            <a:defRPr sz="2000"/>
+          </a:lvl6pPr>
+          <a:lvl7pPr marL="1371600" indent="-228600" algn="l">
+            <a:defRPr sz="2000"/>
+          </a:lvl7pPr>
+          <a:lvl8pPr marL="1600200" indent="-228600" algn="l">
+            <a:defRPr sz="2000"/>
+          </a:lvl8pPr>
+          <a:lvl9pPr marL="1828800" indent="-228600" algn="l">
+            <a:defRPr sz="2000"/>
+          </a:lvl9pPr>
+        </a:lstStyle>
         <a:p>
-          <a:pPr marL="0" lvl="0" indent="0" algn="l" defTabSz="1111250">
+          <a:pPr lvl="0">
             <a:lnSpc>
               <a:spcPct val="100000"/>
             </a:lnSpc>
@@ -5927,18 +5595,25 @@
             <a:spcAft>
               <a:spcPct val="35000"/>
             </a:spcAft>
-            <a:buNone/>
           </a:pPr>
           <a:r>
-            <a:rPr lang="en-US" altLang="zh-CN" sz="2500" kern="1200" dirty="0"/>
+            <a:rPr lang="en-US" altLang="zh-CN" dirty="0">
+              <a:solidFill>
+                <a:schemeClr val="tx1"/>
+              </a:solidFill>
+            </a:rPr>
             <a:t>Develop predictive models for real-time detection of buy/sell signals</a:t>
           </a:r>
-          <a:endParaRPr lang="en-US" sz="2500" kern="1200" dirty="0"/>
+          <a:endParaRPr lang="en-US" dirty="0">
+            <a:solidFill>
+              <a:schemeClr val="tx1"/>
+            </a:solidFill>
+          </a:endParaRPr>
         </a:p>
       </dsp:txBody>
       <dsp:txXfrm>
-        <a:off x="1786917" y="2771913"/>
-        <a:ext cx="5331000" cy="1547114"/>
+        <a:off x="1786917" y="2771914"/>
+        <a:ext cx="5331001" cy="1547115"/>
       </dsp:txXfrm>
     </dsp:sp>
   </dsp:spTree>
@@ -5946,55 +5621,47 @@
 </file>
 
 <file path=ppt/diagrams/drawing2.xml><?xml version="1.0" encoding="utf-8"?>
-<dsp:drawing xmlns:dgm="http://schemas.openxmlformats.org/drawingml/2006/diagram" xmlns:dsp="http://schemas.microsoft.com/office/drawing/2008/diagram" xmlns:a="http://schemas.openxmlformats.org/drawingml/2006/main">
+<dsp:drawing xmlns:dgm="http://schemas.openxmlformats.org/drawingml/2006/diagram" xmlns:dsp="http://schemas.microsoft.com/office/drawing/2008/diagram" xmlns:a="http://schemas.openxmlformats.org/drawingml/2006/main" xmlns:r="http://schemas.openxmlformats.org/officeDocument/2006/relationships">
   <dsp:spTree>
     <dsp:nvGrpSpPr>
-      <dsp:cNvPr id="0" name=""/>
+      <dsp:cNvPr id="2" name="组合 1"/>
       <dsp:cNvGrpSpPr/>
     </dsp:nvGrpSpPr>
-    <dsp:grpSpPr/>
+    <dsp:grpSpPr>
+      <a:xfrm>
+        <a:off x="0" y="0"/>
+        <a:ext cx="5891471" cy="5157049"/>
+        <a:chOff x="0" y="0"/>
+        <a:chExt cx="5891471" cy="5157049"/>
+      </a:xfrm>
+    </dsp:grpSpPr>
     <dsp:sp modelId="{4EC703AE-C60D-48F0-BCB2-9FE16DB1B6E5}">
       <dsp:nvSpPr>
-        <dsp:cNvPr id="0" name=""/>
+        <dsp:cNvPr id="5" name="矩形 4"/>
         <dsp:cNvSpPr/>
       </dsp:nvSpPr>
-      <dsp:spPr>
+      <dsp:spPr bwMode="white">
         <a:xfrm>
-          <a:off x="0" y="405024"/>
-          <a:ext cx="5891471" cy="1719900"/>
+          <a:off x="0" y="382509"/>
+          <a:ext cx="5891471" cy="1627505"/>
         </a:xfrm>
         <a:prstGeom prst="rect">
           <a:avLst/>
         </a:prstGeom>
-        <a:solidFill>
-          <a:schemeClr val="lt1">
-            <a:alpha val="90000"/>
+      </dsp:spPr>
+      <dsp:style>
+        <a:lnRef idx="2">
+          <a:schemeClr val="accent2">
             <a:hueOff val="0"/>
             <a:satOff val="0"/>
             <a:lumOff val="0"/>
-            <a:alphaOff val="0"/>
+            <a:alpha val="100000"/>
           </a:schemeClr>
-        </a:solidFill>
-        <a:ln w="12700" cap="flat" cmpd="sng" algn="ctr">
-          <a:solidFill>
-            <a:schemeClr val="accent2">
-              <a:hueOff val="0"/>
-              <a:satOff val="0"/>
-              <a:lumOff val="0"/>
-              <a:alphaOff val="0"/>
-            </a:schemeClr>
-          </a:solidFill>
-          <a:prstDash val="solid"/>
-          <a:miter lim="800000"/>
-        </a:ln>
-        <a:effectLst/>
-      </dsp:spPr>
-      <dsp:style>
-        <a:lnRef idx="2">
-          <a:scrgbClr r="0" g="0" b="0"/>
         </a:lnRef>
         <a:fillRef idx="1">
-          <a:scrgbClr r="0" g="0" b="0"/>
+          <a:schemeClr val="lt1">
+            <a:alpha val="90000"/>
+          </a:schemeClr>
         </a:fillRef>
         <a:effectRef idx="0">
           <a:scrgbClr r="0" g="0" b="0"/>
@@ -6002,12 +5669,38 @@
         <a:fontRef idx="minor"/>
       </dsp:style>
       <dsp:txBody>
-        <a:bodyPr spcFirstLastPara="0" vert="horz" wrap="square" lIns="457244" tIns="437388" rIns="457244" bIns="149352" numCol="1" spcCol="1270" anchor="t" anchorCtr="0">
-          <a:noAutofit/>
-        </a:bodyPr>
-        <a:lstStyle/>
+        <a:bodyPr lIns="457243" tIns="437388" rIns="457243" bIns="149352" anchor="t"/>
+        <a:lstStyle>
+          <a:lvl1pPr algn="l">
+            <a:defRPr sz="2100"/>
+          </a:lvl1pPr>
+          <a:lvl2pPr marL="228600" indent="-228600" algn="l">
+            <a:defRPr sz="2100"/>
+          </a:lvl2pPr>
+          <a:lvl3pPr marL="457200" indent="-228600" algn="l">
+            <a:defRPr sz="2100"/>
+          </a:lvl3pPr>
+          <a:lvl4pPr marL="685800" indent="-228600" algn="l">
+            <a:defRPr sz="2100"/>
+          </a:lvl4pPr>
+          <a:lvl5pPr marL="914400" indent="-228600" algn="l">
+            <a:defRPr sz="2100"/>
+          </a:lvl5pPr>
+          <a:lvl6pPr marL="1143000" indent="-228600" algn="l">
+            <a:defRPr sz="2100"/>
+          </a:lvl6pPr>
+          <a:lvl7pPr marL="1371600" indent="-228600" algn="l">
+            <a:defRPr sz="2100"/>
+          </a:lvl7pPr>
+          <a:lvl8pPr marL="1600200" indent="-228600" algn="l">
+            <a:defRPr sz="2100"/>
+          </a:lvl8pPr>
+          <a:lvl9pPr marL="1828800" indent="-228600" algn="l">
+            <a:defRPr sz="2100"/>
+          </a:lvl9pPr>
+        </a:lstStyle>
         <a:p>
-          <a:pPr marL="228600" lvl="1" indent="-228600" algn="l" defTabSz="933450">
+          <a:pPr lvl="1">
             <a:lnSpc>
               <a:spcPct val="100000"/>
             </a:lnSpc>
@@ -6020,12 +5713,21 @@
             <a:buChar char="•"/>
           </a:pPr>
           <a:r>
-            <a:rPr lang="en-US" sz="2100" kern="1200" dirty="0"/>
+            <a:rPr lang="en-US" dirty="0">
+              <a:solidFill>
+                <a:schemeClr val="dk1"/>
+              </a:solidFill>
+            </a:rPr>
             <a:t>Study the correlation between stock market and retail traders’ sentiment</a:t>
           </a:r>
+          <a:endParaRPr lang="en-US" dirty="0">
+            <a:solidFill>
+              <a:schemeClr val="dk1"/>
+            </a:solidFill>
+          </a:endParaRPr>
         </a:p>
         <a:p>
-          <a:pPr marL="228600" lvl="1" indent="-228600" algn="l" defTabSz="933450">
+          <a:pPr lvl="1">
             <a:lnSpc>
               <a:spcPct val="100000"/>
             </a:lnSpc>
@@ -6038,57 +5740,50 @@
             <a:buChar char="•"/>
           </a:pPr>
           <a:r>
-            <a:rPr lang="en-US" sz="2100" kern="1200" dirty="0"/>
+            <a:rPr lang="en-US" dirty="0">
+              <a:solidFill>
+                <a:schemeClr val="dk1"/>
+              </a:solidFill>
+            </a:rPr>
             <a:t>Build models to predict stock return</a:t>
           </a:r>
+          <a:endParaRPr>
+            <a:solidFill>
+              <a:schemeClr val="dk1"/>
+            </a:solidFill>
+          </a:endParaRPr>
         </a:p>
       </dsp:txBody>
       <dsp:txXfrm>
-        <a:off x="0" y="405024"/>
-        <a:ext cx="5891471" cy="1719900"/>
+        <a:off x="0" y="382509"/>
+        <a:ext cx="5891471" cy="1627505"/>
       </dsp:txXfrm>
     </dsp:sp>
     <dsp:sp modelId="{3D78E7DC-E549-4121-9EC8-783C9EC0AC04}">
       <dsp:nvSpPr>
-        <dsp:cNvPr id="0" name=""/>
+        <dsp:cNvPr id="4" name="圆角矩形 3"/>
         <dsp:cNvSpPr/>
       </dsp:nvSpPr>
-      <dsp:spPr>
+      <dsp:spPr bwMode="white">
         <a:xfrm>
-          <a:off x="294573" y="95064"/>
-          <a:ext cx="4124029" cy="619920"/>
+          <a:off x="294574" y="72549"/>
+          <a:ext cx="4124030" cy="619920"/>
         </a:xfrm>
         <a:prstGeom prst="roundRect">
           <a:avLst/>
         </a:prstGeom>
-        <a:solidFill>
+      </dsp:spPr>
+      <dsp:style>
+        <a:lnRef idx="2">
+          <a:schemeClr val="lt1"/>
+        </a:lnRef>
+        <a:fillRef idx="1">
           <a:schemeClr val="accent2">
             <a:hueOff val="0"/>
             <a:satOff val="0"/>
             <a:lumOff val="0"/>
-            <a:alphaOff val="0"/>
+            <a:alpha val="100000"/>
           </a:schemeClr>
-        </a:solidFill>
-        <a:ln w="12700" cap="flat" cmpd="sng" algn="ctr">
-          <a:solidFill>
-            <a:schemeClr val="lt1">
-              <a:hueOff val="0"/>
-              <a:satOff val="0"/>
-              <a:lumOff val="0"/>
-              <a:alphaOff val="0"/>
-            </a:schemeClr>
-          </a:solidFill>
-          <a:prstDash val="solid"/>
-          <a:miter lim="800000"/>
-        </a:ln>
-        <a:effectLst/>
-      </dsp:spPr>
-      <dsp:style>
-        <a:lnRef idx="2">
-          <a:scrgbClr r="0" g="0" b="0"/>
-        </a:lnRef>
-        <a:fillRef idx="1">
-          <a:scrgbClr r="0" g="0" b="0"/>
         </a:fillRef>
         <a:effectRef idx="0">
           <a:scrgbClr r="0" g="0" b="0"/>
@@ -6098,12 +5793,38 @@
         </a:fontRef>
       </dsp:style>
       <dsp:txBody>
-        <a:bodyPr spcFirstLastPara="0" vert="horz" wrap="square" lIns="155879" tIns="0" rIns="155879" bIns="0" numCol="1" spcCol="1270" anchor="ctr" anchorCtr="0">
-          <a:noAutofit/>
-        </a:bodyPr>
-        <a:lstStyle/>
+        <a:bodyPr lIns="155878" tIns="0" rIns="155878" bIns="0" anchor="ctr"/>
+        <a:lstStyle>
+          <a:lvl1pPr algn="l">
+            <a:defRPr sz="2100"/>
+          </a:lvl1pPr>
+          <a:lvl2pPr marL="171450" indent="-171450" algn="l">
+            <a:defRPr sz="1600"/>
+          </a:lvl2pPr>
+          <a:lvl3pPr marL="342900" indent="-171450" algn="l">
+            <a:defRPr sz="1600"/>
+          </a:lvl3pPr>
+          <a:lvl4pPr marL="514350" indent="-171450" algn="l">
+            <a:defRPr sz="1600"/>
+          </a:lvl4pPr>
+          <a:lvl5pPr marL="685800" indent="-171450" algn="l">
+            <a:defRPr sz="1600"/>
+          </a:lvl5pPr>
+          <a:lvl6pPr marL="857250" indent="-171450" algn="l">
+            <a:defRPr sz="1600"/>
+          </a:lvl6pPr>
+          <a:lvl7pPr marL="1028700" indent="-171450" algn="l">
+            <a:defRPr sz="1600"/>
+          </a:lvl7pPr>
+          <a:lvl8pPr marL="1200150" indent="-171450" algn="l">
+            <a:defRPr sz="1600"/>
+          </a:lvl8pPr>
+          <a:lvl9pPr marL="1371600" indent="-171450" algn="l">
+            <a:defRPr sz="1600"/>
+          </a:lvl9pPr>
+        </a:lstStyle>
         <a:p>
-          <a:pPr marL="0" lvl="0" indent="0" algn="l" defTabSz="933450">
+          <a:pPr lvl="0">
             <a:lnSpc>
               <a:spcPct val="100000"/>
             </a:lnSpc>
@@ -6113,61 +5834,45 @@
             <a:spcAft>
               <a:spcPct val="35000"/>
             </a:spcAft>
-            <a:buNone/>
           </a:pPr>
           <a:r>
-            <a:rPr lang="en-US" sz="2100" kern="1200"/>
+            <a:rPr lang="en-US"/>
             <a:t>Similarities:</a:t>
           </a:r>
         </a:p>
       </dsp:txBody>
       <dsp:txXfrm>
-        <a:off x="324835" y="125326"/>
-        <a:ext cx="4063505" cy="559396"/>
+        <a:off x="294574" y="72549"/>
+        <a:ext cx="4124030" cy="619920"/>
       </dsp:txXfrm>
     </dsp:sp>
     <dsp:sp modelId="{1B0A7A31-21EB-4189-8994-DEC93D450867}">
       <dsp:nvSpPr>
-        <dsp:cNvPr id="0" name=""/>
+        <dsp:cNvPr id="8" name="矩形 7"/>
         <dsp:cNvSpPr/>
       </dsp:nvSpPr>
-      <dsp:spPr>
+      <dsp:spPr bwMode="white">
         <a:xfrm>
-          <a:off x="0" y="2548284"/>
-          <a:ext cx="5891471" cy="2513700"/>
+          <a:off x="0" y="2433374"/>
+          <a:ext cx="5891471" cy="2651125"/>
         </a:xfrm>
         <a:prstGeom prst="rect">
           <a:avLst/>
         </a:prstGeom>
-        <a:solidFill>
-          <a:schemeClr val="lt1">
-            <a:alpha val="90000"/>
-            <a:hueOff val="0"/>
-            <a:satOff val="0"/>
-            <a:lumOff val="0"/>
-            <a:alphaOff val="0"/>
-          </a:schemeClr>
-        </a:solidFill>
-        <a:ln w="12700" cap="flat" cmpd="sng" algn="ctr">
-          <a:solidFill>
-            <a:schemeClr val="accent2">
-              <a:hueOff val="-1525302"/>
-              <a:satOff val="-418"/>
-              <a:lumOff val="7058"/>
-              <a:alphaOff val="0"/>
-            </a:schemeClr>
-          </a:solidFill>
-          <a:prstDash val="solid"/>
-          <a:miter lim="800000"/>
-        </a:ln>
-        <a:effectLst/>
       </dsp:spPr>
       <dsp:style>
         <a:lnRef idx="2">
-          <a:scrgbClr r="0" g="0" b="0"/>
+          <a:schemeClr val="accent2">
+            <a:hueOff val="-1560000"/>
+            <a:satOff val="-391"/>
+            <a:lumOff val="7059"/>
+            <a:alpha val="100000"/>
+          </a:schemeClr>
         </a:lnRef>
         <a:fillRef idx="1">
-          <a:scrgbClr r="0" g="0" b="0"/>
+          <a:schemeClr val="lt1">
+            <a:alpha val="90000"/>
+          </a:schemeClr>
         </a:fillRef>
         <a:effectRef idx="0">
           <a:scrgbClr r="0" g="0" b="0"/>
@@ -6175,12 +5880,38 @@
         <a:fontRef idx="minor"/>
       </dsp:style>
       <dsp:txBody>
-        <a:bodyPr spcFirstLastPara="0" vert="horz" wrap="square" lIns="457244" tIns="437388" rIns="457244" bIns="149352" numCol="1" spcCol="1270" anchor="t" anchorCtr="0">
-          <a:noAutofit/>
-        </a:bodyPr>
-        <a:lstStyle/>
+        <a:bodyPr lIns="457243" tIns="437388" rIns="457243" bIns="149352" anchor="t"/>
+        <a:lstStyle>
+          <a:lvl1pPr algn="l">
+            <a:defRPr sz="2100"/>
+          </a:lvl1pPr>
+          <a:lvl2pPr marL="228600" indent="-228600" algn="l">
+            <a:defRPr sz="2100"/>
+          </a:lvl2pPr>
+          <a:lvl3pPr marL="457200" indent="-228600" algn="l">
+            <a:defRPr sz="2100"/>
+          </a:lvl3pPr>
+          <a:lvl4pPr marL="685800" indent="-228600" algn="l">
+            <a:defRPr sz="2100"/>
+          </a:lvl4pPr>
+          <a:lvl5pPr marL="914400" indent="-228600" algn="l">
+            <a:defRPr sz="2100"/>
+          </a:lvl5pPr>
+          <a:lvl6pPr marL="1143000" indent="-228600" algn="l">
+            <a:defRPr sz="2100"/>
+          </a:lvl6pPr>
+          <a:lvl7pPr marL="1371600" indent="-228600" algn="l">
+            <a:defRPr sz="2100"/>
+          </a:lvl7pPr>
+          <a:lvl8pPr marL="1600200" indent="-228600" algn="l">
+            <a:defRPr sz="2100"/>
+          </a:lvl8pPr>
+          <a:lvl9pPr marL="1828800" indent="-228600" algn="l">
+            <a:defRPr sz="2100"/>
+          </a:lvl9pPr>
+        </a:lstStyle>
         <a:p>
-          <a:pPr marL="228600" lvl="1" indent="-228600" algn="l" defTabSz="933450">
+          <a:pPr lvl="1">
             <a:lnSpc>
               <a:spcPct val="100000"/>
             </a:lnSpc>
@@ -6193,12 +5924,21 @@
             <a:buChar char="•"/>
           </a:pPr>
           <a:r>
-            <a:rPr lang="en-US" sz="2100" kern="1200" dirty="0"/>
+            <a:rPr lang="en-US" dirty="0">
+              <a:solidFill>
+                <a:schemeClr val="dk1"/>
+              </a:solidFill>
+            </a:rPr>
             <a:t>Implement a dynamic approach to make short to mid term (one week) prediction </a:t>
           </a:r>
+          <a:endParaRPr lang="en-US" dirty="0">
+            <a:solidFill>
+              <a:schemeClr val="dk1"/>
+            </a:solidFill>
+          </a:endParaRPr>
         </a:p>
         <a:p>
-          <a:pPr marL="228600" lvl="1" indent="-228600" algn="l" defTabSz="933450">
+          <a:pPr lvl="1">
             <a:lnSpc>
               <a:spcPct val="100000"/>
             </a:lnSpc>
@@ -6211,12 +5951,21 @@
             <a:buChar char="•"/>
           </a:pPr>
           <a:r>
-            <a:rPr lang="en-US" sz="2100" kern="1200" dirty="0"/>
+            <a:rPr lang="en-US" dirty="0">
+              <a:solidFill>
+                <a:schemeClr val="dk1"/>
+              </a:solidFill>
+            </a:rPr>
             <a:t>Focus on both loss and gain</a:t>
           </a:r>
+          <a:endParaRPr lang="en-US" dirty="0">
+            <a:solidFill>
+              <a:schemeClr val="dk1"/>
+            </a:solidFill>
+          </a:endParaRPr>
         </a:p>
         <a:p>
-          <a:pPr marL="228600" lvl="1" indent="-228600" algn="l" defTabSz="933450">
+          <a:pPr lvl="1">
             <a:lnSpc>
               <a:spcPct val="100000"/>
             </a:lnSpc>
@@ -6229,57 +5978,50 @@
             <a:buChar char="•"/>
           </a:pPr>
           <a:r>
-            <a:rPr lang="en-US" sz="2100" kern="1200" dirty="0"/>
+            <a:rPr lang="en-US" dirty="0">
+              <a:solidFill>
+                <a:schemeClr val="dk1"/>
+              </a:solidFill>
+            </a:rPr>
             <a:t>Incorporate sentiment analysis into model</a:t>
           </a:r>
+          <a:endParaRPr>
+            <a:solidFill>
+              <a:schemeClr val="dk1"/>
+            </a:solidFill>
+          </a:endParaRPr>
         </a:p>
       </dsp:txBody>
       <dsp:txXfrm>
-        <a:off x="0" y="2548284"/>
-        <a:ext cx="5891471" cy="2513700"/>
+        <a:off x="0" y="2433374"/>
+        <a:ext cx="5891471" cy="2651125"/>
       </dsp:txXfrm>
     </dsp:sp>
     <dsp:sp modelId="{F27E2B59-372A-402C-B697-3DE712A58854}">
       <dsp:nvSpPr>
-        <dsp:cNvPr id="0" name=""/>
+        <dsp:cNvPr id="7" name="圆角矩形 6"/>
         <dsp:cNvSpPr/>
       </dsp:nvSpPr>
-      <dsp:spPr>
+      <dsp:spPr bwMode="white">
         <a:xfrm>
-          <a:off x="294573" y="2238324"/>
-          <a:ext cx="4124029" cy="619920"/>
+          <a:off x="294574" y="2123414"/>
+          <a:ext cx="4124030" cy="619920"/>
         </a:xfrm>
         <a:prstGeom prst="roundRect">
           <a:avLst/>
         </a:prstGeom>
-        <a:solidFill>
-          <a:schemeClr val="accent2">
-            <a:hueOff val="-1525302"/>
-            <a:satOff val="-418"/>
-            <a:lumOff val="7058"/>
-            <a:alphaOff val="0"/>
-          </a:schemeClr>
-        </a:solidFill>
-        <a:ln w="12700" cap="flat" cmpd="sng" algn="ctr">
-          <a:solidFill>
-            <a:schemeClr val="lt1">
-              <a:hueOff val="0"/>
-              <a:satOff val="0"/>
-              <a:lumOff val="0"/>
-              <a:alphaOff val="0"/>
-            </a:schemeClr>
-          </a:solidFill>
-          <a:prstDash val="solid"/>
-          <a:miter lim="800000"/>
-        </a:ln>
-        <a:effectLst/>
       </dsp:spPr>
       <dsp:style>
         <a:lnRef idx="2">
-          <a:scrgbClr r="0" g="0" b="0"/>
+          <a:schemeClr val="lt1"/>
         </a:lnRef>
         <a:fillRef idx="1">
-          <a:scrgbClr r="0" g="0" b="0"/>
+          <a:schemeClr val="accent2">
+            <a:hueOff val="-1560000"/>
+            <a:satOff val="-391"/>
+            <a:lumOff val="7059"/>
+            <a:alpha val="100000"/>
+          </a:schemeClr>
         </a:fillRef>
         <a:effectRef idx="0">
           <a:scrgbClr r="0" g="0" b="0"/>
@@ -6289,12 +6031,38 @@
         </a:fontRef>
       </dsp:style>
       <dsp:txBody>
-        <a:bodyPr spcFirstLastPara="0" vert="horz" wrap="square" lIns="155879" tIns="0" rIns="155879" bIns="0" numCol="1" spcCol="1270" anchor="ctr" anchorCtr="0">
-          <a:noAutofit/>
-        </a:bodyPr>
-        <a:lstStyle/>
+        <a:bodyPr lIns="155878" tIns="0" rIns="155878" bIns="0" anchor="ctr"/>
+        <a:lstStyle>
+          <a:lvl1pPr algn="l">
+            <a:defRPr sz="2100"/>
+          </a:lvl1pPr>
+          <a:lvl2pPr marL="171450" indent="-171450" algn="l">
+            <a:defRPr sz="1600"/>
+          </a:lvl2pPr>
+          <a:lvl3pPr marL="342900" indent="-171450" algn="l">
+            <a:defRPr sz="1600"/>
+          </a:lvl3pPr>
+          <a:lvl4pPr marL="514350" indent="-171450" algn="l">
+            <a:defRPr sz="1600"/>
+          </a:lvl4pPr>
+          <a:lvl5pPr marL="685800" indent="-171450" algn="l">
+            <a:defRPr sz="1600"/>
+          </a:lvl5pPr>
+          <a:lvl6pPr marL="857250" indent="-171450" algn="l">
+            <a:defRPr sz="1600"/>
+          </a:lvl6pPr>
+          <a:lvl7pPr marL="1028700" indent="-171450" algn="l">
+            <a:defRPr sz="1600"/>
+          </a:lvl7pPr>
+          <a:lvl8pPr marL="1200150" indent="-171450" algn="l">
+            <a:defRPr sz="1600"/>
+          </a:lvl8pPr>
+          <a:lvl9pPr marL="1371600" indent="-171450" algn="l">
+            <a:defRPr sz="1600"/>
+          </a:lvl9pPr>
+        </a:lstStyle>
         <a:p>
-          <a:pPr marL="0" lvl="0" indent="0" algn="l" defTabSz="933450">
+          <a:pPr lvl="0">
             <a:lnSpc>
               <a:spcPct val="100000"/>
             </a:lnSpc>
@@ -6304,17 +6072,54 @@
             <a:spcAft>
               <a:spcPct val="35000"/>
             </a:spcAft>
-            <a:buNone/>
           </a:pPr>
           <a:r>
-            <a:rPr lang="en-US" sz="2100" kern="1200"/>
+            <a:rPr lang="en-US"/>
             <a:t>Uniqueness</a:t>
           </a:r>
         </a:p>
       </dsp:txBody>
       <dsp:txXfrm>
-        <a:off x="324835" y="2268586"/>
-        <a:ext cx="4063505" cy="559396"/>
+        <a:off x="294574" y="2123414"/>
+        <a:ext cx="4124030" cy="619920"/>
+      </dsp:txXfrm>
+    </dsp:sp>
+    <dsp:sp modelId="{29A8FEE7-C8FB-46E8-AD66-6B2412059858}">
+      <dsp:nvSpPr>
+        <dsp:cNvPr id="3" name="矩形 2" hidden="1"/>
+        <dsp:cNvSpPr/>
+      </dsp:nvSpPr>
+      <dsp:spPr>
+        <a:xfrm>
+          <a:off x="0" y="72549"/>
+          <a:ext cx="294574" cy="619920"/>
+        </a:xfrm>
+        <a:prstGeom prst="rect">
+          <a:avLst/>
+        </a:prstGeom>
+      </dsp:spPr>
+      <dsp:txXfrm>
+        <a:off x="0" y="72549"/>
+        <a:ext cx="294574" cy="619920"/>
+      </dsp:txXfrm>
+    </dsp:sp>
+    <dsp:sp modelId="{645333B6-97E4-40DA-84CF-595DA3FCB3AF}">
+      <dsp:nvSpPr>
+        <dsp:cNvPr id="6" name="矩形 5" hidden="1"/>
+        <dsp:cNvSpPr/>
+      </dsp:nvSpPr>
+      <dsp:spPr>
+        <a:xfrm>
+          <a:off x="0" y="2123414"/>
+          <a:ext cx="294574" cy="619920"/>
+        </a:xfrm>
+        <a:prstGeom prst="rect">
+          <a:avLst/>
+        </a:prstGeom>
+      </dsp:spPr>
+      <dsp:txXfrm>
+        <a:off x="0" y="2123414"/>
+        <a:ext cx="294574" cy="619920"/>
       </dsp:txXfrm>
     </dsp:sp>
   </dsp:spTree>
@@ -6322,54 +6127,50 @@
 </file>
 
 <file path=ppt/diagrams/drawing3.xml><?xml version="1.0" encoding="utf-8"?>
-<dsp:drawing xmlns:dgm="http://schemas.openxmlformats.org/drawingml/2006/diagram" xmlns:dsp="http://schemas.microsoft.com/office/drawing/2008/diagram" xmlns:a="http://schemas.openxmlformats.org/drawingml/2006/main">
+<dsp:drawing xmlns:dgm="http://schemas.openxmlformats.org/drawingml/2006/diagram" xmlns:dsp="http://schemas.microsoft.com/office/drawing/2008/diagram" xmlns:a="http://schemas.openxmlformats.org/drawingml/2006/main" xmlns:r="http://schemas.openxmlformats.org/officeDocument/2006/relationships">
   <dsp:spTree>
     <dsp:nvGrpSpPr>
-      <dsp:cNvPr id="0" name=""/>
+      <dsp:cNvPr id="2" name="组合 1"/>
       <dsp:cNvGrpSpPr/>
     </dsp:nvGrpSpPr>
-    <dsp:grpSpPr/>
+    <dsp:grpSpPr>
+      <a:xfrm>
+        <a:off x="0" y="0"/>
+        <a:ext cx="5891471" cy="5157049"/>
+        <a:chOff x="0" y="0"/>
+        <a:chExt cx="5891471" cy="5157049"/>
+      </a:xfrm>
+    </dsp:grpSpPr>
     <dsp:sp modelId="{AFAED945-7EA7-4A35-B1F7-C3B96C323CFB}">
       <dsp:nvSpPr>
-        <dsp:cNvPr id="0" name=""/>
+        <dsp:cNvPr id="3" name="矩形 2"/>
         <dsp:cNvSpPr/>
       </dsp:nvSpPr>
-      <dsp:spPr>
+      <dsp:spPr bwMode="white">
         <a:xfrm>
-          <a:off x="0" y="4428114"/>
-          <a:ext cx="1472867" cy="726469"/>
+          <a:off x="0" y="4429885"/>
+          <a:ext cx="1472868" cy="727164"/>
         </a:xfrm>
         <a:prstGeom prst="rect">
           <a:avLst/>
         </a:prstGeom>
-        <a:solidFill>
+      </dsp:spPr>
+      <dsp:style>
+        <a:lnRef idx="2">
           <a:schemeClr val="accent5">
             <a:hueOff val="0"/>
             <a:satOff val="0"/>
             <a:lumOff val="0"/>
-            <a:alphaOff val="0"/>
+            <a:alpha val="100000"/>
           </a:schemeClr>
-        </a:solidFill>
-        <a:ln w="12700" cap="flat" cmpd="sng" algn="ctr">
-          <a:solidFill>
-            <a:schemeClr val="accent5">
-              <a:hueOff val="0"/>
-              <a:satOff val="0"/>
-              <a:lumOff val="0"/>
-              <a:alphaOff val="0"/>
-            </a:schemeClr>
-          </a:solidFill>
-          <a:prstDash val="solid"/>
-          <a:miter lim="800000"/>
-        </a:ln>
-        <a:effectLst/>
-      </dsp:spPr>
-      <dsp:style>
-        <a:lnRef idx="2">
-          <a:scrgbClr r="0" g="0" b="0"/>
         </a:lnRef>
         <a:fillRef idx="1">
-          <a:scrgbClr r="0" g="0" b="0"/>
+          <a:schemeClr val="accent5">
+            <a:hueOff val="0"/>
+            <a:satOff val="0"/>
+            <a:lumOff val="0"/>
+            <a:alpha val="100000"/>
+          </a:schemeClr>
         </a:fillRef>
         <a:effectRef idx="0">
           <a:scrgbClr r="0" g="0" b="0"/>
@@ -6379,14 +6180,40 @@
         </a:fontRef>
       </dsp:style>
       <dsp:txBody>
-        <a:bodyPr spcFirstLastPara="0" vert="horz" wrap="square" lIns="104750" tIns="92456" rIns="104750" bIns="92456" numCol="1" spcCol="1270" anchor="ctr" anchorCtr="0">
-          <a:noAutofit/>
-        </a:bodyPr>
-        <a:lstStyle/>
+        <a:bodyPr lIns="104750" tIns="78232" rIns="104750" bIns="78232" anchor="ctr"/>
+        <a:lstStyle>
+          <a:lvl1pPr algn="ctr">
+            <a:defRPr sz="1100"/>
+          </a:lvl1pPr>
+          <a:lvl2pPr marL="57150" indent="-57150" algn="ctr">
+            <a:defRPr sz="800"/>
+          </a:lvl2pPr>
+          <a:lvl3pPr marL="114300" indent="-57150" algn="ctr">
+            <a:defRPr sz="800"/>
+          </a:lvl3pPr>
+          <a:lvl4pPr marL="171450" indent="-57150" algn="ctr">
+            <a:defRPr sz="800"/>
+          </a:lvl4pPr>
+          <a:lvl5pPr marL="228600" indent="-57150" algn="ctr">
+            <a:defRPr sz="800"/>
+          </a:lvl5pPr>
+          <a:lvl6pPr marL="285750" indent="-57150" algn="ctr">
+            <a:defRPr sz="800"/>
+          </a:lvl6pPr>
+          <a:lvl7pPr marL="342900" indent="-57150" algn="ctr">
+            <a:defRPr sz="800"/>
+          </a:lvl7pPr>
+          <a:lvl8pPr marL="400050" indent="-57150" algn="ctr">
+            <a:defRPr sz="800"/>
+          </a:lvl8pPr>
+          <a:lvl9pPr marL="457200" indent="-57150" algn="ctr">
+            <a:defRPr sz="800"/>
+          </a:lvl9pPr>
+        </a:lstStyle>
         <a:p>
-          <a:pPr marL="0" lvl="0" indent="0" algn="ctr" defTabSz="577850">
+          <a:pPr lvl="0">
             <a:lnSpc>
-              <a:spcPct val="90000"/>
+              <a:spcPct val="100000"/>
             </a:lnSpc>
             <a:spcBef>
               <a:spcPct val="0"/>
@@ -6394,64 +6221,52 @@
             <a:spcAft>
               <a:spcPct val="35000"/>
             </a:spcAft>
-            <a:buNone/>
           </a:pPr>
           <a:r>
-            <a:rPr lang="en-US" sz="1300" kern="1200"/>
+            <a:rPr lang="en-US"/>
             <a:t>Dynamic Decision Making</a:t>
           </a:r>
         </a:p>
       </dsp:txBody>
       <dsp:txXfrm>
-        <a:off x="0" y="4428114"/>
-        <a:ext cx="1472867" cy="726469"/>
+        <a:off x="0" y="4429885"/>
+        <a:ext cx="1472868" cy="727164"/>
       </dsp:txXfrm>
     </dsp:sp>
     <dsp:sp modelId="{5AE216B5-5F4C-42E9-A762-320F601466DE}">
       <dsp:nvSpPr>
-        <dsp:cNvPr id="0" name=""/>
+        <dsp:cNvPr id="4" name="矩形 3"/>
         <dsp:cNvSpPr/>
       </dsp:nvSpPr>
-      <dsp:spPr>
+      <dsp:spPr bwMode="white">
         <a:xfrm>
-          <a:off x="1472867" y="4428114"/>
-          <a:ext cx="4418603" cy="726469"/>
+          <a:off x="1472868" y="4429885"/>
+          <a:ext cx="4418603" cy="727164"/>
         </a:xfrm>
         <a:prstGeom prst="rect">
           <a:avLst/>
         </a:prstGeom>
-        <a:solidFill>
+      </dsp:spPr>
+      <dsp:style>
+        <a:lnRef idx="2">
           <a:schemeClr val="accent5">
             <a:tint val="40000"/>
             <a:alpha val="90000"/>
             <a:hueOff val="0"/>
             <a:satOff val="0"/>
             <a:lumOff val="0"/>
-            <a:alphaOff val="0"/>
+            <a:alpha val="90196"/>
           </a:schemeClr>
-        </a:solidFill>
-        <a:ln w="12700" cap="flat" cmpd="sng" algn="ctr">
-          <a:solidFill>
-            <a:schemeClr val="accent5">
-              <a:tint val="40000"/>
-              <a:alpha val="90000"/>
-              <a:hueOff val="0"/>
-              <a:satOff val="0"/>
-              <a:lumOff val="0"/>
-              <a:alphaOff val="0"/>
-            </a:schemeClr>
-          </a:solidFill>
-          <a:prstDash val="solid"/>
-          <a:miter lim="800000"/>
-        </a:ln>
-        <a:effectLst/>
-      </dsp:spPr>
-      <dsp:style>
-        <a:lnRef idx="2">
-          <a:scrgbClr r="0" g="0" b="0"/>
         </a:lnRef>
         <a:fillRef idx="1">
-          <a:scrgbClr r="0" g="0" b="0"/>
+          <a:schemeClr val="accent5">
+            <a:tint val="40000"/>
+            <a:alpha val="90000"/>
+            <a:hueOff val="0"/>
+            <a:satOff val="0"/>
+            <a:lumOff val="0"/>
+            <a:alpha val="90196"/>
+          </a:schemeClr>
         </a:fillRef>
         <a:effectRef idx="0">
           <a:scrgbClr r="0" g="0" b="0"/>
@@ -6459,51 +6274,58 @@
         <a:fontRef idx="minor"/>
       </dsp:style>
       <dsp:txBody>
-        <a:bodyPr spcFirstLastPara="0" vert="horz" wrap="square" lIns="89630" tIns="165100" rIns="89630" bIns="165100" numCol="1" spcCol="1270" anchor="ctr" anchorCtr="0">
-          <a:noAutofit/>
-        </a:bodyPr>
-        <a:lstStyle/>
+        <a:bodyPr lIns="89630" tIns="177800" rIns="89630" bIns="177800" anchor="ctr"/>
+        <a:lstStyle>
+          <a:lvl1pPr algn="l">
+            <a:defRPr sz="1400"/>
+          </a:lvl1pPr>
+          <a:lvl2pPr marL="57150" indent="-57150" algn="l">
+            <a:defRPr sz="1100"/>
+          </a:lvl2pPr>
+          <a:lvl3pPr marL="114300" indent="-57150" algn="l">
+            <a:defRPr sz="1100"/>
+          </a:lvl3pPr>
+          <a:lvl4pPr marL="171450" indent="-57150" algn="l">
+            <a:defRPr sz="1100"/>
+          </a:lvl4pPr>
+          <a:lvl5pPr marL="228600" indent="-57150" algn="l">
+            <a:defRPr sz="1100"/>
+          </a:lvl5pPr>
+          <a:lvl6pPr marL="285750" indent="-57150" algn="l">
+            <a:defRPr sz="1100"/>
+          </a:lvl6pPr>
+          <a:lvl7pPr marL="342900" indent="-57150" algn="l">
+            <a:defRPr sz="1100"/>
+          </a:lvl7pPr>
+          <a:lvl8pPr marL="400050" indent="-57150" algn="l">
+            <a:defRPr sz="1100"/>
+          </a:lvl8pPr>
+          <a:lvl9pPr marL="457200" indent="-57150" algn="l">
+            <a:defRPr sz="1100"/>
+          </a:lvl9pPr>
+        </a:lstStyle>
         <a:p>
-          <a:pPr marL="0" lvl="0" indent="0" algn="l" defTabSz="577850">
-            <a:lnSpc>
-              <a:spcPct val="90000"/>
-            </a:lnSpc>
-            <a:spcBef>
-              <a:spcPct val="0"/>
-            </a:spcBef>
-            <a:spcAft>
-              <a:spcPct val="35000"/>
-            </a:spcAft>
-            <a:buNone/>
-          </a:pPr>
-          <a:r>
-            <a:rPr lang="en-US" sz="1300" kern="1200" dirty="0"/>
-            <a:t>Make decision based on the distribution of returns of past “</a:t>
-          </a:r>
-          <a:r>
-            <a:rPr lang="en-US" sz="1300" kern="1200" dirty="0" err="1"/>
-            <a:t>Window_size</a:t>
-          </a:r>
-          <a:r>
-            <a:rPr lang="en-US" sz="1300" kern="1200" dirty="0"/>
-            <a:t>” days</a:t>
-          </a:r>
+          <a:endParaRPr>
+            <a:solidFill>
+              <a:schemeClr val="dk1"/>
+            </a:solidFill>
+          </a:endParaRPr>
         </a:p>
       </dsp:txBody>
       <dsp:txXfrm>
-        <a:off x="1472867" y="4428114"/>
-        <a:ext cx="4418603" cy="726469"/>
+        <a:off x="1472868" y="4429885"/>
+        <a:ext cx="4418603" cy="727164"/>
       </dsp:txXfrm>
     </dsp:sp>
     <dsp:sp modelId="{786F6D0D-2A27-43AE-95E9-CAD0084832D1}">
       <dsp:nvSpPr>
-        <dsp:cNvPr id="0" name=""/>
+        <dsp:cNvPr id="5" name="上箭头标注 4"/>
         <dsp:cNvSpPr/>
       </dsp:nvSpPr>
-      <dsp:spPr>
+      <dsp:spPr bwMode="white">
         <a:xfrm rot="10800000">
-          <a:off x="0" y="3321702"/>
-          <a:ext cx="1472867" cy="1117309"/>
+          <a:off x="0" y="3322414"/>
+          <a:ext cx="1472868" cy="1118379"/>
         </a:xfrm>
         <a:prstGeom prst="upArrowCallout">
           <a:avLst>
@@ -6513,34 +6335,23 @@
             <a:gd name="adj4" fmla="val 64977"/>
           </a:avLst>
         </a:prstGeom>
-        <a:solidFill>
-          <a:schemeClr val="accent5">
-            <a:hueOff val="-381339"/>
-            <a:satOff val="105"/>
-            <a:lumOff val="-1765"/>
-            <a:alphaOff val="0"/>
-          </a:schemeClr>
-        </a:solidFill>
-        <a:ln w="12700" cap="flat" cmpd="sng" algn="ctr">
-          <a:solidFill>
-            <a:schemeClr val="accent5">
-              <a:hueOff val="-381339"/>
-              <a:satOff val="105"/>
-              <a:lumOff val="-1765"/>
-              <a:alphaOff val="0"/>
-            </a:schemeClr>
-          </a:solidFill>
-          <a:prstDash val="solid"/>
-          <a:miter lim="800000"/>
-        </a:ln>
-        <a:effectLst/>
       </dsp:spPr>
       <dsp:style>
         <a:lnRef idx="2">
-          <a:scrgbClr r="0" g="0" b="0"/>
+          <a:schemeClr val="accent5">
+            <a:hueOff val="-375000"/>
+            <a:satOff val="98"/>
+            <a:lumOff val="-1764"/>
+            <a:alpha val="100000"/>
+          </a:schemeClr>
         </a:lnRef>
         <a:fillRef idx="1">
-          <a:scrgbClr r="0" g="0" b="0"/>
+          <a:schemeClr val="accent5">
+            <a:hueOff val="-375000"/>
+            <a:satOff val="98"/>
+            <a:lumOff val="-1764"/>
+            <a:alpha val="100000"/>
+          </a:schemeClr>
         </a:fillRef>
         <a:effectRef idx="0">
           <a:scrgbClr r="0" g="0" b="0"/>
@@ -6550,14 +6361,40 @@
         </a:fontRef>
       </dsp:style>
       <dsp:txBody>
-        <a:bodyPr spcFirstLastPara="0" vert="horz" wrap="square" lIns="104750" tIns="92456" rIns="104750" bIns="92456" numCol="1" spcCol="1270" anchor="ctr" anchorCtr="0">
-          <a:noAutofit/>
-        </a:bodyPr>
-        <a:lstStyle/>
+        <a:bodyPr lIns="104750" tIns="78232" rIns="104750" bIns="78232" anchor="ctr"/>
+        <a:lstStyle>
+          <a:lvl1pPr algn="ctr">
+            <a:defRPr sz="1100"/>
+          </a:lvl1pPr>
+          <a:lvl2pPr marL="57150" indent="-57150" algn="ctr">
+            <a:defRPr sz="800"/>
+          </a:lvl2pPr>
+          <a:lvl3pPr marL="114300" indent="-57150" algn="ctr">
+            <a:defRPr sz="800"/>
+          </a:lvl3pPr>
+          <a:lvl4pPr marL="171450" indent="-57150" algn="ctr">
+            <a:defRPr sz="800"/>
+          </a:lvl4pPr>
+          <a:lvl5pPr marL="228600" indent="-57150" algn="ctr">
+            <a:defRPr sz="800"/>
+          </a:lvl5pPr>
+          <a:lvl6pPr marL="285750" indent="-57150" algn="ctr">
+            <a:defRPr sz="800"/>
+          </a:lvl6pPr>
+          <a:lvl7pPr marL="342900" indent="-57150" algn="ctr">
+            <a:defRPr sz="800"/>
+          </a:lvl7pPr>
+          <a:lvl8pPr marL="400050" indent="-57150" algn="ctr">
+            <a:defRPr sz="800"/>
+          </a:lvl8pPr>
+          <a:lvl9pPr marL="457200" indent="-57150" algn="ctr">
+            <a:defRPr sz="800"/>
+          </a:lvl9pPr>
+        </a:lstStyle>
         <a:p>
-          <a:pPr marL="0" lvl="0" indent="0" algn="ctr" defTabSz="577850">
+          <a:pPr lvl="0">
             <a:lnSpc>
-              <a:spcPct val="90000"/>
+              <a:spcPct val="100000"/>
             </a:lnSpc>
             <a:spcBef>
               <a:spcPct val="0"/>
@@ -6565,64 +6402,52 @@
             <a:spcAft>
               <a:spcPct val="35000"/>
             </a:spcAft>
-            <a:buNone/>
           </a:pPr>
           <a:r>
-            <a:rPr lang="en-US" sz="1300" kern="1200" dirty="0"/>
+            <a:rPr lang="en-US" dirty="0"/>
             <a:t>Hyperparameter tunning</a:t>
           </a:r>
         </a:p>
       </dsp:txBody>
-      <dsp:txXfrm rot="-10800000">
-        <a:off x="0" y="3321702"/>
-        <a:ext cx="1472867" cy="726251"/>
+      <dsp:txXfrm rot="10800000">
+        <a:off x="0" y="3322414"/>
+        <a:ext cx="1472868" cy="1118379"/>
       </dsp:txXfrm>
     </dsp:sp>
     <dsp:sp modelId="{E006BCA2-E097-461F-A9AC-C4B2AB770286}">
       <dsp:nvSpPr>
-        <dsp:cNvPr id="0" name=""/>
+        <dsp:cNvPr id="6" name="矩形 5"/>
         <dsp:cNvSpPr/>
       </dsp:nvSpPr>
-      <dsp:spPr>
+      <dsp:spPr bwMode="white">
         <a:xfrm>
-          <a:off x="1472867" y="3321702"/>
-          <a:ext cx="4418603" cy="726251"/>
+          <a:off x="1472868" y="3322414"/>
+          <a:ext cx="4418603" cy="726946"/>
         </a:xfrm>
         <a:prstGeom prst="rect">
           <a:avLst/>
         </a:prstGeom>
-        <a:solidFill>
+      </dsp:spPr>
+      <dsp:style>
+        <a:lnRef idx="2">
           <a:schemeClr val="accent5">
             <a:tint val="40000"/>
             <a:alpha val="90000"/>
-            <a:hueOff val="-466409"/>
-            <a:satOff val="-2081"/>
-            <a:lumOff val="-354"/>
-            <a:alphaOff val="0"/>
+            <a:hueOff val="-465000"/>
+            <a:satOff val="-1764"/>
+            <a:lumOff val="-391"/>
+            <a:alpha val="90196"/>
           </a:schemeClr>
-        </a:solidFill>
-        <a:ln w="12700" cap="flat" cmpd="sng" algn="ctr">
-          <a:solidFill>
-            <a:schemeClr val="accent5">
-              <a:tint val="40000"/>
-              <a:alpha val="90000"/>
-              <a:hueOff val="-466409"/>
-              <a:satOff val="-2081"/>
-              <a:lumOff val="-354"/>
-              <a:alphaOff val="0"/>
-            </a:schemeClr>
-          </a:solidFill>
-          <a:prstDash val="solid"/>
-          <a:miter lim="800000"/>
-        </a:ln>
-        <a:effectLst/>
-      </dsp:spPr>
-      <dsp:style>
-        <a:lnRef idx="2">
-          <a:scrgbClr r="0" g="0" b="0"/>
         </a:lnRef>
         <a:fillRef idx="1">
-          <a:scrgbClr r="0" g="0" b="0"/>
+          <a:schemeClr val="accent5">
+            <a:tint val="40000"/>
+            <a:alpha val="90000"/>
+            <a:hueOff val="-465000"/>
+            <a:satOff val="-1764"/>
+            <a:lumOff val="-391"/>
+            <a:alpha val="90196"/>
+          </a:schemeClr>
         </a:fillRef>
         <a:effectRef idx="0">
           <a:scrgbClr r="0" g="0" b="0"/>
@@ -6630,14 +6455,40 @@
         <a:fontRef idx="minor"/>
       </dsp:style>
       <dsp:txBody>
-        <a:bodyPr spcFirstLastPara="0" vert="horz" wrap="square" lIns="89630" tIns="165100" rIns="89630" bIns="165100" numCol="1" spcCol="1270" anchor="ctr" anchorCtr="0">
-          <a:noAutofit/>
-        </a:bodyPr>
-        <a:lstStyle/>
+        <a:bodyPr lIns="89630" tIns="177800" rIns="89630" bIns="177800" anchor="ctr"/>
+        <a:lstStyle>
+          <a:lvl1pPr algn="l">
+            <a:defRPr sz="1400"/>
+          </a:lvl1pPr>
+          <a:lvl2pPr marL="57150" indent="-57150" algn="l">
+            <a:defRPr sz="1000"/>
+          </a:lvl2pPr>
+          <a:lvl3pPr marL="114300" indent="-57150" algn="l">
+            <a:defRPr sz="1000"/>
+          </a:lvl3pPr>
+          <a:lvl4pPr marL="171450" indent="-57150" algn="l">
+            <a:defRPr sz="1000"/>
+          </a:lvl4pPr>
+          <a:lvl5pPr marL="228600" indent="-57150" algn="l">
+            <a:defRPr sz="1000"/>
+          </a:lvl5pPr>
+          <a:lvl6pPr marL="285750" indent="-57150" algn="l">
+            <a:defRPr sz="1000"/>
+          </a:lvl6pPr>
+          <a:lvl7pPr marL="342900" indent="-57150" algn="l">
+            <a:defRPr sz="1000"/>
+          </a:lvl7pPr>
+          <a:lvl8pPr marL="400050" indent="-57150" algn="l">
+            <a:defRPr sz="1000"/>
+          </a:lvl8pPr>
+          <a:lvl9pPr marL="457200" indent="-57150" algn="l">
+            <a:defRPr sz="1000"/>
+          </a:lvl9pPr>
+        </a:lstStyle>
         <a:p>
-          <a:pPr marL="0" lvl="0" indent="0" algn="l" defTabSz="577850">
+          <a:pPr lvl="0">
             <a:lnSpc>
-              <a:spcPct val="90000"/>
+              <a:spcPct val="100000"/>
             </a:lnSpc>
             <a:spcBef>
               <a:spcPct val="0"/>
@@ -6645,37 +6496,52 @@
             <a:spcAft>
               <a:spcPct val="35000"/>
             </a:spcAft>
-            <a:buNone/>
           </a:pPr>
           <a:r>
-            <a:rPr lang="en-US" sz="1300" kern="1200" dirty="0" err="1"/>
+            <a:rPr lang="en-US" dirty="0" err="1">
+              <a:solidFill>
+                <a:schemeClr val="dk1"/>
+              </a:solidFill>
+            </a:rPr>
             <a:t>Optuna</a:t>
           </a:r>
           <a:r>
-            <a:rPr lang="en-US" sz="1300" kern="1200" dirty="0"/>
+            <a:rPr lang="en-US" dirty="0">
+              <a:solidFill>
+                <a:schemeClr val="dk1"/>
+              </a:solidFill>
+            </a:rPr>
             <a:t>, </a:t>
           </a:r>
           <a:r>
-            <a:rPr lang="en-US" altLang="zh-CN" sz="1300" kern="1200" dirty="0"/>
+            <a:rPr lang="en-US" altLang="zh-CN" dirty="0">
+              <a:solidFill>
+                <a:schemeClr val="dk1"/>
+              </a:solidFill>
+            </a:rPr>
             <a:t>A hyperparameter optimization framework</a:t>
           </a:r>
-          <a:endParaRPr lang="en-US" sz="1300" kern="1200" dirty="0"/>
+          <a:endParaRPr lang="en-US" dirty="0">
+            <a:solidFill>
+              <a:schemeClr val="dk1"/>
+            </a:solidFill>
+          </a:endParaRPr>
         </a:p>
       </dsp:txBody>
       <dsp:txXfrm>
-        <a:off x="1472867" y="3321702"/>
-        <a:ext cx="4418603" cy="726251"/>
+        <a:off x="1472868" y="3322414"/>
+        <a:ext cx="4418603" cy="726946"/>
       </dsp:txXfrm>
     </dsp:sp>
     <dsp:sp modelId="{8E66816F-1241-44D3-968B-561D96CC75BA}">
       <dsp:nvSpPr>
-        <dsp:cNvPr id="0" name=""/>
+        <dsp:cNvPr id="7" name="上箭头标注 6"/>
         <dsp:cNvSpPr/>
       </dsp:nvSpPr>
-      <dsp:spPr>
+      <dsp:spPr bwMode="white">
         <a:xfrm rot="10800000">
-          <a:off x="0" y="2215289"/>
-          <a:ext cx="1472867" cy="1117309"/>
+          <a:off x="0" y="2214942"/>
+          <a:ext cx="1472868" cy="1118379"/>
         </a:xfrm>
         <a:prstGeom prst="upArrowCallout">
           <a:avLst>
@@ -6685,34 +6551,23 @@
             <a:gd name="adj4" fmla="val 64977"/>
           </a:avLst>
         </a:prstGeom>
-        <a:solidFill>
-          <a:schemeClr val="accent5">
-            <a:hueOff val="-762678"/>
-            <a:satOff val="209"/>
-            <a:lumOff val="-3529"/>
-            <a:alphaOff val="0"/>
-          </a:schemeClr>
-        </a:solidFill>
-        <a:ln w="12700" cap="flat" cmpd="sng" algn="ctr">
-          <a:solidFill>
-            <a:schemeClr val="accent5">
-              <a:hueOff val="-762678"/>
-              <a:satOff val="209"/>
-              <a:lumOff val="-3529"/>
-              <a:alphaOff val="0"/>
-            </a:schemeClr>
-          </a:solidFill>
-          <a:prstDash val="solid"/>
-          <a:miter lim="800000"/>
-        </a:ln>
-        <a:effectLst/>
       </dsp:spPr>
       <dsp:style>
         <a:lnRef idx="2">
-          <a:scrgbClr r="0" g="0" b="0"/>
+          <a:schemeClr val="accent5">
+            <a:hueOff val="-750000"/>
+            <a:satOff val="196"/>
+            <a:lumOff val="-3528"/>
+            <a:alpha val="100000"/>
+          </a:schemeClr>
         </a:lnRef>
         <a:fillRef idx="1">
-          <a:scrgbClr r="0" g="0" b="0"/>
+          <a:schemeClr val="accent5">
+            <a:hueOff val="-750000"/>
+            <a:satOff val="196"/>
+            <a:lumOff val="-3528"/>
+            <a:alpha val="100000"/>
+          </a:schemeClr>
         </a:fillRef>
         <a:effectRef idx="0">
           <a:scrgbClr r="0" g="0" b="0"/>
@@ -6722,14 +6577,40 @@
         </a:fontRef>
       </dsp:style>
       <dsp:txBody>
-        <a:bodyPr spcFirstLastPara="0" vert="horz" wrap="square" lIns="104750" tIns="92456" rIns="104750" bIns="92456" numCol="1" spcCol="1270" anchor="ctr" anchorCtr="0">
-          <a:noAutofit/>
-        </a:bodyPr>
-        <a:lstStyle/>
+        <a:bodyPr lIns="104750" tIns="78232" rIns="104750" bIns="78232" anchor="ctr"/>
+        <a:lstStyle>
+          <a:lvl1pPr algn="ctr">
+            <a:defRPr sz="1100"/>
+          </a:lvl1pPr>
+          <a:lvl2pPr marL="57150" indent="-57150" algn="ctr">
+            <a:defRPr sz="800"/>
+          </a:lvl2pPr>
+          <a:lvl3pPr marL="114300" indent="-57150" algn="ctr">
+            <a:defRPr sz="800"/>
+          </a:lvl3pPr>
+          <a:lvl4pPr marL="171450" indent="-57150" algn="ctr">
+            <a:defRPr sz="800"/>
+          </a:lvl4pPr>
+          <a:lvl5pPr marL="228600" indent="-57150" algn="ctr">
+            <a:defRPr sz="800"/>
+          </a:lvl5pPr>
+          <a:lvl6pPr marL="285750" indent="-57150" algn="ctr">
+            <a:defRPr sz="800"/>
+          </a:lvl6pPr>
+          <a:lvl7pPr marL="342900" indent="-57150" algn="ctr">
+            <a:defRPr sz="800"/>
+          </a:lvl7pPr>
+          <a:lvl8pPr marL="400050" indent="-57150" algn="ctr">
+            <a:defRPr sz="800"/>
+          </a:lvl8pPr>
+          <a:lvl9pPr marL="457200" indent="-57150" algn="ctr">
+            <a:defRPr sz="800"/>
+          </a:lvl9pPr>
+        </a:lstStyle>
         <a:p>
-          <a:pPr marL="0" lvl="0" indent="0" algn="ctr" defTabSz="577850">
+          <a:pPr lvl="0">
             <a:lnSpc>
-              <a:spcPct val="90000"/>
+              <a:spcPct val="100000"/>
             </a:lnSpc>
             <a:spcBef>
               <a:spcPct val="0"/>
@@ -6737,64 +6618,52 @@
             <a:spcAft>
               <a:spcPct val="35000"/>
             </a:spcAft>
-            <a:buNone/>
           </a:pPr>
           <a:r>
-            <a:rPr lang="en-US" sz="1300" kern="1200" dirty="0"/>
+            <a:rPr lang="en-US" dirty="0"/>
             <a:t>Window Size Selection</a:t>
           </a:r>
         </a:p>
       </dsp:txBody>
-      <dsp:txXfrm rot="-10800000">
-        <a:off x="0" y="2215289"/>
-        <a:ext cx="1472867" cy="726251"/>
+      <dsp:txXfrm rot="10800000">
+        <a:off x="0" y="2214942"/>
+        <a:ext cx="1472868" cy="1118379"/>
       </dsp:txXfrm>
     </dsp:sp>
     <dsp:sp modelId="{0CA55E89-E093-4898-B68F-FA493C0A3D16}">
       <dsp:nvSpPr>
-        <dsp:cNvPr id="0" name=""/>
+        <dsp:cNvPr id="8" name="矩形 7"/>
         <dsp:cNvSpPr/>
       </dsp:nvSpPr>
-      <dsp:spPr>
+      <dsp:spPr bwMode="white">
         <a:xfrm>
-          <a:off x="1472867" y="2215289"/>
-          <a:ext cx="4418603" cy="726251"/>
+          <a:off x="1472868" y="2214942"/>
+          <a:ext cx="4418603" cy="726946"/>
         </a:xfrm>
         <a:prstGeom prst="rect">
           <a:avLst/>
         </a:prstGeom>
-        <a:solidFill>
+      </dsp:spPr>
+      <dsp:style>
+        <a:lnRef idx="2">
           <a:schemeClr val="accent5">
             <a:tint val="40000"/>
             <a:alpha val="90000"/>
-            <a:hueOff val="-932817"/>
-            <a:satOff val="-4162"/>
-            <a:lumOff val="-708"/>
-            <a:alphaOff val="0"/>
+            <a:hueOff val="-930000"/>
+            <a:satOff val="-3528"/>
+            <a:lumOff val="-783"/>
+            <a:alpha val="90196"/>
           </a:schemeClr>
-        </a:solidFill>
-        <a:ln w="12700" cap="flat" cmpd="sng" algn="ctr">
-          <a:solidFill>
-            <a:schemeClr val="accent5">
-              <a:tint val="40000"/>
-              <a:alpha val="90000"/>
-              <a:hueOff val="-932817"/>
-              <a:satOff val="-4162"/>
-              <a:lumOff val="-708"/>
-              <a:alphaOff val="0"/>
-            </a:schemeClr>
-          </a:solidFill>
-          <a:prstDash val="solid"/>
-          <a:miter lim="800000"/>
-        </a:ln>
-        <a:effectLst/>
-      </dsp:spPr>
-      <dsp:style>
-        <a:lnRef idx="2">
-          <a:scrgbClr r="0" g="0" b="0"/>
         </a:lnRef>
         <a:fillRef idx="1">
-          <a:scrgbClr r="0" g="0" b="0"/>
+          <a:schemeClr val="accent5">
+            <a:tint val="40000"/>
+            <a:alpha val="90000"/>
+            <a:hueOff val="-930000"/>
+            <a:satOff val="-3528"/>
+            <a:lumOff val="-783"/>
+            <a:alpha val="90196"/>
+          </a:schemeClr>
         </a:fillRef>
         <a:effectRef idx="0">
           <a:scrgbClr r="0" g="0" b="0"/>
@@ -6802,14 +6671,40 @@
         <a:fontRef idx="minor"/>
       </dsp:style>
       <dsp:txBody>
-        <a:bodyPr spcFirstLastPara="0" vert="horz" wrap="square" lIns="89630" tIns="165100" rIns="89630" bIns="165100" numCol="1" spcCol="1270" anchor="ctr" anchorCtr="0">
-          <a:noAutofit/>
-        </a:bodyPr>
-        <a:lstStyle/>
+        <a:bodyPr lIns="89630" tIns="177800" rIns="89630" bIns="177800" anchor="ctr"/>
+        <a:lstStyle>
+          <a:lvl1pPr algn="l">
+            <a:defRPr sz="1400"/>
+          </a:lvl1pPr>
+          <a:lvl2pPr marL="57150" indent="-57150" algn="l">
+            <a:defRPr sz="1000"/>
+          </a:lvl2pPr>
+          <a:lvl3pPr marL="114300" indent="-57150" algn="l">
+            <a:defRPr sz="1000"/>
+          </a:lvl3pPr>
+          <a:lvl4pPr marL="171450" indent="-57150" algn="l">
+            <a:defRPr sz="1000"/>
+          </a:lvl4pPr>
+          <a:lvl5pPr marL="228600" indent="-57150" algn="l">
+            <a:defRPr sz="1000"/>
+          </a:lvl5pPr>
+          <a:lvl6pPr marL="285750" indent="-57150" algn="l">
+            <a:defRPr sz="1000"/>
+          </a:lvl6pPr>
+          <a:lvl7pPr marL="342900" indent="-57150" algn="l">
+            <a:defRPr sz="1000"/>
+          </a:lvl7pPr>
+          <a:lvl8pPr marL="400050" indent="-57150" algn="l">
+            <a:defRPr sz="1000"/>
+          </a:lvl8pPr>
+          <a:lvl9pPr marL="457200" indent="-57150" algn="l">
+            <a:defRPr sz="1000"/>
+          </a:lvl9pPr>
+        </a:lstStyle>
         <a:p>
-          <a:pPr marL="0" lvl="0" indent="0" algn="l" defTabSz="577850">
+          <a:pPr lvl="0">
             <a:lnSpc>
-              <a:spcPct val="90000"/>
+              <a:spcPct val="100000"/>
             </a:lnSpc>
             <a:spcBef>
               <a:spcPct val="0"/>
@@ -6817,28 +6712,36 @@
             <a:spcAft>
               <a:spcPct val="35000"/>
             </a:spcAft>
-            <a:buNone/>
           </a:pPr>
           <a:r>
-            <a:rPr lang="en-US" sz="1300" kern="1200" dirty="0"/>
+            <a:rPr lang="en-US" dirty="0">
+              <a:solidFill>
+                <a:schemeClr val="dk1"/>
+              </a:solidFill>
+            </a:rPr>
             <a:t>Data used to train the model</a:t>
           </a:r>
+          <a:endParaRPr>
+            <a:solidFill>
+              <a:schemeClr val="dk1"/>
+            </a:solidFill>
+          </a:endParaRPr>
         </a:p>
       </dsp:txBody>
       <dsp:txXfrm>
-        <a:off x="1472867" y="2215289"/>
-        <a:ext cx="4418603" cy="726251"/>
+        <a:off x="1472868" y="2214942"/>
+        <a:ext cx="4418603" cy="726946"/>
       </dsp:txXfrm>
     </dsp:sp>
     <dsp:sp modelId="{0AAD1D63-E596-4E7C-8854-741D360E7E52}">
       <dsp:nvSpPr>
-        <dsp:cNvPr id="0" name=""/>
+        <dsp:cNvPr id="9" name="上箭头标注 8"/>
         <dsp:cNvSpPr/>
       </dsp:nvSpPr>
-      <dsp:spPr>
+      <dsp:spPr bwMode="white">
         <a:xfrm rot="10800000">
-          <a:off x="0" y="1108877"/>
-          <a:ext cx="1472867" cy="1117309"/>
+          <a:off x="0" y="1107471"/>
+          <a:ext cx="1472868" cy="1118379"/>
         </a:xfrm>
         <a:prstGeom prst="upArrowCallout">
           <a:avLst>
@@ -6848,34 +6751,23 @@
             <a:gd name="adj4" fmla="val 64977"/>
           </a:avLst>
         </a:prstGeom>
-        <a:solidFill>
-          <a:schemeClr val="accent5">
-            <a:hueOff val="-1144017"/>
-            <a:satOff val="314"/>
-            <a:lumOff val="-5294"/>
-            <a:alphaOff val="0"/>
-          </a:schemeClr>
-        </a:solidFill>
-        <a:ln w="12700" cap="flat" cmpd="sng" algn="ctr">
-          <a:solidFill>
-            <a:schemeClr val="accent5">
-              <a:hueOff val="-1144017"/>
-              <a:satOff val="314"/>
-              <a:lumOff val="-5294"/>
-              <a:alphaOff val="0"/>
-            </a:schemeClr>
-          </a:solidFill>
-          <a:prstDash val="solid"/>
-          <a:miter lim="800000"/>
-        </a:ln>
-        <a:effectLst/>
       </dsp:spPr>
       <dsp:style>
         <a:lnRef idx="2">
-          <a:scrgbClr r="0" g="0" b="0"/>
+          <a:schemeClr val="accent5">
+            <a:hueOff val="-1125000"/>
+            <a:satOff val="294"/>
+            <a:lumOff val="-5293"/>
+            <a:alpha val="100000"/>
+          </a:schemeClr>
         </a:lnRef>
         <a:fillRef idx="1">
-          <a:scrgbClr r="0" g="0" b="0"/>
+          <a:schemeClr val="accent5">
+            <a:hueOff val="-1125000"/>
+            <a:satOff val="294"/>
+            <a:lumOff val="-5293"/>
+            <a:alpha val="100000"/>
+          </a:schemeClr>
         </a:fillRef>
         <a:effectRef idx="0">
           <a:scrgbClr r="0" g="0" b="0"/>
@@ -6885,14 +6777,40 @@
         </a:fontRef>
       </dsp:style>
       <dsp:txBody>
-        <a:bodyPr spcFirstLastPara="0" vert="horz" wrap="square" lIns="104750" tIns="92456" rIns="104750" bIns="92456" numCol="1" spcCol="1270" anchor="ctr" anchorCtr="0">
-          <a:noAutofit/>
-        </a:bodyPr>
-        <a:lstStyle/>
+        <a:bodyPr lIns="104750" tIns="78232" rIns="104750" bIns="78232" anchor="ctr"/>
+        <a:lstStyle>
+          <a:lvl1pPr algn="ctr">
+            <a:defRPr sz="1100"/>
+          </a:lvl1pPr>
+          <a:lvl2pPr marL="57150" indent="-57150" algn="ctr">
+            <a:defRPr sz="800"/>
+          </a:lvl2pPr>
+          <a:lvl3pPr marL="114300" indent="-57150" algn="ctr">
+            <a:defRPr sz="800"/>
+          </a:lvl3pPr>
+          <a:lvl4pPr marL="171450" indent="-57150" algn="ctr">
+            <a:defRPr sz="800"/>
+          </a:lvl4pPr>
+          <a:lvl5pPr marL="228600" indent="-57150" algn="ctr">
+            <a:defRPr sz="800"/>
+          </a:lvl5pPr>
+          <a:lvl6pPr marL="285750" indent="-57150" algn="ctr">
+            <a:defRPr sz="800"/>
+          </a:lvl6pPr>
+          <a:lvl7pPr marL="342900" indent="-57150" algn="ctr">
+            <a:defRPr sz="800"/>
+          </a:lvl7pPr>
+          <a:lvl8pPr marL="400050" indent="-57150" algn="ctr">
+            <a:defRPr sz="800"/>
+          </a:lvl8pPr>
+          <a:lvl9pPr marL="457200" indent="-57150" algn="ctr">
+            <a:defRPr sz="800"/>
+          </a:lvl9pPr>
+        </a:lstStyle>
         <a:p>
-          <a:pPr marL="0" lvl="0" indent="0" algn="ctr" defTabSz="577850">
+          <a:pPr lvl="0">
             <a:lnSpc>
-              <a:spcPct val="90000"/>
+              <a:spcPct val="100000"/>
             </a:lnSpc>
             <a:spcBef>
               <a:spcPct val="0"/>
@@ -6900,64 +6818,52 @@
             <a:spcAft>
               <a:spcPct val="35000"/>
             </a:spcAft>
-            <a:buNone/>
           </a:pPr>
           <a:r>
-            <a:rPr lang="en-US" sz="1300" kern="1200" dirty="0"/>
+            <a:rPr lang="en-US" dirty="0"/>
             <a:t>Feature Engineering &amp; Selection </a:t>
           </a:r>
         </a:p>
       </dsp:txBody>
-      <dsp:txXfrm rot="-10800000">
-        <a:off x="0" y="1108877"/>
-        <a:ext cx="1472867" cy="726251"/>
+      <dsp:txXfrm rot="10800000">
+        <a:off x="0" y="1107471"/>
+        <a:ext cx="1472868" cy="1118379"/>
       </dsp:txXfrm>
     </dsp:sp>
     <dsp:sp modelId="{849750E2-4843-406E-9624-D7DE6448B76F}">
       <dsp:nvSpPr>
-        <dsp:cNvPr id="0" name=""/>
+        <dsp:cNvPr id="10" name="矩形 9"/>
         <dsp:cNvSpPr/>
       </dsp:nvSpPr>
-      <dsp:spPr>
+      <dsp:spPr bwMode="white">
         <a:xfrm>
-          <a:off x="1472867" y="1108877"/>
-          <a:ext cx="4418603" cy="726251"/>
+          <a:off x="1472868" y="1107471"/>
+          <a:ext cx="4418603" cy="726946"/>
         </a:xfrm>
         <a:prstGeom prst="rect">
           <a:avLst/>
         </a:prstGeom>
-        <a:solidFill>
+      </dsp:spPr>
+      <dsp:style>
+        <a:lnRef idx="2">
           <a:schemeClr val="accent5">
             <a:tint val="40000"/>
             <a:alpha val="90000"/>
-            <a:hueOff val="-1399226"/>
-            <a:satOff val="-6244"/>
-            <a:lumOff val="-1063"/>
-            <a:alphaOff val="0"/>
+            <a:hueOff val="-1395000"/>
+            <a:satOff val="-5293"/>
+            <a:lumOff val="-1175"/>
+            <a:alpha val="90196"/>
           </a:schemeClr>
-        </a:solidFill>
-        <a:ln w="12700" cap="flat" cmpd="sng" algn="ctr">
-          <a:solidFill>
-            <a:schemeClr val="accent5">
-              <a:tint val="40000"/>
-              <a:alpha val="90000"/>
-              <a:hueOff val="-1399226"/>
-              <a:satOff val="-6244"/>
-              <a:lumOff val="-1063"/>
-              <a:alphaOff val="0"/>
-            </a:schemeClr>
-          </a:solidFill>
-          <a:prstDash val="solid"/>
-          <a:miter lim="800000"/>
-        </a:ln>
-        <a:effectLst/>
-      </dsp:spPr>
-      <dsp:style>
-        <a:lnRef idx="2">
-          <a:scrgbClr r="0" g="0" b="0"/>
         </a:lnRef>
         <a:fillRef idx="1">
-          <a:scrgbClr r="0" g="0" b="0"/>
+          <a:schemeClr val="accent5">
+            <a:tint val="40000"/>
+            <a:alpha val="90000"/>
+            <a:hueOff val="-1395000"/>
+            <a:satOff val="-5293"/>
+            <a:lumOff val="-1175"/>
+            <a:alpha val="90196"/>
+          </a:schemeClr>
         </a:fillRef>
         <a:effectRef idx="0">
           <a:scrgbClr r="0" g="0" b="0"/>
@@ -6965,14 +6871,40 @@
         <a:fontRef idx="minor"/>
       </dsp:style>
       <dsp:txBody>
-        <a:bodyPr spcFirstLastPara="0" vert="horz" wrap="square" lIns="89630" tIns="165100" rIns="89630" bIns="165100" numCol="1" spcCol="1270" anchor="ctr" anchorCtr="0">
-          <a:noAutofit/>
-        </a:bodyPr>
-        <a:lstStyle/>
+        <a:bodyPr lIns="89630" tIns="177800" rIns="89630" bIns="177800" anchor="ctr"/>
+        <a:lstStyle>
+          <a:lvl1pPr algn="l">
+            <a:defRPr sz="1400"/>
+          </a:lvl1pPr>
+          <a:lvl2pPr marL="57150" indent="-57150" algn="l">
+            <a:defRPr sz="1000"/>
+          </a:lvl2pPr>
+          <a:lvl3pPr marL="114300" indent="-57150" algn="l">
+            <a:defRPr sz="1000"/>
+          </a:lvl3pPr>
+          <a:lvl4pPr marL="171450" indent="-57150" algn="l">
+            <a:defRPr sz="1000"/>
+          </a:lvl4pPr>
+          <a:lvl5pPr marL="228600" indent="-57150" algn="l">
+            <a:defRPr sz="1000"/>
+          </a:lvl5pPr>
+          <a:lvl6pPr marL="285750" indent="-57150" algn="l">
+            <a:defRPr sz="1000"/>
+          </a:lvl6pPr>
+          <a:lvl7pPr marL="342900" indent="-57150" algn="l">
+            <a:defRPr sz="1000"/>
+          </a:lvl7pPr>
+          <a:lvl8pPr marL="400050" indent="-57150" algn="l">
+            <a:defRPr sz="1000"/>
+          </a:lvl8pPr>
+          <a:lvl9pPr marL="457200" indent="-57150" algn="l">
+            <a:defRPr sz="1000"/>
+          </a:lvl9pPr>
+        </a:lstStyle>
         <a:p>
-          <a:pPr marL="0" lvl="0" indent="0" algn="l" defTabSz="577850">
+          <a:pPr lvl="0">
             <a:lnSpc>
-              <a:spcPct val="90000"/>
+              <a:spcPct val="100000"/>
             </a:lnSpc>
             <a:spcBef>
               <a:spcPct val="0"/>
@@ -6980,28 +6912,36 @@
             <a:spcAft>
               <a:spcPct val="35000"/>
             </a:spcAft>
-            <a:buNone/>
           </a:pPr>
           <a:r>
-            <a:rPr lang="en-US" sz="1300" kern="1200" dirty="0"/>
+            <a:rPr lang="en-US" dirty="0">
+              <a:solidFill>
+                <a:schemeClr val="dk1"/>
+              </a:solidFill>
+            </a:rPr>
             <a:t>Normalization, Lagged Data (MA 200), Indicators</a:t>
           </a:r>
+          <a:endParaRPr>
+            <a:solidFill>
+              <a:schemeClr val="dk1"/>
+            </a:solidFill>
+          </a:endParaRPr>
         </a:p>
       </dsp:txBody>
       <dsp:txXfrm>
-        <a:off x="1472867" y="1108877"/>
-        <a:ext cx="4418603" cy="726251"/>
+        <a:off x="1472868" y="1107471"/>
+        <a:ext cx="4418603" cy="726946"/>
       </dsp:txXfrm>
     </dsp:sp>
     <dsp:sp modelId="{3A72816A-2896-43DB-97B3-402663962CD3}">
       <dsp:nvSpPr>
-        <dsp:cNvPr id="0" name=""/>
+        <dsp:cNvPr id="11" name="上箭头标注 10"/>
         <dsp:cNvSpPr/>
       </dsp:nvSpPr>
-      <dsp:spPr>
+      <dsp:spPr bwMode="white">
         <a:xfrm rot="10800000">
-          <a:off x="0" y="2465"/>
-          <a:ext cx="1472867" cy="1117309"/>
+          <a:off x="0" y="0"/>
+          <a:ext cx="1472868" cy="1118379"/>
         </a:xfrm>
         <a:prstGeom prst="upArrowCallout">
           <a:avLst>
@@ -7011,34 +6951,23 @@
             <a:gd name="adj4" fmla="val 64977"/>
           </a:avLst>
         </a:prstGeom>
-        <a:solidFill>
-          <a:schemeClr val="accent5">
-            <a:hueOff val="-1525356"/>
-            <a:satOff val="418"/>
-            <a:lumOff val="-7058"/>
-            <a:alphaOff val="0"/>
-          </a:schemeClr>
-        </a:solidFill>
-        <a:ln w="12700" cap="flat" cmpd="sng" algn="ctr">
-          <a:solidFill>
-            <a:schemeClr val="accent5">
-              <a:hueOff val="-1525356"/>
-              <a:satOff val="418"/>
-              <a:lumOff val="-7058"/>
-              <a:alphaOff val="0"/>
-            </a:schemeClr>
-          </a:solidFill>
-          <a:prstDash val="solid"/>
-          <a:miter lim="800000"/>
-        </a:ln>
-        <a:effectLst/>
       </dsp:spPr>
       <dsp:style>
         <a:lnRef idx="2">
-          <a:scrgbClr r="0" g="0" b="0"/>
+          <a:schemeClr val="accent5">
+            <a:hueOff val="-1500000"/>
+            <a:satOff val="392"/>
+            <a:lumOff val="-7058"/>
+            <a:alpha val="100000"/>
+          </a:schemeClr>
         </a:lnRef>
         <a:fillRef idx="1">
-          <a:scrgbClr r="0" g="0" b="0"/>
+          <a:schemeClr val="accent5">
+            <a:hueOff val="-1500000"/>
+            <a:satOff val="392"/>
+            <a:lumOff val="-7058"/>
+            <a:alpha val="100000"/>
+          </a:schemeClr>
         </a:fillRef>
         <a:effectRef idx="0">
           <a:scrgbClr r="0" g="0" b="0"/>
@@ -7048,14 +6977,40 @@
         </a:fontRef>
       </dsp:style>
       <dsp:txBody>
-        <a:bodyPr spcFirstLastPara="0" vert="horz" wrap="square" lIns="104750" tIns="92456" rIns="104750" bIns="92456" numCol="1" spcCol="1270" anchor="ctr" anchorCtr="0">
-          <a:noAutofit/>
-        </a:bodyPr>
-        <a:lstStyle/>
+        <a:bodyPr lIns="104750" tIns="78232" rIns="104750" bIns="78232" anchor="ctr"/>
+        <a:lstStyle>
+          <a:lvl1pPr algn="ctr">
+            <a:defRPr sz="1100"/>
+          </a:lvl1pPr>
+          <a:lvl2pPr marL="57150" indent="-57150" algn="ctr">
+            <a:defRPr sz="800"/>
+          </a:lvl2pPr>
+          <a:lvl3pPr marL="114300" indent="-57150" algn="ctr">
+            <a:defRPr sz="800"/>
+          </a:lvl3pPr>
+          <a:lvl4pPr marL="171450" indent="-57150" algn="ctr">
+            <a:defRPr sz="800"/>
+          </a:lvl4pPr>
+          <a:lvl5pPr marL="228600" indent="-57150" algn="ctr">
+            <a:defRPr sz="800"/>
+          </a:lvl5pPr>
+          <a:lvl6pPr marL="285750" indent="-57150" algn="ctr">
+            <a:defRPr sz="800"/>
+          </a:lvl6pPr>
+          <a:lvl7pPr marL="342900" indent="-57150" algn="ctr">
+            <a:defRPr sz="800"/>
+          </a:lvl7pPr>
+          <a:lvl8pPr marL="400050" indent="-57150" algn="ctr">
+            <a:defRPr sz="800"/>
+          </a:lvl8pPr>
+          <a:lvl9pPr marL="457200" indent="-57150" algn="ctr">
+            <a:defRPr sz="800"/>
+          </a:lvl9pPr>
+        </a:lstStyle>
         <a:p>
-          <a:pPr marL="0" lvl="0" indent="0" algn="ctr" defTabSz="577850">
+          <a:pPr lvl="0">
             <a:lnSpc>
-              <a:spcPct val="90000"/>
+              <a:spcPct val="100000"/>
             </a:lnSpc>
             <a:spcBef>
               <a:spcPct val="0"/>
@@ -7063,64 +7018,52 @@
             <a:spcAft>
               <a:spcPct val="35000"/>
             </a:spcAft>
-            <a:buNone/>
           </a:pPr>
           <a:r>
-            <a:rPr lang="en-US" sz="1300" kern="1200" dirty="0"/>
+            <a:rPr lang="en-US" dirty="0"/>
             <a:t>Objective:</a:t>
           </a:r>
         </a:p>
       </dsp:txBody>
-      <dsp:txXfrm rot="-10800000">
-        <a:off x="0" y="2465"/>
-        <a:ext cx="1472867" cy="726251"/>
+      <dsp:txXfrm rot="10800000">
+        <a:off x="0" y="0"/>
+        <a:ext cx="1472868" cy="1118379"/>
       </dsp:txXfrm>
     </dsp:sp>
     <dsp:sp modelId="{402F365E-626C-4E88-9934-F7E442741308}">
       <dsp:nvSpPr>
-        <dsp:cNvPr id="0" name=""/>
+        <dsp:cNvPr id="12" name="矩形 11"/>
         <dsp:cNvSpPr/>
       </dsp:nvSpPr>
-      <dsp:spPr>
+      <dsp:spPr bwMode="white">
         <a:xfrm>
-          <a:off x="1472867" y="2465"/>
-          <a:ext cx="4418603" cy="726251"/>
+          <a:off x="1472868" y="0"/>
+          <a:ext cx="4418603" cy="726946"/>
         </a:xfrm>
         <a:prstGeom prst="rect">
           <a:avLst/>
         </a:prstGeom>
-        <a:solidFill>
+      </dsp:spPr>
+      <dsp:style>
+        <a:lnRef idx="2">
           <a:schemeClr val="accent5">
             <a:tint val="40000"/>
             <a:alpha val="90000"/>
-            <a:hueOff val="-1865634"/>
-            <a:satOff val="-8325"/>
-            <a:lumOff val="-1417"/>
-            <a:alphaOff val="0"/>
+            <a:hueOff val="-1860000"/>
+            <a:satOff val="-7058"/>
+            <a:lumOff val="-1568"/>
+            <a:alpha val="90196"/>
           </a:schemeClr>
-        </a:solidFill>
-        <a:ln w="12700" cap="flat" cmpd="sng" algn="ctr">
-          <a:solidFill>
-            <a:schemeClr val="accent5">
-              <a:tint val="40000"/>
-              <a:alpha val="90000"/>
-              <a:hueOff val="-1865634"/>
-              <a:satOff val="-8325"/>
-              <a:lumOff val="-1417"/>
-              <a:alphaOff val="0"/>
-            </a:schemeClr>
-          </a:solidFill>
-          <a:prstDash val="solid"/>
-          <a:miter lim="800000"/>
-        </a:ln>
-        <a:effectLst/>
-      </dsp:spPr>
-      <dsp:style>
-        <a:lnRef idx="2">
-          <a:scrgbClr r="0" g="0" b="0"/>
         </a:lnRef>
         <a:fillRef idx="1">
-          <a:scrgbClr r="0" g="0" b="0"/>
+          <a:schemeClr val="accent5">
+            <a:tint val="40000"/>
+            <a:alpha val="90000"/>
+            <a:hueOff val="-1860000"/>
+            <a:satOff val="-7058"/>
+            <a:lumOff val="-1568"/>
+            <a:alpha val="90196"/>
+          </a:schemeClr>
         </a:fillRef>
         <a:effectRef idx="0">
           <a:scrgbClr r="0" g="0" b="0"/>
@@ -7128,14 +7071,40 @@
         <a:fontRef idx="minor"/>
       </dsp:style>
       <dsp:txBody>
-        <a:bodyPr spcFirstLastPara="0" vert="horz" wrap="square" lIns="89630" tIns="165100" rIns="89630" bIns="165100" numCol="1" spcCol="1270" anchor="ctr" anchorCtr="0">
-          <a:noAutofit/>
-        </a:bodyPr>
-        <a:lstStyle/>
+        <a:bodyPr lIns="89630" tIns="177800" rIns="89630" bIns="177800" anchor="ctr"/>
+        <a:lstStyle>
+          <a:lvl1pPr algn="l">
+            <a:defRPr sz="1400"/>
+          </a:lvl1pPr>
+          <a:lvl2pPr marL="57150" indent="-57150" algn="l">
+            <a:defRPr sz="1000"/>
+          </a:lvl2pPr>
+          <a:lvl3pPr marL="114300" indent="-57150" algn="l">
+            <a:defRPr sz="1000"/>
+          </a:lvl3pPr>
+          <a:lvl4pPr marL="171450" indent="-57150" algn="l">
+            <a:defRPr sz="1000"/>
+          </a:lvl4pPr>
+          <a:lvl5pPr marL="228600" indent="-57150" algn="l">
+            <a:defRPr sz="1000"/>
+          </a:lvl5pPr>
+          <a:lvl6pPr marL="285750" indent="-57150" algn="l">
+            <a:defRPr sz="1000"/>
+          </a:lvl6pPr>
+          <a:lvl7pPr marL="342900" indent="-57150" algn="l">
+            <a:defRPr sz="1000"/>
+          </a:lvl7pPr>
+          <a:lvl8pPr marL="400050" indent="-57150" algn="l">
+            <a:defRPr sz="1000"/>
+          </a:lvl8pPr>
+          <a:lvl9pPr marL="457200" indent="-57150" algn="l">
+            <a:defRPr sz="1000"/>
+          </a:lvl9pPr>
+        </a:lstStyle>
         <a:p>
-          <a:pPr marL="0" lvl="0" indent="0" algn="l" defTabSz="577850">
+          <a:pPr lvl="0">
             <a:lnSpc>
-              <a:spcPct val="90000"/>
+              <a:spcPct val="100000"/>
             </a:lnSpc>
             <a:spcBef>
               <a:spcPct val="0"/>
@@ -7143,17 +7112,25 @@
             <a:spcAft>
               <a:spcPct val="35000"/>
             </a:spcAft>
-            <a:buNone/>
           </a:pPr>
           <a:r>
-            <a:rPr lang="en-US" sz="1300" kern="1200" dirty="0"/>
+            <a:rPr lang="en-US" dirty="0">
+              <a:solidFill>
+                <a:schemeClr val="dk1"/>
+              </a:solidFill>
+            </a:rPr>
             <a:t>Return (Stationary) Vs. Price (Nonstationary)</a:t>
           </a:r>
+          <a:endParaRPr>
+            <a:solidFill>
+              <a:schemeClr val="dk1"/>
+            </a:solidFill>
+          </a:endParaRPr>
         </a:p>
       </dsp:txBody>
       <dsp:txXfrm>
-        <a:off x="1472867" y="2465"/>
-        <a:ext cx="4418603" cy="726251"/>
+        <a:off x="1472868" y="0"/>
+        <a:ext cx="4418603" cy="726946"/>
       </dsp:txXfrm>
     </dsp:sp>
   </dsp:spTree>
@@ -7161,28 +7138,35 @@
 </file>
 
 <file path=ppt/diagrams/drawing4.xml><?xml version="1.0" encoding="utf-8"?>
-<dsp:drawing xmlns:dgm="http://schemas.openxmlformats.org/drawingml/2006/diagram" xmlns:dsp="http://schemas.microsoft.com/office/drawing/2008/diagram" xmlns:a="http://schemas.openxmlformats.org/drawingml/2006/main">
+<dsp:drawing xmlns:dgm="http://schemas.openxmlformats.org/drawingml/2006/diagram" xmlns:dsp="http://schemas.microsoft.com/office/drawing/2008/diagram" xmlns:a="http://schemas.openxmlformats.org/drawingml/2006/main" xmlns:r="http://schemas.openxmlformats.org/officeDocument/2006/relationships">
   <dsp:spTree>
     <dsp:nvGrpSpPr>
-      <dsp:cNvPr id="0" name=""/>
+      <dsp:cNvPr id="2" name="组合 1"/>
       <dsp:cNvGrpSpPr/>
     </dsp:nvGrpSpPr>
-    <dsp:grpSpPr/>
+    <dsp:grpSpPr>
+      <a:xfrm>
+        <a:off x="0" y="0"/>
+        <a:ext cx="10658475" cy="3290888"/>
+        <a:chOff x="0" y="0"/>
+        <a:chExt cx="10658475" cy="3290888"/>
+      </a:xfrm>
+    </dsp:grpSpPr>
     <dsp:sp modelId="{741F0FF5-6799-4E0F-B956-9ABAF172D088}">
       <dsp:nvSpPr>
-        <dsp:cNvPr id="0" name=""/>
+        <dsp:cNvPr id="3" name="矩形 2"/>
         <dsp:cNvSpPr/>
       </dsp:nvSpPr>
-      <dsp:spPr>
+      <dsp:spPr bwMode="white">
         <a:xfrm>
-          <a:off x="640408" y="0"/>
-          <a:ext cx="1509048" cy="1355615"/>
+          <a:off x="631237" y="518796"/>
+          <a:ext cx="1512000" cy="1512000"/>
         </a:xfrm>
         <a:prstGeom prst="rect">
           <a:avLst/>
         </a:prstGeom>
         <a:blipFill>
-          <a:blip xmlns:r="http://schemas.openxmlformats.org/officeDocument/2006/relationships" r:embed="rId1">
+          <a:blip r:embed="rId1">
             <a:extLst>
               <a:ext uri="{28A0092B-C50C-407E-A947-70E740481C1C}">
                 <a14:useLocalDpi xmlns:a14="http://schemas.microsoft.com/office/drawing/2010/main" val="0"/>
@@ -7196,19 +7180,18 @@
             <a:fillRect/>
           </a:stretch>
         </a:blipFill>
-        <a:ln w="12700" cap="flat" cmpd="sng" algn="ctr">
+        <a:ln>
           <a:noFill/>
-          <a:prstDash val="solid"/>
-          <a:miter lim="800000"/>
         </a:ln>
-        <a:effectLst/>
       </dsp:spPr>
       <dsp:style>
         <a:lnRef idx="2">
-          <a:scrgbClr r="0" g="0" b="0"/>
+          <a:schemeClr val="lt1">
+            <a:alpha val="0"/>
+          </a:schemeClr>
         </a:lnRef>
         <a:fillRef idx="1">
-          <a:scrgbClr r="0" g="0" b="0"/>
+          <a:schemeClr val="accent2"/>
         </a:fillRef>
         <a:effectRef idx="0">
           <a:scrgbClr r="0" g="0" b="0"/>
@@ -7217,32 +7200,35 @@
           <a:schemeClr val="lt1"/>
         </a:fontRef>
       </dsp:style>
+      <dsp:txXfrm>
+        <a:off x="631237" y="518796"/>
+        <a:ext cx="1512000" cy="1512000"/>
+      </dsp:txXfrm>
     </dsp:sp>
     <dsp:sp modelId="{EC898F87-6757-4EA0-B5A2-222ECC7F1C94}">
       <dsp:nvSpPr>
-        <dsp:cNvPr id="0" name=""/>
+        <dsp:cNvPr id="4" name="矩形 3"/>
         <dsp:cNvSpPr/>
       </dsp:nvSpPr>
       <dsp:spPr bwMode="white">
         <a:xfrm>
-          <a:off x="640408" y="1482611"/>
-          <a:ext cx="4311566" cy="580978"/>
+          <a:off x="631237" y="2094474"/>
+          <a:ext cx="4320000" cy="648000"/>
         </a:xfrm>
         <a:prstGeom prst="rect">
           <a:avLst/>
         </a:prstGeom>
-        <a:noFill/>
-        <a:ln>
-          <a:noFill/>
-        </a:ln>
-        <a:effectLst/>
       </dsp:spPr>
       <dsp:style>
         <a:lnRef idx="0">
-          <a:scrgbClr r="0" g="0" b="0"/>
+          <a:schemeClr val="dk1">
+            <a:alpha val="0"/>
+          </a:schemeClr>
         </a:lnRef>
         <a:fillRef idx="0">
-          <a:scrgbClr r="0" g="0" b="0"/>
+          <a:schemeClr val="lt1">
+            <a:alpha val="0"/>
+          </a:schemeClr>
         </a:fillRef>
         <a:effectRef idx="0">
           <a:scrgbClr r="0" g="0" b="0"/>
@@ -7250,12 +7236,38 @@
         <a:fontRef idx="minor"/>
       </dsp:style>
       <dsp:txBody>
-        <a:bodyPr spcFirstLastPara="0" vert="horz" wrap="square" lIns="0" tIns="0" rIns="0" bIns="0" numCol="1" spcCol="1270" anchor="t" anchorCtr="0">
-          <a:noAutofit/>
-        </a:bodyPr>
-        <a:lstStyle/>
+        <a:bodyPr lIns="0" tIns="0" rIns="0" bIns="0" anchor="t"/>
+        <a:lstStyle>
+          <a:lvl1pPr algn="l">
+            <a:defRPr sz="6500"/>
+          </a:lvl1pPr>
+          <a:lvl2pPr marL="285750" indent="-285750" algn="l">
+            <a:defRPr sz="5000"/>
+          </a:lvl2pPr>
+          <a:lvl3pPr marL="571500" indent="-285750" algn="l">
+            <a:defRPr sz="5000"/>
+          </a:lvl3pPr>
+          <a:lvl4pPr marL="857250" indent="-285750" algn="l">
+            <a:defRPr sz="5000"/>
+          </a:lvl4pPr>
+          <a:lvl5pPr marL="1143000" indent="-285750" algn="l">
+            <a:defRPr sz="5000"/>
+          </a:lvl5pPr>
+          <a:lvl6pPr marL="1428750" indent="-285750" algn="l">
+            <a:defRPr sz="5000"/>
+          </a:lvl6pPr>
+          <a:lvl7pPr marL="1714500" indent="-285750" algn="l">
+            <a:defRPr sz="5000"/>
+          </a:lvl7pPr>
+          <a:lvl8pPr marL="2000250" indent="-285750" algn="l">
+            <a:defRPr sz="5000"/>
+          </a:lvl8pPr>
+          <a:lvl9pPr marL="2286000" indent="-285750" algn="l">
+            <a:defRPr sz="5000"/>
+          </a:lvl9pPr>
+        </a:lstStyle>
         <a:p>
-          <a:pPr marL="0" lvl="0" indent="0" algn="l" defTabSz="1333500">
+          <a:pPr lvl="0">
             <a:lnSpc>
               <a:spcPct val="100000"/>
             </a:lnSpc>
@@ -7265,44 +7277,51 @@
             <a:spcAft>
               <a:spcPct val="35000"/>
             </a:spcAft>
-            <a:buNone/>
           </a:pPr>
           <a:r>
-            <a:rPr lang="en-US" sz="3000" kern="1200" dirty="0"/>
+            <a:rPr lang="en-US" sz="3000" dirty="0">
+              <a:solidFill>
+                <a:schemeClr val="tx1"/>
+              </a:solidFill>
+            </a:rPr>
             <a:t>Sentiment Analysis</a:t>
           </a:r>
+          <a:endParaRPr>
+            <a:solidFill>
+              <a:schemeClr val="tx1"/>
+            </a:solidFill>
+          </a:endParaRPr>
         </a:p>
       </dsp:txBody>
       <dsp:txXfrm>
-        <a:off x="640408" y="1482611"/>
-        <a:ext cx="4311566" cy="580978"/>
+        <a:off x="631237" y="2094474"/>
+        <a:ext cx="4320000" cy="648000"/>
       </dsp:txXfrm>
     </dsp:sp>
     <dsp:sp modelId="{B2DF3FD2-C7A8-4585-9238-D415AB884C13}">
       <dsp:nvSpPr>
-        <dsp:cNvPr id="0" name=""/>
+        <dsp:cNvPr id="5" name="矩形 4"/>
         <dsp:cNvSpPr/>
       </dsp:nvSpPr>
       <dsp:spPr bwMode="white">
         <a:xfrm>
-          <a:off x="640408" y="2122657"/>
-          <a:ext cx="4311566" cy="1168230"/>
+          <a:off x="631237" y="2772092"/>
+          <a:ext cx="4320000" cy="0"/>
         </a:xfrm>
         <a:prstGeom prst="rect">
           <a:avLst/>
         </a:prstGeom>
-        <a:noFill/>
-        <a:ln>
-          <a:noFill/>
-        </a:ln>
-        <a:effectLst/>
       </dsp:spPr>
       <dsp:style>
         <a:lnRef idx="0">
-          <a:scrgbClr r="0" g="0" b="0"/>
+          <a:schemeClr val="dk1">
+            <a:alpha val="0"/>
+          </a:schemeClr>
         </a:lnRef>
         <a:fillRef idx="0">
-          <a:scrgbClr r="0" g="0" b="0"/>
+          <a:schemeClr val="lt1">
+            <a:alpha val="0"/>
+          </a:schemeClr>
         </a:fillRef>
         <a:effectRef idx="0">
           <a:scrgbClr r="0" g="0" b="0"/>
@@ -7310,12 +7329,38 @@
         <a:fontRef idx="minor"/>
       </dsp:style>
       <dsp:txBody>
-        <a:bodyPr spcFirstLastPara="0" vert="horz" wrap="square" lIns="0" tIns="0" rIns="0" bIns="0" numCol="1" spcCol="1270" anchor="t" anchorCtr="0">
-          <a:noAutofit/>
-        </a:bodyPr>
-        <a:lstStyle/>
+        <a:bodyPr lIns="0" tIns="0" rIns="0" bIns="0" anchor="t"/>
+        <a:lstStyle>
+          <a:lvl1pPr algn="l">
+            <a:defRPr sz="6500"/>
+          </a:lvl1pPr>
+          <a:lvl2pPr marL="285750" indent="-285750" algn="l">
+            <a:defRPr sz="6500"/>
+          </a:lvl2pPr>
+          <a:lvl3pPr marL="571500" indent="-285750" algn="l">
+            <a:defRPr sz="6500"/>
+          </a:lvl3pPr>
+          <a:lvl4pPr marL="857250" indent="-285750" algn="l">
+            <a:defRPr sz="6500"/>
+          </a:lvl4pPr>
+          <a:lvl5pPr marL="1143000" indent="-285750" algn="l">
+            <a:defRPr sz="6500"/>
+          </a:lvl5pPr>
+          <a:lvl6pPr marL="1428750" indent="-285750" algn="l">
+            <a:defRPr sz="6500"/>
+          </a:lvl6pPr>
+          <a:lvl7pPr marL="1714500" indent="-285750" algn="l">
+            <a:defRPr sz="6500"/>
+          </a:lvl7pPr>
+          <a:lvl8pPr marL="2000250" indent="-285750" algn="l">
+            <a:defRPr sz="6500"/>
+          </a:lvl8pPr>
+          <a:lvl9pPr marL="2286000" indent="-285750" algn="l">
+            <a:defRPr sz="6500"/>
+          </a:lvl9pPr>
+        </a:lstStyle>
         <a:p>
-          <a:pPr marL="0" lvl="0" indent="0" algn="l" defTabSz="533400">
+          <a:pPr lvl="0">
             <a:lnSpc>
               <a:spcPct val="100000"/>
             </a:lnSpc>
@@ -7325,16 +7370,23 @@
             <a:spcAft>
               <a:spcPct val="35000"/>
             </a:spcAft>
-            <a:buNone/>
           </a:pPr>
           <a:r>
-            <a:rPr lang="en-US" altLang="zh-CN" sz="1200" kern="1200" dirty="0"/>
+            <a:rPr lang="en-US" altLang="zh-CN" sz="1200" dirty="0">
+              <a:solidFill>
+                <a:schemeClr val="tx1"/>
+              </a:solidFill>
+            </a:rPr>
             <a:t>Incorporate insights from institutional traders through analysis of market news and professional analyst reports to enhance sentiment accuracy</a:t>
           </a:r>
-          <a:endParaRPr lang="en-US" sz="1200" kern="1200" dirty="0"/>
+          <a:endParaRPr lang="en-US" sz="1200" dirty="0">
+            <a:solidFill>
+              <a:schemeClr val="tx1"/>
+            </a:solidFill>
+          </a:endParaRPr>
         </a:p>
         <a:p>
-          <a:pPr marL="0" lvl="0" indent="0" algn="l" defTabSz="533400">
+          <a:pPr lvl="0">
             <a:lnSpc>
               <a:spcPct val="100000"/>
             </a:lnSpc>
@@ -7344,35 +7396,42 @@
             <a:spcAft>
               <a:spcPct val="35000"/>
             </a:spcAft>
-            <a:buNone/>
           </a:pPr>
           <a:r>
-            <a:rPr lang="en-US" altLang="zh-CN" sz="1200" kern="1200" dirty="0"/>
+            <a:rPr lang="en-US" altLang="zh-CN" sz="1200" dirty="0">
+              <a:solidFill>
+                <a:schemeClr val="tx1"/>
+              </a:solidFill>
+            </a:rPr>
             <a:t>Broaden dataset acquisition to encompass a wider demographic, ensuring a diverse and representative sample of the trading population</a:t>
           </a:r>
-          <a:endParaRPr lang="en-US" sz="1200" kern="1200" dirty="0"/>
+          <a:endParaRPr lang="en-US" sz="1200" dirty="0">
+            <a:solidFill>
+              <a:schemeClr val="tx1"/>
+            </a:solidFill>
+          </a:endParaRPr>
         </a:p>
       </dsp:txBody>
       <dsp:txXfrm>
-        <a:off x="640408" y="2122657"/>
-        <a:ext cx="4311566" cy="1168230"/>
+        <a:off x="631237" y="2772092"/>
+        <a:ext cx="4320000" cy="0"/>
       </dsp:txXfrm>
     </dsp:sp>
     <dsp:sp modelId="{723A101C-2105-4A30-B931-735170649757}">
       <dsp:nvSpPr>
-        <dsp:cNvPr id="0" name=""/>
+        <dsp:cNvPr id="6" name="矩形 5"/>
         <dsp:cNvSpPr/>
       </dsp:nvSpPr>
-      <dsp:spPr>
+      <dsp:spPr bwMode="white">
         <a:xfrm>
-          <a:off x="5706499" y="0"/>
-          <a:ext cx="1509048" cy="1355615"/>
+          <a:off x="5707237" y="518796"/>
+          <a:ext cx="1512000" cy="1512000"/>
         </a:xfrm>
         <a:prstGeom prst="rect">
           <a:avLst/>
         </a:prstGeom>
         <a:blipFill>
-          <a:blip xmlns:r="http://schemas.openxmlformats.org/officeDocument/2006/relationships" r:embed="rId3">
+          <a:blip r:embed="rId3">
             <a:extLst>
               <a:ext uri="{28A0092B-C50C-407E-A947-70E740481C1C}">
                 <a14:useLocalDpi xmlns:a14="http://schemas.microsoft.com/office/drawing/2010/main" val="0"/>
@@ -7386,19 +7445,18 @@
             <a:fillRect/>
           </a:stretch>
         </a:blipFill>
-        <a:ln w="12700" cap="flat" cmpd="sng" algn="ctr">
+        <a:ln>
           <a:noFill/>
-          <a:prstDash val="solid"/>
-          <a:miter lim="800000"/>
         </a:ln>
-        <a:effectLst/>
       </dsp:spPr>
       <dsp:style>
         <a:lnRef idx="2">
-          <a:scrgbClr r="0" g="0" b="0"/>
+          <a:schemeClr val="lt1">
+            <a:alpha val="0"/>
+          </a:schemeClr>
         </a:lnRef>
         <a:fillRef idx="1">
-          <a:scrgbClr r="0" g="0" b="0"/>
+          <a:schemeClr val="accent3"/>
         </a:fillRef>
         <a:effectRef idx="0">
           <a:scrgbClr r="0" g="0" b="0"/>
@@ -7407,32 +7465,35 @@
           <a:schemeClr val="lt1"/>
         </a:fontRef>
       </dsp:style>
+      <dsp:txXfrm>
+        <a:off x="5707237" y="518796"/>
+        <a:ext cx="1512000" cy="1512000"/>
+      </dsp:txXfrm>
     </dsp:sp>
     <dsp:sp modelId="{029C6144-9ED3-46D8-B581-841DA4B0BFCC}">
       <dsp:nvSpPr>
-        <dsp:cNvPr id="0" name=""/>
+        <dsp:cNvPr id="7" name="矩形 6"/>
         <dsp:cNvSpPr/>
       </dsp:nvSpPr>
       <dsp:spPr bwMode="white">
         <a:xfrm>
-          <a:off x="5706499" y="1482611"/>
-          <a:ext cx="4311566" cy="580978"/>
+          <a:off x="5707237" y="2094474"/>
+          <a:ext cx="4320000" cy="648000"/>
         </a:xfrm>
         <a:prstGeom prst="rect">
           <a:avLst/>
         </a:prstGeom>
-        <a:noFill/>
-        <a:ln>
-          <a:noFill/>
-        </a:ln>
-        <a:effectLst/>
       </dsp:spPr>
       <dsp:style>
         <a:lnRef idx="0">
-          <a:scrgbClr r="0" g="0" b="0"/>
+          <a:schemeClr val="dk1">
+            <a:alpha val="0"/>
+          </a:schemeClr>
         </a:lnRef>
         <a:fillRef idx="0">
-          <a:scrgbClr r="0" g="0" b="0"/>
+          <a:schemeClr val="lt1">
+            <a:alpha val="0"/>
+          </a:schemeClr>
         </a:fillRef>
         <a:effectRef idx="0">
           <a:scrgbClr r="0" g="0" b="0"/>
@@ -7440,12 +7501,38 @@
         <a:fontRef idx="minor"/>
       </dsp:style>
       <dsp:txBody>
-        <a:bodyPr spcFirstLastPara="0" vert="horz" wrap="square" lIns="0" tIns="0" rIns="0" bIns="0" numCol="1" spcCol="1270" anchor="t" anchorCtr="0">
-          <a:noAutofit/>
-        </a:bodyPr>
-        <a:lstStyle/>
+        <a:bodyPr lIns="0" tIns="0" rIns="0" bIns="0" anchor="t"/>
+        <a:lstStyle>
+          <a:lvl1pPr algn="l">
+            <a:defRPr sz="6500"/>
+          </a:lvl1pPr>
+          <a:lvl2pPr marL="285750" indent="-285750" algn="l">
+            <a:defRPr sz="5000"/>
+          </a:lvl2pPr>
+          <a:lvl3pPr marL="571500" indent="-285750" algn="l">
+            <a:defRPr sz="5000"/>
+          </a:lvl3pPr>
+          <a:lvl4pPr marL="857250" indent="-285750" algn="l">
+            <a:defRPr sz="5000"/>
+          </a:lvl4pPr>
+          <a:lvl5pPr marL="1143000" indent="-285750" algn="l">
+            <a:defRPr sz="5000"/>
+          </a:lvl5pPr>
+          <a:lvl6pPr marL="1428750" indent="-285750" algn="l">
+            <a:defRPr sz="5000"/>
+          </a:lvl6pPr>
+          <a:lvl7pPr marL="1714500" indent="-285750" algn="l">
+            <a:defRPr sz="5000"/>
+          </a:lvl7pPr>
+          <a:lvl8pPr marL="2000250" indent="-285750" algn="l">
+            <a:defRPr sz="5000"/>
+          </a:lvl8pPr>
+          <a:lvl9pPr marL="2286000" indent="-285750" algn="l">
+            <a:defRPr sz="5000"/>
+          </a:lvl9pPr>
+        </a:lstStyle>
         <a:p>
-          <a:pPr marL="0" lvl="0" indent="0" algn="l" defTabSz="1333500">
+          <a:pPr lvl="0">
             <a:lnSpc>
               <a:spcPct val="100000"/>
             </a:lnSpc>
@@ -7455,44 +7542,51 @@
             <a:spcAft>
               <a:spcPct val="35000"/>
             </a:spcAft>
-            <a:buNone/>
           </a:pPr>
           <a:r>
-            <a:rPr lang="en-US" sz="3000" kern="1200" dirty="0"/>
+            <a:rPr lang="en-US" sz="3000" dirty="0">
+              <a:solidFill>
+                <a:schemeClr val="tx1"/>
+              </a:solidFill>
+            </a:rPr>
             <a:t>Stock Prediction</a:t>
           </a:r>
+          <a:endParaRPr>
+            <a:solidFill>
+              <a:schemeClr val="tx1"/>
+            </a:solidFill>
+          </a:endParaRPr>
         </a:p>
       </dsp:txBody>
       <dsp:txXfrm>
-        <a:off x="5706499" y="1482611"/>
-        <a:ext cx="4311566" cy="580978"/>
+        <a:off x="5707237" y="2094474"/>
+        <a:ext cx="4320000" cy="648000"/>
       </dsp:txXfrm>
     </dsp:sp>
     <dsp:sp modelId="{EAF35B11-4BE8-4EB8-825F-5AED67565B83}">
       <dsp:nvSpPr>
-        <dsp:cNvPr id="0" name=""/>
+        <dsp:cNvPr id="8" name="矩形 7"/>
         <dsp:cNvSpPr/>
       </dsp:nvSpPr>
       <dsp:spPr bwMode="white">
         <a:xfrm>
-          <a:off x="5706499" y="2122657"/>
-          <a:ext cx="4311566" cy="1168230"/>
+          <a:off x="5707237" y="2772092"/>
+          <a:ext cx="4320000" cy="0"/>
         </a:xfrm>
         <a:prstGeom prst="rect">
           <a:avLst/>
         </a:prstGeom>
-        <a:noFill/>
-        <a:ln>
-          <a:noFill/>
-        </a:ln>
-        <a:effectLst/>
       </dsp:spPr>
       <dsp:style>
         <a:lnRef idx="0">
-          <a:scrgbClr r="0" g="0" b="0"/>
+          <a:schemeClr val="dk1">
+            <a:alpha val="0"/>
+          </a:schemeClr>
         </a:lnRef>
         <a:fillRef idx="0">
-          <a:scrgbClr r="0" g="0" b="0"/>
+          <a:schemeClr val="lt1">
+            <a:alpha val="0"/>
+          </a:schemeClr>
         </a:fillRef>
         <a:effectRef idx="0">
           <a:scrgbClr r="0" g="0" b="0"/>
@@ -7500,12 +7594,38 @@
         <a:fontRef idx="minor"/>
       </dsp:style>
       <dsp:txBody>
-        <a:bodyPr spcFirstLastPara="0" vert="horz" wrap="square" lIns="0" tIns="0" rIns="0" bIns="0" numCol="1" spcCol="1270" anchor="t" anchorCtr="0">
-          <a:noAutofit/>
-        </a:bodyPr>
-        <a:lstStyle/>
+        <a:bodyPr lIns="0" tIns="0" rIns="0" bIns="0" anchor="t"/>
+        <a:lstStyle>
+          <a:lvl1pPr algn="l">
+            <a:defRPr sz="6500"/>
+          </a:lvl1pPr>
+          <a:lvl2pPr marL="285750" indent="-285750" algn="l">
+            <a:defRPr sz="6500"/>
+          </a:lvl2pPr>
+          <a:lvl3pPr marL="571500" indent="-285750" algn="l">
+            <a:defRPr sz="6500"/>
+          </a:lvl3pPr>
+          <a:lvl4pPr marL="857250" indent="-285750" algn="l">
+            <a:defRPr sz="6500"/>
+          </a:lvl4pPr>
+          <a:lvl5pPr marL="1143000" indent="-285750" algn="l">
+            <a:defRPr sz="6500"/>
+          </a:lvl5pPr>
+          <a:lvl6pPr marL="1428750" indent="-285750" algn="l">
+            <a:defRPr sz="6500"/>
+          </a:lvl6pPr>
+          <a:lvl7pPr marL="1714500" indent="-285750" algn="l">
+            <a:defRPr sz="6500"/>
+          </a:lvl7pPr>
+          <a:lvl8pPr marL="2000250" indent="-285750" algn="l">
+            <a:defRPr sz="6500"/>
+          </a:lvl8pPr>
+          <a:lvl9pPr marL="2286000" indent="-285750" algn="l">
+            <a:defRPr sz="6500"/>
+          </a:lvl9pPr>
+        </a:lstStyle>
         <a:p>
-          <a:pPr marL="0" lvl="0" indent="0" algn="l" defTabSz="533400">
+          <a:pPr lvl="0">
             <a:lnSpc>
               <a:spcPct val="100000"/>
             </a:lnSpc>
@@ -7515,16 +7635,23 @@
             <a:spcAft>
               <a:spcPct val="35000"/>
             </a:spcAft>
-            <a:buNone/>
           </a:pPr>
           <a:r>
-            <a:rPr lang="en-US" altLang="zh-CN" sz="1200" kern="1200" dirty="0"/>
+            <a:rPr lang="en-US" altLang="zh-CN" sz="1200" dirty="0">
+              <a:solidFill>
+                <a:schemeClr val="tx1"/>
+              </a:solidFill>
+            </a:rPr>
             <a:t>Expand our analysis to include a broader range of stocks and sectors, such as healthcare and retail, to diversify investment insights</a:t>
           </a:r>
-          <a:endParaRPr lang="en-US" sz="1200" kern="1200" dirty="0"/>
+          <a:endParaRPr lang="en-US" sz="1200" dirty="0">
+            <a:solidFill>
+              <a:schemeClr val="tx1"/>
+            </a:solidFill>
+          </a:endParaRPr>
         </a:p>
         <a:p>
-          <a:pPr marL="0" lvl="0" indent="0" algn="l" defTabSz="533400">
+          <a:pPr lvl="0">
             <a:lnSpc>
               <a:spcPct val="100000"/>
             </a:lnSpc>
@@ -7534,16 +7661,23 @@
             <a:spcAft>
               <a:spcPct val="35000"/>
             </a:spcAft>
-            <a:buNone/>
           </a:pPr>
           <a:r>
-            <a:rPr lang="en-US" sz="1200" b="0" i="0" kern="1200" dirty="0"/>
+            <a:rPr lang="en-US" sz="1200" b="0" i="0" dirty="0">
+              <a:solidFill>
+                <a:schemeClr val="tx1"/>
+              </a:solidFill>
+            </a:rPr>
             <a:t>Enrich our financial datasets with comprehensive company performance metrics, key economic indicators, and derivatives data to bolster predictive accuracy</a:t>
           </a:r>
-          <a:endParaRPr lang="en-US" sz="1200" kern="1200" dirty="0"/>
+          <a:endParaRPr lang="en-US" sz="1200" dirty="0">
+            <a:solidFill>
+              <a:schemeClr val="tx1"/>
+            </a:solidFill>
+          </a:endParaRPr>
         </a:p>
         <a:p>
-          <a:pPr marL="0" lvl="0" indent="0" algn="l" defTabSz="533400">
+          <a:pPr lvl="0">
             <a:lnSpc>
               <a:spcPct val="100000"/>
             </a:lnSpc>
@@ -7553,16 +7687,23 @@
             <a:spcAft>
               <a:spcPct val="35000"/>
             </a:spcAft>
-            <a:buNone/>
           </a:pPr>
           <a:r>
-            <a:rPr lang="en-US" sz="1200" b="0" i="0" kern="1200" dirty="0"/>
+            <a:rPr lang="en-US" sz="1200" b="0" i="0" dirty="0">
+              <a:solidFill>
+                <a:schemeClr val="tx1"/>
+              </a:solidFill>
+            </a:rPr>
             <a:t>Develop a robust stock selection framework to identify high-potential investments ('finding the alpha') and optimize market positioning</a:t>
           </a:r>
-          <a:endParaRPr lang="en-US" sz="1200" kern="1200" dirty="0"/>
+          <a:endParaRPr lang="en-US" sz="1200" dirty="0">
+            <a:solidFill>
+              <a:schemeClr val="tx1"/>
+            </a:solidFill>
+          </a:endParaRPr>
         </a:p>
         <a:p>
-          <a:pPr marL="0" lvl="0" indent="0" algn="l" defTabSz="533400">
+          <a:pPr lvl="0">
             <a:lnSpc>
               <a:spcPct val="100000"/>
             </a:lnSpc>
@@ -7572,18 +7713,25 @@
             <a:spcAft>
               <a:spcPct val="35000"/>
             </a:spcAft>
-            <a:buNone/>
           </a:pPr>
           <a:r>
-            <a:rPr lang="en-US" sz="1200" b="0" i="0" kern="1200"/>
+            <a:rPr lang="en-US" sz="1200" b="0" i="0">
+              <a:solidFill>
+                <a:schemeClr val="tx1"/>
+              </a:solidFill>
+            </a:rPr>
             <a:t>Employ advanced portfolio optimization techniques to maximize returns while mitigating risk across investment strategies</a:t>
           </a:r>
-          <a:endParaRPr lang="en-US" sz="1200" kern="1200" dirty="0"/>
+          <a:endParaRPr lang="en-US" sz="1200" dirty="0">
+            <a:solidFill>
+              <a:schemeClr val="tx1"/>
+            </a:solidFill>
+          </a:endParaRPr>
         </a:p>
       </dsp:txBody>
       <dsp:txXfrm>
-        <a:off x="5706499" y="2122657"/>
-        <a:ext cx="4311566" cy="1168230"/>
+        <a:off x="5707237" y="2772092"/>
+        <a:ext cx="4320000" cy="0"/>
       </dsp:txXfrm>
     </dsp:sp>
   </dsp:spTree>
@@ -8252,14 +8400,14 @@
               <dgm:shape xmlns:r="http://schemas.openxmlformats.org/officeDocument/2006/relationships" type="rect" r:blip="">
                 <dgm:adjLst/>
               </dgm:shape>
-              <dgm:presOf axis="des" ptType="node"/>
+              <dgm:presOf axis="des des" ptType="node node"/>
               <dgm:constrLst>
                 <dgm:constr type="tMarg" refType="primFontSz"/>
                 <dgm:constr type="bMarg" refType="primFontSz"/>
                 <dgm:constr type="lMarg" refType="w" fact="0.0575"/>
                 <dgm:constr type="rMarg" refType="w" fact="0.0575"/>
               </dgm:constrLst>
-              <dgm:presOf axis="des" ptType="node"/>
+              <dgm:presOf axis="des des" ptType="node node"/>
               <dgm:ruleLst>
                 <dgm:rule type="primFontSz" val="11" fact="NaN" max="NaN"/>
               </dgm:ruleLst>
@@ -8294,7 +8442,7 @@
                   </dgm:shape>
                 </dgm:if>
                 <dgm:else name="Name23">
-                  <dgm:shape xmlns:r="http://schemas.openxmlformats.org/officeDocument/2006/relationships" rot="180" type="upArrowCallout" r:blip="">
+                  <dgm:shape xmlns:r="http://schemas.openxmlformats.org/officeDocument/2006/relationships" type="upArrowCallout" r:blip="" rot="180">
                     <dgm:adjLst/>
                   </dgm:shape>
                 </dgm:else>
@@ -8311,7 +8459,7 @@
             </dgm:layoutNode>
             <dgm:layoutNode name="arrow" styleLbl="alignNode1">
               <dgm:alg type="sp"/>
-              <dgm:shape xmlns:r="http://schemas.openxmlformats.org/officeDocument/2006/relationships" rot="180" type="upArrowCallout" r:blip="">
+              <dgm:shape xmlns:r="http://schemas.openxmlformats.org/officeDocument/2006/relationships" type="upArrowCallout" r:blip="" rot="180">
                 <dgm:adjLst>
                   <dgm:adj idx="1" val="0.05"/>
                   <dgm:adj idx="2" val="0.1"/>
@@ -8568,7 +8716,6 @@
       <a:camera prst="orthographicFront"/>
       <a:lightRig rig="threePt" dir="t"/>
     </dgm:scene3d>
-    <dgm:sp3d/>
     <dgm:txPr/>
     <dgm:style>
       <a:lnRef idx="2">
@@ -8588,7 +8735,6 @@
       <a:camera prst="orthographicFront"/>
       <a:lightRig rig="threePt" dir="t"/>
     </dgm:scene3d>
-    <dgm:sp3d/>
     <dgm:txPr/>
     <dgm:style>
       <a:lnRef idx="2">
@@ -8608,7 +8754,6 @@
       <a:camera prst="orthographicFront"/>
       <a:lightRig rig="threePt" dir="t"/>
     </dgm:scene3d>
-    <dgm:sp3d/>
     <dgm:txPr/>
     <dgm:style>
       <a:lnRef idx="2">
@@ -8628,7 +8773,6 @@
       <a:camera prst="orthographicFront"/>
       <a:lightRig rig="threePt" dir="t"/>
     </dgm:scene3d>
-    <dgm:sp3d/>
     <dgm:txPr/>
     <dgm:style>
       <a:lnRef idx="2">
@@ -8650,7 +8794,6 @@
       <a:camera prst="orthographicFront"/>
       <a:lightRig rig="threePt" dir="t"/>
     </dgm:scene3d>
-    <dgm:sp3d/>
     <dgm:txPr/>
     <dgm:style>
       <a:lnRef idx="2">
@@ -8672,7 +8815,6 @@
       <a:camera prst="orthographicFront"/>
       <a:lightRig rig="threePt" dir="t"/>
     </dgm:scene3d>
-    <dgm:sp3d/>
     <dgm:txPr/>
     <dgm:style>
       <a:lnRef idx="2">
@@ -8694,7 +8836,6 @@
       <a:camera prst="orthographicFront"/>
       <a:lightRig rig="threePt" dir="t"/>
     </dgm:scene3d>
-    <dgm:sp3d/>
     <dgm:txPr/>
     <dgm:style>
       <a:lnRef idx="2">
@@ -8716,7 +8857,6 @@
       <a:camera prst="orthographicFront"/>
       <a:lightRig rig="threePt" dir="t"/>
     </dgm:scene3d>
-    <dgm:sp3d/>
     <dgm:txPr/>
     <dgm:style>
       <a:lnRef idx="2">
@@ -8738,7 +8878,6 @@
       <a:camera prst="orthographicFront"/>
       <a:lightRig rig="threePt" dir="t"/>
     </dgm:scene3d>
-    <dgm:sp3d/>
     <dgm:txPr/>
     <dgm:style>
       <a:lnRef idx="2">
@@ -8760,7 +8899,6 @@
       <a:camera prst="orthographicFront"/>
       <a:lightRig rig="threePt" dir="t"/>
     </dgm:scene3d>
-    <dgm:sp3d/>
     <dgm:txPr/>
     <dgm:style>
       <a:lnRef idx="2">
@@ -8780,7 +8918,6 @@
       <a:camera prst="orthographicFront"/>
       <a:lightRig rig="threePt" dir="t"/>
     </dgm:scene3d>
-    <dgm:sp3d/>
     <dgm:txPr/>
     <dgm:style>
       <a:lnRef idx="2">
@@ -8800,7 +8937,6 @@
       <a:camera prst="orthographicFront"/>
       <a:lightRig rig="threePt" dir="t"/>
     </dgm:scene3d>
-    <dgm:sp3d/>
     <dgm:txPr/>
     <dgm:style>
       <a:lnRef idx="2">
@@ -8820,7 +8956,6 @@
       <a:camera prst="orthographicFront"/>
       <a:lightRig rig="threePt" dir="t"/>
     </dgm:scene3d>
-    <dgm:sp3d/>
     <dgm:txPr/>
     <dgm:style>
       <a:lnRef idx="0">
@@ -8840,7 +8975,6 @@
       <a:camera prst="orthographicFront"/>
       <a:lightRig rig="threePt" dir="t"/>
     </dgm:scene3d>
-    <dgm:sp3d/>
     <dgm:txPr/>
     <dgm:style>
       <a:lnRef idx="0">
@@ -8862,7 +8996,6 @@
       <a:camera prst="orthographicFront"/>
       <a:lightRig rig="threePt" dir="t"/>
     </dgm:scene3d>
-    <dgm:sp3d/>
     <dgm:txPr/>
     <dgm:style>
       <a:lnRef idx="2">
@@ -8882,7 +9015,6 @@
       <a:camera prst="orthographicFront"/>
       <a:lightRig rig="threePt" dir="t"/>
     </dgm:scene3d>
-    <dgm:sp3d/>
     <dgm:txPr/>
     <dgm:style>
       <a:lnRef idx="2">
@@ -8902,7 +9034,6 @@
       <a:camera prst="orthographicFront"/>
       <a:lightRig rig="threePt" dir="t"/>
     </dgm:scene3d>
-    <dgm:sp3d/>
     <dgm:txPr/>
     <dgm:style>
       <a:lnRef idx="0">
@@ -8922,7 +9053,6 @@
       <a:camera prst="orthographicFront"/>
       <a:lightRig rig="threePt" dir="t"/>
     </dgm:scene3d>
-    <dgm:sp3d/>
     <dgm:txPr/>
     <dgm:style>
       <a:lnRef idx="2">
@@ -8942,7 +9072,6 @@
       <a:camera prst="orthographicFront"/>
       <a:lightRig rig="threePt" dir="t"/>
     </dgm:scene3d>
-    <dgm:sp3d/>
     <dgm:txPr/>
     <dgm:style>
       <a:lnRef idx="2">
@@ -8962,7 +9091,6 @@
       <a:camera prst="orthographicFront"/>
       <a:lightRig rig="threePt" dir="t"/>
     </dgm:scene3d>
-    <dgm:sp3d/>
     <dgm:txPr/>
     <dgm:style>
       <a:lnRef idx="2">
@@ -8982,7 +9110,6 @@
       <a:camera prst="orthographicFront"/>
       <a:lightRig rig="threePt" dir="t"/>
     </dgm:scene3d>
-    <dgm:sp3d/>
     <dgm:txPr/>
     <dgm:style>
       <a:lnRef idx="2">
@@ -9002,7 +9129,6 @@
       <a:camera prst="orthographicFront"/>
       <a:lightRig rig="threePt" dir="t"/>
     </dgm:scene3d>
-    <dgm:sp3d/>
     <dgm:txPr/>
     <dgm:style>
       <a:lnRef idx="2">
@@ -9022,7 +9148,6 @@
       <a:camera prst="orthographicFront"/>
       <a:lightRig rig="threePt" dir="t"/>
     </dgm:scene3d>
-    <dgm:sp3d/>
     <dgm:txPr/>
     <dgm:style>
       <a:lnRef idx="2">
@@ -9042,7 +9167,6 @@
       <a:camera prst="orthographicFront"/>
       <a:lightRig rig="threePt" dir="t"/>
     </dgm:scene3d>
-    <dgm:sp3d/>
     <dgm:txPr/>
     <dgm:style>
       <a:lnRef idx="2">
@@ -9062,7 +9186,6 @@
       <a:camera prst="orthographicFront"/>
       <a:lightRig rig="threePt" dir="t"/>
     </dgm:scene3d>
-    <dgm:sp3d/>
     <dgm:txPr/>
     <dgm:style>
       <a:lnRef idx="2">
@@ -9082,7 +9205,6 @@
       <a:camera prst="orthographicFront"/>
       <a:lightRig rig="threePt" dir="t"/>
     </dgm:scene3d>
-    <dgm:sp3d/>
     <dgm:txPr/>
     <dgm:style>
       <a:lnRef idx="0">
@@ -9104,7 +9226,6 @@
       <a:camera prst="orthographicFront"/>
       <a:lightRig rig="threePt" dir="t"/>
     </dgm:scene3d>
-    <dgm:sp3d/>
     <dgm:txPr/>
     <dgm:style>
       <a:lnRef idx="2">
@@ -9126,7 +9247,6 @@
       <a:camera prst="orthographicFront"/>
       <a:lightRig rig="threePt" dir="t"/>
     </dgm:scene3d>
-    <dgm:sp3d/>
     <dgm:txPr/>
     <dgm:style>
       <a:lnRef idx="2">
@@ -9148,7 +9268,6 @@
       <a:camera prst="orthographicFront"/>
       <a:lightRig rig="threePt" dir="t"/>
     </dgm:scene3d>
-    <dgm:sp3d/>
     <dgm:txPr/>
     <dgm:style>
       <a:lnRef idx="2">
@@ -9170,7 +9289,6 @@
       <a:camera prst="orthographicFront"/>
       <a:lightRig rig="threePt" dir="t"/>
     </dgm:scene3d>
-    <dgm:sp3d/>
     <dgm:txPr/>
     <dgm:style>
       <a:lnRef idx="2">
@@ -9192,7 +9310,6 @@
       <a:camera prst="orthographicFront"/>
       <a:lightRig rig="threePt" dir="t"/>
     </dgm:scene3d>
-    <dgm:sp3d/>
     <dgm:txPr/>
     <dgm:style>
       <a:lnRef idx="2">
@@ -9214,7 +9331,6 @@
       <a:camera prst="orthographicFront"/>
       <a:lightRig rig="threePt" dir="t"/>
     </dgm:scene3d>
-    <dgm:sp3d/>
     <dgm:txPr/>
     <dgm:style>
       <a:lnRef idx="2">
@@ -9236,7 +9352,6 @@
       <a:camera prst="orthographicFront"/>
       <a:lightRig rig="threePt" dir="t"/>
     </dgm:scene3d>
-    <dgm:sp3d/>
     <dgm:txPr/>
     <dgm:style>
       <a:lnRef idx="2">
@@ -9256,7 +9371,6 @@
       <a:camera prst="orthographicFront"/>
       <a:lightRig rig="threePt" dir="t"/>
     </dgm:scene3d>
-    <dgm:sp3d/>
     <dgm:txPr/>
     <dgm:style>
       <a:lnRef idx="2">
@@ -9276,7 +9390,6 @@
       <a:camera prst="orthographicFront"/>
       <a:lightRig rig="threePt" dir="t"/>
     </dgm:scene3d>
-    <dgm:sp3d/>
     <dgm:txPr/>
     <dgm:style>
       <a:lnRef idx="2">
@@ -9296,7 +9409,6 @@
       <a:camera prst="orthographicFront"/>
       <a:lightRig rig="threePt" dir="t"/>
     </dgm:scene3d>
-    <dgm:sp3d/>
     <dgm:txPr/>
     <dgm:style>
       <a:lnRef idx="2">
@@ -9316,7 +9428,6 @@
       <a:camera prst="orthographicFront"/>
       <a:lightRig rig="threePt" dir="t"/>
     </dgm:scene3d>
-    <dgm:sp3d/>
     <dgm:txPr/>
     <dgm:style>
       <a:lnRef idx="2">
@@ -9338,7 +9449,6 @@
       <a:camera prst="orthographicFront"/>
       <a:lightRig rig="threePt" dir="t"/>
     </dgm:scene3d>
-    <dgm:sp3d/>
     <dgm:txPr/>
     <dgm:style>
       <a:lnRef idx="2">
@@ -9360,7 +9470,6 @@
       <a:camera prst="orthographicFront"/>
       <a:lightRig rig="threePt" dir="t"/>
     </dgm:scene3d>
-    <dgm:sp3d/>
     <dgm:txPr/>
     <dgm:style>
       <a:lnRef idx="2">
@@ -9382,7 +9491,6 @@
       <a:camera prst="orthographicFront"/>
       <a:lightRig rig="threePt" dir="t"/>
     </dgm:scene3d>
-    <dgm:sp3d/>
     <dgm:txPr/>
     <dgm:style>
       <a:lnRef idx="2">
@@ -9404,7 +9512,6 @@
       <a:camera prst="orthographicFront"/>
       <a:lightRig rig="threePt" dir="t"/>
     </dgm:scene3d>
-    <dgm:sp3d/>
     <dgm:txPr/>
     <dgm:style>
       <a:lnRef idx="0">
@@ -9424,7 +9531,6 @@
       <a:camera prst="orthographicFront"/>
       <a:lightRig rig="threePt" dir="t"/>
     </dgm:scene3d>
-    <dgm:sp3d/>
     <dgm:txPr/>
     <dgm:style>
       <a:lnRef idx="1">
@@ -9444,7 +9550,6 @@
       <a:camera prst="orthographicFront"/>
       <a:lightRig rig="threePt" dir="t"/>
     </dgm:scene3d>
-    <dgm:sp3d/>
     <dgm:txPr/>
     <dgm:style>
       <a:lnRef idx="0">
@@ -9466,7 +9571,6 @@
       <a:camera prst="orthographicFront"/>
       <a:lightRig rig="threePt" dir="t"/>
     </dgm:scene3d>
-    <dgm:sp3d/>
     <dgm:txPr/>
     <dgm:style>
       <a:lnRef idx="2">
@@ -9486,7 +9590,6 @@
       <a:camera prst="orthographicFront"/>
       <a:lightRig rig="threePt" dir="t"/>
     </dgm:scene3d>
-    <dgm:sp3d/>
     <dgm:txPr/>
     <dgm:style>
       <a:lnRef idx="2">
@@ -9506,7 +9609,6 @@
       <a:camera prst="orthographicFront"/>
       <a:lightRig rig="threePt" dir="t"/>
     </dgm:scene3d>
-    <dgm:sp3d/>
     <dgm:txPr/>
     <dgm:style>
       <a:lnRef idx="2">
@@ -9526,7 +9628,6 @@
       <a:camera prst="orthographicFront"/>
       <a:lightRig rig="threePt" dir="t"/>
     </dgm:scene3d>
-    <dgm:sp3d/>
     <dgm:txPr/>
     <dgm:style>
       <a:lnRef idx="1">
@@ -9546,7 +9647,6 @@
       <a:camera prst="orthographicFront"/>
       <a:lightRig rig="threePt" dir="t"/>
     </dgm:scene3d>
-    <dgm:sp3d/>
     <dgm:txPr/>
     <dgm:style>
       <a:lnRef idx="0">
@@ -9566,7 +9666,6 @@
       <a:camera prst="orthographicFront"/>
       <a:lightRig rig="threePt" dir="t"/>
     </dgm:scene3d>
-    <dgm:sp3d/>
     <dgm:txPr/>
     <dgm:style>
       <a:lnRef idx="2">
@@ -9602,7 +9701,6 @@
       <a:camera prst="orthographicFront"/>
       <a:lightRig rig="threePt" dir="t"/>
     </dgm:scene3d>
-    <dgm:sp3d/>
     <dgm:txPr/>
     <dgm:style>
       <a:lnRef idx="2">
@@ -9622,7 +9720,6 @@
       <a:camera prst="orthographicFront"/>
       <a:lightRig rig="threePt" dir="t"/>
     </dgm:scene3d>
-    <dgm:sp3d/>
     <dgm:txPr/>
     <dgm:style>
       <a:lnRef idx="2">
@@ -9642,7 +9739,6 @@
       <a:camera prst="orthographicFront"/>
       <a:lightRig rig="threePt" dir="t"/>
     </dgm:scene3d>
-    <dgm:sp3d/>
     <dgm:txPr/>
     <dgm:style>
       <a:lnRef idx="2">
@@ -9662,7 +9758,6 @@
       <a:camera prst="orthographicFront"/>
       <a:lightRig rig="threePt" dir="t"/>
     </dgm:scene3d>
-    <dgm:sp3d/>
     <dgm:txPr/>
     <dgm:style>
       <a:lnRef idx="2">
@@ -9684,7 +9779,6 @@
       <a:camera prst="orthographicFront"/>
       <a:lightRig rig="threePt" dir="t"/>
     </dgm:scene3d>
-    <dgm:sp3d/>
     <dgm:txPr/>
     <dgm:style>
       <a:lnRef idx="2">
@@ -9706,7 +9800,6 @@
       <a:camera prst="orthographicFront"/>
       <a:lightRig rig="threePt" dir="t"/>
     </dgm:scene3d>
-    <dgm:sp3d/>
     <dgm:txPr/>
     <dgm:style>
       <a:lnRef idx="2">
@@ -9728,7 +9821,6 @@
       <a:camera prst="orthographicFront"/>
       <a:lightRig rig="threePt" dir="t"/>
     </dgm:scene3d>
-    <dgm:sp3d/>
     <dgm:txPr/>
     <dgm:style>
       <a:lnRef idx="2">
@@ -9750,7 +9842,6 @@
       <a:camera prst="orthographicFront"/>
       <a:lightRig rig="threePt" dir="t"/>
     </dgm:scene3d>
-    <dgm:sp3d/>
     <dgm:txPr/>
     <dgm:style>
       <a:lnRef idx="2">
@@ -9772,7 +9863,6 @@
       <a:camera prst="orthographicFront"/>
       <a:lightRig rig="threePt" dir="t"/>
     </dgm:scene3d>
-    <dgm:sp3d/>
     <dgm:txPr/>
     <dgm:style>
       <a:lnRef idx="2">
@@ -9794,7 +9884,6 @@
       <a:camera prst="orthographicFront"/>
       <a:lightRig rig="threePt" dir="t"/>
     </dgm:scene3d>
-    <dgm:sp3d/>
     <dgm:txPr/>
     <dgm:style>
       <a:lnRef idx="2">
@@ -9814,7 +9903,6 @@
       <a:camera prst="orthographicFront"/>
       <a:lightRig rig="threePt" dir="t"/>
     </dgm:scene3d>
-    <dgm:sp3d/>
     <dgm:txPr/>
     <dgm:style>
       <a:lnRef idx="2">
@@ -9834,7 +9922,6 @@
       <a:camera prst="orthographicFront"/>
       <a:lightRig rig="threePt" dir="t"/>
     </dgm:scene3d>
-    <dgm:sp3d/>
     <dgm:txPr/>
     <dgm:style>
       <a:lnRef idx="2">
@@ -9854,7 +9941,6 @@
       <a:camera prst="orthographicFront"/>
       <a:lightRig rig="threePt" dir="t"/>
     </dgm:scene3d>
-    <dgm:sp3d/>
     <dgm:txPr/>
     <dgm:style>
       <a:lnRef idx="0">
@@ -9874,7 +9960,6 @@
       <a:camera prst="orthographicFront"/>
       <a:lightRig rig="threePt" dir="t"/>
     </dgm:scene3d>
-    <dgm:sp3d/>
     <dgm:txPr/>
     <dgm:style>
       <a:lnRef idx="0">
@@ -9896,7 +9981,6 @@
       <a:camera prst="orthographicFront"/>
       <a:lightRig rig="threePt" dir="t"/>
     </dgm:scene3d>
-    <dgm:sp3d/>
     <dgm:txPr/>
     <dgm:style>
       <a:lnRef idx="2">
@@ -9916,7 +10000,6 @@
       <a:camera prst="orthographicFront"/>
       <a:lightRig rig="threePt" dir="t"/>
     </dgm:scene3d>
-    <dgm:sp3d/>
     <dgm:txPr/>
     <dgm:style>
       <a:lnRef idx="2">
@@ -9936,7 +10019,6 @@
       <a:camera prst="orthographicFront"/>
       <a:lightRig rig="threePt" dir="t"/>
     </dgm:scene3d>
-    <dgm:sp3d/>
     <dgm:txPr/>
     <dgm:style>
       <a:lnRef idx="0">
@@ -9956,7 +10038,6 @@
       <a:camera prst="orthographicFront"/>
       <a:lightRig rig="threePt" dir="t"/>
     </dgm:scene3d>
-    <dgm:sp3d/>
     <dgm:txPr/>
     <dgm:style>
       <a:lnRef idx="2">
@@ -9976,7 +10057,6 @@
       <a:camera prst="orthographicFront"/>
       <a:lightRig rig="threePt" dir="t"/>
     </dgm:scene3d>
-    <dgm:sp3d/>
     <dgm:txPr/>
     <dgm:style>
       <a:lnRef idx="2">
@@ -9996,7 +10076,6 @@
       <a:camera prst="orthographicFront"/>
       <a:lightRig rig="threePt" dir="t"/>
     </dgm:scene3d>
-    <dgm:sp3d/>
     <dgm:txPr/>
     <dgm:style>
       <a:lnRef idx="2">
@@ -10016,7 +10095,6 @@
       <a:camera prst="orthographicFront"/>
       <a:lightRig rig="threePt" dir="t"/>
     </dgm:scene3d>
-    <dgm:sp3d/>
     <dgm:txPr/>
     <dgm:style>
       <a:lnRef idx="2">
@@ -10036,7 +10114,6 @@
       <a:camera prst="orthographicFront"/>
       <a:lightRig rig="threePt" dir="t"/>
     </dgm:scene3d>
-    <dgm:sp3d/>
     <dgm:txPr/>
     <dgm:style>
       <a:lnRef idx="2">
@@ -10056,7 +10133,6 @@
       <a:camera prst="orthographicFront"/>
       <a:lightRig rig="threePt" dir="t"/>
     </dgm:scene3d>
-    <dgm:sp3d/>
     <dgm:txPr/>
     <dgm:style>
       <a:lnRef idx="2">
@@ -10076,7 +10152,6 @@
       <a:camera prst="orthographicFront"/>
       <a:lightRig rig="threePt" dir="t"/>
     </dgm:scene3d>
-    <dgm:sp3d/>
     <dgm:txPr/>
     <dgm:style>
       <a:lnRef idx="2">
@@ -10096,7 +10171,6 @@
       <a:camera prst="orthographicFront"/>
       <a:lightRig rig="threePt" dir="t"/>
     </dgm:scene3d>
-    <dgm:sp3d/>
     <dgm:txPr/>
     <dgm:style>
       <a:lnRef idx="2">
@@ -10116,7 +10190,6 @@
       <a:camera prst="orthographicFront"/>
       <a:lightRig rig="threePt" dir="t"/>
     </dgm:scene3d>
-    <dgm:sp3d/>
     <dgm:txPr/>
     <dgm:style>
       <a:lnRef idx="0">
@@ -10138,7 +10211,6 @@
       <a:camera prst="orthographicFront"/>
       <a:lightRig rig="threePt" dir="t"/>
     </dgm:scene3d>
-    <dgm:sp3d/>
     <dgm:txPr/>
     <dgm:style>
       <a:lnRef idx="2">
@@ -10160,7 +10232,6 @@
       <a:camera prst="orthographicFront"/>
       <a:lightRig rig="threePt" dir="t"/>
     </dgm:scene3d>
-    <dgm:sp3d/>
     <dgm:txPr/>
     <dgm:style>
       <a:lnRef idx="2">
@@ -10182,7 +10253,6 @@
       <a:camera prst="orthographicFront"/>
       <a:lightRig rig="threePt" dir="t"/>
     </dgm:scene3d>
-    <dgm:sp3d/>
     <dgm:txPr/>
     <dgm:style>
       <a:lnRef idx="2">
@@ -10204,7 +10274,6 @@
       <a:camera prst="orthographicFront"/>
       <a:lightRig rig="threePt" dir="t"/>
     </dgm:scene3d>
-    <dgm:sp3d/>
     <dgm:txPr/>
     <dgm:style>
       <a:lnRef idx="2">
@@ -10226,7 +10295,6 @@
       <a:camera prst="orthographicFront"/>
       <a:lightRig rig="threePt" dir="t"/>
     </dgm:scene3d>
-    <dgm:sp3d/>
     <dgm:txPr/>
     <dgm:style>
       <a:lnRef idx="2">
@@ -10248,7 +10316,6 @@
       <a:camera prst="orthographicFront"/>
       <a:lightRig rig="threePt" dir="t"/>
     </dgm:scene3d>
-    <dgm:sp3d/>
     <dgm:txPr/>
     <dgm:style>
       <a:lnRef idx="2">
@@ -10270,7 +10337,6 @@
       <a:camera prst="orthographicFront"/>
       <a:lightRig rig="threePt" dir="t"/>
     </dgm:scene3d>
-    <dgm:sp3d/>
     <dgm:txPr/>
     <dgm:style>
       <a:lnRef idx="2">
@@ -10290,7 +10356,6 @@
       <a:camera prst="orthographicFront"/>
       <a:lightRig rig="threePt" dir="t"/>
     </dgm:scene3d>
-    <dgm:sp3d/>
     <dgm:txPr/>
     <dgm:style>
       <a:lnRef idx="2">
@@ -10310,7 +10375,6 @@
       <a:camera prst="orthographicFront"/>
       <a:lightRig rig="threePt" dir="t"/>
     </dgm:scene3d>
-    <dgm:sp3d/>
     <dgm:txPr/>
     <dgm:style>
       <a:lnRef idx="2">
@@ -10330,7 +10394,6 @@
       <a:camera prst="orthographicFront"/>
       <a:lightRig rig="threePt" dir="t"/>
     </dgm:scene3d>
-    <dgm:sp3d/>
     <dgm:txPr/>
     <dgm:style>
       <a:lnRef idx="2">
@@ -10350,7 +10413,6 @@
       <a:camera prst="orthographicFront"/>
       <a:lightRig rig="threePt" dir="t"/>
     </dgm:scene3d>
-    <dgm:sp3d/>
     <dgm:txPr/>
     <dgm:style>
       <a:lnRef idx="2">
@@ -10372,7 +10434,6 @@
       <a:camera prst="orthographicFront"/>
       <a:lightRig rig="threePt" dir="t"/>
     </dgm:scene3d>
-    <dgm:sp3d/>
     <dgm:txPr/>
     <dgm:style>
       <a:lnRef idx="2">
@@ -10394,7 +10455,6 @@
       <a:camera prst="orthographicFront"/>
       <a:lightRig rig="threePt" dir="t"/>
     </dgm:scene3d>
-    <dgm:sp3d/>
     <dgm:txPr/>
     <dgm:style>
       <a:lnRef idx="2">
@@ -10416,7 +10476,6 @@
       <a:camera prst="orthographicFront"/>
       <a:lightRig rig="threePt" dir="t"/>
     </dgm:scene3d>
-    <dgm:sp3d/>
     <dgm:txPr/>
     <dgm:style>
       <a:lnRef idx="2">
@@ -10438,7 +10497,6 @@
       <a:camera prst="orthographicFront"/>
       <a:lightRig rig="threePt" dir="t"/>
     </dgm:scene3d>
-    <dgm:sp3d/>
     <dgm:txPr/>
     <dgm:style>
       <a:lnRef idx="0">
@@ -10458,7 +10516,6 @@
       <a:camera prst="orthographicFront"/>
       <a:lightRig rig="threePt" dir="t"/>
     </dgm:scene3d>
-    <dgm:sp3d/>
     <dgm:txPr/>
     <dgm:style>
       <a:lnRef idx="1">
@@ -10478,7 +10535,6 @@
       <a:camera prst="orthographicFront"/>
       <a:lightRig rig="threePt" dir="t"/>
     </dgm:scene3d>
-    <dgm:sp3d/>
     <dgm:txPr/>
     <dgm:style>
       <a:lnRef idx="0">
@@ -10500,7 +10556,6 @@
       <a:camera prst="orthographicFront"/>
       <a:lightRig rig="threePt" dir="t"/>
     </dgm:scene3d>
-    <dgm:sp3d/>
     <dgm:txPr/>
     <dgm:style>
       <a:lnRef idx="2">
@@ -10520,7 +10575,6 @@
       <a:camera prst="orthographicFront"/>
       <a:lightRig rig="threePt" dir="t"/>
     </dgm:scene3d>
-    <dgm:sp3d/>
     <dgm:txPr/>
     <dgm:style>
       <a:lnRef idx="2">
@@ -10540,7 +10594,6 @@
       <a:camera prst="orthographicFront"/>
       <a:lightRig rig="threePt" dir="t"/>
     </dgm:scene3d>
-    <dgm:sp3d/>
     <dgm:txPr/>
     <dgm:style>
       <a:lnRef idx="2">
@@ -10560,7 +10613,6 @@
       <a:camera prst="orthographicFront"/>
       <a:lightRig rig="threePt" dir="t"/>
     </dgm:scene3d>
-    <dgm:sp3d/>
     <dgm:txPr/>
     <dgm:style>
       <a:lnRef idx="1">
@@ -10580,7 +10632,6 @@
       <a:camera prst="orthographicFront"/>
       <a:lightRig rig="threePt" dir="t"/>
     </dgm:scene3d>
-    <dgm:sp3d/>
     <dgm:txPr/>
     <dgm:style>
       <a:lnRef idx="0">
@@ -10600,7 +10651,6 @@
       <a:camera prst="orthographicFront"/>
       <a:lightRig rig="threePt" dir="t"/>
     </dgm:scene3d>
-    <dgm:sp3d/>
     <dgm:txPr/>
     <dgm:style>
       <a:lnRef idx="2">
@@ -10636,7 +10686,6 @@
       <a:camera prst="orthographicFront"/>
       <a:lightRig rig="threePt" dir="t"/>
     </dgm:scene3d>
-    <dgm:sp3d/>
     <dgm:txPr/>
     <dgm:style>
       <a:lnRef idx="2">
@@ -10656,7 +10705,6 @@
       <a:camera prst="orthographicFront"/>
       <a:lightRig rig="threePt" dir="t"/>
     </dgm:scene3d>
-    <dgm:sp3d/>
     <dgm:txPr/>
     <dgm:style>
       <a:lnRef idx="2">
@@ -10676,7 +10724,6 @@
       <a:camera prst="orthographicFront"/>
       <a:lightRig rig="threePt" dir="t"/>
     </dgm:scene3d>
-    <dgm:sp3d/>
     <dgm:txPr/>
     <dgm:style>
       <a:lnRef idx="2">
@@ -10696,7 +10743,6 @@
       <a:camera prst="orthographicFront"/>
       <a:lightRig rig="threePt" dir="t"/>
     </dgm:scene3d>
-    <dgm:sp3d/>
     <dgm:txPr/>
     <dgm:style>
       <a:lnRef idx="2">
@@ -10718,7 +10764,6 @@
       <a:camera prst="orthographicFront"/>
       <a:lightRig rig="threePt" dir="t"/>
     </dgm:scene3d>
-    <dgm:sp3d/>
     <dgm:txPr/>
     <dgm:style>
       <a:lnRef idx="2">
@@ -10740,7 +10785,6 @@
       <a:camera prst="orthographicFront"/>
       <a:lightRig rig="threePt" dir="t"/>
     </dgm:scene3d>
-    <dgm:sp3d/>
     <dgm:txPr/>
     <dgm:style>
       <a:lnRef idx="2">
@@ -10762,7 +10806,6 @@
       <a:camera prst="orthographicFront"/>
       <a:lightRig rig="threePt" dir="t"/>
     </dgm:scene3d>
-    <dgm:sp3d/>
     <dgm:txPr/>
     <dgm:style>
       <a:lnRef idx="2">
@@ -10784,7 +10827,6 @@
       <a:camera prst="orthographicFront"/>
       <a:lightRig rig="threePt" dir="t"/>
     </dgm:scene3d>
-    <dgm:sp3d/>
     <dgm:txPr/>
     <dgm:style>
       <a:lnRef idx="2">
@@ -10806,7 +10848,6 @@
       <a:camera prst="orthographicFront"/>
       <a:lightRig rig="threePt" dir="t"/>
     </dgm:scene3d>
-    <dgm:sp3d/>
     <dgm:txPr/>
     <dgm:style>
       <a:lnRef idx="2">
@@ -10828,7 +10869,6 @@
       <a:camera prst="orthographicFront"/>
       <a:lightRig rig="threePt" dir="t"/>
     </dgm:scene3d>
-    <dgm:sp3d/>
     <dgm:txPr/>
     <dgm:style>
       <a:lnRef idx="2">
@@ -10848,7 +10888,6 @@
       <a:camera prst="orthographicFront"/>
       <a:lightRig rig="threePt" dir="t"/>
     </dgm:scene3d>
-    <dgm:sp3d/>
     <dgm:txPr/>
     <dgm:style>
       <a:lnRef idx="2">
@@ -10868,7 +10907,6 @@
       <a:camera prst="orthographicFront"/>
       <a:lightRig rig="threePt" dir="t"/>
     </dgm:scene3d>
-    <dgm:sp3d/>
     <dgm:txPr/>
     <dgm:style>
       <a:lnRef idx="2">
@@ -10888,7 +10926,6 @@
       <a:camera prst="orthographicFront"/>
       <a:lightRig rig="threePt" dir="t"/>
     </dgm:scene3d>
-    <dgm:sp3d/>
     <dgm:txPr/>
     <dgm:style>
       <a:lnRef idx="0">
@@ -10908,7 +10945,6 @@
       <a:camera prst="orthographicFront"/>
       <a:lightRig rig="threePt" dir="t"/>
     </dgm:scene3d>
-    <dgm:sp3d/>
     <dgm:txPr/>
     <dgm:style>
       <a:lnRef idx="0">
@@ -10930,7 +10966,6 @@
       <a:camera prst="orthographicFront"/>
       <a:lightRig rig="threePt" dir="t"/>
     </dgm:scene3d>
-    <dgm:sp3d/>
     <dgm:txPr/>
     <dgm:style>
       <a:lnRef idx="2">
@@ -10950,7 +10985,6 @@
       <a:camera prst="orthographicFront"/>
       <a:lightRig rig="threePt" dir="t"/>
     </dgm:scene3d>
-    <dgm:sp3d/>
     <dgm:txPr/>
     <dgm:style>
       <a:lnRef idx="2">
@@ -10970,7 +11004,6 @@
       <a:camera prst="orthographicFront"/>
       <a:lightRig rig="threePt" dir="t"/>
     </dgm:scene3d>
-    <dgm:sp3d/>
     <dgm:txPr/>
     <dgm:style>
       <a:lnRef idx="0">
@@ -10990,7 +11023,6 @@
       <a:camera prst="orthographicFront"/>
       <a:lightRig rig="threePt" dir="t"/>
     </dgm:scene3d>
-    <dgm:sp3d/>
     <dgm:txPr/>
     <dgm:style>
       <a:lnRef idx="2">
@@ -11010,7 +11042,6 @@
       <a:camera prst="orthographicFront"/>
       <a:lightRig rig="threePt" dir="t"/>
     </dgm:scene3d>
-    <dgm:sp3d/>
     <dgm:txPr/>
     <dgm:style>
       <a:lnRef idx="2">
@@ -11030,7 +11061,6 @@
       <a:camera prst="orthographicFront"/>
       <a:lightRig rig="threePt" dir="t"/>
     </dgm:scene3d>
-    <dgm:sp3d/>
     <dgm:txPr/>
     <dgm:style>
       <a:lnRef idx="2">
@@ -11050,7 +11080,6 @@
       <a:camera prst="orthographicFront"/>
       <a:lightRig rig="threePt" dir="t"/>
     </dgm:scene3d>
-    <dgm:sp3d/>
     <dgm:txPr/>
     <dgm:style>
       <a:lnRef idx="2">
@@ -11070,7 +11099,6 @@
       <a:camera prst="orthographicFront"/>
       <a:lightRig rig="threePt" dir="t"/>
     </dgm:scene3d>
-    <dgm:sp3d/>
     <dgm:txPr/>
     <dgm:style>
       <a:lnRef idx="2">
@@ -11090,7 +11118,6 @@
       <a:camera prst="orthographicFront"/>
       <a:lightRig rig="threePt" dir="t"/>
     </dgm:scene3d>
-    <dgm:sp3d/>
     <dgm:txPr/>
     <dgm:style>
       <a:lnRef idx="2">
@@ -11110,7 +11137,6 @@
       <a:camera prst="orthographicFront"/>
       <a:lightRig rig="threePt" dir="t"/>
     </dgm:scene3d>
-    <dgm:sp3d/>
     <dgm:txPr/>
     <dgm:style>
       <a:lnRef idx="2">
@@ -11130,7 +11156,6 @@
       <a:camera prst="orthographicFront"/>
       <a:lightRig rig="threePt" dir="t"/>
     </dgm:scene3d>
-    <dgm:sp3d/>
     <dgm:txPr/>
     <dgm:style>
       <a:lnRef idx="2">
@@ -11150,7 +11175,6 @@
       <a:camera prst="orthographicFront"/>
       <a:lightRig rig="threePt" dir="t"/>
     </dgm:scene3d>
-    <dgm:sp3d/>
     <dgm:txPr/>
     <dgm:style>
       <a:lnRef idx="0">
@@ -11172,7 +11196,6 @@
       <a:camera prst="orthographicFront"/>
       <a:lightRig rig="threePt" dir="t"/>
     </dgm:scene3d>
-    <dgm:sp3d/>
     <dgm:txPr/>
     <dgm:style>
       <a:lnRef idx="2">
@@ -11194,7 +11217,6 @@
       <a:camera prst="orthographicFront"/>
       <a:lightRig rig="threePt" dir="t"/>
     </dgm:scene3d>
-    <dgm:sp3d/>
     <dgm:txPr/>
     <dgm:style>
       <a:lnRef idx="2">
@@ -11216,7 +11238,6 @@
       <a:camera prst="orthographicFront"/>
       <a:lightRig rig="threePt" dir="t"/>
     </dgm:scene3d>
-    <dgm:sp3d/>
     <dgm:txPr/>
     <dgm:style>
       <a:lnRef idx="2">
@@ -11238,7 +11259,6 @@
       <a:camera prst="orthographicFront"/>
       <a:lightRig rig="threePt" dir="t"/>
     </dgm:scene3d>
-    <dgm:sp3d/>
     <dgm:txPr/>
     <dgm:style>
       <a:lnRef idx="2">
@@ -11260,7 +11280,6 @@
       <a:camera prst="orthographicFront"/>
       <a:lightRig rig="threePt" dir="t"/>
     </dgm:scene3d>
-    <dgm:sp3d/>
     <dgm:txPr/>
     <dgm:style>
       <a:lnRef idx="2">
@@ -11282,7 +11301,6 @@
       <a:camera prst="orthographicFront"/>
       <a:lightRig rig="threePt" dir="t"/>
     </dgm:scene3d>
-    <dgm:sp3d/>
     <dgm:txPr/>
     <dgm:style>
       <a:lnRef idx="2">
@@ -11304,7 +11322,6 @@
       <a:camera prst="orthographicFront"/>
       <a:lightRig rig="threePt" dir="t"/>
     </dgm:scene3d>
-    <dgm:sp3d/>
     <dgm:txPr/>
     <dgm:style>
       <a:lnRef idx="2">
@@ -11324,7 +11341,6 @@
       <a:camera prst="orthographicFront"/>
       <a:lightRig rig="threePt" dir="t"/>
     </dgm:scene3d>
-    <dgm:sp3d/>
     <dgm:txPr/>
     <dgm:style>
       <a:lnRef idx="2">
@@ -11344,7 +11360,6 @@
       <a:camera prst="orthographicFront"/>
       <a:lightRig rig="threePt" dir="t"/>
     </dgm:scene3d>
-    <dgm:sp3d/>
     <dgm:txPr/>
     <dgm:style>
       <a:lnRef idx="2">
@@ -11364,7 +11379,6 @@
       <a:camera prst="orthographicFront"/>
       <a:lightRig rig="threePt" dir="t"/>
     </dgm:scene3d>
-    <dgm:sp3d/>
     <dgm:txPr/>
     <dgm:style>
       <a:lnRef idx="2">
@@ -11384,7 +11398,6 @@
       <a:camera prst="orthographicFront"/>
       <a:lightRig rig="threePt" dir="t"/>
     </dgm:scene3d>
-    <dgm:sp3d/>
     <dgm:txPr/>
     <dgm:style>
       <a:lnRef idx="2">
@@ -11406,7 +11419,6 @@
       <a:camera prst="orthographicFront"/>
       <a:lightRig rig="threePt" dir="t"/>
     </dgm:scene3d>
-    <dgm:sp3d/>
     <dgm:txPr/>
     <dgm:style>
       <a:lnRef idx="2">
@@ -11428,7 +11440,6 @@
       <a:camera prst="orthographicFront"/>
       <a:lightRig rig="threePt" dir="t"/>
     </dgm:scene3d>
-    <dgm:sp3d/>
     <dgm:txPr/>
     <dgm:style>
       <a:lnRef idx="2">
@@ -11450,7 +11461,6 @@
       <a:camera prst="orthographicFront"/>
       <a:lightRig rig="threePt" dir="t"/>
     </dgm:scene3d>
-    <dgm:sp3d/>
     <dgm:txPr/>
     <dgm:style>
       <a:lnRef idx="2">
@@ -11472,7 +11482,6 @@
       <a:camera prst="orthographicFront"/>
       <a:lightRig rig="threePt" dir="t"/>
     </dgm:scene3d>
-    <dgm:sp3d/>
     <dgm:txPr/>
     <dgm:style>
       <a:lnRef idx="0">
@@ -11492,7 +11501,6 @@
       <a:camera prst="orthographicFront"/>
       <a:lightRig rig="threePt" dir="t"/>
     </dgm:scene3d>
-    <dgm:sp3d/>
     <dgm:txPr/>
     <dgm:style>
       <a:lnRef idx="1">
@@ -11512,7 +11520,6 @@
       <a:camera prst="orthographicFront"/>
       <a:lightRig rig="threePt" dir="t"/>
     </dgm:scene3d>
-    <dgm:sp3d/>
     <dgm:txPr/>
     <dgm:style>
       <a:lnRef idx="0">
@@ -11534,7 +11541,6 @@
       <a:camera prst="orthographicFront"/>
       <a:lightRig rig="threePt" dir="t"/>
     </dgm:scene3d>
-    <dgm:sp3d/>
     <dgm:txPr/>
     <dgm:style>
       <a:lnRef idx="2">
@@ -11554,7 +11560,6 @@
       <a:camera prst="orthographicFront"/>
       <a:lightRig rig="threePt" dir="t"/>
     </dgm:scene3d>
-    <dgm:sp3d/>
     <dgm:txPr/>
     <dgm:style>
       <a:lnRef idx="2">
@@ -11574,7 +11579,6 @@
       <a:camera prst="orthographicFront"/>
       <a:lightRig rig="threePt" dir="t"/>
     </dgm:scene3d>
-    <dgm:sp3d/>
     <dgm:txPr/>
     <dgm:style>
       <a:lnRef idx="2">
@@ -11594,7 +11598,6 @@
       <a:camera prst="orthographicFront"/>
       <a:lightRig rig="threePt" dir="t"/>
     </dgm:scene3d>
-    <dgm:sp3d/>
     <dgm:txPr/>
     <dgm:style>
       <a:lnRef idx="1">
@@ -11614,7 +11617,6 @@
       <a:camera prst="orthographicFront"/>
       <a:lightRig rig="threePt" dir="t"/>
     </dgm:scene3d>
-    <dgm:sp3d/>
     <dgm:txPr/>
     <dgm:style>
       <a:lnRef idx="0">
@@ -11634,7 +11636,6 @@
       <a:camera prst="orthographicFront"/>
       <a:lightRig rig="threePt" dir="t"/>
     </dgm:scene3d>
-    <dgm:sp3d/>
     <dgm:txPr/>
     <dgm:style>
       <a:lnRef idx="2">
@@ -11670,7 +11671,6 @@
       <a:camera prst="orthographicFront"/>
       <a:lightRig rig="threePt" dir="t"/>
     </dgm:scene3d>
-    <dgm:sp3d/>
     <dgm:txPr/>
     <dgm:style>
       <a:lnRef idx="2">
@@ -11690,7 +11690,6 @@
       <a:camera prst="orthographicFront"/>
       <a:lightRig rig="threePt" dir="t"/>
     </dgm:scene3d>
-    <dgm:sp3d/>
     <dgm:txPr/>
     <dgm:style>
       <a:lnRef idx="2">
@@ -11710,7 +11709,6 @@
       <a:camera prst="orthographicFront"/>
       <a:lightRig rig="threePt" dir="t"/>
     </dgm:scene3d>
-    <dgm:sp3d/>
     <dgm:txPr/>
     <dgm:style>
       <a:lnRef idx="2">
@@ -11730,7 +11728,6 @@
       <a:camera prst="orthographicFront"/>
       <a:lightRig rig="threePt" dir="t"/>
     </dgm:scene3d>
-    <dgm:sp3d/>
     <dgm:txPr/>
     <dgm:style>
       <a:lnRef idx="2">
@@ -11752,7 +11749,6 @@
       <a:camera prst="orthographicFront"/>
       <a:lightRig rig="threePt" dir="t"/>
     </dgm:scene3d>
-    <dgm:sp3d/>
     <dgm:txPr/>
     <dgm:style>
       <a:lnRef idx="2">
@@ -11774,7 +11770,6 @@
       <a:camera prst="orthographicFront"/>
       <a:lightRig rig="threePt" dir="t"/>
     </dgm:scene3d>
-    <dgm:sp3d/>
     <dgm:txPr/>
     <dgm:style>
       <a:lnRef idx="2">
@@ -11796,7 +11791,6 @@
       <a:camera prst="orthographicFront"/>
       <a:lightRig rig="threePt" dir="t"/>
     </dgm:scene3d>
-    <dgm:sp3d/>
     <dgm:txPr/>
     <dgm:style>
       <a:lnRef idx="2">
@@ -11818,7 +11812,6 @@
       <a:camera prst="orthographicFront"/>
       <a:lightRig rig="threePt" dir="t"/>
     </dgm:scene3d>
-    <dgm:sp3d/>
     <dgm:txPr/>
     <dgm:style>
       <a:lnRef idx="2">
@@ -11840,7 +11833,6 @@
       <a:camera prst="orthographicFront"/>
       <a:lightRig rig="threePt" dir="t"/>
     </dgm:scene3d>
-    <dgm:sp3d/>
     <dgm:txPr/>
     <dgm:style>
       <a:lnRef idx="2">
@@ -11862,7 +11854,6 @@
       <a:camera prst="orthographicFront"/>
       <a:lightRig rig="threePt" dir="t"/>
     </dgm:scene3d>
-    <dgm:sp3d/>
     <dgm:txPr/>
     <dgm:style>
       <a:lnRef idx="2">
@@ -11882,7 +11873,6 @@
       <a:camera prst="orthographicFront"/>
       <a:lightRig rig="threePt" dir="t"/>
     </dgm:scene3d>
-    <dgm:sp3d/>
     <dgm:txPr/>
     <dgm:style>
       <a:lnRef idx="2">
@@ -11902,7 +11892,6 @@
       <a:camera prst="orthographicFront"/>
       <a:lightRig rig="threePt" dir="t"/>
     </dgm:scene3d>
-    <dgm:sp3d/>
     <dgm:txPr/>
     <dgm:style>
       <a:lnRef idx="2">
@@ -11922,7 +11911,6 @@
       <a:camera prst="orthographicFront"/>
       <a:lightRig rig="threePt" dir="t"/>
     </dgm:scene3d>
-    <dgm:sp3d/>
     <dgm:txPr/>
     <dgm:style>
       <a:lnRef idx="0">
@@ -11942,7 +11930,6 @@
       <a:camera prst="orthographicFront"/>
       <a:lightRig rig="threePt" dir="t"/>
     </dgm:scene3d>
-    <dgm:sp3d/>
     <dgm:txPr/>
     <dgm:style>
       <a:lnRef idx="0">
@@ -11964,7 +11951,6 @@
       <a:camera prst="orthographicFront"/>
       <a:lightRig rig="threePt" dir="t"/>
     </dgm:scene3d>
-    <dgm:sp3d/>
     <dgm:txPr/>
     <dgm:style>
       <a:lnRef idx="2">
@@ -11984,7 +11970,6 @@
       <a:camera prst="orthographicFront"/>
       <a:lightRig rig="threePt" dir="t"/>
     </dgm:scene3d>
-    <dgm:sp3d/>
     <dgm:txPr/>
     <dgm:style>
       <a:lnRef idx="2">
@@ -12004,7 +11989,6 @@
       <a:camera prst="orthographicFront"/>
       <a:lightRig rig="threePt" dir="t"/>
     </dgm:scene3d>
-    <dgm:sp3d/>
     <dgm:txPr/>
     <dgm:style>
       <a:lnRef idx="0">
@@ -12024,7 +12008,6 @@
       <a:camera prst="orthographicFront"/>
       <a:lightRig rig="threePt" dir="t"/>
     </dgm:scene3d>
-    <dgm:sp3d/>
     <dgm:txPr/>
     <dgm:style>
       <a:lnRef idx="2">
@@ -12044,7 +12027,6 @@
       <a:camera prst="orthographicFront"/>
       <a:lightRig rig="threePt" dir="t"/>
     </dgm:scene3d>
-    <dgm:sp3d/>
     <dgm:txPr/>
     <dgm:style>
       <a:lnRef idx="2">
@@ -12064,7 +12046,6 @@
       <a:camera prst="orthographicFront"/>
       <a:lightRig rig="threePt" dir="t"/>
     </dgm:scene3d>
-    <dgm:sp3d/>
     <dgm:txPr/>
     <dgm:style>
       <a:lnRef idx="2">
@@ -12084,7 +12065,6 @@
       <a:camera prst="orthographicFront"/>
       <a:lightRig rig="threePt" dir="t"/>
     </dgm:scene3d>
-    <dgm:sp3d/>
     <dgm:txPr/>
     <dgm:style>
       <a:lnRef idx="2">
@@ -12104,7 +12084,6 @@
       <a:camera prst="orthographicFront"/>
       <a:lightRig rig="threePt" dir="t"/>
     </dgm:scene3d>
-    <dgm:sp3d/>
     <dgm:txPr/>
     <dgm:style>
       <a:lnRef idx="2">
@@ -12124,7 +12103,6 @@
       <a:camera prst="orthographicFront"/>
       <a:lightRig rig="threePt" dir="t"/>
     </dgm:scene3d>
-    <dgm:sp3d/>
     <dgm:txPr/>
     <dgm:style>
       <a:lnRef idx="2">
@@ -12144,7 +12122,6 @@
       <a:camera prst="orthographicFront"/>
       <a:lightRig rig="threePt" dir="t"/>
     </dgm:scene3d>
-    <dgm:sp3d/>
     <dgm:txPr/>
     <dgm:style>
       <a:lnRef idx="2">
@@ -12164,7 +12141,6 @@
       <a:camera prst="orthographicFront"/>
       <a:lightRig rig="threePt" dir="t"/>
     </dgm:scene3d>
-    <dgm:sp3d/>
     <dgm:txPr/>
     <dgm:style>
       <a:lnRef idx="2">
@@ -12184,7 +12160,6 @@
       <a:camera prst="orthographicFront"/>
       <a:lightRig rig="threePt" dir="t"/>
     </dgm:scene3d>
-    <dgm:sp3d/>
     <dgm:txPr/>
     <dgm:style>
       <a:lnRef idx="0">
@@ -12206,7 +12181,6 @@
       <a:camera prst="orthographicFront"/>
       <a:lightRig rig="threePt" dir="t"/>
     </dgm:scene3d>
-    <dgm:sp3d/>
     <dgm:txPr/>
     <dgm:style>
       <a:lnRef idx="2">
@@ -12228,7 +12202,6 @@
       <a:camera prst="orthographicFront"/>
       <a:lightRig rig="threePt" dir="t"/>
     </dgm:scene3d>
-    <dgm:sp3d/>
     <dgm:txPr/>
     <dgm:style>
       <a:lnRef idx="2">
@@ -12250,7 +12223,6 @@
       <a:camera prst="orthographicFront"/>
       <a:lightRig rig="threePt" dir="t"/>
     </dgm:scene3d>
-    <dgm:sp3d/>
     <dgm:txPr/>
     <dgm:style>
       <a:lnRef idx="2">
@@ -12272,7 +12244,6 @@
       <a:camera prst="orthographicFront"/>
       <a:lightRig rig="threePt" dir="t"/>
     </dgm:scene3d>
-    <dgm:sp3d/>
     <dgm:txPr/>
     <dgm:style>
       <a:lnRef idx="2">
@@ -12294,7 +12265,6 @@
       <a:camera prst="orthographicFront"/>
       <a:lightRig rig="threePt" dir="t"/>
     </dgm:scene3d>
-    <dgm:sp3d/>
     <dgm:txPr/>
     <dgm:style>
       <a:lnRef idx="2">
@@ -12316,7 +12286,6 @@
       <a:camera prst="orthographicFront"/>
       <a:lightRig rig="threePt" dir="t"/>
     </dgm:scene3d>
-    <dgm:sp3d/>
     <dgm:txPr/>
     <dgm:style>
       <a:lnRef idx="2">
@@ -12338,7 +12307,6 @@
       <a:camera prst="orthographicFront"/>
       <a:lightRig rig="threePt" dir="t"/>
     </dgm:scene3d>
-    <dgm:sp3d/>
     <dgm:txPr/>
     <dgm:style>
       <a:lnRef idx="2">
@@ -12358,7 +12326,6 @@
       <a:camera prst="orthographicFront"/>
       <a:lightRig rig="threePt" dir="t"/>
     </dgm:scene3d>
-    <dgm:sp3d/>
     <dgm:txPr/>
     <dgm:style>
       <a:lnRef idx="2">
@@ -12378,7 +12345,6 @@
       <a:camera prst="orthographicFront"/>
       <a:lightRig rig="threePt" dir="t"/>
     </dgm:scene3d>
-    <dgm:sp3d/>
     <dgm:txPr/>
     <dgm:style>
       <a:lnRef idx="2">
@@ -12398,7 +12364,6 @@
       <a:camera prst="orthographicFront"/>
       <a:lightRig rig="threePt" dir="t"/>
     </dgm:scene3d>
-    <dgm:sp3d/>
     <dgm:txPr/>
     <dgm:style>
       <a:lnRef idx="2">
@@ -12418,7 +12383,6 @@
       <a:camera prst="orthographicFront"/>
       <a:lightRig rig="threePt" dir="t"/>
     </dgm:scene3d>
-    <dgm:sp3d/>
     <dgm:txPr/>
     <dgm:style>
       <a:lnRef idx="2">
@@ -12440,7 +12404,6 @@
       <a:camera prst="orthographicFront"/>
       <a:lightRig rig="threePt" dir="t"/>
     </dgm:scene3d>
-    <dgm:sp3d/>
     <dgm:txPr/>
     <dgm:style>
       <a:lnRef idx="2">
@@ -12462,7 +12425,6 @@
       <a:camera prst="orthographicFront"/>
       <a:lightRig rig="threePt" dir="t"/>
     </dgm:scene3d>
-    <dgm:sp3d/>
     <dgm:txPr/>
     <dgm:style>
       <a:lnRef idx="2">
@@ -12484,7 +12446,6 @@
       <a:camera prst="orthographicFront"/>
       <a:lightRig rig="threePt" dir="t"/>
     </dgm:scene3d>
-    <dgm:sp3d/>
     <dgm:txPr/>
     <dgm:style>
       <a:lnRef idx="2">
@@ -12506,7 +12467,6 @@
       <a:camera prst="orthographicFront"/>
       <a:lightRig rig="threePt" dir="t"/>
     </dgm:scene3d>
-    <dgm:sp3d/>
     <dgm:txPr/>
     <dgm:style>
       <a:lnRef idx="0">
@@ -12526,7 +12486,6 @@
       <a:camera prst="orthographicFront"/>
       <a:lightRig rig="threePt" dir="t"/>
     </dgm:scene3d>
-    <dgm:sp3d/>
     <dgm:txPr/>
     <dgm:style>
       <a:lnRef idx="1">
@@ -12546,7 +12505,6 @@
       <a:camera prst="orthographicFront"/>
       <a:lightRig rig="threePt" dir="t"/>
     </dgm:scene3d>
-    <dgm:sp3d/>
     <dgm:txPr/>
     <dgm:style>
       <a:lnRef idx="0">
@@ -12568,7 +12526,6 @@
       <a:camera prst="orthographicFront"/>
       <a:lightRig rig="threePt" dir="t"/>
     </dgm:scene3d>
-    <dgm:sp3d/>
     <dgm:txPr/>
     <dgm:style>
       <a:lnRef idx="2">
@@ -12588,7 +12545,6 @@
       <a:camera prst="orthographicFront"/>
       <a:lightRig rig="threePt" dir="t"/>
     </dgm:scene3d>
-    <dgm:sp3d/>
     <dgm:txPr/>
     <dgm:style>
       <a:lnRef idx="2">
@@ -12608,7 +12564,6 @@
       <a:camera prst="orthographicFront"/>
       <a:lightRig rig="threePt" dir="t"/>
     </dgm:scene3d>
-    <dgm:sp3d/>
     <dgm:txPr/>
     <dgm:style>
       <a:lnRef idx="2">
@@ -12628,7 +12583,6 @@
       <a:camera prst="orthographicFront"/>
       <a:lightRig rig="threePt" dir="t"/>
     </dgm:scene3d>
-    <dgm:sp3d/>
     <dgm:txPr/>
     <dgm:style>
       <a:lnRef idx="1">
@@ -12648,7 +12602,6 @@
       <a:camera prst="orthographicFront"/>
       <a:lightRig rig="threePt" dir="t"/>
     </dgm:scene3d>
-    <dgm:sp3d/>
     <dgm:txPr/>
     <dgm:style>
       <a:lnRef idx="0">
@@ -12668,7 +12621,6 @@
       <a:camera prst="orthographicFront"/>
       <a:lightRig rig="threePt" dir="t"/>
     </dgm:scene3d>
-    <dgm:sp3d/>
     <dgm:txPr/>
     <dgm:style>
       <a:lnRef idx="2">
@@ -12770,7 +12722,6 @@
           <a:p>
             <a:fld id="{DC4BD341-C8BA-4F03-B5F5-EBD7E71B4F25}" type="datetimeFigureOut">
               <a:rPr lang="zh-CN" altLang="en-US" smtClean="0"/>
-              <a:t>2023/11/30</a:t>
             </a:fld>
             <a:endParaRPr lang="zh-CN" altLang="en-US"/>
           </a:p>
@@ -12837,6 +12788,7 @@
               <a:rPr lang="en-US" altLang="zh-CN"/>
               <a:t>Click to edit Master text styles</a:t>
             </a:r>
+            <a:endParaRPr lang="en-US" altLang="zh-CN"/>
           </a:p>
           <a:p>
             <a:pPr lvl="1"/>
@@ -12844,6 +12796,7 @@
               <a:rPr lang="en-US" altLang="zh-CN"/>
               <a:t>Second level</a:t>
             </a:r>
+            <a:endParaRPr lang="en-US" altLang="zh-CN"/>
           </a:p>
           <a:p>
             <a:pPr lvl="2"/>
@@ -12851,6 +12804,7 @@
               <a:rPr lang="en-US" altLang="zh-CN"/>
               <a:t>Third level</a:t>
             </a:r>
+            <a:endParaRPr lang="en-US" altLang="zh-CN"/>
           </a:p>
           <a:p>
             <a:pPr lvl="3"/>
@@ -12858,6 +12812,7 @@
               <a:rPr lang="en-US" altLang="zh-CN"/>
               <a:t>Fourth level</a:t>
             </a:r>
+            <a:endParaRPr lang="en-US" altLang="zh-CN"/>
           </a:p>
           <a:p>
             <a:pPr lvl="4"/>
@@ -12929,7 +12884,6 @@
           <a:p>
             <a:fld id="{057FAD25-51B6-419D-B421-616EF620C45E}" type="slidenum">
               <a:rPr lang="zh-CN" altLang="en-US" smtClean="0"/>
-              <a:t>‹#›</a:t>
             </a:fld>
             <a:endParaRPr lang="zh-CN" altLang="en-US"/>
           </a:p>
@@ -13098,7 +13052,6 @@
           <a:p>
             <a:fld id="{057FAD25-51B6-419D-B421-616EF620C45E}" type="slidenum">
               <a:rPr lang="zh-CN" altLang="en-US" smtClean="0"/>
-              <a:t>1</a:t>
             </a:fld>
             <a:endParaRPr lang="zh-CN" altLang="en-US"/>
           </a:p>
@@ -13177,7 +13130,6 @@
           <a:p>
             <a:fld id="{057FAD25-51B6-419D-B421-616EF620C45E}" type="slidenum">
               <a:rPr lang="zh-CN" altLang="en-US" smtClean="0"/>
-              <a:t>2</a:t>
             </a:fld>
             <a:endParaRPr lang="zh-CN" altLang="en-US"/>
           </a:p>
@@ -13256,7 +13208,6 @@
           <a:p>
             <a:fld id="{057FAD25-51B6-419D-B421-616EF620C45E}" type="slidenum">
               <a:rPr lang="zh-CN" altLang="en-US" smtClean="0"/>
-              <a:t>3</a:t>
             </a:fld>
             <a:endParaRPr lang="zh-CN" altLang="en-US"/>
           </a:p>
@@ -13335,7 +13286,6 @@
           <a:p>
             <a:fld id="{057FAD25-51B6-419D-B421-616EF620C45E}" type="slidenum">
               <a:rPr lang="zh-CN" altLang="en-US" smtClean="0"/>
-              <a:t>4</a:t>
             </a:fld>
             <a:endParaRPr lang="zh-CN" altLang="en-US"/>
           </a:p>
@@ -13414,7 +13364,6 @@
           <a:p>
             <a:fld id="{057FAD25-51B6-419D-B421-616EF620C45E}" type="slidenum">
               <a:rPr lang="zh-CN" altLang="en-US" smtClean="0"/>
-              <a:t>6</a:t>
             </a:fld>
             <a:endParaRPr lang="zh-CN" altLang="en-US"/>
           </a:p>
@@ -13493,7 +13442,6 @@
           <a:p>
             <a:fld id="{057FAD25-51B6-419D-B421-616EF620C45E}" type="slidenum">
               <a:rPr lang="zh-CN" altLang="en-US" smtClean="0"/>
-              <a:t>7</a:t>
             </a:fld>
             <a:endParaRPr lang="zh-CN" altLang="en-US"/>
           </a:p>
@@ -13572,7 +13520,6 @@
           <a:p>
             <a:fld id="{057FAD25-51B6-419D-B421-616EF620C45E}" type="slidenum">
               <a:rPr lang="zh-CN" altLang="en-US" smtClean="0"/>
-              <a:t>11</a:t>
             </a:fld>
             <a:endParaRPr lang="zh-CN" altLang="en-US"/>
           </a:p>
@@ -13651,7 +13598,6 @@
           <a:p>
             <a:fld id="{057FAD25-51B6-419D-B421-616EF620C45E}" type="slidenum">
               <a:rPr lang="zh-CN" altLang="en-US" smtClean="0"/>
-              <a:t>15</a:t>
             </a:fld>
             <a:endParaRPr lang="zh-CN" altLang="en-US"/>
           </a:p>
@@ -13730,7 +13676,6 @@
           <a:p>
             <a:fld id="{057FAD25-51B6-419D-B421-616EF620C45E}" type="slidenum">
               <a:rPr lang="zh-CN" altLang="en-US" smtClean="0"/>
-              <a:t>17</a:t>
             </a:fld>
             <a:endParaRPr lang="zh-CN" altLang="en-US"/>
           </a:p>
@@ -13875,7 +13820,6 @@
           <a:p>
             <a:fld id="{C43A76A3-ADC8-4477-8FC1-B9DD55D84908}" type="datetime1">
               <a:rPr lang="en-US" smtClean="0"/>
-              <a:t>11/30/2023</a:t>
             </a:fld>
             <a:endParaRPr lang="en-US" dirty="0"/>
           </a:p>
@@ -13917,7 +13861,6 @@
           <a:p>
             <a:fld id="{35747434-7036-48DB-A148-6B3D8EE75CDA}" type="slidenum">
               <a:rPr lang="en-US" smtClean="0"/>
-              <a:t>‹#›</a:t>
             </a:fld>
             <a:endParaRPr lang="en-US" dirty="0"/>
           </a:p>
@@ -13967,6 +13910,7 @@
               <a:rPr lang="en-US"/>
               <a:t>Click to edit Master title style</a:t>
             </a:r>
+            <a:endParaRPr lang="en-US"/>
           </a:p>
         </p:txBody>
       </p:sp>
@@ -13990,6 +13934,7 @@
               <a:rPr lang="en-US"/>
               <a:t>Click to edit Master text styles</a:t>
             </a:r>
+            <a:endParaRPr lang="en-US"/>
           </a:p>
           <a:p>
             <a:pPr lvl="1"/>
@@ -13997,6 +13942,7 @@
               <a:rPr lang="en-US"/>
               <a:t>Second level</a:t>
             </a:r>
+            <a:endParaRPr lang="en-US"/>
           </a:p>
           <a:p>
             <a:pPr lvl="2"/>
@@ -14004,6 +13950,7 @@
               <a:rPr lang="en-US"/>
               <a:t>Third level</a:t>
             </a:r>
+            <a:endParaRPr lang="en-US"/>
           </a:p>
           <a:p>
             <a:pPr lvl="3"/>
@@ -14011,6 +13958,7 @@
               <a:rPr lang="en-US"/>
               <a:t>Fourth level</a:t>
             </a:r>
+            <a:endParaRPr lang="en-US"/>
           </a:p>
           <a:p>
             <a:pPr lvl="4"/>
@@ -14018,6 +13966,7 @@
               <a:rPr lang="en-US"/>
               <a:t>Fifth level</a:t>
             </a:r>
+            <a:endParaRPr lang="en-US"/>
           </a:p>
         </p:txBody>
       </p:sp>
@@ -14038,7 +13987,6 @@
           <a:p>
             <a:fld id="{D6762538-DC4D-4667-96E5-B3278DDF8B12}" type="datetime1">
               <a:rPr lang="en-US" smtClean="0"/>
-              <a:t>11/30/2023</a:t>
             </a:fld>
             <a:endParaRPr lang="en-US"/>
           </a:p>
@@ -14080,7 +14028,6 @@
           <a:p>
             <a:fld id="{35747434-7036-48DB-A148-6B3D8EE75CDA}" type="slidenum">
               <a:rPr lang="en-US" smtClean="0"/>
-              <a:t>‹#›</a:t>
             </a:fld>
             <a:endParaRPr lang="en-US"/>
           </a:p>
@@ -14135,6 +14082,7 @@
               <a:rPr lang="en-US"/>
               <a:t>Click to edit Master title style</a:t>
             </a:r>
+            <a:endParaRPr lang="en-US"/>
           </a:p>
         </p:txBody>
       </p:sp>
@@ -14163,6 +14111,7 @@
               <a:rPr lang="en-US"/>
               <a:t>Click to edit Master text styles</a:t>
             </a:r>
+            <a:endParaRPr lang="en-US"/>
           </a:p>
           <a:p>
             <a:pPr lvl="1"/>
@@ -14170,6 +14119,7 @@
               <a:rPr lang="en-US"/>
               <a:t>Second level</a:t>
             </a:r>
+            <a:endParaRPr lang="en-US"/>
           </a:p>
           <a:p>
             <a:pPr lvl="2"/>
@@ -14177,6 +14127,7 @@
               <a:rPr lang="en-US"/>
               <a:t>Third level</a:t>
             </a:r>
+            <a:endParaRPr lang="en-US"/>
           </a:p>
           <a:p>
             <a:pPr lvl="3"/>
@@ -14184,6 +14135,7 @@
               <a:rPr lang="en-US"/>
               <a:t>Fourth level</a:t>
             </a:r>
+            <a:endParaRPr lang="en-US"/>
           </a:p>
           <a:p>
             <a:pPr lvl="4"/>
@@ -14191,6 +14143,7 @@
               <a:rPr lang="en-US"/>
               <a:t>Fifth level</a:t>
             </a:r>
+            <a:endParaRPr lang="en-US"/>
           </a:p>
         </p:txBody>
       </p:sp>
@@ -14211,7 +14164,6 @@
           <a:p>
             <a:fld id="{05880548-5C08-4BE3-B63E-F2BB63B0B00C}" type="datetime1">
               <a:rPr lang="en-US" smtClean="0"/>
-              <a:t>11/30/2023</a:t>
             </a:fld>
             <a:endParaRPr lang="en-US"/>
           </a:p>
@@ -14253,7 +14205,6 @@
           <a:p>
             <a:fld id="{35747434-7036-48DB-A148-6B3D8EE75CDA}" type="slidenum">
               <a:rPr lang="en-US" smtClean="0"/>
-              <a:t>‹#›</a:t>
             </a:fld>
             <a:endParaRPr lang="en-US"/>
           </a:p>
@@ -14303,6 +14254,7 @@
               <a:rPr lang="en-US"/>
               <a:t>Click to edit Master title style</a:t>
             </a:r>
+            <a:endParaRPr lang="en-US"/>
           </a:p>
         </p:txBody>
       </p:sp>
@@ -14326,6 +14278,7 @@
               <a:rPr lang="en-US"/>
               <a:t>Click to edit Master text styles</a:t>
             </a:r>
+            <a:endParaRPr lang="en-US"/>
           </a:p>
           <a:p>
             <a:pPr lvl="1"/>
@@ -14333,6 +14286,7 @@
               <a:rPr lang="en-US"/>
               <a:t>Second level</a:t>
             </a:r>
+            <a:endParaRPr lang="en-US"/>
           </a:p>
           <a:p>
             <a:pPr lvl="2"/>
@@ -14340,6 +14294,7 @@
               <a:rPr lang="en-US"/>
               <a:t>Third level</a:t>
             </a:r>
+            <a:endParaRPr lang="en-US"/>
           </a:p>
           <a:p>
             <a:pPr lvl="3"/>
@@ -14347,6 +14302,7 @@
               <a:rPr lang="en-US"/>
               <a:t>Fourth level</a:t>
             </a:r>
+            <a:endParaRPr lang="en-US"/>
           </a:p>
           <a:p>
             <a:pPr lvl="4"/>
@@ -14354,6 +14310,7 @@
               <a:rPr lang="en-US"/>
               <a:t>Fifth level</a:t>
             </a:r>
+            <a:endParaRPr lang="en-US"/>
           </a:p>
         </p:txBody>
       </p:sp>
@@ -14374,7 +14331,6 @@
           <a:p>
             <a:fld id="{DE7F49BE-398D-479A-8A7E-5DDBCA61EDCB}" type="datetime1">
               <a:rPr lang="en-US" smtClean="0"/>
-              <a:t>11/30/2023</a:t>
             </a:fld>
             <a:endParaRPr lang="en-US"/>
           </a:p>
@@ -14416,7 +14372,6 @@
           <a:p>
             <a:fld id="{35747434-7036-48DB-A148-6B3D8EE75CDA}" type="slidenum">
               <a:rPr lang="en-US" smtClean="0"/>
-              <a:t>‹#›</a:t>
             </a:fld>
             <a:endParaRPr lang="en-US"/>
           </a:p>
@@ -14595,6 +14550,7 @@
               <a:rPr lang="en-US"/>
               <a:t>Click to edit Master text styles</a:t>
             </a:r>
+            <a:endParaRPr lang="en-US"/>
           </a:p>
         </p:txBody>
       </p:sp>
@@ -14615,7 +14571,6 @@
           <a:p>
             <a:fld id="{CCD0C193-4974-4A1F-9C63-07D595E30D66}" type="datetime1">
               <a:rPr lang="en-US" smtClean="0"/>
-              <a:t>11/30/2023</a:t>
             </a:fld>
             <a:endParaRPr lang="en-US"/>
           </a:p>
@@ -14657,7 +14612,6 @@
           <a:p>
             <a:fld id="{35747434-7036-48DB-A148-6B3D8EE75CDA}" type="slidenum">
               <a:rPr lang="en-US" smtClean="0"/>
-              <a:t>‹#›</a:t>
             </a:fld>
             <a:endParaRPr lang="en-US"/>
           </a:p>
@@ -14736,6 +14690,7 @@
               <a:rPr lang="en-US"/>
               <a:t>Click to edit Master text styles</a:t>
             </a:r>
+            <a:endParaRPr lang="en-US"/>
           </a:p>
           <a:p>
             <a:pPr lvl="1"/>
@@ -14743,6 +14698,7 @@
               <a:rPr lang="en-US"/>
               <a:t>Second level</a:t>
             </a:r>
+            <a:endParaRPr lang="en-US"/>
           </a:p>
           <a:p>
             <a:pPr lvl="2"/>
@@ -14750,6 +14706,7 @@
               <a:rPr lang="en-US"/>
               <a:t>Third level</a:t>
             </a:r>
+            <a:endParaRPr lang="en-US"/>
           </a:p>
           <a:p>
             <a:pPr lvl="3"/>
@@ -14757,6 +14714,7 @@
               <a:rPr lang="en-US"/>
               <a:t>Fourth level</a:t>
             </a:r>
+            <a:endParaRPr lang="en-US"/>
           </a:p>
           <a:p>
             <a:pPr lvl="4"/>
@@ -14793,6 +14751,7 @@
               <a:rPr lang="en-US"/>
               <a:t>Click to edit Master text styles</a:t>
             </a:r>
+            <a:endParaRPr lang="en-US"/>
           </a:p>
           <a:p>
             <a:pPr lvl="1"/>
@@ -14800,6 +14759,7 @@
               <a:rPr lang="en-US"/>
               <a:t>Second level</a:t>
             </a:r>
+            <a:endParaRPr lang="en-US"/>
           </a:p>
           <a:p>
             <a:pPr lvl="2"/>
@@ -14807,6 +14767,7 @@
               <a:rPr lang="en-US"/>
               <a:t>Third level</a:t>
             </a:r>
+            <a:endParaRPr lang="en-US"/>
           </a:p>
           <a:p>
             <a:pPr lvl="3"/>
@@ -14814,6 +14775,7 @@
               <a:rPr lang="en-US"/>
               <a:t>Fourth level</a:t>
             </a:r>
+            <a:endParaRPr lang="en-US"/>
           </a:p>
           <a:p>
             <a:pPr lvl="4"/>
@@ -14821,6 +14783,7 @@
               <a:rPr lang="en-US"/>
               <a:t>Fifth level</a:t>
             </a:r>
+            <a:endParaRPr lang="en-US"/>
           </a:p>
         </p:txBody>
       </p:sp>
@@ -14841,7 +14804,6 @@
           <a:p>
             <a:fld id="{701AA87F-28D4-4BF0-B81F-877A89DFD5AC}" type="datetime1">
               <a:rPr lang="en-US" smtClean="0"/>
-              <a:t>11/30/2023</a:t>
             </a:fld>
             <a:endParaRPr lang="en-US"/>
           </a:p>
@@ -14883,7 +14845,6 @@
           <a:p>
             <a:fld id="{35747434-7036-48DB-A148-6B3D8EE75CDA}" type="slidenum">
               <a:rPr lang="en-US" smtClean="0"/>
-              <a:t>‹#›</a:t>
             </a:fld>
             <a:endParaRPr lang="en-US"/>
           </a:p>
@@ -15004,6 +14965,7 @@
               <a:rPr lang="en-US"/>
               <a:t>Click to edit Master text styles</a:t>
             </a:r>
+            <a:endParaRPr lang="en-US"/>
           </a:p>
         </p:txBody>
       </p:sp>
@@ -15032,6 +14994,7 @@
               <a:rPr lang="en-US"/>
               <a:t>Click to edit Master text styles</a:t>
             </a:r>
+            <a:endParaRPr lang="en-US"/>
           </a:p>
           <a:p>
             <a:pPr lvl="1"/>
@@ -15039,6 +15002,7 @@
               <a:rPr lang="en-US"/>
               <a:t>Second level</a:t>
             </a:r>
+            <a:endParaRPr lang="en-US"/>
           </a:p>
           <a:p>
             <a:pPr lvl="2"/>
@@ -15046,6 +15010,7 @@
               <a:rPr lang="en-US"/>
               <a:t>Third level</a:t>
             </a:r>
+            <a:endParaRPr lang="en-US"/>
           </a:p>
           <a:p>
             <a:pPr lvl="3"/>
@@ -15053,6 +15018,7 @@
               <a:rPr lang="en-US"/>
               <a:t>Fourth level</a:t>
             </a:r>
+            <a:endParaRPr lang="en-US"/>
           </a:p>
           <a:p>
             <a:pPr lvl="4"/>
@@ -15126,6 +15092,7 @@
               <a:rPr lang="en-US"/>
               <a:t>Click to edit Master text styles</a:t>
             </a:r>
+            <a:endParaRPr lang="en-US"/>
           </a:p>
         </p:txBody>
       </p:sp>
@@ -15154,6 +15121,7 @@
               <a:rPr lang="en-US"/>
               <a:t>Click to edit Master text styles</a:t>
             </a:r>
+            <a:endParaRPr lang="en-US"/>
           </a:p>
           <a:p>
             <a:pPr lvl="1"/>
@@ -15161,6 +15129,7 @@
               <a:rPr lang="en-US"/>
               <a:t>Second level</a:t>
             </a:r>
+            <a:endParaRPr lang="en-US"/>
           </a:p>
           <a:p>
             <a:pPr lvl="2"/>
@@ -15168,6 +15137,7 @@
               <a:rPr lang="en-US"/>
               <a:t>Third level</a:t>
             </a:r>
+            <a:endParaRPr lang="en-US"/>
           </a:p>
           <a:p>
             <a:pPr lvl="3"/>
@@ -15175,6 +15145,7 @@
               <a:rPr lang="en-US"/>
               <a:t>Fourth level</a:t>
             </a:r>
+            <a:endParaRPr lang="en-US"/>
           </a:p>
           <a:p>
             <a:pPr lvl="4"/>
@@ -15182,6 +15153,7 @@
               <a:rPr lang="en-US"/>
               <a:t>Fifth level</a:t>
             </a:r>
+            <a:endParaRPr lang="en-US"/>
           </a:p>
         </p:txBody>
       </p:sp>
@@ -15202,7 +15174,6 @@
           <a:p>
             <a:fld id="{A8A9F1F3-208B-49A3-B337-9C8ACEB3E0E1}" type="datetime1">
               <a:rPr lang="en-US" smtClean="0"/>
-              <a:t>11/30/2023</a:t>
             </a:fld>
             <a:endParaRPr lang="en-US"/>
           </a:p>
@@ -15244,7 +15215,6 @@
           <a:p>
             <a:fld id="{35747434-7036-48DB-A148-6B3D8EE75CDA}" type="slidenum">
               <a:rPr lang="en-US" smtClean="0"/>
-              <a:t>‹#›</a:t>
             </a:fld>
             <a:endParaRPr lang="en-US"/>
           </a:p>
@@ -15320,7 +15290,6 @@
           <a:p>
             <a:fld id="{27AF6CA6-7293-4AA2-A0E0-A3BF4416E786}" type="datetime1">
               <a:rPr lang="en-US" smtClean="0"/>
-              <a:t>11/30/2023</a:t>
             </a:fld>
             <a:endParaRPr lang="en-US"/>
           </a:p>
@@ -15362,7 +15331,6 @@
           <a:p>
             <a:fld id="{35747434-7036-48DB-A148-6B3D8EE75CDA}" type="slidenum">
               <a:rPr lang="en-US" smtClean="0"/>
-              <a:t>‹#›</a:t>
             </a:fld>
             <a:endParaRPr lang="en-US"/>
           </a:p>
@@ -15410,7 +15378,6 @@
           <a:p>
             <a:fld id="{98D87016-7BCD-46FB-8EE3-AB6C369108B4}" type="datetime1">
               <a:rPr lang="en-US" smtClean="0"/>
-              <a:t>11/30/2023</a:t>
             </a:fld>
             <a:endParaRPr lang="en-US"/>
           </a:p>
@@ -15452,7 +15419,6 @@
           <a:p>
             <a:fld id="{35747434-7036-48DB-A148-6B3D8EE75CDA}" type="slidenum">
               <a:rPr lang="en-US" smtClean="0"/>
-              <a:t>‹#›</a:t>
             </a:fld>
             <a:endParaRPr lang="en-US"/>
           </a:p>
@@ -15572,6 +15538,7 @@
               <a:rPr lang="en-US"/>
               <a:t>Click to edit Master text styles</a:t>
             </a:r>
+            <a:endParaRPr lang="en-US"/>
           </a:p>
           <a:p>
             <a:pPr lvl="1"/>
@@ -15579,6 +15546,7 @@
               <a:rPr lang="en-US"/>
               <a:t>Second level</a:t>
             </a:r>
+            <a:endParaRPr lang="en-US"/>
           </a:p>
           <a:p>
             <a:pPr lvl="2"/>
@@ -15586,6 +15554,7 @@
               <a:rPr lang="en-US"/>
               <a:t>Third level</a:t>
             </a:r>
+            <a:endParaRPr lang="en-US"/>
           </a:p>
           <a:p>
             <a:pPr lvl="3"/>
@@ -15593,6 +15562,7 @@
               <a:rPr lang="en-US"/>
               <a:t>Fourth level</a:t>
             </a:r>
+            <a:endParaRPr lang="en-US"/>
           </a:p>
           <a:p>
             <a:pPr lvl="4"/>
@@ -15668,6 +15638,7 @@
               <a:rPr lang="en-US"/>
               <a:t>Click to edit Master text styles</a:t>
             </a:r>
+            <a:endParaRPr lang="en-US"/>
           </a:p>
         </p:txBody>
       </p:sp>
@@ -15688,7 +15659,6 @@
           <a:p>
             <a:fld id="{A1547011-1FFC-4EF8-9A2E-53B4AD2ADBD4}" type="datetime1">
               <a:rPr lang="en-US" smtClean="0"/>
-              <a:t>11/30/2023</a:t>
             </a:fld>
             <a:endParaRPr lang="en-US"/>
           </a:p>
@@ -15730,7 +15700,6 @@
           <a:p>
             <a:fld id="{35747434-7036-48DB-A148-6B3D8EE75CDA}" type="slidenum">
               <a:rPr lang="en-US" smtClean="0"/>
-              <a:t>‹#›</a:t>
             </a:fld>
             <a:endParaRPr lang="en-US"/>
           </a:p>
@@ -15922,6 +15891,7 @@
               <a:rPr lang="en-US"/>
               <a:t>Click to edit Master text styles</a:t>
             </a:r>
+            <a:endParaRPr lang="en-US"/>
           </a:p>
         </p:txBody>
       </p:sp>
@@ -15942,7 +15912,6 @@
           <a:p>
             <a:fld id="{9562EB47-45B4-4EF5-A743-B4885DD2F060}" type="datetime1">
               <a:rPr lang="en-US" smtClean="0"/>
-              <a:t>11/30/2023</a:t>
             </a:fld>
             <a:endParaRPr lang="en-US"/>
           </a:p>
@@ -15984,7 +15953,6 @@
           <a:p>
             <a:fld id="{35747434-7036-48DB-A148-6B3D8EE75CDA}" type="slidenum">
               <a:rPr lang="en-US" smtClean="0"/>
-              <a:t>‹#›</a:t>
             </a:fld>
             <a:endParaRPr lang="en-US"/>
           </a:p>
@@ -17196,7 +17164,6 @@
           <a:p>
             <a:fld id="{4A8D24A4-5FEC-4062-8995-EB21925B3B40}" type="datetime1">
               <a:rPr lang="en-US" smtClean="0"/>
-              <a:t>11/30/2023</a:t>
             </a:fld>
             <a:endParaRPr lang="en-US" sz="1000" dirty="0"/>
           </a:p>
@@ -17274,7 +17241,6 @@
           <a:p>
             <a:fld id="{35747434-7036-48DB-A148-6B3D8EE75CDA}" type="slidenum">
               <a:rPr lang="en-US" smtClean="0"/>
-              <a:t>‹#›</a:t>
             </a:fld>
             <a:endParaRPr lang="en-US" sz="1000" dirty="0"/>
           </a:p>
@@ -17343,6 +17309,7 @@
               <a:rPr lang="en-US" dirty="0"/>
               <a:t>Click to edit Master text styles</a:t>
             </a:r>
+            <a:endParaRPr lang="en-US" dirty="0"/>
           </a:p>
           <a:p>
             <a:pPr lvl="1"/>
@@ -17350,6 +17317,7 @@
               <a:rPr lang="en-US" dirty="0"/>
               <a:t>Second level</a:t>
             </a:r>
+            <a:endParaRPr lang="en-US" dirty="0"/>
           </a:p>
           <a:p>
             <a:pPr lvl="2"/>
@@ -17357,6 +17325,7 @@
               <a:rPr lang="en-US" dirty="0"/>
               <a:t>Third level</a:t>
             </a:r>
+            <a:endParaRPr lang="en-US" dirty="0"/>
           </a:p>
           <a:p>
             <a:pPr lvl="3"/>
@@ -17364,6 +17333,7 @@
               <a:rPr lang="en-US" dirty="0"/>
               <a:t>Fourth level</a:t>
             </a:r>
+            <a:endParaRPr lang="en-US" dirty="0"/>
           </a:p>
           <a:p>
             <a:pPr lvl="4"/>
@@ -17371,6 +17341,7 @@
               <a:rPr lang="en-US" dirty="0"/>
               <a:t>Fifth level</a:t>
             </a:r>
+            <a:endParaRPr lang="en-US" dirty="0"/>
           </a:p>
         </p:txBody>
       </p:sp>
@@ -17836,7 +17807,7 @@
           <p:nvPr/>
         </p:nvPicPr>
         <p:blipFill rotWithShape="1">
-          <a:blip r:embed="rId3">
+          <a:blip r:embed="rId1">
             <a:alphaModFix amt="40000"/>
           </a:blip>
           <a:srcRect t="1500" r="-1" b="14208"/>
@@ -17858,7 +17829,7 @@
         <p:nvGrpSpPr>
           <p:cNvPr id="22" name="decorative circle"/>
           <p:cNvGrpSpPr>
-            <a:grpSpLocks noGrp="1" noUngrp="1" noRot="1" noChangeAspect="1" noMove="1" noResize="1"/>
+            <a:grpSpLocks noGrp="1" noRot="1" noChangeAspect="1" noMove="1" noResize="1" noUngrp="1"/>
           </p:cNvGrpSpPr>
           <p:nvPr/>
         </p:nvGrpSpPr>
@@ -18542,6 +18513,7 @@
               <a:rPr lang="en-US" altLang="zh-CN"/>
               <a:t>Predictions</a:t>
             </a:r>
+            <a:endParaRPr lang="en-US" altLang="zh-CN"/>
           </a:p>
         </p:txBody>
       </p:sp>
@@ -18556,7 +18528,7 @@
           </p:nvPr>
         </p:nvPicPr>
         <p:blipFill>
-          <a:blip r:embed="rId2"/>
+          <a:blip r:embed="rId1"/>
           <a:stretch>
             <a:fillRect/>
           </a:stretch>
@@ -18734,6 +18706,10 @@
               </a:rPr>
               <a:t>Trading Signal Detection</a:t>
             </a:r>
+            <a:endParaRPr lang="en-US" sz="4400" dirty="0">
+              <a:latin typeface="Segoe UI" panose="020B0502040204020203" pitchFamily="34" charset="0"/>
+              <a:ea typeface="等线" panose="02010600030101010101" pitchFamily="2" charset="-122"/>
+            </a:endParaRPr>
           </a:p>
         </p:txBody>
       </p:sp>
@@ -18741,7 +18717,7 @@
         <p:nvGrpSpPr>
           <p:cNvPr id="13" name="Decorative Circles"/>
           <p:cNvGrpSpPr>
-            <a:grpSpLocks noGrp="1" noUngrp="1" noRot="1" noChangeAspect="1" noMove="1" noResize="1"/>
+            <a:grpSpLocks noGrp="1" noRot="1" noChangeAspect="1" noMove="1" noResize="1" noUngrp="1"/>
           </p:cNvGrpSpPr>
           <p:nvPr/>
         </p:nvGrpSpPr>
@@ -19239,11 +19215,6 @@
           </p:cNvGraphicFramePr>
           <p:nvPr>
             <p:ph idx="1"/>
-            <p:extLst>
-              <p:ext uri="{D42A27DB-BD31-4B8C-83A1-F6EECF244321}">
-                <p14:modId xmlns:p14="http://schemas.microsoft.com/office/powerpoint/2010/main" val="3774609615"/>
-              </p:ext>
-            </p:extLst>
           </p:nvPr>
         </p:nvGraphicFramePr>
         <p:xfrm>
@@ -19252,7 +19223,7 @@
         </p:xfrm>
         <a:graphic>
           <a:graphicData uri="http://schemas.openxmlformats.org/drawingml/2006/diagram">
-            <dgm:relIds xmlns:dgm="http://schemas.openxmlformats.org/drawingml/2006/diagram" xmlns:r="http://schemas.openxmlformats.org/officeDocument/2006/relationships" r:dm="rId3" r:lo="rId4" r:qs="rId5" r:cs="rId6"/>
+            <dgm:relIds xmlns:dgm="http://schemas.openxmlformats.org/drawingml/2006/diagram" xmlns:r="http://schemas.openxmlformats.org/officeDocument/2006/relationships" r:dm="rId1" r:lo="rId2" r:qs="rId3" r:cs="rId4"/>
           </a:graphicData>
         </a:graphic>
       </p:graphicFrame>
@@ -19317,7 +19288,7 @@
           </p:nvPr>
         </p:nvPicPr>
         <p:blipFill>
-          <a:blip r:embed="rId2"/>
+          <a:blip r:embed="rId1"/>
           <a:stretch>
             <a:fillRect/>
           </a:stretch>
@@ -19366,7 +19337,7 @@
           <p:nvPr/>
         </p:nvPicPr>
         <p:blipFill>
-          <a:blip r:embed="rId2"/>
+          <a:blip r:embed="rId1"/>
           <a:stretch>
             <a:fillRect/>
           </a:stretch>
@@ -19408,13 +19379,7 @@
       </p:grpSpPr>
       <p:sp>
         <p:nvSpPr>
-          <p:cNvPr id="2" name="Title 1">
-            <a:extLst>
-              <a:ext uri="{FF2B5EF4-FFF2-40B4-BE49-F238E27FC236}">
-                <a16:creationId xmlns:a16="http://schemas.microsoft.com/office/drawing/2014/main" id="{140D9AE9-88BC-8218-9F59-9E36F3D17773}"/>
-              </a:ext>
-            </a:extLst>
-          </p:cNvPr>
+          <p:cNvPr id="2" name="Title 1"/>
           <p:cNvSpPr>
             <a:spLocks noGrp="1"/>
           </p:cNvSpPr>
@@ -19422,14 +19387,19 @@
             <p:ph type="title"/>
           </p:nvPr>
         </p:nvSpPr>
-        <p:spPr/>
+        <p:spPr>
+          <a:xfrm>
+            <a:off x="681355" y="1419860"/>
+            <a:ext cx="10659110" cy="2359660"/>
+          </a:xfrm>
+        </p:spPr>
         <p:txBody>
           <a:bodyPr/>
           <a:lstStyle/>
           <a:p>
             <a:r>
               <a:rPr lang="en-US" altLang="zh-CN" dirty="0">
-                <a:hlinkClick r:id="rId2"/>
+                <a:hlinkClick r:id="rId1"/>
               </a:rPr>
               <a:t>http://127.0.0.1:5000/</a:t>
             </a:r>
@@ -19437,12 +19407,60 @@
           </a:p>
         </p:txBody>
       </p:sp>
+      <p:sp>
+        <p:nvSpPr>
+          <p:cNvPr id="3" name="Title 1"/>
+          <p:cNvSpPr>
+            <a:spLocks noGrp="1"/>
+          </p:cNvSpPr>
+          <p:nvPr>
+            <p:custDataLst>
+              <p:tags r:id="rId2"/>
+            </p:custDataLst>
+          </p:nvPr>
+        </p:nvSpPr>
+        <p:spPr>
+          <a:xfrm>
+            <a:off x="777240" y="450215"/>
+            <a:ext cx="10659110" cy="1325563"/>
+          </a:xfrm>
+          <a:prstGeom prst="rect">
+            <a:avLst/>
+          </a:prstGeom>
+        </p:spPr>
+        <p:txBody>
+          <a:bodyPr vert="horz" lIns="91440" tIns="45720" rIns="91440" bIns="45720" rtlCol="0" anchor="ctr">
+            <a:normAutofit/>
+          </a:bodyPr>
+          <a:lstStyle>
+            <a:lvl1pPr algn="l" defTabSz="914400" rtl="0" eaLnBrk="1" latinLnBrk="0" hangingPunct="1">
+              <a:lnSpc>
+                <a:spcPct val="90000"/>
+              </a:lnSpc>
+              <a:spcBef>
+                <a:spcPct val="0"/>
+              </a:spcBef>
+              <a:buNone/>
+              <a:defRPr sz="5400" kern="1200">
+                <a:solidFill>
+                  <a:schemeClr val="tx2"/>
+                </a:solidFill>
+                <a:latin typeface="+mj-lt"/>
+                <a:ea typeface="+mj-ea"/>
+                <a:cs typeface="+mj-cs"/>
+              </a:defRPr>
+            </a:lvl1pPr>
+          </a:lstStyle>
+          <a:p>
+            <a:r>
+              <a:rPr lang="en-US" altLang="zh-CN" dirty="0"/>
+              <a:t>UI demo</a:t>
+            </a:r>
+            <a:endParaRPr lang="zh-CN" altLang="en-US" dirty="0"/>
+          </a:p>
+        </p:txBody>
+      </p:sp>
     </p:spTree>
-    <p:extLst>
-      <p:ext uri="{BB962C8B-B14F-4D97-AF65-F5344CB8AC3E}">
-        <p14:creationId xmlns:p14="http://schemas.microsoft.com/office/powerpoint/2010/main" val="1246011485"/>
-      </p:ext>
-    </p:extLst>
   </p:cSld>
   <p:clrMapOvr>
     <a:masterClrMapping/>
@@ -19580,7 +19598,7 @@
         <p:nvGrpSpPr>
           <p:cNvPr id="25" name="decorative circles"/>
           <p:cNvGrpSpPr>
-            <a:grpSpLocks noGrp="1" noUngrp="1" noRot="1" noChangeAspect="1" noMove="1" noResize="1"/>
+            <a:grpSpLocks noGrp="1" noRot="1" noChangeAspect="1" noMove="1" noResize="1" noUngrp="1"/>
           </p:cNvGrpSpPr>
           <p:nvPr/>
         </p:nvGrpSpPr>
@@ -19954,6 +19972,10 @@
               </a:rPr>
               <a:t>Enhancing Our Approach: Next Steps for Sentiment Analysis and Stock Prediction</a:t>
             </a:r>
+            <a:endParaRPr lang="en-US" sz="3600" dirty="0">
+              <a:latin typeface="Segoe UI" panose="020B0502040204020203" pitchFamily="34" charset="0"/>
+              <a:ea typeface="等线" panose="02010600030101010101" pitchFamily="2" charset="-122"/>
+            </a:endParaRPr>
           </a:p>
         </p:txBody>
       </p:sp>
@@ -19965,11 +19987,6 @@
           </p:cNvGraphicFramePr>
           <p:nvPr>
             <p:ph idx="1"/>
-            <p:extLst>
-              <p:ext uri="{D42A27DB-BD31-4B8C-83A1-F6EECF244321}">
-                <p14:modId xmlns:p14="http://schemas.microsoft.com/office/powerpoint/2010/main" val="1914614397"/>
-              </p:ext>
-            </p:extLst>
           </p:nvPr>
         </p:nvGraphicFramePr>
         <p:xfrm>
@@ -19978,7 +19995,7 @@
         </p:xfrm>
         <a:graphic>
           <a:graphicData uri="http://schemas.openxmlformats.org/drawingml/2006/diagram">
-            <dgm:relIds xmlns:dgm="http://schemas.openxmlformats.org/drawingml/2006/diagram" xmlns:r="http://schemas.openxmlformats.org/officeDocument/2006/relationships" r:dm="rId3" r:lo="rId4" r:qs="rId5" r:cs="rId6"/>
+            <dgm:relIds xmlns:dgm="http://schemas.openxmlformats.org/drawingml/2006/diagram" xmlns:r="http://schemas.openxmlformats.org/officeDocument/2006/relationships" r:dm="rId1" r:lo="rId2" r:qs="rId3" r:cs="rId4"/>
           </a:graphicData>
         </a:graphic>
       </p:graphicFrame>
@@ -20117,7 +20134,7 @@
         <p:nvGrpSpPr>
           <p:cNvPr id="50" name="Decorative Circles"/>
           <p:cNvGrpSpPr>
-            <a:grpSpLocks noGrp="1" noUngrp="1" noRot="1" noChangeAspect="1" noMove="1" noResize="1"/>
+            <a:grpSpLocks noGrp="1" noRot="1" noChangeAspect="1" noMove="1" noResize="1" noUngrp="1"/>
           </p:cNvGrpSpPr>
           <p:nvPr/>
         </p:nvGrpSpPr>
@@ -21224,7 +21241,7 @@
           <p:nvPr/>
         </p:nvPicPr>
         <p:blipFill rotWithShape="1">
-          <a:blip r:embed="rId2"/>
+          <a:blip r:embed="rId1"/>
           <a:srcRect/>
           <a:stretch>
             <a:fillRect/>
@@ -21815,6 +21832,13 @@
               </a:rPr>
               <a:t>Q&amp;A</a:t>
             </a:r>
+            <a:endParaRPr lang="en-US" altLang="zh-CN" sz="6000">
+              <a:solidFill>
+                <a:srgbClr val="FFFFFF"/>
+              </a:solidFill>
+              <a:latin typeface="Segoe UI" panose="020B0502040204020203" pitchFamily="34" charset="0"/>
+              <a:ea typeface="等线" panose="02010600030101010101" pitchFamily="2" charset="-122"/>
+            </a:endParaRPr>
           </a:p>
         </p:txBody>
       </p:sp>
@@ -22005,7 +22029,7 @@
           <p:nvPr/>
         </p:nvPicPr>
         <p:blipFill rotWithShape="1">
-          <a:blip r:embed="rId3"/>
+          <a:blip r:embed="rId1"/>
           <a:srcRect t="29670" r="-1" b="-1"/>
           <a:stretch>
             <a:fillRect/>
@@ -22131,7 +22155,7 @@
         <p:nvGrpSpPr>
           <p:cNvPr id="50" name="Group 49"/>
           <p:cNvGrpSpPr>
-            <a:grpSpLocks noGrp="1" noUngrp="1" noRot="1" noChangeAspect="1" noMove="1" noResize="1"/>
+            <a:grpSpLocks noGrp="1" noRot="1" noChangeAspect="1" noMove="1" noResize="1" noUngrp="1"/>
           </p:cNvGrpSpPr>
           <p:nvPr/>
         </p:nvGrpSpPr>
@@ -22871,7 +22895,7 @@
         <p:nvGrpSpPr>
           <p:cNvPr id="120" name="decorative circles"/>
           <p:cNvGrpSpPr>
-            <a:grpSpLocks noGrp="1" noUngrp="1" noRot="1" noChangeAspect="1" noMove="1" noResize="1"/>
+            <a:grpSpLocks noGrp="1" noRot="1" noChangeAspect="1" noMove="1" noResize="1" noUngrp="1"/>
           </p:cNvGrpSpPr>
           <p:nvPr/>
         </p:nvGrpSpPr>
@@ -23213,11 +23237,6 @@
           </p:cNvGraphicFramePr>
           <p:nvPr>
             <p:ph idx="1"/>
-            <p:extLst>
-              <p:ext uri="{D42A27DB-BD31-4B8C-83A1-F6EECF244321}">
-                <p14:modId xmlns:p14="http://schemas.microsoft.com/office/powerpoint/2010/main" val="236589229"/>
-              </p:ext>
-            </p:extLst>
           </p:nvPr>
         </p:nvGraphicFramePr>
         <p:xfrm>
@@ -23226,7 +23245,7 @@
         </p:xfrm>
         <a:graphic>
           <a:graphicData uri="http://schemas.openxmlformats.org/drawingml/2006/diagram">
-            <dgm:relIds xmlns:dgm="http://schemas.openxmlformats.org/drawingml/2006/diagram" xmlns:r="http://schemas.openxmlformats.org/officeDocument/2006/relationships" r:dm="rId3" r:lo="rId4" r:qs="rId5" r:cs="rId6"/>
+            <dgm:relIds xmlns:dgm="http://schemas.openxmlformats.org/drawingml/2006/diagram" xmlns:r="http://schemas.openxmlformats.org/officeDocument/2006/relationships" r:dm="rId1" r:lo="rId2" r:qs="rId3" r:cs="rId4"/>
           </a:graphicData>
         </a:graphic>
       </p:graphicFrame>
@@ -23393,6 +23412,10 @@
               </a:rPr>
               <a:t>Motivations</a:t>
             </a:r>
+            <a:endParaRPr lang="en-US" sz="4400" dirty="0">
+              <a:latin typeface="Segoe UI" panose="020B0502040204020203" pitchFamily="34" charset="0"/>
+              <a:ea typeface="等线" panose="02010600030101010101" pitchFamily="2" charset="-122"/>
+            </a:endParaRPr>
           </a:p>
         </p:txBody>
       </p:sp>
@@ -23425,6 +23448,10 @@
               </a:rPr>
               <a:t>Digitization of trading platforms</a:t>
             </a:r>
+            <a:endParaRPr lang="en-US" altLang="zh-CN" sz="1800" dirty="0">
+              <a:latin typeface="Segoe UI" panose="020B0502040204020203" pitchFamily="34" charset="0"/>
+              <a:ea typeface="等线" panose="02010600030101010101" pitchFamily="2" charset="-122"/>
+            </a:endParaRPr>
           </a:p>
           <a:p>
             <a:pPr lvl="1"/>
@@ -23435,6 +23462,10 @@
               </a:rPr>
               <a:t>The relentless rise of retail trading</a:t>
             </a:r>
+            <a:endParaRPr lang="en-US" altLang="zh-CN" sz="1600" dirty="0">
+              <a:latin typeface="Segoe UI" panose="020B0502040204020203" pitchFamily="34" charset="0"/>
+              <a:ea typeface="等线" panose="02010600030101010101" pitchFamily="2" charset="-122"/>
+            </a:endParaRPr>
           </a:p>
           <a:p>
             <a:pPr lvl="1"/>
@@ -23442,7 +23473,7 @@
               <a:rPr lang="en-US" altLang="zh-CN" dirty="0">
                 <a:latin typeface="Segoe UI" panose="020B0502040204020203" pitchFamily="34" charset="0"/>
                 <a:ea typeface="等线" panose="02010600030101010101" pitchFamily="2" charset="-122"/>
-                <a:hlinkClick r:id="rId3"/>
+                <a:hlinkClick r:id="rId1"/>
               </a:rPr>
               <a:t>GameStop short squeeze</a:t>
             </a:r>
@@ -23459,6 +23490,10 @@
               </a:rPr>
               <a:t>Personal interest in Equity Trading</a:t>
             </a:r>
+            <a:endParaRPr lang="en-US" altLang="zh-CN" dirty="0">
+              <a:latin typeface="Segoe UI" panose="020B0502040204020203" pitchFamily="34" charset="0"/>
+              <a:ea typeface="等线" panose="02010600030101010101" pitchFamily="2" charset="-122"/>
+            </a:endParaRPr>
           </a:p>
           <a:p>
             <a:endParaRPr lang="en-US" altLang="zh-CN" sz="1800" dirty="0">
@@ -23486,7 +23521,7 @@
         <p:nvGrpSpPr>
           <p:cNvPr id="39" name="decorative circles"/>
           <p:cNvGrpSpPr>
-            <a:grpSpLocks noGrp="1" noUngrp="1" noRot="1" noChangeAspect="1" noMove="1" noResize="1"/>
+            <a:grpSpLocks noGrp="1" noRot="1" noChangeAspect="1" noMove="1" noResize="1" noUngrp="1"/>
           </p:cNvGrpSpPr>
           <p:nvPr/>
         </p:nvGrpSpPr>
@@ -23789,7 +23824,7 @@
           <p:nvPr/>
         </p:nvPicPr>
         <p:blipFill rotWithShape="1">
-          <a:blip r:embed="rId4" cstate="print">
+          <a:blip r:embed="rId2" cstate="print">
             <a:extLst>
               <a:ext uri="{28A0092B-C50C-407E-A947-70E740481C1C}">
                 <a14:useLocalDpi xmlns:a14="http://schemas.microsoft.com/office/drawing/2010/main" val="0"/>
@@ -23852,7 +23887,7 @@
           <p:nvPr/>
         </p:nvPicPr>
         <p:blipFill rotWithShape="1">
-          <a:blip r:embed="rId5"/>
+          <a:blip r:embed="rId3"/>
           <a:srcRect l="39760" r="4" b="4"/>
           <a:stretch>
             <a:fillRect/>
@@ -24105,6 +24140,10 @@
               </a:rPr>
               <a:t>Related Works</a:t>
             </a:r>
+            <a:endParaRPr lang="en-US" sz="4400" dirty="0">
+              <a:latin typeface="Segoe UI" panose="020B0502040204020203" pitchFamily="34" charset="0"/>
+              <a:ea typeface="等线" panose="02010600030101010101" pitchFamily="2" charset="-122"/>
+            </a:endParaRPr>
           </a:p>
         </p:txBody>
       </p:sp>
@@ -24256,7 +24295,7 @@
         <p:nvGrpSpPr>
           <p:cNvPr id="25" name="decorative circles"/>
           <p:cNvGrpSpPr>
-            <a:grpSpLocks noGrp="1" noUngrp="1" noRot="1" noChangeAspect="1" noMove="1" noResize="1"/>
+            <a:grpSpLocks noGrp="1" noRot="1" noChangeAspect="1" noMove="1" noResize="1" noUngrp="1"/>
           </p:cNvGrpSpPr>
           <p:nvPr/>
         </p:nvGrpSpPr>
@@ -24522,7 +24561,7 @@
         </p:xfrm>
         <a:graphic>
           <a:graphicData uri="http://schemas.openxmlformats.org/drawingml/2006/diagram">
-            <dgm:relIds xmlns:dgm="http://schemas.openxmlformats.org/drawingml/2006/diagram" xmlns:r="http://schemas.openxmlformats.org/officeDocument/2006/relationships" r:dm="rId3" r:lo="rId4" r:qs="rId5" r:cs="rId6"/>
+            <dgm:relIds xmlns:dgm="http://schemas.openxmlformats.org/drawingml/2006/diagram" xmlns:r="http://schemas.openxmlformats.org/officeDocument/2006/relationships" r:dm="rId1" r:lo="rId2" r:qs="rId3" r:cs="rId4"/>
           </a:graphicData>
         </a:graphic>
       </p:graphicFrame>
@@ -25017,7 +25056,7 @@
               <a:fillRef idx="1">
                 <a:schemeClr val="accent2">
                   <a:hueOff val="-1525302"/>
-                  <a:satOff val="-417"/>
+                  <a:satOff val="-416"/>
                   <a:lumOff val="7058"/>
                   <a:alphaOff val="0"/>
                 </a:schemeClr>
@@ -25025,7 +25064,7 @@
               <a:effectRef idx="0">
                 <a:schemeClr val="accent2">
                   <a:hueOff val="-1525302"/>
-                  <a:satOff val="-417"/>
+                  <a:satOff val="-416"/>
                   <a:lumOff val="7058"/>
                   <a:alphaOff val="0"/>
                 </a:schemeClr>
@@ -25251,7 +25290,7 @@
               <a:fillRef idx="1">
                 <a:schemeClr val="accent2">
                   <a:hueOff val="-1525302"/>
-                  <a:satOff val="-417"/>
+                  <a:satOff val="-416"/>
                   <a:lumOff val="7058"/>
                   <a:alphaOff val="0"/>
                 </a:schemeClr>
@@ -25259,7 +25298,7 @@
               <a:effectRef idx="0">
                 <a:schemeClr val="accent2">
                   <a:hueOff val="-1525302"/>
-                  <a:satOff val="-417"/>
+                  <a:satOff val="-416"/>
                   <a:lumOff val="7058"/>
                   <a:alphaOff val="0"/>
                 </a:schemeClr>
@@ -25401,6 +25440,13 @@
                 </a:rPr>
                 <a:t>Portfolio</a:t>
               </a:r>
+              <a:endParaRPr lang="en-US" altLang="zh-CN" sz="2400" b="1" dirty="0">
+                <a:solidFill>
+                  <a:schemeClr val="tx1"/>
+                </a:solidFill>
+                <a:latin typeface="Segoe UI" panose="020B0502040204020203" pitchFamily="34" charset="0"/>
+                <a:ea typeface="等线" panose="02010600030101010101" pitchFamily="2" charset="-122"/>
+              </a:endParaRPr>
             </a:p>
           </p:txBody>
         </p:sp>
@@ -25503,6 +25549,10 @@
               </a:rPr>
               <a:t>Sentiment Analysis</a:t>
             </a:r>
+            <a:endParaRPr lang="en-US" dirty="0">
+              <a:latin typeface="Segoe UI" panose="020B0502040204020203" pitchFamily="34" charset="0"/>
+              <a:ea typeface="等线" panose="02010600030101010101" pitchFamily="2" charset="-122"/>
+            </a:endParaRPr>
           </a:p>
         </p:txBody>
       </p:sp>
@@ -25517,7 +25567,7 @@
           </p:nvPr>
         </p:nvPicPr>
         <p:blipFill>
-          <a:blip r:embed="rId3"/>
+          <a:blip r:embed="rId1"/>
           <a:stretch>
             <a:fillRect/>
           </a:stretch>
@@ -25558,66 +25608,77 @@
               <a:rPr lang="zh-CN" altLang="en-US" sz="1400"/>
               <a:t>DatasetDict({</a:t>
             </a:r>
+            <a:endParaRPr lang="zh-CN" altLang="en-US" sz="1400"/>
           </a:p>
           <a:p>
             <a:r>
               <a:rPr lang="zh-CN" altLang="en-US" sz="1400"/>
               <a:t>    train: Dataset({</a:t>
             </a:r>
+            <a:endParaRPr lang="zh-CN" altLang="en-US" sz="1400"/>
           </a:p>
           <a:p>
             <a:r>
               <a:rPr lang="zh-CN" altLang="en-US" sz="1400"/>
               <a:t>        features: ['text', 'label', 'input_ids', 'token_type_ids', 'attention_mask'],</a:t>
             </a:r>
+            <a:endParaRPr lang="zh-CN" altLang="en-US" sz="1400"/>
           </a:p>
           <a:p>
             <a:r>
               <a:rPr lang="zh-CN" altLang="en-US" sz="1400"/>
               <a:t>        num_rows: 8925</a:t>
             </a:r>
+            <a:endParaRPr lang="zh-CN" altLang="en-US" sz="1400"/>
           </a:p>
           <a:p>
             <a:r>
               <a:rPr lang="zh-CN" altLang="en-US" sz="1400"/>
               <a:t>    })</a:t>
             </a:r>
+            <a:endParaRPr lang="zh-CN" altLang="en-US" sz="1400"/>
           </a:p>
           <a:p>
             <a:r>
               <a:rPr lang="zh-CN" altLang="en-US" sz="1400"/>
               <a:t>    validation: Dataset({</a:t>
             </a:r>
+            <a:endParaRPr lang="zh-CN" altLang="en-US" sz="1400"/>
           </a:p>
           <a:p>
             <a:r>
               <a:rPr lang="zh-CN" altLang="en-US" sz="1400"/>
               <a:t>        features: ['text', 'label', 'input_ids', 'token_type_ids', 'attention_mask'],</a:t>
             </a:r>
+            <a:endParaRPr lang="zh-CN" altLang="en-US" sz="1400"/>
           </a:p>
           <a:p>
             <a:r>
               <a:rPr lang="zh-CN" altLang="en-US" sz="1400"/>
               <a:t>        num_rows: 2232</a:t>
             </a:r>
+            <a:endParaRPr lang="zh-CN" altLang="en-US" sz="1400"/>
           </a:p>
           <a:p>
             <a:r>
               <a:rPr lang="zh-CN" altLang="en-US" sz="1400"/>
               <a:t>    })</a:t>
             </a:r>
+            <a:endParaRPr lang="zh-CN" altLang="en-US" sz="1400"/>
           </a:p>
           <a:p>
             <a:r>
               <a:rPr lang="zh-CN" altLang="en-US" sz="1400"/>
               <a:t>    test: Dataset({</a:t>
             </a:r>
+            <a:endParaRPr lang="zh-CN" altLang="en-US" sz="1400"/>
           </a:p>
           <a:p>
             <a:r>
               <a:rPr lang="zh-CN" altLang="en-US" sz="1400"/>
               <a:t>        features: ['text', 'label', 'input_ids', 'token_type_ids', 'attention_mask'],</a:t>
             </a:r>
+            <a:endParaRPr lang="zh-CN" altLang="en-US" sz="1400"/>
           </a:p>
           <a:p>
             <a:r>
@@ -25635,84 +25696,98 @@
               <a:rPr lang="zh-CN" altLang="en-US" sz="1400"/>
               <a:t>    })</a:t>
             </a:r>
+            <a:endParaRPr lang="zh-CN" altLang="en-US" sz="1400"/>
           </a:p>
           <a:p>
             <a:r>
               <a:rPr lang="zh-CN" altLang="en-US" sz="1400"/>
               <a:t>    Tweet_filtered_TSLA: Dataset({</a:t>
             </a:r>
+            <a:endParaRPr lang="zh-CN" altLang="en-US" sz="1400"/>
           </a:p>
           <a:p>
             <a:r>
               <a:rPr lang="zh-CN" altLang="en-US" sz="1400"/>
               <a:t>        features: ['date', 'text', 'stock'],</a:t>
             </a:r>
+            <a:endParaRPr lang="zh-CN" altLang="en-US" sz="1400"/>
           </a:p>
           <a:p>
             <a:r>
               <a:rPr lang="zh-CN" altLang="en-US" sz="1400"/>
               <a:t>        num_rows: 1123262</a:t>
             </a:r>
+            <a:endParaRPr lang="zh-CN" altLang="en-US" sz="1400"/>
           </a:p>
           <a:p>
             <a:r>
               <a:rPr lang="zh-CN" altLang="en-US" sz="1400"/>
               <a:t>    })</a:t>
             </a:r>
+            <a:endParaRPr lang="zh-CN" altLang="en-US" sz="1400"/>
           </a:p>
           <a:p>
             <a:r>
               <a:rPr lang="zh-CN" altLang="en-US" sz="1400"/>
               <a:t>    stock_tweets_filtered_TSLA: Dataset({</a:t>
             </a:r>
+            <a:endParaRPr lang="zh-CN" altLang="en-US" sz="1400"/>
           </a:p>
           <a:p>
             <a:r>
               <a:rPr lang="zh-CN" altLang="en-US" sz="1400"/>
               <a:t>        features: ['date', 'text', 'stock'],</a:t>
             </a:r>
+            <a:endParaRPr lang="zh-CN" altLang="en-US" sz="1400"/>
           </a:p>
           <a:p>
             <a:r>
               <a:rPr lang="zh-CN" altLang="en-US" sz="1400"/>
               <a:t>        num_rows: 37422</a:t>
             </a:r>
+            <a:endParaRPr lang="zh-CN" altLang="en-US" sz="1400"/>
           </a:p>
           <a:p>
             <a:r>
               <a:rPr lang="zh-CN" altLang="en-US" sz="1400"/>
               <a:t>    })</a:t>
             </a:r>
+            <a:endParaRPr lang="zh-CN" altLang="en-US" sz="1400"/>
           </a:p>
           <a:p>
             <a:r>
               <a:rPr lang="zh-CN" altLang="en-US" sz="1400"/>
               <a:t>    tweets_remaining_filtered_TSLA: Dataset({</a:t>
             </a:r>
+            <a:endParaRPr lang="zh-CN" altLang="en-US" sz="1400"/>
           </a:p>
           <a:p>
             <a:r>
               <a:rPr lang="zh-CN" altLang="en-US" sz="1400"/>
               <a:t>        features: ['date', 'text', 'stock'],</a:t>
             </a:r>
+            <a:endParaRPr lang="zh-CN" altLang="en-US" sz="1400"/>
           </a:p>
           <a:p>
             <a:r>
               <a:rPr lang="zh-CN" altLang="en-US" sz="1400"/>
               <a:t>        num_rows: 60836</a:t>
             </a:r>
+            <a:endParaRPr lang="zh-CN" altLang="en-US" sz="1400"/>
           </a:p>
           <a:p>
             <a:r>
               <a:rPr lang="zh-CN" altLang="en-US" sz="1400"/>
               <a:t>    }) </a:t>
             </a:r>
+            <a:endParaRPr lang="zh-CN" altLang="en-US" sz="1400"/>
           </a:p>
           <a:p>
             <a:r>
               <a:rPr lang="zh-CN" altLang="en-US" sz="1400"/>
               <a:t>})</a:t>
             </a:r>
+            <a:endParaRPr lang="zh-CN" altLang="en-US" sz="1400"/>
           </a:p>
         </p:txBody>
       </p:sp>
@@ -25765,6 +25840,10 @@
               </a:rPr>
               <a:t>Training</a:t>
             </a:r>
+            <a:endParaRPr lang="en-US" dirty="0">
+              <a:latin typeface="Segoe UI" panose="020B0502040204020203" pitchFamily="34" charset="0"/>
+              <a:ea typeface="等线" panose="02010600030101010101" pitchFamily="2" charset="-122"/>
+            </a:endParaRPr>
           </a:p>
         </p:txBody>
       </p:sp>
@@ -25779,7 +25858,7 @@
           </p:nvPr>
         </p:nvPicPr>
         <p:blipFill>
-          <a:blip r:embed="rId3"/>
+          <a:blip r:embed="rId1"/>
           <a:stretch>
             <a:fillRect/>
           </a:stretch>
@@ -25803,7 +25882,7 @@
           <p:nvPr/>
         </p:nvPicPr>
         <p:blipFill>
-          <a:blip r:embed="rId4"/>
+          <a:blip r:embed="rId2"/>
           <a:stretch>
             <a:fillRect/>
           </a:stretch>
@@ -25862,6 +25941,7 @@
               <a:rPr lang="en-US" altLang="zh-CN" dirty="0"/>
               <a:t>Testing</a:t>
             </a:r>
+            <a:endParaRPr lang="en-US" altLang="zh-CN" dirty="0"/>
           </a:p>
         </p:txBody>
       </p:sp>
@@ -25876,14 +25956,14 @@
           </p:nvPr>
         </p:nvPicPr>
         <p:blipFill>
-          <a:blip r:embed="rId2"/>
+          <a:blip r:embed="rId1"/>
           <a:stretch>
             <a:fillRect/>
           </a:stretch>
         </p:blipFill>
         <p:spPr>
           <a:xfrm>
-            <a:off x="777240" y="2747328"/>
+            <a:off x="3816350" y="159703"/>
             <a:ext cx="4559300" cy="3843020"/>
           </a:xfrm>
           <a:prstGeom prst="rect">
@@ -25891,54 +25971,517 @@
           </a:prstGeom>
         </p:spPr>
       </p:pic>
-      <p:pic>
-        <p:nvPicPr>
-          <p:cNvPr id="8" name="图片 7" descr="df337673-3082-4b9e-970c-8484c68a6a53"/>
-          <p:cNvPicPr>
-            <a:picLocks noChangeAspect="1"/>
-          </p:cNvPicPr>
-          <p:nvPr/>
-        </p:nvPicPr>
-        <p:blipFill>
-          <a:blip r:embed="rId3"/>
-          <a:stretch>
-            <a:fillRect/>
-          </a:stretch>
-        </p:blipFill>
-        <p:spPr>
-          <a:xfrm>
-            <a:off x="2605405" y="1421765"/>
-            <a:ext cx="6981190" cy="1330325"/>
-          </a:xfrm>
-          <a:prstGeom prst="rect">
-            <a:avLst/>
-          </a:prstGeom>
-        </p:spPr>
-      </p:pic>
-      <p:pic>
-        <p:nvPicPr>
-          <p:cNvPr id="9" name="图片 8" descr="output"/>
-          <p:cNvPicPr>
-            <a:picLocks noChangeAspect="1"/>
-          </p:cNvPicPr>
-          <p:nvPr/>
-        </p:nvPicPr>
-        <p:blipFill>
-          <a:blip r:embed="rId4"/>
-          <a:stretch>
-            <a:fillRect/>
-          </a:stretch>
-        </p:blipFill>
-        <p:spPr>
-          <a:xfrm>
-            <a:off x="6593840" y="2752090"/>
-            <a:ext cx="4947920" cy="3917315"/>
-          </a:xfrm>
-          <a:prstGeom prst="rect">
-            <a:avLst/>
-          </a:prstGeom>
-        </p:spPr>
-      </p:pic>
+      <p:graphicFrame>
+        <p:nvGraphicFramePr>
+          <p:cNvPr id="5" name="表格 4"/>
+          <p:cNvGraphicFramePr/>
+          <p:nvPr>
+            <p:custDataLst>
+              <p:tags r:id="rId2"/>
+            </p:custDataLst>
+          </p:nvPr>
+        </p:nvGraphicFramePr>
+        <p:xfrm>
+          <a:off x="2328545" y="4079875"/>
+          <a:ext cx="9067800" cy="2487930"/>
+        </p:xfrm>
+        <a:graphic>
+          <a:graphicData uri="http://schemas.openxmlformats.org/drawingml/2006/table">
+            <a:tbl>
+              <a:tblPr firstRow="1" firstCol="1" bandCol="1">
+                <a:tableStyleId>{925E4801-1C38-4D77-9120-7DF1187F9086}</a:tableStyleId>
+              </a:tblPr>
+              <a:tblGrid>
+                <a:gridCol w="1865630"/>
+                <a:gridCol w="1156970"/>
+                <a:gridCol w="1511300"/>
+                <a:gridCol w="1511300"/>
+                <a:gridCol w="1511300"/>
+              </a:tblGrid>
+              <a:tr h="369570">
+                <a:tc>
+                  <a:txBody>
+                    <a:bodyPr/>
+                    <a:p>
+                      <a:pPr>
+                        <a:buNone/>
+                      </a:pPr>
+                      <a:endParaRPr lang="zh-CN" altLang="en-US"/>
+                    </a:p>
+                  </a:txBody>
+                  <a:tcPr/>
+                </a:tc>
+                <a:tc>
+                  <a:txBody>
+                    <a:bodyPr/>
+                    <a:p>
+                      <a:pPr>
+                        <a:buNone/>
+                      </a:pPr>
+                      <a:r>
+                        <a:rPr lang="en-US" altLang="zh-CN"/>
+                        <a:t>precision</a:t>
+                      </a:r>
+                      <a:endParaRPr lang="en-US" altLang="zh-CN"/>
+                    </a:p>
+                  </a:txBody>
+                  <a:tcPr/>
+                </a:tc>
+                <a:tc>
+                  <a:txBody>
+                    <a:bodyPr/>
+                    <a:p>
+                      <a:pPr>
+                        <a:buNone/>
+                      </a:pPr>
+                      <a:r>
+                        <a:rPr lang="en-US" altLang="zh-CN"/>
+                        <a:t>recall</a:t>
+                      </a:r>
+                      <a:endParaRPr lang="en-US" altLang="zh-CN"/>
+                    </a:p>
+                  </a:txBody>
+                  <a:tcPr/>
+                </a:tc>
+                <a:tc>
+                  <a:txBody>
+                    <a:bodyPr/>
+                    <a:p>
+                      <a:pPr>
+                        <a:buNone/>
+                      </a:pPr>
+                      <a:r>
+                        <a:rPr lang="en-US" altLang="zh-CN"/>
+                        <a:t>f1-score</a:t>
+                      </a:r>
+                      <a:endParaRPr lang="en-US" altLang="zh-CN"/>
+                    </a:p>
+                  </a:txBody>
+                  <a:tcPr/>
+                </a:tc>
+                <a:tc>
+                  <a:txBody>
+                    <a:bodyPr/>
+                    <a:p>
+                      <a:pPr>
+                        <a:buNone/>
+                      </a:pPr>
+                      <a:r>
+                        <a:rPr lang="en-US" altLang="zh-CN"/>
+                        <a:t>support</a:t>
+                      </a:r>
+                      <a:endParaRPr lang="en-US" altLang="zh-CN"/>
+                    </a:p>
+                  </a:txBody>
+                  <a:tcPr/>
+                </a:tc>
+              </a:tr>
+              <a:tr h="369570">
+                <a:tc>
+                  <a:txBody>
+                    <a:bodyPr/>
+                    <a:p>
+                      <a:pPr>
+                        <a:buNone/>
+                      </a:pPr>
+                      <a:r>
+                        <a:rPr lang="en-US" altLang="zh-CN"/>
+                        <a:t>0</a:t>
+                      </a:r>
+                      <a:endParaRPr lang="en-US" altLang="zh-CN"/>
+                    </a:p>
+                  </a:txBody>
+                  <a:tcPr/>
+                </a:tc>
+                <a:tc>
+                  <a:txBody>
+                    <a:bodyPr/>
+                    <a:p>
+                      <a:pPr>
+                        <a:buNone/>
+                      </a:pPr>
+                      <a:r>
+                        <a:rPr lang="en-US" altLang="zh-CN"/>
+                        <a:t>0.74</a:t>
+                      </a:r>
+                      <a:endParaRPr lang="en-US" altLang="zh-CN"/>
+                    </a:p>
+                  </a:txBody>
+                  <a:tcPr/>
+                </a:tc>
+                <a:tc>
+                  <a:txBody>
+                    <a:bodyPr/>
+                    <a:p>
+                      <a:pPr>
+                        <a:buNone/>
+                      </a:pPr>
+                      <a:r>
+                        <a:rPr lang="en-US" altLang="zh-CN"/>
+                        <a:t>0.6</a:t>
+                      </a:r>
+                      <a:endParaRPr lang="en-US" altLang="zh-CN"/>
+                    </a:p>
+                  </a:txBody>
+                  <a:tcPr/>
+                </a:tc>
+                <a:tc>
+                  <a:txBody>
+                    <a:bodyPr/>
+                    <a:p>
+                      <a:pPr>
+                        <a:buNone/>
+                      </a:pPr>
+                      <a:r>
+                        <a:rPr lang="en-US" altLang="zh-CN"/>
+                        <a:t>0.70</a:t>
+                      </a:r>
+                      <a:endParaRPr lang="en-US" altLang="zh-CN"/>
+                    </a:p>
+                  </a:txBody>
+                  <a:tcPr/>
+                </a:tc>
+                <a:tc>
+                  <a:txBody>
+                    <a:bodyPr/>
+                    <a:p>
+                      <a:pPr>
+                        <a:buNone/>
+                      </a:pPr>
+                      <a:r>
+                        <a:rPr lang="en-US" altLang="zh-CN"/>
+                        <a:t>348</a:t>
+                      </a:r>
+                      <a:endParaRPr lang="en-US" altLang="zh-CN"/>
+                    </a:p>
+                  </a:txBody>
+                  <a:tcPr/>
+                </a:tc>
+              </a:tr>
+              <a:tr h="369570">
+                <a:tc>
+                  <a:txBody>
+                    <a:bodyPr/>
+                    <a:p>
+                      <a:pPr>
+                        <a:buNone/>
+                      </a:pPr>
+                      <a:r>
+                        <a:rPr lang="en-US" altLang="zh-CN"/>
+                        <a:t>1</a:t>
+                      </a:r>
+                      <a:endParaRPr lang="en-US" altLang="zh-CN"/>
+                    </a:p>
+                  </a:txBody>
+                  <a:tcPr/>
+                </a:tc>
+                <a:tc>
+                  <a:txBody>
+                    <a:bodyPr/>
+                    <a:p>
+                      <a:pPr>
+                        <a:buNone/>
+                      </a:pPr>
+                      <a:r>
+                        <a:rPr lang="en-US" altLang="zh-CN"/>
+                        <a:t>0.77</a:t>
+                      </a:r>
+                      <a:endParaRPr lang="en-US" altLang="zh-CN"/>
+                    </a:p>
+                  </a:txBody>
+                  <a:tcPr/>
+                </a:tc>
+                <a:tc>
+                  <a:txBody>
+                    <a:bodyPr/>
+                    <a:p>
+                      <a:pPr>
+                        <a:buNone/>
+                      </a:pPr>
+                      <a:r>
+                        <a:rPr lang="en-US" altLang="zh-CN"/>
+                        <a:t>0.86</a:t>
+                      </a:r>
+                      <a:endParaRPr lang="en-US" altLang="zh-CN"/>
+                    </a:p>
+                  </a:txBody>
+                  <a:tcPr/>
+                </a:tc>
+                <a:tc>
+                  <a:txBody>
+                    <a:bodyPr/>
+                    <a:p>
+                      <a:pPr>
+                        <a:buNone/>
+                      </a:pPr>
+                      <a:r>
+                        <a:rPr lang="en-US" altLang="zh-CN"/>
+                        <a:t>0.81</a:t>
+                      </a:r>
+                      <a:endParaRPr lang="en-US" altLang="zh-CN"/>
+                    </a:p>
+                  </a:txBody>
+                  <a:tcPr/>
+                </a:tc>
+                <a:tc>
+                  <a:txBody>
+                    <a:bodyPr/>
+                    <a:p>
+                      <a:pPr>
+                        <a:buNone/>
+                      </a:pPr>
+                      <a:r>
+                        <a:rPr lang="en-US" altLang="zh-CN"/>
+                        <a:t>528</a:t>
+                      </a:r>
+                      <a:endParaRPr lang="en-US" altLang="zh-CN"/>
+                    </a:p>
+                  </a:txBody>
+                  <a:tcPr/>
+                </a:tc>
+              </a:tr>
+              <a:tr h="369570">
+                <a:tc>
+                  <a:txBody>
+                    <a:bodyPr/>
+                    <a:p>
+                      <a:pPr>
+                        <a:buNone/>
+                      </a:pPr>
+                      <a:r>
+                        <a:rPr lang="en-US" altLang="zh-CN"/>
+                        <a:t>accuracy</a:t>
+                      </a:r>
+                      <a:endParaRPr lang="en-US" altLang="zh-CN"/>
+                    </a:p>
+                  </a:txBody>
+                  <a:tcPr/>
+                </a:tc>
+                <a:tc>
+                  <a:txBody>
+                    <a:bodyPr/>
+                    <a:p>
+                      <a:pPr>
+                        <a:buNone/>
+                      </a:pPr>
+                      <a:endParaRPr lang="zh-CN" altLang="en-US"/>
+                    </a:p>
+                  </a:txBody>
+                  <a:tcPr/>
+                </a:tc>
+                <a:tc>
+                  <a:txBody>
+                    <a:bodyPr/>
+                    <a:p>
+                      <a:pPr>
+                        <a:buNone/>
+                      </a:pPr>
+                      <a:endParaRPr lang="en-US" altLang="zh-CN"/>
+                    </a:p>
+                  </a:txBody>
+                  <a:tcPr/>
+                </a:tc>
+                <a:tc>
+                  <a:txBody>
+                    <a:bodyPr/>
+                    <a:p>
+                      <a:pPr>
+                        <a:buNone/>
+                      </a:pPr>
+                      <a:r>
+                        <a:rPr lang="en-US" altLang="zh-CN"/>
+                        <a:t>0.76</a:t>
+                      </a:r>
+                      <a:endParaRPr lang="en-US" altLang="zh-CN"/>
+                    </a:p>
+                  </a:txBody>
+                  <a:tcPr/>
+                </a:tc>
+                <a:tc>
+                  <a:txBody>
+                    <a:bodyPr/>
+                    <a:p>
+                      <a:pPr>
+                        <a:buNone/>
+                      </a:pPr>
+                      <a:r>
+                        <a:rPr lang="en-US" altLang="zh-CN"/>
+                        <a:t>876</a:t>
+                      </a:r>
+                      <a:endParaRPr lang="en-US" altLang="zh-CN"/>
+                    </a:p>
+                  </a:txBody>
+                  <a:tcPr/>
+                </a:tc>
+              </a:tr>
+              <a:tr h="369570">
+                <a:tc>
+                  <a:txBody>
+                    <a:bodyPr/>
+                    <a:p>
+                      <a:pPr>
+                        <a:buNone/>
+                      </a:pPr>
+                      <a:r>
+                        <a:rPr lang="en-US" altLang="zh-CN"/>
+                        <a:t>macro avg</a:t>
+                      </a:r>
+                      <a:endParaRPr lang="en-US" altLang="zh-CN"/>
+                    </a:p>
+                  </a:txBody>
+                  <a:tcPr/>
+                </a:tc>
+                <a:tc>
+                  <a:txBody>
+                    <a:bodyPr/>
+                    <a:p>
+                      <a:pPr>
+                        <a:buNone/>
+                      </a:pPr>
+                      <a:r>
+                        <a:rPr lang="en-US" altLang="zh-CN"/>
+                        <a:t>0.75</a:t>
+                      </a:r>
+                      <a:endParaRPr lang="en-US" altLang="zh-CN"/>
+                    </a:p>
+                  </a:txBody>
+                  <a:tcPr/>
+                </a:tc>
+                <a:tc>
+                  <a:txBody>
+                    <a:bodyPr/>
+                    <a:p>
+                      <a:pPr>
+                        <a:buNone/>
+                      </a:pPr>
+                      <a:r>
+                        <a:rPr lang="en-US" altLang="zh-CN"/>
+                        <a:t>0.73</a:t>
+                      </a:r>
+                      <a:endParaRPr lang="en-US" altLang="zh-CN"/>
+                    </a:p>
+                  </a:txBody>
+                  <a:tcPr/>
+                </a:tc>
+                <a:tc>
+                  <a:txBody>
+                    <a:bodyPr/>
+                    <a:p>
+                      <a:pPr>
+                        <a:buNone/>
+                      </a:pPr>
+                      <a:r>
+                        <a:rPr lang="en-US" altLang="zh-CN"/>
+                        <a:t>0.74</a:t>
+                      </a:r>
+                      <a:endParaRPr lang="en-US" altLang="zh-CN"/>
+                    </a:p>
+                  </a:txBody>
+                  <a:tcPr/>
+                </a:tc>
+                <a:tc>
+                  <a:txBody>
+                    <a:bodyPr/>
+                    <a:p>
+                      <a:pPr>
+                        <a:buNone/>
+                      </a:pPr>
+                      <a:r>
+                        <a:rPr lang="en-US" altLang="zh-CN"/>
+                        <a:t>876</a:t>
+                      </a:r>
+                      <a:endParaRPr lang="en-US" altLang="zh-CN"/>
+                    </a:p>
+                  </a:txBody>
+                  <a:tcPr/>
+                </a:tc>
+              </a:tr>
+              <a:tr h="640080">
+                <a:tc>
+                  <a:txBody>
+                    <a:bodyPr/>
+                    <a:p>
+                      <a:pPr>
+                        <a:buNone/>
+                      </a:pPr>
+                      <a:r>
+                        <a:rPr lang="en-US" altLang="zh-CN"/>
+                        <a:t>weighted avg</a:t>
+                      </a:r>
+                      <a:endParaRPr lang="en-US" altLang="zh-CN"/>
+                    </a:p>
+                  </a:txBody>
+                  <a:tcPr/>
+                </a:tc>
+                <a:tc>
+                  <a:txBody>
+                    <a:bodyPr/>
+                    <a:p>
+                      <a:pPr>
+                        <a:buNone/>
+                      </a:pPr>
+                      <a:r>
+                        <a:rPr lang="en-US" altLang="zh-CN"/>
+                        <a:t>0.76</a:t>
+                      </a:r>
+                      <a:endParaRPr lang="en-US" altLang="zh-CN"/>
+                    </a:p>
+                  </a:txBody>
+                  <a:tcPr/>
+                </a:tc>
+                <a:tc>
+                  <a:txBody>
+                    <a:bodyPr/>
+                    <a:p>
+                      <a:pPr>
+                        <a:buNone/>
+                      </a:pPr>
+                      <a:r>
+                        <a:rPr lang="en-US" altLang="zh-CN"/>
+                        <a:t>0.76</a:t>
+                      </a:r>
+                      <a:endParaRPr lang="en-US" altLang="zh-CN"/>
+                    </a:p>
+                  </a:txBody>
+                  <a:tcPr/>
+                </a:tc>
+                <a:tc>
+                  <a:txBody>
+                    <a:bodyPr/>
+                    <a:p>
+                      <a:pPr>
+                        <a:buNone/>
+                      </a:pPr>
+                      <a:r>
+                        <a:rPr lang="en-US" altLang="zh-CN"/>
+                        <a:t>0.75</a:t>
+                      </a:r>
+                      <a:endParaRPr lang="en-US" altLang="zh-CN"/>
+                    </a:p>
+                  </a:txBody>
+                  <a:tcPr/>
+                </a:tc>
+                <a:tc>
+                  <a:txBody>
+                    <a:bodyPr/>
+                    <a:p>
+                      <a:pPr>
+                        <a:buNone/>
+                      </a:pPr>
+                      <a:r>
+                        <a:rPr lang="en-US" altLang="zh-CN"/>
+                        <a:t>876</a:t>
+                      </a:r>
+                      <a:endParaRPr lang="en-US" altLang="zh-CN"/>
+                    </a:p>
+                  </a:txBody>
+                  <a:tcPr/>
+                </a:tc>
+              </a:tr>
+            </a:tbl>
+          </a:graphicData>
+        </a:graphic>
+      </p:graphicFrame>
     </p:spTree>
   </p:cSld>
   <p:clrMapOvr>
@@ -25984,6 +26527,7 @@
               <a:rPr lang="en-US" altLang="zh-CN"/>
               <a:t>Predictions</a:t>
             </a:r>
+            <a:endParaRPr lang="en-US" altLang="zh-CN"/>
           </a:p>
         </p:txBody>
       </p:sp>
@@ -25998,7 +26542,7 @@
           </p:nvPr>
         </p:nvPicPr>
         <p:blipFill>
-          <a:blip r:embed="rId2"/>
+          <a:blip r:embed="rId1"/>
           <a:stretch>
             <a:fillRect/>
           </a:stretch>
@@ -26022,7 +26566,21 @@
 </file>
 
 <file path=ppt/tags/tag1.xml><?xml version="1.0" encoding="utf-8"?>
-<p:tagLst xmlns:a="http://schemas.openxmlformats.org/drawingml/2006/main" xmlns:r="http://schemas.openxmlformats.org/officeDocument/2006/relationships" xmlns:p="http://schemas.openxmlformats.org/presentationml/2006/main">
+<p:tagLst xmlns:p="http://schemas.openxmlformats.org/presentationml/2006/main">
+  <p:tag name="TABLE_ENDDRAG_ORIGIN_RECT" val="713*194"/>
+  <p:tag name="TABLE_ENDDRAG_RECT" val="101*201*713*194"/>
+  <p:tag name="KSO_WM_BEAUTIFY_FLAG" val=""/>
+</p:tagLst>
+</file>
+
+<file path=ppt/tags/tag2.xml><?xml version="1.0" encoding="utf-8"?>
+<p:tagLst xmlns:p="http://schemas.openxmlformats.org/presentationml/2006/main">
+  <p:tag name="KSO_WM_BEAUTIFY_FLAG" val=""/>
+</p:tagLst>
+</file>
+
+<file path=ppt/tags/tag3.xml><?xml version="1.0" encoding="utf-8"?>
+<p:tagLst xmlns:p="http://schemas.openxmlformats.org/presentationml/2006/main">
   <p:tag name="COMMONDATA" val="eyJoZGlkIjoiMzkwM2U4OGUzOWY2ZWQxMGZiY2Y1MDM2MWJjNmZmMmMifQ=="/>
 </p:tagLst>
 </file>
@@ -26218,8 +26776,6 @@
       </a:bgFillStyleLst>
     </a:fmtScheme>
   </a:themeElements>
-  <a:objectDefaults/>
-  <a:extraClrSchemeLst/>
   <a:extLst>
     <a:ext uri="{05A4C25C-085E-4340-85A3-A5531E510DB2}">
       <thm15:themeFamily xmlns:thm15="http://schemas.microsoft.com/office/thememl/2012/main" name="Office Theme" id="{62F939B6-93AF-4DB8-9C6B-D6C7DFDC589F}" vid="{4A3C46E8-61CC-4603-A589-7422A47A8E4A}"/>
@@ -26479,8 +27035,6 @@
       </a:bgFillStyleLst>
     </a:fmtScheme>
   </a:themeElements>
-  <a:objectDefaults/>
-  <a:extraClrSchemeLst/>
   <a:extLst>
     <a:ext uri="{05A4C25C-085E-4340-85A3-A5531E510DB2}">
       <thm15:themeFamily xmlns:thm15="http://schemas.microsoft.com/office/thememl/2012/main" name="Office Theme" id="{62F939B6-93AF-4DB8-9C6B-D6C7DFDC589F}" vid="{4A3C46E8-61CC-4603-A589-7422A47A8E4A}"/>

--- a/Presentation.pptx
+++ b/Presentation.pptx
@@ -5,31 +5,30 @@
     <p:sldMasterId id="2147483648" r:id="rId1"/>
   </p:sldMasterIdLst>
   <p:notesMasterIdLst>
-    <p:notesMasterId r:id="rId4"/>
+    <p:notesMasterId r:id="rId18"/>
   </p:notesMasterIdLst>
   <p:sldIdLst>
-    <p:sldId id="256" r:id="rId3"/>
-    <p:sldId id="264" r:id="rId5"/>
-    <p:sldId id="257" r:id="rId6"/>
-    <p:sldId id="263" r:id="rId7"/>
-    <p:sldId id="270" r:id="rId8"/>
-    <p:sldId id="258" r:id="rId9"/>
-    <p:sldId id="260" r:id="rId10"/>
-    <p:sldId id="282" r:id="rId11"/>
-    <p:sldId id="283" r:id="rId12"/>
-    <p:sldId id="284" r:id="rId13"/>
-    <p:sldId id="259" r:id="rId14"/>
-    <p:sldId id="271" r:id="rId15"/>
-    <p:sldId id="272" r:id="rId16"/>
-    <p:sldId id="285" r:id="rId17"/>
-    <p:sldId id="262" r:id="rId18"/>
-    <p:sldId id="268" r:id="rId19"/>
-    <p:sldId id="269" r:id="rId20"/>
+    <p:sldId id="256" r:id="rId2"/>
+    <p:sldId id="264" r:id="rId3"/>
+    <p:sldId id="257" r:id="rId4"/>
+    <p:sldId id="263" r:id="rId5"/>
+    <p:sldId id="270" r:id="rId6"/>
+    <p:sldId id="258" r:id="rId7"/>
+    <p:sldId id="260" r:id="rId8"/>
+    <p:sldId id="282" r:id="rId9"/>
+    <p:sldId id="283" r:id="rId10"/>
+    <p:sldId id="284" r:id="rId11"/>
+    <p:sldId id="259" r:id="rId12"/>
+    <p:sldId id="271" r:id="rId13"/>
+    <p:sldId id="272" r:id="rId14"/>
+    <p:sldId id="262" r:id="rId15"/>
+    <p:sldId id="268" r:id="rId16"/>
+    <p:sldId id="269" r:id="rId17"/>
   </p:sldIdLst>
   <p:sldSz cx="12192000" cy="6858000"/>
   <p:notesSz cx="6858000" cy="9144000"/>
   <p:custDataLst>
-    <p:tags r:id="rId25"/>
+    <p:tags r:id="rId19"/>
   </p:custDataLst>
   <p:defaultTextStyle>
     <a:defPPr>
@@ -126,6 +125,11 @@
       </a:defRPr>
     </a:lvl9pPr>
   </p:defaultTextStyle>
+  <p:extLst>
+    <p:ext uri="{EFAFB233-063F-42B5-8137-9DF3F51BA10A}">
+      <p15:sldGuideLst xmlns:p15="http://schemas.microsoft.com/office/powerpoint/2012/main"/>
+    </p:ext>
+  </p:extLst>
 </p:presentation>
 </file>
 
@@ -133,6 +137,171 @@
 <p:cmAuthorLst xmlns:a="http://schemas.openxmlformats.org/drawingml/2006/main" xmlns:r="http://schemas.openxmlformats.org/officeDocument/2006/relationships" xmlns:p="http://schemas.openxmlformats.org/presentationml/2006/main">
   <p:cmAuthor id="1" name="Howard Zeng" initials="HZ" lastIdx="1" clrIdx="0"/>
 </p:cmAuthorLst>
+</file>
+
+<file path=ppt/changesInfos/changesInfo1.xml><?xml version="1.0" encoding="utf-8"?>
+<pc:chgInfo xmlns:a="http://schemas.openxmlformats.org/drawingml/2006/main" xmlns:r="http://schemas.openxmlformats.org/officeDocument/2006/relationships" xmlns:ac="http://schemas.microsoft.com/office/drawing/2013/main/command" xmlns:pc="http://schemas.microsoft.com/office/powerpoint/2013/main/command">
+  <pc:docChgLst>
+    <pc:chgData name="Howard Zeng" userId="b3a49412108e13ba" providerId="LiveId" clId="{BCC94F81-CC70-406E-BFFC-3B9E7FA9D0DE}"/>
+    <pc:docChg chg="undo redo custSel addSld delSld modSld sldOrd">
+      <pc:chgData name="Howard Zeng" userId="b3a49412108e13ba" providerId="LiveId" clId="{BCC94F81-CC70-406E-BFFC-3B9E7FA9D0DE}" dt="2023-11-30T18:29:58.496" v="485" actId="12"/>
+      <pc:docMkLst>
+        <pc:docMk/>
+      </pc:docMkLst>
+      <pc:sldChg chg="modSp mod">
+        <pc:chgData name="Howard Zeng" userId="b3a49412108e13ba" providerId="LiveId" clId="{BCC94F81-CC70-406E-BFFC-3B9E7FA9D0DE}" dt="2023-11-30T17:53:15.127" v="19" actId="1076"/>
+        <pc:sldMkLst>
+          <pc:docMk/>
+          <pc:sldMk cId="0" sldId="257"/>
+        </pc:sldMkLst>
+        <pc:spChg chg="mod">
+          <ac:chgData name="Howard Zeng" userId="b3a49412108e13ba" providerId="LiveId" clId="{BCC94F81-CC70-406E-BFFC-3B9E7FA9D0DE}" dt="2023-11-30T17:53:04.200" v="18" actId="12789"/>
+          <ac:spMkLst>
+            <pc:docMk/>
+            <pc:sldMk cId="0" sldId="257"/>
+            <ac:spMk id="7" creationId="{00000000-0000-0000-0000-000000000000}"/>
+          </ac:spMkLst>
+        </pc:spChg>
+        <pc:picChg chg="mod">
+          <ac:chgData name="Howard Zeng" userId="b3a49412108e13ba" providerId="LiveId" clId="{BCC94F81-CC70-406E-BFFC-3B9E7FA9D0DE}" dt="2023-11-30T17:53:15.127" v="19" actId="1076"/>
+          <ac:picMkLst>
+            <pc:docMk/>
+            <pc:sldMk cId="0" sldId="257"/>
+            <ac:picMk id="5" creationId="{00000000-0000-0000-0000-000000000000}"/>
+          </ac:picMkLst>
+        </pc:picChg>
+      </pc:sldChg>
+      <pc:sldChg chg="modSp mod">
+        <pc:chgData name="Howard Zeng" userId="b3a49412108e13ba" providerId="LiveId" clId="{BCC94F81-CC70-406E-BFFC-3B9E7FA9D0DE}" dt="2023-11-30T18:29:58.496" v="485" actId="12"/>
+        <pc:sldMkLst>
+          <pc:docMk/>
+          <pc:sldMk cId="0" sldId="258"/>
+        </pc:sldMkLst>
+        <pc:spChg chg="mod">
+          <ac:chgData name="Howard Zeng" userId="b3a49412108e13ba" providerId="LiveId" clId="{BCC94F81-CC70-406E-BFFC-3B9E7FA9D0DE}" dt="2023-11-30T18:29:58.496" v="485" actId="12"/>
+          <ac:spMkLst>
+            <pc:docMk/>
+            <pc:sldMk cId="0" sldId="258"/>
+            <ac:spMk id="5" creationId="{00000000-0000-0000-0000-000000000000}"/>
+          </ac:spMkLst>
+        </pc:spChg>
+      </pc:sldChg>
+      <pc:sldChg chg="modSp mod">
+        <pc:chgData name="Howard Zeng" userId="b3a49412108e13ba" providerId="LiveId" clId="{BCC94F81-CC70-406E-BFFC-3B9E7FA9D0DE}" dt="2023-11-30T17:52:27.415" v="11" actId="20577"/>
+        <pc:sldMkLst>
+          <pc:docMk/>
+          <pc:sldMk cId="0" sldId="262"/>
+        </pc:sldMkLst>
+        <pc:spChg chg="mod">
+          <ac:chgData name="Howard Zeng" userId="b3a49412108e13ba" providerId="LiveId" clId="{BCC94F81-CC70-406E-BFFC-3B9E7FA9D0DE}" dt="2023-11-30T17:51:44.108" v="2" actId="1076"/>
+          <ac:spMkLst>
+            <pc:docMk/>
+            <pc:sldMk cId="0" sldId="262"/>
+            <ac:spMk id="2" creationId="{00000000-0000-0000-0000-000000000000}"/>
+          </ac:spMkLst>
+        </pc:spChg>
+        <pc:graphicFrameChg chg="mod">
+          <ac:chgData name="Howard Zeng" userId="b3a49412108e13ba" providerId="LiveId" clId="{BCC94F81-CC70-406E-BFFC-3B9E7FA9D0DE}" dt="2023-11-30T17:52:27.415" v="11" actId="20577"/>
+          <ac:graphicFrameMkLst>
+            <pc:docMk/>
+            <pc:sldMk cId="0" sldId="262"/>
+            <ac:graphicFrameMk id="33" creationId="{00000000-0000-0000-0000-000000000000}"/>
+          </ac:graphicFrameMkLst>
+        </pc:graphicFrameChg>
+      </pc:sldChg>
+      <pc:sldChg chg="modSp">
+        <pc:chgData name="Howard Zeng" userId="b3a49412108e13ba" providerId="LiveId" clId="{BCC94F81-CC70-406E-BFFC-3B9E7FA9D0DE}" dt="2023-11-30T17:55:21.461" v="36" actId="115"/>
+        <pc:sldMkLst>
+          <pc:docMk/>
+          <pc:sldMk cId="0" sldId="263"/>
+        </pc:sldMkLst>
+        <pc:graphicFrameChg chg="mod">
+          <ac:chgData name="Howard Zeng" userId="b3a49412108e13ba" providerId="LiveId" clId="{BCC94F81-CC70-406E-BFFC-3B9E7FA9D0DE}" dt="2023-11-30T17:55:21.461" v="36" actId="115"/>
+          <ac:graphicFrameMkLst>
+            <pc:docMk/>
+            <pc:sldMk cId="0" sldId="263"/>
+            <ac:graphicFrameMk id="31" creationId="{00000000-0000-0000-0000-000000000000}"/>
+          </ac:graphicFrameMkLst>
+        </pc:graphicFrameChg>
+      </pc:sldChg>
+      <pc:sldChg chg="modSp">
+        <pc:chgData name="Howard Zeng" userId="b3a49412108e13ba" providerId="LiveId" clId="{BCC94F81-CC70-406E-BFFC-3B9E7FA9D0DE}" dt="2023-11-30T17:54:49.328" v="25" actId="113"/>
+        <pc:sldMkLst>
+          <pc:docMk/>
+          <pc:sldMk cId="0" sldId="264"/>
+        </pc:sldMkLst>
+        <pc:graphicFrameChg chg="mod">
+          <ac:chgData name="Howard Zeng" userId="b3a49412108e13ba" providerId="LiveId" clId="{BCC94F81-CC70-406E-BFFC-3B9E7FA9D0DE}" dt="2023-11-30T17:54:49.328" v="25" actId="113"/>
+          <ac:graphicFrameMkLst>
+            <pc:docMk/>
+            <pc:sldMk cId="0" sldId="264"/>
+            <ac:graphicFrameMk id="127" creationId="{00000000-0000-0000-0000-000000000000}"/>
+          </ac:graphicFrameMkLst>
+        </pc:graphicFrameChg>
+      </pc:sldChg>
+      <pc:sldChg chg="addSp delSp modSp mod">
+        <pc:chgData name="Howard Zeng" userId="b3a49412108e13ba" providerId="LiveId" clId="{BCC94F81-CC70-406E-BFFC-3B9E7FA9D0DE}" dt="2023-11-30T18:17:49.678" v="89" actId="1076"/>
+        <pc:sldMkLst>
+          <pc:docMk/>
+          <pc:sldMk cId="0" sldId="268"/>
+        </pc:sldMkLst>
+        <pc:spChg chg="add del mod">
+          <ac:chgData name="Howard Zeng" userId="b3a49412108e13ba" providerId="LiveId" clId="{BCC94F81-CC70-406E-BFFC-3B9E7FA9D0DE}" dt="2023-11-30T18:17:49.678" v="89" actId="1076"/>
+          <ac:spMkLst>
+            <pc:docMk/>
+            <pc:sldMk cId="0" sldId="268"/>
+            <ac:spMk id="5" creationId="{E7FF8482-3DFD-69BB-0D0B-F6D86DCB4CFB}"/>
+          </ac:spMkLst>
+        </pc:spChg>
+      </pc:sldChg>
+      <pc:sldChg chg="modSp mod">
+        <pc:chgData name="Howard Zeng" userId="b3a49412108e13ba" providerId="LiveId" clId="{BCC94F81-CC70-406E-BFFC-3B9E7FA9D0DE}" dt="2023-11-30T18:17:36.270" v="67" actId="115"/>
+        <pc:sldMkLst>
+          <pc:docMk/>
+          <pc:sldMk cId="0" sldId="270"/>
+        </pc:sldMkLst>
+        <pc:spChg chg="mod">
+          <ac:chgData name="Howard Zeng" userId="b3a49412108e13ba" providerId="LiveId" clId="{BCC94F81-CC70-406E-BFFC-3B9E7FA9D0DE}" dt="2023-11-30T18:17:36.270" v="67" actId="115"/>
+          <ac:spMkLst>
+            <pc:docMk/>
+            <pc:sldMk cId="0" sldId="270"/>
+            <ac:spMk id="26" creationId="{00000000-0000-0000-0000-000000000000}"/>
+          </ac:spMkLst>
+        </pc:spChg>
+      </pc:sldChg>
+      <pc:sldChg chg="addSp delSp modSp mod">
+        <pc:chgData name="Howard Zeng" userId="b3a49412108e13ba" providerId="LiveId" clId="{BCC94F81-CC70-406E-BFFC-3B9E7FA9D0DE}" dt="2023-11-30T18:24:11.717" v="109" actId="242"/>
+        <pc:sldMkLst>
+          <pc:docMk/>
+          <pc:sldMk cId="0" sldId="282"/>
+        </pc:sldMkLst>
+        <pc:graphicFrameChg chg="add del modGraphic">
+          <ac:chgData name="Howard Zeng" userId="b3a49412108e13ba" providerId="LiveId" clId="{BCC94F81-CC70-406E-BFFC-3B9E7FA9D0DE}" dt="2023-11-30T18:24:11.717" v="109" actId="242"/>
+          <ac:graphicFrameMkLst>
+            <pc:docMk/>
+            <pc:sldMk cId="0" sldId="282"/>
+            <ac:graphicFrameMk id="5" creationId="{00000000-0000-0000-0000-000000000000}"/>
+          </ac:graphicFrameMkLst>
+        </pc:graphicFrameChg>
+      </pc:sldChg>
+      <pc:sldChg chg="modSp add del mod ord">
+        <pc:chgData name="Howard Zeng" userId="b3a49412108e13ba" providerId="LiveId" clId="{BCC94F81-CC70-406E-BFFC-3B9E7FA9D0DE}" dt="2023-11-30T18:17:40.369" v="88" actId="2696"/>
+        <pc:sldMkLst>
+          <pc:docMk/>
+          <pc:sldMk cId="0" sldId="285"/>
+        </pc:sldMkLst>
+        <pc:spChg chg="mod">
+          <ac:chgData name="Howard Zeng" userId="b3a49412108e13ba" providerId="LiveId" clId="{BCC94F81-CC70-406E-BFFC-3B9E7FA9D0DE}" dt="2023-11-30T18:17:36.325" v="69" actId="21"/>
+          <ac:spMkLst>
+            <pc:docMk/>
+            <pc:sldMk cId="0" sldId="285"/>
+            <ac:spMk id="2" creationId="{00000000-0000-0000-0000-000000000000}"/>
+          </ac:spMkLst>
+        </pc:spChg>
+      </pc:sldChg>
+    </pc:docChg>
+  </pc:docChgLst>
+</pc:chgInfo>
 </file>
 
 <file path=ppt/diagrams/colors1.xml><?xml version="1.0" encoding="utf-8"?>
@@ -3569,13 +3738,21 @@
           </a:pPr>
           <a:r>
             <a:rPr lang="en-US" altLang="zh-CN" dirty="0"/>
-            <a:t>Implement retail trader sentiment analysis to assess market impact</a:t>
+            <a:t>Implement </a:t>
+          </a:r>
+          <a:r>
+            <a:rPr lang="en-US" altLang="zh-CN" b="1" dirty="0"/>
+            <a:t>retail trader sentiment analysis</a:t>
+          </a:r>
+          <a:r>
+            <a:rPr lang="en-US" altLang="zh-CN" dirty="0"/>
+            <a:t> to assess market impact</a:t>
           </a:r>
           <a:endParaRPr lang="en-US" dirty="0"/>
         </a:p>
       </dgm:t>
     </dgm:pt>
-    <dgm:pt modelId="{CCF74DE4-26C9-45A4-82E6-70A784D8BBD1}" cxnId="{EFF2ED75-E9AC-4B48-B3F2-5971B7523C4C}" type="sibTrans">
+    <dgm:pt modelId="{CCF74DE4-26C9-45A4-82E6-70A784D8BBD1}" type="sibTrans" cxnId="{EFF2ED75-E9AC-4B48-B3F2-5971B7523C4C}">
       <dgm:prSet/>
       <dgm:spPr/>
       <dgm:t>
@@ -3586,7 +3763,7 @@
         </a:p>
       </dgm:t>
     </dgm:pt>
-    <dgm:pt modelId="{DE52508F-1789-4A9F-9707-74924DD7E61E}" cxnId="{EFF2ED75-E9AC-4B48-B3F2-5971B7523C4C}" type="parTrans">
+    <dgm:pt modelId="{DE52508F-1789-4A9F-9707-74924DD7E61E}" type="parTrans" cxnId="{EFF2ED75-E9AC-4B48-B3F2-5971B7523C4C}">
       <dgm:prSet/>
       <dgm:spPr/>
       <dgm:t>
@@ -3611,13 +3788,17 @@
           </a:pPr>
           <a:r>
             <a:rPr lang="en-US" altLang="zh-CN" dirty="0"/>
-            <a:t>Develop predictive models for real-time detection of buy/sell signals</a:t>
+            <a:t>Develop predictive models for </a:t>
           </a:r>
-          <a:endParaRPr lang="en-US" dirty="0"/>
+          <a:r>
+            <a:rPr lang="en-US" altLang="zh-CN" b="1" dirty="0"/>
+            <a:t>real-time detection of buy/sell signals</a:t>
+          </a:r>
+          <a:endParaRPr lang="en-US" b="1" dirty="0"/>
         </a:p>
       </dgm:t>
     </dgm:pt>
-    <dgm:pt modelId="{D08D5768-2D24-4FAC-9191-477B38D6DA05}" cxnId="{25EB2A31-C459-4169-8C35-DCBF2915D844}" type="sibTrans">
+    <dgm:pt modelId="{D08D5768-2D24-4FAC-9191-477B38D6DA05}" type="sibTrans" cxnId="{25EB2A31-C459-4169-8C35-DCBF2915D844}">
       <dgm:prSet/>
       <dgm:spPr/>
       <dgm:t>
@@ -3628,7 +3809,7 @@
         </a:p>
       </dgm:t>
     </dgm:pt>
-    <dgm:pt modelId="{225578BC-3BD0-4294-9A40-2E77CEF91A4C}" cxnId="{25EB2A31-C459-4169-8C35-DCBF2915D844}" type="parTrans">
+    <dgm:pt modelId="{225578BC-3BD0-4294-9A40-2E77CEF91A4C}" type="parTrans" cxnId="{25EB2A31-C459-4169-8C35-DCBF2915D844}">
       <dgm:prSet/>
       <dgm:spPr/>
       <dgm:t>
@@ -3763,7 +3944,7 @@
   <dgm:whole/>
   <dgm:extLst>
     <a:ext uri="http://schemas.microsoft.com/office/drawing/2008/diagram">
-      <dsp:dataModelExt xmlns:dsp="http://schemas.microsoft.com/office/drawing/2008/diagram" relId="rId5" minVer="http://schemas.openxmlformats.org/drawingml/2006/diagram"/>
+      <dsp:dataModelExt xmlns:dsp="http://schemas.microsoft.com/office/drawing/2008/diagram" relId="rId7" minVer="http://schemas.openxmlformats.org/drawingml/2006/diagram"/>
     </a:ext>
   </dgm:extLst>
 </dgm:dataModel>
@@ -3802,7 +3983,7 @@
         </a:p>
       </dgm:t>
     </dgm:pt>
-    <dgm:pt modelId="{F08C03AC-141C-4D97-B798-516B057347B1}" cxnId="{C8A07820-9951-4941-9493-F5B694DC9DA7}" type="parTrans">
+    <dgm:pt modelId="{F08C03AC-141C-4D97-B798-516B057347B1}" type="parTrans" cxnId="{C8A07820-9951-4941-9493-F5B694DC9DA7}">
       <dgm:prSet/>
       <dgm:spPr/>
       <dgm:t>
@@ -3813,7 +3994,7 @@
         </a:p>
       </dgm:t>
     </dgm:pt>
-    <dgm:pt modelId="{7863FAB8-13FA-4373-B70C-31396DC273A3}" cxnId="{C8A07820-9951-4941-9493-F5B694DC9DA7}" type="sibTrans">
+    <dgm:pt modelId="{7863FAB8-13FA-4373-B70C-31396DC273A3}" type="sibTrans" cxnId="{C8A07820-9951-4941-9493-F5B694DC9DA7}">
       <dgm:prSet/>
       <dgm:spPr/>
       <dgm:t>
@@ -3838,12 +4019,20 @@
           </a:pPr>
           <a:r>
             <a:rPr lang="en-US" dirty="0"/>
-            <a:t>Study the correlation between stock market and retail traders’ sentiment</a:t>
+            <a:t>Study the </a:t>
+          </a:r>
+          <a:r>
+            <a:rPr lang="en-US" b="1" u="sng" dirty="0"/>
+            <a:t>correlation</a:t>
+          </a:r>
+          <a:r>
+            <a:rPr lang="en-US" dirty="0"/>
+            <a:t> between stock market and retail traders’ sentiment</a:t>
           </a:r>
         </a:p>
       </dgm:t>
     </dgm:pt>
-    <dgm:pt modelId="{03DB114C-C02F-4220-AB33-8315CD2D2602}" cxnId="{17BED740-E256-498D-B562-80EB904E7FA0}" type="parTrans">
+    <dgm:pt modelId="{03DB114C-C02F-4220-AB33-8315CD2D2602}" type="parTrans" cxnId="{17BED740-E256-498D-B562-80EB904E7FA0}">
       <dgm:prSet/>
       <dgm:spPr/>
       <dgm:t>
@@ -3854,7 +4043,7 @@
         </a:p>
       </dgm:t>
     </dgm:pt>
-    <dgm:pt modelId="{9C3AC8DC-0979-4B1D-9E9E-20557050AD00}" cxnId="{17BED740-E256-498D-B562-80EB904E7FA0}" type="sibTrans">
+    <dgm:pt modelId="{9C3AC8DC-0979-4B1D-9E9E-20557050AD00}" type="sibTrans" cxnId="{17BED740-E256-498D-B562-80EB904E7FA0}">
       <dgm:prSet/>
       <dgm:spPr/>
       <dgm:t>
@@ -3879,12 +4068,20 @@
           </a:pPr>
           <a:r>
             <a:rPr lang="en-US" dirty="0"/>
-            <a:t>Build models to predict stock return</a:t>
+            <a:t>Build models to </a:t>
+          </a:r>
+          <a:r>
+            <a:rPr lang="en-US" b="1" u="sng" dirty="0"/>
+            <a:t>predict</a:t>
+          </a:r>
+          <a:r>
+            <a:rPr lang="en-US" dirty="0"/>
+            <a:t> stock return</a:t>
           </a:r>
         </a:p>
       </dgm:t>
     </dgm:pt>
-    <dgm:pt modelId="{659EBAA6-562F-4E5A-B382-BC0E7A90ABFB}" cxnId="{09BA361F-3F0B-4FB9-9E6D-5D4CF6237DD0}" type="parTrans">
+    <dgm:pt modelId="{659EBAA6-562F-4E5A-B382-BC0E7A90ABFB}" type="parTrans" cxnId="{09BA361F-3F0B-4FB9-9E6D-5D4CF6237DD0}">
       <dgm:prSet/>
       <dgm:spPr/>
       <dgm:t>
@@ -3895,7 +4092,7 @@
         </a:p>
       </dgm:t>
     </dgm:pt>
-    <dgm:pt modelId="{B343CCAC-49C9-4D2E-8A34-D2AF44FB800A}" cxnId="{09BA361F-3F0B-4FB9-9E6D-5D4CF6237DD0}" type="sibTrans">
+    <dgm:pt modelId="{B343CCAC-49C9-4D2E-8A34-D2AF44FB800A}" type="sibTrans" cxnId="{09BA361F-3F0B-4FB9-9E6D-5D4CF6237DD0}">
       <dgm:prSet/>
       <dgm:spPr/>
       <dgm:t>
@@ -3925,7 +4122,7 @@
         </a:p>
       </dgm:t>
     </dgm:pt>
-    <dgm:pt modelId="{64C214AA-E8CD-46F1-945C-8FBA5C339EC7}" cxnId="{88697ADF-E79E-4545-8C5B-6A3C96ABEA75}" type="parTrans">
+    <dgm:pt modelId="{64C214AA-E8CD-46F1-945C-8FBA5C339EC7}" type="parTrans" cxnId="{88697ADF-E79E-4545-8C5B-6A3C96ABEA75}">
       <dgm:prSet/>
       <dgm:spPr/>
       <dgm:t>
@@ -3936,7 +4133,7 @@
         </a:p>
       </dgm:t>
     </dgm:pt>
-    <dgm:pt modelId="{C948E9B6-7EA6-45A9-BE7C-73FF13D76FA8}" cxnId="{88697ADF-E79E-4545-8C5B-6A3C96ABEA75}" type="sibTrans">
+    <dgm:pt modelId="{C948E9B6-7EA6-45A9-BE7C-73FF13D76FA8}" type="sibTrans" cxnId="{88697ADF-E79E-4545-8C5B-6A3C96ABEA75}">
       <dgm:prSet/>
       <dgm:spPr/>
       <dgm:t>
@@ -3961,12 +4158,20 @@
           </a:pPr>
           <a:r>
             <a:rPr lang="en-US" dirty="0"/>
-            <a:t>Implement a dynamic approach to make short to mid term (one week) prediction </a:t>
+            <a:t>Implement a </a:t>
+          </a:r>
+          <a:r>
+            <a:rPr lang="en-US" b="1" u="sng" dirty="0"/>
+            <a:t>dynamic approach </a:t>
+          </a:r>
+          <a:r>
+            <a:rPr lang="en-US" dirty="0"/>
+            <a:t>to make short to mid term (one week) prediction </a:t>
           </a:r>
         </a:p>
       </dgm:t>
     </dgm:pt>
-    <dgm:pt modelId="{56E228EC-845F-47B9-850A-9118EEAF286B}" cxnId="{D6F4B180-8AAF-4C99-B348-99B982CCC24A}" type="parTrans">
+    <dgm:pt modelId="{56E228EC-845F-47B9-850A-9118EEAF286B}" type="parTrans" cxnId="{D6F4B180-8AAF-4C99-B348-99B982CCC24A}">
       <dgm:prSet/>
       <dgm:spPr/>
       <dgm:t>
@@ -3977,7 +4182,7 @@
         </a:p>
       </dgm:t>
     </dgm:pt>
-    <dgm:pt modelId="{C4ABA87D-7618-45AC-9C5A-F1775AE53EE5}" cxnId="{D6F4B180-8AAF-4C99-B348-99B982CCC24A}" type="sibTrans">
+    <dgm:pt modelId="{C4ABA87D-7618-45AC-9C5A-F1775AE53EE5}" type="sibTrans" cxnId="{D6F4B180-8AAF-4C99-B348-99B982CCC24A}">
       <dgm:prSet/>
       <dgm:spPr/>
       <dgm:t>
@@ -4002,12 +4207,16 @@
           </a:pPr>
           <a:r>
             <a:rPr lang="en-US" dirty="0"/>
-            <a:t>Focus on both loss and gain</a:t>
+            <a:t>Focus on both loss and </a:t>
+          </a:r>
+          <a:r>
+            <a:rPr lang="en-US" b="1" u="sng" dirty="0"/>
+            <a:t>gain</a:t>
           </a:r>
         </a:p>
       </dgm:t>
     </dgm:pt>
-    <dgm:pt modelId="{710C6B4C-8A33-4681-90E1-6F785CB95183}" cxnId="{3F22CF34-295B-4907-A5CC-6F4A68B0965C}" type="parTrans">
+    <dgm:pt modelId="{710C6B4C-8A33-4681-90E1-6F785CB95183}" type="parTrans" cxnId="{3F22CF34-295B-4907-A5CC-6F4A68B0965C}">
       <dgm:prSet/>
       <dgm:spPr/>
       <dgm:t>
@@ -4018,7 +4227,7 @@
         </a:p>
       </dgm:t>
     </dgm:pt>
-    <dgm:pt modelId="{401AFC5A-0C2A-407E-9096-1929B2468677}" cxnId="{3F22CF34-295B-4907-A5CC-6F4A68B0965C}" type="sibTrans">
+    <dgm:pt modelId="{401AFC5A-0C2A-407E-9096-1929B2468677}" type="sibTrans" cxnId="{3F22CF34-295B-4907-A5CC-6F4A68B0965C}">
       <dgm:prSet/>
       <dgm:spPr/>
       <dgm:t>
@@ -4043,12 +4252,20 @@
           </a:pPr>
           <a:r>
             <a:rPr lang="en-US" dirty="0"/>
-            <a:t>Incorporate sentiment analysis into model</a:t>
+            <a:t>Incorporate </a:t>
+          </a:r>
+          <a:r>
+            <a:rPr lang="en-US" b="1" u="sng" dirty="0"/>
+            <a:t>sentiment analysis </a:t>
+          </a:r>
+          <a:r>
+            <a:rPr lang="en-US" dirty="0"/>
+            <a:t>into model</a:t>
           </a:r>
         </a:p>
       </dgm:t>
     </dgm:pt>
-    <dgm:pt modelId="{1328C4BC-3A9F-48F8-AE7E-52468D6BD0E6}" cxnId="{1B6A62BD-612F-44BA-8B3D-F61B6932B8BE}" type="parTrans">
+    <dgm:pt modelId="{1328C4BC-3A9F-48F8-AE7E-52468D6BD0E6}" type="parTrans" cxnId="{1B6A62BD-612F-44BA-8B3D-F61B6932B8BE}">
       <dgm:prSet/>
       <dgm:spPr/>
       <dgm:t>
@@ -4059,7 +4276,7 @@
         </a:p>
       </dgm:t>
     </dgm:pt>
-    <dgm:pt modelId="{81914171-34A2-4DC6-BEB5-3A36C1EEFDAC}" cxnId="{1B6A62BD-612F-44BA-8B3D-F61B6932B8BE}" type="sibTrans">
+    <dgm:pt modelId="{81914171-34A2-4DC6-BEB5-3A36C1EEFDAC}" type="sibTrans" cxnId="{1B6A62BD-612F-44BA-8B3D-F61B6932B8BE}">
       <dgm:prSet/>
       <dgm:spPr/>
       <dgm:t>
@@ -4177,7 +4394,7 @@
   <dgm:whole/>
   <dgm:extLst>
     <a:ext uri="http://schemas.microsoft.com/office/drawing/2008/diagram">
-      <dsp:dataModelExt xmlns:dsp="http://schemas.microsoft.com/office/drawing/2008/diagram" relId="rId5" minVer="http://schemas.openxmlformats.org/drawingml/2006/diagram"/>
+      <dsp:dataModelExt xmlns:dsp="http://schemas.microsoft.com/office/drawing/2008/diagram" relId="rId7" minVer="http://schemas.openxmlformats.org/drawingml/2006/diagram"/>
     </a:ext>
   </dgm:extLst>
 </dgm:dataModel>
@@ -4211,7 +4428,7 @@
         </a:p>
       </dgm:t>
     </dgm:pt>
-    <dgm:pt modelId="{50403FE2-51BD-4BD8-AAE6-DAA6C9192EBC}" cxnId="{175472C1-864B-40BB-9A2B-E72D66FDF5F8}" type="parTrans">
+    <dgm:pt modelId="{50403FE2-51BD-4BD8-AAE6-DAA6C9192EBC}" type="parTrans" cxnId="{175472C1-864B-40BB-9A2B-E72D66FDF5F8}">
       <dgm:prSet/>
       <dgm:spPr/>
       <dgm:t>
@@ -4222,7 +4439,7 @@
         </a:p>
       </dgm:t>
     </dgm:pt>
-    <dgm:pt modelId="{47758C72-7EAE-47FC-8393-5F35DBDCD071}" cxnId="{175472C1-864B-40BB-9A2B-E72D66FDF5F8}" type="sibTrans">
+    <dgm:pt modelId="{47758C72-7EAE-47FC-8393-5F35DBDCD071}" type="sibTrans" cxnId="{175472C1-864B-40BB-9A2B-E72D66FDF5F8}">
       <dgm:prSet/>
       <dgm:spPr/>
       <dgm:t>
@@ -4247,7 +4464,7 @@
         </a:p>
       </dgm:t>
     </dgm:pt>
-    <dgm:pt modelId="{17BD6698-9131-4346-8215-BA2BB5DEF999}" cxnId="{D054DB2A-395F-418C-A76B-95D162828B68}" type="parTrans">
+    <dgm:pt modelId="{17BD6698-9131-4346-8215-BA2BB5DEF999}" type="parTrans" cxnId="{D054DB2A-395F-418C-A76B-95D162828B68}">
       <dgm:prSet/>
       <dgm:spPr/>
       <dgm:t>
@@ -4258,7 +4475,7 @@
         </a:p>
       </dgm:t>
     </dgm:pt>
-    <dgm:pt modelId="{6C4AA6D1-616A-4462-BCED-FF410891171A}" cxnId="{D054DB2A-395F-418C-A76B-95D162828B68}" type="sibTrans">
+    <dgm:pt modelId="{6C4AA6D1-616A-4462-BCED-FF410891171A}" type="sibTrans" cxnId="{D054DB2A-395F-418C-A76B-95D162828B68}">
       <dgm:prSet/>
       <dgm:spPr/>
       <dgm:t>
@@ -4283,7 +4500,7 @@
         </a:p>
       </dgm:t>
     </dgm:pt>
-    <dgm:pt modelId="{1BB71B3D-20BD-4418-991C-3381DD14920E}" cxnId="{8A20678E-58F3-436E-97D0-3D68644D07FE}" type="parTrans">
+    <dgm:pt modelId="{1BB71B3D-20BD-4418-991C-3381DD14920E}" type="parTrans" cxnId="{8A20678E-58F3-436E-97D0-3D68644D07FE}">
       <dgm:prSet/>
       <dgm:spPr/>
       <dgm:t>
@@ -4294,7 +4511,7 @@
         </a:p>
       </dgm:t>
     </dgm:pt>
-    <dgm:pt modelId="{929CDFFA-0030-4D88-A869-EE0F0993D884}" cxnId="{8A20678E-58F3-436E-97D0-3D68644D07FE}" type="sibTrans">
+    <dgm:pt modelId="{929CDFFA-0030-4D88-A869-EE0F0993D884}" type="sibTrans" cxnId="{8A20678E-58F3-436E-97D0-3D68644D07FE}">
       <dgm:prSet/>
       <dgm:spPr/>
       <dgm:t>
@@ -4319,7 +4536,7 @@
         </a:p>
       </dgm:t>
     </dgm:pt>
-    <dgm:pt modelId="{8C9D7922-19D9-4AEB-B98D-7AC89E23E6CD}" cxnId="{55D53027-1511-4600-94DA-DB2C09304B8D}" type="parTrans">
+    <dgm:pt modelId="{8C9D7922-19D9-4AEB-B98D-7AC89E23E6CD}" type="parTrans" cxnId="{55D53027-1511-4600-94DA-DB2C09304B8D}">
       <dgm:prSet/>
       <dgm:spPr/>
       <dgm:t>
@@ -4330,7 +4547,7 @@
         </a:p>
       </dgm:t>
     </dgm:pt>
-    <dgm:pt modelId="{8A275235-CAD0-453F-A1C4-E95F12BB0493}" cxnId="{55D53027-1511-4600-94DA-DB2C09304B8D}" type="sibTrans">
+    <dgm:pt modelId="{8A275235-CAD0-453F-A1C4-E95F12BB0493}" type="sibTrans" cxnId="{55D53027-1511-4600-94DA-DB2C09304B8D}">
       <dgm:prSet/>
       <dgm:spPr/>
       <dgm:t>
@@ -4363,7 +4580,7 @@
         </a:p>
       </dgm:t>
     </dgm:pt>
-    <dgm:pt modelId="{C74DDFB6-4AD0-41CD-8B0D-D06DF2F3D5B9}" cxnId="{CC723FB0-D98B-413E-A6A7-3EFB6752ACEF}" type="parTrans">
+    <dgm:pt modelId="{C74DDFB6-4AD0-41CD-8B0D-D06DF2F3D5B9}" type="parTrans" cxnId="{CC723FB0-D98B-413E-A6A7-3EFB6752ACEF}">
       <dgm:prSet/>
       <dgm:spPr/>
       <dgm:t>
@@ -4374,7 +4591,7 @@
         </a:p>
       </dgm:t>
     </dgm:pt>
-    <dgm:pt modelId="{6B6B89DC-62F9-4D69-9A73-AFCC749C78F7}" cxnId="{CC723FB0-D98B-413E-A6A7-3EFB6752ACEF}" type="sibTrans">
+    <dgm:pt modelId="{6B6B89DC-62F9-4D69-9A73-AFCC749C78F7}" type="sibTrans" cxnId="{CC723FB0-D98B-413E-A6A7-3EFB6752ACEF}">
       <dgm:prSet/>
       <dgm:spPr/>
       <dgm:t>
@@ -4399,7 +4616,7 @@
         </a:p>
       </dgm:t>
     </dgm:pt>
-    <dgm:pt modelId="{92E98703-E69D-4C25-9C48-90F3ACAE9086}" cxnId="{ACEB2A39-03B7-46FD-B1A4-F938E0321D3A}" type="parTrans">
+    <dgm:pt modelId="{92E98703-E69D-4C25-9C48-90F3ACAE9086}" type="parTrans" cxnId="{ACEB2A39-03B7-46FD-B1A4-F938E0321D3A}">
       <dgm:prSet/>
       <dgm:spPr/>
       <dgm:t>
@@ -4410,7 +4627,7 @@
         </a:p>
       </dgm:t>
     </dgm:pt>
-    <dgm:pt modelId="{81E6DAF5-760F-4FD0-BF92-3C9BBCE00F97}" cxnId="{ACEB2A39-03B7-46FD-B1A4-F938E0321D3A}" type="sibTrans">
+    <dgm:pt modelId="{81E6DAF5-760F-4FD0-BF92-3C9BBCE00F97}" type="sibTrans" cxnId="{ACEB2A39-03B7-46FD-B1A4-F938E0321D3A}">
       <dgm:prSet/>
       <dgm:spPr/>
       <dgm:t>
@@ -4435,7 +4652,7 @@
         </a:p>
       </dgm:t>
     </dgm:pt>
-    <dgm:pt modelId="{B9036331-9CC8-4CF3-A227-CC3210643B5B}" cxnId="{06D5737C-998E-484D-B7A1-21581136C10E}" type="parTrans">
+    <dgm:pt modelId="{B9036331-9CC8-4CF3-A227-CC3210643B5B}" type="parTrans" cxnId="{06D5737C-998E-484D-B7A1-21581136C10E}">
       <dgm:prSet/>
       <dgm:spPr/>
       <dgm:t>
@@ -4446,7 +4663,7 @@
         </a:p>
       </dgm:t>
     </dgm:pt>
-    <dgm:pt modelId="{06665295-974D-44FC-A9BD-AF04428DEA33}" cxnId="{06D5737C-998E-484D-B7A1-21581136C10E}" type="sibTrans">
+    <dgm:pt modelId="{06665295-974D-44FC-A9BD-AF04428DEA33}" type="sibTrans" cxnId="{06D5737C-998E-484D-B7A1-21581136C10E}">
       <dgm:prSet/>
       <dgm:spPr/>
       <dgm:t>
@@ -4471,7 +4688,7 @@
         </a:p>
       </dgm:t>
     </dgm:pt>
-    <dgm:pt modelId="{209E968A-9BAC-4143-BDAC-8A910D561FC7}" cxnId="{5A20919C-C865-47A3-81E0-FADADBB8AE15}" type="parTrans">
+    <dgm:pt modelId="{209E968A-9BAC-4143-BDAC-8A910D561FC7}" type="parTrans" cxnId="{5A20919C-C865-47A3-81E0-FADADBB8AE15}">
       <dgm:prSet/>
       <dgm:spPr/>
       <dgm:t>
@@ -4482,7 +4699,7 @@
         </a:p>
       </dgm:t>
     </dgm:pt>
-    <dgm:pt modelId="{69A5CF90-2C1A-4E12-ADDA-D949D71FB906}" cxnId="{5A20919C-C865-47A3-81E0-FADADBB8AE15}" type="sibTrans">
+    <dgm:pt modelId="{69A5CF90-2C1A-4E12-ADDA-D949D71FB906}" type="sibTrans" cxnId="{5A20919C-C865-47A3-81E0-FADADBB8AE15}">
       <dgm:prSet/>
       <dgm:spPr/>
       <dgm:t>
@@ -4507,7 +4724,7 @@
         </a:p>
       </dgm:t>
     </dgm:pt>
-    <dgm:pt modelId="{FA9A91DB-2480-489E-AB01-B08B640756F0}" cxnId="{4BB824D5-40D5-4E9E-A4CC-C06AAD7EA69A}" type="parTrans">
+    <dgm:pt modelId="{FA9A91DB-2480-489E-AB01-B08B640756F0}" type="parTrans" cxnId="{4BB824D5-40D5-4E9E-A4CC-C06AAD7EA69A}">
       <dgm:prSet/>
       <dgm:spPr/>
       <dgm:t>
@@ -4518,7 +4735,7 @@
         </a:p>
       </dgm:t>
     </dgm:pt>
-    <dgm:pt modelId="{CFE4BDAA-4B11-4E94-90C3-D2F762024CEE}" cxnId="{4BB824D5-40D5-4E9E-A4CC-C06AAD7EA69A}" type="sibTrans">
+    <dgm:pt modelId="{CFE4BDAA-4B11-4E94-90C3-D2F762024CEE}" type="sibTrans" cxnId="{4BB824D5-40D5-4E9E-A4CC-C06AAD7EA69A}">
       <dgm:prSet/>
       <dgm:spPr/>
       <dgm:t>
@@ -4552,7 +4769,7 @@
         </a:p>
       </dgm:t>
     </dgm:pt>
-    <dgm:pt modelId="{46FAA17A-6FD1-45CD-B64E-2EF13BC22751}" cxnId="{F888A158-6332-4C42-BA11-5DF45037C128}" type="parTrans">
+    <dgm:pt modelId="{46FAA17A-6FD1-45CD-B64E-2EF13BC22751}" type="parTrans" cxnId="{F888A158-6332-4C42-BA11-5DF45037C128}">
       <dgm:prSet/>
       <dgm:spPr/>
       <dgm:t>
@@ -4563,7 +4780,7 @@
         </a:p>
       </dgm:t>
     </dgm:pt>
-    <dgm:pt modelId="{178C29A1-AB20-4812-8058-CD39B1115EA2}" cxnId="{F888A158-6332-4C42-BA11-5DF45037C128}" type="sibTrans">
+    <dgm:pt modelId="{178C29A1-AB20-4812-8058-CD39B1115EA2}" type="sibTrans" cxnId="{F888A158-6332-4C42-BA11-5DF45037C128}">
       <dgm:prSet/>
       <dgm:spPr/>
       <dgm:t>
@@ -4731,7 +4948,7 @@
   <dgm:whole/>
   <dgm:extLst>
     <a:ext uri="http://schemas.microsoft.com/office/drawing/2008/diagram">
-      <dsp:dataModelExt xmlns:dsp="http://schemas.microsoft.com/office/drawing/2008/diagram" relId="rId5" minVer="http://schemas.openxmlformats.org/drawingml/2006/diagram"/>
+      <dsp:dataModelExt xmlns:dsp="http://schemas.microsoft.com/office/drawing/2008/diagram" relId="rId7" minVer="http://schemas.openxmlformats.org/drawingml/2006/diagram"/>
     </a:ext>
   </dgm:extLst>
 </dgm:dataModel>
@@ -4770,7 +4987,7 @@
         </a:p>
       </dgm:t>
     </dgm:pt>
-    <dgm:pt modelId="{0640EBB6-3AD6-45DE-A236-C0558BCBD1D2}" cxnId="{27C417D2-F71B-41EF-88E5-19B21B47DDB4}" type="parTrans">
+    <dgm:pt modelId="{0640EBB6-3AD6-45DE-A236-C0558BCBD1D2}" type="parTrans" cxnId="{27C417D2-F71B-41EF-88E5-19B21B47DDB4}">
       <dgm:prSet/>
       <dgm:spPr/>
       <dgm:t>
@@ -4781,7 +4998,7 @@
         </a:p>
       </dgm:t>
     </dgm:pt>
-    <dgm:pt modelId="{632DD7C3-CD0B-4833-9C5C-FCAD09A33CF3}" cxnId="{27C417D2-F71B-41EF-88E5-19B21B47DDB4}" type="sibTrans">
+    <dgm:pt modelId="{632DD7C3-CD0B-4833-9C5C-FCAD09A33CF3}" type="sibTrans" cxnId="{27C417D2-F71B-41EF-88E5-19B21B47DDB4}">
       <dgm:prSet/>
       <dgm:spPr/>
       <dgm:t>
@@ -4805,14 +5022,18 @@
             </a:lnSpc>
           </a:pPr>
           <a:r>
+            <a:rPr lang="en-US" altLang="zh-CN" sz="1200" b="1" dirty="0"/>
+            <a:t>Incorporate insights from institutional traders </a:t>
+          </a:r>
+          <a:r>
             <a:rPr lang="en-US" altLang="zh-CN" sz="1200" dirty="0"/>
-            <a:t>Incorporate insights from institutional traders through analysis of market news and professional analyst reports to enhance sentiment accuracy</a:t>
+            <a:t>through analysis of market news and professional analyst reports to enhance sentiment accuracy</a:t>
           </a:r>
           <a:endParaRPr lang="en-US" sz="1200" dirty="0"/>
         </a:p>
       </dgm:t>
     </dgm:pt>
-    <dgm:pt modelId="{B93B0836-127B-4B68-900D-5D1F2E6F38D1}" cxnId="{C6709C9E-3367-40A8-8FE4-9D725E2677BE}" type="parTrans">
+    <dgm:pt modelId="{B93B0836-127B-4B68-900D-5D1F2E6F38D1}" type="parTrans" cxnId="{C6709C9E-3367-40A8-8FE4-9D725E2677BE}">
       <dgm:prSet/>
       <dgm:spPr/>
       <dgm:t>
@@ -4823,7 +5044,7 @@
         </a:p>
       </dgm:t>
     </dgm:pt>
-    <dgm:pt modelId="{A179D0EC-E9E4-4CEC-8533-F6E90596F71C}" cxnId="{C6709C9E-3367-40A8-8FE4-9D725E2677BE}" type="sibTrans">
+    <dgm:pt modelId="{A179D0EC-E9E4-4CEC-8533-F6E90596F71C}" type="sibTrans" cxnId="{C6709C9E-3367-40A8-8FE4-9D725E2677BE}">
       <dgm:prSet/>
       <dgm:spPr/>
       <dgm:t>
@@ -4853,7 +5074,7 @@
         </a:p>
       </dgm:t>
     </dgm:pt>
-    <dgm:pt modelId="{6F1FE126-2171-458F-AAE6-10A6104BEE8F}" cxnId="{A75FE8D1-8616-4802-89C7-3A442DEAF336}" type="parTrans">
+    <dgm:pt modelId="{6F1FE126-2171-458F-AAE6-10A6104BEE8F}" type="parTrans" cxnId="{A75FE8D1-8616-4802-89C7-3A442DEAF336}">
       <dgm:prSet/>
       <dgm:spPr/>
       <dgm:t>
@@ -4864,7 +5085,7 @@
         </a:p>
       </dgm:t>
     </dgm:pt>
-    <dgm:pt modelId="{B3EC95A9-CA84-4946-9835-14FF5A4437EA}" cxnId="{A75FE8D1-8616-4802-89C7-3A442DEAF336}" type="sibTrans">
+    <dgm:pt modelId="{B3EC95A9-CA84-4946-9835-14FF5A4437EA}" type="sibTrans" cxnId="{A75FE8D1-8616-4802-89C7-3A442DEAF336}">
       <dgm:prSet/>
       <dgm:spPr/>
       <dgm:t>
@@ -4889,13 +5110,21 @@
           </a:pPr>
           <a:r>
             <a:rPr lang="en-US" altLang="zh-CN" sz="1200" dirty="0"/>
-            <a:t>Expand our analysis to include a broader range of stocks and sectors, such as healthcare and retail, to diversify investment insights</a:t>
+            <a:t>Expand our analysis to include a </a:t>
+          </a:r>
+          <a:r>
+            <a:rPr lang="en-US" altLang="zh-CN" sz="1200" b="1" dirty="0"/>
+            <a:t>broader range of stocks </a:t>
+          </a:r>
+          <a:r>
+            <a:rPr lang="en-US" altLang="zh-CN" sz="1200" dirty="0"/>
+            <a:t>and sectors, such as healthcare and retail, to diversify investment insights</a:t>
           </a:r>
           <a:endParaRPr lang="en-US" sz="1200" dirty="0"/>
         </a:p>
       </dgm:t>
     </dgm:pt>
-    <dgm:pt modelId="{461DBFFE-AABE-42FC-BDD7-E76D5E8A0E04}" cxnId="{E30107F9-8C76-4BAB-9265-A14B71911BD8}" type="parTrans">
+    <dgm:pt modelId="{461DBFFE-AABE-42FC-BDD7-E76D5E8A0E04}" type="parTrans" cxnId="{E30107F9-8C76-4BAB-9265-A14B71911BD8}">
       <dgm:prSet/>
       <dgm:spPr/>
       <dgm:t>
@@ -4906,7 +5135,7 @@
         </a:p>
       </dgm:t>
     </dgm:pt>
-    <dgm:pt modelId="{3F61C644-7CD3-4177-B401-B84C3BFF5835}" cxnId="{E30107F9-8C76-4BAB-9265-A14B71911BD8}" type="sibTrans">
+    <dgm:pt modelId="{3F61C644-7CD3-4177-B401-B84C3BFF5835}" type="sibTrans" cxnId="{E30107F9-8C76-4BAB-9265-A14B71911BD8}">
       <dgm:prSet/>
       <dgm:spPr/>
       <dgm:t>
@@ -4931,13 +5160,17 @@
           </a:pPr>
           <a:r>
             <a:rPr lang="en-US" sz="1200" b="0" i="0" dirty="0"/>
-            <a:t>Enrich our financial datasets with comprehensive company performance metrics, key economic indicators, and derivatives data to bolster predictive accuracy</a:t>
+            <a:t>Enrich our financial datasets with comprehensive </a:t>
           </a:r>
-          <a:endParaRPr lang="en-US" sz="1200" dirty="0"/>
+          <a:r>
+            <a:rPr lang="en-US" sz="1200" b="1" i="0" dirty="0"/>
+            <a:t>company performance metrics, key economic indicators, and derivatives data to bolster predictive accuracy</a:t>
+          </a:r>
+          <a:endParaRPr lang="en-US" sz="1200" b="1" dirty="0"/>
         </a:p>
       </dgm:t>
     </dgm:pt>
-    <dgm:pt modelId="{2402430E-74BE-4CFE-B045-E82BF5089CAA}" cxnId="{D08609EC-0C3C-402C-ADD7-297B2CAE155C}" type="parTrans">
+    <dgm:pt modelId="{2402430E-74BE-4CFE-B045-E82BF5089CAA}" type="parTrans" cxnId="{D08609EC-0C3C-402C-ADD7-297B2CAE155C}">
       <dgm:prSet/>
       <dgm:spPr/>
       <dgm:t>
@@ -4948,7 +5181,7 @@
         </a:p>
       </dgm:t>
     </dgm:pt>
-    <dgm:pt modelId="{7BBF7E45-6655-461E-886F-7B3C82E4E62C}" cxnId="{D08609EC-0C3C-402C-ADD7-297B2CAE155C}" type="sibTrans">
+    <dgm:pt modelId="{7BBF7E45-6655-461E-886F-7B3C82E4E62C}" type="sibTrans" cxnId="{D08609EC-0C3C-402C-ADD7-297B2CAE155C}">
       <dgm:prSet/>
       <dgm:spPr/>
       <dgm:t>
@@ -4973,13 +5206,21 @@
           </a:pPr>
           <a:r>
             <a:rPr lang="en-US" sz="1200" b="0" i="0" dirty="0"/>
-            <a:t>Develop a robust stock selection framework to identify high-potential investments ('finding the alpha') and optimize market positioning</a:t>
+            <a:t>Develop a robust </a:t>
+          </a:r>
+          <a:r>
+            <a:rPr lang="en-US" sz="1200" b="1" i="0" dirty="0"/>
+            <a:t>stock selection framework </a:t>
+          </a:r>
+          <a:r>
+            <a:rPr lang="en-US" sz="1200" b="0" i="0" dirty="0"/>
+            <a:t>to identify high-potential investments ('finding the alpha') and optimize market positioning</a:t>
           </a:r>
           <a:endParaRPr lang="en-US" sz="1200" dirty="0"/>
         </a:p>
       </dgm:t>
     </dgm:pt>
-    <dgm:pt modelId="{05ED5716-C5BE-4124-88CF-3199763C91C8}" cxnId="{967FEFC9-02F2-4574-BB31-FBAA2E80DFFD}" type="parTrans">
+    <dgm:pt modelId="{05ED5716-C5BE-4124-88CF-3199763C91C8}" type="parTrans" cxnId="{967FEFC9-02F2-4574-BB31-FBAA2E80DFFD}">
       <dgm:prSet/>
       <dgm:spPr/>
       <dgm:t>
@@ -4990,7 +5231,7 @@
         </a:p>
       </dgm:t>
     </dgm:pt>
-    <dgm:pt modelId="{0149B01F-C6C9-4D8A-A92E-7C3D938C4B4D}" cxnId="{967FEFC9-02F2-4574-BB31-FBAA2E80DFFD}" type="sibTrans">
+    <dgm:pt modelId="{0149B01F-C6C9-4D8A-A92E-7C3D938C4B4D}" type="sibTrans" cxnId="{967FEFC9-02F2-4574-BB31-FBAA2E80DFFD}">
       <dgm:prSet/>
       <dgm:spPr/>
       <dgm:t>
@@ -5014,14 +5255,22 @@
             </a:lnSpc>
           </a:pPr>
           <a:r>
-            <a:rPr lang="en-US" sz="1200" b="0" i="0"/>
-            <a:t>Employ advanced portfolio optimization techniques to maximize returns while mitigating risk across investment strategies</a:t>
+            <a:rPr lang="en-US" sz="1200" b="0" i="0" dirty="0"/>
+            <a:t>Employ advanced </a:t>
+          </a:r>
+          <a:r>
+            <a:rPr lang="en-US" sz="1200" b="1" i="0" dirty="0"/>
+            <a:t>portfolio optimization </a:t>
+          </a:r>
+          <a:r>
+            <a:rPr lang="en-US" sz="1200" b="0" i="0" dirty="0"/>
+            <a:t>techniques to maximize returns while mitigating risk across investment strategies</a:t>
           </a:r>
           <a:endParaRPr lang="en-US" sz="1200" dirty="0"/>
         </a:p>
       </dgm:t>
     </dgm:pt>
-    <dgm:pt modelId="{9B7C78A1-8104-423E-8138-94C6C882BA65}" cxnId="{FC15117B-0FAF-487C-B8CF-7512F2C382E7}" type="parTrans">
+    <dgm:pt modelId="{9B7C78A1-8104-423E-8138-94C6C882BA65}" type="parTrans" cxnId="{FC15117B-0FAF-487C-B8CF-7512F2C382E7}">
       <dgm:prSet/>
       <dgm:spPr/>
       <dgm:t>
@@ -5032,7 +5281,7 @@
         </a:p>
       </dgm:t>
     </dgm:pt>
-    <dgm:pt modelId="{988AC5BE-F8EA-4E3F-9A46-3E30CCF6B4D6}" cxnId="{FC15117B-0FAF-487C-B8CF-7512F2C382E7}" type="sibTrans">
+    <dgm:pt modelId="{988AC5BE-F8EA-4E3F-9A46-3E30CCF6B4D6}" type="sibTrans" cxnId="{FC15117B-0FAF-487C-B8CF-7512F2C382E7}">
       <dgm:prSet/>
       <dgm:spPr/>
       <dgm:t>
@@ -5056,14 +5305,18 @@
             </a:lnSpc>
           </a:pPr>
           <a:r>
+            <a:rPr lang="en-US" altLang="zh-CN" sz="1200" b="1" dirty="0"/>
+            <a:t>Broaden dataset acquisition </a:t>
+          </a:r>
+          <a:r>
             <a:rPr lang="en-US" altLang="zh-CN" sz="1200" dirty="0"/>
-            <a:t>Broaden dataset acquisition to encompass a wider demographic, ensuring a diverse and representative sample of the trading population</a:t>
+            <a:t>to encompass a wider demographic, ensuring a diverse and representative sample of the trading population</a:t>
           </a:r>
           <a:endParaRPr lang="en-US" sz="1200" dirty="0"/>
         </a:p>
       </dgm:t>
     </dgm:pt>
-    <dgm:pt modelId="{78A312CF-A65A-4858-96DB-869204B9FF73}" cxnId="{DDD45DB8-7B39-4AE4-9509-9BA2635BC8CA}" type="parTrans">
+    <dgm:pt modelId="{78A312CF-A65A-4858-96DB-869204B9FF73}" type="parTrans" cxnId="{DDD45DB8-7B39-4AE4-9509-9BA2635BC8CA}">
       <dgm:prSet/>
       <dgm:spPr/>
       <dgm:t>
@@ -5074,7 +5327,7 @@
         </a:p>
       </dgm:t>
     </dgm:pt>
-    <dgm:pt modelId="{2815563A-3A10-4481-BE62-FDDED9437547}" cxnId="{DDD45DB8-7B39-4AE4-9509-9BA2635BC8CA}" type="sibTrans">
+    <dgm:pt modelId="{2815563A-3A10-4481-BE62-FDDED9437547}" type="sibTrans" cxnId="{DDD45DB8-7B39-4AE4-9509-9BA2635BC8CA}">
       <dgm:prSet/>
       <dgm:spPr/>
       <dgm:t>
@@ -5235,68 +5488,68 @@
   <dgm:whole/>
   <dgm:extLst>
     <a:ext uri="http://schemas.microsoft.com/office/drawing/2008/diagram">
-      <dsp:dataModelExt xmlns:dsp="http://schemas.microsoft.com/office/drawing/2008/diagram" relId="rId5" minVer="http://schemas.openxmlformats.org/drawingml/2006/diagram"/>
+      <dsp:dataModelExt xmlns:dsp="http://schemas.microsoft.com/office/drawing/2008/diagram" relId="rId7" minVer="http://schemas.openxmlformats.org/drawingml/2006/diagram"/>
     </a:ext>
   </dgm:extLst>
 </dgm:dataModel>
 </file>
 
 <file path=ppt/diagrams/drawing1.xml><?xml version="1.0" encoding="utf-8"?>
-<dsp:drawing xmlns:dgm="http://schemas.openxmlformats.org/drawingml/2006/diagram" xmlns:dsp="http://schemas.microsoft.com/office/drawing/2008/diagram" xmlns:a="http://schemas.openxmlformats.org/drawingml/2006/main" xmlns:r="http://schemas.openxmlformats.org/officeDocument/2006/relationships">
+<dsp:drawing xmlns:dgm="http://schemas.openxmlformats.org/drawingml/2006/diagram" xmlns:dsp="http://schemas.microsoft.com/office/drawing/2008/diagram" xmlns:a="http://schemas.openxmlformats.org/drawingml/2006/main">
   <dsp:spTree>
     <dsp:nvGrpSpPr>
-      <dsp:cNvPr id="2" name="组合 1"/>
+      <dsp:cNvPr id="0" name=""/>
       <dsp:cNvGrpSpPr/>
     </dsp:nvGrpSpPr>
-    <dsp:grpSpPr>
-      <a:xfrm>
-        <a:off x="0" y="0"/>
-        <a:ext cx="7117918" cy="5157049"/>
-        <a:chOff x="0" y="0"/>
-        <a:chExt cx="7117918" cy="5157049"/>
-      </a:xfrm>
-    </dsp:grpSpPr>
+    <dsp:grpSpPr/>
     <dsp:sp modelId="{E541CD7E-3771-4130-ACEF-6B941838B6F5}">
       <dsp:nvSpPr>
-        <dsp:cNvPr id="3" name="圆角矩形 2"/>
+        <dsp:cNvPr id="0" name=""/>
         <dsp:cNvSpPr/>
       </dsp:nvSpPr>
-      <dsp:spPr bwMode="white">
+      <dsp:spPr>
         <a:xfrm>
           <a:off x="0" y="838020"/>
-          <a:ext cx="7117918" cy="1547115"/>
+          <a:ext cx="7117918" cy="1547114"/>
         </a:xfrm>
         <a:prstGeom prst="roundRect">
           <a:avLst>
             <a:gd name="adj" fmla="val 10000"/>
           </a:avLst>
         </a:prstGeom>
+        <a:solidFill>
+          <a:schemeClr val="bg1">
+            <a:lumMod val="95000"/>
+            <a:hueOff val="0"/>
+            <a:satOff val="0"/>
+            <a:lumOff val="0"/>
+            <a:alphaOff val="0"/>
+          </a:schemeClr>
+        </a:solidFill>
+        <a:ln>
+          <a:noFill/>
+        </a:ln>
+        <a:effectLst/>
       </dsp:spPr>
       <dsp:style>
         <a:lnRef idx="0">
-          <a:schemeClr val="dk1"/>
+          <a:scrgbClr r="0" g="0" b="0"/>
         </a:lnRef>
         <a:fillRef idx="1">
-          <a:schemeClr val="bg1">
-            <a:lumMod val="95000"/>
-          </a:schemeClr>
+          <a:scrgbClr r="0" g="0" b="0"/>
         </a:fillRef>
         <a:effectRef idx="0">
           <a:scrgbClr r="0" g="0" b="0"/>
         </a:effectRef>
         <a:fontRef idx="minor"/>
       </dsp:style>
-      <dsp:txXfrm>
-        <a:off x="0" y="838020"/>
-        <a:ext cx="7117918" cy="1547115"/>
-      </dsp:txXfrm>
     </dsp:sp>
     <dsp:sp modelId="{10276274-7A25-420F-85AC-6F98D7C9368E}">
       <dsp:nvSpPr>
-        <dsp:cNvPr id="4" name="矩形 3"/>
+        <dsp:cNvPr id="0" name=""/>
         <dsp:cNvSpPr/>
       </dsp:nvSpPr>
-      <dsp:spPr bwMode="white">
+      <dsp:spPr>
         <a:xfrm>
           <a:off x="468002" y="1186121"/>
           <a:ext cx="850913" cy="850913"/>
@@ -5305,7 +5558,7 @@
           <a:avLst/>
         </a:prstGeom>
         <a:blipFill>
-          <a:blip r:embed="rId1">
+          <a:blip xmlns:r="http://schemas.openxmlformats.org/officeDocument/2006/relationships" r:embed="rId1">
             <a:extLst>
               <a:ext uri="{28A0092B-C50C-407E-A947-70E740481C1C}">
                 <a14:useLocalDpi xmlns:a14="http://schemas.microsoft.com/office/drawing/2010/main" val="0"/>
@@ -5319,18 +5572,19 @@
             <a:fillRect/>
           </a:stretch>
         </a:blipFill>
-        <a:ln>
+        <a:ln w="12700" cap="flat" cmpd="sng" algn="ctr">
           <a:noFill/>
+          <a:prstDash val="solid"/>
+          <a:miter lim="800000"/>
         </a:ln>
+        <a:effectLst/>
       </dsp:spPr>
       <dsp:style>
         <a:lnRef idx="2">
-          <a:schemeClr val="lt1">
-            <a:alpha val="0"/>
-          </a:schemeClr>
+          <a:scrgbClr r="0" g="0" b="0"/>
         </a:lnRef>
         <a:fillRef idx="1">
-          <a:schemeClr val="accent2"/>
+          <a:scrgbClr r="0" g="0" b="0"/>
         </a:fillRef>
         <a:effectRef idx="0">
           <a:scrgbClr r="0" g="0" b="0"/>
@@ -5339,35 +5593,32 @@
           <a:schemeClr val="lt1"/>
         </a:fontRef>
       </dsp:style>
-      <dsp:txXfrm>
-        <a:off x="468002" y="1186121"/>
-        <a:ext cx="850913" cy="850913"/>
-      </dsp:txXfrm>
     </dsp:sp>
     <dsp:sp modelId="{C1D4B622-1C87-4F4A-B292-1823CF35D469}">
       <dsp:nvSpPr>
-        <dsp:cNvPr id="5" name="矩形 4"/>
+        <dsp:cNvPr id="0" name=""/>
         <dsp:cNvSpPr/>
       </dsp:nvSpPr>
       <dsp:spPr bwMode="white">
         <a:xfrm>
           <a:off x="1786917" y="838020"/>
-          <a:ext cx="5331001" cy="1547115"/>
+          <a:ext cx="5331000" cy="1547114"/>
         </a:xfrm>
         <a:prstGeom prst="rect">
           <a:avLst/>
         </a:prstGeom>
+        <a:noFill/>
+        <a:ln>
+          <a:noFill/>
+        </a:ln>
+        <a:effectLst/>
       </dsp:spPr>
       <dsp:style>
         <a:lnRef idx="0">
-          <a:schemeClr val="dk1">
-            <a:alpha val="0"/>
-          </a:schemeClr>
+          <a:scrgbClr r="0" g="0" b="0"/>
         </a:lnRef>
         <a:fillRef idx="0">
-          <a:schemeClr val="lt1">
-            <a:alpha val="0"/>
-          </a:schemeClr>
+          <a:scrgbClr r="0" g="0" b="0"/>
         </a:fillRef>
         <a:effectRef idx="0">
           <a:scrgbClr r="0" g="0" b="0"/>
@@ -5375,38 +5626,12 @@
         <a:fontRef idx="minor"/>
       </dsp:style>
       <dsp:txBody>
-        <a:bodyPr lIns="163736" tIns="163736" rIns="163736" bIns="163736" anchor="ctr"/>
-        <a:lstStyle>
-          <a:lvl1pPr algn="l">
-            <a:defRPr sz="2600"/>
-          </a:lvl1pPr>
-          <a:lvl2pPr marL="228600" indent="-228600" algn="l">
-            <a:defRPr sz="2000"/>
-          </a:lvl2pPr>
-          <a:lvl3pPr marL="457200" indent="-228600" algn="l">
-            <a:defRPr sz="2000"/>
-          </a:lvl3pPr>
-          <a:lvl4pPr marL="685800" indent="-228600" algn="l">
-            <a:defRPr sz="2000"/>
-          </a:lvl4pPr>
-          <a:lvl5pPr marL="914400" indent="-228600" algn="l">
-            <a:defRPr sz="2000"/>
-          </a:lvl5pPr>
-          <a:lvl6pPr marL="1143000" indent="-228600" algn="l">
-            <a:defRPr sz="2000"/>
-          </a:lvl6pPr>
-          <a:lvl7pPr marL="1371600" indent="-228600" algn="l">
-            <a:defRPr sz="2000"/>
-          </a:lvl7pPr>
-          <a:lvl8pPr marL="1600200" indent="-228600" algn="l">
-            <a:defRPr sz="2000"/>
-          </a:lvl8pPr>
-          <a:lvl9pPr marL="1828800" indent="-228600" algn="l">
-            <a:defRPr sz="2000"/>
-          </a:lvl9pPr>
-        </a:lstStyle>
+        <a:bodyPr spcFirstLastPara="0" vert="horz" wrap="square" lIns="163736" tIns="163736" rIns="163736" bIns="163736" numCol="1" spcCol="1270" anchor="ctr" anchorCtr="0">
+          <a:noAutofit/>
+        </a:bodyPr>
+        <a:lstStyle/>
         <a:p>
-          <a:pPr lvl="0">
+          <a:pPr marL="0" lvl="0" indent="0" algn="l" defTabSz="1111250">
             <a:lnSpc>
               <a:spcPct val="100000"/>
             </a:lnSpc>
@@ -5416,77 +5641,85 @@
             <a:spcAft>
               <a:spcPct val="35000"/>
             </a:spcAft>
+            <a:buNone/>
           </a:pPr>
           <a:r>
-            <a:rPr lang="en-US" altLang="zh-CN" dirty="0">
-              <a:solidFill>
-                <a:schemeClr val="tx1"/>
-              </a:solidFill>
-            </a:rPr>
-            <a:t>Implement retail trader sentiment analysis to assess market impact</a:t>
+            <a:rPr lang="en-US" altLang="zh-CN" sz="2500" kern="1200" dirty="0"/>
+            <a:t>Implement </a:t>
           </a:r>
-          <a:endParaRPr lang="en-US" dirty="0">
-            <a:solidFill>
-              <a:schemeClr val="tx1"/>
-            </a:solidFill>
-          </a:endParaRPr>
+          <a:r>
+            <a:rPr lang="en-US" altLang="zh-CN" sz="2500" b="1" kern="1200" dirty="0"/>
+            <a:t>retail trader sentiment analysis</a:t>
+          </a:r>
+          <a:r>
+            <a:rPr lang="en-US" altLang="zh-CN" sz="2500" kern="1200" dirty="0"/>
+            <a:t> to assess market impact</a:t>
+          </a:r>
+          <a:endParaRPr lang="en-US" sz="2500" kern="1200" dirty="0"/>
         </a:p>
       </dsp:txBody>
       <dsp:txXfrm>
         <a:off x="1786917" y="838020"/>
-        <a:ext cx="5331001" cy="1547115"/>
+        <a:ext cx="5331000" cy="1547114"/>
       </dsp:txXfrm>
     </dsp:sp>
     <dsp:sp modelId="{0B2EF1B2-1A9A-4AFF-9CC2-61C8648E5B3D}">
       <dsp:nvSpPr>
-        <dsp:cNvPr id="6" name="圆角矩形 5"/>
+        <dsp:cNvPr id="0" name=""/>
         <dsp:cNvSpPr/>
       </dsp:nvSpPr>
-      <dsp:spPr bwMode="white">
+      <dsp:spPr>
         <a:xfrm>
-          <a:off x="0" y="2771914"/>
-          <a:ext cx="7117918" cy="1547115"/>
+          <a:off x="0" y="2771913"/>
+          <a:ext cx="7117918" cy="1547114"/>
         </a:xfrm>
         <a:prstGeom prst="roundRect">
           <a:avLst>
             <a:gd name="adj" fmla="val 10000"/>
           </a:avLst>
         </a:prstGeom>
+        <a:solidFill>
+          <a:schemeClr val="bg1">
+            <a:lumMod val="95000"/>
+            <a:hueOff val="0"/>
+            <a:satOff val="0"/>
+            <a:lumOff val="0"/>
+            <a:alphaOff val="0"/>
+          </a:schemeClr>
+        </a:solidFill>
+        <a:ln>
+          <a:noFill/>
+        </a:ln>
+        <a:effectLst/>
       </dsp:spPr>
       <dsp:style>
         <a:lnRef idx="0">
-          <a:schemeClr val="dk1"/>
+          <a:scrgbClr r="0" g="0" b="0"/>
         </a:lnRef>
         <a:fillRef idx="1">
-          <a:schemeClr val="bg1">
-            <a:lumMod val="95000"/>
-          </a:schemeClr>
+          <a:scrgbClr r="0" g="0" b="0"/>
         </a:fillRef>
         <a:effectRef idx="0">
           <a:scrgbClr r="0" g="0" b="0"/>
         </a:effectRef>
         <a:fontRef idx="minor"/>
       </dsp:style>
-      <dsp:txXfrm>
-        <a:off x="0" y="2771914"/>
-        <a:ext cx="7117918" cy="1547115"/>
-      </dsp:txXfrm>
     </dsp:sp>
     <dsp:sp modelId="{BBA7B180-528C-4707-B0B2-F161985BCC72}">
       <dsp:nvSpPr>
-        <dsp:cNvPr id="7" name="矩形 6"/>
+        <dsp:cNvPr id="0" name=""/>
         <dsp:cNvSpPr/>
       </dsp:nvSpPr>
-      <dsp:spPr bwMode="white">
+      <dsp:spPr>
         <a:xfrm>
-          <a:off x="468002" y="3120015"/>
+          <a:off x="468002" y="3120014"/>
           <a:ext cx="850913" cy="850913"/>
         </a:xfrm>
         <a:prstGeom prst="rect">
           <a:avLst/>
         </a:prstGeom>
         <a:blipFill rotWithShape="1">
-          <a:blip r:embed="rId3">
+          <a:blip xmlns:r="http://schemas.openxmlformats.org/officeDocument/2006/relationships" r:embed="rId3">
             <a:extLst>
               <a:ext uri="{28A0092B-C50C-407E-A947-70E740481C1C}">
                 <a14:useLocalDpi xmlns:a14="http://schemas.microsoft.com/office/drawing/2010/main" val="0"/>
@@ -5501,15 +5734,27 @@
             <a:fillRect/>
           </a:stretch>
         </a:blipFill>
+        <a:ln w="12700" cap="flat" cmpd="sng" algn="ctr">
+          <a:solidFill>
+            <a:schemeClr val="lt1">
+              <a:alpha val="0"/>
+              <a:hueOff val="0"/>
+              <a:satOff val="0"/>
+              <a:lumOff val="0"/>
+              <a:alphaOff val="0"/>
+            </a:schemeClr>
+          </a:solidFill>
+          <a:prstDash val="solid"/>
+          <a:miter lim="800000"/>
+        </a:ln>
+        <a:effectLst/>
       </dsp:spPr>
       <dsp:style>
         <a:lnRef idx="2">
-          <a:schemeClr val="lt1">
-            <a:alpha val="0"/>
-          </a:schemeClr>
+          <a:scrgbClr r="0" g="0" b="0"/>
         </a:lnRef>
         <a:fillRef idx="1">
-          <a:schemeClr val="accent3"/>
+          <a:scrgbClr r="0" g="0" b="0"/>
         </a:fillRef>
         <a:effectRef idx="0">
           <a:scrgbClr r="0" g="0" b="0"/>
@@ -5518,35 +5763,32 @@
           <a:schemeClr val="lt1"/>
         </a:fontRef>
       </dsp:style>
-      <dsp:txXfrm>
-        <a:off x="468002" y="3120015"/>
-        <a:ext cx="850913" cy="850913"/>
-      </dsp:txXfrm>
     </dsp:sp>
     <dsp:sp modelId="{49E5CB17-7B4C-41C2-9AE2-CF4B25E1B086}">
       <dsp:nvSpPr>
-        <dsp:cNvPr id="8" name="矩形 7"/>
+        <dsp:cNvPr id="0" name=""/>
         <dsp:cNvSpPr/>
       </dsp:nvSpPr>
       <dsp:spPr bwMode="white">
         <a:xfrm>
-          <a:off x="1786917" y="2771914"/>
-          <a:ext cx="5331001" cy="1547115"/>
+          <a:off x="1786917" y="2771913"/>
+          <a:ext cx="5331000" cy="1547114"/>
         </a:xfrm>
         <a:prstGeom prst="rect">
           <a:avLst/>
         </a:prstGeom>
+        <a:noFill/>
+        <a:ln>
+          <a:noFill/>
+        </a:ln>
+        <a:effectLst/>
       </dsp:spPr>
       <dsp:style>
         <a:lnRef idx="0">
-          <a:schemeClr val="dk1">
-            <a:alpha val="0"/>
-          </a:schemeClr>
+          <a:scrgbClr r="0" g="0" b="0"/>
         </a:lnRef>
         <a:fillRef idx="0">
-          <a:schemeClr val="lt1">
-            <a:alpha val="0"/>
-          </a:schemeClr>
+          <a:scrgbClr r="0" g="0" b="0"/>
         </a:fillRef>
         <a:effectRef idx="0">
           <a:scrgbClr r="0" g="0" b="0"/>
@@ -5554,38 +5796,12 @@
         <a:fontRef idx="minor"/>
       </dsp:style>
       <dsp:txBody>
-        <a:bodyPr lIns="163736" tIns="163736" rIns="163736" bIns="163736" anchor="ctr"/>
-        <a:lstStyle>
-          <a:lvl1pPr algn="l">
-            <a:defRPr sz="2600"/>
-          </a:lvl1pPr>
-          <a:lvl2pPr marL="228600" indent="-228600" algn="l">
-            <a:defRPr sz="2000"/>
-          </a:lvl2pPr>
-          <a:lvl3pPr marL="457200" indent="-228600" algn="l">
-            <a:defRPr sz="2000"/>
-          </a:lvl3pPr>
-          <a:lvl4pPr marL="685800" indent="-228600" algn="l">
-            <a:defRPr sz="2000"/>
-          </a:lvl4pPr>
-          <a:lvl5pPr marL="914400" indent="-228600" algn="l">
-            <a:defRPr sz="2000"/>
-          </a:lvl5pPr>
-          <a:lvl6pPr marL="1143000" indent="-228600" algn="l">
-            <a:defRPr sz="2000"/>
-          </a:lvl6pPr>
-          <a:lvl7pPr marL="1371600" indent="-228600" algn="l">
-            <a:defRPr sz="2000"/>
-          </a:lvl7pPr>
-          <a:lvl8pPr marL="1600200" indent="-228600" algn="l">
-            <a:defRPr sz="2000"/>
-          </a:lvl8pPr>
-          <a:lvl9pPr marL="1828800" indent="-228600" algn="l">
-            <a:defRPr sz="2000"/>
-          </a:lvl9pPr>
-        </a:lstStyle>
+        <a:bodyPr spcFirstLastPara="0" vert="horz" wrap="square" lIns="163736" tIns="163736" rIns="163736" bIns="163736" numCol="1" spcCol="1270" anchor="ctr" anchorCtr="0">
+          <a:noAutofit/>
+        </a:bodyPr>
+        <a:lstStyle/>
         <a:p>
-          <a:pPr lvl="0">
+          <a:pPr marL="0" lvl="0" indent="0" algn="l" defTabSz="1111250">
             <a:lnSpc>
               <a:spcPct val="100000"/>
             </a:lnSpc>
@@ -5595,25 +5811,22 @@
             <a:spcAft>
               <a:spcPct val="35000"/>
             </a:spcAft>
+            <a:buNone/>
           </a:pPr>
           <a:r>
-            <a:rPr lang="en-US" altLang="zh-CN" dirty="0">
-              <a:solidFill>
-                <a:schemeClr val="tx1"/>
-              </a:solidFill>
-            </a:rPr>
-            <a:t>Develop predictive models for real-time detection of buy/sell signals</a:t>
+            <a:rPr lang="en-US" altLang="zh-CN" sz="2500" kern="1200" dirty="0"/>
+            <a:t>Develop predictive models for </a:t>
           </a:r>
-          <a:endParaRPr lang="en-US" dirty="0">
-            <a:solidFill>
-              <a:schemeClr val="tx1"/>
-            </a:solidFill>
-          </a:endParaRPr>
+          <a:r>
+            <a:rPr lang="en-US" altLang="zh-CN" sz="2500" b="1" kern="1200" dirty="0"/>
+            <a:t>real-time detection of buy/sell signals</a:t>
+          </a:r>
+          <a:endParaRPr lang="en-US" sz="2500" b="1" kern="1200" dirty="0"/>
         </a:p>
       </dsp:txBody>
       <dsp:txXfrm>
-        <a:off x="1786917" y="2771914"/>
-        <a:ext cx="5331001" cy="1547115"/>
+        <a:off x="1786917" y="2771913"/>
+        <a:ext cx="5331000" cy="1547114"/>
       </dsp:txXfrm>
     </dsp:sp>
   </dsp:spTree>
@@ -5621,47 +5834,55 @@
 </file>
 
 <file path=ppt/diagrams/drawing2.xml><?xml version="1.0" encoding="utf-8"?>
-<dsp:drawing xmlns:dgm="http://schemas.openxmlformats.org/drawingml/2006/diagram" xmlns:dsp="http://schemas.microsoft.com/office/drawing/2008/diagram" xmlns:a="http://schemas.openxmlformats.org/drawingml/2006/main" xmlns:r="http://schemas.openxmlformats.org/officeDocument/2006/relationships">
+<dsp:drawing xmlns:dgm="http://schemas.openxmlformats.org/drawingml/2006/diagram" xmlns:dsp="http://schemas.microsoft.com/office/drawing/2008/diagram" xmlns:a="http://schemas.openxmlformats.org/drawingml/2006/main">
   <dsp:spTree>
     <dsp:nvGrpSpPr>
-      <dsp:cNvPr id="2" name="组合 1"/>
+      <dsp:cNvPr id="0" name=""/>
       <dsp:cNvGrpSpPr/>
     </dsp:nvGrpSpPr>
-    <dsp:grpSpPr>
-      <a:xfrm>
-        <a:off x="0" y="0"/>
-        <a:ext cx="5891471" cy="5157049"/>
-        <a:chOff x="0" y="0"/>
-        <a:chExt cx="5891471" cy="5157049"/>
-      </a:xfrm>
-    </dsp:grpSpPr>
+    <dsp:grpSpPr/>
     <dsp:sp modelId="{4EC703AE-C60D-48F0-BCB2-9FE16DB1B6E5}">
       <dsp:nvSpPr>
-        <dsp:cNvPr id="5" name="矩形 4"/>
+        <dsp:cNvPr id="0" name=""/>
         <dsp:cNvSpPr/>
       </dsp:nvSpPr>
-      <dsp:spPr bwMode="white">
+      <dsp:spPr>
         <a:xfrm>
-          <a:off x="0" y="382509"/>
-          <a:ext cx="5891471" cy="1627505"/>
+          <a:off x="0" y="508524"/>
+          <a:ext cx="5891471" cy="1638000"/>
         </a:xfrm>
         <a:prstGeom prst="rect">
           <a:avLst/>
         </a:prstGeom>
+        <a:solidFill>
+          <a:schemeClr val="lt1">
+            <a:alpha val="90000"/>
+            <a:hueOff val="0"/>
+            <a:satOff val="0"/>
+            <a:lumOff val="0"/>
+            <a:alphaOff val="0"/>
+          </a:schemeClr>
+        </a:solidFill>
+        <a:ln w="12700" cap="flat" cmpd="sng" algn="ctr">
+          <a:solidFill>
+            <a:schemeClr val="accent2">
+              <a:hueOff val="0"/>
+              <a:satOff val="0"/>
+              <a:lumOff val="0"/>
+              <a:alphaOff val="0"/>
+            </a:schemeClr>
+          </a:solidFill>
+          <a:prstDash val="solid"/>
+          <a:miter lim="800000"/>
+        </a:ln>
+        <a:effectLst/>
       </dsp:spPr>
       <dsp:style>
         <a:lnRef idx="2">
-          <a:schemeClr val="accent2">
-            <a:hueOff val="0"/>
-            <a:satOff val="0"/>
-            <a:lumOff val="0"/>
-            <a:alpha val="100000"/>
-          </a:schemeClr>
+          <a:scrgbClr r="0" g="0" b="0"/>
         </a:lnRef>
         <a:fillRef idx="1">
-          <a:schemeClr val="lt1">
-            <a:alpha val="90000"/>
-          </a:schemeClr>
+          <a:scrgbClr r="0" g="0" b="0"/>
         </a:fillRef>
         <a:effectRef idx="0">
           <a:scrgbClr r="0" g="0" b="0"/>
@@ -5669,38 +5890,12 @@
         <a:fontRef idx="minor"/>
       </dsp:style>
       <dsp:txBody>
-        <a:bodyPr lIns="457243" tIns="437388" rIns="457243" bIns="149352" anchor="t"/>
-        <a:lstStyle>
-          <a:lvl1pPr algn="l">
-            <a:defRPr sz="2100"/>
-          </a:lvl1pPr>
-          <a:lvl2pPr marL="228600" indent="-228600" algn="l">
-            <a:defRPr sz="2100"/>
-          </a:lvl2pPr>
-          <a:lvl3pPr marL="457200" indent="-228600" algn="l">
-            <a:defRPr sz="2100"/>
-          </a:lvl3pPr>
-          <a:lvl4pPr marL="685800" indent="-228600" algn="l">
-            <a:defRPr sz="2100"/>
-          </a:lvl4pPr>
-          <a:lvl5pPr marL="914400" indent="-228600" algn="l">
-            <a:defRPr sz="2100"/>
-          </a:lvl5pPr>
-          <a:lvl6pPr marL="1143000" indent="-228600" algn="l">
-            <a:defRPr sz="2100"/>
-          </a:lvl6pPr>
-          <a:lvl7pPr marL="1371600" indent="-228600" algn="l">
-            <a:defRPr sz="2100"/>
-          </a:lvl7pPr>
-          <a:lvl8pPr marL="1600200" indent="-228600" algn="l">
-            <a:defRPr sz="2100"/>
-          </a:lvl8pPr>
-          <a:lvl9pPr marL="1828800" indent="-228600" algn="l">
-            <a:defRPr sz="2100"/>
-          </a:lvl9pPr>
-        </a:lstStyle>
+        <a:bodyPr spcFirstLastPara="0" vert="horz" wrap="square" lIns="457244" tIns="416560" rIns="457244" bIns="142240" numCol="1" spcCol="1270" anchor="t" anchorCtr="0">
+          <a:noAutofit/>
+        </a:bodyPr>
+        <a:lstStyle/>
         <a:p>
-          <a:pPr lvl="1">
+          <a:pPr marL="228600" lvl="1" indent="-228600" algn="l" defTabSz="889000">
             <a:lnSpc>
               <a:spcPct val="100000"/>
             </a:lnSpc>
@@ -5713,21 +5908,20 @@
             <a:buChar char="•"/>
           </a:pPr>
           <a:r>
-            <a:rPr lang="en-US" dirty="0">
-              <a:solidFill>
-                <a:schemeClr val="dk1"/>
-              </a:solidFill>
-            </a:rPr>
-            <a:t>Study the correlation between stock market and retail traders’ sentiment</a:t>
+            <a:rPr lang="en-US" sz="2000" kern="1200" dirty="0"/>
+            <a:t>Study the </a:t>
           </a:r>
-          <a:endParaRPr lang="en-US" dirty="0">
-            <a:solidFill>
-              <a:schemeClr val="dk1"/>
-            </a:solidFill>
-          </a:endParaRPr>
+          <a:r>
+            <a:rPr lang="en-US" sz="2000" b="1" u="sng" kern="1200" dirty="0"/>
+            <a:t>correlation</a:t>
+          </a:r>
+          <a:r>
+            <a:rPr lang="en-US" sz="2000" kern="1200" dirty="0"/>
+            <a:t> between stock market and retail traders’ sentiment</a:t>
+          </a:r>
         </a:p>
         <a:p>
-          <a:pPr lvl="1">
+          <a:pPr marL="228600" lvl="1" indent="-228600" algn="l" defTabSz="889000">
             <a:lnSpc>
               <a:spcPct val="100000"/>
             </a:lnSpc>
@@ -5740,50 +5934,65 @@
             <a:buChar char="•"/>
           </a:pPr>
           <a:r>
-            <a:rPr lang="en-US" dirty="0">
-              <a:solidFill>
-                <a:schemeClr val="dk1"/>
-              </a:solidFill>
-            </a:rPr>
-            <a:t>Build models to predict stock return</a:t>
+            <a:rPr lang="en-US" sz="2000" kern="1200" dirty="0"/>
+            <a:t>Build models to </a:t>
           </a:r>
-          <a:endParaRPr>
-            <a:solidFill>
-              <a:schemeClr val="dk1"/>
-            </a:solidFill>
-          </a:endParaRPr>
+          <a:r>
+            <a:rPr lang="en-US" sz="2000" b="1" u="sng" kern="1200" dirty="0"/>
+            <a:t>predict</a:t>
+          </a:r>
+          <a:r>
+            <a:rPr lang="en-US" sz="2000" kern="1200" dirty="0"/>
+            <a:t> stock return</a:t>
+          </a:r>
         </a:p>
       </dsp:txBody>
       <dsp:txXfrm>
-        <a:off x="0" y="382509"/>
-        <a:ext cx="5891471" cy="1627505"/>
+        <a:off x="0" y="508524"/>
+        <a:ext cx="5891471" cy="1638000"/>
       </dsp:txXfrm>
     </dsp:sp>
     <dsp:sp modelId="{3D78E7DC-E549-4121-9EC8-783C9EC0AC04}">
       <dsp:nvSpPr>
-        <dsp:cNvPr id="4" name="圆角矩形 3"/>
+        <dsp:cNvPr id="0" name=""/>
         <dsp:cNvSpPr/>
       </dsp:nvSpPr>
-      <dsp:spPr bwMode="white">
+      <dsp:spPr>
         <a:xfrm>
-          <a:off x="294574" y="72549"/>
-          <a:ext cx="4124030" cy="619920"/>
+          <a:off x="294573" y="213324"/>
+          <a:ext cx="4124029" cy="590400"/>
         </a:xfrm>
         <a:prstGeom prst="roundRect">
           <a:avLst/>
         </a:prstGeom>
-      </dsp:spPr>
-      <dsp:style>
-        <a:lnRef idx="2">
-          <a:schemeClr val="lt1"/>
-        </a:lnRef>
-        <a:fillRef idx="1">
+        <a:solidFill>
           <a:schemeClr val="accent2">
             <a:hueOff val="0"/>
             <a:satOff val="0"/>
             <a:lumOff val="0"/>
-            <a:alpha val="100000"/>
+            <a:alphaOff val="0"/>
           </a:schemeClr>
+        </a:solidFill>
+        <a:ln w="12700" cap="flat" cmpd="sng" algn="ctr">
+          <a:solidFill>
+            <a:schemeClr val="lt1">
+              <a:hueOff val="0"/>
+              <a:satOff val="0"/>
+              <a:lumOff val="0"/>
+              <a:alphaOff val="0"/>
+            </a:schemeClr>
+          </a:solidFill>
+          <a:prstDash val="solid"/>
+          <a:miter lim="800000"/>
+        </a:ln>
+        <a:effectLst/>
+      </dsp:spPr>
+      <dsp:style>
+        <a:lnRef idx="2">
+          <a:scrgbClr r="0" g="0" b="0"/>
+        </a:lnRef>
+        <a:fillRef idx="1">
+          <a:scrgbClr r="0" g="0" b="0"/>
         </a:fillRef>
         <a:effectRef idx="0">
           <a:scrgbClr r="0" g="0" b="0"/>
@@ -5793,38 +6002,12 @@
         </a:fontRef>
       </dsp:style>
       <dsp:txBody>
-        <a:bodyPr lIns="155878" tIns="0" rIns="155878" bIns="0" anchor="ctr"/>
-        <a:lstStyle>
-          <a:lvl1pPr algn="l">
-            <a:defRPr sz="2100"/>
-          </a:lvl1pPr>
-          <a:lvl2pPr marL="171450" indent="-171450" algn="l">
-            <a:defRPr sz="1600"/>
-          </a:lvl2pPr>
-          <a:lvl3pPr marL="342900" indent="-171450" algn="l">
-            <a:defRPr sz="1600"/>
-          </a:lvl3pPr>
-          <a:lvl4pPr marL="514350" indent="-171450" algn="l">
-            <a:defRPr sz="1600"/>
-          </a:lvl4pPr>
-          <a:lvl5pPr marL="685800" indent="-171450" algn="l">
-            <a:defRPr sz="1600"/>
-          </a:lvl5pPr>
-          <a:lvl6pPr marL="857250" indent="-171450" algn="l">
-            <a:defRPr sz="1600"/>
-          </a:lvl6pPr>
-          <a:lvl7pPr marL="1028700" indent="-171450" algn="l">
-            <a:defRPr sz="1600"/>
-          </a:lvl7pPr>
-          <a:lvl8pPr marL="1200150" indent="-171450" algn="l">
-            <a:defRPr sz="1600"/>
-          </a:lvl8pPr>
-          <a:lvl9pPr marL="1371600" indent="-171450" algn="l">
-            <a:defRPr sz="1600"/>
-          </a:lvl9pPr>
-        </a:lstStyle>
+        <a:bodyPr spcFirstLastPara="0" vert="horz" wrap="square" lIns="155879" tIns="0" rIns="155879" bIns="0" numCol="1" spcCol="1270" anchor="ctr" anchorCtr="0">
+          <a:noAutofit/>
+        </a:bodyPr>
+        <a:lstStyle/>
         <a:p>
-          <a:pPr lvl="0">
+          <a:pPr marL="0" lvl="0" indent="0" algn="l" defTabSz="889000">
             <a:lnSpc>
               <a:spcPct val="100000"/>
             </a:lnSpc>
@@ -5834,45 +6017,61 @@
             <a:spcAft>
               <a:spcPct val="35000"/>
             </a:spcAft>
+            <a:buNone/>
           </a:pPr>
           <a:r>
-            <a:rPr lang="en-US"/>
+            <a:rPr lang="en-US" sz="2000" kern="1200"/>
             <a:t>Similarities:</a:t>
           </a:r>
         </a:p>
       </dsp:txBody>
       <dsp:txXfrm>
-        <a:off x="294574" y="72549"/>
-        <a:ext cx="4124030" cy="619920"/>
+        <a:off x="323394" y="242145"/>
+        <a:ext cx="4066387" cy="532758"/>
       </dsp:txXfrm>
     </dsp:sp>
     <dsp:sp modelId="{1B0A7A31-21EB-4189-8994-DEC93D450867}">
       <dsp:nvSpPr>
-        <dsp:cNvPr id="8" name="矩形 7"/>
+        <dsp:cNvPr id="0" name=""/>
         <dsp:cNvSpPr/>
       </dsp:nvSpPr>
-      <dsp:spPr bwMode="white">
+      <dsp:spPr>
         <a:xfrm>
-          <a:off x="0" y="2433374"/>
-          <a:ext cx="5891471" cy="2651125"/>
+          <a:off x="0" y="2549724"/>
+          <a:ext cx="5891471" cy="2394000"/>
         </a:xfrm>
         <a:prstGeom prst="rect">
           <a:avLst/>
         </a:prstGeom>
+        <a:solidFill>
+          <a:schemeClr val="lt1">
+            <a:alpha val="90000"/>
+            <a:hueOff val="0"/>
+            <a:satOff val="0"/>
+            <a:lumOff val="0"/>
+            <a:alphaOff val="0"/>
+          </a:schemeClr>
+        </a:solidFill>
+        <a:ln w="12700" cap="flat" cmpd="sng" algn="ctr">
+          <a:solidFill>
+            <a:schemeClr val="accent2">
+              <a:hueOff val="-1525302"/>
+              <a:satOff val="-418"/>
+              <a:lumOff val="7058"/>
+              <a:alphaOff val="0"/>
+            </a:schemeClr>
+          </a:solidFill>
+          <a:prstDash val="solid"/>
+          <a:miter lim="800000"/>
+        </a:ln>
+        <a:effectLst/>
       </dsp:spPr>
       <dsp:style>
         <a:lnRef idx="2">
-          <a:schemeClr val="accent2">
-            <a:hueOff val="-1560000"/>
-            <a:satOff val="-391"/>
-            <a:lumOff val="7059"/>
-            <a:alpha val="100000"/>
-          </a:schemeClr>
+          <a:scrgbClr r="0" g="0" b="0"/>
         </a:lnRef>
         <a:fillRef idx="1">
-          <a:schemeClr val="lt1">
-            <a:alpha val="90000"/>
-          </a:schemeClr>
+          <a:scrgbClr r="0" g="0" b="0"/>
         </a:fillRef>
         <a:effectRef idx="0">
           <a:scrgbClr r="0" g="0" b="0"/>
@@ -5880,38 +6079,12 @@
         <a:fontRef idx="minor"/>
       </dsp:style>
       <dsp:txBody>
-        <a:bodyPr lIns="457243" tIns="437388" rIns="457243" bIns="149352" anchor="t"/>
-        <a:lstStyle>
-          <a:lvl1pPr algn="l">
-            <a:defRPr sz="2100"/>
-          </a:lvl1pPr>
-          <a:lvl2pPr marL="228600" indent="-228600" algn="l">
-            <a:defRPr sz="2100"/>
-          </a:lvl2pPr>
-          <a:lvl3pPr marL="457200" indent="-228600" algn="l">
-            <a:defRPr sz="2100"/>
-          </a:lvl3pPr>
-          <a:lvl4pPr marL="685800" indent="-228600" algn="l">
-            <a:defRPr sz="2100"/>
-          </a:lvl4pPr>
-          <a:lvl5pPr marL="914400" indent="-228600" algn="l">
-            <a:defRPr sz="2100"/>
-          </a:lvl5pPr>
-          <a:lvl6pPr marL="1143000" indent="-228600" algn="l">
-            <a:defRPr sz="2100"/>
-          </a:lvl6pPr>
-          <a:lvl7pPr marL="1371600" indent="-228600" algn="l">
-            <a:defRPr sz="2100"/>
-          </a:lvl7pPr>
-          <a:lvl8pPr marL="1600200" indent="-228600" algn="l">
-            <a:defRPr sz="2100"/>
-          </a:lvl8pPr>
-          <a:lvl9pPr marL="1828800" indent="-228600" algn="l">
-            <a:defRPr sz="2100"/>
-          </a:lvl9pPr>
-        </a:lstStyle>
+        <a:bodyPr spcFirstLastPara="0" vert="horz" wrap="square" lIns="457244" tIns="416560" rIns="457244" bIns="142240" numCol="1" spcCol="1270" anchor="t" anchorCtr="0">
+          <a:noAutofit/>
+        </a:bodyPr>
+        <a:lstStyle/>
         <a:p>
-          <a:pPr lvl="1">
+          <a:pPr marL="228600" lvl="1" indent="-228600" algn="l" defTabSz="889000">
             <a:lnSpc>
               <a:spcPct val="100000"/>
             </a:lnSpc>
@@ -5924,21 +6097,20 @@
             <a:buChar char="•"/>
           </a:pPr>
           <a:r>
-            <a:rPr lang="en-US" dirty="0">
-              <a:solidFill>
-                <a:schemeClr val="dk1"/>
-              </a:solidFill>
-            </a:rPr>
-            <a:t>Implement a dynamic approach to make short to mid term (one week) prediction </a:t>
+            <a:rPr lang="en-US" sz="2000" kern="1200" dirty="0"/>
+            <a:t>Implement a </a:t>
           </a:r>
-          <a:endParaRPr lang="en-US" dirty="0">
-            <a:solidFill>
-              <a:schemeClr val="dk1"/>
-            </a:solidFill>
-          </a:endParaRPr>
+          <a:r>
+            <a:rPr lang="en-US" sz="2000" b="1" u="sng" kern="1200" dirty="0"/>
+            <a:t>dynamic approach </a:t>
+          </a:r>
+          <a:r>
+            <a:rPr lang="en-US" sz="2000" kern="1200" dirty="0"/>
+            <a:t>to make short to mid term (one week) prediction </a:t>
+          </a:r>
         </a:p>
         <a:p>
-          <a:pPr lvl="1">
+          <a:pPr marL="228600" lvl="1" indent="-228600" algn="l" defTabSz="889000">
             <a:lnSpc>
               <a:spcPct val="100000"/>
             </a:lnSpc>
@@ -5951,21 +6123,16 @@
             <a:buChar char="•"/>
           </a:pPr>
           <a:r>
-            <a:rPr lang="en-US" dirty="0">
-              <a:solidFill>
-                <a:schemeClr val="dk1"/>
-              </a:solidFill>
-            </a:rPr>
-            <a:t>Focus on both loss and gain</a:t>
+            <a:rPr lang="en-US" sz="2000" kern="1200" dirty="0"/>
+            <a:t>Focus on both loss and </a:t>
           </a:r>
-          <a:endParaRPr lang="en-US" dirty="0">
-            <a:solidFill>
-              <a:schemeClr val="dk1"/>
-            </a:solidFill>
-          </a:endParaRPr>
+          <a:r>
+            <a:rPr lang="en-US" sz="2000" b="1" u="sng" kern="1200" dirty="0"/>
+            <a:t>gain</a:t>
+          </a:r>
         </a:p>
         <a:p>
-          <a:pPr lvl="1">
+          <a:pPr marL="228600" lvl="1" indent="-228600" algn="l" defTabSz="889000">
             <a:lnSpc>
               <a:spcPct val="100000"/>
             </a:lnSpc>
@@ -5978,50 +6145,65 @@
             <a:buChar char="•"/>
           </a:pPr>
           <a:r>
-            <a:rPr lang="en-US" dirty="0">
-              <a:solidFill>
-                <a:schemeClr val="dk1"/>
-              </a:solidFill>
-            </a:rPr>
-            <a:t>Incorporate sentiment analysis into model</a:t>
+            <a:rPr lang="en-US" sz="2000" kern="1200" dirty="0"/>
+            <a:t>Incorporate </a:t>
           </a:r>
-          <a:endParaRPr>
-            <a:solidFill>
-              <a:schemeClr val="dk1"/>
-            </a:solidFill>
-          </a:endParaRPr>
+          <a:r>
+            <a:rPr lang="en-US" sz="2000" b="1" u="sng" kern="1200" dirty="0"/>
+            <a:t>sentiment analysis </a:t>
+          </a:r>
+          <a:r>
+            <a:rPr lang="en-US" sz="2000" kern="1200" dirty="0"/>
+            <a:t>into model</a:t>
+          </a:r>
         </a:p>
       </dsp:txBody>
       <dsp:txXfrm>
-        <a:off x="0" y="2433374"/>
-        <a:ext cx="5891471" cy="2651125"/>
+        <a:off x="0" y="2549724"/>
+        <a:ext cx="5891471" cy="2394000"/>
       </dsp:txXfrm>
     </dsp:sp>
     <dsp:sp modelId="{F27E2B59-372A-402C-B697-3DE712A58854}">
       <dsp:nvSpPr>
-        <dsp:cNvPr id="7" name="圆角矩形 6"/>
+        <dsp:cNvPr id="0" name=""/>
         <dsp:cNvSpPr/>
       </dsp:nvSpPr>
-      <dsp:spPr bwMode="white">
+      <dsp:spPr>
         <a:xfrm>
-          <a:off x="294574" y="2123414"/>
-          <a:ext cx="4124030" cy="619920"/>
+          <a:off x="294573" y="2254524"/>
+          <a:ext cx="4124029" cy="590400"/>
         </a:xfrm>
         <a:prstGeom prst="roundRect">
           <a:avLst/>
         </a:prstGeom>
+        <a:solidFill>
+          <a:schemeClr val="accent2">
+            <a:hueOff val="-1525302"/>
+            <a:satOff val="-418"/>
+            <a:lumOff val="7058"/>
+            <a:alphaOff val="0"/>
+          </a:schemeClr>
+        </a:solidFill>
+        <a:ln w="12700" cap="flat" cmpd="sng" algn="ctr">
+          <a:solidFill>
+            <a:schemeClr val="lt1">
+              <a:hueOff val="0"/>
+              <a:satOff val="0"/>
+              <a:lumOff val="0"/>
+              <a:alphaOff val="0"/>
+            </a:schemeClr>
+          </a:solidFill>
+          <a:prstDash val="solid"/>
+          <a:miter lim="800000"/>
+        </a:ln>
+        <a:effectLst/>
       </dsp:spPr>
       <dsp:style>
         <a:lnRef idx="2">
-          <a:schemeClr val="lt1"/>
+          <a:scrgbClr r="0" g="0" b="0"/>
         </a:lnRef>
         <a:fillRef idx="1">
-          <a:schemeClr val="accent2">
-            <a:hueOff val="-1560000"/>
-            <a:satOff val="-391"/>
-            <a:lumOff val="7059"/>
-            <a:alpha val="100000"/>
-          </a:schemeClr>
+          <a:scrgbClr r="0" g="0" b="0"/>
         </a:fillRef>
         <a:effectRef idx="0">
           <a:scrgbClr r="0" g="0" b="0"/>
@@ -6031,38 +6213,12 @@
         </a:fontRef>
       </dsp:style>
       <dsp:txBody>
-        <a:bodyPr lIns="155878" tIns="0" rIns="155878" bIns="0" anchor="ctr"/>
-        <a:lstStyle>
-          <a:lvl1pPr algn="l">
-            <a:defRPr sz="2100"/>
-          </a:lvl1pPr>
-          <a:lvl2pPr marL="171450" indent="-171450" algn="l">
-            <a:defRPr sz="1600"/>
-          </a:lvl2pPr>
-          <a:lvl3pPr marL="342900" indent="-171450" algn="l">
-            <a:defRPr sz="1600"/>
-          </a:lvl3pPr>
-          <a:lvl4pPr marL="514350" indent="-171450" algn="l">
-            <a:defRPr sz="1600"/>
-          </a:lvl4pPr>
-          <a:lvl5pPr marL="685800" indent="-171450" algn="l">
-            <a:defRPr sz="1600"/>
-          </a:lvl5pPr>
-          <a:lvl6pPr marL="857250" indent="-171450" algn="l">
-            <a:defRPr sz="1600"/>
-          </a:lvl6pPr>
-          <a:lvl7pPr marL="1028700" indent="-171450" algn="l">
-            <a:defRPr sz="1600"/>
-          </a:lvl7pPr>
-          <a:lvl8pPr marL="1200150" indent="-171450" algn="l">
-            <a:defRPr sz="1600"/>
-          </a:lvl8pPr>
-          <a:lvl9pPr marL="1371600" indent="-171450" algn="l">
-            <a:defRPr sz="1600"/>
-          </a:lvl9pPr>
-        </a:lstStyle>
+        <a:bodyPr spcFirstLastPara="0" vert="horz" wrap="square" lIns="155879" tIns="0" rIns="155879" bIns="0" numCol="1" spcCol="1270" anchor="ctr" anchorCtr="0">
+          <a:noAutofit/>
+        </a:bodyPr>
+        <a:lstStyle/>
         <a:p>
-          <a:pPr lvl="0">
+          <a:pPr marL="0" lvl="0" indent="0" algn="l" defTabSz="889000">
             <a:lnSpc>
               <a:spcPct val="100000"/>
             </a:lnSpc>
@@ -6072,54 +6228,17 @@
             <a:spcAft>
               <a:spcPct val="35000"/>
             </a:spcAft>
+            <a:buNone/>
           </a:pPr>
           <a:r>
-            <a:rPr lang="en-US"/>
+            <a:rPr lang="en-US" sz="2000" kern="1200"/>
             <a:t>Uniqueness</a:t>
           </a:r>
         </a:p>
       </dsp:txBody>
       <dsp:txXfrm>
-        <a:off x="294574" y="2123414"/>
-        <a:ext cx="4124030" cy="619920"/>
-      </dsp:txXfrm>
-    </dsp:sp>
-    <dsp:sp modelId="{29A8FEE7-C8FB-46E8-AD66-6B2412059858}">
-      <dsp:nvSpPr>
-        <dsp:cNvPr id="3" name="矩形 2" hidden="1"/>
-        <dsp:cNvSpPr/>
-      </dsp:nvSpPr>
-      <dsp:spPr>
-        <a:xfrm>
-          <a:off x="0" y="72549"/>
-          <a:ext cx="294574" cy="619920"/>
-        </a:xfrm>
-        <a:prstGeom prst="rect">
-          <a:avLst/>
-        </a:prstGeom>
-      </dsp:spPr>
-      <dsp:txXfrm>
-        <a:off x="0" y="72549"/>
-        <a:ext cx="294574" cy="619920"/>
-      </dsp:txXfrm>
-    </dsp:sp>
-    <dsp:sp modelId="{645333B6-97E4-40DA-84CF-595DA3FCB3AF}">
-      <dsp:nvSpPr>
-        <dsp:cNvPr id="6" name="矩形 5" hidden="1"/>
-        <dsp:cNvSpPr/>
-      </dsp:nvSpPr>
-      <dsp:spPr>
-        <a:xfrm>
-          <a:off x="0" y="2123414"/>
-          <a:ext cx="294574" cy="619920"/>
-        </a:xfrm>
-        <a:prstGeom prst="rect">
-          <a:avLst/>
-        </a:prstGeom>
-      </dsp:spPr>
-      <dsp:txXfrm>
-        <a:off x="0" y="2123414"/>
-        <a:ext cx="294574" cy="619920"/>
+        <a:off x="323394" y="2283345"/>
+        <a:ext cx="4066387" cy="532758"/>
       </dsp:txXfrm>
     </dsp:sp>
   </dsp:spTree>
@@ -6127,50 +6246,54 @@
 </file>
 
 <file path=ppt/diagrams/drawing3.xml><?xml version="1.0" encoding="utf-8"?>
-<dsp:drawing xmlns:dgm="http://schemas.openxmlformats.org/drawingml/2006/diagram" xmlns:dsp="http://schemas.microsoft.com/office/drawing/2008/diagram" xmlns:a="http://schemas.openxmlformats.org/drawingml/2006/main" xmlns:r="http://schemas.openxmlformats.org/officeDocument/2006/relationships">
+<dsp:drawing xmlns:dgm="http://schemas.openxmlformats.org/drawingml/2006/diagram" xmlns:dsp="http://schemas.microsoft.com/office/drawing/2008/diagram" xmlns:a="http://schemas.openxmlformats.org/drawingml/2006/main">
   <dsp:spTree>
     <dsp:nvGrpSpPr>
-      <dsp:cNvPr id="2" name="组合 1"/>
+      <dsp:cNvPr id="0" name=""/>
       <dsp:cNvGrpSpPr/>
     </dsp:nvGrpSpPr>
-    <dsp:grpSpPr>
-      <a:xfrm>
-        <a:off x="0" y="0"/>
-        <a:ext cx="5891471" cy="5157049"/>
-        <a:chOff x="0" y="0"/>
-        <a:chExt cx="5891471" cy="5157049"/>
-      </a:xfrm>
-    </dsp:grpSpPr>
+    <dsp:grpSpPr/>
     <dsp:sp modelId="{AFAED945-7EA7-4A35-B1F7-C3B96C323CFB}">
       <dsp:nvSpPr>
-        <dsp:cNvPr id="3" name="矩形 2"/>
+        <dsp:cNvPr id="0" name=""/>
         <dsp:cNvSpPr/>
       </dsp:nvSpPr>
-      <dsp:spPr bwMode="white">
+      <dsp:spPr>
         <a:xfrm>
-          <a:off x="0" y="4429885"/>
-          <a:ext cx="1472868" cy="727164"/>
+          <a:off x="0" y="4428114"/>
+          <a:ext cx="1472867" cy="726469"/>
         </a:xfrm>
         <a:prstGeom prst="rect">
           <a:avLst/>
         </a:prstGeom>
-      </dsp:spPr>
-      <dsp:style>
-        <a:lnRef idx="2">
+        <a:solidFill>
           <a:schemeClr val="accent5">
             <a:hueOff val="0"/>
             <a:satOff val="0"/>
             <a:lumOff val="0"/>
-            <a:alpha val="100000"/>
+            <a:alphaOff val="0"/>
           </a:schemeClr>
+        </a:solidFill>
+        <a:ln w="12700" cap="flat" cmpd="sng" algn="ctr">
+          <a:solidFill>
+            <a:schemeClr val="accent5">
+              <a:hueOff val="0"/>
+              <a:satOff val="0"/>
+              <a:lumOff val="0"/>
+              <a:alphaOff val="0"/>
+            </a:schemeClr>
+          </a:solidFill>
+          <a:prstDash val="solid"/>
+          <a:miter lim="800000"/>
+        </a:ln>
+        <a:effectLst/>
+      </dsp:spPr>
+      <dsp:style>
+        <a:lnRef idx="2">
+          <a:scrgbClr r="0" g="0" b="0"/>
         </a:lnRef>
         <a:fillRef idx="1">
-          <a:schemeClr val="accent5">
-            <a:hueOff val="0"/>
-            <a:satOff val="0"/>
-            <a:lumOff val="0"/>
-            <a:alpha val="100000"/>
-          </a:schemeClr>
+          <a:scrgbClr r="0" g="0" b="0"/>
         </a:fillRef>
         <a:effectRef idx="0">
           <a:scrgbClr r="0" g="0" b="0"/>
@@ -6180,40 +6303,14 @@
         </a:fontRef>
       </dsp:style>
       <dsp:txBody>
-        <a:bodyPr lIns="104750" tIns="78232" rIns="104750" bIns="78232" anchor="ctr"/>
-        <a:lstStyle>
-          <a:lvl1pPr algn="ctr">
-            <a:defRPr sz="1100"/>
-          </a:lvl1pPr>
-          <a:lvl2pPr marL="57150" indent="-57150" algn="ctr">
-            <a:defRPr sz="800"/>
-          </a:lvl2pPr>
-          <a:lvl3pPr marL="114300" indent="-57150" algn="ctr">
-            <a:defRPr sz="800"/>
-          </a:lvl3pPr>
-          <a:lvl4pPr marL="171450" indent="-57150" algn="ctr">
-            <a:defRPr sz="800"/>
-          </a:lvl4pPr>
-          <a:lvl5pPr marL="228600" indent="-57150" algn="ctr">
-            <a:defRPr sz="800"/>
-          </a:lvl5pPr>
-          <a:lvl6pPr marL="285750" indent="-57150" algn="ctr">
-            <a:defRPr sz="800"/>
-          </a:lvl6pPr>
-          <a:lvl7pPr marL="342900" indent="-57150" algn="ctr">
-            <a:defRPr sz="800"/>
-          </a:lvl7pPr>
-          <a:lvl8pPr marL="400050" indent="-57150" algn="ctr">
-            <a:defRPr sz="800"/>
-          </a:lvl8pPr>
-          <a:lvl9pPr marL="457200" indent="-57150" algn="ctr">
-            <a:defRPr sz="800"/>
-          </a:lvl9pPr>
-        </a:lstStyle>
+        <a:bodyPr spcFirstLastPara="0" vert="horz" wrap="square" lIns="104750" tIns="92456" rIns="104750" bIns="92456" numCol="1" spcCol="1270" anchor="ctr" anchorCtr="0">
+          <a:noAutofit/>
+        </a:bodyPr>
+        <a:lstStyle/>
         <a:p>
-          <a:pPr lvl="0">
+          <a:pPr marL="0" lvl="0" indent="0" algn="ctr" defTabSz="577850">
             <a:lnSpc>
-              <a:spcPct val="100000"/>
+              <a:spcPct val="90000"/>
             </a:lnSpc>
             <a:spcBef>
               <a:spcPct val="0"/>
@@ -6221,52 +6318,64 @@
             <a:spcAft>
               <a:spcPct val="35000"/>
             </a:spcAft>
+            <a:buNone/>
           </a:pPr>
           <a:r>
-            <a:rPr lang="en-US"/>
+            <a:rPr lang="en-US" sz="1300" kern="1200"/>
             <a:t>Dynamic Decision Making</a:t>
           </a:r>
         </a:p>
       </dsp:txBody>
       <dsp:txXfrm>
-        <a:off x="0" y="4429885"/>
-        <a:ext cx="1472868" cy="727164"/>
+        <a:off x="0" y="4428114"/>
+        <a:ext cx="1472867" cy="726469"/>
       </dsp:txXfrm>
     </dsp:sp>
     <dsp:sp modelId="{5AE216B5-5F4C-42E9-A762-320F601466DE}">
       <dsp:nvSpPr>
-        <dsp:cNvPr id="4" name="矩形 3"/>
+        <dsp:cNvPr id="0" name=""/>
         <dsp:cNvSpPr/>
       </dsp:nvSpPr>
-      <dsp:spPr bwMode="white">
+      <dsp:spPr>
         <a:xfrm>
-          <a:off x="1472868" y="4429885"/>
-          <a:ext cx="4418603" cy="727164"/>
+          <a:off x="1472867" y="4428114"/>
+          <a:ext cx="4418603" cy="726469"/>
         </a:xfrm>
         <a:prstGeom prst="rect">
           <a:avLst/>
         </a:prstGeom>
-      </dsp:spPr>
-      <dsp:style>
-        <a:lnRef idx="2">
+        <a:solidFill>
           <a:schemeClr val="accent5">
             <a:tint val="40000"/>
             <a:alpha val="90000"/>
             <a:hueOff val="0"/>
             <a:satOff val="0"/>
             <a:lumOff val="0"/>
-            <a:alpha val="90196"/>
+            <a:alphaOff val="0"/>
           </a:schemeClr>
+        </a:solidFill>
+        <a:ln w="12700" cap="flat" cmpd="sng" algn="ctr">
+          <a:solidFill>
+            <a:schemeClr val="accent5">
+              <a:tint val="40000"/>
+              <a:alpha val="90000"/>
+              <a:hueOff val="0"/>
+              <a:satOff val="0"/>
+              <a:lumOff val="0"/>
+              <a:alphaOff val="0"/>
+            </a:schemeClr>
+          </a:solidFill>
+          <a:prstDash val="solid"/>
+          <a:miter lim="800000"/>
+        </a:ln>
+        <a:effectLst/>
+      </dsp:spPr>
+      <dsp:style>
+        <a:lnRef idx="2">
+          <a:scrgbClr r="0" g="0" b="0"/>
         </a:lnRef>
         <a:fillRef idx="1">
-          <a:schemeClr val="accent5">
-            <a:tint val="40000"/>
-            <a:alpha val="90000"/>
-            <a:hueOff val="0"/>
-            <a:satOff val="0"/>
-            <a:lumOff val="0"/>
-            <a:alpha val="90196"/>
-          </a:schemeClr>
+          <a:scrgbClr r="0" g="0" b="0"/>
         </a:fillRef>
         <a:effectRef idx="0">
           <a:scrgbClr r="0" g="0" b="0"/>
@@ -6274,58 +6383,51 @@
         <a:fontRef idx="minor"/>
       </dsp:style>
       <dsp:txBody>
-        <a:bodyPr lIns="89630" tIns="177800" rIns="89630" bIns="177800" anchor="ctr"/>
-        <a:lstStyle>
-          <a:lvl1pPr algn="l">
-            <a:defRPr sz="1400"/>
-          </a:lvl1pPr>
-          <a:lvl2pPr marL="57150" indent="-57150" algn="l">
-            <a:defRPr sz="1100"/>
-          </a:lvl2pPr>
-          <a:lvl3pPr marL="114300" indent="-57150" algn="l">
-            <a:defRPr sz="1100"/>
-          </a:lvl3pPr>
-          <a:lvl4pPr marL="171450" indent="-57150" algn="l">
-            <a:defRPr sz="1100"/>
-          </a:lvl4pPr>
-          <a:lvl5pPr marL="228600" indent="-57150" algn="l">
-            <a:defRPr sz="1100"/>
-          </a:lvl5pPr>
-          <a:lvl6pPr marL="285750" indent="-57150" algn="l">
-            <a:defRPr sz="1100"/>
-          </a:lvl6pPr>
-          <a:lvl7pPr marL="342900" indent="-57150" algn="l">
-            <a:defRPr sz="1100"/>
-          </a:lvl7pPr>
-          <a:lvl8pPr marL="400050" indent="-57150" algn="l">
-            <a:defRPr sz="1100"/>
-          </a:lvl8pPr>
-          <a:lvl9pPr marL="457200" indent="-57150" algn="l">
-            <a:defRPr sz="1100"/>
-          </a:lvl9pPr>
-        </a:lstStyle>
+        <a:bodyPr spcFirstLastPara="0" vert="horz" wrap="square" lIns="89630" tIns="165100" rIns="89630" bIns="165100" numCol="1" spcCol="1270" anchor="ctr" anchorCtr="0">
+          <a:noAutofit/>
+        </a:bodyPr>
+        <a:lstStyle/>
         <a:p>
-          <a:endParaRPr>
-            <a:solidFill>
-              <a:schemeClr val="dk1"/>
-            </a:solidFill>
-          </a:endParaRPr>
+          <a:pPr marL="0" lvl="0" indent="0" algn="l" defTabSz="577850">
+            <a:lnSpc>
+              <a:spcPct val="90000"/>
+            </a:lnSpc>
+            <a:spcBef>
+              <a:spcPct val="0"/>
+            </a:spcBef>
+            <a:spcAft>
+              <a:spcPct val="35000"/>
+            </a:spcAft>
+            <a:buNone/>
+          </a:pPr>
+          <a:r>
+            <a:rPr lang="en-US" sz="1300" kern="1200" dirty="0"/>
+            <a:t>Make decision based on the distribution of returns of past “</a:t>
+          </a:r>
+          <a:r>
+            <a:rPr lang="en-US" sz="1300" kern="1200" dirty="0" err="1"/>
+            <a:t>Window_size</a:t>
+          </a:r>
+          <a:r>
+            <a:rPr lang="en-US" sz="1300" kern="1200" dirty="0"/>
+            <a:t>” days</a:t>
+          </a:r>
         </a:p>
       </dsp:txBody>
       <dsp:txXfrm>
-        <a:off x="1472868" y="4429885"/>
-        <a:ext cx="4418603" cy="727164"/>
+        <a:off x="1472867" y="4428114"/>
+        <a:ext cx="4418603" cy="726469"/>
       </dsp:txXfrm>
     </dsp:sp>
     <dsp:sp modelId="{786F6D0D-2A27-43AE-95E9-CAD0084832D1}">
       <dsp:nvSpPr>
-        <dsp:cNvPr id="5" name="上箭头标注 4"/>
+        <dsp:cNvPr id="0" name=""/>
         <dsp:cNvSpPr/>
       </dsp:nvSpPr>
-      <dsp:spPr bwMode="white">
+      <dsp:spPr>
         <a:xfrm rot="10800000">
-          <a:off x="0" y="3322414"/>
-          <a:ext cx="1472868" cy="1118379"/>
+          <a:off x="0" y="3321702"/>
+          <a:ext cx="1472867" cy="1117309"/>
         </a:xfrm>
         <a:prstGeom prst="upArrowCallout">
           <a:avLst>
@@ -6335,23 +6437,34 @@
             <a:gd name="adj4" fmla="val 64977"/>
           </a:avLst>
         </a:prstGeom>
+        <a:solidFill>
+          <a:schemeClr val="accent5">
+            <a:hueOff val="-381339"/>
+            <a:satOff val="105"/>
+            <a:lumOff val="-1765"/>
+            <a:alphaOff val="0"/>
+          </a:schemeClr>
+        </a:solidFill>
+        <a:ln w="12700" cap="flat" cmpd="sng" algn="ctr">
+          <a:solidFill>
+            <a:schemeClr val="accent5">
+              <a:hueOff val="-381339"/>
+              <a:satOff val="105"/>
+              <a:lumOff val="-1765"/>
+              <a:alphaOff val="0"/>
+            </a:schemeClr>
+          </a:solidFill>
+          <a:prstDash val="solid"/>
+          <a:miter lim="800000"/>
+        </a:ln>
+        <a:effectLst/>
       </dsp:spPr>
       <dsp:style>
         <a:lnRef idx="2">
-          <a:schemeClr val="accent5">
-            <a:hueOff val="-375000"/>
-            <a:satOff val="98"/>
-            <a:lumOff val="-1764"/>
-            <a:alpha val="100000"/>
-          </a:schemeClr>
+          <a:scrgbClr r="0" g="0" b="0"/>
         </a:lnRef>
         <a:fillRef idx="1">
-          <a:schemeClr val="accent5">
-            <a:hueOff val="-375000"/>
-            <a:satOff val="98"/>
-            <a:lumOff val="-1764"/>
-            <a:alpha val="100000"/>
-          </a:schemeClr>
+          <a:scrgbClr r="0" g="0" b="0"/>
         </a:fillRef>
         <a:effectRef idx="0">
           <a:scrgbClr r="0" g="0" b="0"/>
@@ -6361,40 +6474,14 @@
         </a:fontRef>
       </dsp:style>
       <dsp:txBody>
-        <a:bodyPr lIns="104750" tIns="78232" rIns="104750" bIns="78232" anchor="ctr"/>
-        <a:lstStyle>
-          <a:lvl1pPr algn="ctr">
-            <a:defRPr sz="1100"/>
-          </a:lvl1pPr>
-          <a:lvl2pPr marL="57150" indent="-57150" algn="ctr">
-            <a:defRPr sz="800"/>
-          </a:lvl2pPr>
-          <a:lvl3pPr marL="114300" indent="-57150" algn="ctr">
-            <a:defRPr sz="800"/>
-          </a:lvl3pPr>
-          <a:lvl4pPr marL="171450" indent="-57150" algn="ctr">
-            <a:defRPr sz="800"/>
-          </a:lvl4pPr>
-          <a:lvl5pPr marL="228600" indent="-57150" algn="ctr">
-            <a:defRPr sz="800"/>
-          </a:lvl5pPr>
-          <a:lvl6pPr marL="285750" indent="-57150" algn="ctr">
-            <a:defRPr sz="800"/>
-          </a:lvl6pPr>
-          <a:lvl7pPr marL="342900" indent="-57150" algn="ctr">
-            <a:defRPr sz="800"/>
-          </a:lvl7pPr>
-          <a:lvl8pPr marL="400050" indent="-57150" algn="ctr">
-            <a:defRPr sz="800"/>
-          </a:lvl8pPr>
-          <a:lvl9pPr marL="457200" indent="-57150" algn="ctr">
-            <a:defRPr sz="800"/>
-          </a:lvl9pPr>
-        </a:lstStyle>
+        <a:bodyPr spcFirstLastPara="0" vert="horz" wrap="square" lIns="104750" tIns="92456" rIns="104750" bIns="92456" numCol="1" spcCol="1270" anchor="ctr" anchorCtr="0">
+          <a:noAutofit/>
+        </a:bodyPr>
+        <a:lstStyle/>
         <a:p>
-          <a:pPr lvl="0">
+          <a:pPr marL="0" lvl="0" indent="0" algn="ctr" defTabSz="577850">
             <a:lnSpc>
-              <a:spcPct val="100000"/>
+              <a:spcPct val="90000"/>
             </a:lnSpc>
             <a:spcBef>
               <a:spcPct val="0"/>
@@ -6402,52 +6489,64 @@
             <a:spcAft>
               <a:spcPct val="35000"/>
             </a:spcAft>
+            <a:buNone/>
           </a:pPr>
           <a:r>
-            <a:rPr lang="en-US" dirty="0"/>
+            <a:rPr lang="en-US" sz="1300" kern="1200" dirty="0"/>
             <a:t>Hyperparameter tunning</a:t>
           </a:r>
         </a:p>
       </dsp:txBody>
-      <dsp:txXfrm rot="10800000">
-        <a:off x="0" y="3322414"/>
-        <a:ext cx="1472868" cy="1118379"/>
+      <dsp:txXfrm rot="-10800000">
+        <a:off x="0" y="3321702"/>
+        <a:ext cx="1472867" cy="726251"/>
       </dsp:txXfrm>
     </dsp:sp>
     <dsp:sp modelId="{E006BCA2-E097-461F-A9AC-C4B2AB770286}">
       <dsp:nvSpPr>
-        <dsp:cNvPr id="6" name="矩形 5"/>
+        <dsp:cNvPr id="0" name=""/>
         <dsp:cNvSpPr/>
       </dsp:nvSpPr>
-      <dsp:spPr bwMode="white">
+      <dsp:spPr>
         <a:xfrm>
-          <a:off x="1472868" y="3322414"/>
-          <a:ext cx="4418603" cy="726946"/>
+          <a:off x="1472867" y="3321702"/>
+          <a:ext cx="4418603" cy="726251"/>
         </a:xfrm>
         <a:prstGeom prst="rect">
           <a:avLst/>
         </a:prstGeom>
+        <a:solidFill>
+          <a:schemeClr val="accent5">
+            <a:tint val="40000"/>
+            <a:alpha val="90000"/>
+            <a:hueOff val="-466409"/>
+            <a:satOff val="-2081"/>
+            <a:lumOff val="-354"/>
+            <a:alphaOff val="0"/>
+          </a:schemeClr>
+        </a:solidFill>
+        <a:ln w="12700" cap="flat" cmpd="sng" algn="ctr">
+          <a:solidFill>
+            <a:schemeClr val="accent5">
+              <a:tint val="40000"/>
+              <a:alpha val="90000"/>
+              <a:hueOff val="-466409"/>
+              <a:satOff val="-2081"/>
+              <a:lumOff val="-354"/>
+              <a:alphaOff val="0"/>
+            </a:schemeClr>
+          </a:solidFill>
+          <a:prstDash val="solid"/>
+          <a:miter lim="800000"/>
+        </a:ln>
+        <a:effectLst/>
       </dsp:spPr>
       <dsp:style>
         <a:lnRef idx="2">
-          <a:schemeClr val="accent5">
-            <a:tint val="40000"/>
-            <a:alpha val="90000"/>
-            <a:hueOff val="-465000"/>
-            <a:satOff val="-1764"/>
-            <a:lumOff val="-391"/>
-            <a:alpha val="90196"/>
-          </a:schemeClr>
+          <a:scrgbClr r="0" g="0" b="0"/>
         </a:lnRef>
         <a:fillRef idx="1">
-          <a:schemeClr val="accent5">
-            <a:tint val="40000"/>
-            <a:alpha val="90000"/>
-            <a:hueOff val="-465000"/>
-            <a:satOff val="-1764"/>
-            <a:lumOff val="-391"/>
-            <a:alpha val="90196"/>
-          </a:schemeClr>
+          <a:scrgbClr r="0" g="0" b="0"/>
         </a:fillRef>
         <a:effectRef idx="0">
           <a:scrgbClr r="0" g="0" b="0"/>
@@ -6455,40 +6554,14 @@
         <a:fontRef idx="minor"/>
       </dsp:style>
       <dsp:txBody>
-        <a:bodyPr lIns="89630" tIns="177800" rIns="89630" bIns="177800" anchor="ctr"/>
-        <a:lstStyle>
-          <a:lvl1pPr algn="l">
-            <a:defRPr sz="1400"/>
-          </a:lvl1pPr>
-          <a:lvl2pPr marL="57150" indent="-57150" algn="l">
-            <a:defRPr sz="1000"/>
-          </a:lvl2pPr>
-          <a:lvl3pPr marL="114300" indent="-57150" algn="l">
-            <a:defRPr sz="1000"/>
-          </a:lvl3pPr>
-          <a:lvl4pPr marL="171450" indent="-57150" algn="l">
-            <a:defRPr sz="1000"/>
-          </a:lvl4pPr>
-          <a:lvl5pPr marL="228600" indent="-57150" algn="l">
-            <a:defRPr sz="1000"/>
-          </a:lvl5pPr>
-          <a:lvl6pPr marL="285750" indent="-57150" algn="l">
-            <a:defRPr sz="1000"/>
-          </a:lvl6pPr>
-          <a:lvl7pPr marL="342900" indent="-57150" algn="l">
-            <a:defRPr sz="1000"/>
-          </a:lvl7pPr>
-          <a:lvl8pPr marL="400050" indent="-57150" algn="l">
-            <a:defRPr sz="1000"/>
-          </a:lvl8pPr>
-          <a:lvl9pPr marL="457200" indent="-57150" algn="l">
-            <a:defRPr sz="1000"/>
-          </a:lvl9pPr>
-        </a:lstStyle>
+        <a:bodyPr spcFirstLastPara="0" vert="horz" wrap="square" lIns="89630" tIns="165100" rIns="89630" bIns="165100" numCol="1" spcCol="1270" anchor="ctr" anchorCtr="0">
+          <a:noAutofit/>
+        </a:bodyPr>
+        <a:lstStyle/>
         <a:p>
-          <a:pPr lvl="0">
+          <a:pPr marL="0" lvl="0" indent="0" algn="l" defTabSz="577850">
             <a:lnSpc>
-              <a:spcPct val="100000"/>
+              <a:spcPct val="90000"/>
             </a:lnSpc>
             <a:spcBef>
               <a:spcPct val="0"/>
@@ -6496,52 +6569,37 @@
             <a:spcAft>
               <a:spcPct val="35000"/>
             </a:spcAft>
+            <a:buNone/>
           </a:pPr>
           <a:r>
-            <a:rPr lang="en-US" dirty="0" err="1">
-              <a:solidFill>
-                <a:schemeClr val="dk1"/>
-              </a:solidFill>
-            </a:rPr>
+            <a:rPr lang="en-US" sz="1300" kern="1200" dirty="0" err="1"/>
             <a:t>Optuna</a:t>
           </a:r>
           <a:r>
-            <a:rPr lang="en-US" dirty="0">
-              <a:solidFill>
-                <a:schemeClr val="dk1"/>
-              </a:solidFill>
-            </a:rPr>
+            <a:rPr lang="en-US" sz="1300" kern="1200" dirty="0"/>
             <a:t>, </a:t>
           </a:r>
           <a:r>
-            <a:rPr lang="en-US" altLang="zh-CN" dirty="0">
-              <a:solidFill>
-                <a:schemeClr val="dk1"/>
-              </a:solidFill>
-            </a:rPr>
+            <a:rPr lang="en-US" altLang="zh-CN" sz="1300" kern="1200" dirty="0"/>
             <a:t>A hyperparameter optimization framework</a:t>
           </a:r>
-          <a:endParaRPr lang="en-US" dirty="0">
-            <a:solidFill>
-              <a:schemeClr val="dk1"/>
-            </a:solidFill>
-          </a:endParaRPr>
+          <a:endParaRPr lang="en-US" sz="1300" kern="1200" dirty="0"/>
         </a:p>
       </dsp:txBody>
       <dsp:txXfrm>
-        <a:off x="1472868" y="3322414"/>
-        <a:ext cx="4418603" cy="726946"/>
+        <a:off x="1472867" y="3321702"/>
+        <a:ext cx="4418603" cy="726251"/>
       </dsp:txXfrm>
     </dsp:sp>
     <dsp:sp modelId="{8E66816F-1241-44D3-968B-561D96CC75BA}">
       <dsp:nvSpPr>
-        <dsp:cNvPr id="7" name="上箭头标注 6"/>
+        <dsp:cNvPr id="0" name=""/>
         <dsp:cNvSpPr/>
       </dsp:nvSpPr>
-      <dsp:spPr bwMode="white">
+      <dsp:spPr>
         <a:xfrm rot="10800000">
-          <a:off x="0" y="2214942"/>
-          <a:ext cx="1472868" cy="1118379"/>
+          <a:off x="0" y="2215289"/>
+          <a:ext cx="1472867" cy="1117309"/>
         </a:xfrm>
         <a:prstGeom prst="upArrowCallout">
           <a:avLst>
@@ -6551,23 +6609,34 @@
             <a:gd name="adj4" fmla="val 64977"/>
           </a:avLst>
         </a:prstGeom>
+        <a:solidFill>
+          <a:schemeClr val="accent5">
+            <a:hueOff val="-762678"/>
+            <a:satOff val="209"/>
+            <a:lumOff val="-3529"/>
+            <a:alphaOff val="0"/>
+          </a:schemeClr>
+        </a:solidFill>
+        <a:ln w="12700" cap="flat" cmpd="sng" algn="ctr">
+          <a:solidFill>
+            <a:schemeClr val="accent5">
+              <a:hueOff val="-762678"/>
+              <a:satOff val="209"/>
+              <a:lumOff val="-3529"/>
+              <a:alphaOff val="0"/>
+            </a:schemeClr>
+          </a:solidFill>
+          <a:prstDash val="solid"/>
+          <a:miter lim="800000"/>
+        </a:ln>
+        <a:effectLst/>
       </dsp:spPr>
       <dsp:style>
         <a:lnRef idx="2">
-          <a:schemeClr val="accent5">
-            <a:hueOff val="-750000"/>
-            <a:satOff val="196"/>
-            <a:lumOff val="-3528"/>
-            <a:alpha val="100000"/>
-          </a:schemeClr>
+          <a:scrgbClr r="0" g="0" b="0"/>
         </a:lnRef>
         <a:fillRef idx="1">
-          <a:schemeClr val="accent5">
-            <a:hueOff val="-750000"/>
-            <a:satOff val="196"/>
-            <a:lumOff val="-3528"/>
-            <a:alpha val="100000"/>
-          </a:schemeClr>
+          <a:scrgbClr r="0" g="0" b="0"/>
         </a:fillRef>
         <a:effectRef idx="0">
           <a:scrgbClr r="0" g="0" b="0"/>
@@ -6577,40 +6646,14 @@
         </a:fontRef>
       </dsp:style>
       <dsp:txBody>
-        <a:bodyPr lIns="104750" tIns="78232" rIns="104750" bIns="78232" anchor="ctr"/>
-        <a:lstStyle>
-          <a:lvl1pPr algn="ctr">
-            <a:defRPr sz="1100"/>
-          </a:lvl1pPr>
-          <a:lvl2pPr marL="57150" indent="-57150" algn="ctr">
-            <a:defRPr sz="800"/>
-          </a:lvl2pPr>
-          <a:lvl3pPr marL="114300" indent="-57150" algn="ctr">
-            <a:defRPr sz="800"/>
-          </a:lvl3pPr>
-          <a:lvl4pPr marL="171450" indent="-57150" algn="ctr">
-            <a:defRPr sz="800"/>
-          </a:lvl4pPr>
-          <a:lvl5pPr marL="228600" indent="-57150" algn="ctr">
-            <a:defRPr sz="800"/>
-          </a:lvl5pPr>
-          <a:lvl6pPr marL="285750" indent="-57150" algn="ctr">
-            <a:defRPr sz="800"/>
-          </a:lvl6pPr>
-          <a:lvl7pPr marL="342900" indent="-57150" algn="ctr">
-            <a:defRPr sz="800"/>
-          </a:lvl7pPr>
-          <a:lvl8pPr marL="400050" indent="-57150" algn="ctr">
-            <a:defRPr sz="800"/>
-          </a:lvl8pPr>
-          <a:lvl9pPr marL="457200" indent="-57150" algn="ctr">
-            <a:defRPr sz="800"/>
-          </a:lvl9pPr>
-        </a:lstStyle>
+        <a:bodyPr spcFirstLastPara="0" vert="horz" wrap="square" lIns="104750" tIns="92456" rIns="104750" bIns="92456" numCol="1" spcCol="1270" anchor="ctr" anchorCtr="0">
+          <a:noAutofit/>
+        </a:bodyPr>
+        <a:lstStyle/>
         <a:p>
-          <a:pPr lvl="0">
+          <a:pPr marL="0" lvl="0" indent="0" algn="ctr" defTabSz="577850">
             <a:lnSpc>
-              <a:spcPct val="100000"/>
+              <a:spcPct val="90000"/>
             </a:lnSpc>
             <a:spcBef>
               <a:spcPct val="0"/>
@@ -6618,52 +6661,64 @@
             <a:spcAft>
               <a:spcPct val="35000"/>
             </a:spcAft>
+            <a:buNone/>
           </a:pPr>
           <a:r>
-            <a:rPr lang="en-US" dirty="0"/>
+            <a:rPr lang="en-US" sz="1300" kern="1200" dirty="0"/>
             <a:t>Window Size Selection</a:t>
           </a:r>
         </a:p>
       </dsp:txBody>
-      <dsp:txXfrm rot="10800000">
-        <a:off x="0" y="2214942"/>
-        <a:ext cx="1472868" cy="1118379"/>
+      <dsp:txXfrm rot="-10800000">
+        <a:off x="0" y="2215289"/>
+        <a:ext cx="1472867" cy="726251"/>
       </dsp:txXfrm>
     </dsp:sp>
     <dsp:sp modelId="{0CA55E89-E093-4898-B68F-FA493C0A3D16}">
       <dsp:nvSpPr>
-        <dsp:cNvPr id="8" name="矩形 7"/>
+        <dsp:cNvPr id="0" name=""/>
         <dsp:cNvSpPr/>
       </dsp:nvSpPr>
-      <dsp:spPr bwMode="white">
+      <dsp:spPr>
         <a:xfrm>
-          <a:off x="1472868" y="2214942"/>
-          <a:ext cx="4418603" cy="726946"/>
+          <a:off x="1472867" y="2215289"/>
+          <a:ext cx="4418603" cy="726251"/>
         </a:xfrm>
         <a:prstGeom prst="rect">
           <a:avLst/>
         </a:prstGeom>
+        <a:solidFill>
+          <a:schemeClr val="accent5">
+            <a:tint val="40000"/>
+            <a:alpha val="90000"/>
+            <a:hueOff val="-932817"/>
+            <a:satOff val="-4162"/>
+            <a:lumOff val="-708"/>
+            <a:alphaOff val="0"/>
+          </a:schemeClr>
+        </a:solidFill>
+        <a:ln w="12700" cap="flat" cmpd="sng" algn="ctr">
+          <a:solidFill>
+            <a:schemeClr val="accent5">
+              <a:tint val="40000"/>
+              <a:alpha val="90000"/>
+              <a:hueOff val="-932817"/>
+              <a:satOff val="-4162"/>
+              <a:lumOff val="-708"/>
+              <a:alphaOff val="0"/>
+            </a:schemeClr>
+          </a:solidFill>
+          <a:prstDash val="solid"/>
+          <a:miter lim="800000"/>
+        </a:ln>
+        <a:effectLst/>
       </dsp:spPr>
       <dsp:style>
         <a:lnRef idx="2">
-          <a:schemeClr val="accent5">
-            <a:tint val="40000"/>
-            <a:alpha val="90000"/>
-            <a:hueOff val="-930000"/>
-            <a:satOff val="-3528"/>
-            <a:lumOff val="-783"/>
-            <a:alpha val="90196"/>
-          </a:schemeClr>
+          <a:scrgbClr r="0" g="0" b="0"/>
         </a:lnRef>
         <a:fillRef idx="1">
-          <a:schemeClr val="accent5">
-            <a:tint val="40000"/>
-            <a:alpha val="90000"/>
-            <a:hueOff val="-930000"/>
-            <a:satOff val="-3528"/>
-            <a:lumOff val="-783"/>
-            <a:alpha val="90196"/>
-          </a:schemeClr>
+          <a:scrgbClr r="0" g="0" b="0"/>
         </a:fillRef>
         <a:effectRef idx="0">
           <a:scrgbClr r="0" g="0" b="0"/>
@@ -6671,40 +6726,14 @@
         <a:fontRef idx="minor"/>
       </dsp:style>
       <dsp:txBody>
-        <a:bodyPr lIns="89630" tIns="177800" rIns="89630" bIns="177800" anchor="ctr"/>
-        <a:lstStyle>
-          <a:lvl1pPr algn="l">
-            <a:defRPr sz="1400"/>
-          </a:lvl1pPr>
-          <a:lvl2pPr marL="57150" indent="-57150" algn="l">
-            <a:defRPr sz="1000"/>
-          </a:lvl2pPr>
-          <a:lvl3pPr marL="114300" indent="-57150" algn="l">
-            <a:defRPr sz="1000"/>
-          </a:lvl3pPr>
-          <a:lvl4pPr marL="171450" indent="-57150" algn="l">
-            <a:defRPr sz="1000"/>
-          </a:lvl4pPr>
-          <a:lvl5pPr marL="228600" indent="-57150" algn="l">
-            <a:defRPr sz="1000"/>
-          </a:lvl5pPr>
-          <a:lvl6pPr marL="285750" indent="-57150" algn="l">
-            <a:defRPr sz="1000"/>
-          </a:lvl6pPr>
-          <a:lvl7pPr marL="342900" indent="-57150" algn="l">
-            <a:defRPr sz="1000"/>
-          </a:lvl7pPr>
-          <a:lvl8pPr marL="400050" indent="-57150" algn="l">
-            <a:defRPr sz="1000"/>
-          </a:lvl8pPr>
-          <a:lvl9pPr marL="457200" indent="-57150" algn="l">
-            <a:defRPr sz="1000"/>
-          </a:lvl9pPr>
-        </a:lstStyle>
+        <a:bodyPr spcFirstLastPara="0" vert="horz" wrap="square" lIns="89630" tIns="165100" rIns="89630" bIns="165100" numCol="1" spcCol="1270" anchor="ctr" anchorCtr="0">
+          <a:noAutofit/>
+        </a:bodyPr>
+        <a:lstStyle/>
         <a:p>
-          <a:pPr lvl="0">
+          <a:pPr marL="0" lvl="0" indent="0" algn="l" defTabSz="577850">
             <a:lnSpc>
-              <a:spcPct val="100000"/>
+              <a:spcPct val="90000"/>
             </a:lnSpc>
             <a:spcBef>
               <a:spcPct val="0"/>
@@ -6712,36 +6741,28 @@
             <a:spcAft>
               <a:spcPct val="35000"/>
             </a:spcAft>
+            <a:buNone/>
           </a:pPr>
           <a:r>
-            <a:rPr lang="en-US" dirty="0">
-              <a:solidFill>
-                <a:schemeClr val="dk1"/>
-              </a:solidFill>
-            </a:rPr>
+            <a:rPr lang="en-US" sz="1300" kern="1200" dirty="0"/>
             <a:t>Data used to train the model</a:t>
           </a:r>
-          <a:endParaRPr>
-            <a:solidFill>
-              <a:schemeClr val="dk1"/>
-            </a:solidFill>
-          </a:endParaRPr>
         </a:p>
       </dsp:txBody>
       <dsp:txXfrm>
-        <a:off x="1472868" y="2214942"/>
-        <a:ext cx="4418603" cy="726946"/>
+        <a:off x="1472867" y="2215289"/>
+        <a:ext cx="4418603" cy="726251"/>
       </dsp:txXfrm>
     </dsp:sp>
     <dsp:sp modelId="{0AAD1D63-E596-4E7C-8854-741D360E7E52}">
       <dsp:nvSpPr>
-        <dsp:cNvPr id="9" name="上箭头标注 8"/>
+        <dsp:cNvPr id="0" name=""/>
         <dsp:cNvSpPr/>
       </dsp:nvSpPr>
-      <dsp:spPr bwMode="white">
+      <dsp:spPr>
         <a:xfrm rot="10800000">
-          <a:off x="0" y="1107471"/>
-          <a:ext cx="1472868" cy="1118379"/>
+          <a:off x="0" y="1108877"/>
+          <a:ext cx="1472867" cy="1117309"/>
         </a:xfrm>
         <a:prstGeom prst="upArrowCallout">
           <a:avLst>
@@ -6751,23 +6772,34 @@
             <a:gd name="adj4" fmla="val 64977"/>
           </a:avLst>
         </a:prstGeom>
+        <a:solidFill>
+          <a:schemeClr val="accent5">
+            <a:hueOff val="-1144017"/>
+            <a:satOff val="314"/>
+            <a:lumOff val="-5294"/>
+            <a:alphaOff val="0"/>
+          </a:schemeClr>
+        </a:solidFill>
+        <a:ln w="12700" cap="flat" cmpd="sng" algn="ctr">
+          <a:solidFill>
+            <a:schemeClr val="accent5">
+              <a:hueOff val="-1144017"/>
+              <a:satOff val="314"/>
+              <a:lumOff val="-5294"/>
+              <a:alphaOff val="0"/>
+            </a:schemeClr>
+          </a:solidFill>
+          <a:prstDash val="solid"/>
+          <a:miter lim="800000"/>
+        </a:ln>
+        <a:effectLst/>
       </dsp:spPr>
       <dsp:style>
         <a:lnRef idx="2">
-          <a:schemeClr val="accent5">
-            <a:hueOff val="-1125000"/>
-            <a:satOff val="294"/>
-            <a:lumOff val="-5293"/>
-            <a:alpha val="100000"/>
-          </a:schemeClr>
+          <a:scrgbClr r="0" g="0" b="0"/>
         </a:lnRef>
         <a:fillRef idx="1">
-          <a:schemeClr val="accent5">
-            <a:hueOff val="-1125000"/>
-            <a:satOff val="294"/>
-            <a:lumOff val="-5293"/>
-            <a:alpha val="100000"/>
-          </a:schemeClr>
+          <a:scrgbClr r="0" g="0" b="0"/>
         </a:fillRef>
         <a:effectRef idx="0">
           <a:scrgbClr r="0" g="0" b="0"/>
@@ -6777,40 +6809,14 @@
         </a:fontRef>
       </dsp:style>
       <dsp:txBody>
-        <a:bodyPr lIns="104750" tIns="78232" rIns="104750" bIns="78232" anchor="ctr"/>
-        <a:lstStyle>
-          <a:lvl1pPr algn="ctr">
-            <a:defRPr sz="1100"/>
-          </a:lvl1pPr>
-          <a:lvl2pPr marL="57150" indent="-57150" algn="ctr">
-            <a:defRPr sz="800"/>
-          </a:lvl2pPr>
-          <a:lvl3pPr marL="114300" indent="-57150" algn="ctr">
-            <a:defRPr sz="800"/>
-          </a:lvl3pPr>
-          <a:lvl4pPr marL="171450" indent="-57150" algn="ctr">
-            <a:defRPr sz="800"/>
-          </a:lvl4pPr>
-          <a:lvl5pPr marL="228600" indent="-57150" algn="ctr">
-            <a:defRPr sz="800"/>
-          </a:lvl5pPr>
-          <a:lvl6pPr marL="285750" indent="-57150" algn="ctr">
-            <a:defRPr sz="800"/>
-          </a:lvl6pPr>
-          <a:lvl7pPr marL="342900" indent="-57150" algn="ctr">
-            <a:defRPr sz="800"/>
-          </a:lvl7pPr>
-          <a:lvl8pPr marL="400050" indent="-57150" algn="ctr">
-            <a:defRPr sz="800"/>
-          </a:lvl8pPr>
-          <a:lvl9pPr marL="457200" indent="-57150" algn="ctr">
-            <a:defRPr sz="800"/>
-          </a:lvl9pPr>
-        </a:lstStyle>
+        <a:bodyPr spcFirstLastPara="0" vert="horz" wrap="square" lIns="104750" tIns="92456" rIns="104750" bIns="92456" numCol="1" spcCol="1270" anchor="ctr" anchorCtr="0">
+          <a:noAutofit/>
+        </a:bodyPr>
+        <a:lstStyle/>
         <a:p>
-          <a:pPr lvl="0">
+          <a:pPr marL="0" lvl="0" indent="0" algn="ctr" defTabSz="577850">
             <a:lnSpc>
-              <a:spcPct val="100000"/>
+              <a:spcPct val="90000"/>
             </a:lnSpc>
             <a:spcBef>
               <a:spcPct val="0"/>
@@ -6818,52 +6824,64 @@
             <a:spcAft>
               <a:spcPct val="35000"/>
             </a:spcAft>
+            <a:buNone/>
           </a:pPr>
           <a:r>
-            <a:rPr lang="en-US" dirty="0"/>
+            <a:rPr lang="en-US" sz="1300" kern="1200" dirty="0"/>
             <a:t>Feature Engineering &amp; Selection </a:t>
           </a:r>
         </a:p>
       </dsp:txBody>
-      <dsp:txXfrm rot="10800000">
-        <a:off x="0" y="1107471"/>
-        <a:ext cx="1472868" cy="1118379"/>
+      <dsp:txXfrm rot="-10800000">
+        <a:off x="0" y="1108877"/>
+        <a:ext cx="1472867" cy="726251"/>
       </dsp:txXfrm>
     </dsp:sp>
     <dsp:sp modelId="{849750E2-4843-406E-9624-D7DE6448B76F}">
       <dsp:nvSpPr>
-        <dsp:cNvPr id="10" name="矩形 9"/>
+        <dsp:cNvPr id="0" name=""/>
         <dsp:cNvSpPr/>
       </dsp:nvSpPr>
-      <dsp:spPr bwMode="white">
+      <dsp:spPr>
         <a:xfrm>
-          <a:off x="1472868" y="1107471"/>
-          <a:ext cx="4418603" cy="726946"/>
+          <a:off x="1472867" y="1108877"/>
+          <a:ext cx="4418603" cy="726251"/>
         </a:xfrm>
         <a:prstGeom prst="rect">
           <a:avLst/>
         </a:prstGeom>
+        <a:solidFill>
+          <a:schemeClr val="accent5">
+            <a:tint val="40000"/>
+            <a:alpha val="90000"/>
+            <a:hueOff val="-1399226"/>
+            <a:satOff val="-6244"/>
+            <a:lumOff val="-1063"/>
+            <a:alphaOff val="0"/>
+          </a:schemeClr>
+        </a:solidFill>
+        <a:ln w="12700" cap="flat" cmpd="sng" algn="ctr">
+          <a:solidFill>
+            <a:schemeClr val="accent5">
+              <a:tint val="40000"/>
+              <a:alpha val="90000"/>
+              <a:hueOff val="-1399226"/>
+              <a:satOff val="-6244"/>
+              <a:lumOff val="-1063"/>
+              <a:alphaOff val="0"/>
+            </a:schemeClr>
+          </a:solidFill>
+          <a:prstDash val="solid"/>
+          <a:miter lim="800000"/>
+        </a:ln>
+        <a:effectLst/>
       </dsp:spPr>
       <dsp:style>
         <a:lnRef idx="2">
-          <a:schemeClr val="accent5">
-            <a:tint val="40000"/>
-            <a:alpha val="90000"/>
-            <a:hueOff val="-1395000"/>
-            <a:satOff val="-5293"/>
-            <a:lumOff val="-1175"/>
-            <a:alpha val="90196"/>
-          </a:schemeClr>
+          <a:scrgbClr r="0" g="0" b="0"/>
         </a:lnRef>
         <a:fillRef idx="1">
-          <a:schemeClr val="accent5">
-            <a:tint val="40000"/>
-            <a:alpha val="90000"/>
-            <a:hueOff val="-1395000"/>
-            <a:satOff val="-5293"/>
-            <a:lumOff val="-1175"/>
-            <a:alpha val="90196"/>
-          </a:schemeClr>
+          <a:scrgbClr r="0" g="0" b="0"/>
         </a:fillRef>
         <a:effectRef idx="0">
           <a:scrgbClr r="0" g="0" b="0"/>
@@ -6871,40 +6889,14 @@
         <a:fontRef idx="minor"/>
       </dsp:style>
       <dsp:txBody>
-        <a:bodyPr lIns="89630" tIns="177800" rIns="89630" bIns="177800" anchor="ctr"/>
-        <a:lstStyle>
-          <a:lvl1pPr algn="l">
-            <a:defRPr sz="1400"/>
-          </a:lvl1pPr>
-          <a:lvl2pPr marL="57150" indent="-57150" algn="l">
-            <a:defRPr sz="1000"/>
-          </a:lvl2pPr>
-          <a:lvl3pPr marL="114300" indent="-57150" algn="l">
-            <a:defRPr sz="1000"/>
-          </a:lvl3pPr>
-          <a:lvl4pPr marL="171450" indent="-57150" algn="l">
-            <a:defRPr sz="1000"/>
-          </a:lvl4pPr>
-          <a:lvl5pPr marL="228600" indent="-57150" algn="l">
-            <a:defRPr sz="1000"/>
-          </a:lvl5pPr>
-          <a:lvl6pPr marL="285750" indent="-57150" algn="l">
-            <a:defRPr sz="1000"/>
-          </a:lvl6pPr>
-          <a:lvl7pPr marL="342900" indent="-57150" algn="l">
-            <a:defRPr sz="1000"/>
-          </a:lvl7pPr>
-          <a:lvl8pPr marL="400050" indent="-57150" algn="l">
-            <a:defRPr sz="1000"/>
-          </a:lvl8pPr>
-          <a:lvl9pPr marL="457200" indent="-57150" algn="l">
-            <a:defRPr sz="1000"/>
-          </a:lvl9pPr>
-        </a:lstStyle>
+        <a:bodyPr spcFirstLastPara="0" vert="horz" wrap="square" lIns="89630" tIns="165100" rIns="89630" bIns="165100" numCol="1" spcCol="1270" anchor="ctr" anchorCtr="0">
+          <a:noAutofit/>
+        </a:bodyPr>
+        <a:lstStyle/>
         <a:p>
-          <a:pPr lvl="0">
+          <a:pPr marL="0" lvl="0" indent="0" algn="l" defTabSz="577850">
             <a:lnSpc>
-              <a:spcPct val="100000"/>
+              <a:spcPct val="90000"/>
             </a:lnSpc>
             <a:spcBef>
               <a:spcPct val="0"/>
@@ -6912,36 +6904,28 @@
             <a:spcAft>
               <a:spcPct val="35000"/>
             </a:spcAft>
+            <a:buNone/>
           </a:pPr>
           <a:r>
-            <a:rPr lang="en-US" dirty="0">
-              <a:solidFill>
-                <a:schemeClr val="dk1"/>
-              </a:solidFill>
-            </a:rPr>
+            <a:rPr lang="en-US" sz="1300" kern="1200" dirty="0"/>
             <a:t>Normalization, Lagged Data (MA 200), Indicators</a:t>
           </a:r>
-          <a:endParaRPr>
-            <a:solidFill>
-              <a:schemeClr val="dk1"/>
-            </a:solidFill>
-          </a:endParaRPr>
         </a:p>
       </dsp:txBody>
       <dsp:txXfrm>
-        <a:off x="1472868" y="1107471"/>
-        <a:ext cx="4418603" cy="726946"/>
+        <a:off x="1472867" y="1108877"/>
+        <a:ext cx="4418603" cy="726251"/>
       </dsp:txXfrm>
     </dsp:sp>
     <dsp:sp modelId="{3A72816A-2896-43DB-97B3-402663962CD3}">
       <dsp:nvSpPr>
-        <dsp:cNvPr id="11" name="上箭头标注 10"/>
+        <dsp:cNvPr id="0" name=""/>
         <dsp:cNvSpPr/>
       </dsp:nvSpPr>
-      <dsp:spPr bwMode="white">
+      <dsp:spPr>
         <a:xfrm rot="10800000">
-          <a:off x="0" y="0"/>
-          <a:ext cx="1472868" cy="1118379"/>
+          <a:off x="0" y="2465"/>
+          <a:ext cx="1472867" cy="1117309"/>
         </a:xfrm>
         <a:prstGeom prst="upArrowCallout">
           <a:avLst>
@@ -6951,23 +6935,34 @@
             <a:gd name="adj4" fmla="val 64977"/>
           </a:avLst>
         </a:prstGeom>
+        <a:solidFill>
+          <a:schemeClr val="accent5">
+            <a:hueOff val="-1525356"/>
+            <a:satOff val="418"/>
+            <a:lumOff val="-7058"/>
+            <a:alphaOff val="0"/>
+          </a:schemeClr>
+        </a:solidFill>
+        <a:ln w="12700" cap="flat" cmpd="sng" algn="ctr">
+          <a:solidFill>
+            <a:schemeClr val="accent5">
+              <a:hueOff val="-1525356"/>
+              <a:satOff val="418"/>
+              <a:lumOff val="-7058"/>
+              <a:alphaOff val="0"/>
+            </a:schemeClr>
+          </a:solidFill>
+          <a:prstDash val="solid"/>
+          <a:miter lim="800000"/>
+        </a:ln>
+        <a:effectLst/>
       </dsp:spPr>
       <dsp:style>
         <a:lnRef idx="2">
-          <a:schemeClr val="accent5">
-            <a:hueOff val="-1500000"/>
-            <a:satOff val="392"/>
-            <a:lumOff val="-7058"/>
-            <a:alpha val="100000"/>
-          </a:schemeClr>
+          <a:scrgbClr r="0" g="0" b="0"/>
         </a:lnRef>
         <a:fillRef idx="1">
-          <a:schemeClr val="accent5">
-            <a:hueOff val="-1500000"/>
-            <a:satOff val="392"/>
-            <a:lumOff val="-7058"/>
-            <a:alpha val="100000"/>
-          </a:schemeClr>
+          <a:scrgbClr r="0" g="0" b="0"/>
         </a:fillRef>
         <a:effectRef idx="0">
           <a:scrgbClr r="0" g="0" b="0"/>
@@ -6977,40 +6972,14 @@
         </a:fontRef>
       </dsp:style>
       <dsp:txBody>
-        <a:bodyPr lIns="104750" tIns="78232" rIns="104750" bIns="78232" anchor="ctr"/>
-        <a:lstStyle>
-          <a:lvl1pPr algn="ctr">
-            <a:defRPr sz="1100"/>
-          </a:lvl1pPr>
-          <a:lvl2pPr marL="57150" indent="-57150" algn="ctr">
-            <a:defRPr sz="800"/>
-          </a:lvl2pPr>
-          <a:lvl3pPr marL="114300" indent="-57150" algn="ctr">
-            <a:defRPr sz="800"/>
-          </a:lvl3pPr>
-          <a:lvl4pPr marL="171450" indent="-57150" algn="ctr">
-            <a:defRPr sz="800"/>
-          </a:lvl4pPr>
-          <a:lvl5pPr marL="228600" indent="-57150" algn="ctr">
-            <a:defRPr sz="800"/>
-          </a:lvl5pPr>
-          <a:lvl6pPr marL="285750" indent="-57150" algn="ctr">
-            <a:defRPr sz="800"/>
-          </a:lvl6pPr>
-          <a:lvl7pPr marL="342900" indent="-57150" algn="ctr">
-            <a:defRPr sz="800"/>
-          </a:lvl7pPr>
-          <a:lvl8pPr marL="400050" indent="-57150" algn="ctr">
-            <a:defRPr sz="800"/>
-          </a:lvl8pPr>
-          <a:lvl9pPr marL="457200" indent="-57150" algn="ctr">
-            <a:defRPr sz="800"/>
-          </a:lvl9pPr>
-        </a:lstStyle>
+        <a:bodyPr spcFirstLastPara="0" vert="horz" wrap="square" lIns="104750" tIns="92456" rIns="104750" bIns="92456" numCol="1" spcCol="1270" anchor="ctr" anchorCtr="0">
+          <a:noAutofit/>
+        </a:bodyPr>
+        <a:lstStyle/>
         <a:p>
-          <a:pPr lvl="0">
+          <a:pPr marL="0" lvl="0" indent="0" algn="ctr" defTabSz="577850">
             <a:lnSpc>
-              <a:spcPct val="100000"/>
+              <a:spcPct val="90000"/>
             </a:lnSpc>
             <a:spcBef>
               <a:spcPct val="0"/>
@@ -7018,52 +6987,64 @@
             <a:spcAft>
               <a:spcPct val="35000"/>
             </a:spcAft>
+            <a:buNone/>
           </a:pPr>
           <a:r>
-            <a:rPr lang="en-US" dirty="0"/>
+            <a:rPr lang="en-US" sz="1300" kern="1200" dirty="0"/>
             <a:t>Objective:</a:t>
           </a:r>
         </a:p>
       </dsp:txBody>
-      <dsp:txXfrm rot="10800000">
-        <a:off x="0" y="0"/>
-        <a:ext cx="1472868" cy="1118379"/>
+      <dsp:txXfrm rot="-10800000">
+        <a:off x="0" y="2465"/>
+        <a:ext cx="1472867" cy="726251"/>
       </dsp:txXfrm>
     </dsp:sp>
     <dsp:sp modelId="{402F365E-626C-4E88-9934-F7E442741308}">
       <dsp:nvSpPr>
-        <dsp:cNvPr id="12" name="矩形 11"/>
+        <dsp:cNvPr id="0" name=""/>
         <dsp:cNvSpPr/>
       </dsp:nvSpPr>
-      <dsp:spPr bwMode="white">
+      <dsp:spPr>
         <a:xfrm>
-          <a:off x="1472868" y="0"/>
-          <a:ext cx="4418603" cy="726946"/>
+          <a:off x="1472867" y="2465"/>
+          <a:ext cx="4418603" cy="726251"/>
         </a:xfrm>
         <a:prstGeom prst="rect">
           <a:avLst/>
         </a:prstGeom>
+        <a:solidFill>
+          <a:schemeClr val="accent5">
+            <a:tint val="40000"/>
+            <a:alpha val="90000"/>
+            <a:hueOff val="-1865634"/>
+            <a:satOff val="-8325"/>
+            <a:lumOff val="-1417"/>
+            <a:alphaOff val="0"/>
+          </a:schemeClr>
+        </a:solidFill>
+        <a:ln w="12700" cap="flat" cmpd="sng" algn="ctr">
+          <a:solidFill>
+            <a:schemeClr val="accent5">
+              <a:tint val="40000"/>
+              <a:alpha val="90000"/>
+              <a:hueOff val="-1865634"/>
+              <a:satOff val="-8325"/>
+              <a:lumOff val="-1417"/>
+              <a:alphaOff val="0"/>
+            </a:schemeClr>
+          </a:solidFill>
+          <a:prstDash val="solid"/>
+          <a:miter lim="800000"/>
+        </a:ln>
+        <a:effectLst/>
       </dsp:spPr>
       <dsp:style>
         <a:lnRef idx="2">
-          <a:schemeClr val="accent5">
-            <a:tint val="40000"/>
-            <a:alpha val="90000"/>
-            <a:hueOff val="-1860000"/>
-            <a:satOff val="-7058"/>
-            <a:lumOff val="-1568"/>
-            <a:alpha val="90196"/>
-          </a:schemeClr>
+          <a:scrgbClr r="0" g="0" b="0"/>
         </a:lnRef>
         <a:fillRef idx="1">
-          <a:schemeClr val="accent5">
-            <a:tint val="40000"/>
-            <a:alpha val="90000"/>
-            <a:hueOff val="-1860000"/>
-            <a:satOff val="-7058"/>
-            <a:lumOff val="-1568"/>
-            <a:alpha val="90196"/>
-          </a:schemeClr>
+          <a:scrgbClr r="0" g="0" b="0"/>
         </a:fillRef>
         <a:effectRef idx="0">
           <a:scrgbClr r="0" g="0" b="0"/>
@@ -7071,40 +7052,14 @@
         <a:fontRef idx="minor"/>
       </dsp:style>
       <dsp:txBody>
-        <a:bodyPr lIns="89630" tIns="177800" rIns="89630" bIns="177800" anchor="ctr"/>
-        <a:lstStyle>
-          <a:lvl1pPr algn="l">
-            <a:defRPr sz="1400"/>
-          </a:lvl1pPr>
-          <a:lvl2pPr marL="57150" indent="-57150" algn="l">
-            <a:defRPr sz="1000"/>
-          </a:lvl2pPr>
-          <a:lvl3pPr marL="114300" indent="-57150" algn="l">
-            <a:defRPr sz="1000"/>
-          </a:lvl3pPr>
-          <a:lvl4pPr marL="171450" indent="-57150" algn="l">
-            <a:defRPr sz="1000"/>
-          </a:lvl4pPr>
-          <a:lvl5pPr marL="228600" indent="-57150" algn="l">
-            <a:defRPr sz="1000"/>
-          </a:lvl5pPr>
-          <a:lvl6pPr marL="285750" indent="-57150" algn="l">
-            <a:defRPr sz="1000"/>
-          </a:lvl6pPr>
-          <a:lvl7pPr marL="342900" indent="-57150" algn="l">
-            <a:defRPr sz="1000"/>
-          </a:lvl7pPr>
-          <a:lvl8pPr marL="400050" indent="-57150" algn="l">
-            <a:defRPr sz="1000"/>
-          </a:lvl8pPr>
-          <a:lvl9pPr marL="457200" indent="-57150" algn="l">
-            <a:defRPr sz="1000"/>
-          </a:lvl9pPr>
-        </a:lstStyle>
+        <a:bodyPr spcFirstLastPara="0" vert="horz" wrap="square" lIns="89630" tIns="165100" rIns="89630" bIns="165100" numCol="1" spcCol="1270" anchor="ctr" anchorCtr="0">
+          <a:noAutofit/>
+        </a:bodyPr>
+        <a:lstStyle/>
         <a:p>
-          <a:pPr lvl="0">
+          <a:pPr marL="0" lvl="0" indent="0" algn="l" defTabSz="577850">
             <a:lnSpc>
-              <a:spcPct val="100000"/>
+              <a:spcPct val="90000"/>
             </a:lnSpc>
             <a:spcBef>
               <a:spcPct val="0"/>
@@ -7112,25 +7067,17 @@
             <a:spcAft>
               <a:spcPct val="35000"/>
             </a:spcAft>
+            <a:buNone/>
           </a:pPr>
           <a:r>
-            <a:rPr lang="en-US" dirty="0">
-              <a:solidFill>
-                <a:schemeClr val="dk1"/>
-              </a:solidFill>
-            </a:rPr>
+            <a:rPr lang="en-US" sz="1300" kern="1200" dirty="0"/>
             <a:t>Return (Stationary) Vs. Price (Nonstationary)</a:t>
           </a:r>
-          <a:endParaRPr>
-            <a:solidFill>
-              <a:schemeClr val="dk1"/>
-            </a:solidFill>
-          </a:endParaRPr>
         </a:p>
       </dsp:txBody>
       <dsp:txXfrm>
-        <a:off x="1472868" y="0"/>
-        <a:ext cx="4418603" cy="726946"/>
+        <a:off x="1472867" y="2465"/>
+        <a:ext cx="4418603" cy="726251"/>
       </dsp:txXfrm>
     </dsp:sp>
   </dsp:spTree>
@@ -7138,35 +7085,28 @@
 </file>
 
 <file path=ppt/diagrams/drawing4.xml><?xml version="1.0" encoding="utf-8"?>
-<dsp:drawing xmlns:dgm="http://schemas.openxmlformats.org/drawingml/2006/diagram" xmlns:dsp="http://schemas.microsoft.com/office/drawing/2008/diagram" xmlns:a="http://schemas.openxmlformats.org/drawingml/2006/main" xmlns:r="http://schemas.openxmlformats.org/officeDocument/2006/relationships">
+<dsp:drawing xmlns:dgm="http://schemas.openxmlformats.org/drawingml/2006/diagram" xmlns:dsp="http://schemas.microsoft.com/office/drawing/2008/diagram" xmlns:a="http://schemas.openxmlformats.org/drawingml/2006/main">
   <dsp:spTree>
     <dsp:nvGrpSpPr>
-      <dsp:cNvPr id="2" name="组合 1"/>
+      <dsp:cNvPr id="0" name=""/>
       <dsp:cNvGrpSpPr/>
     </dsp:nvGrpSpPr>
-    <dsp:grpSpPr>
-      <a:xfrm>
-        <a:off x="0" y="0"/>
-        <a:ext cx="10658475" cy="3290888"/>
-        <a:chOff x="0" y="0"/>
-        <a:chExt cx="10658475" cy="3290888"/>
-      </a:xfrm>
-    </dsp:grpSpPr>
+    <dsp:grpSpPr/>
     <dsp:sp modelId="{741F0FF5-6799-4E0F-B956-9ABAF172D088}">
       <dsp:nvSpPr>
-        <dsp:cNvPr id="3" name="矩形 2"/>
+        <dsp:cNvPr id="0" name=""/>
         <dsp:cNvSpPr/>
       </dsp:nvSpPr>
-      <dsp:spPr bwMode="white">
+      <dsp:spPr>
         <a:xfrm>
-          <a:off x="631237" y="518796"/>
-          <a:ext cx="1512000" cy="1512000"/>
+          <a:off x="640408" y="0"/>
+          <a:ext cx="1509048" cy="1355615"/>
         </a:xfrm>
         <a:prstGeom prst="rect">
           <a:avLst/>
         </a:prstGeom>
         <a:blipFill>
-          <a:blip r:embed="rId1">
+          <a:blip xmlns:r="http://schemas.openxmlformats.org/officeDocument/2006/relationships" r:embed="rId1">
             <a:extLst>
               <a:ext uri="{28A0092B-C50C-407E-A947-70E740481C1C}">
                 <a14:useLocalDpi xmlns:a14="http://schemas.microsoft.com/office/drawing/2010/main" val="0"/>
@@ -7180,18 +7120,19 @@
             <a:fillRect/>
           </a:stretch>
         </a:blipFill>
-        <a:ln>
+        <a:ln w="12700" cap="flat" cmpd="sng" algn="ctr">
           <a:noFill/>
+          <a:prstDash val="solid"/>
+          <a:miter lim="800000"/>
         </a:ln>
+        <a:effectLst/>
       </dsp:spPr>
       <dsp:style>
         <a:lnRef idx="2">
-          <a:schemeClr val="lt1">
-            <a:alpha val="0"/>
-          </a:schemeClr>
+          <a:scrgbClr r="0" g="0" b="0"/>
         </a:lnRef>
         <a:fillRef idx="1">
-          <a:schemeClr val="accent2"/>
+          <a:scrgbClr r="0" g="0" b="0"/>
         </a:fillRef>
         <a:effectRef idx="0">
           <a:scrgbClr r="0" g="0" b="0"/>
@@ -7200,35 +7141,32 @@
           <a:schemeClr val="lt1"/>
         </a:fontRef>
       </dsp:style>
-      <dsp:txXfrm>
-        <a:off x="631237" y="518796"/>
-        <a:ext cx="1512000" cy="1512000"/>
-      </dsp:txXfrm>
     </dsp:sp>
     <dsp:sp modelId="{EC898F87-6757-4EA0-B5A2-222ECC7F1C94}">
       <dsp:nvSpPr>
-        <dsp:cNvPr id="4" name="矩形 3"/>
+        <dsp:cNvPr id="0" name=""/>
         <dsp:cNvSpPr/>
       </dsp:nvSpPr>
       <dsp:spPr bwMode="white">
         <a:xfrm>
-          <a:off x="631237" y="2094474"/>
-          <a:ext cx="4320000" cy="648000"/>
+          <a:off x="640408" y="1482611"/>
+          <a:ext cx="4311566" cy="580978"/>
         </a:xfrm>
         <a:prstGeom prst="rect">
           <a:avLst/>
         </a:prstGeom>
+        <a:noFill/>
+        <a:ln>
+          <a:noFill/>
+        </a:ln>
+        <a:effectLst/>
       </dsp:spPr>
       <dsp:style>
         <a:lnRef idx="0">
-          <a:schemeClr val="dk1">
-            <a:alpha val="0"/>
-          </a:schemeClr>
+          <a:scrgbClr r="0" g="0" b="0"/>
         </a:lnRef>
         <a:fillRef idx="0">
-          <a:schemeClr val="lt1">
-            <a:alpha val="0"/>
-          </a:schemeClr>
+          <a:scrgbClr r="0" g="0" b="0"/>
         </a:fillRef>
         <a:effectRef idx="0">
           <a:scrgbClr r="0" g="0" b="0"/>
@@ -7236,38 +7174,12 @@
         <a:fontRef idx="minor"/>
       </dsp:style>
       <dsp:txBody>
-        <a:bodyPr lIns="0" tIns="0" rIns="0" bIns="0" anchor="t"/>
-        <a:lstStyle>
-          <a:lvl1pPr algn="l">
-            <a:defRPr sz="6500"/>
-          </a:lvl1pPr>
-          <a:lvl2pPr marL="285750" indent="-285750" algn="l">
-            <a:defRPr sz="5000"/>
-          </a:lvl2pPr>
-          <a:lvl3pPr marL="571500" indent="-285750" algn="l">
-            <a:defRPr sz="5000"/>
-          </a:lvl3pPr>
-          <a:lvl4pPr marL="857250" indent="-285750" algn="l">
-            <a:defRPr sz="5000"/>
-          </a:lvl4pPr>
-          <a:lvl5pPr marL="1143000" indent="-285750" algn="l">
-            <a:defRPr sz="5000"/>
-          </a:lvl5pPr>
-          <a:lvl6pPr marL="1428750" indent="-285750" algn="l">
-            <a:defRPr sz="5000"/>
-          </a:lvl6pPr>
-          <a:lvl7pPr marL="1714500" indent="-285750" algn="l">
-            <a:defRPr sz="5000"/>
-          </a:lvl7pPr>
-          <a:lvl8pPr marL="2000250" indent="-285750" algn="l">
-            <a:defRPr sz="5000"/>
-          </a:lvl8pPr>
-          <a:lvl9pPr marL="2286000" indent="-285750" algn="l">
-            <a:defRPr sz="5000"/>
-          </a:lvl9pPr>
-        </a:lstStyle>
+        <a:bodyPr spcFirstLastPara="0" vert="horz" wrap="square" lIns="0" tIns="0" rIns="0" bIns="0" numCol="1" spcCol="1270" anchor="t" anchorCtr="0">
+          <a:noAutofit/>
+        </a:bodyPr>
+        <a:lstStyle/>
         <a:p>
-          <a:pPr lvl="0">
+          <a:pPr marL="0" lvl="0" indent="0" algn="l" defTabSz="1333500">
             <a:lnSpc>
               <a:spcPct val="100000"/>
             </a:lnSpc>
@@ -7277,51 +7189,44 @@
             <a:spcAft>
               <a:spcPct val="35000"/>
             </a:spcAft>
+            <a:buNone/>
           </a:pPr>
           <a:r>
-            <a:rPr lang="en-US" sz="3000" dirty="0">
-              <a:solidFill>
-                <a:schemeClr val="tx1"/>
-              </a:solidFill>
-            </a:rPr>
+            <a:rPr lang="en-US" sz="3000" kern="1200" dirty="0"/>
             <a:t>Sentiment Analysis</a:t>
           </a:r>
-          <a:endParaRPr>
-            <a:solidFill>
-              <a:schemeClr val="tx1"/>
-            </a:solidFill>
-          </a:endParaRPr>
         </a:p>
       </dsp:txBody>
       <dsp:txXfrm>
-        <a:off x="631237" y="2094474"/>
-        <a:ext cx="4320000" cy="648000"/>
+        <a:off x="640408" y="1482611"/>
+        <a:ext cx="4311566" cy="580978"/>
       </dsp:txXfrm>
     </dsp:sp>
     <dsp:sp modelId="{B2DF3FD2-C7A8-4585-9238-D415AB884C13}">
       <dsp:nvSpPr>
-        <dsp:cNvPr id="5" name="矩形 4"/>
+        <dsp:cNvPr id="0" name=""/>
         <dsp:cNvSpPr/>
       </dsp:nvSpPr>
       <dsp:spPr bwMode="white">
         <a:xfrm>
-          <a:off x="631237" y="2772092"/>
-          <a:ext cx="4320000" cy="0"/>
+          <a:off x="640408" y="2122657"/>
+          <a:ext cx="4311566" cy="1168230"/>
         </a:xfrm>
         <a:prstGeom prst="rect">
           <a:avLst/>
         </a:prstGeom>
+        <a:noFill/>
+        <a:ln>
+          <a:noFill/>
+        </a:ln>
+        <a:effectLst/>
       </dsp:spPr>
       <dsp:style>
         <a:lnRef idx="0">
-          <a:schemeClr val="dk1">
-            <a:alpha val="0"/>
-          </a:schemeClr>
+          <a:scrgbClr r="0" g="0" b="0"/>
         </a:lnRef>
         <a:fillRef idx="0">
-          <a:schemeClr val="lt1">
-            <a:alpha val="0"/>
-          </a:schemeClr>
+          <a:scrgbClr r="0" g="0" b="0"/>
         </a:fillRef>
         <a:effectRef idx="0">
           <a:scrgbClr r="0" g="0" b="0"/>
@@ -7329,38 +7234,12 @@
         <a:fontRef idx="minor"/>
       </dsp:style>
       <dsp:txBody>
-        <a:bodyPr lIns="0" tIns="0" rIns="0" bIns="0" anchor="t"/>
-        <a:lstStyle>
-          <a:lvl1pPr algn="l">
-            <a:defRPr sz="6500"/>
-          </a:lvl1pPr>
-          <a:lvl2pPr marL="285750" indent="-285750" algn="l">
-            <a:defRPr sz="6500"/>
-          </a:lvl2pPr>
-          <a:lvl3pPr marL="571500" indent="-285750" algn="l">
-            <a:defRPr sz="6500"/>
-          </a:lvl3pPr>
-          <a:lvl4pPr marL="857250" indent="-285750" algn="l">
-            <a:defRPr sz="6500"/>
-          </a:lvl4pPr>
-          <a:lvl5pPr marL="1143000" indent="-285750" algn="l">
-            <a:defRPr sz="6500"/>
-          </a:lvl5pPr>
-          <a:lvl6pPr marL="1428750" indent="-285750" algn="l">
-            <a:defRPr sz="6500"/>
-          </a:lvl6pPr>
-          <a:lvl7pPr marL="1714500" indent="-285750" algn="l">
-            <a:defRPr sz="6500"/>
-          </a:lvl7pPr>
-          <a:lvl8pPr marL="2000250" indent="-285750" algn="l">
-            <a:defRPr sz="6500"/>
-          </a:lvl8pPr>
-          <a:lvl9pPr marL="2286000" indent="-285750" algn="l">
-            <a:defRPr sz="6500"/>
-          </a:lvl9pPr>
-        </a:lstStyle>
+        <a:bodyPr spcFirstLastPara="0" vert="horz" wrap="square" lIns="0" tIns="0" rIns="0" bIns="0" numCol="1" spcCol="1270" anchor="t" anchorCtr="0">
+          <a:noAutofit/>
+        </a:bodyPr>
+        <a:lstStyle/>
         <a:p>
-          <a:pPr lvl="0">
+          <a:pPr marL="0" lvl="0" indent="0" algn="l" defTabSz="533400">
             <a:lnSpc>
               <a:spcPct val="100000"/>
             </a:lnSpc>
@@ -7370,23 +7249,20 @@
             <a:spcAft>
               <a:spcPct val="35000"/>
             </a:spcAft>
+            <a:buNone/>
           </a:pPr>
           <a:r>
-            <a:rPr lang="en-US" altLang="zh-CN" sz="1200" dirty="0">
-              <a:solidFill>
-                <a:schemeClr val="tx1"/>
-              </a:solidFill>
-            </a:rPr>
-            <a:t>Incorporate insights from institutional traders through analysis of market news and professional analyst reports to enhance sentiment accuracy</a:t>
+            <a:rPr lang="en-US" altLang="zh-CN" sz="1200" b="1" kern="1200" dirty="0"/>
+            <a:t>Incorporate insights from institutional traders </a:t>
           </a:r>
-          <a:endParaRPr lang="en-US" sz="1200" dirty="0">
-            <a:solidFill>
-              <a:schemeClr val="tx1"/>
-            </a:solidFill>
-          </a:endParaRPr>
+          <a:r>
+            <a:rPr lang="en-US" altLang="zh-CN" sz="1200" kern="1200" dirty="0"/>
+            <a:t>through analysis of market news and professional analyst reports to enhance sentiment accuracy</a:t>
+          </a:r>
+          <a:endParaRPr lang="en-US" sz="1200" kern="1200" dirty="0"/>
         </a:p>
         <a:p>
-          <a:pPr lvl="0">
+          <a:pPr marL="0" lvl="0" indent="0" algn="l" defTabSz="533400">
             <a:lnSpc>
               <a:spcPct val="100000"/>
             </a:lnSpc>
@@ -7396,42 +7272,39 @@
             <a:spcAft>
               <a:spcPct val="35000"/>
             </a:spcAft>
+            <a:buNone/>
           </a:pPr>
           <a:r>
-            <a:rPr lang="en-US" altLang="zh-CN" sz="1200" dirty="0">
-              <a:solidFill>
-                <a:schemeClr val="tx1"/>
-              </a:solidFill>
-            </a:rPr>
-            <a:t>Broaden dataset acquisition to encompass a wider demographic, ensuring a diverse and representative sample of the trading population</a:t>
+            <a:rPr lang="en-US" altLang="zh-CN" sz="1200" b="1" kern="1200" dirty="0"/>
+            <a:t>Broaden dataset acquisition </a:t>
           </a:r>
-          <a:endParaRPr lang="en-US" sz="1200" dirty="0">
-            <a:solidFill>
-              <a:schemeClr val="tx1"/>
-            </a:solidFill>
-          </a:endParaRPr>
+          <a:r>
+            <a:rPr lang="en-US" altLang="zh-CN" sz="1200" kern="1200" dirty="0"/>
+            <a:t>to encompass a wider demographic, ensuring a diverse and representative sample of the trading population</a:t>
+          </a:r>
+          <a:endParaRPr lang="en-US" sz="1200" kern="1200" dirty="0"/>
         </a:p>
       </dsp:txBody>
       <dsp:txXfrm>
-        <a:off x="631237" y="2772092"/>
-        <a:ext cx="4320000" cy="0"/>
+        <a:off x="640408" y="2122657"/>
+        <a:ext cx="4311566" cy="1168230"/>
       </dsp:txXfrm>
     </dsp:sp>
     <dsp:sp modelId="{723A101C-2105-4A30-B931-735170649757}">
       <dsp:nvSpPr>
-        <dsp:cNvPr id="6" name="矩形 5"/>
+        <dsp:cNvPr id="0" name=""/>
         <dsp:cNvSpPr/>
       </dsp:nvSpPr>
-      <dsp:spPr bwMode="white">
+      <dsp:spPr>
         <a:xfrm>
-          <a:off x="5707237" y="518796"/>
-          <a:ext cx="1512000" cy="1512000"/>
+          <a:off x="5706499" y="0"/>
+          <a:ext cx="1509048" cy="1355615"/>
         </a:xfrm>
         <a:prstGeom prst="rect">
           <a:avLst/>
         </a:prstGeom>
         <a:blipFill>
-          <a:blip r:embed="rId3">
+          <a:blip xmlns:r="http://schemas.openxmlformats.org/officeDocument/2006/relationships" r:embed="rId3">
             <a:extLst>
               <a:ext uri="{28A0092B-C50C-407E-A947-70E740481C1C}">
                 <a14:useLocalDpi xmlns:a14="http://schemas.microsoft.com/office/drawing/2010/main" val="0"/>
@@ -7445,18 +7318,19 @@
             <a:fillRect/>
           </a:stretch>
         </a:blipFill>
-        <a:ln>
+        <a:ln w="12700" cap="flat" cmpd="sng" algn="ctr">
           <a:noFill/>
+          <a:prstDash val="solid"/>
+          <a:miter lim="800000"/>
         </a:ln>
+        <a:effectLst/>
       </dsp:spPr>
       <dsp:style>
         <a:lnRef idx="2">
-          <a:schemeClr val="lt1">
-            <a:alpha val="0"/>
-          </a:schemeClr>
+          <a:scrgbClr r="0" g="0" b="0"/>
         </a:lnRef>
         <a:fillRef idx="1">
-          <a:schemeClr val="accent3"/>
+          <a:scrgbClr r="0" g="0" b="0"/>
         </a:fillRef>
         <a:effectRef idx="0">
           <a:scrgbClr r="0" g="0" b="0"/>
@@ -7465,35 +7339,32 @@
           <a:schemeClr val="lt1"/>
         </a:fontRef>
       </dsp:style>
-      <dsp:txXfrm>
-        <a:off x="5707237" y="518796"/>
-        <a:ext cx="1512000" cy="1512000"/>
-      </dsp:txXfrm>
     </dsp:sp>
     <dsp:sp modelId="{029C6144-9ED3-46D8-B581-841DA4B0BFCC}">
       <dsp:nvSpPr>
-        <dsp:cNvPr id="7" name="矩形 6"/>
+        <dsp:cNvPr id="0" name=""/>
         <dsp:cNvSpPr/>
       </dsp:nvSpPr>
       <dsp:spPr bwMode="white">
         <a:xfrm>
-          <a:off x="5707237" y="2094474"/>
-          <a:ext cx="4320000" cy="648000"/>
+          <a:off x="5706499" y="1482611"/>
+          <a:ext cx="4311566" cy="580978"/>
         </a:xfrm>
         <a:prstGeom prst="rect">
           <a:avLst/>
         </a:prstGeom>
+        <a:noFill/>
+        <a:ln>
+          <a:noFill/>
+        </a:ln>
+        <a:effectLst/>
       </dsp:spPr>
       <dsp:style>
         <a:lnRef idx="0">
-          <a:schemeClr val="dk1">
-            <a:alpha val="0"/>
-          </a:schemeClr>
+          <a:scrgbClr r="0" g="0" b="0"/>
         </a:lnRef>
         <a:fillRef idx="0">
-          <a:schemeClr val="lt1">
-            <a:alpha val="0"/>
-          </a:schemeClr>
+          <a:scrgbClr r="0" g="0" b="0"/>
         </a:fillRef>
         <a:effectRef idx="0">
           <a:scrgbClr r="0" g="0" b="0"/>
@@ -7501,38 +7372,12 @@
         <a:fontRef idx="minor"/>
       </dsp:style>
       <dsp:txBody>
-        <a:bodyPr lIns="0" tIns="0" rIns="0" bIns="0" anchor="t"/>
-        <a:lstStyle>
-          <a:lvl1pPr algn="l">
-            <a:defRPr sz="6500"/>
-          </a:lvl1pPr>
-          <a:lvl2pPr marL="285750" indent="-285750" algn="l">
-            <a:defRPr sz="5000"/>
-          </a:lvl2pPr>
-          <a:lvl3pPr marL="571500" indent="-285750" algn="l">
-            <a:defRPr sz="5000"/>
-          </a:lvl3pPr>
-          <a:lvl4pPr marL="857250" indent="-285750" algn="l">
-            <a:defRPr sz="5000"/>
-          </a:lvl4pPr>
-          <a:lvl5pPr marL="1143000" indent="-285750" algn="l">
-            <a:defRPr sz="5000"/>
-          </a:lvl5pPr>
-          <a:lvl6pPr marL="1428750" indent="-285750" algn="l">
-            <a:defRPr sz="5000"/>
-          </a:lvl6pPr>
-          <a:lvl7pPr marL="1714500" indent="-285750" algn="l">
-            <a:defRPr sz="5000"/>
-          </a:lvl7pPr>
-          <a:lvl8pPr marL="2000250" indent="-285750" algn="l">
-            <a:defRPr sz="5000"/>
-          </a:lvl8pPr>
-          <a:lvl9pPr marL="2286000" indent="-285750" algn="l">
-            <a:defRPr sz="5000"/>
-          </a:lvl9pPr>
-        </a:lstStyle>
+        <a:bodyPr spcFirstLastPara="0" vert="horz" wrap="square" lIns="0" tIns="0" rIns="0" bIns="0" numCol="1" spcCol="1270" anchor="t" anchorCtr="0">
+          <a:noAutofit/>
+        </a:bodyPr>
+        <a:lstStyle/>
         <a:p>
-          <a:pPr lvl="0">
+          <a:pPr marL="0" lvl="0" indent="0" algn="l" defTabSz="1333500">
             <a:lnSpc>
               <a:spcPct val="100000"/>
             </a:lnSpc>
@@ -7542,51 +7387,44 @@
             <a:spcAft>
               <a:spcPct val="35000"/>
             </a:spcAft>
+            <a:buNone/>
           </a:pPr>
           <a:r>
-            <a:rPr lang="en-US" sz="3000" dirty="0">
-              <a:solidFill>
-                <a:schemeClr val="tx1"/>
-              </a:solidFill>
-            </a:rPr>
+            <a:rPr lang="en-US" sz="3000" kern="1200" dirty="0"/>
             <a:t>Stock Prediction</a:t>
           </a:r>
-          <a:endParaRPr>
-            <a:solidFill>
-              <a:schemeClr val="tx1"/>
-            </a:solidFill>
-          </a:endParaRPr>
         </a:p>
       </dsp:txBody>
       <dsp:txXfrm>
-        <a:off x="5707237" y="2094474"/>
-        <a:ext cx="4320000" cy="648000"/>
+        <a:off x="5706499" y="1482611"/>
+        <a:ext cx="4311566" cy="580978"/>
       </dsp:txXfrm>
     </dsp:sp>
     <dsp:sp modelId="{EAF35B11-4BE8-4EB8-825F-5AED67565B83}">
       <dsp:nvSpPr>
-        <dsp:cNvPr id="8" name="矩形 7"/>
+        <dsp:cNvPr id="0" name=""/>
         <dsp:cNvSpPr/>
       </dsp:nvSpPr>
       <dsp:spPr bwMode="white">
         <a:xfrm>
-          <a:off x="5707237" y="2772092"/>
-          <a:ext cx="4320000" cy="0"/>
+          <a:off x="5706499" y="2122657"/>
+          <a:ext cx="4311566" cy="1168230"/>
         </a:xfrm>
         <a:prstGeom prst="rect">
           <a:avLst/>
         </a:prstGeom>
+        <a:noFill/>
+        <a:ln>
+          <a:noFill/>
+        </a:ln>
+        <a:effectLst/>
       </dsp:spPr>
       <dsp:style>
         <a:lnRef idx="0">
-          <a:schemeClr val="dk1">
-            <a:alpha val="0"/>
-          </a:schemeClr>
+          <a:scrgbClr r="0" g="0" b="0"/>
         </a:lnRef>
         <a:fillRef idx="0">
-          <a:schemeClr val="lt1">
-            <a:alpha val="0"/>
-          </a:schemeClr>
+          <a:scrgbClr r="0" g="0" b="0"/>
         </a:fillRef>
         <a:effectRef idx="0">
           <a:scrgbClr r="0" g="0" b="0"/>
@@ -7594,38 +7432,12 @@
         <a:fontRef idx="minor"/>
       </dsp:style>
       <dsp:txBody>
-        <a:bodyPr lIns="0" tIns="0" rIns="0" bIns="0" anchor="t"/>
-        <a:lstStyle>
-          <a:lvl1pPr algn="l">
-            <a:defRPr sz="6500"/>
-          </a:lvl1pPr>
-          <a:lvl2pPr marL="285750" indent="-285750" algn="l">
-            <a:defRPr sz="6500"/>
-          </a:lvl2pPr>
-          <a:lvl3pPr marL="571500" indent="-285750" algn="l">
-            <a:defRPr sz="6500"/>
-          </a:lvl3pPr>
-          <a:lvl4pPr marL="857250" indent="-285750" algn="l">
-            <a:defRPr sz="6500"/>
-          </a:lvl4pPr>
-          <a:lvl5pPr marL="1143000" indent="-285750" algn="l">
-            <a:defRPr sz="6500"/>
-          </a:lvl5pPr>
-          <a:lvl6pPr marL="1428750" indent="-285750" algn="l">
-            <a:defRPr sz="6500"/>
-          </a:lvl6pPr>
-          <a:lvl7pPr marL="1714500" indent="-285750" algn="l">
-            <a:defRPr sz="6500"/>
-          </a:lvl7pPr>
-          <a:lvl8pPr marL="2000250" indent="-285750" algn="l">
-            <a:defRPr sz="6500"/>
-          </a:lvl8pPr>
-          <a:lvl9pPr marL="2286000" indent="-285750" algn="l">
-            <a:defRPr sz="6500"/>
-          </a:lvl9pPr>
-        </a:lstStyle>
+        <a:bodyPr spcFirstLastPara="0" vert="horz" wrap="square" lIns="0" tIns="0" rIns="0" bIns="0" numCol="1" spcCol="1270" anchor="t" anchorCtr="0">
+          <a:noAutofit/>
+        </a:bodyPr>
+        <a:lstStyle/>
         <a:p>
-          <a:pPr lvl="0">
+          <a:pPr marL="0" lvl="0" indent="0" algn="l" defTabSz="533400">
             <a:lnSpc>
               <a:spcPct val="100000"/>
             </a:lnSpc>
@@ -7635,23 +7447,24 @@
             <a:spcAft>
               <a:spcPct val="35000"/>
             </a:spcAft>
+            <a:buNone/>
           </a:pPr>
           <a:r>
-            <a:rPr lang="en-US" altLang="zh-CN" sz="1200" dirty="0">
-              <a:solidFill>
-                <a:schemeClr val="tx1"/>
-              </a:solidFill>
-            </a:rPr>
-            <a:t>Expand our analysis to include a broader range of stocks and sectors, such as healthcare and retail, to diversify investment insights</a:t>
+            <a:rPr lang="en-US" altLang="zh-CN" sz="1200" kern="1200" dirty="0"/>
+            <a:t>Expand our analysis to include a </a:t>
           </a:r>
-          <a:endParaRPr lang="en-US" sz="1200" dirty="0">
-            <a:solidFill>
-              <a:schemeClr val="tx1"/>
-            </a:solidFill>
-          </a:endParaRPr>
+          <a:r>
+            <a:rPr lang="en-US" altLang="zh-CN" sz="1200" b="1" kern="1200" dirty="0"/>
+            <a:t>broader range of stocks </a:t>
+          </a:r>
+          <a:r>
+            <a:rPr lang="en-US" altLang="zh-CN" sz="1200" kern="1200" dirty="0"/>
+            <a:t>and sectors, such as healthcare and retail, to diversify investment insights</a:t>
+          </a:r>
+          <a:endParaRPr lang="en-US" sz="1200" kern="1200" dirty="0"/>
         </a:p>
         <a:p>
-          <a:pPr lvl="0">
+          <a:pPr marL="0" lvl="0" indent="0" algn="l" defTabSz="533400">
             <a:lnSpc>
               <a:spcPct val="100000"/>
             </a:lnSpc>
@@ -7661,23 +7474,20 @@
             <a:spcAft>
               <a:spcPct val="35000"/>
             </a:spcAft>
+            <a:buNone/>
           </a:pPr>
           <a:r>
-            <a:rPr lang="en-US" sz="1200" b="0" i="0" dirty="0">
-              <a:solidFill>
-                <a:schemeClr val="tx1"/>
-              </a:solidFill>
-            </a:rPr>
-            <a:t>Enrich our financial datasets with comprehensive company performance metrics, key economic indicators, and derivatives data to bolster predictive accuracy</a:t>
+            <a:rPr lang="en-US" sz="1200" b="0" i="0" kern="1200" dirty="0"/>
+            <a:t>Enrich our financial datasets with comprehensive </a:t>
           </a:r>
-          <a:endParaRPr lang="en-US" sz="1200" dirty="0">
-            <a:solidFill>
-              <a:schemeClr val="tx1"/>
-            </a:solidFill>
-          </a:endParaRPr>
+          <a:r>
+            <a:rPr lang="en-US" sz="1200" b="1" i="0" kern="1200" dirty="0"/>
+            <a:t>company performance metrics, key economic indicators, and derivatives data to bolster predictive accuracy</a:t>
+          </a:r>
+          <a:endParaRPr lang="en-US" sz="1200" b="1" kern="1200" dirty="0"/>
         </a:p>
         <a:p>
-          <a:pPr lvl="0">
+          <a:pPr marL="0" lvl="0" indent="0" algn="l" defTabSz="533400">
             <a:lnSpc>
               <a:spcPct val="100000"/>
             </a:lnSpc>
@@ -7687,23 +7497,24 @@
             <a:spcAft>
               <a:spcPct val="35000"/>
             </a:spcAft>
+            <a:buNone/>
           </a:pPr>
           <a:r>
-            <a:rPr lang="en-US" sz="1200" b="0" i="0" dirty="0">
-              <a:solidFill>
-                <a:schemeClr val="tx1"/>
-              </a:solidFill>
-            </a:rPr>
-            <a:t>Develop a robust stock selection framework to identify high-potential investments ('finding the alpha') and optimize market positioning</a:t>
+            <a:rPr lang="en-US" sz="1200" b="0" i="0" kern="1200" dirty="0"/>
+            <a:t>Develop a robust </a:t>
           </a:r>
-          <a:endParaRPr lang="en-US" sz="1200" dirty="0">
-            <a:solidFill>
-              <a:schemeClr val="tx1"/>
-            </a:solidFill>
-          </a:endParaRPr>
+          <a:r>
+            <a:rPr lang="en-US" sz="1200" b="1" i="0" kern="1200" dirty="0"/>
+            <a:t>stock selection framework </a:t>
+          </a:r>
+          <a:r>
+            <a:rPr lang="en-US" sz="1200" b="0" i="0" kern="1200" dirty="0"/>
+            <a:t>to identify high-potential investments ('finding the alpha') and optimize market positioning</a:t>
+          </a:r>
+          <a:endParaRPr lang="en-US" sz="1200" kern="1200" dirty="0"/>
         </a:p>
         <a:p>
-          <a:pPr lvl="0">
+          <a:pPr marL="0" lvl="0" indent="0" algn="l" defTabSz="533400">
             <a:lnSpc>
               <a:spcPct val="100000"/>
             </a:lnSpc>
@@ -7713,25 +7524,26 @@
             <a:spcAft>
               <a:spcPct val="35000"/>
             </a:spcAft>
+            <a:buNone/>
           </a:pPr>
           <a:r>
-            <a:rPr lang="en-US" sz="1200" b="0" i="0">
-              <a:solidFill>
-                <a:schemeClr val="tx1"/>
-              </a:solidFill>
-            </a:rPr>
-            <a:t>Employ advanced portfolio optimization techniques to maximize returns while mitigating risk across investment strategies</a:t>
+            <a:rPr lang="en-US" sz="1200" b="0" i="0" kern="1200" dirty="0"/>
+            <a:t>Employ advanced </a:t>
           </a:r>
-          <a:endParaRPr lang="en-US" sz="1200" dirty="0">
-            <a:solidFill>
-              <a:schemeClr val="tx1"/>
-            </a:solidFill>
-          </a:endParaRPr>
+          <a:r>
+            <a:rPr lang="en-US" sz="1200" b="1" i="0" kern="1200" dirty="0"/>
+            <a:t>portfolio optimization </a:t>
+          </a:r>
+          <a:r>
+            <a:rPr lang="en-US" sz="1200" b="0" i="0" kern="1200" dirty="0"/>
+            <a:t>techniques to maximize returns while mitigating risk across investment strategies</a:t>
+          </a:r>
+          <a:endParaRPr lang="en-US" sz="1200" kern="1200" dirty="0"/>
         </a:p>
       </dsp:txBody>
       <dsp:txXfrm>
-        <a:off x="5707237" y="2772092"/>
-        <a:ext cx="4320000" cy="0"/>
+        <a:off x="5706499" y="2122657"/>
+        <a:ext cx="4311566" cy="1168230"/>
       </dsp:txXfrm>
     </dsp:sp>
   </dsp:spTree>
@@ -8442,7 +8254,7 @@
                   </dgm:shape>
                 </dgm:if>
                 <dgm:else name="Name23">
-                  <dgm:shape xmlns:r="http://schemas.openxmlformats.org/officeDocument/2006/relationships" type="upArrowCallout" r:blip="" rot="180">
+                  <dgm:shape xmlns:r="http://schemas.openxmlformats.org/officeDocument/2006/relationships" rot="180" type="upArrowCallout" r:blip="">
                     <dgm:adjLst/>
                   </dgm:shape>
                 </dgm:else>
@@ -8459,7 +8271,7 @@
             </dgm:layoutNode>
             <dgm:layoutNode name="arrow" styleLbl="alignNode1">
               <dgm:alg type="sp"/>
-              <dgm:shape xmlns:r="http://schemas.openxmlformats.org/officeDocument/2006/relationships" type="upArrowCallout" r:blip="" rot="180">
+              <dgm:shape xmlns:r="http://schemas.openxmlformats.org/officeDocument/2006/relationships" rot="180" type="upArrowCallout" r:blip="">
                 <dgm:adjLst>
                   <dgm:adj idx="1" val="0.05"/>
                   <dgm:adj idx="2" val="0.1"/>
@@ -8716,6 +8528,7 @@
       <a:camera prst="orthographicFront"/>
       <a:lightRig rig="threePt" dir="t"/>
     </dgm:scene3d>
+    <dgm:sp3d/>
     <dgm:txPr/>
     <dgm:style>
       <a:lnRef idx="2">
@@ -8735,6 +8548,7 @@
       <a:camera prst="orthographicFront"/>
       <a:lightRig rig="threePt" dir="t"/>
     </dgm:scene3d>
+    <dgm:sp3d/>
     <dgm:txPr/>
     <dgm:style>
       <a:lnRef idx="2">
@@ -8754,6 +8568,7 @@
       <a:camera prst="orthographicFront"/>
       <a:lightRig rig="threePt" dir="t"/>
     </dgm:scene3d>
+    <dgm:sp3d/>
     <dgm:txPr/>
     <dgm:style>
       <a:lnRef idx="2">
@@ -8773,6 +8588,7 @@
       <a:camera prst="orthographicFront"/>
       <a:lightRig rig="threePt" dir="t"/>
     </dgm:scene3d>
+    <dgm:sp3d/>
     <dgm:txPr/>
     <dgm:style>
       <a:lnRef idx="2">
@@ -8794,6 +8610,7 @@
       <a:camera prst="orthographicFront"/>
       <a:lightRig rig="threePt" dir="t"/>
     </dgm:scene3d>
+    <dgm:sp3d/>
     <dgm:txPr/>
     <dgm:style>
       <a:lnRef idx="2">
@@ -8815,6 +8632,7 @@
       <a:camera prst="orthographicFront"/>
       <a:lightRig rig="threePt" dir="t"/>
     </dgm:scene3d>
+    <dgm:sp3d/>
     <dgm:txPr/>
     <dgm:style>
       <a:lnRef idx="2">
@@ -8836,6 +8654,7 @@
       <a:camera prst="orthographicFront"/>
       <a:lightRig rig="threePt" dir="t"/>
     </dgm:scene3d>
+    <dgm:sp3d/>
     <dgm:txPr/>
     <dgm:style>
       <a:lnRef idx="2">
@@ -8857,6 +8676,7 @@
       <a:camera prst="orthographicFront"/>
       <a:lightRig rig="threePt" dir="t"/>
     </dgm:scene3d>
+    <dgm:sp3d/>
     <dgm:txPr/>
     <dgm:style>
       <a:lnRef idx="2">
@@ -8878,6 +8698,7 @@
       <a:camera prst="orthographicFront"/>
       <a:lightRig rig="threePt" dir="t"/>
     </dgm:scene3d>
+    <dgm:sp3d/>
     <dgm:txPr/>
     <dgm:style>
       <a:lnRef idx="2">
@@ -8899,6 +8720,7 @@
       <a:camera prst="orthographicFront"/>
       <a:lightRig rig="threePt" dir="t"/>
     </dgm:scene3d>
+    <dgm:sp3d/>
     <dgm:txPr/>
     <dgm:style>
       <a:lnRef idx="2">
@@ -8918,6 +8740,7 @@
       <a:camera prst="orthographicFront"/>
       <a:lightRig rig="threePt" dir="t"/>
     </dgm:scene3d>
+    <dgm:sp3d/>
     <dgm:txPr/>
     <dgm:style>
       <a:lnRef idx="2">
@@ -8937,6 +8760,7 @@
       <a:camera prst="orthographicFront"/>
       <a:lightRig rig="threePt" dir="t"/>
     </dgm:scene3d>
+    <dgm:sp3d/>
     <dgm:txPr/>
     <dgm:style>
       <a:lnRef idx="2">
@@ -8956,6 +8780,7 @@
       <a:camera prst="orthographicFront"/>
       <a:lightRig rig="threePt" dir="t"/>
     </dgm:scene3d>
+    <dgm:sp3d/>
     <dgm:txPr/>
     <dgm:style>
       <a:lnRef idx="0">
@@ -8975,6 +8800,7 @@
       <a:camera prst="orthographicFront"/>
       <a:lightRig rig="threePt" dir="t"/>
     </dgm:scene3d>
+    <dgm:sp3d/>
     <dgm:txPr/>
     <dgm:style>
       <a:lnRef idx="0">
@@ -8996,6 +8822,7 @@
       <a:camera prst="orthographicFront"/>
       <a:lightRig rig="threePt" dir="t"/>
     </dgm:scene3d>
+    <dgm:sp3d/>
     <dgm:txPr/>
     <dgm:style>
       <a:lnRef idx="2">
@@ -9015,6 +8842,7 @@
       <a:camera prst="orthographicFront"/>
       <a:lightRig rig="threePt" dir="t"/>
     </dgm:scene3d>
+    <dgm:sp3d/>
     <dgm:txPr/>
     <dgm:style>
       <a:lnRef idx="2">
@@ -9034,6 +8862,7 @@
       <a:camera prst="orthographicFront"/>
       <a:lightRig rig="threePt" dir="t"/>
     </dgm:scene3d>
+    <dgm:sp3d/>
     <dgm:txPr/>
     <dgm:style>
       <a:lnRef idx="0">
@@ -9053,6 +8882,7 @@
       <a:camera prst="orthographicFront"/>
       <a:lightRig rig="threePt" dir="t"/>
     </dgm:scene3d>
+    <dgm:sp3d/>
     <dgm:txPr/>
     <dgm:style>
       <a:lnRef idx="2">
@@ -9072,6 +8902,7 @@
       <a:camera prst="orthographicFront"/>
       <a:lightRig rig="threePt" dir="t"/>
     </dgm:scene3d>
+    <dgm:sp3d/>
     <dgm:txPr/>
     <dgm:style>
       <a:lnRef idx="2">
@@ -9091,6 +8922,7 @@
       <a:camera prst="orthographicFront"/>
       <a:lightRig rig="threePt" dir="t"/>
     </dgm:scene3d>
+    <dgm:sp3d/>
     <dgm:txPr/>
     <dgm:style>
       <a:lnRef idx="2">
@@ -9110,6 +8942,7 @@
       <a:camera prst="orthographicFront"/>
       <a:lightRig rig="threePt" dir="t"/>
     </dgm:scene3d>
+    <dgm:sp3d/>
     <dgm:txPr/>
     <dgm:style>
       <a:lnRef idx="2">
@@ -9129,6 +8962,7 @@
       <a:camera prst="orthographicFront"/>
       <a:lightRig rig="threePt" dir="t"/>
     </dgm:scene3d>
+    <dgm:sp3d/>
     <dgm:txPr/>
     <dgm:style>
       <a:lnRef idx="2">
@@ -9148,6 +8982,7 @@
       <a:camera prst="orthographicFront"/>
       <a:lightRig rig="threePt" dir="t"/>
     </dgm:scene3d>
+    <dgm:sp3d/>
     <dgm:txPr/>
     <dgm:style>
       <a:lnRef idx="2">
@@ -9167,6 +9002,7 @@
       <a:camera prst="orthographicFront"/>
       <a:lightRig rig="threePt" dir="t"/>
     </dgm:scene3d>
+    <dgm:sp3d/>
     <dgm:txPr/>
     <dgm:style>
       <a:lnRef idx="2">
@@ -9186,6 +9022,7 @@
       <a:camera prst="orthographicFront"/>
       <a:lightRig rig="threePt" dir="t"/>
     </dgm:scene3d>
+    <dgm:sp3d/>
     <dgm:txPr/>
     <dgm:style>
       <a:lnRef idx="2">
@@ -9205,6 +9042,7 @@
       <a:camera prst="orthographicFront"/>
       <a:lightRig rig="threePt" dir="t"/>
     </dgm:scene3d>
+    <dgm:sp3d/>
     <dgm:txPr/>
     <dgm:style>
       <a:lnRef idx="0">
@@ -9226,6 +9064,7 @@
       <a:camera prst="orthographicFront"/>
       <a:lightRig rig="threePt" dir="t"/>
     </dgm:scene3d>
+    <dgm:sp3d/>
     <dgm:txPr/>
     <dgm:style>
       <a:lnRef idx="2">
@@ -9247,6 +9086,7 @@
       <a:camera prst="orthographicFront"/>
       <a:lightRig rig="threePt" dir="t"/>
     </dgm:scene3d>
+    <dgm:sp3d/>
     <dgm:txPr/>
     <dgm:style>
       <a:lnRef idx="2">
@@ -9268,6 +9108,7 @@
       <a:camera prst="orthographicFront"/>
       <a:lightRig rig="threePt" dir="t"/>
     </dgm:scene3d>
+    <dgm:sp3d/>
     <dgm:txPr/>
     <dgm:style>
       <a:lnRef idx="2">
@@ -9289,6 +9130,7 @@
       <a:camera prst="orthographicFront"/>
       <a:lightRig rig="threePt" dir="t"/>
     </dgm:scene3d>
+    <dgm:sp3d/>
     <dgm:txPr/>
     <dgm:style>
       <a:lnRef idx="2">
@@ -9310,6 +9152,7 @@
       <a:camera prst="orthographicFront"/>
       <a:lightRig rig="threePt" dir="t"/>
     </dgm:scene3d>
+    <dgm:sp3d/>
     <dgm:txPr/>
     <dgm:style>
       <a:lnRef idx="2">
@@ -9331,6 +9174,7 @@
       <a:camera prst="orthographicFront"/>
       <a:lightRig rig="threePt" dir="t"/>
     </dgm:scene3d>
+    <dgm:sp3d/>
     <dgm:txPr/>
     <dgm:style>
       <a:lnRef idx="2">
@@ -9352,6 +9196,7 @@
       <a:camera prst="orthographicFront"/>
       <a:lightRig rig="threePt" dir="t"/>
     </dgm:scene3d>
+    <dgm:sp3d/>
     <dgm:txPr/>
     <dgm:style>
       <a:lnRef idx="2">
@@ -9371,6 +9216,7 @@
       <a:camera prst="orthographicFront"/>
       <a:lightRig rig="threePt" dir="t"/>
     </dgm:scene3d>
+    <dgm:sp3d/>
     <dgm:txPr/>
     <dgm:style>
       <a:lnRef idx="2">
@@ -9390,6 +9236,7 @@
       <a:camera prst="orthographicFront"/>
       <a:lightRig rig="threePt" dir="t"/>
     </dgm:scene3d>
+    <dgm:sp3d/>
     <dgm:txPr/>
     <dgm:style>
       <a:lnRef idx="2">
@@ -9409,6 +9256,7 @@
       <a:camera prst="orthographicFront"/>
       <a:lightRig rig="threePt" dir="t"/>
     </dgm:scene3d>
+    <dgm:sp3d/>
     <dgm:txPr/>
     <dgm:style>
       <a:lnRef idx="2">
@@ -9428,6 +9276,7 @@
       <a:camera prst="orthographicFront"/>
       <a:lightRig rig="threePt" dir="t"/>
     </dgm:scene3d>
+    <dgm:sp3d/>
     <dgm:txPr/>
     <dgm:style>
       <a:lnRef idx="2">
@@ -9449,6 +9298,7 @@
       <a:camera prst="orthographicFront"/>
       <a:lightRig rig="threePt" dir="t"/>
     </dgm:scene3d>
+    <dgm:sp3d/>
     <dgm:txPr/>
     <dgm:style>
       <a:lnRef idx="2">
@@ -9470,6 +9320,7 @@
       <a:camera prst="orthographicFront"/>
       <a:lightRig rig="threePt" dir="t"/>
     </dgm:scene3d>
+    <dgm:sp3d/>
     <dgm:txPr/>
     <dgm:style>
       <a:lnRef idx="2">
@@ -9491,6 +9342,7 @@
       <a:camera prst="orthographicFront"/>
       <a:lightRig rig="threePt" dir="t"/>
     </dgm:scene3d>
+    <dgm:sp3d/>
     <dgm:txPr/>
     <dgm:style>
       <a:lnRef idx="2">
@@ -9512,6 +9364,7 @@
       <a:camera prst="orthographicFront"/>
       <a:lightRig rig="threePt" dir="t"/>
     </dgm:scene3d>
+    <dgm:sp3d/>
     <dgm:txPr/>
     <dgm:style>
       <a:lnRef idx="0">
@@ -9531,6 +9384,7 @@
       <a:camera prst="orthographicFront"/>
       <a:lightRig rig="threePt" dir="t"/>
     </dgm:scene3d>
+    <dgm:sp3d/>
     <dgm:txPr/>
     <dgm:style>
       <a:lnRef idx="1">
@@ -9550,6 +9404,7 @@
       <a:camera prst="orthographicFront"/>
       <a:lightRig rig="threePt" dir="t"/>
     </dgm:scene3d>
+    <dgm:sp3d/>
     <dgm:txPr/>
     <dgm:style>
       <a:lnRef idx="0">
@@ -9571,6 +9426,7 @@
       <a:camera prst="orthographicFront"/>
       <a:lightRig rig="threePt" dir="t"/>
     </dgm:scene3d>
+    <dgm:sp3d/>
     <dgm:txPr/>
     <dgm:style>
       <a:lnRef idx="2">
@@ -9590,6 +9446,7 @@
       <a:camera prst="orthographicFront"/>
       <a:lightRig rig="threePt" dir="t"/>
     </dgm:scene3d>
+    <dgm:sp3d/>
     <dgm:txPr/>
     <dgm:style>
       <a:lnRef idx="2">
@@ -9609,6 +9466,7 @@
       <a:camera prst="orthographicFront"/>
       <a:lightRig rig="threePt" dir="t"/>
     </dgm:scene3d>
+    <dgm:sp3d/>
     <dgm:txPr/>
     <dgm:style>
       <a:lnRef idx="2">
@@ -9628,6 +9486,7 @@
       <a:camera prst="orthographicFront"/>
       <a:lightRig rig="threePt" dir="t"/>
     </dgm:scene3d>
+    <dgm:sp3d/>
     <dgm:txPr/>
     <dgm:style>
       <a:lnRef idx="1">
@@ -9647,6 +9506,7 @@
       <a:camera prst="orthographicFront"/>
       <a:lightRig rig="threePt" dir="t"/>
     </dgm:scene3d>
+    <dgm:sp3d/>
     <dgm:txPr/>
     <dgm:style>
       <a:lnRef idx="0">
@@ -9666,6 +9526,7 @@
       <a:camera prst="orthographicFront"/>
       <a:lightRig rig="threePt" dir="t"/>
     </dgm:scene3d>
+    <dgm:sp3d/>
     <dgm:txPr/>
     <dgm:style>
       <a:lnRef idx="2">
@@ -9701,6 +9562,7 @@
       <a:camera prst="orthographicFront"/>
       <a:lightRig rig="threePt" dir="t"/>
     </dgm:scene3d>
+    <dgm:sp3d/>
     <dgm:txPr/>
     <dgm:style>
       <a:lnRef idx="2">
@@ -9720,6 +9582,7 @@
       <a:camera prst="orthographicFront"/>
       <a:lightRig rig="threePt" dir="t"/>
     </dgm:scene3d>
+    <dgm:sp3d/>
     <dgm:txPr/>
     <dgm:style>
       <a:lnRef idx="2">
@@ -9739,6 +9602,7 @@
       <a:camera prst="orthographicFront"/>
       <a:lightRig rig="threePt" dir="t"/>
     </dgm:scene3d>
+    <dgm:sp3d/>
     <dgm:txPr/>
     <dgm:style>
       <a:lnRef idx="2">
@@ -9758,6 +9622,7 @@
       <a:camera prst="orthographicFront"/>
       <a:lightRig rig="threePt" dir="t"/>
     </dgm:scene3d>
+    <dgm:sp3d/>
     <dgm:txPr/>
     <dgm:style>
       <a:lnRef idx="2">
@@ -9779,6 +9644,7 @@
       <a:camera prst="orthographicFront"/>
       <a:lightRig rig="threePt" dir="t"/>
     </dgm:scene3d>
+    <dgm:sp3d/>
     <dgm:txPr/>
     <dgm:style>
       <a:lnRef idx="2">
@@ -9800,6 +9666,7 @@
       <a:camera prst="orthographicFront"/>
       <a:lightRig rig="threePt" dir="t"/>
     </dgm:scene3d>
+    <dgm:sp3d/>
     <dgm:txPr/>
     <dgm:style>
       <a:lnRef idx="2">
@@ -9821,6 +9688,7 @@
       <a:camera prst="orthographicFront"/>
       <a:lightRig rig="threePt" dir="t"/>
     </dgm:scene3d>
+    <dgm:sp3d/>
     <dgm:txPr/>
     <dgm:style>
       <a:lnRef idx="2">
@@ -9842,6 +9710,7 @@
       <a:camera prst="orthographicFront"/>
       <a:lightRig rig="threePt" dir="t"/>
     </dgm:scene3d>
+    <dgm:sp3d/>
     <dgm:txPr/>
     <dgm:style>
       <a:lnRef idx="2">
@@ -9863,6 +9732,7 @@
       <a:camera prst="orthographicFront"/>
       <a:lightRig rig="threePt" dir="t"/>
     </dgm:scene3d>
+    <dgm:sp3d/>
     <dgm:txPr/>
     <dgm:style>
       <a:lnRef idx="2">
@@ -9884,6 +9754,7 @@
       <a:camera prst="orthographicFront"/>
       <a:lightRig rig="threePt" dir="t"/>
     </dgm:scene3d>
+    <dgm:sp3d/>
     <dgm:txPr/>
     <dgm:style>
       <a:lnRef idx="2">
@@ -9903,6 +9774,7 @@
       <a:camera prst="orthographicFront"/>
       <a:lightRig rig="threePt" dir="t"/>
     </dgm:scene3d>
+    <dgm:sp3d/>
     <dgm:txPr/>
     <dgm:style>
       <a:lnRef idx="2">
@@ -9922,6 +9794,7 @@
       <a:camera prst="orthographicFront"/>
       <a:lightRig rig="threePt" dir="t"/>
     </dgm:scene3d>
+    <dgm:sp3d/>
     <dgm:txPr/>
     <dgm:style>
       <a:lnRef idx="2">
@@ -9941,6 +9814,7 @@
       <a:camera prst="orthographicFront"/>
       <a:lightRig rig="threePt" dir="t"/>
     </dgm:scene3d>
+    <dgm:sp3d/>
     <dgm:txPr/>
     <dgm:style>
       <a:lnRef idx="0">
@@ -9960,6 +9834,7 @@
       <a:camera prst="orthographicFront"/>
       <a:lightRig rig="threePt" dir="t"/>
     </dgm:scene3d>
+    <dgm:sp3d/>
     <dgm:txPr/>
     <dgm:style>
       <a:lnRef idx="0">
@@ -9981,6 +9856,7 @@
       <a:camera prst="orthographicFront"/>
       <a:lightRig rig="threePt" dir="t"/>
     </dgm:scene3d>
+    <dgm:sp3d/>
     <dgm:txPr/>
     <dgm:style>
       <a:lnRef idx="2">
@@ -10000,6 +9876,7 @@
       <a:camera prst="orthographicFront"/>
       <a:lightRig rig="threePt" dir="t"/>
     </dgm:scene3d>
+    <dgm:sp3d/>
     <dgm:txPr/>
     <dgm:style>
       <a:lnRef idx="2">
@@ -10019,6 +9896,7 @@
       <a:camera prst="orthographicFront"/>
       <a:lightRig rig="threePt" dir="t"/>
     </dgm:scene3d>
+    <dgm:sp3d/>
     <dgm:txPr/>
     <dgm:style>
       <a:lnRef idx="0">
@@ -10038,6 +9916,7 @@
       <a:camera prst="orthographicFront"/>
       <a:lightRig rig="threePt" dir="t"/>
     </dgm:scene3d>
+    <dgm:sp3d/>
     <dgm:txPr/>
     <dgm:style>
       <a:lnRef idx="2">
@@ -10057,6 +9936,7 @@
       <a:camera prst="orthographicFront"/>
       <a:lightRig rig="threePt" dir="t"/>
     </dgm:scene3d>
+    <dgm:sp3d/>
     <dgm:txPr/>
     <dgm:style>
       <a:lnRef idx="2">
@@ -10076,6 +9956,7 @@
       <a:camera prst="orthographicFront"/>
       <a:lightRig rig="threePt" dir="t"/>
     </dgm:scene3d>
+    <dgm:sp3d/>
     <dgm:txPr/>
     <dgm:style>
       <a:lnRef idx="2">
@@ -10095,6 +9976,7 @@
       <a:camera prst="orthographicFront"/>
       <a:lightRig rig="threePt" dir="t"/>
     </dgm:scene3d>
+    <dgm:sp3d/>
     <dgm:txPr/>
     <dgm:style>
       <a:lnRef idx="2">
@@ -10114,6 +9996,7 @@
       <a:camera prst="orthographicFront"/>
       <a:lightRig rig="threePt" dir="t"/>
     </dgm:scene3d>
+    <dgm:sp3d/>
     <dgm:txPr/>
     <dgm:style>
       <a:lnRef idx="2">
@@ -10133,6 +10016,7 @@
       <a:camera prst="orthographicFront"/>
       <a:lightRig rig="threePt" dir="t"/>
     </dgm:scene3d>
+    <dgm:sp3d/>
     <dgm:txPr/>
     <dgm:style>
       <a:lnRef idx="2">
@@ -10152,6 +10036,7 @@
       <a:camera prst="orthographicFront"/>
       <a:lightRig rig="threePt" dir="t"/>
     </dgm:scene3d>
+    <dgm:sp3d/>
     <dgm:txPr/>
     <dgm:style>
       <a:lnRef idx="2">
@@ -10171,6 +10056,7 @@
       <a:camera prst="orthographicFront"/>
       <a:lightRig rig="threePt" dir="t"/>
     </dgm:scene3d>
+    <dgm:sp3d/>
     <dgm:txPr/>
     <dgm:style>
       <a:lnRef idx="2">
@@ -10190,6 +10076,7 @@
       <a:camera prst="orthographicFront"/>
       <a:lightRig rig="threePt" dir="t"/>
     </dgm:scene3d>
+    <dgm:sp3d/>
     <dgm:txPr/>
     <dgm:style>
       <a:lnRef idx="0">
@@ -10211,6 +10098,7 @@
       <a:camera prst="orthographicFront"/>
       <a:lightRig rig="threePt" dir="t"/>
     </dgm:scene3d>
+    <dgm:sp3d/>
     <dgm:txPr/>
     <dgm:style>
       <a:lnRef idx="2">
@@ -10232,6 +10120,7 @@
       <a:camera prst="orthographicFront"/>
       <a:lightRig rig="threePt" dir="t"/>
     </dgm:scene3d>
+    <dgm:sp3d/>
     <dgm:txPr/>
     <dgm:style>
       <a:lnRef idx="2">
@@ -10253,6 +10142,7 @@
       <a:camera prst="orthographicFront"/>
       <a:lightRig rig="threePt" dir="t"/>
     </dgm:scene3d>
+    <dgm:sp3d/>
     <dgm:txPr/>
     <dgm:style>
       <a:lnRef idx="2">
@@ -10274,6 +10164,7 @@
       <a:camera prst="orthographicFront"/>
       <a:lightRig rig="threePt" dir="t"/>
     </dgm:scene3d>
+    <dgm:sp3d/>
     <dgm:txPr/>
     <dgm:style>
       <a:lnRef idx="2">
@@ -10295,6 +10186,7 @@
       <a:camera prst="orthographicFront"/>
       <a:lightRig rig="threePt" dir="t"/>
     </dgm:scene3d>
+    <dgm:sp3d/>
     <dgm:txPr/>
     <dgm:style>
       <a:lnRef idx="2">
@@ -10316,6 +10208,7 @@
       <a:camera prst="orthographicFront"/>
       <a:lightRig rig="threePt" dir="t"/>
     </dgm:scene3d>
+    <dgm:sp3d/>
     <dgm:txPr/>
     <dgm:style>
       <a:lnRef idx="2">
@@ -10337,6 +10230,7 @@
       <a:camera prst="orthographicFront"/>
       <a:lightRig rig="threePt" dir="t"/>
     </dgm:scene3d>
+    <dgm:sp3d/>
     <dgm:txPr/>
     <dgm:style>
       <a:lnRef idx="2">
@@ -10356,6 +10250,7 @@
       <a:camera prst="orthographicFront"/>
       <a:lightRig rig="threePt" dir="t"/>
     </dgm:scene3d>
+    <dgm:sp3d/>
     <dgm:txPr/>
     <dgm:style>
       <a:lnRef idx="2">
@@ -10375,6 +10270,7 @@
       <a:camera prst="orthographicFront"/>
       <a:lightRig rig="threePt" dir="t"/>
     </dgm:scene3d>
+    <dgm:sp3d/>
     <dgm:txPr/>
     <dgm:style>
       <a:lnRef idx="2">
@@ -10394,6 +10290,7 @@
       <a:camera prst="orthographicFront"/>
       <a:lightRig rig="threePt" dir="t"/>
     </dgm:scene3d>
+    <dgm:sp3d/>
     <dgm:txPr/>
     <dgm:style>
       <a:lnRef idx="2">
@@ -10413,6 +10310,7 @@
       <a:camera prst="orthographicFront"/>
       <a:lightRig rig="threePt" dir="t"/>
     </dgm:scene3d>
+    <dgm:sp3d/>
     <dgm:txPr/>
     <dgm:style>
       <a:lnRef idx="2">
@@ -10434,6 +10332,7 @@
       <a:camera prst="orthographicFront"/>
       <a:lightRig rig="threePt" dir="t"/>
     </dgm:scene3d>
+    <dgm:sp3d/>
     <dgm:txPr/>
     <dgm:style>
       <a:lnRef idx="2">
@@ -10455,6 +10354,7 @@
       <a:camera prst="orthographicFront"/>
       <a:lightRig rig="threePt" dir="t"/>
     </dgm:scene3d>
+    <dgm:sp3d/>
     <dgm:txPr/>
     <dgm:style>
       <a:lnRef idx="2">
@@ -10476,6 +10376,7 @@
       <a:camera prst="orthographicFront"/>
       <a:lightRig rig="threePt" dir="t"/>
     </dgm:scene3d>
+    <dgm:sp3d/>
     <dgm:txPr/>
     <dgm:style>
       <a:lnRef idx="2">
@@ -10497,6 +10398,7 @@
       <a:camera prst="orthographicFront"/>
       <a:lightRig rig="threePt" dir="t"/>
     </dgm:scene3d>
+    <dgm:sp3d/>
     <dgm:txPr/>
     <dgm:style>
       <a:lnRef idx="0">
@@ -10516,6 +10418,7 @@
       <a:camera prst="orthographicFront"/>
       <a:lightRig rig="threePt" dir="t"/>
     </dgm:scene3d>
+    <dgm:sp3d/>
     <dgm:txPr/>
     <dgm:style>
       <a:lnRef idx="1">
@@ -10535,6 +10438,7 @@
       <a:camera prst="orthographicFront"/>
       <a:lightRig rig="threePt" dir="t"/>
     </dgm:scene3d>
+    <dgm:sp3d/>
     <dgm:txPr/>
     <dgm:style>
       <a:lnRef idx="0">
@@ -10556,6 +10460,7 @@
       <a:camera prst="orthographicFront"/>
       <a:lightRig rig="threePt" dir="t"/>
     </dgm:scene3d>
+    <dgm:sp3d/>
     <dgm:txPr/>
     <dgm:style>
       <a:lnRef idx="2">
@@ -10575,6 +10480,7 @@
       <a:camera prst="orthographicFront"/>
       <a:lightRig rig="threePt" dir="t"/>
     </dgm:scene3d>
+    <dgm:sp3d/>
     <dgm:txPr/>
     <dgm:style>
       <a:lnRef idx="2">
@@ -10594,6 +10500,7 @@
       <a:camera prst="orthographicFront"/>
       <a:lightRig rig="threePt" dir="t"/>
     </dgm:scene3d>
+    <dgm:sp3d/>
     <dgm:txPr/>
     <dgm:style>
       <a:lnRef idx="2">
@@ -10613,6 +10520,7 @@
       <a:camera prst="orthographicFront"/>
       <a:lightRig rig="threePt" dir="t"/>
     </dgm:scene3d>
+    <dgm:sp3d/>
     <dgm:txPr/>
     <dgm:style>
       <a:lnRef idx="1">
@@ -10632,6 +10540,7 @@
       <a:camera prst="orthographicFront"/>
       <a:lightRig rig="threePt" dir="t"/>
     </dgm:scene3d>
+    <dgm:sp3d/>
     <dgm:txPr/>
     <dgm:style>
       <a:lnRef idx="0">
@@ -10651,6 +10560,7 @@
       <a:camera prst="orthographicFront"/>
       <a:lightRig rig="threePt" dir="t"/>
     </dgm:scene3d>
+    <dgm:sp3d/>
     <dgm:txPr/>
     <dgm:style>
       <a:lnRef idx="2">
@@ -10686,6 +10596,7 @@
       <a:camera prst="orthographicFront"/>
       <a:lightRig rig="threePt" dir="t"/>
     </dgm:scene3d>
+    <dgm:sp3d/>
     <dgm:txPr/>
     <dgm:style>
       <a:lnRef idx="2">
@@ -10705,6 +10616,7 @@
       <a:camera prst="orthographicFront"/>
       <a:lightRig rig="threePt" dir="t"/>
     </dgm:scene3d>
+    <dgm:sp3d/>
     <dgm:txPr/>
     <dgm:style>
       <a:lnRef idx="2">
@@ -10724,6 +10636,7 @@
       <a:camera prst="orthographicFront"/>
       <a:lightRig rig="threePt" dir="t"/>
     </dgm:scene3d>
+    <dgm:sp3d/>
     <dgm:txPr/>
     <dgm:style>
       <a:lnRef idx="2">
@@ -10743,6 +10656,7 @@
       <a:camera prst="orthographicFront"/>
       <a:lightRig rig="threePt" dir="t"/>
     </dgm:scene3d>
+    <dgm:sp3d/>
     <dgm:txPr/>
     <dgm:style>
       <a:lnRef idx="2">
@@ -10764,6 +10678,7 @@
       <a:camera prst="orthographicFront"/>
       <a:lightRig rig="threePt" dir="t"/>
     </dgm:scene3d>
+    <dgm:sp3d/>
     <dgm:txPr/>
     <dgm:style>
       <a:lnRef idx="2">
@@ -10785,6 +10700,7 @@
       <a:camera prst="orthographicFront"/>
       <a:lightRig rig="threePt" dir="t"/>
     </dgm:scene3d>
+    <dgm:sp3d/>
     <dgm:txPr/>
     <dgm:style>
       <a:lnRef idx="2">
@@ -10806,6 +10722,7 @@
       <a:camera prst="orthographicFront"/>
       <a:lightRig rig="threePt" dir="t"/>
     </dgm:scene3d>
+    <dgm:sp3d/>
     <dgm:txPr/>
     <dgm:style>
       <a:lnRef idx="2">
@@ -10827,6 +10744,7 @@
       <a:camera prst="orthographicFront"/>
       <a:lightRig rig="threePt" dir="t"/>
     </dgm:scene3d>
+    <dgm:sp3d/>
     <dgm:txPr/>
     <dgm:style>
       <a:lnRef idx="2">
@@ -10848,6 +10766,7 @@
       <a:camera prst="orthographicFront"/>
       <a:lightRig rig="threePt" dir="t"/>
     </dgm:scene3d>
+    <dgm:sp3d/>
     <dgm:txPr/>
     <dgm:style>
       <a:lnRef idx="2">
@@ -10869,6 +10788,7 @@
       <a:camera prst="orthographicFront"/>
       <a:lightRig rig="threePt" dir="t"/>
     </dgm:scene3d>
+    <dgm:sp3d/>
     <dgm:txPr/>
     <dgm:style>
       <a:lnRef idx="2">
@@ -10888,6 +10808,7 @@
       <a:camera prst="orthographicFront"/>
       <a:lightRig rig="threePt" dir="t"/>
     </dgm:scene3d>
+    <dgm:sp3d/>
     <dgm:txPr/>
     <dgm:style>
       <a:lnRef idx="2">
@@ -10907,6 +10828,7 @@
       <a:camera prst="orthographicFront"/>
       <a:lightRig rig="threePt" dir="t"/>
     </dgm:scene3d>
+    <dgm:sp3d/>
     <dgm:txPr/>
     <dgm:style>
       <a:lnRef idx="2">
@@ -10926,6 +10848,7 @@
       <a:camera prst="orthographicFront"/>
       <a:lightRig rig="threePt" dir="t"/>
     </dgm:scene3d>
+    <dgm:sp3d/>
     <dgm:txPr/>
     <dgm:style>
       <a:lnRef idx="0">
@@ -10945,6 +10868,7 @@
       <a:camera prst="orthographicFront"/>
       <a:lightRig rig="threePt" dir="t"/>
     </dgm:scene3d>
+    <dgm:sp3d/>
     <dgm:txPr/>
     <dgm:style>
       <a:lnRef idx="0">
@@ -10966,6 +10890,7 @@
       <a:camera prst="orthographicFront"/>
       <a:lightRig rig="threePt" dir="t"/>
     </dgm:scene3d>
+    <dgm:sp3d/>
     <dgm:txPr/>
     <dgm:style>
       <a:lnRef idx="2">
@@ -10985,6 +10910,7 @@
       <a:camera prst="orthographicFront"/>
       <a:lightRig rig="threePt" dir="t"/>
     </dgm:scene3d>
+    <dgm:sp3d/>
     <dgm:txPr/>
     <dgm:style>
       <a:lnRef idx="2">
@@ -11004,6 +10930,7 @@
       <a:camera prst="orthographicFront"/>
       <a:lightRig rig="threePt" dir="t"/>
     </dgm:scene3d>
+    <dgm:sp3d/>
     <dgm:txPr/>
     <dgm:style>
       <a:lnRef idx="0">
@@ -11023,6 +10950,7 @@
       <a:camera prst="orthographicFront"/>
       <a:lightRig rig="threePt" dir="t"/>
     </dgm:scene3d>
+    <dgm:sp3d/>
     <dgm:txPr/>
     <dgm:style>
       <a:lnRef idx="2">
@@ -11042,6 +10970,7 @@
       <a:camera prst="orthographicFront"/>
       <a:lightRig rig="threePt" dir="t"/>
     </dgm:scene3d>
+    <dgm:sp3d/>
     <dgm:txPr/>
     <dgm:style>
       <a:lnRef idx="2">
@@ -11061,6 +10990,7 @@
       <a:camera prst="orthographicFront"/>
       <a:lightRig rig="threePt" dir="t"/>
     </dgm:scene3d>
+    <dgm:sp3d/>
     <dgm:txPr/>
     <dgm:style>
       <a:lnRef idx="2">
@@ -11080,6 +11010,7 @@
       <a:camera prst="orthographicFront"/>
       <a:lightRig rig="threePt" dir="t"/>
     </dgm:scene3d>
+    <dgm:sp3d/>
     <dgm:txPr/>
     <dgm:style>
       <a:lnRef idx="2">
@@ -11099,6 +11030,7 @@
       <a:camera prst="orthographicFront"/>
       <a:lightRig rig="threePt" dir="t"/>
     </dgm:scene3d>
+    <dgm:sp3d/>
     <dgm:txPr/>
     <dgm:style>
       <a:lnRef idx="2">
@@ -11118,6 +11050,7 @@
       <a:camera prst="orthographicFront"/>
       <a:lightRig rig="threePt" dir="t"/>
     </dgm:scene3d>
+    <dgm:sp3d/>
     <dgm:txPr/>
     <dgm:style>
       <a:lnRef idx="2">
@@ -11137,6 +11070,7 @@
       <a:camera prst="orthographicFront"/>
       <a:lightRig rig="threePt" dir="t"/>
     </dgm:scene3d>
+    <dgm:sp3d/>
     <dgm:txPr/>
     <dgm:style>
       <a:lnRef idx="2">
@@ -11156,6 +11090,7 @@
       <a:camera prst="orthographicFront"/>
       <a:lightRig rig="threePt" dir="t"/>
     </dgm:scene3d>
+    <dgm:sp3d/>
     <dgm:txPr/>
     <dgm:style>
       <a:lnRef idx="2">
@@ -11175,6 +11110,7 @@
       <a:camera prst="orthographicFront"/>
       <a:lightRig rig="threePt" dir="t"/>
     </dgm:scene3d>
+    <dgm:sp3d/>
     <dgm:txPr/>
     <dgm:style>
       <a:lnRef idx="0">
@@ -11196,6 +11132,7 @@
       <a:camera prst="orthographicFront"/>
       <a:lightRig rig="threePt" dir="t"/>
     </dgm:scene3d>
+    <dgm:sp3d/>
     <dgm:txPr/>
     <dgm:style>
       <a:lnRef idx="2">
@@ -11217,6 +11154,7 @@
       <a:camera prst="orthographicFront"/>
       <a:lightRig rig="threePt" dir="t"/>
     </dgm:scene3d>
+    <dgm:sp3d/>
     <dgm:txPr/>
     <dgm:style>
       <a:lnRef idx="2">
@@ -11238,6 +11176,7 @@
       <a:camera prst="orthographicFront"/>
       <a:lightRig rig="threePt" dir="t"/>
     </dgm:scene3d>
+    <dgm:sp3d/>
     <dgm:txPr/>
     <dgm:style>
       <a:lnRef idx="2">
@@ -11259,6 +11198,7 @@
       <a:camera prst="orthographicFront"/>
       <a:lightRig rig="threePt" dir="t"/>
     </dgm:scene3d>
+    <dgm:sp3d/>
     <dgm:txPr/>
     <dgm:style>
       <a:lnRef idx="2">
@@ -11280,6 +11220,7 @@
       <a:camera prst="orthographicFront"/>
       <a:lightRig rig="threePt" dir="t"/>
     </dgm:scene3d>
+    <dgm:sp3d/>
     <dgm:txPr/>
     <dgm:style>
       <a:lnRef idx="2">
@@ -11301,6 +11242,7 @@
       <a:camera prst="orthographicFront"/>
       <a:lightRig rig="threePt" dir="t"/>
     </dgm:scene3d>
+    <dgm:sp3d/>
     <dgm:txPr/>
     <dgm:style>
       <a:lnRef idx="2">
@@ -11322,6 +11264,7 @@
       <a:camera prst="orthographicFront"/>
       <a:lightRig rig="threePt" dir="t"/>
     </dgm:scene3d>
+    <dgm:sp3d/>
     <dgm:txPr/>
     <dgm:style>
       <a:lnRef idx="2">
@@ -11341,6 +11284,7 @@
       <a:camera prst="orthographicFront"/>
       <a:lightRig rig="threePt" dir="t"/>
     </dgm:scene3d>
+    <dgm:sp3d/>
     <dgm:txPr/>
     <dgm:style>
       <a:lnRef idx="2">
@@ -11360,6 +11304,7 @@
       <a:camera prst="orthographicFront"/>
       <a:lightRig rig="threePt" dir="t"/>
     </dgm:scene3d>
+    <dgm:sp3d/>
     <dgm:txPr/>
     <dgm:style>
       <a:lnRef idx="2">
@@ -11379,6 +11324,7 @@
       <a:camera prst="orthographicFront"/>
       <a:lightRig rig="threePt" dir="t"/>
     </dgm:scene3d>
+    <dgm:sp3d/>
     <dgm:txPr/>
     <dgm:style>
       <a:lnRef idx="2">
@@ -11398,6 +11344,7 @@
       <a:camera prst="orthographicFront"/>
       <a:lightRig rig="threePt" dir="t"/>
     </dgm:scene3d>
+    <dgm:sp3d/>
     <dgm:txPr/>
     <dgm:style>
       <a:lnRef idx="2">
@@ -11419,6 +11366,7 @@
       <a:camera prst="orthographicFront"/>
       <a:lightRig rig="threePt" dir="t"/>
     </dgm:scene3d>
+    <dgm:sp3d/>
     <dgm:txPr/>
     <dgm:style>
       <a:lnRef idx="2">
@@ -11440,6 +11388,7 @@
       <a:camera prst="orthographicFront"/>
       <a:lightRig rig="threePt" dir="t"/>
     </dgm:scene3d>
+    <dgm:sp3d/>
     <dgm:txPr/>
     <dgm:style>
       <a:lnRef idx="2">
@@ -11461,6 +11410,7 @@
       <a:camera prst="orthographicFront"/>
       <a:lightRig rig="threePt" dir="t"/>
     </dgm:scene3d>
+    <dgm:sp3d/>
     <dgm:txPr/>
     <dgm:style>
       <a:lnRef idx="2">
@@ -11482,6 +11432,7 @@
       <a:camera prst="orthographicFront"/>
       <a:lightRig rig="threePt" dir="t"/>
     </dgm:scene3d>
+    <dgm:sp3d/>
     <dgm:txPr/>
     <dgm:style>
       <a:lnRef idx="0">
@@ -11501,6 +11452,7 @@
       <a:camera prst="orthographicFront"/>
       <a:lightRig rig="threePt" dir="t"/>
     </dgm:scene3d>
+    <dgm:sp3d/>
     <dgm:txPr/>
     <dgm:style>
       <a:lnRef idx="1">
@@ -11520,6 +11472,7 @@
       <a:camera prst="orthographicFront"/>
       <a:lightRig rig="threePt" dir="t"/>
     </dgm:scene3d>
+    <dgm:sp3d/>
     <dgm:txPr/>
     <dgm:style>
       <a:lnRef idx="0">
@@ -11541,6 +11494,7 @@
       <a:camera prst="orthographicFront"/>
       <a:lightRig rig="threePt" dir="t"/>
     </dgm:scene3d>
+    <dgm:sp3d/>
     <dgm:txPr/>
     <dgm:style>
       <a:lnRef idx="2">
@@ -11560,6 +11514,7 @@
       <a:camera prst="orthographicFront"/>
       <a:lightRig rig="threePt" dir="t"/>
     </dgm:scene3d>
+    <dgm:sp3d/>
     <dgm:txPr/>
     <dgm:style>
       <a:lnRef idx="2">
@@ -11579,6 +11534,7 @@
       <a:camera prst="orthographicFront"/>
       <a:lightRig rig="threePt" dir="t"/>
     </dgm:scene3d>
+    <dgm:sp3d/>
     <dgm:txPr/>
     <dgm:style>
       <a:lnRef idx="2">
@@ -11598,6 +11554,7 @@
       <a:camera prst="orthographicFront"/>
       <a:lightRig rig="threePt" dir="t"/>
     </dgm:scene3d>
+    <dgm:sp3d/>
     <dgm:txPr/>
     <dgm:style>
       <a:lnRef idx="1">
@@ -11617,6 +11574,7 @@
       <a:camera prst="orthographicFront"/>
       <a:lightRig rig="threePt" dir="t"/>
     </dgm:scene3d>
+    <dgm:sp3d/>
     <dgm:txPr/>
     <dgm:style>
       <a:lnRef idx="0">
@@ -11636,6 +11594,7 @@
       <a:camera prst="orthographicFront"/>
       <a:lightRig rig="threePt" dir="t"/>
     </dgm:scene3d>
+    <dgm:sp3d/>
     <dgm:txPr/>
     <dgm:style>
       <a:lnRef idx="2">
@@ -11671,6 +11630,7 @@
       <a:camera prst="orthographicFront"/>
       <a:lightRig rig="threePt" dir="t"/>
     </dgm:scene3d>
+    <dgm:sp3d/>
     <dgm:txPr/>
     <dgm:style>
       <a:lnRef idx="2">
@@ -11690,6 +11650,7 @@
       <a:camera prst="orthographicFront"/>
       <a:lightRig rig="threePt" dir="t"/>
     </dgm:scene3d>
+    <dgm:sp3d/>
     <dgm:txPr/>
     <dgm:style>
       <a:lnRef idx="2">
@@ -11709,6 +11670,7 @@
       <a:camera prst="orthographicFront"/>
       <a:lightRig rig="threePt" dir="t"/>
     </dgm:scene3d>
+    <dgm:sp3d/>
     <dgm:txPr/>
     <dgm:style>
       <a:lnRef idx="2">
@@ -11728,6 +11690,7 @@
       <a:camera prst="orthographicFront"/>
       <a:lightRig rig="threePt" dir="t"/>
     </dgm:scene3d>
+    <dgm:sp3d/>
     <dgm:txPr/>
     <dgm:style>
       <a:lnRef idx="2">
@@ -11749,6 +11712,7 @@
       <a:camera prst="orthographicFront"/>
       <a:lightRig rig="threePt" dir="t"/>
     </dgm:scene3d>
+    <dgm:sp3d/>
     <dgm:txPr/>
     <dgm:style>
       <a:lnRef idx="2">
@@ -11770,6 +11734,7 @@
       <a:camera prst="orthographicFront"/>
       <a:lightRig rig="threePt" dir="t"/>
     </dgm:scene3d>
+    <dgm:sp3d/>
     <dgm:txPr/>
     <dgm:style>
       <a:lnRef idx="2">
@@ -11791,6 +11756,7 @@
       <a:camera prst="orthographicFront"/>
       <a:lightRig rig="threePt" dir="t"/>
     </dgm:scene3d>
+    <dgm:sp3d/>
     <dgm:txPr/>
     <dgm:style>
       <a:lnRef idx="2">
@@ -11812,6 +11778,7 @@
       <a:camera prst="orthographicFront"/>
       <a:lightRig rig="threePt" dir="t"/>
     </dgm:scene3d>
+    <dgm:sp3d/>
     <dgm:txPr/>
     <dgm:style>
       <a:lnRef idx="2">
@@ -11833,6 +11800,7 @@
       <a:camera prst="orthographicFront"/>
       <a:lightRig rig="threePt" dir="t"/>
     </dgm:scene3d>
+    <dgm:sp3d/>
     <dgm:txPr/>
     <dgm:style>
       <a:lnRef idx="2">
@@ -11854,6 +11822,7 @@
       <a:camera prst="orthographicFront"/>
       <a:lightRig rig="threePt" dir="t"/>
     </dgm:scene3d>
+    <dgm:sp3d/>
     <dgm:txPr/>
     <dgm:style>
       <a:lnRef idx="2">
@@ -11873,6 +11842,7 @@
       <a:camera prst="orthographicFront"/>
       <a:lightRig rig="threePt" dir="t"/>
     </dgm:scene3d>
+    <dgm:sp3d/>
     <dgm:txPr/>
     <dgm:style>
       <a:lnRef idx="2">
@@ -11892,6 +11862,7 @@
       <a:camera prst="orthographicFront"/>
       <a:lightRig rig="threePt" dir="t"/>
     </dgm:scene3d>
+    <dgm:sp3d/>
     <dgm:txPr/>
     <dgm:style>
       <a:lnRef idx="2">
@@ -11911,6 +11882,7 @@
       <a:camera prst="orthographicFront"/>
       <a:lightRig rig="threePt" dir="t"/>
     </dgm:scene3d>
+    <dgm:sp3d/>
     <dgm:txPr/>
     <dgm:style>
       <a:lnRef idx="0">
@@ -11930,6 +11902,7 @@
       <a:camera prst="orthographicFront"/>
       <a:lightRig rig="threePt" dir="t"/>
     </dgm:scene3d>
+    <dgm:sp3d/>
     <dgm:txPr/>
     <dgm:style>
       <a:lnRef idx="0">
@@ -11951,6 +11924,7 @@
       <a:camera prst="orthographicFront"/>
       <a:lightRig rig="threePt" dir="t"/>
     </dgm:scene3d>
+    <dgm:sp3d/>
     <dgm:txPr/>
     <dgm:style>
       <a:lnRef idx="2">
@@ -11970,6 +11944,7 @@
       <a:camera prst="orthographicFront"/>
       <a:lightRig rig="threePt" dir="t"/>
     </dgm:scene3d>
+    <dgm:sp3d/>
     <dgm:txPr/>
     <dgm:style>
       <a:lnRef idx="2">
@@ -11989,6 +11964,7 @@
       <a:camera prst="orthographicFront"/>
       <a:lightRig rig="threePt" dir="t"/>
     </dgm:scene3d>
+    <dgm:sp3d/>
     <dgm:txPr/>
     <dgm:style>
       <a:lnRef idx="0">
@@ -12008,6 +11984,7 @@
       <a:camera prst="orthographicFront"/>
       <a:lightRig rig="threePt" dir="t"/>
     </dgm:scene3d>
+    <dgm:sp3d/>
     <dgm:txPr/>
     <dgm:style>
       <a:lnRef idx="2">
@@ -12027,6 +12004,7 @@
       <a:camera prst="orthographicFront"/>
       <a:lightRig rig="threePt" dir="t"/>
     </dgm:scene3d>
+    <dgm:sp3d/>
     <dgm:txPr/>
     <dgm:style>
       <a:lnRef idx="2">
@@ -12046,6 +12024,7 @@
       <a:camera prst="orthographicFront"/>
       <a:lightRig rig="threePt" dir="t"/>
     </dgm:scene3d>
+    <dgm:sp3d/>
     <dgm:txPr/>
     <dgm:style>
       <a:lnRef idx="2">
@@ -12065,6 +12044,7 @@
       <a:camera prst="orthographicFront"/>
       <a:lightRig rig="threePt" dir="t"/>
     </dgm:scene3d>
+    <dgm:sp3d/>
     <dgm:txPr/>
     <dgm:style>
       <a:lnRef idx="2">
@@ -12084,6 +12064,7 @@
       <a:camera prst="orthographicFront"/>
       <a:lightRig rig="threePt" dir="t"/>
     </dgm:scene3d>
+    <dgm:sp3d/>
     <dgm:txPr/>
     <dgm:style>
       <a:lnRef idx="2">
@@ -12103,6 +12084,7 @@
       <a:camera prst="orthographicFront"/>
       <a:lightRig rig="threePt" dir="t"/>
     </dgm:scene3d>
+    <dgm:sp3d/>
     <dgm:txPr/>
     <dgm:style>
       <a:lnRef idx="2">
@@ -12122,6 +12104,7 @@
       <a:camera prst="orthographicFront"/>
       <a:lightRig rig="threePt" dir="t"/>
     </dgm:scene3d>
+    <dgm:sp3d/>
     <dgm:txPr/>
     <dgm:style>
       <a:lnRef idx="2">
@@ -12141,6 +12124,7 @@
       <a:camera prst="orthographicFront"/>
       <a:lightRig rig="threePt" dir="t"/>
     </dgm:scene3d>
+    <dgm:sp3d/>
     <dgm:txPr/>
     <dgm:style>
       <a:lnRef idx="2">
@@ -12160,6 +12144,7 @@
       <a:camera prst="orthographicFront"/>
       <a:lightRig rig="threePt" dir="t"/>
     </dgm:scene3d>
+    <dgm:sp3d/>
     <dgm:txPr/>
     <dgm:style>
       <a:lnRef idx="0">
@@ -12181,6 +12166,7 @@
       <a:camera prst="orthographicFront"/>
       <a:lightRig rig="threePt" dir="t"/>
     </dgm:scene3d>
+    <dgm:sp3d/>
     <dgm:txPr/>
     <dgm:style>
       <a:lnRef idx="2">
@@ -12202,6 +12188,7 @@
       <a:camera prst="orthographicFront"/>
       <a:lightRig rig="threePt" dir="t"/>
     </dgm:scene3d>
+    <dgm:sp3d/>
     <dgm:txPr/>
     <dgm:style>
       <a:lnRef idx="2">
@@ -12223,6 +12210,7 @@
       <a:camera prst="orthographicFront"/>
       <a:lightRig rig="threePt" dir="t"/>
     </dgm:scene3d>
+    <dgm:sp3d/>
     <dgm:txPr/>
     <dgm:style>
       <a:lnRef idx="2">
@@ -12244,6 +12232,7 @@
       <a:camera prst="orthographicFront"/>
       <a:lightRig rig="threePt" dir="t"/>
     </dgm:scene3d>
+    <dgm:sp3d/>
     <dgm:txPr/>
     <dgm:style>
       <a:lnRef idx="2">
@@ -12265,6 +12254,7 @@
       <a:camera prst="orthographicFront"/>
       <a:lightRig rig="threePt" dir="t"/>
     </dgm:scene3d>
+    <dgm:sp3d/>
     <dgm:txPr/>
     <dgm:style>
       <a:lnRef idx="2">
@@ -12286,6 +12276,7 @@
       <a:camera prst="orthographicFront"/>
       <a:lightRig rig="threePt" dir="t"/>
     </dgm:scene3d>
+    <dgm:sp3d/>
     <dgm:txPr/>
     <dgm:style>
       <a:lnRef idx="2">
@@ -12307,6 +12298,7 @@
       <a:camera prst="orthographicFront"/>
       <a:lightRig rig="threePt" dir="t"/>
     </dgm:scene3d>
+    <dgm:sp3d/>
     <dgm:txPr/>
     <dgm:style>
       <a:lnRef idx="2">
@@ -12326,6 +12318,7 @@
       <a:camera prst="orthographicFront"/>
       <a:lightRig rig="threePt" dir="t"/>
     </dgm:scene3d>
+    <dgm:sp3d/>
     <dgm:txPr/>
     <dgm:style>
       <a:lnRef idx="2">
@@ -12345,6 +12338,7 @@
       <a:camera prst="orthographicFront"/>
       <a:lightRig rig="threePt" dir="t"/>
     </dgm:scene3d>
+    <dgm:sp3d/>
     <dgm:txPr/>
     <dgm:style>
       <a:lnRef idx="2">
@@ -12364,6 +12358,7 @@
       <a:camera prst="orthographicFront"/>
       <a:lightRig rig="threePt" dir="t"/>
     </dgm:scene3d>
+    <dgm:sp3d/>
     <dgm:txPr/>
     <dgm:style>
       <a:lnRef idx="2">
@@ -12383,6 +12378,7 @@
       <a:camera prst="orthographicFront"/>
       <a:lightRig rig="threePt" dir="t"/>
     </dgm:scene3d>
+    <dgm:sp3d/>
     <dgm:txPr/>
     <dgm:style>
       <a:lnRef idx="2">
@@ -12404,6 +12400,7 @@
       <a:camera prst="orthographicFront"/>
       <a:lightRig rig="threePt" dir="t"/>
     </dgm:scene3d>
+    <dgm:sp3d/>
     <dgm:txPr/>
     <dgm:style>
       <a:lnRef idx="2">
@@ -12425,6 +12422,7 @@
       <a:camera prst="orthographicFront"/>
       <a:lightRig rig="threePt" dir="t"/>
     </dgm:scene3d>
+    <dgm:sp3d/>
     <dgm:txPr/>
     <dgm:style>
       <a:lnRef idx="2">
@@ -12446,6 +12444,7 @@
       <a:camera prst="orthographicFront"/>
       <a:lightRig rig="threePt" dir="t"/>
     </dgm:scene3d>
+    <dgm:sp3d/>
     <dgm:txPr/>
     <dgm:style>
       <a:lnRef idx="2">
@@ -12467,6 +12466,7 @@
       <a:camera prst="orthographicFront"/>
       <a:lightRig rig="threePt" dir="t"/>
     </dgm:scene3d>
+    <dgm:sp3d/>
     <dgm:txPr/>
     <dgm:style>
       <a:lnRef idx="0">
@@ -12486,6 +12486,7 @@
       <a:camera prst="orthographicFront"/>
       <a:lightRig rig="threePt" dir="t"/>
     </dgm:scene3d>
+    <dgm:sp3d/>
     <dgm:txPr/>
     <dgm:style>
       <a:lnRef idx="1">
@@ -12505,6 +12506,7 @@
       <a:camera prst="orthographicFront"/>
       <a:lightRig rig="threePt" dir="t"/>
     </dgm:scene3d>
+    <dgm:sp3d/>
     <dgm:txPr/>
     <dgm:style>
       <a:lnRef idx="0">
@@ -12526,6 +12528,7 @@
       <a:camera prst="orthographicFront"/>
       <a:lightRig rig="threePt" dir="t"/>
     </dgm:scene3d>
+    <dgm:sp3d/>
     <dgm:txPr/>
     <dgm:style>
       <a:lnRef idx="2">
@@ -12545,6 +12548,7 @@
       <a:camera prst="orthographicFront"/>
       <a:lightRig rig="threePt" dir="t"/>
     </dgm:scene3d>
+    <dgm:sp3d/>
     <dgm:txPr/>
     <dgm:style>
       <a:lnRef idx="2">
@@ -12564,6 +12568,7 @@
       <a:camera prst="orthographicFront"/>
       <a:lightRig rig="threePt" dir="t"/>
     </dgm:scene3d>
+    <dgm:sp3d/>
     <dgm:txPr/>
     <dgm:style>
       <a:lnRef idx="2">
@@ -12583,6 +12588,7 @@
       <a:camera prst="orthographicFront"/>
       <a:lightRig rig="threePt" dir="t"/>
     </dgm:scene3d>
+    <dgm:sp3d/>
     <dgm:txPr/>
     <dgm:style>
       <a:lnRef idx="1">
@@ -12602,6 +12608,7 @@
       <a:camera prst="orthographicFront"/>
       <a:lightRig rig="threePt" dir="t"/>
     </dgm:scene3d>
+    <dgm:sp3d/>
     <dgm:txPr/>
     <dgm:style>
       <a:lnRef idx="0">
@@ -12621,6 +12628,7 @@
       <a:camera prst="orthographicFront"/>
       <a:lightRig rig="threePt" dir="t"/>
     </dgm:scene3d>
+    <dgm:sp3d/>
     <dgm:txPr/>
     <dgm:style>
       <a:lnRef idx="2">
@@ -12722,6 +12730,7 @@
           <a:p>
             <a:fld id="{DC4BD341-C8BA-4F03-B5F5-EBD7E71B4F25}" type="datetimeFigureOut">
               <a:rPr lang="zh-CN" altLang="en-US" smtClean="0"/>
+              <a:t>2023/11/30</a:t>
             </a:fld>
             <a:endParaRPr lang="zh-CN" altLang="en-US"/>
           </a:p>
@@ -12788,7 +12797,6 @@
               <a:rPr lang="en-US" altLang="zh-CN"/>
               <a:t>Click to edit Master text styles</a:t>
             </a:r>
-            <a:endParaRPr lang="en-US" altLang="zh-CN"/>
           </a:p>
           <a:p>
             <a:pPr lvl="1"/>
@@ -12796,7 +12804,6 @@
               <a:rPr lang="en-US" altLang="zh-CN"/>
               <a:t>Second level</a:t>
             </a:r>
-            <a:endParaRPr lang="en-US" altLang="zh-CN"/>
           </a:p>
           <a:p>
             <a:pPr lvl="2"/>
@@ -12804,7 +12811,6 @@
               <a:rPr lang="en-US" altLang="zh-CN"/>
               <a:t>Third level</a:t>
             </a:r>
-            <a:endParaRPr lang="en-US" altLang="zh-CN"/>
           </a:p>
           <a:p>
             <a:pPr lvl="3"/>
@@ -12812,7 +12818,6 @@
               <a:rPr lang="en-US" altLang="zh-CN"/>
               <a:t>Fourth level</a:t>
             </a:r>
-            <a:endParaRPr lang="en-US" altLang="zh-CN"/>
           </a:p>
           <a:p>
             <a:pPr lvl="4"/>
@@ -12884,6 +12889,7 @@
           <a:p>
             <a:fld id="{057FAD25-51B6-419D-B421-616EF620C45E}" type="slidenum">
               <a:rPr lang="zh-CN" altLang="en-US" smtClean="0"/>
+              <a:t>‹#›</a:t>
             </a:fld>
             <a:endParaRPr lang="zh-CN" altLang="en-US"/>
           </a:p>
@@ -13052,6 +13058,7 @@
           <a:p>
             <a:fld id="{057FAD25-51B6-419D-B421-616EF620C45E}" type="slidenum">
               <a:rPr lang="zh-CN" altLang="en-US" smtClean="0"/>
+              <a:t>1</a:t>
             </a:fld>
             <a:endParaRPr lang="zh-CN" altLang="en-US"/>
           </a:p>
@@ -13130,6 +13137,7 @@
           <a:p>
             <a:fld id="{057FAD25-51B6-419D-B421-616EF620C45E}" type="slidenum">
               <a:rPr lang="zh-CN" altLang="en-US" smtClean="0"/>
+              <a:t>2</a:t>
             </a:fld>
             <a:endParaRPr lang="zh-CN" altLang="en-US"/>
           </a:p>
@@ -13208,6 +13216,7 @@
           <a:p>
             <a:fld id="{057FAD25-51B6-419D-B421-616EF620C45E}" type="slidenum">
               <a:rPr lang="zh-CN" altLang="en-US" smtClean="0"/>
+              <a:t>3</a:t>
             </a:fld>
             <a:endParaRPr lang="zh-CN" altLang="en-US"/>
           </a:p>
@@ -13286,6 +13295,7 @@
           <a:p>
             <a:fld id="{057FAD25-51B6-419D-B421-616EF620C45E}" type="slidenum">
               <a:rPr lang="zh-CN" altLang="en-US" smtClean="0"/>
+              <a:t>4</a:t>
             </a:fld>
             <a:endParaRPr lang="zh-CN" altLang="en-US"/>
           </a:p>
@@ -13364,6 +13374,7 @@
           <a:p>
             <a:fld id="{057FAD25-51B6-419D-B421-616EF620C45E}" type="slidenum">
               <a:rPr lang="zh-CN" altLang="en-US" smtClean="0"/>
+              <a:t>6</a:t>
             </a:fld>
             <a:endParaRPr lang="zh-CN" altLang="en-US"/>
           </a:p>
@@ -13442,6 +13453,7 @@
           <a:p>
             <a:fld id="{057FAD25-51B6-419D-B421-616EF620C45E}" type="slidenum">
               <a:rPr lang="zh-CN" altLang="en-US" smtClean="0"/>
+              <a:t>7</a:t>
             </a:fld>
             <a:endParaRPr lang="zh-CN" altLang="en-US"/>
           </a:p>
@@ -13520,6 +13532,7 @@
           <a:p>
             <a:fld id="{057FAD25-51B6-419D-B421-616EF620C45E}" type="slidenum">
               <a:rPr lang="zh-CN" altLang="en-US" smtClean="0"/>
+              <a:t>11</a:t>
             </a:fld>
             <a:endParaRPr lang="zh-CN" altLang="en-US"/>
           </a:p>
@@ -13598,6 +13611,7 @@
           <a:p>
             <a:fld id="{057FAD25-51B6-419D-B421-616EF620C45E}" type="slidenum">
               <a:rPr lang="zh-CN" altLang="en-US" smtClean="0"/>
+              <a:t>14</a:t>
             </a:fld>
             <a:endParaRPr lang="zh-CN" altLang="en-US"/>
           </a:p>
@@ -13676,6 +13690,7 @@
           <a:p>
             <a:fld id="{057FAD25-51B6-419D-B421-616EF620C45E}" type="slidenum">
               <a:rPr lang="zh-CN" altLang="en-US" smtClean="0"/>
+              <a:t>16</a:t>
             </a:fld>
             <a:endParaRPr lang="zh-CN" altLang="en-US"/>
           </a:p>
@@ -13820,6 +13835,7 @@
           <a:p>
             <a:fld id="{C43A76A3-ADC8-4477-8FC1-B9DD55D84908}" type="datetime1">
               <a:rPr lang="en-US" smtClean="0"/>
+              <a:t>11/30/2023</a:t>
             </a:fld>
             <a:endParaRPr lang="en-US" dirty="0"/>
           </a:p>
@@ -13861,6 +13877,7 @@
           <a:p>
             <a:fld id="{35747434-7036-48DB-A148-6B3D8EE75CDA}" type="slidenum">
               <a:rPr lang="en-US" smtClean="0"/>
+              <a:t>‹#›</a:t>
             </a:fld>
             <a:endParaRPr lang="en-US" dirty="0"/>
           </a:p>
@@ -13910,7 +13927,6 @@
               <a:rPr lang="en-US"/>
               <a:t>Click to edit Master title style</a:t>
             </a:r>
-            <a:endParaRPr lang="en-US"/>
           </a:p>
         </p:txBody>
       </p:sp>
@@ -13934,7 +13950,6 @@
               <a:rPr lang="en-US"/>
               <a:t>Click to edit Master text styles</a:t>
             </a:r>
-            <a:endParaRPr lang="en-US"/>
           </a:p>
           <a:p>
             <a:pPr lvl="1"/>
@@ -13942,7 +13957,6 @@
               <a:rPr lang="en-US"/>
               <a:t>Second level</a:t>
             </a:r>
-            <a:endParaRPr lang="en-US"/>
           </a:p>
           <a:p>
             <a:pPr lvl="2"/>
@@ -13950,7 +13964,6 @@
               <a:rPr lang="en-US"/>
               <a:t>Third level</a:t>
             </a:r>
-            <a:endParaRPr lang="en-US"/>
           </a:p>
           <a:p>
             <a:pPr lvl="3"/>
@@ -13958,7 +13971,6 @@
               <a:rPr lang="en-US"/>
               <a:t>Fourth level</a:t>
             </a:r>
-            <a:endParaRPr lang="en-US"/>
           </a:p>
           <a:p>
             <a:pPr lvl="4"/>
@@ -13966,7 +13978,6 @@
               <a:rPr lang="en-US"/>
               <a:t>Fifth level</a:t>
             </a:r>
-            <a:endParaRPr lang="en-US"/>
           </a:p>
         </p:txBody>
       </p:sp>
@@ -13987,6 +13998,7 @@
           <a:p>
             <a:fld id="{D6762538-DC4D-4667-96E5-B3278DDF8B12}" type="datetime1">
               <a:rPr lang="en-US" smtClean="0"/>
+              <a:t>11/30/2023</a:t>
             </a:fld>
             <a:endParaRPr lang="en-US"/>
           </a:p>
@@ -14028,6 +14040,7 @@
           <a:p>
             <a:fld id="{35747434-7036-48DB-A148-6B3D8EE75CDA}" type="slidenum">
               <a:rPr lang="en-US" smtClean="0"/>
+              <a:t>‹#›</a:t>
             </a:fld>
             <a:endParaRPr lang="en-US"/>
           </a:p>
@@ -14082,7 +14095,6 @@
               <a:rPr lang="en-US"/>
               <a:t>Click to edit Master title style</a:t>
             </a:r>
-            <a:endParaRPr lang="en-US"/>
           </a:p>
         </p:txBody>
       </p:sp>
@@ -14111,7 +14123,6 @@
               <a:rPr lang="en-US"/>
               <a:t>Click to edit Master text styles</a:t>
             </a:r>
-            <a:endParaRPr lang="en-US"/>
           </a:p>
           <a:p>
             <a:pPr lvl="1"/>
@@ -14119,7 +14130,6 @@
               <a:rPr lang="en-US"/>
               <a:t>Second level</a:t>
             </a:r>
-            <a:endParaRPr lang="en-US"/>
           </a:p>
           <a:p>
             <a:pPr lvl="2"/>
@@ -14127,7 +14137,6 @@
               <a:rPr lang="en-US"/>
               <a:t>Third level</a:t>
             </a:r>
-            <a:endParaRPr lang="en-US"/>
           </a:p>
           <a:p>
             <a:pPr lvl="3"/>
@@ -14135,7 +14144,6 @@
               <a:rPr lang="en-US"/>
               <a:t>Fourth level</a:t>
             </a:r>
-            <a:endParaRPr lang="en-US"/>
           </a:p>
           <a:p>
             <a:pPr lvl="4"/>
@@ -14143,7 +14151,6 @@
               <a:rPr lang="en-US"/>
               <a:t>Fifth level</a:t>
             </a:r>
-            <a:endParaRPr lang="en-US"/>
           </a:p>
         </p:txBody>
       </p:sp>
@@ -14164,6 +14171,7 @@
           <a:p>
             <a:fld id="{05880548-5C08-4BE3-B63E-F2BB63B0B00C}" type="datetime1">
               <a:rPr lang="en-US" smtClean="0"/>
+              <a:t>11/30/2023</a:t>
             </a:fld>
             <a:endParaRPr lang="en-US"/>
           </a:p>
@@ -14205,6 +14213,7 @@
           <a:p>
             <a:fld id="{35747434-7036-48DB-A148-6B3D8EE75CDA}" type="slidenum">
               <a:rPr lang="en-US" smtClean="0"/>
+              <a:t>‹#›</a:t>
             </a:fld>
             <a:endParaRPr lang="en-US"/>
           </a:p>
@@ -14254,7 +14263,6 @@
               <a:rPr lang="en-US"/>
               <a:t>Click to edit Master title style</a:t>
             </a:r>
-            <a:endParaRPr lang="en-US"/>
           </a:p>
         </p:txBody>
       </p:sp>
@@ -14278,7 +14286,6 @@
               <a:rPr lang="en-US"/>
               <a:t>Click to edit Master text styles</a:t>
             </a:r>
-            <a:endParaRPr lang="en-US"/>
           </a:p>
           <a:p>
             <a:pPr lvl="1"/>
@@ -14286,7 +14293,6 @@
               <a:rPr lang="en-US"/>
               <a:t>Second level</a:t>
             </a:r>
-            <a:endParaRPr lang="en-US"/>
           </a:p>
           <a:p>
             <a:pPr lvl="2"/>
@@ -14294,7 +14300,6 @@
               <a:rPr lang="en-US"/>
               <a:t>Third level</a:t>
             </a:r>
-            <a:endParaRPr lang="en-US"/>
           </a:p>
           <a:p>
             <a:pPr lvl="3"/>
@@ -14302,7 +14307,6 @@
               <a:rPr lang="en-US"/>
               <a:t>Fourth level</a:t>
             </a:r>
-            <a:endParaRPr lang="en-US"/>
           </a:p>
           <a:p>
             <a:pPr lvl="4"/>
@@ -14310,7 +14314,6 @@
               <a:rPr lang="en-US"/>
               <a:t>Fifth level</a:t>
             </a:r>
-            <a:endParaRPr lang="en-US"/>
           </a:p>
         </p:txBody>
       </p:sp>
@@ -14331,6 +14334,7 @@
           <a:p>
             <a:fld id="{DE7F49BE-398D-479A-8A7E-5DDBCA61EDCB}" type="datetime1">
               <a:rPr lang="en-US" smtClean="0"/>
+              <a:t>11/30/2023</a:t>
             </a:fld>
             <a:endParaRPr lang="en-US"/>
           </a:p>
@@ -14372,6 +14376,7 @@
           <a:p>
             <a:fld id="{35747434-7036-48DB-A148-6B3D8EE75CDA}" type="slidenum">
               <a:rPr lang="en-US" smtClean="0"/>
+              <a:t>‹#›</a:t>
             </a:fld>
             <a:endParaRPr lang="en-US"/>
           </a:p>
@@ -14550,7 +14555,6 @@
               <a:rPr lang="en-US"/>
               <a:t>Click to edit Master text styles</a:t>
             </a:r>
-            <a:endParaRPr lang="en-US"/>
           </a:p>
         </p:txBody>
       </p:sp>
@@ -14571,6 +14575,7 @@
           <a:p>
             <a:fld id="{CCD0C193-4974-4A1F-9C63-07D595E30D66}" type="datetime1">
               <a:rPr lang="en-US" smtClean="0"/>
+              <a:t>11/30/2023</a:t>
             </a:fld>
             <a:endParaRPr lang="en-US"/>
           </a:p>
@@ -14612,6 +14617,7 @@
           <a:p>
             <a:fld id="{35747434-7036-48DB-A148-6B3D8EE75CDA}" type="slidenum">
               <a:rPr lang="en-US" smtClean="0"/>
+              <a:t>‹#›</a:t>
             </a:fld>
             <a:endParaRPr lang="en-US"/>
           </a:p>
@@ -14690,7 +14696,6 @@
               <a:rPr lang="en-US"/>
               <a:t>Click to edit Master text styles</a:t>
             </a:r>
-            <a:endParaRPr lang="en-US"/>
           </a:p>
           <a:p>
             <a:pPr lvl="1"/>
@@ -14698,7 +14703,6 @@
               <a:rPr lang="en-US"/>
               <a:t>Second level</a:t>
             </a:r>
-            <a:endParaRPr lang="en-US"/>
           </a:p>
           <a:p>
             <a:pPr lvl="2"/>
@@ -14706,7 +14710,6 @@
               <a:rPr lang="en-US"/>
               <a:t>Third level</a:t>
             </a:r>
-            <a:endParaRPr lang="en-US"/>
           </a:p>
           <a:p>
             <a:pPr lvl="3"/>
@@ -14714,7 +14717,6 @@
               <a:rPr lang="en-US"/>
               <a:t>Fourth level</a:t>
             </a:r>
-            <a:endParaRPr lang="en-US"/>
           </a:p>
           <a:p>
             <a:pPr lvl="4"/>
@@ -14751,7 +14753,6 @@
               <a:rPr lang="en-US"/>
               <a:t>Click to edit Master text styles</a:t>
             </a:r>
-            <a:endParaRPr lang="en-US"/>
           </a:p>
           <a:p>
             <a:pPr lvl="1"/>
@@ -14759,7 +14760,6 @@
               <a:rPr lang="en-US"/>
               <a:t>Second level</a:t>
             </a:r>
-            <a:endParaRPr lang="en-US"/>
           </a:p>
           <a:p>
             <a:pPr lvl="2"/>
@@ -14767,7 +14767,6 @@
               <a:rPr lang="en-US"/>
               <a:t>Third level</a:t>
             </a:r>
-            <a:endParaRPr lang="en-US"/>
           </a:p>
           <a:p>
             <a:pPr lvl="3"/>
@@ -14775,7 +14774,6 @@
               <a:rPr lang="en-US"/>
               <a:t>Fourth level</a:t>
             </a:r>
-            <a:endParaRPr lang="en-US"/>
           </a:p>
           <a:p>
             <a:pPr lvl="4"/>
@@ -14783,7 +14781,6 @@
               <a:rPr lang="en-US"/>
               <a:t>Fifth level</a:t>
             </a:r>
-            <a:endParaRPr lang="en-US"/>
           </a:p>
         </p:txBody>
       </p:sp>
@@ -14804,6 +14801,7 @@
           <a:p>
             <a:fld id="{701AA87F-28D4-4BF0-B81F-877A89DFD5AC}" type="datetime1">
               <a:rPr lang="en-US" smtClean="0"/>
+              <a:t>11/30/2023</a:t>
             </a:fld>
             <a:endParaRPr lang="en-US"/>
           </a:p>
@@ -14845,6 +14843,7 @@
           <a:p>
             <a:fld id="{35747434-7036-48DB-A148-6B3D8EE75CDA}" type="slidenum">
               <a:rPr lang="en-US" smtClean="0"/>
+              <a:t>‹#›</a:t>
             </a:fld>
             <a:endParaRPr lang="en-US"/>
           </a:p>
@@ -14965,7 +14964,6 @@
               <a:rPr lang="en-US"/>
               <a:t>Click to edit Master text styles</a:t>
             </a:r>
-            <a:endParaRPr lang="en-US"/>
           </a:p>
         </p:txBody>
       </p:sp>
@@ -14994,7 +14992,6 @@
               <a:rPr lang="en-US"/>
               <a:t>Click to edit Master text styles</a:t>
             </a:r>
-            <a:endParaRPr lang="en-US"/>
           </a:p>
           <a:p>
             <a:pPr lvl="1"/>
@@ -15002,7 +14999,6 @@
               <a:rPr lang="en-US"/>
               <a:t>Second level</a:t>
             </a:r>
-            <a:endParaRPr lang="en-US"/>
           </a:p>
           <a:p>
             <a:pPr lvl="2"/>
@@ -15010,7 +15006,6 @@
               <a:rPr lang="en-US"/>
               <a:t>Third level</a:t>
             </a:r>
-            <a:endParaRPr lang="en-US"/>
           </a:p>
           <a:p>
             <a:pPr lvl="3"/>
@@ -15018,7 +15013,6 @@
               <a:rPr lang="en-US"/>
               <a:t>Fourth level</a:t>
             </a:r>
-            <a:endParaRPr lang="en-US"/>
           </a:p>
           <a:p>
             <a:pPr lvl="4"/>
@@ -15092,7 +15086,6 @@
               <a:rPr lang="en-US"/>
               <a:t>Click to edit Master text styles</a:t>
             </a:r>
-            <a:endParaRPr lang="en-US"/>
           </a:p>
         </p:txBody>
       </p:sp>
@@ -15121,7 +15114,6 @@
               <a:rPr lang="en-US"/>
               <a:t>Click to edit Master text styles</a:t>
             </a:r>
-            <a:endParaRPr lang="en-US"/>
           </a:p>
           <a:p>
             <a:pPr lvl="1"/>
@@ -15129,7 +15121,6 @@
               <a:rPr lang="en-US"/>
               <a:t>Second level</a:t>
             </a:r>
-            <a:endParaRPr lang="en-US"/>
           </a:p>
           <a:p>
             <a:pPr lvl="2"/>
@@ -15137,7 +15128,6 @@
               <a:rPr lang="en-US"/>
               <a:t>Third level</a:t>
             </a:r>
-            <a:endParaRPr lang="en-US"/>
           </a:p>
           <a:p>
             <a:pPr lvl="3"/>
@@ -15145,7 +15135,6 @@
               <a:rPr lang="en-US"/>
               <a:t>Fourth level</a:t>
             </a:r>
-            <a:endParaRPr lang="en-US"/>
           </a:p>
           <a:p>
             <a:pPr lvl="4"/>
@@ -15153,7 +15142,6 @@
               <a:rPr lang="en-US"/>
               <a:t>Fifth level</a:t>
             </a:r>
-            <a:endParaRPr lang="en-US"/>
           </a:p>
         </p:txBody>
       </p:sp>
@@ -15174,6 +15162,7 @@
           <a:p>
             <a:fld id="{A8A9F1F3-208B-49A3-B337-9C8ACEB3E0E1}" type="datetime1">
               <a:rPr lang="en-US" smtClean="0"/>
+              <a:t>11/30/2023</a:t>
             </a:fld>
             <a:endParaRPr lang="en-US"/>
           </a:p>
@@ -15215,6 +15204,7 @@
           <a:p>
             <a:fld id="{35747434-7036-48DB-A148-6B3D8EE75CDA}" type="slidenum">
               <a:rPr lang="en-US" smtClean="0"/>
+              <a:t>‹#›</a:t>
             </a:fld>
             <a:endParaRPr lang="en-US"/>
           </a:p>
@@ -15290,6 +15280,7 @@
           <a:p>
             <a:fld id="{27AF6CA6-7293-4AA2-A0E0-A3BF4416E786}" type="datetime1">
               <a:rPr lang="en-US" smtClean="0"/>
+              <a:t>11/30/2023</a:t>
             </a:fld>
             <a:endParaRPr lang="en-US"/>
           </a:p>
@@ -15331,6 +15322,7 @@
           <a:p>
             <a:fld id="{35747434-7036-48DB-A148-6B3D8EE75CDA}" type="slidenum">
               <a:rPr lang="en-US" smtClean="0"/>
+              <a:t>‹#›</a:t>
             </a:fld>
             <a:endParaRPr lang="en-US"/>
           </a:p>
@@ -15378,6 +15370,7 @@
           <a:p>
             <a:fld id="{98D87016-7BCD-46FB-8EE3-AB6C369108B4}" type="datetime1">
               <a:rPr lang="en-US" smtClean="0"/>
+              <a:t>11/30/2023</a:t>
             </a:fld>
             <a:endParaRPr lang="en-US"/>
           </a:p>
@@ -15419,6 +15412,7 @@
           <a:p>
             <a:fld id="{35747434-7036-48DB-A148-6B3D8EE75CDA}" type="slidenum">
               <a:rPr lang="en-US" smtClean="0"/>
+              <a:t>‹#›</a:t>
             </a:fld>
             <a:endParaRPr lang="en-US"/>
           </a:p>
@@ -15538,7 +15532,6 @@
               <a:rPr lang="en-US"/>
               <a:t>Click to edit Master text styles</a:t>
             </a:r>
-            <a:endParaRPr lang="en-US"/>
           </a:p>
           <a:p>
             <a:pPr lvl="1"/>
@@ -15546,7 +15539,6 @@
               <a:rPr lang="en-US"/>
               <a:t>Second level</a:t>
             </a:r>
-            <a:endParaRPr lang="en-US"/>
           </a:p>
           <a:p>
             <a:pPr lvl="2"/>
@@ -15554,7 +15546,6 @@
               <a:rPr lang="en-US"/>
               <a:t>Third level</a:t>
             </a:r>
-            <a:endParaRPr lang="en-US"/>
           </a:p>
           <a:p>
             <a:pPr lvl="3"/>
@@ -15562,7 +15553,6 @@
               <a:rPr lang="en-US"/>
               <a:t>Fourth level</a:t>
             </a:r>
-            <a:endParaRPr lang="en-US"/>
           </a:p>
           <a:p>
             <a:pPr lvl="4"/>
@@ -15638,7 +15628,6 @@
               <a:rPr lang="en-US"/>
               <a:t>Click to edit Master text styles</a:t>
             </a:r>
-            <a:endParaRPr lang="en-US"/>
           </a:p>
         </p:txBody>
       </p:sp>
@@ -15659,6 +15648,7 @@
           <a:p>
             <a:fld id="{A1547011-1FFC-4EF8-9A2E-53B4AD2ADBD4}" type="datetime1">
               <a:rPr lang="en-US" smtClean="0"/>
+              <a:t>11/30/2023</a:t>
             </a:fld>
             <a:endParaRPr lang="en-US"/>
           </a:p>
@@ -15700,6 +15690,7 @@
           <a:p>
             <a:fld id="{35747434-7036-48DB-A148-6B3D8EE75CDA}" type="slidenum">
               <a:rPr lang="en-US" smtClean="0"/>
+              <a:t>‹#›</a:t>
             </a:fld>
             <a:endParaRPr lang="en-US"/>
           </a:p>
@@ -15891,7 +15882,6 @@
               <a:rPr lang="en-US"/>
               <a:t>Click to edit Master text styles</a:t>
             </a:r>
-            <a:endParaRPr lang="en-US"/>
           </a:p>
         </p:txBody>
       </p:sp>
@@ -15912,6 +15902,7 @@
           <a:p>
             <a:fld id="{9562EB47-45B4-4EF5-A743-B4885DD2F060}" type="datetime1">
               <a:rPr lang="en-US" smtClean="0"/>
+              <a:t>11/30/2023</a:t>
             </a:fld>
             <a:endParaRPr lang="en-US"/>
           </a:p>
@@ -15953,6 +15944,7 @@
           <a:p>
             <a:fld id="{35747434-7036-48DB-A148-6B3D8EE75CDA}" type="slidenum">
               <a:rPr lang="en-US" smtClean="0"/>
+              <a:t>‹#›</a:t>
             </a:fld>
             <a:endParaRPr lang="en-US"/>
           </a:p>
@@ -17164,6 +17156,7 @@
           <a:p>
             <a:fld id="{4A8D24A4-5FEC-4062-8995-EB21925B3B40}" type="datetime1">
               <a:rPr lang="en-US" smtClean="0"/>
+              <a:t>11/30/2023</a:t>
             </a:fld>
             <a:endParaRPr lang="en-US" sz="1000" dirty="0"/>
           </a:p>
@@ -17241,6 +17234,7 @@
           <a:p>
             <a:fld id="{35747434-7036-48DB-A148-6B3D8EE75CDA}" type="slidenum">
               <a:rPr lang="en-US" smtClean="0"/>
+              <a:t>‹#›</a:t>
             </a:fld>
             <a:endParaRPr lang="en-US" sz="1000" dirty="0"/>
           </a:p>
@@ -17309,7 +17303,6 @@
               <a:rPr lang="en-US" dirty="0"/>
               <a:t>Click to edit Master text styles</a:t>
             </a:r>
-            <a:endParaRPr lang="en-US" dirty="0"/>
           </a:p>
           <a:p>
             <a:pPr lvl="1"/>
@@ -17317,7 +17310,6 @@
               <a:rPr lang="en-US" dirty="0"/>
               <a:t>Second level</a:t>
             </a:r>
-            <a:endParaRPr lang="en-US" dirty="0"/>
           </a:p>
           <a:p>
             <a:pPr lvl="2"/>
@@ -17325,7 +17317,6 @@
               <a:rPr lang="en-US" dirty="0"/>
               <a:t>Third level</a:t>
             </a:r>
-            <a:endParaRPr lang="en-US" dirty="0"/>
           </a:p>
           <a:p>
             <a:pPr lvl="3"/>
@@ -17333,7 +17324,6 @@
               <a:rPr lang="en-US" dirty="0"/>
               <a:t>Fourth level</a:t>
             </a:r>
-            <a:endParaRPr lang="en-US" dirty="0"/>
           </a:p>
           <a:p>
             <a:pPr lvl="4"/>
@@ -17341,7 +17331,6 @@
               <a:rPr lang="en-US" dirty="0"/>
               <a:t>Fifth level</a:t>
             </a:r>
-            <a:endParaRPr lang="en-US" dirty="0"/>
           </a:p>
         </p:txBody>
       </p:sp>
@@ -17807,7 +17796,7 @@
           <p:nvPr/>
         </p:nvPicPr>
         <p:blipFill rotWithShape="1">
-          <a:blip r:embed="rId1">
+          <a:blip r:embed="rId3">
             <a:alphaModFix amt="40000"/>
           </a:blip>
           <a:srcRect t="1500" r="-1" b="14208"/>
@@ -17829,7 +17818,7 @@
         <p:nvGrpSpPr>
           <p:cNvPr id="22" name="decorative circle"/>
           <p:cNvGrpSpPr>
-            <a:grpSpLocks noGrp="1" noRot="1" noChangeAspect="1" noMove="1" noResize="1" noUngrp="1"/>
+            <a:grpSpLocks noGrp="1" noUngrp="1" noRot="1" noChangeAspect="1" noMove="1" noResize="1"/>
           </p:cNvGrpSpPr>
           <p:nvPr/>
         </p:nvGrpSpPr>
@@ -18513,7 +18502,6 @@
               <a:rPr lang="en-US" altLang="zh-CN"/>
               <a:t>Predictions</a:t>
             </a:r>
-            <a:endParaRPr lang="en-US" altLang="zh-CN"/>
           </a:p>
         </p:txBody>
       </p:sp>
@@ -18528,7 +18516,7 @@
           </p:nvPr>
         </p:nvPicPr>
         <p:blipFill>
-          <a:blip r:embed="rId1"/>
+          <a:blip r:embed="rId2"/>
           <a:stretch>
             <a:fillRect/>
           </a:stretch>
@@ -18706,10 +18694,6 @@
               </a:rPr>
               <a:t>Trading Signal Detection</a:t>
             </a:r>
-            <a:endParaRPr lang="en-US" sz="4400" dirty="0">
-              <a:latin typeface="Segoe UI" panose="020B0502040204020203" pitchFamily="34" charset="0"/>
-              <a:ea typeface="等线" panose="02010600030101010101" pitchFamily="2" charset="-122"/>
-            </a:endParaRPr>
           </a:p>
         </p:txBody>
       </p:sp>
@@ -18717,7 +18701,7 @@
         <p:nvGrpSpPr>
           <p:cNvPr id="13" name="Decorative Circles"/>
           <p:cNvGrpSpPr>
-            <a:grpSpLocks noGrp="1" noRot="1" noChangeAspect="1" noMove="1" noResize="1" noUngrp="1"/>
+            <a:grpSpLocks noGrp="1" noUngrp="1" noRot="1" noChangeAspect="1" noMove="1" noResize="1"/>
           </p:cNvGrpSpPr>
           <p:nvPr/>
         </p:nvGrpSpPr>
@@ -19223,7 +19207,7 @@
         </p:xfrm>
         <a:graphic>
           <a:graphicData uri="http://schemas.openxmlformats.org/drawingml/2006/diagram">
-            <dgm:relIds xmlns:dgm="http://schemas.openxmlformats.org/drawingml/2006/diagram" xmlns:r="http://schemas.openxmlformats.org/officeDocument/2006/relationships" r:dm="rId1" r:lo="rId2" r:qs="rId3" r:cs="rId4"/>
+            <dgm:relIds xmlns:dgm="http://schemas.openxmlformats.org/drawingml/2006/diagram" xmlns:r="http://schemas.openxmlformats.org/officeDocument/2006/relationships" r:dm="rId3" r:lo="rId4" r:qs="rId5" r:cs="rId6"/>
           </a:graphicData>
         </a:graphic>
       </p:graphicFrame>
@@ -19288,7 +19272,7 @@
           </p:nvPr>
         </p:nvPicPr>
         <p:blipFill>
-          <a:blip r:embed="rId1"/>
+          <a:blip r:embed="rId2"/>
           <a:stretch>
             <a:fillRect/>
           </a:stretch>
@@ -19337,7 +19321,7 @@
           <p:nvPr/>
         </p:nvPicPr>
         <p:blipFill>
-          <a:blip r:embed="rId1"/>
+          <a:blip r:embed="rId2"/>
           <a:stretch>
             <a:fillRect/>
           </a:stretch>
@@ -19361,114 +19345,6 @@
 </file>
 
 <file path=ppt/slides/slide14.xml><?xml version="1.0" encoding="utf-8"?>
-<p:sld xmlns:a="http://schemas.openxmlformats.org/drawingml/2006/main" xmlns:r="http://schemas.openxmlformats.org/officeDocument/2006/relationships" xmlns:p="http://schemas.openxmlformats.org/presentationml/2006/main">
-  <p:cSld>
-    <p:spTree>
-      <p:nvGrpSpPr>
-        <p:cNvPr id="1" name=""/>
-        <p:cNvGrpSpPr/>
-        <p:nvPr/>
-      </p:nvGrpSpPr>
-      <p:grpSpPr>
-        <a:xfrm>
-          <a:off x="0" y="0"/>
-          <a:ext cx="0" cy="0"/>
-          <a:chOff x="0" y="0"/>
-          <a:chExt cx="0" cy="0"/>
-        </a:xfrm>
-      </p:grpSpPr>
-      <p:sp>
-        <p:nvSpPr>
-          <p:cNvPr id="2" name="Title 1"/>
-          <p:cNvSpPr>
-            <a:spLocks noGrp="1"/>
-          </p:cNvSpPr>
-          <p:nvPr>
-            <p:ph type="title"/>
-          </p:nvPr>
-        </p:nvSpPr>
-        <p:spPr>
-          <a:xfrm>
-            <a:off x="681355" y="1419860"/>
-            <a:ext cx="10659110" cy="2359660"/>
-          </a:xfrm>
-        </p:spPr>
-        <p:txBody>
-          <a:bodyPr/>
-          <a:lstStyle/>
-          <a:p>
-            <a:r>
-              <a:rPr lang="en-US" altLang="zh-CN" dirty="0">
-                <a:hlinkClick r:id="rId1"/>
-              </a:rPr>
-              <a:t>http://127.0.0.1:5000/</a:t>
-            </a:r>
-            <a:endParaRPr lang="zh-CN" altLang="en-US" dirty="0"/>
-          </a:p>
-        </p:txBody>
-      </p:sp>
-      <p:sp>
-        <p:nvSpPr>
-          <p:cNvPr id="3" name="Title 1"/>
-          <p:cNvSpPr>
-            <a:spLocks noGrp="1"/>
-          </p:cNvSpPr>
-          <p:nvPr>
-            <p:custDataLst>
-              <p:tags r:id="rId2"/>
-            </p:custDataLst>
-          </p:nvPr>
-        </p:nvSpPr>
-        <p:spPr>
-          <a:xfrm>
-            <a:off x="777240" y="450215"/>
-            <a:ext cx="10659110" cy="1325563"/>
-          </a:xfrm>
-          <a:prstGeom prst="rect">
-            <a:avLst/>
-          </a:prstGeom>
-        </p:spPr>
-        <p:txBody>
-          <a:bodyPr vert="horz" lIns="91440" tIns="45720" rIns="91440" bIns="45720" rtlCol="0" anchor="ctr">
-            <a:normAutofit/>
-          </a:bodyPr>
-          <a:lstStyle>
-            <a:lvl1pPr algn="l" defTabSz="914400" rtl="0" eaLnBrk="1" latinLnBrk="0" hangingPunct="1">
-              <a:lnSpc>
-                <a:spcPct val="90000"/>
-              </a:lnSpc>
-              <a:spcBef>
-                <a:spcPct val="0"/>
-              </a:spcBef>
-              <a:buNone/>
-              <a:defRPr sz="5400" kern="1200">
-                <a:solidFill>
-                  <a:schemeClr val="tx2"/>
-                </a:solidFill>
-                <a:latin typeface="+mj-lt"/>
-                <a:ea typeface="+mj-ea"/>
-                <a:cs typeface="+mj-cs"/>
-              </a:defRPr>
-            </a:lvl1pPr>
-          </a:lstStyle>
-          <a:p>
-            <a:r>
-              <a:rPr lang="en-US" altLang="zh-CN" dirty="0"/>
-              <a:t>UI demo</a:t>
-            </a:r>
-            <a:endParaRPr lang="zh-CN" altLang="en-US" dirty="0"/>
-          </a:p>
-        </p:txBody>
-      </p:sp>
-    </p:spTree>
-  </p:cSld>
-  <p:clrMapOvr>
-    <a:masterClrMapping/>
-  </p:clrMapOvr>
-</p:sld>
-</file>
-
-<file path=ppt/slides/slide15.xml><?xml version="1.0" encoding="utf-8"?>
 <p:sld xmlns:a="http://schemas.openxmlformats.org/drawingml/2006/main" xmlns:r="http://schemas.openxmlformats.org/officeDocument/2006/relationships" xmlns:p="http://schemas.openxmlformats.org/presentationml/2006/main">
   <p:cSld>
     <p:bg>
@@ -19598,7 +19474,7 @@
         <p:nvGrpSpPr>
           <p:cNvPr id="25" name="decorative circles"/>
           <p:cNvGrpSpPr>
-            <a:grpSpLocks noGrp="1" noRot="1" noChangeAspect="1" noMove="1" noResize="1" noUngrp="1"/>
+            <a:grpSpLocks noGrp="1" noUngrp="1" noRot="1" noChangeAspect="1" noMove="1" noResize="1"/>
           </p:cNvGrpSpPr>
           <p:nvPr/>
         </p:nvGrpSpPr>
@@ -19955,7 +19831,7 @@
         </p:nvSpPr>
         <p:spPr>
           <a:xfrm>
-            <a:off x="800991" y="779017"/>
+            <a:off x="800991" y="498539"/>
             <a:ext cx="10773422" cy="578197"/>
           </a:xfrm>
         </p:spPr>
@@ -19966,16 +19842,12 @@
           <a:lstStyle/>
           <a:p>
             <a:r>
-              <a:rPr lang="en-US" sz="3600" dirty="0">
+              <a:rPr lang="en-US" sz="3200" dirty="0">
                 <a:latin typeface="Segoe UI" panose="020B0502040204020203" pitchFamily="34" charset="0"/>
                 <a:ea typeface="等线" panose="02010600030101010101" pitchFamily="2" charset="-122"/>
               </a:rPr>
               <a:t>Enhancing Our Approach: Next Steps for Sentiment Analysis and Stock Prediction</a:t>
             </a:r>
-            <a:endParaRPr lang="en-US" sz="3600" dirty="0">
-              <a:latin typeface="Segoe UI" panose="020B0502040204020203" pitchFamily="34" charset="0"/>
-              <a:ea typeface="等线" panose="02010600030101010101" pitchFamily="2" charset="-122"/>
-            </a:endParaRPr>
           </a:p>
         </p:txBody>
       </p:sp>
@@ -19987,6 +19859,11 @@
           </p:cNvGraphicFramePr>
           <p:nvPr>
             <p:ph idx="1"/>
+            <p:extLst>
+              <p:ext uri="{D42A27DB-BD31-4B8C-83A1-F6EECF244321}">
+                <p14:modId xmlns:p14="http://schemas.microsoft.com/office/powerpoint/2010/main" val="513245067"/>
+              </p:ext>
+            </p:extLst>
           </p:nvPr>
         </p:nvGraphicFramePr>
         <p:xfrm>
@@ -19995,7 +19872,7 @@
         </p:xfrm>
         <a:graphic>
           <a:graphicData uri="http://schemas.openxmlformats.org/drawingml/2006/diagram">
-            <dgm:relIds xmlns:dgm="http://schemas.openxmlformats.org/drawingml/2006/diagram" xmlns:r="http://schemas.openxmlformats.org/officeDocument/2006/relationships" r:dm="rId1" r:lo="rId2" r:qs="rId3" r:cs="rId4"/>
+            <dgm:relIds xmlns:dgm="http://schemas.openxmlformats.org/drawingml/2006/diagram" xmlns:r="http://schemas.openxmlformats.org/officeDocument/2006/relationships" r:dm="rId3" r:lo="rId4" r:qs="rId5" r:cs="rId6"/>
           </a:graphicData>
         </a:graphic>
       </p:graphicFrame>
@@ -20007,7 +19884,7 @@
 </p:sld>
 </file>
 
-<file path=ppt/slides/slide16.xml><?xml version="1.0" encoding="utf-8"?>
+<file path=ppt/slides/slide15.xml><?xml version="1.0" encoding="utf-8"?>
 <p:sld xmlns:a="http://schemas.openxmlformats.org/drawingml/2006/main" xmlns:r="http://schemas.openxmlformats.org/officeDocument/2006/relationships" xmlns:p="http://schemas.openxmlformats.org/presentationml/2006/main">
   <p:cSld>
     <p:bg>
@@ -20134,7 +20011,7 @@
         <p:nvGrpSpPr>
           <p:cNvPr id="50" name="Decorative Circles"/>
           <p:cNvGrpSpPr>
-            <a:grpSpLocks noGrp="1" noRot="1" noChangeAspect="1" noMove="1" noResize="1" noUngrp="1"/>
+            <a:grpSpLocks noGrp="1" noUngrp="1" noRot="1" noChangeAspect="1" noMove="1" noResize="1"/>
           </p:cNvGrpSpPr>
           <p:nvPr/>
         </p:nvGrpSpPr>
@@ -21241,7 +21118,7 @@
           <p:nvPr/>
         </p:nvPicPr>
         <p:blipFill rotWithShape="1">
-          <a:blip r:embed="rId1"/>
+          <a:blip r:embed="rId2"/>
           <a:srcRect/>
           <a:stretch>
             <a:fillRect/>
@@ -21832,13 +21709,53 @@
               </a:rPr>
               <a:t>Q&amp;A</a:t>
             </a:r>
-            <a:endParaRPr lang="en-US" altLang="zh-CN" sz="6000">
-              <a:solidFill>
-                <a:srgbClr val="FFFFFF"/>
-              </a:solidFill>
-              <a:latin typeface="Segoe UI" panose="020B0502040204020203" pitchFamily="34" charset="0"/>
-              <a:ea typeface="等线" panose="02010600030101010101" pitchFamily="2" charset="-122"/>
-            </a:endParaRPr>
+          </a:p>
+        </p:txBody>
+      </p:sp>
+      <p:sp>
+        <p:nvSpPr>
+          <p:cNvPr id="5" name="TextBox 4">
+            <a:extLst>
+              <a:ext uri="{FF2B5EF4-FFF2-40B4-BE49-F238E27FC236}">
+                <a16:creationId xmlns:a16="http://schemas.microsoft.com/office/drawing/2014/main" id="{E7FF8482-3DFD-69BB-0D0B-F6D86DCB4CFB}"/>
+              </a:ext>
+            </a:extLst>
+          </p:cNvPr>
+          <p:cNvSpPr txBox="1"/>
+          <p:nvPr/>
+        </p:nvSpPr>
+        <p:spPr>
+          <a:xfrm>
+            <a:off x="489238" y="3089226"/>
+            <a:ext cx="6139542" cy="369332"/>
+          </a:xfrm>
+          <a:prstGeom prst="rect">
+            <a:avLst/>
+          </a:prstGeom>
+          <a:noFill/>
+        </p:spPr>
+        <p:txBody>
+          <a:bodyPr wrap="square">
+            <a:spAutoFit/>
+          </a:bodyPr>
+          <a:lstStyle/>
+          <a:p>
+            <a:r>
+              <a:rPr lang="en-US" altLang="zh-CN" sz="1800" dirty="0">
+                <a:solidFill>
+                  <a:srgbClr val="903BB1"/>
+                </a:solidFill>
+                <a:hlinkClick r:id="rId3">
+                  <a:extLst>
+                    <a:ext uri="{A12FA001-AC4F-418D-AE19-62706E023703}">
+                      <ahyp:hlinkClr xmlns:ahyp="http://schemas.microsoft.com/office/drawing/2018/hyperlinkcolor" val="tx"/>
+                    </a:ext>
+                  </a:extLst>
+                </a:hlinkClick>
+              </a:rPr>
+              <a:t>http://127.0.0.1:5000/</a:t>
+            </a:r>
+            <a:endParaRPr lang="zh-CN" altLang="en-US" dirty="0"/>
           </a:p>
         </p:txBody>
       </p:sp>
@@ -21942,7 +21859,7 @@
 </p:sld>
 </file>
 
-<file path=ppt/slides/slide17.xml><?xml version="1.0" encoding="utf-8"?>
+<file path=ppt/slides/slide16.xml><?xml version="1.0" encoding="utf-8"?>
 <p:sld xmlns:a="http://schemas.openxmlformats.org/drawingml/2006/main" xmlns:r="http://schemas.openxmlformats.org/officeDocument/2006/relationships" xmlns:p="http://schemas.openxmlformats.org/presentationml/2006/main">
   <p:cSld>
     <p:bg>
@@ -22029,7 +21946,7 @@
           <p:nvPr/>
         </p:nvPicPr>
         <p:blipFill rotWithShape="1">
-          <a:blip r:embed="rId1"/>
+          <a:blip r:embed="rId3"/>
           <a:srcRect t="29670" r="-1" b="-1"/>
           <a:stretch>
             <a:fillRect/>
@@ -22155,7 +22072,7 @@
         <p:nvGrpSpPr>
           <p:cNvPr id="50" name="Group 49"/>
           <p:cNvGrpSpPr>
-            <a:grpSpLocks noGrp="1" noRot="1" noChangeAspect="1" noMove="1" noResize="1" noUngrp="1"/>
+            <a:grpSpLocks noGrp="1" noUngrp="1" noRot="1" noChangeAspect="1" noMove="1" noResize="1"/>
           </p:cNvGrpSpPr>
           <p:nvPr/>
         </p:nvGrpSpPr>
@@ -22895,7 +22812,7 @@
         <p:nvGrpSpPr>
           <p:cNvPr id="120" name="decorative circles"/>
           <p:cNvGrpSpPr>
-            <a:grpSpLocks noGrp="1" noRot="1" noChangeAspect="1" noMove="1" noResize="1" noUngrp="1"/>
+            <a:grpSpLocks noGrp="1" noUngrp="1" noRot="1" noChangeAspect="1" noMove="1" noResize="1"/>
           </p:cNvGrpSpPr>
           <p:nvPr/>
         </p:nvGrpSpPr>
@@ -23237,6 +23154,11 @@
           </p:cNvGraphicFramePr>
           <p:nvPr>
             <p:ph idx="1"/>
+            <p:extLst>
+              <p:ext uri="{D42A27DB-BD31-4B8C-83A1-F6EECF244321}">
+                <p14:modId xmlns:p14="http://schemas.microsoft.com/office/powerpoint/2010/main" val="4256762882"/>
+              </p:ext>
+            </p:extLst>
           </p:nvPr>
         </p:nvGraphicFramePr>
         <p:xfrm>
@@ -23245,7 +23167,7 @@
         </p:xfrm>
         <a:graphic>
           <a:graphicData uri="http://schemas.openxmlformats.org/drawingml/2006/diagram">
-            <dgm:relIds xmlns:dgm="http://schemas.openxmlformats.org/drawingml/2006/diagram" xmlns:r="http://schemas.openxmlformats.org/officeDocument/2006/relationships" r:dm="rId1" r:lo="rId2" r:qs="rId3" r:cs="rId4"/>
+            <dgm:relIds xmlns:dgm="http://schemas.openxmlformats.org/drawingml/2006/diagram" xmlns:r="http://schemas.openxmlformats.org/officeDocument/2006/relationships" r:dm="rId3" r:lo="rId4" r:qs="rId5" r:cs="rId6"/>
           </a:graphicData>
         </a:graphic>
       </p:graphicFrame>
@@ -23412,10 +23334,6 @@
               </a:rPr>
               <a:t>Motivations</a:t>
             </a:r>
-            <a:endParaRPr lang="en-US" sz="4400" dirty="0">
-              <a:latin typeface="Segoe UI" panose="020B0502040204020203" pitchFamily="34" charset="0"/>
-              <a:ea typeface="等线" panose="02010600030101010101" pitchFamily="2" charset="-122"/>
-            </a:endParaRPr>
           </a:p>
         </p:txBody>
       </p:sp>
@@ -23448,10 +23366,6 @@
               </a:rPr>
               <a:t>Digitization of trading platforms</a:t>
             </a:r>
-            <a:endParaRPr lang="en-US" altLang="zh-CN" sz="1800" dirty="0">
-              <a:latin typeface="Segoe UI" panose="020B0502040204020203" pitchFamily="34" charset="0"/>
-              <a:ea typeface="等线" panose="02010600030101010101" pitchFamily="2" charset="-122"/>
-            </a:endParaRPr>
           </a:p>
           <a:p>
             <a:pPr lvl="1"/>
@@ -23462,10 +23376,6 @@
               </a:rPr>
               <a:t>The relentless rise of retail trading</a:t>
             </a:r>
-            <a:endParaRPr lang="en-US" altLang="zh-CN" sz="1600" dirty="0">
-              <a:latin typeface="Segoe UI" panose="020B0502040204020203" pitchFamily="34" charset="0"/>
-              <a:ea typeface="等线" panose="02010600030101010101" pitchFamily="2" charset="-122"/>
-            </a:endParaRPr>
           </a:p>
           <a:p>
             <a:pPr lvl="1"/>
@@ -23473,7 +23383,7 @@
               <a:rPr lang="en-US" altLang="zh-CN" dirty="0">
                 <a:latin typeface="Segoe UI" panose="020B0502040204020203" pitchFamily="34" charset="0"/>
                 <a:ea typeface="等线" panose="02010600030101010101" pitchFamily="2" charset="-122"/>
-                <a:hlinkClick r:id="rId1"/>
+                <a:hlinkClick r:id="rId3"/>
               </a:rPr>
               <a:t>GameStop short squeeze</a:t>
             </a:r>
@@ -23490,23 +23400,6 @@
               </a:rPr>
               <a:t>Personal interest in Equity Trading</a:t>
             </a:r>
-            <a:endParaRPr lang="en-US" altLang="zh-CN" dirty="0">
-              <a:latin typeface="Segoe UI" panose="020B0502040204020203" pitchFamily="34" charset="0"/>
-              <a:ea typeface="等线" panose="02010600030101010101" pitchFamily="2" charset="-122"/>
-            </a:endParaRPr>
-          </a:p>
-          <a:p>
-            <a:endParaRPr lang="en-US" altLang="zh-CN" sz="1800" dirty="0">
-              <a:latin typeface="Segoe UI" panose="020B0502040204020203" pitchFamily="34" charset="0"/>
-              <a:ea typeface="等线" panose="02010600030101010101" pitchFamily="2" charset="-122"/>
-            </a:endParaRPr>
-          </a:p>
-          <a:p>
-            <a:pPr lvl="1"/>
-            <a:endParaRPr lang="en-US" altLang="zh-CN" dirty="0">
-              <a:latin typeface="Segoe UI" panose="020B0502040204020203" pitchFamily="34" charset="0"/>
-              <a:ea typeface="等线" panose="02010600030101010101" pitchFamily="2" charset="-122"/>
-            </a:endParaRPr>
           </a:p>
           <a:p>
             <a:pPr lvl="1"/>
@@ -23521,7 +23414,7 @@
         <p:nvGrpSpPr>
           <p:cNvPr id="39" name="decorative circles"/>
           <p:cNvGrpSpPr>
-            <a:grpSpLocks noGrp="1" noRot="1" noChangeAspect="1" noMove="1" noResize="1" noUngrp="1"/>
+            <a:grpSpLocks noGrp="1" noUngrp="1" noRot="1" noChangeAspect="1" noMove="1" noResize="1"/>
           </p:cNvGrpSpPr>
           <p:nvPr/>
         </p:nvGrpSpPr>
@@ -23824,7 +23717,7 @@
           <p:nvPr/>
         </p:nvPicPr>
         <p:blipFill rotWithShape="1">
-          <a:blip r:embed="rId2" cstate="print">
+          <a:blip r:embed="rId4" cstate="print">
             <a:extLst>
               <a:ext uri="{28A0092B-C50C-407E-A947-70E740481C1C}">
                 <a14:useLocalDpi xmlns:a14="http://schemas.microsoft.com/office/drawing/2010/main" val="0"/>
@@ -23838,7 +23731,7 @@
         </p:blipFill>
         <p:spPr>
           <a:xfrm>
-            <a:off x="6980165" y="353676"/>
+            <a:off x="6945570" y="314206"/>
             <a:ext cx="3486122" cy="3486122"/>
           </a:xfrm>
           <a:custGeom>
@@ -23887,7 +23780,7 @@
           <p:nvPr/>
         </p:nvPicPr>
         <p:blipFill rotWithShape="1">
-          <a:blip r:embed="rId3"/>
+          <a:blip r:embed="rId5"/>
           <a:srcRect l="39760" r="4" b="4"/>
           <a:stretch>
             <a:fillRect/>
@@ -24140,10 +24033,6 @@
               </a:rPr>
               <a:t>Related Works</a:t>
             </a:r>
-            <a:endParaRPr lang="en-US" sz="4400" dirty="0">
-              <a:latin typeface="Segoe UI" panose="020B0502040204020203" pitchFamily="34" charset="0"/>
-              <a:ea typeface="等线" panose="02010600030101010101" pitchFamily="2" charset="-122"/>
-            </a:endParaRPr>
           </a:p>
         </p:txBody>
       </p:sp>
@@ -24295,7 +24184,7 @@
         <p:nvGrpSpPr>
           <p:cNvPr id="25" name="decorative circles"/>
           <p:cNvGrpSpPr>
-            <a:grpSpLocks noGrp="1" noRot="1" noChangeAspect="1" noMove="1" noResize="1" noUngrp="1"/>
+            <a:grpSpLocks noGrp="1" noUngrp="1" noRot="1" noChangeAspect="1" noMove="1" noResize="1"/>
           </p:cNvGrpSpPr>
           <p:nvPr/>
         </p:nvGrpSpPr>
@@ -24553,6 +24442,11 @@
           </p:cNvGraphicFramePr>
           <p:nvPr>
             <p:ph idx="1"/>
+            <p:extLst>
+              <p:ext uri="{D42A27DB-BD31-4B8C-83A1-F6EECF244321}">
+                <p14:modId xmlns:p14="http://schemas.microsoft.com/office/powerpoint/2010/main" val="494766742"/>
+              </p:ext>
+            </p:extLst>
           </p:nvPr>
         </p:nvGraphicFramePr>
         <p:xfrm>
@@ -24561,7 +24455,7 @@
         </p:xfrm>
         <a:graphic>
           <a:graphicData uri="http://schemas.openxmlformats.org/drawingml/2006/diagram">
-            <dgm:relIds xmlns:dgm="http://schemas.openxmlformats.org/drawingml/2006/diagram" xmlns:r="http://schemas.openxmlformats.org/officeDocument/2006/relationships" r:dm="rId1" r:lo="rId2" r:qs="rId3" r:cs="rId4"/>
+            <dgm:relIds xmlns:dgm="http://schemas.openxmlformats.org/drawingml/2006/diagram" xmlns:r="http://schemas.openxmlformats.org/officeDocument/2006/relationships" r:dm="rId3" r:lo="rId4" r:qs="rId5" r:cs="rId6"/>
           </a:graphicData>
         </a:graphic>
       </p:graphicFrame>
@@ -24801,7 +24695,7 @@
             <a:p>
               <a:pPr algn="ctr"/>
               <a:r>
-                <a:rPr lang="en-US" altLang="zh-CN" sz="1200" dirty="0">
+                <a:rPr lang="en-US" altLang="zh-CN" sz="1200" b="1" u="sng" dirty="0">
                   <a:solidFill>
                     <a:schemeClr val="tx1"/>
                   </a:solidFill>
@@ -24810,7 +24704,7 @@
                 </a:rPr>
                 <a:t>Buy/Sell Decision</a:t>
               </a:r>
-              <a:endParaRPr lang="zh-CN" altLang="en-US" sz="1200" dirty="0">
+              <a:endParaRPr lang="zh-CN" altLang="en-US" sz="1200" b="1" u="sng" dirty="0">
                 <a:solidFill>
                   <a:schemeClr val="tx1"/>
                 </a:solidFill>
@@ -25440,13 +25334,6 @@
                 </a:rPr>
                 <a:t>Portfolio</a:t>
               </a:r>
-              <a:endParaRPr lang="en-US" altLang="zh-CN" sz="2400" b="1" dirty="0">
-                <a:solidFill>
-                  <a:schemeClr val="tx1"/>
-                </a:solidFill>
-                <a:latin typeface="Segoe UI" panose="020B0502040204020203" pitchFamily="34" charset="0"/>
-                <a:ea typeface="等线" panose="02010600030101010101" pitchFamily="2" charset="-122"/>
-              </a:endParaRPr>
             </a:p>
           </p:txBody>
         </p:sp>
@@ -25549,10 +25436,6 @@
               </a:rPr>
               <a:t>Sentiment Analysis</a:t>
             </a:r>
-            <a:endParaRPr lang="en-US" dirty="0">
-              <a:latin typeface="Segoe UI" panose="020B0502040204020203" pitchFamily="34" charset="0"/>
-              <a:ea typeface="等线" panose="02010600030101010101" pitchFamily="2" charset="-122"/>
-            </a:endParaRPr>
           </a:p>
         </p:txBody>
       </p:sp>
@@ -25567,7 +25450,7 @@
           </p:nvPr>
         </p:nvPicPr>
         <p:blipFill>
-          <a:blip r:embed="rId1"/>
+          <a:blip r:embed="rId3"/>
           <a:stretch>
             <a:fillRect/>
           </a:stretch>
@@ -25604,190 +25487,188 @@
           </a:bodyPr>
           <a:lstStyle/>
           <a:p>
+            <a:pPr marL="285750" indent="-285750">
+              <a:lnSpc>
+                <a:spcPct val="150000"/>
+              </a:lnSpc>
+              <a:buFont typeface="Arial" panose="020B0604020202020204" pitchFamily="34" charset="0"/>
+              <a:buChar char="•"/>
+            </a:pPr>
             <a:r>
-              <a:rPr lang="zh-CN" altLang="en-US" sz="1400"/>
-              <a:t>DatasetDict({</a:t>
+              <a:rPr lang="en-US" altLang="zh-CN" sz="1400" dirty="0"/>
+              <a:t>T</a:t>
             </a:r>
-            <a:endParaRPr lang="zh-CN" altLang="en-US" sz="1400"/>
+            <a:r>
+              <a:rPr lang="zh-CN" altLang="en-US" sz="1400" dirty="0"/>
+              <a:t>rain: </a:t>
+            </a:r>
+            <a:endParaRPr lang="en-US" altLang="zh-CN" sz="1400" dirty="0"/>
           </a:p>
           <a:p>
+            <a:pPr marL="742950" lvl="1" indent="-285750">
+              <a:lnSpc>
+                <a:spcPct val="150000"/>
+              </a:lnSpc>
+              <a:buFont typeface="Arial" panose="020B0604020202020204" pitchFamily="34" charset="0"/>
+              <a:buChar char="•"/>
+            </a:pPr>
             <a:r>
-              <a:rPr lang="zh-CN" altLang="en-US" sz="1400"/>
-              <a:t>    train: Dataset({</a:t>
+              <a:rPr lang="zh-CN" altLang="en-US" sz="1400" dirty="0"/>
+              <a:t>features: ['text', 'label', 'input_ids', 'token_type_ids', 'attention_mask’],</a:t>
             </a:r>
-            <a:endParaRPr lang="zh-CN" altLang="en-US" sz="1400"/>
+            <a:endParaRPr lang="en-US" altLang="zh-CN" sz="1400" dirty="0"/>
           </a:p>
           <a:p>
+            <a:pPr marL="742950" lvl="1" indent="-285750">
+              <a:lnSpc>
+                <a:spcPct val="150000"/>
+              </a:lnSpc>
+              <a:buFont typeface="Arial" panose="020B0604020202020204" pitchFamily="34" charset="0"/>
+              <a:buChar char="•"/>
+            </a:pPr>
             <a:r>
-              <a:rPr lang="zh-CN" altLang="en-US" sz="1400"/>
-              <a:t>        features: ['text', 'label', 'input_ids', 'token_type_ids', 'attention_mask'],</a:t>
+              <a:rPr lang="en-US" altLang="zh-CN" sz="1400" dirty="0"/>
+              <a:t>Number of rows:</a:t>
             </a:r>
-            <a:endParaRPr lang="zh-CN" altLang="en-US" sz="1400"/>
+            <a:r>
+              <a:rPr lang="zh-CN" altLang="en-US" sz="1400" dirty="0"/>
+              <a:t>: 8925</a:t>
+            </a:r>
           </a:p>
           <a:p>
+            <a:pPr marL="285750" indent="-285750">
+              <a:lnSpc>
+                <a:spcPct val="150000"/>
+              </a:lnSpc>
+              <a:buFont typeface="Arial" panose="020B0604020202020204" pitchFamily="34" charset="0"/>
+              <a:buChar char="•"/>
+            </a:pPr>
             <a:r>
-              <a:rPr lang="zh-CN" altLang="en-US" sz="1400"/>
-              <a:t>        num_rows: 8925</a:t>
+              <a:rPr lang="en-US" altLang="zh-CN" sz="1400" dirty="0"/>
+              <a:t>Test:</a:t>
             </a:r>
-            <a:endParaRPr lang="zh-CN" altLang="en-US" sz="1400"/>
           </a:p>
           <a:p>
+            <a:pPr marL="742950" lvl="1" indent="-285750">
+              <a:lnSpc>
+                <a:spcPct val="150000"/>
+              </a:lnSpc>
+              <a:buFont typeface="Arial" panose="020B0604020202020204" pitchFamily="34" charset="0"/>
+              <a:buChar char="•"/>
+            </a:pPr>
             <a:r>
-              <a:rPr lang="zh-CN" altLang="en-US" sz="1400"/>
-              <a:t>    })</a:t>
+              <a:rPr lang="en-US" altLang="zh-CN" sz="1400" dirty="0"/>
+              <a:t>Number of rows:</a:t>
             </a:r>
-            <a:endParaRPr lang="zh-CN" altLang="en-US" sz="1400"/>
+            <a:r>
+              <a:rPr lang="zh-CN" altLang="en-US" sz="1400" dirty="0"/>
+              <a:t> 2232</a:t>
+            </a:r>
+            <a:endParaRPr lang="en-US" altLang="zh-CN" sz="1400" dirty="0"/>
           </a:p>
           <a:p>
+            <a:pPr marL="285750" indent="-285750">
+              <a:lnSpc>
+                <a:spcPct val="150000"/>
+              </a:lnSpc>
+              <a:buFont typeface="Arial" panose="020B0604020202020204" pitchFamily="34" charset="0"/>
+              <a:buChar char="•"/>
+            </a:pPr>
             <a:r>
-              <a:rPr lang="zh-CN" altLang="en-US" sz="1400"/>
-              <a:t>    validation: Dataset({</a:t>
+              <a:rPr lang="en-US" altLang="zh-CN" sz="1400" dirty="0"/>
+              <a:t>Validation:</a:t>
             </a:r>
-            <a:endParaRPr lang="zh-CN" altLang="en-US" sz="1400"/>
           </a:p>
           <a:p>
+            <a:pPr marL="742950" lvl="1" indent="-285750">
+              <a:lnSpc>
+                <a:spcPct val="150000"/>
+              </a:lnSpc>
+              <a:buFont typeface="Arial" panose="020B0604020202020204" pitchFamily="34" charset="0"/>
+              <a:buChar char="•"/>
+            </a:pPr>
             <a:r>
-              <a:rPr lang="zh-CN" altLang="en-US" sz="1400"/>
-              <a:t>        features: ['text', 'label', 'input_ids', 'token_type_ids', 'attention_mask'],</a:t>
+              <a:rPr lang="en-US" altLang="zh-CN" sz="1400" dirty="0"/>
+              <a:t>Number of rows: 876</a:t>
             </a:r>
-            <a:endParaRPr lang="zh-CN" altLang="en-US" sz="1400"/>
           </a:p>
           <a:p>
+            <a:pPr marL="285750" indent="-285750">
+              <a:lnSpc>
+                <a:spcPct val="150000"/>
+              </a:lnSpc>
+              <a:buFont typeface="Arial" panose="020B0604020202020204" pitchFamily="34" charset="0"/>
+              <a:buChar char="•"/>
+            </a:pPr>
             <a:r>
-              <a:rPr lang="zh-CN" altLang="en-US" sz="1400"/>
-              <a:t>        num_rows: 2232</a:t>
+              <a:rPr lang="en-US" altLang="zh-CN" sz="1400" dirty="0"/>
+              <a:t>Target (post about Tesla for example)</a:t>
             </a:r>
-            <a:endParaRPr lang="zh-CN" altLang="en-US" sz="1400"/>
           </a:p>
           <a:p>
+            <a:pPr marL="742950" lvl="1" indent="-285750">
+              <a:lnSpc>
+                <a:spcPct val="150000"/>
+              </a:lnSpc>
+              <a:buFont typeface="Arial" panose="020B0604020202020204" pitchFamily="34" charset="0"/>
+              <a:buChar char="•"/>
+            </a:pPr>
             <a:r>
-              <a:rPr lang="zh-CN" altLang="en-US" sz="1400"/>
-              <a:t>    })</a:t>
+              <a:rPr lang="en-US" altLang="zh-CN" sz="1400" dirty="0"/>
+              <a:t>Number of rows:</a:t>
             </a:r>
-            <a:endParaRPr lang="zh-CN" altLang="en-US" sz="1400"/>
+            <a:endParaRPr lang="zh-CN" altLang="en-US" sz="1400" dirty="0"/>
           </a:p>
           <a:p>
+            <a:pPr marL="1257300" lvl="2" indent="-342900">
+              <a:lnSpc>
+                <a:spcPct val="150000"/>
+              </a:lnSpc>
+              <a:buFont typeface="+mj-lt"/>
+              <a:buAutoNum type="arabicPeriod"/>
+            </a:pPr>
             <a:r>
-              <a:rPr lang="zh-CN" altLang="en-US" sz="1400"/>
-              <a:t>    test: Dataset({</a:t>
+              <a:rPr lang="en-US" altLang="zh-CN" sz="1400" dirty="0"/>
+              <a:t>Dataset 1</a:t>
             </a:r>
-            <a:endParaRPr lang="zh-CN" altLang="en-US" sz="1400"/>
+            <a:r>
+              <a:rPr lang="zh-CN" altLang="en-US" sz="1400" dirty="0"/>
+              <a:t>: 1123262</a:t>
+            </a:r>
           </a:p>
           <a:p>
+            <a:pPr marL="1257300" lvl="2" indent="-342900">
+              <a:lnSpc>
+                <a:spcPct val="150000"/>
+              </a:lnSpc>
+              <a:buFont typeface="+mj-lt"/>
+              <a:buAutoNum type="arabicPeriod"/>
+            </a:pPr>
             <a:r>
-              <a:rPr lang="zh-CN" altLang="en-US" sz="1400"/>
-              <a:t>        features: ['text', 'label', 'input_ids', 'token_type_ids', 'attention_mask'],</a:t>
+              <a:rPr lang="en-US" altLang="zh-CN" sz="1400" dirty="0"/>
+              <a:t>Dataset 2</a:t>
             </a:r>
-            <a:endParaRPr lang="zh-CN" altLang="en-US" sz="1400"/>
+            <a:r>
+              <a:rPr lang="zh-CN" altLang="en-US" sz="1400" dirty="0"/>
+              <a:t>: 37422</a:t>
+            </a:r>
           </a:p>
           <a:p>
+            <a:pPr marL="1257300" lvl="2" indent="-342900">
+              <a:lnSpc>
+                <a:spcPct val="150000"/>
+              </a:lnSpc>
+              <a:buFont typeface="+mj-lt"/>
+              <a:buAutoNum type="arabicPeriod"/>
+            </a:pPr>
             <a:r>
-              <a:rPr lang="zh-CN" altLang="en-US" sz="1400"/>
-              <a:t>        num_rows: </a:t>
+              <a:rPr lang="en-US" altLang="zh-CN" sz="1400" dirty="0"/>
+              <a:t>Dataset 3</a:t>
             </a:r>
             <a:r>
-              <a:rPr lang="en-US" altLang="zh-CN" sz="1400"/>
-              <a:t>876</a:t>
+              <a:rPr lang="zh-CN" altLang="en-US" sz="1400" dirty="0"/>
+              <a:t>: 60836</a:t>
             </a:r>
-            <a:endParaRPr lang="zh-CN" altLang="en-US" sz="1400"/>
-          </a:p>
-          <a:p>
-            <a:r>
-              <a:rPr lang="zh-CN" altLang="en-US" sz="1400"/>
-              <a:t>    })</a:t>
-            </a:r>
-            <a:endParaRPr lang="zh-CN" altLang="en-US" sz="1400"/>
-          </a:p>
-          <a:p>
-            <a:r>
-              <a:rPr lang="zh-CN" altLang="en-US" sz="1400"/>
-              <a:t>    Tweet_filtered_TSLA: Dataset({</a:t>
-            </a:r>
-            <a:endParaRPr lang="zh-CN" altLang="en-US" sz="1400"/>
-          </a:p>
-          <a:p>
-            <a:r>
-              <a:rPr lang="zh-CN" altLang="en-US" sz="1400"/>
-              <a:t>        features: ['date', 'text', 'stock'],</a:t>
-            </a:r>
-            <a:endParaRPr lang="zh-CN" altLang="en-US" sz="1400"/>
-          </a:p>
-          <a:p>
-            <a:r>
-              <a:rPr lang="zh-CN" altLang="en-US" sz="1400"/>
-              <a:t>        num_rows: 1123262</a:t>
-            </a:r>
-            <a:endParaRPr lang="zh-CN" altLang="en-US" sz="1400"/>
-          </a:p>
-          <a:p>
-            <a:r>
-              <a:rPr lang="zh-CN" altLang="en-US" sz="1400"/>
-              <a:t>    })</a:t>
-            </a:r>
-            <a:endParaRPr lang="zh-CN" altLang="en-US" sz="1400"/>
-          </a:p>
-          <a:p>
-            <a:r>
-              <a:rPr lang="zh-CN" altLang="en-US" sz="1400"/>
-              <a:t>    stock_tweets_filtered_TSLA: Dataset({</a:t>
-            </a:r>
-            <a:endParaRPr lang="zh-CN" altLang="en-US" sz="1400"/>
-          </a:p>
-          <a:p>
-            <a:r>
-              <a:rPr lang="zh-CN" altLang="en-US" sz="1400"/>
-              <a:t>        features: ['date', 'text', 'stock'],</a:t>
-            </a:r>
-            <a:endParaRPr lang="zh-CN" altLang="en-US" sz="1400"/>
-          </a:p>
-          <a:p>
-            <a:r>
-              <a:rPr lang="zh-CN" altLang="en-US" sz="1400"/>
-              <a:t>        num_rows: 37422</a:t>
-            </a:r>
-            <a:endParaRPr lang="zh-CN" altLang="en-US" sz="1400"/>
-          </a:p>
-          <a:p>
-            <a:r>
-              <a:rPr lang="zh-CN" altLang="en-US" sz="1400"/>
-              <a:t>    })</a:t>
-            </a:r>
-            <a:endParaRPr lang="zh-CN" altLang="en-US" sz="1400"/>
-          </a:p>
-          <a:p>
-            <a:r>
-              <a:rPr lang="zh-CN" altLang="en-US" sz="1400"/>
-              <a:t>    tweets_remaining_filtered_TSLA: Dataset({</a:t>
-            </a:r>
-            <a:endParaRPr lang="zh-CN" altLang="en-US" sz="1400"/>
-          </a:p>
-          <a:p>
-            <a:r>
-              <a:rPr lang="zh-CN" altLang="en-US" sz="1400"/>
-              <a:t>        features: ['date', 'text', 'stock'],</a:t>
-            </a:r>
-            <a:endParaRPr lang="zh-CN" altLang="en-US" sz="1400"/>
-          </a:p>
-          <a:p>
-            <a:r>
-              <a:rPr lang="zh-CN" altLang="en-US" sz="1400"/>
-              <a:t>        num_rows: 60836</a:t>
-            </a:r>
-            <a:endParaRPr lang="zh-CN" altLang="en-US" sz="1400"/>
-          </a:p>
-          <a:p>
-            <a:r>
-              <a:rPr lang="zh-CN" altLang="en-US" sz="1400"/>
-              <a:t>    }) </a:t>
-            </a:r>
-            <a:endParaRPr lang="zh-CN" altLang="en-US" sz="1400"/>
-          </a:p>
-          <a:p>
-            <a:r>
-              <a:rPr lang="zh-CN" altLang="en-US" sz="1400"/>
-              <a:t>})</a:t>
-            </a:r>
-            <a:endParaRPr lang="zh-CN" altLang="en-US" sz="1400"/>
           </a:p>
         </p:txBody>
       </p:sp>
@@ -25840,10 +25721,6 @@
               </a:rPr>
               <a:t>Training</a:t>
             </a:r>
-            <a:endParaRPr lang="en-US" dirty="0">
-              <a:latin typeface="Segoe UI" panose="020B0502040204020203" pitchFamily="34" charset="0"/>
-              <a:ea typeface="等线" panose="02010600030101010101" pitchFamily="2" charset="-122"/>
-            </a:endParaRPr>
           </a:p>
         </p:txBody>
       </p:sp>
@@ -25858,7 +25735,7 @@
           </p:nvPr>
         </p:nvPicPr>
         <p:blipFill>
-          <a:blip r:embed="rId1"/>
+          <a:blip r:embed="rId3"/>
           <a:stretch>
             <a:fillRect/>
           </a:stretch>
@@ -25882,7 +25759,7 @@
           <p:nvPr/>
         </p:nvPicPr>
         <p:blipFill>
-          <a:blip r:embed="rId2"/>
+          <a:blip r:embed="rId4"/>
           <a:stretch>
             <a:fillRect/>
           </a:stretch>
@@ -25941,7 +25818,6 @@
               <a:rPr lang="en-US" altLang="zh-CN" dirty="0"/>
               <a:t>Testing</a:t>
             </a:r>
-            <a:endParaRPr lang="en-US" altLang="zh-CN" dirty="0"/>
           </a:p>
         </p:txBody>
       </p:sp>
@@ -25956,7 +25832,7 @@
           </p:nvPr>
         </p:nvPicPr>
         <p:blipFill>
-          <a:blip r:embed="rId1"/>
+          <a:blip r:embed="rId3"/>
           <a:stretch>
             <a:fillRect/>
           </a:stretch>
@@ -25977,13 +25853,18 @@
           <p:cNvGraphicFramePr/>
           <p:nvPr>
             <p:custDataLst>
-              <p:tags r:id="rId2"/>
+              <p:tags r:id="rId1"/>
             </p:custDataLst>
+            <p:extLst>
+              <p:ext uri="{D42A27DB-BD31-4B8C-83A1-F6EECF244321}">
+                <p14:modId xmlns:p14="http://schemas.microsoft.com/office/powerpoint/2010/main" val="1397778471"/>
+              </p:ext>
+            </p:extLst>
           </p:nvPr>
         </p:nvGraphicFramePr>
         <p:xfrm>
           <a:off x="2328545" y="4079875"/>
-          <a:ext cx="9067800" cy="2487930"/>
+          <a:ext cx="7556500" cy="1379220"/>
         </p:xfrm>
         <a:graphic>
           <a:graphicData uri="http://schemas.openxmlformats.org/drawingml/2006/table">
@@ -25992,491 +25873,293 @@
                 <a:tableStyleId>{925E4801-1C38-4D77-9120-7DF1187F9086}</a:tableStyleId>
               </a:tblPr>
               <a:tblGrid>
-                <a:gridCol w="1865630"/>
-                <a:gridCol w="1156970"/>
-                <a:gridCol w="1511300"/>
-                <a:gridCol w="1511300"/>
-                <a:gridCol w="1511300"/>
+                <a:gridCol w="1865630">
+                  <a:extLst>
+                    <a:ext uri="{9D8B030D-6E8A-4147-A177-3AD203B41FA5}">
+                      <a16:colId xmlns:a16="http://schemas.microsoft.com/office/drawing/2014/main" val="20000"/>
+                    </a:ext>
+                  </a:extLst>
+                </a:gridCol>
+                <a:gridCol w="1156970">
+                  <a:extLst>
+                    <a:ext uri="{9D8B030D-6E8A-4147-A177-3AD203B41FA5}">
+                      <a16:colId xmlns:a16="http://schemas.microsoft.com/office/drawing/2014/main" val="20001"/>
+                    </a:ext>
+                  </a:extLst>
+                </a:gridCol>
+                <a:gridCol w="1511300">
+                  <a:extLst>
+                    <a:ext uri="{9D8B030D-6E8A-4147-A177-3AD203B41FA5}">
+                      <a16:colId xmlns:a16="http://schemas.microsoft.com/office/drawing/2014/main" val="20002"/>
+                    </a:ext>
+                  </a:extLst>
+                </a:gridCol>
+                <a:gridCol w="1511300">
+                  <a:extLst>
+                    <a:ext uri="{9D8B030D-6E8A-4147-A177-3AD203B41FA5}">
+                      <a16:colId xmlns:a16="http://schemas.microsoft.com/office/drawing/2014/main" val="20003"/>
+                    </a:ext>
+                  </a:extLst>
+                </a:gridCol>
+                <a:gridCol w="1511300">
+                  <a:extLst>
+                    <a:ext uri="{9D8B030D-6E8A-4147-A177-3AD203B41FA5}">
+                      <a16:colId xmlns:a16="http://schemas.microsoft.com/office/drawing/2014/main" val="20004"/>
+                    </a:ext>
+                  </a:extLst>
+                </a:gridCol>
               </a:tblGrid>
               <a:tr h="369570">
                 <a:tc>
                   <a:txBody>
                     <a:bodyPr/>
+                    <a:lstStyle/>
                     <a:p>
-                      <a:pPr>
+                      <a:pPr algn="ctr">
                         <a:buNone/>
                       </a:pPr>
-                      <a:endParaRPr lang="zh-CN" altLang="en-US"/>
+                      <a:endParaRPr lang="zh-CN" altLang="en-US" dirty="0"/>
                     </a:p>
                   </a:txBody>
-                  <a:tcPr/>
+                  <a:tcPr anchor="ctr"/>
                 </a:tc>
                 <a:tc>
                   <a:txBody>
                     <a:bodyPr/>
+                    <a:lstStyle/>
                     <a:p>
-                      <a:pPr>
+                      <a:pPr algn="ctr">
                         <a:buNone/>
                       </a:pPr>
                       <a:r>
-                        <a:rPr lang="en-US" altLang="zh-CN"/>
-                        <a:t>precision</a:t>
+                        <a:rPr lang="en-US" altLang="zh-CN" dirty="0"/>
+                        <a:t>Precision</a:t>
                       </a:r>
-                      <a:endParaRPr lang="en-US" altLang="zh-CN"/>
                     </a:p>
                   </a:txBody>
-                  <a:tcPr/>
+                  <a:tcPr anchor="ctr"/>
                 </a:tc>
                 <a:tc>
                   <a:txBody>
                     <a:bodyPr/>
+                    <a:lstStyle/>
                     <a:p>
-                      <a:pPr>
+                      <a:pPr algn="ctr">
                         <a:buNone/>
                       </a:pPr>
                       <a:r>
-                        <a:rPr lang="en-US" altLang="zh-CN"/>
-                        <a:t>recall</a:t>
+                        <a:rPr lang="en-US" altLang="zh-CN" dirty="0"/>
+                        <a:t>Recall</a:t>
                       </a:r>
-                      <a:endParaRPr lang="en-US" altLang="zh-CN"/>
                     </a:p>
                   </a:txBody>
-                  <a:tcPr/>
+                  <a:tcPr anchor="ctr"/>
                 </a:tc>
                 <a:tc>
                   <a:txBody>
                     <a:bodyPr/>
+                    <a:lstStyle/>
                     <a:p>
-                      <a:pPr>
+                      <a:pPr algn="ctr">
                         <a:buNone/>
                       </a:pPr>
                       <a:r>
-                        <a:rPr lang="en-US" altLang="zh-CN"/>
-                        <a:t>f1-score</a:t>
+                        <a:rPr lang="en-US" altLang="zh-CN" dirty="0"/>
+                        <a:t>F1-score</a:t>
                       </a:r>
-                      <a:endParaRPr lang="en-US" altLang="zh-CN"/>
                     </a:p>
                   </a:txBody>
-                  <a:tcPr/>
+                  <a:tcPr anchor="ctr"/>
                 </a:tc>
                 <a:tc>
                   <a:txBody>
                     <a:bodyPr/>
+                    <a:lstStyle/>
                     <a:p>
-                      <a:pPr>
+                      <a:pPr algn="ctr">
                         <a:buNone/>
                       </a:pPr>
                       <a:r>
-                        <a:rPr lang="en-US" altLang="zh-CN"/>
-                        <a:t>support</a:t>
+                        <a:rPr lang="en-US" altLang="zh-CN" dirty="0"/>
+                        <a:t>Support</a:t>
                       </a:r>
-                      <a:endParaRPr lang="en-US" altLang="zh-CN"/>
                     </a:p>
                   </a:txBody>
-                  <a:tcPr/>
+                  <a:tcPr anchor="ctr"/>
                 </a:tc>
+                <a:extLst>
+                  <a:ext uri="{0D108BD9-81ED-4DB2-BD59-A6C34878D82A}">
+                    <a16:rowId xmlns:a16="http://schemas.microsoft.com/office/drawing/2014/main" val="10000"/>
+                  </a:ext>
+                </a:extLst>
               </a:tr>
               <a:tr h="369570">
                 <a:tc>
                   <a:txBody>
                     <a:bodyPr/>
+                    <a:lstStyle/>
                     <a:p>
-                      <a:pPr>
+                      <a:pPr algn="ctr">
                         <a:buNone/>
                       </a:pPr>
                       <a:r>
-                        <a:rPr lang="en-US" altLang="zh-CN"/>
-                        <a:t>0</a:t>
+                        <a:rPr lang="en-US" altLang="zh-CN" dirty="0"/>
+                        <a:t>Accuracy</a:t>
                       </a:r>
-                      <a:endParaRPr lang="en-US" altLang="zh-CN"/>
                     </a:p>
                   </a:txBody>
-                  <a:tcPr/>
+                  <a:tcPr anchor="ctr"/>
                 </a:tc>
                 <a:tc>
                   <a:txBody>
                     <a:bodyPr/>
+                    <a:lstStyle/>
                     <a:p>
-                      <a:pPr>
+                      <a:pPr algn="ctr">
                         <a:buNone/>
                       </a:pPr>
-                      <a:r>
-                        <a:rPr lang="en-US" altLang="zh-CN"/>
-                        <a:t>0.74</a:t>
-                      </a:r>
-                      <a:endParaRPr lang="en-US" altLang="zh-CN"/>
+                      <a:endParaRPr lang="zh-CN" altLang="en-US" dirty="0"/>
                     </a:p>
                   </a:txBody>
-                  <a:tcPr/>
+                  <a:tcPr anchor="ctr"/>
                 </a:tc>
                 <a:tc>
                   <a:txBody>
                     <a:bodyPr/>
+                    <a:lstStyle/>
                     <a:p>
-                      <a:pPr>
+                      <a:pPr algn="ctr">
                         <a:buNone/>
                       </a:pPr>
-                      <a:r>
-                        <a:rPr lang="en-US" altLang="zh-CN"/>
-                        <a:t>0.6</a:t>
-                      </a:r>
-                      <a:endParaRPr lang="en-US" altLang="zh-CN"/>
+                      <a:endParaRPr lang="en-US" altLang="zh-CN" dirty="0"/>
                     </a:p>
                   </a:txBody>
-                  <a:tcPr/>
+                  <a:tcPr anchor="ctr"/>
                 </a:tc>
                 <a:tc>
                   <a:txBody>
                     <a:bodyPr/>
+                    <a:lstStyle/>
                     <a:p>
-                      <a:pPr>
-                        <a:buNone/>
-                      </a:pPr>
-                      <a:r>
-                        <a:rPr lang="en-US" altLang="zh-CN"/>
-                        <a:t>0.70</a:t>
-                      </a:r>
-                      <a:endParaRPr lang="en-US" altLang="zh-CN"/>
-                    </a:p>
-                  </a:txBody>
-                  <a:tcPr/>
-                </a:tc>
-                <a:tc>
-                  <a:txBody>
-                    <a:bodyPr/>
-                    <a:p>
-                      <a:pPr>
-                        <a:buNone/>
-                      </a:pPr>
-                      <a:r>
-                        <a:rPr lang="en-US" altLang="zh-CN"/>
-                        <a:t>348</a:t>
-                      </a:r>
-                      <a:endParaRPr lang="en-US" altLang="zh-CN"/>
-                    </a:p>
-                  </a:txBody>
-                  <a:tcPr/>
-                </a:tc>
-              </a:tr>
-              <a:tr h="369570">
-                <a:tc>
-                  <a:txBody>
-                    <a:bodyPr/>
-                    <a:p>
-                      <a:pPr>
-                        <a:buNone/>
-                      </a:pPr>
-                      <a:r>
-                        <a:rPr lang="en-US" altLang="zh-CN"/>
-                        <a:t>1</a:t>
-                      </a:r>
-                      <a:endParaRPr lang="en-US" altLang="zh-CN"/>
-                    </a:p>
-                  </a:txBody>
-                  <a:tcPr/>
-                </a:tc>
-                <a:tc>
-                  <a:txBody>
-                    <a:bodyPr/>
-                    <a:p>
-                      <a:pPr>
-                        <a:buNone/>
-                      </a:pPr>
-                      <a:r>
-                        <a:rPr lang="en-US" altLang="zh-CN"/>
-                        <a:t>0.77</a:t>
-                      </a:r>
-                      <a:endParaRPr lang="en-US" altLang="zh-CN"/>
-                    </a:p>
-                  </a:txBody>
-                  <a:tcPr/>
-                </a:tc>
-                <a:tc>
-                  <a:txBody>
-                    <a:bodyPr/>
-                    <a:p>
-                      <a:pPr>
-                        <a:buNone/>
-                      </a:pPr>
-                      <a:r>
-                        <a:rPr lang="en-US" altLang="zh-CN"/>
-                        <a:t>0.86</a:t>
-                      </a:r>
-                      <a:endParaRPr lang="en-US" altLang="zh-CN"/>
-                    </a:p>
-                  </a:txBody>
-                  <a:tcPr/>
-                </a:tc>
-                <a:tc>
-                  <a:txBody>
-                    <a:bodyPr/>
-                    <a:p>
-                      <a:pPr>
-                        <a:buNone/>
-                      </a:pPr>
-                      <a:r>
-                        <a:rPr lang="en-US" altLang="zh-CN"/>
-                        <a:t>0.81</a:t>
-                      </a:r>
-                      <a:endParaRPr lang="en-US" altLang="zh-CN"/>
-                    </a:p>
-                  </a:txBody>
-                  <a:tcPr/>
-                </a:tc>
-                <a:tc>
-                  <a:txBody>
-                    <a:bodyPr/>
-                    <a:p>
-                      <a:pPr>
-                        <a:buNone/>
-                      </a:pPr>
-                      <a:r>
-                        <a:rPr lang="en-US" altLang="zh-CN"/>
-                        <a:t>528</a:t>
-                      </a:r>
-                      <a:endParaRPr lang="en-US" altLang="zh-CN"/>
-                    </a:p>
-                  </a:txBody>
-                  <a:tcPr/>
-                </a:tc>
-              </a:tr>
-              <a:tr h="369570">
-                <a:tc>
-                  <a:txBody>
-                    <a:bodyPr/>
-                    <a:p>
-                      <a:pPr>
-                        <a:buNone/>
-                      </a:pPr>
-                      <a:r>
-                        <a:rPr lang="en-US" altLang="zh-CN"/>
-                        <a:t>accuracy</a:t>
-                      </a:r>
-                      <a:endParaRPr lang="en-US" altLang="zh-CN"/>
-                    </a:p>
-                  </a:txBody>
-                  <a:tcPr/>
-                </a:tc>
-                <a:tc>
-                  <a:txBody>
-                    <a:bodyPr/>
-                    <a:p>
-                      <a:pPr>
-                        <a:buNone/>
-                      </a:pPr>
-                      <a:endParaRPr lang="zh-CN" altLang="en-US"/>
-                    </a:p>
-                  </a:txBody>
-                  <a:tcPr/>
-                </a:tc>
-                <a:tc>
-                  <a:txBody>
-                    <a:bodyPr/>
-                    <a:p>
-                      <a:pPr>
-                        <a:buNone/>
-                      </a:pPr>
-                      <a:endParaRPr lang="en-US" altLang="zh-CN"/>
-                    </a:p>
-                  </a:txBody>
-                  <a:tcPr/>
-                </a:tc>
-                <a:tc>
-                  <a:txBody>
-                    <a:bodyPr/>
-                    <a:p>
-                      <a:pPr>
+                      <a:pPr algn="ctr">
                         <a:buNone/>
                       </a:pPr>
                       <a:r>
                         <a:rPr lang="en-US" altLang="zh-CN"/>
                         <a:t>0.76</a:t>
                       </a:r>
-                      <a:endParaRPr lang="en-US" altLang="zh-CN"/>
                     </a:p>
                   </a:txBody>
-                  <a:tcPr/>
+                  <a:tcPr anchor="ctr"/>
                 </a:tc>
                 <a:tc>
                   <a:txBody>
                     <a:bodyPr/>
+                    <a:lstStyle/>
                     <a:p>
-                      <a:pPr>
+                      <a:pPr algn="ctr">
                         <a:buNone/>
                       </a:pPr>
                       <a:r>
-                        <a:rPr lang="en-US" altLang="zh-CN"/>
+                        <a:rPr lang="en-US" altLang="zh-CN" dirty="0"/>
                         <a:t>876</a:t>
                       </a:r>
-                      <a:endParaRPr lang="en-US" altLang="zh-CN"/>
                     </a:p>
                   </a:txBody>
-                  <a:tcPr/>
+                  <a:tcPr anchor="ctr"/>
                 </a:tc>
-              </a:tr>
-              <a:tr h="369570">
-                <a:tc>
-                  <a:txBody>
-                    <a:bodyPr/>
-                    <a:p>
-                      <a:pPr>
-                        <a:buNone/>
-                      </a:pPr>
-                      <a:r>
-                        <a:rPr lang="en-US" altLang="zh-CN"/>
-                        <a:t>macro avg</a:t>
-                      </a:r>
-                      <a:endParaRPr lang="en-US" altLang="zh-CN"/>
-                    </a:p>
-                  </a:txBody>
-                  <a:tcPr/>
-                </a:tc>
-                <a:tc>
-                  <a:txBody>
-                    <a:bodyPr/>
-                    <a:p>
-                      <a:pPr>
-                        <a:buNone/>
-                      </a:pPr>
-                      <a:r>
-                        <a:rPr lang="en-US" altLang="zh-CN"/>
-                        <a:t>0.75</a:t>
-                      </a:r>
-                      <a:endParaRPr lang="en-US" altLang="zh-CN"/>
-                    </a:p>
-                  </a:txBody>
-                  <a:tcPr/>
-                </a:tc>
-                <a:tc>
-                  <a:txBody>
-                    <a:bodyPr/>
-                    <a:p>
-                      <a:pPr>
-                        <a:buNone/>
-                      </a:pPr>
-                      <a:r>
-                        <a:rPr lang="en-US" altLang="zh-CN"/>
-                        <a:t>0.73</a:t>
-                      </a:r>
-                      <a:endParaRPr lang="en-US" altLang="zh-CN"/>
-                    </a:p>
-                  </a:txBody>
-                  <a:tcPr/>
-                </a:tc>
-                <a:tc>
-                  <a:txBody>
-                    <a:bodyPr/>
-                    <a:p>
-                      <a:pPr>
-                        <a:buNone/>
-                      </a:pPr>
-                      <a:r>
-                        <a:rPr lang="en-US" altLang="zh-CN"/>
-                        <a:t>0.74</a:t>
-                      </a:r>
-                      <a:endParaRPr lang="en-US" altLang="zh-CN"/>
-                    </a:p>
-                  </a:txBody>
-                  <a:tcPr/>
-                </a:tc>
-                <a:tc>
-                  <a:txBody>
-                    <a:bodyPr/>
-                    <a:p>
-                      <a:pPr>
-                        <a:buNone/>
-                      </a:pPr>
-                      <a:r>
-                        <a:rPr lang="en-US" altLang="zh-CN"/>
-                        <a:t>876</a:t>
-                      </a:r>
-                      <a:endParaRPr lang="en-US" altLang="zh-CN"/>
-                    </a:p>
-                  </a:txBody>
-                  <a:tcPr/>
-                </a:tc>
+                <a:extLst>
+                  <a:ext uri="{0D108BD9-81ED-4DB2-BD59-A6C34878D82A}">
+                    <a16:rowId xmlns:a16="http://schemas.microsoft.com/office/drawing/2014/main" val="10003"/>
+                  </a:ext>
+                </a:extLst>
               </a:tr>
               <a:tr h="640080">
                 <a:tc>
                   <a:txBody>
                     <a:bodyPr/>
+                    <a:lstStyle/>
                     <a:p>
-                      <a:pPr>
+                      <a:pPr algn="ctr">
                         <a:buNone/>
                       </a:pPr>
                       <a:r>
-                        <a:rPr lang="en-US" altLang="zh-CN"/>
-                        <a:t>weighted avg</a:t>
+                        <a:rPr lang="en-US" altLang="zh-CN" dirty="0"/>
+                        <a:t>Weighted avg</a:t>
                       </a:r>
-                      <a:endParaRPr lang="en-US" altLang="zh-CN"/>
                     </a:p>
                   </a:txBody>
-                  <a:tcPr/>
+                  <a:tcPr anchor="ctr"/>
                 </a:tc>
                 <a:tc>
                   <a:txBody>
                     <a:bodyPr/>
+                    <a:lstStyle/>
                     <a:p>
-                      <a:pPr>
+                      <a:pPr algn="ctr">
                         <a:buNone/>
                       </a:pPr>
                       <a:r>
                         <a:rPr lang="en-US" altLang="zh-CN"/>
                         <a:t>0.76</a:t>
                       </a:r>
-                      <a:endParaRPr lang="en-US" altLang="zh-CN"/>
                     </a:p>
                   </a:txBody>
-                  <a:tcPr/>
+                  <a:tcPr anchor="ctr"/>
                 </a:tc>
                 <a:tc>
                   <a:txBody>
                     <a:bodyPr/>
+                    <a:lstStyle/>
                     <a:p>
-                      <a:pPr>
+                      <a:pPr algn="ctr">
                         <a:buNone/>
                       </a:pPr>
                       <a:r>
-                        <a:rPr lang="en-US" altLang="zh-CN"/>
+                        <a:rPr lang="en-US" altLang="zh-CN" dirty="0"/>
                         <a:t>0.76</a:t>
                       </a:r>
-                      <a:endParaRPr lang="en-US" altLang="zh-CN"/>
                     </a:p>
                   </a:txBody>
-                  <a:tcPr/>
+                  <a:tcPr anchor="ctr"/>
                 </a:tc>
                 <a:tc>
                   <a:txBody>
                     <a:bodyPr/>
+                    <a:lstStyle/>
                     <a:p>
-                      <a:pPr>
+                      <a:pPr algn="ctr">
                         <a:buNone/>
                       </a:pPr>
                       <a:r>
-                        <a:rPr lang="en-US" altLang="zh-CN"/>
+                        <a:rPr lang="en-US" altLang="zh-CN" dirty="0"/>
                         <a:t>0.75</a:t>
                       </a:r>
-                      <a:endParaRPr lang="en-US" altLang="zh-CN"/>
                     </a:p>
                   </a:txBody>
-                  <a:tcPr/>
+                  <a:tcPr anchor="ctr"/>
                 </a:tc>
                 <a:tc>
                   <a:txBody>
                     <a:bodyPr/>
+                    <a:lstStyle/>
                     <a:p>
-                      <a:pPr>
+                      <a:pPr algn="ctr">
                         <a:buNone/>
                       </a:pPr>
                       <a:r>
-                        <a:rPr lang="en-US" altLang="zh-CN"/>
+                        <a:rPr lang="en-US" altLang="zh-CN" dirty="0"/>
                         <a:t>876</a:t>
                       </a:r>
-                      <a:endParaRPr lang="en-US" altLang="zh-CN"/>
                     </a:p>
                   </a:txBody>
-                  <a:tcPr/>
+                  <a:tcPr anchor="ctr"/>
                 </a:tc>
+                <a:extLst>
+                  <a:ext uri="{0D108BD9-81ED-4DB2-BD59-A6C34878D82A}">
+                    <a16:rowId xmlns:a16="http://schemas.microsoft.com/office/drawing/2014/main" val="10005"/>
+                  </a:ext>
+                </a:extLst>
               </a:tr>
             </a:tbl>
           </a:graphicData>
@@ -26527,7 +26210,6 @@
               <a:rPr lang="en-US" altLang="zh-CN"/>
               <a:t>Predictions</a:t>
             </a:r>
-            <a:endParaRPr lang="en-US" altLang="zh-CN"/>
           </a:p>
         </p:txBody>
       </p:sp>
@@ -26542,7 +26224,7 @@
           </p:nvPr>
         </p:nvPicPr>
         <p:blipFill>
-          <a:blip r:embed="rId1"/>
+          <a:blip r:embed="rId2"/>
           <a:stretch>
             <a:fillRect/>
           </a:stretch>
@@ -26566,22 +26248,16 @@
 </file>
 
 <file path=ppt/tags/tag1.xml><?xml version="1.0" encoding="utf-8"?>
-<p:tagLst xmlns:p="http://schemas.openxmlformats.org/presentationml/2006/main">
-  <p:tag name="TABLE_ENDDRAG_ORIGIN_RECT" val="713*194"/>
-  <p:tag name="TABLE_ENDDRAG_RECT" val="101*201*713*194"/>
-  <p:tag name="KSO_WM_BEAUTIFY_FLAG" val=""/>
+<p:tagLst xmlns:a="http://schemas.openxmlformats.org/drawingml/2006/main" xmlns:r="http://schemas.openxmlformats.org/officeDocument/2006/relationships" xmlns:p="http://schemas.openxmlformats.org/presentationml/2006/main">
+  <p:tag name="COMMONDATA" val="eyJoZGlkIjoiMzkwM2U4OGUzOWY2ZWQxMGZiY2Y1MDM2MWJjNmZmMmMifQ=="/>
 </p:tagLst>
 </file>
 
 <file path=ppt/tags/tag2.xml><?xml version="1.0" encoding="utf-8"?>
-<p:tagLst xmlns:p="http://schemas.openxmlformats.org/presentationml/2006/main">
+<p:tagLst xmlns:a="http://schemas.openxmlformats.org/drawingml/2006/main" xmlns:r="http://schemas.openxmlformats.org/officeDocument/2006/relationships" xmlns:p="http://schemas.openxmlformats.org/presentationml/2006/main">
+  <p:tag name="TABLE_ENDDRAG_ORIGIN_RECT" val="713*194"/>
+  <p:tag name="TABLE_ENDDRAG_RECT" val="101*201*713*194"/>
   <p:tag name="KSO_WM_BEAUTIFY_FLAG" val=""/>
-</p:tagLst>
-</file>
-
-<file path=ppt/tags/tag3.xml><?xml version="1.0" encoding="utf-8"?>
-<p:tagLst xmlns:p="http://schemas.openxmlformats.org/presentationml/2006/main">
-  <p:tag name="COMMONDATA" val="eyJoZGlkIjoiMzkwM2U4OGUzOWY2ZWQxMGZiY2Y1MDM2MWJjNmZmMmMifQ=="/>
 </p:tagLst>
 </file>
 
@@ -26776,6 +26452,8 @@
       </a:bgFillStyleLst>
     </a:fmtScheme>
   </a:themeElements>
+  <a:objectDefaults/>
+  <a:extraClrSchemeLst/>
   <a:extLst>
     <a:ext uri="{05A4C25C-085E-4340-85A3-A5531E510DB2}">
       <thm15:themeFamily xmlns:thm15="http://schemas.microsoft.com/office/thememl/2012/main" name="Office Theme" id="{62F939B6-93AF-4DB8-9C6B-D6C7DFDC589F}" vid="{4A3C46E8-61CC-4603-A589-7422A47A8E4A}"/>
@@ -27035,6 +26713,8 @@
       </a:bgFillStyleLst>
     </a:fmtScheme>
   </a:themeElements>
+  <a:objectDefaults/>
+  <a:extraClrSchemeLst/>
   <a:extLst>
     <a:ext uri="{05A4C25C-085E-4340-85A3-A5531E510DB2}">
       <thm15:themeFamily xmlns:thm15="http://schemas.microsoft.com/office/thememl/2012/main" name="Office Theme" id="{62F939B6-93AF-4DB8-9C6B-D6C7DFDC589F}" vid="{4A3C46E8-61CC-4603-A589-7422A47A8E4A}"/>
